--- a/report/2020後期/2020_2nd_sugiyama.pptx
+++ b/report/2020後期/2020_2nd_sugiyama.pptx
@@ -5,7 +5,7 @@
     <p:sldMasterId id="2147483672" r:id="rId1"/>
   </p:sldMasterIdLst>
   <p:notesMasterIdLst>
-    <p:notesMasterId r:id="rId17"/>
+    <p:notesMasterId r:id="rId19"/>
   </p:notesMasterIdLst>
   <p:sldIdLst>
     <p:sldId id="256" r:id="rId2"/>
@@ -17,12 +17,14 @@
     <p:sldId id="263" r:id="rId8"/>
     <p:sldId id="262" r:id="rId9"/>
     <p:sldId id="264" r:id="rId10"/>
-    <p:sldId id="265" r:id="rId11"/>
-    <p:sldId id="267" r:id="rId12"/>
-    <p:sldId id="266" r:id="rId13"/>
-    <p:sldId id="268" r:id="rId14"/>
-    <p:sldId id="270" r:id="rId15"/>
-    <p:sldId id="269" r:id="rId16"/>
+    <p:sldId id="271" r:id="rId11"/>
+    <p:sldId id="272" r:id="rId12"/>
+    <p:sldId id="265" r:id="rId13"/>
+    <p:sldId id="267" r:id="rId14"/>
+    <p:sldId id="266" r:id="rId15"/>
+    <p:sldId id="268" r:id="rId16"/>
+    <p:sldId id="270" r:id="rId17"/>
+    <p:sldId id="269" r:id="rId18"/>
   </p:sldIdLst>
   <p:sldSz cx="9144000" cy="6858000" type="screen4x3"/>
   <p:notesSz cx="6858000" cy="9144000"/>
@@ -143,6 +145,8 @@
             <p14:sldId id="263"/>
             <p14:sldId id="262"/>
             <p14:sldId id="264"/>
+            <p14:sldId id="271"/>
+            <p14:sldId id="272"/>
             <p14:sldId id="265"/>
           </p14:sldIdLst>
         </p14:section>
@@ -4722,7 +4726,7 @@
           <p:cNvPr id="2" name="タイトル 1">
             <a:extLst>
               <a:ext uri="{FF2B5EF4-FFF2-40B4-BE49-F238E27FC236}">
-                <a16:creationId xmlns:a16="http://schemas.microsoft.com/office/drawing/2014/main" id="{CC7D0895-3766-4D08-B520-FA861FE45408}"/>
+                <a16:creationId xmlns:a16="http://schemas.microsoft.com/office/drawing/2014/main" id="{7E5BB624-BE56-4867-9585-F357CD4FE919}"/>
               </a:ext>
             </a:extLst>
           </p:cNvPr>
@@ -4733,16 +4737,23 @@
             <p:ph type="title"/>
           </p:nvPr>
         </p:nvSpPr>
-        <p:spPr/>
-        <p:txBody>
-          <a:bodyPr/>
-          <a:lstStyle/>
-          <a:p>
-            <a:r>
-              <a:rPr kumimoji="1" lang="en-US" altLang="ja-JP" dirty="0" err="1"/>
-              <a:t>Geneti</a:t>
-            </a:r>
-            <a:endParaRPr kumimoji="1" lang="ja-JP" altLang="en-US" dirty="0"/>
+        <p:spPr>
+          <a:xfrm>
+            <a:off x="706581" y="231067"/>
+            <a:ext cx="8093469" cy="1026234"/>
+          </a:xfrm>
+        </p:spPr>
+        <p:txBody>
+          <a:bodyPr>
+            <a:noAutofit/>
+          </a:bodyPr>
+          <a:lstStyle/>
+          <a:p>
+            <a:r>
+              <a:rPr lang="en-US" altLang="ja-JP" sz="3600" dirty="0"/>
+              <a:t>Differentiable Architecture Search</a:t>
+            </a:r>
+            <a:endParaRPr kumimoji="1" lang="ja-JP" altLang="en-US" sz="3600" dirty="0"/>
           </a:p>
         </p:txBody>
       </p:sp>
@@ -4751,7 +4762,7 @@
           <p:cNvPr id="3" name="コンテンツ プレースホルダー 2">
             <a:extLst>
               <a:ext uri="{FF2B5EF4-FFF2-40B4-BE49-F238E27FC236}">
-                <a16:creationId xmlns:a16="http://schemas.microsoft.com/office/drawing/2014/main" id="{967C35AA-F762-4704-A5C9-DCB23C77A97E}"/>
+                <a16:creationId xmlns:a16="http://schemas.microsoft.com/office/drawing/2014/main" id="{D5F8401B-29A8-461B-9A1D-E98E8F2DFFAB}"/>
               </a:ext>
             </a:extLst>
           </p:cNvPr>
@@ -4768,12 +4779,41 @@
           <a:lstStyle/>
           <a:p>
             <a:r>
-              <a:rPr kumimoji="1" lang="ja-JP" altLang="en-US" dirty="0"/>
-              <a:t>説明</a:t>
-            </a:r>
-            <a:endParaRPr kumimoji="1" lang="en-US" altLang="ja-JP" dirty="0"/>
-          </a:p>
-          <a:p>
+              <a:rPr lang="ja-JP" altLang="en-US" dirty="0"/>
+              <a:t>離散的なアーキテクチャ探索空間に強化学習を適用した</a:t>
+            </a:r>
+            <a:r>
+              <a:rPr lang="en-US" altLang="ja-JP" dirty="0"/>
+              <a:t>NAS</a:t>
+            </a:r>
+            <a:r>
+              <a:rPr lang="ja-JP" altLang="en-US" dirty="0"/>
+              <a:t>とは異なり</a:t>
+            </a:r>
+            <a:r>
+              <a:rPr lang="en-US" altLang="ja-JP" dirty="0"/>
+              <a:t>,</a:t>
+            </a:r>
+          </a:p>
+          <a:p>
+            <a:r>
+              <a:rPr lang="ja-JP" altLang="en-US" dirty="0"/>
+              <a:t>微分可能な方法で定式化し</a:t>
+            </a:r>
+            <a:r>
+              <a:rPr lang="en-US" altLang="ja-JP" dirty="0"/>
+              <a:t>,</a:t>
+            </a:r>
+          </a:p>
+          <a:p>
+            <a:r>
+              <a:rPr lang="ja-JP" altLang="en-US" dirty="0"/>
+              <a:t>偏微分による勾配降下法を使用してアーキテクチャを効率的に探索する手法である</a:t>
+            </a:r>
+            <a:r>
+              <a:rPr lang="en-US" altLang="ja-JP" dirty="0"/>
+              <a:t>.</a:t>
+            </a:r>
             <a:endParaRPr kumimoji="1" lang="ja-JP" altLang="en-US" dirty="0"/>
           </a:p>
         </p:txBody>
@@ -4783,7 +4823,7 @@
           <p:cNvPr id="4" name="スライド番号プレースホルダー 3">
             <a:extLst>
               <a:ext uri="{FF2B5EF4-FFF2-40B4-BE49-F238E27FC236}">
-                <a16:creationId xmlns:a16="http://schemas.microsoft.com/office/drawing/2014/main" id="{4AF181D3-7262-47C2-8302-F138D11F0ACB}"/>
+                <a16:creationId xmlns:a16="http://schemas.microsoft.com/office/drawing/2014/main" id="{91DE9D33-9930-42E5-848C-6F9826B1D290}"/>
               </a:ext>
             </a:extLst>
           </p:cNvPr>
@@ -4810,7 +4850,7 @@
     </p:spTree>
     <p:extLst>
       <p:ext uri="{BB962C8B-B14F-4D97-AF65-F5344CB8AC3E}">
-        <p14:creationId xmlns:p14="http://schemas.microsoft.com/office/powerpoint/2010/main" val="3558382195"/>
+        <p14:creationId xmlns:p14="http://schemas.microsoft.com/office/powerpoint/2010/main" val="2608416085"/>
       </p:ext>
     </p:extLst>
   </p:cSld>
@@ -4842,7 +4882,7 @@
           <p:cNvPr id="2" name="タイトル 1">
             <a:extLst>
               <a:ext uri="{FF2B5EF4-FFF2-40B4-BE49-F238E27FC236}">
-                <a16:creationId xmlns:a16="http://schemas.microsoft.com/office/drawing/2014/main" id="{99A71CDC-97C2-465F-8B9B-AE9D55104F50}"/>
+                <a16:creationId xmlns:a16="http://schemas.microsoft.com/office/drawing/2014/main" id="{7E5BB624-BE56-4867-9585-F357CD4FE919}"/>
               </a:ext>
             </a:extLst>
           </p:cNvPr>
@@ -4853,15 +4893,23 @@
             <p:ph type="title"/>
           </p:nvPr>
         </p:nvSpPr>
-        <p:spPr/>
-        <p:txBody>
-          <a:bodyPr/>
-          <a:lstStyle/>
-          <a:p>
-            <a:r>
-              <a:rPr kumimoji="1" lang="ja-JP" altLang="en-US" dirty="0"/>
-              <a:t>発表の流れ</a:t>
-            </a:r>
+        <p:spPr>
+          <a:xfrm>
+            <a:off x="706581" y="231067"/>
+            <a:ext cx="8093469" cy="1026234"/>
+          </a:xfrm>
+        </p:spPr>
+        <p:txBody>
+          <a:bodyPr>
+            <a:noAutofit/>
+          </a:bodyPr>
+          <a:lstStyle/>
+          <a:p>
+            <a:r>
+              <a:rPr lang="en-US" altLang="ja-JP" sz="3600" dirty="0"/>
+              <a:t>Differentiable Architecture Search</a:t>
+            </a:r>
+            <a:endParaRPr kumimoji="1" lang="ja-JP" altLang="en-US" sz="3600" dirty="0"/>
           </a:p>
         </p:txBody>
       </p:sp>
@@ -4870,7 +4918,7 @@
           <p:cNvPr id="3" name="コンテンツ プレースホルダー 2">
             <a:extLst>
               <a:ext uri="{FF2B5EF4-FFF2-40B4-BE49-F238E27FC236}">
-                <a16:creationId xmlns:a16="http://schemas.microsoft.com/office/drawing/2014/main" id="{EA6F3566-9A84-4DED-A27B-A69CD8CF6C57}"/>
+                <a16:creationId xmlns:a16="http://schemas.microsoft.com/office/drawing/2014/main" id="{D5F8401B-29A8-461B-9A1D-E98E8F2DFFAB}"/>
               </a:ext>
             </a:extLst>
           </p:cNvPr>
@@ -4881,110 +4929,14 @@
             <p:ph idx="1"/>
           </p:nvPr>
         </p:nvSpPr>
-        <p:spPr>
-          <a:xfrm>
-            <a:off x="822959" y="1661049"/>
-            <a:ext cx="7543801" cy="4531925"/>
-          </a:xfrm>
-        </p:spPr>
-        <p:txBody>
-          <a:bodyPr/>
-          <a:lstStyle/>
-          <a:p>
-            <a:pPr marL="742950" indent="-742950">
-              <a:buFont typeface="+mj-lt"/>
-              <a:buAutoNum type="arabicPeriod"/>
-            </a:pPr>
-            <a:r>
-              <a:rPr kumimoji="1" lang="ja-JP" altLang="en-US" dirty="0"/>
-              <a:t>はじめに</a:t>
-            </a:r>
-            <a:endParaRPr kumimoji="1" lang="en-US" altLang="ja-JP" dirty="0"/>
-          </a:p>
-          <a:p>
-            <a:pPr marL="742950" indent="-742950">
-              <a:buFont typeface="+mj-lt"/>
-              <a:buAutoNum type="arabicPeriod"/>
-            </a:pPr>
-            <a:r>
-              <a:rPr lang="ja-JP" altLang="en-US" dirty="0">
-                <a:solidFill>
-                  <a:schemeClr val="bg1">
-                    <a:lumMod val="75000"/>
-                  </a:schemeClr>
-                </a:solidFill>
-              </a:rPr>
-              <a:t>要素技術</a:t>
-            </a:r>
-            <a:endParaRPr lang="en-US" altLang="ja-JP" dirty="0">
-              <a:solidFill>
-                <a:schemeClr val="bg1">
-                  <a:lumMod val="75000"/>
-                </a:schemeClr>
-              </a:solidFill>
-            </a:endParaRPr>
-          </a:p>
-          <a:p>
-            <a:pPr marL="742950" indent="-742950">
-              <a:buFont typeface="+mj-lt"/>
-              <a:buAutoNum type="arabicPeriod"/>
-            </a:pPr>
-            <a:r>
-              <a:rPr kumimoji="1" lang="ja-JP" altLang="en-US" dirty="0">
-                <a:solidFill>
-                  <a:schemeClr val="bg1">
-                    <a:lumMod val="75000"/>
-                  </a:schemeClr>
-                </a:solidFill>
-              </a:rPr>
-              <a:t>手法１</a:t>
-            </a:r>
-            <a:endParaRPr kumimoji="1" lang="en-US" altLang="ja-JP" dirty="0">
-              <a:solidFill>
-                <a:schemeClr val="bg1">
-                  <a:lumMod val="75000"/>
-                </a:schemeClr>
-              </a:solidFill>
-            </a:endParaRPr>
-          </a:p>
-          <a:p>
-            <a:pPr marL="742950" indent="-742950">
-              <a:buFont typeface="+mj-lt"/>
-              <a:buAutoNum type="arabicPeriod"/>
-            </a:pPr>
-            <a:r>
-              <a:rPr lang="ja-JP" altLang="en-US" dirty="0">
-                <a:solidFill>
-                  <a:schemeClr val="bg1">
-                    <a:lumMod val="75000"/>
-                  </a:schemeClr>
-                </a:solidFill>
-              </a:rPr>
-              <a:t>手法２</a:t>
-            </a:r>
-            <a:endParaRPr lang="en-US" altLang="ja-JP" dirty="0">
-              <a:solidFill>
-                <a:schemeClr val="bg1">
-                  <a:lumMod val="75000"/>
-                </a:schemeClr>
-              </a:solidFill>
-            </a:endParaRPr>
-          </a:p>
-          <a:p>
-            <a:pPr marL="742950" indent="-742950">
-              <a:buFont typeface="+mj-lt"/>
-              <a:buAutoNum type="arabicPeriod"/>
-            </a:pPr>
-            <a:r>
-              <a:rPr kumimoji="1" lang="ja-JP" altLang="en-US" dirty="0">
-                <a:solidFill>
-                  <a:schemeClr val="bg1">
-                    <a:lumMod val="75000"/>
-                  </a:schemeClr>
-                </a:solidFill>
-              </a:rPr>
-              <a:t>まとめと今後の課題</a:t>
-            </a:r>
+        <p:spPr/>
+        <p:txBody>
+          <a:bodyPr>
+            <a:normAutofit/>
+          </a:bodyPr>
+          <a:lstStyle/>
+          <a:p>
+            <a:endParaRPr kumimoji="1" lang="ja-JP" altLang="en-US" dirty="0"/>
           </a:p>
         </p:txBody>
       </p:sp>
@@ -4993,7 +4945,7 @@
           <p:cNvPr id="4" name="スライド番号プレースホルダー 3">
             <a:extLst>
               <a:ext uri="{FF2B5EF4-FFF2-40B4-BE49-F238E27FC236}">
-                <a16:creationId xmlns:a16="http://schemas.microsoft.com/office/drawing/2014/main" id="{35C788A5-E800-4B67-8212-144F12E0C41A}"/>
+                <a16:creationId xmlns:a16="http://schemas.microsoft.com/office/drawing/2014/main" id="{91DE9D33-9930-42E5-848C-6F9826B1D290}"/>
               </a:ext>
             </a:extLst>
           </p:cNvPr>
@@ -5017,10 +4969,109 @@
           </a:p>
         </p:txBody>
       </p:sp>
+      <p:graphicFrame>
+        <p:nvGraphicFramePr>
+          <p:cNvPr id="6" name="オブジェクト 5">
+            <a:extLst>
+              <a:ext uri="{FF2B5EF4-FFF2-40B4-BE49-F238E27FC236}">
+                <a16:creationId xmlns:a16="http://schemas.microsoft.com/office/drawing/2014/main" id="{A2FDDD9F-736B-4CAF-89DC-01ADC1321B2F}"/>
+              </a:ext>
+            </a:extLst>
+          </p:cNvPr>
+          <p:cNvGraphicFramePr>
+            <a:graphicFrameLocks noChangeAspect="1"/>
+          </p:cNvGraphicFramePr>
+          <p:nvPr>
+            <p:extLst>
+              <p:ext uri="{D42A27DB-BD31-4B8C-83A1-F6EECF244321}">
+                <p14:modId xmlns:p14="http://schemas.microsoft.com/office/powerpoint/2010/main" val="1731879003"/>
+              </p:ext>
+            </p:extLst>
+          </p:nvPr>
+        </p:nvGraphicFramePr>
+        <p:xfrm>
+          <a:off x="3671888" y="2528888"/>
+          <a:ext cx="1800225" cy="1800225"/>
+        </p:xfrm>
+        <a:graphic>
+          <a:graphicData uri="http://schemas.openxmlformats.org/presentationml/2006/ole">
+            <mc:AlternateContent xmlns:mc="http://schemas.openxmlformats.org/markup-compatibility/2006">
+              <mc:Choice xmlns:v="urn:schemas-microsoft-com:vml" Requires="v">
+                <p:oleObj spid="_x0000_s1029" name="ビットマップ イメージ" r:id="rId3" imgW="1800360" imgH="1800360" progId="Paint.Picture">
+                  <p:embed/>
+                </p:oleObj>
+              </mc:Choice>
+              <mc:Fallback>
+                <p:oleObj name="ビットマップ イメージ" r:id="rId3" imgW="1800360" imgH="1800360" progId="Paint.Picture">
+                  <p:embed/>
+                  <p:pic>
+                    <p:nvPicPr>
+                      <p:cNvPr id="0" name=""/>
+                      <p:cNvPicPr/>
+                      <p:nvPr/>
+                    </p:nvPicPr>
+                    <p:blipFill>
+                      <a:blip r:embed="rId4"/>
+                      <a:stretch>
+                        <a:fillRect/>
+                      </a:stretch>
+                    </p:blipFill>
+                    <p:spPr>
+                      <a:xfrm>
+                        <a:off x="3671888" y="2528888"/>
+                        <a:ext cx="1800225" cy="1800225"/>
+                      </a:xfrm>
+                      <a:prstGeom prst="rect">
+                        <a:avLst/>
+                      </a:prstGeom>
+                    </p:spPr>
+                  </p:pic>
+                </p:oleObj>
+              </mc:Fallback>
+            </mc:AlternateContent>
+          </a:graphicData>
+        </a:graphic>
+      </p:graphicFrame>
+      <p:pic>
+        <p:nvPicPr>
+          <p:cNvPr id="8" name="図 7">
+            <a:extLst>
+              <a:ext uri="{FF2B5EF4-FFF2-40B4-BE49-F238E27FC236}">
+                <a16:creationId xmlns:a16="http://schemas.microsoft.com/office/drawing/2014/main" id="{3897165F-F58B-4837-942E-43C83DCC86B3}"/>
+              </a:ext>
+            </a:extLst>
+          </p:cNvPr>
+          <p:cNvPicPr>
+            <a:picLocks noChangeAspect="1"/>
+          </p:cNvPicPr>
+          <p:nvPr/>
+        </p:nvPicPr>
+        <p:blipFill>
+          <a:blip r:embed="rId5">
+            <a:extLst>
+              <a:ext uri="{28A0092B-C50C-407E-A947-70E740481C1C}">
+                <a14:useLocalDpi xmlns:a14="http://schemas.microsoft.com/office/drawing/2010/main" val="0"/>
+              </a:ext>
+            </a:extLst>
+          </a:blip>
+          <a:stretch>
+            <a:fillRect/>
+          </a:stretch>
+        </p:blipFill>
+        <p:spPr>
+          <a:xfrm>
+            <a:off x="1395809" y="2829000"/>
+            <a:ext cx="6352381" cy="1200000"/>
+          </a:xfrm>
+          <a:prstGeom prst="rect">
+            <a:avLst/>
+          </a:prstGeom>
+        </p:spPr>
+      </p:pic>
     </p:spTree>
     <p:extLst>
       <p:ext uri="{BB962C8B-B14F-4D97-AF65-F5344CB8AC3E}">
-        <p14:creationId xmlns:p14="http://schemas.microsoft.com/office/powerpoint/2010/main" val="2484060677"/>
+        <p14:creationId xmlns:p14="http://schemas.microsoft.com/office/powerpoint/2010/main" val="642143489"/>
       </p:ext>
     </p:extLst>
   </p:cSld>
@@ -5052,7 +5103,7 @@
           <p:cNvPr id="2" name="タイトル 1">
             <a:extLst>
               <a:ext uri="{FF2B5EF4-FFF2-40B4-BE49-F238E27FC236}">
-                <a16:creationId xmlns:a16="http://schemas.microsoft.com/office/drawing/2014/main" id="{F540F520-70E3-45C3-AEF7-51C96928D589}"/>
+                <a16:creationId xmlns:a16="http://schemas.microsoft.com/office/drawing/2014/main" id="{CC7D0895-3766-4D08-B520-FA861FE45408}"/>
               </a:ext>
             </a:extLst>
           </p:cNvPr>
@@ -5065,15 +5116,14 @@
         </p:nvSpPr>
         <p:spPr/>
         <p:txBody>
-          <a:bodyPr>
-            <a:normAutofit/>
-          </a:bodyPr>
-          <a:lstStyle/>
-          <a:p>
-            <a:r>
-              <a:rPr kumimoji="1" lang="ja-JP" altLang="en-US" dirty="0"/>
-              <a:t>ネットワーク構造の探索</a:t>
-            </a:r>
+          <a:bodyPr/>
+          <a:lstStyle/>
+          <a:p>
+            <a:r>
+              <a:rPr lang="en-US" altLang="ja-JP" dirty="0"/>
+              <a:t>Genetic Algorithm</a:t>
+            </a:r>
+            <a:endParaRPr kumimoji="1" lang="ja-JP" altLang="en-US" dirty="0"/>
           </a:p>
         </p:txBody>
       </p:sp>
@@ -5082,7 +5132,7 @@
           <p:cNvPr id="3" name="コンテンツ プレースホルダー 2">
             <a:extLst>
               <a:ext uri="{FF2B5EF4-FFF2-40B4-BE49-F238E27FC236}">
-                <a16:creationId xmlns:a16="http://schemas.microsoft.com/office/drawing/2014/main" id="{9F743CD2-83BF-462B-A204-B2B7181D77BA}"/>
+                <a16:creationId xmlns:a16="http://schemas.microsoft.com/office/drawing/2014/main" id="{967C35AA-F762-4704-A5C9-DCB23C77A97E}"/>
               </a:ext>
             </a:extLst>
           </p:cNvPr>
@@ -5095,13 +5145,76 @@
         </p:nvSpPr>
         <p:spPr/>
         <p:txBody>
-          <a:bodyPr/>
+          <a:bodyPr>
+            <a:normAutofit fontScale="85000" lnSpcReduction="20000"/>
+          </a:bodyPr>
           <a:lstStyle/>
           <a:p>
             <a:r>
               <a:rPr kumimoji="1" lang="ja-JP" altLang="en-US" dirty="0"/>
-              <a:t>演算子は無視</a:t>
-            </a:r>
+              <a:t>説明</a:t>
+            </a:r>
+            <a:endParaRPr kumimoji="1" lang="en-US" altLang="ja-JP" dirty="0"/>
+          </a:p>
+          <a:p>
+            <a:r>
+              <a:rPr lang="ja-JP" altLang="en-US" dirty="0"/>
+              <a:t>遺伝的アルゴリズム</a:t>
+            </a:r>
+            <a:r>
+              <a:rPr lang="en-US" altLang="ja-JP" dirty="0"/>
+              <a:t>(Genetic Algorithm : GA)</a:t>
+            </a:r>
+            <a:r>
+              <a:rPr lang="ja-JP" altLang="en-US" dirty="0"/>
+              <a:t>は生物の進化の仕組みを模倣した最適化手法である</a:t>
+            </a:r>
+            <a:r>
+              <a:rPr lang="en-US" altLang="ja-JP" dirty="0"/>
+              <a:t>.</a:t>
+            </a:r>
+          </a:p>
+          <a:p>
+            <a:r>
+              <a:rPr lang="ja-JP" altLang="en-US" dirty="0"/>
+              <a:t>問題の解候補を遺伝子の持つ個体として表現し</a:t>
+            </a:r>
+            <a:r>
+              <a:rPr lang="en-US" altLang="ja-JP" dirty="0"/>
+              <a:t>, </a:t>
+            </a:r>
+            <a:r>
+              <a:rPr lang="ja-JP" altLang="en-US" dirty="0"/>
+              <a:t>適応度によって個体を評価・選択する</a:t>
+            </a:r>
+            <a:r>
+              <a:rPr lang="en-US" altLang="ja-JP" dirty="0"/>
+              <a:t>.</a:t>
+            </a:r>
+          </a:p>
+          <a:p>
+            <a:r>
+              <a:rPr lang="ja-JP" altLang="en-US" dirty="0"/>
+              <a:t>交叉・突然変異などの操作によって解候補の多様性を保ちつつ</a:t>
+            </a:r>
+            <a:r>
+              <a:rPr lang="en-US" altLang="ja-JP" dirty="0"/>
+              <a:t>,</a:t>
+            </a:r>
+          </a:p>
+          <a:p>
+            <a:r>
+              <a:rPr lang="ja-JP" altLang="en-US" dirty="0"/>
+              <a:t>近傍を探索しながら世代を重ねて近似的な最適解を求める</a:t>
+            </a:r>
+            <a:r>
+              <a:rPr lang="en-US" altLang="ja-JP" dirty="0"/>
+              <a:t>.</a:t>
+            </a:r>
+            <a:endParaRPr kumimoji="1" lang="en-US" altLang="ja-JP" dirty="0"/>
+          </a:p>
+          <a:p>
+            <a:endParaRPr kumimoji="1" lang="ja-JP" altLang="en-US" dirty="0"/>
           </a:p>
         </p:txBody>
       </p:sp>
@@ -5110,7 +5223,7 @@
           <p:cNvPr id="4" name="スライド番号プレースホルダー 3">
             <a:extLst>
               <a:ext uri="{FF2B5EF4-FFF2-40B4-BE49-F238E27FC236}">
-                <a16:creationId xmlns:a16="http://schemas.microsoft.com/office/drawing/2014/main" id="{18BCFDDE-C34B-4CA8-835B-13BB1BEBDA51}"/>
+                <a16:creationId xmlns:a16="http://schemas.microsoft.com/office/drawing/2014/main" id="{4AF181D3-7262-47C2-8302-F138D11F0ACB}"/>
               </a:ext>
             </a:extLst>
           </p:cNvPr>
@@ -5137,7 +5250,7 @@
     </p:spTree>
     <p:extLst>
       <p:ext uri="{BB962C8B-B14F-4D97-AF65-F5344CB8AC3E}">
-        <p14:creationId xmlns:p14="http://schemas.microsoft.com/office/powerpoint/2010/main" val="3644504257"/>
+        <p14:creationId xmlns:p14="http://schemas.microsoft.com/office/powerpoint/2010/main" val="3558382195"/>
       </p:ext>
     </p:extLst>
   </p:cSld>
@@ -5169,7 +5282,7 @@
           <p:cNvPr id="2" name="タイトル 1">
             <a:extLst>
               <a:ext uri="{FF2B5EF4-FFF2-40B4-BE49-F238E27FC236}">
-                <a16:creationId xmlns:a16="http://schemas.microsoft.com/office/drawing/2014/main" id="{C843A24E-BAA0-41DF-A7C4-36C9DAB94AAB}"/>
+                <a16:creationId xmlns:a16="http://schemas.microsoft.com/office/drawing/2014/main" id="{99A71CDC-97C2-465F-8B9B-AE9D55104F50}"/>
               </a:ext>
             </a:extLst>
           </p:cNvPr>
@@ -5187,7 +5300,7 @@
           <a:p>
             <a:r>
               <a:rPr kumimoji="1" lang="ja-JP" altLang="en-US" dirty="0"/>
-              <a:t>問題設定</a:t>
+              <a:t>発表の流れ</a:t>
             </a:r>
           </a:p>
         </p:txBody>
@@ -5197,7 +5310,7 @@
           <p:cNvPr id="3" name="コンテンツ プレースホルダー 2">
             <a:extLst>
               <a:ext uri="{FF2B5EF4-FFF2-40B4-BE49-F238E27FC236}">
-                <a16:creationId xmlns:a16="http://schemas.microsoft.com/office/drawing/2014/main" id="{3D0F9441-B6DC-40DE-9C19-A49296834B73}"/>
+                <a16:creationId xmlns:a16="http://schemas.microsoft.com/office/drawing/2014/main" id="{EA6F3566-9A84-4DED-A27B-A69CD8CF6C57}"/>
               </a:ext>
             </a:extLst>
           </p:cNvPr>
@@ -5208,30 +5321,110 @@
             <p:ph idx="1"/>
           </p:nvPr>
         </p:nvSpPr>
-        <p:spPr/>
-        <p:txBody>
-          <a:bodyPr/>
-          <a:lstStyle/>
-          <a:p>
+        <p:spPr>
+          <a:xfrm>
+            <a:off x="822959" y="1661049"/>
+            <a:ext cx="7543801" cy="4531925"/>
+          </a:xfrm>
+        </p:spPr>
+        <p:txBody>
+          <a:bodyPr/>
+          <a:lstStyle/>
+          <a:p>
+            <a:pPr marL="742950" indent="-742950">
+              <a:buFont typeface="+mj-lt"/>
+              <a:buAutoNum type="arabicPeriod"/>
+            </a:pPr>
             <a:r>
               <a:rPr kumimoji="1" lang="ja-JP" altLang="en-US" dirty="0"/>
-              <a:t>問題</a:t>
+              <a:t>はじめに</a:t>
             </a:r>
             <a:endParaRPr kumimoji="1" lang="en-US" altLang="ja-JP" dirty="0"/>
           </a:p>
           <a:p>
-            <a:r>
-              <a:rPr kumimoji="1" lang="ja-JP" altLang="en-US" dirty="0"/>
-              <a:t>目的</a:t>
-            </a:r>
-            <a:endParaRPr kumimoji="1" lang="en-US" altLang="ja-JP" dirty="0"/>
-          </a:p>
-          <a:p>
-            <a:r>
-              <a:rPr lang="ja-JP" altLang="en-US" dirty="0"/>
-              <a:t>条件</a:t>
-            </a:r>
-            <a:endParaRPr kumimoji="1" lang="ja-JP" altLang="en-US" dirty="0"/>
+            <a:pPr marL="742950" indent="-742950">
+              <a:buFont typeface="+mj-lt"/>
+              <a:buAutoNum type="arabicPeriod"/>
+            </a:pPr>
+            <a:r>
+              <a:rPr lang="ja-JP" altLang="en-US" dirty="0">
+                <a:solidFill>
+                  <a:schemeClr val="bg1">
+                    <a:lumMod val="75000"/>
+                  </a:schemeClr>
+                </a:solidFill>
+              </a:rPr>
+              <a:t>要素技術</a:t>
+            </a:r>
+            <a:endParaRPr lang="en-US" altLang="ja-JP" dirty="0">
+              <a:solidFill>
+                <a:schemeClr val="bg1">
+                  <a:lumMod val="75000"/>
+                </a:schemeClr>
+              </a:solidFill>
+            </a:endParaRPr>
+          </a:p>
+          <a:p>
+            <a:pPr marL="742950" indent="-742950">
+              <a:buFont typeface="+mj-lt"/>
+              <a:buAutoNum type="arabicPeriod"/>
+            </a:pPr>
+            <a:r>
+              <a:rPr kumimoji="1" lang="ja-JP" altLang="en-US" dirty="0">
+                <a:solidFill>
+                  <a:schemeClr val="bg1">
+                    <a:lumMod val="75000"/>
+                  </a:schemeClr>
+                </a:solidFill>
+              </a:rPr>
+              <a:t>手法１</a:t>
+            </a:r>
+            <a:endParaRPr kumimoji="1" lang="en-US" altLang="ja-JP" dirty="0">
+              <a:solidFill>
+                <a:schemeClr val="bg1">
+                  <a:lumMod val="75000"/>
+                </a:schemeClr>
+              </a:solidFill>
+            </a:endParaRPr>
+          </a:p>
+          <a:p>
+            <a:pPr marL="742950" indent="-742950">
+              <a:buFont typeface="+mj-lt"/>
+              <a:buAutoNum type="arabicPeriod"/>
+            </a:pPr>
+            <a:r>
+              <a:rPr lang="ja-JP" altLang="en-US" dirty="0">
+                <a:solidFill>
+                  <a:schemeClr val="bg1">
+                    <a:lumMod val="75000"/>
+                  </a:schemeClr>
+                </a:solidFill>
+              </a:rPr>
+              <a:t>手法２</a:t>
+            </a:r>
+            <a:endParaRPr lang="en-US" altLang="ja-JP" dirty="0">
+              <a:solidFill>
+                <a:schemeClr val="bg1">
+                  <a:lumMod val="75000"/>
+                </a:schemeClr>
+              </a:solidFill>
+            </a:endParaRPr>
+          </a:p>
+          <a:p>
+            <a:pPr marL="742950" indent="-742950">
+              <a:buFont typeface="+mj-lt"/>
+              <a:buAutoNum type="arabicPeriod"/>
+            </a:pPr>
+            <a:r>
+              <a:rPr kumimoji="1" lang="ja-JP" altLang="en-US" dirty="0">
+                <a:solidFill>
+                  <a:schemeClr val="bg1">
+                    <a:lumMod val="75000"/>
+                  </a:schemeClr>
+                </a:solidFill>
+              </a:rPr>
+              <a:t>まとめと今後の課題</a:t>
+            </a:r>
           </a:p>
         </p:txBody>
       </p:sp>
@@ -5240,7 +5433,7 @@
           <p:cNvPr id="4" name="スライド番号プレースホルダー 3">
             <a:extLst>
               <a:ext uri="{FF2B5EF4-FFF2-40B4-BE49-F238E27FC236}">
-                <a16:creationId xmlns:a16="http://schemas.microsoft.com/office/drawing/2014/main" id="{7EB821EC-1CAE-4AA9-B559-0B683C4E01FB}"/>
+                <a16:creationId xmlns:a16="http://schemas.microsoft.com/office/drawing/2014/main" id="{35C788A5-E800-4B67-8212-144F12E0C41A}"/>
               </a:ext>
             </a:extLst>
           </p:cNvPr>
@@ -5267,7 +5460,7 @@
     </p:spTree>
     <p:extLst>
       <p:ext uri="{BB962C8B-B14F-4D97-AF65-F5344CB8AC3E}">
-        <p14:creationId xmlns:p14="http://schemas.microsoft.com/office/powerpoint/2010/main" val="3128396690"/>
+        <p14:creationId xmlns:p14="http://schemas.microsoft.com/office/powerpoint/2010/main" val="2484060677"/>
       </p:ext>
     </p:extLst>
   </p:cSld>
@@ -5299,7 +5492,7 @@
           <p:cNvPr id="2" name="タイトル 1">
             <a:extLst>
               <a:ext uri="{FF2B5EF4-FFF2-40B4-BE49-F238E27FC236}">
-                <a16:creationId xmlns:a16="http://schemas.microsoft.com/office/drawing/2014/main" id="{99A71CDC-97C2-465F-8B9B-AE9D55104F50}"/>
+                <a16:creationId xmlns:a16="http://schemas.microsoft.com/office/drawing/2014/main" id="{F540F520-70E3-45C3-AEF7-51C96928D589}"/>
               </a:ext>
             </a:extLst>
           </p:cNvPr>
@@ -5312,12 +5505,14 @@
         </p:nvSpPr>
         <p:spPr/>
         <p:txBody>
-          <a:bodyPr/>
+          <a:bodyPr>
+            <a:normAutofit/>
+          </a:bodyPr>
           <a:lstStyle/>
           <a:p>
             <a:r>
               <a:rPr kumimoji="1" lang="ja-JP" altLang="en-US" dirty="0"/>
-              <a:t>発表の流れ</a:t>
+              <a:t>ネットワーク構造の探索</a:t>
             </a:r>
           </a:p>
         </p:txBody>
@@ -5327,7 +5522,7 @@
           <p:cNvPr id="3" name="コンテンツ プレースホルダー 2">
             <a:extLst>
               <a:ext uri="{FF2B5EF4-FFF2-40B4-BE49-F238E27FC236}">
-                <a16:creationId xmlns:a16="http://schemas.microsoft.com/office/drawing/2014/main" id="{EA6F3566-9A84-4DED-A27B-A69CD8CF6C57}"/>
+                <a16:creationId xmlns:a16="http://schemas.microsoft.com/office/drawing/2014/main" id="{9F743CD2-83BF-462B-A204-B2B7181D77BA}"/>
               </a:ext>
             </a:extLst>
           </p:cNvPr>
@@ -5338,109 +5533,14 @@
             <p:ph idx="1"/>
           </p:nvPr>
         </p:nvSpPr>
-        <p:spPr>
-          <a:xfrm>
-            <a:off x="822959" y="1661049"/>
-            <a:ext cx="7543801" cy="4531925"/>
-          </a:xfrm>
-        </p:spPr>
-        <p:txBody>
-          <a:bodyPr/>
-          <a:lstStyle/>
-          <a:p>
-            <a:pPr marL="742950" indent="-742950">
-              <a:buFont typeface="+mj-lt"/>
-              <a:buAutoNum type="arabicPeriod"/>
-            </a:pPr>
+        <p:spPr/>
+        <p:txBody>
+          <a:bodyPr/>
+          <a:lstStyle/>
+          <a:p>
             <a:r>
               <a:rPr kumimoji="1" lang="ja-JP" altLang="en-US" dirty="0"/>
-              <a:t>はじめに</a:t>
-            </a:r>
-            <a:endParaRPr kumimoji="1" lang="en-US" altLang="ja-JP" dirty="0"/>
-          </a:p>
-          <a:p>
-            <a:pPr marL="742950" indent="-742950">
-              <a:buFont typeface="+mj-lt"/>
-              <a:buAutoNum type="arabicPeriod"/>
-            </a:pPr>
-            <a:r>
-              <a:rPr lang="ja-JP" altLang="en-US" dirty="0">
-                <a:solidFill>
-                  <a:schemeClr val="bg1">
-                    <a:lumMod val="75000"/>
-                  </a:schemeClr>
-                </a:solidFill>
-              </a:rPr>
-              <a:t>要素技術</a:t>
-            </a:r>
-            <a:endParaRPr lang="en-US" altLang="ja-JP" dirty="0">
-              <a:solidFill>
-                <a:schemeClr val="bg1">
-                  <a:lumMod val="75000"/>
-                </a:schemeClr>
-              </a:solidFill>
-            </a:endParaRPr>
-          </a:p>
-          <a:p>
-            <a:pPr marL="742950" indent="-742950">
-              <a:buFont typeface="+mj-lt"/>
-              <a:buAutoNum type="arabicPeriod"/>
-            </a:pPr>
-            <a:r>
-              <a:rPr kumimoji="1" lang="ja-JP" altLang="en-US" dirty="0">
-                <a:solidFill>
-                  <a:schemeClr val="bg1">
-                    <a:lumMod val="75000"/>
-                  </a:schemeClr>
-                </a:solidFill>
-              </a:rPr>
-              <a:t>手法１</a:t>
-            </a:r>
-            <a:endParaRPr kumimoji="1" lang="en-US" altLang="ja-JP" dirty="0">
-              <a:solidFill>
-                <a:schemeClr val="bg1">
-                  <a:lumMod val="75000"/>
-                </a:schemeClr>
-              </a:solidFill>
-            </a:endParaRPr>
-          </a:p>
-          <a:p>
-            <a:pPr marL="742950" indent="-742950">
-              <a:buFont typeface="+mj-lt"/>
-              <a:buAutoNum type="arabicPeriod"/>
-            </a:pPr>
-            <a:r>
-              <a:rPr lang="ja-JP" altLang="en-US" dirty="0">
-                <a:solidFill>
-                  <a:schemeClr val="bg1">
-                    <a:lumMod val="75000"/>
-                  </a:schemeClr>
-                </a:solidFill>
-              </a:rPr>
-              <a:t>手法２</a:t>
-            </a:r>
-            <a:endParaRPr lang="en-US" altLang="ja-JP" dirty="0">
-              <a:solidFill>
-                <a:schemeClr val="bg1">
-                  <a:lumMod val="75000"/>
-                </a:schemeClr>
-              </a:solidFill>
-            </a:endParaRPr>
-          </a:p>
-          <a:p>
-            <a:pPr marL="742950" indent="-742950">
-              <a:buFont typeface="+mj-lt"/>
-              <a:buAutoNum type="arabicPeriod"/>
-            </a:pPr>
-            <a:r>
-              <a:rPr kumimoji="1" lang="ja-JP" altLang="en-US" dirty="0">
-                <a:solidFill>
-                  <a:schemeClr val="bg1">
-                    <a:lumMod val="75000"/>
-                  </a:schemeClr>
-                </a:solidFill>
-              </a:rPr>
-              <a:t>まとめと今後の課題</a:t>
+              <a:t>演算子は無視</a:t>
             </a:r>
           </a:p>
         </p:txBody>
@@ -5450,7 +5550,7 @@
           <p:cNvPr id="4" name="スライド番号プレースホルダー 3">
             <a:extLst>
               <a:ext uri="{FF2B5EF4-FFF2-40B4-BE49-F238E27FC236}">
-                <a16:creationId xmlns:a16="http://schemas.microsoft.com/office/drawing/2014/main" id="{35C788A5-E800-4B67-8212-144F12E0C41A}"/>
+                <a16:creationId xmlns:a16="http://schemas.microsoft.com/office/drawing/2014/main" id="{18BCFDDE-C34B-4CA8-835B-13BB1BEBDA51}"/>
               </a:ext>
             </a:extLst>
           </p:cNvPr>
@@ -5477,7 +5577,7 @@
     </p:spTree>
     <p:extLst>
       <p:ext uri="{BB962C8B-B14F-4D97-AF65-F5344CB8AC3E}">
-        <p14:creationId xmlns:p14="http://schemas.microsoft.com/office/powerpoint/2010/main" val="3444203357"/>
+        <p14:creationId xmlns:p14="http://schemas.microsoft.com/office/powerpoint/2010/main" val="3644504257"/>
       </p:ext>
     </p:extLst>
   </p:cSld>
@@ -5509,6 +5609,346 @@
           <p:cNvPr id="2" name="タイトル 1">
             <a:extLst>
               <a:ext uri="{FF2B5EF4-FFF2-40B4-BE49-F238E27FC236}">
+                <a16:creationId xmlns:a16="http://schemas.microsoft.com/office/drawing/2014/main" id="{C843A24E-BAA0-41DF-A7C4-36C9DAB94AAB}"/>
+              </a:ext>
+            </a:extLst>
+          </p:cNvPr>
+          <p:cNvSpPr>
+            <a:spLocks noGrp="1"/>
+          </p:cNvSpPr>
+          <p:nvPr>
+            <p:ph type="title"/>
+          </p:nvPr>
+        </p:nvSpPr>
+        <p:spPr/>
+        <p:txBody>
+          <a:bodyPr/>
+          <a:lstStyle/>
+          <a:p>
+            <a:r>
+              <a:rPr kumimoji="1" lang="ja-JP" altLang="en-US" dirty="0"/>
+              <a:t>問題設定</a:t>
+            </a:r>
+          </a:p>
+        </p:txBody>
+      </p:sp>
+      <p:sp>
+        <p:nvSpPr>
+          <p:cNvPr id="3" name="コンテンツ プレースホルダー 2">
+            <a:extLst>
+              <a:ext uri="{FF2B5EF4-FFF2-40B4-BE49-F238E27FC236}">
+                <a16:creationId xmlns:a16="http://schemas.microsoft.com/office/drawing/2014/main" id="{3D0F9441-B6DC-40DE-9C19-A49296834B73}"/>
+              </a:ext>
+            </a:extLst>
+          </p:cNvPr>
+          <p:cNvSpPr>
+            <a:spLocks noGrp="1"/>
+          </p:cNvSpPr>
+          <p:nvPr>
+            <p:ph idx="1"/>
+          </p:nvPr>
+        </p:nvSpPr>
+        <p:spPr/>
+        <p:txBody>
+          <a:bodyPr/>
+          <a:lstStyle/>
+          <a:p>
+            <a:r>
+              <a:rPr kumimoji="1" lang="ja-JP" altLang="en-US" dirty="0"/>
+              <a:t>問題</a:t>
+            </a:r>
+            <a:endParaRPr kumimoji="1" lang="en-US" altLang="ja-JP" dirty="0"/>
+          </a:p>
+          <a:p>
+            <a:r>
+              <a:rPr kumimoji="1" lang="ja-JP" altLang="en-US" dirty="0"/>
+              <a:t>目的</a:t>
+            </a:r>
+            <a:endParaRPr kumimoji="1" lang="en-US" altLang="ja-JP" dirty="0"/>
+          </a:p>
+          <a:p>
+            <a:r>
+              <a:rPr lang="ja-JP" altLang="en-US" dirty="0"/>
+              <a:t>条件</a:t>
+            </a:r>
+            <a:endParaRPr kumimoji="1" lang="ja-JP" altLang="en-US" dirty="0"/>
+          </a:p>
+        </p:txBody>
+      </p:sp>
+      <p:sp>
+        <p:nvSpPr>
+          <p:cNvPr id="4" name="スライド番号プレースホルダー 3">
+            <a:extLst>
+              <a:ext uri="{FF2B5EF4-FFF2-40B4-BE49-F238E27FC236}">
+                <a16:creationId xmlns:a16="http://schemas.microsoft.com/office/drawing/2014/main" id="{7EB821EC-1CAE-4AA9-B559-0B683C4E01FB}"/>
+              </a:ext>
+            </a:extLst>
+          </p:cNvPr>
+          <p:cNvSpPr>
+            <a:spLocks noGrp="1"/>
+          </p:cNvSpPr>
+          <p:nvPr>
+            <p:ph type="sldNum" sz="quarter" idx="12"/>
+          </p:nvPr>
+        </p:nvSpPr>
+        <p:spPr/>
+        <p:txBody>
+          <a:bodyPr/>
+          <a:lstStyle/>
+          <a:p>
+            <a:fld id="{304739FC-810C-4CDC-B60F-21F1951FBC64}" type="slidenum">
+              <a:rPr kumimoji="1" lang="ja-JP" altLang="en-US" smtClean="0"/>
+              <a:t>15</a:t>
+            </a:fld>
+            <a:endParaRPr kumimoji="1" lang="ja-JP" altLang="en-US"/>
+          </a:p>
+        </p:txBody>
+      </p:sp>
+    </p:spTree>
+    <p:extLst>
+      <p:ext uri="{BB962C8B-B14F-4D97-AF65-F5344CB8AC3E}">
+        <p14:creationId xmlns:p14="http://schemas.microsoft.com/office/powerpoint/2010/main" val="3128396690"/>
+      </p:ext>
+    </p:extLst>
+  </p:cSld>
+  <p:clrMapOvr>
+    <a:masterClrMapping/>
+  </p:clrMapOvr>
+</p:sld>
+</file>
+
+<file path=ppt/slides/slide16.xml><?xml version="1.0" encoding="utf-8"?>
+<p:sld xmlns:a="http://schemas.openxmlformats.org/drawingml/2006/main" xmlns:r="http://schemas.openxmlformats.org/officeDocument/2006/relationships" xmlns:p="http://schemas.openxmlformats.org/presentationml/2006/main">
+  <p:cSld>
+    <p:spTree>
+      <p:nvGrpSpPr>
+        <p:cNvPr id="1" name=""/>
+        <p:cNvGrpSpPr/>
+        <p:nvPr/>
+      </p:nvGrpSpPr>
+      <p:grpSpPr>
+        <a:xfrm>
+          <a:off x="0" y="0"/>
+          <a:ext cx="0" cy="0"/>
+          <a:chOff x="0" y="0"/>
+          <a:chExt cx="0" cy="0"/>
+        </a:xfrm>
+      </p:grpSpPr>
+      <p:sp>
+        <p:nvSpPr>
+          <p:cNvPr id="2" name="タイトル 1">
+            <a:extLst>
+              <a:ext uri="{FF2B5EF4-FFF2-40B4-BE49-F238E27FC236}">
+                <a16:creationId xmlns:a16="http://schemas.microsoft.com/office/drawing/2014/main" id="{99A71CDC-97C2-465F-8B9B-AE9D55104F50}"/>
+              </a:ext>
+            </a:extLst>
+          </p:cNvPr>
+          <p:cNvSpPr>
+            <a:spLocks noGrp="1"/>
+          </p:cNvSpPr>
+          <p:nvPr>
+            <p:ph type="title"/>
+          </p:nvPr>
+        </p:nvSpPr>
+        <p:spPr/>
+        <p:txBody>
+          <a:bodyPr/>
+          <a:lstStyle/>
+          <a:p>
+            <a:r>
+              <a:rPr kumimoji="1" lang="ja-JP" altLang="en-US" dirty="0"/>
+              <a:t>発表の流れ</a:t>
+            </a:r>
+          </a:p>
+        </p:txBody>
+      </p:sp>
+      <p:sp>
+        <p:nvSpPr>
+          <p:cNvPr id="3" name="コンテンツ プレースホルダー 2">
+            <a:extLst>
+              <a:ext uri="{FF2B5EF4-FFF2-40B4-BE49-F238E27FC236}">
+                <a16:creationId xmlns:a16="http://schemas.microsoft.com/office/drawing/2014/main" id="{EA6F3566-9A84-4DED-A27B-A69CD8CF6C57}"/>
+              </a:ext>
+            </a:extLst>
+          </p:cNvPr>
+          <p:cNvSpPr>
+            <a:spLocks noGrp="1"/>
+          </p:cNvSpPr>
+          <p:nvPr>
+            <p:ph idx="1"/>
+          </p:nvPr>
+        </p:nvSpPr>
+        <p:spPr>
+          <a:xfrm>
+            <a:off x="822959" y="1661049"/>
+            <a:ext cx="7543801" cy="4531925"/>
+          </a:xfrm>
+        </p:spPr>
+        <p:txBody>
+          <a:bodyPr/>
+          <a:lstStyle/>
+          <a:p>
+            <a:pPr marL="742950" indent="-742950">
+              <a:buFont typeface="+mj-lt"/>
+              <a:buAutoNum type="arabicPeriod"/>
+            </a:pPr>
+            <a:r>
+              <a:rPr kumimoji="1" lang="ja-JP" altLang="en-US" dirty="0"/>
+              <a:t>はじめに</a:t>
+            </a:r>
+            <a:endParaRPr kumimoji="1" lang="en-US" altLang="ja-JP" dirty="0"/>
+          </a:p>
+          <a:p>
+            <a:pPr marL="742950" indent="-742950">
+              <a:buFont typeface="+mj-lt"/>
+              <a:buAutoNum type="arabicPeriod"/>
+            </a:pPr>
+            <a:r>
+              <a:rPr lang="ja-JP" altLang="en-US" dirty="0">
+                <a:solidFill>
+                  <a:schemeClr val="bg1">
+                    <a:lumMod val="75000"/>
+                  </a:schemeClr>
+                </a:solidFill>
+              </a:rPr>
+              <a:t>要素技術</a:t>
+            </a:r>
+            <a:endParaRPr lang="en-US" altLang="ja-JP" dirty="0">
+              <a:solidFill>
+                <a:schemeClr val="bg1">
+                  <a:lumMod val="75000"/>
+                </a:schemeClr>
+              </a:solidFill>
+            </a:endParaRPr>
+          </a:p>
+          <a:p>
+            <a:pPr marL="742950" indent="-742950">
+              <a:buFont typeface="+mj-lt"/>
+              <a:buAutoNum type="arabicPeriod"/>
+            </a:pPr>
+            <a:r>
+              <a:rPr kumimoji="1" lang="ja-JP" altLang="en-US" dirty="0">
+                <a:solidFill>
+                  <a:schemeClr val="bg1">
+                    <a:lumMod val="75000"/>
+                  </a:schemeClr>
+                </a:solidFill>
+              </a:rPr>
+              <a:t>手法１</a:t>
+            </a:r>
+            <a:endParaRPr kumimoji="1" lang="en-US" altLang="ja-JP" dirty="0">
+              <a:solidFill>
+                <a:schemeClr val="bg1">
+                  <a:lumMod val="75000"/>
+                </a:schemeClr>
+              </a:solidFill>
+            </a:endParaRPr>
+          </a:p>
+          <a:p>
+            <a:pPr marL="742950" indent="-742950">
+              <a:buFont typeface="+mj-lt"/>
+              <a:buAutoNum type="arabicPeriod"/>
+            </a:pPr>
+            <a:r>
+              <a:rPr lang="ja-JP" altLang="en-US" dirty="0">
+                <a:solidFill>
+                  <a:schemeClr val="bg1">
+                    <a:lumMod val="75000"/>
+                  </a:schemeClr>
+                </a:solidFill>
+              </a:rPr>
+              <a:t>手法２</a:t>
+            </a:r>
+            <a:endParaRPr lang="en-US" altLang="ja-JP" dirty="0">
+              <a:solidFill>
+                <a:schemeClr val="bg1">
+                  <a:lumMod val="75000"/>
+                </a:schemeClr>
+              </a:solidFill>
+            </a:endParaRPr>
+          </a:p>
+          <a:p>
+            <a:pPr marL="742950" indent="-742950">
+              <a:buFont typeface="+mj-lt"/>
+              <a:buAutoNum type="arabicPeriod"/>
+            </a:pPr>
+            <a:r>
+              <a:rPr kumimoji="1" lang="ja-JP" altLang="en-US" dirty="0">
+                <a:solidFill>
+                  <a:schemeClr val="bg1">
+                    <a:lumMod val="75000"/>
+                  </a:schemeClr>
+                </a:solidFill>
+              </a:rPr>
+              <a:t>まとめと今後の課題</a:t>
+            </a:r>
+          </a:p>
+        </p:txBody>
+      </p:sp>
+      <p:sp>
+        <p:nvSpPr>
+          <p:cNvPr id="4" name="スライド番号プレースホルダー 3">
+            <a:extLst>
+              <a:ext uri="{FF2B5EF4-FFF2-40B4-BE49-F238E27FC236}">
+                <a16:creationId xmlns:a16="http://schemas.microsoft.com/office/drawing/2014/main" id="{35C788A5-E800-4B67-8212-144F12E0C41A}"/>
+              </a:ext>
+            </a:extLst>
+          </p:cNvPr>
+          <p:cNvSpPr>
+            <a:spLocks noGrp="1"/>
+          </p:cNvSpPr>
+          <p:nvPr>
+            <p:ph type="sldNum" sz="quarter" idx="12"/>
+          </p:nvPr>
+        </p:nvSpPr>
+        <p:spPr/>
+        <p:txBody>
+          <a:bodyPr/>
+          <a:lstStyle/>
+          <a:p>
+            <a:fld id="{304739FC-810C-4CDC-B60F-21F1951FBC64}" type="slidenum">
+              <a:rPr kumimoji="1" lang="ja-JP" altLang="en-US" smtClean="0"/>
+              <a:t>16</a:t>
+            </a:fld>
+            <a:endParaRPr kumimoji="1" lang="ja-JP" altLang="en-US"/>
+          </a:p>
+        </p:txBody>
+      </p:sp>
+    </p:spTree>
+    <p:extLst>
+      <p:ext uri="{BB962C8B-B14F-4D97-AF65-F5344CB8AC3E}">
+        <p14:creationId xmlns:p14="http://schemas.microsoft.com/office/powerpoint/2010/main" val="3444203357"/>
+      </p:ext>
+    </p:extLst>
+  </p:cSld>
+  <p:clrMapOvr>
+    <a:masterClrMapping/>
+  </p:clrMapOvr>
+</p:sld>
+</file>
+
+<file path=ppt/slides/slide17.xml><?xml version="1.0" encoding="utf-8"?>
+<p:sld xmlns:a="http://schemas.openxmlformats.org/drawingml/2006/main" xmlns:r="http://schemas.openxmlformats.org/officeDocument/2006/relationships" xmlns:p="http://schemas.openxmlformats.org/presentationml/2006/main">
+  <p:cSld>
+    <p:spTree>
+      <p:nvGrpSpPr>
+        <p:cNvPr id="1" name=""/>
+        <p:cNvGrpSpPr/>
+        <p:nvPr/>
+      </p:nvGrpSpPr>
+      <p:grpSpPr>
+        <a:xfrm>
+          <a:off x="0" y="0"/>
+          <a:ext cx="0" cy="0"/>
+          <a:chOff x="0" y="0"/>
+          <a:chExt cx="0" cy="0"/>
+        </a:xfrm>
+      </p:grpSpPr>
+      <p:sp>
+        <p:nvSpPr>
+          <p:cNvPr id="2" name="タイトル 1">
+            <a:extLst>
+              <a:ext uri="{FF2B5EF4-FFF2-40B4-BE49-F238E27FC236}">
                 <a16:creationId xmlns:a16="http://schemas.microsoft.com/office/drawing/2014/main" id="{D46ABB39-F0C4-4941-8AC3-45B843579753}"/>
               </a:ext>
             </a:extLst>
@@ -5577,7 +6017,7 @@
           <a:p>
             <a:fld id="{304739FC-810C-4CDC-B60F-21F1951FBC64}" type="slidenum">
               <a:rPr kumimoji="1" lang="ja-JP" altLang="en-US" smtClean="0"/>
-              <a:t>15</a:t>
+              <a:t>17</a:t>
             </a:fld>
             <a:endParaRPr kumimoji="1" lang="ja-JP" altLang="en-US"/>
           </a:p>
@@ -6626,8 +7066,8 @@
           <a:lstStyle/>
           <a:p>
             <a:r>
-              <a:rPr kumimoji="1" lang="en-US" altLang="ja-JP" dirty="0" err="1"/>
-              <a:t>Neura</a:t>
+              <a:rPr lang="en-US" altLang="ja-JP" dirty="0"/>
+              <a:t>Neural Architecture Search</a:t>
             </a:r>
             <a:endParaRPr kumimoji="1" lang="ja-JP" altLang="en-US" dirty="0"/>
           </a:p>
@@ -6651,7 +7091,9 @@
         </p:nvSpPr>
         <p:spPr/>
         <p:txBody>
-          <a:bodyPr/>
+          <a:bodyPr>
+            <a:normAutofit fontScale="85000" lnSpcReduction="20000"/>
+          </a:bodyPr>
           <a:lstStyle/>
           <a:p>
             <a:r>
@@ -6664,6 +7106,58 @@
             <a:r>
               <a:rPr lang="ja-JP" altLang="en-US" dirty="0"/>
               <a:t>問題点</a:t>
+            </a:r>
+            <a:endParaRPr lang="en-US" altLang="ja-JP" dirty="0"/>
+          </a:p>
+          <a:p>
+            <a:endParaRPr lang="ja-JP" altLang="en-US" dirty="0"/>
+          </a:p>
+          <a:p>
+            <a:r>
+              <a:rPr lang="en-US" altLang="ja-JP" dirty="0"/>
+              <a:t>NAS</a:t>
+            </a:r>
+            <a:r>
+              <a:rPr lang="ja-JP" altLang="en-US" dirty="0"/>
+              <a:t>はニューラルネットワークが構造に関する設定の文字列で表現できることを利用して</a:t>
+            </a:r>
+            <a:r>
+              <a:rPr lang="en-US" altLang="ja-JP" dirty="0"/>
+              <a:t>,</a:t>
+            </a:r>
+          </a:p>
+          <a:p>
+            <a:r>
+              <a:rPr lang="ja-JP" altLang="en-US" dirty="0"/>
+              <a:t>この文字列を生成する</a:t>
+            </a:r>
+          </a:p>
+          <a:p>
+            <a:r>
+              <a:rPr lang="en-US" altLang="ja-JP" dirty="0"/>
+              <a:t>Recurrent Neural Network(RNN)</a:t>
+            </a:r>
+            <a:r>
+              <a:rPr lang="ja-JP" altLang="en-US" dirty="0"/>
+              <a:t>を</a:t>
+            </a:r>
+          </a:p>
+          <a:p>
+            <a:r>
+              <a:rPr lang="ja-JP" altLang="en-US" dirty="0"/>
+              <a:t>強化学習 </a:t>
+            </a:r>
+            <a:r>
+              <a:rPr lang="en-US" altLang="ja-JP" dirty="0"/>
+              <a:t>Reinforcement Learning(RL)</a:t>
+            </a:r>
+            <a:r>
+              <a:rPr lang="ja-JP" altLang="en-US" dirty="0"/>
+              <a:t>によって学習する</a:t>
+            </a:r>
+            <a:r>
+              <a:rPr lang="en-US" altLang="ja-JP" dirty="0"/>
+              <a:t>.</a:t>
             </a:r>
             <a:endParaRPr kumimoji="1" lang="ja-JP" altLang="en-US" dirty="0"/>
           </a:p>
@@ -6695,6 +7189,73 @@
               <a:t>8</a:t>
             </a:fld>
             <a:endParaRPr kumimoji="1" lang="ja-JP" altLang="en-US"/>
+          </a:p>
+        </p:txBody>
+      </p:sp>
+      <p:sp>
+        <p:nvSpPr>
+          <p:cNvPr id="5" name="正方形/長方形 4">
+            <a:extLst>
+              <a:ext uri="{FF2B5EF4-FFF2-40B4-BE49-F238E27FC236}">
+                <a16:creationId xmlns:a16="http://schemas.microsoft.com/office/drawing/2014/main" id="{898D59A6-B6E0-4901-B8F2-7ECFE3154B3F}"/>
+              </a:ext>
+            </a:extLst>
+          </p:cNvPr>
+          <p:cNvSpPr/>
+          <p:nvPr/>
+        </p:nvSpPr>
+        <p:spPr>
+          <a:xfrm>
+            <a:off x="4559415" y="5438727"/>
+            <a:ext cx="4240635" cy="738664"/>
+          </a:xfrm>
+          <a:prstGeom prst="rect">
+            <a:avLst/>
+          </a:prstGeom>
+          <a:noFill/>
+          <a:ln w="9525" cap="flat" cmpd="sng" algn="ctr">
+            <a:solidFill>
+              <a:schemeClr val="accent1"/>
+            </a:solidFill>
+            <a:prstDash val="solid"/>
+            <a:round/>
+            <a:headEnd type="none" w="med" len="med"/>
+            <a:tailEnd type="none" w="med" len="med"/>
+          </a:ln>
+        </p:spPr>
+        <p:style>
+          <a:lnRef idx="0">
+            <a:scrgbClr r="0" g="0" b="0"/>
+          </a:lnRef>
+          <a:fillRef idx="0">
+            <a:scrgbClr r="0" g="0" b="0"/>
+          </a:fillRef>
+          <a:effectRef idx="0">
+            <a:scrgbClr r="0" g="0" b="0"/>
+          </a:effectRef>
+          <a:fontRef idx="minor">
+            <a:schemeClr val="accent1"/>
+          </a:fontRef>
+        </p:style>
+        <p:txBody>
+          <a:bodyPr wrap="square">
+            <a:spAutoFit/>
+          </a:bodyPr>
+          <a:lstStyle/>
+          <a:p>
+            <a:r>
+              <a:rPr lang="en-US" altLang="ja-JP" sz="1400" dirty="0"/>
+              <a:t>Barret </a:t>
+            </a:r>
+            <a:r>
+              <a:rPr lang="en-US" altLang="ja-JP" sz="1400" dirty="0" err="1"/>
+              <a:t>Zoph</a:t>
+            </a:r>
+            <a:r>
+              <a:rPr lang="en-US" altLang="ja-JP" sz="1400" dirty="0"/>
+              <a:t> and Quoc V. Le. Neural architecture search with reinforcement learning. abs/1611.01578, 2016. </a:t>
+            </a:r>
+            <a:endParaRPr lang="ja-JP" altLang="en-US" sz="1400" dirty="0"/>
           </a:p>
         </p:txBody>
       </p:sp>
@@ -6728,6 +7289,53 @@
           <a:chExt cx="0" cy="0"/>
         </a:xfrm>
       </p:grpSpPr>
+      <p:pic>
+        <p:nvPicPr>
+          <p:cNvPr id="2050" name="Picture 2" descr="Differentiable Architecture Search for RNN with fastai | by HOANG Bao Tin |  Towards Data Science">
+            <a:extLst>
+              <a:ext uri="{FF2B5EF4-FFF2-40B4-BE49-F238E27FC236}">
+                <a16:creationId xmlns:a16="http://schemas.microsoft.com/office/drawing/2014/main" id="{FEEB922E-B739-4E90-98FA-87D8F3EDE0AD}"/>
+              </a:ext>
+            </a:extLst>
+          </p:cNvPr>
+          <p:cNvPicPr>
+            <a:picLocks noChangeAspect="1" noChangeArrowheads="1"/>
+          </p:cNvPicPr>
+          <p:nvPr/>
+        </p:nvPicPr>
+        <p:blipFill>
+          <a:blip r:embed="rId2">
+            <a:extLst>
+              <a:ext uri="{28A0092B-C50C-407E-A947-70E740481C1C}">
+                <a14:useLocalDpi xmlns:a14="http://schemas.microsoft.com/office/drawing/2010/main" val="0"/>
+              </a:ext>
+            </a:extLst>
+          </a:blip>
+          <a:srcRect/>
+          <a:stretch>
+            <a:fillRect/>
+          </a:stretch>
+        </p:blipFill>
+        <p:spPr bwMode="auto">
+          <a:xfrm>
+            <a:off x="981414" y="1661049"/>
+            <a:ext cx="7543801" cy="2759512"/>
+          </a:xfrm>
+          <a:prstGeom prst="rect">
+            <a:avLst/>
+          </a:prstGeom>
+          <a:noFill/>
+          <a:extLst>
+            <a:ext uri="{909E8E84-426E-40DD-AFC4-6F175D3DCCD1}">
+              <a14:hiddenFill xmlns:a14="http://schemas.microsoft.com/office/drawing/2010/main">
+                <a:solidFill>
+                  <a:srgbClr val="FFFFFF"/>
+                </a:solidFill>
+              </a14:hiddenFill>
+            </a:ext>
+          </a:extLst>
+        </p:spPr>
+      </p:pic>
       <p:sp>
         <p:nvSpPr>
           <p:cNvPr id="2" name="タイトル 1">
@@ -6744,16 +7352,23 @@
             <p:ph type="title"/>
           </p:nvPr>
         </p:nvSpPr>
-        <p:spPr/>
-        <p:txBody>
-          <a:bodyPr/>
-          <a:lstStyle/>
-          <a:p>
-            <a:r>
-              <a:rPr kumimoji="1" lang="en-US" altLang="ja-JP" dirty="0"/>
-              <a:t>Diff</a:t>
-            </a:r>
-            <a:endParaRPr kumimoji="1" lang="ja-JP" altLang="en-US" dirty="0"/>
+        <p:spPr>
+          <a:xfrm>
+            <a:off x="706581" y="231067"/>
+            <a:ext cx="8093469" cy="1026234"/>
+          </a:xfrm>
+        </p:spPr>
+        <p:txBody>
+          <a:bodyPr>
+            <a:noAutofit/>
+          </a:bodyPr>
+          <a:lstStyle/>
+          <a:p>
+            <a:r>
+              <a:rPr lang="en-US" altLang="ja-JP" sz="3600" dirty="0"/>
+              <a:t>Differentiable Architecture Search</a:t>
+            </a:r>
+            <a:endParaRPr kumimoji="1" lang="ja-JP" altLang="en-US" sz="3600" dirty="0"/>
           </a:p>
         </p:txBody>
       </p:sp>
@@ -6843,6 +7458,85 @@
               <a:t>9</a:t>
             </a:fld>
             <a:endParaRPr kumimoji="1" lang="ja-JP" altLang="en-US"/>
+          </a:p>
+        </p:txBody>
+      </p:sp>
+      <p:sp>
+        <p:nvSpPr>
+          <p:cNvPr id="5" name="正方形/長方形 4">
+            <a:extLst>
+              <a:ext uri="{FF2B5EF4-FFF2-40B4-BE49-F238E27FC236}">
+                <a16:creationId xmlns:a16="http://schemas.microsoft.com/office/drawing/2014/main" id="{2B45F0EC-8862-4723-B8FB-103DA30C92A6}"/>
+              </a:ext>
+            </a:extLst>
+          </p:cNvPr>
+          <p:cNvSpPr/>
+          <p:nvPr/>
+        </p:nvSpPr>
+        <p:spPr>
+          <a:xfrm>
+            <a:off x="4559415" y="5438727"/>
+            <a:ext cx="4240635" cy="738664"/>
+          </a:xfrm>
+          <a:prstGeom prst="rect">
+            <a:avLst/>
+          </a:prstGeom>
+          <a:noFill/>
+          <a:ln w="9525" cap="flat" cmpd="sng" algn="ctr">
+            <a:solidFill>
+              <a:schemeClr val="accent1"/>
+            </a:solidFill>
+            <a:prstDash val="solid"/>
+            <a:round/>
+            <a:headEnd type="none" w="med" len="med"/>
+            <a:tailEnd type="none" w="med" len="med"/>
+          </a:ln>
+        </p:spPr>
+        <p:style>
+          <a:lnRef idx="0">
+            <a:scrgbClr r="0" g="0" b="0"/>
+          </a:lnRef>
+          <a:fillRef idx="0">
+            <a:scrgbClr r="0" g="0" b="0"/>
+          </a:fillRef>
+          <a:effectRef idx="0">
+            <a:scrgbClr r="0" g="0" b="0"/>
+          </a:effectRef>
+          <a:fontRef idx="minor">
+            <a:schemeClr val="accent1"/>
+          </a:fontRef>
+        </p:style>
+        <p:txBody>
+          <a:bodyPr wrap="square">
+            <a:spAutoFit/>
+          </a:bodyPr>
+          <a:lstStyle/>
+          <a:p>
+            <a:r>
+              <a:rPr lang="en-US" altLang="ja-JP" sz="1400" dirty="0" err="1"/>
+              <a:t>Hanxiao</a:t>
+            </a:r>
+            <a:r>
+              <a:rPr lang="en-US" altLang="ja-JP" sz="1400" dirty="0"/>
+              <a:t> Liu, Karen </a:t>
+            </a:r>
+            <a:r>
+              <a:rPr lang="en-US" altLang="ja-JP" sz="1400" dirty="0" err="1"/>
+              <a:t>Simonyan</a:t>
+            </a:r>
+            <a:r>
+              <a:rPr lang="en-US" altLang="ja-JP" sz="1400" dirty="0"/>
+              <a:t>, and </a:t>
+            </a:r>
+            <a:r>
+              <a:rPr lang="en-US" altLang="ja-JP" sz="1400" dirty="0" err="1"/>
+              <a:t>Yiming</a:t>
+            </a:r>
+            <a:r>
+              <a:rPr lang="en-US" altLang="ja-JP" sz="1400" dirty="0"/>
+              <a:t> Yang. DARTS: differentiable architecture search. abs/1806.09055, 2018.</a:t>
+            </a:r>
+            <a:endParaRPr lang="ja-JP" altLang="en-US" sz="1400" dirty="0"/>
           </a:p>
         </p:txBody>
       </p:sp>

--- a/report/2020後期/2020_2nd_sugiyama.pptx
+++ b/report/2020後期/2020_2nd_sugiyama.pptx
@@ -5,26 +5,34 @@
     <p:sldMasterId id="2147483672" r:id="rId1"/>
   </p:sldMasterIdLst>
   <p:notesMasterIdLst>
-    <p:notesMasterId r:id="rId19"/>
+    <p:notesMasterId r:id="rId27"/>
   </p:notesMasterIdLst>
   <p:sldIdLst>
     <p:sldId id="256" r:id="rId2"/>
     <p:sldId id="257" r:id="rId3"/>
-    <p:sldId id="259" r:id="rId4"/>
+    <p:sldId id="273" r:id="rId4"/>
     <p:sldId id="258" r:id="rId5"/>
     <p:sldId id="260" r:id="rId6"/>
-    <p:sldId id="261" r:id="rId7"/>
-    <p:sldId id="263" r:id="rId8"/>
-    <p:sldId id="262" r:id="rId9"/>
-    <p:sldId id="264" r:id="rId10"/>
-    <p:sldId id="271" r:id="rId11"/>
-    <p:sldId id="272" r:id="rId12"/>
-    <p:sldId id="265" r:id="rId13"/>
-    <p:sldId id="267" r:id="rId14"/>
-    <p:sldId id="266" r:id="rId15"/>
-    <p:sldId id="268" r:id="rId16"/>
-    <p:sldId id="270" r:id="rId17"/>
-    <p:sldId id="269" r:id="rId18"/>
+    <p:sldId id="279" r:id="rId7"/>
+    <p:sldId id="280" r:id="rId8"/>
+    <p:sldId id="282" r:id="rId9"/>
+    <p:sldId id="283" r:id="rId10"/>
+    <p:sldId id="274" r:id="rId11"/>
+    <p:sldId id="284" r:id="rId12"/>
+    <p:sldId id="285" r:id="rId13"/>
+    <p:sldId id="286" r:id="rId14"/>
+    <p:sldId id="287" r:id="rId15"/>
+    <p:sldId id="288" r:id="rId16"/>
+    <p:sldId id="271" r:id="rId17"/>
+    <p:sldId id="272" r:id="rId18"/>
+    <p:sldId id="265" r:id="rId19"/>
+    <p:sldId id="275" r:id="rId20"/>
+    <p:sldId id="266" r:id="rId21"/>
+    <p:sldId id="268" r:id="rId22"/>
+    <p:sldId id="276" r:id="rId23"/>
+    <p:sldId id="269" r:id="rId24"/>
+    <p:sldId id="277" r:id="rId25"/>
+    <p:sldId id="278" r:id="rId26"/>
   </p:sldIdLst>
   <p:sldSz cx="9144000" cy="6858000" type="screen4x3"/>
   <p:notesSz cx="6858000" cy="9144000"/>
@@ -134,17 +142,23 @@
         </p14:section>
         <p14:section name="はじめに" id="{0598FECD-E93F-4FFB-AFEE-5DE91CA5738F}">
           <p14:sldIdLst>
-            <p14:sldId id="259"/>
+            <p14:sldId id="273"/>
             <p14:sldId id="258"/>
             <p14:sldId id="260"/>
-            <p14:sldId id="261"/>
+            <p14:sldId id="279"/>
+            <p14:sldId id="280"/>
+            <p14:sldId id="282"/>
+            <p14:sldId id="283"/>
           </p14:sldIdLst>
         </p14:section>
         <p14:section name="要素技術" id="{EE83B1E2-0330-4337-AB88-FC9E9652B20E}">
           <p14:sldIdLst>
-            <p14:sldId id="263"/>
-            <p14:sldId id="262"/>
-            <p14:sldId id="264"/>
+            <p14:sldId id="274"/>
+            <p14:sldId id="284"/>
+            <p14:sldId id="285"/>
+            <p14:sldId id="286"/>
+            <p14:sldId id="287"/>
+            <p14:sldId id="288"/>
             <p14:sldId id="271"/>
             <p14:sldId id="272"/>
             <p14:sldId id="265"/>
@@ -152,15 +166,25 @@
         </p14:section>
         <p14:section name="問題" id="{5DF14365-912A-421F-88AF-4ABB7DE19D81}">
           <p14:sldIdLst>
-            <p14:sldId id="267"/>
+            <p14:sldId id="275"/>
             <p14:sldId id="266"/>
             <p14:sldId id="268"/>
           </p14:sldIdLst>
         </p14:section>
         <p14:section name="実験１" id="{7193612D-D5C7-4CEE-8D90-11755AE6C4DA}">
           <p14:sldIdLst>
-            <p14:sldId id="270"/>
+            <p14:sldId id="276"/>
             <p14:sldId id="269"/>
+          </p14:sldIdLst>
+        </p14:section>
+        <p14:section name="実験2" id="{C2EA450A-6529-4ED3-82D8-59D81AEA30EC}">
+          <p14:sldIdLst>
+            <p14:sldId id="277"/>
+          </p14:sldIdLst>
+        </p14:section>
+        <p14:section name="まとめ" id="{5FBA91C0-6D67-487B-815A-0984769D4D87}">
+          <p14:sldIdLst>
+            <p14:sldId id="278"/>
           </p14:sldIdLst>
         </p14:section>
       </p14:sectionLst>
@@ -254,7 +278,7 @@
           <a:p>
             <a:fld id="{E650FAFA-3A1B-48CF-91FE-AA87330BE1CA}" type="datetimeFigureOut">
               <a:rPr kumimoji="1" lang="ja-JP" altLang="en-US" smtClean="0"/>
-              <a:t>2020/12/9</a:t>
+              <a:t>2020/12/10</a:t>
             </a:fld>
             <a:endParaRPr kumimoji="1" lang="ja-JP" altLang="en-US"/>
           </a:p>
@@ -553,6 +577,1004 @@
 </p:notesMaster>
 </file>
 
+<file path=ppt/notesSlides/notesSlide1.xml><?xml version="1.0" encoding="utf-8"?>
+<p:notes xmlns:a="http://schemas.openxmlformats.org/drawingml/2006/main" xmlns:r="http://schemas.openxmlformats.org/officeDocument/2006/relationships" xmlns:p="http://schemas.openxmlformats.org/presentationml/2006/main">
+  <p:cSld>
+    <p:spTree>
+      <p:nvGrpSpPr>
+        <p:cNvPr id="1" name=""/>
+        <p:cNvGrpSpPr/>
+        <p:nvPr/>
+      </p:nvGrpSpPr>
+      <p:grpSpPr>
+        <a:xfrm>
+          <a:off x="0" y="0"/>
+          <a:ext cx="0" cy="0"/>
+          <a:chOff x="0" y="0"/>
+          <a:chExt cx="0" cy="0"/>
+        </a:xfrm>
+      </p:grpSpPr>
+      <p:sp>
+        <p:nvSpPr>
+          <p:cNvPr id="2" name="スライド イメージ プレースホルダー 1"/>
+          <p:cNvSpPr>
+            <a:spLocks noGrp="1" noRot="1" noChangeAspect="1"/>
+          </p:cNvSpPr>
+          <p:nvPr>
+            <p:ph type="sldImg"/>
+          </p:nvPr>
+        </p:nvSpPr>
+        <p:spPr/>
+      </p:sp>
+      <p:sp>
+        <p:nvSpPr>
+          <p:cNvPr id="3" name="ノート プレースホルダー 2"/>
+          <p:cNvSpPr>
+            <a:spLocks noGrp="1"/>
+          </p:cNvSpPr>
+          <p:nvPr>
+            <p:ph type="body" idx="1"/>
+          </p:nvPr>
+        </p:nvSpPr>
+        <p:spPr/>
+        <p:txBody>
+          <a:bodyPr/>
+          <a:lstStyle/>
+          <a:p>
+            <a:r>
+              <a:rPr kumimoji="1" lang="ja-JP" altLang="en-US" dirty="0"/>
+              <a:t>機械学習の分野では深層学習モデルの改良によって</a:t>
+            </a:r>
+            <a:r>
+              <a:rPr kumimoji="1" lang="en-US" altLang="ja-JP" dirty="0"/>
+              <a:t>, </a:t>
+            </a:r>
+            <a:r>
+              <a:rPr kumimoji="1" lang="ja-JP" altLang="en-US" dirty="0"/>
+              <a:t>大きく性能が向上してきました</a:t>
+            </a:r>
+            <a:r>
+              <a:rPr kumimoji="1" lang="en-US" altLang="ja-JP" dirty="0"/>
+              <a:t>.</a:t>
+            </a:r>
+            <a:endParaRPr kumimoji="1" lang="ja-JP" altLang="en-US" dirty="0"/>
+          </a:p>
+        </p:txBody>
+      </p:sp>
+      <p:sp>
+        <p:nvSpPr>
+          <p:cNvPr id="4" name="スライド番号プレースホルダー 3"/>
+          <p:cNvSpPr>
+            <a:spLocks noGrp="1"/>
+          </p:cNvSpPr>
+          <p:nvPr>
+            <p:ph type="sldNum" sz="quarter" idx="5"/>
+          </p:nvPr>
+        </p:nvSpPr>
+        <p:spPr/>
+        <p:txBody>
+          <a:bodyPr/>
+          <a:lstStyle/>
+          <a:p>
+            <a:fld id="{570587E7-E4E0-444A-8778-95544D215363}" type="slidenum">
+              <a:rPr kumimoji="1" lang="ja-JP" altLang="en-US" smtClean="0"/>
+              <a:t>4</a:t>
+            </a:fld>
+            <a:endParaRPr kumimoji="1" lang="ja-JP" altLang="en-US"/>
+          </a:p>
+        </p:txBody>
+      </p:sp>
+    </p:spTree>
+    <p:extLst>
+      <p:ext uri="{BB962C8B-B14F-4D97-AF65-F5344CB8AC3E}">
+        <p14:creationId xmlns:p14="http://schemas.microsoft.com/office/powerpoint/2010/main" val="2290517362"/>
+      </p:ext>
+    </p:extLst>
+  </p:cSld>
+  <p:clrMapOvr>
+    <a:masterClrMapping/>
+  </p:clrMapOvr>
+</p:notes>
+</file>
+
+<file path=ppt/notesSlides/notesSlide2.xml><?xml version="1.0" encoding="utf-8"?>
+<p:notes xmlns:a="http://schemas.openxmlformats.org/drawingml/2006/main" xmlns:r="http://schemas.openxmlformats.org/officeDocument/2006/relationships" xmlns:p="http://schemas.openxmlformats.org/presentationml/2006/main">
+  <p:cSld>
+    <p:spTree>
+      <p:nvGrpSpPr>
+        <p:cNvPr id="1" name=""/>
+        <p:cNvGrpSpPr/>
+        <p:nvPr/>
+      </p:nvGrpSpPr>
+      <p:grpSpPr>
+        <a:xfrm>
+          <a:off x="0" y="0"/>
+          <a:ext cx="0" cy="0"/>
+          <a:chOff x="0" y="0"/>
+          <a:chExt cx="0" cy="0"/>
+        </a:xfrm>
+      </p:grpSpPr>
+      <p:sp>
+        <p:nvSpPr>
+          <p:cNvPr id="2" name="スライド イメージ プレースホルダー 1"/>
+          <p:cNvSpPr>
+            <a:spLocks noGrp="1" noRot="1" noChangeAspect="1"/>
+          </p:cNvSpPr>
+          <p:nvPr>
+            <p:ph type="sldImg"/>
+          </p:nvPr>
+        </p:nvSpPr>
+        <p:spPr/>
+      </p:sp>
+      <p:sp>
+        <p:nvSpPr>
+          <p:cNvPr id="3" name="ノート プレースホルダー 2"/>
+          <p:cNvSpPr>
+            <a:spLocks noGrp="1"/>
+          </p:cNvSpPr>
+          <p:nvPr>
+            <p:ph type="body" idx="1"/>
+          </p:nvPr>
+        </p:nvSpPr>
+        <p:spPr/>
+        <p:txBody>
+          <a:bodyPr/>
+          <a:lstStyle/>
+          <a:p>
+            <a:endParaRPr kumimoji="1" lang="ja-JP" altLang="en-US" dirty="0"/>
+          </a:p>
+        </p:txBody>
+      </p:sp>
+      <p:sp>
+        <p:nvSpPr>
+          <p:cNvPr id="4" name="スライド番号プレースホルダー 3"/>
+          <p:cNvSpPr>
+            <a:spLocks noGrp="1"/>
+          </p:cNvSpPr>
+          <p:nvPr>
+            <p:ph type="sldNum" sz="quarter" idx="5"/>
+          </p:nvPr>
+        </p:nvSpPr>
+        <p:spPr/>
+        <p:txBody>
+          <a:bodyPr/>
+          <a:lstStyle/>
+          <a:p>
+            <a:fld id="{570587E7-E4E0-444A-8778-95544D215363}" type="slidenum">
+              <a:rPr kumimoji="1" lang="ja-JP" altLang="en-US" smtClean="0"/>
+              <a:t>5</a:t>
+            </a:fld>
+            <a:endParaRPr kumimoji="1" lang="ja-JP" altLang="en-US"/>
+          </a:p>
+        </p:txBody>
+      </p:sp>
+    </p:spTree>
+    <p:extLst>
+      <p:ext uri="{BB962C8B-B14F-4D97-AF65-F5344CB8AC3E}">
+        <p14:creationId xmlns:p14="http://schemas.microsoft.com/office/powerpoint/2010/main" val="2519798604"/>
+      </p:ext>
+    </p:extLst>
+  </p:cSld>
+  <p:clrMapOvr>
+    <a:masterClrMapping/>
+  </p:clrMapOvr>
+</p:notes>
+</file>
+
+<file path=ppt/notesSlides/notesSlide3.xml><?xml version="1.0" encoding="utf-8"?>
+<p:notes xmlns:a="http://schemas.openxmlformats.org/drawingml/2006/main" xmlns:r="http://schemas.openxmlformats.org/officeDocument/2006/relationships" xmlns:p="http://schemas.openxmlformats.org/presentationml/2006/main">
+  <p:cSld>
+    <p:spTree>
+      <p:nvGrpSpPr>
+        <p:cNvPr id="1" name=""/>
+        <p:cNvGrpSpPr/>
+        <p:nvPr/>
+      </p:nvGrpSpPr>
+      <p:grpSpPr>
+        <a:xfrm>
+          <a:off x="0" y="0"/>
+          <a:ext cx="0" cy="0"/>
+          <a:chOff x="0" y="0"/>
+          <a:chExt cx="0" cy="0"/>
+        </a:xfrm>
+      </p:grpSpPr>
+      <p:sp>
+        <p:nvSpPr>
+          <p:cNvPr id="2" name="スライド イメージ プレースホルダー 1"/>
+          <p:cNvSpPr>
+            <a:spLocks noGrp="1" noRot="1" noChangeAspect="1"/>
+          </p:cNvSpPr>
+          <p:nvPr>
+            <p:ph type="sldImg"/>
+          </p:nvPr>
+        </p:nvSpPr>
+        <p:spPr/>
+      </p:sp>
+      <p:sp>
+        <p:nvSpPr>
+          <p:cNvPr id="3" name="ノート プレースホルダー 2"/>
+          <p:cNvSpPr>
+            <a:spLocks noGrp="1"/>
+          </p:cNvSpPr>
+          <p:nvPr>
+            <p:ph type="body" idx="1"/>
+          </p:nvPr>
+        </p:nvSpPr>
+        <p:spPr/>
+        <p:txBody>
+          <a:bodyPr/>
+          <a:lstStyle/>
+          <a:p>
+            <a:r>
+              <a:rPr kumimoji="1" lang="ja-JP" altLang="en-US" dirty="0"/>
+              <a:t>一方でモデルの設計は手作業で</a:t>
+            </a:r>
+            <a:r>
+              <a:rPr kumimoji="1" lang="en-US" altLang="ja-JP" dirty="0"/>
+              <a:t>, </a:t>
+            </a:r>
+            <a:r>
+              <a:rPr kumimoji="1" lang="ja-JP" altLang="en-US" dirty="0"/>
+              <a:t>性能を測るまでに長い学習時間が必要になります</a:t>
+            </a:r>
+            <a:r>
+              <a:rPr kumimoji="1" lang="en-US" altLang="ja-JP" dirty="0"/>
+              <a:t>.</a:t>
+            </a:r>
+          </a:p>
+        </p:txBody>
+      </p:sp>
+      <p:sp>
+        <p:nvSpPr>
+          <p:cNvPr id="4" name="スライド番号プレースホルダー 3"/>
+          <p:cNvSpPr>
+            <a:spLocks noGrp="1"/>
+          </p:cNvSpPr>
+          <p:nvPr>
+            <p:ph type="sldNum" sz="quarter" idx="5"/>
+          </p:nvPr>
+        </p:nvSpPr>
+        <p:spPr/>
+        <p:txBody>
+          <a:bodyPr/>
+          <a:lstStyle/>
+          <a:p>
+            <a:fld id="{570587E7-E4E0-444A-8778-95544D215363}" type="slidenum">
+              <a:rPr kumimoji="1" lang="ja-JP" altLang="en-US" smtClean="0"/>
+              <a:t>6</a:t>
+            </a:fld>
+            <a:endParaRPr kumimoji="1" lang="ja-JP" altLang="en-US"/>
+          </a:p>
+        </p:txBody>
+      </p:sp>
+    </p:spTree>
+    <p:extLst>
+      <p:ext uri="{BB962C8B-B14F-4D97-AF65-F5344CB8AC3E}">
+        <p14:creationId xmlns:p14="http://schemas.microsoft.com/office/powerpoint/2010/main" val="4255122120"/>
+      </p:ext>
+    </p:extLst>
+  </p:cSld>
+  <p:clrMapOvr>
+    <a:masterClrMapping/>
+  </p:clrMapOvr>
+</p:notes>
+</file>
+
+<file path=ppt/notesSlides/notesSlide4.xml><?xml version="1.0" encoding="utf-8"?>
+<p:notes xmlns:a="http://schemas.openxmlformats.org/drawingml/2006/main" xmlns:r="http://schemas.openxmlformats.org/officeDocument/2006/relationships" xmlns:p="http://schemas.openxmlformats.org/presentationml/2006/main">
+  <p:cSld>
+    <p:spTree>
+      <p:nvGrpSpPr>
+        <p:cNvPr id="1" name=""/>
+        <p:cNvGrpSpPr/>
+        <p:nvPr/>
+      </p:nvGrpSpPr>
+      <p:grpSpPr>
+        <a:xfrm>
+          <a:off x="0" y="0"/>
+          <a:ext cx="0" cy="0"/>
+          <a:chOff x="0" y="0"/>
+          <a:chExt cx="0" cy="0"/>
+        </a:xfrm>
+      </p:grpSpPr>
+      <p:sp>
+        <p:nvSpPr>
+          <p:cNvPr id="2" name="スライド イメージ プレースホルダー 1"/>
+          <p:cNvSpPr>
+            <a:spLocks noGrp="1" noRot="1" noChangeAspect="1"/>
+          </p:cNvSpPr>
+          <p:nvPr>
+            <p:ph type="sldImg"/>
+          </p:nvPr>
+        </p:nvSpPr>
+        <p:spPr/>
+      </p:sp>
+      <p:sp>
+        <p:nvSpPr>
+          <p:cNvPr id="3" name="ノート プレースホルダー 2"/>
+          <p:cNvSpPr>
+            <a:spLocks noGrp="1"/>
+          </p:cNvSpPr>
+          <p:nvPr>
+            <p:ph type="body" idx="1"/>
+          </p:nvPr>
+        </p:nvSpPr>
+        <p:spPr/>
+        <p:txBody>
+          <a:bodyPr/>
+          <a:lstStyle/>
+          <a:p>
+            <a:r>
+              <a:rPr kumimoji="1" lang="ja-JP" altLang="en-US" dirty="0"/>
+              <a:t>設計に明確な指標がなく</a:t>
+            </a:r>
+            <a:r>
+              <a:rPr kumimoji="1" lang="en-US" altLang="ja-JP" dirty="0"/>
+              <a:t>, </a:t>
+            </a:r>
+            <a:r>
+              <a:rPr kumimoji="1" lang="ja-JP" altLang="en-US" dirty="0"/>
+              <a:t>性能との関係がブラックボックスであるため困難です</a:t>
+            </a:r>
+            <a:r>
+              <a:rPr kumimoji="1" lang="en-US" altLang="ja-JP" dirty="0"/>
+              <a:t>.</a:t>
+            </a:r>
+          </a:p>
+        </p:txBody>
+      </p:sp>
+      <p:sp>
+        <p:nvSpPr>
+          <p:cNvPr id="4" name="スライド番号プレースホルダー 3"/>
+          <p:cNvSpPr>
+            <a:spLocks noGrp="1"/>
+          </p:cNvSpPr>
+          <p:nvPr>
+            <p:ph type="sldNum" sz="quarter" idx="5"/>
+          </p:nvPr>
+        </p:nvSpPr>
+        <p:spPr/>
+        <p:txBody>
+          <a:bodyPr/>
+          <a:lstStyle/>
+          <a:p>
+            <a:fld id="{570587E7-E4E0-444A-8778-95544D215363}" type="slidenum">
+              <a:rPr kumimoji="1" lang="ja-JP" altLang="en-US" smtClean="0"/>
+              <a:t>7</a:t>
+            </a:fld>
+            <a:endParaRPr kumimoji="1" lang="ja-JP" altLang="en-US"/>
+          </a:p>
+        </p:txBody>
+      </p:sp>
+    </p:spTree>
+    <p:extLst>
+      <p:ext uri="{BB962C8B-B14F-4D97-AF65-F5344CB8AC3E}">
+        <p14:creationId xmlns:p14="http://schemas.microsoft.com/office/powerpoint/2010/main" val="1050984735"/>
+      </p:ext>
+    </p:extLst>
+  </p:cSld>
+  <p:clrMapOvr>
+    <a:masterClrMapping/>
+  </p:clrMapOvr>
+</p:notes>
+</file>
+
+<file path=ppt/notesSlides/notesSlide5.xml><?xml version="1.0" encoding="utf-8"?>
+<p:notes xmlns:a="http://schemas.openxmlformats.org/drawingml/2006/main" xmlns:r="http://schemas.openxmlformats.org/officeDocument/2006/relationships" xmlns:p="http://schemas.openxmlformats.org/presentationml/2006/main">
+  <p:cSld>
+    <p:spTree>
+      <p:nvGrpSpPr>
+        <p:cNvPr id="1" name=""/>
+        <p:cNvGrpSpPr/>
+        <p:nvPr/>
+      </p:nvGrpSpPr>
+      <p:grpSpPr>
+        <a:xfrm>
+          <a:off x="0" y="0"/>
+          <a:ext cx="0" cy="0"/>
+          <a:chOff x="0" y="0"/>
+          <a:chExt cx="0" cy="0"/>
+        </a:xfrm>
+      </p:grpSpPr>
+      <p:sp>
+        <p:nvSpPr>
+          <p:cNvPr id="2" name="スライド イメージ プレースホルダー 1"/>
+          <p:cNvSpPr>
+            <a:spLocks noGrp="1" noRot="1" noChangeAspect="1"/>
+          </p:cNvSpPr>
+          <p:nvPr>
+            <p:ph type="sldImg"/>
+          </p:nvPr>
+        </p:nvSpPr>
+        <p:spPr/>
+      </p:sp>
+      <p:sp>
+        <p:nvSpPr>
+          <p:cNvPr id="3" name="ノート プレースホルダー 2"/>
+          <p:cNvSpPr>
+            <a:spLocks noGrp="1"/>
+          </p:cNvSpPr>
+          <p:nvPr>
+            <p:ph type="body" idx="1"/>
+          </p:nvPr>
+        </p:nvSpPr>
+        <p:spPr/>
+        <p:txBody>
+          <a:bodyPr/>
+          <a:lstStyle/>
+          <a:p>
+            <a:r>
+              <a:rPr kumimoji="1" lang="ja-JP" altLang="en-US" dirty="0"/>
+              <a:t>この問題を解決する技術としてニューラルネットワークの設計の自動化手法があります</a:t>
+            </a:r>
+            <a:r>
+              <a:rPr kumimoji="1" lang="en-US" altLang="ja-JP" dirty="0"/>
+              <a:t>.</a:t>
+            </a:r>
+          </a:p>
+          <a:p>
+            <a:r>
+              <a:rPr kumimoji="1" lang="ja-JP" altLang="en-US" dirty="0"/>
+              <a:t>～を自動化する</a:t>
+            </a:r>
+            <a:r>
+              <a:rPr kumimoji="1" lang="en-US" altLang="ja-JP" dirty="0" err="1"/>
+              <a:t>AutoML</a:t>
+            </a:r>
+            <a:r>
+              <a:rPr kumimoji="1" lang="ja-JP" altLang="en-US" dirty="0" err="1"/>
+              <a:t>のいち</a:t>
+            </a:r>
+            <a:r>
+              <a:rPr kumimoji="1" lang="ja-JP" altLang="en-US" dirty="0"/>
+              <a:t>分野です</a:t>
+            </a:r>
+            <a:r>
+              <a:rPr kumimoji="1" lang="en-US" altLang="ja-JP" dirty="0"/>
+              <a:t>.</a:t>
+            </a:r>
+          </a:p>
+          <a:p>
+            <a:endParaRPr kumimoji="1" lang="ja-JP" altLang="en-US" dirty="0"/>
+          </a:p>
+        </p:txBody>
+      </p:sp>
+      <p:sp>
+        <p:nvSpPr>
+          <p:cNvPr id="4" name="スライド番号プレースホルダー 3"/>
+          <p:cNvSpPr>
+            <a:spLocks noGrp="1"/>
+          </p:cNvSpPr>
+          <p:nvPr>
+            <p:ph type="sldNum" sz="quarter" idx="5"/>
+          </p:nvPr>
+        </p:nvSpPr>
+        <p:spPr/>
+        <p:txBody>
+          <a:bodyPr/>
+          <a:lstStyle/>
+          <a:p>
+            <a:fld id="{570587E7-E4E0-444A-8778-95544D215363}" type="slidenum">
+              <a:rPr kumimoji="1" lang="ja-JP" altLang="en-US" smtClean="0"/>
+              <a:t>8</a:t>
+            </a:fld>
+            <a:endParaRPr kumimoji="1" lang="ja-JP" altLang="en-US"/>
+          </a:p>
+        </p:txBody>
+      </p:sp>
+    </p:spTree>
+    <p:extLst>
+      <p:ext uri="{BB962C8B-B14F-4D97-AF65-F5344CB8AC3E}">
+        <p14:creationId xmlns:p14="http://schemas.microsoft.com/office/powerpoint/2010/main" val="1899004349"/>
+      </p:ext>
+    </p:extLst>
+  </p:cSld>
+  <p:clrMapOvr>
+    <a:masterClrMapping/>
+  </p:clrMapOvr>
+</p:notes>
+</file>
+
+<file path=ppt/notesSlides/notesSlide6.xml><?xml version="1.0" encoding="utf-8"?>
+<p:notes xmlns:a="http://schemas.openxmlformats.org/drawingml/2006/main" xmlns:r="http://schemas.openxmlformats.org/officeDocument/2006/relationships" xmlns:p="http://schemas.openxmlformats.org/presentationml/2006/main">
+  <p:cSld>
+    <p:spTree>
+      <p:nvGrpSpPr>
+        <p:cNvPr id="1" name=""/>
+        <p:cNvGrpSpPr/>
+        <p:nvPr/>
+      </p:nvGrpSpPr>
+      <p:grpSpPr>
+        <a:xfrm>
+          <a:off x="0" y="0"/>
+          <a:ext cx="0" cy="0"/>
+          <a:chOff x="0" y="0"/>
+          <a:chExt cx="0" cy="0"/>
+        </a:xfrm>
+      </p:grpSpPr>
+      <p:sp>
+        <p:nvSpPr>
+          <p:cNvPr id="2" name="スライド イメージ プレースホルダー 1"/>
+          <p:cNvSpPr>
+            <a:spLocks noGrp="1" noRot="1" noChangeAspect="1"/>
+          </p:cNvSpPr>
+          <p:nvPr>
+            <p:ph type="sldImg"/>
+          </p:nvPr>
+        </p:nvSpPr>
+        <p:spPr/>
+      </p:sp>
+      <p:sp>
+        <p:nvSpPr>
+          <p:cNvPr id="3" name="ノート プレースホルダー 2"/>
+          <p:cNvSpPr>
+            <a:spLocks noGrp="1"/>
+          </p:cNvSpPr>
+          <p:nvPr>
+            <p:ph type="body" idx="1"/>
+          </p:nvPr>
+        </p:nvSpPr>
+        <p:spPr/>
+        <p:txBody>
+          <a:bodyPr/>
+          <a:lstStyle/>
+          <a:p>
+            <a:pPr marL="0" marR="0" lvl="0" indent="0" algn="l" defTabSz="914400" rtl="0" eaLnBrk="1" fontAlgn="auto" latinLnBrk="0" hangingPunct="1">
+              <a:lnSpc>
+                <a:spcPct val="100000"/>
+              </a:lnSpc>
+              <a:spcBef>
+                <a:spcPts val="0"/>
+              </a:spcBef>
+              <a:spcAft>
+                <a:spcPts val="0"/>
+              </a:spcAft>
+              <a:buClrTx/>
+              <a:buSzTx/>
+              <a:buFontTx/>
+              <a:buNone/>
+              <a:tabLst/>
+              <a:defRPr/>
+            </a:pPr>
+            <a:r>
+              <a:rPr lang="en-US" altLang="ja-JP" dirty="0"/>
+              <a:t>Neural Architecture Search(NAS)</a:t>
+            </a:r>
+            <a:r>
+              <a:rPr kumimoji="1" lang="ja-JP" altLang="en-US" dirty="0"/>
+              <a:t>と</a:t>
+            </a:r>
+            <a:r>
+              <a:rPr lang="en-US" altLang="ja-JP" dirty="0"/>
+              <a:t>Differentiable Architecture Search(DARTS)</a:t>
+            </a:r>
+            <a:r>
+              <a:rPr lang="ja-JP" altLang="en-US" dirty="0"/>
+              <a:t>の２つがあり</a:t>
+            </a:r>
+            <a:r>
+              <a:rPr lang="en-US" altLang="ja-JP" dirty="0"/>
+              <a:t>,</a:t>
+            </a:r>
+          </a:p>
+          <a:p>
+            <a:pPr marL="0" marR="0" lvl="0" indent="0" algn="l" defTabSz="914400" rtl="0" eaLnBrk="1" fontAlgn="auto" latinLnBrk="0" hangingPunct="1">
+              <a:lnSpc>
+                <a:spcPct val="100000"/>
+              </a:lnSpc>
+              <a:spcBef>
+                <a:spcPts val="0"/>
+              </a:spcBef>
+              <a:spcAft>
+                <a:spcPts val="0"/>
+              </a:spcAft>
+              <a:buClrTx/>
+              <a:buSzTx/>
+              <a:buFontTx/>
+              <a:buNone/>
+              <a:tabLst/>
+              <a:defRPr/>
+            </a:pPr>
+            <a:r>
+              <a:rPr lang="ja-JP" altLang="en-US" dirty="0"/>
+              <a:t>より高速に計算できる</a:t>
+            </a:r>
+            <a:r>
+              <a:rPr lang="en-US" altLang="ja-JP" dirty="0"/>
+              <a:t>DARTS</a:t>
+            </a:r>
+            <a:r>
+              <a:rPr lang="ja-JP" altLang="en-US" dirty="0"/>
+              <a:t>が注目されています</a:t>
+            </a:r>
+            <a:r>
+              <a:rPr lang="en-US" altLang="ja-JP" dirty="0"/>
+              <a:t>.</a:t>
+            </a:r>
+          </a:p>
+        </p:txBody>
+      </p:sp>
+      <p:sp>
+        <p:nvSpPr>
+          <p:cNvPr id="4" name="スライド番号プレースホルダー 3"/>
+          <p:cNvSpPr>
+            <a:spLocks noGrp="1"/>
+          </p:cNvSpPr>
+          <p:nvPr>
+            <p:ph type="sldNum" sz="quarter" idx="5"/>
+          </p:nvPr>
+        </p:nvSpPr>
+        <p:spPr/>
+        <p:txBody>
+          <a:bodyPr/>
+          <a:lstStyle/>
+          <a:p>
+            <a:fld id="{570587E7-E4E0-444A-8778-95544D215363}" type="slidenum">
+              <a:rPr kumimoji="1" lang="ja-JP" altLang="en-US" smtClean="0"/>
+              <a:t>9</a:t>
+            </a:fld>
+            <a:endParaRPr kumimoji="1" lang="ja-JP" altLang="en-US"/>
+          </a:p>
+        </p:txBody>
+      </p:sp>
+    </p:spTree>
+    <p:extLst>
+      <p:ext uri="{BB962C8B-B14F-4D97-AF65-F5344CB8AC3E}">
+        <p14:creationId xmlns:p14="http://schemas.microsoft.com/office/powerpoint/2010/main" val="3134533092"/>
+      </p:ext>
+    </p:extLst>
+  </p:cSld>
+  <p:clrMapOvr>
+    <a:masterClrMapping/>
+  </p:clrMapOvr>
+</p:notes>
+</file>
+
+<file path=ppt/notesSlides/notesSlide7.xml><?xml version="1.0" encoding="utf-8"?>
+<p:notes xmlns:a="http://schemas.openxmlformats.org/drawingml/2006/main" xmlns:r="http://schemas.openxmlformats.org/officeDocument/2006/relationships" xmlns:p="http://schemas.openxmlformats.org/presentationml/2006/main">
+  <p:cSld>
+    <p:spTree>
+      <p:nvGrpSpPr>
+        <p:cNvPr id="1" name=""/>
+        <p:cNvGrpSpPr/>
+        <p:nvPr/>
+      </p:nvGrpSpPr>
+      <p:grpSpPr>
+        <a:xfrm>
+          <a:off x="0" y="0"/>
+          <a:ext cx="0" cy="0"/>
+          <a:chOff x="0" y="0"/>
+          <a:chExt cx="0" cy="0"/>
+        </a:xfrm>
+      </p:grpSpPr>
+      <p:sp>
+        <p:nvSpPr>
+          <p:cNvPr id="2" name="スライド イメージ プレースホルダー 1"/>
+          <p:cNvSpPr>
+            <a:spLocks noGrp="1" noRot="1" noChangeAspect="1"/>
+          </p:cNvSpPr>
+          <p:nvPr>
+            <p:ph type="sldImg"/>
+          </p:nvPr>
+        </p:nvSpPr>
+        <p:spPr/>
+      </p:sp>
+      <p:sp>
+        <p:nvSpPr>
+          <p:cNvPr id="3" name="ノート プレースホルダー 2"/>
+          <p:cNvSpPr>
+            <a:spLocks noGrp="1"/>
+          </p:cNvSpPr>
+          <p:nvPr>
+            <p:ph type="body" idx="1"/>
+          </p:nvPr>
+        </p:nvSpPr>
+        <p:spPr/>
+        <p:txBody>
+          <a:bodyPr/>
+          <a:lstStyle/>
+          <a:p>
+            <a:r>
+              <a:rPr lang="en-US" altLang="ja-JP" dirty="0"/>
+              <a:t>Neural Architecture Search(NAS)</a:t>
+            </a:r>
+            <a:r>
+              <a:rPr lang="ja-JP" altLang="en-US" dirty="0"/>
+              <a:t>はニューラルネットワークの構造が各層を表す設定の文字列で表現できることを利用して</a:t>
+            </a:r>
+            <a:endParaRPr kumimoji="1" lang="ja-JP" altLang="en-US" dirty="0"/>
+          </a:p>
+        </p:txBody>
+      </p:sp>
+      <p:sp>
+        <p:nvSpPr>
+          <p:cNvPr id="4" name="スライド番号プレースホルダー 3"/>
+          <p:cNvSpPr>
+            <a:spLocks noGrp="1"/>
+          </p:cNvSpPr>
+          <p:nvPr>
+            <p:ph type="sldNum" sz="quarter" idx="5"/>
+          </p:nvPr>
+        </p:nvSpPr>
+        <p:spPr/>
+        <p:txBody>
+          <a:bodyPr/>
+          <a:lstStyle/>
+          <a:p>
+            <a:fld id="{570587E7-E4E0-444A-8778-95544D215363}" type="slidenum">
+              <a:rPr kumimoji="1" lang="ja-JP" altLang="en-US" smtClean="0"/>
+              <a:t>11</a:t>
+            </a:fld>
+            <a:endParaRPr kumimoji="1" lang="ja-JP" altLang="en-US"/>
+          </a:p>
+        </p:txBody>
+      </p:sp>
+    </p:spTree>
+    <p:extLst>
+      <p:ext uri="{BB962C8B-B14F-4D97-AF65-F5344CB8AC3E}">
+        <p14:creationId xmlns:p14="http://schemas.microsoft.com/office/powerpoint/2010/main" val="3150766192"/>
+      </p:ext>
+    </p:extLst>
+  </p:cSld>
+  <p:clrMapOvr>
+    <a:masterClrMapping/>
+  </p:clrMapOvr>
+</p:notes>
+</file>
+
+<file path=ppt/notesSlides/notesSlide8.xml><?xml version="1.0" encoding="utf-8"?>
+<p:notes xmlns:a="http://schemas.openxmlformats.org/drawingml/2006/main" xmlns:r="http://schemas.openxmlformats.org/officeDocument/2006/relationships" xmlns:p="http://schemas.openxmlformats.org/presentationml/2006/main">
+  <p:cSld>
+    <p:spTree>
+      <p:nvGrpSpPr>
+        <p:cNvPr id="1" name=""/>
+        <p:cNvGrpSpPr/>
+        <p:nvPr/>
+      </p:nvGrpSpPr>
+      <p:grpSpPr>
+        <a:xfrm>
+          <a:off x="0" y="0"/>
+          <a:ext cx="0" cy="0"/>
+          <a:chOff x="0" y="0"/>
+          <a:chExt cx="0" cy="0"/>
+        </a:xfrm>
+      </p:grpSpPr>
+      <p:sp>
+        <p:nvSpPr>
+          <p:cNvPr id="2" name="スライド イメージ プレースホルダー 1"/>
+          <p:cNvSpPr>
+            <a:spLocks noGrp="1" noRot="1" noChangeAspect="1"/>
+          </p:cNvSpPr>
+          <p:nvPr>
+            <p:ph type="sldImg"/>
+          </p:nvPr>
+        </p:nvSpPr>
+        <p:spPr/>
+      </p:sp>
+      <p:sp>
+        <p:nvSpPr>
+          <p:cNvPr id="3" name="ノート プレースホルダー 2"/>
+          <p:cNvSpPr>
+            <a:spLocks noGrp="1"/>
+          </p:cNvSpPr>
+          <p:nvPr>
+            <p:ph type="body" idx="1"/>
+          </p:nvPr>
+        </p:nvSpPr>
+        <p:spPr/>
+        <p:txBody>
+          <a:bodyPr/>
+          <a:lstStyle/>
+          <a:p>
+            <a:r>
+              <a:rPr kumimoji="1" lang="ja-JP" altLang="en-US" dirty="0"/>
+              <a:t>可変長の出力に対応した</a:t>
+            </a:r>
+            <a:r>
+              <a:rPr lang="en-US" altLang="ja-JP" sz="1200" dirty="0"/>
+              <a:t>Recurrent Neural Network(RNN)</a:t>
+            </a:r>
+            <a:r>
+              <a:rPr lang="ja-JP" altLang="en-US" sz="1200" dirty="0"/>
+              <a:t>で設定を生成します</a:t>
+            </a:r>
+            <a:r>
+              <a:rPr lang="en-US" altLang="ja-JP" sz="1200" dirty="0"/>
+              <a:t>.</a:t>
+            </a:r>
+            <a:endParaRPr kumimoji="1" lang="en-US" altLang="ja-JP" sz="1200" dirty="0"/>
+          </a:p>
+          <a:p>
+            <a:r>
+              <a:rPr kumimoji="1" lang="ja-JP" altLang="en-US" sz="1200" dirty="0"/>
+              <a:t>サンプリングしたアーキテクチャの性能から報酬を計算し</a:t>
+            </a:r>
+            <a:r>
+              <a:rPr kumimoji="1" lang="en-US" altLang="ja-JP" sz="1200" dirty="0"/>
+              <a:t>, </a:t>
+            </a:r>
+            <a:r>
+              <a:rPr kumimoji="1" lang="ja-JP" altLang="en-US" sz="1200" dirty="0"/>
+              <a:t>強化学習によってコントローラーと呼ばれる</a:t>
+            </a:r>
+            <a:r>
+              <a:rPr kumimoji="1" lang="en-US" altLang="ja-JP" sz="1200" dirty="0"/>
+              <a:t>RNN</a:t>
+            </a:r>
+            <a:r>
+              <a:rPr kumimoji="1" lang="ja-JP" altLang="en-US" sz="1200" dirty="0"/>
+              <a:t>を訓練します</a:t>
+            </a:r>
+            <a:r>
+              <a:rPr kumimoji="1" lang="en-US" altLang="ja-JP" sz="1200" dirty="0"/>
+              <a:t>.</a:t>
+            </a:r>
+            <a:endParaRPr lang="en-US" altLang="ja-JP" sz="1200" dirty="0"/>
+          </a:p>
+        </p:txBody>
+      </p:sp>
+      <p:sp>
+        <p:nvSpPr>
+          <p:cNvPr id="4" name="スライド番号プレースホルダー 3"/>
+          <p:cNvSpPr>
+            <a:spLocks noGrp="1"/>
+          </p:cNvSpPr>
+          <p:nvPr>
+            <p:ph type="sldNum" sz="quarter" idx="5"/>
+          </p:nvPr>
+        </p:nvSpPr>
+        <p:spPr/>
+        <p:txBody>
+          <a:bodyPr/>
+          <a:lstStyle/>
+          <a:p>
+            <a:fld id="{570587E7-E4E0-444A-8778-95544D215363}" type="slidenum">
+              <a:rPr kumimoji="1" lang="ja-JP" altLang="en-US" smtClean="0"/>
+              <a:t>12</a:t>
+            </a:fld>
+            <a:endParaRPr kumimoji="1" lang="ja-JP" altLang="en-US"/>
+          </a:p>
+        </p:txBody>
+      </p:sp>
+    </p:spTree>
+    <p:extLst>
+      <p:ext uri="{BB962C8B-B14F-4D97-AF65-F5344CB8AC3E}">
+        <p14:creationId xmlns:p14="http://schemas.microsoft.com/office/powerpoint/2010/main" val="2860060002"/>
+      </p:ext>
+    </p:extLst>
+  </p:cSld>
+  <p:clrMapOvr>
+    <a:masterClrMapping/>
+  </p:clrMapOvr>
+</p:notes>
+</file>
+
+<file path=ppt/notesSlides/notesSlide9.xml><?xml version="1.0" encoding="utf-8"?>
+<p:notes xmlns:a="http://schemas.openxmlformats.org/drawingml/2006/main" xmlns:r="http://schemas.openxmlformats.org/officeDocument/2006/relationships" xmlns:p="http://schemas.openxmlformats.org/presentationml/2006/main">
+  <p:cSld>
+    <p:spTree>
+      <p:nvGrpSpPr>
+        <p:cNvPr id="1" name=""/>
+        <p:cNvGrpSpPr/>
+        <p:nvPr/>
+      </p:nvGrpSpPr>
+      <p:grpSpPr>
+        <a:xfrm>
+          <a:off x="0" y="0"/>
+          <a:ext cx="0" cy="0"/>
+          <a:chOff x="0" y="0"/>
+          <a:chExt cx="0" cy="0"/>
+        </a:xfrm>
+      </p:grpSpPr>
+      <p:sp>
+        <p:nvSpPr>
+          <p:cNvPr id="2" name="スライド イメージ プレースホルダー 1"/>
+          <p:cNvSpPr>
+            <a:spLocks noGrp="1" noRot="1" noChangeAspect="1"/>
+          </p:cNvSpPr>
+          <p:nvPr>
+            <p:ph type="sldImg"/>
+          </p:nvPr>
+        </p:nvSpPr>
+        <p:spPr/>
+      </p:sp>
+      <p:sp>
+        <p:nvSpPr>
+          <p:cNvPr id="3" name="ノート プレースホルダー 2"/>
+          <p:cNvSpPr>
+            <a:spLocks noGrp="1"/>
+          </p:cNvSpPr>
+          <p:nvPr>
+            <p:ph type="body" idx="1"/>
+          </p:nvPr>
+        </p:nvSpPr>
+        <p:spPr/>
+        <p:txBody>
+          <a:bodyPr/>
+          <a:lstStyle/>
+          <a:p>
+            <a:r>
+              <a:rPr kumimoji="1" lang="ja-JP" altLang="en-US" dirty="0"/>
+              <a:t>コントローラーの出力からサンプリングしたアーキテクチャは子ネットワークとして</a:t>
+            </a:r>
+            <a:r>
+              <a:rPr kumimoji="1" lang="en-US" altLang="ja-JP" dirty="0"/>
+              <a:t>, </a:t>
+            </a:r>
+            <a:r>
+              <a:rPr kumimoji="1" lang="ja-JP" altLang="en-US" dirty="0"/>
+              <a:t>レイヤーの重みを１から学習します</a:t>
+            </a:r>
+            <a:r>
+              <a:rPr kumimoji="1" lang="en-US" altLang="ja-JP" dirty="0"/>
+              <a:t>.</a:t>
+            </a:r>
+          </a:p>
+          <a:p>
+            <a:r>
+              <a:rPr kumimoji="1" lang="ja-JP" altLang="en-US" dirty="0"/>
+              <a:t>したがって２重の最適化問題となり学習には</a:t>
+            </a:r>
+            <a:r>
+              <a:rPr kumimoji="1" lang="en-US" altLang="ja-JP" dirty="0"/>
+              <a:t>GPU</a:t>
+            </a:r>
+            <a:r>
+              <a:rPr kumimoji="1" lang="ja-JP" altLang="en-US" dirty="0"/>
+              <a:t>で</a:t>
+            </a:r>
+            <a:r>
+              <a:rPr kumimoji="1" lang="en-US" altLang="ja-JP" dirty="0"/>
+              <a:t>3000</a:t>
+            </a:r>
+            <a:r>
+              <a:rPr kumimoji="1" lang="ja-JP" altLang="en-US" dirty="0"/>
+              <a:t>日に相当する計算コストが必要になるという問題点があります</a:t>
+            </a:r>
+            <a:r>
+              <a:rPr kumimoji="1" lang="en-US" altLang="ja-JP" dirty="0"/>
+              <a:t>.</a:t>
+            </a:r>
+            <a:endParaRPr kumimoji="1" lang="ja-JP" altLang="en-US" dirty="0"/>
+          </a:p>
+        </p:txBody>
+      </p:sp>
+      <p:sp>
+        <p:nvSpPr>
+          <p:cNvPr id="4" name="スライド番号プレースホルダー 3"/>
+          <p:cNvSpPr>
+            <a:spLocks noGrp="1"/>
+          </p:cNvSpPr>
+          <p:nvPr>
+            <p:ph type="sldNum" sz="quarter" idx="5"/>
+          </p:nvPr>
+        </p:nvSpPr>
+        <p:spPr/>
+        <p:txBody>
+          <a:bodyPr/>
+          <a:lstStyle/>
+          <a:p>
+            <a:fld id="{570587E7-E4E0-444A-8778-95544D215363}" type="slidenum">
+              <a:rPr kumimoji="1" lang="ja-JP" altLang="en-US" smtClean="0"/>
+              <a:t>13</a:t>
+            </a:fld>
+            <a:endParaRPr kumimoji="1" lang="ja-JP" altLang="en-US"/>
+          </a:p>
+        </p:txBody>
+      </p:sp>
+    </p:spTree>
+    <p:extLst>
+      <p:ext uri="{BB962C8B-B14F-4D97-AF65-F5344CB8AC3E}">
+        <p14:creationId xmlns:p14="http://schemas.microsoft.com/office/powerpoint/2010/main" val="1983538547"/>
+      </p:ext>
+    </p:extLst>
+  </p:cSld>
+  <p:clrMapOvr>
+    <a:masterClrMapping/>
+  </p:clrMapOvr>
+</p:notes>
+</file>
+
 <file path=ppt/slideLayouts/slideLayout1.xml><?xml version="1.0" encoding="utf-8"?>
 <p:sldLayout xmlns:a="http://schemas.openxmlformats.org/drawingml/2006/main" xmlns:r="http://schemas.openxmlformats.org/officeDocument/2006/relationships" xmlns:p="http://schemas.openxmlformats.org/presentationml/2006/main" showMasterSp="0" type="title" preserve="1">
   <p:cSld name="タイトル スライド">
@@ -779,7 +1801,7 @@
           <a:p>
             <a:fld id="{9B47CC6C-0BCA-49E7-9502-D3CF83D28DEA}" type="datetime1">
               <a:rPr kumimoji="1" lang="ja-JP" altLang="en-US" smtClean="0"/>
-              <a:t>2020/12/9</a:t>
+              <a:t>2020/12/10</a:t>
             </a:fld>
             <a:endParaRPr kumimoji="1" lang="ja-JP" altLang="en-US"/>
           </a:p>
@@ -1019,7 +2041,7 @@
           <a:p>
             <a:fld id="{14082961-CEA8-40E3-8834-973664243B95}" type="datetime1">
               <a:rPr kumimoji="1" lang="ja-JP" altLang="en-US" smtClean="0"/>
-              <a:t>2020/12/9</a:t>
+              <a:t>2020/12/10</a:t>
             </a:fld>
             <a:endParaRPr kumimoji="1" lang="ja-JP" altLang="en-US"/>
           </a:p>
@@ -1307,7 +2329,7 @@
           <a:p>
             <a:fld id="{989293CA-8B37-445A-89D4-B01F387DE081}" type="datetime1">
               <a:rPr kumimoji="1" lang="ja-JP" altLang="en-US" smtClean="0"/>
-              <a:t>2020/12/9</a:t>
+              <a:t>2020/12/10</a:t>
             </a:fld>
             <a:endParaRPr kumimoji="1" lang="ja-JP" altLang="en-US"/>
           </a:p>
@@ -1509,7 +2531,7 @@
           <a:p>
             <a:fld id="{DB4497E6-87F3-4396-8251-710D4A6599E0}" type="datetime1">
               <a:rPr kumimoji="1" lang="ja-JP" altLang="en-US" smtClean="0"/>
-              <a:t>2020/12/9</a:t>
+              <a:t>2020/12/10</a:t>
             </a:fld>
             <a:endParaRPr kumimoji="1" lang="ja-JP" altLang="en-US"/>
           </a:p>
@@ -1852,7 +2874,7 @@
           <a:p>
             <a:fld id="{04833E01-108C-48AE-A4C2-19397A8CB9D7}" type="datetime1">
               <a:rPr kumimoji="1" lang="ja-JP" altLang="en-US" smtClean="0"/>
-              <a:t>2020/12/9</a:t>
+              <a:t>2020/12/10</a:t>
             </a:fld>
             <a:endParaRPr kumimoji="1" lang="ja-JP" altLang="en-US"/>
           </a:p>
@@ -2191,7 +3213,7 @@
           <a:p>
             <a:fld id="{B88E97AF-5112-4964-AAFB-A3FABC008EAC}" type="datetime1">
               <a:rPr kumimoji="1" lang="ja-JP" altLang="en-US" smtClean="0"/>
-              <a:t>2020/12/9</a:t>
+              <a:t>2020/12/10</a:t>
             </a:fld>
             <a:endParaRPr kumimoji="1" lang="ja-JP" altLang="en-US"/>
           </a:p>
@@ -2634,7 +3656,7 @@
           <a:p>
             <a:fld id="{C835F2E5-5BFD-4592-911E-92A68179C662}" type="datetime1">
               <a:rPr kumimoji="1" lang="ja-JP" altLang="en-US" smtClean="0"/>
-              <a:t>2020/12/9</a:t>
+              <a:t>2020/12/10</a:t>
             </a:fld>
             <a:endParaRPr kumimoji="1" lang="ja-JP" altLang="en-US"/>
           </a:p>
@@ -2752,7 +3774,7 @@
           <a:p>
             <a:fld id="{D2DD52F3-5492-4130-A242-4A72A33D3831}" type="datetime1">
               <a:rPr kumimoji="1" lang="ja-JP" altLang="en-US" smtClean="0"/>
-              <a:t>2020/12/9</a:t>
+              <a:t>2020/12/10</a:t>
             </a:fld>
             <a:endParaRPr kumimoji="1" lang="ja-JP" altLang="en-US"/>
           </a:p>
@@ -2923,7 +3945,7 @@
           <a:p>
             <a:fld id="{5E184D4D-1537-4317-B85A-7FF8A83D020D}" type="datetime1">
               <a:rPr kumimoji="1" lang="ja-JP" altLang="en-US" smtClean="0"/>
-              <a:t>2020/12/9</a:t>
+              <a:t>2020/12/10</a:t>
             </a:fld>
             <a:endParaRPr kumimoji="1" lang="ja-JP" altLang="en-US"/>
           </a:p>
@@ -3309,7 +4331,7 @@
           <a:p>
             <a:fld id="{CADC16A3-AE2D-4A2B-A857-2C1BC6DF0707}" type="datetime1">
               <a:rPr kumimoji="1" lang="ja-JP" altLang="en-US" smtClean="0"/>
-              <a:t>2020/12/9</a:t>
+              <a:t>2020/12/10</a:t>
             </a:fld>
             <a:endParaRPr kumimoji="1" lang="ja-JP" altLang="en-US"/>
           </a:p>
@@ -3691,7 +4713,7 @@
           <a:p>
             <a:fld id="{0D36FC5C-7EB5-41FF-83D7-A66B170C131F}" type="datetime1">
               <a:rPr kumimoji="1" lang="ja-JP" altLang="en-US" smtClean="0"/>
-              <a:t>2020/12/9</a:t>
+              <a:t>2020/12/10</a:t>
             </a:fld>
             <a:endParaRPr kumimoji="1" lang="ja-JP" altLang="en-US"/>
           </a:p>
@@ -4015,7 +5037,7 @@
           <a:p>
             <a:fld id="{BC845B85-1C77-4A11-A428-E7F2B0C1EFBD}" type="datetime1">
               <a:rPr kumimoji="1" lang="ja-JP" altLang="en-US" smtClean="0"/>
-              <a:t>2020/12/9</a:t>
+              <a:t>2020/12/10</a:t>
             </a:fld>
             <a:endParaRPr kumimoji="1" lang="ja-JP" altLang="en-US"/>
           </a:p>
@@ -4605,17 +5627,62 @@
         </p:nvSpPr>
         <p:spPr/>
         <p:txBody>
-          <a:bodyPr/>
-          <a:lstStyle/>
-          <a:p>
-            <a:r>
-              <a:rPr kumimoji="1" lang="en-US" altLang="ja-JP" dirty="0"/>
+          <a:bodyPr>
+            <a:noAutofit/>
+          </a:bodyPr>
+          <a:lstStyle/>
+          <a:p>
+            <a:r>
+              <a:rPr lang="en-US" altLang="ja-JP" sz="5400" dirty="0">
+                <a:solidFill>
+                  <a:schemeClr val="accent1"/>
+                </a:solidFill>
+              </a:rPr>
               <a:t>DARTS</a:t>
             </a:r>
             <a:r>
-              <a:rPr kumimoji="1" lang="ja-JP" altLang="en-US" dirty="0"/>
-              <a:t>を用いたあれのあれ</a:t>
-            </a:r>
+              <a:rPr lang="ja-JP" altLang="en-US" sz="4800" dirty="0"/>
+              <a:t>を</a:t>
+            </a:r>
+            <a:r>
+              <a:rPr lang="ja-JP" altLang="en-US" sz="5400" dirty="0"/>
+              <a:t>用いた</a:t>
+            </a:r>
+            <a:r>
+              <a:rPr lang="en-US" altLang="ja-JP" sz="5400" dirty="0"/>
+              <a:t>VGG</a:t>
+            </a:r>
+            <a:r>
+              <a:rPr lang="ja-JP" altLang="en-US" sz="4800" dirty="0"/>
+              <a:t>の</a:t>
+            </a:r>
+            <a:br>
+              <a:rPr lang="en-US" altLang="ja-JP" sz="5400" dirty="0"/>
+            </a:br>
+            <a:r>
+              <a:rPr lang="ja-JP" altLang="en-US" sz="5400" dirty="0"/>
+              <a:t>ショートカット探索</a:t>
+            </a:r>
+            <a:r>
+              <a:rPr lang="ja-JP" altLang="en-US" sz="4800" dirty="0"/>
+              <a:t>と</a:t>
+            </a:r>
+            <a:br>
+              <a:rPr lang="en-US" altLang="ja-JP" sz="5400" dirty="0"/>
+            </a:br>
+            <a:r>
+              <a:rPr lang="en-US" altLang="ja-JP" sz="5400" dirty="0"/>
+              <a:t>GA</a:t>
+            </a:r>
+            <a:r>
+              <a:rPr lang="ja-JP" altLang="en-US" sz="4800" dirty="0"/>
+              <a:t>による</a:t>
+            </a:r>
+            <a:r>
+              <a:rPr lang="ja-JP" altLang="en-US" sz="5400" dirty="0"/>
+              <a:t>改良</a:t>
+            </a:r>
+            <a:endParaRPr kumimoji="1" lang="ja-JP" altLang="en-US" sz="5400" dirty="0"/>
           </a:p>
         </p:txBody>
       </p:sp>
@@ -4726,7 +5793,7 @@
           <p:cNvPr id="2" name="タイトル 1">
             <a:extLst>
               <a:ext uri="{FF2B5EF4-FFF2-40B4-BE49-F238E27FC236}">
-                <a16:creationId xmlns:a16="http://schemas.microsoft.com/office/drawing/2014/main" id="{7E5BB624-BE56-4867-9585-F357CD4FE919}"/>
+                <a16:creationId xmlns:a16="http://schemas.microsoft.com/office/drawing/2014/main" id="{99A71CDC-97C2-465F-8B9B-AE9D55104F50}"/>
               </a:ext>
             </a:extLst>
           </p:cNvPr>
@@ -4735,95 +5802,175 @@
           </p:cNvSpPr>
           <p:nvPr>
             <p:ph type="title"/>
+          </p:nvPr>
+        </p:nvSpPr>
+        <p:spPr/>
+        <p:txBody>
+          <a:bodyPr/>
+          <a:lstStyle/>
+          <a:p>
+            <a:r>
+              <a:rPr kumimoji="1" lang="ja-JP" altLang="en-US" dirty="0"/>
+              <a:t>発表の流れ</a:t>
+            </a:r>
+          </a:p>
+        </p:txBody>
+      </p:sp>
+      <p:sp>
+        <p:nvSpPr>
+          <p:cNvPr id="3" name="コンテンツ プレースホルダー 2">
+            <a:extLst>
+              <a:ext uri="{FF2B5EF4-FFF2-40B4-BE49-F238E27FC236}">
+                <a16:creationId xmlns:a16="http://schemas.microsoft.com/office/drawing/2014/main" id="{EA6F3566-9A84-4DED-A27B-A69CD8CF6C57}"/>
+              </a:ext>
+            </a:extLst>
+          </p:cNvPr>
+          <p:cNvSpPr>
+            <a:spLocks noGrp="1"/>
+          </p:cNvSpPr>
+          <p:nvPr>
+            <p:ph idx="1"/>
           </p:nvPr>
         </p:nvSpPr>
         <p:spPr>
           <a:xfrm>
-            <a:off x="706581" y="231067"/>
-            <a:ext cx="8093469" cy="1026234"/>
+            <a:off x="822959" y="1661049"/>
+            <a:ext cx="7543801" cy="4531925"/>
           </a:xfrm>
         </p:spPr>
         <p:txBody>
-          <a:bodyPr>
-            <a:noAutofit/>
-          </a:bodyPr>
-          <a:lstStyle/>
-          <a:p>
-            <a:r>
-              <a:rPr lang="en-US" altLang="ja-JP" sz="3600" dirty="0"/>
-              <a:t>Differentiable Architecture Search</a:t>
-            </a:r>
-            <a:endParaRPr kumimoji="1" lang="ja-JP" altLang="en-US" sz="3600" dirty="0"/>
-          </a:p>
-        </p:txBody>
-      </p:sp>
-      <p:sp>
-        <p:nvSpPr>
-          <p:cNvPr id="3" name="コンテンツ プレースホルダー 2">
+          <a:bodyPr/>
+          <a:lstStyle/>
+          <a:p>
+            <a:pPr marL="742950" indent="-742950">
+              <a:buFont typeface="+mj-lt"/>
+              <a:buAutoNum type="arabicPeriod"/>
+            </a:pPr>
+            <a:r>
+              <a:rPr kumimoji="1" lang="ja-JP" altLang="en-US" dirty="0">
+                <a:solidFill>
+                  <a:schemeClr val="bg1">
+                    <a:lumMod val="75000"/>
+                  </a:schemeClr>
+                </a:solidFill>
+              </a:rPr>
+              <a:t>はじめに</a:t>
+            </a:r>
+            <a:endParaRPr kumimoji="1" lang="en-US" altLang="ja-JP" dirty="0">
+              <a:solidFill>
+                <a:schemeClr val="bg1">
+                  <a:lumMod val="75000"/>
+                </a:schemeClr>
+              </a:solidFill>
+            </a:endParaRPr>
+          </a:p>
+          <a:p>
+            <a:pPr marL="742950" indent="-742950">
+              <a:buFont typeface="+mj-lt"/>
+              <a:buAutoNum type="arabicPeriod"/>
+            </a:pPr>
+            <a:r>
+              <a:rPr lang="ja-JP" altLang="en-US" dirty="0"/>
+              <a:t>要素技術</a:t>
+            </a:r>
+            <a:endParaRPr lang="en-US" altLang="ja-JP" dirty="0"/>
+          </a:p>
+          <a:p>
+            <a:pPr marL="742950" indent="-742950">
+              <a:buFont typeface="+mj-lt"/>
+              <a:buAutoNum type="arabicPeriod"/>
+            </a:pPr>
+            <a:r>
+              <a:rPr lang="ja-JP" altLang="en-US" dirty="0">
+                <a:solidFill>
+                  <a:schemeClr val="bg1">
+                    <a:lumMod val="75000"/>
+                  </a:schemeClr>
+                </a:solidFill>
+              </a:rPr>
+              <a:t>問題</a:t>
+            </a:r>
+            <a:endParaRPr lang="en-US" altLang="ja-JP" dirty="0">
+              <a:solidFill>
+                <a:schemeClr val="bg1">
+                  <a:lumMod val="75000"/>
+                </a:schemeClr>
+              </a:solidFill>
+            </a:endParaRPr>
+          </a:p>
+          <a:p>
+            <a:pPr marL="742950" indent="-742950">
+              <a:buFont typeface="+mj-lt"/>
+              <a:buAutoNum type="arabicPeriod"/>
+            </a:pPr>
+            <a:r>
+              <a:rPr kumimoji="1" lang="ja-JP" altLang="en-US" dirty="0">
+                <a:solidFill>
+                  <a:schemeClr val="bg1">
+                    <a:lumMod val="75000"/>
+                  </a:schemeClr>
+                </a:solidFill>
+              </a:rPr>
+              <a:t>手法１</a:t>
+            </a:r>
+            <a:endParaRPr kumimoji="1" lang="en-US" altLang="ja-JP" dirty="0">
+              <a:solidFill>
+                <a:schemeClr val="bg1">
+                  <a:lumMod val="75000"/>
+                </a:schemeClr>
+              </a:solidFill>
+            </a:endParaRPr>
+          </a:p>
+          <a:p>
+            <a:pPr marL="742950" indent="-742950">
+              <a:buFont typeface="+mj-lt"/>
+              <a:buAutoNum type="arabicPeriod"/>
+            </a:pPr>
+            <a:r>
+              <a:rPr lang="ja-JP" altLang="en-US" dirty="0">
+                <a:solidFill>
+                  <a:schemeClr val="bg1">
+                    <a:lumMod val="75000"/>
+                  </a:schemeClr>
+                </a:solidFill>
+              </a:rPr>
+              <a:t>手法２</a:t>
+            </a:r>
+            <a:r>
+              <a:rPr lang="en-US" altLang="ja-JP" dirty="0">
+                <a:solidFill>
+                  <a:schemeClr val="bg1">
+                    <a:lumMod val="75000"/>
+                  </a:schemeClr>
+                </a:solidFill>
+              </a:rPr>
+              <a:t>(GA)</a:t>
+            </a:r>
+          </a:p>
+          <a:p>
+            <a:pPr marL="742950" indent="-742950">
+              <a:buFont typeface="+mj-lt"/>
+              <a:buAutoNum type="arabicPeriod"/>
+            </a:pPr>
+            <a:r>
+              <a:rPr kumimoji="1" lang="ja-JP" altLang="en-US" dirty="0">
+                <a:solidFill>
+                  <a:schemeClr val="bg1">
+                    <a:lumMod val="75000"/>
+                  </a:schemeClr>
+                </a:solidFill>
+              </a:rPr>
+              <a:t>まとめと今後の課題</a:t>
+            </a:r>
+          </a:p>
+        </p:txBody>
+      </p:sp>
+      <p:sp>
+        <p:nvSpPr>
+          <p:cNvPr id="4" name="スライド番号プレースホルダー 3">
             <a:extLst>
               <a:ext uri="{FF2B5EF4-FFF2-40B4-BE49-F238E27FC236}">
-                <a16:creationId xmlns:a16="http://schemas.microsoft.com/office/drawing/2014/main" id="{D5F8401B-29A8-461B-9A1D-E98E8F2DFFAB}"/>
-              </a:ext>
-            </a:extLst>
-          </p:cNvPr>
-          <p:cNvSpPr>
-            <a:spLocks noGrp="1"/>
-          </p:cNvSpPr>
-          <p:nvPr>
-            <p:ph idx="1"/>
-          </p:nvPr>
-        </p:nvSpPr>
-        <p:spPr/>
-        <p:txBody>
-          <a:bodyPr/>
-          <a:lstStyle/>
-          <a:p>
-            <a:r>
-              <a:rPr lang="ja-JP" altLang="en-US" dirty="0"/>
-              <a:t>離散的なアーキテクチャ探索空間に強化学習を適用した</a:t>
-            </a:r>
-            <a:r>
-              <a:rPr lang="en-US" altLang="ja-JP" dirty="0"/>
-              <a:t>NAS</a:t>
-            </a:r>
-            <a:r>
-              <a:rPr lang="ja-JP" altLang="en-US" dirty="0"/>
-              <a:t>とは異なり</a:t>
-            </a:r>
-            <a:r>
-              <a:rPr lang="en-US" altLang="ja-JP" dirty="0"/>
-              <a:t>,</a:t>
-            </a:r>
-          </a:p>
-          <a:p>
-            <a:r>
-              <a:rPr lang="ja-JP" altLang="en-US" dirty="0"/>
-              <a:t>微分可能な方法で定式化し</a:t>
-            </a:r>
-            <a:r>
-              <a:rPr lang="en-US" altLang="ja-JP" dirty="0"/>
-              <a:t>,</a:t>
-            </a:r>
-          </a:p>
-          <a:p>
-            <a:r>
-              <a:rPr lang="ja-JP" altLang="en-US" dirty="0"/>
-              <a:t>偏微分による勾配降下法を使用してアーキテクチャを効率的に探索する手法である</a:t>
-            </a:r>
-            <a:r>
-              <a:rPr lang="en-US" altLang="ja-JP" dirty="0"/>
-              <a:t>.</a:t>
-            </a:r>
-            <a:endParaRPr kumimoji="1" lang="ja-JP" altLang="en-US" dirty="0"/>
-          </a:p>
-        </p:txBody>
-      </p:sp>
-      <p:sp>
-        <p:nvSpPr>
-          <p:cNvPr id="4" name="スライド番号プレースホルダー 3">
-            <a:extLst>
-              <a:ext uri="{FF2B5EF4-FFF2-40B4-BE49-F238E27FC236}">
-                <a16:creationId xmlns:a16="http://schemas.microsoft.com/office/drawing/2014/main" id="{91DE9D33-9930-42E5-848C-6F9826B1D290}"/>
+                <a16:creationId xmlns:a16="http://schemas.microsoft.com/office/drawing/2014/main" id="{35C788A5-E800-4B67-8212-144F12E0C41A}"/>
               </a:ext>
             </a:extLst>
           </p:cNvPr>
@@ -4850,7 +5997,7 @@
     </p:spTree>
     <p:extLst>
       <p:ext uri="{BB962C8B-B14F-4D97-AF65-F5344CB8AC3E}">
-        <p14:creationId xmlns:p14="http://schemas.microsoft.com/office/powerpoint/2010/main" val="2608416085"/>
+        <p14:creationId xmlns:p14="http://schemas.microsoft.com/office/powerpoint/2010/main" val="1056141456"/>
       </p:ext>
     </p:extLst>
   </p:cSld>
@@ -4882,6 +6029,1300 @@
           <p:cNvPr id="2" name="タイトル 1">
             <a:extLst>
               <a:ext uri="{FF2B5EF4-FFF2-40B4-BE49-F238E27FC236}">
+                <a16:creationId xmlns:a16="http://schemas.microsoft.com/office/drawing/2014/main" id="{EED97EF8-2612-4359-9850-09E978F5F444}"/>
+              </a:ext>
+            </a:extLst>
+          </p:cNvPr>
+          <p:cNvSpPr>
+            <a:spLocks noGrp="1"/>
+          </p:cNvSpPr>
+          <p:nvPr>
+            <p:ph type="title"/>
+          </p:nvPr>
+        </p:nvSpPr>
+        <p:spPr/>
+        <p:txBody>
+          <a:bodyPr/>
+          <a:lstStyle/>
+          <a:p>
+            <a:r>
+              <a:rPr lang="en-US" altLang="ja-JP" dirty="0"/>
+              <a:t>Neural Architecture Search</a:t>
+            </a:r>
+            <a:endParaRPr kumimoji="1" lang="ja-JP" altLang="en-US" dirty="0"/>
+          </a:p>
+        </p:txBody>
+      </p:sp>
+      <p:sp>
+        <p:nvSpPr>
+          <p:cNvPr id="3" name="コンテンツ プレースホルダー 2">
+            <a:extLst>
+              <a:ext uri="{FF2B5EF4-FFF2-40B4-BE49-F238E27FC236}">
+                <a16:creationId xmlns:a16="http://schemas.microsoft.com/office/drawing/2014/main" id="{742C36E0-8479-42F3-93D3-0D97D61DC80F}"/>
+              </a:ext>
+            </a:extLst>
+          </p:cNvPr>
+          <p:cNvSpPr>
+            <a:spLocks noGrp="1"/>
+          </p:cNvSpPr>
+          <p:nvPr>
+            <p:ph idx="1"/>
+          </p:nvPr>
+        </p:nvSpPr>
+        <p:spPr>
+          <a:xfrm>
+            <a:off x="822959" y="1597982"/>
+            <a:ext cx="7543801" cy="1474378"/>
+          </a:xfrm>
+        </p:spPr>
+        <p:txBody>
+          <a:bodyPr>
+            <a:normAutofit/>
+          </a:bodyPr>
+          <a:lstStyle/>
+          <a:p>
+            <a:r>
+              <a:rPr lang="ja-JP" altLang="en-US" dirty="0"/>
+              <a:t>ニューラルネットワークの構造</a:t>
+            </a:r>
+            <a:endParaRPr lang="en-US" altLang="ja-JP" dirty="0"/>
+          </a:p>
+          <a:p>
+            <a:r>
+              <a:rPr lang="ja-JP" altLang="en-US" dirty="0"/>
+              <a:t>を設定の文字列で表現</a:t>
+            </a:r>
+            <a:endParaRPr kumimoji="1" lang="ja-JP" altLang="en-US" dirty="0"/>
+          </a:p>
+        </p:txBody>
+      </p:sp>
+      <p:sp>
+        <p:nvSpPr>
+          <p:cNvPr id="4" name="スライド番号プレースホルダー 3">
+            <a:extLst>
+              <a:ext uri="{FF2B5EF4-FFF2-40B4-BE49-F238E27FC236}">
+                <a16:creationId xmlns:a16="http://schemas.microsoft.com/office/drawing/2014/main" id="{FD4ED43B-7FAE-4BDC-BEF6-8A04D01720B7}"/>
+              </a:ext>
+            </a:extLst>
+          </p:cNvPr>
+          <p:cNvSpPr>
+            <a:spLocks noGrp="1"/>
+          </p:cNvSpPr>
+          <p:nvPr>
+            <p:ph type="sldNum" sz="quarter" idx="12"/>
+          </p:nvPr>
+        </p:nvSpPr>
+        <p:spPr/>
+        <p:txBody>
+          <a:bodyPr/>
+          <a:lstStyle/>
+          <a:p>
+            <a:fld id="{304739FC-810C-4CDC-B60F-21F1951FBC64}" type="slidenum">
+              <a:rPr kumimoji="1" lang="ja-JP" altLang="en-US" smtClean="0"/>
+              <a:t>11</a:t>
+            </a:fld>
+            <a:endParaRPr kumimoji="1" lang="ja-JP" altLang="en-US"/>
+          </a:p>
+        </p:txBody>
+      </p:sp>
+      <p:sp>
+        <p:nvSpPr>
+          <p:cNvPr id="5" name="正方形/長方形 4">
+            <a:extLst>
+              <a:ext uri="{FF2B5EF4-FFF2-40B4-BE49-F238E27FC236}">
+                <a16:creationId xmlns:a16="http://schemas.microsoft.com/office/drawing/2014/main" id="{898D59A6-B6E0-4901-B8F2-7ECFE3154B3F}"/>
+              </a:ext>
+            </a:extLst>
+          </p:cNvPr>
+          <p:cNvSpPr/>
+          <p:nvPr/>
+        </p:nvSpPr>
+        <p:spPr>
+          <a:xfrm>
+            <a:off x="706582" y="6353489"/>
+            <a:ext cx="7321110" cy="523220"/>
+          </a:xfrm>
+          <a:prstGeom prst="rect">
+            <a:avLst/>
+          </a:prstGeom>
+          <a:noFill/>
+          <a:ln>
+            <a:noFill/>
+          </a:ln>
+        </p:spPr>
+        <p:style>
+          <a:lnRef idx="0">
+            <a:scrgbClr r="0" g="0" b="0"/>
+          </a:lnRef>
+          <a:fillRef idx="0">
+            <a:scrgbClr r="0" g="0" b="0"/>
+          </a:fillRef>
+          <a:effectRef idx="0">
+            <a:scrgbClr r="0" g="0" b="0"/>
+          </a:effectRef>
+          <a:fontRef idx="minor">
+            <a:schemeClr val="accent1"/>
+          </a:fontRef>
+        </p:style>
+        <p:txBody>
+          <a:bodyPr wrap="square">
+            <a:spAutoFit/>
+          </a:bodyPr>
+          <a:lstStyle/>
+          <a:p>
+            <a:r>
+              <a:rPr lang="en-US" altLang="ja-JP" sz="1400" dirty="0">
+                <a:solidFill>
+                  <a:schemeClr val="bg1"/>
+                </a:solidFill>
+              </a:rPr>
+              <a:t>Barret </a:t>
+            </a:r>
+            <a:r>
+              <a:rPr lang="en-US" altLang="ja-JP" sz="1400" dirty="0" err="1">
+                <a:solidFill>
+                  <a:schemeClr val="bg1"/>
+                </a:solidFill>
+              </a:rPr>
+              <a:t>Zoph</a:t>
+            </a:r>
+            <a:r>
+              <a:rPr lang="en-US" altLang="ja-JP" sz="1400" dirty="0">
+                <a:solidFill>
+                  <a:schemeClr val="bg1"/>
+                </a:solidFill>
+              </a:rPr>
+              <a:t> and Quoc V. Le. Neural architecture search with reinforcement learning. abs/1611.01578, 2016. </a:t>
+            </a:r>
+            <a:endParaRPr lang="ja-JP" altLang="en-US" sz="1400" dirty="0">
+              <a:solidFill>
+                <a:schemeClr val="bg1"/>
+              </a:solidFill>
+            </a:endParaRPr>
+          </a:p>
+        </p:txBody>
+      </p:sp>
+      <p:pic>
+        <p:nvPicPr>
+          <p:cNvPr id="10" name="Picture 4" descr="Deep Learning VGG">
+            <a:extLst>
+              <a:ext uri="{FF2B5EF4-FFF2-40B4-BE49-F238E27FC236}">
+                <a16:creationId xmlns:a16="http://schemas.microsoft.com/office/drawing/2014/main" id="{EFDF56AC-D9B4-4107-9B40-A0DD1B6099FA}"/>
+              </a:ext>
+            </a:extLst>
+          </p:cNvPr>
+          <p:cNvPicPr>
+            <a:picLocks noChangeAspect="1" noChangeArrowheads="1"/>
+          </p:cNvPicPr>
+          <p:nvPr/>
+        </p:nvPicPr>
+        <p:blipFill>
+          <a:blip r:embed="rId3">
+            <a:extLst>
+              <a:ext uri="{28A0092B-C50C-407E-A947-70E740481C1C}">
+                <a14:useLocalDpi xmlns:a14="http://schemas.microsoft.com/office/drawing/2010/main" val="0"/>
+              </a:ext>
+            </a:extLst>
+          </a:blip>
+          <a:srcRect/>
+          <a:stretch>
+            <a:fillRect/>
+          </a:stretch>
+        </p:blipFill>
+        <p:spPr bwMode="auto">
+          <a:xfrm>
+            <a:off x="1089291" y="3760656"/>
+            <a:ext cx="2867025" cy="1590675"/>
+          </a:xfrm>
+          <a:prstGeom prst="rect">
+            <a:avLst/>
+          </a:prstGeom>
+          <a:noFill/>
+          <a:extLst>
+            <a:ext uri="{909E8E84-426E-40DD-AFC4-6F175D3DCCD1}">
+              <a14:hiddenFill xmlns:a14="http://schemas.microsoft.com/office/drawing/2010/main">
+                <a:solidFill>
+                  <a:srgbClr val="FFFFFF"/>
+                </a:solidFill>
+              </a14:hiddenFill>
+            </a:ext>
+          </a:extLst>
+        </p:spPr>
+      </p:pic>
+      <p:sp>
+        <p:nvSpPr>
+          <p:cNvPr id="16" name="次の値と等しい 15">
+            <a:extLst>
+              <a:ext uri="{FF2B5EF4-FFF2-40B4-BE49-F238E27FC236}">
+                <a16:creationId xmlns:a16="http://schemas.microsoft.com/office/drawing/2014/main" id="{621F2FFB-B03B-4714-B94A-6C2FE1AC07E9}"/>
+              </a:ext>
+            </a:extLst>
+          </p:cNvPr>
+          <p:cNvSpPr/>
+          <p:nvPr/>
+        </p:nvSpPr>
+        <p:spPr>
+          <a:xfrm>
+            <a:off x="4461216" y="4252294"/>
+            <a:ext cx="861133" cy="617561"/>
+          </a:xfrm>
+          <a:prstGeom prst="mathEqual">
+            <a:avLst/>
+          </a:prstGeom>
+        </p:spPr>
+        <p:style>
+          <a:lnRef idx="3">
+            <a:schemeClr val="lt1"/>
+          </a:lnRef>
+          <a:fillRef idx="1">
+            <a:schemeClr val="accent3"/>
+          </a:fillRef>
+          <a:effectRef idx="1">
+            <a:schemeClr val="accent3"/>
+          </a:effectRef>
+          <a:fontRef idx="minor">
+            <a:schemeClr val="lt1"/>
+          </a:fontRef>
+        </p:style>
+        <p:txBody>
+          <a:bodyPr rtlCol="0" anchor="ctr"/>
+          <a:lstStyle/>
+          <a:p>
+            <a:pPr algn="ctr"/>
+            <a:endParaRPr kumimoji="1" lang="ja-JP" altLang="en-US">
+              <a:solidFill>
+                <a:schemeClr val="tx1"/>
+              </a:solidFill>
+            </a:endParaRPr>
+          </a:p>
+        </p:txBody>
+      </p:sp>
+      <p:grpSp>
+        <p:nvGrpSpPr>
+          <p:cNvPr id="22" name="グループ化 21">
+            <a:extLst>
+              <a:ext uri="{FF2B5EF4-FFF2-40B4-BE49-F238E27FC236}">
+                <a16:creationId xmlns:a16="http://schemas.microsoft.com/office/drawing/2014/main" id="{441B5DDD-D242-4D79-990B-8EC555D4CCF1}"/>
+              </a:ext>
+            </a:extLst>
+          </p:cNvPr>
+          <p:cNvGrpSpPr/>
+          <p:nvPr/>
+        </p:nvGrpSpPr>
+        <p:grpSpPr>
+          <a:xfrm>
+            <a:off x="6031069" y="3503435"/>
+            <a:ext cx="1717102" cy="2105116"/>
+            <a:chOff x="5928679" y="3494557"/>
+            <a:chExt cx="1717102" cy="2105116"/>
+          </a:xfrm>
+        </p:grpSpPr>
+        <p:grpSp>
+          <p:nvGrpSpPr>
+            <p:cNvPr id="20" name="グループ化 19">
+              <a:extLst>
+                <a:ext uri="{FF2B5EF4-FFF2-40B4-BE49-F238E27FC236}">
+                  <a16:creationId xmlns:a16="http://schemas.microsoft.com/office/drawing/2014/main" id="{4B05788A-CF6E-4672-A85A-6EC1C6532C40}"/>
+                </a:ext>
+              </a:extLst>
+            </p:cNvPr>
+            <p:cNvGrpSpPr/>
+            <p:nvPr/>
+          </p:nvGrpSpPr>
+          <p:grpSpPr>
+            <a:xfrm>
+              <a:off x="5928679" y="3494557"/>
+              <a:ext cx="1708224" cy="2105116"/>
+              <a:chOff x="5795514" y="3496692"/>
+              <a:chExt cx="2003224" cy="2599040"/>
+            </a:xfrm>
+          </p:grpSpPr>
+          <p:sp>
+            <p:nvSpPr>
+              <p:cNvPr id="19" name="フローチャート: カード 18">
+                <a:extLst>
+                  <a:ext uri="{FF2B5EF4-FFF2-40B4-BE49-F238E27FC236}">
+                    <a16:creationId xmlns:a16="http://schemas.microsoft.com/office/drawing/2014/main" id="{88F92FCB-060E-47C1-A578-0557563AAF4A}"/>
+                  </a:ext>
+                </a:extLst>
+              </p:cNvPr>
+              <p:cNvSpPr/>
+              <p:nvPr/>
+            </p:nvSpPr>
+            <p:spPr>
+              <a:xfrm>
+                <a:off x="5795514" y="3496692"/>
+                <a:ext cx="2003224" cy="2599040"/>
+              </a:xfrm>
+              <a:prstGeom prst="flowChartPunchedCard">
+                <a:avLst/>
+              </a:prstGeom>
+              <a:solidFill>
+                <a:schemeClr val="accent3"/>
+              </a:solidFill>
+              <a:ln>
+                <a:noFill/>
+              </a:ln>
+            </p:spPr>
+            <p:style>
+              <a:lnRef idx="0">
+                <a:scrgbClr r="0" g="0" b="0"/>
+              </a:lnRef>
+              <a:fillRef idx="0">
+                <a:scrgbClr r="0" g="0" b="0"/>
+              </a:fillRef>
+              <a:effectRef idx="0">
+                <a:scrgbClr r="0" g="0" b="0"/>
+              </a:effectRef>
+              <a:fontRef idx="minor">
+                <a:schemeClr val="lt1"/>
+              </a:fontRef>
+            </p:style>
+            <p:txBody>
+              <a:bodyPr lIns="360000" tIns="0" rIns="180000" bIns="360000" rtlCol="0" anchor="t" anchorCtr="0">
+                <a:spAutoFit/>
+              </a:bodyPr>
+              <a:lstStyle/>
+              <a:p>
+                <a:pPr>
+                  <a:lnSpc>
+                    <a:spcPct val="150000"/>
+                  </a:lnSpc>
+                </a:pPr>
+                <a:endParaRPr lang="en-US" altLang="ja-JP" sz="1200" dirty="0">
+                  <a:latin typeface="Bahnschrift SemiBold" panose="020B0502040204020203" pitchFamily="34" charset="0"/>
+                  <a:cs typeface="Arial" panose="020B0604020202020204" pitchFamily="34" charset="0"/>
+                </a:endParaRPr>
+              </a:p>
+              <a:p>
+                <a:pPr>
+                  <a:lnSpc>
+                    <a:spcPct val="150000"/>
+                  </a:lnSpc>
+                </a:pPr>
+                <a:endParaRPr lang="en-US" altLang="ja-JP" sz="1200" dirty="0">
+                  <a:latin typeface="Bahnschrift SemiBold" panose="020B0502040204020203" pitchFamily="34" charset="0"/>
+                  <a:cs typeface="Arial" panose="020B0604020202020204" pitchFamily="34" charset="0"/>
+                </a:endParaRPr>
+              </a:p>
+              <a:p>
+                <a:pPr>
+                  <a:lnSpc>
+                    <a:spcPct val="150000"/>
+                  </a:lnSpc>
+                </a:pPr>
+                <a:endParaRPr lang="en-US" altLang="ja-JP" sz="1200" dirty="0">
+                  <a:latin typeface="Bahnschrift SemiBold" panose="020B0502040204020203" pitchFamily="34" charset="0"/>
+                  <a:cs typeface="Arial" panose="020B0604020202020204" pitchFamily="34" charset="0"/>
+                </a:endParaRPr>
+              </a:p>
+              <a:p>
+                <a:pPr>
+                  <a:lnSpc>
+                    <a:spcPct val="150000"/>
+                  </a:lnSpc>
+                </a:pPr>
+                <a:endParaRPr lang="en-US" altLang="ja-JP" sz="1200" dirty="0">
+                  <a:latin typeface="Bahnschrift SemiBold" panose="020B0502040204020203" pitchFamily="34" charset="0"/>
+                  <a:cs typeface="Arial" panose="020B0604020202020204" pitchFamily="34" charset="0"/>
+                </a:endParaRPr>
+              </a:p>
+              <a:p>
+                <a:pPr>
+                  <a:lnSpc>
+                    <a:spcPct val="150000"/>
+                  </a:lnSpc>
+                </a:pPr>
+                <a:endParaRPr lang="en-US" altLang="ja-JP" sz="1200" dirty="0">
+                  <a:latin typeface="Bahnschrift SemiBold" panose="020B0502040204020203" pitchFamily="34" charset="0"/>
+                  <a:cs typeface="Arial" panose="020B0604020202020204" pitchFamily="34" charset="0"/>
+                </a:endParaRPr>
+              </a:p>
+              <a:p>
+                <a:pPr>
+                  <a:lnSpc>
+                    <a:spcPct val="150000"/>
+                  </a:lnSpc>
+                </a:pPr>
+                <a:endParaRPr lang="en-US" altLang="ja-JP" sz="1200" dirty="0">
+                  <a:latin typeface="Bahnschrift SemiBold" panose="020B0502040204020203" pitchFamily="34" charset="0"/>
+                  <a:cs typeface="Arial" panose="020B0604020202020204" pitchFamily="34" charset="0"/>
+                </a:endParaRPr>
+              </a:p>
+            </p:txBody>
+          </p:sp>
+          <p:sp>
+            <p:nvSpPr>
+              <p:cNvPr id="18" name="直角三角形 17">
+                <a:extLst>
+                  <a:ext uri="{FF2B5EF4-FFF2-40B4-BE49-F238E27FC236}">
+                    <a16:creationId xmlns:a16="http://schemas.microsoft.com/office/drawing/2014/main" id="{27B689CB-272F-4DB5-B2AD-76A26B9A43DD}"/>
+                  </a:ext>
+                </a:extLst>
+              </p:cNvPr>
+              <p:cNvSpPr/>
+              <p:nvPr/>
+            </p:nvSpPr>
+            <p:spPr>
+              <a:xfrm rot="16200000">
+                <a:off x="5754685" y="3558995"/>
+                <a:ext cx="482759" cy="401099"/>
+              </a:xfrm>
+              <a:prstGeom prst="rtTriangle">
+                <a:avLst/>
+              </a:prstGeom>
+              <a:solidFill>
+                <a:schemeClr val="accent3">
+                  <a:lumMod val="75000"/>
+                </a:schemeClr>
+              </a:solidFill>
+              <a:ln>
+                <a:noFill/>
+              </a:ln>
+            </p:spPr>
+            <p:style>
+              <a:lnRef idx="0">
+                <a:scrgbClr r="0" g="0" b="0"/>
+              </a:lnRef>
+              <a:fillRef idx="0">
+                <a:scrgbClr r="0" g="0" b="0"/>
+              </a:fillRef>
+              <a:effectRef idx="0">
+                <a:scrgbClr r="0" g="0" b="0"/>
+              </a:effectRef>
+              <a:fontRef idx="minor">
+                <a:schemeClr val="lt1"/>
+              </a:fontRef>
+            </p:style>
+            <p:txBody>
+              <a:bodyPr rtlCol="0" anchor="ctr"/>
+              <a:lstStyle/>
+              <a:p>
+                <a:pPr algn="ctr"/>
+                <a:endParaRPr kumimoji="1" lang="ja-JP" altLang="en-US"/>
+              </a:p>
+            </p:txBody>
+          </p:sp>
+        </p:grpSp>
+        <p:sp>
+          <p:nvSpPr>
+            <p:cNvPr id="21" name="正方形/長方形 20">
+              <a:extLst>
+                <a:ext uri="{FF2B5EF4-FFF2-40B4-BE49-F238E27FC236}">
+                  <a16:creationId xmlns:a16="http://schemas.microsoft.com/office/drawing/2014/main" id="{DF6227F1-2FD1-4946-A490-8411897B0566}"/>
+                </a:ext>
+              </a:extLst>
+            </p:cNvPr>
+            <p:cNvSpPr/>
+            <p:nvPr/>
+          </p:nvSpPr>
+          <p:spPr>
+            <a:xfrm>
+              <a:off x="6108573" y="3794519"/>
+              <a:ext cx="1537208" cy="1581395"/>
+            </a:xfrm>
+            <a:prstGeom prst="rect">
+              <a:avLst/>
+            </a:prstGeom>
+          </p:spPr>
+          <p:txBody>
+            <a:bodyPr wrap="square">
+              <a:spAutoFit/>
+            </a:bodyPr>
+            <a:lstStyle/>
+            <a:p>
+              <a:pPr>
+                <a:lnSpc>
+                  <a:spcPct val="150000"/>
+                </a:lnSpc>
+              </a:pPr>
+              <a:r>
+                <a:rPr lang="en-US" altLang="ja-JP" sz="1100" dirty="0">
+                  <a:solidFill>
+                    <a:schemeClr val="bg1"/>
+                  </a:solidFill>
+                  <a:latin typeface="Bahnschrift SemiBold" panose="020B0502040204020203" pitchFamily="34" charset="0"/>
+                  <a:cs typeface="Arial" panose="020B0604020202020204" pitchFamily="34" charset="0"/>
+                </a:rPr>
+                <a:t>Filter Height : 3</a:t>
+              </a:r>
+            </a:p>
+            <a:p>
+              <a:pPr>
+                <a:lnSpc>
+                  <a:spcPct val="150000"/>
+                </a:lnSpc>
+              </a:pPr>
+              <a:r>
+                <a:rPr lang="en-US" altLang="ja-JP" sz="1100" dirty="0">
+                  <a:solidFill>
+                    <a:schemeClr val="bg1"/>
+                  </a:solidFill>
+                  <a:latin typeface="Bahnschrift SemiBold" panose="020B0502040204020203" pitchFamily="34" charset="0"/>
+                  <a:cs typeface="Arial" panose="020B0604020202020204" pitchFamily="34" charset="0"/>
+                </a:rPr>
+                <a:t>Filter Width : 3</a:t>
+              </a:r>
+            </a:p>
+            <a:p>
+              <a:pPr>
+                <a:lnSpc>
+                  <a:spcPct val="150000"/>
+                </a:lnSpc>
+              </a:pPr>
+              <a:r>
+                <a:rPr lang="en-US" altLang="ja-JP" sz="1100" dirty="0">
+                  <a:solidFill>
+                    <a:schemeClr val="bg1"/>
+                  </a:solidFill>
+                  <a:latin typeface="Bahnschrift SemiBold" panose="020B0502040204020203" pitchFamily="34" charset="0"/>
+                  <a:cs typeface="Arial" panose="020B0604020202020204" pitchFamily="34" charset="0"/>
+                </a:rPr>
+                <a:t>Stride Height : 1</a:t>
+              </a:r>
+            </a:p>
+            <a:p>
+              <a:pPr>
+                <a:lnSpc>
+                  <a:spcPct val="150000"/>
+                </a:lnSpc>
+              </a:pPr>
+              <a:r>
+                <a:rPr lang="en-US" altLang="ja-JP" sz="1100" dirty="0">
+                  <a:solidFill>
+                    <a:schemeClr val="bg1"/>
+                  </a:solidFill>
+                  <a:latin typeface="Bahnschrift SemiBold" panose="020B0502040204020203" pitchFamily="34" charset="0"/>
+                  <a:cs typeface="Arial" panose="020B0604020202020204" pitchFamily="34" charset="0"/>
+                </a:rPr>
+                <a:t>Stride Width : 1</a:t>
+              </a:r>
+            </a:p>
+            <a:p>
+              <a:pPr>
+                <a:lnSpc>
+                  <a:spcPct val="150000"/>
+                </a:lnSpc>
+              </a:pPr>
+              <a:r>
+                <a:rPr lang="en-US" altLang="ja-JP" sz="1100" dirty="0">
+                  <a:solidFill>
+                    <a:schemeClr val="bg1"/>
+                  </a:solidFill>
+                  <a:latin typeface="Bahnschrift SemiBold" panose="020B0502040204020203" pitchFamily="34" charset="0"/>
+                  <a:cs typeface="Arial" panose="020B0604020202020204" pitchFamily="34" charset="0"/>
+                </a:rPr>
+                <a:t>Anchor Point : 0</a:t>
+              </a:r>
+            </a:p>
+            <a:p>
+              <a:pPr>
+                <a:lnSpc>
+                  <a:spcPct val="150000"/>
+                </a:lnSpc>
+              </a:pPr>
+              <a:r>
+                <a:rPr lang="en-US" altLang="ja-JP" sz="1100" dirty="0">
+                  <a:solidFill>
+                    <a:schemeClr val="bg1"/>
+                  </a:solidFill>
+                  <a:latin typeface="Bahnschrift SemiBold" panose="020B0502040204020203" pitchFamily="34" charset="0"/>
+                  <a:cs typeface="Arial" panose="020B0604020202020204" pitchFamily="34" charset="0"/>
+                </a:rPr>
+                <a:t>Number of Filters : 64</a:t>
+              </a:r>
+              <a:endParaRPr lang="ja-JP" altLang="en-US" sz="1100" dirty="0">
+                <a:solidFill>
+                  <a:schemeClr val="bg1"/>
+                </a:solidFill>
+                <a:latin typeface="Bahnschrift SemiBold" panose="020B0502040204020203" pitchFamily="34" charset="0"/>
+                <a:cs typeface="Arial" panose="020B0604020202020204" pitchFamily="34" charset="0"/>
+              </a:endParaRPr>
+            </a:p>
+          </p:txBody>
+        </p:sp>
+      </p:grpSp>
+      <p:sp>
+        <p:nvSpPr>
+          <p:cNvPr id="23" name="正方形/長方形 22">
+            <a:extLst>
+              <a:ext uri="{FF2B5EF4-FFF2-40B4-BE49-F238E27FC236}">
+                <a16:creationId xmlns:a16="http://schemas.microsoft.com/office/drawing/2014/main" id="{63A6AD21-084E-492E-A114-CD0C6D792E45}"/>
+              </a:ext>
+            </a:extLst>
+          </p:cNvPr>
+          <p:cNvSpPr/>
+          <p:nvPr/>
+        </p:nvSpPr>
+        <p:spPr>
+          <a:xfrm>
+            <a:off x="2199637" y="5608551"/>
+            <a:ext cx="646331" cy="369332"/>
+          </a:xfrm>
+          <a:prstGeom prst="rect">
+            <a:avLst/>
+          </a:prstGeom>
+        </p:spPr>
+        <p:txBody>
+          <a:bodyPr wrap="none">
+            <a:spAutoFit/>
+          </a:bodyPr>
+          <a:lstStyle/>
+          <a:p>
+            <a:r>
+              <a:rPr lang="ja-JP" altLang="en-US" dirty="0"/>
+              <a:t>構造</a:t>
+            </a:r>
+          </a:p>
+        </p:txBody>
+      </p:sp>
+      <p:sp>
+        <p:nvSpPr>
+          <p:cNvPr id="24" name="正方形/長方形 23">
+            <a:extLst>
+              <a:ext uri="{FF2B5EF4-FFF2-40B4-BE49-F238E27FC236}">
+                <a16:creationId xmlns:a16="http://schemas.microsoft.com/office/drawing/2014/main" id="{D8064880-AEE5-4698-8F77-235663BDEAAC}"/>
+              </a:ext>
+            </a:extLst>
+          </p:cNvPr>
+          <p:cNvSpPr/>
+          <p:nvPr/>
+        </p:nvSpPr>
+        <p:spPr>
+          <a:xfrm>
+            <a:off x="6100351" y="5723567"/>
+            <a:ext cx="1569660" cy="369332"/>
+          </a:xfrm>
+          <a:prstGeom prst="rect">
+            <a:avLst/>
+          </a:prstGeom>
+        </p:spPr>
+        <p:txBody>
+          <a:bodyPr wrap="none">
+            <a:spAutoFit/>
+          </a:bodyPr>
+          <a:lstStyle/>
+          <a:p>
+            <a:r>
+              <a:rPr lang="ja-JP" altLang="en-US" dirty="0"/>
+              <a:t>設定の文字列</a:t>
+            </a:r>
+          </a:p>
+        </p:txBody>
+      </p:sp>
+    </p:spTree>
+    <p:extLst>
+      <p:ext uri="{BB962C8B-B14F-4D97-AF65-F5344CB8AC3E}">
+        <p14:creationId xmlns:p14="http://schemas.microsoft.com/office/powerpoint/2010/main" val="1962921361"/>
+      </p:ext>
+    </p:extLst>
+  </p:cSld>
+  <p:clrMapOvr>
+    <a:masterClrMapping/>
+  </p:clrMapOvr>
+</p:sld>
+</file>
+
+<file path=ppt/slides/slide12.xml><?xml version="1.0" encoding="utf-8"?>
+<p:sld xmlns:a="http://schemas.openxmlformats.org/drawingml/2006/main" xmlns:r="http://schemas.openxmlformats.org/officeDocument/2006/relationships" xmlns:p="http://schemas.openxmlformats.org/presentationml/2006/main">
+  <p:cSld>
+    <p:spTree>
+      <p:nvGrpSpPr>
+        <p:cNvPr id="1" name=""/>
+        <p:cNvGrpSpPr/>
+        <p:nvPr/>
+      </p:nvGrpSpPr>
+      <p:grpSpPr>
+        <a:xfrm>
+          <a:off x="0" y="0"/>
+          <a:ext cx="0" cy="0"/>
+          <a:chOff x="0" y="0"/>
+          <a:chExt cx="0" cy="0"/>
+        </a:xfrm>
+      </p:grpSpPr>
+      <p:sp>
+        <p:nvSpPr>
+          <p:cNvPr id="2" name="タイトル 1">
+            <a:extLst>
+              <a:ext uri="{FF2B5EF4-FFF2-40B4-BE49-F238E27FC236}">
+                <a16:creationId xmlns:a16="http://schemas.microsoft.com/office/drawing/2014/main" id="{EED97EF8-2612-4359-9850-09E978F5F444}"/>
+              </a:ext>
+            </a:extLst>
+          </p:cNvPr>
+          <p:cNvSpPr>
+            <a:spLocks noGrp="1"/>
+          </p:cNvSpPr>
+          <p:nvPr>
+            <p:ph type="title"/>
+          </p:nvPr>
+        </p:nvSpPr>
+        <p:spPr/>
+        <p:txBody>
+          <a:bodyPr/>
+          <a:lstStyle/>
+          <a:p>
+            <a:r>
+              <a:rPr lang="en-US" altLang="ja-JP" dirty="0"/>
+              <a:t>Neural Architecture Search</a:t>
+            </a:r>
+            <a:endParaRPr kumimoji="1" lang="ja-JP" altLang="en-US" dirty="0"/>
+          </a:p>
+        </p:txBody>
+      </p:sp>
+      <p:sp>
+        <p:nvSpPr>
+          <p:cNvPr id="3" name="コンテンツ プレースホルダー 2">
+            <a:extLst>
+              <a:ext uri="{FF2B5EF4-FFF2-40B4-BE49-F238E27FC236}">
+                <a16:creationId xmlns:a16="http://schemas.microsoft.com/office/drawing/2014/main" id="{742C36E0-8479-42F3-93D3-0D97D61DC80F}"/>
+              </a:ext>
+            </a:extLst>
+          </p:cNvPr>
+          <p:cNvSpPr>
+            <a:spLocks noGrp="1"/>
+          </p:cNvSpPr>
+          <p:nvPr>
+            <p:ph idx="1"/>
+          </p:nvPr>
+        </p:nvSpPr>
+        <p:spPr>
+          <a:xfrm>
+            <a:off x="822959" y="1597982"/>
+            <a:ext cx="7543801" cy="2336294"/>
+          </a:xfrm>
+        </p:spPr>
+        <p:txBody>
+          <a:bodyPr>
+            <a:normAutofit/>
+          </a:bodyPr>
+          <a:lstStyle/>
+          <a:p>
+            <a:r>
+              <a:rPr lang="ja-JP" altLang="en-US" sz="3200" dirty="0"/>
+              <a:t>この文字列を生成する</a:t>
+            </a:r>
+          </a:p>
+          <a:p>
+            <a:r>
+              <a:rPr lang="en-US" altLang="ja-JP" sz="3200" dirty="0"/>
+              <a:t>Recurrent Neural Network(RNN)</a:t>
+            </a:r>
+            <a:r>
+              <a:rPr lang="ja-JP" altLang="en-US" sz="3200" dirty="0"/>
+              <a:t>を</a:t>
+            </a:r>
+          </a:p>
+          <a:p>
+            <a:r>
+              <a:rPr lang="ja-JP" altLang="en-US" sz="3200" dirty="0"/>
+              <a:t>強化学習で訓練</a:t>
+            </a:r>
+            <a:endParaRPr kumimoji="1" lang="ja-JP" altLang="en-US" sz="3200" dirty="0"/>
+          </a:p>
+        </p:txBody>
+      </p:sp>
+      <p:sp>
+        <p:nvSpPr>
+          <p:cNvPr id="4" name="スライド番号プレースホルダー 3">
+            <a:extLst>
+              <a:ext uri="{FF2B5EF4-FFF2-40B4-BE49-F238E27FC236}">
+                <a16:creationId xmlns:a16="http://schemas.microsoft.com/office/drawing/2014/main" id="{FD4ED43B-7FAE-4BDC-BEF6-8A04D01720B7}"/>
+              </a:ext>
+            </a:extLst>
+          </p:cNvPr>
+          <p:cNvSpPr>
+            <a:spLocks noGrp="1"/>
+          </p:cNvSpPr>
+          <p:nvPr>
+            <p:ph type="sldNum" sz="quarter" idx="12"/>
+          </p:nvPr>
+        </p:nvSpPr>
+        <p:spPr/>
+        <p:txBody>
+          <a:bodyPr/>
+          <a:lstStyle/>
+          <a:p>
+            <a:fld id="{304739FC-810C-4CDC-B60F-21F1951FBC64}" type="slidenum">
+              <a:rPr kumimoji="1" lang="ja-JP" altLang="en-US" smtClean="0"/>
+              <a:t>12</a:t>
+            </a:fld>
+            <a:endParaRPr kumimoji="1" lang="ja-JP" altLang="en-US"/>
+          </a:p>
+        </p:txBody>
+      </p:sp>
+      <p:sp>
+        <p:nvSpPr>
+          <p:cNvPr id="5" name="正方形/長方形 4">
+            <a:extLst>
+              <a:ext uri="{FF2B5EF4-FFF2-40B4-BE49-F238E27FC236}">
+                <a16:creationId xmlns:a16="http://schemas.microsoft.com/office/drawing/2014/main" id="{898D59A6-B6E0-4901-B8F2-7ECFE3154B3F}"/>
+              </a:ext>
+            </a:extLst>
+          </p:cNvPr>
+          <p:cNvSpPr/>
+          <p:nvPr/>
+        </p:nvSpPr>
+        <p:spPr>
+          <a:xfrm>
+            <a:off x="706582" y="6353489"/>
+            <a:ext cx="7321110" cy="523220"/>
+          </a:xfrm>
+          <a:prstGeom prst="rect">
+            <a:avLst/>
+          </a:prstGeom>
+          <a:noFill/>
+          <a:ln>
+            <a:noFill/>
+          </a:ln>
+        </p:spPr>
+        <p:style>
+          <a:lnRef idx="0">
+            <a:scrgbClr r="0" g="0" b="0"/>
+          </a:lnRef>
+          <a:fillRef idx="0">
+            <a:scrgbClr r="0" g="0" b="0"/>
+          </a:fillRef>
+          <a:effectRef idx="0">
+            <a:scrgbClr r="0" g="0" b="0"/>
+          </a:effectRef>
+          <a:fontRef idx="minor">
+            <a:schemeClr val="accent1"/>
+          </a:fontRef>
+        </p:style>
+        <p:txBody>
+          <a:bodyPr wrap="square">
+            <a:spAutoFit/>
+          </a:bodyPr>
+          <a:lstStyle/>
+          <a:p>
+            <a:r>
+              <a:rPr lang="en-US" altLang="ja-JP" sz="1400" dirty="0">
+                <a:solidFill>
+                  <a:schemeClr val="bg1"/>
+                </a:solidFill>
+              </a:rPr>
+              <a:t>Barret </a:t>
+            </a:r>
+            <a:r>
+              <a:rPr lang="en-US" altLang="ja-JP" sz="1400" dirty="0" err="1">
+                <a:solidFill>
+                  <a:schemeClr val="bg1"/>
+                </a:solidFill>
+              </a:rPr>
+              <a:t>Zoph</a:t>
+            </a:r>
+            <a:r>
+              <a:rPr lang="en-US" altLang="ja-JP" sz="1400" dirty="0">
+                <a:solidFill>
+                  <a:schemeClr val="bg1"/>
+                </a:solidFill>
+              </a:rPr>
+              <a:t> and Quoc V. Le. Neural architecture search with reinforcement learning. abs/1611.01578, 2016. </a:t>
+            </a:r>
+            <a:endParaRPr lang="ja-JP" altLang="en-US" sz="1400" dirty="0">
+              <a:solidFill>
+                <a:schemeClr val="bg1"/>
+              </a:solidFill>
+            </a:endParaRPr>
+          </a:p>
+        </p:txBody>
+      </p:sp>
+      <p:pic>
+        <p:nvPicPr>
+          <p:cNvPr id="4098" name="Picture 2" descr="A Survey on Neural Architecture Search | by Hiroki Sakuma | Medium">
+            <a:extLst>
+              <a:ext uri="{FF2B5EF4-FFF2-40B4-BE49-F238E27FC236}">
+                <a16:creationId xmlns:a16="http://schemas.microsoft.com/office/drawing/2014/main" id="{32E0A9D4-6BD2-43BD-AADC-67ADD8E62798}"/>
+              </a:ext>
+            </a:extLst>
+          </p:cNvPr>
+          <p:cNvPicPr>
+            <a:picLocks noChangeAspect="1" noChangeArrowheads="1"/>
+          </p:cNvPicPr>
+          <p:nvPr/>
+        </p:nvPicPr>
+        <p:blipFill>
+          <a:blip r:embed="rId3">
+            <a:extLst>
+              <a:ext uri="{28A0092B-C50C-407E-A947-70E740481C1C}">
+                <a14:useLocalDpi xmlns:a14="http://schemas.microsoft.com/office/drawing/2010/main" val="0"/>
+              </a:ext>
+            </a:extLst>
+          </a:blip>
+          <a:srcRect/>
+          <a:stretch>
+            <a:fillRect/>
+          </a:stretch>
+        </p:blipFill>
+        <p:spPr bwMode="auto">
+          <a:xfrm>
+            <a:off x="1394697" y="3676514"/>
+            <a:ext cx="6354605" cy="2296925"/>
+          </a:xfrm>
+          <a:prstGeom prst="rect">
+            <a:avLst/>
+          </a:prstGeom>
+          <a:noFill/>
+          <a:extLst>
+            <a:ext uri="{909E8E84-426E-40DD-AFC4-6F175D3DCCD1}">
+              <a14:hiddenFill xmlns:a14="http://schemas.microsoft.com/office/drawing/2010/main">
+                <a:solidFill>
+                  <a:srgbClr val="FFFFFF"/>
+                </a:solidFill>
+              </a14:hiddenFill>
+            </a:ext>
+          </a:extLst>
+        </p:spPr>
+      </p:pic>
+    </p:spTree>
+    <p:extLst>
+      <p:ext uri="{BB962C8B-B14F-4D97-AF65-F5344CB8AC3E}">
+        <p14:creationId xmlns:p14="http://schemas.microsoft.com/office/powerpoint/2010/main" val="3653939144"/>
+      </p:ext>
+    </p:extLst>
+  </p:cSld>
+  <p:clrMapOvr>
+    <a:masterClrMapping/>
+  </p:clrMapOvr>
+</p:sld>
+</file>
+
+<file path=ppt/slides/slide13.xml><?xml version="1.0" encoding="utf-8"?>
+<p:sld xmlns:a="http://schemas.openxmlformats.org/drawingml/2006/main" xmlns:r="http://schemas.openxmlformats.org/officeDocument/2006/relationships" xmlns:p="http://schemas.openxmlformats.org/presentationml/2006/main">
+  <p:cSld>
+    <p:spTree>
+      <p:nvGrpSpPr>
+        <p:cNvPr id="1" name=""/>
+        <p:cNvGrpSpPr/>
+        <p:nvPr/>
+      </p:nvGrpSpPr>
+      <p:grpSpPr>
+        <a:xfrm>
+          <a:off x="0" y="0"/>
+          <a:ext cx="0" cy="0"/>
+          <a:chOff x="0" y="0"/>
+          <a:chExt cx="0" cy="0"/>
+        </a:xfrm>
+      </p:grpSpPr>
+      <p:sp>
+        <p:nvSpPr>
+          <p:cNvPr id="2" name="タイトル 1">
+            <a:extLst>
+              <a:ext uri="{FF2B5EF4-FFF2-40B4-BE49-F238E27FC236}">
+                <a16:creationId xmlns:a16="http://schemas.microsoft.com/office/drawing/2014/main" id="{EED97EF8-2612-4359-9850-09E978F5F444}"/>
+              </a:ext>
+            </a:extLst>
+          </p:cNvPr>
+          <p:cNvSpPr>
+            <a:spLocks noGrp="1"/>
+          </p:cNvSpPr>
+          <p:nvPr>
+            <p:ph type="title"/>
+          </p:nvPr>
+        </p:nvSpPr>
+        <p:spPr/>
+        <p:txBody>
+          <a:bodyPr/>
+          <a:lstStyle/>
+          <a:p>
+            <a:r>
+              <a:rPr lang="en-US" altLang="ja-JP" dirty="0"/>
+              <a:t>Neural Architecture Search</a:t>
+            </a:r>
+            <a:endParaRPr kumimoji="1" lang="ja-JP" altLang="en-US" dirty="0"/>
+          </a:p>
+        </p:txBody>
+      </p:sp>
+      <p:sp>
+        <p:nvSpPr>
+          <p:cNvPr id="3" name="コンテンツ プレースホルダー 2">
+            <a:extLst>
+              <a:ext uri="{FF2B5EF4-FFF2-40B4-BE49-F238E27FC236}">
+                <a16:creationId xmlns:a16="http://schemas.microsoft.com/office/drawing/2014/main" id="{742C36E0-8479-42F3-93D3-0D97D61DC80F}"/>
+              </a:ext>
+            </a:extLst>
+          </p:cNvPr>
+          <p:cNvSpPr>
+            <a:spLocks noGrp="1"/>
+          </p:cNvSpPr>
+          <p:nvPr>
+            <p:ph idx="1"/>
+          </p:nvPr>
+        </p:nvSpPr>
+        <p:spPr>
+          <a:xfrm>
+            <a:off x="822959" y="1597982"/>
+            <a:ext cx="7543801" cy="1572752"/>
+          </a:xfrm>
+        </p:spPr>
+        <p:txBody>
+          <a:bodyPr>
+            <a:normAutofit/>
+          </a:bodyPr>
+          <a:lstStyle/>
+          <a:p>
+            <a:r>
+              <a:rPr kumimoji="1" lang="ja-JP" altLang="en-US" dirty="0"/>
+              <a:t>子ネットワークを１から学習</a:t>
+            </a:r>
+            <a:endParaRPr kumimoji="1" lang="en-US" altLang="ja-JP" dirty="0"/>
+          </a:p>
+          <a:p>
+            <a:r>
+              <a:rPr lang="ja-JP" altLang="en-US" dirty="0"/>
+              <a:t>＝学習に </a:t>
+            </a:r>
+            <a:r>
+              <a:rPr lang="en-US" altLang="ja-JP" b="1" dirty="0">
+                <a:solidFill>
+                  <a:schemeClr val="accent1"/>
+                </a:solidFill>
+              </a:rPr>
+              <a:t>3000 GPU days </a:t>
+            </a:r>
+            <a:r>
+              <a:rPr lang="ja-JP" altLang="en-US" dirty="0"/>
+              <a:t>かかる</a:t>
+            </a:r>
+            <a:endParaRPr kumimoji="1" lang="ja-JP" altLang="en-US" dirty="0"/>
+          </a:p>
+        </p:txBody>
+      </p:sp>
+      <p:sp>
+        <p:nvSpPr>
+          <p:cNvPr id="4" name="スライド番号プレースホルダー 3">
+            <a:extLst>
+              <a:ext uri="{FF2B5EF4-FFF2-40B4-BE49-F238E27FC236}">
+                <a16:creationId xmlns:a16="http://schemas.microsoft.com/office/drawing/2014/main" id="{FD4ED43B-7FAE-4BDC-BEF6-8A04D01720B7}"/>
+              </a:ext>
+            </a:extLst>
+          </p:cNvPr>
+          <p:cNvSpPr>
+            <a:spLocks noGrp="1"/>
+          </p:cNvSpPr>
+          <p:nvPr>
+            <p:ph type="sldNum" sz="quarter" idx="12"/>
+          </p:nvPr>
+        </p:nvSpPr>
+        <p:spPr/>
+        <p:txBody>
+          <a:bodyPr/>
+          <a:lstStyle/>
+          <a:p>
+            <a:fld id="{304739FC-810C-4CDC-B60F-21F1951FBC64}" type="slidenum">
+              <a:rPr kumimoji="1" lang="ja-JP" altLang="en-US" smtClean="0"/>
+              <a:t>13</a:t>
+            </a:fld>
+            <a:endParaRPr kumimoji="1" lang="ja-JP" altLang="en-US"/>
+          </a:p>
+        </p:txBody>
+      </p:sp>
+      <p:sp>
+        <p:nvSpPr>
+          <p:cNvPr id="5" name="正方形/長方形 4">
+            <a:extLst>
+              <a:ext uri="{FF2B5EF4-FFF2-40B4-BE49-F238E27FC236}">
+                <a16:creationId xmlns:a16="http://schemas.microsoft.com/office/drawing/2014/main" id="{898D59A6-B6E0-4901-B8F2-7ECFE3154B3F}"/>
+              </a:ext>
+            </a:extLst>
+          </p:cNvPr>
+          <p:cNvSpPr/>
+          <p:nvPr/>
+        </p:nvSpPr>
+        <p:spPr>
+          <a:xfrm>
+            <a:off x="706582" y="6353489"/>
+            <a:ext cx="7321110" cy="523220"/>
+          </a:xfrm>
+          <a:prstGeom prst="rect">
+            <a:avLst/>
+          </a:prstGeom>
+          <a:noFill/>
+          <a:ln>
+            <a:noFill/>
+          </a:ln>
+        </p:spPr>
+        <p:style>
+          <a:lnRef idx="0">
+            <a:scrgbClr r="0" g="0" b="0"/>
+          </a:lnRef>
+          <a:fillRef idx="0">
+            <a:scrgbClr r="0" g="0" b="0"/>
+          </a:fillRef>
+          <a:effectRef idx="0">
+            <a:scrgbClr r="0" g="0" b="0"/>
+          </a:effectRef>
+          <a:fontRef idx="minor">
+            <a:schemeClr val="accent1"/>
+          </a:fontRef>
+        </p:style>
+        <p:txBody>
+          <a:bodyPr wrap="square">
+            <a:spAutoFit/>
+          </a:bodyPr>
+          <a:lstStyle/>
+          <a:p>
+            <a:r>
+              <a:rPr lang="en-US" altLang="ja-JP" sz="1400" dirty="0">
+                <a:solidFill>
+                  <a:schemeClr val="bg1"/>
+                </a:solidFill>
+              </a:rPr>
+              <a:t>Barret </a:t>
+            </a:r>
+            <a:r>
+              <a:rPr lang="en-US" altLang="ja-JP" sz="1400" dirty="0" err="1">
+                <a:solidFill>
+                  <a:schemeClr val="bg1"/>
+                </a:solidFill>
+              </a:rPr>
+              <a:t>Zoph</a:t>
+            </a:r>
+            <a:r>
+              <a:rPr lang="en-US" altLang="ja-JP" sz="1400" dirty="0">
+                <a:solidFill>
+                  <a:schemeClr val="bg1"/>
+                </a:solidFill>
+              </a:rPr>
+              <a:t> and Quoc V. Le. Neural architecture search with reinforcement learning. abs/1611.01578, 2016. </a:t>
+            </a:r>
+            <a:endParaRPr lang="ja-JP" altLang="en-US" sz="1400" dirty="0">
+              <a:solidFill>
+                <a:schemeClr val="bg1"/>
+              </a:solidFill>
+            </a:endParaRPr>
+          </a:p>
+        </p:txBody>
+      </p:sp>
+      <p:pic>
+        <p:nvPicPr>
+          <p:cNvPr id="8194" name="Picture 2" descr="Paper Summary] Neural Architecture Search With Reinforcement Learning | by  Cheng-Han Lee (Steven) | Medium">
+            <a:extLst>
+              <a:ext uri="{FF2B5EF4-FFF2-40B4-BE49-F238E27FC236}">
+                <a16:creationId xmlns:a16="http://schemas.microsoft.com/office/drawing/2014/main" id="{F7B71946-8726-466B-A239-D4731EAFDFAF}"/>
+              </a:ext>
+            </a:extLst>
+          </p:cNvPr>
+          <p:cNvPicPr>
+            <a:picLocks noChangeAspect="1" noChangeArrowheads="1"/>
+          </p:cNvPicPr>
+          <p:nvPr/>
+        </p:nvPicPr>
+        <p:blipFill>
+          <a:blip r:embed="rId3">
+            <a:extLst>
+              <a:ext uri="{28A0092B-C50C-407E-A947-70E740481C1C}">
+                <a14:useLocalDpi xmlns:a14="http://schemas.microsoft.com/office/drawing/2010/main" val="0"/>
+              </a:ext>
+            </a:extLst>
+          </a:blip>
+          <a:srcRect/>
+          <a:stretch>
+            <a:fillRect/>
+          </a:stretch>
+        </p:blipFill>
+        <p:spPr bwMode="auto">
+          <a:xfrm>
+            <a:off x="1938945" y="3509805"/>
+            <a:ext cx="5266109" cy="2504613"/>
+          </a:xfrm>
+          <a:prstGeom prst="rect">
+            <a:avLst/>
+          </a:prstGeom>
+          <a:noFill/>
+          <a:extLst>
+            <a:ext uri="{909E8E84-426E-40DD-AFC4-6F175D3DCCD1}">
+              <a14:hiddenFill xmlns:a14="http://schemas.microsoft.com/office/drawing/2010/main">
+                <a:solidFill>
+                  <a:srgbClr val="FFFFFF"/>
+                </a:solidFill>
+              </a14:hiddenFill>
+            </a:ext>
+          </a:extLst>
+        </p:spPr>
+      </p:pic>
+    </p:spTree>
+    <p:extLst>
+      <p:ext uri="{BB962C8B-B14F-4D97-AF65-F5344CB8AC3E}">
+        <p14:creationId xmlns:p14="http://schemas.microsoft.com/office/powerpoint/2010/main" val="978340870"/>
+      </p:ext>
+    </p:extLst>
+  </p:cSld>
+  <p:clrMapOvr>
+    <a:masterClrMapping/>
+  </p:clrMapOvr>
+</p:sld>
+</file>
+
+<file path=ppt/slides/slide14.xml><?xml version="1.0" encoding="utf-8"?>
+<p:sld xmlns:a="http://schemas.openxmlformats.org/drawingml/2006/main" xmlns:r="http://schemas.openxmlformats.org/officeDocument/2006/relationships" xmlns:p="http://schemas.openxmlformats.org/presentationml/2006/main" show="0">
+  <p:cSld>
+    <p:spTree>
+      <p:nvGrpSpPr>
+        <p:cNvPr id="1" name=""/>
+        <p:cNvGrpSpPr/>
+        <p:nvPr/>
+      </p:nvGrpSpPr>
+      <p:grpSpPr>
+        <a:xfrm>
+          <a:off x="0" y="0"/>
+          <a:ext cx="0" cy="0"/>
+          <a:chOff x="0" y="0"/>
+          <a:chExt cx="0" cy="0"/>
+        </a:xfrm>
+      </p:grpSpPr>
+      <p:pic>
+        <p:nvPicPr>
+          <p:cNvPr id="2050" name="Picture 2" descr="Differentiable Architecture Search for RNN with fastai | by HOANG Bao Tin |  Towards Data Science">
+            <a:extLst>
+              <a:ext uri="{FF2B5EF4-FFF2-40B4-BE49-F238E27FC236}">
+                <a16:creationId xmlns:a16="http://schemas.microsoft.com/office/drawing/2014/main" id="{FEEB922E-B739-4E90-98FA-87D8F3EDE0AD}"/>
+              </a:ext>
+            </a:extLst>
+          </p:cNvPr>
+          <p:cNvPicPr>
+            <a:picLocks noChangeAspect="1" noChangeArrowheads="1"/>
+          </p:cNvPicPr>
+          <p:nvPr/>
+        </p:nvPicPr>
+        <p:blipFill>
+          <a:blip r:embed="rId2">
+            <a:extLst>
+              <a:ext uri="{28A0092B-C50C-407E-A947-70E740481C1C}">
+                <a14:useLocalDpi xmlns:a14="http://schemas.microsoft.com/office/drawing/2010/main" val="0"/>
+              </a:ext>
+            </a:extLst>
+          </a:blip>
+          <a:srcRect/>
+          <a:stretch>
+            <a:fillRect/>
+          </a:stretch>
+        </p:blipFill>
+        <p:spPr bwMode="auto">
+          <a:xfrm>
+            <a:off x="981414" y="1661049"/>
+            <a:ext cx="7543801" cy="2759512"/>
+          </a:xfrm>
+          <a:prstGeom prst="rect">
+            <a:avLst/>
+          </a:prstGeom>
+          <a:noFill/>
+          <a:extLst>
+            <a:ext uri="{909E8E84-426E-40DD-AFC4-6F175D3DCCD1}">
+              <a14:hiddenFill xmlns:a14="http://schemas.microsoft.com/office/drawing/2010/main">
+                <a:solidFill>
+                  <a:srgbClr val="FFFFFF"/>
+                </a:solidFill>
+              </a14:hiddenFill>
+            </a:ext>
+          </a:extLst>
+        </p:spPr>
+      </p:pic>
+      <p:sp>
+        <p:nvSpPr>
+          <p:cNvPr id="2" name="タイトル 1">
+            <a:extLst>
+              <a:ext uri="{FF2B5EF4-FFF2-40B4-BE49-F238E27FC236}">
                 <a16:creationId xmlns:a16="http://schemas.microsoft.com/office/drawing/2014/main" id="{7E5BB624-BE56-4867-9585-F357CD4FE919}"/>
               </a:ext>
             </a:extLst>
@@ -4931,6 +7372,721 @@
         </p:nvSpPr>
         <p:spPr/>
         <p:txBody>
+          <a:bodyPr/>
+          <a:lstStyle/>
+          <a:p>
+            <a:r>
+              <a:rPr kumimoji="1" lang="ja-JP" altLang="en-US" dirty="0"/>
+              <a:t>説明</a:t>
+            </a:r>
+            <a:endParaRPr kumimoji="1" lang="en-US" altLang="ja-JP" dirty="0"/>
+          </a:p>
+          <a:p>
+            <a:r>
+              <a:rPr lang="ja-JP" altLang="en-US" dirty="0"/>
+              <a:t>式</a:t>
+            </a:r>
+            <a:endParaRPr lang="en-US" altLang="ja-JP" dirty="0"/>
+          </a:p>
+          <a:p>
+            <a:r>
+              <a:rPr kumimoji="1" lang="ja-JP" altLang="en-US" dirty="0"/>
+              <a:t>図</a:t>
+            </a:r>
+            <a:endParaRPr kumimoji="1" lang="en-US" altLang="ja-JP" dirty="0"/>
+          </a:p>
+          <a:p>
+            <a:r>
+              <a:rPr lang="ja-JP" altLang="en-US" dirty="0"/>
+              <a:t>流れ</a:t>
+            </a:r>
+            <a:endParaRPr lang="en-US" altLang="ja-JP" dirty="0"/>
+          </a:p>
+          <a:p>
+            <a:r>
+              <a:rPr lang="ja-JP" altLang="en-US" dirty="0"/>
+              <a:t>問題点</a:t>
+            </a:r>
+            <a:endParaRPr lang="en-US" altLang="ja-JP" dirty="0"/>
+          </a:p>
+          <a:p>
+            <a:endParaRPr kumimoji="1" lang="ja-JP" altLang="en-US" dirty="0"/>
+          </a:p>
+        </p:txBody>
+      </p:sp>
+      <p:sp>
+        <p:nvSpPr>
+          <p:cNvPr id="4" name="スライド番号プレースホルダー 3">
+            <a:extLst>
+              <a:ext uri="{FF2B5EF4-FFF2-40B4-BE49-F238E27FC236}">
+                <a16:creationId xmlns:a16="http://schemas.microsoft.com/office/drawing/2014/main" id="{91DE9D33-9930-42E5-848C-6F9826B1D290}"/>
+              </a:ext>
+            </a:extLst>
+          </p:cNvPr>
+          <p:cNvSpPr>
+            <a:spLocks noGrp="1"/>
+          </p:cNvSpPr>
+          <p:nvPr>
+            <p:ph type="sldNum" sz="quarter" idx="12"/>
+          </p:nvPr>
+        </p:nvSpPr>
+        <p:spPr/>
+        <p:txBody>
+          <a:bodyPr/>
+          <a:lstStyle/>
+          <a:p>
+            <a:fld id="{304739FC-810C-4CDC-B60F-21F1951FBC64}" type="slidenum">
+              <a:rPr kumimoji="1" lang="ja-JP" altLang="en-US" smtClean="0"/>
+              <a:t>14</a:t>
+            </a:fld>
+            <a:endParaRPr kumimoji="1" lang="ja-JP" altLang="en-US"/>
+          </a:p>
+        </p:txBody>
+      </p:sp>
+      <p:sp>
+        <p:nvSpPr>
+          <p:cNvPr id="5" name="正方形/長方形 4">
+            <a:extLst>
+              <a:ext uri="{FF2B5EF4-FFF2-40B4-BE49-F238E27FC236}">
+                <a16:creationId xmlns:a16="http://schemas.microsoft.com/office/drawing/2014/main" id="{2B45F0EC-8862-4723-B8FB-103DA30C92A6}"/>
+              </a:ext>
+            </a:extLst>
+          </p:cNvPr>
+          <p:cNvSpPr/>
+          <p:nvPr/>
+        </p:nvSpPr>
+        <p:spPr>
+          <a:xfrm>
+            <a:off x="706581" y="6363837"/>
+            <a:ext cx="6881515" cy="523220"/>
+          </a:xfrm>
+          <a:prstGeom prst="rect">
+            <a:avLst/>
+          </a:prstGeom>
+          <a:noFill/>
+          <a:ln>
+            <a:noFill/>
+          </a:ln>
+        </p:spPr>
+        <p:style>
+          <a:lnRef idx="0">
+            <a:scrgbClr r="0" g="0" b="0"/>
+          </a:lnRef>
+          <a:fillRef idx="0">
+            <a:scrgbClr r="0" g="0" b="0"/>
+          </a:fillRef>
+          <a:effectRef idx="0">
+            <a:scrgbClr r="0" g="0" b="0"/>
+          </a:effectRef>
+          <a:fontRef idx="minor">
+            <a:schemeClr val="accent1"/>
+          </a:fontRef>
+        </p:style>
+        <p:txBody>
+          <a:bodyPr wrap="square">
+            <a:spAutoFit/>
+          </a:bodyPr>
+          <a:lstStyle/>
+          <a:p>
+            <a:r>
+              <a:rPr lang="en-US" altLang="ja-JP" sz="1400" dirty="0" err="1">
+                <a:solidFill>
+                  <a:schemeClr val="bg1"/>
+                </a:solidFill>
+              </a:rPr>
+              <a:t>Hanxiao</a:t>
+            </a:r>
+            <a:r>
+              <a:rPr lang="en-US" altLang="ja-JP" sz="1400" dirty="0">
+                <a:solidFill>
+                  <a:schemeClr val="bg1"/>
+                </a:solidFill>
+              </a:rPr>
+              <a:t> Liu, Karen </a:t>
+            </a:r>
+            <a:r>
+              <a:rPr lang="en-US" altLang="ja-JP" sz="1400" dirty="0" err="1">
+                <a:solidFill>
+                  <a:schemeClr val="bg1"/>
+                </a:solidFill>
+              </a:rPr>
+              <a:t>Simonyan</a:t>
+            </a:r>
+            <a:r>
+              <a:rPr lang="en-US" altLang="ja-JP" sz="1400" dirty="0">
+                <a:solidFill>
+                  <a:schemeClr val="bg1"/>
+                </a:solidFill>
+              </a:rPr>
+              <a:t>, and </a:t>
+            </a:r>
+            <a:r>
+              <a:rPr lang="en-US" altLang="ja-JP" sz="1400" dirty="0" err="1">
+                <a:solidFill>
+                  <a:schemeClr val="bg1"/>
+                </a:solidFill>
+              </a:rPr>
+              <a:t>Yiming</a:t>
+            </a:r>
+            <a:r>
+              <a:rPr lang="en-US" altLang="ja-JP" sz="1400" dirty="0">
+                <a:solidFill>
+                  <a:schemeClr val="bg1"/>
+                </a:solidFill>
+              </a:rPr>
+              <a:t> Yang. DARTS: differentiable architecture search. abs/1806.09055, 2018.</a:t>
+            </a:r>
+            <a:endParaRPr lang="ja-JP" altLang="en-US" sz="1400" dirty="0">
+              <a:solidFill>
+                <a:schemeClr val="bg1"/>
+              </a:solidFill>
+            </a:endParaRPr>
+          </a:p>
+        </p:txBody>
+      </p:sp>
+    </p:spTree>
+    <p:extLst>
+      <p:ext uri="{BB962C8B-B14F-4D97-AF65-F5344CB8AC3E}">
+        <p14:creationId xmlns:p14="http://schemas.microsoft.com/office/powerpoint/2010/main" val="3879318398"/>
+      </p:ext>
+    </p:extLst>
+  </p:cSld>
+  <p:clrMapOvr>
+    <a:masterClrMapping/>
+  </p:clrMapOvr>
+</p:sld>
+</file>
+
+<file path=ppt/slides/slide15.xml><?xml version="1.0" encoding="utf-8"?>
+<p:sld xmlns:a="http://schemas.openxmlformats.org/drawingml/2006/main" xmlns:r="http://schemas.openxmlformats.org/officeDocument/2006/relationships" xmlns:p="http://schemas.openxmlformats.org/presentationml/2006/main">
+  <p:cSld>
+    <p:spTree>
+      <p:nvGrpSpPr>
+        <p:cNvPr id="1" name=""/>
+        <p:cNvGrpSpPr/>
+        <p:nvPr/>
+      </p:nvGrpSpPr>
+      <p:grpSpPr>
+        <a:xfrm>
+          <a:off x="0" y="0"/>
+          <a:ext cx="0" cy="0"/>
+          <a:chOff x="0" y="0"/>
+          <a:chExt cx="0" cy="0"/>
+        </a:xfrm>
+      </p:grpSpPr>
+      <p:pic>
+        <p:nvPicPr>
+          <p:cNvPr id="2050" name="Picture 2" descr="Differentiable Architecture Search for RNN with fastai | by HOANG Bao Tin |  Towards Data Science">
+            <a:extLst>
+              <a:ext uri="{FF2B5EF4-FFF2-40B4-BE49-F238E27FC236}">
+                <a16:creationId xmlns:a16="http://schemas.microsoft.com/office/drawing/2014/main" id="{FEEB922E-B739-4E90-98FA-87D8F3EDE0AD}"/>
+              </a:ext>
+            </a:extLst>
+          </p:cNvPr>
+          <p:cNvPicPr>
+            <a:picLocks noChangeAspect="1" noChangeArrowheads="1"/>
+          </p:cNvPicPr>
+          <p:nvPr/>
+        </p:nvPicPr>
+        <p:blipFill>
+          <a:blip r:embed="rId2">
+            <a:extLst>
+              <a:ext uri="{28A0092B-C50C-407E-A947-70E740481C1C}">
+                <a14:useLocalDpi xmlns:a14="http://schemas.microsoft.com/office/drawing/2010/main" val="0"/>
+              </a:ext>
+            </a:extLst>
+          </a:blip>
+          <a:srcRect/>
+          <a:stretch>
+            <a:fillRect/>
+          </a:stretch>
+        </p:blipFill>
+        <p:spPr bwMode="auto">
+          <a:xfrm>
+            <a:off x="981414" y="1661049"/>
+            <a:ext cx="7543801" cy="2759512"/>
+          </a:xfrm>
+          <a:prstGeom prst="rect">
+            <a:avLst/>
+          </a:prstGeom>
+          <a:noFill/>
+          <a:extLst>
+            <a:ext uri="{909E8E84-426E-40DD-AFC4-6F175D3DCCD1}">
+              <a14:hiddenFill xmlns:a14="http://schemas.microsoft.com/office/drawing/2010/main">
+                <a:solidFill>
+                  <a:srgbClr val="FFFFFF"/>
+                </a:solidFill>
+              </a14:hiddenFill>
+            </a:ext>
+          </a:extLst>
+        </p:spPr>
+      </p:pic>
+      <p:sp>
+        <p:nvSpPr>
+          <p:cNvPr id="2" name="タイトル 1">
+            <a:extLst>
+              <a:ext uri="{FF2B5EF4-FFF2-40B4-BE49-F238E27FC236}">
+                <a16:creationId xmlns:a16="http://schemas.microsoft.com/office/drawing/2014/main" id="{7E5BB624-BE56-4867-9585-F357CD4FE919}"/>
+              </a:ext>
+            </a:extLst>
+          </p:cNvPr>
+          <p:cNvSpPr>
+            <a:spLocks noGrp="1"/>
+          </p:cNvSpPr>
+          <p:nvPr>
+            <p:ph type="title"/>
+          </p:nvPr>
+        </p:nvSpPr>
+        <p:spPr>
+          <a:xfrm>
+            <a:off x="706581" y="231067"/>
+            <a:ext cx="8093469" cy="1026234"/>
+          </a:xfrm>
+        </p:spPr>
+        <p:txBody>
+          <a:bodyPr>
+            <a:noAutofit/>
+          </a:bodyPr>
+          <a:lstStyle/>
+          <a:p>
+            <a:r>
+              <a:rPr lang="en-US" altLang="ja-JP" sz="3600" dirty="0"/>
+              <a:t>Differentiable Architecture Search</a:t>
+            </a:r>
+            <a:endParaRPr kumimoji="1" lang="ja-JP" altLang="en-US" sz="3600" dirty="0"/>
+          </a:p>
+        </p:txBody>
+      </p:sp>
+      <p:sp>
+        <p:nvSpPr>
+          <p:cNvPr id="3" name="コンテンツ プレースホルダー 2">
+            <a:extLst>
+              <a:ext uri="{FF2B5EF4-FFF2-40B4-BE49-F238E27FC236}">
+                <a16:creationId xmlns:a16="http://schemas.microsoft.com/office/drawing/2014/main" id="{D5F8401B-29A8-461B-9A1D-E98E8F2DFFAB}"/>
+              </a:ext>
+            </a:extLst>
+          </p:cNvPr>
+          <p:cNvSpPr>
+            <a:spLocks noGrp="1"/>
+          </p:cNvSpPr>
+          <p:nvPr>
+            <p:ph idx="1"/>
+          </p:nvPr>
+        </p:nvSpPr>
+        <p:spPr/>
+        <p:txBody>
+          <a:bodyPr/>
+          <a:lstStyle/>
+          <a:p>
+            <a:r>
+              <a:rPr kumimoji="1" lang="ja-JP" altLang="en-US" dirty="0"/>
+              <a:t>説明</a:t>
+            </a:r>
+            <a:endParaRPr kumimoji="1" lang="en-US" altLang="ja-JP" dirty="0"/>
+          </a:p>
+          <a:p>
+            <a:r>
+              <a:rPr lang="ja-JP" altLang="en-US" dirty="0"/>
+              <a:t>式</a:t>
+            </a:r>
+            <a:endParaRPr lang="en-US" altLang="ja-JP" dirty="0"/>
+          </a:p>
+          <a:p>
+            <a:r>
+              <a:rPr kumimoji="1" lang="ja-JP" altLang="en-US" dirty="0"/>
+              <a:t>図</a:t>
+            </a:r>
+            <a:endParaRPr kumimoji="1" lang="en-US" altLang="ja-JP" dirty="0"/>
+          </a:p>
+          <a:p>
+            <a:r>
+              <a:rPr lang="ja-JP" altLang="en-US" dirty="0"/>
+              <a:t>流れ</a:t>
+            </a:r>
+            <a:endParaRPr lang="en-US" altLang="ja-JP" dirty="0"/>
+          </a:p>
+          <a:p>
+            <a:r>
+              <a:rPr lang="ja-JP" altLang="en-US" dirty="0"/>
+              <a:t>問題点</a:t>
+            </a:r>
+            <a:endParaRPr lang="en-US" altLang="ja-JP" dirty="0"/>
+          </a:p>
+          <a:p>
+            <a:endParaRPr kumimoji="1" lang="ja-JP" altLang="en-US" dirty="0"/>
+          </a:p>
+        </p:txBody>
+      </p:sp>
+      <p:sp>
+        <p:nvSpPr>
+          <p:cNvPr id="4" name="スライド番号プレースホルダー 3">
+            <a:extLst>
+              <a:ext uri="{FF2B5EF4-FFF2-40B4-BE49-F238E27FC236}">
+                <a16:creationId xmlns:a16="http://schemas.microsoft.com/office/drawing/2014/main" id="{91DE9D33-9930-42E5-848C-6F9826B1D290}"/>
+              </a:ext>
+            </a:extLst>
+          </p:cNvPr>
+          <p:cNvSpPr>
+            <a:spLocks noGrp="1"/>
+          </p:cNvSpPr>
+          <p:nvPr>
+            <p:ph type="sldNum" sz="quarter" idx="12"/>
+          </p:nvPr>
+        </p:nvSpPr>
+        <p:spPr/>
+        <p:txBody>
+          <a:bodyPr/>
+          <a:lstStyle/>
+          <a:p>
+            <a:fld id="{304739FC-810C-4CDC-B60F-21F1951FBC64}" type="slidenum">
+              <a:rPr kumimoji="1" lang="ja-JP" altLang="en-US" smtClean="0"/>
+              <a:t>15</a:t>
+            </a:fld>
+            <a:endParaRPr kumimoji="1" lang="ja-JP" altLang="en-US"/>
+          </a:p>
+        </p:txBody>
+      </p:sp>
+      <p:sp>
+        <p:nvSpPr>
+          <p:cNvPr id="5" name="正方形/長方形 4">
+            <a:extLst>
+              <a:ext uri="{FF2B5EF4-FFF2-40B4-BE49-F238E27FC236}">
+                <a16:creationId xmlns:a16="http://schemas.microsoft.com/office/drawing/2014/main" id="{2B45F0EC-8862-4723-B8FB-103DA30C92A6}"/>
+              </a:ext>
+            </a:extLst>
+          </p:cNvPr>
+          <p:cNvSpPr/>
+          <p:nvPr/>
+        </p:nvSpPr>
+        <p:spPr>
+          <a:xfrm>
+            <a:off x="706581" y="6363837"/>
+            <a:ext cx="6881515" cy="523220"/>
+          </a:xfrm>
+          <a:prstGeom prst="rect">
+            <a:avLst/>
+          </a:prstGeom>
+          <a:noFill/>
+          <a:ln>
+            <a:noFill/>
+          </a:ln>
+        </p:spPr>
+        <p:style>
+          <a:lnRef idx="0">
+            <a:scrgbClr r="0" g="0" b="0"/>
+          </a:lnRef>
+          <a:fillRef idx="0">
+            <a:scrgbClr r="0" g="0" b="0"/>
+          </a:fillRef>
+          <a:effectRef idx="0">
+            <a:scrgbClr r="0" g="0" b="0"/>
+          </a:effectRef>
+          <a:fontRef idx="minor">
+            <a:schemeClr val="accent1"/>
+          </a:fontRef>
+        </p:style>
+        <p:txBody>
+          <a:bodyPr wrap="square">
+            <a:spAutoFit/>
+          </a:bodyPr>
+          <a:lstStyle/>
+          <a:p>
+            <a:r>
+              <a:rPr lang="en-US" altLang="ja-JP" sz="1400" dirty="0" err="1">
+                <a:solidFill>
+                  <a:schemeClr val="bg1"/>
+                </a:solidFill>
+              </a:rPr>
+              <a:t>Hanxiao</a:t>
+            </a:r>
+            <a:r>
+              <a:rPr lang="en-US" altLang="ja-JP" sz="1400" dirty="0">
+                <a:solidFill>
+                  <a:schemeClr val="bg1"/>
+                </a:solidFill>
+              </a:rPr>
+              <a:t> Liu, Karen </a:t>
+            </a:r>
+            <a:r>
+              <a:rPr lang="en-US" altLang="ja-JP" sz="1400" dirty="0" err="1">
+                <a:solidFill>
+                  <a:schemeClr val="bg1"/>
+                </a:solidFill>
+              </a:rPr>
+              <a:t>Simonyan</a:t>
+            </a:r>
+            <a:r>
+              <a:rPr lang="en-US" altLang="ja-JP" sz="1400" dirty="0">
+                <a:solidFill>
+                  <a:schemeClr val="bg1"/>
+                </a:solidFill>
+              </a:rPr>
+              <a:t>, and </a:t>
+            </a:r>
+            <a:r>
+              <a:rPr lang="en-US" altLang="ja-JP" sz="1400" dirty="0" err="1">
+                <a:solidFill>
+                  <a:schemeClr val="bg1"/>
+                </a:solidFill>
+              </a:rPr>
+              <a:t>Yiming</a:t>
+            </a:r>
+            <a:r>
+              <a:rPr lang="en-US" altLang="ja-JP" sz="1400" dirty="0">
+                <a:solidFill>
+                  <a:schemeClr val="bg1"/>
+                </a:solidFill>
+              </a:rPr>
+              <a:t> Yang. DARTS: differentiable architecture search. abs/1806.09055, 2018.</a:t>
+            </a:r>
+            <a:endParaRPr lang="ja-JP" altLang="en-US" sz="1400" dirty="0">
+              <a:solidFill>
+                <a:schemeClr val="bg1"/>
+              </a:solidFill>
+            </a:endParaRPr>
+          </a:p>
+        </p:txBody>
+      </p:sp>
+    </p:spTree>
+    <p:extLst>
+      <p:ext uri="{BB962C8B-B14F-4D97-AF65-F5344CB8AC3E}">
+        <p14:creationId xmlns:p14="http://schemas.microsoft.com/office/powerpoint/2010/main" val="2838071366"/>
+      </p:ext>
+    </p:extLst>
+  </p:cSld>
+  <p:clrMapOvr>
+    <a:masterClrMapping/>
+  </p:clrMapOvr>
+</p:sld>
+</file>
+
+<file path=ppt/slides/slide16.xml><?xml version="1.0" encoding="utf-8"?>
+<p:sld xmlns:a="http://schemas.openxmlformats.org/drawingml/2006/main" xmlns:r="http://schemas.openxmlformats.org/officeDocument/2006/relationships" xmlns:p="http://schemas.openxmlformats.org/presentationml/2006/main">
+  <p:cSld>
+    <p:spTree>
+      <p:nvGrpSpPr>
+        <p:cNvPr id="1" name=""/>
+        <p:cNvGrpSpPr/>
+        <p:nvPr/>
+      </p:nvGrpSpPr>
+      <p:grpSpPr>
+        <a:xfrm>
+          <a:off x="0" y="0"/>
+          <a:ext cx="0" cy="0"/>
+          <a:chOff x="0" y="0"/>
+          <a:chExt cx="0" cy="0"/>
+        </a:xfrm>
+      </p:grpSpPr>
+      <p:sp>
+        <p:nvSpPr>
+          <p:cNvPr id="2" name="タイトル 1">
+            <a:extLst>
+              <a:ext uri="{FF2B5EF4-FFF2-40B4-BE49-F238E27FC236}">
+                <a16:creationId xmlns:a16="http://schemas.microsoft.com/office/drawing/2014/main" id="{7E5BB624-BE56-4867-9585-F357CD4FE919}"/>
+              </a:ext>
+            </a:extLst>
+          </p:cNvPr>
+          <p:cNvSpPr>
+            <a:spLocks noGrp="1"/>
+          </p:cNvSpPr>
+          <p:nvPr>
+            <p:ph type="title"/>
+          </p:nvPr>
+        </p:nvSpPr>
+        <p:spPr>
+          <a:xfrm>
+            <a:off x="706581" y="231067"/>
+            <a:ext cx="8093469" cy="1026234"/>
+          </a:xfrm>
+        </p:spPr>
+        <p:txBody>
+          <a:bodyPr>
+            <a:noAutofit/>
+          </a:bodyPr>
+          <a:lstStyle/>
+          <a:p>
+            <a:r>
+              <a:rPr lang="en-US" altLang="ja-JP" sz="3600" dirty="0"/>
+              <a:t>Differentiable Architecture Search</a:t>
+            </a:r>
+            <a:endParaRPr kumimoji="1" lang="ja-JP" altLang="en-US" sz="3600" dirty="0"/>
+          </a:p>
+        </p:txBody>
+      </p:sp>
+      <p:sp>
+        <p:nvSpPr>
+          <p:cNvPr id="3" name="コンテンツ プレースホルダー 2">
+            <a:extLst>
+              <a:ext uri="{FF2B5EF4-FFF2-40B4-BE49-F238E27FC236}">
+                <a16:creationId xmlns:a16="http://schemas.microsoft.com/office/drawing/2014/main" id="{D5F8401B-29A8-461B-9A1D-E98E8F2DFFAB}"/>
+              </a:ext>
+            </a:extLst>
+          </p:cNvPr>
+          <p:cNvSpPr>
+            <a:spLocks noGrp="1"/>
+          </p:cNvSpPr>
+          <p:nvPr>
+            <p:ph idx="1"/>
+          </p:nvPr>
+        </p:nvSpPr>
+        <p:spPr/>
+        <p:txBody>
+          <a:bodyPr/>
+          <a:lstStyle/>
+          <a:p>
+            <a:r>
+              <a:rPr lang="ja-JP" altLang="en-US" dirty="0"/>
+              <a:t>離散的なアーキテクチャ探索空間に強化学習を適用した</a:t>
+            </a:r>
+            <a:r>
+              <a:rPr lang="en-US" altLang="ja-JP" dirty="0"/>
+              <a:t>NAS</a:t>
+            </a:r>
+            <a:r>
+              <a:rPr lang="ja-JP" altLang="en-US" dirty="0"/>
+              <a:t>とは異なり</a:t>
+            </a:r>
+            <a:r>
+              <a:rPr lang="en-US" altLang="ja-JP" dirty="0"/>
+              <a:t>,</a:t>
+            </a:r>
+          </a:p>
+          <a:p>
+            <a:r>
+              <a:rPr lang="ja-JP" altLang="en-US" dirty="0"/>
+              <a:t>微分可能な方法で定式化し</a:t>
+            </a:r>
+            <a:r>
+              <a:rPr lang="en-US" altLang="ja-JP" dirty="0"/>
+              <a:t>,</a:t>
+            </a:r>
+          </a:p>
+          <a:p>
+            <a:r>
+              <a:rPr lang="ja-JP" altLang="en-US" dirty="0"/>
+              <a:t>偏微分による勾配降下法を使用してアーキテクチャを効率的に探索する手法である</a:t>
+            </a:r>
+            <a:r>
+              <a:rPr lang="en-US" altLang="ja-JP" dirty="0"/>
+              <a:t>.</a:t>
+            </a:r>
+            <a:endParaRPr kumimoji="1" lang="ja-JP" altLang="en-US" dirty="0"/>
+          </a:p>
+        </p:txBody>
+      </p:sp>
+      <p:sp>
+        <p:nvSpPr>
+          <p:cNvPr id="4" name="スライド番号プレースホルダー 3">
+            <a:extLst>
+              <a:ext uri="{FF2B5EF4-FFF2-40B4-BE49-F238E27FC236}">
+                <a16:creationId xmlns:a16="http://schemas.microsoft.com/office/drawing/2014/main" id="{91DE9D33-9930-42E5-848C-6F9826B1D290}"/>
+              </a:ext>
+            </a:extLst>
+          </p:cNvPr>
+          <p:cNvSpPr>
+            <a:spLocks noGrp="1"/>
+          </p:cNvSpPr>
+          <p:nvPr>
+            <p:ph type="sldNum" sz="quarter" idx="12"/>
+          </p:nvPr>
+        </p:nvSpPr>
+        <p:spPr/>
+        <p:txBody>
+          <a:bodyPr/>
+          <a:lstStyle/>
+          <a:p>
+            <a:fld id="{304739FC-810C-4CDC-B60F-21F1951FBC64}" type="slidenum">
+              <a:rPr kumimoji="1" lang="ja-JP" altLang="en-US" smtClean="0"/>
+              <a:t>16</a:t>
+            </a:fld>
+            <a:endParaRPr kumimoji="1" lang="ja-JP" altLang="en-US"/>
+          </a:p>
+        </p:txBody>
+      </p:sp>
+    </p:spTree>
+    <p:extLst>
+      <p:ext uri="{BB962C8B-B14F-4D97-AF65-F5344CB8AC3E}">
+        <p14:creationId xmlns:p14="http://schemas.microsoft.com/office/powerpoint/2010/main" val="2608416085"/>
+      </p:ext>
+    </p:extLst>
+  </p:cSld>
+  <p:clrMapOvr>
+    <a:masterClrMapping/>
+  </p:clrMapOvr>
+</p:sld>
+</file>
+
+<file path=ppt/slides/slide17.xml><?xml version="1.0" encoding="utf-8"?>
+<p:sld xmlns:a="http://schemas.openxmlformats.org/drawingml/2006/main" xmlns:r="http://schemas.openxmlformats.org/officeDocument/2006/relationships" xmlns:p="http://schemas.openxmlformats.org/presentationml/2006/main">
+  <p:cSld>
+    <p:spTree>
+      <p:nvGrpSpPr>
+        <p:cNvPr id="1" name=""/>
+        <p:cNvGrpSpPr/>
+        <p:nvPr/>
+      </p:nvGrpSpPr>
+      <p:grpSpPr>
+        <a:xfrm>
+          <a:off x="0" y="0"/>
+          <a:ext cx="0" cy="0"/>
+          <a:chOff x="0" y="0"/>
+          <a:chExt cx="0" cy="0"/>
+        </a:xfrm>
+      </p:grpSpPr>
+      <p:sp>
+        <p:nvSpPr>
+          <p:cNvPr id="2" name="タイトル 1">
+            <a:extLst>
+              <a:ext uri="{FF2B5EF4-FFF2-40B4-BE49-F238E27FC236}">
+                <a16:creationId xmlns:a16="http://schemas.microsoft.com/office/drawing/2014/main" id="{7E5BB624-BE56-4867-9585-F357CD4FE919}"/>
+              </a:ext>
+            </a:extLst>
+          </p:cNvPr>
+          <p:cNvSpPr>
+            <a:spLocks noGrp="1"/>
+          </p:cNvSpPr>
+          <p:nvPr>
+            <p:ph type="title"/>
+          </p:nvPr>
+        </p:nvSpPr>
+        <p:spPr>
+          <a:xfrm>
+            <a:off x="706581" y="231067"/>
+            <a:ext cx="8093469" cy="1026234"/>
+          </a:xfrm>
+        </p:spPr>
+        <p:txBody>
+          <a:bodyPr>
+            <a:noAutofit/>
+          </a:bodyPr>
+          <a:lstStyle/>
+          <a:p>
+            <a:r>
+              <a:rPr lang="en-US" altLang="ja-JP" sz="3600" dirty="0"/>
+              <a:t>Differentiable Architecture Search</a:t>
+            </a:r>
+            <a:endParaRPr kumimoji="1" lang="ja-JP" altLang="en-US" sz="3600" dirty="0"/>
+          </a:p>
+        </p:txBody>
+      </p:sp>
+      <p:sp>
+        <p:nvSpPr>
+          <p:cNvPr id="3" name="コンテンツ プレースホルダー 2">
+            <a:extLst>
+              <a:ext uri="{FF2B5EF4-FFF2-40B4-BE49-F238E27FC236}">
+                <a16:creationId xmlns:a16="http://schemas.microsoft.com/office/drawing/2014/main" id="{D5F8401B-29A8-461B-9A1D-E98E8F2DFFAB}"/>
+              </a:ext>
+            </a:extLst>
+          </p:cNvPr>
+          <p:cNvSpPr>
+            <a:spLocks noGrp="1"/>
+          </p:cNvSpPr>
+          <p:nvPr>
+            <p:ph idx="1"/>
+          </p:nvPr>
+        </p:nvSpPr>
+        <p:spPr/>
+        <p:txBody>
           <a:bodyPr>
             <a:normAutofit/>
           </a:bodyPr>
@@ -4963,7 +8119,7 @@
           <a:p>
             <a:fld id="{304739FC-810C-4CDC-B60F-21F1951FBC64}" type="slidenum">
               <a:rPr kumimoji="1" lang="ja-JP" altLang="en-US" smtClean="0"/>
-              <a:t>11</a:t>
+              <a:t>17</a:t>
             </a:fld>
             <a:endParaRPr kumimoji="1" lang="ja-JP" altLang="en-US"/>
           </a:p>
@@ -4997,7 +8153,7 @@
           <a:graphicData uri="http://schemas.openxmlformats.org/presentationml/2006/ole">
             <mc:AlternateContent xmlns:mc="http://schemas.openxmlformats.org/markup-compatibility/2006">
               <mc:Choice xmlns:v="urn:schemas-microsoft-com:vml" Requires="v">
-                <p:oleObj spid="_x0000_s1029" name="ビットマップ イメージ" r:id="rId3" imgW="1800360" imgH="1800360" progId="Paint.Picture">
+                <p:oleObj spid="_x0000_s1035" name="ビットマップ イメージ" r:id="rId3" imgW="1800360" imgH="1800360" progId="Paint.Picture">
                   <p:embed/>
                 </p:oleObj>
               </mc:Choice>
@@ -5081,7 +8237,7 @@
 </p:sld>
 </file>
 
-<file path=ppt/slides/slide12.xml><?xml version="1.0" encoding="utf-8"?>
+<file path=ppt/slides/slide18.xml><?xml version="1.0" encoding="utf-8"?>
 <p:sld xmlns:a="http://schemas.openxmlformats.org/drawingml/2006/main" xmlns:r="http://schemas.openxmlformats.org/officeDocument/2006/relationships" xmlns:p="http://schemas.openxmlformats.org/presentationml/2006/main">
   <p:cSld>
     <p:spTree>
@@ -5241,7 +8397,7 @@
           <a:p>
             <a:fld id="{304739FC-810C-4CDC-B60F-21F1951FBC64}" type="slidenum">
               <a:rPr kumimoji="1" lang="ja-JP" altLang="en-US" smtClean="0"/>
-              <a:t>12</a:t>
+              <a:t>18</a:t>
             </a:fld>
             <a:endParaRPr kumimoji="1" lang="ja-JP" altLang="en-US"/>
           </a:p>
@@ -5260,7 +8416,7 @@
 </p:sld>
 </file>
 
-<file path=ppt/slides/slide13.xml><?xml version="1.0" encoding="utf-8"?>
+<file path=ppt/slides/slide19.xml><?xml version="1.0" encoding="utf-8"?>
 <p:sld xmlns:a="http://schemas.openxmlformats.org/drawingml/2006/main" xmlns:r="http://schemas.openxmlformats.org/officeDocument/2006/relationships" xmlns:p="http://schemas.openxmlformats.org/presentationml/2006/main">
   <p:cSld>
     <p:spTree>
@@ -5336,10 +8492,22 @@
               <a:buAutoNum type="arabicPeriod"/>
             </a:pPr>
             <a:r>
-              <a:rPr kumimoji="1" lang="ja-JP" altLang="en-US" dirty="0"/>
+              <a:rPr kumimoji="1" lang="ja-JP" altLang="en-US" dirty="0">
+                <a:solidFill>
+                  <a:schemeClr val="bg1">
+                    <a:lumMod val="75000"/>
+                  </a:schemeClr>
+                </a:solidFill>
+              </a:rPr>
               <a:t>はじめに</a:t>
             </a:r>
-            <a:endParaRPr kumimoji="1" lang="en-US" altLang="ja-JP" dirty="0"/>
+            <a:endParaRPr kumimoji="1" lang="en-US" altLang="ja-JP" dirty="0">
+              <a:solidFill>
+                <a:schemeClr val="bg1">
+                  <a:lumMod val="75000"/>
+                </a:schemeClr>
+              </a:solidFill>
+            </a:endParaRPr>
           </a:p>
           <a:p>
             <a:pPr marL="742950" indent="-742950">
@@ -5370,6 +8538,17 @@
               <a:buAutoNum type="arabicPeriod"/>
             </a:pPr>
             <a:r>
+              <a:rPr lang="ja-JP" altLang="en-US" dirty="0"/>
+              <a:t>問題</a:t>
+            </a:r>
+            <a:endParaRPr lang="en-US" altLang="ja-JP" dirty="0"/>
+          </a:p>
+          <a:p>
+            <a:pPr marL="742950" indent="-742950">
+              <a:buFont typeface="+mj-lt"/>
+              <a:buAutoNum type="arabicPeriod"/>
+            </a:pPr>
+            <a:r>
               <a:rPr kumimoji="1" lang="ja-JP" altLang="en-US" dirty="0">
                 <a:solidFill>
                   <a:schemeClr val="bg1">
@@ -5402,13 +8581,16 @@
               </a:rPr>
               <a:t>手法２</a:t>
             </a:r>
-            <a:endParaRPr lang="en-US" altLang="ja-JP" dirty="0">
-              <a:solidFill>
-                <a:schemeClr val="bg1">
-                  <a:lumMod val="75000"/>
-                </a:schemeClr>
-              </a:solidFill>
-            </a:endParaRPr>
+            <a:r>
+              <a:rPr lang="en-US" altLang="ja-JP" dirty="0">
+                <a:solidFill>
+                  <a:schemeClr val="bg1">
+                    <a:lumMod val="75000"/>
+                  </a:schemeClr>
+                </a:solidFill>
+              </a:rPr>
+              <a:t>(GA)</a:t>
+            </a:r>
           </a:p>
           <a:p>
             <a:pPr marL="742950" indent="-742950">
@@ -5451,7 +8633,7 @@
           <a:p>
             <a:fld id="{304739FC-810C-4CDC-B60F-21F1951FBC64}" type="slidenum">
               <a:rPr kumimoji="1" lang="ja-JP" altLang="en-US" smtClean="0"/>
-              <a:t>13</a:t>
+              <a:t>19</a:t>
             </a:fld>
             <a:endParaRPr kumimoji="1" lang="ja-JP" altLang="en-US"/>
           </a:p>
@@ -5460,573 +8642,7 @@
     </p:spTree>
     <p:extLst>
       <p:ext uri="{BB962C8B-B14F-4D97-AF65-F5344CB8AC3E}">
-        <p14:creationId xmlns:p14="http://schemas.microsoft.com/office/powerpoint/2010/main" val="2484060677"/>
-      </p:ext>
-    </p:extLst>
-  </p:cSld>
-  <p:clrMapOvr>
-    <a:masterClrMapping/>
-  </p:clrMapOvr>
-</p:sld>
-</file>
-
-<file path=ppt/slides/slide14.xml><?xml version="1.0" encoding="utf-8"?>
-<p:sld xmlns:a="http://schemas.openxmlformats.org/drawingml/2006/main" xmlns:r="http://schemas.openxmlformats.org/officeDocument/2006/relationships" xmlns:p="http://schemas.openxmlformats.org/presentationml/2006/main">
-  <p:cSld>
-    <p:spTree>
-      <p:nvGrpSpPr>
-        <p:cNvPr id="1" name=""/>
-        <p:cNvGrpSpPr/>
-        <p:nvPr/>
-      </p:nvGrpSpPr>
-      <p:grpSpPr>
-        <a:xfrm>
-          <a:off x="0" y="0"/>
-          <a:ext cx="0" cy="0"/>
-          <a:chOff x="0" y="0"/>
-          <a:chExt cx="0" cy="0"/>
-        </a:xfrm>
-      </p:grpSpPr>
-      <p:sp>
-        <p:nvSpPr>
-          <p:cNvPr id="2" name="タイトル 1">
-            <a:extLst>
-              <a:ext uri="{FF2B5EF4-FFF2-40B4-BE49-F238E27FC236}">
-                <a16:creationId xmlns:a16="http://schemas.microsoft.com/office/drawing/2014/main" id="{F540F520-70E3-45C3-AEF7-51C96928D589}"/>
-              </a:ext>
-            </a:extLst>
-          </p:cNvPr>
-          <p:cNvSpPr>
-            <a:spLocks noGrp="1"/>
-          </p:cNvSpPr>
-          <p:nvPr>
-            <p:ph type="title"/>
-          </p:nvPr>
-        </p:nvSpPr>
-        <p:spPr/>
-        <p:txBody>
-          <a:bodyPr>
-            <a:normAutofit/>
-          </a:bodyPr>
-          <a:lstStyle/>
-          <a:p>
-            <a:r>
-              <a:rPr kumimoji="1" lang="ja-JP" altLang="en-US" dirty="0"/>
-              <a:t>ネットワーク構造の探索</a:t>
-            </a:r>
-          </a:p>
-        </p:txBody>
-      </p:sp>
-      <p:sp>
-        <p:nvSpPr>
-          <p:cNvPr id="3" name="コンテンツ プレースホルダー 2">
-            <a:extLst>
-              <a:ext uri="{FF2B5EF4-FFF2-40B4-BE49-F238E27FC236}">
-                <a16:creationId xmlns:a16="http://schemas.microsoft.com/office/drawing/2014/main" id="{9F743CD2-83BF-462B-A204-B2B7181D77BA}"/>
-              </a:ext>
-            </a:extLst>
-          </p:cNvPr>
-          <p:cNvSpPr>
-            <a:spLocks noGrp="1"/>
-          </p:cNvSpPr>
-          <p:nvPr>
-            <p:ph idx="1"/>
-          </p:nvPr>
-        </p:nvSpPr>
-        <p:spPr/>
-        <p:txBody>
-          <a:bodyPr/>
-          <a:lstStyle/>
-          <a:p>
-            <a:r>
-              <a:rPr kumimoji="1" lang="ja-JP" altLang="en-US" dirty="0"/>
-              <a:t>演算子は無視</a:t>
-            </a:r>
-          </a:p>
-        </p:txBody>
-      </p:sp>
-      <p:sp>
-        <p:nvSpPr>
-          <p:cNvPr id="4" name="スライド番号プレースホルダー 3">
-            <a:extLst>
-              <a:ext uri="{FF2B5EF4-FFF2-40B4-BE49-F238E27FC236}">
-                <a16:creationId xmlns:a16="http://schemas.microsoft.com/office/drawing/2014/main" id="{18BCFDDE-C34B-4CA8-835B-13BB1BEBDA51}"/>
-              </a:ext>
-            </a:extLst>
-          </p:cNvPr>
-          <p:cNvSpPr>
-            <a:spLocks noGrp="1"/>
-          </p:cNvSpPr>
-          <p:nvPr>
-            <p:ph type="sldNum" sz="quarter" idx="12"/>
-          </p:nvPr>
-        </p:nvSpPr>
-        <p:spPr/>
-        <p:txBody>
-          <a:bodyPr/>
-          <a:lstStyle/>
-          <a:p>
-            <a:fld id="{304739FC-810C-4CDC-B60F-21F1951FBC64}" type="slidenum">
-              <a:rPr kumimoji="1" lang="ja-JP" altLang="en-US" smtClean="0"/>
-              <a:t>14</a:t>
-            </a:fld>
-            <a:endParaRPr kumimoji="1" lang="ja-JP" altLang="en-US"/>
-          </a:p>
-        </p:txBody>
-      </p:sp>
-    </p:spTree>
-    <p:extLst>
-      <p:ext uri="{BB962C8B-B14F-4D97-AF65-F5344CB8AC3E}">
-        <p14:creationId xmlns:p14="http://schemas.microsoft.com/office/powerpoint/2010/main" val="3644504257"/>
-      </p:ext>
-    </p:extLst>
-  </p:cSld>
-  <p:clrMapOvr>
-    <a:masterClrMapping/>
-  </p:clrMapOvr>
-</p:sld>
-</file>
-
-<file path=ppt/slides/slide15.xml><?xml version="1.0" encoding="utf-8"?>
-<p:sld xmlns:a="http://schemas.openxmlformats.org/drawingml/2006/main" xmlns:r="http://schemas.openxmlformats.org/officeDocument/2006/relationships" xmlns:p="http://schemas.openxmlformats.org/presentationml/2006/main">
-  <p:cSld>
-    <p:spTree>
-      <p:nvGrpSpPr>
-        <p:cNvPr id="1" name=""/>
-        <p:cNvGrpSpPr/>
-        <p:nvPr/>
-      </p:nvGrpSpPr>
-      <p:grpSpPr>
-        <a:xfrm>
-          <a:off x="0" y="0"/>
-          <a:ext cx="0" cy="0"/>
-          <a:chOff x="0" y="0"/>
-          <a:chExt cx="0" cy="0"/>
-        </a:xfrm>
-      </p:grpSpPr>
-      <p:sp>
-        <p:nvSpPr>
-          <p:cNvPr id="2" name="タイトル 1">
-            <a:extLst>
-              <a:ext uri="{FF2B5EF4-FFF2-40B4-BE49-F238E27FC236}">
-                <a16:creationId xmlns:a16="http://schemas.microsoft.com/office/drawing/2014/main" id="{C843A24E-BAA0-41DF-A7C4-36C9DAB94AAB}"/>
-              </a:ext>
-            </a:extLst>
-          </p:cNvPr>
-          <p:cNvSpPr>
-            <a:spLocks noGrp="1"/>
-          </p:cNvSpPr>
-          <p:nvPr>
-            <p:ph type="title"/>
-          </p:nvPr>
-        </p:nvSpPr>
-        <p:spPr/>
-        <p:txBody>
-          <a:bodyPr/>
-          <a:lstStyle/>
-          <a:p>
-            <a:r>
-              <a:rPr kumimoji="1" lang="ja-JP" altLang="en-US" dirty="0"/>
-              <a:t>問題設定</a:t>
-            </a:r>
-          </a:p>
-        </p:txBody>
-      </p:sp>
-      <p:sp>
-        <p:nvSpPr>
-          <p:cNvPr id="3" name="コンテンツ プレースホルダー 2">
-            <a:extLst>
-              <a:ext uri="{FF2B5EF4-FFF2-40B4-BE49-F238E27FC236}">
-                <a16:creationId xmlns:a16="http://schemas.microsoft.com/office/drawing/2014/main" id="{3D0F9441-B6DC-40DE-9C19-A49296834B73}"/>
-              </a:ext>
-            </a:extLst>
-          </p:cNvPr>
-          <p:cNvSpPr>
-            <a:spLocks noGrp="1"/>
-          </p:cNvSpPr>
-          <p:nvPr>
-            <p:ph idx="1"/>
-          </p:nvPr>
-        </p:nvSpPr>
-        <p:spPr/>
-        <p:txBody>
-          <a:bodyPr/>
-          <a:lstStyle/>
-          <a:p>
-            <a:r>
-              <a:rPr kumimoji="1" lang="ja-JP" altLang="en-US" dirty="0"/>
-              <a:t>問題</a:t>
-            </a:r>
-            <a:endParaRPr kumimoji="1" lang="en-US" altLang="ja-JP" dirty="0"/>
-          </a:p>
-          <a:p>
-            <a:r>
-              <a:rPr kumimoji="1" lang="ja-JP" altLang="en-US" dirty="0"/>
-              <a:t>目的</a:t>
-            </a:r>
-            <a:endParaRPr kumimoji="1" lang="en-US" altLang="ja-JP" dirty="0"/>
-          </a:p>
-          <a:p>
-            <a:r>
-              <a:rPr lang="ja-JP" altLang="en-US" dirty="0"/>
-              <a:t>条件</a:t>
-            </a:r>
-            <a:endParaRPr kumimoji="1" lang="ja-JP" altLang="en-US" dirty="0"/>
-          </a:p>
-        </p:txBody>
-      </p:sp>
-      <p:sp>
-        <p:nvSpPr>
-          <p:cNvPr id="4" name="スライド番号プレースホルダー 3">
-            <a:extLst>
-              <a:ext uri="{FF2B5EF4-FFF2-40B4-BE49-F238E27FC236}">
-                <a16:creationId xmlns:a16="http://schemas.microsoft.com/office/drawing/2014/main" id="{7EB821EC-1CAE-4AA9-B559-0B683C4E01FB}"/>
-              </a:ext>
-            </a:extLst>
-          </p:cNvPr>
-          <p:cNvSpPr>
-            <a:spLocks noGrp="1"/>
-          </p:cNvSpPr>
-          <p:nvPr>
-            <p:ph type="sldNum" sz="quarter" idx="12"/>
-          </p:nvPr>
-        </p:nvSpPr>
-        <p:spPr/>
-        <p:txBody>
-          <a:bodyPr/>
-          <a:lstStyle/>
-          <a:p>
-            <a:fld id="{304739FC-810C-4CDC-B60F-21F1951FBC64}" type="slidenum">
-              <a:rPr kumimoji="1" lang="ja-JP" altLang="en-US" smtClean="0"/>
-              <a:t>15</a:t>
-            </a:fld>
-            <a:endParaRPr kumimoji="1" lang="ja-JP" altLang="en-US"/>
-          </a:p>
-        </p:txBody>
-      </p:sp>
-    </p:spTree>
-    <p:extLst>
-      <p:ext uri="{BB962C8B-B14F-4D97-AF65-F5344CB8AC3E}">
-        <p14:creationId xmlns:p14="http://schemas.microsoft.com/office/powerpoint/2010/main" val="3128396690"/>
-      </p:ext>
-    </p:extLst>
-  </p:cSld>
-  <p:clrMapOvr>
-    <a:masterClrMapping/>
-  </p:clrMapOvr>
-</p:sld>
-</file>
-
-<file path=ppt/slides/slide16.xml><?xml version="1.0" encoding="utf-8"?>
-<p:sld xmlns:a="http://schemas.openxmlformats.org/drawingml/2006/main" xmlns:r="http://schemas.openxmlformats.org/officeDocument/2006/relationships" xmlns:p="http://schemas.openxmlformats.org/presentationml/2006/main">
-  <p:cSld>
-    <p:spTree>
-      <p:nvGrpSpPr>
-        <p:cNvPr id="1" name=""/>
-        <p:cNvGrpSpPr/>
-        <p:nvPr/>
-      </p:nvGrpSpPr>
-      <p:grpSpPr>
-        <a:xfrm>
-          <a:off x="0" y="0"/>
-          <a:ext cx="0" cy="0"/>
-          <a:chOff x="0" y="0"/>
-          <a:chExt cx="0" cy="0"/>
-        </a:xfrm>
-      </p:grpSpPr>
-      <p:sp>
-        <p:nvSpPr>
-          <p:cNvPr id="2" name="タイトル 1">
-            <a:extLst>
-              <a:ext uri="{FF2B5EF4-FFF2-40B4-BE49-F238E27FC236}">
-                <a16:creationId xmlns:a16="http://schemas.microsoft.com/office/drawing/2014/main" id="{99A71CDC-97C2-465F-8B9B-AE9D55104F50}"/>
-              </a:ext>
-            </a:extLst>
-          </p:cNvPr>
-          <p:cNvSpPr>
-            <a:spLocks noGrp="1"/>
-          </p:cNvSpPr>
-          <p:nvPr>
-            <p:ph type="title"/>
-          </p:nvPr>
-        </p:nvSpPr>
-        <p:spPr/>
-        <p:txBody>
-          <a:bodyPr/>
-          <a:lstStyle/>
-          <a:p>
-            <a:r>
-              <a:rPr kumimoji="1" lang="ja-JP" altLang="en-US" dirty="0"/>
-              <a:t>発表の流れ</a:t>
-            </a:r>
-          </a:p>
-        </p:txBody>
-      </p:sp>
-      <p:sp>
-        <p:nvSpPr>
-          <p:cNvPr id="3" name="コンテンツ プレースホルダー 2">
-            <a:extLst>
-              <a:ext uri="{FF2B5EF4-FFF2-40B4-BE49-F238E27FC236}">
-                <a16:creationId xmlns:a16="http://schemas.microsoft.com/office/drawing/2014/main" id="{EA6F3566-9A84-4DED-A27B-A69CD8CF6C57}"/>
-              </a:ext>
-            </a:extLst>
-          </p:cNvPr>
-          <p:cNvSpPr>
-            <a:spLocks noGrp="1"/>
-          </p:cNvSpPr>
-          <p:nvPr>
-            <p:ph idx="1"/>
-          </p:nvPr>
-        </p:nvSpPr>
-        <p:spPr>
-          <a:xfrm>
-            <a:off x="822959" y="1661049"/>
-            <a:ext cx="7543801" cy="4531925"/>
-          </a:xfrm>
-        </p:spPr>
-        <p:txBody>
-          <a:bodyPr/>
-          <a:lstStyle/>
-          <a:p>
-            <a:pPr marL="742950" indent="-742950">
-              <a:buFont typeface="+mj-lt"/>
-              <a:buAutoNum type="arabicPeriod"/>
-            </a:pPr>
-            <a:r>
-              <a:rPr kumimoji="1" lang="ja-JP" altLang="en-US" dirty="0"/>
-              <a:t>はじめに</a:t>
-            </a:r>
-            <a:endParaRPr kumimoji="1" lang="en-US" altLang="ja-JP" dirty="0"/>
-          </a:p>
-          <a:p>
-            <a:pPr marL="742950" indent="-742950">
-              <a:buFont typeface="+mj-lt"/>
-              <a:buAutoNum type="arabicPeriod"/>
-            </a:pPr>
-            <a:r>
-              <a:rPr lang="ja-JP" altLang="en-US" dirty="0">
-                <a:solidFill>
-                  <a:schemeClr val="bg1">
-                    <a:lumMod val="75000"/>
-                  </a:schemeClr>
-                </a:solidFill>
-              </a:rPr>
-              <a:t>要素技術</a:t>
-            </a:r>
-            <a:endParaRPr lang="en-US" altLang="ja-JP" dirty="0">
-              <a:solidFill>
-                <a:schemeClr val="bg1">
-                  <a:lumMod val="75000"/>
-                </a:schemeClr>
-              </a:solidFill>
-            </a:endParaRPr>
-          </a:p>
-          <a:p>
-            <a:pPr marL="742950" indent="-742950">
-              <a:buFont typeface="+mj-lt"/>
-              <a:buAutoNum type="arabicPeriod"/>
-            </a:pPr>
-            <a:r>
-              <a:rPr kumimoji="1" lang="ja-JP" altLang="en-US" dirty="0">
-                <a:solidFill>
-                  <a:schemeClr val="bg1">
-                    <a:lumMod val="75000"/>
-                  </a:schemeClr>
-                </a:solidFill>
-              </a:rPr>
-              <a:t>手法１</a:t>
-            </a:r>
-            <a:endParaRPr kumimoji="1" lang="en-US" altLang="ja-JP" dirty="0">
-              <a:solidFill>
-                <a:schemeClr val="bg1">
-                  <a:lumMod val="75000"/>
-                </a:schemeClr>
-              </a:solidFill>
-            </a:endParaRPr>
-          </a:p>
-          <a:p>
-            <a:pPr marL="742950" indent="-742950">
-              <a:buFont typeface="+mj-lt"/>
-              <a:buAutoNum type="arabicPeriod"/>
-            </a:pPr>
-            <a:r>
-              <a:rPr lang="ja-JP" altLang="en-US" dirty="0">
-                <a:solidFill>
-                  <a:schemeClr val="bg1">
-                    <a:lumMod val="75000"/>
-                  </a:schemeClr>
-                </a:solidFill>
-              </a:rPr>
-              <a:t>手法２</a:t>
-            </a:r>
-            <a:endParaRPr lang="en-US" altLang="ja-JP" dirty="0">
-              <a:solidFill>
-                <a:schemeClr val="bg1">
-                  <a:lumMod val="75000"/>
-                </a:schemeClr>
-              </a:solidFill>
-            </a:endParaRPr>
-          </a:p>
-          <a:p>
-            <a:pPr marL="742950" indent="-742950">
-              <a:buFont typeface="+mj-lt"/>
-              <a:buAutoNum type="arabicPeriod"/>
-            </a:pPr>
-            <a:r>
-              <a:rPr kumimoji="1" lang="ja-JP" altLang="en-US" dirty="0">
-                <a:solidFill>
-                  <a:schemeClr val="bg1">
-                    <a:lumMod val="75000"/>
-                  </a:schemeClr>
-                </a:solidFill>
-              </a:rPr>
-              <a:t>まとめと今後の課題</a:t>
-            </a:r>
-          </a:p>
-        </p:txBody>
-      </p:sp>
-      <p:sp>
-        <p:nvSpPr>
-          <p:cNvPr id="4" name="スライド番号プレースホルダー 3">
-            <a:extLst>
-              <a:ext uri="{FF2B5EF4-FFF2-40B4-BE49-F238E27FC236}">
-                <a16:creationId xmlns:a16="http://schemas.microsoft.com/office/drawing/2014/main" id="{35C788A5-E800-4B67-8212-144F12E0C41A}"/>
-              </a:ext>
-            </a:extLst>
-          </p:cNvPr>
-          <p:cNvSpPr>
-            <a:spLocks noGrp="1"/>
-          </p:cNvSpPr>
-          <p:nvPr>
-            <p:ph type="sldNum" sz="quarter" idx="12"/>
-          </p:nvPr>
-        </p:nvSpPr>
-        <p:spPr/>
-        <p:txBody>
-          <a:bodyPr/>
-          <a:lstStyle/>
-          <a:p>
-            <a:fld id="{304739FC-810C-4CDC-B60F-21F1951FBC64}" type="slidenum">
-              <a:rPr kumimoji="1" lang="ja-JP" altLang="en-US" smtClean="0"/>
-              <a:t>16</a:t>
-            </a:fld>
-            <a:endParaRPr kumimoji="1" lang="ja-JP" altLang="en-US"/>
-          </a:p>
-        </p:txBody>
-      </p:sp>
-    </p:spTree>
-    <p:extLst>
-      <p:ext uri="{BB962C8B-B14F-4D97-AF65-F5344CB8AC3E}">
-        <p14:creationId xmlns:p14="http://schemas.microsoft.com/office/powerpoint/2010/main" val="3444203357"/>
-      </p:ext>
-    </p:extLst>
-  </p:cSld>
-  <p:clrMapOvr>
-    <a:masterClrMapping/>
-  </p:clrMapOvr>
-</p:sld>
-</file>
-
-<file path=ppt/slides/slide17.xml><?xml version="1.0" encoding="utf-8"?>
-<p:sld xmlns:a="http://schemas.openxmlformats.org/drawingml/2006/main" xmlns:r="http://schemas.openxmlformats.org/officeDocument/2006/relationships" xmlns:p="http://schemas.openxmlformats.org/presentationml/2006/main">
-  <p:cSld>
-    <p:spTree>
-      <p:nvGrpSpPr>
-        <p:cNvPr id="1" name=""/>
-        <p:cNvGrpSpPr/>
-        <p:nvPr/>
-      </p:nvGrpSpPr>
-      <p:grpSpPr>
-        <a:xfrm>
-          <a:off x="0" y="0"/>
-          <a:ext cx="0" cy="0"/>
-          <a:chOff x="0" y="0"/>
-          <a:chExt cx="0" cy="0"/>
-        </a:xfrm>
-      </p:grpSpPr>
-      <p:sp>
-        <p:nvSpPr>
-          <p:cNvPr id="2" name="タイトル 1">
-            <a:extLst>
-              <a:ext uri="{FF2B5EF4-FFF2-40B4-BE49-F238E27FC236}">
-                <a16:creationId xmlns:a16="http://schemas.microsoft.com/office/drawing/2014/main" id="{D46ABB39-F0C4-4941-8AC3-45B843579753}"/>
-              </a:ext>
-            </a:extLst>
-          </p:cNvPr>
-          <p:cNvSpPr>
-            <a:spLocks noGrp="1"/>
-          </p:cNvSpPr>
-          <p:nvPr>
-            <p:ph type="title"/>
-          </p:nvPr>
-        </p:nvSpPr>
-        <p:spPr/>
-        <p:txBody>
-          <a:bodyPr/>
-          <a:lstStyle/>
-          <a:p>
-            <a:endParaRPr kumimoji="1" lang="ja-JP" altLang="en-US" dirty="0"/>
-          </a:p>
-        </p:txBody>
-      </p:sp>
-      <p:sp>
-        <p:nvSpPr>
-          <p:cNvPr id="3" name="コンテンツ プレースホルダー 2">
-            <a:extLst>
-              <a:ext uri="{FF2B5EF4-FFF2-40B4-BE49-F238E27FC236}">
-                <a16:creationId xmlns:a16="http://schemas.microsoft.com/office/drawing/2014/main" id="{16CD0B30-B81C-48A7-AD69-55ECEFD9088C}"/>
-              </a:ext>
-            </a:extLst>
-          </p:cNvPr>
-          <p:cNvSpPr>
-            <a:spLocks noGrp="1"/>
-          </p:cNvSpPr>
-          <p:nvPr>
-            <p:ph idx="1"/>
-          </p:nvPr>
-        </p:nvSpPr>
-        <p:spPr/>
-        <p:txBody>
-          <a:bodyPr/>
-          <a:lstStyle/>
-          <a:p>
-            <a:endParaRPr kumimoji="1" lang="ja-JP" altLang="en-US"/>
-          </a:p>
-        </p:txBody>
-      </p:sp>
-      <p:sp>
-        <p:nvSpPr>
-          <p:cNvPr id="4" name="スライド番号プレースホルダー 3">
-            <a:extLst>
-              <a:ext uri="{FF2B5EF4-FFF2-40B4-BE49-F238E27FC236}">
-                <a16:creationId xmlns:a16="http://schemas.microsoft.com/office/drawing/2014/main" id="{0B3C2E9D-0858-4A34-8898-41EF151E398D}"/>
-              </a:ext>
-            </a:extLst>
-          </p:cNvPr>
-          <p:cNvSpPr>
-            <a:spLocks noGrp="1"/>
-          </p:cNvSpPr>
-          <p:nvPr>
-            <p:ph type="sldNum" sz="quarter" idx="12"/>
-          </p:nvPr>
-        </p:nvSpPr>
-        <p:spPr/>
-        <p:txBody>
-          <a:bodyPr/>
-          <a:lstStyle/>
-          <a:p>
-            <a:fld id="{304739FC-810C-4CDC-B60F-21F1951FBC64}" type="slidenum">
-              <a:rPr kumimoji="1" lang="ja-JP" altLang="en-US" smtClean="0"/>
-              <a:t>17</a:t>
-            </a:fld>
-            <a:endParaRPr kumimoji="1" lang="ja-JP" altLang="en-US"/>
-          </a:p>
-        </p:txBody>
-      </p:sp>
-    </p:spTree>
-    <p:extLst>
-      <p:ext uri="{BB962C8B-B14F-4D97-AF65-F5344CB8AC3E}">
-        <p14:creationId xmlns:p14="http://schemas.microsoft.com/office/powerpoint/2010/main" val="1959784544"/>
+        <p14:creationId xmlns:p14="http://schemas.microsoft.com/office/powerpoint/2010/main" val="2543836608"/>
       </p:ext>
     </p:extLst>
   </p:cSld>
@@ -6134,10 +8750,10 @@
               <a:buAutoNum type="arabicPeriod"/>
             </a:pPr>
             <a:r>
-              <a:rPr kumimoji="1" lang="ja-JP" altLang="en-US" dirty="0"/>
-              <a:t>手法１</a:t>
-            </a:r>
-            <a:endParaRPr kumimoji="1" lang="en-US" altLang="ja-JP" dirty="0"/>
+              <a:rPr lang="ja-JP" altLang="en-US" dirty="0"/>
+              <a:t>問題</a:t>
+            </a:r>
+            <a:endParaRPr lang="en-US" altLang="ja-JP" dirty="0"/>
           </a:p>
           <a:p>
             <a:pPr marL="742950" indent="-742950">
@@ -6145,10 +8761,24 @@
               <a:buAutoNum type="arabicPeriod"/>
             </a:pPr>
             <a:r>
+              <a:rPr kumimoji="1" lang="ja-JP" altLang="en-US" dirty="0"/>
+              <a:t>手法１</a:t>
+            </a:r>
+            <a:endParaRPr kumimoji="1" lang="en-US" altLang="ja-JP" dirty="0"/>
+          </a:p>
+          <a:p>
+            <a:pPr marL="742950" indent="-742950">
+              <a:buFont typeface="+mj-lt"/>
+              <a:buAutoNum type="arabicPeriod"/>
+            </a:pPr>
+            <a:r>
               <a:rPr lang="ja-JP" altLang="en-US" dirty="0"/>
               <a:t>手法２</a:t>
             </a:r>
-            <a:endParaRPr lang="en-US" altLang="ja-JP" dirty="0"/>
+            <a:r>
+              <a:rPr lang="en-US" altLang="ja-JP" dirty="0"/>
+              <a:t>(GA)</a:t>
+            </a:r>
           </a:p>
           <a:p>
             <a:pPr marL="742950" indent="-742950">
@@ -6195,6 +8825,1076 @@
     <p:extLst>
       <p:ext uri="{BB962C8B-B14F-4D97-AF65-F5344CB8AC3E}">
         <p14:creationId xmlns:p14="http://schemas.microsoft.com/office/powerpoint/2010/main" val="3897319291"/>
+      </p:ext>
+    </p:extLst>
+  </p:cSld>
+  <p:clrMapOvr>
+    <a:masterClrMapping/>
+  </p:clrMapOvr>
+</p:sld>
+</file>
+
+<file path=ppt/slides/slide20.xml><?xml version="1.0" encoding="utf-8"?>
+<p:sld xmlns:a="http://schemas.openxmlformats.org/drawingml/2006/main" xmlns:r="http://schemas.openxmlformats.org/officeDocument/2006/relationships" xmlns:p="http://schemas.openxmlformats.org/presentationml/2006/main">
+  <p:cSld>
+    <p:spTree>
+      <p:nvGrpSpPr>
+        <p:cNvPr id="1" name=""/>
+        <p:cNvGrpSpPr/>
+        <p:nvPr/>
+      </p:nvGrpSpPr>
+      <p:grpSpPr>
+        <a:xfrm>
+          <a:off x="0" y="0"/>
+          <a:ext cx="0" cy="0"/>
+          <a:chOff x="0" y="0"/>
+          <a:chExt cx="0" cy="0"/>
+        </a:xfrm>
+      </p:grpSpPr>
+      <p:sp>
+        <p:nvSpPr>
+          <p:cNvPr id="2" name="タイトル 1">
+            <a:extLst>
+              <a:ext uri="{FF2B5EF4-FFF2-40B4-BE49-F238E27FC236}">
+                <a16:creationId xmlns:a16="http://schemas.microsoft.com/office/drawing/2014/main" id="{F540F520-70E3-45C3-AEF7-51C96928D589}"/>
+              </a:ext>
+            </a:extLst>
+          </p:cNvPr>
+          <p:cNvSpPr>
+            <a:spLocks noGrp="1"/>
+          </p:cNvSpPr>
+          <p:nvPr>
+            <p:ph type="title"/>
+          </p:nvPr>
+        </p:nvSpPr>
+        <p:spPr/>
+        <p:txBody>
+          <a:bodyPr>
+            <a:normAutofit/>
+          </a:bodyPr>
+          <a:lstStyle/>
+          <a:p>
+            <a:r>
+              <a:rPr kumimoji="1" lang="ja-JP" altLang="en-US" dirty="0"/>
+              <a:t>ネットワーク構造の探索</a:t>
+            </a:r>
+          </a:p>
+        </p:txBody>
+      </p:sp>
+      <p:sp>
+        <p:nvSpPr>
+          <p:cNvPr id="3" name="コンテンツ プレースホルダー 2">
+            <a:extLst>
+              <a:ext uri="{FF2B5EF4-FFF2-40B4-BE49-F238E27FC236}">
+                <a16:creationId xmlns:a16="http://schemas.microsoft.com/office/drawing/2014/main" id="{9F743CD2-83BF-462B-A204-B2B7181D77BA}"/>
+              </a:ext>
+            </a:extLst>
+          </p:cNvPr>
+          <p:cNvSpPr>
+            <a:spLocks noGrp="1"/>
+          </p:cNvSpPr>
+          <p:nvPr>
+            <p:ph idx="1"/>
+          </p:nvPr>
+        </p:nvSpPr>
+        <p:spPr/>
+        <p:txBody>
+          <a:bodyPr/>
+          <a:lstStyle/>
+          <a:p>
+            <a:r>
+              <a:rPr kumimoji="1" lang="ja-JP" altLang="en-US" dirty="0"/>
+              <a:t>演算子は無視</a:t>
+            </a:r>
+          </a:p>
+        </p:txBody>
+      </p:sp>
+      <p:sp>
+        <p:nvSpPr>
+          <p:cNvPr id="4" name="スライド番号プレースホルダー 3">
+            <a:extLst>
+              <a:ext uri="{FF2B5EF4-FFF2-40B4-BE49-F238E27FC236}">
+                <a16:creationId xmlns:a16="http://schemas.microsoft.com/office/drawing/2014/main" id="{18BCFDDE-C34B-4CA8-835B-13BB1BEBDA51}"/>
+              </a:ext>
+            </a:extLst>
+          </p:cNvPr>
+          <p:cNvSpPr>
+            <a:spLocks noGrp="1"/>
+          </p:cNvSpPr>
+          <p:nvPr>
+            <p:ph type="sldNum" sz="quarter" idx="12"/>
+          </p:nvPr>
+        </p:nvSpPr>
+        <p:spPr/>
+        <p:txBody>
+          <a:bodyPr/>
+          <a:lstStyle/>
+          <a:p>
+            <a:fld id="{304739FC-810C-4CDC-B60F-21F1951FBC64}" type="slidenum">
+              <a:rPr kumimoji="1" lang="ja-JP" altLang="en-US" smtClean="0"/>
+              <a:t>20</a:t>
+            </a:fld>
+            <a:endParaRPr kumimoji="1" lang="ja-JP" altLang="en-US"/>
+          </a:p>
+        </p:txBody>
+      </p:sp>
+    </p:spTree>
+    <p:extLst>
+      <p:ext uri="{BB962C8B-B14F-4D97-AF65-F5344CB8AC3E}">
+        <p14:creationId xmlns:p14="http://schemas.microsoft.com/office/powerpoint/2010/main" val="3644504257"/>
+      </p:ext>
+    </p:extLst>
+  </p:cSld>
+  <p:clrMapOvr>
+    <a:masterClrMapping/>
+  </p:clrMapOvr>
+</p:sld>
+</file>
+
+<file path=ppt/slides/slide21.xml><?xml version="1.0" encoding="utf-8"?>
+<p:sld xmlns:a="http://schemas.openxmlformats.org/drawingml/2006/main" xmlns:r="http://schemas.openxmlformats.org/officeDocument/2006/relationships" xmlns:p="http://schemas.openxmlformats.org/presentationml/2006/main">
+  <p:cSld>
+    <p:spTree>
+      <p:nvGrpSpPr>
+        <p:cNvPr id="1" name=""/>
+        <p:cNvGrpSpPr/>
+        <p:nvPr/>
+      </p:nvGrpSpPr>
+      <p:grpSpPr>
+        <a:xfrm>
+          <a:off x="0" y="0"/>
+          <a:ext cx="0" cy="0"/>
+          <a:chOff x="0" y="0"/>
+          <a:chExt cx="0" cy="0"/>
+        </a:xfrm>
+      </p:grpSpPr>
+      <p:sp>
+        <p:nvSpPr>
+          <p:cNvPr id="2" name="タイトル 1">
+            <a:extLst>
+              <a:ext uri="{FF2B5EF4-FFF2-40B4-BE49-F238E27FC236}">
+                <a16:creationId xmlns:a16="http://schemas.microsoft.com/office/drawing/2014/main" id="{C843A24E-BAA0-41DF-A7C4-36C9DAB94AAB}"/>
+              </a:ext>
+            </a:extLst>
+          </p:cNvPr>
+          <p:cNvSpPr>
+            <a:spLocks noGrp="1"/>
+          </p:cNvSpPr>
+          <p:nvPr>
+            <p:ph type="title"/>
+          </p:nvPr>
+        </p:nvSpPr>
+        <p:spPr/>
+        <p:txBody>
+          <a:bodyPr/>
+          <a:lstStyle/>
+          <a:p>
+            <a:r>
+              <a:rPr kumimoji="1" lang="ja-JP" altLang="en-US" dirty="0"/>
+              <a:t>問題設定</a:t>
+            </a:r>
+          </a:p>
+        </p:txBody>
+      </p:sp>
+      <p:sp>
+        <p:nvSpPr>
+          <p:cNvPr id="3" name="コンテンツ プレースホルダー 2">
+            <a:extLst>
+              <a:ext uri="{FF2B5EF4-FFF2-40B4-BE49-F238E27FC236}">
+                <a16:creationId xmlns:a16="http://schemas.microsoft.com/office/drawing/2014/main" id="{3D0F9441-B6DC-40DE-9C19-A49296834B73}"/>
+              </a:ext>
+            </a:extLst>
+          </p:cNvPr>
+          <p:cNvSpPr>
+            <a:spLocks noGrp="1"/>
+          </p:cNvSpPr>
+          <p:nvPr>
+            <p:ph idx="1"/>
+          </p:nvPr>
+        </p:nvSpPr>
+        <p:spPr/>
+        <p:txBody>
+          <a:bodyPr/>
+          <a:lstStyle/>
+          <a:p>
+            <a:r>
+              <a:rPr kumimoji="1" lang="ja-JP" altLang="en-US" dirty="0"/>
+              <a:t>問題</a:t>
+            </a:r>
+            <a:endParaRPr kumimoji="1" lang="en-US" altLang="ja-JP" dirty="0"/>
+          </a:p>
+          <a:p>
+            <a:r>
+              <a:rPr kumimoji="1" lang="ja-JP" altLang="en-US" dirty="0"/>
+              <a:t>目的</a:t>
+            </a:r>
+            <a:endParaRPr kumimoji="1" lang="en-US" altLang="ja-JP" dirty="0"/>
+          </a:p>
+          <a:p>
+            <a:r>
+              <a:rPr lang="ja-JP" altLang="en-US" dirty="0"/>
+              <a:t>条件</a:t>
+            </a:r>
+            <a:endParaRPr kumimoji="1" lang="ja-JP" altLang="en-US" dirty="0"/>
+          </a:p>
+        </p:txBody>
+      </p:sp>
+      <p:sp>
+        <p:nvSpPr>
+          <p:cNvPr id="4" name="スライド番号プレースホルダー 3">
+            <a:extLst>
+              <a:ext uri="{FF2B5EF4-FFF2-40B4-BE49-F238E27FC236}">
+                <a16:creationId xmlns:a16="http://schemas.microsoft.com/office/drawing/2014/main" id="{7EB821EC-1CAE-4AA9-B559-0B683C4E01FB}"/>
+              </a:ext>
+            </a:extLst>
+          </p:cNvPr>
+          <p:cNvSpPr>
+            <a:spLocks noGrp="1"/>
+          </p:cNvSpPr>
+          <p:nvPr>
+            <p:ph type="sldNum" sz="quarter" idx="12"/>
+          </p:nvPr>
+        </p:nvSpPr>
+        <p:spPr/>
+        <p:txBody>
+          <a:bodyPr/>
+          <a:lstStyle/>
+          <a:p>
+            <a:fld id="{304739FC-810C-4CDC-B60F-21F1951FBC64}" type="slidenum">
+              <a:rPr kumimoji="1" lang="ja-JP" altLang="en-US" smtClean="0"/>
+              <a:t>21</a:t>
+            </a:fld>
+            <a:endParaRPr kumimoji="1" lang="ja-JP" altLang="en-US"/>
+          </a:p>
+        </p:txBody>
+      </p:sp>
+    </p:spTree>
+    <p:extLst>
+      <p:ext uri="{BB962C8B-B14F-4D97-AF65-F5344CB8AC3E}">
+        <p14:creationId xmlns:p14="http://schemas.microsoft.com/office/powerpoint/2010/main" val="3128396690"/>
+      </p:ext>
+    </p:extLst>
+  </p:cSld>
+  <p:clrMapOvr>
+    <a:masterClrMapping/>
+  </p:clrMapOvr>
+</p:sld>
+</file>
+
+<file path=ppt/slides/slide22.xml><?xml version="1.0" encoding="utf-8"?>
+<p:sld xmlns:a="http://schemas.openxmlformats.org/drawingml/2006/main" xmlns:r="http://schemas.openxmlformats.org/officeDocument/2006/relationships" xmlns:p="http://schemas.openxmlformats.org/presentationml/2006/main">
+  <p:cSld>
+    <p:spTree>
+      <p:nvGrpSpPr>
+        <p:cNvPr id="1" name=""/>
+        <p:cNvGrpSpPr/>
+        <p:nvPr/>
+      </p:nvGrpSpPr>
+      <p:grpSpPr>
+        <a:xfrm>
+          <a:off x="0" y="0"/>
+          <a:ext cx="0" cy="0"/>
+          <a:chOff x="0" y="0"/>
+          <a:chExt cx="0" cy="0"/>
+        </a:xfrm>
+      </p:grpSpPr>
+      <p:sp>
+        <p:nvSpPr>
+          <p:cNvPr id="2" name="タイトル 1">
+            <a:extLst>
+              <a:ext uri="{FF2B5EF4-FFF2-40B4-BE49-F238E27FC236}">
+                <a16:creationId xmlns:a16="http://schemas.microsoft.com/office/drawing/2014/main" id="{99A71CDC-97C2-465F-8B9B-AE9D55104F50}"/>
+              </a:ext>
+            </a:extLst>
+          </p:cNvPr>
+          <p:cNvSpPr>
+            <a:spLocks noGrp="1"/>
+          </p:cNvSpPr>
+          <p:nvPr>
+            <p:ph type="title"/>
+          </p:nvPr>
+        </p:nvSpPr>
+        <p:spPr/>
+        <p:txBody>
+          <a:bodyPr/>
+          <a:lstStyle/>
+          <a:p>
+            <a:r>
+              <a:rPr kumimoji="1" lang="ja-JP" altLang="en-US" dirty="0"/>
+              <a:t>発表の流れ</a:t>
+            </a:r>
+          </a:p>
+        </p:txBody>
+      </p:sp>
+      <p:sp>
+        <p:nvSpPr>
+          <p:cNvPr id="3" name="コンテンツ プレースホルダー 2">
+            <a:extLst>
+              <a:ext uri="{FF2B5EF4-FFF2-40B4-BE49-F238E27FC236}">
+                <a16:creationId xmlns:a16="http://schemas.microsoft.com/office/drawing/2014/main" id="{EA6F3566-9A84-4DED-A27B-A69CD8CF6C57}"/>
+              </a:ext>
+            </a:extLst>
+          </p:cNvPr>
+          <p:cNvSpPr>
+            <a:spLocks noGrp="1"/>
+          </p:cNvSpPr>
+          <p:nvPr>
+            <p:ph idx="1"/>
+          </p:nvPr>
+        </p:nvSpPr>
+        <p:spPr>
+          <a:xfrm>
+            <a:off x="822959" y="1661049"/>
+            <a:ext cx="7543801" cy="4531925"/>
+          </a:xfrm>
+        </p:spPr>
+        <p:txBody>
+          <a:bodyPr/>
+          <a:lstStyle/>
+          <a:p>
+            <a:pPr marL="742950" indent="-742950">
+              <a:buFont typeface="+mj-lt"/>
+              <a:buAutoNum type="arabicPeriod"/>
+            </a:pPr>
+            <a:r>
+              <a:rPr kumimoji="1" lang="ja-JP" altLang="en-US" dirty="0">
+                <a:solidFill>
+                  <a:schemeClr val="bg1">
+                    <a:lumMod val="75000"/>
+                  </a:schemeClr>
+                </a:solidFill>
+              </a:rPr>
+              <a:t>はじめに</a:t>
+            </a:r>
+            <a:endParaRPr kumimoji="1" lang="en-US" altLang="ja-JP" dirty="0">
+              <a:solidFill>
+                <a:schemeClr val="bg1">
+                  <a:lumMod val="75000"/>
+                </a:schemeClr>
+              </a:solidFill>
+            </a:endParaRPr>
+          </a:p>
+          <a:p>
+            <a:pPr marL="742950" indent="-742950">
+              <a:buFont typeface="+mj-lt"/>
+              <a:buAutoNum type="arabicPeriod"/>
+            </a:pPr>
+            <a:r>
+              <a:rPr lang="ja-JP" altLang="en-US" dirty="0">
+                <a:solidFill>
+                  <a:schemeClr val="bg1">
+                    <a:lumMod val="75000"/>
+                  </a:schemeClr>
+                </a:solidFill>
+              </a:rPr>
+              <a:t>要素技術</a:t>
+            </a:r>
+            <a:endParaRPr lang="en-US" altLang="ja-JP" dirty="0">
+              <a:solidFill>
+                <a:schemeClr val="bg1">
+                  <a:lumMod val="75000"/>
+                </a:schemeClr>
+              </a:solidFill>
+            </a:endParaRPr>
+          </a:p>
+          <a:p>
+            <a:pPr marL="742950" indent="-742950">
+              <a:buFont typeface="+mj-lt"/>
+              <a:buAutoNum type="arabicPeriod"/>
+            </a:pPr>
+            <a:r>
+              <a:rPr lang="ja-JP" altLang="en-US" dirty="0">
+                <a:solidFill>
+                  <a:schemeClr val="bg1">
+                    <a:lumMod val="75000"/>
+                  </a:schemeClr>
+                </a:solidFill>
+              </a:rPr>
+              <a:t>問題</a:t>
+            </a:r>
+            <a:endParaRPr lang="en-US" altLang="ja-JP" dirty="0">
+              <a:solidFill>
+                <a:schemeClr val="bg1">
+                  <a:lumMod val="75000"/>
+                </a:schemeClr>
+              </a:solidFill>
+            </a:endParaRPr>
+          </a:p>
+          <a:p>
+            <a:pPr marL="742950" indent="-742950">
+              <a:buFont typeface="+mj-lt"/>
+              <a:buAutoNum type="arabicPeriod"/>
+            </a:pPr>
+            <a:r>
+              <a:rPr kumimoji="1" lang="ja-JP" altLang="en-US" dirty="0"/>
+              <a:t>手法１</a:t>
+            </a:r>
+            <a:endParaRPr kumimoji="1" lang="en-US" altLang="ja-JP" dirty="0"/>
+          </a:p>
+          <a:p>
+            <a:pPr marL="742950" indent="-742950">
+              <a:buFont typeface="+mj-lt"/>
+              <a:buAutoNum type="arabicPeriod"/>
+            </a:pPr>
+            <a:r>
+              <a:rPr lang="ja-JP" altLang="en-US" dirty="0">
+                <a:solidFill>
+                  <a:schemeClr val="bg1">
+                    <a:lumMod val="75000"/>
+                  </a:schemeClr>
+                </a:solidFill>
+              </a:rPr>
+              <a:t>手法２</a:t>
+            </a:r>
+            <a:r>
+              <a:rPr lang="en-US" altLang="ja-JP" dirty="0">
+                <a:solidFill>
+                  <a:schemeClr val="bg1">
+                    <a:lumMod val="75000"/>
+                  </a:schemeClr>
+                </a:solidFill>
+              </a:rPr>
+              <a:t>(GA)</a:t>
+            </a:r>
+          </a:p>
+          <a:p>
+            <a:pPr marL="742950" indent="-742950">
+              <a:buFont typeface="+mj-lt"/>
+              <a:buAutoNum type="arabicPeriod"/>
+            </a:pPr>
+            <a:r>
+              <a:rPr kumimoji="1" lang="ja-JP" altLang="en-US" dirty="0">
+                <a:solidFill>
+                  <a:schemeClr val="bg1">
+                    <a:lumMod val="75000"/>
+                  </a:schemeClr>
+                </a:solidFill>
+              </a:rPr>
+              <a:t>まとめと今後の課題</a:t>
+            </a:r>
+          </a:p>
+        </p:txBody>
+      </p:sp>
+      <p:sp>
+        <p:nvSpPr>
+          <p:cNvPr id="4" name="スライド番号プレースホルダー 3">
+            <a:extLst>
+              <a:ext uri="{FF2B5EF4-FFF2-40B4-BE49-F238E27FC236}">
+                <a16:creationId xmlns:a16="http://schemas.microsoft.com/office/drawing/2014/main" id="{35C788A5-E800-4B67-8212-144F12E0C41A}"/>
+              </a:ext>
+            </a:extLst>
+          </p:cNvPr>
+          <p:cNvSpPr>
+            <a:spLocks noGrp="1"/>
+          </p:cNvSpPr>
+          <p:nvPr>
+            <p:ph type="sldNum" sz="quarter" idx="12"/>
+          </p:nvPr>
+        </p:nvSpPr>
+        <p:spPr/>
+        <p:txBody>
+          <a:bodyPr/>
+          <a:lstStyle/>
+          <a:p>
+            <a:fld id="{304739FC-810C-4CDC-B60F-21F1951FBC64}" type="slidenum">
+              <a:rPr kumimoji="1" lang="ja-JP" altLang="en-US" smtClean="0"/>
+              <a:t>22</a:t>
+            </a:fld>
+            <a:endParaRPr kumimoji="1" lang="ja-JP" altLang="en-US"/>
+          </a:p>
+        </p:txBody>
+      </p:sp>
+    </p:spTree>
+    <p:extLst>
+      <p:ext uri="{BB962C8B-B14F-4D97-AF65-F5344CB8AC3E}">
+        <p14:creationId xmlns:p14="http://schemas.microsoft.com/office/powerpoint/2010/main" val="1067326843"/>
+      </p:ext>
+    </p:extLst>
+  </p:cSld>
+  <p:clrMapOvr>
+    <a:masterClrMapping/>
+  </p:clrMapOvr>
+</p:sld>
+</file>
+
+<file path=ppt/slides/slide23.xml><?xml version="1.0" encoding="utf-8"?>
+<p:sld xmlns:a="http://schemas.openxmlformats.org/drawingml/2006/main" xmlns:r="http://schemas.openxmlformats.org/officeDocument/2006/relationships" xmlns:p="http://schemas.openxmlformats.org/presentationml/2006/main">
+  <p:cSld>
+    <p:spTree>
+      <p:nvGrpSpPr>
+        <p:cNvPr id="1" name=""/>
+        <p:cNvGrpSpPr/>
+        <p:nvPr/>
+      </p:nvGrpSpPr>
+      <p:grpSpPr>
+        <a:xfrm>
+          <a:off x="0" y="0"/>
+          <a:ext cx="0" cy="0"/>
+          <a:chOff x="0" y="0"/>
+          <a:chExt cx="0" cy="0"/>
+        </a:xfrm>
+      </p:grpSpPr>
+      <p:sp>
+        <p:nvSpPr>
+          <p:cNvPr id="2" name="タイトル 1">
+            <a:extLst>
+              <a:ext uri="{FF2B5EF4-FFF2-40B4-BE49-F238E27FC236}">
+                <a16:creationId xmlns:a16="http://schemas.microsoft.com/office/drawing/2014/main" id="{D46ABB39-F0C4-4941-8AC3-45B843579753}"/>
+              </a:ext>
+            </a:extLst>
+          </p:cNvPr>
+          <p:cNvSpPr>
+            <a:spLocks noGrp="1"/>
+          </p:cNvSpPr>
+          <p:nvPr>
+            <p:ph type="title"/>
+          </p:nvPr>
+        </p:nvSpPr>
+        <p:spPr/>
+        <p:txBody>
+          <a:bodyPr/>
+          <a:lstStyle/>
+          <a:p>
+            <a:endParaRPr kumimoji="1" lang="ja-JP" altLang="en-US" dirty="0"/>
+          </a:p>
+        </p:txBody>
+      </p:sp>
+      <p:sp>
+        <p:nvSpPr>
+          <p:cNvPr id="3" name="コンテンツ プレースホルダー 2">
+            <a:extLst>
+              <a:ext uri="{FF2B5EF4-FFF2-40B4-BE49-F238E27FC236}">
+                <a16:creationId xmlns:a16="http://schemas.microsoft.com/office/drawing/2014/main" id="{16CD0B30-B81C-48A7-AD69-55ECEFD9088C}"/>
+              </a:ext>
+            </a:extLst>
+          </p:cNvPr>
+          <p:cNvSpPr>
+            <a:spLocks noGrp="1"/>
+          </p:cNvSpPr>
+          <p:nvPr>
+            <p:ph idx="1"/>
+          </p:nvPr>
+        </p:nvSpPr>
+        <p:spPr/>
+        <p:txBody>
+          <a:bodyPr/>
+          <a:lstStyle/>
+          <a:p>
+            <a:endParaRPr kumimoji="1" lang="ja-JP" altLang="en-US"/>
+          </a:p>
+        </p:txBody>
+      </p:sp>
+      <p:sp>
+        <p:nvSpPr>
+          <p:cNvPr id="4" name="スライド番号プレースホルダー 3">
+            <a:extLst>
+              <a:ext uri="{FF2B5EF4-FFF2-40B4-BE49-F238E27FC236}">
+                <a16:creationId xmlns:a16="http://schemas.microsoft.com/office/drawing/2014/main" id="{0B3C2E9D-0858-4A34-8898-41EF151E398D}"/>
+              </a:ext>
+            </a:extLst>
+          </p:cNvPr>
+          <p:cNvSpPr>
+            <a:spLocks noGrp="1"/>
+          </p:cNvSpPr>
+          <p:nvPr>
+            <p:ph type="sldNum" sz="quarter" idx="12"/>
+          </p:nvPr>
+        </p:nvSpPr>
+        <p:spPr/>
+        <p:txBody>
+          <a:bodyPr/>
+          <a:lstStyle/>
+          <a:p>
+            <a:fld id="{304739FC-810C-4CDC-B60F-21F1951FBC64}" type="slidenum">
+              <a:rPr kumimoji="1" lang="ja-JP" altLang="en-US" smtClean="0"/>
+              <a:t>23</a:t>
+            </a:fld>
+            <a:endParaRPr kumimoji="1" lang="ja-JP" altLang="en-US"/>
+          </a:p>
+        </p:txBody>
+      </p:sp>
+    </p:spTree>
+    <p:extLst>
+      <p:ext uri="{BB962C8B-B14F-4D97-AF65-F5344CB8AC3E}">
+        <p14:creationId xmlns:p14="http://schemas.microsoft.com/office/powerpoint/2010/main" val="1959784544"/>
+      </p:ext>
+    </p:extLst>
+  </p:cSld>
+  <p:clrMapOvr>
+    <a:masterClrMapping/>
+  </p:clrMapOvr>
+</p:sld>
+</file>
+
+<file path=ppt/slides/slide24.xml><?xml version="1.0" encoding="utf-8"?>
+<p:sld xmlns:a="http://schemas.openxmlformats.org/drawingml/2006/main" xmlns:r="http://schemas.openxmlformats.org/officeDocument/2006/relationships" xmlns:p="http://schemas.openxmlformats.org/presentationml/2006/main">
+  <p:cSld>
+    <p:spTree>
+      <p:nvGrpSpPr>
+        <p:cNvPr id="1" name=""/>
+        <p:cNvGrpSpPr/>
+        <p:nvPr/>
+      </p:nvGrpSpPr>
+      <p:grpSpPr>
+        <a:xfrm>
+          <a:off x="0" y="0"/>
+          <a:ext cx="0" cy="0"/>
+          <a:chOff x="0" y="0"/>
+          <a:chExt cx="0" cy="0"/>
+        </a:xfrm>
+      </p:grpSpPr>
+      <p:sp>
+        <p:nvSpPr>
+          <p:cNvPr id="2" name="タイトル 1">
+            <a:extLst>
+              <a:ext uri="{FF2B5EF4-FFF2-40B4-BE49-F238E27FC236}">
+                <a16:creationId xmlns:a16="http://schemas.microsoft.com/office/drawing/2014/main" id="{99A71CDC-97C2-465F-8B9B-AE9D55104F50}"/>
+              </a:ext>
+            </a:extLst>
+          </p:cNvPr>
+          <p:cNvSpPr>
+            <a:spLocks noGrp="1"/>
+          </p:cNvSpPr>
+          <p:nvPr>
+            <p:ph type="title"/>
+          </p:nvPr>
+        </p:nvSpPr>
+        <p:spPr/>
+        <p:txBody>
+          <a:bodyPr/>
+          <a:lstStyle/>
+          <a:p>
+            <a:r>
+              <a:rPr kumimoji="1" lang="ja-JP" altLang="en-US" dirty="0"/>
+              <a:t>発表の流れ</a:t>
+            </a:r>
+          </a:p>
+        </p:txBody>
+      </p:sp>
+      <p:sp>
+        <p:nvSpPr>
+          <p:cNvPr id="3" name="コンテンツ プレースホルダー 2">
+            <a:extLst>
+              <a:ext uri="{FF2B5EF4-FFF2-40B4-BE49-F238E27FC236}">
+                <a16:creationId xmlns:a16="http://schemas.microsoft.com/office/drawing/2014/main" id="{EA6F3566-9A84-4DED-A27B-A69CD8CF6C57}"/>
+              </a:ext>
+            </a:extLst>
+          </p:cNvPr>
+          <p:cNvSpPr>
+            <a:spLocks noGrp="1"/>
+          </p:cNvSpPr>
+          <p:nvPr>
+            <p:ph idx="1"/>
+          </p:nvPr>
+        </p:nvSpPr>
+        <p:spPr>
+          <a:xfrm>
+            <a:off x="822959" y="1661049"/>
+            <a:ext cx="7543801" cy="4531925"/>
+          </a:xfrm>
+        </p:spPr>
+        <p:txBody>
+          <a:bodyPr/>
+          <a:lstStyle/>
+          <a:p>
+            <a:pPr marL="742950" indent="-742950">
+              <a:buFont typeface="+mj-lt"/>
+              <a:buAutoNum type="arabicPeriod"/>
+            </a:pPr>
+            <a:r>
+              <a:rPr kumimoji="1" lang="ja-JP" altLang="en-US" dirty="0">
+                <a:solidFill>
+                  <a:schemeClr val="bg1">
+                    <a:lumMod val="75000"/>
+                  </a:schemeClr>
+                </a:solidFill>
+              </a:rPr>
+              <a:t>はじめに</a:t>
+            </a:r>
+            <a:endParaRPr kumimoji="1" lang="en-US" altLang="ja-JP" dirty="0">
+              <a:solidFill>
+                <a:schemeClr val="bg1">
+                  <a:lumMod val="75000"/>
+                </a:schemeClr>
+              </a:solidFill>
+            </a:endParaRPr>
+          </a:p>
+          <a:p>
+            <a:pPr marL="742950" indent="-742950">
+              <a:buFont typeface="+mj-lt"/>
+              <a:buAutoNum type="arabicPeriod"/>
+            </a:pPr>
+            <a:r>
+              <a:rPr lang="ja-JP" altLang="en-US" dirty="0">
+                <a:solidFill>
+                  <a:schemeClr val="bg1">
+                    <a:lumMod val="75000"/>
+                  </a:schemeClr>
+                </a:solidFill>
+              </a:rPr>
+              <a:t>要素技術</a:t>
+            </a:r>
+            <a:endParaRPr lang="en-US" altLang="ja-JP" dirty="0">
+              <a:solidFill>
+                <a:schemeClr val="bg1">
+                  <a:lumMod val="75000"/>
+                </a:schemeClr>
+              </a:solidFill>
+            </a:endParaRPr>
+          </a:p>
+          <a:p>
+            <a:pPr marL="742950" indent="-742950">
+              <a:buFont typeface="+mj-lt"/>
+              <a:buAutoNum type="arabicPeriod"/>
+            </a:pPr>
+            <a:r>
+              <a:rPr lang="ja-JP" altLang="en-US" dirty="0">
+                <a:solidFill>
+                  <a:schemeClr val="bg1">
+                    <a:lumMod val="75000"/>
+                  </a:schemeClr>
+                </a:solidFill>
+              </a:rPr>
+              <a:t>問題</a:t>
+            </a:r>
+            <a:endParaRPr lang="en-US" altLang="ja-JP" dirty="0">
+              <a:solidFill>
+                <a:schemeClr val="bg1">
+                  <a:lumMod val="75000"/>
+                </a:schemeClr>
+              </a:solidFill>
+            </a:endParaRPr>
+          </a:p>
+          <a:p>
+            <a:pPr marL="742950" indent="-742950">
+              <a:buFont typeface="+mj-lt"/>
+              <a:buAutoNum type="arabicPeriod"/>
+            </a:pPr>
+            <a:r>
+              <a:rPr kumimoji="1" lang="ja-JP" altLang="en-US" dirty="0">
+                <a:solidFill>
+                  <a:schemeClr val="bg1">
+                    <a:lumMod val="75000"/>
+                  </a:schemeClr>
+                </a:solidFill>
+              </a:rPr>
+              <a:t>手法１</a:t>
+            </a:r>
+            <a:endParaRPr kumimoji="1" lang="en-US" altLang="ja-JP" dirty="0">
+              <a:solidFill>
+                <a:schemeClr val="bg1">
+                  <a:lumMod val="75000"/>
+                </a:schemeClr>
+              </a:solidFill>
+            </a:endParaRPr>
+          </a:p>
+          <a:p>
+            <a:pPr marL="742950" indent="-742950">
+              <a:buFont typeface="+mj-lt"/>
+              <a:buAutoNum type="arabicPeriod"/>
+            </a:pPr>
+            <a:r>
+              <a:rPr lang="ja-JP" altLang="en-US" dirty="0"/>
+              <a:t>手法２</a:t>
+            </a:r>
+            <a:r>
+              <a:rPr lang="en-US" altLang="ja-JP" dirty="0"/>
+              <a:t>(GA)</a:t>
+            </a:r>
+          </a:p>
+          <a:p>
+            <a:pPr marL="742950" indent="-742950">
+              <a:buFont typeface="+mj-lt"/>
+              <a:buAutoNum type="arabicPeriod"/>
+            </a:pPr>
+            <a:r>
+              <a:rPr kumimoji="1" lang="ja-JP" altLang="en-US" dirty="0">
+                <a:solidFill>
+                  <a:schemeClr val="bg1">
+                    <a:lumMod val="75000"/>
+                  </a:schemeClr>
+                </a:solidFill>
+              </a:rPr>
+              <a:t>まとめと今後の課題</a:t>
+            </a:r>
+          </a:p>
+        </p:txBody>
+      </p:sp>
+      <p:sp>
+        <p:nvSpPr>
+          <p:cNvPr id="4" name="スライド番号プレースホルダー 3">
+            <a:extLst>
+              <a:ext uri="{FF2B5EF4-FFF2-40B4-BE49-F238E27FC236}">
+                <a16:creationId xmlns:a16="http://schemas.microsoft.com/office/drawing/2014/main" id="{35C788A5-E800-4B67-8212-144F12E0C41A}"/>
+              </a:ext>
+            </a:extLst>
+          </p:cNvPr>
+          <p:cNvSpPr>
+            <a:spLocks noGrp="1"/>
+          </p:cNvSpPr>
+          <p:nvPr>
+            <p:ph type="sldNum" sz="quarter" idx="12"/>
+          </p:nvPr>
+        </p:nvSpPr>
+        <p:spPr/>
+        <p:txBody>
+          <a:bodyPr/>
+          <a:lstStyle/>
+          <a:p>
+            <a:fld id="{304739FC-810C-4CDC-B60F-21F1951FBC64}" type="slidenum">
+              <a:rPr kumimoji="1" lang="ja-JP" altLang="en-US" smtClean="0"/>
+              <a:t>24</a:t>
+            </a:fld>
+            <a:endParaRPr kumimoji="1" lang="ja-JP" altLang="en-US"/>
+          </a:p>
+        </p:txBody>
+      </p:sp>
+    </p:spTree>
+    <p:extLst>
+      <p:ext uri="{BB962C8B-B14F-4D97-AF65-F5344CB8AC3E}">
+        <p14:creationId xmlns:p14="http://schemas.microsoft.com/office/powerpoint/2010/main" val="2304643826"/>
+      </p:ext>
+    </p:extLst>
+  </p:cSld>
+  <p:clrMapOvr>
+    <a:masterClrMapping/>
+  </p:clrMapOvr>
+</p:sld>
+</file>
+
+<file path=ppt/slides/slide25.xml><?xml version="1.0" encoding="utf-8"?>
+<p:sld xmlns:a="http://schemas.openxmlformats.org/drawingml/2006/main" xmlns:r="http://schemas.openxmlformats.org/officeDocument/2006/relationships" xmlns:p="http://schemas.openxmlformats.org/presentationml/2006/main">
+  <p:cSld>
+    <p:spTree>
+      <p:nvGrpSpPr>
+        <p:cNvPr id="1" name=""/>
+        <p:cNvGrpSpPr/>
+        <p:nvPr/>
+      </p:nvGrpSpPr>
+      <p:grpSpPr>
+        <a:xfrm>
+          <a:off x="0" y="0"/>
+          <a:ext cx="0" cy="0"/>
+          <a:chOff x="0" y="0"/>
+          <a:chExt cx="0" cy="0"/>
+        </a:xfrm>
+      </p:grpSpPr>
+      <p:sp>
+        <p:nvSpPr>
+          <p:cNvPr id="2" name="タイトル 1">
+            <a:extLst>
+              <a:ext uri="{FF2B5EF4-FFF2-40B4-BE49-F238E27FC236}">
+                <a16:creationId xmlns:a16="http://schemas.microsoft.com/office/drawing/2014/main" id="{99A71CDC-97C2-465F-8B9B-AE9D55104F50}"/>
+              </a:ext>
+            </a:extLst>
+          </p:cNvPr>
+          <p:cNvSpPr>
+            <a:spLocks noGrp="1"/>
+          </p:cNvSpPr>
+          <p:nvPr>
+            <p:ph type="title"/>
+          </p:nvPr>
+        </p:nvSpPr>
+        <p:spPr/>
+        <p:txBody>
+          <a:bodyPr/>
+          <a:lstStyle/>
+          <a:p>
+            <a:r>
+              <a:rPr kumimoji="1" lang="ja-JP" altLang="en-US" dirty="0"/>
+              <a:t>発表の流れ</a:t>
+            </a:r>
+          </a:p>
+        </p:txBody>
+      </p:sp>
+      <p:sp>
+        <p:nvSpPr>
+          <p:cNvPr id="3" name="コンテンツ プレースホルダー 2">
+            <a:extLst>
+              <a:ext uri="{FF2B5EF4-FFF2-40B4-BE49-F238E27FC236}">
+                <a16:creationId xmlns:a16="http://schemas.microsoft.com/office/drawing/2014/main" id="{EA6F3566-9A84-4DED-A27B-A69CD8CF6C57}"/>
+              </a:ext>
+            </a:extLst>
+          </p:cNvPr>
+          <p:cNvSpPr>
+            <a:spLocks noGrp="1"/>
+          </p:cNvSpPr>
+          <p:nvPr>
+            <p:ph idx="1"/>
+          </p:nvPr>
+        </p:nvSpPr>
+        <p:spPr>
+          <a:xfrm>
+            <a:off x="822959" y="1661049"/>
+            <a:ext cx="7543801" cy="4531925"/>
+          </a:xfrm>
+        </p:spPr>
+        <p:txBody>
+          <a:bodyPr/>
+          <a:lstStyle/>
+          <a:p>
+            <a:pPr marL="742950" indent="-742950">
+              <a:buFont typeface="+mj-lt"/>
+              <a:buAutoNum type="arabicPeriod"/>
+            </a:pPr>
+            <a:r>
+              <a:rPr kumimoji="1" lang="ja-JP" altLang="en-US" dirty="0">
+                <a:solidFill>
+                  <a:schemeClr val="bg1">
+                    <a:lumMod val="75000"/>
+                  </a:schemeClr>
+                </a:solidFill>
+              </a:rPr>
+              <a:t>はじめに</a:t>
+            </a:r>
+            <a:endParaRPr kumimoji="1" lang="en-US" altLang="ja-JP" dirty="0">
+              <a:solidFill>
+                <a:schemeClr val="bg1">
+                  <a:lumMod val="75000"/>
+                </a:schemeClr>
+              </a:solidFill>
+            </a:endParaRPr>
+          </a:p>
+          <a:p>
+            <a:pPr marL="742950" indent="-742950">
+              <a:buFont typeface="+mj-lt"/>
+              <a:buAutoNum type="arabicPeriod"/>
+            </a:pPr>
+            <a:r>
+              <a:rPr lang="ja-JP" altLang="en-US" dirty="0">
+                <a:solidFill>
+                  <a:schemeClr val="bg1">
+                    <a:lumMod val="75000"/>
+                  </a:schemeClr>
+                </a:solidFill>
+              </a:rPr>
+              <a:t>要素技術</a:t>
+            </a:r>
+            <a:endParaRPr lang="en-US" altLang="ja-JP" dirty="0">
+              <a:solidFill>
+                <a:schemeClr val="bg1">
+                  <a:lumMod val="75000"/>
+                </a:schemeClr>
+              </a:solidFill>
+            </a:endParaRPr>
+          </a:p>
+          <a:p>
+            <a:pPr marL="742950" indent="-742950">
+              <a:buFont typeface="+mj-lt"/>
+              <a:buAutoNum type="arabicPeriod"/>
+            </a:pPr>
+            <a:r>
+              <a:rPr lang="ja-JP" altLang="en-US" dirty="0">
+                <a:solidFill>
+                  <a:schemeClr val="bg1">
+                    <a:lumMod val="75000"/>
+                  </a:schemeClr>
+                </a:solidFill>
+              </a:rPr>
+              <a:t>問題</a:t>
+            </a:r>
+            <a:endParaRPr lang="en-US" altLang="ja-JP" dirty="0">
+              <a:solidFill>
+                <a:schemeClr val="bg1">
+                  <a:lumMod val="75000"/>
+                </a:schemeClr>
+              </a:solidFill>
+            </a:endParaRPr>
+          </a:p>
+          <a:p>
+            <a:pPr marL="742950" indent="-742950">
+              <a:buFont typeface="+mj-lt"/>
+              <a:buAutoNum type="arabicPeriod"/>
+            </a:pPr>
+            <a:r>
+              <a:rPr kumimoji="1" lang="ja-JP" altLang="en-US" dirty="0">
+                <a:solidFill>
+                  <a:schemeClr val="bg1">
+                    <a:lumMod val="75000"/>
+                  </a:schemeClr>
+                </a:solidFill>
+              </a:rPr>
+              <a:t>手法１</a:t>
+            </a:r>
+            <a:endParaRPr kumimoji="1" lang="en-US" altLang="ja-JP" dirty="0">
+              <a:solidFill>
+                <a:schemeClr val="bg1">
+                  <a:lumMod val="75000"/>
+                </a:schemeClr>
+              </a:solidFill>
+            </a:endParaRPr>
+          </a:p>
+          <a:p>
+            <a:pPr marL="742950" indent="-742950">
+              <a:buFont typeface="+mj-lt"/>
+              <a:buAutoNum type="arabicPeriod"/>
+            </a:pPr>
+            <a:r>
+              <a:rPr lang="ja-JP" altLang="en-US" dirty="0">
+                <a:solidFill>
+                  <a:schemeClr val="bg1">
+                    <a:lumMod val="75000"/>
+                  </a:schemeClr>
+                </a:solidFill>
+              </a:rPr>
+              <a:t>手法２</a:t>
+            </a:r>
+            <a:r>
+              <a:rPr lang="en-US" altLang="ja-JP" dirty="0">
+                <a:solidFill>
+                  <a:schemeClr val="bg1">
+                    <a:lumMod val="75000"/>
+                  </a:schemeClr>
+                </a:solidFill>
+              </a:rPr>
+              <a:t>(GA)</a:t>
+            </a:r>
+          </a:p>
+          <a:p>
+            <a:pPr marL="742950" indent="-742950">
+              <a:buFont typeface="+mj-lt"/>
+              <a:buAutoNum type="arabicPeriod"/>
+            </a:pPr>
+            <a:r>
+              <a:rPr kumimoji="1" lang="ja-JP" altLang="en-US" dirty="0"/>
+              <a:t>まとめと今後の課題</a:t>
+            </a:r>
+          </a:p>
+        </p:txBody>
+      </p:sp>
+      <p:sp>
+        <p:nvSpPr>
+          <p:cNvPr id="4" name="スライド番号プレースホルダー 3">
+            <a:extLst>
+              <a:ext uri="{FF2B5EF4-FFF2-40B4-BE49-F238E27FC236}">
+                <a16:creationId xmlns:a16="http://schemas.microsoft.com/office/drawing/2014/main" id="{35C788A5-E800-4B67-8212-144F12E0C41A}"/>
+              </a:ext>
+            </a:extLst>
+          </p:cNvPr>
+          <p:cNvSpPr>
+            <a:spLocks noGrp="1"/>
+          </p:cNvSpPr>
+          <p:nvPr>
+            <p:ph type="sldNum" sz="quarter" idx="12"/>
+          </p:nvPr>
+        </p:nvSpPr>
+        <p:spPr/>
+        <p:txBody>
+          <a:bodyPr/>
+          <a:lstStyle/>
+          <a:p>
+            <a:fld id="{304739FC-810C-4CDC-B60F-21F1951FBC64}" type="slidenum">
+              <a:rPr kumimoji="1" lang="ja-JP" altLang="en-US" smtClean="0"/>
+              <a:t>25</a:t>
+            </a:fld>
+            <a:endParaRPr kumimoji="1" lang="ja-JP" altLang="en-US"/>
+          </a:p>
+        </p:txBody>
+      </p:sp>
+    </p:spTree>
+    <p:extLst>
+      <p:ext uri="{BB962C8B-B14F-4D97-AF65-F5344CB8AC3E}">
+        <p14:creationId xmlns:p14="http://schemas.microsoft.com/office/powerpoint/2010/main" val="3968973922"/>
       </p:ext>
     </p:extLst>
   </p:cSld>
@@ -6314,6 +10014,29 @@
               <a:buAutoNum type="arabicPeriod"/>
             </a:pPr>
             <a:r>
+              <a:rPr lang="ja-JP" altLang="en-US" dirty="0">
+                <a:solidFill>
+                  <a:schemeClr val="bg1">
+                    <a:lumMod val="75000"/>
+                  </a:schemeClr>
+                </a:solidFill>
+              </a:rPr>
+              <a:t>問題</a:t>
+            </a:r>
+            <a:endParaRPr lang="en-US" altLang="ja-JP" dirty="0">
+              <a:solidFill>
+                <a:schemeClr val="bg1">
+                  <a:lumMod val="75000"/>
+                </a:schemeClr>
+              </a:solidFill>
+            </a:endParaRPr>
+          </a:p>
+          <a:p>
+            <a:pPr marL="742950" indent="-742950">
+              <a:buFont typeface="+mj-lt"/>
+              <a:buAutoNum type="arabicPeriod"/>
+            </a:pPr>
+            <a:r>
               <a:rPr kumimoji="1" lang="ja-JP" altLang="en-US" dirty="0">
                 <a:solidFill>
                   <a:schemeClr val="bg1">
@@ -6346,13 +10069,16 @@
               </a:rPr>
               <a:t>手法２</a:t>
             </a:r>
-            <a:endParaRPr lang="en-US" altLang="ja-JP" dirty="0">
-              <a:solidFill>
-                <a:schemeClr val="bg1">
-                  <a:lumMod val="75000"/>
-                </a:schemeClr>
-              </a:solidFill>
-            </a:endParaRPr>
+            <a:r>
+              <a:rPr lang="en-US" altLang="ja-JP" dirty="0">
+                <a:solidFill>
+                  <a:schemeClr val="bg1">
+                    <a:lumMod val="75000"/>
+                  </a:schemeClr>
+                </a:solidFill>
+              </a:rPr>
+              <a:t>(GA)</a:t>
+            </a:r>
           </a:p>
           <a:p>
             <a:pPr marL="742950" indent="-742950">
@@ -6404,7 +10130,7 @@
     </p:spTree>
     <p:extLst>
       <p:ext uri="{BB962C8B-B14F-4D97-AF65-F5344CB8AC3E}">
-        <p14:creationId xmlns:p14="http://schemas.microsoft.com/office/powerpoint/2010/main" val="250074799"/>
+        <p14:creationId xmlns:p14="http://schemas.microsoft.com/office/powerpoint/2010/main" val="3063094179"/>
       </p:ext>
     </p:extLst>
   </p:cSld>
@@ -6475,29 +10201,24 @@
             <p:ph idx="1"/>
           </p:nvPr>
         </p:nvSpPr>
-        <p:spPr/>
-        <p:txBody>
-          <a:bodyPr/>
-          <a:lstStyle/>
-          <a:p>
-            <a:r>
-              <a:rPr kumimoji="1" lang="en-US" altLang="ja-JP" dirty="0"/>
-              <a:t>VGG, </a:t>
-            </a:r>
-            <a:r>
-              <a:rPr kumimoji="1" lang="en-US" altLang="ja-JP" dirty="0" err="1"/>
-              <a:t>ResNet</a:t>
-            </a:r>
-            <a:r>
-              <a:rPr lang="en-US" altLang="ja-JP" dirty="0"/>
-              <a:t>? </a:t>
-            </a:r>
-          </a:p>
-          <a:p>
+        <p:spPr>
+          <a:xfrm>
+            <a:off x="822959" y="4957894"/>
+            <a:ext cx="7543801" cy="1235080"/>
+          </a:xfrm>
+        </p:spPr>
+        <p:txBody>
+          <a:bodyPr>
+            <a:normAutofit/>
+          </a:bodyPr>
+          <a:lstStyle/>
+          <a:p>
+            <a:pPr lvl="1"/>
             <a:r>
               <a:rPr kumimoji="1" lang="ja-JP" altLang="en-US" dirty="0"/>
-              <a:t>性能が向上してきた</a:t>
-            </a:r>
+              <a:t>モデルの構造で性能が向上</a:t>
+            </a:r>
+            <a:endParaRPr kumimoji="1" lang="en-US" altLang="ja-JP" dirty="0"/>
           </a:p>
         </p:txBody>
       </p:sp>
@@ -6527,6 +10248,362 @@
               <a:t>4</a:t>
             </a:fld>
             <a:endParaRPr kumimoji="1" lang="ja-JP" altLang="en-US"/>
+          </a:p>
+        </p:txBody>
+      </p:sp>
+      <p:pic>
+        <p:nvPicPr>
+          <p:cNvPr id="2050" name="Picture 2" descr="ResNetまわりの論文まとめ | ALIS">
+            <a:extLst>
+              <a:ext uri="{FF2B5EF4-FFF2-40B4-BE49-F238E27FC236}">
+                <a16:creationId xmlns:a16="http://schemas.microsoft.com/office/drawing/2014/main" id="{73144198-578E-46BE-BD5A-CD181435F139}"/>
+              </a:ext>
+            </a:extLst>
+          </p:cNvPr>
+          <p:cNvPicPr>
+            <a:picLocks noChangeAspect="1" noChangeArrowheads="1"/>
+          </p:cNvPicPr>
+          <p:nvPr/>
+        </p:nvPicPr>
+        <p:blipFill>
+          <a:blip r:embed="rId3">
+            <a:extLst>
+              <a:ext uri="{28A0092B-C50C-407E-A947-70E740481C1C}">
+                <a14:useLocalDpi xmlns:a14="http://schemas.microsoft.com/office/drawing/2010/main" val="0"/>
+              </a:ext>
+            </a:extLst>
+          </a:blip>
+          <a:srcRect/>
+          <a:stretch>
+            <a:fillRect/>
+          </a:stretch>
+        </p:blipFill>
+        <p:spPr bwMode="auto">
+          <a:xfrm>
+            <a:off x="5365582" y="1838500"/>
+            <a:ext cx="2905125" cy="1571625"/>
+          </a:xfrm>
+          <a:prstGeom prst="rect">
+            <a:avLst/>
+          </a:prstGeom>
+          <a:noFill/>
+          <a:extLst>
+            <a:ext uri="{909E8E84-426E-40DD-AFC4-6F175D3DCCD1}">
+              <a14:hiddenFill xmlns:a14="http://schemas.microsoft.com/office/drawing/2010/main">
+                <a:solidFill>
+                  <a:srgbClr val="FFFFFF"/>
+                </a:solidFill>
+              </a14:hiddenFill>
+            </a:ext>
+          </a:extLst>
+        </p:spPr>
+      </p:pic>
+      <p:sp>
+        <p:nvSpPr>
+          <p:cNvPr id="5" name="正方形/長方形 4">
+            <a:extLst>
+              <a:ext uri="{FF2B5EF4-FFF2-40B4-BE49-F238E27FC236}">
+                <a16:creationId xmlns:a16="http://schemas.microsoft.com/office/drawing/2014/main" id="{FEC94C0E-A4C1-42DA-9A08-088D9F7F59D6}"/>
+              </a:ext>
+            </a:extLst>
+          </p:cNvPr>
+          <p:cNvSpPr/>
+          <p:nvPr/>
+        </p:nvSpPr>
+        <p:spPr>
+          <a:xfrm>
+            <a:off x="5043034" y="3429462"/>
+            <a:ext cx="3227673" cy="461665"/>
+          </a:xfrm>
+          <a:prstGeom prst="rect">
+            <a:avLst/>
+          </a:prstGeom>
+        </p:spPr>
+        <p:txBody>
+          <a:bodyPr wrap="square">
+            <a:spAutoFit/>
+          </a:bodyPr>
+          <a:lstStyle/>
+          <a:p>
+            <a:r>
+              <a:rPr lang="en-US" altLang="ja-JP" sz="800" dirty="0" err="1">
+                <a:solidFill>
+                  <a:schemeClr val="bg1">
+                    <a:lumMod val="75000"/>
+                  </a:schemeClr>
+                </a:solidFill>
+              </a:rPr>
+              <a:t>Kaiming</a:t>
+            </a:r>
+            <a:r>
+              <a:rPr lang="en-US" altLang="ja-JP" sz="800" dirty="0">
+                <a:solidFill>
+                  <a:schemeClr val="bg1">
+                    <a:lumMod val="75000"/>
+                  </a:schemeClr>
+                </a:solidFill>
+              </a:rPr>
+              <a:t> He, </a:t>
+            </a:r>
+            <a:r>
+              <a:rPr lang="en-US" altLang="ja-JP" sz="800" dirty="0" err="1">
+                <a:solidFill>
+                  <a:schemeClr val="bg1">
+                    <a:lumMod val="75000"/>
+                  </a:schemeClr>
+                </a:solidFill>
+              </a:rPr>
+              <a:t>Xiangyu</a:t>
+            </a:r>
+            <a:r>
+              <a:rPr lang="en-US" altLang="ja-JP" sz="800" dirty="0">
+                <a:solidFill>
+                  <a:schemeClr val="bg1">
+                    <a:lumMod val="75000"/>
+                  </a:schemeClr>
+                </a:solidFill>
+              </a:rPr>
+              <a:t> Zhang, </a:t>
+            </a:r>
+            <a:r>
+              <a:rPr lang="en-US" altLang="ja-JP" sz="800" dirty="0" err="1">
+                <a:solidFill>
+                  <a:schemeClr val="bg1">
+                    <a:lumMod val="75000"/>
+                  </a:schemeClr>
+                </a:solidFill>
+              </a:rPr>
+              <a:t>Shaoqing</a:t>
+            </a:r>
+            <a:r>
+              <a:rPr lang="en-US" altLang="ja-JP" sz="800" dirty="0">
+                <a:solidFill>
+                  <a:schemeClr val="bg1">
+                    <a:lumMod val="75000"/>
+                  </a:schemeClr>
+                </a:solidFill>
+              </a:rPr>
+              <a:t> Ren, and Jian Sun. Deep residual learning for image recognition. </a:t>
+            </a:r>
+            <a:r>
+              <a:rPr lang="en-US" altLang="ja-JP" sz="800" dirty="0" err="1">
+                <a:solidFill>
+                  <a:schemeClr val="bg1">
+                    <a:lumMod val="75000"/>
+                  </a:schemeClr>
+                </a:solidFill>
+              </a:rPr>
+              <a:t>CoRR</a:t>
+            </a:r>
+            <a:r>
+              <a:rPr lang="en-US" altLang="ja-JP" sz="800" dirty="0">
+                <a:solidFill>
+                  <a:schemeClr val="bg1">
+                    <a:lumMod val="75000"/>
+                  </a:schemeClr>
+                </a:solidFill>
+              </a:rPr>
+              <a:t>, abs/1512.03385, 2015.</a:t>
+            </a:r>
+            <a:endParaRPr lang="ja-JP" altLang="en-US" sz="800" dirty="0">
+              <a:solidFill>
+                <a:schemeClr val="bg1">
+                  <a:lumMod val="75000"/>
+                </a:schemeClr>
+              </a:solidFill>
+            </a:endParaRPr>
+          </a:p>
+        </p:txBody>
+      </p:sp>
+      <p:sp>
+        <p:nvSpPr>
+          <p:cNvPr id="6" name="正方形/長方形 5">
+            <a:extLst>
+              <a:ext uri="{FF2B5EF4-FFF2-40B4-BE49-F238E27FC236}">
+                <a16:creationId xmlns:a16="http://schemas.microsoft.com/office/drawing/2014/main" id="{0CE6F609-A14D-48B3-B18C-903868D7627B}"/>
+              </a:ext>
+            </a:extLst>
+          </p:cNvPr>
+          <p:cNvSpPr/>
+          <p:nvPr/>
+        </p:nvSpPr>
+        <p:spPr>
+          <a:xfrm>
+            <a:off x="1133516" y="3459944"/>
+            <a:ext cx="2867025" cy="461665"/>
+          </a:xfrm>
+          <a:prstGeom prst="rect">
+            <a:avLst/>
+          </a:prstGeom>
+        </p:spPr>
+        <p:txBody>
+          <a:bodyPr wrap="square">
+            <a:spAutoFit/>
+          </a:bodyPr>
+          <a:lstStyle/>
+          <a:p>
+            <a:r>
+              <a:rPr lang="en-US" altLang="ja-JP" sz="800" dirty="0">
+                <a:solidFill>
+                  <a:schemeClr val="bg1">
+                    <a:lumMod val="75000"/>
+                  </a:schemeClr>
+                </a:solidFill>
+              </a:rPr>
+              <a:t>Karen </a:t>
+            </a:r>
+            <a:r>
+              <a:rPr lang="en-US" altLang="ja-JP" sz="800" dirty="0" err="1">
+                <a:solidFill>
+                  <a:schemeClr val="bg1">
+                    <a:lumMod val="75000"/>
+                  </a:schemeClr>
+                </a:solidFill>
+              </a:rPr>
+              <a:t>Simonyan</a:t>
+            </a:r>
+            <a:r>
+              <a:rPr lang="en-US" altLang="ja-JP" sz="800" dirty="0">
+                <a:solidFill>
+                  <a:schemeClr val="bg1">
+                    <a:lumMod val="75000"/>
+                  </a:schemeClr>
+                </a:solidFill>
+              </a:rPr>
+              <a:t> and Andrew Zisserman. Very deep convolutional networks for large-scale image recognition. 2015. </a:t>
+            </a:r>
+            <a:endParaRPr lang="ja-JP" altLang="en-US" sz="800" dirty="0">
+              <a:solidFill>
+                <a:schemeClr val="bg1">
+                  <a:lumMod val="75000"/>
+                </a:schemeClr>
+              </a:solidFill>
+            </a:endParaRPr>
+          </a:p>
+        </p:txBody>
+      </p:sp>
+      <p:pic>
+        <p:nvPicPr>
+          <p:cNvPr id="2052" name="Picture 4" descr="Deep Learning VGG">
+            <a:extLst>
+              <a:ext uri="{FF2B5EF4-FFF2-40B4-BE49-F238E27FC236}">
+                <a16:creationId xmlns:a16="http://schemas.microsoft.com/office/drawing/2014/main" id="{DB8EDFEC-DCC0-4B6A-85CF-57CD6B9199C4}"/>
+              </a:ext>
+            </a:extLst>
+          </p:cNvPr>
+          <p:cNvPicPr>
+            <a:picLocks noChangeAspect="1" noChangeArrowheads="1"/>
+          </p:cNvPicPr>
+          <p:nvPr/>
+        </p:nvPicPr>
+        <p:blipFill>
+          <a:blip r:embed="rId4">
+            <a:extLst>
+              <a:ext uri="{28A0092B-C50C-407E-A947-70E740481C1C}">
+                <a14:useLocalDpi xmlns:a14="http://schemas.microsoft.com/office/drawing/2010/main" val="0"/>
+              </a:ext>
+            </a:extLst>
+          </a:blip>
+          <a:srcRect/>
+          <a:stretch>
+            <a:fillRect/>
+          </a:stretch>
+        </p:blipFill>
+        <p:spPr bwMode="auto">
+          <a:xfrm>
+            <a:off x="1133517" y="1819450"/>
+            <a:ext cx="2867025" cy="1590675"/>
+          </a:xfrm>
+          <a:prstGeom prst="rect">
+            <a:avLst/>
+          </a:prstGeom>
+          <a:noFill/>
+          <a:extLst>
+            <a:ext uri="{909E8E84-426E-40DD-AFC4-6F175D3DCCD1}">
+              <a14:hiddenFill xmlns:a14="http://schemas.microsoft.com/office/drawing/2010/main">
+                <a:solidFill>
+                  <a:srgbClr val="FFFFFF"/>
+                </a:solidFill>
+              </a14:hiddenFill>
+            </a:ext>
+          </a:extLst>
+        </p:spPr>
+      </p:pic>
+      <p:sp>
+        <p:nvSpPr>
+          <p:cNvPr id="7" name="正方形/長方形 6">
+            <a:extLst>
+              <a:ext uri="{FF2B5EF4-FFF2-40B4-BE49-F238E27FC236}">
+                <a16:creationId xmlns:a16="http://schemas.microsoft.com/office/drawing/2014/main" id="{B6A7AF18-93AE-49AD-86DC-85D51A1DD572}"/>
+              </a:ext>
+            </a:extLst>
+          </p:cNvPr>
+          <p:cNvSpPr/>
+          <p:nvPr/>
+        </p:nvSpPr>
+        <p:spPr>
+          <a:xfrm>
+            <a:off x="2037075" y="3868896"/>
+            <a:ext cx="1059906" cy="584775"/>
+          </a:xfrm>
+          <a:prstGeom prst="rect">
+            <a:avLst/>
+          </a:prstGeom>
+        </p:spPr>
+        <p:txBody>
+          <a:bodyPr wrap="none">
+            <a:spAutoFit/>
+          </a:bodyPr>
+          <a:lstStyle/>
+          <a:p>
+            <a:r>
+              <a:rPr kumimoji="1" lang="en-US" altLang="ja-JP" sz="3200" dirty="0">
+                <a:latin typeface="+mn-ea"/>
+              </a:rPr>
+              <a:t>VGG</a:t>
+            </a:r>
+            <a:endParaRPr lang="ja-JP" altLang="en-US" sz="3200" dirty="0">
+              <a:latin typeface="+mn-ea"/>
+            </a:endParaRPr>
+          </a:p>
+        </p:txBody>
+      </p:sp>
+      <p:sp>
+        <p:nvSpPr>
+          <p:cNvPr id="10" name="正方形/長方形 9">
+            <a:extLst>
+              <a:ext uri="{FF2B5EF4-FFF2-40B4-BE49-F238E27FC236}">
+                <a16:creationId xmlns:a16="http://schemas.microsoft.com/office/drawing/2014/main" id="{0009896F-2515-4BFE-889F-8E04C0086272}"/>
+              </a:ext>
+            </a:extLst>
+          </p:cNvPr>
+          <p:cNvSpPr/>
+          <p:nvPr/>
+        </p:nvSpPr>
+        <p:spPr>
+          <a:xfrm>
+            <a:off x="5858318" y="3868896"/>
+            <a:ext cx="1597104" cy="584775"/>
+          </a:xfrm>
+          <a:prstGeom prst="rect">
+            <a:avLst/>
+          </a:prstGeom>
+        </p:spPr>
+        <p:txBody>
+          <a:bodyPr wrap="none">
+            <a:spAutoFit/>
+          </a:bodyPr>
+          <a:lstStyle/>
+          <a:p>
+            <a:r>
+              <a:rPr kumimoji="1" lang="en-US" altLang="ja-JP" sz="3200" dirty="0">
+                <a:latin typeface="+mn-ea"/>
+              </a:rPr>
+              <a:t>ResNet</a:t>
+            </a:r>
+            <a:endParaRPr lang="ja-JP" altLang="en-US" sz="3200" dirty="0">
+              <a:latin typeface="+mn-ea"/>
+            </a:endParaRPr>
           </a:p>
         </p:txBody>
       </p:sp>
@@ -6544,7 +10621,7 @@
 </file>
 
 <file path=ppt/slides/slide5.xml><?xml version="1.0" encoding="utf-8"?>
-<p:sld xmlns:a="http://schemas.openxmlformats.org/drawingml/2006/main" xmlns:r="http://schemas.openxmlformats.org/officeDocument/2006/relationships" xmlns:p="http://schemas.openxmlformats.org/presentationml/2006/main">
+<p:sld xmlns:a="http://schemas.openxmlformats.org/drawingml/2006/main" xmlns:r="http://schemas.openxmlformats.org/officeDocument/2006/relationships" xmlns:p="http://schemas.openxmlformats.org/presentationml/2006/main" show="0">
   <p:cSld>
     <p:spTree>
       <p:nvGrpSpPr>
@@ -6606,7 +10683,12 @@
             <p:ph idx="1"/>
           </p:nvPr>
         </p:nvSpPr>
-        <p:spPr/>
+        <p:spPr>
+          <a:xfrm>
+            <a:off x="822959" y="4057095"/>
+            <a:ext cx="7543801" cy="2135879"/>
+          </a:xfrm>
+        </p:spPr>
         <p:txBody>
           <a:bodyPr/>
           <a:lstStyle/>
@@ -6657,6 +10739,400 @@
               <a:rPr kumimoji="1" lang="ja-JP" altLang="en-US" smtClean="0"/>
               <a:t>5</a:t>
             </a:fld>
+            <a:endParaRPr kumimoji="1" lang="ja-JP" altLang="en-US"/>
+          </a:p>
+        </p:txBody>
+      </p:sp>
+      <p:sp>
+        <p:nvSpPr>
+          <p:cNvPr id="5" name="正方形/長方形 4">
+            <a:extLst>
+              <a:ext uri="{FF2B5EF4-FFF2-40B4-BE49-F238E27FC236}">
+                <a16:creationId xmlns:a16="http://schemas.microsoft.com/office/drawing/2014/main" id="{F9476C83-44DD-4C44-9E36-472E15ABE586}"/>
+              </a:ext>
+            </a:extLst>
+          </p:cNvPr>
+          <p:cNvSpPr/>
+          <p:nvPr/>
+        </p:nvSpPr>
+        <p:spPr>
+          <a:xfrm>
+            <a:off x="923972" y="3236284"/>
+            <a:ext cx="2492990" cy="620767"/>
+          </a:xfrm>
+          <a:prstGeom prst="rect">
+            <a:avLst/>
+          </a:prstGeom>
+          <a:solidFill>
+            <a:schemeClr val="accent1"/>
+          </a:solidFill>
+          <a:ln>
+            <a:noFill/>
+          </a:ln>
+        </p:spPr>
+        <p:style>
+          <a:lnRef idx="0">
+            <a:scrgbClr r="0" g="0" b="0"/>
+          </a:lnRef>
+          <a:fillRef idx="0">
+            <a:scrgbClr r="0" g="0" b="0"/>
+          </a:fillRef>
+          <a:effectRef idx="0">
+            <a:scrgbClr r="0" g="0" b="0"/>
+          </a:effectRef>
+          <a:fontRef idx="minor">
+            <a:schemeClr val="lt1"/>
+          </a:fontRef>
+        </p:style>
+        <p:txBody>
+          <a:bodyPr wrap="none" anchor="b">
+            <a:normAutofit/>
+          </a:bodyPr>
+          <a:lstStyle/>
+          <a:p>
+            <a:pPr algn="ctr"/>
+            <a:r>
+              <a:rPr kumimoji="1" lang="ja-JP" altLang="en-US" sz="2800" dirty="0"/>
+              <a:t>モデルの設計</a:t>
+            </a:r>
+            <a:endParaRPr lang="ja-JP" altLang="en-US" sz="2800" dirty="0"/>
+          </a:p>
+        </p:txBody>
+      </p:sp>
+      <p:pic>
+        <p:nvPicPr>
+          <p:cNvPr id="3074" name="Picture 2" descr="若い大工のイラスト">
+            <a:extLst>
+              <a:ext uri="{FF2B5EF4-FFF2-40B4-BE49-F238E27FC236}">
+                <a16:creationId xmlns:a16="http://schemas.microsoft.com/office/drawing/2014/main" id="{4FE1C6A3-41D5-4033-995E-933D28C73625}"/>
+              </a:ext>
+            </a:extLst>
+          </p:cNvPr>
+          <p:cNvPicPr>
+            <a:picLocks noChangeAspect="1" noChangeArrowheads="1"/>
+          </p:cNvPicPr>
+          <p:nvPr/>
+        </p:nvPicPr>
+        <p:blipFill>
+          <a:blip r:embed="rId3">
+            <a:extLst>
+              <a:ext uri="{28A0092B-C50C-407E-A947-70E740481C1C}">
+                <a14:useLocalDpi xmlns:a14="http://schemas.microsoft.com/office/drawing/2010/main" val="0"/>
+              </a:ext>
+            </a:extLst>
+          </a:blip>
+          <a:srcRect/>
+          <a:stretch>
+            <a:fillRect/>
+          </a:stretch>
+        </p:blipFill>
+        <p:spPr bwMode="auto">
+          <a:xfrm>
+            <a:off x="1633608" y="1680609"/>
+            <a:ext cx="1227606" cy="1391493"/>
+          </a:xfrm>
+          <a:prstGeom prst="rect">
+            <a:avLst/>
+          </a:prstGeom>
+          <a:noFill/>
+          <a:extLst>
+            <a:ext uri="{909E8E84-426E-40DD-AFC4-6F175D3DCCD1}">
+              <a14:hiddenFill xmlns:a14="http://schemas.microsoft.com/office/drawing/2010/main">
+                <a:solidFill>
+                  <a:srgbClr val="FFFFFF"/>
+                </a:solidFill>
+              </a14:hiddenFill>
+            </a:ext>
+          </a:extLst>
+        </p:spPr>
+      </p:pic>
+      <p:pic>
+        <p:nvPicPr>
+          <p:cNvPr id="3076" name="Picture 4" descr="ふき取り検査のイラスト">
+            <a:extLst>
+              <a:ext uri="{FF2B5EF4-FFF2-40B4-BE49-F238E27FC236}">
+                <a16:creationId xmlns:a16="http://schemas.microsoft.com/office/drawing/2014/main" id="{D398D5F1-A0CB-40EE-9AD5-C53D489094DE}"/>
+              </a:ext>
+            </a:extLst>
+          </p:cNvPr>
+          <p:cNvPicPr>
+            <a:picLocks noChangeAspect="1" noChangeArrowheads="1"/>
+          </p:cNvPicPr>
+          <p:nvPr/>
+        </p:nvPicPr>
+        <p:blipFill>
+          <a:blip r:embed="rId4">
+            <a:extLst>
+              <a:ext uri="{28A0092B-C50C-407E-A947-70E740481C1C}">
+                <a14:useLocalDpi xmlns:a14="http://schemas.microsoft.com/office/drawing/2010/main" val="0"/>
+              </a:ext>
+            </a:extLst>
+          </a:blip>
+          <a:srcRect/>
+          <a:stretch>
+            <a:fillRect/>
+          </a:stretch>
+        </p:blipFill>
+        <p:spPr bwMode="auto">
+          <a:xfrm>
+            <a:off x="6001305" y="1353444"/>
+            <a:ext cx="1509087" cy="1729613"/>
+          </a:xfrm>
+          <a:prstGeom prst="rect">
+            <a:avLst/>
+          </a:prstGeom>
+          <a:noFill/>
+          <a:extLst>
+            <a:ext uri="{909E8E84-426E-40DD-AFC4-6F175D3DCCD1}">
+              <a14:hiddenFill xmlns:a14="http://schemas.microsoft.com/office/drawing/2010/main">
+                <a:solidFill>
+                  <a:srgbClr val="FFFFFF"/>
+                </a:solidFill>
+              </a14:hiddenFill>
+            </a:ext>
+          </a:extLst>
+        </p:spPr>
+      </p:pic>
+      <p:sp>
+        <p:nvSpPr>
+          <p:cNvPr id="8" name="正方形/長方形 7">
+            <a:extLst>
+              <a:ext uri="{FF2B5EF4-FFF2-40B4-BE49-F238E27FC236}">
+                <a16:creationId xmlns:a16="http://schemas.microsoft.com/office/drawing/2014/main" id="{B037D337-96C1-4786-9FE5-752F95D2CD04}"/>
+              </a:ext>
+            </a:extLst>
+          </p:cNvPr>
+          <p:cNvSpPr/>
+          <p:nvPr/>
+        </p:nvSpPr>
+        <p:spPr>
+          <a:xfrm>
+            <a:off x="5664226" y="3236284"/>
+            <a:ext cx="2139246" cy="616966"/>
+          </a:xfrm>
+          <a:prstGeom prst="rect">
+            <a:avLst/>
+          </a:prstGeom>
+          <a:noFill/>
+          <a:ln w="9525" cap="flat" cmpd="sng" algn="ctr">
+            <a:solidFill>
+              <a:schemeClr val="accent1"/>
+            </a:solidFill>
+            <a:prstDash val="solid"/>
+            <a:round/>
+            <a:headEnd type="none" w="med" len="med"/>
+            <a:tailEnd type="none" w="med" len="med"/>
+          </a:ln>
+        </p:spPr>
+        <p:style>
+          <a:lnRef idx="0">
+            <a:scrgbClr r="0" g="0" b="0"/>
+          </a:lnRef>
+          <a:fillRef idx="0">
+            <a:scrgbClr r="0" g="0" b="0"/>
+          </a:fillRef>
+          <a:effectRef idx="0">
+            <a:scrgbClr r="0" g="0" b="0"/>
+          </a:effectRef>
+          <a:fontRef idx="minor">
+            <a:schemeClr val="accent1"/>
+          </a:fontRef>
+        </p:style>
+        <p:txBody>
+          <a:bodyPr wrap="none" anchor="b">
+            <a:normAutofit/>
+          </a:bodyPr>
+          <a:lstStyle/>
+          <a:p>
+            <a:pPr algn="ctr"/>
+            <a:r>
+              <a:rPr lang="ja-JP" altLang="en-US" sz="2800" dirty="0"/>
+              <a:t>性能の測定</a:t>
+            </a:r>
+          </a:p>
+        </p:txBody>
+      </p:sp>
+      <p:sp>
+        <p:nvSpPr>
+          <p:cNvPr id="6" name="矢印: ストライプ 5">
+            <a:extLst>
+              <a:ext uri="{FF2B5EF4-FFF2-40B4-BE49-F238E27FC236}">
+                <a16:creationId xmlns:a16="http://schemas.microsoft.com/office/drawing/2014/main" id="{DB0368A3-D52E-4D8B-AE27-417C4094B8EA}"/>
+              </a:ext>
+            </a:extLst>
+          </p:cNvPr>
+          <p:cNvSpPr/>
+          <p:nvPr/>
+        </p:nvSpPr>
+        <p:spPr>
+          <a:xfrm>
+            <a:off x="4044684" y="2761718"/>
+            <a:ext cx="1096211" cy="620767"/>
+          </a:xfrm>
+          <a:prstGeom prst="stripedRightArrow">
+            <a:avLst/>
+          </a:prstGeom>
+          <a:solidFill>
+            <a:schemeClr val="accent1"/>
+          </a:solidFill>
+          <a:ln>
+            <a:noFill/>
+          </a:ln>
+        </p:spPr>
+        <p:style>
+          <a:lnRef idx="0">
+            <a:scrgbClr r="0" g="0" b="0"/>
+          </a:lnRef>
+          <a:fillRef idx="0">
+            <a:scrgbClr r="0" g="0" b="0"/>
+          </a:fillRef>
+          <a:effectRef idx="0">
+            <a:scrgbClr r="0" g="0" b="0"/>
+          </a:effectRef>
+          <a:fontRef idx="minor">
+            <a:schemeClr val="lt1"/>
+          </a:fontRef>
+        </p:style>
+        <p:txBody>
+          <a:bodyPr rtlCol="0" anchor="ctr"/>
+          <a:lstStyle/>
+          <a:p>
+            <a:pPr algn="ctr"/>
+            <a:endParaRPr kumimoji="1" lang="ja-JP" altLang="en-US"/>
+          </a:p>
+        </p:txBody>
+      </p:sp>
+      <p:sp>
+        <p:nvSpPr>
+          <p:cNvPr id="7" name="正方形/長方形 6">
+            <a:extLst>
+              <a:ext uri="{FF2B5EF4-FFF2-40B4-BE49-F238E27FC236}">
+                <a16:creationId xmlns:a16="http://schemas.microsoft.com/office/drawing/2014/main" id="{F1E0657F-7749-43CE-8D80-2FB566B1B4D0}"/>
+              </a:ext>
+            </a:extLst>
+          </p:cNvPr>
+          <p:cNvSpPr/>
+          <p:nvPr/>
+        </p:nvSpPr>
+        <p:spPr>
+          <a:xfrm>
+            <a:off x="3346294" y="2176300"/>
+            <a:ext cx="2492990" cy="400110"/>
+          </a:xfrm>
+          <a:prstGeom prst="rect">
+            <a:avLst/>
+          </a:prstGeom>
+        </p:spPr>
+        <p:txBody>
+          <a:bodyPr wrap="none">
+            <a:spAutoFit/>
+          </a:bodyPr>
+          <a:lstStyle/>
+          <a:p>
+            <a:r>
+              <a:rPr lang="ja-JP" altLang="en-US" sz="2000" dirty="0"/>
+              <a:t>学習に時間がかかる</a:t>
+            </a:r>
+            <a:endParaRPr lang="en-US" altLang="ja-JP" sz="2000" dirty="0"/>
+          </a:p>
+        </p:txBody>
+      </p:sp>
+      <p:sp>
+        <p:nvSpPr>
+          <p:cNvPr id="11" name="矢印: 上向き折線 10">
+            <a:extLst>
+              <a:ext uri="{FF2B5EF4-FFF2-40B4-BE49-F238E27FC236}">
+                <a16:creationId xmlns:a16="http://schemas.microsoft.com/office/drawing/2014/main" id="{26DB4779-41FB-4732-BBE0-2AC831C61DB2}"/>
+              </a:ext>
+            </a:extLst>
+          </p:cNvPr>
+          <p:cNvSpPr/>
+          <p:nvPr/>
+        </p:nvSpPr>
+        <p:spPr>
+          <a:xfrm flipH="1">
+            <a:off x="2079008" y="4341522"/>
+            <a:ext cx="2492991" cy="1190415"/>
+          </a:xfrm>
+          <a:prstGeom prst="bentUpArrow">
+            <a:avLst/>
+          </a:prstGeom>
+          <a:solidFill>
+            <a:schemeClr val="accent1"/>
+          </a:solidFill>
+          <a:ln>
+            <a:noFill/>
+          </a:ln>
+        </p:spPr>
+        <p:style>
+          <a:lnRef idx="0">
+            <a:scrgbClr r="0" g="0" b="0"/>
+          </a:lnRef>
+          <a:fillRef idx="0">
+            <a:scrgbClr r="0" g="0" b="0"/>
+          </a:fillRef>
+          <a:effectRef idx="0">
+            <a:scrgbClr r="0" g="0" b="0"/>
+          </a:effectRef>
+          <a:fontRef idx="minor">
+            <a:schemeClr val="lt1"/>
+          </a:fontRef>
+        </p:style>
+        <p:txBody>
+          <a:bodyPr rtlCol="0" anchor="ctr"/>
+          <a:lstStyle/>
+          <a:p>
+            <a:pPr algn="ctr"/>
+            <a:endParaRPr kumimoji="1" lang="ja-JP" altLang="en-US"/>
+          </a:p>
+        </p:txBody>
+      </p:sp>
+      <p:sp>
+        <p:nvSpPr>
+          <p:cNvPr id="12" name="矢印: 上向き折線 11">
+            <a:extLst>
+              <a:ext uri="{FF2B5EF4-FFF2-40B4-BE49-F238E27FC236}">
+                <a16:creationId xmlns:a16="http://schemas.microsoft.com/office/drawing/2014/main" id="{D97208ED-27E5-4580-8CD1-253598351E56}"/>
+              </a:ext>
+            </a:extLst>
+          </p:cNvPr>
+          <p:cNvSpPr/>
+          <p:nvPr/>
+        </p:nvSpPr>
+        <p:spPr>
+          <a:xfrm>
+            <a:off x="4572000" y="4341522"/>
+            <a:ext cx="2558837" cy="1190415"/>
+          </a:xfrm>
+          <a:prstGeom prst="bentUpArrow">
+            <a:avLst/>
+          </a:prstGeom>
+          <a:solidFill>
+            <a:schemeClr val="accent1"/>
+          </a:solidFill>
+          <a:ln>
+            <a:noFill/>
+          </a:ln>
+        </p:spPr>
+        <p:style>
+          <a:lnRef idx="0">
+            <a:scrgbClr r="0" g="0" b="0"/>
+          </a:lnRef>
+          <a:fillRef idx="0">
+            <a:scrgbClr r="0" g="0" b="0"/>
+          </a:fillRef>
+          <a:effectRef idx="0">
+            <a:scrgbClr r="0" g="0" b="0"/>
+          </a:effectRef>
+          <a:fontRef idx="minor">
+            <a:schemeClr val="lt1"/>
+          </a:fontRef>
+        </p:style>
+        <p:txBody>
+          <a:bodyPr rtlCol="0" anchor="ctr"/>
+          <a:lstStyle/>
+          <a:p>
+            <a:pPr algn="ctr"/>
             <a:endParaRPr kumimoji="1" lang="ja-JP" altLang="en-US"/>
           </a:p>
         </p:txBody>
@@ -6696,7 +11172,7 @@
           <p:cNvPr id="2" name="タイトル 1">
             <a:extLst>
               <a:ext uri="{FF2B5EF4-FFF2-40B4-BE49-F238E27FC236}">
-                <a16:creationId xmlns:a16="http://schemas.microsoft.com/office/drawing/2014/main" id="{52D2CA43-889D-472F-A15A-BE9AB4A20677}"/>
+                <a16:creationId xmlns:a16="http://schemas.microsoft.com/office/drawing/2014/main" id="{7DC54766-522D-4A36-9F3D-27B28C68CF96}"/>
               </a:ext>
             </a:extLst>
           </p:cNvPr>
@@ -6709,78 +11185,24 @@
         </p:nvSpPr>
         <p:spPr/>
         <p:txBody>
-          <a:bodyPr/>
+          <a:bodyPr>
+            <a:normAutofit/>
+          </a:bodyPr>
           <a:lstStyle/>
           <a:p>
             <a:r>
               <a:rPr kumimoji="1" lang="ja-JP" altLang="en-US" dirty="0"/>
-              <a:t>設計の自動化技術</a:t>
-            </a:r>
-          </a:p>
-        </p:txBody>
-      </p:sp>
-      <p:sp>
-        <p:nvSpPr>
-          <p:cNvPr id="3" name="コンテンツ プレースホルダー 2">
+              <a:t>アーキテクチャ設計の難しさ</a:t>
+            </a:r>
+          </a:p>
+        </p:txBody>
+      </p:sp>
+      <p:sp>
+        <p:nvSpPr>
+          <p:cNvPr id="4" name="スライド番号プレースホルダー 3">
             <a:extLst>
               <a:ext uri="{FF2B5EF4-FFF2-40B4-BE49-F238E27FC236}">
-                <a16:creationId xmlns:a16="http://schemas.microsoft.com/office/drawing/2014/main" id="{A0C95482-7F34-42EF-84C4-29A1AB900522}"/>
-              </a:ext>
-            </a:extLst>
-          </p:cNvPr>
-          <p:cNvSpPr>
-            <a:spLocks noGrp="1"/>
-          </p:cNvSpPr>
-          <p:nvPr>
-            <p:ph idx="1"/>
-          </p:nvPr>
-        </p:nvSpPr>
-        <p:spPr/>
-        <p:txBody>
-          <a:bodyPr/>
-          <a:lstStyle/>
-          <a:p>
-            <a:r>
-              <a:rPr kumimoji="1" lang="en-US" altLang="ja-JP" dirty="0"/>
-              <a:t>Neu..(NAS)</a:t>
-            </a:r>
-          </a:p>
-          <a:p>
-            <a:r>
-              <a:rPr lang="en-US" altLang="ja-JP" dirty="0"/>
-              <a:t>Diff..(DARTS)=</a:t>
-            </a:r>
-            <a:r>
-              <a:rPr lang="ja-JP" altLang="en-US" dirty="0"/>
-              <a:t>注目されている</a:t>
-            </a:r>
-            <a:endParaRPr lang="en-US" altLang="ja-JP" dirty="0"/>
-          </a:p>
-          <a:p>
-            <a:endParaRPr lang="en-US" altLang="ja-JP" dirty="0"/>
-          </a:p>
-          <a:p>
-            <a:r>
-              <a:rPr lang="en-US" altLang="ja-JP" dirty="0" err="1"/>
-              <a:t>AutoML</a:t>
-            </a:r>
-            <a:r>
-              <a:rPr lang="ja-JP" altLang="en-US" dirty="0"/>
-              <a:t>の一分野</a:t>
-            </a:r>
-            <a:endParaRPr lang="en-US" altLang="ja-JP" dirty="0"/>
-          </a:p>
-          <a:p>
-            <a:endParaRPr kumimoji="1" lang="ja-JP" altLang="en-US" dirty="0"/>
-          </a:p>
-        </p:txBody>
-      </p:sp>
-      <p:sp>
-        <p:nvSpPr>
-          <p:cNvPr id="4" name="スライド番号プレースホルダー 3">
-            <a:extLst>
-              <a:ext uri="{FF2B5EF4-FFF2-40B4-BE49-F238E27FC236}">
-                <a16:creationId xmlns:a16="http://schemas.microsoft.com/office/drawing/2014/main" id="{2D6F4046-9E5F-4894-81D8-89C4465CB1A8}"/>
+                <a16:creationId xmlns:a16="http://schemas.microsoft.com/office/drawing/2014/main" id="{E584AA1A-0C06-4BBA-B90E-C4C5D7199DB9}"/>
               </a:ext>
             </a:extLst>
           </p:cNvPr>
@@ -6804,400 +11226,12 @@
           </a:p>
         </p:txBody>
       </p:sp>
-    </p:spTree>
-    <p:extLst>
-      <p:ext uri="{BB962C8B-B14F-4D97-AF65-F5344CB8AC3E}">
-        <p14:creationId xmlns:p14="http://schemas.microsoft.com/office/powerpoint/2010/main" val="3482701003"/>
-      </p:ext>
-    </p:extLst>
-  </p:cSld>
-  <p:clrMapOvr>
-    <a:masterClrMapping/>
-  </p:clrMapOvr>
-</p:sld>
-</file>
-
-<file path=ppt/slides/slide7.xml><?xml version="1.0" encoding="utf-8"?>
-<p:sld xmlns:a="http://schemas.openxmlformats.org/drawingml/2006/main" xmlns:r="http://schemas.openxmlformats.org/officeDocument/2006/relationships" xmlns:p="http://schemas.openxmlformats.org/presentationml/2006/main">
-  <p:cSld>
-    <p:spTree>
-      <p:nvGrpSpPr>
-        <p:cNvPr id="1" name=""/>
-        <p:cNvGrpSpPr/>
-        <p:nvPr/>
-      </p:nvGrpSpPr>
-      <p:grpSpPr>
-        <a:xfrm>
-          <a:off x="0" y="0"/>
-          <a:ext cx="0" cy="0"/>
-          <a:chOff x="0" y="0"/>
-          <a:chExt cx="0" cy="0"/>
-        </a:xfrm>
-      </p:grpSpPr>
-      <p:sp>
-        <p:nvSpPr>
-          <p:cNvPr id="2" name="タイトル 1">
+      <p:sp>
+        <p:nvSpPr>
+          <p:cNvPr id="5" name="正方形/長方形 4">
             <a:extLst>
               <a:ext uri="{FF2B5EF4-FFF2-40B4-BE49-F238E27FC236}">
-                <a16:creationId xmlns:a16="http://schemas.microsoft.com/office/drawing/2014/main" id="{99A71CDC-97C2-465F-8B9B-AE9D55104F50}"/>
-              </a:ext>
-            </a:extLst>
-          </p:cNvPr>
-          <p:cNvSpPr>
-            <a:spLocks noGrp="1"/>
-          </p:cNvSpPr>
-          <p:nvPr>
-            <p:ph type="title"/>
-          </p:nvPr>
-        </p:nvSpPr>
-        <p:spPr/>
-        <p:txBody>
-          <a:bodyPr/>
-          <a:lstStyle/>
-          <a:p>
-            <a:r>
-              <a:rPr kumimoji="1" lang="ja-JP" altLang="en-US" dirty="0"/>
-              <a:t>発表の流れ</a:t>
-            </a:r>
-          </a:p>
-        </p:txBody>
-      </p:sp>
-      <p:sp>
-        <p:nvSpPr>
-          <p:cNvPr id="3" name="コンテンツ プレースホルダー 2">
-            <a:extLst>
-              <a:ext uri="{FF2B5EF4-FFF2-40B4-BE49-F238E27FC236}">
-                <a16:creationId xmlns:a16="http://schemas.microsoft.com/office/drawing/2014/main" id="{EA6F3566-9A84-4DED-A27B-A69CD8CF6C57}"/>
-              </a:ext>
-            </a:extLst>
-          </p:cNvPr>
-          <p:cNvSpPr>
-            <a:spLocks noGrp="1"/>
-          </p:cNvSpPr>
-          <p:nvPr>
-            <p:ph idx="1"/>
-          </p:nvPr>
-        </p:nvSpPr>
-        <p:spPr>
-          <a:xfrm>
-            <a:off x="822959" y="1661049"/>
-            <a:ext cx="7543801" cy="4531925"/>
-          </a:xfrm>
-        </p:spPr>
-        <p:txBody>
-          <a:bodyPr/>
-          <a:lstStyle/>
-          <a:p>
-            <a:pPr marL="742950" indent="-742950">
-              <a:buFont typeface="+mj-lt"/>
-              <a:buAutoNum type="arabicPeriod"/>
-            </a:pPr>
-            <a:r>
-              <a:rPr kumimoji="1" lang="ja-JP" altLang="en-US" dirty="0">
-                <a:solidFill>
-                  <a:schemeClr val="bg1">
-                    <a:lumMod val="75000"/>
-                  </a:schemeClr>
-                </a:solidFill>
-              </a:rPr>
-              <a:t>はじめに</a:t>
-            </a:r>
-            <a:endParaRPr kumimoji="1" lang="en-US" altLang="ja-JP" dirty="0">
-              <a:solidFill>
-                <a:schemeClr val="bg1">
-                  <a:lumMod val="75000"/>
-                </a:schemeClr>
-              </a:solidFill>
-            </a:endParaRPr>
-          </a:p>
-          <a:p>
-            <a:pPr marL="742950" indent="-742950">
-              <a:buFont typeface="+mj-lt"/>
-              <a:buAutoNum type="arabicPeriod"/>
-            </a:pPr>
-            <a:r>
-              <a:rPr lang="ja-JP" altLang="en-US" dirty="0"/>
-              <a:t>要素技術</a:t>
-            </a:r>
-            <a:endParaRPr lang="en-US" altLang="ja-JP" dirty="0"/>
-          </a:p>
-          <a:p>
-            <a:pPr marL="742950" indent="-742950">
-              <a:buFont typeface="+mj-lt"/>
-              <a:buAutoNum type="arabicPeriod"/>
-            </a:pPr>
-            <a:r>
-              <a:rPr kumimoji="1" lang="ja-JP" altLang="en-US" dirty="0">
-                <a:solidFill>
-                  <a:schemeClr val="bg1">
-                    <a:lumMod val="75000"/>
-                  </a:schemeClr>
-                </a:solidFill>
-              </a:rPr>
-              <a:t>手法１</a:t>
-            </a:r>
-            <a:endParaRPr kumimoji="1" lang="en-US" altLang="ja-JP" dirty="0">
-              <a:solidFill>
-                <a:schemeClr val="bg1">
-                  <a:lumMod val="75000"/>
-                </a:schemeClr>
-              </a:solidFill>
-            </a:endParaRPr>
-          </a:p>
-          <a:p>
-            <a:pPr marL="742950" indent="-742950">
-              <a:buFont typeface="+mj-lt"/>
-              <a:buAutoNum type="arabicPeriod"/>
-            </a:pPr>
-            <a:r>
-              <a:rPr lang="ja-JP" altLang="en-US" dirty="0">
-                <a:solidFill>
-                  <a:schemeClr val="bg1">
-                    <a:lumMod val="75000"/>
-                  </a:schemeClr>
-                </a:solidFill>
-              </a:rPr>
-              <a:t>手法２</a:t>
-            </a:r>
-            <a:endParaRPr lang="en-US" altLang="ja-JP" dirty="0">
-              <a:solidFill>
-                <a:schemeClr val="bg1">
-                  <a:lumMod val="75000"/>
-                </a:schemeClr>
-              </a:solidFill>
-            </a:endParaRPr>
-          </a:p>
-          <a:p>
-            <a:pPr marL="742950" indent="-742950">
-              <a:buFont typeface="+mj-lt"/>
-              <a:buAutoNum type="arabicPeriod"/>
-            </a:pPr>
-            <a:r>
-              <a:rPr kumimoji="1" lang="ja-JP" altLang="en-US" dirty="0">
-                <a:solidFill>
-                  <a:schemeClr val="bg1">
-                    <a:lumMod val="75000"/>
-                  </a:schemeClr>
-                </a:solidFill>
-              </a:rPr>
-              <a:t>まとめと今後の課題</a:t>
-            </a:r>
-          </a:p>
-        </p:txBody>
-      </p:sp>
-      <p:sp>
-        <p:nvSpPr>
-          <p:cNvPr id="4" name="スライド番号プレースホルダー 3">
-            <a:extLst>
-              <a:ext uri="{FF2B5EF4-FFF2-40B4-BE49-F238E27FC236}">
-                <a16:creationId xmlns:a16="http://schemas.microsoft.com/office/drawing/2014/main" id="{35C788A5-E800-4B67-8212-144F12E0C41A}"/>
-              </a:ext>
-            </a:extLst>
-          </p:cNvPr>
-          <p:cNvSpPr>
-            <a:spLocks noGrp="1"/>
-          </p:cNvSpPr>
-          <p:nvPr>
-            <p:ph type="sldNum" sz="quarter" idx="12"/>
-          </p:nvPr>
-        </p:nvSpPr>
-        <p:spPr/>
-        <p:txBody>
-          <a:bodyPr/>
-          <a:lstStyle/>
-          <a:p>
-            <a:fld id="{304739FC-810C-4CDC-B60F-21F1951FBC64}" type="slidenum">
-              <a:rPr kumimoji="1" lang="ja-JP" altLang="en-US" smtClean="0"/>
-              <a:t>7</a:t>
-            </a:fld>
-            <a:endParaRPr kumimoji="1" lang="ja-JP" altLang="en-US"/>
-          </a:p>
-        </p:txBody>
-      </p:sp>
-    </p:spTree>
-    <p:extLst>
-      <p:ext uri="{BB962C8B-B14F-4D97-AF65-F5344CB8AC3E}">
-        <p14:creationId xmlns:p14="http://schemas.microsoft.com/office/powerpoint/2010/main" val="511158731"/>
-      </p:ext>
-    </p:extLst>
-  </p:cSld>
-  <p:clrMapOvr>
-    <a:masterClrMapping/>
-  </p:clrMapOvr>
-</p:sld>
-</file>
-
-<file path=ppt/slides/slide8.xml><?xml version="1.0" encoding="utf-8"?>
-<p:sld xmlns:a="http://schemas.openxmlformats.org/drawingml/2006/main" xmlns:r="http://schemas.openxmlformats.org/officeDocument/2006/relationships" xmlns:p="http://schemas.openxmlformats.org/presentationml/2006/main">
-  <p:cSld>
-    <p:spTree>
-      <p:nvGrpSpPr>
-        <p:cNvPr id="1" name=""/>
-        <p:cNvGrpSpPr/>
-        <p:nvPr/>
-      </p:nvGrpSpPr>
-      <p:grpSpPr>
-        <a:xfrm>
-          <a:off x="0" y="0"/>
-          <a:ext cx="0" cy="0"/>
-          <a:chOff x="0" y="0"/>
-          <a:chExt cx="0" cy="0"/>
-        </a:xfrm>
-      </p:grpSpPr>
-      <p:sp>
-        <p:nvSpPr>
-          <p:cNvPr id="2" name="タイトル 1">
-            <a:extLst>
-              <a:ext uri="{FF2B5EF4-FFF2-40B4-BE49-F238E27FC236}">
-                <a16:creationId xmlns:a16="http://schemas.microsoft.com/office/drawing/2014/main" id="{EED97EF8-2612-4359-9850-09E978F5F444}"/>
-              </a:ext>
-            </a:extLst>
-          </p:cNvPr>
-          <p:cNvSpPr>
-            <a:spLocks noGrp="1"/>
-          </p:cNvSpPr>
-          <p:nvPr>
-            <p:ph type="title"/>
-          </p:nvPr>
-        </p:nvSpPr>
-        <p:spPr/>
-        <p:txBody>
-          <a:bodyPr/>
-          <a:lstStyle/>
-          <a:p>
-            <a:r>
-              <a:rPr lang="en-US" altLang="ja-JP" dirty="0"/>
-              <a:t>Neural Architecture Search</a:t>
-            </a:r>
-            <a:endParaRPr kumimoji="1" lang="ja-JP" altLang="en-US" dirty="0"/>
-          </a:p>
-        </p:txBody>
-      </p:sp>
-      <p:sp>
-        <p:nvSpPr>
-          <p:cNvPr id="3" name="コンテンツ プレースホルダー 2">
-            <a:extLst>
-              <a:ext uri="{FF2B5EF4-FFF2-40B4-BE49-F238E27FC236}">
-                <a16:creationId xmlns:a16="http://schemas.microsoft.com/office/drawing/2014/main" id="{742C36E0-8479-42F3-93D3-0D97D61DC80F}"/>
-              </a:ext>
-            </a:extLst>
-          </p:cNvPr>
-          <p:cNvSpPr>
-            <a:spLocks noGrp="1"/>
-          </p:cNvSpPr>
-          <p:nvPr>
-            <p:ph idx="1"/>
-          </p:nvPr>
-        </p:nvSpPr>
-        <p:spPr/>
-        <p:txBody>
-          <a:bodyPr>
-            <a:normAutofit fontScale="85000" lnSpcReduction="20000"/>
-          </a:bodyPr>
-          <a:lstStyle/>
-          <a:p>
-            <a:r>
-              <a:rPr kumimoji="1" lang="ja-JP" altLang="en-US" dirty="0"/>
-              <a:t>説明と図</a:t>
-            </a:r>
-            <a:endParaRPr kumimoji="1" lang="en-US" altLang="ja-JP" dirty="0"/>
-          </a:p>
-          <a:p>
-            <a:r>
-              <a:rPr lang="ja-JP" altLang="en-US" dirty="0"/>
-              <a:t>問題点</a:t>
-            </a:r>
-            <a:endParaRPr lang="en-US" altLang="ja-JP" dirty="0"/>
-          </a:p>
-          <a:p>
-            <a:endParaRPr lang="ja-JP" altLang="en-US" dirty="0"/>
-          </a:p>
-          <a:p>
-            <a:r>
-              <a:rPr lang="en-US" altLang="ja-JP" dirty="0"/>
-              <a:t>NAS</a:t>
-            </a:r>
-            <a:r>
-              <a:rPr lang="ja-JP" altLang="en-US" dirty="0"/>
-              <a:t>はニューラルネットワークが構造に関する設定の文字列で表現できることを利用して</a:t>
-            </a:r>
-            <a:r>
-              <a:rPr lang="en-US" altLang="ja-JP" dirty="0"/>
-              <a:t>,</a:t>
-            </a:r>
-          </a:p>
-          <a:p>
-            <a:r>
-              <a:rPr lang="ja-JP" altLang="en-US" dirty="0"/>
-              <a:t>この文字列を生成する</a:t>
-            </a:r>
-          </a:p>
-          <a:p>
-            <a:r>
-              <a:rPr lang="en-US" altLang="ja-JP" dirty="0"/>
-              <a:t>Recurrent Neural Network(RNN)</a:t>
-            </a:r>
-            <a:r>
-              <a:rPr lang="ja-JP" altLang="en-US" dirty="0"/>
-              <a:t>を</a:t>
-            </a:r>
-          </a:p>
-          <a:p>
-            <a:r>
-              <a:rPr lang="ja-JP" altLang="en-US" dirty="0"/>
-              <a:t>強化学習 </a:t>
-            </a:r>
-            <a:r>
-              <a:rPr lang="en-US" altLang="ja-JP" dirty="0"/>
-              <a:t>Reinforcement Learning(RL)</a:t>
-            </a:r>
-            <a:r>
-              <a:rPr lang="ja-JP" altLang="en-US" dirty="0"/>
-              <a:t>によって学習する</a:t>
-            </a:r>
-            <a:r>
-              <a:rPr lang="en-US" altLang="ja-JP" dirty="0"/>
-              <a:t>.</a:t>
-            </a:r>
-            <a:endParaRPr kumimoji="1" lang="ja-JP" altLang="en-US" dirty="0"/>
-          </a:p>
-        </p:txBody>
-      </p:sp>
-      <p:sp>
-        <p:nvSpPr>
-          <p:cNvPr id="4" name="スライド番号プレースホルダー 3">
-            <a:extLst>
-              <a:ext uri="{FF2B5EF4-FFF2-40B4-BE49-F238E27FC236}">
-                <a16:creationId xmlns:a16="http://schemas.microsoft.com/office/drawing/2014/main" id="{FD4ED43B-7FAE-4BDC-BEF6-8A04D01720B7}"/>
-              </a:ext>
-            </a:extLst>
-          </p:cNvPr>
-          <p:cNvSpPr>
-            <a:spLocks noGrp="1"/>
-          </p:cNvSpPr>
-          <p:nvPr>
-            <p:ph type="sldNum" sz="quarter" idx="12"/>
-          </p:nvPr>
-        </p:nvSpPr>
-        <p:spPr/>
-        <p:txBody>
-          <a:bodyPr/>
-          <a:lstStyle/>
-          <a:p>
-            <a:fld id="{304739FC-810C-4CDC-B60F-21F1951FBC64}" type="slidenum">
-              <a:rPr kumimoji="1" lang="ja-JP" altLang="en-US" smtClean="0"/>
-              <a:t>8</a:t>
-            </a:fld>
-            <a:endParaRPr kumimoji="1" lang="ja-JP" altLang="en-US"/>
-          </a:p>
-        </p:txBody>
-      </p:sp>
-      <p:sp>
-        <p:nvSpPr>
-          <p:cNvPr id="5" name="正方形/長方形 4">
-            <a:extLst>
-              <a:ext uri="{FF2B5EF4-FFF2-40B4-BE49-F238E27FC236}">
-                <a16:creationId xmlns:a16="http://schemas.microsoft.com/office/drawing/2014/main" id="{898D59A6-B6E0-4901-B8F2-7ECFE3154B3F}"/>
+                <a16:creationId xmlns:a16="http://schemas.microsoft.com/office/drawing/2014/main" id="{F9476C83-44DD-4C44-9E36-472E15ABE586}"/>
               </a:ext>
             </a:extLst>
           </p:cNvPr>
@@ -7206,8 +11240,158 @@
         </p:nvSpPr>
         <p:spPr>
           <a:xfrm>
-            <a:off x="4559415" y="5438727"/>
-            <a:ext cx="4240635" cy="738664"/>
+            <a:off x="941727" y="3724556"/>
+            <a:ext cx="2492990" cy="620767"/>
+          </a:xfrm>
+          <a:prstGeom prst="rect">
+            <a:avLst/>
+          </a:prstGeom>
+          <a:solidFill>
+            <a:schemeClr val="accent1"/>
+          </a:solidFill>
+          <a:ln>
+            <a:noFill/>
+          </a:ln>
+        </p:spPr>
+        <p:style>
+          <a:lnRef idx="0">
+            <a:scrgbClr r="0" g="0" b="0"/>
+          </a:lnRef>
+          <a:fillRef idx="0">
+            <a:scrgbClr r="0" g="0" b="0"/>
+          </a:fillRef>
+          <a:effectRef idx="0">
+            <a:scrgbClr r="0" g="0" b="0"/>
+          </a:effectRef>
+          <a:fontRef idx="minor">
+            <a:schemeClr val="lt1"/>
+          </a:fontRef>
+        </p:style>
+        <p:txBody>
+          <a:bodyPr wrap="none" anchor="b">
+            <a:normAutofit/>
+          </a:bodyPr>
+          <a:lstStyle/>
+          <a:p>
+            <a:pPr algn="ctr"/>
+            <a:r>
+              <a:rPr kumimoji="1" lang="ja-JP" altLang="en-US" sz="2800" dirty="0"/>
+              <a:t>モデルの設計</a:t>
+            </a:r>
+            <a:endParaRPr lang="ja-JP" altLang="en-US" sz="2800" dirty="0"/>
+          </a:p>
+        </p:txBody>
+      </p:sp>
+      <p:pic>
+        <p:nvPicPr>
+          <p:cNvPr id="3074" name="Picture 2" descr="若い大工のイラスト">
+            <a:extLst>
+              <a:ext uri="{FF2B5EF4-FFF2-40B4-BE49-F238E27FC236}">
+                <a16:creationId xmlns:a16="http://schemas.microsoft.com/office/drawing/2014/main" id="{4FE1C6A3-41D5-4033-995E-933D28C73625}"/>
+              </a:ext>
+            </a:extLst>
+          </p:cNvPr>
+          <p:cNvPicPr>
+            <a:picLocks noChangeAspect="1" noChangeArrowheads="1"/>
+          </p:cNvPicPr>
+          <p:nvPr/>
+        </p:nvPicPr>
+        <p:blipFill>
+          <a:blip r:embed="rId3">
+            <a:extLst>
+              <a:ext uri="{28A0092B-C50C-407E-A947-70E740481C1C}">
+                <a14:useLocalDpi xmlns:a14="http://schemas.microsoft.com/office/drawing/2010/main" val="0"/>
+              </a:ext>
+            </a:extLst>
+          </a:blip>
+          <a:srcRect/>
+          <a:stretch>
+            <a:fillRect/>
+          </a:stretch>
+        </p:blipFill>
+        <p:spPr bwMode="auto">
+          <a:xfrm>
+            <a:off x="1651363" y="2168881"/>
+            <a:ext cx="1227606" cy="1391493"/>
+          </a:xfrm>
+          <a:prstGeom prst="rect">
+            <a:avLst/>
+          </a:prstGeom>
+          <a:noFill/>
+          <a:extLst>
+            <a:ext uri="{909E8E84-426E-40DD-AFC4-6F175D3DCCD1}">
+              <a14:hiddenFill xmlns:a14="http://schemas.microsoft.com/office/drawing/2010/main">
+                <a:solidFill>
+                  <a:srgbClr val="FFFFFF"/>
+                </a:solidFill>
+              </a14:hiddenFill>
+            </a:ext>
+          </a:extLst>
+        </p:spPr>
+      </p:pic>
+      <p:pic>
+        <p:nvPicPr>
+          <p:cNvPr id="3076" name="Picture 4" descr="ふき取り検査のイラスト">
+            <a:extLst>
+              <a:ext uri="{FF2B5EF4-FFF2-40B4-BE49-F238E27FC236}">
+                <a16:creationId xmlns:a16="http://schemas.microsoft.com/office/drawing/2014/main" id="{D398D5F1-A0CB-40EE-9AD5-C53D489094DE}"/>
+              </a:ext>
+            </a:extLst>
+          </p:cNvPr>
+          <p:cNvPicPr>
+            <a:picLocks noChangeAspect="1" noChangeArrowheads="1"/>
+          </p:cNvPicPr>
+          <p:nvPr/>
+        </p:nvPicPr>
+        <p:blipFill>
+          <a:blip r:embed="rId4">
+            <a:extLst>
+              <a:ext uri="{28A0092B-C50C-407E-A947-70E740481C1C}">
+                <a14:useLocalDpi xmlns:a14="http://schemas.microsoft.com/office/drawing/2010/main" val="0"/>
+              </a:ext>
+            </a:extLst>
+          </a:blip>
+          <a:srcRect/>
+          <a:stretch>
+            <a:fillRect/>
+          </a:stretch>
+        </p:blipFill>
+        <p:spPr bwMode="auto">
+          <a:xfrm>
+            <a:off x="6084898" y="1917175"/>
+            <a:ext cx="1443249" cy="1654154"/>
+          </a:xfrm>
+          <a:prstGeom prst="rect">
+            <a:avLst/>
+          </a:prstGeom>
+          <a:noFill/>
+          <a:extLst>
+            <a:ext uri="{909E8E84-426E-40DD-AFC4-6F175D3DCCD1}">
+              <a14:hiddenFill xmlns:a14="http://schemas.microsoft.com/office/drawing/2010/main">
+                <a:solidFill>
+                  <a:srgbClr val="FFFFFF"/>
+                </a:solidFill>
+              </a14:hiddenFill>
+            </a:ext>
+          </a:extLst>
+        </p:spPr>
+      </p:pic>
+      <p:sp>
+        <p:nvSpPr>
+          <p:cNvPr id="8" name="正方形/長方形 7">
+            <a:extLst>
+              <a:ext uri="{FF2B5EF4-FFF2-40B4-BE49-F238E27FC236}">
+                <a16:creationId xmlns:a16="http://schemas.microsoft.com/office/drawing/2014/main" id="{B037D337-96C1-4786-9FE5-752F95D2CD04}"/>
+              </a:ext>
+            </a:extLst>
+          </p:cNvPr>
+          <p:cNvSpPr/>
+          <p:nvPr/>
+        </p:nvSpPr>
+        <p:spPr>
+          <a:xfrm>
+            <a:off x="5681981" y="3724556"/>
+            <a:ext cx="2139246" cy="616966"/>
           </a:xfrm>
           <a:prstGeom prst="rect">
             <a:avLst/>
@@ -7238,31 +11422,150 @@
           </a:fontRef>
         </p:style>
         <p:txBody>
-          <a:bodyPr wrap="square">
+          <a:bodyPr wrap="none" anchor="b">
+            <a:normAutofit/>
+          </a:bodyPr>
+          <a:lstStyle/>
+          <a:p>
+            <a:pPr algn="ctr"/>
+            <a:r>
+              <a:rPr lang="ja-JP" altLang="en-US" sz="2800" dirty="0"/>
+              <a:t>性能の測定</a:t>
+            </a:r>
+          </a:p>
+        </p:txBody>
+      </p:sp>
+      <p:sp>
+        <p:nvSpPr>
+          <p:cNvPr id="6" name="矢印: ストライプ 5">
+            <a:extLst>
+              <a:ext uri="{FF2B5EF4-FFF2-40B4-BE49-F238E27FC236}">
+                <a16:creationId xmlns:a16="http://schemas.microsoft.com/office/drawing/2014/main" id="{DB0368A3-D52E-4D8B-AE27-417C4094B8EA}"/>
+              </a:ext>
+            </a:extLst>
+          </p:cNvPr>
+          <p:cNvSpPr/>
+          <p:nvPr/>
+        </p:nvSpPr>
+        <p:spPr>
+          <a:xfrm>
+            <a:off x="4062439" y="3249990"/>
+            <a:ext cx="1096211" cy="620767"/>
+          </a:xfrm>
+          <a:prstGeom prst="stripedRightArrow">
+            <a:avLst/>
+          </a:prstGeom>
+          <a:solidFill>
+            <a:schemeClr val="accent1"/>
+          </a:solidFill>
+          <a:ln>
+            <a:noFill/>
+          </a:ln>
+        </p:spPr>
+        <p:style>
+          <a:lnRef idx="0">
+            <a:scrgbClr r="0" g="0" b="0"/>
+          </a:lnRef>
+          <a:fillRef idx="0">
+            <a:scrgbClr r="0" g="0" b="0"/>
+          </a:fillRef>
+          <a:effectRef idx="0">
+            <a:scrgbClr r="0" g="0" b="0"/>
+          </a:effectRef>
+          <a:fontRef idx="minor">
+            <a:schemeClr val="lt1"/>
+          </a:fontRef>
+        </p:style>
+        <p:txBody>
+          <a:bodyPr rtlCol="0" anchor="ctr"/>
+          <a:lstStyle/>
+          <a:p>
+            <a:pPr algn="ctr"/>
+            <a:endParaRPr kumimoji="1" lang="ja-JP" altLang="en-US"/>
+          </a:p>
+        </p:txBody>
+      </p:sp>
+      <p:sp>
+        <p:nvSpPr>
+          <p:cNvPr id="7" name="正方形/長方形 6">
+            <a:extLst>
+              <a:ext uri="{FF2B5EF4-FFF2-40B4-BE49-F238E27FC236}">
+                <a16:creationId xmlns:a16="http://schemas.microsoft.com/office/drawing/2014/main" id="{F1E0657F-7749-43CE-8D80-2FB566B1B4D0}"/>
+              </a:ext>
+            </a:extLst>
+          </p:cNvPr>
+          <p:cNvSpPr/>
+          <p:nvPr/>
+        </p:nvSpPr>
+        <p:spPr>
+          <a:xfrm>
+            <a:off x="3364049" y="2664572"/>
+            <a:ext cx="2492990" cy="400110"/>
+          </a:xfrm>
+          <a:prstGeom prst="rect">
+            <a:avLst/>
+          </a:prstGeom>
+        </p:spPr>
+        <p:txBody>
+          <a:bodyPr wrap="none">
             <a:spAutoFit/>
           </a:bodyPr>
           <a:lstStyle/>
           <a:p>
             <a:r>
-              <a:rPr lang="en-US" altLang="ja-JP" sz="1400" dirty="0"/>
-              <a:t>Barret </a:t>
-            </a:r>
-            <a:r>
-              <a:rPr lang="en-US" altLang="ja-JP" sz="1400" dirty="0" err="1"/>
-              <a:t>Zoph</a:t>
-            </a:r>
-            <a:r>
-              <a:rPr lang="en-US" altLang="ja-JP" sz="1400" dirty="0"/>
-              <a:t> and Quoc V. Le. Neural architecture search with reinforcement learning. abs/1611.01578, 2016. </a:t>
-            </a:r>
-            <a:endParaRPr lang="ja-JP" altLang="en-US" sz="1400" dirty="0"/>
+              <a:rPr lang="ja-JP" altLang="en-US" sz="2000" dirty="0"/>
+              <a:t>学習に時間がかかる</a:t>
+            </a:r>
+            <a:endParaRPr lang="en-US" altLang="ja-JP" sz="2000" dirty="0"/>
+          </a:p>
+        </p:txBody>
+      </p:sp>
+      <p:sp>
+        <p:nvSpPr>
+          <p:cNvPr id="12" name="コンテンツ プレースホルダー 2">
+            <a:extLst>
+              <a:ext uri="{FF2B5EF4-FFF2-40B4-BE49-F238E27FC236}">
+                <a16:creationId xmlns:a16="http://schemas.microsoft.com/office/drawing/2014/main" id="{06B507E2-203E-43A0-9D6D-F7CE120F01D4}"/>
+              </a:ext>
+            </a:extLst>
+          </p:cNvPr>
+          <p:cNvSpPr>
+            <a:spLocks noGrp="1"/>
+          </p:cNvSpPr>
+          <p:nvPr>
+            <p:ph idx="1"/>
+          </p:nvPr>
+        </p:nvSpPr>
+        <p:spPr>
+          <a:xfrm>
+            <a:off x="822959" y="4891596"/>
+            <a:ext cx="7543801" cy="1301378"/>
+          </a:xfrm>
+        </p:spPr>
+        <p:txBody>
+          <a:bodyPr/>
+          <a:lstStyle/>
+          <a:p>
+            <a:pPr lvl="1"/>
+            <a:r>
+              <a:rPr lang="ja-JP" altLang="en-US" dirty="0"/>
+              <a:t>学習に時間がかかる</a:t>
+            </a:r>
+            <a:endParaRPr lang="en-US" altLang="ja-JP" dirty="0"/>
+          </a:p>
+          <a:p>
+            <a:pPr lvl="1"/>
+            <a:r>
+              <a:rPr kumimoji="1" lang="ja-JP" altLang="en-US" dirty="0"/>
+              <a:t>人が作業する</a:t>
+            </a:r>
           </a:p>
         </p:txBody>
       </p:sp>
     </p:spTree>
     <p:extLst>
       <p:ext uri="{BB962C8B-B14F-4D97-AF65-F5344CB8AC3E}">
-        <p14:creationId xmlns:p14="http://schemas.microsoft.com/office/powerpoint/2010/main" val="719054921"/>
+        <p14:creationId xmlns:p14="http://schemas.microsoft.com/office/powerpoint/2010/main" val="1229011820"/>
       </p:ext>
     </p:extLst>
   </p:cSld>
@@ -7272,7 +11575,7 @@
 </p:sld>
 </file>
 
-<file path=ppt/slides/slide9.xml><?xml version="1.0" encoding="utf-8"?>
+<file path=ppt/slides/slide7.xml><?xml version="1.0" encoding="utf-8"?>
 <p:sld xmlns:a="http://schemas.openxmlformats.org/drawingml/2006/main" xmlns:r="http://schemas.openxmlformats.org/officeDocument/2006/relationships" xmlns:p="http://schemas.openxmlformats.org/presentationml/2006/main">
   <p:cSld>
     <p:spTree>
@@ -7289,12 +11592,127 @@
           <a:chExt cx="0" cy="0"/>
         </a:xfrm>
       </p:grpSpPr>
+      <p:sp>
+        <p:nvSpPr>
+          <p:cNvPr id="2" name="タイトル 1">
+            <a:extLst>
+              <a:ext uri="{FF2B5EF4-FFF2-40B4-BE49-F238E27FC236}">
+                <a16:creationId xmlns:a16="http://schemas.microsoft.com/office/drawing/2014/main" id="{7DC54766-522D-4A36-9F3D-27B28C68CF96}"/>
+              </a:ext>
+            </a:extLst>
+          </p:cNvPr>
+          <p:cNvSpPr>
+            <a:spLocks noGrp="1"/>
+          </p:cNvSpPr>
+          <p:nvPr>
+            <p:ph type="title"/>
+          </p:nvPr>
+        </p:nvSpPr>
+        <p:spPr/>
+        <p:txBody>
+          <a:bodyPr>
+            <a:normAutofit/>
+          </a:bodyPr>
+          <a:lstStyle/>
+          <a:p>
+            <a:r>
+              <a:rPr kumimoji="1" lang="ja-JP" altLang="en-US" dirty="0"/>
+              <a:t>アーキテクチャ設計の難しさ</a:t>
+            </a:r>
+          </a:p>
+        </p:txBody>
+      </p:sp>
+      <p:sp>
+        <p:nvSpPr>
+          <p:cNvPr id="4" name="スライド番号プレースホルダー 3">
+            <a:extLst>
+              <a:ext uri="{FF2B5EF4-FFF2-40B4-BE49-F238E27FC236}">
+                <a16:creationId xmlns:a16="http://schemas.microsoft.com/office/drawing/2014/main" id="{E584AA1A-0C06-4BBA-B90E-C4C5D7199DB9}"/>
+              </a:ext>
+            </a:extLst>
+          </p:cNvPr>
+          <p:cNvSpPr>
+            <a:spLocks noGrp="1"/>
+          </p:cNvSpPr>
+          <p:nvPr>
+            <p:ph type="sldNum" sz="quarter" idx="12"/>
+          </p:nvPr>
+        </p:nvSpPr>
+        <p:spPr/>
+        <p:txBody>
+          <a:bodyPr/>
+          <a:lstStyle/>
+          <a:p>
+            <a:fld id="{304739FC-810C-4CDC-B60F-21F1951FBC64}" type="slidenum">
+              <a:rPr kumimoji="1" lang="ja-JP" altLang="en-US" smtClean="0"/>
+              <a:t>7</a:t>
+            </a:fld>
+            <a:endParaRPr kumimoji="1" lang="ja-JP" altLang="en-US"/>
+          </a:p>
+        </p:txBody>
+      </p:sp>
+      <p:sp>
+        <p:nvSpPr>
+          <p:cNvPr id="5" name="正方形/長方形 4">
+            <a:extLst>
+              <a:ext uri="{FF2B5EF4-FFF2-40B4-BE49-F238E27FC236}">
+                <a16:creationId xmlns:a16="http://schemas.microsoft.com/office/drawing/2014/main" id="{F9476C83-44DD-4C44-9E36-472E15ABE586}"/>
+              </a:ext>
+            </a:extLst>
+          </p:cNvPr>
+          <p:cNvSpPr/>
+          <p:nvPr/>
+        </p:nvSpPr>
+        <p:spPr>
+          <a:xfrm>
+            <a:off x="941727" y="3724556"/>
+            <a:ext cx="2492990" cy="620767"/>
+          </a:xfrm>
+          <a:prstGeom prst="rect">
+            <a:avLst/>
+          </a:prstGeom>
+          <a:solidFill>
+            <a:schemeClr val="accent1"/>
+          </a:solidFill>
+          <a:ln>
+            <a:noFill/>
+          </a:ln>
+        </p:spPr>
+        <p:style>
+          <a:lnRef idx="0">
+            <a:scrgbClr r="0" g="0" b="0"/>
+          </a:lnRef>
+          <a:fillRef idx="0">
+            <a:scrgbClr r="0" g="0" b="0"/>
+          </a:fillRef>
+          <a:effectRef idx="0">
+            <a:scrgbClr r="0" g="0" b="0"/>
+          </a:effectRef>
+          <a:fontRef idx="minor">
+            <a:schemeClr val="lt1"/>
+          </a:fontRef>
+        </p:style>
+        <p:txBody>
+          <a:bodyPr wrap="none" anchor="b">
+            <a:normAutofit/>
+          </a:bodyPr>
+          <a:lstStyle/>
+          <a:p>
+            <a:pPr algn="ctr"/>
+            <a:r>
+              <a:rPr kumimoji="1" lang="ja-JP" altLang="en-US" sz="2800" dirty="0"/>
+              <a:t>モデルの設計</a:t>
+            </a:r>
+            <a:endParaRPr lang="ja-JP" altLang="en-US" sz="2800" dirty="0"/>
+          </a:p>
+        </p:txBody>
+      </p:sp>
       <p:pic>
         <p:nvPicPr>
-          <p:cNvPr id="2050" name="Picture 2" descr="Differentiable Architecture Search for RNN with fastai | by HOANG Bao Tin |  Towards Data Science">
+          <p:cNvPr id="3074" name="Picture 2" descr="若い大工のイラスト">
             <a:extLst>
               <a:ext uri="{FF2B5EF4-FFF2-40B4-BE49-F238E27FC236}">
-                <a16:creationId xmlns:a16="http://schemas.microsoft.com/office/drawing/2014/main" id="{FEEB922E-B739-4E90-98FA-87D8F3EDE0AD}"/>
+                <a16:creationId xmlns:a16="http://schemas.microsoft.com/office/drawing/2014/main" id="{4FE1C6A3-41D5-4033-995E-933D28C73625}"/>
               </a:ext>
             </a:extLst>
           </p:cNvPr>
@@ -7304,7 +11722,7 @@
           <p:nvPr/>
         </p:nvPicPr>
         <p:blipFill>
-          <a:blip r:embed="rId2">
+          <a:blip r:embed="rId3">
             <a:extLst>
               <a:ext uri="{28A0092B-C50C-407E-A947-70E740481C1C}">
                 <a14:useLocalDpi xmlns:a14="http://schemas.microsoft.com/office/drawing/2010/main" val="0"/>
@@ -7318,8 +11736,8 @@
         </p:blipFill>
         <p:spPr bwMode="auto">
           <a:xfrm>
-            <a:off x="981414" y="1661049"/>
-            <a:ext cx="7543801" cy="2759512"/>
+            <a:off x="1651363" y="2168881"/>
+            <a:ext cx="1227606" cy="1391493"/>
           </a:xfrm>
           <a:prstGeom prst="rect">
             <a:avLst/>
@@ -7336,137 +11754,59 @@
           </a:extLst>
         </p:spPr>
       </p:pic>
-      <p:sp>
-        <p:nvSpPr>
-          <p:cNvPr id="2" name="タイトル 1">
+      <p:pic>
+        <p:nvPicPr>
+          <p:cNvPr id="3076" name="Picture 4" descr="ふき取り検査のイラスト">
             <a:extLst>
               <a:ext uri="{FF2B5EF4-FFF2-40B4-BE49-F238E27FC236}">
-                <a16:creationId xmlns:a16="http://schemas.microsoft.com/office/drawing/2014/main" id="{7E5BB624-BE56-4867-9585-F357CD4FE919}"/>
+                <a16:creationId xmlns:a16="http://schemas.microsoft.com/office/drawing/2014/main" id="{D398D5F1-A0CB-40EE-9AD5-C53D489094DE}"/>
               </a:ext>
             </a:extLst>
           </p:cNvPr>
-          <p:cNvSpPr>
-            <a:spLocks noGrp="1"/>
-          </p:cNvSpPr>
-          <p:nvPr>
-            <p:ph type="title"/>
-          </p:nvPr>
-        </p:nvSpPr>
-        <p:spPr>
+          <p:cNvPicPr>
+            <a:picLocks noChangeAspect="1" noChangeArrowheads="1"/>
+          </p:cNvPicPr>
+          <p:nvPr/>
+        </p:nvPicPr>
+        <p:blipFill>
+          <a:blip r:embed="rId4">
+            <a:extLst>
+              <a:ext uri="{28A0092B-C50C-407E-A947-70E740481C1C}">
+                <a14:useLocalDpi xmlns:a14="http://schemas.microsoft.com/office/drawing/2010/main" val="0"/>
+              </a:ext>
+            </a:extLst>
+          </a:blip>
+          <a:srcRect/>
+          <a:stretch>
+            <a:fillRect/>
+          </a:stretch>
+        </p:blipFill>
+        <p:spPr bwMode="auto">
           <a:xfrm>
-            <a:off x="706581" y="231067"/>
-            <a:ext cx="8093469" cy="1026234"/>
+            <a:off x="6084898" y="1917175"/>
+            <a:ext cx="1443249" cy="1654154"/>
           </a:xfrm>
+          <a:prstGeom prst="rect">
+            <a:avLst/>
+          </a:prstGeom>
+          <a:noFill/>
+          <a:extLst>
+            <a:ext uri="{909E8E84-426E-40DD-AFC4-6F175D3DCCD1}">
+              <a14:hiddenFill xmlns:a14="http://schemas.microsoft.com/office/drawing/2010/main">
+                <a:solidFill>
+                  <a:srgbClr val="FFFFFF"/>
+                </a:solidFill>
+              </a14:hiddenFill>
+            </a:ext>
+          </a:extLst>
         </p:spPr>
-        <p:txBody>
-          <a:bodyPr>
-            <a:noAutofit/>
-          </a:bodyPr>
-          <a:lstStyle/>
-          <a:p>
-            <a:r>
-              <a:rPr lang="en-US" altLang="ja-JP" sz="3600" dirty="0"/>
-              <a:t>Differentiable Architecture Search</a:t>
-            </a:r>
-            <a:endParaRPr kumimoji="1" lang="ja-JP" altLang="en-US" sz="3600" dirty="0"/>
-          </a:p>
-        </p:txBody>
-      </p:sp>
-      <p:sp>
-        <p:nvSpPr>
-          <p:cNvPr id="3" name="コンテンツ プレースホルダー 2">
+      </p:pic>
+      <p:sp>
+        <p:nvSpPr>
+          <p:cNvPr id="8" name="正方形/長方形 7">
             <a:extLst>
               <a:ext uri="{FF2B5EF4-FFF2-40B4-BE49-F238E27FC236}">
-                <a16:creationId xmlns:a16="http://schemas.microsoft.com/office/drawing/2014/main" id="{D5F8401B-29A8-461B-9A1D-E98E8F2DFFAB}"/>
-              </a:ext>
-            </a:extLst>
-          </p:cNvPr>
-          <p:cNvSpPr>
-            <a:spLocks noGrp="1"/>
-          </p:cNvSpPr>
-          <p:nvPr>
-            <p:ph idx="1"/>
-          </p:nvPr>
-        </p:nvSpPr>
-        <p:spPr/>
-        <p:txBody>
-          <a:bodyPr/>
-          <a:lstStyle/>
-          <a:p>
-            <a:r>
-              <a:rPr kumimoji="1" lang="ja-JP" altLang="en-US" dirty="0"/>
-              <a:t>説明</a:t>
-            </a:r>
-            <a:endParaRPr kumimoji="1" lang="en-US" altLang="ja-JP" dirty="0"/>
-          </a:p>
-          <a:p>
-            <a:r>
-              <a:rPr lang="ja-JP" altLang="en-US" dirty="0"/>
-              <a:t>式</a:t>
-            </a:r>
-            <a:endParaRPr lang="en-US" altLang="ja-JP" dirty="0"/>
-          </a:p>
-          <a:p>
-            <a:r>
-              <a:rPr kumimoji="1" lang="ja-JP" altLang="en-US" dirty="0"/>
-              <a:t>図</a:t>
-            </a:r>
-            <a:endParaRPr kumimoji="1" lang="en-US" altLang="ja-JP" dirty="0"/>
-          </a:p>
-          <a:p>
-            <a:r>
-              <a:rPr lang="ja-JP" altLang="en-US" dirty="0"/>
-              <a:t>流れ</a:t>
-            </a:r>
-            <a:endParaRPr lang="en-US" altLang="ja-JP" dirty="0"/>
-          </a:p>
-          <a:p>
-            <a:r>
-              <a:rPr lang="ja-JP" altLang="en-US" dirty="0"/>
-              <a:t>問題点</a:t>
-            </a:r>
-            <a:endParaRPr lang="en-US" altLang="ja-JP" dirty="0"/>
-          </a:p>
-          <a:p>
-            <a:endParaRPr kumimoji="1" lang="ja-JP" altLang="en-US" dirty="0"/>
-          </a:p>
-        </p:txBody>
-      </p:sp>
-      <p:sp>
-        <p:nvSpPr>
-          <p:cNvPr id="4" name="スライド番号プレースホルダー 3">
-            <a:extLst>
-              <a:ext uri="{FF2B5EF4-FFF2-40B4-BE49-F238E27FC236}">
-                <a16:creationId xmlns:a16="http://schemas.microsoft.com/office/drawing/2014/main" id="{91DE9D33-9930-42E5-848C-6F9826B1D290}"/>
-              </a:ext>
-            </a:extLst>
-          </p:cNvPr>
-          <p:cNvSpPr>
-            <a:spLocks noGrp="1"/>
-          </p:cNvSpPr>
-          <p:nvPr>
-            <p:ph type="sldNum" sz="quarter" idx="12"/>
-          </p:nvPr>
-        </p:nvSpPr>
-        <p:spPr/>
-        <p:txBody>
-          <a:bodyPr/>
-          <a:lstStyle/>
-          <a:p>
-            <a:fld id="{304739FC-810C-4CDC-B60F-21F1951FBC64}" type="slidenum">
-              <a:rPr kumimoji="1" lang="ja-JP" altLang="en-US" smtClean="0"/>
-              <a:t>9</a:t>
-            </a:fld>
-            <a:endParaRPr kumimoji="1" lang="ja-JP" altLang="en-US"/>
-          </a:p>
-        </p:txBody>
-      </p:sp>
-      <p:sp>
-        <p:nvSpPr>
-          <p:cNvPr id="5" name="正方形/長方形 4">
-            <a:extLst>
-              <a:ext uri="{FF2B5EF4-FFF2-40B4-BE49-F238E27FC236}">
-                <a16:creationId xmlns:a16="http://schemas.microsoft.com/office/drawing/2014/main" id="{2B45F0EC-8862-4723-B8FB-103DA30C92A6}"/>
+                <a16:creationId xmlns:a16="http://schemas.microsoft.com/office/drawing/2014/main" id="{B037D337-96C1-4786-9FE5-752F95D2CD04}"/>
               </a:ext>
             </a:extLst>
           </p:cNvPr>
@@ -7475,8 +11815,8 @@
         </p:nvSpPr>
         <p:spPr>
           <a:xfrm>
-            <a:off x="4559415" y="5438727"/>
-            <a:ext cx="4240635" cy="738664"/>
+            <a:off x="5681981" y="3724556"/>
+            <a:ext cx="2139246" cy="616966"/>
           </a:xfrm>
           <a:prstGeom prst="rect">
             <a:avLst/>
@@ -7507,43 +11847,528 @@
           </a:fontRef>
         </p:style>
         <p:txBody>
-          <a:bodyPr wrap="square">
+          <a:bodyPr wrap="none" anchor="b">
+            <a:normAutofit/>
+          </a:bodyPr>
+          <a:lstStyle/>
+          <a:p>
+            <a:pPr algn="ctr"/>
+            <a:r>
+              <a:rPr lang="ja-JP" altLang="en-US" sz="2800" dirty="0"/>
+              <a:t>性能の測定</a:t>
+            </a:r>
+          </a:p>
+        </p:txBody>
+      </p:sp>
+      <p:sp>
+        <p:nvSpPr>
+          <p:cNvPr id="20" name="正方形/長方形 19">
+            <a:extLst>
+              <a:ext uri="{FF2B5EF4-FFF2-40B4-BE49-F238E27FC236}">
+                <a16:creationId xmlns:a16="http://schemas.microsoft.com/office/drawing/2014/main" id="{303C01EC-1448-4E36-8651-256DEF1C8CED}"/>
+              </a:ext>
+            </a:extLst>
+          </p:cNvPr>
+          <p:cNvSpPr/>
+          <p:nvPr/>
+        </p:nvSpPr>
+        <p:spPr>
+          <a:xfrm>
+            <a:off x="5424256" y="1695635"/>
+            <a:ext cx="2663301" cy="2769833"/>
+          </a:xfrm>
+          <a:prstGeom prst="rect">
+            <a:avLst/>
+          </a:prstGeom>
+          <a:solidFill>
+            <a:schemeClr val="bg1">
+              <a:alpha val="50000"/>
+            </a:schemeClr>
+          </a:solidFill>
+          <a:ln>
+            <a:noFill/>
+          </a:ln>
+        </p:spPr>
+        <p:style>
+          <a:lnRef idx="0">
+            <a:scrgbClr r="0" g="0" b="0"/>
+          </a:lnRef>
+          <a:fillRef idx="0">
+            <a:scrgbClr r="0" g="0" b="0"/>
+          </a:fillRef>
+          <a:effectRef idx="0">
+            <a:scrgbClr r="0" g="0" b="0"/>
+          </a:effectRef>
+          <a:fontRef idx="minor">
+            <a:schemeClr val="lt1"/>
+          </a:fontRef>
+        </p:style>
+        <p:txBody>
+          <a:bodyPr rtlCol="0" anchor="ctr"/>
+          <a:lstStyle/>
+          <a:p>
+            <a:pPr algn="ctr"/>
+            <a:endParaRPr kumimoji="1" lang="ja-JP" altLang="en-US"/>
+          </a:p>
+        </p:txBody>
+      </p:sp>
+      <p:sp>
+        <p:nvSpPr>
+          <p:cNvPr id="19" name="テキスト ボックス 18">
+            <a:extLst>
+              <a:ext uri="{FF2B5EF4-FFF2-40B4-BE49-F238E27FC236}">
+                <a16:creationId xmlns:a16="http://schemas.microsoft.com/office/drawing/2014/main" id="{3652B249-5A5A-472F-B879-DE52BAEF0F33}"/>
+              </a:ext>
+            </a:extLst>
+          </p:cNvPr>
+          <p:cNvSpPr txBox="1"/>
+          <p:nvPr/>
+        </p:nvSpPr>
+        <p:spPr>
+          <a:xfrm>
+            <a:off x="6278300" y="2550294"/>
+            <a:ext cx="1056443" cy="1446550"/>
+          </a:xfrm>
+          <a:prstGeom prst="rect">
+            <a:avLst/>
+          </a:prstGeom>
+          <a:noFill/>
+        </p:spPr>
+        <p:txBody>
+          <a:bodyPr wrap="square" rtlCol="0" anchor="ctr">
             <a:spAutoFit/>
           </a:bodyPr>
           <a:lstStyle/>
           <a:p>
-            <a:r>
-              <a:rPr lang="en-US" altLang="ja-JP" sz="1400" dirty="0" err="1"/>
-              <a:t>Hanxiao</a:t>
-            </a:r>
-            <a:r>
-              <a:rPr lang="en-US" altLang="ja-JP" sz="1400" dirty="0"/>
-              <a:t> Liu, Karen </a:t>
-            </a:r>
-            <a:r>
-              <a:rPr lang="en-US" altLang="ja-JP" sz="1400" dirty="0" err="1"/>
-              <a:t>Simonyan</a:t>
-            </a:r>
-            <a:r>
-              <a:rPr lang="en-US" altLang="ja-JP" sz="1400" dirty="0"/>
-              <a:t>, and </a:t>
-            </a:r>
-            <a:r>
-              <a:rPr lang="en-US" altLang="ja-JP" sz="1400" dirty="0" err="1"/>
-              <a:t>Yiming</a:t>
-            </a:r>
-            <a:r>
-              <a:rPr lang="en-US" altLang="ja-JP" sz="1400" dirty="0"/>
-              <a:t> Yang. DARTS: differentiable architecture search. abs/1806.09055, 2018.</a:t>
-            </a:r>
-            <a:endParaRPr lang="ja-JP" altLang="en-US" sz="1400" dirty="0"/>
+            <a:pPr algn="ctr"/>
+            <a:r>
+              <a:rPr kumimoji="1" lang="en-US" altLang="ja-JP" sz="8800" dirty="0">
+                <a:ln w="34925">
+                  <a:solidFill>
+                    <a:schemeClr val="bg1"/>
+                  </a:solidFill>
+                </a:ln>
+                <a:solidFill>
+                  <a:schemeClr val="accent1"/>
+                </a:solidFill>
+                <a:latin typeface="Arial Black" panose="020B0A04020102020204" pitchFamily="34" charset="0"/>
+              </a:rPr>
+              <a:t>?</a:t>
+            </a:r>
+            <a:endParaRPr kumimoji="1" lang="ja-JP" altLang="en-US" sz="8800" dirty="0">
+              <a:ln w="34925">
+                <a:solidFill>
+                  <a:schemeClr val="bg1"/>
+                </a:solidFill>
+              </a:ln>
+              <a:solidFill>
+                <a:schemeClr val="accent1"/>
+              </a:solidFill>
+              <a:latin typeface="Arial Black" panose="020B0A04020102020204" pitchFamily="34" charset="0"/>
+            </a:endParaRPr>
+          </a:p>
+        </p:txBody>
+      </p:sp>
+      <p:sp>
+        <p:nvSpPr>
+          <p:cNvPr id="22" name="矢印: 左右 21">
+            <a:extLst>
+              <a:ext uri="{FF2B5EF4-FFF2-40B4-BE49-F238E27FC236}">
+                <a16:creationId xmlns:a16="http://schemas.microsoft.com/office/drawing/2014/main" id="{DA619AFF-8996-4F37-94C8-624A7DB866EC}"/>
+              </a:ext>
+            </a:extLst>
+          </p:cNvPr>
+          <p:cNvSpPr/>
+          <p:nvPr/>
+        </p:nvSpPr>
+        <p:spPr>
+          <a:xfrm>
+            <a:off x="3753360" y="2930669"/>
+            <a:ext cx="1647851" cy="685800"/>
+          </a:xfrm>
+          <a:prstGeom prst="leftRightArrow">
+            <a:avLst/>
+          </a:prstGeom>
+        </p:spPr>
+        <p:style>
+          <a:lnRef idx="2">
+            <a:schemeClr val="accent1">
+              <a:shade val="50000"/>
+            </a:schemeClr>
+          </a:lnRef>
+          <a:fillRef idx="1">
+            <a:schemeClr val="accent1"/>
+          </a:fillRef>
+          <a:effectRef idx="0">
+            <a:schemeClr val="accent1"/>
+          </a:effectRef>
+          <a:fontRef idx="minor">
+            <a:schemeClr val="lt1"/>
+          </a:fontRef>
+        </p:style>
+        <p:txBody>
+          <a:bodyPr rtlCol="0" anchor="ctr"/>
+          <a:lstStyle/>
+          <a:p>
+            <a:pPr algn="ctr"/>
+            <a:endParaRPr kumimoji="1" lang="ja-JP" altLang="en-US"/>
+          </a:p>
+        </p:txBody>
+      </p:sp>
+      <p:sp>
+        <p:nvSpPr>
+          <p:cNvPr id="25" name="コンテンツ プレースホルダー 2">
+            <a:extLst>
+              <a:ext uri="{FF2B5EF4-FFF2-40B4-BE49-F238E27FC236}">
+                <a16:creationId xmlns:a16="http://schemas.microsoft.com/office/drawing/2014/main" id="{5BDF4C08-FB9B-42C7-9185-0B228A8FFF05}"/>
+              </a:ext>
+            </a:extLst>
+          </p:cNvPr>
+          <p:cNvSpPr>
+            <a:spLocks noGrp="1"/>
+          </p:cNvSpPr>
+          <p:nvPr>
+            <p:ph idx="1"/>
+          </p:nvPr>
+        </p:nvSpPr>
+        <p:spPr>
+          <a:xfrm>
+            <a:off x="822959" y="5033638"/>
+            <a:ext cx="7543801" cy="1159335"/>
+          </a:xfrm>
+        </p:spPr>
+        <p:txBody>
+          <a:bodyPr/>
+          <a:lstStyle/>
+          <a:p>
+            <a:pPr lvl="1"/>
+            <a:r>
+              <a:rPr kumimoji="1" lang="ja-JP" altLang="en-US" dirty="0"/>
+              <a:t>設計と性能の関係が不明</a:t>
+            </a:r>
           </a:p>
         </p:txBody>
       </p:sp>
     </p:spTree>
     <p:extLst>
       <p:ext uri="{BB962C8B-B14F-4D97-AF65-F5344CB8AC3E}">
-        <p14:creationId xmlns:p14="http://schemas.microsoft.com/office/powerpoint/2010/main" val="3270920809"/>
+        <p14:creationId xmlns:p14="http://schemas.microsoft.com/office/powerpoint/2010/main" val="495426037"/>
+      </p:ext>
+    </p:extLst>
+  </p:cSld>
+  <p:clrMapOvr>
+    <a:masterClrMapping/>
+  </p:clrMapOvr>
+</p:sld>
+</file>
+
+<file path=ppt/slides/slide8.xml><?xml version="1.0" encoding="utf-8"?>
+<p:sld xmlns:a="http://schemas.openxmlformats.org/drawingml/2006/main" xmlns:r="http://schemas.openxmlformats.org/officeDocument/2006/relationships" xmlns:p="http://schemas.openxmlformats.org/presentationml/2006/main">
+  <p:cSld>
+    <p:spTree>
+      <p:nvGrpSpPr>
+        <p:cNvPr id="1" name=""/>
+        <p:cNvGrpSpPr/>
+        <p:nvPr/>
+      </p:nvGrpSpPr>
+      <p:grpSpPr>
+        <a:xfrm>
+          <a:off x="0" y="0"/>
+          <a:ext cx="0" cy="0"/>
+          <a:chOff x="0" y="0"/>
+          <a:chExt cx="0" cy="0"/>
+        </a:xfrm>
+      </p:grpSpPr>
+      <p:sp>
+        <p:nvSpPr>
+          <p:cNvPr id="2" name="タイトル 1">
+            <a:extLst>
+              <a:ext uri="{FF2B5EF4-FFF2-40B4-BE49-F238E27FC236}">
+                <a16:creationId xmlns:a16="http://schemas.microsoft.com/office/drawing/2014/main" id="{52D2CA43-889D-472F-A15A-BE9AB4A20677}"/>
+              </a:ext>
+            </a:extLst>
+          </p:cNvPr>
+          <p:cNvSpPr>
+            <a:spLocks noGrp="1"/>
+          </p:cNvSpPr>
+          <p:nvPr>
+            <p:ph type="title"/>
+          </p:nvPr>
+        </p:nvSpPr>
+        <p:spPr/>
+        <p:txBody>
+          <a:bodyPr/>
+          <a:lstStyle/>
+          <a:p>
+            <a:r>
+              <a:rPr kumimoji="1" lang="ja-JP" altLang="en-US" dirty="0"/>
+              <a:t>設計の自動化技術</a:t>
+            </a:r>
+          </a:p>
+        </p:txBody>
+      </p:sp>
+      <p:sp>
+        <p:nvSpPr>
+          <p:cNvPr id="3" name="コンテンツ プレースホルダー 2">
+            <a:extLst>
+              <a:ext uri="{FF2B5EF4-FFF2-40B4-BE49-F238E27FC236}">
+                <a16:creationId xmlns:a16="http://schemas.microsoft.com/office/drawing/2014/main" id="{A0C95482-7F34-42EF-84C4-29A1AB900522}"/>
+              </a:ext>
+            </a:extLst>
+          </p:cNvPr>
+          <p:cNvSpPr>
+            <a:spLocks noGrp="1"/>
+          </p:cNvSpPr>
+          <p:nvPr>
+            <p:ph idx="1"/>
+          </p:nvPr>
+        </p:nvSpPr>
+        <p:spPr/>
+        <p:txBody>
+          <a:bodyPr/>
+          <a:lstStyle/>
+          <a:p>
+            <a:r>
+              <a:rPr lang="en-US" altLang="ja-JP" dirty="0" err="1"/>
+              <a:t>AutoML</a:t>
+            </a:r>
+            <a:r>
+              <a:rPr lang="ja-JP" altLang="en-US" dirty="0"/>
+              <a:t>の一分野</a:t>
+            </a:r>
+            <a:endParaRPr lang="en-US" altLang="ja-JP" dirty="0"/>
+          </a:p>
+          <a:p>
+            <a:endParaRPr lang="en-US" altLang="ja-JP" sz="1200" dirty="0"/>
+          </a:p>
+          <a:p>
+            <a:pPr lvl="1"/>
+            <a:r>
+              <a:rPr lang="en-US" altLang="ja-JP" dirty="0"/>
+              <a:t>Neural Architecture Search</a:t>
+            </a:r>
+          </a:p>
+          <a:p>
+            <a:pPr marL="201168" lvl="1" indent="0">
+              <a:buNone/>
+            </a:pPr>
+            <a:endParaRPr lang="en-US" altLang="ja-JP" dirty="0"/>
+          </a:p>
+          <a:p>
+            <a:pPr lvl="1"/>
+            <a:r>
+              <a:rPr lang="en-US" altLang="ja-JP" dirty="0"/>
+              <a:t>Differentiable Architecture Search</a:t>
+            </a:r>
+          </a:p>
+          <a:p>
+            <a:pPr marL="201168" lvl="1" indent="0">
+              <a:buNone/>
+            </a:pPr>
+            <a:endParaRPr lang="en-US" altLang="ja-JP" sz="4000" dirty="0"/>
+          </a:p>
+          <a:p>
+            <a:endParaRPr kumimoji="1" lang="ja-JP" altLang="en-US" dirty="0"/>
+          </a:p>
+        </p:txBody>
+      </p:sp>
+      <p:sp>
+        <p:nvSpPr>
+          <p:cNvPr id="4" name="スライド番号プレースホルダー 3">
+            <a:extLst>
+              <a:ext uri="{FF2B5EF4-FFF2-40B4-BE49-F238E27FC236}">
+                <a16:creationId xmlns:a16="http://schemas.microsoft.com/office/drawing/2014/main" id="{2D6F4046-9E5F-4894-81D8-89C4465CB1A8}"/>
+              </a:ext>
+            </a:extLst>
+          </p:cNvPr>
+          <p:cNvSpPr>
+            <a:spLocks noGrp="1"/>
+          </p:cNvSpPr>
+          <p:nvPr>
+            <p:ph type="sldNum" sz="quarter" idx="12"/>
+          </p:nvPr>
+        </p:nvSpPr>
+        <p:spPr/>
+        <p:txBody>
+          <a:bodyPr/>
+          <a:lstStyle/>
+          <a:p>
+            <a:fld id="{304739FC-810C-4CDC-B60F-21F1951FBC64}" type="slidenum">
+              <a:rPr kumimoji="1" lang="ja-JP" altLang="en-US" smtClean="0"/>
+              <a:t>8</a:t>
+            </a:fld>
+            <a:endParaRPr kumimoji="1" lang="ja-JP" altLang="en-US"/>
+          </a:p>
+        </p:txBody>
+      </p:sp>
+    </p:spTree>
+    <p:extLst>
+      <p:ext uri="{BB962C8B-B14F-4D97-AF65-F5344CB8AC3E}">
+        <p14:creationId xmlns:p14="http://schemas.microsoft.com/office/powerpoint/2010/main" val="1967912027"/>
+      </p:ext>
+    </p:extLst>
+  </p:cSld>
+  <p:clrMapOvr>
+    <a:masterClrMapping/>
+  </p:clrMapOvr>
+</p:sld>
+</file>
+
+<file path=ppt/slides/slide9.xml><?xml version="1.0" encoding="utf-8"?>
+<p:sld xmlns:a="http://schemas.openxmlformats.org/drawingml/2006/main" xmlns:r="http://schemas.openxmlformats.org/officeDocument/2006/relationships" xmlns:p="http://schemas.openxmlformats.org/presentationml/2006/main">
+  <p:cSld>
+    <p:spTree>
+      <p:nvGrpSpPr>
+        <p:cNvPr id="1" name=""/>
+        <p:cNvGrpSpPr/>
+        <p:nvPr/>
+      </p:nvGrpSpPr>
+      <p:grpSpPr>
+        <a:xfrm>
+          <a:off x="0" y="0"/>
+          <a:ext cx="0" cy="0"/>
+          <a:chOff x="0" y="0"/>
+          <a:chExt cx="0" cy="0"/>
+        </a:xfrm>
+      </p:grpSpPr>
+      <p:sp>
+        <p:nvSpPr>
+          <p:cNvPr id="2" name="タイトル 1">
+            <a:extLst>
+              <a:ext uri="{FF2B5EF4-FFF2-40B4-BE49-F238E27FC236}">
+                <a16:creationId xmlns:a16="http://schemas.microsoft.com/office/drawing/2014/main" id="{52D2CA43-889D-472F-A15A-BE9AB4A20677}"/>
+              </a:ext>
+            </a:extLst>
+          </p:cNvPr>
+          <p:cNvSpPr>
+            <a:spLocks noGrp="1"/>
+          </p:cNvSpPr>
+          <p:nvPr>
+            <p:ph type="title"/>
+          </p:nvPr>
+        </p:nvSpPr>
+        <p:spPr/>
+        <p:txBody>
+          <a:bodyPr/>
+          <a:lstStyle/>
+          <a:p>
+            <a:r>
+              <a:rPr kumimoji="1" lang="ja-JP" altLang="en-US" dirty="0"/>
+              <a:t>設計の自動化技術</a:t>
+            </a:r>
+          </a:p>
+        </p:txBody>
+      </p:sp>
+      <p:sp>
+        <p:nvSpPr>
+          <p:cNvPr id="3" name="コンテンツ プレースホルダー 2">
+            <a:extLst>
+              <a:ext uri="{FF2B5EF4-FFF2-40B4-BE49-F238E27FC236}">
+                <a16:creationId xmlns:a16="http://schemas.microsoft.com/office/drawing/2014/main" id="{A0C95482-7F34-42EF-84C4-29A1AB900522}"/>
+              </a:ext>
+            </a:extLst>
+          </p:cNvPr>
+          <p:cNvSpPr>
+            <a:spLocks noGrp="1"/>
+          </p:cNvSpPr>
+          <p:nvPr>
+            <p:ph idx="1"/>
+          </p:nvPr>
+        </p:nvSpPr>
+        <p:spPr/>
+        <p:txBody>
+          <a:bodyPr/>
+          <a:lstStyle/>
+          <a:p>
+            <a:r>
+              <a:rPr lang="en-US" altLang="ja-JP" dirty="0" err="1"/>
+              <a:t>AutoML</a:t>
+            </a:r>
+            <a:r>
+              <a:rPr lang="ja-JP" altLang="en-US" dirty="0"/>
+              <a:t>の一分野</a:t>
+            </a:r>
+            <a:endParaRPr lang="en-US" altLang="ja-JP" dirty="0"/>
+          </a:p>
+          <a:p>
+            <a:endParaRPr lang="en-US" altLang="ja-JP" sz="1200" dirty="0"/>
+          </a:p>
+          <a:p>
+            <a:pPr lvl="1"/>
+            <a:r>
+              <a:rPr lang="en-US" altLang="ja-JP" dirty="0"/>
+              <a:t>Neural Architecture Search</a:t>
+            </a:r>
+          </a:p>
+          <a:p>
+            <a:pPr marL="201168" lvl="1" indent="0">
+              <a:buNone/>
+            </a:pPr>
+            <a:endParaRPr lang="en-US" altLang="ja-JP" dirty="0"/>
+          </a:p>
+          <a:p>
+            <a:pPr lvl="1"/>
+            <a:r>
+              <a:rPr lang="en-US" altLang="ja-JP" dirty="0"/>
+              <a:t>Differentiable Architecture Search</a:t>
+            </a:r>
+          </a:p>
+          <a:p>
+            <a:pPr marL="566928" lvl="3" indent="0">
+              <a:buNone/>
+            </a:pPr>
+            <a:r>
+              <a:rPr lang="en-US" altLang="ja-JP" sz="3200" dirty="0"/>
+              <a:t>=</a:t>
+            </a:r>
+            <a:r>
+              <a:rPr lang="ja-JP" altLang="en-US" sz="3200" dirty="0"/>
+              <a:t>注目されている</a:t>
+            </a:r>
+            <a:endParaRPr lang="en-US" altLang="ja-JP" sz="3200" dirty="0"/>
+          </a:p>
+          <a:p>
+            <a:pPr lvl="1"/>
+            <a:endParaRPr lang="en-US" altLang="ja-JP" sz="4000" dirty="0"/>
+          </a:p>
+          <a:p>
+            <a:endParaRPr kumimoji="1" lang="ja-JP" altLang="en-US" dirty="0"/>
+          </a:p>
+        </p:txBody>
+      </p:sp>
+      <p:sp>
+        <p:nvSpPr>
+          <p:cNvPr id="4" name="スライド番号プレースホルダー 3">
+            <a:extLst>
+              <a:ext uri="{FF2B5EF4-FFF2-40B4-BE49-F238E27FC236}">
+                <a16:creationId xmlns:a16="http://schemas.microsoft.com/office/drawing/2014/main" id="{2D6F4046-9E5F-4894-81D8-89C4465CB1A8}"/>
+              </a:ext>
+            </a:extLst>
+          </p:cNvPr>
+          <p:cNvSpPr>
+            <a:spLocks noGrp="1"/>
+          </p:cNvSpPr>
+          <p:nvPr>
+            <p:ph type="sldNum" sz="quarter" idx="12"/>
+          </p:nvPr>
+        </p:nvSpPr>
+        <p:spPr/>
+        <p:txBody>
+          <a:bodyPr/>
+          <a:lstStyle/>
+          <a:p>
+            <a:fld id="{304739FC-810C-4CDC-B60F-21F1951FBC64}" type="slidenum">
+              <a:rPr kumimoji="1" lang="ja-JP" altLang="en-US" smtClean="0"/>
+              <a:t>9</a:t>
+            </a:fld>
+            <a:endParaRPr kumimoji="1" lang="ja-JP" altLang="en-US"/>
+          </a:p>
+        </p:txBody>
+      </p:sp>
+    </p:spTree>
+    <p:extLst>
+      <p:ext uri="{BB962C8B-B14F-4D97-AF65-F5344CB8AC3E}">
+        <p14:creationId xmlns:p14="http://schemas.microsoft.com/office/powerpoint/2010/main" val="1518140100"/>
       </p:ext>
     </p:extLst>
   </p:cSld>

--- a/report/2020後期/2020_2nd_sugiyama.pptx
+++ b/report/2020後期/2020_2nd_sugiyama.pptx
@@ -5,7 +5,7 @@
     <p:sldMasterId id="2147483672" r:id="rId1"/>
   </p:sldMasterIdLst>
   <p:notesMasterIdLst>
-    <p:notesMasterId r:id="rId42"/>
+    <p:notesMasterId r:id="rId47"/>
   </p:notesMasterIdLst>
   <p:sldIdLst>
     <p:sldId id="256" r:id="rId2"/>
@@ -38,16 +38,21 @@
     <p:sldId id="295" r:id="rId29"/>
     <p:sldId id="276" r:id="rId30"/>
     <p:sldId id="269" r:id="rId31"/>
-    <p:sldId id="296" r:id="rId32"/>
-    <p:sldId id="297" r:id="rId33"/>
-    <p:sldId id="277" r:id="rId34"/>
-    <p:sldId id="298" r:id="rId35"/>
-    <p:sldId id="299" r:id="rId36"/>
-    <p:sldId id="300" r:id="rId37"/>
-    <p:sldId id="278" r:id="rId38"/>
-    <p:sldId id="293" r:id="rId39"/>
-    <p:sldId id="294" r:id="rId40"/>
-    <p:sldId id="307" r:id="rId41"/>
+    <p:sldId id="309" r:id="rId32"/>
+    <p:sldId id="308" r:id="rId33"/>
+    <p:sldId id="296" r:id="rId34"/>
+    <p:sldId id="297" r:id="rId35"/>
+    <p:sldId id="310" r:id="rId36"/>
+    <p:sldId id="311" r:id="rId37"/>
+    <p:sldId id="277" r:id="rId38"/>
+    <p:sldId id="298" r:id="rId39"/>
+    <p:sldId id="312" r:id="rId40"/>
+    <p:sldId id="299" r:id="rId41"/>
+    <p:sldId id="300" r:id="rId42"/>
+    <p:sldId id="278" r:id="rId43"/>
+    <p:sldId id="293" r:id="rId44"/>
+    <p:sldId id="294" r:id="rId45"/>
+    <p:sldId id="307" r:id="rId46"/>
   </p:sldIdLst>
   <p:sldSz cx="9144000" cy="6858000" type="screen4x3"/>
   <p:notesSz cx="6858000" cy="9144000"/>
@@ -197,14 +202,19 @@
           <p14:sldIdLst>
             <p14:sldId id="276"/>
             <p14:sldId id="269"/>
+            <p14:sldId id="309"/>
+            <p14:sldId id="308"/>
             <p14:sldId id="296"/>
             <p14:sldId id="297"/>
+            <p14:sldId id="310"/>
+            <p14:sldId id="311"/>
           </p14:sldIdLst>
         </p14:section>
         <p14:section name="実験2" id="{C2EA450A-6529-4ED3-82D8-59D81AEA30EC}">
           <p14:sldIdLst>
             <p14:sldId id="277"/>
             <p14:sldId id="298"/>
+            <p14:sldId id="312"/>
             <p14:sldId id="299"/>
             <p14:sldId id="300"/>
           </p14:sldIdLst>
@@ -7706,7 +7716,7 @@
           <a:graphicData uri="http://schemas.openxmlformats.org/presentationml/2006/ole">
             <mc:AlternateContent xmlns:mc="http://schemas.openxmlformats.org/markup-compatibility/2006">
               <mc:Choice xmlns:v="urn:schemas-microsoft-com:vml" Requires="v">
-                <p:oleObj spid="_x0000_s14344" name="ビットマップ イメージ" r:id="rId3" imgW="1800360" imgH="1800360" progId="Paint.Picture">
+                <p:oleObj spid="_x0000_s14347" name="ビットマップ イメージ" r:id="rId3" imgW="1800360" imgH="1800360" progId="Paint.Picture">
                   <p:embed/>
                 </p:oleObj>
               </mc:Choice>
@@ -16417,7 +16427,7 @@
               <a:gd name="adj1" fmla="val -7620000000"/>
             </a:avLst>
           </a:prstGeom>
-          <a:ln>
+          <a:ln w="28575">
             <a:tailEnd type="triangle"/>
           </a:ln>
         </p:spPr>
@@ -19276,9 +19286,215 @@
         </p:nvSpPr>
         <p:spPr/>
         <p:txBody>
-          <a:bodyPr/>
+          <a:bodyPr>
+            <a:normAutofit fontScale="85000" lnSpcReduction="20000"/>
+          </a:bodyPr>
           <a:lstStyle/>
           <a:p>
+            <a:r>
+              <a:rPr lang="ja-JP" altLang="en-US" dirty="0"/>
+              <a:t>ショートカットの本数も探索するため</a:t>
+            </a:r>
+            <a:r>
+              <a:rPr lang="en-US" altLang="ja-JP" dirty="0"/>
+              <a:t>, α </a:t>
+            </a:r>
+            <a:r>
+              <a:rPr lang="ja-JP" altLang="en-US" dirty="0"/>
+              <a:t>に対する重 </a:t>
+            </a:r>
+            <a:r>
+              <a:rPr lang="ja-JP" altLang="en-US" dirty="0" err="1"/>
+              <a:t>み</a:t>
+            </a:r>
+            <a:r>
+              <a:rPr lang="ja-JP" altLang="en-US" dirty="0"/>
+              <a:t>補正 </a:t>
+            </a:r>
+            <a:r>
+              <a:rPr lang="en-US" altLang="ja-JP" dirty="0"/>
+              <a:t>β </a:t>
+            </a:r>
+            <a:r>
+              <a:rPr lang="ja-JP" altLang="en-US" dirty="0"/>
+              <a:t>を </a:t>
+            </a:r>
+            <a:r>
+              <a:rPr lang="en-US" altLang="ja-JP" dirty="0"/>
+              <a:t>(2) </a:t>
+            </a:r>
+            <a:r>
+              <a:rPr lang="ja-JP" altLang="en-US" dirty="0"/>
+              <a:t>式 で定義する</a:t>
+            </a:r>
+            <a:r>
+              <a:rPr lang="en-US" altLang="ja-JP" dirty="0"/>
+              <a:t>. xi = f c i−1,i(xi−1) + β</a:t>
+            </a:r>
+            <a:r>
+              <a:rPr lang="en-US" altLang="ja-JP" dirty="0" err="1"/>
+              <a:t>i</a:t>
+            </a:r>
+            <a:r>
+              <a:rPr lang="en-US" altLang="ja-JP" dirty="0"/>
+              <a:t> ∑ </a:t>
+            </a:r>
+            <a:r>
+              <a:rPr lang="en-US" altLang="ja-JP" dirty="0" err="1"/>
+              <a:t>j∈Si</a:t>
+            </a:r>
+            <a:r>
+              <a:rPr lang="en-US" altLang="ja-JP" dirty="0"/>
+              <a:t> α</a:t>
+            </a:r>
+            <a:r>
+              <a:rPr lang="en-US" altLang="ja-JP" dirty="0" err="1"/>
+              <a:t>ijf</a:t>
+            </a:r>
+            <a:r>
+              <a:rPr lang="en-US" altLang="ja-JP" dirty="0"/>
+              <a:t> s </a:t>
+            </a:r>
+            <a:r>
+              <a:rPr lang="en-US" altLang="ja-JP" dirty="0" err="1"/>
+              <a:t>j,i</a:t>
+            </a:r>
+            <a:r>
+              <a:rPr lang="en-US" altLang="ja-JP" dirty="0"/>
+              <a:t>(</a:t>
+            </a:r>
+            <a:r>
+              <a:rPr lang="en-US" altLang="ja-JP" dirty="0" err="1"/>
+              <a:t>xj</a:t>
+            </a:r>
+            <a:r>
+              <a:rPr lang="en-US" altLang="ja-JP" dirty="0"/>
+              <a:t> ) (2) </a:t>
+            </a:r>
+            <a:r>
+              <a:rPr lang="ja-JP" altLang="en-US" dirty="0"/>
+              <a:t>ここで </a:t>
+            </a:r>
+            <a:r>
+              <a:rPr lang="en-US" altLang="ja-JP" dirty="0"/>
+              <a:t>f c (</a:t>
+            </a:r>
+            <a:r>
+              <a:rPr lang="ja-JP" altLang="en-US" dirty="0"/>
+              <a:t>・</a:t>
+            </a:r>
+            <a:r>
+              <a:rPr lang="en-US" altLang="ja-JP" dirty="0"/>
+              <a:t>), f s (</a:t>
+            </a:r>
+            <a:r>
+              <a:rPr lang="ja-JP" altLang="en-US" dirty="0"/>
+              <a:t>・</a:t>
+            </a:r>
+            <a:r>
+              <a:rPr lang="en-US" altLang="ja-JP" dirty="0"/>
+              <a:t>) </a:t>
+            </a:r>
+            <a:r>
+              <a:rPr lang="ja-JP" altLang="en-US" dirty="0"/>
+              <a:t>は</a:t>
+            </a:r>
+            <a:r>
+              <a:rPr lang="en-US" altLang="ja-JP" dirty="0"/>
+              <a:t>, VGG </a:t>
+            </a:r>
+            <a:r>
+              <a:rPr lang="ja-JP" altLang="en-US" dirty="0"/>
+              <a:t>の畳み込み関数とショー トカット関数</a:t>
+            </a:r>
+            <a:r>
+              <a:rPr lang="en-US" altLang="ja-JP" dirty="0"/>
+              <a:t>, Si </a:t>
+            </a:r>
+            <a:r>
+              <a:rPr lang="ja-JP" altLang="en-US" dirty="0"/>
+              <a:t>はノード </a:t>
+            </a:r>
+            <a:r>
+              <a:rPr lang="en-US" altLang="ja-JP" dirty="0" err="1"/>
+              <a:t>i</a:t>
+            </a:r>
+            <a:r>
+              <a:rPr lang="en-US" altLang="ja-JP" dirty="0"/>
+              <a:t> </a:t>
+            </a:r>
+            <a:r>
+              <a:rPr lang="ja-JP" altLang="en-US" dirty="0"/>
+              <a:t>とショートカットで</a:t>
+            </a:r>
+            <a:r>
+              <a:rPr lang="ja-JP" altLang="en-US" dirty="0" err="1"/>
+              <a:t>接続す</a:t>
+            </a:r>
+            <a:r>
+              <a:rPr lang="ja-JP" altLang="en-US" dirty="0"/>
+              <a:t> </a:t>
+            </a:r>
+            <a:r>
+              <a:rPr lang="ja-JP" altLang="en-US" dirty="0" err="1"/>
+              <a:t>る</a:t>
+            </a:r>
+            <a:r>
+              <a:rPr lang="ja-JP" altLang="en-US" dirty="0"/>
+              <a:t>先行 </a:t>
+            </a:r>
+            <a:r>
+              <a:rPr lang="en-US" altLang="ja-JP" dirty="0"/>
+              <a:t>(predecessor) </a:t>
+            </a:r>
+            <a:r>
+              <a:rPr lang="ja-JP" altLang="en-US" dirty="0"/>
+              <a:t>ノードのインデックス集合である</a:t>
+            </a:r>
+            <a:r>
+              <a:rPr lang="en-US" altLang="ja-JP" dirty="0"/>
+              <a:t>. </a:t>
+            </a:r>
+            <a:r>
+              <a:rPr lang="ja-JP" altLang="en-US" dirty="0"/>
+              <a:t>ただし </a:t>
+            </a:r>
+            <a:r>
+              <a:rPr lang="en-US" altLang="ja-JP" dirty="0"/>
+              <a:t>β = 0 </a:t>
+            </a:r>
+            <a:r>
+              <a:rPr lang="ja-JP" altLang="en-US" dirty="0"/>
+              <a:t>で勾配の更新ができなくなるので</a:t>
+            </a:r>
+            <a:r>
+              <a:rPr lang="en-US" altLang="ja-JP" dirty="0"/>
+              <a:t>, βˆ =    exp(β − 1) (β ≤ 1) log(β) + 1 (otherwise) (3) </a:t>
+            </a:r>
+            <a:r>
+              <a:rPr lang="ja-JP" altLang="en-US" dirty="0"/>
+              <a:t>で </a:t>
+            </a:r>
+            <a:r>
+              <a:rPr lang="en-US" altLang="ja-JP" dirty="0"/>
+              <a:t>0 </a:t>
+            </a:r>
+            <a:r>
+              <a:rPr lang="ja-JP" altLang="en-US" dirty="0"/>
+              <a:t>とならないように補正した </a:t>
+            </a:r>
+            <a:r>
+              <a:rPr lang="en-US" altLang="ja-JP" dirty="0"/>
+              <a:t>βˆ </a:t>
+            </a:r>
+            <a:r>
+              <a:rPr lang="ja-JP" altLang="en-US" dirty="0"/>
+              <a:t>を用いた</a:t>
+            </a:r>
+            <a:r>
+              <a:rPr lang="en-US" altLang="ja-JP" dirty="0"/>
+              <a:t>. </a:t>
+            </a:r>
             <a:endParaRPr kumimoji="1" lang="ja-JP" altLang="en-US" dirty="0"/>
           </a:p>
         </p:txBody>
@@ -19373,7 +19589,7 @@
             </a:r>
             <a:r>
               <a:rPr kumimoji="1" lang="ja-JP" altLang="en-US" dirty="0"/>
-              <a:t>： 設定</a:t>
+              <a:t>： 提案手法</a:t>
             </a:r>
           </a:p>
         </p:txBody>
@@ -19396,9 +19612,63 @@
         </p:nvSpPr>
         <p:spPr/>
         <p:txBody>
-          <a:bodyPr/>
+          <a:bodyPr>
+            <a:normAutofit/>
+          </a:bodyPr>
           <a:lstStyle/>
           <a:p>
+            <a:r>
+              <a:rPr lang="ja-JP" altLang="en-US" dirty="0"/>
+              <a:t>学習の手順を以下に示す</a:t>
+            </a:r>
+            <a:r>
+              <a:rPr lang="en-US" altLang="ja-JP" dirty="0"/>
+              <a:t>. 1. </a:t>
+            </a:r>
+            <a:r>
+              <a:rPr lang="ja-JP" altLang="en-US" dirty="0"/>
+              <a:t>探索：アーキテクチャ </a:t>
+            </a:r>
+            <a:r>
+              <a:rPr lang="en-US" altLang="ja-JP" dirty="0"/>
+              <a:t>α </a:t>
+            </a:r>
+            <a:r>
+              <a:rPr lang="ja-JP" altLang="en-US" dirty="0"/>
+              <a:t>の訓練 </a:t>
+            </a:r>
+            <a:r>
+              <a:rPr lang="en-US" altLang="ja-JP" dirty="0"/>
+              <a:t>2. </a:t>
+            </a:r>
+            <a:r>
+              <a:rPr lang="ja-JP" altLang="en-US" dirty="0"/>
+              <a:t>構成：</a:t>
+            </a:r>
+            <a:r>
+              <a:rPr lang="en-US" altLang="ja-JP" dirty="0"/>
+              <a:t>α </a:t>
+            </a:r>
+            <a:r>
+              <a:rPr lang="ja-JP" altLang="en-US" dirty="0"/>
+              <a:t>からネットワークを構成 </a:t>
+            </a:r>
+            <a:r>
+              <a:rPr lang="en-US" altLang="ja-JP" dirty="0"/>
+              <a:t>3. </a:t>
+            </a:r>
+            <a:r>
+              <a:rPr lang="ja-JP" altLang="en-US" dirty="0"/>
+              <a:t>評価：得られたネットワークをバックプロパゲー ションにより訓練し</a:t>
+            </a:r>
+            <a:r>
+              <a:rPr lang="en-US" altLang="ja-JP" dirty="0"/>
+              <a:t>, </a:t>
+            </a:r>
+            <a:r>
+              <a:rPr lang="ja-JP" altLang="en-US" dirty="0"/>
+              <a:t>テストデータで性能を評価</a:t>
+            </a:r>
             <a:endParaRPr kumimoji="1" lang="ja-JP" altLang="en-US" dirty="0"/>
           </a:p>
         </p:txBody>
@@ -19435,7 +19705,7 @@
     </p:spTree>
     <p:extLst>
       <p:ext uri="{BB962C8B-B14F-4D97-AF65-F5344CB8AC3E}">
-        <p14:creationId xmlns:p14="http://schemas.microsoft.com/office/powerpoint/2010/main" val="3027145420"/>
+        <p14:creationId xmlns:p14="http://schemas.microsoft.com/office/powerpoint/2010/main" val="3156904643"/>
       </p:ext>
     </p:extLst>
   </p:cSld>
@@ -19493,7 +19763,7 @@
             </a:r>
             <a:r>
               <a:rPr kumimoji="1" lang="ja-JP" altLang="en-US" dirty="0"/>
-              <a:t>： 結果</a:t>
+              <a:t>： 提案手法</a:t>
             </a:r>
           </a:p>
         </p:txBody>
@@ -19516,9 +19786,51 @@
         </p:nvSpPr>
         <p:spPr/>
         <p:txBody>
-          <a:bodyPr/>
+          <a:bodyPr>
+            <a:normAutofit/>
+          </a:bodyPr>
           <a:lstStyle/>
           <a:p>
+            <a:r>
+              <a:rPr lang="ja-JP" altLang="en-US" dirty="0"/>
+              <a:t>構成手法は複数考えられるため</a:t>
+            </a:r>
+            <a:r>
+              <a:rPr lang="en-US" altLang="ja-JP" dirty="0"/>
+              <a:t>, • </a:t>
+            </a:r>
+            <a:r>
+              <a:rPr lang="ja-JP" altLang="en-US" dirty="0"/>
+              <a:t>構成手法 </a:t>
+            </a:r>
+            <a:r>
+              <a:rPr lang="en-US" altLang="ja-JP" dirty="0"/>
+              <a:t>A : predecessors </a:t>
+            </a:r>
+            <a:r>
+              <a:rPr lang="ja-JP" altLang="en-US" dirty="0"/>
+              <a:t>の中で大きい順に採択 </a:t>
+            </a:r>
+            <a:r>
+              <a:rPr lang="en-US" altLang="ja-JP" dirty="0"/>
+              <a:t>• </a:t>
+            </a:r>
+            <a:r>
+              <a:rPr lang="ja-JP" altLang="en-US" dirty="0"/>
+              <a:t>構成手法 </a:t>
+            </a:r>
+            <a:r>
+              <a:rPr lang="en-US" altLang="ja-JP" dirty="0"/>
+              <a:t>B : </a:t>
+            </a:r>
+            <a:r>
+              <a:rPr lang="ja-JP" altLang="en-US" dirty="0"/>
+              <a:t>閾値以上のエッジを採択 で実験した</a:t>
+            </a:r>
+            <a:r>
+              <a:rPr lang="en-US" altLang="ja-JP" dirty="0"/>
+              <a:t>. </a:t>
+            </a:r>
             <a:endParaRPr kumimoji="1" lang="ja-JP" altLang="en-US" dirty="0"/>
           </a:p>
         </p:txBody>
@@ -19555,7 +19867,7 @@
     </p:spTree>
     <p:extLst>
       <p:ext uri="{BB962C8B-B14F-4D97-AF65-F5344CB8AC3E}">
-        <p14:creationId xmlns:p14="http://schemas.microsoft.com/office/powerpoint/2010/main" val="2466008625"/>
+        <p14:creationId xmlns:p14="http://schemas.microsoft.com/office/powerpoint/2010/main" val="3499690431"/>
       </p:ext>
     </p:extLst>
   </p:cSld>
@@ -19587,7 +19899,7 @@
           <p:cNvPr id="2" name="タイトル 1">
             <a:extLst>
               <a:ext uri="{FF2B5EF4-FFF2-40B4-BE49-F238E27FC236}">
-                <a16:creationId xmlns:a16="http://schemas.microsoft.com/office/drawing/2014/main" id="{99A71CDC-97C2-465F-8B9B-AE9D55104F50}"/>
+                <a16:creationId xmlns:a16="http://schemas.microsoft.com/office/drawing/2014/main" id="{D46ABB39-F0C4-4941-8AC3-45B843579753}"/>
               </a:ext>
             </a:extLst>
           </p:cNvPr>
@@ -19605,166 +19917,146 @@
           <a:p>
             <a:r>
               <a:rPr kumimoji="1" lang="ja-JP" altLang="en-US" dirty="0"/>
-              <a:t>発表の流れ</a:t>
-            </a:r>
-          </a:p>
-        </p:txBody>
-      </p:sp>
-      <p:sp>
-        <p:nvSpPr>
-          <p:cNvPr id="3" name="コンテンツ プレースホルダー 2">
+              <a:t>実験</a:t>
+            </a:r>
+            <a:r>
+              <a:rPr kumimoji="1" lang="en-US" altLang="ja-JP" dirty="0"/>
+              <a:t>1 </a:t>
+            </a:r>
+            <a:r>
+              <a:rPr kumimoji="1" lang="ja-JP" altLang="en-US" dirty="0"/>
+              <a:t>： 設定</a:t>
+            </a:r>
+          </a:p>
+        </p:txBody>
+      </p:sp>
+      <p:graphicFrame>
+        <p:nvGraphicFramePr>
+          <p:cNvPr id="7" name="コンテンツ プレースホルダー 6">
             <a:extLst>
               <a:ext uri="{FF2B5EF4-FFF2-40B4-BE49-F238E27FC236}">
-                <a16:creationId xmlns:a16="http://schemas.microsoft.com/office/drawing/2014/main" id="{EA6F3566-9A84-4DED-A27B-A69CD8CF6C57}"/>
+                <a16:creationId xmlns:a16="http://schemas.microsoft.com/office/drawing/2014/main" id="{1C41816B-2609-4894-8681-D3411A4DCB32}"/>
               </a:ext>
             </a:extLst>
           </p:cNvPr>
-          <p:cNvSpPr>
-            <a:spLocks noGrp="1"/>
-          </p:cNvSpPr>
+          <p:cNvGraphicFramePr>
+            <a:graphicFrameLocks noGrp="1"/>
+          </p:cNvGraphicFramePr>
           <p:nvPr>
             <p:ph idx="1"/>
+            <p:extLst>
+              <p:ext uri="{D42A27DB-BD31-4B8C-83A1-F6EECF244321}">
+                <p14:modId xmlns:p14="http://schemas.microsoft.com/office/powerpoint/2010/main" val="1735954387"/>
+              </p:ext>
+            </p:extLst>
           </p:nvPr>
-        </p:nvSpPr>
-        <p:spPr>
-          <a:xfrm>
-            <a:off x="822959" y="1661049"/>
-            <a:ext cx="7543801" cy="4531925"/>
-          </a:xfrm>
-        </p:spPr>
-        <p:txBody>
-          <a:bodyPr/>
-          <a:lstStyle/>
-          <a:p>
-            <a:pPr marL="742950" indent="-742950">
-              <a:buFont typeface="+mj-lt"/>
-              <a:buAutoNum type="arabicPeriod"/>
-            </a:pPr>
-            <a:r>
-              <a:rPr kumimoji="1" lang="ja-JP" altLang="en-US" dirty="0">
-                <a:solidFill>
-                  <a:schemeClr val="bg1">
-                    <a:lumMod val="75000"/>
-                  </a:schemeClr>
-                </a:solidFill>
-              </a:rPr>
-              <a:t>はじめに</a:t>
-            </a:r>
-            <a:endParaRPr kumimoji="1" lang="en-US" altLang="ja-JP" dirty="0">
-              <a:solidFill>
-                <a:schemeClr val="bg1">
-                  <a:lumMod val="75000"/>
-                </a:schemeClr>
-              </a:solidFill>
-            </a:endParaRPr>
-          </a:p>
-          <a:p>
-            <a:pPr marL="742950" indent="-742950">
-              <a:buFont typeface="+mj-lt"/>
-              <a:buAutoNum type="arabicPeriod"/>
-            </a:pPr>
-            <a:r>
-              <a:rPr lang="ja-JP" altLang="en-US" dirty="0">
-                <a:solidFill>
-                  <a:schemeClr val="bg1">
-                    <a:lumMod val="75000"/>
-                  </a:schemeClr>
-                </a:solidFill>
-              </a:rPr>
-              <a:t>要素技術</a:t>
-            </a:r>
-            <a:endParaRPr lang="en-US" altLang="ja-JP" dirty="0">
-              <a:solidFill>
-                <a:schemeClr val="bg1">
-                  <a:lumMod val="75000"/>
-                </a:schemeClr>
-              </a:solidFill>
-            </a:endParaRPr>
-          </a:p>
-          <a:p>
-            <a:pPr marL="742950" indent="-742950">
-              <a:buFont typeface="+mj-lt"/>
-              <a:buAutoNum type="arabicPeriod"/>
-            </a:pPr>
-            <a:r>
-              <a:rPr lang="ja-JP" altLang="en-US" dirty="0">
-                <a:solidFill>
-                  <a:schemeClr val="bg1">
-                    <a:lumMod val="75000"/>
-                  </a:schemeClr>
-                </a:solidFill>
-              </a:rPr>
-              <a:t>問題</a:t>
-            </a:r>
-            <a:endParaRPr lang="en-US" altLang="ja-JP" dirty="0">
-              <a:solidFill>
-                <a:schemeClr val="bg1">
-                  <a:lumMod val="75000"/>
-                </a:schemeClr>
-              </a:solidFill>
-            </a:endParaRPr>
-          </a:p>
-          <a:p>
-            <a:pPr marL="742950" indent="-742950">
-              <a:buFont typeface="+mj-lt"/>
-              <a:buAutoNum type="arabicPeriod"/>
-            </a:pPr>
-            <a:r>
-              <a:rPr kumimoji="1" lang="ja-JP" altLang="en-US" dirty="0">
-                <a:solidFill>
-                  <a:schemeClr val="bg1">
-                    <a:lumMod val="75000"/>
-                  </a:schemeClr>
-                </a:solidFill>
-              </a:rPr>
-              <a:t>手法１</a:t>
-            </a:r>
-            <a:endParaRPr kumimoji="1" lang="en-US" altLang="ja-JP" dirty="0">
-              <a:solidFill>
-                <a:schemeClr val="bg1">
-                  <a:lumMod val="75000"/>
-                </a:schemeClr>
-              </a:solidFill>
-            </a:endParaRPr>
-          </a:p>
-          <a:p>
-            <a:pPr marL="742950" indent="-742950">
-              <a:buFont typeface="+mj-lt"/>
-              <a:buAutoNum type="arabicPeriod"/>
-            </a:pPr>
-            <a:r>
-              <a:rPr lang="ja-JP" altLang="en-US" dirty="0"/>
-              <a:t>手法２</a:t>
-            </a:r>
-            <a:r>
-              <a:rPr lang="en-US" altLang="ja-JP" dirty="0"/>
-              <a:t>(GA)</a:t>
-            </a:r>
-          </a:p>
-          <a:p>
-            <a:pPr marL="742950" indent="-742950">
-              <a:buFont typeface="+mj-lt"/>
-              <a:buAutoNum type="arabicPeriod"/>
-            </a:pPr>
-            <a:r>
-              <a:rPr kumimoji="1" lang="ja-JP" altLang="en-US" dirty="0">
-                <a:solidFill>
-                  <a:schemeClr val="bg1">
-                    <a:lumMod val="75000"/>
-                  </a:schemeClr>
-                </a:solidFill>
-              </a:rPr>
-              <a:t>まとめと今後の課題</a:t>
-            </a:r>
-          </a:p>
-        </p:txBody>
-      </p:sp>
+        </p:nvGraphicFramePr>
+        <p:xfrm>
+          <a:off x="822325" y="1660525"/>
+          <a:ext cx="7543800" cy="741680"/>
+        </p:xfrm>
+        <a:graphic>
+          <a:graphicData uri="http://schemas.openxmlformats.org/drawingml/2006/table">
+            <a:tbl>
+              <a:tblPr firstRow="1" bandRow="1">
+                <a:tableStyleId>{5940675A-B579-460E-94D1-54222C63F5DA}</a:tableStyleId>
+              </a:tblPr>
+              <a:tblGrid>
+                <a:gridCol w="1787525">
+                  <a:extLst>
+                    <a:ext uri="{9D8B030D-6E8A-4147-A177-3AD203B41FA5}">
+                      <a16:colId xmlns:a16="http://schemas.microsoft.com/office/drawing/2014/main" val="3294734784"/>
+                    </a:ext>
+                  </a:extLst>
+                </a:gridCol>
+                <a:gridCol w="5756275">
+                  <a:extLst>
+                    <a:ext uri="{9D8B030D-6E8A-4147-A177-3AD203B41FA5}">
+                      <a16:colId xmlns:a16="http://schemas.microsoft.com/office/drawing/2014/main" val="3247234136"/>
+                    </a:ext>
+                  </a:extLst>
+                </a:gridCol>
+              </a:tblGrid>
+              <a:tr h="370840">
+                <a:tc>
+                  <a:txBody>
+                    <a:bodyPr/>
+                    <a:lstStyle/>
+                    <a:p>
+                      <a:r>
+                        <a:rPr lang="en-US" altLang="ja-JP" dirty="0"/>
+                        <a:t>Loss</a:t>
+                      </a:r>
+                      <a:endParaRPr kumimoji="1" lang="ja-JP" altLang="en-US" dirty="0"/>
+                    </a:p>
+                  </a:txBody>
+                  <a:tcPr/>
+                </a:tc>
+                <a:tc>
+                  <a:txBody>
+                    <a:bodyPr/>
+                    <a:lstStyle/>
+                    <a:p>
+                      <a:r>
+                        <a:rPr lang="en-US" altLang="ja-JP" dirty="0"/>
+                        <a:t>Cross Entropy Loss</a:t>
+                      </a:r>
+                      <a:endParaRPr kumimoji="1" lang="ja-JP" altLang="en-US" dirty="0"/>
+                    </a:p>
+                  </a:txBody>
+                  <a:tcPr/>
+                </a:tc>
+                <a:extLst>
+                  <a:ext uri="{0D108BD9-81ED-4DB2-BD59-A6C34878D82A}">
+                    <a16:rowId xmlns:a16="http://schemas.microsoft.com/office/drawing/2014/main" val="4068467951"/>
+                  </a:ext>
+                </a:extLst>
+              </a:tr>
+              <a:tr h="370840">
+                <a:tc>
+                  <a:txBody>
+                    <a:bodyPr/>
+                    <a:lstStyle/>
+                    <a:p>
+                      <a:r>
+                        <a:rPr lang="en-US" altLang="ja-JP" dirty="0"/>
+                        <a:t>batch size</a:t>
+                      </a:r>
+                      <a:endParaRPr kumimoji="1" lang="ja-JP" altLang="en-US" dirty="0"/>
+                    </a:p>
+                  </a:txBody>
+                  <a:tcPr/>
+                </a:tc>
+                <a:tc>
+                  <a:txBody>
+                    <a:bodyPr/>
+                    <a:lstStyle/>
+                    <a:p>
+                      <a:r>
+                        <a:rPr lang="en-US" altLang="ja-JP" dirty="0"/>
+                        <a:t>64</a:t>
+                      </a:r>
+                      <a:endParaRPr kumimoji="1" lang="ja-JP" altLang="en-US" dirty="0"/>
+                    </a:p>
+                  </a:txBody>
+                  <a:tcPr/>
+                </a:tc>
+                <a:extLst>
+                  <a:ext uri="{0D108BD9-81ED-4DB2-BD59-A6C34878D82A}">
+                    <a16:rowId xmlns:a16="http://schemas.microsoft.com/office/drawing/2014/main" val="174231890"/>
+                  </a:ext>
+                </a:extLst>
+              </a:tr>
+            </a:tbl>
+          </a:graphicData>
+        </a:graphic>
+      </p:graphicFrame>
       <p:sp>
         <p:nvSpPr>
           <p:cNvPr id="4" name="スライド番号プレースホルダー 3">
             <a:extLst>
               <a:ext uri="{FF2B5EF4-FFF2-40B4-BE49-F238E27FC236}">
-                <a16:creationId xmlns:a16="http://schemas.microsoft.com/office/drawing/2014/main" id="{35C788A5-E800-4B67-8212-144F12E0C41A}"/>
+                <a16:creationId xmlns:a16="http://schemas.microsoft.com/office/drawing/2014/main" id="{0B3C2E9D-0858-4A34-8898-41EF151E398D}"/>
               </a:ext>
             </a:extLst>
           </p:cNvPr>
@@ -19788,10 +20080,429 @@
           </a:p>
         </p:txBody>
       </p:sp>
+      <p:graphicFrame>
+        <p:nvGraphicFramePr>
+          <p:cNvPr id="12" name="コンテンツ プレースホルダー 6">
+            <a:extLst>
+              <a:ext uri="{FF2B5EF4-FFF2-40B4-BE49-F238E27FC236}">
+                <a16:creationId xmlns:a16="http://schemas.microsoft.com/office/drawing/2014/main" id="{B78579D4-BF98-42C0-87C3-632EFCB079FE}"/>
+              </a:ext>
+            </a:extLst>
+          </p:cNvPr>
+          <p:cNvGraphicFramePr>
+            <a:graphicFrameLocks/>
+          </p:cNvGraphicFramePr>
+          <p:nvPr>
+            <p:extLst>
+              <p:ext uri="{D42A27DB-BD31-4B8C-83A1-F6EECF244321}">
+                <p14:modId xmlns:p14="http://schemas.microsoft.com/office/powerpoint/2010/main" val="1987318779"/>
+              </p:ext>
+            </p:extLst>
+          </p:nvPr>
+        </p:nvGraphicFramePr>
+        <p:xfrm>
+          <a:off x="822325" y="2687320"/>
+          <a:ext cx="7543800" cy="1483360"/>
+        </p:xfrm>
+        <a:graphic>
+          <a:graphicData uri="http://schemas.openxmlformats.org/drawingml/2006/table">
+            <a:tbl>
+              <a:tblPr firstRow="1" bandRow="1">
+                <a:tableStyleId>{5940675A-B579-460E-94D1-54222C63F5DA}</a:tableStyleId>
+              </a:tblPr>
+              <a:tblGrid>
+                <a:gridCol w="1797050">
+                  <a:extLst>
+                    <a:ext uri="{9D8B030D-6E8A-4147-A177-3AD203B41FA5}">
+                      <a16:colId xmlns:a16="http://schemas.microsoft.com/office/drawing/2014/main" val="3294734784"/>
+                    </a:ext>
+                  </a:extLst>
+                </a:gridCol>
+                <a:gridCol w="5746750">
+                  <a:extLst>
+                    <a:ext uri="{9D8B030D-6E8A-4147-A177-3AD203B41FA5}">
+                      <a16:colId xmlns:a16="http://schemas.microsoft.com/office/drawing/2014/main" val="3247234136"/>
+                    </a:ext>
+                  </a:extLst>
+                </a:gridCol>
+              </a:tblGrid>
+              <a:tr h="370840">
+                <a:tc>
+                  <a:txBody>
+                    <a:bodyPr/>
+                    <a:lstStyle/>
+                    <a:p>
+                      <a:r>
+                        <a:rPr lang="en-US" altLang="ja-JP" dirty="0"/>
+                        <a:t>Step </a:t>
+                      </a:r>
+                      <a:endParaRPr kumimoji="1" lang="ja-JP" altLang="en-US" dirty="0"/>
+                    </a:p>
+                  </a:txBody>
+                  <a:tcPr/>
+                </a:tc>
+                <a:tc>
+                  <a:txBody>
+                    <a:bodyPr/>
+                    <a:lstStyle/>
+                    <a:p>
+                      <a:r>
+                        <a:rPr lang="en-US" altLang="ja-JP" dirty="0"/>
+                        <a:t>Architecture Search</a:t>
+                      </a:r>
+                      <a:endParaRPr kumimoji="1" lang="ja-JP" altLang="en-US" dirty="0"/>
+                    </a:p>
+                  </a:txBody>
+                  <a:tcPr/>
+                </a:tc>
+                <a:extLst>
+                  <a:ext uri="{0D108BD9-81ED-4DB2-BD59-A6C34878D82A}">
+                    <a16:rowId xmlns:a16="http://schemas.microsoft.com/office/drawing/2014/main" val="3531562815"/>
+                  </a:ext>
+                </a:extLst>
+              </a:tr>
+              <a:tr h="370840">
+                <a:tc>
+                  <a:txBody>
+                    <a:bodyPr/>
+                    <a:lstStyle/>
+                    <a:p>
+                      <a:r>
+                        <a:rPr lang="en-US" altLang="ja-JP" dirty="0" err="1"/>
+                        <a:t>Optim</a:t>
+                      </a:r>
+                      <a:r>
+                        <a:rPr lang="en-US" altLang="ja-JP" dirty="0"/>
+                        <a:t>(w) </a:t>
+                      </a:r>
+                      <a:endParaRPr kumimoji="1" lang="ja-JP" altLang="en-US" dirty="0"/>
+                    </a:p>
+                  </a:txBody>
+                  <a:tcPr/>
+                </a:tc>
+                <a:tc>
+                  <a:txBody>
+                    <a:bodyPr/>
+                    <a:lstStyle/>
+                    <a:p>
+                      <a:r>
+                        <a:rPr lang="en-US" altLang="ja-JP" dirty="0"/>
+                        <a:t>SGD(</a:t>
+                      </a:r>
+                      <a:r>
+                        <a:rPr lang="en-US" altLang="ja-JP" dirty="0" err="1"/>
+                        <a:t>lr</a:t>
+                      </a:r>
+                      <a:r>
+                        <a:rPr lang="en-US" altLang="ja-JP" dirty="0"/>
+                        <a:t>=0.001, momentum=0.9)</a:t>
+                      </a:r>
+                      <a:endParaRPr kumimoji="1" lang="ja-JP" altLang="en-US" dirty="0"/>
+                    </a:p>
+                  </a:txBody>
+                  <a:tcPr/>
+                </a:tc>
+                <a:extLst>
+                  <a:ext uri="{0D108BD9-81ED-4DB2-BD59-A6C34878D82A}">
+                    <a16:rowId xmlns:a16="http://schemas.microsoft.com/office/drawing/2014/main" val="4068467951"/>
+                  </a:ext>
+                </a:extLst>
+              </a:tr>
+              <a:tr h="370840">
+                <a:tc>
+                  <a:txBody>
+                    <a:bodyPr/>
+                    <a:lstStyle/>
+                    <a:p>
+                      <a:r>
+                        <a:rPr lang="en-US" altLang="ja-JP" dirty="0" err="1"/>
+                        <a:t>Optim</a:t>
+                      </a:r>
+                      <a:r>
+                        <a:rPr lang="en-US" altLang="ja-JP" dirty="0"/>
+                        <a:t>(</a:t>
+                      </a:r>
+                      <a:r>
+                        <a:rPr lang="el-GR" altLang="ja-JP" dirty="0"/>
+                        <a:t>α) </a:t>
+                      </a:r>
+                      <a:endParaRPr kumimoji="1" lang="ja-JP" altLang="en-US" dirty="0"/>
+                    </a:p>
+                  </a:txBody>
+                  <a:tcPr/>
+                </a:tc>
+                <a:tc>
+                  <a:txBody>
+                    <a:bodyPr/>
+                    <a:lstStyle/>
+                    <a:p>
+                      <a:r>
+                        <a:rPr lang="pt-BR" altLang="ja-JP" dirty="0"/>
+                        <a:t>Adam(lr=0.003, β=(0.5, 0.999))</a:t>
+                      </a:r>
+                    </a:p>
+                  </a:txBody>
+                  <a:tcPr/>
+                </a:tc>
+                <a:extLst>
+                  <a:ext uri="{0D108BD9-81ED-4DB2-BD59-A6C34878D82A}">
+                    <a16:rowId xmlns:a16="http://schemas.microsoft.com/office/drawing/2014/main" val="174231890"/>
+                  </a:ext>
+                </a:extLst>
+              </a:tr>
+              <a:tr h="370840">
+                <a:tc>
+                  <a:txBody>
+                    <a:bodyPr/>
+                    <a:lstStyle/>
+                    <a:p>
+                      <a:r>
+                        <a:rPr lang="en-US" altLang="ja-JP" dirty="0"/>
+                        <a:t>data size </a:t>
+                      </a:r>
+                      <a:endParaRPr kumimoji="1" lang="ja-JP" altLang="en-US" dirty="0"/>
+                    </a:p>
+                  </a:txBody>
+                  <a:tcPr/>
+                </a:tc>
+                <a:tc>
+                  <a:txBody>
+                    <a:bodyPr/>
+                    <a:lstStyle/>
+                    <a:p>
+                      <a:r>
+                        <a:rPr lang="en-US" altLang="ja-JP" dirty="0"/>
+                        <a:t>train : valid : test = 25000 : 25000 : 10000</a:t>
+                      </a:r>
+                      <a:endParaRPr lang="pt-BR" altLang="ja-JP" dirty="0"/>
+                    </a:p>
+                  </a:txBody>
+                  <a:tcPr/>
+                </a:tc>
+                <a:extLst>
+                  <a:ext uri="{0D108BD9-81ED-4DB2-BD59-A6C34878D82A}">
+                    <a16:rowId xmlns:a16="http://schemas.microsoft.com/office/drawing/2014/main" val="1406909147"/>
+                  </a:ext>
+                </a:extLst>
+              </a:tr>
+            </a:tbl>
+          </a:graphicData>
+        </a:graphic>
+      </p:graphicFrame>
+      <p:graphicFrame>
+        <p:nvGraphicFramePr>
+          <p:cNvPr id="13" name="コンテンツ プレースホルダー 6">
+            <a:extLst>
+              <a:ext uri="{FF2B5EF4-FFF2-40B4-BE49-F238E27FC236}">
+                <a16:creationId xmlns:a16="http://schemas.microsoft.com/office/drawing/2014/main" id="{3BB032A0-3B99-405E-B4CA-71DB16F140F0}"/>
+              </a:ext>
+            </a:extLst>
+          </p:cNvPr>
+          <p:cNvGraphicFramePr>
+            <a:graphicFrameLocks/>
+          </p:cNvGraphicFramePr>
+          <p:nvPr>
+            <p:extLst>
+              <p:ext uri="{D42A27DB-BD31-4B8C-83A1-F6EECF244321}">
+                <p14:modId xmlns:p14="http://schemas.microsoft.com/office/powerpoint/2010/main" val="3218072063"/>
+              </p:ext>
+            </p:extLst>
+          </p:nvPr>
+        </p:nvGraphicFramePr>
+        <p:xfrm>
+          <a:off x="822325" y="4405629"/>
+          <a:ext cx="7543800" cy="1483360"/>
+        </p:xfrm>
+        <a:graphic>
+          <a:graphicData uri="http://schemas.openxmlformats.org/drawingml/2006/table">
+            <a:tbl>
+              <a:tblPr firstRow="1" bandRow="1">
+                <a:tableStyleId>{5940675A-B579-460E-94D1-54222C63F5DA}</a:tableStyleId>
+              </a:tblPr>
+              <a:tblGrid>
+                <a:gridCol w="1797050">
+                  <a:extLst>
+                    <a:ext uri="{9D8B030D-6E8A-4147-A177-3AD203B41FA5}">
+                      <a16:colId xmlns:a16="http://schemas.microsoft.com/office/drawing/2014/main" val="3294734784"/>
+                    </a:ext>
+                  </a:extLst>
+                </a:gridCol>
+                <a:gridCol w="5746750">
+                  <a:extLst>
+                    <a:ext uri="{9D8B030D-6E8A-4147-A177-3AD203B41FA5}">
+                      <a16:colId xmlns:a16="http://schemas.microsoft.com/office/drawing/2014/main" val="3247234136"/>
+                    </a:ext>
+                  </a:extLst>
+                </a:gridCol>
+              </a:tblGrid>
+              <a:tr h="370840">
+                <a:tc>
+                  <a:txBody>
+                    <a:bodyPr/>
+                    <a:lstStyle/>
+                    <a:p>
+                      <a:r>
+                        <a:rPr lang="en-US" altLang="ja-JP" dirty="0"/>
+                        <a:t>Step </a:t>
+                      </a:r>
+                      <a:endParaRPr kumimoji="1" lang="ja-JP" altLang="en-US" dirty="0"/>
+                    </a:p>
+                  </a:txBody>
+                  <a:tcPr/>
+                </a:tc>
+                <a:tc>
+                  <a:txBody>
+                    <a:bodyPr/>
+                    <a:lstStyle/>
+                    <a:p>
+                      <a:r>
+                        <a:rPr lang="en-US" altLang="ja-JP" dirty="0"/>
+                        <a:t>Evaluation</a:t>
+                      </a:r>
+                      <a:endParaRPr kumimoji="1" lang="ja-JP" altLang="en-US" dirty="0"/>
+                    </a:p>
+                  </a:txBody>
+                  <a:tcPr/>
+                </a:tc>
+                <a:extLst>
+                  <a:ext uri="{0D108BD9-81ED-4DB2-BD59-A6C34878D82A}">
+                    <a16:rowId xmlns:a16="http://schemas.microsoft.com/office/drawing/2014/main" val="3531562815"/>
+                  </a:ext>
+                </a:extLst>
+              </a:tr>
+              <a:tr h="370840">
+                <a:tc>
+                  <a:txBody>
+                    <a:bodyPr/>
+                    <a:lstStyle/>
+                    <a:p>
+                      <a:r>
+                        <a:rPr lang="en-US" altLang="ja-JP" dirty="0" err="1"/>
+                        <a:t>Optim</a:t>
+                      </a:r>
+                      <a:r>
+                        <a:rPr lang="en-US" altLang="ja-JP" dirty="0"/>
+                        <a:t>(w) </a:t>
+                      </a:r>
+                      <a:endParaRPr kumimoji="1" lang="ja-JP" altLang="en-US" dirty="0"/>
+                    </a:p>
+                  </a:txBody>
+                  <a:tcPr/>
+                </a:tc>
+                <a:tc>
+                  <a:txBody>
+                    <a:bodyPr/>
+                    <a:lstStyle/>
+                    <a:p>
+                      <a:r>
+                        <a:rPr lang="en-US" altLang="ja-JP" dirty="0"/>
+                        <a:t>SGD(</a:t>
+                      </a:r>
+                      <a:r>
+                        <a:rPr lang="en-US" altLang="ja-JP" dirty="0" err="1"/>
+                        <a:t>lr</a:t>
+                      </a:r>
+                      <a:r>
+                        <a:rPr lang="en-US" altLang="ja-JP" dirty="0"/>
+                        <a:t>=0.0090131, momentum=0.9)</a:t>
+                      </a:r>
+                      <a:endParaRPr kumimoji="1" lang="ja-JP" altLang="en-US" dirty="0"/>
+                    </a:p>
+                  </a:txBody>
+                  <a:tcPr/>
+                </a:tc>
+                <a:extLst>
+                  <a:ext uri="{0D108BD9-81ED-4DB2-BD59-A6C34878D82A}">
+                    <a16:rowId xmlns:a16="http://schemas.microsoft.com/office/drawing/2014/main" val="4068467951"/>
+                  </a:ext>
+                </a:extLst>
+              </a:tr>
+              <a:tr h="370840">
+                <a:tc>
+                  <a:txBody>
+                    <a:bodyPr/>
+                    <a:lstStyle/>
+                    <a:p>
+                      <a:r>
+                        <a:rPr lang="en-US" altLang="ja-JP" dirty="0"/>
+                        <a:t>Scheduler(w) </a:t>
+                      </a:r>
+                      <a:endParaRPr kumimoji="1" lang="ja-JP" altLang="en-US" dirty="0"/>
+                    </a:p>
+                  </a:txBody>
+                  <a:tcPr/>
+                </a:tc>
+                <a:tc>
+                  <a:txBody>
+                    <a:bodyPr/>
+                    <a:lstStyle/>
+                    <a:p>
+                      <a:r>
+                        <a:rPr lang="en-US" altLang="ja-JP" dirty="0"/>
+                        <a:t>Step(γ=0.23440, </a:t>
+                      </a:r>
+                      <a:r>
+                        <a:rPr lang="en-US" altLang="ja-JP" dirty="0" err="1"/>
+                        <a:t>stepsize</a:t>
+                      </a:r>
+                      <a:r>
+                        <a:rPr lang="en-US" altLang="ja-JP" dirty="0"/>
+                        <a:t>=100)</a:t>
+                      </a:r>
+                      <a:endParaRPr lang="pt-BR" altLang="ja-JP" dirty="0"/>
+                    </a:p>
+                  </a:txBody>
+                  <a:tcPr/>
+                </a:tc>
+                <a:extLst>
+                  <a:ext uri="{0D108BD9-81ED-4DB2-BD59-A6C34878D82A}">
+                    <a16:rowId xmlns:a16="http://schemas.microsoft.com/office/drawing/2014/main" val="174231890"/>
+                  </a:ext>
+                </a:extLst>
+              </a:tr>
+              <a:tr h="370840">
+                <a:tc>
+                  <a:txBody>
+                    <a:bodyPr/>
+                    <a:lstStyle/>
+                    <a:p>
+                      <a:r>
+                        <a:rPr lang="en-US" altLang="ja-JP" dirty="0"/>
+                        <a:t>data size </a:t>
+                      </a:r>
+                      <a:endParaRPr kumimoji="1" lang="ja-JP" altLang="en-US" dirty="0"/>
+                    </a:p>
+                  </a:txBody>
+                  <a:tcPr/>
+                </a:tc>
+                <a:tc>
+                  <a:txBody>
+                    <a:bodyPr/>
+                    <a:lstStyle/>
+                    <a:p>
+                      <a:r>
+                        <a:rPr lang="en-US" altLang="ja-JP" dirty="0"/>
+                        <a:t>train : valid : test = 50000 : 0 : 10000</a:t>
+                      </a:r>
+                      <a:endParaRPr lang="pt-BR" altLang="ja-JP" dirty="0"/>
+                    </a:p>
+                  </a:txBody>
+                  <a:tcPr/>
+                </a:tc>
+                <a:extLst>
+                  <a:ext uri="{0D108BD9-81ED-4DB2-BD59-A6C34878D82A}">
+                    <a16:rowId xmlns:a16="http://schemas.microsoft.com/office/drawing/2014/main" val="1406909147"/>
+                  </a:ext>
+                </a:extLst>
+              </a:tr>
+            </a:tbl>
+          </a:graphicData>
+        </a:graphic>
+      </p:graphicFrame>
     </p:spTree>
     <p:extLst>
       <p:ext uri="{BB962C8B-B14F-4D97-AF65-F5344CB8AC3E}">
-        <p14:creationId xmlns:p14="http://schemas.microsoft.com/office/powerpoint/2010/main" val="2304643826"/>
+        <p14:creationId xmlns:p14="http://schemas.microsoft.com/office/powerpoint/2010/main" val="3027145420"/>
       </p:ext>
     </p:extLst>
   </p:cSld>
@@ -19845,12 +20556,17 @@
             </a:r>
             <a:r>
               <a:rPr kumimoji="1" lang="en-US" altLang="ja-JP" dirty="0"/>
-              <a:t>2 </a:t>
+              <a:t>1 </a:t>
             </a:r>
             <a:r>
               <a:rPr kumimoji="1" lang="ja-JP" altLang="en-US" dirty="0"/>
-              <a:t>： 提案手法</a:t>
-            </a:r>
+              <a:t>： </a:t>
+            </a:r>
+            <a:r>
+              <a:rPr lang="ja-JP" altLang="en-US" dirty="0"/>
+              <a:t>設定</a:t>
+            </a:r>
+            <a:endParaRPr kumimoji="1" lang="ja-JP" altLang="en-US" dirty="0"/>
           </a:p>
         </p:txBody>
       </p:sp>
@@ -19872,9 +20588,183 @@
         </p:nvSpPr>
         <p:spPr/>
         <p:txBody>
-          <a:bodyPr/>
+          <a:bodyPr>
+            <a:normAutofit fontScale="85000" lnSpcReduction="20000"/>
+          </a:bodyPr>
           <a:lstStyle/>
           <a:p>
+            <a:r>
+              <a:rPr lang="ja-JP" altLang="en-US" dirty="0"/>
+              <a:t>表 </a:t>
+            </a:r>
+            <a:r>
+              <a:rPr lang="en-US" altLang="ja-JP" dirty="0"/>
+              <a:t>1 </a:t>
+            </a:r>
+            <a:r>
+              <a:rPr lang="ja-JP" altLang="en-US" dirty="0"/>
+              <a:t>に探索段階と評価段階の実験設定を示す</a:t>
+            </a:r>
+            <a:r>
+              <a:rPr lang="en-US" altLang="ja-JP" dirty="0"/>
+              <a:t>. </a:t>
+            </a:r>
+            <a:r>
+              <a:rPr lang="ja-JP" altLang="en-US" dirty="0"/>
+              <a:t>探索 段階は </a:t>
+            </a:r>
+            <a:r>
+              <a:rPr lang="en-US" altLang="ja-JP" dirty="0"/>
+              <a:t>DARTS </a:t>
+            </a:r>
+            <a:r>
+              <a:rPr lang="ja-JP" altLang="en-US" dirty="0"/>
+              <a:t>を参考に</a:t>
+            </a:r>
+            <a:r>
+              <a:rPr lang="en-US" altLang="ja-JP" dirty="0"/>
+              <a:t>, </a:t>
+            </a:r>
+            <a:r>
+              <a:rPr lang="ja-JP" altLang="en-US" dirty="0"/>
+              <a:t>評価段階は </a:t>
+            </a:r>
+            <a:r>
+              <a:rPr lang="en-US" altLang="ja-JP" dirty="0" err="1"/>
+              <a:t>optuna</a:t>
+            </a:r>
+            <a:r>
+              <a:rPr lang="en-US" altLang="ja-JP" dirty="0"/>
+              <a:t> </a:t>
+            </a:r>
+            <a:r>
+              <a:rPr lang="ja-JP" altLang="en-US" dirty="0"/>
+              <a:t>で最適化 した値を使用した</a:t>
+            </a:r>
+            <a:r>
+              <a:rPr lang="en-US" altLang="ja-JP" dirty="0"/>
+              <a:t>. </a:t>
+            </a:r>
+            <a:r>
+              <a:rPr lang="ja-JP" altLang="en-US" dirty="0"/>
+              <a:t>データセットは</a:t>
+            </a:r>
+            <a:r>
+              <a:rPr lang="en-US" altLang="ja-JP" dirty="0"/>
+              <a:t>, </a:t>
+            </a:r>
+            <a:r>
+              <a:rPr lang="ja-JP" altLang="en-US" dirty="0"/>
+              <a:t>訓練画像が </a:t>
+            </a:r>
+            <a:r>
+              <a:rPr lang="en-US" altLang="ja-JP" dirty="0"/>
+              <a:t>32 pixel </a:t>
+            </a:r>
+            <a:r>
+              <a:rPr lang="ja-JP" altLang="en-US" dirty="0"/>
+              <a:t>四方で訓練デー タを </a:t>
+            </a:r>
+            <a:r>
+              <a:rPr lang="en-US" altLang="ja-JP" dirty="0"/>
+              <a:t>50000 </a:t>
+            </a:r>
+            <a:r>
+              <a:rPr lang="ja-JP" altLang="en-US" dirty="0"/>
+              <a:t>枚持つ </a:t>
+            </a:r>
+            <a:r>
+              <a:rPr lang="en-US" altLang="ja-JP" dirty="0"/>
+              <a:t>CIFAR-10 </a:t>
+            </a:r>
+            <a:r>
+              <a:rPr lang="ja-JP" altLang="en-US" dirty="0"/>
+              <a:t>を利用して</a:t>
+            </a:r>
+            <a:r>
+              <a:rPr lang="en-US" altLang="ja-JP" dirty="0"/>
+              <a:t>, 10 </a:t>
+            </a:r>
+            <a:r>
+              <a:rPr lang="ja-JP" altLang="en-US" dirty="0"/>
+              <a:t>クラス分 類問題を解いた</a:t>
+            </a:r>
+            <a:r>
+              <a:rPr lang="en-US" altLang="ja-JP" dirty="0"/>
+              <a:t>. </a:t>
+            </a:r>
+            <a:r>
+              <a:rPr lang="ja-JP" altLang="en-US" dirty="0"/>
+              <a:t>探索時間は</a:t>
+            </a:r>
+            <a:r>
+              <a:rPr lang="en-US" altLang="ja-JP" dirty="0"/>
+              <a:t>, 150 epoch </a:t>
+            </a:r>
+            <a:r>
+              <a:rPr lang="ja-JP" altLang="en-US" dirty="0"/>
+              <a:t>とし</a:t>
+            </a:r>
+            <a:r>
+              <a:rPr lang="en-US" altLang="ja-JP" dirty="0"/>
+              <a:t>, 50 epoch </a:t>
+            </a:r>
+            <a:r>
+              <a:rPr lang="ja-JP" altLang="en-US" dirty="0"/>
+              <a:t>ごとにその時 点の </a:t>
+            </a:r>
+            <a:r>
+              <a:rPr lang="en-US" altLang="ja-JP" dirty="0"/>
+              <a:t>α </a:t>
+            </a:r>
+            <a:r>
+              <a:rPr lang="ja-JP" altLang="en-US" dirty="0"/>
+              <a:t>の性能を評価した</a:t>
+            </a:r>
+            <a:r>
+              <a:rPr lang="en-US" altLang="ja-JP" dirty="0"/>
+              <a:t>. </a:t>
+            </a:r>
+            <a:r>
+              <a:rPr lang="ja-JP" altLang="en-US" dirty="0"/>
+              <a:t>構成段階では手法 </a:t>
+            </a:r>
+            <a:r>
+              <a:rPr lang="en-US" altLang="ja-JP" dirty="0"/>
+              <a:t>A, B </a:t>
+            </a:r>
+            <a:r>
+              <a:rPr lang="ja-JP" altLang="en-US" dirty="0"/>
+              <a:t>に加えて比較のため</a:t>
+            </a:r>
+            <a:r>
+              <a:rPr lang="en-US" altLang="ja-JP" dirty="0"/>
+              <a:t>, </a:t>
+            </a:r>
+            <a:r>
+              <a:rPr lang="ja-JP" altLang="en-US" dirty="0"/>
+              <a:t>ショー トカット数が同じとなる条件でランダムに選択する手 法でも実験する</a:t>
+            </a:r>
+            <a:r>
+              <a:rPr lang="en-US" altLang="ja-JP" dirty="0"/>
+              <a:t>. </a:t>
+            </a:r>
+            <a:r>
+              <a:rPr lang="ja-JP" altLang="en-US" dirty="0"/>
+              <a:t>各手法において </a:t>
+            </a:r>
+            <a:r>
+              <a:rPr lang="en-US" altLang="ja-JP" dirty="0"/>
+              <a:t>10 </a:t>
+            </a:r>
+            <a:r>
+              <a:rPr lang="ja-JP" altLang="en-US" dirty="0"/>
+              <a:t>回試行して統計的 な性能を比較した</a:t>
+            </a:r>
+            <a:r>
+              <a:rPr lang="en-US" altLang="ja-JP" dirty="0"/>
+              <a:t>.</a:t>
+            </a:r>
             <a:endParaRPr kumimoji="1" lang="ja-JP" altLang="en-US" dirty="0"/>
           </a:p>
         </p:txBody>
@@ -19911,7 +20801,7 @@
     </p:spTree>
     <p:extLst>
       <p:ext uri="{BB962C8B-B14F-4D97-AF65-F5344CB8AC3E}">
-        <p14:creationId xmlns:p14="http://schemas.microsoft.com/office/powerpoint/2010/main" val="3583239127"/>
+        <p14:creationId xmlns:p14="http://schemas.microsoft.com/office/powerpoint/2010/main" val="2466008625"/>
       </p:ext>
     </p:extLst>
   </p:cSld>
@@ -19964,16 +20854,12 @@
               <a:t>実験</a:t>
             </a:r>
             <a:r>
-              <a:rPr lang="en-US" altLang="ja-JP" dirty="0"/>
-              <a:t>2</a:t>
-            </a:r>
-            <a:r>
               <a:rPr kumimoji="1" lang="en-US" altLang="ja-JP" dirty="0"/>
-              <a:t> </a:t>
+              <a:t>1 </a:t>
             </a:r>
             <a:r>
               <a:rPr kumimoji="1" lang="ja-JP" altLang="en-US" dirty="0"/>
-              <a:t>： 設定</a:t>
+              <a:t>： 結果</a:t>
             </a:r>
           </a:p>
         </p:txBody>
@@ -19996,7 +20882,9 @@
         </p:nvSpPr>
         <p:spPr/>
         <p:txBody>
-          <a:bodyPr/>
+          <a:bodyPr>
+            <a:normAutofit/>
+          </a:bodyPr>
           <a:lstStyle/>
           <a:p>
             <a:endParaRPr kumimoji="1" lang="ja-JP" altLang="en-US" dirty="0"/>
@@ -20035,7 +20923,7 @@
     </p:spTree>
     <p:extLst>
       <p:ext uri="{BB962C8B-B14F-4D97-AF65-F5344CB8AC3E}">
-        <p14:creationId xmlns:p14="http://schemas.microsoft.com/office/powerpoint/2010/main" val="3102275494"/>
+        <p14:creationId xmlns:p14="http://schemas.microsoft.com/office/powerpoint/2010/main" val="1786063340"/>
       </p:ext>
     </p:extLst>
   </p:cSld>
@@ -20088,12 +20976,8 @@
               <a:t>実験</a:t>
             </a:r>
             <a:r>
-              <a:rPr lang="en-US" altLang="ja-JP" dirty="0"/>
-              <a:t>2</a:t>
-            </a:r>
-            <a:r>
               <a:rPr kumimoji="1" lang="en-US" altLang="ja-JP" dirty="0"/>
-              <a:t> </a:t>
+              <a:t>1 </a:t>
             </a:r>
             <a:r>
               <a:rPr kumimoji="1" lang="ja-JP" altLang="en-US" dirty="0"/>
@@ -20120,9 +21004,223 @@
         </p:nvSpPr>
         <p:spPr/>
         <p:txBody>
-          <a:bodyPr/>
+          <a:bodyPr>
+            <a:normAutofit fontScale="70000" lnSpcReduction="20000"/>
+          </a:bodyPr>
           <a:lstStyle/>
           <a:p>
+            <a:r>
+              <a:rPr lang="ja-JP" altLang="en-US" dirty="0"/>
+              <a:t>表 </a:t>
+            </a:r>
+            <a:r>
+              <a:rPr lang="en-US" altLang="ja-JP" dirty="0"/>
+              <a:t>2 </a:t>
+            </a:r>
+            <a:r>
+              <a:rPr lang="ja-JP" altLang="en-US" dirty="0"/>
+              <a:t>に各構成手法におけるテストデータの精度を 示す</a:t>
+            </a:r>
+            <a:r>
+              <a:rPr lang="en-US" altLang="ja-JP" dirty="0"/>
+              <a:t>. </a:t>
+            </a:r>
+            <a:r>
+              <a:rPr lang="ja-JP" altLang="en-US" dirty="0"/>
+              <a:t>図 </a:t>
+            </a:r>
+            <a:r>
+              <a:rPr lang="en-US" altLang="ja-JP" dirty="0"/>
+              <a:t>1, 2 </a:t>
+            </a:r>
+            <a:r>
+              <a:rPr lang="ja-JP" altLang="en-US" dirty="0" err="1"/>
+              <a:t>には</a:t>
+            </a:r>
+            <a:r>
+              <a:rPr lang="ja-JP" altLang="en-US" dirty="0"/>
+              <a:t>表 </a:t>
+            </a:r>
+            <a:r>
+              <a:rPr lang="en-US" altLang="ja-JP" dirty="0"/>
+              <a:t>2 </a:t>
+            </a:r>
+            <a:r>
+              <a:rPr lang="ja-JP" altLang="en-US" dirty="0"/>
+              <a:t>の精度に対するショートカッ ト数とパラメータ数の関係を図示する</a:t>
+            </a:r>
+            <a:r>
+              <a:rPr lang="en-US" altLang="ja-JP" dirty="0"/>
+              <a:t>. </a:t>
+            </a:r>
+            <a:r>
+              <a:rPr lang="ja-JP" altLang="en-US" dirty="0"/>
+              <a:t>最も性能が高 かったのは </a:t>
+            </a:r>
+            <a:r>
+              <a:rPr lang="en-US" altLang="ja-JP" dirty="0"/>
+              <a:t>100 epoch </a:t>
+            </a:r>
+            <a:r>
+              <a:rPr lang="ja-JP" altLang="en-US" dirty="0"/>
+              <a:t>時点の手法 </a:t>
+            </a:r>
+            <a:r>
+              <a:rPr lang="en-US" altLang="ja-JP" dirty="0"/>
+              <a:t>A </a:t>
+            </a:r>
+            <a:r>
+              <a:rPr lang="ja-JP" altLang="en-US" dirty="0"/>
+              <a:t>で </a:t>
+            </a:r>
+            <a:r>
+              <a:rPr lang="en-US" altLang="ja-JP" dirty="0"/>
+              <a:t>94.02 %(baseline+0.99%) </a:t>
+            </a:r>
+            <a:r>
+              <a:rPr lang="ja-JP" altLang="en-US" dirty="0"/>
+              <a:t>となり</a:t>
+            </a:r>
+            <a:r>
+              <a:rPr lang="en-US" altLang="ja-JP" dirty="0"/>
+              <a:t>, 100 epoch </a:t>
+            </a:r>
+            <a:r>
+              <a:rPr lang="ja-JP" altLang="en-US" dirty="0"/>
+              <a:t>時点の手法 </a:t>
+            </a:r>
+            <a:r>
+              <a:rPr lang="en-US" altLang="ja-JP" dirty="0"/>
+              <a:t>B </a:t>
+            </a:r>
+            <a:r>
+              <a:rPr lang="ja-JP" altLang="en-US" dirty="0"/>
+              <a:t>は </a:t>
+            </a:r>
+            <a:r>
+              <a:rPr lang="en-US" altLang="ja-JP" dirty="0"/>
+              <a:t>93.93 %(baseline+0.90%) </a:t>
+            </a:r>
+            <a:r>
+              <a:rPr lang="ja-JP" altLang="en-US" dirty="0"/>
+              <a:t>となった</a:t>
+            </a:r>
+            <a:r>
+              <a:rPr lang="en-US" altLang="ja-JP" dirty="0"/>
+              <a:t>. </a:t>
+            </a:r>
+            <a:r>
+              <a:rPr lang="ja-JP" altLang="en-US" dirty="0"/>
+              <a:t>しかしランダム手法と 比較すると</a:t>
+            </a:r>
+            <a:r>
+              <a:rPr lang="en-US" altLang="ja-JP" dirty="0"/>
+              <a:t>, </a:t>
+            </a:r>
+            <a:r>
+              <a:rPr lang="ja-JP" altLang="en-US" dirty="0"/>
+              <a:t>手法 </a:t>
+            </a:r>
+            <a:r>
+              <a:rPr lang="en-US" altLang="ja-JP" dirty="0"/>
+              <a:t>A </a:t>
+            </a:r>
+            <a:r>
+              <a:rPr lang="ja-JP" altLang="en-US" dirty="0"/>
+              <a:t>は</a:t>
+            </a:r>
+            <a:r>
+              <a:rPr lang="en-US" altLang="ja-JP" dirty="0"/>
+              <a:t>+0.35%, </a:t>
+            </a:r>
+            <a:r>
+              <a:rPr lang="ja-JP" altLang="en-US" dirty="0"/>
+              <a:t>手法 </a:t>
+            </a:r>
+            <a:r>
+              <a:rPr lang="en-US" altLang="ja-JP" dirty="0"/>
+              <a:t>B </a:t>
+            </a:r>
+            <a:r>
+              <a:rPr lang="ja-JP" altLang="en-US" dirty="0"/>
+              <a:t>は</a:t>
+            </a:r>
+            <a:r>
+              <a:rPr lang="en-US" altLang="ja-JP" dirty="0"/>
+              <a:t>+0.46%</a:t>
+            </a:r>
+            <a:r>
+              <a:rPr lang="ja-JP" altLang="en-US" dirty="0"/>
+              <a:t>となり</a:t>
+            </a:r>
+            <a:r>
+              <a:rPr lang="en-US" altLang="ja-JP" dirty="0"/>
+              <a:t>, </a:t>
+            </a:r>
+            <a:r>
+              <a:rPr lang="ja-JP" altLang="en-US" dirty="0"/>
+              <a:t>図 </a:t>
+            </a:r>
+            <a:r>
+              <a:rPr lang="en-US" altLang="ja-JP" dirty="0"/>
+              <a:t>2 </a:t>
+            </a:r>
+            <a:r>
+              <a:rPr lang="ja-JP" altLang="en-US" dirty="0"/>
+              <a:t>を参照しても少ないパラメータ数でより有効 に探索できているのは手法 </a:t>
+            </a:r>
+            <a:r>
+              <a:rPr lang="en-US" altLang="ja-JP" dirty="0"/>
+              <a:t>B </a:t>
+            </a:r>
+            <a:r>
+              <a:rPr lang="ja-JP" altLang="en-US" dirty="0"/>
+              <a:t>と言える</a:t>
+            </a:r>
+            <a:r>
+              <a:rPr lang="en-US" altLang="ja-JP" dirty="0"/>
+              <a:t>. </a:t>
+            </a:r>
+            <a:r>
+              <a:rPr lang="ja-JP" altLang="en-US" dirty="0"/>
+              <a:t>また </a:t>
+            </a:r>
+            <a:r>
+              <a:rPr lang="en-US" altLang="ja-JP" dirty="0"/>
+              <a:t>100 epoch </a:t>
+            </a:r>
+            <a:r>
+              <a:rPr lang="ja-JP" altLang="en-US" dirty="0"/>
+              <a:t>時点と </a:t>
+            </a:r>
+            <a:r>
+              <a:rPr lang="en-US" altLang="ja-JP" dirty="0"/>
+              <a:t>150 epoch </a:t>
+            </a:r>
+            <a:r>
+              <a:rPr lang="ja-JP" altLang="en-US" dirty="0"/>
+              <a:t>時点を比較すると</a:t>
+            </a:r>
+            <a:r>
+              <a:rPr lang="en-US" altLang="ja-JP" dirty="0"/>
+              <a:t>, </a:t>
+            </a:r>
+            <a:r>
+              <a:rPr lang="ja-JP" altLang="en-US" dirty="0"/>
+              <a:t>学習によって性能が悪化している</a:t>
+            </a:r>
+            <a:r>
+              <a:rPr lang="en-US" altLang="ja-JP" dirty="0"/>
+              <a:t>. </a:t>
+            </a:r>
+            <a:r>
+              <a:rPr lang="ja-JP" altLang="en-US" dirty="0"/>
+              <a:t>問題に対して過度 に適合していることが原因であると考えられる</a:t>
+            </a:r>
+            <a:r>
+              <a:rPr lang="en-US" altLang="ja-JP" dirty="0"/>
+              <a:t>. </a:t>
+            </a:r>
             <a:endParaRPr kumimoji="1" lang="ja-JP" altLang="en-US" dirty="0"/>
           </a:p>
         </p:txBody>
@@ -20159,7 +21257,7 @@
     </p:spTree>
     <p:extLst>
       <p:ext uri="{BB962C8B-B14F-4D97-AF65-F5344CB8AC3E}">
-        <p14:creationId xmlns:p14="http://schemas.microsoft.com/office/powerpoint/2010/main" val="1491949379"/>
+        <p14:creationId xmlns:p14="http://schemas.microsoft.com/office/powerpoint/2010/main" val="3605382424"/>
       </p:ext>
     </p:extLst>
   </p:cSld>
@@ -20337,23 +21435,11 @@
               <a:buAutoNum type="arabicPeriod"/>
             </a:pPr>
             <a:r>
-              <a:rPr lang="ja-JP" altLang="en-US" dirty="0">
-                <a:solidFill>
-                  <a:schemeClr val="bg1">
-                    <a:lumMod val="75000"/>
-                  </a:schemeClr>
-                </a:solidFill>
-              </a:rPr>
+              <a:rPr lang="ja-JP" altLang="en-US" dirty="0"/>
               <a:t>手法２</a:t>
             </a:r>
             <a:r>
-              <a:rPr lang="en-US" altLang="ja-JP" dirty="0">
-                <a:solidFill>
-                  <a:schemeClr val="bg1">
-                    <a:lumMod val="75000"/>
-                  </a:schemeClr>
-                </a:solidFill>
-              </a:rPr>
+              <a:rPr lang="en-US" altLang="ja-JP" dirty="0"/>
               <a:t>(GA)</a:t>
             </a:r>
           </a:p>
@@ -20363,7 +21449,13 @@
               <a:buAutoNum type="arabicPeriod"/>
             </a:pPr>
             <a:r>
-              <a:rPr kumimoji="1" lang="ja-JP" altLang="en-US" dirty="0"/>
+              <a:rPr kumimoji="1" lang="ja-JP" altLang="en-US" dirty="0">
+                <a:solidFill>
+                  <a:schemeClr val="bg1">
+                    <a:lumMod val="75000"/>
+                  </a:schemeClr>
+                </a:solidFill>
+              </a:rPr>
               <a:t>まとめと今後の課題</a:t>
             </a:r>
           </a:p>
@@ -20401,7 +21493,7 @@
     </p:spTree>
     <p:extLst>
       <p:ext uri="{BB962C8B-B14F-4D97-AF65-F5344CB8AC3E}">
-        <p14:creationId xmlns:p14="http://schemas.microsoft.com/office/powerpoint/2010/main" val="3968973922"/>
+        <p14:creationId xmlns:p14="http://schemas.microsoft.com/office/powerpoint/2010/main" val="2304643826"/>
       </p:ext>
     </p:extLst>
   </p:cSld>
@@ -20433,7 +21525,7 @@
           <p:cNvPr id="2" name="タイトル 1">
             <a:extLst>
               <a:ext uri="{FF2B5EF4-FFF2-40B4-BE49-F238E27FC236}">
-                <a16:creationId xmlns:a16="http://schemas.microsoft.com/office/drawing/2014/main" id="{C13883A1-0AA4-4AB6-9869-3F71111C26F1}"/>
+                <a16:creationId xmlns:a16="http://schemas.microsoft.com/office/drawing/2014/main" id="{D46ABB39-F0C4-4941-8AC3-45B843579753}"/>
               </a:ext>
             </a:extLst>
           </p:cNvPr>
@@ -20451,13 +21543,16 @@
           <a:p>
             <a:r>
               <a:rPr kumimoji="1" lang="ja-JP" altLang="en-US" dirty="0"/>
-              <a:t>まとめと</a:t>
-            </a:r>
-            <a:r>
-              <a:rPr lang="ja-JP" altLang="en-US" dirty="0"/>
-              <a:t>今後の課題</a:t>
-            </a:r>
-            <a:endParaRPr kumimoji="1" lang="ja-JP" altLang="en-US" dirty="0"/>
+              <a:t>実験</a:t>
+            </a:r>
+            <a:r>
+              <a:rPr kumimoji="1" lang="en-US" altLang="ja-JP" dirty="0"/>
+              <a:t>2 </a:t>
+            </a:r>
+            <a:r>
+              <a:rPr kumimoji="1" lang="ja-JP" altLang="en-US" dirty="0"/>
+              <a:t>： 提案手法</a:t>
+            </a:r>
           </a:p>
         </p:txBody>
       </p:sp>
@@ -20466,7 +21561,7 @@
           <p:cNvPr id="3" name="コンテンツ プレースホルダー 2">
             <a:extLst>
               <a:ext uri="{FF2B5EF4-FFF2-40B4-BE49-F238E27FC236}">
-                <a16:creationId xmlns:a16="http://schemas.microsoft.com/office/drawing/2014/main" id="{606BB0F9-8ECE-42A0-9906-D3BFA124AD33}"/>
+                <a16:creationId xmlns:a16="http://schemas.microsoft.com/office/drawing/2014/main" id="{16CD0B30-B81C-48A7-AD69-55ECEFD9088C}"/>
               </a:ext>
             </a:extLst>
           </p:cNvPr>
@@ -20480,44 +21575,105 @@
         <p:spPr/>
         <p:txBody>
           <a:bodyPr>
-            <a:normAutofit/>
+            <a:normAutofit lnSpcReduction="10000"/>
           </a:bodyPr>
           <a:lstStyle/>
           <a:p>
             <a:r>
               <a:rPr lang="ja-JP" altLang="en-US" dirty="0"/>
-              <a:t>アーキテクチャ構造の制限を</a:t>
-            </a:r>
-            <a:endParaRPr lang="en-US" altLang="ja-JP" dirty="0"/>
-          </a:p>
-          <a:p>
+              <a:t>実験 </a:t>
+            </a:r>
+            <a:r>
+              <a:rPr lang="en-US" altLang="ja-JP" dirty="0"/>
+              <a:t>1 </a:t>
+            </a:r>
             <a:r>
               <a:rPr lang="ja-JP" altLang="en-US" dirty="0"/>
-              <a:t>緩和する探索の実現</a:t>
-            </a:r>
-            <a:endParaRPr lang="en-US" altLang="ja-JP" dirty="0"/>
-          </a:p>
-          <a:p>
-            <a:endParaRPr lang="en-US" altLang="ja-JP" dirty="0"/>
-          </a:p>
-          <a:p>
+              <a:t>では </a:t>
+            </a:r>
+            <a:r>
+              <a:rPr lang="en-US" altLang="ja-JP" dirty="0"/>
+              <a:t>α </a:t>
+            </a:r>
             <a:r>
               <a:rPr lang="ja-JP" altLang="en-US" dirty="0"/>
-              <a:t>課題</a:t>
-            </a:r>
-            <a:endParaRPr lang="en-US" altLang="ja-JP" dirty="0"/>
-          </a:p>
-          <a:p>
+              <a:t>の学習度によって重み </a:t>
+            </a:r>
+            <a:r>
+              <a:rPr lang="en-US" altLang="ja-JP" dirty="0"/>
+              <a:t>w </a:t>
+            </a:r>
             <a:r>
               <a:rPr lang="ja-JP" altLang="en-US" dirty="0"/>
-              <a:t>選択しないという候補を導入</a:t>
-            </a:r>
-            <a:endParaRPr lang="en-US" altLang="ja-JP" dirty="0"/>
-          </a:p>
-          <a:p>
+              <a:t>の学習しや </a:t>
+            </a:r>
+            <a:r>
+              <a:rPr lang="ja-JP" altLang="en-US" dirty="0" err="1"/>
+              <a:t>すさに</a:t>
+            </a:r>
             <a:r>
               <a:rPr lang="ja-JP" altLang="en-US" dirty="0"/>
-              <a:t>他のショートカットと妥当な比較</a:t>
+              <a:t>偏りがあったため</a:t>
+            </a:r>
+            <a:r>
+              <a:rPr lang="en-US" altLang="ja-JP" dirty="0"/>
+              <a:t>, </a:t>
+            </a:r>
+            <a:r>
+              <a:rPr lang="ja-JP" altLang="en-US" dirty="0"/>
+              <a:t>収束するグラフ構造に</a:t>
+            </a:r>
+            <a:r>
+              <a:rPr lang="ja-JP" altLang="en-US" dirty="0" err="1"/>
+              <a:t>ばらつ</a:t>
+            </a:r>
+            <a:r>
+              <a:rPr lang="ja-JP" altLang="en-US" dirty="0"/>
+              <a:t> きが見られた</a:t>
+            </a:r>
+            <a:r>
+              <a:rPr lang="en-US" altLang="ja-JP" dirty="0"/>
+              <a:t>. </a:t>
+            </a:r>
+            <a:r>
+              <a:rPr lang="ja-JP" altLang="en-US" dirty="0"/>
+              <a:t>そこで個体表現を </a:t>
+            </a:r>
+            <a:r>
+              <a:rPr lang="en-US" altLang="ja-JP" dirty="0"/>
+              <a:t>α </a:t>
+            </a:r>
+            <a:r>
+              <a:rPr lang="ja-JP" altLang="en-US" dirty="0"/>
+              <a:t>とした遺伝的アルゴリズムに よって</a:t>
+            </a:r>
+            <a:r>
+              <a:rPr lang="en-US" altLang="ja-JP" dirty="0"/>
+              <a:t>, </a:t>
+            </a:r>
+            <a:r>
+              <a:rPr lang="ja-JP" altLang="en-US" dirty="0"/>
+              <a:t>アーキテクチャの多様性を維持しつつ</a:t>
+            </a:r>
+            <a:r>
+              <a:rPr lang="en-US" altLang="ja-JP" dirty="0"/>
+              <a:t>, </a:t>
+            </a:r>
+            <a:r>
+              <a:rPr lang="ja-JP" altLang="en-US" dirty="0"/>
+              <a:t>安定的 なネットワーク構造の学習を図った</a:t>
+            </a:r>
+            <a:r>
+              <a:rPr lang="en-US" altLang="ja-JP" dirty="0"/>
+              <a:t>. </a:t>
+            </a:r>
+            <a:r>
+              <a:rPr lang="ja-JP" altLang="en-US" dirty="0"/>
+              <a:t>各パラメータ集合の学習ステップを分離し個体間で 不平等がないように設計した</a:t>
+            </a:r>
+            <a:r>
+              <a:rPr lang="en-US" altLang="ja-JP" dirty="0"/>
+              <a:t>.</a:t>
             </a:r>
             <a:endParaRPr kumimoji="1" lang="ja-JP" altLang="en-US" dirty="0"/>
           </a:p>
@@ -20528,7 +21684,7 @@
           <p:cNvPr id="4" name="スライド番号プレースホルダー 3">
             <a:extLst>
               <a:ext uri="{FF2B5EF4-FFF2-40B4-BE49-F238E27FC236}">
-                <a16:creationId xmlns:a16="http://schemas.microsoft.com/office/drawing/2014/main" id="{E51138E7-6D8B-4FBE-A0B6-0658EFDF9F6E}"/>
+                <a16:creationId xmlns:a16="http://schemas.microsoft.com/office/drawing/2014/main" id="{0B3C2E9D-0858-4A34-8898-41EF151E398D}"/>
               </a:ext>
             </a:extLst>
           </p:cNvPr>
@@ -20555,7 +21711,7 @@
     </p:spTree>
     <p:extLst>
       <p:ext uri="{BB962C8B-B14F-4D97-AF65-F5344CB8AC3E}">
-        <p14:creationId xmlns:p14="http://schemas.microsoft.com/office/powerpoint/2010/main" val="731302677"/>
+        <p14:creationId xmlns:p14="http://schemas.microsoft.com/office/powerpoint/2010/main" val="3583239127"/>
       </p:ext>
     </p:extLst>
   </p:cSld>
@@ -20587,7 +21743,7 @@
           <p:cNvPr id="2" name="タイトル 1">
             <a:extLst>
               <a:ext uri="{FF2B5EF4-FFF2-40B4-BE49-F238E27FC236}">
-                <a16:creationId xmlns:a16="http://schemas.microsoft.com/office/drawing/2014/main" id="{4716D355-9E1D-4AB6-8913-AD0CC3F84BD9}"/>
+                <a16:creationId xmlns:a16="http://schemas.microsoft.com/office/drawing/2014/main" id="{D46ABB39-F0C4-4941-8AC3-45B843579753}"/>
               </a:ext>
             </a:extLst>
           </p:cNvPr>
@@ -20604,10 +21760,17 @@
           <a:lstStyle/>
           <a:p>
             <a:r>
-              <a:rPr lang="ja-JP" altLang="en-US" dirty="0"/>
-              <a:t>まとめと今後の課題</a:t>
-            </a:r>
-            <a:endParaRPr kumimoji="1" lang="ja-JP" altLang="en-US" dirty="0"/>
+              <a:rPr kumimoji="1" lang="ja-JP" altLang="en-US" dirty="0"/>
+              <a:t>実験</a:t>
+            </a:r>
+            <a:r>
+              <a:rPr kumimoji="1" lang="en-US" altLang="ja-JP" dirty="0"/>
+              <a:t>2 </a:t>
+            </a:r>
+            <a:r>
+              <a:rPr kumimoji="1" lang="ja-JP" altLang="en-US" dirty="0"/>
+              <a:t>： 提案手法</a:t>
+            </a:r>
           </a:p>
         </p:txBody>
       </p:sp>
@@ -20616,7 +21779,7 @@
           <p:cNvPr id="3" name="コンテンツ プレースホルダー 2">
             <a:extLst>
               <a:ext uri="{FF2B5EF4-FFF2-40B4-BE49-F238E27FC236}">
-                <a16:creationId xmlns:a16="http://schemas.microsoft.com/office/drawing/2014/main" id="{372EB16E-4118-4724-9DD3-4445911976F0}"/>
+                <a16:creationId xmlns:a16="http://schemas.microsoft.com/office/drawing/2014/main" id="{16CD0B30-B81C-48A7-AD69-55ECEFD9088C}"/>
               </a:ext>
             </a:extLst>
           </p:cNvPr>
@@ -20627,56 +21790,224 @@
             <p:ph idx="1"/>
           </p:nvPr>
         </p:nvSpPr>
-        <p:spPr>
-          <a:xfrm>
-            <a:off x="822959" y="1661049"/>
-            <a:ext cx="8016241" cy="4531925"/>
-          </a:xfrm>
-        </p:spPr>
+        <p:spPr/>
         <p:txBody>
           <a:bodyPr>
-            <a:normAutofit/>
+            <a:normAutofit fontScale="92500" lnSpcReduction="10000"/>
           </a:bodyPr>
           <a:lstStyle/>
           <a:p>
             <a:r>
               <a:rPr lang="en-US" altLang="ja-JP" dirty="0"/>
-              <a:t>GA</a:t>
+              <a:t>1. </a:t>
             </a:r>
             <a:r>
               <a:rPr lang="ja-JP" altLang="en-US" dirty="0"/>
-              <a:t>によるショートカットの本数の分析</a:t>
-            </a:r>
-            <a:endParaRPr lang="en-US" altLang="ja-JP" dirty="0"/>
-          </a:p>
-          <a:p>
-            <a:endParaRPr lang="en-US" altLang="ja-JP" dirty="0"/>
-          </a:p>
-          <a:p>
+              <a:t>一様乱数で初期個体生成 </a:t>
+            </a:r>
+            <a:r>
+              <a:rPr lang="en-US" altLang="ja-JP" dirty="0"/>
+              <a:t>2. </a:t>
+            </a:r>
             <a:r>
               <a:rPr lang="ja-JP" altLang="en-US" dirty="0"/>
-              <a:t>課題</a:t>
-            </a:r>
-            <a:endParaRPr lang="en-US" altLang="ja-JP" dirty="0"/>
-          </a:p>
-          <a:p>
+              <a:t>重み </a:t>
+            </a:r>
+            <a:r>
+              <a:rPr lang="en-US" altLang="ja-JP" dirty="0"/>
+              <a:t>w </a:t>
+            </a:r>
             <a:r>
               <a:rPr lang="ja-JP" altLang="en-US" dirty="0"/>
-              <a:t>実問題に対して汎用性確認</a:t>
-            </a:r>
-            <a:endParaRPr lang="en-US" altLang="ja-JP" dirty="0"/>
-          </a:p>
-          <a:p>
+              <a:t>を ∇</a:t>
+            </a:r>
+            <a:r>
+              <a:rPr lang="en-US" altLang="ja-JP" dirty="0" err="1"/>
+              <a:t>wLtrain</a:t>
+            </a:r>
+            <a:r>
+              <a:rPr lang="en-US" altLang="ja-JP" dirty="0"/>
+              <a:t>(w ∗ , α¯) </a:t>
+            </a:r>
             <a:r>
               <a:rPr lang="ja-JP" altLang="en-US" dirty="0"/>
-              <a:t>パラメータ数が少ないモデルが</a:t>
-            </a:r>
-            <a:endParaRPr lang="en-US" altLang="ja-JP" dirty="0"/>
-          </a:p>
-          <a:p>
+              <a:t>で更新 </a:t>
+            </a:r>
+            <a:r>
+              <a:rPr lang="en-US" altLang="ja-JP" dirty="0"/>
+              <a:t>3. </a:t>
+            </a:r>
             <a:r>
               <a:rPr lang="ja-JP" altLang="en-US" dirty="0"/>
-              <a:t>得られるような適応度の設定</a:t>
+              <a:t>個体 </a:t>
+            </a:r>
+            <a:r>
+              <a:rPr lang="en-US" altLang="ja-JP" dirty="0"/>
+              <a:t>α</a:t>
+            </a:r>
+            <a:r>
+              <a:rPr lang="en-US" altLang="ja-JP" dirty="0" err="1"/>
+              <a:t>i</a:t>
+            </a:r>
+            <a:r>
+              <a:rPr lang="en-US" altLang="ja-JP" dirty="0"/>
+              <a:t> </a:t>
+            </a:r>
+            <a:r>
+              <a:rPr lang="ja-JP" altLang="en-US" dirty="0"/>
+              <a:t>を ∇</a:t>
+            </a:r>
+            <a:r>
+              <a:rPr lang="en-US" altLang="ja-JP" dirty="0"/>
+              <a:t>α</a:t>
+            </a:r>
+            <a:r>
+              <a:rPr lang="en-US" altLang="ja-JP" dirty="0" err="1"/>
+              <a:t>Lvalid</a:t>
+            </a:r>
+            <a:r>
+              <a:rPr lang="en-US" altLang="ja-JP" dirty="0"/>
+              <a:t>(w ∗ , α</a:t>
+            </a:r>
+            <a:r>
+              <a:rPr lang="en-US" altLang="ja-JP" dirty="0" err="1"/>
+              <a:t>i</a:t>
+            </a:r>
+            <a:r>
+              <a:rPr lang="en-US" altLang="ja-JP" dirty="0"/>
+              <a:t>) </a:t>
+            </a:r>
+            <a:r>
+              <a:rPr lang="ja-JP" altLang="en-US" dirty="0"/>
+              <a:t>で更新 </a:t>
+            </a:r>
+            <a:r>
+              <a:rPr lang="en-US" altLang="ja-JP" dirty="0"/>
+              <a:t>4. </a:t>
+            </a:r>
+            <a:r>
+              <a:rPr lang="ja-JP" altLang="en-US" dirty="0"/>
+              <a:t>適応度 </a:t>
+            </a:r>
+            <a:r>
+              <a:rPr lang="en-US" altLang="ja-JP" dirty="0" err="1"/>
+              <a:t>Ltest</a:t>
+            </a:r>
+            <a:r>
+              <a:rPr lang="en-US" altLang="ja-JP" dirty="0"/>
+              <a:t>(w, α</a:t>
+            </a:r>
+            <a:r>
+              <a:rPr lang="en-US" altLang="ja-JP" dirty="0" err="1"/>
+              <a:t>smp</a:t>
+            </a:r>
+            <a:r>
+              <a:rPr lang="en-US" altLang="ja-JP" dirty="0"/>
+              <a:t>) </a:t>
+            </a:r>
+            <a:r>
+              <a:rPr lang="ja-JP" altLang="en-US" dirty="0"/>
+              <a:t>で個体 </a:t>
+            </a:r>
+            <a:r>
+              <a:rPr lang="en-US" altLang="ja-JP" dirty="0"/>
+              <a:t>α </a:t>
+            </a:r>
+            <a:r>
+              <a:rPr lang="ja-JP" altLang="en-US" dirty="0"/>
+              <a:t>を評価・選択 </a:t>
+            </a:r>
+            <a:r>
+              <a:rPr lang="en-US" altLang="ja-JP" dirty="0"/>
+              <a:t>5. </a:t>
+            </a:r>
+            <a:r>
+              <a:rPr lang="ja-JP" altLang="en-US" dirty="0"/>
+              <a:t>交叉・突然変異 </a:t>
+            </a:r>
+            <a:r>
+              <a:rPr lang="en-US" altLang="ja-JP" dirty="0"/>
+              <a:t>6. </a:t>
+            </a:r>
+            <a:r>
+              <a:rPr lang="ja-JP" altLang="en-US" dirty="0"/>
+              <a:t>収束するまで </a:t>
+            </a:r>
+            <a:r>
+              <a:rPr lang="en-US" altLang="ja-JP" dirty="0"/>
+              <a:t>2. </a:t>
+            </a:r>
+            <a:r>
+              <a:rPr lang="ja-JP" altLang="en-US" dirty="0"/>
+              <a:t>に戻る ただし </a:t>
+            </a:r>
+            <a:r>
+              <a:rPr lang="en-US" altLang="ja-JP" dirty="0"/>
+              <a:t>α¯ </a:t>
+            </a:r>
+            <a:r>
+              <a:rPr lang="ja-JP" altLang="en-US" dirty="0"/>
+              <a:t>は各個体の平均</a:t>
+            </a:r>
+            <a:r>
+              <a:rPr lang="en-US" altLang="ja-JP" dirty="0"/>
+              <a:t>, α </a:t>
+            </a:r>
+            <a:r>
+              <a:rPr lang="en-US" altLang="ja-JP" dirty="0" err="1"/>
+              <a:t>smp</a:t>
+            </a:r>
+            <a:r>
+              <a:rPr lang="en-US" altLang="ja-JP" dirty="0"/>
+              <a:t> </a:t>
+            </a:r>
+            <a:r>
+              <a:rPr lang="ja-JP" altLang="en-US" dirty="0"/>
+              <a:t>は実験 </a:t>
+            </a:r>
+            <a:r>
+              <a:rPr lang="en-US" altLang="ja-JP" dirty="0"/>
+              <a:t>1 </a:t>
+            </a:r>
+            <a:r>
+              <a:rPr lang="ja-JP" altLang="en-US" dirty="0"/>
+              <a:t>で有効だった 構成手法 </a:t>
+            </a:r>
+            <a:r>
+              <a:rPr lang="en-US" altLang="ja-JP" dirty="0"/>
+              <a:t>B </a:t>
+            </a:r>
+            <a:r>
+              <a:rPr lang="ja-JP" altLang="en-US" dirty="0"/>
+              <a:t>で隣接行列にサンプリングした </a:t>
+            </a:r>
+            <a:r>
+              <a:rPr lang="en-US" altLang="ja-JP" dirty="0"/>
+              <a:t>α </a:t>
+            </a:r>
+            <a:r>
+              <a:rPr lang="ja-JP" altLang="en-US" dirty="0"/>
+              <a:t>である</a:t>
+            </a:r>
+            <a:r>
+              <a:rPr lang="en-US" altLang="ja-JP" dirty="0"/>
+              <a:t>. </a:t>
+            </a:r>
+            <a:r>
+              <a:rPr lang="ja-JP" altLang="en-US" dirty="0"/>
+              <a:t>学習後最終世代の個体の性能を実験 </a:t>
+            </a:r>
+            <a:r>
+              <a:rPr lang="en-US" altLang="ja-JP" dirty="0"/>
+              <a:t>1 </a:t>
+            </a:r>
+            <a:r>
+              <a:rPr lang="ja-JP" altLang="en-US" dirty="0"/>
+              <a:t>と同じ条件で 評価した</a:t>
+            </a:r>
+            <a:r>
+              <a:rPr lang="en-US" altLang="ja-JP" dirty="0"/>
+              <a:t>.</a:t>
             </a:r>
             <a:endParaRPr kumimoji="1" lang="ja-JP" altLang="en-US" dirty="0"/>
           </a:p>
@@ -20687,7 +22018,7 @@
           <p:cNvPr id="4" name="スライド番号プレースホルダー 3">
             <a:extLst>
               <a:ext uri="{FF2B5EF4-FFF2-40B4-BE49-F238E27FC236}">
-                <a16:creationId xmlns:a16="http://schemas.microsoft.com/office/drawing/2014/main" id="{AA03A4AA-EAD6-4458-A4A6-95E81BCFB8C8}"/>
+                <a16:creationId xmlns:a16="http://schemas.microsoft.com/office/drawing/2014/main" id="{0B3C2E9D-0858-4A34-8898-41EF151E398D}"/>
               </a:ext>
             </a:extLst>
           </p:cNvPr>
@@ -20714,7 +22045,7 @@
     </p:spTree>
     <p:extLst>
       <p:ext uri="{BB962C8B-B14F-4D97-AF65-F5344CB8AC3E}">
-        <p14:creationId xmlns:p14="http://schemas.microsoft.com/office/powerpoint/2010/main" val="3275768855"/>
+        <p14:creationId xmlns:p14="http://schemas.microsoft.com/office/powerpoint/2010/main" val="3809229904"/>
       </p:ext>
     </p:extLst>
   </p:cSld>
@@ -21133,10 +22464,10 @@
       </p:grpSpPr>
       <p:sp>
         <p:nvSpPr>
-          <p:cNvPr id="8" name="タイトル 7">
+          <p:cNvPr id="2" name="タイトル 1">
             <a:extLst>
               <a:ext uri="{FF2B5EF4-FFF2-40B4-BE49-F238E27FC236}">
-                <a16:creationId xmlns:a16="http://schemas.microsoft.com/office/drawing/2014/main" id="{5695746B-2D09-43FB-B1D1-BE7F3EB79F5C}"/>
+                <a16:creationId xmlns:a16="http://schemas.microsoft.com/office/drawing/2014/main" id="{D46ABB39-F0C4-4941-8AC3-45B843579753}"/>
               </a:ext>
             </a:extLst>
           </p:cNvPr>
@@ -21149,23 +22480,25 @@
         </p:nvSpPr>
         <p:spPr/>
         <p:txBody>
-          <a:bodyPr>
-            <a:normAutofit/>
-          </a:bodyPr>
+          <a:bodyPr/>
           <a:lstStyle/>
           <a:p>
             <a:r>
-              <a:rPr lang="ja-JP" altLang="en-US" sz="6000" dirty="0"/>
-              <a:t>ご清聴ありがとう</a:t>
-            </a:r>
-            <a:br>
-              <a:rPr lang="en-US" altLang="ja-JP" sz="6000" dirty="0"/>
-            </a:br>
-            <a:r>
-              <a:rPr lang="ja-JP" altLang="en-US" sz="6000" dirty="0"/>
-              <a:t>ございました</a:t>
-            </a:r>
-            <a:endParaRPr kumimoji="1" lang="ja-JP" altLang="en-US" sz="6000" dirty="0"/>
+              <a:rPr kumimoji="1" lang="ja-JP" altLang="en-US" dirty="0"/>
+              <a:t>実験</a:t>
+            </a:r>
+            <a:r>
+              <a:rPr lang="en-US" altLang="ja-JP" dirty="0"/>
+              <a:t>2</a:t>
+            </a:r>
+            <a:r>
+              <a:rPr kumimoji="1" lang="en-US" altLang="ja-JP" dirty="0"/>
+              <a:t> </a:t>
+            </a:r>
+            <a:r>
+              <a:rPr kumimoji="1" lang="ja-JP" altLang="en-US" dirty="0"/>
+              <a:t>： 設定</a:t>
+            </a:r>
           </a:p>
         </p:txBody>
       </p:sp>
@@ -21174,7 +22507,7 @@
           <p:cNvPr id="4" name="スライド番号プレースホルダー 3">
             <a:extLst>
               <a:ext uri="{FF2B5EF4-FFF2-40B4-BE49-F238E27FC236}">
-                <a16:creationId xmlns:a16="http://schemas.microsoft.com/office/drawing/2014/main" id="{FD0E98B8-3A05-4CDB-9494-F03EA8DF9B7F}"/>
+                <a16:creationId xmlns:a16="http://schemas.microsoft.com/office/drawing/2014/main" id="{0B3C2E9D-0858-4A34-8898-41EF151E398D}"/>
               </a:ext>
             </a:extLst>
           </p:cNvPr>
@@ -21193,6 +22526,1379 @@
             <a:fld id="{304739FC-810C-4CDC-B60F-21F1951FBC64}" type="slidenum">
               <a:rPr kumimoji="1" lang="ja-JP" altLang="en-US" smtClean="0"/>
               <a:t>40</a:t>
+            </a:fld>
+            <a:endParaRPr kumimoji="1" lang="ja-JP" altLang="en-US"/>
+          </a:p>
+        </p:txBody>
+      </p:sp>
+      <p:graphicFrame>
+        <p:nvGraphicFramePr>
+          <p:cNvPr id="5" name="コンテンツ プレースホルダー 6">
+            <a:extLst>
+              <a:ext uri="{FF2B5EF4-FFF2-40B4-BE49-F238E27FC236}">
+                <a16:creationId xmlns:a16="http://schemas.microsoft.com/office/drawing/2014/main" id="{FAA4D837-8023-4327-8F39-7CD1E5544A2A}"/>
+              </a:ext>
+            </a:extLst>
+          </p:cNvPr>
+          <p:cNvGraphicFramePr>
+            <a:graphicFrameLocks noGrp="1"/>
+          </p:cNvGraphicFramePr>
+          <p:nvPr>
+            <p:ph idx="1"/>
+            <p:extLst>
+              <p:ext uri="{D42A27DB-BD31-4B8C-83A1-F6EECF244321}">
+                <p14:modId xmlns:p14="http://schemas.microsoft.com/office/powerpoint/2010/main" val="3284174518"/>
+              </p:ext>
+            </p:extLst>
+          </p:nvPr>
+        </p:nvGraphicFramePr>
+        <p:xfrm>
+          <a:off x="822325" y="1660525"/>
+          <a:ext cx="7543800" cy="2225040"/>
+        </p:xfrm>
+        <a:graphic>
+          <a:graphicData uri="http://schemas.openxmlformats.org/drawingml/2006/table">
+            <a:tbl>
+              <a:tblPr firstRow="1" bandRow="1">
+                <a:tableStyleId>{5940675A-B579-460E-94D1-54222C63F5DA}</a:tableStyleId>
+              </a:tblPr>
+              <a:tblGrid>
+                <a:gridCol w="1787525">
+                  <a:extLst>
+                    <a:ext uri="{9D8B030D-6E8A-4147-A177-3AD203B41FA5}">
+                      <a16:colId xmlns:a16="http://schemas.microsoft.com/office/drawing/2014/main" val="3294734784"/>
+                    </a:ext>
+                  </a:extLst>
+                </a:gridCol>
+                <a:gridCol w="5756275">
+                  <a:extLst>
+                    <a:ext uri="{9D8B030D-6E8A-4147-A177-3AD203B41FA5}">
+                      <a16:colId xmlns:a16="http://schemas.microsoft.com/office/drawing/2014/main" val="3247234136"/>
+                    </a:ext>
+                  </a:extLst>
+                </a:gridCol>
+              </a:tblGrid>
+              <a:tr h="370840">
+                <a:tc>
+                  <a:txBody>
+                    <a:bodyPr/>
+                    <a:lstStyle/>
+                    <a:p>
+                      <a:r>
+                        <a:rPr lang="en-US" altLang="ja-JP" dirty="0" err="1"/>
+                        <a:t>Optim</a:t>
+                      </a:r>
+                      <a:r>
+                        <a:rPr lang="en-US" altLang="ja-JP" dirty="0"/>
+                        <a:t>(w)</a:t>
+                      </a:r>
+                      <a:endParaRPr kumimoji="1" lang="ja-JP" altLang="en-US" dirty="0"/>
+                    </a:p>
+                  </a:txBody>
+                  <a:tcPr/>
+                </a:tc>
+                <a:tc>
+                  <a:txBody>
+                    <a:bodyPr/>
+                    <a:lstStyle/>
+                    <a:p>
+                      <a:r>
+                        <a:rPr lang="en-US" altLang="ja-JP" dirty="0"/>
+                        <a:t>SGD(</a:t>
+                      </a:r>
+                      <a:r>
+                        <a:rPr lang="en-US" altLang="ja-JP" dirty="0" err="1"/>
+                        <a:t>lr</a:t>
+                      </a:r>
+                      <a:r>
+                        <a:rPr lang="en-US" altLang="ja-JP" dirty="0"/>
+                        <a:t>=0.001, momentum=0.9) </a:t>
+                      </a:r>
+                      <a:endParaRPr kumimoji="1" lang="ja-JP" altLang="en-US" dirty="0"/>
+                    </a:p>
+                  </a:txBody>
+                  <a:tcPr/>
+                </a:tc>
+                <a:extLst>
+                  <a:ext uri="{0D108BD9-81ED-4DB2-BD59-A6C34878D82A}">
+                    <a16:rowId xmlns:a16="http://schemas.microsoft.com/office/drawing/2014/main" val="4068467951"/>
+                  </a:ext>
+                </a:extLst>
+              </a:tr>
+              <a:tr h="370840">
+                <a:tc>
+                  <a:txBody>
+                    <a:bodyPr/>
+                    <a:lstStyle/>
+                    <a:p>
+                      <a:r>
+                        <a:rPr lang="en-US" altLang="ja-JP" dirty="0" err="1"/>
+                        <a:t>Optim</a:t>
+                      </a:r>
+                      <a:r>
+                        <a:rPr lang="en-US" altLang="ja-JP" dirty="0"/>
+                        <a:t>(</a:t>
+                      </a:r>
+                      <a:r>
+                        <a:rPr lang="el-GR" altLang="ja-JP" dirty="0"/>
+                        <a:t>α) </a:t>
+                      </a:r>
+                      <a:endParaRPr kumimoji="1" lang="ja-JP" altLang="en-US" dirty="0"/>
+                    </a:p>
+                  </a:txBody>
+                  <a:tcPr/>
+                </a:tc>
+                <a:tc>
+                  <a:txBody>
+                    <a:bodyPr/>
+                    <a:lstStyle/>
+                    <a:p>
+                      <a:r>
+                        <a:rPr lang="pt-BR" altLang="ja-JP" dirty="0"/>
+                        <a:t>Adam(lr=0.003, β=(0.5, 0.999))</a:t>
+                      </a:r>
+                      <a:endParaRPr kumimoji="1" lang="ja-JP" altLang="en-US" dirty="0"/>
+                    </a:p>
+                  </a:txBody>
+                  <a:tcPr/>
+                </a:tc>
+                <a:extLst>
+                  <a:ext uri="{0D108BD9-81ED-4DB2-BD59-A6C34878D82A}">
+                    <a16:rowId xmlns:a16="http://schemas.microsoft.com/office/drawing/2014/main" val="174231890"/>
+                  </a:ext>
+                </a:extLst>
+              </a:tr>
+              <a:tr h="370840">
+                <a:tc>
+                  <a:txBody>
+                    <a:bodyPr/>
+                    <a:lstStyle/>
+                    <a:p>
+                      <a:r>
+                        <a:rPr lang="en-US" altLang="ja-JP" dirty="0"/>
+                        <a:t>Loss</a:t>
+                      </a:r>
+                      <a:endParaRPr kumimoji="1" lang="ja-JP" altLang="en-US" dirty="0"/>
+                    </a:p>
+                  </a:txBody>
+                  <a:tcPr/>
+                </a:tc>
+                <a:tc>
+                  <a:txBody>
+                    <a:bodyPr/>
+                    <a:lstStyle/>
+                    <a:p>
+                      <a:r>
+                        <a:rPr lang="en-US" altLang="ja-JP" dirty="0"/>
+                        <a:t>Cross Entropy Loss</a:t>
+                      </a:r>
+                      <a:endParaRPr kumimoji="1" lang="ja-JP" altLang="en-US" dirty="0"/>
+                    </a:p>
+                  </a:txBody>
+                  <a:tcPr/>
+                </a:tc>
+                <a:extLst>
+                  <a:ext uri="{0D108BD9-81ED-4DB2-BD59-A6C34878D82A}">
+                    <a16:rowId xmlns:a16="http://schemas.microsoft.com/office/drawing/2014/main" val="2506299682"/>
+                  </a:ext>
+                </a:extLst>
+              </a:tr>
+              <a:tr h="370840">
+                <a:tc>
+                  <a:txBody>
+                    <a:bodyPr/>
+                    <a:lstStyle/>
+                    <a:p>
+                      <a:r>
+                        <a:rPr lang="en-US" altLang="ja-JP" dirty="0"/>
+                        <a:t>pretrain</a:t>
+                      </a:r>
+                      <a:endParaRPr kumimoji="1" lang="ja-JP" altLang="en-US" dirty="0"/>
+                    </a:p>
+                  </a:txBody>
+                  <a:tcPr/>
+                </a:tc>
+                <a:tc>
+                  <a:txBody>
+                    <a:bodyPr/>
+                    <a:lstStyle/>
+                    <a:p>
+                      <a:r>
+                        <a:rPr lang="en-US" altLang="ja-JP" dirty="0"/>
+                        <a:t>true</a:t>
+                      </a:r>
+                      <a:endParaRPr kumimoji="1" lang="ja-JP" altLang="en-US" dirty="0"/>
+                    </a:p>
+                  </a:txBody>
+                  <a:tcPr/>
+                </a:tc>
+                <a:extLst>
+                  <a:ext uri="{0D108BD9-81ED-4DB2-BD59-A6C34878D82A}">
+                    <a16:rowId xmlns:a16="http://schemas.microsoft.com/office/drawing/2014/main" val="3260624995"/>
+                  </a:ext>
+                </a:extLst>
+              </a:tr>
+              <a:tr h="370840">
+                <a:tc>
+                  <a:txBody>
+                    <a:bodyPr/>
+                    <a:lstStyle/>
+                    <a:p>
+                      <a:r>
+                        <a:rPr lang="en-US" altLang="ja-JP" dirty="0"/>
+                        <a:t>batch size</a:t>
+                      </a:r>
+                      <a:endParaRPr kumimoji="1" lang="ja-JP" altLang="en-US" dirty="0"/>
+                    </a:p>
+                  </a:txBody>
+                  <a:tcPr/>
+                </a:tc>
+                <a:tc>
+                  <a:txBody>
+                    <a:bodyPr/>
+                    <a:lstStyle/>
+                    <a:p>
+                      <a:r>
+                        <a:rPr lang="en-US" altLang="ja-JP" dirty="0"/>
+                        <a:t>64</a:t>
+                      </a:r>
+                      <a:endParaRPr kumimoji="1" lang="ja-JP" altLang="en-US" dirty="0"/>
+                    </a:p>
+                  </a:txBody>
+                  <a:tcPr/>
+                </a:tc>
+                <a:extLst>
+                  <a:ext uri="{0D108BD9-81ED-4DB2-BD59-A6C34878D82A}">
+                    <a16:rowId xmlns:a16="http://schemas.microsoft.com/office/drawing/2014/main" val="417493593"/>
+                  </a:ext>
+                </a:extLst>
+              </a:tr>
+              <a:tr h="370840">
+                <a:tc>
+                  <a:txBody>
+                    <a:bodyPr/>
+                    <a:lstStyle/>
+                    <a:p>
+                      <a:r>
+                        <a:rPr kumimoji="1" lang="en-US" altLang="ja-JP" dirty="0"/>
+                        <a:t>Data size</a:t>
+                      </a:r>
+                      <a:endParaRPr kumimoji="1" lang="ja-JP" altLang="en-US" dirty="0"/>
+                    </a:p>
+                  </a:txBody>
+                  <a:tcPr/>
+                </a:tc>
+                <a:tc>
+                  <a:txBody>
+                    <a:bodyPr/>
+                    <a:lstStyle/>
+                    <a:p>
+                      <a:r>
+                        <a:rPr kumimoji="1" lang="en-US" altLang="ja-JP" dirty="0"/>
+                        <a:t>Train : valid : test = 25000 : 10000 : 10000</a:t>
+                      </a:r>
+                      <a:endParaRPr kumimoji="1" lang="ja-JP" altLang="en-US" dirty="0"/>
+                    </a:p>
+                  </a:txBody>
+                  <a:tcPr/>
+                </a:tc>
+                <a:extLst>
+                  <a:ext uri="{0D108BD9-81ED-4DB2-BD59-A6C34878D82A}">
+                    <a16:rowId xmlns:a16="http://schemas.microsoft.com/office/drawing/2014/main" val="949525336"/>
+                  </a:ext>
+                </a:extLst>
+              </a:tr>
+            </a:tbl>
+          </a:graphicData>
+        </a:graphic>
+      </p:graphicFrame>
+      <p:graphicFrame>
+        <p:nvGraphicFramePr>
+          <p:cNvPr id="6" name="コンテンツ プレースホルダー 6">
+            <a:extLst>
+              <a:ext uri="{FF2B5EF4-FFF2-40B4-BE49-F238E27FC236}">
+                <a16:creationId xmlns:a16="http://schemas.microsoft.com/office/drawing/2014/main" id="{BBD96700-1E44-4576-B1F3-761B2E897F06}"/>
+              </a:ext>
+            </a:extLst>
+          </p:cNvPr>
+          <p:cNvGraphicFramePr>
+            <a:graphicFrameLocks/>
+          </p:cNvGraphicFramePr>
+          <p:nvPr>
+            <p:extLst>
+              <p:ext uri="{D42A27DB-BD31-4B8C-83A1-F6EECF244321}">
+                <p14:modId xmlns:p14="http://schemas.microsoft.com/office/powerpoint/2010/main" val="2818551140"/>
+              </p:ext>
+            </p:extLst>
+          </p:nvPr>
+        </p:nvGraphicFramePr>
+        <p:xfrm>
+          <a:off x="822325" y="4156075"/>
+          <a:ext cx="7543799" cy="1483360"/>
+        </p:xfrm>
+        <a:graphic>
+          <a:graphicData uri="http://schemas.openxmlformats.org/drawingml/2006/table">
+            <a:tbl>
+              <a:tblPr firstRow="1" bandRow="1">
+                <a:tableStyleId>{5940675A-B579-460E-94D1-54222C63F5DA}</a:tableStyleId>
+              </a:tblPr>
+              <a:tblGrid>
+                <a:gridCol w="1225550">
+                  <a:extLst>
+                    <a:ext uri="{9D8B030D-6E8A-4147-A177-3AD203B41FA5}">
+                      <a16:colId xmlns:a16="http://schemas.microsoft.com/office/drawing/2014/main" val="3294734784"/>
+                    </a:ext>
+                  </a:extLst>
+                </a:gridCol>
+                <a:gridCol w="2552700">
+                  <a:extLst>
+                    <a:ext uri="{9D8B030D-6E8A-4147-A177-3AD203B41FA5}">
+                      <a16:colId xmlns:a16="http://schemas.microsoft.com/office/drawing/2014/main" val="3247234136"/>
+                    </a:ext>
+                  </a:extLst>
+                </a:gridCol>
+                <a:gridCol w="1486824">
+                  <a:extLst>
+                    <a:ext uri="{9D8B030D-6E8A-4147-A177-3AD203B41FA5}">
+                      <a16:colId xmlns:a16="http://schemas.microsoft.com/office/drawing/2014/main" val="507797195"/>
+                    </a:ext>
+                  </a:extLst>
+                </a:gridCol>
+                <a:gridCol w="2278725">
+                  <a:extLst>
+                    <a:ext uri="{9D8B030D-6E8A-4147-A177-3AD203B41FA5}">
+                      <a16:colId xmlns:a16="http://schemas.microsoft.com/office/drawing/2014/main" val="3413056231"/>
+                    </a:ext>
+                  </a:extLst>
+                </a:gridCol>
+              </a:tblGrid>
+              <a:tr h="370840">
+                <a:tc>
+                  <a:txBody>
+                    <a:bodyPr/>
+                    <a:lstStyle/>
+                    <a:p>
+                      <a:r>
+                        <a:rPr lang="ja-JP" altLang="en-US" dirty="0"/>
+                        <a:t>個体数</a:t>
+                      </a:r>
+                      <a:endParaRPr kumimoji="1" lang="ja-JP" altLang="en-US" dirty="0"/>
+                    </a:p>
+                  </a:txBody>
+                  <a:tcPr/>
+                </a:tc>
+                <a:tc>
+                  <a:txBody>
+                    <a:bodyPr/>
+                    <a:lstStyle/>
+                    <a:p>
+                      <a:r>
+                        <a:rPr lang="en-US" altLang="ja-JP" dirty="0"/>
+                        <a:t>15</a:t>
+                      </a:r>
+                      <a:endParaRPr kumimoji="1" lang="ja-JP" altLang="en-US" dirty="0"/>
+                    </a:p>
+                  </a:txBody>
+                  <a:tcPr/>
+                </a:tc>
+                <a:tc>
+                  <a:txBody>
+                    <a:bodyPr/>
+                    <a:lstStyle/>
+                    <a:p>
+                      <a:r>
+                        <a:rPr lang="ja-JP" altLang="en-US" dirty="0"/>
+                        <a:t>交叉</a:t>
+                      </a:r>
+                      <a:endParaRPr kumimoji="1" lang="ja-JP" altLang="en-US" dirty="0"/>
+                    </a:p>
+                  </a:txBody>
+                  <a:tcPr/>
+                </a:tc>
+                <a:tc>
+                  <a:txBody>
+                    <a:bodyPr/>
+                    <a:lstStyle/>
+                    <a:p>
+                      <a:r>
+                        <a:rPr lang="ja-JP" altLang="en-US" dirty="0"/>
+                        <a:t>一様交叉</a:t>
+                      </a:r>
+                      <a:endParaRPr kumimoji="1" lang="ja-JP" altLang="en-US" dirty="0"/>
+                    </a:p>
+                  </a:txBody>
+                  <a:tcPr/>
+                </a:tc>
+                <a:extLst>
+                  <a:ext uri="{0D108BD9-81ED-4DB2-BD59-A6C34878D82A}">
+                    <a16:rowId xmlns:a16="http://schemas.microsoft.com/office/drawing/2014/main" val="4068467951"/>
+                  </a:ext>
+                </a:extLst>
+              </a:tr>
+              <a:tr h="370840">
+                <a:tc>
+                  <a:txBody>
+                    <a:bodyPr/>
+                    <a:lstStyle/>
+                    <a:p>
+                      <a:r>
+                        <a:rPr lang="ja-JP" altLang="en-US" dirty="0"/>
+                        <a:t>世代数</a:t>
+                      </a:r>
+                      <a:endParaRPr kumimoji="1" lang="ja-JP" altLang="en-US" dirty="0"/>
+                    </a:p>
+                  </a:txBody>
+                  <a:tcPr/>
+                </a:tc>
+                <a:tc>
+                  <a:txBody>
+                    <a:bodyPr/>
+                    <a:lstStyle/>
+                    <a:p>
+                      <a:r>
+                        <a:rPr lang="en-US" altLang="ja-JP" dirty="0"/>
+                        <a:t>20</a:t>
+                      </a:r>
+                      <a:endParaRPr kumimoji="1" lang="ja-JP" altLang="en-US" dirty="0"/>
+                    </a:p>
+                  </a:txBody>
+                  <a:tcPr/>
+                </a:tc>
+                <a:tc>
+                  <a:txBody>
+                    <a:bodyPr/>
+                    <a:lstStyle/>
+                    <a:p>
+                      <a:r>
+                        <a:rPr lang="ja-JP" altLang="en-US" dirty="0"/>
+                        <a:t>交叉率</a:t>
+                      </a:r>
+                      <a:endParaRPr kumimoji="1" lang="ja-JP" altLang="en-US" dirty="0"/>
+                    </a:p>
+                  </a:txBody>
+                  <a:tcPr/>
+                </a:tc>
+                <a:tc>
+                  <a:txBody>
+                    <a:bodyPr/>
+                    <a:lstStyle/>
+                    <a:p>
+                      <a:r>
+                        <a:rPr lang="en-US" altLang="ja-JP" dirty="0"/>
+                        <a:t>0.8</a:t>
+                      </a:r>
+                      <a:endParaRPr kumimoji="1" lang="ja-JP" altLang="en-US" dirty="0"/>
+                    </a:p>
+                  </a:txBody>
+                  <a:tcPr/>
+                </a:tc>
+                <a:extLst>
+                  <a:ext uri="{0D108BD9-81ED-4DB2-BD59-A6C34878D82A}">
+                    <a16:rowId xmlns:a16="http://schemas.microsoft.com/office/drawing/2014/main" val="174231890"/>
+                  </a:ext>
+                </a:extLst>
+              </a:tr>
+              <a:tr h="370840">
+                <a:tc>
+                  <a:txBody>
+                    <a:bodyPr/>
+                    <a:lstStyle/>
+                    <a:p>
+                      <a:r>
+                        <a:rPr lang="ja-JP" altLang="en-US" dirty="0"/>
+                        <a:t>選択 </a:t>
+                      </a:r>
+                      <a:endParaRPr kumimoji="1" lang="ja-JP" altLang="en-US" dirty="0"/>
+                    </a:p>
+                  </a:txBody>
+                  <a:tcPr/>
+                </a:tc>
+                <a:tc>
+                  <a:txBody>
+                    <a:bodyPr/>
+                    <a:lstStyle/>
+                    <a:p>
+                      <a:r>
+                        <a:rPr lang="ja-JP" altLang="en-US" dirty="0"/>
+                        <a:t>トーナメント</a:t>
+                      </a:r>
+                      <a:endParaRPr kumimoji="1" lang="ja-JP" altLang="en-US" dirty="0"/>
+                    </a:p>
+                  </a:txBody>
+                  <a:tcPr/>
+                </a:tc>
+                <a:tc>
+                  <a:txBody>
+                    <a:bodyPr/>
+                    <a:lstStyle/>
+                    <a:p>
+                      <a:r>
+                        <a:rPr lang="ja-JP" altLang="en-US" dirty="0"/>
+                        <a:t>変異</a:t>
+                      </a:r>
+                      <a:endParaRPr kumimoji="1" lang="ja-JP" altLang="en-US" dirty="0"/>
+                    </a:p>
+                  </a:txBody>
+                  <a:tcPr/>
+                </a:tc>
+                <a:tc>
+                  <a:txBody>
+                    <a:bodyPr/>
+                    <a:lstStyle/>
+                    <a:p>
+                      <a:r>
+                        <a:rPr lang="ja-JP" altLang="en-US" dirty="0"/>
+                        <a:t>ガウス分布</a:t>
+                      </a:r>
+                      <a:endParaRPr kumimoji="1" lang="ja-JP" altLang="en-US" dirty="0"/>
+                    </a:p>
+                  </a:txBody>
+                  <a:tcPr/>
+                </a:tc>
+                <a:extLst>
+                  <a:ext uri="{0D108BD9-81ED-4DB2-BD59-A6C34878D82A}">
+                    <a16:rowId xmlns:a16="http://schemas.microsoft.com/office/drawing/2014/main" val="2506299682"/>
+                  </a:ext>
+                </a:extLst>
+              </a:tr>
+              <a:tr h="370840">
+                <a:tc>
+                  <a:txBody>
+                    <a:bodyPr/>
+                    <a:lstStyle/>
+                    <a:p>
+                      <a:r>
+                        <a:rPr lang="ja-JP" altLang="en-US" dirty="0"/>
+                        <a:t>サイズ</a:t>
+                      </a:r>
+                      <a:endParaRPr kumimoji="1" lang="ja-JP" altLang="en-US" dirty="0"/>
+                    </a:p>
+                  </a:txBody>
+                  <a:tcPr/>
+                </a:tc>
+                <a:tc>
+                  <a:txBody>
+                    <a:bodyPr/>
+                    <a:lstStyle/>
+                    <a:p>
+                      <a:r>
+                        <a:rPr lang="en-US" altLang="ja-JP" dirty="0"/>
+                        <a:t>2</a:t>
+                      </a:r>
+                      <a:endParaRPr kumimoji="1" lang="ja-JP" altLang="en-US" dirty="0"/>
+                    </a:p>
+                  </a:txBody>
+                  <a:tcPr/>
+                </a:tc>
+                <a:tc>
+                  <a:txBody>
+                    <a:bodyPr/>
+                    <a:lstStyle/>
+                    <a:p>
+                      <a:r>
+                        <a:rPr lang="ja-JP" altLang="en-US" dirty="0"/>
+                        <a:t>変異率</a:t>
+                      </a:r>
+                      <a:endParaRPr kumimoji="1" lang="ja-JP" altLang="en-US" dirty="0"/>
+                    </a:p>
+                  </a:txBody>
+                  <a:tcPr/>
+                </a:tc>
+                <a:tc>
+                  <a:txBody>
+                    <a:bodyPr/>
+                    <a:lstStyle/>
+                    <a:p>
+                      <a:r>
+                        <a:rPr lang="en-US" altLang="ja-JP" dirty="0"/>
+                        <a:t>0.2 </a:t>
+                      </a:r>
+                      <a:endParaRPr kumimoji="1" lang="ja-JP" altLang="en-US" dirty="0"/>
+                    </a:p>
+                  </a:txBody>
+                  <a:tcPr/>
+                </a:tc>
+                <a:extLst>
+                  <a:ext uri="{0D108BD9-81ED-4DB2-BD59-A6C34878D82A}">
+                    <a16:rowId xmlns:a16="http://schemas.microsoft.com/office/drawing/2014/main" val="3260624995"/>
+                  </a:ext>
+                </a:extLst>
+              </a:tr>
+            </a:tbl>
+          </a:graphicData>
+        </a:graphic>
+      </p:graphicFrame>
+    </p:spTree>
+    <p:extLst>
+      <p:ext uri="{BB962C8B-B14F-4D97-AF65-F5344CB8AC3E}">
+        <p14:creationId xmlns:p14="http://schemas.microsoft.com/office/powerpoint/2010/main" val="3102275494"/>
+      </p:ext>
+    </p:extLst>
+  </p:cSld>
+  <p:clrMapOvr>
+    <a:masterClrMapping/>
+  </p:clrMapOvr>
+</p:sld>
+</file>
+
+<file path=ppt/slides/slide41.xml><?xml version="1.0" encoding="utf-8"?>
+<p:sld xmlns:a="http://schemas.openxmlformats.org/drawingml/2006/main" xmlns:r="http://schemas.openxmlformats.org/officeDocument/2006/relationships" xmlns:p="http://schemas.openxmlformats.org/presentationml/2006/main">
+  <p:cSld>
+    <p:spTree>
+      <p:nvGrpSpPr>
+        <p:cNvPr id="1" name=""/>
+        <p:cNvGrpSpPr/>
+        <p:nvPr/>
+      </p:nvGrpSpPr>
+      <p:grpSpPr>
+        <a:xfrm>
+          <a:off x="0" y="0"/>
+          <a:ext cx="0" cy="0"/>
+          <a:chOff x="0" y="0"/>
+          <a:chExt cx="0" cy="0"/>
+        </a:xfrm>
+      </p:grpSpPr>
+      <p:sp>
+        <p:nvSpPr>
+          <p:cNvPr id="2" name="タイトル 1">
+            <a:extLst>
+              <a:ext uri="{FF2B5EF4-FFF2-40B4-BE49-F238E27FC236}">
+                <a16:creationId xmlns:a16="http://schemas.microsoft.com/office/drawing/2014/main" id="{D46ABB39-F0C4-4941-8AC3-45B843579753}"/>
+              </a:ext>
+            </a:extLst>
+          </p:cNvPr>
+          <p:cNvSpPr>
+            <a:spLocks noGrp="1"/>
+          </p:cNvSpPr>
+          <p:nvPr>
+            <p:ph type="title"/>
+          </p:nvPr>
+        </p:nvSpPr>
+        <p:spPr/>
+        <p:txBody>
+          <a:bodyPr/>
+          <a:lstStyle/>
+          <a:p>
+            <a:r>
+              <a:rPr kumimoji="1" lang="ja-JP" altLang="en-US" dirty="0"/>
+              <a:t>実験</a:t>
+            </a:r>
+            <a:r>
+              <a:rPr lang="en-US" altLang="ja-JP" dirty="0"/>
+              <a:t>2</a:t>
+            </a:r>
+            <a:r>
+              <a:rPr kumimoji="1" lang="en-US" altLang="ja-JP" dirty="0"/>
+              <a:t> </a:t>
+            </a:r>
+            <a:r>
+              <a:rPr kumimoji="1" lang="ja-JP" altLang="en-US" dirty="0"/>
+              <a:t>： 結果</a:t>
+            </a:r>
+          </a:p>
+        </p:txBody>
+      </p:sp>
+      <p:sp>
+        <p:nvSpPr>
+          <p:cNvPr id="3" name="コンテンツ プレースホルダー 2">
+            <a:extLst>
+              <a:ext uri="{FF2B5EF4-FFF2-40B4-BE49-F238E27FC236}">
+                <a16:creationId xmlns:a16="http://schemas.microsoft.com/office/drawing/2014/main" id="{16CD0B30-B81C-48A7-AD69-55ECEFD9088C}"/>
+              </a:ext>
+            </a:extLst>
+          </p:cNvPr>
+          <p:cNvSpPr>
+            <a:spLocks noGrp="1"/>
+          </p:cNvSpPr>
+          <p:nvPr>
+            <p:ph idx="1"/>
+          </p:nvPr>
+        </p:nvSpPr>
+        <p:spPr/>
+        <p:txBody>
+          <a:bodyPr/>
+          <a:lstStyle/>
+          <a:p>
+            <a:endParaRPr kumimoji="1" lang="ja-JP" altLang="en-US" dirty="0"/>
+          </a:p>
+        </p:txBody>
+      </p:sp>
+      <p:sp>
+        <p:nvSpPr>
+          <p:cNvPr id="4" name="スライド番号プレースホルダー 3">
+            <a:extLst>
+              <a:ext uri="{FF2B5EF4-FFF2-40B4-BE49-F238E27FC236}">
+                <a16:creationId xmlns:a16="http://schemas.microsoft.com/office/drawing/2014/main" id="{0B3C2E9D-0858-4A34-8898-41EF151E398D}"/>
+              </a:ext>
+            </a:extLst>
+          </p:cNvPr>
+          <p:cNvSpPr>
+            <a:spLocks noGrp="1"/>
+          </p:cNvSpPr>
+          <p:nvPr>
+            <p:ph type="sldNum" sz="quarter" idx="12"/>
+          </p:nvPr>
+        </p:nvSpPr>
+        <p:spPr/>
+        <p:txBody>
+          <a:bodyPr/>
+          <a:lstStyle/>
+          <a:p>
+            <a:fld id="{304739FC-810C-4CDC-B60F-21F1951FBC64}" type="slidenum">
+              <a:rPr kumimoji="1" lang="ja-JP" altLang="en-US" smtClean="0"/>
+              <a:t>41</a:t>
+            </a:fld>
+            <a:endParaRPr kumimoji="1" lang="ja-JP" altLang="en-US"/>
+          </a:p>
+        </p:txBody>
+      </p:sp>
+    </p:spTree>
+    <p:extLst>
+      <p:ext uri="{BB962C8B-B14F-4D97-AF65-F5344CB8AC3E}">
+        <p14:creationId xmlns:p14="http://schemas.microsoft.com/office/powerpoint/2010/main" val="1491949379"/>
+      </p:ext>
+    </p:extLst>
+  </p:cSld>
+  <p:clrMapOvr>
+    <a:masterClrMapping/>
+  </p:clrMapOvr>
+</p:sld>
+</file>
+
+<file path=ppt/slides/slide42.xml><?xml version="1.0" encoding="utf-8"?>
+<p:sld xmlns:a="http://schemas.openxmlformats.org/drawingml/2006/main" xmlns:r="http://schemas.openxmlformats.org/officeDocument/2006/relationships" xmlns:p="http://schemas.openxmlformats.org/presentationml/2006/main">
+  <p:cSld>
+    <p:spTree>
+      <p:nvGrpSpPr>
+        <p:cNvPr id="1" name=""/>
+        <p:cNvGrpSpPr/>
+        <p:nvPr/>
+      </p:nvGrpSpPr>
+      <p:grpSpPr>
+        <a:xfrm>
+          <a:off x="0" y="0"/>
+          <a:ext cx="0" cy="0"/>
+          <a:chOff x="0" y="0"/>
+          <a:chExt cx="0" cy="0"/>
+        </a:xfrm>
+      </p:grpSpPr>
+      <p:sp>
+        <p:nvSpPr>
+          <p:cNvPr id="2" name="タイトル 1">
+            <a:extLst>
+              <a:ext uri="{FF2B5EF4-FFF2-40B4-BE49-F238E27FC236}">
+                <a16:creationId xmlns:a16="http://schemas.microsoft.com/office/drawing/2014/main" id="{99A71CDC-97C2-465F-8B9B-AE9D55104F50}"/>
+              </a:ext>
+            </a:extLst>
+          </p:cNvPr>
+          <p:cNvSpPr>
+            <a:spLocks noGrp="1"/>
+          </p:cNvSpPr>
+          <p:nvPr>
+            <p:ph type="title"/>
+          </p:nvPr>
+        </p:nvSpPr>
+        <p:spPr/>
+        <p:txBody>
+          <a:bodyPr/>
+          <a:lstStyle/>
+          <a:p>
+            <a:r>
+              <a:rPr kumimoji="1" lang="ja-JP" altLang="en-US" dirty="0"/>
+              <a:t>発表の流れ</a:t>
+            </a:r>
+          </a:p>
+        </p:txBody>
+      </p:sp>
+      <p:sp>
+        <p:nvSpPr>
+          <p:cNvPr id="3" name="コンテンツ プレースホルダー 2">
+            <a:extLst>
+              <a:ext uri="{FF2B5EF4-FFF2-40B4-BE49-F238E27FC236}">
+                <a16:creationId xmlns:a16="http://schemas.microsoft.com/office/drawing/2014/main" id="{EA6F3566-9A84-4DED-A27B-A69CD8CF6C57}"/>
+              </a:ext>
+            </a:extLst>
+          </p:cNvPr>
+          <p:cNvSpPr>
+            <a:spLocks noGrp="1"/>
+          </p:cNvSpPr>
+          <p:nvPr>
+            <p:ph idx="1"/>
+          </p:nvPr>
+        </p:nvSpPr>
+        <p:spPr>
+          <a:xfrm>
+            <a:off x="822959" y="1661049"/>
+            <a:ext cx="7543801" cy="4531925"/>
+          </a:xfrm>
+        </p:spPr>
+        <p:txBody>
+          <a:bodyPr/>
+          <a:lstStyle/>
+          <a:p>
+            <a:pPr marL="742950" indent="-742950">
+              <a:buFont typeface="+mj-lt"/>
+              <a:buAutoNum type="arabicPeriod"/>
+            </a:pPr>
+            <a:r>
+              <a:rPr kumimoji="1" lang="ja-JP" altLang="en-US" dirty="0">
+                <a:solidFill>
+                  <a:schemeClr val="bg1">
+                    <a:lumMod val="75000"/>
+                  </a:schemeClr>
+                </a:solidFill>
+              </a:rPr>
+              <a:t>はじめに</a:t>
+            </a:r>
+            <a:endParaRPr kumimoji="1" lang="en-US" altLang="ja-JP" dirty="0">
+              <a:solidFill>
+                <a:schemeClr val="bg1">
+                  <a:lumMod val="75000"/>
+                </a:schemeClr>
+              </a:solidFill>
+            </a:endParaRPr>
+          </a:p>
+          <a:p>
+            <a:pPr marL="742950" indent="-742950">
+              <a:buFont typeface="+mj-lt"/>
+              <a:buAutoNum type="arabicPeriod"/>
+            </a:pPr>
+            <a:r>
+              <a:rPr lang="ja-JP" altLang="en-US" dirty="0">
+                <a:solidFill>
+                  <a:schemeClr val="bg1">
+                    <a:lumMod val="75000"/>
+                  </a:schemeClr>
+                </a:solidFill>
+              </a:rPr>
+              <a:t>要素技術</a:t>
+            </a:r>
+            <a:endParaRPr lang="en-US" altLang="ja-JP" dirty="0">
+              <a:solidFill>
+                <a:schemeClr val="bg1">
+                  <a:lumMod val="75000"/>
+                </a:schemeClr>
+              </a:solidFill>
+            </a:endParaRPr>
+          </a:p>
+          <a:p>
+            <a:pPr marL="742950" indent="-742950">
+              <a:buFont typeface="+mj-lt"/>
+              <a:buAutoNum type="arabicPeriod"/>
+            </a:pPr>
+            <a:r>
+              <a:rPr lang="ja-JP" altLang="en-US" dirty="0">
+                <a:solidFill>
+                  <a:schemeClr val="bg1">
+                    <a:lumMod val="75000"/>
+                  </a:schemeClr>
+                </a:solidFill>
+              </a:rPr>
+              <a:t>問題</a:t>
+            </a:r>
+            <a:endParaRPr lang="en-US" altLang="ja-JP" dirty="0">
+              <a:solidFill>
+                <a:schemeClr val="bg1">
+                  <a:lumMod val="75000"/>
+                </a:schemeClr>
+              </a:solidFill>
+            </a:endParaRPr>
+          </a:p>
+          <a:p>
+            <a:pPr marL="742950" indent="-742950">
+              <a:buFont typeface="+mj-lt"/>
+              <a:buAutoNum type="arabicPeriod"/>
+            </a:pPr>
+            <a:r>
+              <a:rPr kumimoji="1" lang="ja-JP" altLang="en-US" dirty="0">
+                <a:solidFill>
+                  <a:schemeClr val="bg1">
+                    <a:lumMod val="75000"/>
+                  </a:schemeClr>
+                </a:solidFill>
+              </a:rPr>
+              <a:t>手法１</a:t>
+            </a:r>
+            <a:endParaRPr kumimoji="1" lang="en-US" altLang="ja-JP" dirty="0">
+              <a:solidFill>
+                <a:schemeClr val="bg1">
+                  <a:lumMod val="75000"/>
+                </a:schemeClr>
+              </a:solidFill>
+            </a:endParaRPr>
+          </a:p>
+          <a:p>
+            <a:pPr marL="742950" indent="-742950">
+              <a:buFont typeface="+mj-lt"/>
+              <a:buAutoNum type="arabicPeriod"/>
+            </a:pPr>
+            <a:r>
+              <a:rPr lang="ja-JP" altLang="en-US" dirty="0">
+                <a:solidFill>
+                  <a:schemeClr val="bg1">
+                    <a:lumMod val="75000"/>
+                  </a:schemeClr>
+                </a:solidFill>
+              </a:rPr>
+              <a:t>手法２</a:t>
+            </a:r>
+            <a:r>
+              <a:rPr lang="en-US" altLang="ja-JP" dirty="0">
+                <a:solidFill>
+                  <a:schemeClr val="bg1">
+                    <a:lumMod val="75000"/>
+                  </a:schemeClr>
+                </a:solidFill>
+              </a:rPr>
+              <a:t>(GA)</a:t>
+            </a:r>
+          </a:p>
+          <a:p>
+            <a:pPr marL="742950" indent="-742950">
+              <a:buFont typeface="+mj-lt"/>
+              <a:buAutoNum type="arabicPeriod"/>
+            </a:pPr>
+            <a:r>
+              <a:rPr kumimoji="1" lang="ja-JP" altLang="en-US" dirty="0"/>
+              <a:t>まとめと今後の課題</a:t>
+            </a:r>
+          </a:p>
+        </p:txBody>
+      </p:sp>
+      <p:sp>
+        <p:nvSpPr>
+          <p:cNvPr id="4" name="スライド番号プレースホルダー 3">
+            <a:extLst>
+              <a:ext uri="{FF2B5EF4-FFF2-40B4-BE49-F238E27FC236}">
+                <a16:creationId xmlns:a16="http://schemas.microsoft.com/office/drawing/2014/main" id="{35C788A5-E800-4B67-8212-144F12E0C41A}"/>
+              </a:ext>
+            </a:extLst>
+          </p:cNvPr>
+          <p:cNvSpPr>
+            <a:spLocks noGrp="1"/>
+          </p:cNvSpPr>
+          <p:nvPr>
+            <p:ph type="sldNum" sz="quarter" idx="12"/>
+          </p:nvPr>
+        </p:nvSpPr>
+        <p:spPr/>
+        <p:txBody>
+          <a:bodyPr/>
+          <a:lstStyle/>
+          <a:p>
+            <a:fld id="{304739FC-810C-4CDC-B60F-21F1951FBC64}" type="slidenum">
+              <a:rPr kumimoji="1" lang="ja-JP" altLang="en-US" smtClean="0"/>
+              <a:t>42</a:t>
+            </a:fld>
+            <a:endParaRPr kumimoji="1" lang="ja-JP" altLang="en-US"/>
+          </a:p>
+        </p:txBody>
+      </p:sp>
+    </p:spTree>
+    <p:extLst>
+      <p:ext uri="{BB962C8B-B14F-4D97-AF65-F5344CB8AC3E}">
+        <p14:creationId xmlns:p14="http://schemas.microsoft.com/office/powerpoint/2010/main" val="3968973922"/>
+      </p:ext>
+    </p:extLst>
+  </p:cSld>
+  <p:clrMapOvr>
+    <a:masterClrMapping/>
+  </p:clrMapOvr>
+</p:sld>
+</file>
+
+<file path=ppt/slides/slide43.xml><?xml version="1.0" encoding="utf-8"?>
+<p:sld xmlns:a="http://schemas.openxmlformats.org/drawingml/2006/main" xmlns:r="http://schemas.openxmlformats.org/officeDocument/2006/relationships" xmlns:p="http://schemas.openxmlformats.org/presentationml/2006/main">
+  <p:cSld>
+    <p:spTree>
+      <p:nvGrpSpPr>
+        <p:cNvPr id="1" name=""/>
+        <p:cNvGrpSpPr/>
+        <p:nvPr/>
+      </p:nvGrpSpPr>
+      <p:grpSpPr>
+        <a:xfrm>
+          <a:off x="0" y="0"/>
+          <a:ext cx="0" cy="0"/>
+          <a:chOff x="0" y="0"/>
+          <a:chExt cx="0" cy="0"/>
+        </a:xfrm>
+      </p:grpSpPr>
+      <p:sp>
+        <p:nvSpPr>
+          <p:cNvPr id="2" name="タイトル 1">
+            <a:extLst>
+              <a:ext uri="{FF2B5EF4-FFF2-40B4-BE49-F238E27FC236}">
+                <a16:creationId xmlns:a16="http://schemas.microsoft.com/office/drawing/2014/main" id="{C13883A1-0AA4-4AB6-9869-3F71111C26F1}"/>
+              </a:ext>
+            </a:extLst>
+          </p:cNvPr>
+          <p:cNvSpPr>
+            <a:spLocks noGrp="1"/>
+          </p:cNvSpPr>
+          <p:nvPr>
+            <p:ph type="title"/>
+          </p:nvPr>
+        </p:nvSpPr>
+        <p:spPr/>
+        <p:txBody>
+          <a:bodyPr/>
+          <a:lstStyle/>
+          <a:p>
+            <a:r>
+              <a:rPr kumimoji="1" lang="ja-JP" altLang="en-US" dirty="0"/>
+              <a:t>まとめと</a:t>
+            </a:r>
+            <a:r>
+              <a:rPr lang="ja-JP" altLang="en-US" dirty="0"/>
+              <a:t>今後の課題</a:t>
+            </a:r>
+            <a:endParaRPr kumimoji="1" lang="ja-JP" altLang="en-US" dirty="0"/>
+          </a:p>
+        </p:txBody>
+      </p:sp>
+      <p:sp>
+        <p:nvSpPr>
+          <p:cNvPr id="3" name="コンテンツ プレースホルダー 2">
+            <a:extLst>
+              <a:ext uri="{FF2B5EF4-FFF2-40B4-BE49-F238E27FC236}">
+                <a16:creationId xmlns:a16="http://schemas.microsoft.com/office/drawing/2014/main" id="{606BB0F9-8ECE-42A0-9906-D3BFA124AD33}"/>
+              </a:ext>
+            </a:extLst>
+          </p:cNvPr>
+          <p:cNvSpPr>
+            <a:spLocks noGrp="1"/>
+          </p:cNvSpPr>
+          <p:nvPr>
+            <p:ph idx="1"/>
+          </p:nvPr>
+        </p:nvSpPr>
+        <p:spPr/>
+        <p:txBody>
+          <a:bodyPr>
+            <a:normAutofit/>
+          </a:bodyPr>
+          <a:lstStyle/>
+          <a:p>
+            <a:r>
+              <a:rPr lang="ja-JP" altLang="en-US" dirty="0"/>
+              <a:t>アーキテクチャ構造の制限を</a:t>
+            </a:r>
+            <a:endParaRPr lang="en-US" altLang="ja-JP" dirty="0"/>
+          </a:p>
+          <a:p>
+            <a:r>
+              <a:rPr lang="ja-JP" altLang="en-US" dirty="0"/>
+              <a:t>緩和する探索の実現</a:t>
+            </a:r>
+            <a:endParaRPr lang="en-US" altLang="ja-JP" dirty="0"/>
+          </a:p>
+          <a:p>
+            <a:endParaRPr lang="en-US" altLang="ja-JP" dirty="0"/>
+          </a:p>
+          <a:p>
+            <a:r>
+              <a:rPr lang="ja-JP" altLang="en-US" dirty="0"/>
+              <a:t>課題</a:t>
+            </a:r>
+            <a:endParaRPr lang="en-US" altLang="ja-JP" dirty="0"/>
+          </a:p>
+          <a:p>
+            <a:r>
+              <a:rPr lang="ja-JP" altLang="en-US" dirty="0"/>
+              <a:t>選択しないという候補を導入</a:t>
+            </a:r>
+            <a:endParaRPr lang="en-US" altLang="ja-JP" dirty="0"/>
+          </a:p>
+          <a:p>
+            <a:r>
+              <a:rPr lang="ja-JP" altLang="en-US" dirty="0"/>
+              <a:t>他のショートカットと妥当な比較</a:t>
+            </a:r>
+            <a:endParaRPr kumimoji="1" lang="ja-JP" altLang="en-US" dirty="0"/>
+          </a:p>
+        </p:txBody>
+      </p:sp>
+      <p:sp>
+        <p:nvSpPr>
+          <p:cNvPr id="4" name="スライド番号プレースホルダー 3">
+            <a:extLst>
+              <a:ext uri="{FF2B5EF4-FFF2-40B4-BE49-F238E27FC236}">
+                <a16:creationId xmlns:a16="http://schemas.microsoft.com/office/drawing/2014/main" id="{E51138E7-6D8B-4FBE-A0B6-0658EFDF9F6E}"/>
+              </a:ext>
+            </a:extLst>
+          </p:cNvPr>
+          <p:cNvSpPr>
+            <a:spLocks noGrp="1"/>
+          </p:cNvSpPr>
+          <p:nvPr>
+            <p:ph type="sldNum" sz="quarter" idx="12"/>
+          </p:nvPr>
+        </p:nvSpPr>
+        <p:spPr/>
+        <p:txBody>
+          <a:bodyPr/>
+          <a:lstStyle/>
+          <a:p>
+            <a:fld id="{304739FC-810C-4CDC-B60F-21F1951FBC64}" type="slidenum">
+              <a:rPr kumimoji="1" lang="ja-JP" altLang="en-US" smtClean="0"/>
+              <a:t>43</a:t>
+            </a:fld>
+            <a:endParaRPr kumimoji="1" lang="ja-JP" altLang="en-US"/>
+          </a:p>
+        </p:txBody>
+      </p:sp>
+    </p:spTree>
+    <p:extLst>
+      <p:ext uri="{BB962C8B-B14F-4D97-AF65-F5344CB8AC3E}">
+        <p14:creationId xmlns:p14="http://schemas.microsoft.com/office/powerpoint/2010/main" val="731302677"/>
+      </p:ext>
+    </p:extLst>
+  </p:cSld>
+  <p:clrMapOvr>
+    <a:masterClrMapping/>
+  </p:clrMapOvr>
+</p:sld>
+</file>
+
+<file path=ppt/slides/slide44.xml><?xml version="1.0" encoding="utf-8"?>
+<p:sld xmlns:a="http://schemas.openxmlformats.org/drawingml/2006/main" xmlns:r="http://schemas.openxmlformats.org/officeDocument/2006/relationships" xmlns:p="http://schemas.openxmlformats.org/presentationml/2006/main">
+  <p:cSld>
+    <p:spTree>
+      <p:nvGrpSpPr>
+        <p:cNvPr id="1" name=""/>
+        <p:cNvGrpSpPr/>
+        <p:nvPr/>
+      </p:nvGrpSpPr>
+      <p:grpSpPr>
+        <a:xfrm>
+          <a:off x="0" y="0"/>
+          <a:ext cx="0" cy="0"/>
+          <a:chOff x="0" y="0"/>
+          <a:chExt cx="0" cy="0"/>
+        </a:xfrm>
+      </p:grpSpPr>
+      <p:sp>
+        <p:nvSpPr>
+          <p:cNvPr id="2" name="タイトル 1">
+            <a:extLst>
+              <a:ext uri="{FF2B5EF4-FFF2-40B4-BE49-F238E27FC236}">
+                <a16:creationId xmlns:a16="http://schemas.microsoft.com/office/drawing/2014/main" id="{4716D355-9E1D-4AB6-8913-AD0CC3F84BD9}"/>
+              </a:ext>
+            </a:extLst>
+          </p:cNvPr>
+          <p:cNvSpPr>
+            <a:spLocks noGrp="1"/>
+          </p:cNvSpPr>
+          <p:nvPr>
+            <p:ph type="title"/>
+          </p:nvPr>
+        </p:nvSpPr>
+        <p:spPr/>
+        <p:txBody>
+          <a:bodyPr/>
+          <a:lstStyle/>
+          <a:p>
+            <a:r>
+              <a:rPr lang="ja-JP" altLang="en-US" dirty="0"/>
+              <a:t>まとめと今後の課題</a:t>
+            </a:r>
+            <a:endParaRPr kumimoji="1" lang="ja-JP" altLang="en-US" dirty="0"/>
+          </a:p>
+        </p:txBody>
+      </p:sp>
+      <p:sp>
+        <p:nvSpPr>
+          <p:cNvPr id="3" name="コンテンツ プレースホルダー 2">
+            <a:extLst>
+              <a:ext uri="{FF2B5EF4-FFF2-40B4-BE49-F238E27FC236}">
+                <a16:creationId xmlns:a16="http://schemas.microsoft.com/office/drawing/2014/main" id="{372EB16E-4118-4724-9DD3-4445911976F0}"/>
+              </a:ext>
+            </a:extLst>
+          </p:cNvPr>
+          <p:cNvSpPr>
+            <a:spLocks noGrp="1"/>
+          </p:cNvSpPr>
+          <p:nvPr>
+            <p:ph idx="1"/>
+          </p:nvPr>
+        </p:nvSpPr>
+        <p:spPr>
+          <a:xfrm>
+            <a:off x="822959" y="1661049"/>
+            <a:ext cx="8016241" cy="4531925"/>
+          </a:xfrm>
+        </p:spPr>
+        <p:txBody>
+          <a:bodyPr>
+            <a:normAutofit/>
+          </a:bodyPr>
+          <a:lstStyle/>
+          <a:p>
+            <a:r>
+              <a:rPr lang="en-US" altLang="ja-JP" dirty="0"/>
+              <a:t>GA</a:t>
+            </a:r>
+            <a:r>
+              <a:rPr lang="ja-JP" altLang="en-US" dirty="0"/>
+              <a:t>によるショートカットの本数の分析</a:t>
+            </a:r>
+            <a:endParaRPr lang="en-US" altLang="ja-JP" dirty="0"/>
+          </a:p>
+          <a:p>
+            <a:endParaRPr lang="en-US" altLang="ja-JP" dirty="0"/>
+          </a:p>
+          <a:p>
+            <a:r>
+              <a:rPr lang="ja-JP" altLang="en-US" dirty="0"/>
+              <a:t>課題</a:t>
+            </a:r>
+            <a:endParaRPr lang="en-US" altLang="ja-JP" dirty="0"/>
+          </a:p>
+          <a:p>
+            <a:r>
+              <a:rPr lang="ja-JP" altLang="en-US" dirty="0"/>
+              <a:t>実問題に対して汎用性確認</a:t>
+            </a:r>
+            <a:endParaRPr lang="en-US" altLang="ja-JP" dirty="0"/>
+          </a:p>
+          <a:p>
+            <a:r>
+              <a:rPr lang="ja-JP" altLang="en-US" dirty="0"/>
+              <a:t>パラメータ数が少ないモデルが</a:t>
+            </a:r>
+            <a:endParaRPr lang="en-US" altLang="ja-JP" dirty="0"/>
+          </a:p>
+          <a:p>
+            <a:r>
+              <a:rPr lang="ja-JP" altLang="en-US" dirty="0"/>
+              <a:t>得られるような適応度の設定</a:t>
+            </a:r>
+            <a:endParaRPr kumimoji="1" lang="ja-JP" altLang="en-US" dirty="0"/>
+          </a:p>
+        </p:txBody>
+      </p:sp>
+      <p:sp>
+        <p:nvSpPr>
+          <p:cNvPr id="4" name="スライド番号プレースホルダー 3">
+            <a:extLst>
+              <a:ext uri="{FF2B5EF4-FFF2-40B4-BE49-F238E27FC236}">
+                <a16:creationId xmlns:a16="http://schemas.microsoft.com/office/drawing/2014/main" id="{AA03A4AA-EAD6-4458-A4A6-95E81BCFB8C8}"/>
+              </a:ext>
+            </a:extLst>
+          </p:cNvPr>
+          <p:cNvSpPr>
+            <a:spLocks noGrp="1"/>
+          </p:cNvSpPr>
+          <p:nvPr>
+            <p:ph type="sldNum" sz="quarter" idx="12"/>
+          </p:nvPr>
+        </p:nvSpPr>
+        <p:spPr/>
+        <p:txBody>
+          <a:bodyPr/>
+          <a:lstStyle/>
+          <a:p>
+            <a:fld id="{304739FC-810C-4CDC-B60F-21F1951FBC64}" type="slidenum">
+              <a:rPr kumimoji="1" lang="ja-JP" altLang="en-US" smtClean="0"/>
+              <a:t>44</a:t>
+            </a:fld>
+            <a:endParaRPr kumimoji="1" lang="ja-JP" altLang="en-US"/>
+          </a:p>
+        </p:txBody>
+      </p:sp>
+    </p:spTree>
+    <p:extLst>
+      <p:ext uri="{BB962C8B-B14F-4D97-AF65-F5344CB8AC3E}">
+        <p14:creationId xmlns:p14="http://schemas.microsoft.com/office/powerpoint/2010/main" val="3275768855"/>
+      </p:ext>
+    </p:extLst>
+  </p:cSld>
+  <p:clrMapOvr>
+    <a:masterClrMapping/>
+  </p:clrMapOvr>
+</p:sld>
+</file>
+
+<file path=ppt/slides/slide45.xml><?xml version="1.0" encoding="utf-8"?>
+<p:sld xmlns:a="http://schemas.openxmlformats.org/drawingml/2006/main" xmlns:r="http://schemas.openxmlformats.org/officeDocument/2006/relationships" xmlns:p="http://schemas.openxmlformats.org/presentationml/2006/main">
+  <p:cSld>
+    <p:spTree>
+      <p:nvGrpSpPr>
+        <p:cNvPr id="1" name=""/>
+        <p:cNvGrpSpPr/>
+        <p:nvPr/>
+      </p:nvGrpSpPr>
+      <p:grpSpPr>
+        <a:xfrm>
+          <a:off x="0" y="0"/>
+          <a:ext cx="0" cy="0"/>
+          <a:chOff x="0" y="0"/>
+          <a:chExt cx="0" cy="0"/>
+        </a:xfrm>
+      </p:grpSpPr>
+      <p:sp>
+        <p:nvSpPr>
+          <p:cNvPr id="8" name="タイトル 7">
+            <a:extLst>
+              <a:ext uri="{FF2B5EF4-FFF2-40B4-BE49-F238E27FC236}">
+                <a16:creationId xmlns:a16="http://schemas.microsoft.com/office/drawing/2014/main" id="{5695746B-2D09-43FB-B1D1-BE7F3EB79F5C}"/>
+              </a:ext>
+            </a:extLst>
+          </p:cNvPr>
+          <p:cNvSpPr>
+            <a:spLocks noGrp="1"/>
+          </p:cNvSpPr>
+          <p:nvPr>
+            <p:ph type="title"/>
+          </p:nvPr>
+        </p:nvSpPr>
+        <p:spPr/>
+        <p:txBody>
+          <a:bodyPr>
+            <a:normAutofit/>
+          </a:bodyPr>
+          <a:lstStyle/>
+          <a:p>
+            <a:r>
+              <a:rPr lang="ja-JP" altLang="en-US" sz="6000" dirty="0"/>
+              <a:t>ご清聴ありがとう</a:t>
+            </a:r>
+            <a:br>
+              <a:rPr lang="en-US" altLang="ja-JP" sz="6000" dirty="0"/>
+            </a:br>
+            <a:r>
+              <a:rPr lang="ja-JP" altLang="en-US" sz="6000" dirty="0"/>
+              <a:t>ございました</a:t>
+            </a:r>
+            <a:endParaRPr kumimoji="1" lang="ja-JP" altLang="en-US" sz="6000" dirty="0"/>
+          </a:p>
+        </p:txBody>
+      </p:sp>
+      <p:sp>
+        <p:nvSpPr>
+          <p:cNvPr id="4" name="スライド番号プレースホルダー 3">
+            <a:extLst>
+              <a:ext uri="{FF2B5EF4-FFF2-40B4-BE49-F238E27FC236}">
+                <a16:creationId xmlns:a16="http://schemas.microsoft.com/office/drawing/2014/main" id="{FD0E98B8-3A05-4CDB-9494-F03EA8DF9B7F}"/>
+              </a:ext>
+            </a:extLst>
+          </p:cNvPr>
+          <p:cNvSpPr>
+            <a:spLocks noGrp="1"/>
+          </p:cNvSpPr>
+          <p:nvPr>
+            <p:ph type="sldNum" sz="quarter" idx="12"/>
+          </p:nvPr>
+        </p:nvSpPr>
+        <p:spPr/>
+        <p:txBody>
+          <a:bodyPr/>
+          <a:lstStyle/>
+          <a:p>
+            <a:fld id="{304739FC-810C-4CDC-B60F-21F1951FBC64}" type="slidenum">
+              <a:rPr kumimoji="1" lang="ja-JP" altLang="en-US" smtClean="0"/>
+              <a:t>45</a:t>
             </a:fld>
             <a:endParaRPr kumimoji="1" lang="ja-JP" altLang="en-US"/>
           </a:p>

--- a/report/2020後期/2020_2nd_sugiyama.pptx
+++ b/report/2020後期/2020_2nd_sugiyama.pptx
@@ -5,7 +5,7 @@
     <p:sldMasterId id="2147483672" r:id="rId1"/>
   </p:sldMasterIdLst>
   <p:notesMasterIdLst>
-    <p:notesMasterId r:id="rId47"/>
+    <p:notesMasterId r:id="rId54"/>
   </p:notesMasterIdLst>
   <p:sldIdLst>
     <p:sldId id="256" r:id="rId2"/>
@@ -37,22 +37,29 @@
     <p:sldId id="268" r:id="rId28"/>
     <p:sldId id="295" r:id="rId29"/>
     <p:sldId id="276" r:id="rId30"/>
-    <p:sldId id="269" r:id="rId31"/>
-    <p:sldId id="309" r:id="rId32"/>
-    <p:sldId id="308" r:id="rId33"/>
-    <p:sldId id="296" r:id="rId34"/>
-    <p:sldId id="297" r:id="rId35"/>
-    <p:sldId id="310" r:id="rId36"/>
-    <p:sldId id="311" r:id="rId37"/>
-    <p:sldId id="277" r:id="rId38"/>
-    <p:sldId id="298" r:id="rId39"/>
-    <p:sldId id="312" r:id="rId40"/>
-    <p:sldId id="299" r:id="rId41"/>
-    <p:sldId id="300" r:id="rId42"/>
-    <p:sldId id="278" r:id="rId43"/>
-    <p:sldId id="293" r:id="rId44"/>
-    <p:sldId id="294" r:id="rId45"/>
-    <p:sldId id="307" r:id="rId46"/>
+    <p:sldId id="318" r:id="rId31"/>
+    <p:sldId id="313" r:id="rId32"/>
+    <p:sldId id="309" r:id="rId33"/>
+    <p:sldId id="308" r:id="rId34"/>
+    <p:sldId id="296" r:id="rId35"/>
+    <p:sldId id="297" r:id="rId36"/>
+    <p:sldId id="310" r:id="rId37"/>
+    <p:sldId id="315" r:id="rId38"/>
+    <p:sldId id="316" r:id="rId39"/>
+    <p:sldId id="314" r:id="rId40"/>
+    <p:sldId id="317" r:id="rId41"/>
+    <p:sldId id="277" r:id="rId42"/>
+    <p:sldId id="298" r:id="rId43"/>
+    <p:sldId id="312" r:id="rId44"/>
+    <p:sldId id="299" r:id="rId45"/>
+    <p:sldId id="300" r:id="rId46"/>
+    <p:sldId id="321" r:id="rId47"/>
+    <p:sldId id="320" r:id="rId48"/>
+    <p:sldId id="319" r:id="rId49"/>
+    <p:sldId id="278" r:id="rId50"/>
+    <p:sldId id="293" r:id="rId51"/>
+    <p:sldId id="294" r:id="rId52"/>
+    <p:sldId id="307" r:id="rId53"/>
   </p:sldIdLst>
   <p:sldSz cx="9144000" cy="6858000" type="screen4x3"/>
   <p:notesSz cx="6858000" cy="9144000"/>
@@ -201,13 +208,17 @@
         <p14:section name="実験１" id="{7193612D-D5C7-4CEE-8D90-11755AE6C4DA}">
           <p14:sldIdLst>
             <p14:sldId id="276"/>
-            <p14:sldId id="269"/>
+            <p14:sldId id="318"/>
+            <p14:sldId id="313"/>
             <p14:sldId id="309"/>
             <p14:sldId id="308"/>
             <p14:sldId id="296"/>
             <p14:sldId id="297"/>
             <p14:sldId id="310"/>
-            <p14:sldId id="311"/>
+            <p14:sldId id="315"/>
+            <p14:sldId id="316"/>
+            <p14:sldId id="314"/>
+            <p14:sldId id="317"/>
           </p14:sldIdLst>
         </p14:section>
         <p14:section name="実験2" id="{C2EA450A-6529-4ED3-82D8-59D81AEA30EC}">
@@ -217,6 +228,9 @@
             <p14:sldId id="312"/>
             <p14:sldId id="299"/>
             <p14:sldId id="300"/>
+            <p14:sldId id="321"/>
+            <p14:sldId id="320"/>
+            <p14:sldId id="319"/>
           </p14:sldIdLst>
         </p14:section>
         <p14:section name="まとめ" id="{5FBA91C0-6D67-487B-815A-0984769D4D87}">
@@ -230,7 +244,18 @@
       </p14:sectionLst>
     </p:ext>
     <p:ext uri="{EFAFB233-063F-42B5-8137-9DF3F51BA10A}">
-      <p15:sldGuideLst xmlns:p15="http://schemas.microsoft.com/office/powerpoint/2012/main"/>
+      <p15:sldGuideLst xmlns:p15="http://schemas.microsoft.com/office/powerpoint/2012/main">
+        <p15:guide id="1" orient="horz" pos="2160" userDrawn="1">
+          <p15:clr>
+            <a:srgbClr val="A4A3A4"/>
+          </p15:clr>
+        </p15:guide>
+        <p15:guide id="2" pos="2880" userDrawn="1">
+          <p15:clr>
+            <a:srgbClr val="A4A3A4"/>
+          </p15:clr>
+        </p15:guide>
+      </p15:sldGuideLst>
     </p:ext>
   </p:extLst>
 </p:presentation>
@@ -708,6 +733,330 @@
     <p:extLst>
       <p:ext uri="{BB962C8B-B14F-4D97-AF65-F5344CB8AC3E}">
         <p14:creationId xmlns:p14="http://schemas.microsoft.com/office/powerpoint/2010/main" val="2290517362"/>
+      </p:ext>
+    </p:extLst>
+  </p:cSld>
+  <p:clrMapOvr>
+    <a:masterClrMapping/>
+  </p:clrMapOvr>
+</p:notes>
+</file>
+
+<file path=ppt/notesSlides/notesSlide10.xml><?xml version="1.0" encoding="utf-8"?>
+<p:notes xmlns:a="http://schemas.openxmlformats.org/drawingml/2006/main" xmlns:r="http://schemas.openxmlformats.org/officeDocument/2006/relationships" xmlns:p="http://schemas.openxmlformats.org/presentationml/2006/main">
+  <p:cSld>
+    <p:spTree>
+      <p:nvGrpSpPr>
+        <p:cNvPr id="1" name=""/>
+        <p:cNvGrpSpPr/>
+        <p:nvPr/>
+      </p:nvGrpSpPr>
+      <p:grpSpPr>
+        <a:xfrm>
+          <a:off x="0" y="0"/>
+          <a:ext cx="0" cy="0"/>
+          <a:chOff x="0" y="0"/>
+          <a:chExt cx="0" cy="0"/>
+        </a:xfrm>
+      </p:grpSpPr>
+      <p:sp>
+        <p:nvSpPr>
+          <p:cNvPr id="2" name="スライド イメージ プレースホルダー 1"/>
+          <p:cNvSpPr>
+            <a:spLocks noGrp="1" noRot="1" noChangeAspect="1"/>
+          </p:cNvSpPr>
+          <p:nvPr>
+            <p:ph type="sldImg"/>
+          </p:nvPr>
+        </p:nvSpPr>
+        <p:spPr/>
+      </p:sp>
+      <p:sp>
+        <p:nvSpPr>
+          <p:cNvPr id="3" name="ノート プレースホルダー 2"/>
+          <p:cNvSpPr>
+            <a:spLocks noGrp="1"/>
+          </p:cNvSpPr>
+          <p:nvPr>
+            <p:ph type="body" idx="1"/>
+          </p:nvPr>
+        </p:nvSpPr>
+        <p:spPr/>
+        <p:txBody>
+          <a:bodyPr/>
+          <a:lstStyle/>
+          <a:p>
+            <a:r>
+              <a:rPr kumimoji="1" lang="ja-JP" altLang="en-US" dirty="0"/>
+              <a:t>ショートカットの本数も探索</a:t>
+            </a:r>
+          </a:p>
+          <a:p>
+            <a:endParaRPr kumimoji="1" lang="ja-JP" altLang="en-US" dirty="0"/>
+          </a:p>
+        </p:txBody>
+      </p:sp>
+      <p:sp>
+        <p:nvSpPr>
+          <p:cNvPr id="4" name="スライド番号プレースホルダー 3"/>
+          <p:cNvSpPr>
+            <a:spLocks noGrp="1"/>
+          </p:cNvSpPr>
+          <p:nvPr>
+            <p:ph type="sldNum" sz="quarter" idx="5"/>
+          </p:nvPr>
+        </p:nvSpPr>
+        <p:spPr/>
+        <p:txBody>
+          <a:bodyPr/>
+          <a:lstStyle/>
+          <a:p>
+            <a:fld id="{570587E7-E4E0-444A-8778-95544D215363}" type="slidenum">
+              <a:rPr kumimoji="1" lang="ja-JP" altLang="en-US" smtClean="0"/>
+              <a:t>30</a:t>
+            </a:fld>
+            <a:endParaRPr kumimoji="1" lang="ja-JP" altLang="en-US"/>
+          </a:p>
+        </p:txBody>
+      </p:sp>
+    </p:spTree>
+    <p:extLst>
+      <p:ext uri="{BB962C8B-B14F-4D97-AF65-F5344CB8AC3E}">
+        <p14:creationId xmlns:p14="http://schemas.microsoft.com/office/powerpoint/2010/main" val="3509333639"/>
+      </p:ext>
+    </p:extLst>
+  </p:cSld>
+  <p:clrMapOvr>
+    <a:masterClrMapping/>
+  </p:clrMapOvr>
+</p:notes>
+</file>
+
+<file path=ppt/notesSlides/notesSlide11.xml><?xml version="1.0" encoding="utf-8"?>
+<p:notes xmlns:a="http://schemas.openxmlformats.org/drawingml/2006/main" xmlns:r="http://schemas.openxmlformats.org/officeDocument/2006/relationships" xmlns:p="http://schemas.openxmlformats.org/presentationml/2006/main">
+  <p:cSld>
+    <p:spTree>
+      <p:nvGrpSpPr>
+        <p:cNvPr id="1" name=""/>
+        <p:cNvGrpSpPr/>
+        <p:nvPr/>
+      </p:nvGrpSpPr>
+      <p:grpSpPr>
+        <a:xfrm>
+          <a:off x="0" y="0"/>
+          <a:ext cx="0" cy="0"/>
+          <a:chOff x="0" y="0"/>
+          <a:chExt cx="0" cy="0"/>
+        </a:xfrm>
+      </p:grpSpPr>
+      <p:sp>
+        <p:nvSpPr>
+          <p:cNvPr id="2" name="スライド イメージ プレースホルダー 1"/>
+          <p:cNvSpPr>
+            <a:spLocks noGrp="1" noRot="1" noChangeAspect="1"/>
+          </p:cNvSpPr>
+          <p:nvPr>
+            <p:ph type="sldImg"/>
+          </p:nvPr>
+        </p:nvSpPr>
+        <p:spPr/>
+      </p:sp>
+      <p:sp>
+        <p:nvSpPr>
+          <p:cNvPr id="3" name="ノート プレースホルダー 2"/>
+          <p:cNvSpPr>
+            <a:spLocks noGrp="1"/>
+          </p:cNvSpPr>
+          <p:nvPr>
+            <p:ph type="body" idx="1"/>
+          </p:nvPr>
+        </p:nvSpPr>
+        <p:spPr/>
+        <p:txBody>
+          <a:bodyPr/>
+          <a:lstStyle/>
+          <a:p>
+            <a:r>
+              <a:rPr kumimoji="1" lang="ja-JP" altLang="en-US" dirty="0"/>
+              <a:t>実験 </a:t>
+            </a:r>
+            <a:r>
+              <a:rPr kumimoji="1" lang="en-US" altLang="ja-JP" dirty="0"/>
+              <a:t>1 </a:t>
+            </a:r>
+            <a:r>
+              <a:rPr kumimoji="1" lang="ja-JP" altLang="en-US" dirty="0"/>
+              <a:t>では </a:t>
+            </a:r>
+            <a:r>
+              <a:rPr kumimoji="1" lang="en-US" altLang="ja-JP" dirty="0"/>
+              <a:t>α </a:t>
+            </a:r>
+            <a:r>
+              <a:rPr kumimoji="1" lang="ja-JP" altLang="en-US" dirty="0"/>
+              <a:t>の学習度によって重み </a:t>
+            </a:r>
+            <a:r>
+              <a:rPr kumimoji="1" lang="en-US" altLang="ja-JP" dirty="0"/>
+              <a:t>w </a:t>
+            </a:r>
+            <a:r>
+              <a:rPr kumimoji="1" lang="ja-JP" altLang="en-US" dirty="0"/>
+              <a:t>の学習しや </a:t>
+            </a:r>
+            <a:r>
+              <a:rPr kumimoji="1" lang="ja-JP" altLang="en-US" dirty="0" err="1"/>
+              <a:t>すさに</a:t>
+            </a:r>
+            <a:r>
+              <a:rPr kumimoji="1" lang="ja-JP" altLang="en-US" dirty="0"/>
+              <a:t>偏りがあったため</a:t>
+            </a:r>
+            <a:r>
+              <a:rPr kumimoji="1" lang="en-US" altLang="ja-JP" dirty="0"/>
+              <a:t>, </a:t>
+            </a:r>
+            <a:r>
+              <a:rPr kumimoji="1" lang="ja-JP" altLang="en-US" dirty="0"/>
+              <a:t>収束するグラフ構造に</a:t>
+            </a:r>
+            <a:r>
+              <a:rPr kumimoji="1" lang="ja-JP" altLang="en-US" dirty="0" err="1"/>
+              <a:t>ばらつ</a:t>
+            </a:r>
+            <a:r>
+              <a:rPr kumimoji="1" lang="ja-JP" altLang="en-US" dirty="0"/>
+              <a:t> きが見られた</a:t>
+            </a:r>
+            <a:r>
+              <a:rPr kumimoji="1" lang="en-US" altLang="ja-JP" dirty="0"/>
+              <a:t>. </a:t>
+            </a:r>
+            <a:endParaRPr kumimoji="1" lang="ja-JP" altLang="en-US" dirty="0"/>
+          </a:p>
+        </p:txBody>
+      </p:sp>
+      <p:sp>
+        <p:nvSpPr>
+          <p:cNvPr id="4" name="スライド番号プレースホルダー 3"/>
+          <p:cNvSpPr>
+            <a:spLocks noGrp="1"/>
+          </p:cNvSpPr>
+          <p:nvPr>
+            <p:ph type="sldNum" sz="quarter" idx="5"/>
+          </p:nvPr>
+        </p:nvSpPr>
+        <p:spPr/>
+        <p:txBody>
+          <a:bodyPr/>
+          <a:lstStyle/>
+          <a:p>
+            <a:fld id="{570587E7-E4E0-444A-8778-95544D215363}" type="slidenum">
+              <a:rPr kumimoji="1" lang="ja-JP" altLang="en-US" smtClean="0"/>
+              <a:t>42</a:t>
+            </a:fld>
+            <a:endParaRPr kumimoji="1" lang="ja-JP" altLang="en-US"/>
+          </a:p>
+        </p:txBody>
+      </p:sp>
+    </p:spTree>
+    <p:extLst>
+      <p:ext uri="{BB962C8B-B14F-4D97-AF65-F5344CB8AC3E}">
+        <p14:creationId xmlns:p14="http://schemas.microsoft.com/office/powerpoint/2010/main" val="4044522607"/>
+      </p:ext>
+    </p:extLst>
+  </p:cSld>
+  <p:clrMapOvr>
+    <a:masterClrMapping/>
+  </p:clrMapOvr>
+</p:notes>
+</file>
+
+<file path=ppt/notesSlides/notesSlide12.xml><?xml version="1.0" encoding="utf-8"?>
+<p:notes xmlns:a="http://schemas.openxmlformats.org/drawingml/2006/main" xmlns:r="http://schemas.openxmlformats.org/officeDocument/2006/relationships" xmlns:p="http://schemas.openxmlformats.org/presentationml/2006/main">
+  <p:cSld>
+    <p:spTree>
+      <p:nvGrpSpPr>
+        <p:cNvPr id="1" name=""/>
+        <p:cNvGrpSpPr/>
+        <p:nvPr/>
+      </p:nvGrpSpPr>
+      <p:grpSpPr>
+        <a:xfrm>
+          <a:off x="0" y="0"/>
+          <a:ext cx="0" cy="0"/>
+          <a:chOff x="0" y="0"/>
+          <a:chExt cx="0" cy="0"/>
+        </a:xfrm>
+      </p:grpSpPr>
+      <p:sp>
+        <p:nvSpPr>
+          <p:cNvPr id="2" name="スライド イメージ プレースホルダー 1"/>
+          <p:cNvSpPr>
+            <a:spLocks noGrp="1" noRot="1" noChangeAspect="1"/>
+          </p:cNvSpPr>
+          <p:nvPr>
+            <p:ph type="sldImg"/>
+          </p:nvPr>
+        </p:nvSpPr>
+        <p:spPr/>
+      </p:sp>
+      <p:sp>
+        <p:nvSpPr>
+          <p:cNvPr id="3" name="ノート プレースホルダー 2"/>
+          <p:cNvSpPr>
+            <a:spLocks noGrp="1"/>
+          </p:cNvSpPr>
+          <p:nvPr>
+            <p:ph type="body" idx="1"/>
+          </p:nvPr>
+        </p:nvSpPr>
+        <p:spPr/>
+        <p:txBody>
+          <a:bodyPr/>
+          <a:lstStyle/>
+          <a:p>
+            <a:r>
+              <a:rPr kumimoji="1" lang="ja-JP" altLang="en-US" dirty="0"/>
+              <a:t>各パラメータ集合の学習ステップを分離し個体間で 不平等がないように設計した</a:t>
+            </a:r>
+            <a:r>
+              <a:rPr kumimoji="1" lang="en-US" altLang="ja-JP" dirty="0"/>
+              <a:t>.</a:t>
+            </a:r>
+          </a:p>
+          <a:p>
+            <a:endParaRPr kumimoji="1" lang="ja-JP" altLang="en-US" dirty="0"/>
+          </a:p>
+        </p:txBody>
+      </p:sp>
+      <p:sp>
+        <p:nvSpPr>
+          <p:cNvPr id="4" name="スライド番号プレースホルダー 3"/>
+          <p:cNvSpPr>
+            <a:spLocks noGrp="1"/>
+          </p:cNvSpPr>
+          <p:nvPr>
+            <p:ph type="sldNum" sz="quarter" idx="5"/>
+          </p:nvPr>
+        </p:nvSpPr>
+        <p:spPr/>
+        <p:txBody>
+          <a:bodyPr/>
+          <a:lstStyle/>
+          <a:p>
+            <a:fld id="{570587E7-E4E0-444A-8778-95544D215363}" type="slidenum">
+              <a:rPr kumimoji="1" lang="ja-JP" altLang="en-US" smtClean="0"/>
+              <a:t>43</a:t>
+            </a:fld>
+            <a:endParaRPr kumimoji="1" lang="ja-JP" altLang="en-US"/>
+          </a:p>
+        </p:txBody>
+      </p:sp>
+    </p:spTree>
+    <p:extLst>
+      <p:ext uri="{BB962C8B-B14F-4D97-AF65-F5344CB8AC3E}">
+        <p14:creationId xmlns:p14="http://schemas.microsoft.com/office/powerpoint/2010/main" val="3305306754"/>
       </p:ext>
     </p:extLst>
   </p:cSld>
@@ -7716,7 +8065,7 @@
           <a:graphicData uri="http://schemas.openxmlformats.org/presentationml/2006/ole">
             <mc:AlternateContent xmlns:mc="http://schemas.openxmlformats.org/markup-compatibility/2006">
               <mc:Choice xmlns:v="urn:schemas-microsoft-com:vml" Requires="v">
-                <p:oleObj spid="_x0000_s14347" name="ビットマップ イメージ" r:id="rId3" imgW="1800360" imgH="1800360" progId="Paint.Picture">
+                <p:oleObj spid="_x0000_s14353" name="ビットマップ イメージ" r:id="rId3" imgW="1800360" imgH="1800360" progId="Paint.Picture">
                   <p:embed/>
                 </p:oleObj>
               </mc:Choice>
@@ -19268,237 +19617,116 @@
           </a:p>
         </p:txBody>
       </p:sp>
-      <p:sp>
-        <p:nvSpPr>
-          <p:cNvPr id="3" name="コンテンツ プレースホルダー 2">
-            <a:extLst>
-              <a:ext uri="{FF2B5EF4-FFF2-40B4-BE49-F238E27FC236}">
-                <a16:creationId xmlns:a16="http://schemas.microsoft.com/office/drawing/2014/main" id="{16CD0B30-B81C-48A7-AD69-55ECEFD9088C}"/>
-              </a:ext>
-            </a:extLst>
-          </p:cNvPr>
-          <p:cNvSpPr>
-            <a:spLocks noGrp="1"/>
-          </p:cNvSpPr>
-          <p:nvPr>
-            <p:ph idx="1"/>
-          </p:nvPr>
-        </p:nvSpPr>
-        <p:spPr/>
-        <p:txBody>
-          <a:bodyPr>
-            <a:normAutofit fontScale="85000" lnSpcReduction="20000"/>
-          </a:bodyPr>
-          <a:lstStyle/>
-          <a:p>
-            <a:r>
-              <a:rPr lang="ja-JP" altLang="en-US" dirty="0"/>
-              <a:t>ショートカットの本数も探索するため</a:t>
-            </a:r>
-            <a:r>
-              <a:rPr lang="en-US" altLang="ja-JP" dirty="0"/>
-              <a:t>, α </a:t>
-            </a:r>
-            <a:r>
-              <a:rPr lang="ja-JP" altLang="en-US" dirty="0"/>
-              <a:t>に対する重 </a:t>
-            </a:r>
-            <a:r>
-              <a:rPr lang="ja-JP" altLang="en-US" dirty="0" err="1"/>
-              <a:t>み</a:t>
-            </a:r>
-            <a:r>
-              <a:rPr lang="ja-JP" altLang="en-US" dirty="0"/>
-              <a:t>補正 </a:t>
-            </a:r>
-            <a:r>
-              <a:rPr lang="en-US" altLang="ja-JP" dirty="0"/>
-              <a:t>β </a:t>
-            </a:r>
-            <a:r>
-              <a:rPr lang="ja-JP" altLang="en-US" dirty="0"/>
-              <a:t>を </a:t>
-            </a:r>
-            <a:r>
-              <a:rPr lang="en-US" altLang="ja-JP" dirty="0"/>
-              <a:t>(2) </a:t>
-            </a:r>
-            <a:r>
-              <a:rPr lang="ja-JP" altLang="en-US" dirty="0"/>
-              <a:t>式 で定義する</a:t>
-            </a:r>
-            <a:r>
-              <a:rPr lang="en-US" altLang="ja-JP" dirty="0"/>
-              <a:t>. xi = f c i−1,i(xi−1) + β</a:t>
-            </a:r>
-            <a:r>
-              <a:rPr lang="en-US" altLang="ja-JP" dirty="0" err="1"/>
-              <a:t>i</a:t>
-            </a:r>
-            <a:r>
-              <a:rPr lang="en-US" altLang="ja-JP" dirty="0"/>
-              <a:t> ∑ </a:t>
-            </a:r>
-            <a:r>
-              <a:rPr lang="en-US" altLang="ja-JP" dirty="0" err="1"/>
-              <a:t>j∈Si</a:t>
-            </a:r>
-            <a:r>
-              <a:rPr lang="en-US" altLang="ja-JP" dirty="0"/>
-              <a:t> α</a:t>
-            </a:r>
-            <a:r>
-              <a:rPr lang="en-US" altLang="ja-JP" dirty="0" err="1"/>
-              <a:t>ijf</a:t>
-            </a:r>
-            <a:r>
-              <a:rPr lang="en-US" altLang="ja-JP" dirty="0"/>
-              <a:t> s </a:t>
-            </a:r>
-            <a:r>
-              <a:rPr lang="en-US" altLang="ja-JP" dirty="0" err="1"/>
-              <a:t>j,i</a:t>
-            </a:r>
-            <a:r>
-              <a:rPr lang="en-US" altLang="ja-JP" dirty="0"/>
-              <a:t>(</a:t>
-            </a:r>
-            <a:r>
-              <a:rPr lang="en-US" altLang="ja-JP" dirty="0" err="1"/>
-              <a:t>xj</a:t>
-            </a:r>
-            <a:r>
-              <a:rPr lang="en-US" altLang="ja-JP" dirty="0"/>
-              <a:t> ) (2) </a:t>
-            </a:r>
-            <a:r>
-              <a:rPr lang="ja-JP" altLang="en-US" dirty="0"/>
-              <a:t>ここで </a:t>
-            </a:r>
-            <a:r>
-              <a:rPr lang="en-US" altLang="ja-JP" dirty="0"/>
-              <a:t>f c (</a:t>
-            </a:r>
-            <a:r>
-              <a:rPr lang="ja-JP" altLang="en-US" dirty="0"/>
-              <a:t>・</a:t>
-            </a:r>
-            <a:r>
-              <a:rPr lang="en-US" altLang="ja-JP" dirty="0"/>
-              <a:t>), f s (</a:t>
-            </a:r>
-            <a:r>
-              <a:rPr lang="ja-JP" altLang="en-US" dirty="0"/>
-              <a:t>・</a:t>
-            </a:r>
-            <a:r>
-              <a:rPr lang="en-US" altLang="ja-JP" dirty="0"/>
-              <a:t>) </a:t>
-            </a:r>
-            <a:r>
-              <a:rPr lang="ja-JP" altLang="en-US" dirty="0"/>
-              <a:t>は</a:t>
-            </a:r>
-            <a:r>
-              <a:rPr lang="en-US" altLang="ja-JP" dirty="0"/>
-              <a:t>, VGG </a:t>
-            </a:r>
-            <a:r>
-              <a:rPr lang="ja-JP" altLang="en-US" dirty="0"/>
-              <a:t>の畳み込み関数とショー トカット関数</a:t>
-            </a:r>
-            <a:r>
-              <a:rPr lang="en-US" altLang="ja-JP" dirty="0"/>
-              <a:t>, Si </a:t>
-            </a:r>
-            <a:r>
-              <a:rPr lang="ja-JP" altLang="en-US" dirty="0"/>
-              <a:t>はノード </a:t>
-            </a:r>
-            <a:r>
-              <a:rPr lang="en-US" altLang="ja-JP" dirty="0" err="1"/>
-              <a:t>i</a:t>
-            </a:r>
-            <a:r>
-              <a:rPr lang="en-US" altLang="ja-JP" dirty="0"/>
-              <a:t> </a:t>
-            </a:r>
-            <a:r>
-              <a:rPr lang="ja-JP" altLang="en-US" dirty="0"/>
-              <a:t>とショートカットで</a:t>
-            </a:r>
-            <a:r>
-              <a:rPr lang="ja-JP" altLang="en-US" dirty="0" err="1"/>
-              <a:t>接続す</a:t>
-            </a:r>
-            <a:r>
-              <a:rPr lang="ja-JP" altLang="en-US" dirty="0"/>
-              <a:t> </a:t>
-            </a:r>
-            <a:r>
-              <a:rPr lang="ja-JP" altLang="en-US" dirty="0" err="1"/>
-              <a:t>る</a:t>
-            </a:r>
-            <a:r>
-              <a:rPr lang="ja-JP" altLang="en-US" dirty="0"/>
-              <a:t>先行 </a:t>
-            </a:r>
-            <a:r>
-              <a:rPr lang="en-US" altLang="ja-JP" dirty="0"/>
-              <a:t>(predecessor) </a:t>
-            </a:r>
-            <a:r>
-              <a:rPr lang="ja-JP" altLang="en-US" dirty="0"/>
-              <a:t>ノードのインデックス集合である</a:t>
-            </a:r>
-            <a:r>
-              <a:rPr lang="en-US" altLang="ja-JP" dirty="0"/>
-              <a:t>. </a:t>
-            </a:r>
-            <a:r>
-              <a:rPr lang="ja-JP" altLang="en-US" dirty="0"/>
-              <a:t>ただし </a:t>
-            </a:r>
-            <a:r>
-              <a:rPr lang="en-US" altLang="ja-JP" dirty="0"/>
-              <a:t>β = 0 </a:t>
-            </a:r>
-            <a:r>
-              <a:rPr lang="ja-JP" altLang="en-US" dirty="0"/>
-              <a:t>で勾配の更新ができなくなるので</a:t>
-            </a:r>
-            <a:r>
-              <a:rPr lang="en-US" altLang="ja-JP" dirty="0"/>
-              <a:t>, βˆ =    exp(β − 1) (β ≤ 1) log(β) + 1 (otherwise) (3) </a:t>
-            </a:r>
-            <a:r>
-              <a:rPr lang="ja-JP" altLang="en-US" dirty="0"/>
-              <a:t>で </a:t>
-            </a:r>
-            <a:r>
-              <a:rPr lang="en-US" altLang="ja-JP" dirty="0"/>
-              <a:t>0 </a:t>
-            </a:r>
-            <a:r>
-              <a:rPr lang="ja-JP" altLang="en-US" dirty="0"/>
-              <a:t>とならないように補正した </a:t>
-            </a:r>
-            <a:r>
-              <a:rPr lang="en-US" altLang="ja-JP" dirty="0"/>
-              <a:t>βˆ </a:t>
-            </a:r>
-            <a:r>
-              <a:rPr lang="ja-JP" altLang="en-US" dirty="0"/>
-              <a:t>を用いた</a:t>
-            </a:r>
-            <a:r>
-              <a:rPr lang="en-US" altLang="ja-JP" dirty="0"/>
-              <a:t>. </a:t>
-            </a:r>
-            <a:endParaRPr kumimoji="1" lang="ja-JP" altLang="en-US" dirty="0"/>
-          </a:p>
-        </p:txBody>
-      </p:sp>
+      <mc:AlternateContent xmlns:mc="http://schemas.openxmlformats.org/markup-compatibility/2006">
+        <mc:Choice xmlns:a14="http://schemas.microsoft.com/office/drawing/2010/main" Requires="a14">
+          <p:sp>
+            <p:nvSpPr>
+              <p:cNvPr id="3" name="コンテンツ プレースホルダー 2">
+                <a:extLst>
+                  <a:ext uri="{FF2B5EF4-FFF2-40B4-BE49-F238E27FC236}">
+                    <a16:creationId xmlns:a16="http://schemas.microsoft.com/office/drawing/2014/main" id="{16CD0B30-B81C-48A7-AD69-55ECEFD9088C}"/>
+                  </a:ext>
+                </a:extLst>
+              </p:cNvPr>
+              <p:cNvSpPr>
+                <a:spLocks noGrp="1"/>
+              </p:cNvSpPr>
+              <p:nvPr>
+                <p:ph idx="1"/>
+              </p:nvPr>
+            </p:nvSpPr>
+            <p:spPr>
+              <a:xfrm>
+                <a:off x="822959" y="1661050"/>
+                <a:ext cx="7543801" cy="739250"/>
+              </a:xfrm>
+            </p:spPr>
+            <p:txBody>
+              <a:bodyPr>
+                <a:normAutofit/>
+              </a:bodyPr>
+              <a:lstStyle/>
+              <a:p>
+                <a14:m>
+                  <m:oMath xmlns:m="http://schemas.openxmlformats.org/officeDocument/2006/math">
+                    <m:r>
+                      <a:rPr lang="en-US" altLang="ja-JP" i="1" dirty="0" smtClean="0">
+                        <a:latin typeface="Cambria Math" panose="02040503050406030204" pitchFamily="18" charset="0"/>
+                      </a:rPr>
+                      <m:t>𝛼</m:t>
+                    </m:r>
+                  </m:oMath>
+                </a14:m>
+                <a:r>
+                  <a:rPr lang="en-US" altLang="ja-JP" dirty="0"/>
+                  <a:t> </a:t>
+                </a:r>
+                <a:r>
+                  <a:rPr lang="ja-JP" altLang="en-US" dirty="0"/>
+                  <a:t>に対する重み補正 </a:t>
+                </a:r>
+                <a14:m>
+                  <m:oMath xmlns:m="http://schemas.openxmlformats.org/officeDocument/2006/math">
+                    <m:r>
+                      <a:rPr lang="en-US" altLang="ja-JP" i="1" dirty="0" smtClean="0">
+                        <a:latin typeface="Cambria Math" panose="02040503050406030204" pitchFamily="18" charset="0"/>
+                      </a:rPr>
+                      <m:t>𝛽</m:t>
+                    </m:r>
+                  </m:oMath>
+                </a14:m>
+                <a:r>
+                  <a:rPr lang="en-US" altLang="ja-JP" dirty="0"/>
+                  <a:t> </a:t>
+                </a:r>
+              </a:p>
+            </p:txBody>
+          </p:sp>
+        </mc:Choice>
+        <mc:Fallback>
+          <p:sp>
+            <p:nvSpPr>
+              <p:cNvPr id="3" name="コンテンツ プレースホルダー 2">
+                <a:extLst>
+                  <a:ext uri="{FF2B5EF4-FFF2-40B4-BE49-F238E27FC236}">
+                    <a16:creationId xmlns:a16="http://schemas.microsoft.com/office/drawing/2014/main" id="{16CD0B30-B81C-48A7-AD69-55ECEFD9088C}"/>
+                  </a:ext>
+                </a:extLst>
+              </p:cNvPr>
+              <p:cNvSpPr>
+                <a:spLocks noGrp="1" noRot="1" noChangeAspect="1" noMove="1" noResize="1" noEditPoints="1" noAdjustHandles="1" noChangeArrowheads="1" noChangeShapeType="1" noTextEdit="1"/>
+              </p:cNvSpPr>
+              <p:nvPr>
+                <p:ph idx="1"/>
+              </p:nvPr>
+            </p:nvSpPr>
+            <p:spPr>
+              <a:xfrm>
+                <a:off x="822959" y="1661050"/>
+                <a:ext cx="7543801" cy="739250"/>
+              </a:xfrm>
+              <a:blipFill>
+                <a:blip r:embed="rId3"/>
+                <a:stretch>
+                  <a:fillRect t="-16393" b="-13115"/>
+                </a:stretch>
+              </a:blipFill>
+            </p:spPr>
+            <p:txBody>
+              <a:bodyPr/>
+              <a:lstStyle/>
+              <a:p>
+                <a:r>
+                  <a:rPr lang="ja-JP" altLang="en-US">
+                    <a:noFill/>
+                  </a:rPr>
+                  <a:t> </a:t>
+                </a:r>
+              </a:p>
+            </p:txBody>
+          </p:sp>
+        </mc:Fallback>
+      </mc:AlternateContent>
       <p:sp>
         <p:nvSpPr>
           <p:cNvPr id="4" name="スライド番号プレースホルダー 3">
@@ -19528,10 +19756,529 @@
           </a:p>
         </p:txBody>
       </p:sp>
+      <p:pic>
+        <p:nvPicPr>
+          <p:cNvPr id="15362" name="Picture 2" descr="\begin{align*}&#10;  x_i = f^{\mathrm{c}}_{i-1, i}(x_{i-1}) + \beta_i \sum_{j \in S_i} \alpha_{ij} f^{\mathrm{s}}_{j, i} (x_j)&#10;\end{align*}">
+            <a:extLst>
+              <a:ext uri="{FF2B5EF4-FFF2-40B4-BE49-F238E27FC236}">
+                <a16:creationId xmlns:a16="http://schemas.microsoft.com/office/drawing/2014/main" id="{57C1CF7F-89AF-4E7F-AAE7-CC5150F62BC2}"/>
+              </a:ext>
+            </a:extLst>
+          </p:cNvPr>
+          <p:cNvPicPr>
+            <a:picLocks noChangeAspect="1" noChangeArrowheads="1"/>
+          </p:cNvPicPr>
+          <p:nvPr/>
+        </p:nvPicPr>
+        <p:blipFill>
+          <a:blip r:embed="rId4">
+            <a:extLst>
+              <a:ext uri="{28A0092B-C50C-407E-A947-70E740481C1C}">
+                <a14:useLocalDpi xmlns:a14="http://schemas.microsoft.com/office/drawing/2010/main" val="0"/>
+              </a:ext>
+            </a:extLst>
+          </a:blip>
+          <a:srcRect/>
+          <a:stretch>
+            <a:fillRect/>
+          </a:stretch>
+        </p:blipFill>
+        <p:spPr bwMode="auto">
+          <a:xfrm>
+            <a:off x="1433512" y="2689750"/>
+            <a:ext cx="6276975" cy="914400"/>
+          </a:xfrm>
+          <a:prstGeom prst="rect">
+            <a:avLst/>
+          </a:prstGeom>
+          <a:noFill/>
+          <a:extLst>
+            <a:ext uri="{909E8E84-426E-40DD-AFC4-6F175D3DCCD1}">
+              <a14:hiddenFill xmlns:a14="http://schemas.microsoft.com/office/drawing/2010/main">
+                <a:solidFill>
+                  <a:srgbClr val="FFFFFF"/>
+                </a:solidFill>
+              </a14:hiddenFill>
+            </a:ext>
+          </a:extLst>
+        </p:spPr>
+      </p:pic>
+      <mc:AlternateContent xmlns:mc="http://schemas.openxmlformats.org/markup-compatibility/2006">
+        <mc:Choice xmlns:a14="http://schemas.microsoft.com/office/drawing/2010/main" Requires="a14">
+          <p:sp>
+            <p:nvSpPr>
+              <p:cNvPr id="6" name="コンテンツ プレースホルダー 2">
+                <a:extLst>
+                  <a:ext uri="{FF2B5EF4-FFF2-40B4-BE49-F238E27FC236}">
+                    <a16:creationId xmlns:a16="http://schemas.microsoft.com/office/drawing/2014/main" id="{7012745E-292C-46BF-855A-2A4082BADC9C}"/>
+                  </a:ext>
+                </a:extLst>
+              </p:cNvPr>
+              <p:cNvSpPr txBox="1">
+                <a:spLocks/>
+              </p:cNvSpPr>
+              <p:nvPr/>
+            </p:nvSpPr>
+            <p:spPr>
+              <a:xfrm>
+                <a:off x="822959" y="4010012"/>
+                <a:ext cx="7543801" cy="2009788"/>
+              </a:xfrm>
+              <a:prstGeom prst="rect">
+                <a:avLst/>
+              </a:prstGeom>
+            </p:spPr>
+            <p:txBody>
+              <a:bodyPr vert="horz" lIns="0" tIns="45720" rIns="0" bIns="45720" rtlCol="0">
+                <a:normAutofit fontScale="92500" lnSpcReduction="10000"/>
+              </a:bodyPr>
+              <a:lstStyle>
+                <a:lvl1pPr marL="0" indent="0" algn="l" defTabSz="914400" rtl="0" eaLnBrk="1" latinLnBrk="0" hangingPunct="1">
+                  <a:lnSpc>
+                    <a:spcPct val="90000"/>
+                  </a:lnSpc>
+                  <a:spcBef>
+                    <a:spcPts val="1200"/>
+                  </a:spcBef>
+                  <a:spcAft>
+                    <a:spcPts val="200"/>
+                  </a:spcAft>
+                  <a:buClr>
+                    <a:schemeClr val="accent1"/>
+                  </a:buClr>
+                  <a:buSzPct val="100000"/>
+                  <a:buFontTx/>
+                  <a:buNone/>
+                  <a:defRPr kumimoji="1" sz="3600" kern="1200">
+                    <a:solidFill>
+                      <a:schemeClr val="tx1">
+                        <a:lumMod val="75000"/>
+                        <a:lumOff val="25000"/>
+                      </a:schemeClr>
+                    </a:solidFill>
+                    <a:latin typeface="+mn-ea"/>
+                    <a:ea typeface="+mn-ea"/>
+                    <a:cs typeface="+mn-cs"/>
+                  </a:defRPr>
+                </a:lvl1pPr>
+                <a:lvl2pPr marL="384048" indent="-182880" algn="l" defTabSz="914400" rtl="0" eaLnBrk="1" latinLnBrk="0" hangingPunct="1">
+                  <a:lnSpc>
+                    <a:spcPct val="90000"/>
+                  </a:lnSpc>
+                  <a:spcBef>
+                    <a:spcPts val="200"/>
+                  </a:spcBef>
+                  <a:spcAft>
+                    <a:spcPts val="400"/>
+                  </a:spcAft>
+                  <a:buClr>
+                    <a:schemeClr val="accent1"/>
+                  </a:buClr>
+                  <a:buSzPct val="100000"/>
+                  <a:buFont typeface="Wingdings" panose="05000000000000000000" pitchFamily="2" charset="2"/>
+                  <a:buChar char="u"/>
+                  <a:defRPr kumimoji="1" sz="3200" kern="1200">
+                    <a:solidFill>
+                      <a:schemeClr val="tx1">
+                        <a:lumMod val="75000"/>
+                        <a:lumOff val="25000"/>
+                      </a:schemeClr>
+                    </a:solidFill>
+                    <a:latin typeface="+mn-ea"/>
+                    <a:ea typeface="+mn-ea"/>
+                    <a:cs typeface="+mn-cs"/>
+                  </a:defRPr>
+                </a:lvl2pPr>
+                <a:lvl3pPr marL="566928" indent="-182880" algn="l" defTabSz="914400" rtl="0" eaLnBrk="1" latinLnBrk="0" hangingPunct="1">
+                  <a:lnSpc>
+                    <a:spcPct val="90000"/>
+                  </a:lnSpc>
+                  <a:spcBef>
+                    <a:spcPts val="200"/>
+                  </a:spcBef>
+                  <a:spcAft>
+                    <a:spcPts val="400"/>
+                  </a:spcAft>
+                  <a:buClr>
+                    <a:schemeClr val="accent1"/>
+                  </a:buClr>
+                  <a:buSzPct val="100000"/>
+                  <a:buFont typeface="Wingdings" panose="05000000000000000000" pitchFamily="2" charset="2"/>
+                  <a:buChar char="u"/>
+                  <a:defRPr kumimoji="1" sz="2400" kern="1200">
+                    <a:solidFill>
+                      <a:schemeClr val="tx1">
+                        <a:lumMod val="75000"/>
+                        <a:lumOff val="25000"/>
+                      </a:schemeClr>
+                    </a:solidFill>
+                    <a:latin typeface="+mn-ea"/>
+                    <a:ea typeface="+mn-ea"/>
+                    <a:cs typeface="+mn-cs"/>
+                  </a:defRPr>
+                </a:lvl3pPr>
+                <a:lvl4pPr marL="749808" indent="-182880" algn="l" defTabSz="914400" rtl="0" eaLnBrk="1" latinLnBrk="0" hangingPunct="1">
+                  <a:lnSpc>
+                    <a:spcPct val="90000"/>
+                  </a:lnSpc>
+                  <a:spcBef>
+                    <a:spcPts val="200"/>
+                  </a:spcBef>
+                  <a:spcAft>
+                    <a:spcPts val="400"/>
+                  </a:spcAft>
+                  <a:buClr>
+                    <a:schemeClr val="accent1"/>
+                  </a:buClr>
+                  <a:buSzPct val="100000"/>
+                  <a:buFont typeface="Wingdings" panose="05000000000000000000" pitchFamily="2" charset="2"/>
+                  <a:buChar char="u"/>
+                  <a:defRPr kumimoji="1" sz="2400" kern="1200">
+                    <a:solidFill>
+                      <a:schemeClr val="tx1">
+                        <a:lumMod val="75000"/>
+                        <a:lumOff val="25000"/>
+                      </a:schemeClr>
+                    </a:solidFill>
+                    <a:latin typeface="+mn-ea"/>
+                    <a:ea typeface="+mn-ea"/>
+                    <a:cs typeface="+mn-cs"/>
+                  </a:defRPr>
+                </a:lvl4pPr>
+                <a:lvl5pPr marL="932688" indent="-182880" algn="l" defTabSz="914400" rtl="0" eaLnBrk="1" latinLnBrk="0" hangingPunct="1">
+                  <a:lnSpc>
+                    <a:spcPct val="90000"/>
+                  </a:lnSpc>
+                  <a:spcBef>
+                    <a:spcPts val="200"/>
+                  </a:spcBef>
+                  <a:spcAft>
+                    <a:spcPts val="400"/>
+                  </a:spcAft>
+                  <a:buClr>
+                    <a:schemeClr val="accent1"/>
+                  </a:buClr>
+                  <a:buSzPct val="100000"/>
+                  <a:buFont typeface="Wingdings" panose="05000000000000000000" pitchFamily="2" charset="2"/>
+                  <a:buChar char="u"/>
+                  <a:defRPr kumimoji="1" sz="2400" kern="1200">
+                    <a:solidFill>
+                      <a:schemeClr val="tx1">
+                        <a:lumMod val="75000"/>
+                        <a:lumOff val="25000"/>
+                      </a:schemeClr>
+                    </a:solidFill>
+                    <a:latin typeface="+mn-ea"/>
+                    <a:ea typeface="+mn-ea"/>
+                    <a:cs typeface="+mn-cs"/>
+                  </a:defRPr>
+                </a:lvl5pPr>
+                <a:lvl6pPr marL="1100000" indent="-228600" algn="l" defTabSz="914400" rtl="0" eaLnBrk="1" latinLnBrk="0" hangingPunct="1">
+                  <a:lnSpc>
+                    <a:spcPct val="90000"/>
+                  </a:lnSpc>
+                  <a:spcBef>
+                    <a:spcPts val="200"/>
+                  </a:spcBef>
+                  <a:spcAft>
+                    <a:spcPts val="400"/>
+                  </a:spcAft>
+                  <a:buClr>
+                    <a:schemeClr val="accent1"/>
+                  </a:buClr>
+                  <a:buFont typeface="Calibri" pitchFamily="34" charset="0"/>
+                  <a:buChar char="◦"/>
+                  <a:defRPr kumimoji="1" sz="1400" kern="1200">
+                    <a:solidFill>
+                      <a:schemeClr val="tx1">
+                        <a:lumMod val="75000"/>
+                        <a:lumOff val="25000"/>
+                      </a:schemeClr>
+                    </a:solidFill>
+                    <a:latin typeface="+mn-lt"/>
+                    <a:ea typeface="+mn-ea"/>
+                    <a:cs typeface="+mn-cs"/>
+                  </a:defRPr>
+                </a:lvl6pPr>
+                <a:lvl7pPr marL="1300000" indent="-228600" algn="l" defTabSz="914400" rtl="0" eaLnBrk="1" latinLnBrk="0" hangingPunct="1">
+                  <a:lnSpc>
+                    <a:spcPct val="90000"/>
+                  </a:lnSpc>
+                  <a:spcBef>
+                    <a:spcPts val="200"/>
+                  </a:spcBef>
+                  <a:spcAft>
+                    <a:spcPts val="400"/>
+                  </a:spcAft>
+                  <a:buClr>
+                    <a:schemeClr val="accent1"/>
+                  </a:buClr>
+                  <a:buFont typeface="Calibri" pitchFamily="34" charset="0"/>
+                  <a:buChar char="◦"/>
+                  <a:defRPr kumimoji="1" sz="1400" kern="1200">
+                    <a:solidFill>
+                      <a:schemeClr val="tx1">
+                        <a:lumMod val="75000"/>
+                        <a:lumOff val="25000"/>
+                      </a:schemeClr>
+                    </a:solidFill>
+                    <a:latin typeface="+mn-lt"/>
+                    <a:ea typeface="+mn-ea"/>
+                    <a:cs typeface="+mn-cs"/>
+                  </a:defRPr>
+                </a:lvl7pPr>
+                <a:lvl8pPr marL="1500000" indent="-228600" algn="l" defTabSz="914400" rtl="0" eaLnBrk="1" latinLnBrk="0" hangingPunct="1">
+                  <a:lnSpc>
+                    <a:spcPct val="90000"/>
+                  </a:lnSpc>
+                  <a:spcBef>
+                    <a:spcPts val="200"/>
+                  </a:spcBef>
+                  <a:spcAft>
+                    <a:spcPts val="400"/>
+                  </a:spcAft>
+                  <a:buClr>
+                    <a:schemeClr val="accent1"/>
+                  </a:buClr>
+                  <a:buFont typeface="Calibri" pitchFamily="34" charset="0"/>
+                  <a:buChar char="◦"/>
+                  <a:defRPr kumimoji="1" sz="1400" kern="1200">
+                    <a:solidFill>
+                      <a:schemeClr val="tx1">
+                        <a:lumMod val="75000"/>
+                        <a:lumOff val="25000"/>
+                      </a:schemeClr>
+                    </a:solidFill>
+                    <a:latin typeface="+mn-lt"/>
+                    <a:ea typeface="+mn-ea"/>
+                    <a:cs typeface="+mn-cs"/>
+                  </a:defRPr>
+                </a:lvl8pPr>
+                <a:lvl9pPr marL="1700000" indent="-228600" algn="l" defTabSz="914400" rtl="0" eaLnBrk="1" latinLnBrk="0" hangingPunct="1">
+                  <a:lnSpc>
+                    <a:spcPct val="90000"/>
+                  </a:lnSpc>
+                  <a:spcBef>
+                    <a:spcPts val="200"/>
+                  </a:spcBef>
+                  <a:spcAft>
+                    <a:spcPts val="400"/>
+                  </a:spcAft>
+                  <a:buClr>
+                    <a:schemeClr val="accent1"/>
+                  </a:buClr>
+                  <a:buFont typeface="Calibri" pitchFamily="34" charset="0"/>
+                  <a:buChar char="◦"/>
+                  <a:defRPr kumimoji="1" sz="1400" kern="1200">
+                    <a:solidFill>
+                      <a:schemeClr val="tx1">
+                        <a:lumMod val="75000"/>
+                        <a:lumOff val="25000"/>
+                      </a:schemeClr>
+                    </a:solidFill>
+                    <a:latin typeface="+mn-lt"/>
+                    <a:ea typeface="+mn-ea"/>
+                    <a:cs typeface="+mn-cs"/>
+                  </a:defRPr>
+                </a:lvl9pPr>
+              </a:lstStyle>
+              <a:p>
+                <a14:m>
+                  <m:oMath xmlns:m="http://schemas.openxmlformats.org/officeDocument/2006/math">
+                    <m:sSup>
+                      <m:sSupPr>
+                        <m:ctrlPr>
+                          <a:rPr lang="en-US" altLang="ja-JP" sz="2800" b="0" i="1" smtClean="0">
+                            <a:latin typeface="Cambria Math" panose="02040503050406030204" pitchFamily="18" charset="0"/>
+                          </a:rPr>
+                        </m:ctrlPr>
+                      </m:sSupPr>
+                      <m:e>
+                        <m:r>
+                          <a:rPr lang="en-US" altLang="ja-JP" sz="2800" b="0" i="1" smtClean="0">
+                            <a:latin typeface="Cambria Math" panose="02040503050406030204" pitchFamily="18" charset="0"/>
+                          </a:rPr>
+                          <m:t>𝑓</m:t>
+                        </m:r>
+                      </m:e>
+                      <m:sup>
+                        <m:r>
+                          <a:rPr lang="en-US" altLang="ja-JP" sz="2800" b="0" i="1" smtClean="0">
+                            <a:latin typeface="Cambria Math" panose="02040503050406030204" pitchFamily="18" charset="0"/>
+                          </a:rPr>
+                          <m:t>𝑐</m:t>
+                        </m:r>
+                      </m:sup>
+                    </m:sSup>
+                  </m:oMath>
+                </a14:m>
+                <a:r>
+                  <a:rPr lang="ja-JP" altLang="en-US" sz="2800" dirty="0"/>
+                  <a:t> 畳み込み関数</a:t>
+                </a:r>
+                <a:endParaRPr lang="en-US" altLang="ja-JP" sz="2800" dirty="0"/>
+              </a:p>
+              <a:p>
+                <a14:m>
+                  <m:oMath xmlns:m="http://schemas.openxmlformats.org/officeDocument/2006/math">
+                    <m:sSup>
+                      <m:sSupPr>
+                        <m:ctrlPr>
+                          <a:rPr lang="en-US" altLang="ja-JP" sz="2800" b="0" i="1" smtClean="0">
+                            <a:latin typeface="Cambria Math" panose="02040503050406030204" pitchFamily="18" charset="0"/>
+                          </a:rPr>
+                        </m:ctrlPr>
+                      </m:sSupPr>
+                      <m:e>
+                        <m:r>
+                          <a:rPr lang="en-US" altLang="ja-JP" sz="2800" b="0" i="1" smtClean="0">
+                            <a:latin typeface="Cambria Math" panose="02040503050406030204" pitchFamily="18" charset="0"/>
+                          </a:rPr>
+                          <m:t>𝑓</m:t>
+                        </m:r>
+                      </m:e>
+                      <m:sup>
+                        <m:r>
+                          <a:rPr lang="en-US" altLang="ja-JP" sz="2800" b="0" i="1" smtClean="0">
+                            <a:latin typeface="Cambria Math" panose="02040503050406030204" pitchFamily="18" charset="0"/>
+                          </a:rPr>
+                          <m:t>𝑠</m:t>
+                        </m:r>
+                      </m:sup>
+                    </m:sSup>
+                  </m:oMath>
+                </a14:m>
+                <a:r>
+                  <a:rPr lang="en-US" altLang="ja-JP" sz="2800" dirty="0"/>
+                  <a:t> </a:t>
+                </a:r>
+                <a:r>
+                  <a:rPr lang="ja-JP" altLang="en-US" sz="2800" dirty="0"/>
+                  <a:t>ショートカット関数</a:t>
+                </a:r>
+                <a:endParaRPr lang="en-US" altLang="ja-JP" sz="2800" dirty="0"/>
+              </a:p>
+              <a:p>
+                <a14:m>
+                  <m:oMath xmlns:m="http://schemas.openxmlformats.org/officeDocument/2006/math">
+                    <m:sSub>
+                      <m:sSubPr>
+                        <m:ctrlPr>
+                          <a:rPr lang="en-US" altLang="ja-JP" sz="2800" b="0" i="1" smtClean="0">
+                            <a:latin typeface="Cambria Math" panose="02040503050406030204" pitchFamily="18" charset="0"/>
+                          </a:rPr>
+                        </m:ctrlPr>
+                      </m:sSubPr>
+                      <m:e>
+                        <m:r>
+                          <a:rPr lang="en-US" altLang="ja-JP" sz="2800" b="0" i="1" smtClean="0">
+                            <a:latin typeface="Cambria Math" panose="02040503050406030204" pitchFamily="18" charset="0"/>
+                          </a:rPr>
+                          <m:t>𝑆</m:t>
+                        </m:r>
+                      </m:e>
+                      <m:sub>
+                        <m:r>
+                          <a:rPr lang="en-US" altLang="ja-JP" sz="2800" b="0" i="1" smtClean="0">
+                            <a:latin typeface="Cambria Math" panose="02040503050406030204" pitchFamily="18" charset="0"/>
+                          </a:rPr>
+                          <m:t>𝑖</m:t>
+                        </m:r>
+                      </m:sub>
+                    </m:sSub>
+                  </m:oMath>
+                </a14:m>
+                <a:r>
+                  <a:rPr lang="en-US" altLang="ja-JP" sz="2800" dirty="0"/>
+                  <a:t> </a:t>
+                </a:r>
+                <a:r>
+                  <a:rPr lang="ja-JP" altLang="en-US" sz="2800" dirty="0"/>
+                  <a:t>ノード </a:t>
+                </a:r>
+                <a14:m>
+                  <m:oMath xmlns:m="http://schemas.openxmlformats.org/officeDocument/2006/math">
+                    <m:r>
+                      <a:rPr lang="en-US" altLang="ja-JP" sz="2800" i="1" dirty="0" smtClean="0">
+                        <a:latin typeface="Cambria Math" panose="02040503050406030204" pitchFamily="18" charset="0"/>
+                      </a:rPr>
+                      <m:t>𝑖</m:t>
+                    </m:r>
+                  </m:oMath>
+                </a14:m>
+                <a:r>
+                  <a:rPr lang="en-US" altLang="ja-JP" sz="2800" dirty="0"/>
+                  <a:t> </a:t>
+                </a:r>
+                <a:r>
+                  <a:rPr lang="ja-JP" altLang="en-US" sz="2800" dirty="0"/>
+                  <a:t>とショートカット接続する</a:t>
+                </a:r>
+                <a:endParaRPr lang="en-US" altLang="ja-JP" sz="2800" dirty="0"/>
+              </a:p>
+              <a:p>
+                <a:r>
+                  <a:rPr lang="en-US" altLang="ja-JP" sz="2800" dirty="0"/>
+                  <a:t>    </a:t>
+                </a:r>
+                <a:r>
+                  <a:rPr lang="ja-JP" altLang="en-US" sz="2800" dirty="0"/>
+                  <a:t>先行ノードのインデックス集合</a:t>
+                </a:r>
+                <a:endParaRPr lang="en-US" altLang="ja-JP" sz="3200" dirty="0"/>
+              </a:p>
+            </p:txBody>
+          </p:sp>
+        </mc:Choice>
+        <mc:Fallback>
+          <p:sp>
+            <p:nvSpPr>
+              <p:cNvPr id="6" name="コンテンツ プレースホルダー 2">
+                <a:extLst>
+                  <a:ext uri="{FF2B5EF4-FFF2-40B4-BE49-F238E27FC236}">
+                    <a16:creationId xmlns:a16="http://schemas.microsoft.com/office/drawing/2014/main" id="{7012745E-292C-46BF-855A-2A4082BADC9C}"/>
+                  </a:ext>
+                </a:extLst>
+              </p:cNvPr>
+              <p:cNvSpPr txBox="1">
+                <a:spLocks noRot="1" noChangeAspect="1" noMove="1" noResize="1" noEditPoints="1" noAdjustHandles="1" noChangeArrowheads="1" noChangeShapeType="1" noTextEdit="1"/>
+              </p:cNvSpPr>
+              <p:nvPr/>
+            </p:nvSpPr>
+            <p:spPr>
+              <a:xfrm>
+                <a:off x="822959" y="4010012"/>
+                <a:ext cx="7543801" cy="2009788"/>
+              </a:xfrm>
+              <a:prstGeom prst="rect">
+                <a:avLst/>
+              </a:prstGeom>
+              <a:blipFill>
+                <a:blip r:embed="rId5"/>
+                <a:stretch>
+                  <a:fillRect l="-2019" t="-5152" b="-2727"/>
+                </a:stretch>
+              </a:blipFill>
+            </p:spPr>
+            <p:txBody>
+              <a:bodyPr/>
+              <a:lstStyle/>
+              <a:p>
+                <a:r>
+                  <a:rPr lang="ja-JP" altLang="en-US">
+                    <a:noFill/>
+                  </a:rPr>
+                  <a:t> </a:t>
+                </a:r>
+              </a:p>
+            </p:txBody>
+          </p:sp>
+        </mc:Fallback>
+      </mc:AlternateContent>
     </p:spTree>
     <p:extLst>
       <p:ext uri="{BB962C8B-B14F-4D97-AF65-F5344CB8AC3E}">
-        <p14:creationId xmlns:p14="http://schemas.microsoft.com/office/powerpoint/2010/main" val="1959784544"/>
+        <p14:creationId xmlns:p14="http://schemas.microsoft.com/office/powerpoint/2010/main" val="2229731819"/>
       </p:ext>
     </p:extLst>
   </p:cSld>
@@ -19594,85 +20341,158 @@
           </a:p>
         </p:txBody>
       </p:sp>
-      <p:sp>
-        <p:nvSpPr>
-          <p:cNvPr id="3" name="コンテンツ プレースホルダー 2">
-            <a:extLst>
-              <a:ext uri="{FF2B5EF4-FFF2-40B4-BE49-F238E27FC236}">
-                <a16:creationId xmlns:a16="http://schemas.microsoft.com/office/drawing/2014/main" id="{16CD0B30-B81C-48A7-AD69-55ECEFD9088C}"/>
-              </a:ext>
-            </a:extLst>
-          </p:cNvPr>
-          <p:cNvSpPr>
-            <a:spLocks noGrp="1"/>
-          </p:cNvSpPr>
-          <p:nvPr>
-            <p:ph idx="1"/>
-          </p:nvPr>
-        </p:nvSpPr>
-        <p:spPr/>
-        <p:txBody>
-          <a:bodyPr>
-            <a:normAutofit/>
-          </a:bodyPr>
-          <a:lstStyle/>
-          <a:p>
-            <a:r>
-              <a:rPr lang="ja-JP" altLang="en-US" dirty="0"/>
-              <a:t>学習の手順を以下に示す</a:t>
-            </a:r>
-            <a:r>
-              <a:rPr lang="en-US" altLang="ja-JP" dirty="0"/>
-              <a:t>. 1. </a:t>
-            </a:r>
-            <a:r>
-              <a:rPr lang="ja-JP" altLang="en-US" dirty="0"/>
-              <a:t>探索：アーキテクチャ </a:t>
-            </a:r>
-            <a:r>
-              <a:rPr lang="en-US" altLang="ja-JP" dirty="0"/>
-              <a:t>α </a:t>
-            </a:r>
-            <a:r>
-              <a:rPr lang="ja-JP" altLang="en-US" dirty="0"/>
-              <a:t>の訓練 </a:t>
-            </a:r>
-            <a:r>
-              <a:rPr lang="en-US" altLang="ja-JP" dirty="0"/>
-              <a:t>2. </a:t>
-            </a:r>
-            <a:r>
-              <a:rPr lang="ja-JP" altLang="en-US" dirty="0"/>
-              <a:t>構成：</a:t>
-            </a:r>
-            <a:r>
-              <a:rPr lang="en-US" altLang="ja-JP" dirty="0"/>
-              <a:t>α </a:t>
-            </a:r>
-            <a:r>
-              <a:rPr lang="ja-JP" altLang="en-US" dirty="0"/>
-              <a:t>からネットワークを構成 </a:t>
-            </a:r>
-            <a:r>
-              <a:rPr lang="en-US" altLang="ja-JP" dirty="0"/>
-              <a:t>3. </a:t>
-            </a:r>
-            <a:r>
-              <a:rPr lang="ja-JP" altLang="en-US" dirty="0"/>
-              <a:t>評価：得られたネットワークをバックプロパゲー ションにより訓練し</a:t>
-            </a:r>
-            <a:r>
-              <a:rPr lang="en-US" altLang="ja-JP" dirty="0"/>
-              <a:t>, </a:t>
-            </a:r>
-            <a:r>
-              <a:rPr lang="ja-JP" altLang="en-US" dirty="0"/>
-              <a:t>テストデータで性能を評価</a:t>
-            </a:r>
-            <a:endParaRPr kumimoji="1" lang="ja-JP" altLang="en-US" dirty="0"/>
-          </a:p>
-        </p:txBody>
-      </p:sp>
+      <mc:AlternateContent xmlns:mc="http://schemas.openxmlformats.org/markup-compatibility/2006">
+        <mc:Choice xmlns:a14="http://schemas.microsoft.com/office/drawing/2010/main" Requires="a14">
+          <p:sp>
+            <p:nvSpPr>
+              <p:cNvPr id="3" name="コンテンツ プレースホルダー 2">
+                <a:extLst>
+                  <a:ext uri="{FF2B5EF4-FFF2-40B4-BE49-F238E27FC236}">
+                    <a16:creationId xmlns:a16="http://schemas.microsoft.com/office/drawing/2014/main" id="{16CD0B30-B81C-48A7-AD69-55ECEFD9088C}"/>
+                  </a:ext>
+                </a:extLst>
+              </p:cNvPr>
+              <p:cNvSpPr>
+                <a:spLocks noGrp="1"/>
+              </p:cNvSpPr>
+              <p:nvPr>
+                <p:ph idx="1"/>
+              </p:nvPr>
+            </p:nvSpPr>
+            <p:spPr>
+              <a:xfrm>
+                <a:off x="822959" y="1661049"/>
+                <a:ext cx="7660178" cy="1425051"/>
+              </a:xfrm>
+            </p:spPr>
+            <p:txBody>
+              <a:bodyPr>
+                <a:normAutofit fontScale="85000" lnSpcReduction="10000"/>
+              </a:bodyPr>
+              <a:lstStyle/>
+              <a:p>
+                <a:r>
+                  <a:rPr lang="ja-JP" altLang="en-US" dirty="0"/>
+                  <a:t>ただし </a:t>
+                </a:r>
+                <a14:m>
+                  <m:oMath xmlns:m="http://schemas.openxmlformats.org/officeDocument/2006/math">
+                    <m:r>
+                      <a:rPr lang="en-US" altLang="ja-JP" i="1" dirty="0" smtClean="0">
+                        <a:latin typeface="Cambria Math" panose="02040503050406030204" pitchFamily="18" charset="0"/>
+                      </a:rPr>
+                      <m:t>𝛽</m:t>
+                    </m:r>
+                    <m:r>
+                      <a:rPr lang="en-US" altLang="ja-JP" i="1" dirty="0" smtClean="0">
+                        <a:latin typeface="Cambria Math" panose="02040503050406030204" pitchFamily="18" charset="0"/>
+                      </a:rPr>
+                      <m:t> = 0</m:t>
+                    </m:r>
+                  </m:oMath>
+                </a14:m>
+                <a:r>
+                  <a:rPr lang="ja-JP" altLang="en-US" dirty="0"/>
+                  <a:t> で勾配の更新が</a:t>
+                </a:r>
+                <a:endParaRPr lang="en-US" altLang="ja-JP" dirty="0"/>
+              </a:p>
+              <a:p>
+                <a:r>
+                  <a:rPr lang="ja-JP" altLang="en-US" dirty="0"/>
+                  <a:t>できなくなるので</a:t>
+                </a:r>
+                <a:r>
+                  <a:rPr lang="en-US" altLang="ja-JP" dirty="0"/>
+                  <a:t>, </a:t>
+                </a:r>
+                <a:r>
+                  <a:rPr lang="ja-JP" altLang="en-US" dirty="0"/>
+                  <a:t>補正した </a:t>
+                </a:r>
+                <a14:m>
+                  <m:oMath xmlns:m="http://schemas.openxmlformats.org/officeDocument/2006/math">
+                    <m:acc>
+                      <m:accPr>
+                        <m:chr m:val="̂"/>
+                        <m:ctrlPr>
+                          <a:rPr lang="en-US" altLang="ja-JP" i="1" dirty="0" smtClean="0">
+                            <a:latin typeface="Cambria Math" panose="02040503050406030204" pitchFamily="18" charset="0"/>
+                          </a:rPr>
+                        </m:ctrlPr>
+                      </m:accPr>
+                      <m:e>
+                        <m:r>
+                          <a:rPr lang="en-US" altLang="ja-JP" b="0" i="1" dirty="0" smtClean="0">
+                            <a:latin typeface="Cambria Math" panose="02040503050406030204" pitchFamily="18" charset="0"/>
+                          </a:rPr>
+                          <m:t>𝛽</m:t>
+                        </m:r>
+                      </m:e>
+                    </m:acc>
+                  </m:oMath>
+                </a14:m>
+                <a:r>
+                  <a:rPr lang="en-US" altLang="ja-JP" dirty="0"/>
+                  <a:t> </a:t>
+                </a:r>
+                <a:r>
+                  <a:rPr lang="ja-JP" altLang="en-US" dirty="0"/>
+                  <a:t>を用いる</a:t>
+                </a:r>
+                <a:r>
+                  <a:rPr lang="en-US" altLang="ja-JP" dirty="0"/>
+                  <a:t> </a:t>
+                </a:r>
+                <a:endParaRPr kumimoji="1" lang="ja-JP" altLang="en-US" dirty="0"/>
+              </a:p>
+            </p:txBody>
+          </p:sp>
+        </mc:Choice>
+        <mc:Fallback>
+          <p:sp>
+            <p:nvSpPr>
+              <p:cNvPr id="3" name="コンテンツ プレースホルダー 2">
+                <a:extLst>
+                  <a:ext uri="{FF2B5EF4-FFF2-40B4-BE49-F238E27FC236}">
+                    <a16:creationId xmlns:a16="http://schemas.microsoft.com/office/drawing/2014/main" id="{16CD0B30-B81C-48A7-AD69-55ECEFD9088C}"/>
+                  </a:ext>
+                </a:extLst>
+              </p:cNvPr>
+              <p:cNvSpPr>
+                <a:spLocks noGrp="1" noRot="1" noChangeAspect="1" noMove="1" noResize="1" noEditPoints="1" noAdjustHandles="1" noChangeArrowheads="1" noChangeShapeType="1" noTextEdit="1"/>
+              </p:cNvSpPr>
+              <p:nvPr>
+                <p:ph idx="1"/>
+              </p:nvPr>
+            </p:nvSpPr>
+            <p:spPr>
+              <a:xfrm>
+                <a:off x="822959" y="1661049"/>
+                <a:ext cx="7660178" cy="1425051"/>
+              </a:xfrm>
+              <a:blipFill>
+                <a:blip r:embed="rId2"/>
+                <a:stretch>
+                  <a:fillRect l="-3103" t="-9402"/>
+                </a:stretch>
+              </a:blipFill>
+            </p:spPr>
+            <p:txBody>
+              <a:bodyPr/>
+              <a:lstStyle/>
+              <a:p>
+                <a:r>
+                  <a:rPr lang="ja-JP" altLang="en-US">
+                    <a:noFill/>
+                  </a:rPr>
+                  <a:t> </a:t>
+                </a:r>
+              </a:p>
+            </p:txBody>
+          </p:sp>
+        </mc:Fallback>
+      </mc:AlternateContent>
       <p:sp>
         <p:nvSpPr>
           <p:cNvPr id="4" name="スライド番号プレースホルダー 3">
@@ -19702,10 +20522,57 @@
           </a:p>
         </p:txBody>
       </p:sp>
+      <p:pic>
+        <p:nvPicPr>
+          <p:cNvPr id="17410" name="Picture 2" descr="\begin{align*}&#10;  \hat{\beta} = \begin{cases}&#10;    \exp(\beta - 1) &amp; (\beta \leq 1) \\&#10;    \log(\beta) + 1 &amp; (\mathrm{otherwise})&#10;  \end{cases}&#10;\end{align*}">
+            <a:extLst>
+              <a:ext uri="{FF2B5EF4-FFF2-40B4-BE49-F238E27FC236}">
+                <a16:creationId xmlns:a16="http://schemas.microsoft.com/office/drawing/2014/main" id="{F438544B-D30C-4673-8279-92FE2BCE32CA}"/>
+              </a:ext>
+            </a:extLst>
+          </p:cNvPr>
+          <p:cNvPicPr>
+            <a:picLocks noChangeAspect="1" noChangeArrowheads="1"/>
+          </p:cNvPicPr>
+          <p:nvPr/>
+        </p:nvPicPr>
+        <p:blipFill>
+          <a:blip r:embed="rId3">
+            <a:extLst>
+              <a:ext uri="{28A0092B-C50C-407E-A947-70E740481C1C}">
+                <a14:useLocalDpi xmlns:a14="http://schemas.microsoft.com/office/drawing/2010/main" val="0"/>
+              </a:ext>
+            </a:extLst>
+          </a:blip>
+          <a:srcRect/>
+          <a:stretch>
+            <a:fillRect/>
+          </a:stretch>
+        </p:blipFill>
+        <p:spPr bwMode="auto">
+          <a:xfrm>
+            <a:off x="1931583" y="3331698"/>
+            <a:ext cx="5210175" cy="1190625"/>
+          </a:xfrm>
+          <a:prstGeom prst="rect">
+            <a:avLst/>
+          </a:prstGeom>
+          <a:noFill/>
+          <a:extLst>
+            <a:ext uri="{909E8E84-426E-40DD-AFC4-6F175D3DCCD1}">
+              <a14:hiddenFill xmlns:a14="http://schemas.microsoft.com/office/drawing/2010/main">
+                <a:solidFill>
+                  <a:srgbClr val="FFFFFF"/>
+                </a:solidFill>
+              </a14:hiddenFill>
+            </a:ext>
+          </a:extLst>
+        </p:spPr>
+      </p:pic>
     </p:spTree>
     <p:extLst>
       <p:ext uri="{BB962C8B-B14F-4D97-AF65-F5344CB8AC3E}">
-        <p14:creationId xmlns:p14="http://schemas.microsoft.com/office/powerpoint/2010/main" val="3156904643"/>
+        <p14:creationId xmlns:p14="http://schemas.microsoft.com/office/powerpoint/2010/main" val="3276543258"/>
       </p:ext>
     </p:extLst>
   </p:cSld>
@@ -19755,86 +20622,180 @@
           <a:p>
             <a:r>
               <a:rPr kumimoji="1" lang="ja-JP" altLang="en-US" dirty="0"/>
-              <a:t>実験</a:t>
-            </a:r>
-            <a:r>
-              <a:rPr kumimoji="1" lang="en-US" altLang="ja-JP" dirty="0"/>
-              <a:t>1 </a:t>
-            </a:r>
-            <a:r>
-              <a:rPr kumimoji="1" lang="ja-JP" altLang="en-US" dirty="0"/>
-              <a:t>： 提案手法</a:t>
+              <a:t>学習の手順</a:t>
             </a:r>
           </a:p>
         </p:txBody>
       </p:sp>
-      <p:sp>
-        <p:nvSpPr>
-          <p:cNvPr id="3" name="コンテンツ プレースホルダー 2">
-            <a:extLst>
-              <a:ext uri="{FF2B5EF4-FFF2-40B4-BE49-F238E27FC236}">
-                <a16:creationId xmlns:a16="http://schemas.microsoft.com/office/drawing/2014/main" id="{16CD0B30-B81C-48A7-AD69-55ECEFD9088C}"/>
-              </a:ext>
-            </a:extLst>
-          </p:cNvPr>
-          <p:cNvSpPr>
-            <a:spLocks noGrp="1"/>
-          </p:cNvSpPr>
-          <p:nvPr>
-            <p:ph idx="1"/>
-          </p:nvPr>
-        </p:nvSpPr>
-        <p:spPr/>
-        <p:txBody>
-          <a:bodyPr>
-            <a:normAutofit/>
-          </a:bodyPr>
-          <a:lstStyle/>
-          <a:p>
-            <a:r>
-              <a:rPr lang="ja-JP" altLang="en-US" dirty="0"/>
-              <a:t>構成手法は複数考えられるため</a:t>
-            </a:r>
-            <a:r>
-              <a:rPr lang="en-US" altLang="ja-JP" dirty="0"/>
-              <a:t>, • </a:t>
-            </a:r>
-            <a:r>
-              <a:rPr lang="ja-JP" altLang="en-US" dirty="0"/>
-              <a:t>構成手法 </a:t>
-            </a:r>
-            <a:r>
-              <a:rPr lang="en-US" altLang="ja-JP" dirty="0"/>
-              <a:t>A : predecessors </a:t>
-            </a:r>
-            <a:r>
-              <a:rPr lang="ja-JP" altLang="en-US" dirty="0"/>
-              <a:t>の中で大きい順に採択 </a:t>
-            </a:r>
-            <a:r>
-              <a:rPr lang="en-US" altLang="ja-JP" dirty="0"/>
-              <a:t>• </a:t>
-            </a:r>
-            <a:r>
-              <a:rPr lang="ja-JP" altLang="en-US" dirty="0"/>
-              <a:t>構成手法 </a:t>
-            </a:r>
-            <a:r>
-              <a:rPr lang="en-US" altLang="ja-JP" dirty="0"/>
-              <a:t>B : </a:t>
-            </a:r>
-            <a:r>
-              <a:rPr lang="ja-JP" altLang="en-US" dirty="0"/>
-              <a:t>閾値以上のエッジを採択 で実験した</a:t>
-            </a:r>
-            <a:r>
-              <a:rPr lang="en-US" altLang="ja-JP" dirty="0"/>
-              <a:t>. </a:t>
-            </a:r>
-            <a:endParaRPr kumimoji="1" lang="ja-JP" altLang="en-US" dirty="0"/>
-          </a:p>
-        </p:txBody>
-      </p:sp>
+      <mc:AlternateContent xmlns:mc="http://schemas.openxmlformats.org/markup-compatibility/2006">
+        <mc:Choice xmlns:a14="http://schemas.microsoft.com/office/drawing/2010/main" Requires="a14">
+          <p:sp>
+            <p:nvSpPr>
+              <p:cNvPr id="3" name="コンテンツ プレースホルダー 2">
+                <a:extLst>
+                  <a:ext uri="{FF2B5EF4-FFF2-40B4-BE49-F238E27FC236}">
+                    <a16:creationId xmlns:a16="http://schemas.microsoft.com/office/drawing/2014/main" id="{16CD0B30-B81C-48A7-AD69-55ECEFD9088C}"/>
+                  </a:ext>
+                </a:extLst>
+              </p:cNvPr>
+              <p:cNvSpPr>
+                <a:spLocks noGrp="1"/>
+              </p:cNvSpPr>
+              <p:nvPr>
+                <p:ph idx="1"/>
+              </p:nvPr>
+            </p:nvSpPr>
+            <p:spPr>
+              <a:xfrm>
+                <a:off x="822959" y="1661049"/>
+                <a:ext cx="8073391" cy="4531925"/>
+              </a:xfrm>
+            </p:spPr>
+            <p:txBody>
+              <a:bodyPr>
+                <a:normAutofit/>
+              </a:bodyPr>
+              <a:lstStyle/>
+              <a:p>
+                <a:pPr marL="742950" indent="-742950">
+                  <a:lnSpc>
+                    <a:spcPct val="150000"/>
+                  </a:lnSpc>
+                  <a:buFont typeface="+mj-lt"/>
+                  <a:buAutoNum type="arabicPeriod"/>
+                </a:pPr>
+                <a:r>
+                  <a:rPr lang="ja-JP" altLang="en-US" sz="3200" dirty="0"/>
+                  <a:t>探索：アーキテクチャ </a:t>
+                </a:r>
+                <a14:m>
+                  <m:oMath xmlns:m="http://schemas.openxmlformats.org/officeDocument/2006/math">
+                    <m:r>
+                      <a:rPr lang="ja-JP" altLang="en-US" sz="3200" i="1" smtClean="0">
+                        <a:latin typeface="Cambria Math" panose="02040503050406030204" pitchFamily="18" charset="0"/>
+                      </a:rPr>
+                      <m:t>𝛼</m:t>
+                    </m:r>
+                  </m:oMath>
+                </a14:m>
+                <a:r>
+                  <a:rPr lang="en-US" altLang="ja-JP" sz="3200" dirty="0"/>
+                  <a:t> </a:t>
+                </a:r>
+                <a:r>
+                  <a:rPr lang="ja-JP" altLang="en-US" sz="3200" dirty="0"/>
+                  <a:t>の訓練</a:t>
+                </a:r>
+                <a:endParaRPr lang="en-US" altLang="ja-JP" sz="3200" dirty="0"/>
+              </a:p>
+              <a:p>
+                <a:pPr marL="742950" indent="-742950">
+                  <a:lnSpc>
+                    <a:spcPct val="150000"/>
+                  </a:lnSpc>
+                  <a:buFont typeface="+mj-lt"/>
+                  <a:buAutoNum type="arabicPeriod"/>
+                </a:pPr>
+                <a:r>
+                  <a:rPr lang="ja-JP" altLang="en-US" sz="3200" dirty="0"/>
+                  <a:t>構成：</a:t>
+                </a:r>
+                <a14:m>
+                  <m:oMath xmlns:m="http://schemas.openxmlformats.org/officeDocument/2006/math">
+                    <m:r>
+                      <a:rPr lang="ja-JP" altLang="en-US" sz="3200" i="1">
+                        <a:latin typeface="Cambria Math" panose="02040503050406030204" pitchFamily="18" charset="0"/>
+                      </a:rPr>
+                      <m:t>𝛼</m:t>
+                    </m:r>
+                  </m:oMath>
+                </a14:m>
+                <a:r>
+                  <a:rPr lang="ja-JP" altLang="en-US" sz="3200" dirty="0"/>
+                  <a:t> からネットワークを構成</a:t>
+                </a:r>
+                <a:endParaRPr lang="en-US" altLang="ja-JP" sz="3200" dirty="0"/>
+              </a:p>
+              <a:p>
+                <a:pPr marL="742950" indent="-742950">
+                  <a:lnSpc>
+                    <a:spcPct val="150000"/>
+                  </a:lnSpc>
+                  <a:buFont typeface="+mj-lt"/>
+                  <a:buAutoNum type="arabicPeriod"/>
+                </a:pPr>
+                <a:r>
+                  <a:rPr lang="ja-JP" altLang="en-US" sz="3200" dirty="0"/>
+                  <a:t>評価：ネットワークを逆伝播で訓練</a:t>
+                </a:r>
+                <a:r>
+                  <a:rPr lang="en-US" altLang="ja-JP" sz="3200" dirty="0"/>
+                  <a:t>, </a:t>
+                </a:r>
+              </a:p>
+              <a:p>
+                <a:pPr>
+                  <a:lnSpc>
+                    <a:spcPct val="150000"/>
+                  </a:lnSpc>
+                </a:pPr>
+                <a:r>
+                  <a:rPr lang="en-US" altLang="ja-JP" sz="3200" dirty="0"/>
+                  <a:t>	        </a:t>
+                </a:r>
+                <a:r>
+                  <a:rPr lang="ja-JP" altLang="en-US" sz="3200" dirty="0"/>
+                  <a:t>テストデータで性能を評価</a:t>
+                </a:r>
+                <a:endParaRPr kumimoji="1" lang="ja-JP" altLang="en-US" sz="3200" dirty="0"/>
+              </a:p>
+            </p:txBody>
+          </p:sp>
+        </mc:Choice>
+        <mc:Fallback>
+          <p:sp>
+            <p:nvSpPr>
+              <p:cNvPr id="3" name="コンテンツ プレースホルダー 2">
+                <a:extLst>
+                  <a:ext uri="{FF2B5EF4-FFF2-40B4-BE49-F238E27FC236}">
+                    <a16:creationId xmlns:a16="http://schemas.microsoft.com/office/drawing/2014/main" id="{16CD0B30-B81C-48A7-AD69-55ECEFD9088C}"/>
+                  </a:ext>
+                </a:extLst>
+              </p:cNvPr>
+              <p:cNvSpPr>
+                <a:spLocks noGrp="1" noRot="1" noChangeAspect="1" noMove="1" noResize="1" noEditPoints="1" noAdjustHandles="1" noChangeArrowheads="1" noChangeShapeType="1" noTextEdit="1"/>
+              </p:cNvSpPr>
+              <p:nvPr>
+                <p:ph idx="1"/>
+              </p:nvPr>
+            </p:nvSpPr>
+            <p:spPr>
+              <a:xfrm>
+                <a:off x="822959" y="1661049"/>
+                <a:ext cx="8073391" cy="4531925"/>
+              </a:xfrm>
+              <a:blipFill>
+                <a:blip r:embed="rId2"/>
+                <a:stretch>
+                  <a:fillRect l="-3776" t="-134"/>
+                </a:stretch>
+              </a:blipFill>
+            </p:spPr>
+            <p:txBody>
+              <a:bodyPr/>
+              <a:lstStyle/>
+              <a:p>
+                <a:r>
+                  <a:rPr lang="ja-JP" altLang="en-US">
+                    <a:noFill/>
+                  </a:rPr>
+                  <a:t> </a:t>
+                </a:r>
+              </a:p>
+            </p:txBody>
+          </p:sp>
+        </mc:Fallback>
+      </mc:AlternateContent>
       <p:sp>
         <p:nvSpPr>
           <p:cNvPr id="4" name="スライド番号プレースホルダー 3">
@@ -19867,7 +20828,7 @@
     </p:spTree>
     <p:extLst>
       <p:ext uri="{BB962C8B-B14F-4D97-AF65-F5344CB8AC3E}">
-        <p14:creationId xmlns:p14="http://schemas.microsoft.com/office/powerpoint/2010/main" val="3499690431"/>
+        <p14:creationId xmlns:p14="http://schemas.microsoft.com/office/powerpoint/2010/main" val="3156904643"/>
       </p:ext>
     </p:extLst>
   </p:cSld>
@@ -19917,6 +20878,427 @@
           <a:p>
             <a:r>
               <a:rPr kumimoji="1" lang="ja-JP" altLang="en-US" dirty="0"/>
+              <a:t>構成手法</a:t>
+            </a:r>
+          </a:p>
+        </p:txBody>
+      </p:sp>
+      <mc:AlternateContent xmlns:mc="http://schemas.openxmlformats.org/markup-compatibility/2006">
+        <mc:Choice xmlns:a14="http://schemas.microsoft.com/office/drawing/2010/main" Requires="a14">
+          <p:sp>
+            <p:nvSpPr>
+              <p:cNvPr id="3" name="コンテンツ プレースホルダー 2">
+                <a:extLst>
+                  <a:ext uri="{FF2B5EF4-FFF2-40B4-BE49-F238E27FC236}">
+                    <a16:creationId xmlns:a16="http://schemas.microsoft.com/office/drawing/2014/main" id="{16CD0B30-B81C-48A7-AD69-55ECEFD9088C}"/>
+                  </a:ext>
+                </a:extLst>
+              </p:cNvPr>
+              <p:cNvSpPr>
+                <a:spLocks noGrp="1"/>
+              </p:cNvSpPr>
+              <p:nvPr>
+                <p:ph idx="1"/>
+              </p:nvPr>
+            </p:nvSpPr>
+            <p:spPr/>
+            <p:txBody>
+              <a:bodyPr>
+                <a:normAutofit/>
+              </a:bodyPr>
+              <a:lstStyle/>
+              <a:p>
+                <a:pPr marL="571500" indent="-571500">
+                  <a:lnSpc>
+                    <a:spcPct val="100000"/>
+                  </a:lnSpc>
+                  <a:buFont typeface="Wingdings" panose="05000000000000000000" pitchFamily="2" charset="2"/>
+                  <a:buChar char="n"/>
+                </a:pPr>
+                <a:r>
+                  <a:rPr lang="ja-JP" altLang="en-US" dirty="0"/>
+                  <a:t>構成手法 </a:t>
+                </a:r>
+                <a:r>
+                  <a:rPr lang="en-US" altLang="ja-JP" dirty="0"/>
+                  <a:t>A : </a:t>
+                </a:r>
+              </a:p>
+              <a:p>
+                <a:pPr>
+                  <a:lnSpc>
+                    <a:spcPct val="100000"/>
+                  </a:lnSpc>
+                </a:pPr>
+                <a:r>
+                  <a:rPr lang="ja-JP" altLang="en-US" dirty="0"/>
+                  <a:t>先行ノードの中で</a:t>
+                </a:r>
+                <a14:m>
+                  <m:oMath xmlns:m="http://schemas.openxmlformats.org/officeDocument/2006/math">
+                    <m:sSub>
+                      <m:sSubPr>
+                        <m:ctrlPr>
+                          <a:rPr lang="en-US" altLang="ja-JP" i="1">
+                            <a:latin typeface="Cambria Math" panose="02040503050406030204" pitchFamily="18" charset="0"/>
+                          </a:rPr>
+                        </m:ctrlPr>
+                      </m:sSubPr>
+                      <m:e>
+                        <m:r>
+                          <a:rPr lang="en-US" altLang="ja-JP" i="1">
+                            <a:latin typeface="Cambria Math" panose="02040503050406030204" pitchFamily="18" charset="0"/>
+                          </a:rPr>
+                          <m:t>𝛼</m:t>
+                        </m:r>
+                      </m:e>
+                      <m:sub>
+                        <m:r>
+                          <a:rPr lang="en-US" altLang="ja-JP" i="1">
+                            <a:latin typeface="Cambria Math" panose="02040503050406030204" pitchFamily="18" charset="0"/>
+                          </a:rPr>
+                          <m:t>𝑗</m:t>
+                        </m:r>
+                      </m:sub>
+                    </m:sSub>
+                  </m:oMath>
+                </a14:m>
+                <a:r>
+                  <a:rPr lang="ja-JP" altLang="en-US" dirty="0"/>
+                  <a:t>が大きい順に</a:t>
+                </a:r>
+                <a:endParaRPr lang="en-US" altLang="ja-JP" dirty="0"/>
+              </a:p>
+              <a:p>
+                <a:pPr>
+                  <a:lnSpc>
+                    <a:spcPct val="100000"/>
+                  </a:lnSpc>
+                </a:pPr>
+                <a14:m>
+                  <m:oMath xmlns:m="http://schemas.openxmlformats.org/officeDocument/2006/math">
+                    <m:r>
+                      <m:rPr>
+                        <m:sty m:val="p"/>
+                      </m:rPr>
+                      <a:rPr lang="en-US" altLang="ja-JP" b="0" i="1" smtClean="0">
+                        <a:latin typeface="Cambria Math" panose="02040503050406030204" pitchFamily="18" charset="0"/>
+                      </a:rPr>
+                      <m:t>round</m:t>
+                    </m:r>
+                    <m:r>
+                      <a:rPr lang="en-US" altLang="ja-JP" b="0" i="1" smtClean="0">
+                        <a:latin typeface="Cambria Math" panose="02040503050406030204" pitchFamily="18" charset="0"/>
+                      </a:rPr>
+                      <m:t>(</m:t>
+                    </m:r>
+                    <m:nary>
+                      <m:naryPr>
+                        <m:chr m:val="∑"/>
+                        <m:ctrlPr>
+                          <a:rPr lang="en-US" altLang="ja-JP" b="0" i="1" smtClean="0">
+                            <a:latin typeface="Cambria Math" panose="02040503050406030204" pitchFamily="18" charset="0"/>
+                          </a:rPr>
+                        </m:ctrlPr>
+                      </m:naryPr>
+                      <m:sub>
+                        <m:r>
+                          <m:rPr>
+                            <m:brk m:alnAt="23"/>
+                          </m:rPr>
+                          <a:rPr lang="en-US" altLang="ja-JP" b="0" i="1" smtClean="0">
+                            <a:latin typeface="Cambria Math" panose="02040503050406030204" pitchFamily="18" charset="0"/>
+                          </a:rPr>
+                          <m:t>𝑗</m:t>
+                        </m:r>
+                        <m:r>
+                          <a:rPr lang="en-US" altLang="ja-JP" b="0" i="1" smtClean="0">
+                            <a:latin typeface="Cambria Math" panose="02040503050406030204" pitchFamily="18" charset="0"/>
+                          </a:rPr>
+                          <m:t>∈</m:t>
+                        </m:r>
+                        <m:sSub>
+                          <m:sSubPr>
+                            <m:ctrlPr>
+                              <a:rPr lang="en-US" altLang="ja-JP" b="0" i="1" smtClean="0">
+                                <a:latin typeface="Cambria Math" panose="02040503050406030204" pitchFamily="18" charset="0"/>
+                              </a:rPr>
+                            </m:ctrlPr>
+                          </m:sSubPr>
+                          <m:e>
+                            <m:r>
+                              <a:rPr lang="en-US" altLang="ja-JP" b="0" i="1" smtClean="0">
+                                <a:latin typeface="Cambria Math" panose="02040503050406030204" pitchFamily="18" charset="0"/>
+                              </a:rPr>
+                              <m:t>𝑆</m:t>
+                            </m:r>
+                          </m:e>
+                          <m:sub>
+                            <m:r>
+                              <a:rPr lang="en-US" altLang="ja-JP" b="0" i="1" smtClean="0">
+                                <a:latin typeface="Cambria Math" panose="02040503050406030204" pitchFamily="18" charset="0"/>
+                              </a:rPr>
+                              <m:t>𝑖</m:t>
+                            </m:r>
+                          </m:sub>
+                        </m:sSub>
+                      </m:sub>
+                      <m:sup/>
+                      <m:e>
+                        <m:sSub>
+                          <m:sSubPr>
+                            <m:ctrlPr>
+                              <a:rPr lang="en-US" altLang="ja-JP" b="0" i="1" smtClean="0">
+                                <a:latin typeface="Cambria Math" panose="02040503050406030204" pitchFamily="18" charset="0"/>
+                              </a:rPr>
+                            </m:ctrlPr>
+                          </m:sSubPr>
+                          <m:e>
+                            <m:r>
+                              <a:rPr lang="en-US" altLang="ja-JP" b="0" i="1" smtClean="0">
+                                <a:latin typeface="Cambria Math" panose="02040503050406030204" pitchFamily="18" charset="0"/>
+                              </a:rPr>
+                              <m:t>𝛼</m:t>
+                            </m:r>
+                          </m:e>
+                          <m:sub>
+                            <m:r>
+                              <a:rPr lang="en-US" altLang="ja-JP" b="0" i="1" smtClean="0">
+                                <a:latin typeface="Cambria Math" panose="02040503050406030204" pitchFamily="18" charset="0"/>
+                              </a:rPr>
+                              <m:t>𝑗</m:t>
+                            </m:r>
+                          </m:sub>
+                        </m:sSub>
+                      </m:e>
+                    </m:nary>
+                    <m:r>
+                      <a:rPr lang="en-US" altLang="ja-JP" b="0" i="1" smtClean="0">
+                        <a:latin typeface="Cambria Math" panose="02040503050406030204" pitchFamily="18" charset="0"/>
+                      </a:rPr>
+                      <m:t>)</m:t>
+                    </m:r>
+                  </m:oMath>
+                </a14:m>
+                <a:r>
+                  <a:rPr lang="ja-JP" altLang="en-US" dirty="0"/>
+                  <a:t> 本 採択 </a:t>
+                </a:r>
+                <a:endParaRPr lang="en-US" altLang="ja-JP" dirty="0"/>
+              </a:p>
+              <a:p>
+                <a:pPr>
+                  <a:lnSpc>
+                    <a:spcPct val="100000"/>
+                  </a:lnSpc>
+                </a:pPr>
+                <a:endParaRPr lang="en-US" altLang="ja-JP" dirty="0"/>
+              </a:p>
+              <a:p>
+                <a:pPr marL="571500" indent="-571500">
+                  <a:lnSpc>
+                    <a:spcPct val="100000"/>
+                  </a:lnSpc>
+                  <a:buFont typeface="Wingdings" panose="05000000000000000000" pitchFamily="2" charset="2"/>
+                  <a:buChar char="n"/>
+                </a:pPr>
+                <a:r>
+                  <a:rPr lang="ja-JP" altLang="en-US" dirty="0"/>
+                  <a:t>構成手法 </a:t>
+                </a:r>
+                <a:r>
+                  <a:rPr lang="en-US" altLang="ja-JP" dirty="0"/>
+                  <a:t>B : </a:t>
+                </a:r>
+              </a:p>
+              <a:p>
+                <a:pPr>
+                  <a:lnSpc>
+                    <a:spcPct val="100000"/>
+                  </a:lnSpc>
+                </a:pPr>
+                <a14:m>
+                  <m:oMath xmlns:m="http://schemas.openxmlformats.org/officeDocument/2006/math">
+                    <m:sSub>
+                      <m:sSubPr>
+                        <m:ctrlPr>
+                          <a:rPr lang="en-US" altLang="ja-JP" i="1">
+                            <a:latin typeface="Cambria Math" panose="02040503050406030204" pitchFamily="18" charset="0"/>
+                          </a:rPr>
+                        </m:ctrlPr>
+                      </m:sSubPr>
+                      <m:e>
+                        <m:r>
+                          <a:rPr lang="en-US" altLang="ja-JP" i="1">
+                            <a:latin typeface="Cambria Math" panose="02040503050406030204" pitchFamily="18" charset="0"/>
+                          </a:rPr>
+                          <m:t>𝛼</m:t>
+                        </m:r>
+                      </m:e>
+                      <m:sub>
+                        <m:r>
+                          <a:rPr lang="en-US" altLang="ja-JP" i="1">
+                            <a:latin typeface="Cambria Math" panose="02040503050406030204" pitchFamily="18" charset="0"/>
+                          </a:rPr>
+                          <m:t>𝑗</m:t>
+                        </m:r>
+                      </m:sub>
+                    </m:sSub>
+                  </m:oMath>
+                </a14:m>
+                <a:r>
+                  <a:rPr lang="ja-JP" altLang="en-US" dirty="0"/>
+                  <a:t>が閾値</a:t>
+                </a:r>
+                <a:r>
+                  <a:rPr lang="en-US" altLang="ja-JP" dirty="0"/>
+                  <a:t>(</a:t>
+                </a:r>
+                <a14:m>
+                  <m:oMath xmlns:m="http://schemas.openxmlformats.org/officeDocument/2006/math">
+                    <m:r>
+                      <a:rPr lang="en-US" altLang="ja-JP" b="0" i="1" smtClean="0">
+                        <a:latin typeface="Cambria Math" panose="02040503050406030204" pitchFamily="18" charset="0"/>
+                      </a:rPr>
+                      <m:t>0.5</m:t>
+                    </m:r>
+                  </m:oMath>
+                </a14:m>
+                <a:r>
+                  <a:rPr lang="en-US" altLang="ja-JP" dirty="0"/>
+                  <a:t>)</a:t>
+                </a:r>
+                <a:r>
+                  <a:rPr lang="ja-JP" altLang="en-US" dirty="0"/>
+                  <a:t>以上の辺を全て採択</a:t>
+                </a:r>
+                <a:endParaRPr kumimoji="1" lang="ja-JP" altLang="en-US" dirty="0"/>
+              </a:p>
+            </p:txBody>
+          </p:sp>
+        </mc:Choice>
+        <mc:Fallback>
+          <p:sp>
+            <p:nvSpPr>
+              <p:cNvPr id="3" name="コンテンツ プレースホルダー 2">
+                <a:extLst>
+                  <a:ext uri="{FF2B5EF4-FFF2-40B4-BE49-F238E27FC236}">
+                    <a16:creationId xmlns:a16="http://schemas.microsoft.com/office/drawing/2014/main" id="{16CD0B30-B81C-48A7-AD69-55ECEFD9088C}"/>
+                  </a:ext>
+                </a:extLst>
+              </p:cNvPr>
+              <p:cNvSpPr>
+                <a:spLocks noGrp="1" noRot="1" noChangeAspect="1" noMove="1" noResize="1" noEditPoints="1" noAdjustHandles="1" noChangeArrowheads="1" noChangeShapeType="1" noTextEdit="1"/>
+              </p:cNvSpPr>
+              <p:nvPr>
+                <p:ph idx="1"/>
+              </p:nvPr>
+            </p:nvSpPr>
+            <p:spPr>
+              <a:blipFill>
+                <a:blip r:embed="rId2"/>
+                <a:stretch>
+                  <a:fillRect l="-3635" t="-2151" b="-4570"/>
+                </a:stretch>
+              </a:blipFill>
+            </p:spPr>
+            <p:txBody>
+              <a:bodyPr/>
+              <a:lstStyle/>
+              <a:p>
+                <a:r>
+                  <a:rPr lang="ja-JP" altLang="en-US">
+                    <a:noFill/>
+                  </a:rPr>
+                  <a:t> </a:t>
+                </a:r>
+              </a:p>
+            </p:txBody>
+          </p:sp>
+        </mc:Fallback>
+      </mc:AlternateContent>
+      <p:sp>
+        <p:nvSpPr>
+          <p:cNvPr id="4" name="スライド番号プレースホルダー 3">
+            <a:extLst>
+              <a:ext uri="{FF2B5EF4-FFF2-40B4-BE49-F238E27FC236}">
+                <a16:creationId xmlns:a16="http://schemas.microsoft.com/office/drawing/2014/main" id="{0B3C2E9D-0858-4A34-8898-41EF151E398D}"/>
+              </a:ext>
+            </a:extLst>
+          </p:cNvPr>
+          <p:cNvSpPr>
+            <a:spLocks noGrp="1"/>
+          </p:cNvSpPr>
+          <p:nvPr>
+            <p:ph type="sldNum" sz="quarter" idx="12"/>
+          </p:nvPr>
+        </p:nvSpPr>
+        <p:spPr/>
+        <p:txBody>
+          <a:bodyPr/>
+          <a:lstStyle/>
+          <a:p>
+            <a:fld id="{304739FC-810C-4CDC-B60F-21F1951FBC64}" type="slidenum">
+              <a:rPr kumimoji="1" lang="ja-JP" altLang="en-US" smtClean="0"/>
+              <a:t>33</a:t>
+            </a:fld>
+            <a:endParaRPr kumimoji="1" lang="ja-JP" altLang="en-US"/>
+          </a:p>
+        </p:txBody>
+      </p:sp>
+    </p:spTree>
+    <p:extLst>
+      <p:ext uri="{BB962C8B-B14F-4D97-AF65-F5344CB8AC3E}">
+        <p14:creationId xmlns:p14="http://schemas.microsoft.com/office/powerpoint/2010/main" val="3499690431"/>
+      </p:ext>
+    </p:extLst>
+  </p:cSld>
+  <p:clrMapOvr>
+    <a:masterClrMapping/>
+  </p:clrMapOvr>
+</p:sld>
+</file>
+
+<file path=ppt/slides/slide34.xml><?xml version="1.0" encoding="utf-8"?>
+<p:sld xmlns:a="http://schemas.openxmlformats.org/drawingml/2006/main" xmlns:r="http://schemas.openxmlformats.org/officeDocument/2006/relationships" xmlns:p="http://schemas.openxmlformats.org/presentationml/2006/main">
+  <p:cSld>
+    <p:spTree>
+      <p:nvGrpSpPr>
+        <p:cNvPr id="1" name=""/>
+        <p:cNvGrpSpPr/>
+        <p:nvPr/>
+      </p:nvGrpSpPr>
+      <p:grpSpPr>
+        <a:xfrm>
+          <a:off x="0" y="0"/>
+          <a:ext cx="0" cy="0"/>
+          <a:chOff x="0" y="0"/>
+          <a:chExt cx="0" cy="0"/>
+        </a:xfrm>
+      </p:grpSpPr>
+      <p:sp>
+        <p:nvSpPr>
+          <p:cNvPr id="2" name="タイトル 1">
+            <a:extLst>
+              <a:ext uri="{FF2B5EF4-FFF2-40B4-BE49-F238E27FC236}">
+                <a16:creationId xmlns:a16="http://schemas.microsoft.com/office/drawing/2014/main" id="{D46ABB39-F0C4-4941-8AC3-45B843579753}"/>
+              </a:ext>
+            </a:extLst>
+          </p:cNvPr>
+          <p:cNvSpPr>
+            <a:spLocks noGrp="1"/>
+          </p:cNvSpPr>
+          <p:nvPr>
+            <p:ph type="title"/>
+          </p:nvPr>
+        </p:nvSpPr>
+        <p:spPr/>
+        <p:txBody>
+          <a:bodyPr/>
+          <a:lstStyle/>
+          <a:p>
+            <a:r>
+              <a:rPr kumimoji="1" lang="ja-JP" altLang="en-US" dirty="0"/>
               <a:t>実験</a:t>
             </a:r>
             <a:r>
@@ -19946,13 +21328,13 @@
             <p:ph idx="1"/>
             <p:extLst>
               <p:ext uri="{D42A27DB-BD31-4B8C-83A1-F6EECF244321}">
-                <p14:modId xmlns:p14="http://schemas.microsoft.com/office/powerpoint/2010/main" val="1735954387"/>
+                <p14:modId xmlns:p14="http://schemas.microsoft.com/office/powerpoint/2010/main" val="477371794"/>
               </p:ext>
             </p:extLst>
           </p:nvPr>
         </p:nvGraphicFramePr>
         <p:xfrm>
-          <a:off x="822325" y="1660525"/>
+          <a:off x="822325" y="1472567"/>
           <a:ext cx="7543800" cy="741680"/>
         </p:xfrm>
         <a:graphic>
@@ -20074,7 +21456,7 @@
           <a:p>
             <a:fld id="{304739FC-810C-4CDC-B60F-21F1951FBC64}" type="slidenum">
               <a:rPr kumimoji="1" lang="ja-JP" altLang="en-US" smtClean="0"/>
-              <a:t>33</a:t>
+              <a:t>34</a:t>
             </a:fld>
             <a:endParaRPr kumimoji="1" lang="ja-JP" altLang="en-US"/>
           </a:p>
@@ -20095,14 +21477,14 @@
           <p:nvPr>
             <p:extLst>
               <p:ext uri="{D42A27DB-BD31-4B8C-83A1-F6EECF244321}">
-                <p14:modId xmlns:p14="http://schemas.microsoft.com/office/powerpoint/2010/main" val="1987318779"/>
+                <p14:modId xmlns:p14="http://schemas.microsoft.com/office/powerpoint/2010/main" val="2220106422"/>
               </p:ext>
             </p:extLst>
           </p:nvPr>
         </p:nvGraphicFramePr>
         <p:xfrm>
-          <a:off x="822325" y="2687320"/>
-          <a:ext cx="7543800" cy="1483360"/>
+          <a:off x="822325" y="2349960"/>
+          <a:ext cx="7543800" cy="1854200"/>
         </p:xfrm>
         <a:graphic>
           <a:graphicData uri="http://schemas.openxmlformats.org/drawingml/2006/table">
@@ -20133,10 +21515,10 @@
                     <a:lstStyle/>
                     <a:p>
                       <a:r>
-                        <a:rPr lang="en-US" altLang="ja-JP" dirty="0"/>
+                        <a:rPr lang="en-US" altLang="ja-JP" b="1" dirty="0"/>
                         <a:t>Step </a:t>
                       </a:r>
-                      <a:endParaRPr kumimoji="1" lang="ja-JP" altLang="en-US" dirty="0"/>
+                      <a:endParaRPr kumimoji="1" lang="ja-JP" altLang="en-US" b="1" dirty="0"/>
                     </a:p>
                   </a:txBody>
                   <a:tcPr/>
@@ -20147,10 +21529,10 @@
                     <a:lstStyle/>
                     <a:p>
                       <a:r>
-                        <a:rPr lang="en-US" altLang="ja-JP" dirty="0"/>
+                        <a:rPr lang="en-US" altLang="ja-JP" b="1" dirty="0"/>
                         <a:t>Architecture Search</a:t>
                       </a:r>
-                      <a:endParaRPr kumimoji="1" lang="ja-JP" altLang="en-US" dirty="0"/>
+                      <a:endParaRPr kumimoji="1" lang="ja-JP" altLang="en-US" b="1" dirty="0"/>
                     </a:p>
                   </a:txBody>
                   <a:tcPr/>
@@ -20285,6 +21667,40 @@
                   </a:ext>
                 </a:extLst>
               </a:tr>
+              <a:tr h="370840">
+                <a:tc>
+                  <a:txBody>
+                    <a:bodyPr/>
+                    <a:lstStyle/>
+                    <a:p>
+                      <a:r>
+                        <a:rPr kumimoji="1" lang="en-US" altLang="ja-JP" dirty="0"/>
+                        <a:t>Epoch</a:t>
+                      </a:r>
+                      <a:endParaRPr kumimoji="1" lang="ja-JP" altLang="en-US" dirty="0"/>
+                    </a:p>
+                  </a:txBody>
+                  <a:tcPr/>
+                </a:tc>
+                <a:tc>
+                  <a:txBody>
+                    <a:bodyPr/>
+                    <a:lstStyle/>
+                    <a:p>
+                      <a:r>
+                        <a:rPr lang="pt-BR" altLang="ja-JP" dirty="0"/>
+                        <a:t>50, 100, 150</a:t>
+                      </a:r>
+                    </a:p>
+                  </a:txBody>
+                  <a:tcPr/>
+                </a:tc>
+                <a:extLst>
+                  <a:ext uri="{0D108BD9-81ED-4DB2-BD59-A6C34878D82A}">
+                    <a16:rowId xmlns:a16="http://schemas.microsoft.com/office/drawing/2014/main" val="3365028258"/>
+                  </a:ext>
+                </a:extLst>
+              </a:tr>
             </a:tbl>
           </a:graphicData>
         </a:graphic>
@@ -20304,14 +21720,14 @@
           <p:nvPr>
             <p:extLst>
               <p:ext uri="{D42A27DB-BD31-4B8C-83A1-F6EECF244321}">
-                <p14:modId xmlns:p14="http://schemas.microsoft.com/office/powerpoint/2010/main" val="3218072063"/>
+                <p14:modId xmlns:p14="http://schemas.microsoft.com/office/powerpoint/2010/main" val="1837747813"/>
               </p:ext>
             </p:extLst>
           </p:nvPr>
         </p:nvGraphicFramePr>
         <p:xfrm>
-          <a:off x="822325" y="4405629"/>
-          <a:ext cx="7543800" cy="1483360"/>
+          <a:off x="822325" y="4339873"/>
+          <a:ext cx="7543800" cy="1854200"/>
         </p:xfrm>
         <a:graphic>
           <a:graphicData uri="http://schemas.openxmlformats.org/drawingml/2006/table">
@@ -20342,10 +21758,10 @@
                     <a:lstStyle/>
                     <a:p>
                       <a:r>
-                        <a:rPr lang="en-US" altLang="ja-JP" dirty="0"/>
+                        <a:rPr lang="en-US" altLang="ja-JP" b="1" dirty="0"/>
                         <a:t>Step </a:t>
                       </a:r>
-                      <a:endParaRPr kumimoji="1" lang="ja-JP" altLang="en-US" dirty="0"/>
+                      <a:endParaRPr kumimoji="1" lang="ja-JP" altLang="en-US" b="1" dirty="0"/>
                     </a:p>
                   </a:txBody>
                   <a:tcPr/>
@@ -20356,10 +21772,10 @@
                     <a:lstStyle/>
                     <a:p>
                       <a:r>
-                        <a:rPr lang="en-US" altLang="ja-JP" dirty="0"/>
+                        <a:rPr lang="en-US" altLang="ja-JP" b="1" dirty="0"/>
                         <a:t>Evaluation</a:t>
                       </a:r>
-                      <a:endParaRPr kumimoji="1" lang="ja-JP" altLang="en-US" dirty="0"/>
+                      <a:endParaRPr kumimoji="1" lang="ja-JP" altLang="en-US" b="1" dirty="0"/>
                     </a:p>
                   </a:txBody>
                   <a:tcPr/>
@@ -20495,6 +21911,40 @@
                   </a:ext>
                 </a:extLst>
               </a:tr>
+              <a:tr h="370840">
+                <a:tc>
+                  <a:txBody>
+                    <a:bodyPr/>
+                    <a:lstStyle/>
+                    <a:p>
+                      <a:r>
+                        <a:rPr kumimoji="1" lang="en-US" altLang="ja-JP" dirty="0"/>
+                        <a:t>Epoch</a:t>
+                      </a:r>
+                      <a:endParaRPr kumimoji="1" lang="ja-JP" altLang="en-US" dirty="0"/>
+                    </a:p>
+                  </a:txBody>
+                  <a:tcPr/>
+                </a:tc>
+                <a:tc>
+                  <a:txBody>
+                    <a:bodyPr/>
+                    <a:lstStyle/>
+                    <a:p>
+                      <a:r>
+                        <a:rPr lang="pt-BR" altLang="ja-JP" dirty="0"/>
+                        <a:t>150</a:t>
+                      </a:r>
+                    </a:p>
+                  </a:txBody>
+                  <a:tcPr/>
+                </a:tc>
+                <a:extLst>
+                  <a:ext uri="{0D108BD9-81ED-4DB2-BD59-A6C34878D82A}">
+                    <a16:rowId xmlns:a16="http://schemas.microsoft.com/office/drawing/2014/main" val="3181262062"/>
+                  </a:ext>
+                </a:extLst>
+              </a:tr>
             </a:tbl>
           </a:graphicData>
         </a:graphic>
@@ -20503,305 +21953,6 @@
     <p:extLst>
       <p:ext uri="{BB962C8B-B14F-4D97-AF65-F5344CB8AC3E}">
         <p14:creationId xmlns:p14="http://schemas.microsoft.com/office/powerpoint/2010/main" val="3027145420"/>
-      </p:ext>
-    </p:extLst>
-  </p:cSld>
-  <p:clrMapOvr>
-    <a:masterClrMapping/>
-  </p:clrMapOvr>
-</p:sld>
-</file>
-
-<file path=ppt/slides/slide34.xml><?xml version="1.0" encoding="utf-8"?>
-<p:sld xmlns:a="http://schemas.openxmlformats.org/drawingml/2006/main" xmlns:r="http://schemas.openxmlformats.org/officeDocument/2006/relationships" xmlns:p="http://schemas.openxmlformats.org/presentationml/2006/main">
-  <p:cSld>
-    <p:spTree>
-      <p:nvGrpSpPr>
-        <p:cNvPr id="1" name=""/>
-        <p:cNvGrpSpPr/>
-        <p:nvPr/>
-      </p:nvGrpSpPr>
-      <p:grpSpPr>
-        <a:xfrm>
-          <a:off x="0" y="0"/>
-          <a:ext cx="0" cy="0"/>
-          <a:chOff x="0" y="0"/>
-          <a:chExt cx="0" cy="0"/>
-        </a:xfrm>
-      </p:grpSpPr>
-      <p:sp>
-        <p:nvSpPr>
-          <p:cNvPr id="2" name="タイトル 1">
-            <a:extLst>
-              <a:ext uri="{FF2B5EF4-FFF2-40B4-BE49-F238E27FC236}">
-                <a16:creationId xmlns:a16="http://schemas.microsoft.com/office/drawing/2014/main" id="{D46ABB39-F0C4-4941-8AC3-45B843579753}"/>
-              </a:ext>
-            </a:extLst>
-          </p:cNvPr>
-          <p:cNvSpPr>
-            <a:spLocks noGrp="1"/>
-          </p:cNvSpPr>
-          <p:nvPr>
-            <p:ph type="title"/>
-          </p:nvPr>
-        </p:nvSpPr>
-        <p:spPr/>
-        <p:txBody>
-          <a:bodyPr/>
-          <a:lstStyle/>
-          <a:p>
-            <a:r>
-              <a:rPr kumimoji="1" lang="ja-JP" altLang="en-US" dirty="0"/>
-              <a:t>実験</a:t>
-            </a:r>
-            <a:r>
-              <a:rPr kumimoji="1" lang="en-US" altLang="ja-JP" dirty="0"/>
-              <a:t>1 </a:t>
-            </a:r>
-            <a:r>
-              <a:rPr kumimoji="1" lang="ja-JP" altLang="en-US" dirty="0"/>
-              <a:t>： </a:t>
-            </a:r>
-            <a:r>
-              <a:rPr lang="ja-JP" altLang="en-US" dirty="0"/>
-              <a:t>設定</a:t>
-            </a:r>
-            <a:endParaRPr kumimoji="1" lang="ja-JP" altLang="en-US" dirty="0"/>
-          </a:p>
-        </p:txBody>
-      </p:sp>
-      <p:sp>
-        <p:nvSpPr>
-          <p:cNvPr id="3" name="コンテンツ プレースホルダー 2">
-            <a:extLst>
-              <a:ext uri="{FF2B5EF4-FFF2-40B4-BE49-F238E27FC236}">
-                <a16:creationId xmlns:a16="http://schemas.microsoft.com/office/drawing/2014/main" id="{16CD0B30-B81C-48A7-AD69-55ECEFD9088C}"/>
-              </a:ext>
-            </a:extLst>
-          </p:cNvPr>
-          <p:cNvSpPr>
-            <a:spLocks noGrp="1"/>
-          </p:cNvSpPr>
-          <p:nvPr>
-            <p:ph idx="1"/>
-          </p:nvPr>
-        </p:nvSpPr>
-        <p:spPr/>
-        <p:txBody>
-          <a:bodyPr>
-            <a:normAutofit fontScale="85000" lnSpcReduction="20000"/>
-          </a:bodyPr>
-          <a:lstStyle/>
-          <a:p>
-            <a:r>
-              <a:rPr lang="ja-JP" altLang="en-US" dirty="0"/>
-              <a:t>表 </a:t>
-            </a:r>
-            <a:r>
-              <a:rPr lang="en-US" altLang="ja-JP" dirty="0"/>
-              <a:t>1 </a:t>
-            </a:r>
-            <a:r>
-              <a:rPr lang="ja-JP" altLang="en-US" dirty="0"/>
-              <a:t>に探索段階と評価段階の実験設定を示す</a:t>
-            </a:r>
-            <a:r>
-              <a:rPr lang="en-US" altLang="ja-JP" dirty="0"/>
-              <a:t>. </a:t>
-            </a:r>
-            <a:r>
-              <a:rPr lang="ja-JP" altLang="en-US" dirty="0"/>
-              <a:t>探索 段階は </a:t>
-            </a:r>
-            <a:r>
-              <a:rPr lang="en-US" altLang="ja-JP" dirty="0"/>
-              <a:t>DARTS </a:t>
-            </a:r>
-            <a:r>
-              <a:rPr lang="ja-JP" altLang="en-US" dirty="0"/>
-              <a:t>を参考に</a:t>
-            </a:r>
-            <a:r>
-              <a:rPr lang="en-US" altLang="ja-JP" dirty="0"/>
-              <a:t>, </a:t>
-            </a:r>
-            <a:r>
-              <a:rPr lang="ja-JP" altLang="en-US" dirty="0"/>
-              <a:t>評価段階は </a:t>
-            </a:r>
-            <a:r>
-              <a:rPr lang="en-US" altLang="ja-JP" dirty="0" err="1"/>
-              <a:t>optuna</a:t>
-            </a:r>
-            <a:r>
-              <a:rPr lang="en-US" altLang="ja-JP" dirty="0"/>
-              <a:t> </a:t>
-            </a:r>
-            <a:r>
-              <a:rPr lang="ja-JP" altLang="en-US" dirty="0"/>
-              <a:t>で最適化 した値を使用した</a:t>
-            </a:r>
-            <a:r>
-              <a:rPr lang="en-US" altLang="ja-JP" dirty="0"/>
-              <a:t>. </a:t>
-            </a:r>
-            <a:r>
-              <a:rPr lang="ja-JP" altLang="en-US" dirty="0"/>
-              <a:t>データセットは</a:t>
-            </a:r>
-            <a:r>
-              <a:rPr lang="en-US" altLang="ja-JP" dirty="0"/>
-              <a:t>, </a:t>
-            </a:r>
-            <a:r>
-              <a:rPr lang="ja-JP" altLang="en-US" dirty="0"/>
-              <a:t>訓練画像が </a:t>
-            </a:r>
-            <a:r>
-              <a:rPr lang="en-US" altLang="ja-JP" dirty="0"/>
-              <a:t>32 pixel </a:t>
-            </a:r>
-            <a:r>
-              <a:rPr lang="ja-JP" altLang="en-US" dirty="0"/>
-              <a:t>四方で訓練デー タを </a:t>
-            </a:r>
-            <a:r>
-              <a:rPr lang="en-US" altLang="ja-JP" dirty="0"/>
-              <a:t>50000 </a:t>
-            </a:r>
-            <a:r>
-              <a:rPr lang="ja-JP" altLang="en-US" dirty="0"/>
-              <a:t>枚持つ </a:t>
-            </a:r>
-            <a:r>
-              <a:rPr lang="en-US" altLang="ja-JP" dirty="0"/>
-              <a:t>CIFAR-10 </a:t>
-            </a:r>
-            <a:r>
-              <a:rPr lang="ja-JP" altLang="en-US" dirty="0"/>
-              <a:t>を利用して</a:t>
-            </a:r>
-            <a:r>
-              <a:rPr lang="en-US" altLang="ja-JP" dirty="0"/>
-              <a:t>, 10 </a:t>
-            </a:r>
-            <a:r>
-              <a:rPr lang="ja-JP" altLang="en-US" dirty="0"/>
-              <a:t>クラス分 類問題を解いた</a:t>
-            </a:r>
-            <a:r>
-              <a:rPr lang="en-US" altLang="ja-JP" dirty="0"/>
-              <a:t>. </a:t>
-            </a:r>
-            <a:r>
-              <a:rPr lang="ja-JP" altLang="en-US" dirty="0"/>
-              <a:t>探索時間は</a:t>
-            </a:r>
-            <a:r>
-              <a:rPr lang="en-US" altLang="ja-JP" dirty="0"/>
-              <a:t>, 150 epoch </a:t>
-            </a:r>
-            <a:r>
-              <a:rPr lang="ja-JP" altLang="en-US" dirty="0"/>
-              <a:t>とし</a:t>
-            </a:r>
-            <a:r>
-              <a:rPr lang="en-US" altLang="ja-JP" dirty="0"/>
-              <a:t>, 50 epoch </a:t>
-            </a:r>
-            <a:r>
-              <a:rPr lang="ja-JP" altLang="en-US" dirty="0"/>
-              <a:t>ごとにその時 点の </a:t>
-            </a:r>
-            <a:r>
-              <a:rPr lang="en-US" altLang="ja-JP" dirty="0"/>
-              <a:t>α </a:t>
-            </a:r>
-            <a:r>
-              <a:rPr lang="ja-JP" altLang="en-US" dirty="0"/>
-              <a:t>の性能を評価した</a:t>
-            </a:r>
-            <a:r>
-              <a:rPr lang="en-US" altLang="ja-JP" dirty="0"/>
-              <a:t>. </a:t>
-            </a:r>
-            <a:r>
-              <a:rPr lang="ja-JP" altLang="en-US" dirty="0"/>
-              <a:t>構成段階では手法 </a:t>
-            </a:r>
-            <a:r>
-              <a:rPr lang="en-US" altLang="ja-JP" dirty="0"/>
-              <a:t>A, B </a:t>
-            </a:r>
-            <a:r>
-              <a:rPr lang="ja-JP" altLang="en-US" dirty="0"/>
-              <a:t>に加えて比較のため</a:t>
-            </a:r>
-            <a:r>
-              <a:rPr lang="en-US" altLang="ja-JP" dirty="0"/>
-              <a:t>, </a:t>
-            </a:r>
-            <a:r>
-              <a:rPr lang="ja-JP" altLang="en-US" dirty="0"/>
-              <a:t>ショー トカット数が同じとなる条件でランダムに選択する手 法でも実験する</a:t>
-            </a:r>
-            <a:r>
-              <a:rPr lang="en-US" altLang="ja-JP" dirty="0"/>
-              <a:t>. </a:t>
-            </a:r>
-            <a:r>
-              <a:rPr lang="ja-JP" altLang="en-US" dirty="0"/>
-              <a:t>各手法において </a:t>
-            </a:r>
-            <a:r>
-              <a:rPr lang="en-US" altLang="ja-JP" dirty="0"/>
-              <a:t>10 </a:t>
-            </a:r>
-            <a:r>
-              <a:rPr lang="ja-JP" altLang="en-US" dirty="0"/>
-              <a:t>回試行して統計的 な性能を比較した</a:t>
-            </a:r>
-            <a:r>
-              <a:rPr lang="en-US" altLang="ja-JP" dirty="0"/>
-              <a:t>.</a:t>
-            </a:r>
-            <a:endParaRPr kumimoji="1" lang="ja-JP" altLang="en-US" dirty="0"/>
-          </a:p>
-        </p:txBody>
-      </p:sp>
-      <p:sp>
-        <p:nvSpPr>
-          <p:cNvPr id="4" name="スライド番号プレースホルダー 3">
-            <a:extLst>
-              <a:ext uri="{FF2B5EF4-FFF2-40B4-BE49-F238E27FC236}">
-                <a16:creationId xmlns:a16="http://schemas.microsoft.com/office/drawing/2014/main" id="{0B3C2E9D-0858-4A34-8898-41EF151E398D}"/>
-              </a:ext>
-            </a:extLst>
-          </p:cNvPr>
-          <p:cNvSpPr>
-            <a:spLocks noGrp="1"/>
-          </p:cNvSpPr>
-          <p:nvPr>
-            <p:ph type="sldNum" sz="quarter" idx="12"/>
-          </p:nvPr>
-        </p:nvSpPr>
-        <p:spPr/>
-        <p:txBody>
-          <a:bodyPr/>
-          <a:lstStyle/>
-          <a:p>
-            <a:fld id="{304739FC-810C-4CDC-B60F-21F1951FBC64}" type="slidenum">
-              <a:rPr kumimoji="1" lang="ja-JP" altLang="en-US" smtClean="0"/>
-              <a:t>34</a:t>
-            </a:fld>
-            <a:endParaRPr kumimoji="1" lang="ja-JP" altLang="en-US"/>
-          </a:p>
-        </p:txBody>
-      </p:sp>
-    </p:spTree>
-    <p:extLst>
-      <p:ext uri="{BB962C8B-B14F-4D97-AF65-F5344CB8AC3E}">
-        <p14:creationId xmlns:p14="http://schemas.microsoft.com/office/powerpoint/2010/main" val="2466008625"/>
       </p:ext>
     </p:extLst>
   </p:cSld>
@@ -20859,8 +22010,13 @@
             </a:r>
             <a:r>
               <a:rPr kumimoji="1" lang="ja-JP" altLang="en-US" dirty="0"/>
-              <a:t>： 結果</a:t>
-            </a:r>
+              <a:t>： </a:t>
+            </a:r>
+            <a:r>
+              <a:rPr lang="ja-JP" altLang="en-US" dirty="0"/>
+              <a:t>設定</a:t>
+            </a:r>
+            <a:endParaRPr kumimoji="1" lang="ja-JP" altLang="en-US" dirty="0"/>
           </a:p>
         </p:txBody>
       </p:sp>
@@ -20887,6 +22043,56 @@
           </a:bodyPr>
           <a:lstStyle/>
           <a:p>
+            <a:r>
+              <a:rPr lang="en-US" altLang="ja-JP" dirty="0"/>
+              <a:t>CIFAR-10</a:t>
+            </a:r>
+          </a:p>
+          <a:p>
+            <a:r>
+              <a:rPr lang="en-US" altLang="ja-JP" sz="3200" dirty="0"/>
+              <a:t>32 x 32 pixel, 60000 </a:t>
+            </a:r>
+            <a:r>
+              <a:rPr lang="ja-JP" altLang="en-US" sz="3200" dirty="0"/>
+              <a:t>枚</a:t>
+            </a:r>
+            <a:endParaRPr lang="en-US" altLang="ja-JP" sz="3200" dirty="0"/>
+          </a:p>
+          <a:p>
+            <a:r>
+              <a:rPr lang="en-US" altLang="ja-JP" sz="3200" dirty="0"/>
+              <a:t>10 </a:t>
+            </a:r>
+            <a:r>
+              <a:rPr lang="ja-JP" altLang="en-US" sz="3200" dirty="0"/>
+              <a:t>クラスラベル</a:t>
+            </a:r>
+            <a:endParaRPr lang="en-US" altLang="ja-JP" sz="3200" dirty="0"/>
+          </a:p>
+          <a:p>
+            <a:endParaRPr lang="en-US" altLang="ja-JP" dirty="0"/>
+          </a:p>
+          <a:p>
+            <a:r>
+              <a:rPr lang="ja-JP" altLang="en-US" dirty="0"/>
+              <a:t>各手法において </a:t>
+            </a:r>
+            <a:r>
+              <a:rPr lang="en-US" altLang="ja-JP" dirty="0"/>
+              <a:t>10 </a:t>
+            </a:r>
+            <a:r>
+              <a:rPr lang="ja-JP" altLang="en-US" dirty="0"/>
+              <a:t>回試行して</a:t>
+            </a:r>
+            <a:endParaRPr lang="en-US" altLang="ja-JP" dirty="0"/>
+          </a:p>
+          <a:p>
+            <a:r>
+              <a:rPr lang="ja-JP" altLang="en-US" dirty="0"/>
+              <a:t>統計的な性能を比較</a:t>
+            </a:r>
             <a:endParaRPr kumimoji="1" lang="ja-JP" altLang="en-US" dirty="0"/>
           </a:p>
         </p:txBody>
@@ -20923,7 +22129,7 @@
     </p:spTree>
     <p:extLst>
       <p:ext uri="{BB962C8B-B14F-4D97-AF65-F5344CB8AC3E}">
-        <p14:creationId xmlns:p14="http://schemas.microsoft.com/office/powerpoint/2010/main" val="1786063340"/>
+        <p14:creationId xmlns:p14="http://schemas.microsoft.com/office/powerpoint/2010/main" val="2466008625"/>
       </p:ext>
     </p:extLst>
   </p:cSld>
@@ -20950,6 +22156,1274 @@
           <a:chExt cx="0" cy="0"/>
         </a:xfrm>
       </p:grpSpPr>
+      <p:graphicFrame>
+        <p:nvGraphicFramePr>
+          <p:cNvPr id="12" name="コンテンツ プレースホルダー 11">
+            <a:extLst>
+              <a:ext uri="{FF2B5EF4-FFF2-40B4-BE49-F238E27FC236}">
+                <a16:creationId xmlns:a16="http://schemas.microsoft.com/office/drawing/2014/main" id="{7F13E465-1FA5-4DD5-956C-A90B09EF85B7}"/>
+              </a:ext>
+            </a:extLst>
+          </p:cNvPr>
+          <p:cNvGraphicFramePr>
+            <a:graphicFrameLocks noGrp="1"/>
+          </p:cNvGraphicFramePr>
+          <p:nvPr>
+            <p:ph idx="1"/>
+            <p:extLst>
+              <p:ext uri="{D42A27DB-BD31-4B8C-83A1-F6EECF244321}">
+                <p14:modId xmlns:p14="http://schemas.microsoft.com/office/powerpoint/2010/main" val="3377687585"/>
+              </p:ext>
+            </p:extLst>
+          </p:nvPr>
+        </p:nvGraphicFramePr>
+        <p:xfrm>
+          <a:off x="762376" y="1545238"/>
+          <a:ext cx="7646987" cy="4302760"/>
+        </p:xfrm>
+        <a:graphic>
+          <a:graphicData uri="http://schemas.openxmlformats.org/drawingml/2006/table">
+            <a:tbl>
+              <a:tblPr firstRow="1" bandRow="1">
+                <a:tableStyleId>{5940675A-B579-460E-94D1-54222C63F5DA}</a:tableStyleId>
+              </a:tblPr>
+              <a:tblGrid>
+                <a:gridCol w="1065212">
+                  <a:extLst>
+                    <a:ext uri="{9D8B030D-6E8A-4147-A177-3AD203B41FA5}">
+                      <a16:colId xmlns:a16="http://schemas.microsoft.com/office/drawing/2014/main" val="3150211771"/>
+                    </a:ext>
+                  </a:extLst>
+                </a:gridCol>
+                <a:gridCol w="800100">
+                  <a:extLst>
+                    <a:ext uri="{9D8B030D-6E8A-4147-A177-3AD203B41FA5}">
+                      <a16:colId xmlns:a16="http://schemas.microsoft.com/office/drawing/2014/main" val="3058837178"/>
+                    </a:ext>
+                  </a:extLst>
+                </a:gridCol>
+                <a:gridCol w="1447800">
+                  <a:extLst>
+                    <a:ext uri="{9D8B030D-6E8A-4147-A177-3AD203B41FA5}">
+                      <a16:colId xmlns:a16="http://schemas.microsoft.com/office/drawing/2014/main" val="3220318084"/>
+                    </a:ext>
+                  </a:extLst>
+                </a:gridCol>
+                <a:gridCol w="1399523">
+                  <a:extLst>
+                    <a:ext uri="{9D8B030D-6E8A-4147-A177-3AD203B41FA5}">
+                      <a16:colId xmlns:a16="http://schemas.microsoft.com/office/drawing/2014/main" val="4192021148"/>
+                    </a:ext>
+                  </a:extLst>
+                </a:gridCol>
+                <a:gridCol w="1257952">
+                  <a:extLst>
+                    <a:ext uri="{9D8B030D-6E8A-4147-A177-3AD203B41FA5}">
+                      <a16:colId xmlns:a16="http://schemas.microsoft.com/office/drawing/2014/main" val="985640917"/>
+                    </a:ext>
+                  </a:extLst>
+                </a:gridCol>
+                <a:gridCol w="1676400">
+                  <a:extLst>
+                    <a:ext uri="{9D8B030D-6E8A-4147-A177-3AD203B41FA5}">
+                      <a16:colId xmlns:a16="http://schemas.microsoft.com/office/drawing/2014/main" val="2320827954"/>
+                    </a:ext>
+                  </a:extLst>
+                </a:gridCol>
+              </a:tblGrid>
+              <a:tr h="370840">
+                <a:tc gridSpan="2">
+                  <a:txBody>
+                    <a:bodyPr/>
+                    <a:lstStyle/>
+                    <a:p>
+                      <a:pPr algn="ctr"/>
+                      <a:r>
+                        <a:rPr kumimoji="1" lang="en-US" altLang="ja-JP" sz="1600" b="1" dirty="0">
+                          <a:latin typeface="Arial" panose="020B0604020202020204" pitchFamily="34" charset="0"/>
+                          <a:cs typeface="Arial" panose="020B0604020202020204" pitchFamily="34" charset="0"/>
+                        </a:rPr>
+                        <a:t>Architecture</a:t>
+                      </a:r>
+                      <a:endParaRPr kumimoji="1" lang="ja-JP" altLang="en-US" sz="1600" b="1" dirty="0">
+                        <a:latin typeface="Arial" panose="020B0604020202020204" pitchFamily="34" charset="0"/>
+                        <a:cs typeface="Arial" panose="020B0604020202020204" pitchFamily="34" charset="0"/>
+                      </a:endParaRPr>
+                    </a:p>
+                  </a:txBody>
+                  <a:tcPr anchor="ctr"/>
+                </a:tc>
+                <a:tc hMerge="1">
+                  <a:txBody>
+                    <a:bodyPr/>
+                    <a:lstStyle/>
+                    <a:p>
+                      <a:endParaRPr kumimoji="1" lang="ja-JP" altLang="en-US" dirty="0"/>
+                    </a:p>
+                  </a:txBody>
+                  <a:tcPr/>
+                </a:tc>
+                <a:tc>
+                  <a:txBody>
+                    <a:bodyPr/>
+                    <a:lstStyle/>
+                    <a:p>
+                      <a:pPr algn="ctr"/>
+                      <a:r>
+                        <a:rPr kumimoji="1" lang="en-US" altLang="ja-JP" sz="1600" b="1" dirty="0">
+                          <a:latin typeface="Arial" panose="020B0604020202020204" pitchFamily="34" charset="0"/>
+                          <a:cs typeface="Arial" panose="020B0604020202020204" pitchFamily="34" charset="0"/>
+                        </a:rPr>
+                        <a:t>Test accuracy</a:t>
+                      </a:r>
+                    </a:p>
+                    <a:p>
+                      <a:pPr algn="ctr"/>
+                      <a:r>
+                        <a:rPr kumimoji="1" lang="en-US" altLang="ja-JP" sz="1600" b="1" dirty="0">
+                          <a:latin typeface="Arial" panose="020B0604020202020204" pitchFamily="34" charset="0"/>
+                          <a:cs typeface="Arial" panose="020B0604020202020204" pitchFamily="34" charset="0"/>
+                        </a:rPr>
+                        <a:t>(%)</a:t>
+                      </a:r>
+                      <a:endParaRPr kumimoji="1" lang="ja-JP" altLang="en-US" sz="1600" b="1" dirty="0">
+                        <a:latin typeface="Arial" panose="020B0604020202020204" pitchFamily="34" charset="0"/>
+                        <a:cs typeface="Arial" panose="020B0604020202020204" pitchFamily="34" charset="0"/>
+                      </a:endParaRPr>
+                    </a:p>
+                  </a:txBody>
+                  <a:tcPr anchor="ctr"/>
+                </a:tc>
+                <a:tc>
+                  <a:txBody>
+                    <a:bodyPr/>
+                    <a:lstStyle/>
+                    <a:p>
+                      <a:pPr algn="ctr"/>
+                      <a:r>
+                        <a:rPr kumimoji="1" lang="en-US" altLang="ja-JP" sz="1600" b="1" dirty="0">
+                          <a:latin typeface="Arial" panose="020B0604020202020204" pitchFamily="34" charset="0"/>
+                          <a:cs typeface="Arial" panose="020B0604020202020204" pitchFamily="34" charset="0"/>
+                        </a:rPr>
+                        <a:t>Param</a:t>
+                      </a:r>
+                    </a:p>
+                    <a:p>
+                      <a:pPr algn="ctr"/>
+                      <a:r>
+                        <a:rPr kumimoji="1" lang="en-US" altLang="ja-JP" sz="1600" b="1" dirty="0">
+                          <a:latin typeface="Arial" panose="020B0604020202020204" pitchFamily="34" charset="0"/>
+                          <a:cs typeface="Arial" panose="020B0604020202020204" pitchFamily="34" charset="0"/>
+                        </a:rPr>
+                        <a:t>(M)</a:t>
+                      </a:r>
+                      <a:endParaRPr kumimoji="1" lang="ja-JP" altLang="en-US" sz="1600" b="1" dirty="0">
+                        <a:latin typeface="Arial" panose="020B0604020202020204" pitchFamily="34" charset="0"/>
+                        <a:cs typeface="Arial" panose="020B0604020202020204" pitchFamily="34" charset="0"/>
+                      </a:endParaRPr>
+                    </a:p>
+                  </a:txBody>
+                  <a:tcPr anchor="ctr"/>
+                </a:tc>
+                <a:tc>
+                  <a:txBody>
+                    <a:bodyPr/>
+                    <a:lstStyle/>
+                    <a:p>
+                      <a:pPr algn="ctr"/>
+                      <a:r>
+                        <a:rPr kumimoji="1" lang="en-US" altLang="ja-JP" sz="1600" b="1" dirty="0">
+                          <a:latin typeface="Arial" panose="020B0604020202020204" pitchFamily="34" charset="0"/>
+                          <a:cs typeface="Arial" panose="020B0604020202020204" pitchFamily="34" charset="0"/>
+                        </a:rPr>
+                        <a:t>Number of shortcuts</a:t>
+                      </a:r>
+                      <a:endParaRPr kumimoji="1" lang="ja-JP" altLang="en-US" sz="1600" b="1" dirty="0">
+                        <a:latin typeface="Arial" panose="020B0604020202020204" pitchFamily="34" charset="0"/>
+                        <a:cs typeface="Arial" panose="020B0604020202020204" pitchFamily="34" charset="0"/>
+                      </a:endParaRPr>
+                    </a:p>
+                  </a:txBody>
+                  <a:tcPr anchor="ctr">
+                    <a:lnR w="12700" cap="flat" cmpd="sng" algn="ctr">
+                      <a:solidFill>
+                        <a:schemeClr val="tx1"/>
+                      </a:solidFill>
+                      <a:prstDash val="solid"/>
+                      <a:round/>
+                      <a:headEnd type="none" w="med" len="med"/>
+                      <a:tailEnd type="none" w="med" len="med"/>
+                    </a:lnR>
+                  </a:tcPr>
+                </a:tc>
+                <a:tc>
+                  <a:txBody>
+                    <a:bodyPr/>
+                    <a:lstStyle/>
+                    <a:p>
+                      <a:pPr algn="ctr"/>
+                      <a:r>
+                        <a:rPr kumimoji="1" lang="en-US" altLang="ja-JP" sz="1600" b="1" dirty="0">
+                          <a:latin typeface="Arial" panose="020B0604020202020204" pitchFamily="34" charset="0"/>
+                          <a:cs typeface="Arial" panose="020B0604020202020204" pitchFamily="34" charset="0"/>
+                        </a:rPr>
+                        <a:t>Random architect</a:t>
+                      </a:r>
+                    </a:p>
+                    <a:p>
+                      <a:pPr algn="ctr"/>
+                      <a:r>
+                        <a:rPr kumimoji="1" lang="en-US" altLang="ja-JP" sz="1600" b="1" dirty="0">
+                          <a:latin typeface="Arial" panose="020B0604020202020204" pitchFamily="34" charset="0"/>
+                          <a:cs typeface="Arial" panose="020B0604020202020204" pitchFamily="34" charset="0"/>
+                        </a:rPr>
+                        <a:t>Accuracy (%)</a:t>
+                      </a:r>
+                      <a:endParaRPr kumimoji="1" lang="ja-JP" altLang="en-US" sz="1600" b="1" dirty="0">
+                        <a:latin typeface="Arial" panose="020B0604020202020204" pitchFamily="34" charset="0"/>
+                        <a:cs typeface="Arial" panose="020B0604020202020204" pitchFamily="34" charset="0"/>
+                      </a:endParaRPr>
+                    </a:p>
+                  </a:txBody>
+                  <a:tcPr anchor="ctr">
+                    <a:lnL w="12700" cap="flat" cmpd="sng" algn="ctr">
+                      <a:solidFill>
+                        <a:schemeClr val="tx1"/>
+                      </a:solidFill>
+                      <a:prstDash val="solid"/>
+                      <a:round/>
+                      <a:headEnd type="none" w="med" len="med"/>
+                      <a:tailEnd type="none" w="med" len="med"/>
+                    </a:lnL>
+                  </a:tcPr>
+                </a:tc>
+                <a:extLst>
+                  <a:ext uri="{0D108BD9-81ED-4DB2-BD59-A6C34878D82A}">
+                    <a16:rowId xmlns:a16="http://schemas.microsoft.com/office/drawing/2014/main" val="3515894297"/>
+                  </a:ext>
+                </a:extLst>
+              </a:tr>
+              <a:tr h="370840">
+                <a:tc rowSpan="3">
+                  <a:txBody>
+                    <a:bodyPr/>
+                    <a:lstStyle/>
+                    <a:p>
+                      <a:pPr algn="ctr"/>
+                      <a:r>
+                        <a:rPr kumimoji="1" lang="en-US" altLang="ja-JP" sz="1600" dirty="0">
+                          <a:latin typeface="Arial" panose="020B0604020202020204" pitchFamily="34" charset="0"/>
+                          <a:cs typeface="Arial" panose="020B0604020202020204" pitchFamily="34" charset="0"/>
+                        </a:rPr>
+                        <a:t>Method A</a:t>
+                      </a:r>
+                      <a:endParaRPr kumimoji="1" lang="ja-JP" altLang="en-US" sz="1600" dirty="0">
+                        <a:latin typeface="Arial" panose="020B0604020202020204" pitchFamily="34" charset="0"/>
+                        <a:cs typeface="Arial" panose="020B0604020202020204" pitchFamily="34" charset="0"/>
+                      </a:endParaRPr>
+                    </a:p>
+                  </a:txBody>
+                  <a:tcPr anchor="ctr"/>
+                </a:tc>
+                <a:tc>
+                  <a:txBody>
+                    <a:bodyPr/>
+                    <a:lstStyle/>
+                    <a:p>
+                      <a:pPr algn="ctr"/>
+                      <a:r>
+                        <a:rPr kumimoji="1" lang="en-US" altLang="ja-JP" sz="1400" dirty="0">
+                          <a:latin typeface="Arial" panose="020B0604020202020204" pitchFamily="34" charset="0"/>
+                          <a:cs typeface="Arial" panose="020B0604020202020204" pitchFamily="34" charset="0"/>
+                        </a:rPr>
+                        <a:t>50 epoch</a:t>
+                      </a:r>
+                      <a:endParaRPr kumimoji="1" lang="ja-JP" altLang="en-US" sz="1400" dirty="0">
+                        <a:latin typeface="Arial" panose="020B0604020202020204" pitchFamily="34" charset="0"/>
+                        <a:cs typeface="Arial" panose="020B0604020202020204" pitchFamily="34" charset="0"/>
+                      </a:endParaRPr>
+                    </a:p>
+                  </a:txBody>
+                  <a:tcPr anchor="ctr"/>
+                </a:tc>
+                <a:tc>
+                  <a:txBody>
+                    <a:bodyPr/>
+                    <a:lstStyle/>
+                    <a:p>
+                      <a:pPr algn="ctr"/>
+                      <a:r>
+                        <a:rPr lang="en-US" altLang="ja-JP" sz="1600" dirty="0">
+                          <a:latin typeface="Arial" panose="020B0604020202020204" pitchFamily="34" charset="0"/>
+                          <a:cs typeface="Arial" panose="020B0604020202020204" pitchFamily="34" charset="0"/>
+                        </a:rPr>
+                        <a:t>93.70 ± 0.22 </a:t>
+                      </a:r>
+                      <a:endParaRPr kumimoji="1" lang="ja-JP" altLang="en-US" sz="1600" dirty="0">
+                        <a:latin typeface="Arial" panose="020B0604020202020204" pitchFamily="34" charset="0"/>
+                        <a:cs typeface="Arial" panose="020B0604020202020204" pitchFamily="34" charset="0"/>
+                      </a:endParaRPr>
+                    </a:p>
+                  </a:txBody>
+                  <a:tcPr anchor="ctr"/>
+                </a:tc>
+                <a:tc>
+                  <a:txBody>
+                    <a:bodyPr/>
+                    <a:lstStyle/>
+                    <a:p>
+                      <a:pPr algn="ctr"/>
+                      <a:r>
+                        <a:rPr lang="en-US" altLang="ja-JP" sz="1600" dirty="0">
+                          <a:latin typeface="Arial" panose="020B0604020202020204" pitchFamily="34" charset="0"/>
+                          <a:cs typeface="Arial" panose="020B0604020202020204" pitchFamily="34" charset="0"/>
+                        </a:rPr>
+                        <a:t>21.06 ± 0.07</a:t>
+                      </a:r>
+                      <a:endParaRPr kumimoji="1" lang="ja-JP" altLang="en-US" sz="1600" dirty="0">
+                        <a:latin typeface="Arial" panose="020B0604020202020204" pitchFamily="34" charset="0"/>
+                        <a:cs typeface="Arial" panose="020B0604020202020204" pitchFamily="34" charset="0"/>
+                      </a:endParaRPr>
+                    </a:p>
+                  </a:txBody>
+                  <a:tcPr anchor="ctr"/>
+                </a:tc>
+                <a:tc>
+                  <a:txBody>
+                    <a:bodyPr/>
+                    <a:lstStyle/>
+                    <a:p>
+                      <a:pPr algn="ctr"/>
+                      <a:r>
+                        <a:rPr lang="en-US" altLang="ja-JP" sz="1600" dirty="0">
+                          <a:latin typeface="Arial" panose="020B0604020202020204" pitchFamily="34" charset="0"/>
+                          <a:cs typeface="Arial" panose="020B0604020202020204" pitchFamily="34" charset="0"/>
+                        </a:rPr>
+                        <a:t>12.7 ± 1.4</a:t>
+                      </a:r>
+                      <a:endParaRPr kumimoji="1" lang="ja-JP" altLang="en-US" sz="1600" dirty="0">
+                        <a:latin typeface="Arial" panose="020B0604020202020204" pitchFamily="34" charset="0"/>
+                        <a:cs typeface="Arial" panose="020B0604020202020204" pitchFamily="34" charset="0"/>
+                      </a:endParaRPr>
+                    </a:p>
+                  </a:txBody>
+                  <a:tcPr anchor="ctr">
+                    <a:lnR w="12700" cap="flat" cmpd="sng" algn="ctr">
+                      <a:solidFill>
+                        <a:schemeClr val="tx1"/>
+                      </a:solidFill>
+                      <a:prstDash val="solid"/>
+                      <a:round/>
+                      <a:headEnd type="none" w="med" len="med"/>
+                      <a:tailEnd type="none" w="med" len="med"/>
+                    </a:lnR>
+                  </a:tcPr>
+                </a:tc>
+                <a:tc>
+                  <a:txBody>
+                    <a:bodyPr/>
+                    <a:lstStyle/>
+                    <a:p>
+                      <a:pPr algn="ctr"/>
+                      <a:r>
+                        <a:rPr lang="en-US" altLang="ja-JP" sz="1600" dirty="0">
+                          <a:latin typeface="Arial" panose="020B0604020202020204" pitchFamily="34" charset="0"/>
+                          <a:cs typeface="Arial" panose="020B0604020202020204" pitchFamily="34" charset="0"/>
+                        </a:rPr>
+                        <a:t>93.60 ± 0.15</a:t>
+                      </a:r>
+                      <a:endParaRPr kumimoji="1" lang="ja-JP" altLang="en-US" sz="1600" dirty="0">
+                        <a:latin typeface="Arial" panose="020B0604020202020204" pitchFamily="34" charset="0"/>
+                        <a:cs typeface="Arial" panose="020B0604020202020204" pitchFamily="34" charset="0"/>
+                      </a:endParaRPr>
+                    </a:p>
+                  </a:txBody>
+                  <a:tcPr anchor="ctr">
+                    <a:lnL w="12700" cap="flat" cmpd="sng" algn="ctr">
+                      <a:solidFill>
+                        <a:schemeClr val="tx1"/>
+                      </a:solidFill>
+                      <a:prstDash val="solid"/>
+                      <a:round/>
+                      <a:headEnd type="none" w="med" len="med"/>
+                      <a:tailEnd type="none" w="med" len="med"/>
+                    </a:lnL>
+                  </a:tcPr>
+                </a:tc>
+                <a:extLst>
+                  <a:ext uri="{0D108BD9-81ED-4DB2-BD59-A6C34878D82A}">
+                    <a16:rowId xmlns:a16="http://schemas.microsoft.com/office/drawing/2014/main" val="2724566515"/>
+                  </a:ext>
+                </a:extLst>
+              </a:tr>
+              <a:tr h="370840">
+                <a:tc vMerge="1">
+                  <a:txBody>
+                    <a:bodyPr/>
+                    <a:lstStyle/>
+                    <a:p>
+                      <a:endParaRPr kumimoji="1" lang="ja-JP" altLang="en-US" dirty="0"/>
+                    </a:p>
+                  </a:txBody>
+                  <a:tcPr anchor="ctr"/>
+                </a:tc>
+                <a:tc>
+                  <a:txBody>
+                    <a:bodyPr/>
+                    <a:lstStyle/>
+                    <a:p>
+                      <a:pPr algn="ctr"/>
+                      <a:r>
+                        <a:rPr kumimoji="1" lang="en-US" altLang="ja-JP" sz="1400" dirty="0">
+                          <a:latin typeface="Arial" panose="020B0604020202020204" pitchFamily="34" charset="0"/>
+                          <a:cs typeface="Arial" panose="020B0604020202020204" pitchFamily="34" charset="0"/>
+                        </a:rPr>
+                        <a:t>100 epoch</a:t>
+                      </a:r>
+                      <a:endParaRPr kumimoji="1" lang="ja-JP" altLang="en-US" sz="1400" dirty="0">
+                        <a:latin typeface="Arial" panose="020B0604020202020204" pitchFamily="34" charset="0"/>
+                        <a:cs typeface="Arial" panose="020B0604020202020204" pitchFamily="34" charset="0"/>
+                      </a:endParaRPr>
+                    </a:p>
+                  </a:txBody>
+                  <a:tcPr anchor="ctr"/>
+                </a:tc>
+                <a:tc>
+                  <a:txBody>
+                    <a:bodyPr/>
+                    <a:lstStyle/>
+                    <a:p>
+                      <a:pPr algn="ctr"/>
+                      <a:r>
+                        <a:rPr lang="en-US" altLang="ja-JP" sz="1600" dirty="0">
+                          <a:latin typeface="Arial" panose="020B0604020202020204" pitchFamily="34" charset="0"/>
+                          <a:cs typeface="Arial" panose="020B0604020202020204" pitchFamily="34" charset="0"/>
+                        </a:rPr>
+                        <a:t>94.02 ± 0.12 </a:t>
+                      </a:r>
+                      <a:endParaRPr kumimoji="1" lang="ja-JP" altLang="en-US" sz="1600" dirty="0">
+                        <a:latin typeface="Arial" panose="020B0604020202020204" pitchFamily="34" charset="0"/>
+                        <a:cs typeface="Arial" panose="020B0604020202020204" pitchFamily="34" charset="0"/>
+                      </a:endParaRPr>
+                    </a:p>
+                  </a:txBody>
+                  <a:tcPr anchor="ctr"/>
+                </a:tc>
+                <a:tc>
+                  <a:txBody>
+                    <a:bodyPr/>
+                    <a:lstStyle/>
+                    <a:p>
+                      <a:pPr algn="ctr"/>
+                      <a:r>
+                        <a:rPr lang="en-US" altLang="ja-JP" sz="1600" dirty="0">
+                          <a:latin typeface="Arial" panose="020B0604020202020204" pitchFamily="34" charset="0"/>
+                          <a:cs typeface="Arial" panose="020B0604020202020204" pitchFamily="34" charset="0"/>
+                        </a:rPr>
+                        <a:t>21.50 ± 0.11</a:t>
+                      </a:r>
+                      <a:endParaRPr kumimoji="1" lang="ja-JP" altLang="en-US" sz="1600" dirty="0">
+                        <a:latin typeface="Arial" panose="020B0604020202020204" pitchFamily="34" charset="0"/>
+                        <a:cs typeface="Arial" panose="020B0604020202020204" pitchFamily="34" charset="0"/>
+                      </a:endParaRPr>
+                    </a:p>
+                  </a:txBody>
+                  <a:tcPr anchor="ctr"/>
+                </a:tc>
+                <a:tc>
+                  <a:txBody>
+                    <a:bodyPr/>
+                    <a:lstStyle/>
+                    <a:p>
+                      <a:pPr algn="ctr"/>
+                      <a:r>
+                        <a:rPr lang="en-US" altLang="ja-JP" sz="1600" dirty="0">
+                          <a:latin typeface="Arial" panose="020B0604020202020204" pitchFamily="34" charset="0"/>
+                          <a:cs typeface="Arial" panose="020B0604020202020204" pitchFamily="34" charset="0"/>
+                        </a:rPr>
+                        <a:t>18.2 ± 0.9</a:t>
+                      </a:r>
+                      <a:endParaRPr kumimoji="1" lang="ja-JP" altLang="en-US" sz="1600" dirty="0">
+                        <a:latin typeface="Arial" panose="020B0604020202020204" pitchFamily="34" charset="0"/>
+                        <a:cs typeface="Arial" panose="020B0604020202020204" pitchFamily="34" charset="0"/>
+                      </a:endParaRPr>
+                    </a:p>
+                  </a:txBody>
+                  <a:tcPr anchor="ctr">
+                    <a:lnR w="12700" cap="flat" cmpd="sng" algn="ctr">
+                      <a:solidFill>
+                        <a:schemeClr val="tx1"/>
+                      </a:solidFill>
+                      <a:prstDash val="solid"/>
+                      <a:round/>
+                      <a:headEnd type="none" w="med" len="med"/>
+                      <a:tailEnd type="none" w="med" len="med"/>
+                    </a:lnR>
+                  </a:tcPr>
+                </a:tc>
+                <a:tc>
+                  <a:txBody>
+                    <a:bodyPr/>
+                    <a:lstStyle/>
+                    <a:p>
+                      <a:pPr algn="ctr"/>
+                      <a:r>
+                        <a:rPr lang="en-US" altLang="ja-JP" sz="1600" dirty="0">
+                          <a:latin typeface="Arial" panose="020B0604020202020204" pitchFamily="34" charset="0"/>
+                          <a:cs typeface="Arial" panose="020B0604020202020204" pitchFamily="34" charset="0"/>
+                        </a:rPr>
+                        <a:t>93.67 ± 0.14</a:t>
+                      </a:r>
+                      <a:endParaRPr kumimoji="1" lang="ja-JP" altLang="en-US" sz="1600" dirty="0">
+                        <a:latin typeface="Arial" panose="020B0604020202020204" pitchFamily="34" charset="0"/>
+                        <a:cs typeface="Arial" panose="020B0604020202020204" pitchFamily="34" charset="0"/>
+                      </a:endParaRPr>
+                    </a:p>
+                  </a:txBody>
+                  <a:tcPr anchor="ctr">
+                    <a:lnL w="12700" cap="flat" cmpd="sng" algn="ctr">
+                      <a:solidFill>
+                        <a:schemeClr val="tx1"/>
+                      </a:solidFill>
+                      <a:prstDash val="solid"/>
+                      <a:round/>
+                      <a:headEnd type="none" w="med" len="med"/>
+                      <a:tailEnd type="none" w="med" len="med"/>
+                    </a:lnL>
+                  </a:tcPr>
+                </a:tc>
+                <a:extLst>
+                  <a:ext uri="{0D108BD9-81ED-4DB2-BD59-A6C34878D82A}">
+                    <a16:rowId xmlns:a16="http://schemas.microsoft.com/office/drawing/2014/main" val="90450067"/>
+                  </a:ext>
+                </a:extLst>
+              </a:tr>
+              <a:tr h="370840">
+                <a:tc vMerge="1">
+                  <a:txBody>
+                    <a:bodyPr/>
+                    <a:lstStyle/>
+                    <a:p>
+                      <a:endParaRPr kumimoji="1" lang="ja-JP" altLang="en-US" dirty="0"/>
+                    </a:p>
+                  </a:txBody>
+                  <a:tcPr anchor="ctr"/>
+                </a:tc>
+                <a:tc>
+                  <a:txBody>
+                    <a:bodyPr/>
+                    <a:lstStyle/>
+                    <a:p>
+                      <a:pPr algn="ctr"/>
+                      <a:r>
+                        <a:rPr kumimoji="1" lang="en-US" altLang="ja-JP" sz="1400" dirty="0">
+                          <a:latin typeface="Arial" panose="020B0604020202020204" pitchFamily="34" charset="0"/>
+                          <a:cs typeface="Arial" panose="020B0604020202020204" pitchFamily="34" charset="0"/>
+                        </a:rPr>
+                        <a:t>150 epoch</a:t>
+                      </a:r>
+                      <a:endParaRPr kumimoji="1" lang="ja-JP" altLang="en-US" sz="1400" dirty="0">
+                        <a:latin typeface="Arial" panose="020B0604020202020204" pitchFamily="34" charset="0"/>
+                        <a:cs typeface="Arial" panose="020B0604020202020204" pitchFamily="34" charset="0"/>
+                      </a:endParaRPr>
+                    </a:p>
+                  </a:txBody>
+                  <a:tcPr anchor="ctr"/>
+                </a:tc>
+                <a:tc>
+                  <a:txBody>
+                    <a:bodyPr/>
+                    <a:lstStyle/>
+                    <a:p>
+                      <a:pPr algn="ctr"/>
+                      <a:r>
+                        <a:rPr lang="en-US" altLang="ja-JP" sz="1600" dirty="0">
+                          <a:latin typeface="Arial" panose="020B0604020202020204" pitchFamily="34" charset="0"/>
+                          <a:cs typeface="Arial" panose="020B0604020202020204" pitchFamily="34" charset="0"/>
+                        </a:rPr>
+                        <a:t>93.90 ± 0.17</a:t>
+                      </a:r>
+                      <a:endParaRPr kumimoji="1" lang="ja-JP" altLang="en-US" sz="1600" dirty="0">
+                        <a:latin typeface="Arial" panose="020B0604020202020204" pitchFamily="34" charset="0"/>
+                        <a:cs typeface="Arial" panose="020B0604020202020204" pitchFamily="34" charset="0"/>
+                      </a:endParaRPr>
+                    </a:p>
+                  </a:txBody>
+                  <a:tcPr anchor="ctr"/>
+                </a:tc>
+                <a:tc>
+                  <a:txBody>
+                    <a:bodyPr/>
+                    <a:lstStyle/>
+                    <a:p>
+                      <a:pPr algn="ctr"/>
+                      <a:r>
+                        <a:rPr lang="en-US" altLang="ja-JP" sz="1600" dirty="0">
+                          <a:latin typeface="Arial" panose="020B0604020202020204" pitchFamily="34" charset="0"/>
+                          <a:cs typeface="Arial" panose="020B0604020202020204" pitchFamily="34" charset="0"/>
+                        </a:rPr>
+                        <a:t>21.57 ± 0.25</a:t>
+                      </a:r>
+                      <a:endParaRPr kumimoji="1" lang="ja-JP" altLang="en-US" sz="1600" dirty="0">
+                        <a:latin typeface="Arial" panose="020B0604020202020204" pitchFamily="34" charset="0"/>
+                        <a:cs typeface="Arial" panose="020B0604020202020204" pitchFamily="34" charset="0"/>
+                      </a:endParaRPr>
+                    </a:p>
+                  </a:txBody>
+                  <a:tcPr anchor="ctr"/>
+                </a:tc>
+                <a:tc>
+                  <a:txBody>
+                    <a:bodyPr/>
+                    <a:lstStyle/>
+                    <a:p>
+                      <a:pPr algn="ctr"/>
+                      <a:r>
+                        <a:rPr lang="en-US" altLang="ja-JP" sz="1600" dirty="0">
+                          <a:latin typeface="Arial" panose="020B0604020202020204" pitchFamily="34" charset="0"/>
+                          <a:cs typeface="Arial" panose="020B0604020202020204" pitchFamily="34" charset="0"/>
+                        </a:rPr>
+                        <a:t>18.9 ± 0.6</a:t>
+                      </a:r>
+                      <a:endParaRPr kumimoji="1" lang="ja-JP" altLang="en-US" sz="1600" dirty="0">
+                        <a:latin typeface="Arial" panose="020B0604020202020204" pitchFamily="34" charset="0"/>
+                        <a:cs typeface="Arial" panose="020B0604020202020204" pitchFamily="34" charset="0"/>
+                      </a:endParaRPr>
+                    </a:p>
+                  </a:txBody>
+                  <a:tcPr anchor="ctr">
+                    <a:lnR w="12700" cap="flat" cmpd="sng" algn="ctr">
+                      <a:solidFill>
+                        <a:schemeClr val="tx1"/>
+                      </a:solidFill>
+                      <a:prstDash val="solid"/>
+                      <a:round/>
+                      <a:headEnd type="none" w="med" len="med"/>
+                      <a:tailEnd type="none" w="med" len="med"/>
+                    </a:lnR>
+                  </a:tcPr>
+                </a:tc>
+                <a:tc>
+                  <a:txBody>
+                    <a:bodyPr/>
+                    <a:lstStyle/>
+                    <a:p>
+                      <a:pPr algn="ctr"/>
+                      <a:r>
+                        <a:rPr lang="en-US" altLang="ja-JP" sz="1600" dirty="0">
+                          <a:latin typeface="Arial" panose="020B0604020202020204" pitchFamily="34" charset="0"/>
+                          <a:cs typeface="Arial" panose="020B0604020202020204" pitchFamily="34" charset="0"/>
+                        </a:rPr>
+                        <a:t>93.64 ± 0.09</a:t>
+                      </a:r>
+                      <a:endParaRPr kumimoji="1" lang="ja-JP" altLang="en-US" sz="1600" dirty="0">
+                        <a:latin typeface="Arial" panose="020B0604020202020204" pitchFamily="34" charset="0"/>
+                        <a:cs typeface="Arial" panose="020B0604020202020204" pitchFamily="34" charset="0"/>
+                      </a:endParaRPr>
+                    </a:p>
+                  </a:txBody>
+                  <a:tcPr anchor="ctr">
+                    <a:lnL w="12700" cap="flat" cmpd="sng" algn="ctr">
+                      <a:solidFill>
+                        <a:schemeClr val="tx1"/>
+                      </a:solidFill>
+                      <a:prstDash val="solid"/>
+                      <a:round/>
+                      <a:headEnd type="none" w="med" len="med"/>
+                      <a:tailEnd type="none" w="med" len="med"/>
+                    </a:lnL>
+                  </a:tcPr>
+                </a:tc>
+                <a:extLst>
+                  <a:ext uri="{0D108BD9-81ED-4DB2-BD59-A6C34878D82A}">
+                    <a16:rowId xmlns:a16="http://schemas.microsoft.com/office/drawing/2014/main" val="2878259897"/>
+                  </a:ext>
+                </a:extLst>
+              </a:tr>
+              <a:tr h="370840">
+                <a:tc rowSpan="3">
+                  <a:txBody>
+                    <a:bodyPr/>
+                    <a:lstStyle/>
+                    <a:p>
+                      <a:pPr algn="ctr"/>
+                      <a:r>
+                        <a:rPr kumimoji="1" lang="en-US" altLang="ja-JP" sz="1600" dirty="0">
+                          <a:latin typeface="Arial" panose="020B0604020202020204" pitchFamily="34" charset="0"/>
+                          <a:cs typeface="Arial" panose="020B0604020202020204" pitchFamily="34" charset="0"/>
+                        </a:rPr>
+                        <a:t>Method B</a:t>
+                      </a:r>
+                      <a:endParaRPr kumimoji="1" lang="ja-JP" altLang="en-US" sz="1600" dirty="0">
+                        <a:latin typeface="Arial" panose="020B0604020202020204" pitchFamily="34" charset="0"/>
+                        <a:cs typeface="Arial" panose="020B0604020202020204" pitchFamily="34" charset="0"/>
+                      </a:endParaRPr>
+                    </a:p>
+                  </a:txBody>
+                  <a:tcPr anchor="ctr"/>
+                </a:tc>
+                <a:tc>
+                  <a:txBody>
+                    <a:bodyPr/>
+                    <a:lstStyle/>
+                    <a:p>
+                      <a:pPr algn="ctr"/>
+                      <a:r>
+                        <a:rPr kumimoji="1" lang="en-US" altLang="ja-JP" sz="1400" dirty="0">
+                          <a:latin typeface="Arial" panose="020B0604020202020204" pitchFamily="34" charset="0"/>
+                          <a:cs typeface="Arial" panose="020B0604020202020204" pitchFamily="34" charset="0"/>
+                        </a:rPr>
+                        <a:t>50 epoch</a:t>
+                      </a:r>
+                      <a:endParaRPr kumimoji="1" lang="ja-JP" altLang="en-US" sz="1400" dirty="0">
+                        <a:latin typeface="Arial" panose="020B0604020202020204" pitchFamily="34" charset="0"/>
+                        <a:cs typeface="Arial" panose="020B0604020202020204" pitchFamily="34" charset="0"/>
+                      </a:endParaRPr>
+                    </a:p>
+                  </a:txBody>
+                  <a:tcPr anchor="ctr"/>
+                </a:tc>
+                <a:tc>
+                  <a:txBody>
+                    <a:bodyPr/>
+                    <a:lstStyle/>
+                    <a:p>
+                      <a:pPr algn="ctr"/>
+                      <a:r>
+                        <a:rPr lang="en-US" altLang="ja-JP" sz="1600" dirty="0">
+                          <a:latin typeface="Arial" panose="020B0604020202020204" pitchFamily="34" charset="0"/>
+                          <a:cs typeface="Arial" panose="020B0604020202020204" pitchFamily="34" charset="0"/>
+                        </a:rPr>
+                        <a:t>93.57 ± 0.19</a:t>
+                      </a:r>
+                      <a:endParaRPr kumimoji="1" lang="ja-JP" altLang="en-US" sz="1600" dirty="0">
+                        <a:latin typeface="Arial" panose="020B0604020202020204" pitchFamily="34" charset="0"/>
+                        <a:cs typeface="Arial" panose="020B0604020202020204" pitchFamily="34" charset="0"/>
+                      </a:endParaRPr>
+                    </a:p>
+                  </a:txBody>
+                  <a:tcPr anchor="ctr"/>
+                </a:tc>
+                <a:tc>
+                  <a:txBody>
+                    <a:bodyPr/>
+                    <a:lstStyle/>
+                    <a:p>
+                      <a:pPr algn="ctr"/>
+                      <a:r>
+                        <a:rPr lang="en-US" altLang="ja-JP" sz="1600" dirty="0">
+                          <a:latin typeface="Arial" panose="020B0604020202020204" pitchFamily="34" charset="0"/>
+                          <a:cs typeface="Arial" panose="020B0604020202020204" pitchFamily="34" charset="0"/>
+                        </a:rPr>
+                        <a:t>20.45 ± 0.09</a:t>
+                      </a:r>
+                      <a:endParaRPr kumimoji="1" lang="ja-JP" altLang="en-US" sz="1600" dirty="0">
+                        <a:latin typeface="Arial" panose="020B0604020202020204" pitchFamily="34" charset="0"/>
+                        <a:cs typeface="Arial" panose="020B0604020202020204" pitchFamily="34" charset="0"/>
+                      </a:endParaRPr>
+                    </a:p>
+                  </a:txBody>
+                  <a:tcPr anchor="ctr"/>
+                </a:tc>
+                <a:tc>
+                  <a:txBody>
+                    <a:bodyPr/>
+                    <a:lstStyle/>
+                    <a:p>
+                      <a:pPr algn="ctr"/>
+                      <a:r>
+                        <a:rPr lang="en-US" altLang="ja-JP" sz="1600" dirty="0">
+                          <a:latin typeface="Arial" panose="020B0604020202020204" pitchFamily="34" charset="0"/>
+                          <a:cs typeface="Arial" panose="020B0604020202020204" pitchFamily="34" charset="0"/>
+                        </a:rPr>
+                        <a:t>5.8 ± 1.2</a:t>
+                      </a:r>
+                      <a:endParaRPr kumimoji="1" lang="ja-JP" altLang="en-US" sz="1600" dirty="0">
+                        <a:latin typeface="Arial" panose="020B0604020202020204" pitchFamily="34" charset="0"/>
+                        <a:cs typeface="Arial" panose="020B0604020202020204" pitchFamily="34" charset="0"/>
+                      </a:endParaRPr>
+                    </a:p>
+                  </a:txBody>
+                  <a:tcPr anchor="ctr">
+                    <a:lnR w="12700" cap="flat" cmpd="sng" algn="ctr">
+                      <a:solidFill>
+                        <a:schemeClr val="tx1"/>
+                      </a:solidFill>
+                      <a:prstDash val="solid"/>
+                      <a:round/>
+                      <a:headEnd type="none" w="med" len="med"/>
+                      <a:tailEnd type="none" w="med" len="med"/>
+                    </a:lnR>
+                  </a:tcPr>
+                </a:tc>
+                <a:tc>
+                  <a:txBody>
+                    <a:bodyPr/>
+                    <a:lstStyle/>
+                    <a:p>
+                      <a:pPr algn="ctr"/>
+                      <a:r>
+                        <a:rPr lang="en-US" altLang="ja-JP" sz="1600" dirty="0">
+                          <a:latin typeface="Arial" panose="020B0604020202020204" pitchFamily="34" charset="0"/>
+                          <a:cs typeface="Arial" panose="020B0604020202020204" pitchFamily="34" charset="0"/>
+                        </a:rPr>
+                        <a:t>93.36 ± 0.19</a:t>
+                      </a:r>
+                      <a:endParaRPr kumimoji="1" lang="ja-JP" altLang="en-US" sz="1600" dirty="0">
+                        <a:latin typeface="Arial" panose="020B0604020202020204" pitchFamily="34" charset="0"/>
+                        <a:cs typeface="Arial" panose="020B0604020202020204" pitchFamily="34" charset="0"/>
+                      </a:endParaRPr>
+                    </a:p>
+                  </a:txBody>
+                  <a:tcPr anchor="ctr">
+                    <a:lnL w="12700" cap="flat" cmpd="sng" algn="ctr">
+                      <a:solidFill>
+                        <a:schemeClr val="tx1"/>
+                      </a:solidFill>
+                      <a:prstDash val="solid"/>
+                      <a:round/>
+                      <a:headEnd type="none" w="med" len="med"/>
+                      <a:tailEnd type="none" w="med" len="med"/>
+                    </a:lnL>
+                  </a:tcPr>
+                </a:tc>
+                <a:extLst>
+                  <a:ext uri="{0D108BD9-81ED-4DB2-BD59-A6C34878D82A}">
+                    <a16:rowId xmlns:a16="http://schemas.microsoft.com/office/drawing/2014/main" val="2223102066"/>
+                  </a:ext>
+                </a:extLst>
+              </a:tr>
+              <a:tr h="370840">
+                <a:tc vMerge="1">
+                  <a:txBody>
+                    <a:bodyPr/>
+                    <a:lstStyle/>
+                    <a:p>
+                      <a:endParaRPr kumimoji="1" lang="ja-JP" altLang="en-US" dirty="0"/>
+                    </a:p>
+                  </a:txBody>
+                  <a:tcPr anchor="ctr"/>
+                </a:tc>
+                <a:tc>
+                  <a:txBody>
+                    <a:bodyPr/>
+                    <a:lstStyle/>
+                    <a:p>
+                      <a:pPr algn="ctr"/>
+                      <a:r>
+                        <a:rPr kumimoji="1" lang="en-US" altLang="ja-JP" sz="1400" dirty="0">
+                          <a:latin typeface="Arial" panose="020B0604020202020204" pitchFamily="34" charset="0"/>
+                          <a:cs typeface="Arial" panose="020B0604020202020204" pitchFamily="34" charset="0"/>
+                        </a:rPr>
+                        <a:t>100 epoch</a:t>
+                      </a:r>
+                      <a:endParaRPr kumimoji="1" lang="ja-JP" altLang="en-US" sz="1400" dirty="0">
+                        <a:latin typeface="Arial" panose="020B0604020202020204" pitchFamily="34" charset="0"/>
+                        <a:cs typeface="Arial" panose="020B0604020202020204" pitchFamily="34" charset="0"/>
+                      </a:endParaRPr>
+                    </a:p>
+                  </a:txBody>
+                  <a:tcPr anchor="ctr"/>
+                </a:tc>
+                <a:tc>
+                  <a:txBody>
+                    <a:bodyPr/>
+                    <a:lstStyle/>
+                    <a:p>
+                      <a:pPr algn="ctr"/>
+                      <a:r>
+                        <a:rPr lang="en-US" altLang="ja-JP" sz="1600" dirty="0">
+                          <a:latin typeface="Arial" panose="020B0604020202020204" pitchFamily="34" charset="0"/>
+                          <a:cs typeface="Arial" panose="020B0604020202020204" pitchFamily="34" charset="0"/>
+                        </a:rPr>
+                        <a:t>93.93 ± 0.08</a:t>
+                      </a:r>
+                      <a:endParaRPr kumimoji="1" lang="ja-JP" altLang="en-US" sz="1600" dirty="0">
+                        <a:latin typeface="Arial" panose="020B0604020202020204" pitchFamily="34" charset="0"/>
+                        <a:cs typeface="Arial" panose="020B0604020202020204" pitchFamily="34" charset="0"/>
+                      </a:endParaRPr>
+                    </a:p>
+                  </a:txBody>
+                  <a:tcPr anchor="ctr"/>
+                </a:tc>
+                <a:tc>
+                  <a:txBody>
+                    <a:bodyPr/>
+                    <a:lstStyle/>
+                    <a:p>
+                      <a:pPr algn="ctr"/>
+                      <a:r>
+                        <a:rPr lang="en-US" altLang="ja-JP" sz="1600" dirty="0">
+                          <a:latin typeface="Arial" panose="020B0604020202020204" pitchFamily="34" charset="0"/>
+                          <a:cs typeface="Arial" panose="020B0604020202020204" pitchFamily="34" charset="0"/>
+                        </a:rPr>
+                        <a:t>20.73 ± 0.10</a:t>
+                      </a:r>
+                      <a:endParaRPr kumimoji="1" lang="ja-JP" altLang="en-US" sz="1600" dirty="0">
+                        <a:latin typeface="Arial" panose="020B0604020202020204" pitchFamily="34" charset="0"/>
+                        <a:cs typeface="Arial" panose="020B0604020202020204" pitchFamily="34" charset="0"/>
+                      </a:endParaRPr>
+                    </a:p>
+                  </a:txBody>
+                  <a:tcPr anchor="ctr"/>
+                </a:tc>
+                <a:tc>
+                  <a:txBody>
+                    <a:bodyPr/>
+                    <a:lstStyle/>
+                    <a:p>
+                      <a:pPr algn="ctr"/>
+                      <a:r>
+                        <a:rPr lang="en-US" altLang="ja-JP" sz="1600" dirty="0">
+                          <a:latin typeface="Arial" panose="020B0604020202020204" pitchFamily="34" charset="0"/>
+                          <a:cs typeface="Arial" panose="020B0604020202020204" pitchFamily="34" charset="0"/>
+                        </a:rPr>
+                        <a:t>9.8 ± 1.0</a:t>
+                      </a:r>
+                      <a:endParaRPr kumimoji="1" lang="ja-JP" altLang="en-US" sz="1600" dirty="0">
+                        <a:latin typeface="Arial" panose="020B0604020202020204" pitchFamily="34" charset="0"/>
+                        <a:cs typeface="Arial" panose="020B0604020202020204" pitchFamily="34" charset="0"/>
+                      </a:endParaRPr>
+                    </a:p>
+                  </a:txBody>
+                  <a:tcPr anchor="ctr">
+                    <a:lnR w="12700" cap="flat" cmpd="sng" algn="ctr">
+                      <a:solidFill>
+                        <a:schemeClr val="tx1"/>
+                      </a:solidFill>
+                      <a:prstDash val="solid"/>
+                      <a:round/>
+                      <a:headEnd type="none" w="med" len="med"/>
+                      <a:tailEnd type="none" w="med" len="med"/>
+                    </a:lnR>
+                  </a:tcPr>
+                </a:tc>
+                <a:tc>
+                  <a:txBody>
+                    <a:bodyPr/>
+                    <a:lstStyle/>
+                    <a:p>
+                      <a:pPr algn="ctr"/>
+                      <a:r>
+                        <a:rPr lang="en-US" altLang="ja-JP" sz="1600" dirty="0">
+                          <a:latin typeface="Arial" panose="020B0604020202020204" pitchFamily="34" charset="0"/>
+                          <a:cs typeface="Arial" panose="020B0604020202020204" pitchFamily="34" charset="0"/>
+                        </a:rPr>
+                        <a:t>93.47 ± 0.17</a:t>
+                      </a:r>
+                      <a:endParaRPr kumimoji="1" lang="ja-JP" altLang="en-US" sz="1600" dirty="0">
+                        <a:latin typeface="Arial" panose="020B0604020202020204" pitchFamily="34" charset="0"/>
+                        <a:cs typeface="Arial" panose="020B0604020202020204" pitchFamily="34" charset="0"/>
+                      </a:endParaRPr>
+                    </a:p>
+                  </a:txBody>
+                  <a:tcPr anchor="ctr">
+                    <a:lnL w="12700" cap="flat" cmpd="sng" algn="ctr">
+                      <a:solidFill>
+                        <a:schemeClr val="tx1"/>
+                      </a:solidFill>
+                      <a:prstDash val="solid"/>
+                      <a:round/>
+                      <a:headEnd type="none" w="med" len="med"/>
+                      <a:tailEnd type="none" w="med" len="med"/>
+                    </a:lnL>
+                  </a:tcPr>
+                </a:tc>
+                <a:extLst>
+                  <a:ext uri="{0D108BD9-81ED-4DB2-BD59-A6C34878D82A}">
+                    <a16:rowId xmlns:a16="http://schemas.microsoft.com/office/drawing/2014/main" val="1231523089"/>
+                  </a:ext>
+                </a:extLst>
+              </a:tr>
+              <a:tr h="370840">
+                <a:tc vMerge="1">
+                  <a:txBody>
+                    <a:bodyPr/>
+                    <a:lstStyle/>
+                    <a:p>
+                      <a:endParaRPr kumimoji="1" lang="ja-JP" altLang="en-US" dirty="0"/>
+                    </a:p>
+                  </a:txBody>
+                  <a:tcPr anchor="ctr"/>
+                </a:tc>
+                <a:tc>
+                  <a:txBody>
+                    <a:bodyPr/>
+                    <a:lstStyle/>
+                    <a:p>
+                      <a:pPr algn="ctr"/>
+                      <a:r>
+                        <a:rPr kumimoji="1" lang="en-US" altLang="ja-JP" sz="1400" dirty="0">
+                          <a:latin typeface="Arial" panose="020B0604020202020204" pitchFamily="34" charset="0"/>
+                          <a:cs typeface="Arial" panose="020B0604020202020204" pitchFamily="34" charset="0"/>
+                        </a:rPr>
+                        <a:t>150 epoch</a:t>
+                      </a:r>
+                      <a:endParaRPr kumimoji="1" lang="ja-JP" altLang="en-US" sz="1400" dirty="0">
+                        <a:latin typeface="Arial" panose="020B0604020202020204" pitchFamily="34" charset="0"/>
+                        <a:cs typeface="Arial" panose="020B0604020202020204" pitchFamily="34" charset="0"/>
+                      </a:endParaRPr>
+                    </a:p>
+                  </a:txBody>
+                  <a:tcPr anchor="ctr"/>
+                </a:tc>
+                <a:tc>
+                  <a:txBody>
+                    <a:bodyPr/>
+                    <a:lstStyle/>
+                    <a:p>
+                      <a:pPr algn="ctr"/>
+                      <a:r>
+                        <a:rPr lang="en-US" altLang="ja-JP" sz="1600" dirty="0">
+                          <a:latin typeface="Arial" panose="020B0604020202020204" pitchFamily="34" charset="0"/>
+                          <a:cs typeface="Arial" panose="020B0604020202020204" pitchFamily="34" charset="0"/>
+                        </a:rPr>
+                        <a:t>93.92 ± 0.12</a:t>
+                      </a:r>
+                      <a:endParaRPr kumimoji="1" lang="ja-JP" altLang="en-US" sz="1600" dirty="0">
+                        <a:latin typeface="Arial" panose="020B0604020202020204" pitchFamily="34" charset="0"/>
+                        <a:cs typeface="Arial" panose="020B0604020202020204" pitchFamily="34" charset="0"/>
+                      </a:endParaRPr>
+                    </a:p>
+                  </a:txBody>
+                  <a:tcPr anchor="ctr"/>
+                </a:tc>
+                <a:tc>
+                  <a:txBody>
+                    <a:bodyPr/>
+                    <a:lstStyle/>
+                    <a:p>
+                      <a:pPr algn="ctr"/>
+                      <a:r>
+                        <a:rPr lang="en-US" altLang="ja-JP" sz="1600" dirty="0">
+                          <a:latin typeface="Arial" panose="020B0604020202020204" pitchFamily="34" charset="0"/>
+                          <a:cs typeface="Arial" panose="020B0604020202020204" pitchFamily="34" charset="0"/>
+                        </a:rPr>
+                        <a:t>20.76 ± 0.15</a:t>
+                      </a:r>
+                      <a:endParaRPr kumimoji="1" lang="ja-JP" altLang="en-US" sz="1600" dirty="0">
+                        <a:latin typeface="Arial" panose="020B0604020202020204" pitchFamily="34" charset="0"/>
+                        <a:cs typeface="Arial" panose="020B0604020202020204" pitchFamily="34" charset="0"/>
+                      </a:endParaRPr>
+                    </a:p>
+                  </a:txBody>
+                  <a:tcPr anchor="ctr"/>
+                </a:tc>
+                <a:tc>
+                  <a:txBody>
+                    <a:bodyPr/>
+                    <a:lstStyle/>
+                    <a:p>
+                      <a:pPr algn="ctr"/>
+                      <a:r>
+                        <a:rPr lang="en-US" altLang="ja-JP" sz="1600" dirty="0">
+                          <a:latin typeface="Arial" panose="020B0604020202020204" pitchFamily="34" charset="0"/>
+                          <a:cs typeface="Arial" panose="020B0604020202020204" pitchFamily="34" charset="0"/>
+                        </a:rPr>
+                        <a:t>10.6 ± 1.0</a:t>
+                      </a:r>
+                      <a:endParaRPr kumimoji="1" lang="ja-JP" altLang="en-US" sz="1600" dirty="0">
+                        <a:latin typeface="Arial" panose="020B0604020202020204" pitchFamily="34" charset="0"/>
+                        <a:cs typeface="Arial" panose="020B0604020202020204" pitchFamily="34" charset="0"/>
+                      </a:endParaRPr>
+                    </a:p>
+                  </a:txBody>
+                  <a:tcPr anchor="ctr">
+                    <a:lnR w="12700" cap="flat" cmpd="sng" algn="ctr">
+                      <a:solidFill>
+                        <a:schemeClr val="tx1"/>
+                      </a:solidFill>
+                      <a:prstDash val="solid"/>
+                      <a:round/>
+                      <a:headEnd type="none" w="med" len="med"/>
+                      <a:tailEnd type="none" w="med" len="med"/>
+                    </a:lnR>
+                  </a:tcPr>
+                </a:tc>
+                <a:tc>
+                  <a:txBody>
+                    <a:bodyPr/>
+                    <a:lstStyle/>
+                    <a:p>
+                      <a:pPr algn="ctr"/>
+                      <a:r>
+                        <a:rPr lang="en-US" altLang="ja-JP" sz="1600" dirty="0">
+                          <a:latin typeface="Arial" panose="020B0604020202020204" pitchFamily="34" charset="0"/>
+                          <a:cs typeface="Arial" panose="020B0604020202020204" pitchFamily="34" charset="0"/>
+                        </a:rPr>
+                        <a:t>93.48 ± 0.15</a:t>
+                      </a:r>
+                      <a:endParaRPr kumimoji="1" lang="ja-JP" altLang="en-US" sz="1600" dirty="0">
+                        <a:latin typeface="Arial" panose="020B0604020202020204" pitchFamily="34" charset="0"/>
+                        <a:cs typeface="Arial" panose="020B0604020202020204" pitchFamily="34" charset="0"/>
+                      </a:endParaRPr>
+                    </a:p>
+                  </a:txBody>
+                  <a:tcPr anchor="ctr">
+                    <a:lnL w="12700" cap="flat" cmpd="sng" algn="ctr">
+                      <a:solidFill>
+                        <a:schemeClr val="tx1"/>
+                      </a:solidFill>
+                      <a:prstDash val="solid"/>
+                      <a:round/>
+                      <a:headEnd type="none" w="med" len="med"/>
+                      <a:tailEnd type="none" w="med" len="med"/>
+                    </a:lnL>
+                  </a:tcPr>
+                </a:tc>
+                <a:extLst>
+                  <a:ext uri="{0D108BD9-81ED-4DB2-BD59-A6C34878D82A}">
+                    <a16:rowId xmlns:a16="http://schemas.microsoft.com/office/drawing/2014/main" val="1232416869"/>
+                  </a:ext>
+                </a:extLst>
+              </a:tr>
+              <a:tr h="370840">
+                <a:tc gridSpan="2">
+                  <a:txBody>
+                    <a:bodyPr/>
+                    <a:lstStyle/>
+                    <a:p>
+                      <a:pPr algn="ctr"/>
+                      <a:r>
+                        <a:rPr kumimoji="1" lang="en-US" altLang="ja-JP" sz="1600" dirty="0">
+                          <a:latin typeface="Arial" panose="020B0604020202020204" pitchFamily="34" charset="0"/>
+                          <a:cs typeface="Arial" panose="020B0604020202020204" pitchFamily="34" charset="0"/>
+                        </a:rPr>
+                        <a:t>Baseline(BGG19)</a:t>
+                      </a:r>
+                      <a:endParaRPr kumimoji="1" lang="ja-JP" altLang="en-US" sz="1600" dirty="0">
+                        <a:latin typeface="Arial" panose="020B0604020202020204" pitchFamily="34" charset="0"/>
+                        <a:cs typeface="Arial" panose="020B0604020202020204" pitchFamily="34" charset="0"/>
+                      </a:endParaRPr>
+                    </a:p>
+                  </a:txBody>
+                  <a:tcPr anchor="ctr"/>
+                </a:tc>
+                <a:tc hMerge="1">
+                  <a:txBody>
+                    <a:bodyPr/>
+                    <a:lstStyle/>
+                    <a:p>
+                      <a:pPr algn="ctr"/>
+                      <a:endParaRPr kumimoji="1" lang="ja-JP" altLang="en-US" dirty="0"/>
+                    </a:p>
+                  </a:txBody>
+                  <a:tcPr anchor="ctr"/>
+                </a:tc>
+                <a:tc>
+                  <a:txBody>
+                    <a:bodyPr/>
+                    <a:lstStyle/>
+                    <a:p>
+                      <a:pPr algn="ctr"/>
+                      <a:r>
+                        <a:rPr lang="en-US" altLang="ja-JP" sz="1600" dirty="0">
+                          <a:latin typeface="Arial" panose="020B0604020202020204" pitchFamily="34" charset="0"/>
+                          <a:cs typeface="Arial" panose="020B0604020202020204" pitchFamily="34" charset="0"/>
+                        </a:rPr>
+                        <a:t>93.03 ± 0.10</a:t>
+                      </a:r>
+                      <a:endParaRPr kumimoji="1" lang="ja-JP" altLang="en-US" sz="1600" dirty="0">
+                        <a:latin typeface="Arial" panose="020B0604020202020204" pitchFamily="34" charset="0"/>
+                        <a:cs typeface="Arial" panose="020B0604020202020204" pitchFamily="34" charset="0"/>
+                      </a:endParaRPr>
+                    </a:p>
+                  </a:txBody>
+                  <a:tcPr anchor="ctr"/>
+                </a:tc>
+                <a:tc>
+                  <a:txBody>
+                    <a:bodyPr/>
+                    <a:lstStyle/>
+                    <a:p>
+                      <a:pPr algn="ctr"/>
+                      <a:r>
+                        <a:rPr lang="en-US" altLang="ja-JP" sz="1600" dirty="0">
+                          <a:latin typeface="Arial" panose="020B0604020202020204" pitchFamily="34" charset="0"/>
+                          <a:cs typeface="Arial" panose="020B0604020202020204" pitchFamily="34" charset="0"/>
+                        </a:rPr>
+                        <a:t>20.04</a:t>
+                      </a:r>
+                      <a:endParaRPr kumimoji="1" lang="ja-JP" altLang="en-US" sz="1600" dirty="0">
+                        <a:latin typeface="Arial" panose="020B0604020202020204" pitchFamily="34" charset="0"/>
+                        <a:cs typeface="Arial" panose="020B0604020202020204" pitchFamily="34" charset="0"/>
+                      </a:endParaRPr>
+                    </a:p>
+                  </a:txBody>
+                  <a:tcPr anchor="ctr"/>
+                </a:tc>
+                <a:tc>
+                  <a:txBody>
+                    <a:bodyPr/>
+                    <a:lstStyle/>
+                    <a:p>
+                      <a:pPr algn="ctr"/>
+                      <a:r>
+                        <a:rPr kumimoji="1" lang="en-US" altLang="ja-JP" sz="1600" dirty="0">
+                          <a:latin typeface="Arial" panose="020B0604020202020204" pitchFamily="34" charset="0"/>
+                          <a:cs typeface="Arial" panose="020B0604020202020204" pitchFamily="34" charset="0"/>
+                        </a:rPr>
+                        <a:t>0</a:t>
+                      </a:r>
+                      <a:endParaRPr kumimoji="1" lang="ja-JP" altLang="en-US" sz="1600" dirty="0">
+                        <a:latin typeface="Arial" panose="020B0604020202020204" pitchFamily="34" charset="0"/>
+                        <a:cs typeface="Arial" panose="020B0604020202020204" pitchFamily="34" charset="0"/>
+                      </a:endParaRPr>
+                    </a:p>
+                  </a:txBody>
+                  <a:tcPr anchor="ctr">
+                    <a:lnR w="12700" cap="flat" cmpd="sng" algn="ctr">
+                      <a:solidFill>
+                        <a:schemeClr val="tx1"/>
+                      </a:solidFill>
+                      <a:prstDash val="solid"/>
+                      <a:round/>
+                      <a:headEnd type="none" w="med" len="med"/>
+                      <a:tailEnd type="none" w="med" len="med"/>
+                    </a:lnR>
+                  </a:tcPr>
+                </a:tc>
+                <a:tc>
+                  <a:txBody>
+                    <a:bodyPr/>
+                    <a:lstStyle/>
+                    <a:p>
+                      <a:pPr algn="ctr"/>
+                      <a:r>
+                        <a:rPr kumimoji="1" lang="en-US" altLang="ja-JP" sz="1600" dirty="0">
+                          <a:latin typeface="Arial" panose="020B0604020202020204" pitchFamily="34" charset="0"/>
+                          <a:cs typeface="Arial" panose="020B0604020202020204" pitchFamily="34" charset="0"/>
+                        </a:rPr>
+                        <a:t>-</a:t>
+                      </a:r>
+                      <a:endParaRPr kumimoji="1" lang="ja-JP" altLang="en-US" sz="1600" dirty="0">
+                        <a:latin typeface="Arial" panose="020B0604020202020204" pitchFamily="34" charset="0"/>
+                        <a:cs typeface="Arial" panose="020B0604020202020204" pitchFamily="34" charset="0"/>
+                      </a:endParaRPr>
+                    </a:p>
+                  </a:txBody>
+                  <a:tcPr anchor="ctr">
+                    <a:lnL w="12700" cap="flat" cmpd="sng" algn="ctr">
+                      <a:solidFill>
+                        <a:schemeClr val="tx1"/>
+                      </a:solidFill>
+                      <a:prstDash val="solid"/>
+                      <a:round/>
+                      <a:headEnd type="none" w="med" len="med"/>
+                      <a:tailEnd type="none" w="med" len="med"/>
+                    </a:lnL>
+                  </a:tcPr>
+                </a:tc>
+                <a:extLst>
+                  <a:ext uri="{0D108BD9-81ED-4DB2-BD59-A6C34878D82A}">
+                    <a16:rowId xmlns:a16="http://schemas.microsoft.com/office/drawing/2014/main" val="1305728134"/>
+                  </a:ext>
+                </a:extLst>
+              </a:tr>
+            </a:tbl>
+          </a:graphicData>
+        </a:graphic>
+      </p:graphicFrame>
       <p:sp>
         <p:nvSpPr>
           <p:cNvPr id="2" name="タイトル 1">
@@ -20988,245 +23462,6 @@
       </p:sp>
       <p:sp>
         <p:nvSpPr>
-          <p:cNvPr id="3" name="コンテンツ プレースホルダー 2">
-            <a:extLst>
-              <a:ext uri="{FF2B5EF4-FFF2-40B4-BE49-F238E27FC236}">
-                <a16:creationId xmlns:a16="http://schemas.microsoft.com/office/drawing/2014/main" id="{16CD0B30-B81C-48A7-AD69-55ECEFD9088C}"/>
-              </a:ext>
-            </a:extLst>
-          </p:cNvPr>
-          <p:cNvSpPr>
-            <a:spLocks noGrp="1"/>
-          </p:cNvSpPr>
-          <p:nvPr>
-            <p:ph idx="1"/>
-          </p:nvPr>
-        </p:nvSpPr>
-        <p:spPr/>
-        <p:txBody>
-          <a:bodyPr>
-            <a:normAutofit fontScale="70000" lnSpcReduction="20000"/>
-          </a:bodyPr>
-          <a:lstStyle/>
-          <a:p>
-            <a:r>
-              <a:rPr lang="ja-JP" altLang="en-US" dirty="0"/>
-              <a:t>表 </a:t>
-            </a:r>
-            <a:r>
-              <a:rPr lang="en-US" altLang="ja-JP" dirty="0"/>
-              <a:t>2 </a:t>
-            </a:r>
-            <a:r>
-              <a:rPr lang="ja-JP" altLang="en-US" dirty="0"/>
-              <a:t>に各構成手法におけるテストデータの精度を 示す</a:t>
-            </a:r>
-            <a:r>
-              <a:rPr lang="en-US" altLang="ja-JP" dirty="0"/>
-              <a:t>. </a:t>
-            </a:r>
-            <a:r>
-              <a:rPr lang="ja-JP" altLang="en-US" dirty="0"/>
-              <a:t>図 </a:t>
-            </a:r>
-            <a:r>
-              <a:rPr lang="en-US" altLang="ja-JP" dirty="0"/>
-              <a:t>1, 2 </a:t>
-            </a:r>
-            <a:r>
-              <a:rPr lang="ja-JP" altLang="en-US" dirty="0" err="1"/>
-              <a:t>には</a:t>
-            </a:r>
-            <a:r>
-              <a:rPr lang="ja-JP" altLang="en-US" dirty="0"/>
-              <a:t>表 </a:t>
-            </a:r>
-            <a:r>
-              <a:rPr lang="en-US" altLang="ja-JP" dirty="0"/>
-              <a:t>2 </a:t>
-            </a:r>
-            <a:r>
-              <a:rPr lang="ja-JP" altLang="en-US" dirty="0"/>
-              <a:t>の精度に対するショートカッ ト数とパラメータ数の関係を図示する</a:t>
-            </a:r>
-            <a:r>
-              <a:rPr lang="en-US" altLang="ja-JP" dirty="0"/>
-              <a:t>. </a:t>
-            </a:r>
-            <a:r>
-              <a:rPr lang="ja-JP" altLang="en-US" dirty="0"/>
-              <a:t>最も性能が高 かったのは </a:t>
-            </a:r>
-            <a:r>
-              <a:rPr lang="en-US" altLang="ja-JP" dirty="0"/>
-              <a:t>100 epoch </a:t>
-            </a:r>
-            <a:r>
-              <a:rPr lang="ja-JP" altLang="en-US" dirty="0"/>
-              <a:t>時点の手法 </a:t>
-            </a:r>
-            <a:r>
-              <a:rPr lang="en-US" altLang="ja-JP" dirty="0"/>
-              <a:t>A </a:t>
-            </a:r>
-            <a:r>
-              <a:rPr lang="ja-JP" altLang="en-US" dirty="0"/>
-              <a:t>で </a:t>
-            </a:r>
-            <a:r>
-              <a:rPr lang="en-US" altLang="ja-JP" dirty="0"/>
-              <a:t>94.02 %(baseline+0.99%) </a:t>
-            </a:r>
-            <a:r>
-              <a:rPr lang="ja-JP" altLang="en-US" dirty="0"/>
-              <a:t>となり</a:t>
-            </a:r>
-            <a:r>
-              <a:rPr lang="en-US" altLang="ja-JP" dirty="0"/>
-              <a:t>, 100 epoch </a:t>
-            </a:r>
-            <a:r>
-              <a:rPr lang="ja-JP" altLang="en-US" dirty="0"/>
-              <a:t>時点の手法 </a:t>
-            </a:r>
-            <a:r>
-              <a:rPr lang="en-US" altLang="ja-JP" dirty="0"/>
-              <a:t>B </a:t>
-            </a:r>
-            <a:r>
-              <a:rPr lang="ja-JP" altLang="en-US" dirty="0"/>
-              <a:t>は </a:t>
-            </a:r>
-            <a:r>
-              <a:rPr lang="en-US" altLang="ja-JP" dirty="0"/>
-              <a:t>93.93 %(baseline+0.90%) </a:t>
-            </a:r>
-            <a:r>
-              <a:rPr lang="ja-JP" altLang="en-US" dirty="0"/>
-              <a:t>となった</a:t>
-            </a:r>
-            <a:r>
-              <a:rPr lang="en-US" altLang="ja-JP" dirty="0"/>
-              <a:t>. </a:t>
-            </a:r>
-            <a:r>
-              <a:rPr lang="ja-JP" altLang="en-US" dirty="0"/>
-              <a:t>しかしランダム手法と 比較すると</a:t>
-            </a:r>
-            <a:r>
-              <a:rPr lang="en-US" altLang="ja-JP" dirty="0"/>
-              <a:t>, </a:t>
-            </a:r>
-            <a:r>
-              <a:rPr lang="ja-JP" altLang="en-US" dirty="0"/>
-              <a:t>手法 </a:t>
-            </a:r>
-            <a:r>
-              <a:rPr lang="en-US" altLang="ja-JP" dirty="0"/>
-              <a:t>A </a:t>
-            </a:r>
-            <a:r>
-              <a:rPr lang="ja-JP" altLang="en-US" dirty="0"/>
-              <a:t>は</a:t>
-            </a:r>
-            <a:r>
-              <a:rPr lang="en-US" altLang="ja-JP" dirty="0"/>
-              <a:t>+0.35%, </a:t>
-            </a:r>
-            <a:r>
-              <a:rPr lang="ja-JP" altLang="en-US" dirty="0"/>
-              <a:t>手法 </a:t>
-            </a:r>
-            <a:r>
-              <a:rPr lang="en-US" altLang="ja-JP" dirty="0"/>
-              <a:t>B </a:t>
-            </a:r>
-            <a:r>
-              <a:rPr lang="ja-JP" altLang="en-US" dirty="0"/>
-              <a:t>は</a:t>
-            </a:r>
-            <a:r>
-              <a:rPr lang="en-US" altLang="ja-JP" dirty="0"/>
-              <a:t>+0.46%</a:t>
-            </a:r>
-            <a:r>
-              <a:rPr lang="ja-JP" altLang="en-US" dirty="0"/>
-              <a:t>となり</a:t>
-            </a:r>
-            <a:r>
-              <a:rPr lang="en-US" altLang="ja-JP" dirty="0"/>
-              <a:t>, </a:t>
-            </a:r>
-            <a:r>
-              <a:rPr lang="ja-JP" altLang="en-US" dirty="0"/>
-              <a:t>図 </a:t>
-            </a:r>
-            <a:r>
-              <a:rPr lang="en-US" altLang="ja-JP" dirty="0"/>
-              <a:t>2 </a:t>
-            </a:r>
-            <a:r>
-              <a:rPr lang="ja-JP" altLang="en-US" dirty="0"/>
-              <a:t>を参照しても少ないパラメータ数でより有効 に探索できているのは手法 </a:t>
-            </a:r>
-            <a:r>
-              <a:rPr lang="en-US" altLang="ja-JP" dirty="0"/>
-              <a:t>B </a:t>
-            </a:r>
-            <a:r>
-              <a:rPr lang="ja-JP" altLang="en-US" dirty="0"/>
-              <a:t>と言える</a:t>
-            </a:r>
-            <a:r>
-              <a:rPr lang="en-US" altLang="ja-JP" dirty="0"/>
-              <a:t>. </a:t>
-            </a:r>
-            <a:r>
-              <a:rPr lang="ja-JP" altLang="en-US" dirty="0"/>
-              <a:t>また </a:t>
-            </a:r>
-            <a:r>
-              <a:rPr lang="en-US" altLang="ja-JP" dirty="0"/>
-              <a:t>100 epoch </a:t>
-            </a:r>
-            <a:r>
-              <a:rPr lang="ja-JP" altLang="en-US" dirty="0"/>
-              <a:t>時点と </a:t>
-            </a:r>
-            <a:r>
-              <a:rPr lang="en-US" altLang="ja-JP" dirty="0"/>
-              <a:t>150 epoch </a:t>
-            </a:r>
-            <a:r>
-              <a:rPr lang="ja-JP" altLang="en-US" dirty="0"/>
-              <a:t>時点を比較すると</a:t>
-            </a:r>
-            <a:r>
-              <a:rPr lang="en-US" altLang="ja-JP" dirty="0"/>
-              <a:t>, </a:t>
-            </a:r>
-            <a:r>
-              <a:rPr lang="ja-JP" altLang="en-US" dirty="0"/>
-              <a:t>学習によって性能が悪化している</a:t>
-            </a:r>
-            <a:r>
-              <a:rPr lang="en-US" altLang="ja-JP" dirty="0"/>
-              <a:t>. </a:t>
-            </a:r>
-            <a:r>
-              <a:rPr lang="ja-JP" altLang="en-US" dirty="0"/>
-              <a:t>問題に対して過度 に適合していることが原因であると考えられる</a:t>
-            </a:r>
-            <a:r>
-              <a:rPr lang="en-US" altLang="ja-JP" dirty="0"/>
-              <a:t>. </a:t>
-            </a:r>
-            <a:endParaRPr kumimoji="1" lang="ja-JP" altLang="en-US" dirty="0"/>
-          </a:p>
-        </p:txBody>
-      </p:sp>
-      <p:sp>
-        <p:nvSpPr>
           <p:cNvPr id="4" name="スライド番号プレースホルダー 3">
             <a:extLst>
               <a:ext uri="{FF2B5EF4-FFF2-40B4-BE49-F238E27FC236}">
@@ -21257,7 +23492,7 @@
     </p:spTree>
     <p:extLst>
       <p:ext uri="{BB962C8B-B14F-4D97-AF65-F5344CB8AC3E}">
-        <p14:creationId xmlns:p14="http://schemas.microsoft.com/office/powerpoint/2010/main" val="3605382424"/>
+        <p14:creationId xmlns:p14="http://schemas.microsoft.com/office/powerpoint/2010/main" val="1786063340"/>
       </p:ext>
     </p:extLst>
   </p:cSld>
@@ -21286,10 +23521,70 @@
       </p:grpSpPr>
       <p:sp>
         <p:nvSpPr>
+          <p:cNvPr id="10" name="コンテンツ プレースホルダー 9">
+            <a:extLst>
+              <a:ext uri="{FF2B5EF4-FFF2-40B4-BE49-F238E27FC236}">
+                <a16:creationId xmlns:a16="http://schemas.microsoft.com/office/drawing/2014/main" id="{F21E5DB1-D712-4DB7-87D4-ABF7C8D51C7F}"/>
+              </a:ext>
+            </a:extLst>
+          </p:cNvPr>
+          <p:cNvSpPr>
+            <a:spLocks noGrp="1"/>
+          </p:cNvSpPr>
+          <p:nvPr>
+            <p:ph idx="1"/>
+          </p:nvPr>
+        </p:nvSpPr>
+        <p:spPr>
+          <a:xfrm>
+            <a:off x="706582" y="5276850"/>
+            <a:ext cx="7660178" cy="916124"/>
+          </a:xfrm>
+        </p:spPr>
+        <p:txBody>
+          <a:bodyPr>
+            <a:normAutofit fontScale="77500" lnSpcReduction="20000"/>
+          </a:bodyPr>
+          <a:lstStyle/>
+          <a:p>
+            <a:pPr algn="ctr"/>
+            <a:r>
+              <a:rPr lang="ja-JP" altLang="en-US" dirty="0"/>
+              <a:t>手法 </a:t>
+            </a:r>
+            <a:r>
+              <a:rPr lang="en-US" altLang="ja-JP" dirty="0"/>
+              <a:t>A : 94.02 % (baseline+0.99%) </a:t>
+            </a:r>
+          </a:p>
+          <a:p>
+            <a:pPr algn="ctr"/>
+            <a:r>
+              <a:rPr lang="ja-JP" altLang="en-US" dirty="0"/>
+              <a:t>手法 </a:t>
+            </a:r>
+            <a:r>
+              <a:rPr lang="en-US" altLang="ja-JP" dirty="0"/>
+              <a:t>B</a:t>
+            </a:r>
+            <a:r>
+              <a:rPr lang="ja-JP" altLang="en-US" dirty="0"/>
+              <a:t> </a:t>
+            </a:r>
+            <a:r>
+              <a:rPr lang="en-US" altLang="ja-JP" dirty="0"/>
+              <a:t>: 93.93 % (baseline+0.90%)</a:t>
+            </a:r>
+            <a:endParaRPr lang="ja-JP" altLang="en-US" dirty="0"/>
+          </a:p>
+        </p:txBody>
+      </p:sp>
+      <p:sp>
+        <p:nvSpPr>
           <p:cNvPr id="2" name="タイトル 1">
             <a:extLst>
               <a:ext uri="{FF2B5EF4-FFF2-40B4-BE49-F238E27FC236}">
-                <a16:creationId xmlns:a16="http://schemas.microsoft.com/office/drawing/2014/main" id="{99A71CDC-97C2-465F-8B9B-AE9D55104F50}"/>
+                <a16:creationId xmlns:a16="http://schemas.microsoft.com/office/drawing/2014/main" id="{D46ABB39-F0C4-4941-8AC3-45B843579753}"/>
               </a:ext>
             </a:extLst>
           </p:cNvPr>
@@ -21307,166 +23602,25 @@
           <a:p>
             <a:r>
               <a:rPr kumimoji="1" lang="ja-JP" altLang="en-US" dirty="0"/>
-              <a:t>発表の流れ</a:t>
+              <a:t>実験</a:t>
+            </a:r>
+            <a:r>
+              <a:rPr kumimoji="1" lang="en-US" altLang="ja-JP" dirty="0"/>
+              <a:t>1 </a:t>
+            </a:r>
+            <a:r>
+              <a:rPr kumimoji="1" lang="ja-JP" altLang="en-US" dirty="0"/>
+              <a:t>： 結果</a:t>
             </a:r>
           </a:p>
         </p:txBody>
       </p:sp>
       <p:sp>
         <p:nvSpPr>
-          <p:cNvPr id="3" name="コンテンツ プレースホルダー 2">
+          <p:cNvPr id="4" name="スライド番号プレースホルダー 3">
             <a:extLst>
               <a:ext uri="{FF2B5EF4-FFF2-40B4-BE49-F238E27FC236}">
-                <a16:creationId xmlns:a16="http://schemas.microsoft.com/office/drawing/2014/main" id="{EA6F3566-9A84-4DED-A27B-A69CD8CF6C57}"/>
-              </a:ext>
-            </a:extLst>
-          </p:cNvPr>
-          <p:cNvSpPr>
-            <a:spLocks noGrp="1"/>
-          </p:cNvSpPr>
-          <p:nvPr>
-            <p:ph idx="1"/>
-          </p:nvPr>
-        </p:nvSpPr>
-        <p:spPr>
-          <a:xfrm>
-            <a:off x="822959" y="1661049"/>
-            <a:ext cx="7543801" cy="4531925"/>
-          </a:xfrm>
-        </p:spPr>
-        <p:txBody>
-          <a:bodyPr/>
-          <a:lstStyle/>
-          <a:p>
-            <a:pPr marL="742950" indent="-742950">
-              <a:buFont typeface="+mj-lt"/>
-              <a:buAutoNum type="arabicPeriod"/>
-            </a:pPr>
-            <a:r>
-              <a:rPr kumimoji="1" lang="ja-JP" altLang="en-US" dirty="0">
-                <a:solidFill>
-                  <a:schemeClr val="bg1">
-                    <a:lumMod val="75000"/>
-                  </a:schemeClr>
-                </a:solidFill>
-              </a:rPr>
-              <a:t>はじめに</a:t>
-            </a:r>
-            <a:endParaRPr kumimoji="1" lang="en-US" altLang="ja-JP" dirty="0">
-              <a:solidFill>
-                <a:schemeClr val="bg1">
-                  <a:lumMod val="75000"/>
-                </a:schemeClr>
-              </a:solidFill>
-            </a:endParaRPr>
-          </a:p>
-          <a:p>
-            <a:pPr marL="742950" indent="-742950">
-              <a:buFont typeface="+mj-lt"/>
-              <a:buAutoNum type="arabicPeriod"/>
-            </a:pPr>
-            <a:r>
-              <a:rPr lang="ja-JP" altLang="en-US" dirty="0">
-                <a:solidFill>
-                  <a:schemeClr val="bg1">
-                    <a:lumMod val="75000"/>
-                  </a:schemeClr>
-                </a:solidFill>
-              </a:rPr>
-              <a:t>要素技術</a:t>
-            </a:r>
-            <a:endParaRPr lang="en-US" altLang="ja-JP" dirty="0">
-              <a:solidFill>
-                <a:schemeClr val="bg1">
-                  <a:lumMod val="75000"/>
-                </a:schemeClr>
-              </a:solidFill>
-            </a:endParaRPr>
-          </a:p>
-          <a:p>
-            <a:pPr marL="742950" indent="-742950">
-              <a:buFont typeface="+mj-lt"/>
-              <a:buAutoNum type="arabicPeriod"/>
-            </a:pPr>
-            <a:r>
-              <a:rPr lang="ja-JP" altLang="en-US" dirty="0">
-                <a:solidFill>
-                  <a:schemeClr val="bg1">
-                    <a:lumMod val="75000"/>
-                  </a:schemeClr>
-                </a:solidFill>
-              </a:rPr>
-              <a:t>問題</a:t>
-            </a:r>
-            <a:endParaRPr lang="en-US" altLang="ja-JP" dirty="0">
-              <a:solidFill>
-                <a:schemeClr val="bg1">
-                  <a:lumMod val="75000"/>
-                </a:schemeClr>
-              </a:solidFill>
-            </a:endParaRPr>
-          </a:p>
-          <a:p>
-            <a:pPr marL="742950" indent="-742950">
-              <a:buFont typeface="+mj-lt"/>
-              <a:buAutoNum type="arabicPeriod"/>
-            </a:pPr>
-            <a:r>
-              <a:rPr kumimoji="1" lang="ja-JP" altLang="en-US" dirty="0">
-                <a:solidFill>
-                  <a:schemeClr val="bg1">
-                    <a:lumMod val="75000"/>
-                  </a:schemeClr>
-                </a:solidFill>
-              </a:rPr>
-              <a:t>手法１</a:t>
-            </a:r>
-            <a:endParaRPr kumimoji="1" lang="en-US" altLang="ja-JP" dirty="0">
-              <a:solidFill>
-                <a:schemeClr val="bg1">
-                  <a:lumMod val="75000"/>
-                </a:schemeClr>
-              </a:solidFill>
-            </a:endParaRPr>
-          </a:p>
-          <a:p>
-            <a:pPr marL="742950" indent="-742950">
-              <a:buFont typeface="+mj-lt"/>
-              <a:buAutoNum type="arabicPeriod"/>
-            </a:pPr>
-            <a:r>
-              <a:rPr lang="ja-JP" altLang="en-US" dirty="0"/>
-              <a:t>手法２</a:t>
-            </a:r>
-            <a:r>
-              <a:rPr lang="en-US" altLang="ja-JP" dirty="0"/>
-              <a:t>(GA)</a:t>
-            </a:r>
-          </a:p>
-          <a:p>
-            <a:pPr marL="742950" indent="-742950">
-              <a:buFont typeface="+mj-lt"/>
-              <a:buAutoNum type="arabicPeriod"/>
-            </a:pPr>
-            <a:r>
-              <a:rPr kumimoji="1" lang="ja-JP" altLang="en-US" dirty="0">
-                <a:solidFill>
-                  <a:schemeClr val="bg1">
-                    <a:lumMod val="75000"/>
-                  </a:schemeClr>
-                </a:solidFill>
-              </a:rPr>
-              <a:t>まとめと今後の課題</a:t>
-            </a:r>
-          </a:p>
-        </p:txBody>
-      </p:sp>
-      <p:sp>
-        <p:nvSpPr>
-          <p:cNvPr id="4" name="スライド番号プレースホルダー 3">
-            <a:extLst>
-              <a:ext uri="{FF2B5EF4-FFF2-40B4-BE49-F238E27FC236}">
-                <a16:creationId xmlns:a16="http://schemas.microsoft.com/office/drawing/2014/main" id="{35C788A5-E800-4B67-8212-144F12E0C41A}"/>
+                <a16:creationId xmlns:a16="http://schemas.microsoft.com/office/drawing/2014/main" id="{0B3C2E9D-0858-4A34-8898-41EF151E398D}"/>
               </a:ext>
             </a:extLst>
           </p:cNvPr>
@@ -21490,10 +23644,46 @@
           </a:p>
         </p:txBody>
       </p:sp>
+      <p:pic>
+        <p:nvPicPr>
+          <p:cNvPr id="8" name="図 7">
+            <a:extLst>
+              <a:ext uri="{FF2B5EF4-FFF2-40B4-BE49-F238E27FC236}">
+                <a16:creationId xmlns:a16="http://schemas.microsoft.com/office/drawing/2014/main" id="{A46D0757-8094-4D57-88BE-CA8305C12837}"/>
+              </a:ext>
+            </a:extLst>
+          </p:cNvPr>
+          <p:cNvPicPr>
+            <a:picLocks noChangeAspect="1"/>
+          </p:cNvPicPr>
+          <p:nvPr/>
+        </p:nvPicPr>
+        <p:blipFill>
+          <a:blip r:embed="rId2">
+            <a:extLst>
+              <a:ext uri="{28A0092B-C50C-407E-A947-70E740481C1C}">
+                <a14:useLocalDpi xmlns:a14="http://schemas.microsoft.com/office/drawing/2010/main" val="0"/>
+              </a:ext>
+            </a:extLst>
+          </a:blip>
+          <a:stretch>
+            <a:fillRect/>
+          </a:stretch>
+        </p:blipFill>
+        <p:spPr>
+          <a:xfrm>
+            <a:off x="1758383" y="1764921"/>
+            <a:ext cx="4979534" cy="3328158"/>
+          </a:xfrm>
+          <a:prstGeom prst="rect">
+            <a:avLst/>
+          </a:prstGeom>
+        </p:spPr>
+      </p:pic>
     </p:spTree>
     <p:extLst>
       <p:ext uri="{BB962C8B-B14F-4D97-AF65-F5344CB8AC3E}">
-        <p14:creationId xmlns:p14="http://schemas.microsoft.com/office/powerpoint/2010/main" val="2304643826"/>
+        <p14:creationId xmlns:p14="http://schemas.microsoft.com/office/powerpoint/2010/main" val="3580956942"/>
       </p:ext>
     </p:extLst>
   </p:cSld>
@@ -21522,6 +23712,69 @@
       </p:grpSpPr>
       <p:sp>
         <p:nvSpPr>
+          <p:cNvPr id="10" name="コンテンツ プレースホルダー 9">
+            <a:extLst>
+              <a:ext uri="{FF2B5EF4-FFF2-40B4-BE49-F238E27FC236}">
+                <a16:creationId xmlns:a16="http://schemas.microsoft.com/office/drawing/2014/main" id="{F21E5DB1-D712-4DB7-87D4-ABF7C8D51C7F}"/>
+              </a:ext>
+            </a:extLst>
+          </p:cNvPr>
+          <p:cNvSpPr>
+            <a:spLocks noGrp="1"/>
+          </p:cNvSpPr>
+          <p:nvPr>
+            <p:ph idx="1"/>
+          </p:nvPr>
+        </p:nvSpPr>
+        <p:spPr>
+          <a:xfrm>
+            <a:off x="706582" y="5276850"/>
+            <a:ext cx="7660178" cy="916124"/>
+          </a:xfrm>
+        </p:spPr>
+        <p:txBody>
+          <a:bodyPr>
+            <a:normAutofit fontScale="77500" lnSpcReduction="20000"/>
+          </a:bodyPr>
+          <a:lstStyle/>
+          <a:p>
+            <a:pPr algn="ctr"/>
+            <a:r>
+              <a:rPr lang="ja-JP" altLang="en-US" dirty="0"/>
+              <a:t>手法 </a:t>
+            </a:r>
+            <a:r>
+              <a:rPr lang="en-US" altLang="ja-JP" dirty="0"/>
+              <a:t>A : 94.02 % (random+0.35%) </a:t>
+            </a:r>
+          </a:p>
+          <a:p>
+            <a:pPr algn="ctr"/>
+            <a:r>
+              <a:rPr lang="ja-JP" altLang="en-US" dirty="0"/>
+              <a:t>手法 </a:t>
+            </a:r>
+            <a:r>
+              <a:rPr lang="en-US" altLang="ja-JP" dirty="0"/>
+              <a:t>B</a:t>
+            </a:r>
+            <a:r>
+              <a:rPr lang="ja-JP" altLang="en-US" dirty="0"/>
+              <a:t> </a:t>
+            </a:r>
+            <a:r>
+              <a:rPr lang="en-US" altLang="ja-JP" dirty="0"/>
+              <a:t>: 93.93 % (random+0.46%)</a:t>
+            </a:r>
+            <a:endParaRPr lang="ja-JP" altLang="en-US" dirty="0"/>
+          </a:p>
+          <a:p>
+            <a:endParaRPr lang="ja-JP" altLang="en-US" dirty="0"/>
+          </a:p>
+        </p:txBody>
+      </p:sp>
+      <p:sp>
+        <p:nvSpPr>
           <p:cNvPr id="2" name="タイトル 1">
             <a:extLst>
               <a:ext uri="{FF2B5EF4-FFF2-40B4-BE49-F238E27FC236}">
@@ -21547,135 +23800,12 @@
             </a:r>
             <a:r>
               <a:rPr kumimoji="1" lang="en-US" altLang="ja-JP" dirty="0"/>
-              <a:t>2 </a:t>
+              <a:t>1 </a:t>
             </a:r>
             <a:r>
               <a:rPr kumimoji="1" lang="ja-JP" altLang="en-US" dirty="0"/>
-              <a:t>： 提案手法</a:t>
-            </a:r>
-          </a:p>
-        </p:txBody>
-      </p:sp>
-      <p:sp>
-        <p:nvSpPr>
-          <p:cNvPr id="3" name="コンテンツ プレースホルダー 2">
-            <a:extLst>
-              <a:ext uri="{FF2B5EF4-FFF2-40B4-BE49-F238E27FC236}">
-                <a16:creationId xmlns:a16="http://schemas.microsoft.com/office/drawing/2014/main" id="{16CD0B30-B81C-48A7-AD69-55ECEFD9088C}"/>
-              </a:ext>
-            </a:extLst>
-          </p:cNvPr>
-          <p:cNvSpPr>
-            <a:spLocks noGrp="1"/>
-          </p:cNvSpPr>
-          <p:nvPr>
-            <p:ph idx="1"/>
-          </p:nvPr>
-        </p:nvSpPr>
-        <p:spPr/>
-        <p:txBody>
-          <a:bodyPr>
-            <a:normAutofit lnSpcReduction="10000"/>
-          </a:bodyPr>
-          <a:lstStyle/>
-          <a:p>
-            <a:r>
-              <a:rPr lang="ja-JP" altLang="en-US" dirty="0"/>
-              <a:t>実験 </a:t>
-            </a:r>
-            <a:r>
-              <a:rPr lang="en-US" altLang="ja-JP" dirty="0"/>
-              <a:t>1 </a:t>
-            </a:r>
-            <a:r>
-              <a:rPr lang="ja-JP" altLang="en-US" dirty="0"/>
-              <a:t>では </a:t>
-            </a:r>
-            <a:r>
-              <a:rPr lang="en-US" altLang="ja-JP" dirty="0"/>
-              <a:t>α </a:t>
-            </a:r>
-            <a:r>
-              <a:rPr lang="ja-JP" altLang="en-US" dirty="0"/>
-              <a:t>の学習度によって重み </a:t>
-            </a:r>
-            <a:r>
-              <a:rPr lang="en-US" altLang="ja-JP" dirty="0"/>
-              <a:t>w </a:t>
-            </a:r>
-            <a:r>
-              <a:rPr lang="ja-JP" altLang="en-US" dirty="0"/>
-              <a:t>の学習しや </a:t>
-            </a:r>
-            <a:r>
-              <a:rPr lang="ja-JP" altLang="en-US" dirty="0" err="1"/>
-              <a:t>すさに</a:t>
-            </a:r>
-            <a:r>
-              <a:rPr lang="ja-JP" altLang="en-US" dirty="0"/>
-              <a:t>偏りがあったため</a:t>
-            </a:r>
-            <a:r>
-              <a:rPr lang="en-US" altLang="ja-JP" dirty="0"/>
-              <a:t>, </a:t>
-            </a:r>
-            <a:r>
-              <a:rPr lang="ja-JP" altLang="en-US" dirty="0"/>
-              <a:t>収束するグラフ構造に</a:t>
-            </a:r>
-            <a:r>
-              <a:rPr lang="ja-JP" altLang="en-US" dirty="0" err="1"/>
-              <a:t>ばらつ</a:t>
-            </a:r>
-            <a:r>
-              <a:rPr lang="ja-JP" altLang="en-US" dirty="0"/>
-              <a:t> きが見られた</a:t>
-            </a:r>
-            <a:r>
-              <a:rPr lang="en-US" altLang="ja-JP" dirty="0"/>
-              <a:t>. </a:t>
-            </a:r>
-            <a:r>
-              <a:rPr lang="ja-JP" altLang="en-US" dirty="0"/>
-              <a:t>そこで個体表現を </a:t>
-            </a:r>
-            <a:r>
-              <a:rPr lang="en-US" altLang="ja-JP" dirty="0"/>
-              <a:t>α </a:t>
-            </a:r>
-            <a:r>
-              <a:rPr lang="ja-JP" altLang="en-US" dirty="0"/>
-              <a:t>とした遺伝的アルゴリズムに よって</a:t>
-            </a:r>
-            <a:r>
-              <a:rPr lang="en-US" altLang="ja-JP" dirty="0"/>
-              <a:t>, </a:t>
-            </a:r>
-            <a:r>
-              <a:rPr lang="ja-JP" altLang="en-US" dirty="0"/>
-              <a:t>アーキテクチャの多様性を維持しつつ</a:t>
-            </a:r>
-            <a:r>
-              <a:rPr lang="en-US" altLang="ja-JP" dirty="0"/>
-              <a:t>, </a:t>
-            </a:r>
-            <a:r>
-              <a:rPr lang="ja-JP" altLang="en-US" dirty="0"/>
-              <a:t>安定的 なネットワーク構造の学習を図った</a:t>
-            </a:r>
-            <a:r>
-              <a:rPr lang="en-US" altLang="ja-JP" dirty="0"/>
-              <a:t>. </a:t>
-            </a:r>
-            <a:r>
-              <a:rPr lang="ja-JP" altLang="en-US" dirty="0"/>
-              <a:t>各パラメータ集合の学習ステップを分離し個体間で 不平等がないように設計した</a:t>
-            </a:r>
-            <a:r>
-              <a:rPr lang="en-US" altLang="ja-JP" dirty="0"/>
-              <a:t>.</a:t>
-            </a:r>
-            <a:endParaRPr kumimoji="1" lang="ja-JP" altLang="en-US" dirty="0"/>
+              <a:t>： 結果</a:t>
+            </a:r>
           </a:p>
         </p:txBody>
       </p:sp>
@@ -21708,10 +23838,46 @@
           </a:p>
         </p:txBody>
       </p:sp>
+      <p:pic>
+        <p:nvPicPr>
+          <p:cNvPr id="8" name="図 7">
+            <a:extLst>
+              <a:ext uri="{FF2B5EF4-FFF2-40B4-BE49-F238E27FC236}">
+                <a16:creationId xmlns:a16="http://schemas.microsoft.com/office/drawing/2014/main" id="{A46D0757-8094-4D57-88BE-CA8305C12837}"/>
+              </a:ext>
+            </a:extLst>
+          </p:cNvPr>
+          <p:cNvPicPr>
+            <a:picLocks noChangeAspect="1"/>
+          </p:cNvPicPr>
+          <p:nvPr/>
+        </p:nvPicPr>
+        <p:blipFill>
+          <a:blip r:embed="rId2">
+            <a:extLst>
+              <a:ext uri="{28A0092B-C50C-407E-A947-70E740481C1C}">
+                <a14:useLocalDpi xmlns:a14="http://schemas.microsoft.com/office/drawing/2010/main" val="0"/>
+              </a:ext>
+            </a:extLst>
+          </a:blip>
+          <a:stretch>
+            <a:fillRect/>
+          </a:stretch>
+        </p:blipFill>
+        <p:spPr>
+          <a:xfrm>
+            <a:off x="1758383" y="1764921"/>
+            <a:ext cx="4979534" cy="3328158"/>
+          </a:xfrm>
+          <a:prstGeom prst="rect">
+            <a:avLst/>
+          </a:prstGeom>
+        </p:spPr>
+      </p:pic>
     </p:spTree>
     <p:extLst>
       <p:ext uri="{BB962C8B-B14F-4D97-AF65-F5344CB8AC3E}">
-        <p14:creationId xmlns:p14="http://schemas.microsoft.com/office/powerpoint/2010/main" val="3583239127"/>
+        <p14:creationId xmlns:p14="http://schemas.microsoft.com/office/powerpoint/2010/main" val="1314727792"/>
       </p:ext>
     </p:extLst>
   </p:cSld>
@@ -21765,254 +23931,50 @@
             </a:r>
             <a:r>
               <a:rPr kumimoji="1" lang="en-US" altLang="ja-JP" dirty="0"/>
-              <a:t>2 </a:t>
+              <a:t>1 </a:t>
             </a:r>
             <a:r>
               <a:rPr kumimoji="1" lang="ja-JP" altLang="en-US" dirty="0"/>
-              <a:t>： 提案手法</a:t>
+              <a:t>： 結果</a:t>
             </a:r>
           </a:p>
         </p:txBody>
       </p:sp>
-      <p:sp>
-        <p:nvSpPr>
-          <p:cNvPr id="3" name="コンテンツ プレースホルダー 2">
+      <p:pic>
+        <p:nvPicPr>
+          <p:cNvPr id="6" name="コンテンツ プレースホルダー 5">
             <a:extLst>
               <a:ext uri="{FF2B5EF4-FFF2-40B4-BE49-F238E27FC236}">
-                <a16:creationId xmlns:a16="http://schemas.microsoft.com/office/drawing/2014/main" id="{16CD0B30-B81C-48A7-AD69-55ECEFD9088C}"/>
+                <a16:creationId xmlns:a16="http://schemas.microsoft.com/office/drawing/2014/main" id="{54E681B4-8B84-4FF9-BF62-35DFF95D4AD6}"/>
               </a:ext>
             </a:extLst>
           </p:cNvPr>
-          <p:cNvSpPr>
-            <a:spLocks noGrp="1"/>
-          </p:cNvSpPr>
+          <p:cNvPicPr>
+            <a:picLocks noGrp="1" noChangeAspect="1"/>
+          </p:cNvPicPr>
           <p:nvPr>
             <p:ph idx="1"/>
           </p:nvPr>
-        </p:nvSpPr>
-        <p:spPr/>
-        <p:txBody>
-          <a:bodyPr>
-            <a:normAutofit fontScale="92500" lnSpcReduction="10000"/>
-          </a:bodyPr>
-          <a:lstStyle/>
-          <a:p>
-            <a:r>
-              <a:rPr lang="en-US" altLang="ja-JP" dirty="0"/>
-              <a:t>1. </a:t>
-            </a:r>
-            <a:r>
-              <a:rPr lang="ja-JP" altLang="en-US" dirty="0"/>
-              <a:t>一様乱数で初期個体生成 </a:t>
-            </a:r>
-            <a:r>
-              <a:rPr lang="en-US" altLang="ja-JP" dirty="0"/>
-              <a:t>2. </a:t>
-            </a:r>
-            <a:r>
-              <a:rPr lang="ja-JP" altLang="en-US" dirty="0"/>
-              <a:t>重み </a:t>
-            </a:r>
-            <a:r>
-              <a:rPr lang="en-US" altLang="ja-JP" dirty="0"/>
-              <a:t>w </a:t>
-            </a:r>
-            <a:r>
-              <a:rPr lang="ja-JP" altLang="en-US" dirty="0"/>
-              <a:t>を ∇</a:t>
-            </a:r>
-            <a:r>
-              <a:rPr lang="en-US" altLang="ja-JP" dirty="0" err="1"/>
-              <a:t>wLtrain</a:t>
-            </a:r>
-            <a:r>
-              <a:rPr lang="en-US" altLang="ja-JP" dirty="0"/>
-              <a:t>(w ∗ , α¯) </a:t>
-            </a:r>
-            <a:r>
-              <a:rPr lang="ja-JP" altLang="en-US" dirty="0"/>
-              <a:t>で更新 </a:t>
-            </a:r>
-            <a:r>
-              <a:rPr lang="en-US" altLang="ja-JP" dirty="0"/>
-              <a:t>3. </a:t>
-            </a:r>
-            <a:r>
-              <a:rPr lang="ja-JP" altLang="en-US" dirty="0"/>
-              <a:t>個体 </a:t>
-            </a:r>
-            <a:r>
-              <a:rPr lang="en-US" altLang="ja-JP" dirty="0"/>
-              <a:t>α</a:t>
-            </a:r>
-            <a:r>
-              <a:rPr lang="en-US" altLang="ja-JP" dirty="0" err="1"/>
-              <a:t>i</a:t>
-            </a:r>
-            <a:r>
-              <a:rPr lang="en-US" altLang="ja-JP" dirty="0"/>
-              <a:t> </a:t>
-            </a:r>
-            <a:r>
-              <a:rPr lang="ja-JP" altLang="en-US" dirty="0"/>
-              <a:t>を ∇</a:t>
-            </a:r>
-            <a:r>
-              <a:rPr lang="en-US" altLang="ja-JP" dirty="0"/>
-              <a:t>α</a:t>
-            </a:r>
-            <a:r>
-              <a:rPr lang="en-US" altLang="ja-JP" dirty="0" err="1"/>
-              <a:t>Lvalid</a:t>
-            </a:r>
-            <a:r>
-              <a:rPr lang="en-US" altLang="ja-JP" dirty="0"/>
-              <a:t>(w ∗ , α</a:t>
-            </a:r>
-            <a:r>
-              <a:rPr lang="en-US" altLang="ja-JP" dirty="0" err="1"/>
-              <a:t>i</a:t>
-            </a:r>
-            <a:r>
-              <a:rPr lang="en-US" altLang="ja-JP" dirty="0"/>
-              <a:t>) </a:t>
-            </a:r>
-            <a:r>
-              <a:rPr lang="ja-JP" altLang="en-US" dirty="0"/>
-              <a:t>で更新 </a:t>
-            </a:r>
-            <a:r>
-              <a:rPr lang="en-US" altLang="ja-JP" dirty="0"/>
-              <a:t>4. </a:t>
-            </a:r>
-            <a:r>
-              <a:rPr lang="ja-JP" altLang="en-US" dirty="0"/>
-              <a:t>適応度 </a:t>
-            </a:r>
-            <a:r>
-              <a:rPr lang="en-US" altLang="ja-JP" dirty="0" err="1"/>
-              <a:t>Ltest</a:t>
-            </a:r>
-            <a:r>
-              <a:rPr lang="en-US" altLang="ja-JP" dirty="0"/>
-              <a:t>(w, α</a:t>
-            </a:r>
-            <a:r>
-              <a:rPr lang="en-US" altLang="ja-JP" dirty="0" err="1"/>
-              <a:t>smp</a:t>
-            </a:r>
-            <a:r>
-              <a:rPr lang="en-US" altLang="ja-JP" dirty="0"/>
-              <a:t>) </a:t>
-            </a:r>
-            <a:r>
-              <a:rPr lang="ja-JP" altLang="en-US" dirty="0"/>
-              <a:t>で個体 </a:t>
-            </a:r>
-            <a:r>
-              <a:rPr lang="en-US" altLang="ja-JP" dirty="0"/>
-              <a:t>α </a:t>
-            </a:r>
-            <a:r>
-              <a:rPr lang="ja-JP" altLang="en-US" dirty="0"/>
-              <a:t>を評価・選択 </a:t>
-            </a:r>
-            <a:r>
-              <a:rPr lang="en-US" altLang="ja-JP" dirty="0"/>
-              <a:t>5. </a:t>
-            </a:r>
-            <a:r>
-              <a:rPr lang="ja-JP" altLang="en-US" dirty="0"/>
-              <a:t>交叉・突然変異 </a:t>
-            </a:r>
-            <a:r>
-              <a:rPr lang="en-US" altLang="ja-JP" dirty="0"/>
-              <a:t>6. </a:t>
-            </a:r>
-            <a:r>
-              <a:rPr lang="ja-JP" altLang="en-US" dirty="0"/>
-              <a:t>収束するまで </a:t>
-            </a:r>
-            <a:r>
-              <a:rPr lang="en-US" altLang="ja-JP" dirty="0"/>
-              <a:t>2. </a:t>
-            </a:r>
-            <a:r>
-              <a:rPr lang="ja-JP" altLang="en-US" dirty="0"/>
-              <a:t>に戻る ただし </a:t>
-            </a:r>
-            <a:r>
-              <a:rPr lang="en-US" altLang="ja-JP" dirty="0"/>
-              <a:t>α¯ </a:t>
-            </a:r>
-            <a:r>
-              <a:rPr lang="ja-JP" altLang="en-US" dirty="0"/>
-              <a:t>は各個体の平均</a:t>
-            </a:r>
-            <a:r>
-              <a:rPr lang="en-US" altLang="ja-JP" dirty="0"/>
-              <a:t>, α </a:t>
-            </a:r>
-            <a:r>
-              <a:rPr lang="en-US" altLang="ja-JP" dirty="0" err="1"/>
-              <a:t>smp</a:t>
-            </a:r>
-            <a:r>
-              <a:rPr lang="en-US" altLang="ja-JP" dirty="0"/>
-              <a:t> </a:t>
-            </a:r>
-            <a:r>
-              <a:rPr lang="ja-JP" altLang="en-US" dirty="0"/>
-              <a:t>は実験 </a:t>
-            </a:r>
-            <a:r>
-              <a:rPr lang="en-US" altLang="ja-JP" dirty="0"/>
-              <a:t>1 </a:t>
-            </a:r>
-            <a:r>
-              <a:rPr lang="ja-JP" altLang="en-US" dirty="0"/>
-              <a:t>で有効だった 構成手法 </a:t>
-            </a:r>
-            <a:r>
-              <a:rPr lang="en-US" altLang="ja-JP" dirty="0"/>
-              <a:t>B </a:t>
-            </a:r>
-            <a:r>
-              <a:rPr lang="ja-JP" altLang="en-US" dirty="0"/>
-              <a:t>で隣接行列にサンプリングした </a:t>
-            </a:r>
-            <a:r>
-              <a:rPr lang="en-US" altLang="ja-JP" dirty="0"/>
-              <a:t>α </a:t>
-            </a:r>
-            <a:r>
-              <a:rPr lang="ja-JP" altLang="en-US" dirty="0"/>
-              <a:t>である</a:t>
-            </a:r>
-            <a:r>
-              <a:rPr lang="en-US" altLang="ja-JP" dirty="0"/>
-              <a:t>. </a:t>
-            </a:r>
-            <a:r>
-              <a:rPr lang="ja-JP" altLang="en-US" dirty="0"/>
-              <a:t>学習後最終世代の個体の性能を実験 </a:t>
-            </a:r>
-            <a:r>
-              <a:rPr lang="en-US" altLang="ja-JP" dirty="0"/>
-              <a:t>1 </a:t>
-            </a:r>
-            <a:r>
-              <a:rPr lang="ja-JP" altLang="en-US" dirty="0"/>
-              <a:t>と同じ条件で 評価した</a:t>
-            </a:r>
-            <a:r>
-              <a:rPr lang="en-US" altLang="ja-JP" dirty="0"/>
-              <a:t>.</a:t>
-            </a:r>
-            <a:endParaRPr kumimoji="1" lang="ja-JP" altLang="en-US" dirty="0"/>
-          </a:p>
-        </p:txBody>
-      </p:sp>
+        </p:nvPicPr>
+        <p:blipFill>
+          <a:blip r:embed="rId2">
+            <a:extLst>
+              <a:ext uri="{28A0092B-C50C-407E-A947-70E740481C1C}">
+                <a14:useLocalDpi xmlns:a14="http://schemas.microsoft.com/office/drawing/2010/main" val="0"/>
+              </a:ext>
+            </a:extLst>
+          </a:blip>
+          <a:stretch>
+            <a:fillRect/>
+          </a:stretch>
+        </p:blipFill>
+        <p:spPr>
+          <a:xfrm>
+            <a:off x="1758383" y="1764921"/>
+            <a:ext cx="4979534" cy="3328158"/>
+          </a:xfrm>
+        </p:spPr>
+      </p:pic>
       <p:sp>
         <p:nvSpPr>
           <p:cNvPr id="4" name="スライド番号プレースホルダー 3">
@@ -22042,10 +24004,305 @@
           </a:p>
         </p:txBody>
       </p:sp>
+      <p:sp>
+        <p:nvSpPr>
+          <p:cNvPr id="9" name="コンテンツ プレースホルダー 9">
+            <a:extLst>
+              <a:ext uri="{FF2B5EF4-FFF2-40B4-BE49-F238E27FC236}">
+                <a16:creationId xmlns:a16="http://schemas.microsoft.com/office/drawing/2014/main" id="{BC2ED203-692B-4A53-8214-3B38AF46941A}"/>
+              </a:ext>
+            </a:extLst>
+          </p:cNvPr>
+          <p:cNvSpPr txBox="1">
+            <a:spLocks/>
+          </p:cNvSpPr>
+          <p:nvPr/>
+        </p:nvSpPr>
+        <p:spPr>
+          <a:xfrm>
+            <a:off x="1238250" y="5276850"/>
+            <a:ext cx="7128509" cy="916124"/>
+          </a:xfrm>
+          <a:prstGeom prst="rect">
+            <a:avLst/>
+          </a:prstGeom>
+        </p:spPr>
+        <p:txBody>
+          <a:bodyPr vert="horz" lIns="0" tIns="45720" rIns="0" bIns="45720" rtlCol="0">
+            <a:normAutofit fontScale="77500" lnSpcReduction="20000"/>
+          </a:bodyPr>
+          <a:lstStyle>
+            <a:lvl1pPr marL="0" indent="0" algn="l" defTabSz="914400" rtl="0" eaLnBrk="1" latinLnBrk="0" hangingPunct="1">
+              <a:lnSpc>
+                <a:spcPct val="90000"/>
+              </a:lnSpc>
+              <a:spcBef>
+                <a:spcPts val="1200"/>
+              </a:spcBef>
+              <a:spcAft>
+                <a:spcPts val="200"/>
+              </a:spcAft>
+              <a:buClr>
+                <a:schemeClr val="accent1"/>
+              </a:buClr>
+              <a:buSzPct val="100000"/>
+              <a:buFontTx/>
+              <a:buNone/>
+              <a:defRPr kumimoji="1" sz="3600" kern="1200">
+                <a:solidFill>
+                  <a:schemeClr val="tx1">
+                    <a:lumMod val="75000"/>
+                    <a:lumOff val="25000"/>
+                  </a:schemeClr>
+                </a:solidFill>
+                <a:latin typeface="+mn-ea"/>
+                <a:ea typeface="+mn-ea"/>
+                <a:cs typeface="+mn-cs"/>
+              </a:defRPr>
+            </a:lvl1pPr>
+            <a:lvl2pPr marL="384048" indent="-182880" algn="l" defTabSz="914400" rtl="0" eaLnBrk="1" latinLnBrk="0" hangingPunct="1">
+              <a:lnSpc>
+                <a:spcPct val="90000"/>
+              </a:lnSpc>
+              <a:spcBef>
+                <a:spcPts val="200"/>
+              </a:spcBef>
+              <a:spcAft>
+                <a:spcPts val="400"/>
+              </a:spcAft>
+              <a:buClr>
+                <a:schemeClr val="accent1"/>
+              </a:buClr>
+              <a:buSzPct val="100000"/>
+              <a:buFont typeface="Wingdings" panose="05000000000000000000" pitchFamily="2" charset="2"/>
+              <a:buChar char="u"/>
+              <a:defRPr kumimoji="1" sz="3200" kern="1200">
+                <a:solidFill>
+                  <a:schemeClr val="tx1">
+                    <a:lumMod val="75000"/>
+                    <a:lumOff val="25000"/>
+                  </a:schemeClr>
+                </a:solidFill>
+                <a:latin typeface="+mn-ea"/>
+                <a:ea typeface="+mn-ea"/>
+                <a:cs typeface="+mn-cs"/>
+              </a:defRPr>
+            </a:lvl2pPr>
+            <a:lvl3pPr marL="566928" indent="-182880" algn="l" defTabSz="914400" rtl="0" eaLnBrk="1" latinLnBrk="0" hangingPunct="1">
+              <a:lnSpc>
+                <a:spcPct val="90000"/>
+              </a:lnSpc>
+              <a:spcBef>
+                <a:spcPts val="200"/>
+              </a:spcBef>
+              <a:spcAft>
+                <a:spcPts val="400"/>
+              </a:spcAft>
+              <a:buClr>
+                <a:schemeClr val="accent1"/>
+              </a:buClr>
+              <a:buSzPct val="100000"/>
+              <a:buFont typeface="Wingdings" panose="05000000000000000000" pitchFamily="2" charset="2"/>
+              <a:buChar char="u"/>
+              <a:defRPr kumimoji="1" sz="2400" kern="1200">
+                <a:solidFill>
+                  <a:schemeClr val="tx1">
+                    <a:lumMod val="75000"/>
+                    <a:lumOff val="25000"/>
+                  </a:schemeClr>
+                </a:solidFill>
+                <a:latin typeface="+mn-ea"/>
+                <a:ea typeface="+mn-ea"/>
+                <a:cs typeface="+mn-cs"/>
+              </a:defRPr>
+            </a:lvl3pPr>
+            <a:lvl4pPr marL="749808" indent="-182880" algn="l" defTabSz="914400" rtl="0" eaLnBrk="1" latinLnBrk="0" hangingPunct="1">
+              <a:lnSpc>
+                <a:spcPct val="90000"/>
+              </a:lnSpc>
+              <a:spcBef>
+                <a:spcPts val="200"/>
+              </a:spcBef>
+              <a:spcAft>
+                <a:spcPts val="400"/>
+              </a:spcAft>
+              <a:buClr>
+                <a:schemeClr val="accent1"/>
+              </a:buClr>
+              <a:buSzPct val="100000"/>
+              <a:buFont typeface="Wingdings" panose="05000000000000000000" pitchFamily="2" charset="2"/>
+              <a:buChar char="u"/>
+              <a:defRPr kumimoji="1" sz="2400" kern="1200">
+                <a:solidFill>
+                  <a:schemeClr val="tx1">
+                    <a:lumMod val="75000"/>
+                    <a:lumOff val="25000"/>
+                  </a:schemeClr>
+                </a:solidFill>
+                <a:latin typeface="+mn-ea"/>
+                <a:ea typeface="+mn-ea"/>
+                <a:cs typeface="+mn-cs"/>
+              </a:defRPr>
+            </a:lvl4pPr>
+            <a:lvl5pPr marL="932688" indent="-182880" algn="l" defTabSz="914400" rtl="0" eaLnBrk="1" latinLnBrk="0" hangingPunct="1">
+              <a:lnSpc>
+                <a:spcPct val="90000"/>
+              </a:lnSpc>
+              <a:spcBef>
+                <a:spcPts val="200"/>
+              </a:spcBef>
+              <a:spcAft>
+                <a:spcPts val="400"/>
+              </a:spcAft>
+              <a:buClr>
+                <a:schemeClr val="accent1"/>
+              </a:buClr>
+              <a:buSzPct val="100000"/>
+              <a:buFont typeface="Wingdings" panose="05000000000000000000" pitchFamily="2" charset="2"/>
+              <a:buChar char="u"/>
+              <a:defRPr kumimoji="1" sz="2400" kern="1200">
+                <a:solidFill>
+                  <a:schemeClr val="tx1">
+                    <a:lumMod val="75000"/>
+                    <a:lumOff val="25000"/>
+                  </a:schemeClr>
+                </a:solidFill>
+                <a:latin typeface="+mn-ea"/>
+                <a:ea typeface="+mn-ea"/>
+                <a:cs typeface="+mn-cs"/>
+              </a:defRPr>
+            </a:lvl5pPr>
+            <a:lvl6pPr marL="1100000" indent="-228600" algn="l" defTabSz="914400" rtl="0" eaLnBrk="1" latinLnBrk="0" hangingPunct="1">
+              <a:lnSpc>
+                <a:spcPct val="90000"/>
+              </a:lnSpc>
+              <a:spcBef>
+                <a:spcPts val="200"/>
+              </a:spcBef>
+              <a:spcAft>
+                <a:spcPts val="400"/>
+              </a:spcAft>
+              <a:buClr>
+                <a:schemeClr val="accent1"/>
+              </a:buClr>
+              <a:buFont typeface="Calibri" pitchFamily="34" charset="0"/>
+              <a:buChar char="◦"/>
+              <a:defRPr kumimoji="1" sz="1400" kern="1200">
+                <a:solidFill>
+                  <a:schemeClr val="tx1">
+                    <a:lumMod val="75000"/>
+                    <a:lumOff val="25000"/>
+                  </a:schemeClr>
+                </a:solidFill>
+                <a:latin typeface="+mn-lt"/>
+                <a:ea typeface="+mn-ea"/>
+                <a:cs typeface="+mn-cs"/>
+              </a:defRPr>
+            </a:lvl6pPr>
+            <a:lvl7pPr marL="1300000" indent="-228600" algn="l" defTabSz="914400" rtl="0" eaLnBrk="1" latinLnBrk="0" hangingPunct="1">
+              <a:lnSpc>
+                <a:spcPct val="90000"/>
+              </a:lnSpc>
+              <a:spcBef>
+                <a:spcPts val="200"/>
+              </a:spcBef>
+              <a:spcAft>
+                <a:spcPts val="400"/>
+              </a:spcAft>
+              <a:buClr>
+                <a:schemeClr val="accent1"/>
+              </a:buClr>
+              <a:buFont typeface="Calibri" pitchFamily="34" charset="0"/>
+              <a:buChar char="◦"/>
+              <a:defRPr kumimoji="1" sz="1400" kern="1200">
+                <a:solidFill>
+                  <a:schemeClr val="tx1">
+                    <a:lumMod val="75000"/>
+                    <a:lumOff val="25000"/>
+                  </a:schemeClr>
+                </a:solidFill>
+                <a:latin typeface="+mn-lt"/>
+                <a:ea typeface="+mn-ea"/>
+                <a:cs typeface="+mn-cs"/>
+              </a:defRPr>
+            </a:lvl7pPr>
+            <a:lvl8pPr marL="1500000" indent="-228600" algn="l" defTabSz="914400" rtl="0" eaLnBrk="1" latinLnBrk="0" hangingPunct="1">
+              <a:lnSpc>
+                <a:spcPct val="90000"/>
+              </a:lnSpc>
+              <a:spcBef>
+                <a:spcPts val="200"/>
+              </a:spcBef>
+              <a:spcAft>
+                <a:spcPts val="400"/>
+              </a:spcAft>
+              <a:buClr>
+                <a:schemeClr val="accent1"/>
+              </a:buClr>
+              <a:buFont typeface="Calibri" pitchFamily="34" charset="0"/>
+              <a:buChar char="◦"/>
+              <a:defRPr kumimoji="1" sz="1400" kern="1200">
+                <a:solidFill>
+                  <a:schemeClr val="tx1">
+                    <a:lumMod val="75000"/>
+                    <a:lumOff val="25000"/>
+                  </a:schemeClr>
+                </a:solidFill>
+                <a:latin typeface="+mn-lt"/>
+                <a:ea typeface="+mn-ea"/>
+                <a:cs typeface="+mn-cs"/>
+              </a:defRPr>
+            </a:lvl8pPr>
+            <a:lvl9pPr marL="1700000" indent="-228600" algn="l" defTabSz="914400" rtl="0" eaLnBrk="1" latinLnBrk="0" hangingPunct="1">
+              <a:lnSpc>
+                <a:spcPct val="90000"/>
+              </a:lnSpc>
+              <a:spcBef>
+                <a:spcPts val="200"/>
+              </a:spcBef>
+              <a:spcAft>
+                <a:spcPts val="400"/>
+              </a:spcAft>
+              <a:buClr>
+                <a:schemeClr val="accent1"/>
+              </a:buClr>
+              <a:buFont typeface="Calibri" pitchFamily="34" charset="0"/>
+              <a:buChar char="◦"/>
+              <a:defRPr kumimoji="1" sz="1400" kern="1200">
+                <a:solidFill>
+                  <a:schemeClr val="tx1">
+                    <a:lumMod val="75000"/>
+                    <a:lumOff val="25000"/>
+                  </a:schemeClr>
+                </a:solidFill>
+                <a:latin typeface="+mn-lt"/>
+                <a:ea typeface="+mn-ea"/>
+                <a:cs typeface="+mn-cs"/>
+              </a:defRPr>
+            </a:lvl9pPr>
+          </a:lstStyle>
+          <a:p>
+            <a:r>
+              <a:rPr lang="ja-JP" altLang="en-US" dirty="0"/>
+              <a:t>手法 </a:t>
+            </a:r>
+            <a:r>
+              <a:rPr lang="en-US" altLang="ja-JP" dirty="0"/>
+              <a:t>B</a:t>
+            </a:r>
+          </a:p>
+          <a:p>
+            <a:r>
+              <a:rPr lang="ja-JP" altLang="en-US" dirty="0"/>
+              <a:t>少ないパラメータ数でより有効に探索</a:t>
+            </a:r>
+          </a:p>
+        </p:txBody>
+      </p:sp>
     </p:spTree>
     <p:extLst>
       <p:ext uri="{BB962C8B-B14F-4D97-AF65-F5344CB8AC3E}">
-        <p14:creationId xmlns:p14="http://schemas.microsoft.com/office/powerpoint/2010/main" val="3809229904"/>
+        <p14:creationId xmlns:p14="http://schemas.microsoft.com/office/powerpoint/2010/main" val="64782272"/>
       </p:ext>
     </p:extLst>
   </p:cSld>
@@ -22488,17 +24745,59 @@
               <a:t>実験</a:t>
             </a:r>
             <a:r>
+              <a:rPr kumimoji="1" lang="en-US" altLang="ja-JP" dirty="0"/>
+              <a:t>1 </a:t>
+            </a:r>
+            <a:r>
+              <a:rPr kumimoji="1" lang="ja-JP" altLang="en-US" dirty="0"/>
+              <a:t>： 結果</a:t>
+            </a:r>
+          </a:p>
+        </p:txBody>
+      </p:sp>
+      <p:sp>
+        <p:nvSpPr>
+          <p:cNvPr id="3" name="コンテンツ プレースホルダー 2">
+            <a:extLst>
+              <a:ext uri="{FF2B5EF4-FFF2-40B4-BE49-F238E27FC236}">
+                <a16:creationId xmlns:a16="http://schemas.microsoft.com/office/drawing/2014/main" id="{16CD0B30-B81C-48A7-AD69-55ECEFD9088C}"/>
+              </a:ext>
+            </a:extLst>
+          </p:cNvPr>
+          <p:cNvSpPr>
+            <a:spLocks noGrp="1"/>
+          </p:cNvSpPr>
+          <p:nvPr>
+            <p:ph idx="1"/>
+          </p:nvPr>
+        </p:nvSpPr>
+        <p:spPr/>
+        <p:txBody>
+          <a:bodyPr>
+            <a:normAutofit/>
+          </a:bodyPr>
+          <a:lstStyle/>
+          <a:p>
+            <a:r>
+              <a:rPr kumimoji="1" lang="ja-JP" altLang="en-US" dirty="0"/>
+              <a:t>具体的なアーキテクチャ</a:t>
+            </a:r>
+            <a:endParaRPr kumimoji="1" lang="en-US" altLang="ja-JP" dirty="0"/>
+          </a:p>
+          <a:p>
+            <a:r>
               <a:rPr lang="en-US" altLang="ja-JP" dirty="0"/>
-              <a:t>2</a:t>
-            </a:r>
-            <a:r>
-              <a:rPr kumimoji="1" lang="en-US" altLang="ja-JP" dirty="0"/>
-              <a:t> </a:t>
-            </a:r>
-            <a:r>
-              <a:rPr kumimoji="1" lang="ja-JP" altLang="en-US" dirty="0"/>
-              <a:t>： 設定</a:t>
-            </a:r>
+              <a:t>A</a:t>
+            </a:r>
+            <a:r>
+              <a:rPr lang="ja-JP" altLang="en-US" dirty="0"/>
+              <a:t>：</a:t>
+            </a:r>
+            <a:r>
+              <a:rPr lang="en-US" altLang="ja-JP" dirty="0"/>
+              <a:t>B</a:t>
+            </a:r>
+            <a:endParaRPr kumimoji="1" lang="ja-JP" altLang="en-US" dirty="0"/>
           </a:p>
         </p:txBody>
       </p:sp>
@@ -22526,6 +24825,976 @@
             <a:fld id="{304739FC-810C-4CDC-B60F-21F1951FBC64}" type="slidenum">
               <a:rPr kumimoji="1" lang="ja-JP" altLang="en-US" smtClean="0"/>
               <a:t>40</a:t>
+            </a:fld>
+            <a:endParaRPr kumimoji="1" lang="ja-JP" altLang="en-US"/>
+          </a:p>
+        </p:txBody>
+      </p:sp>
+    </p:spTree>
+    <p:extLst>
+      <p:ext uri="{BB962C8B-B14F-4D97-AF65-F5344CB8AC3E}">
+        <p14:creationId xmlns:p14="http://schemas.microsoft.com/office/powerpoint/2010/main" val="3281284090"/>
+      </p:ext>
+    </p:extLst>
+  </p:cSld>
+  <p:clrMapOvr>
+    <a:masterClrMapping/>
+  </p:clrMapOvr>
+</p:sld>
+</file>
+
+<file path=ppt/slides/slide41.xml><?xml version="1.0" encoding="utf-8"?>
+<p:sld xmlns:a="http://schemas.openxmlformats.org/drawingml/2006/main" xmlns:r="http://schemas.openxmlformats.org/officeDocument/2006/relationships" xmlns:p="http://schemas.openxmlformats.org/presentationml/2006/main">
+  <p:cSld>
+    <p:spTree>
+      <p:nvGrpSpPr>
+        <p:cNvPr id="1" name=""/>
+        <p:cNvGrpSpPr/>
+        <p:nvPr/>
+      </p:nvGrpSpPr>
+      <p:grpSpPr>
+        <a:xfrm>
+          <a:off x="0" y="0"/>
+          <a:ext cx="0" cy="0"/>
+          <a:chOff x="0" y="0"/>
+          <a:chExt cx="0" cy="0"/>
+        </a:xfrm>
+      </p:grpSpPr>
+      <p:sp>
+        <p:nvSpPr>
+          <p:cNvPr id="2" name="タイトル 1">
+            <a:extLst>
+              <a:ext uri="{FF2B5EF4-FFF2-40B4-BE49-F238E27FC236}">
+                <a16:creationId xmlns:a16="http://schemas.microsoft.com/office/drawing/2014/main" id="{99A71CDC-97C2-465F-8B9B-AE9D55104F50}"/>
+              </a:ext>
+            </a:extLst>
+          </p:cNvPr>
+          <p:cNvSpPr>
+            <a:spLocks noGrp="1"/>
+          </p:cNvSpPr>
+          <p:nvPr>
+            <p:ph type="title"/>
+          </p:nvPr>
+        </p:nvSpPr>
+        <p:spPr/>
+        <p:txBody>
+          <a:bodyPr/>
+          <a:lstStyle/>
+          <a:p>
+            <a:r>
+              <a:rPr kumimoji="1" lang="ja-JP" altLang="en-US" dirty="0"/>
+              <a:t>発表の流れ</a:t>
+            </a:r>
+          </a:p>
+        </p:txBody>
+      </p:sp>
+      <p:sp>
+        <p:nvSpPr>
+          <p:cNvPr id="3" name="コンテンツ プレースホルダー 2">
+            <a:extLst>
+              <a:ext uri="{FF2B5EF4-FFF2-40B4-BE49-F238E27FC236}">
+                <a16:creationId xmlns:a16="http://schemas.microsoft.com/office/drawing/2014/main" id="{EA6F3566-9A84-4DED-A27B-A69CD8CF6C57}"/>
+              </a:ext>
+            </a:extLst>
+          </p:cNvPr>
+          <p:cNvSpPr>
+            <a:spLocks noGrp="1"/>
+          </p:cNvSpPr>
+          <p:nvPr>
+            <p:ph idx="1"/>
+          </p:nvPr>
+        </p:nvSpPr>
+        <p:spPr>
+          <a:xfrm>
+            <a:off x="822959" y="1661049"/>
+            <a:ext cx="7543801" cy="4531925"/>
+          </a:xfrm>
+        </p:spPr>
+        <p:txBody>
+          <a:bodyPr/>
+          <a:lstStyle/>
+          <a:p>
+            <a:pPr marL="742950" indent="-742950">
+              <a:buFont typeface="+mj-lt"/>
+              <a:buAutoNum type="arabicPeriod"/>
+            </a:pPr>
+            <a:r>
+              <a:rPr kumimoji="1" lang="ja-JP" altLang="en-US" dirty="0">
+                <a:solidFill>
+                  <a:schemeClr val="bg1">
+                    <a:lumMod val="75000"/>
+                  </a:schemeClr>
+                </a:solidFill>
+              </a:rPr>
+              <a:t>はじめに</a:t>
+            </a:r>
+            <a:endParaRPr kumimoji="1" lang="en-US" altLang="ja-JP" dirty="0">
+              <a:solidFill>
+                <a:schemeClr val="bg1">
+                  <a:lumMod val="75000"/>
+                </a:schemeClr>
+              </a:solidFill>
+            </a:endParaRPr>
+          </a:p>
+          <a:p>
+            <a:pPr marL="742950" indent="-742950">
+              <a:buFont typeface="+mj-lt"/>
+              <a:buAutoNum type="arabicPeriod"/>
+            </a:pPr>
+            <a:r>
+              <a:rPr lang="ja-JP" altLang="en-US" dirty="0">
+                <a:solidFill>
+                  <a:schemeClr val="bg1">
+                    <a:lumMod val="75000"/>
+                  </a:schemeClr>
+                </a:solidFill>
+              </a:rPr>
+              <a:t>要素技術</a:t>
+            </a:r>
+            <a:endParaRPr lang="en-US" altLang="ja-JP" dirty="0">
+              <a:solidFill>
+                <a:schemeClr val="bg1">
+                  <a:lumMod val="75000"/>
+                </a:schemeClr>
+              </a:solidFill>
+            </a:endParaRPr>
+          </a:p>
+          <a:p>
+            <a:pPr marL="742950" indent="-742950">
+              <a:buFont typeface="+mj-lt"/>
+              <a:buAutoNum type="arabicPeriod"/>
+            </a:pPr>
+            <a:r>
+              <a:rPr lang="ja-JP" altLang="en-US" dirty="0">
+                <a:solidFill>
+                  <a:schemeClr val="bg1">
+                    <a:lumMod val="75000"/>
+                  </a:schemeClr>
+                </a:solidFill>
+              </a:rPr>
+              <a:t>問題</a:t>
+            </a:r>
+            <a:endParaRPr lang="en-US" altLang="ja-JP" dirty="0">
+              <a:solidFill>
+                <a:schemeClr val="bg1">
+                  <a:lumMod val="75000"/>
+                </a:schemeClr>
+              </a:solidFill>
+            </a:endParaRPr>
+          </a:p>
+          <a:p>
+            <a:pPr marL="742950" indent="-742950">
+              <a:buFont typeface="+mj-lt"/>
+              <a:buAutoNum type="arabicPeriod"/>
+            </a:pPr>
+            <a:r>
+              <a:rPr kumimoji="1" lang="ja-JP" altLang="en-US" dirty="0">
+                <a:solidFill>
+                  <a:schemeClr val="bg1">
+                    <a:lumMod val="75000"/>
+                  </a:schemeClr>
+                </a:solidFill>
+              </a:rPr>
+              <a:t>手法１</a:t>
+            </a:r>
+            <a:endParaRPr kumimoji="1" lang="en-US" altLang="ja-JP" dirty="0">
+              <a:solidFill>
+                <a:schemeClr val="bg1">
+                  <a:lumMod val="75000"/>
+                </a:schemeClr>
+              </a:solidFill>
+            </a:endParaRPr>
+          </a:p>
+          <a:p>
+            <a:pPr marL="742950" indent="-742950">
+              <a:buFont typeface="+mj-lt"/>
+              <a:buAutoNum type="arabicPeriod"/>
+            </a:pPr>
+            <a:r>
+              <a:rPr lang="ja-JP" altLang="en-US" dirty="0"/>
+              <a:t>手法２</a:t>
+            </a:r>
+            <a:r>
+              <a:rPr lang="en-US" altLang="ja-JP" dirty="0"/>
+              <a:t>(GA)</a:t>
+            </a:r>
+          </a:p>
+          <a:p>
+            <a:pPr marL="742950" indent="-742950">
+              <a:buFont typeface="+mj-lt"/>
+              <a:buAutoNum type="arabicPeriod"/>
+            </a:pPr>
+            <a:r>
+              <a:rPr kumimoji="1" lang="ja-JP" altLang="en-US" dirty="0">
+                <a:solidFill>
+                  <a:schemeClr val="bg1">
+                    <a:lumMod val="75000"/>
+                  </a:schemeClr>
+                </a:solidFill>
+              </a:rPr>
+              <a:t>まとめと今後の課題</a:t>
+            </a:r>
+          </a:p>
+        </p:txBody>
+      </p:sp>
+      <p:sp>
+        <p:nvSpPr>
+          <p:cNvPr id="4" name="スライド番号プレースホルダー 3">
+            <a:extLst>
+              <a:ext uri="{FF2B5EF4-FFF2-40B4-BE49-F238E27FC236}">
+                <a16:creationId xmlns:a16="http://schemas.microsoft.com/office/drawing/2014/main" id="{35C788A5-E800-4B67-8212-144F12E0C41A}"/>
+              </a:ext>
+            </a:extLst>
+          </p:cNvPr>
+          <p:cNvSpPr>
+            <a:spLocks noGrp="1"/>
+          </p:cNvSpPr>
+          <p:nvPr>
+            <p:ph type="sldNum" sz="quarter" idx="12"/>
+          </p:nvPr>
+        </p:nvSpPr>
+        <p:spPr/>
+        <p:txBody>
+          <a:bodyPr/>
+          <a:lstStyle/>
+          <a:p>
+            <a:fld id="{304739FC-810C-4CDC-B60F-21F1951FBC64}" type="slidenum">
+              <a:rPr kumimoji="1" lang="ja-JP" altLang="en-US" smtClean="0"/>
+              <a:t>41</a:t>
+            </a:fld>
+            <a:endParaRPr kumimoji="1" lang="ja-JP" altLang="en-US"/>
+          </a:p>
+        </p:txBody>
+      </p:sp>
+    </p:spTree>
+    <p:extLst>
+      <p:ext uri="{BB962C8B-B14F-4D97-AF65-F5344CB8AC3E}">
+        <p14:creationId xmlns:p14="http://schemas.microsoft.com/office/powerpoint/2010/main" val="2304643826"/>
+      </p:ext>
+    </p:extLst>
+  </p:cSld>
+  <p:clrMapOvr>
+    <a:masterClrMapping/>
+  </p:clrMapOvr>
+</p:sld>
+</file>
+
+<file path=ppt/slides/slide42.xml><?xml version="1.0" encoding="utf-8"?>
+<p:sld xmlns:a="http://schemas.openxmlformats.org/drawingml/2006/main" xmlns:r="http://schemas.openxmlformats.org/officeDocument/2006/relationships" xmlns:p="http://schemas.openxmlformats.org/presentationml/2006/main">
+  <p:cSld>
+    <p:spTree>
+      <p:nvGrpSpPr>
+        <p:cNvPr id="1" name=""/>
+        <p:cNvGrpSpPr/>
+        <p:nvPr/>
+      </p:nvGrpSpPr>
+      <p:grpSpPr>
+        <a:xfrm>
+          <a:off x="0" y="0"/>
+          <a:ext cx="0" cy="0"/>
+          <a:chOff x="0" y="0"/>
+          <a:chExt cx="0" cy="0"/>
+        </a:xfrm>
+      </p:grpSpPr>
+      <p:sp>
+        <p:nvSpPr>
+          <p:cNvPr id="2" name="タイトル 1">
+            <a:extLst>
+              <a:ext uri="{FF2B5EF4-FFF2-40B4-BE49-F238E27FC236}">
+                <a16:creationId xmlns:a16="http://schemas.microsoft.com/office/drawing/2014/main" id="{D46ABB39-F0C4-4941-8AC3-45B843579753}"/>
+              </a:ext>
+            </a:extLst>
+          </p:cNvPr>
+          <p:cNvSpPr>
+            <a:spLocks noGrp="1"/>
+          </p:cNvSpPr>
+          <p:nvPr>
+            <p:ph type="title"/>
+          </p:nvPr>
+        </p:nvSpPr>
+        <p:spPr/>
+        <p:txBody>
+          <a:bodyPr/>
+          <a:lstStyle/>
+          <a:p>
+            <a:r>
+              <a:rPr kumimoji="1" lang="ja-JP" altLang="en-US" dirty="0"/>
+              <a:t>実験</a:t>
+            </a:r>
+            <a:r>
+              <a:rPr kumimoji="1" lang="en-US" altLang="ja-JP" dirty="0"/>
+              <a:t>2 </a:t>
+            </a:r>
+            <a:r>
+              <a:rPr kumimoji="1" lang="ja-JP" altLang="en-US" dirty="0"/>
+              <a:t>： 提案手法</a:t>
+            </a:r>
+          </a:p>
+        </p:txBody>
+      </p:sp>
+      <mc:AlternateContent xmlns:mc="http://schemas.openxmlformats.org/markup-compatibility/2006">
+        <mc:Choice xmlns:a14="http://schemas.microsoft.com/office/drawing/2010/main" Requires="a14">
+          <p:sp>
+            <p:nvSpPr>
+              <p:cNvPr id="3" name="コンテンツ プレースホルダー 2">
+                <a:extLst>
+                  <a:ext uri="{FF2B5EF4-FFF2-40B4-BE49-F238E27FC236}">
+                    <a16:creationId xmlns:a16="http://schemas.microsoft.com/office/drawing/2014/main" id="{16CD0B30-B81C-48A7-AD69-55ECEFD9088C}"/>
+                  </a:ext>
+                </a:extLst>
+              </p:cNvPr>
+              <p:cNvSpPr>
+                <a:spLocks noGrp="1"/>
+              </p:cNvSpPr>
+              <p:nvPr>
+                <p:ph idx="1"/>
+              </p:nvPr>
+            </p:nvSpPr>
+            <p:spPr/>
+            <p:txBody>
+              <a:bodyPr>
+                <a:normAutofit/>
+              </a:bodyPr>
+              <a:lstStyle/>
+              <a:p>
+                <a:r>
+                  <a:rPr lang="ja-JP" altLang="en-US" sz="4000" dirty="0"/>
+                  <a:t>遺伝的アルゴリズム</a:t>
+                </a:r>
+                <a:endParaRPr lang="en-US" altLang="ja-JP" sz="4000" dirty="0"/>
+              </a:p>
+              <a:p>
+                <a:r>
+                  <a:rPr lang="ja-JP" altLang="en-US" dirty="0"/>
+                  <a:t>個体表現を</a:t>
+                </a:r>
+                <a14:m>
+                  <m:oMath xmlns:m="http://schemas.openxmlformats.org/officeDocument/2006/math">
+                    <m:r>
+                      <a:rPr lang="ja-JP" altLang="en-US" i="1" dirty="0" smtClean="0">
+                        <a:latin typeface="Cambria Math" panose="02040503050406030204" pitchFamily="18" charset="0"/>
+                      </a:rPr>
+                      <m:t> </m:t>
+                    </m:r>
+                    <m:r>
+                      <a:rPr lang="en-US" altLang="ja-JP" i="1" dirty="0">
+                        <a:latin typeface="Cambria Math" panose="02040503050406030204" pitchFamily="18" charset="0"/>
+                      </a:rPr>
+                      <m:t>𝛼</m:t>
+                    </m:r>
+                    <m:r>
+                      <a:rPr lang="en-US" altLang="ja-JP" i="1" dirty="0">
+                        <a:latin typeface="Cambria Math" panose="02040503050406030204" pitchFamily="18" charset="0"/>
+                      </a:rPr>
+                      <m:t> </m:t>
+                    </m:r>
+                  </m:oMath>
+                </a14:m>
+                <a:endParaRPr lang="en-US" altLang="ja-JP" dirty="0"/>
+              </a:p>
+              <a:p>
+                <a:r>
+                  <a:rPr lang="ja-JP" altLang="en-US" dirty="0"/>
+                  <a:t>アーキテクチャの多様性を維持</a:t>
+                </a:r>
+                <a:endParaRPr lang="en-US" altLang="ja-JP" dirty="0"/>
+              </a:p>
+              <a:p>
+                <a:r>
+                  <a:rPr lang="ja-JP" altLang="en-US" dirty="0"/>
+                  <a:t>安定的な学習</a:t>
+                </a:r>
+                <a:endParaRPr lang="en-US" altLang="ja-JP" dirty="0"/>
+              </a:p>
+              <a:p>
+                <a:r>
+                  <a:rPr lang="ja-JP" altLang="en-US" dirty="0"/>
+                  <a:t>全体で</a:t>
+                </a:r>
+                <a:r>
+                  <a:rPr lang="en-US" altLang="ja-JP" dirty="0"/>
+                  <a:t>1</a:t>
+                </a:r>
+                <a:r>
+                  <a:rPr lang="ja-JP" altLang="en-US" dirty="0" err="1"/>
+                  <a:t>つの</a:t>
+                </a:r>
+                <a:r>
+                  <a:rPr lang="ja-JP" altLang="en-US" dirty="0"/>
+                  <a:t>モデルを共有することで高速化</a:t>
+                </a:r>
+                <a:endParaRPr lang="en-US" altLang="ja-JP" dirty="0"/>
+              </a:p>
+            </p:txBody>
+          </p:sp>
+        </mc:Choice>
+        <mc:Fallback>
+          <p:sp>
+            <p:nvSpPr>
+              <p:cNvPr id="3" name="コンテンツ プレースホルダー 2">
+                <a:extLst>
+                  <a:ext uri="{FF2B5EF4-FFF2-40B4-BE49-F238E27FC236}">
+                    <a16:creationId xmlns:a16="http://schemas.microsoft.com/office/drawing/2014/main" id="{16CD0B30-B81C-48A7-AD69-55ECEFD9088C}"/>
+                  </a:ext>
+                </a:extLst>
+              </p:cNvPr>
+              <p:cNvSpPr>
+                <a:spLocks noGrp="1" noRot="1" noChangeAspect="1" noMove="1" noResize="1" noEditPoints="1" noAdjustHandles="1" noChangeArrowheads="1" noChangeShapeType="1" noTextEdit="1"/>
+              </p:cNvSpPr>
+              <p:nvPr>
+                <p:ph idx="1"/>
+              </p:nvPr>
+            </p:nvSpPr>
+            <p:spPr>
+              <a:blipFill>
+                <a:blip r:embed="rId3"/>
+                <a:stretch>
+                  <a:fillRect l="-4039" t="-3360"/>
+                </a:stretch>
+              </a:blipFill>
+            </p:spPr>
+            <p:txBody>
+              <a:bodyPr/>
+              <a:lstStyle/>
+              <a:p>
+                <a:r>
+                  <a:rPr lang="ja-JP" altLang="en-US">
+                    <a:noFill/>
+                  </a:rPr>
+                  <a:t> </a:t>
+                </a:r>
+              </a:p>
+            </p:txBody>
+          </p:sp>
+        </mc:Fallback>
+      </mc:AlternateContent>
+      <p:sp>
+        <p:nvSpPr>
+          <p:cNvPr id="4" name="スライド番号プレースホルダー 3">
+            <a:extLst>
+              <a:ext uri="{FF2B5EF4-FFF2-40B4-BE49-F238E27FC236}">
+                <a16:creationId xmlns:a16="http://schemas.microsoft.com/office/drawing/2014/main" id="{0B3C2E9D-0858-4A34-8898-41EF151E398D}"/>
+              </a:ext>
+            </a:extLst>
+          </p:cNvPr>
+          <p:cNvSpPr>
+            <a:spLocks noGrp="1"/>
+          </p:cNvSpPr>
+          <p:nvPr>
+            <p:ph type="sldNum" sz="quarter" idx="12"/>
+          </p:nvPr>
+        </p:nvSpPr>
+        <p:spPr/>
+        <p:txBody>
+          <a:bodyPr/>
+          <a:lstStyle/>
+          <a:p>
+            <a:fld id="{304739FC-810C-4CDC-B60F-21F1951FBC64}" type="slidenum">
+              <a:rPr kumimoji="1" lang="ja-JP" altLang="en-US" smtClean="0"/>
+              <a:t>42</a:t>
+            </a:fld>
+            <a:endParaRPr kumimoji="1" lang="ja-JP" altLang="en-US"/>
+          </a:p>
+        </p:txBody>
+      </p:sp>
+    </p:spTree>
+    <p:extLst>
+      <p:ext uri="{BB962C8B-B14F-4D97-AF65-F5344CB8AC3E}">
+        <p14:creationId xmlns:p14="http://schemas.microsoft.com/office/powerpoint/2010/main" val="3583239127"/>
+      </p:ext>
+    </p:extLst>
+  </p:cSld>
+  <p:clrMapOvr>
+    <a:masterClrMapping/>
+  </p:clrMapOvr>
+</p:sld>
+</file>
+
+<file path=ppt/slides/slide43.xml><?xml version="1.0" encoding="utf-8"?>
+<p:sld xmlns:a="http://schemas.openxmlformats.org/drawingml/2006/main" xmlns:r="http://schemas.openxmlformats.org/officeDocument/2006/relationships" xmlns:p="http://schemas.openxmlformats.org/presentationml/2006/main">
+  <p:cSld>
+    <p:spTree>
+      <p:nvGrpSpPr>
+        <p:cNvPr id="1" name=""/>
+        <p:cNvGrpSpPr/>
+        <p:nvPr/>
+      </p:nvGrpSpPr>
+      <p:grpSpPr>
+        <a:xfrm>
+          <a:off x="0" y="0"/>
+          <a:ext cx="0" cy="0"/>
+          <a:chOff x="0" y="0"/>
+          <a:chExt cx="0" cy="0"/>
+        </a:xfrm>
+      </p:grpSpPr>
+      <p:sp>
+        <p:nvSpPr>
+          <p:cNvPr id="2" name="タイトル 1">
+            <a:extLst>
+              <a:ext uri="{FF2B5EF4-FFF2-40B4-BE49-F238E27FC236}">
+                <a16:creationId xmlns:a16="http://schemas.microsoft.com/office/drawing/2014/main" id="{D46ABB39-F0C4-4941-8AC3-45B843579753}"/>
+              </a:ext>
+            </a:extLst>
+          </p:cNvPr>
+          <p:cNvSpPr>
+            <a:spLocks noGrp="1"/>
+          </p:cNvSpPr>
+          <p:nvPr>
+            <p:ph type="title"/>
+          </p:nvPr>
+        </p:nvSpPr>
+        <p:spPr/>
+        <p:txBody>
+          <a:bodyPr/>
+          <a:lstStyle/>
+          <a:p>
+            <a:r>
+              <a:rPr kumimoji="1" lang="ja-JP" altLang="en-US" dirty="0"/>
+              <a:t>実験</a:t>
+            </a:r>
+            <a:r>
+              <a:rPr kumimoji="1" lang="en-US" altLang="ja-JP" dirty="0"/>
+              <a:t>2 </a:t>
+            </a:r>
+            <a:r>
+              <a:rPr kumimoji="1" lang="ja-JP" altLang="en-US" dirty="0"/>
+              <a:t>： 提案手法</a:t>
+            </a:r>
+          </a:p>
+        </p:txBody>
+      </p:sp>
+      <mc:AlternateContent xmlns:mc="http://schemas.openxmlformats.org/markup-compatibility/2006">
+        <mc:Choice xmlns:a14="http://schemas.microsoft.com/office/drawing/2010/main" Requires="a14">
+          <p:sp>
+            <p:nvSpPr>
+              <p:cNvPr id="3" name="コンテンツ プレースホルダー 2">
+                <a:extLst>
+                  <a:ext uri="{FF2B5EF4-FFF2-40B4-BE49-F238E27FC236}">
+                    <a16:creationId xmlns:a16="http://schemas.microsoft.com/office/drawing/2014/main" id="{16CD0B30-B81C-48A7-AD69-55ECEFD9088C}"/>
+                  </a:ext>
+                </a:extLst>
+              </p:cNvPr>
+              <p:cNvSpPr>
+                <a:spLocks noGrp="1"/>
+              </p:cNvSpPr>
+              <p:nvPr>
+                <p:ph idx="1"/>
+              </p:nvPr>
+            </p:nvSpPr>
+            <p:spPr/>
+            <p:txBody>
+              <a:bodyPr>
+                <a:normAutofit fontScale="77500" lnSpcReduction="20000"/>
+              </a:bodyPr>
+              <a:lstStyle/>
+              <a:p>
+                <a:pPr marL="742950" indent="-742950">
+                  <a:buAutoNum type="arabicPeriod"/>
+                </a:pPr>
+                <a:r>
+                  <a:rPr lang="ja-JP" altLang="en-US" dirty="0"/>
+                  <a:t>一様乱数で初期個体生成 </a:t>
+                </a:r>
+                <a:endParaRPr lang="en-US" altLang="ja-JP" dirty="0"/>
+              </a:p>
+              <a:p>
+                <a:pPr marL="742950" indent="-742950">
+                  <a:buAutoNum type="arabicPeriod"/>
+                </a:pPr>
+                <a:r>
+                  <a:rPr lang="ja-JP" altLang="en-US" dirty="0"/>
+                  <a:t>重み </a:t>
+                </a:r>
+                <a14:m>
+                  <m:oMath xmlns:m="http://schemas.openxmlformats.org/officeDocument/2006/math">
+                    <m:r>
+                      <a:rPr lang="en-US" altLang="ja-JP" i="1" dirty="0" smtClean="0">
+                        <a:latin typeface="Cambria Math" panose="02040503050406030204" pitchFamily="18" charset="0"/>
+                      </a:rPr>
+                      <m:t>𝑤</m:t>
+                    </m:r>
+                  </m:oMath>
+                </a14:m>
+                <a:r>
+                  <a:rPr lang="en-US" altLang="ja-JP" dirty="0"/>
+                  <a:t> </a:t>
+                </a:r>
+                <a:r>
+                  <a:rPr lang="ja-JP" altLang="en-US" dirty="0"/>
+                  <a:t>を ∇</a:t>
+                </a:r>
+                <a:r>
+                  <a:rPr lang="en-US" altLang="ja-JP" dirty="0" err="1"/>
+                  <a:t>wLtrain</a:t>
+                </a:r>
+                <a:r>
+                  <a:rPr lang="en-US" altLang="ja-JP" dirty="0"/>
+                  <a:t>(w ∗ , α¯) </a:t>
+                </a:r>
+                <a:r>
+                  <a:rPr lang="ja-JP" altLang="en-US" dirty="0"/>
+                  <a:t>で更新 </a:t>
+                </a:r>
+                <a:endParaRPr lang="en-US" altLang="ja-JP" dirty="0"/>
+              </a:p>
+              <a:p>
+                <a:pPr marL="742950" indent="-742950">
+                  <a:buAutoNum type="arabicPeriod"/>
+                </a:pPr>
+                <a:r>
+                  <a:rPr lang="ja-JP" altLang="en-US" dirty="0"/>
+                  <a:t>個体 </a:t>
+                </a:r>
+                <a14:m>
+                  <m:oMath xmlns:m="http://schemas.openxmlformats.org/officeDocument/2006/math">
+                    <m:sSub>
+                      <m:sSubPr>
+                        <m:ctrlPr>
+                          <a:rPr lang="en-US" altLang="ja-JP" b="0" i="1" dirty="0" smtClean="0">
+                            <a:latin typeface="Cambria Math" panose="02040503050406030204" pitchFamily="18" charset="0"/>
+                          </a:rPr>
+                        </m:ctrlPr>
+                      </m:sSubPr>
+                      <m:e>
+                        <m:r>
+                          <a:rPr lang="en-US" altLang="ja-JP" i="1" dirty="0" smtClean="0">
+                            <a:latin typeface="Cambria Math" panose="02040503050406030204" pitchFamily="18" charset="0"/>
+                          </a:rPr>
+                          <m:t>𝛼</m:t>
+                        </m:r>
+                      </m:e>
+                      <m:sub>
+                        <m:r>
+                          <a:rPr lang="en-US" altLang="ja-JP" i="1" dirty="0" err="1">
+                            <a:latin typeface="Cambria Math" panose="02040503050406030204" pitchFamily="18" charset="0"/>
+                          </a:rPr>
+                          <m:t>𝑖</m:t>
+                        </m:r>
+                      </m:sub>
+                    </m:sSub>
+                  </m:oMath>
+                </a14:m>
+                <a:r>
+                  <a:rPr lang="en-US" altLang="ja-JP" dirty="0"/>
+                  <a:t> </a:t>
+                </a:r>
+                <a:r>
+                  <a:rPr lang="ja-JP" altLang="en-US" dirty="0"/>
+                  <a:t>を ∇</a:t>
+                </a:r>
+                <a:r>
+                  <a:rPr lang="en-US" altLang="ja-JP" dirty="0"/>
+                  <a:t>α</a:t>
+                </a:r>
+                <a:r>
+                  <a:rPr lang="en-US" altLang="ja-JP" dirty="0" err="1"/>
+                  <a:t>Lvalid</a:t>
+                </a:r>
+                <a:r>
+                  <a:rPr lang="en-US" altLang="ja-JP" dirty="0"/>
+                  <a:t>(w ∗ , α</a:t>
+                </a:r>
+                <a:r>
+                  <a:rPr lang="en-US" altLang="ja-JP" dirty="0" err="1"/>
+                  <a:t>i</a:t>
+                </a:r>
+                <a:r>
+                  <a:rPr lang="en-US" altLang="ja-JP" dirty="0"/>
+                  <a:t>) </a:t>
+                </a:r>
+                <a:r>
+                  <a:rPr lang="ja-JP" altLang="en-US" dirty="0"/>
+                  <a:t>で更新 </a:t>
+                </a:r>
+                <a:endParaRPr lang="en-US" altLang="ja-JP" dirty="0"/>
+              </a:p>
+              <a:p>
+                <a:pPr marL="742950" indent="-742950">
+                  <a:buAutoNum type="arabicPeriod"/>
+                </a:pPr>
+                <a:r>
+                  <a:rPr lang="ja-JP" altLang="en-US" dirty="0"/>
+                  <a:t>適応度 </a:t>
+                </a:r>
+                <a:r>
+                  <a:rPr lang="en-US" altLang="ja-JP" dirty="0" err="1"/>
+                  <a:t>Ltest</a:t>
+                </a:r>
+                <a:r>
+                  <a:rPr lang="en-US" altLang="ja-JP" dirty="0"/>
+                  <a:t>(w, α</a:t>
+                </a:r>
+                <a:r>
+                  <a:rPr lang="en-US" altLang="ja-JP" dirty="0" err="1"/>
+                  <a:t>smp</a:t>
+                </a:r>
+                <a:r>
+                  <a:rPr lang="en-US" altLang="ja-JP" dirty="0"/>
+                  <a:t>) </a:t>
+                </a:r>
+                <a:r>
+                  <a:rPr lang="ja-JP" altLang="en-US" dirty="0"/>
+                  <a:t>で個体 </a:t>
+                </a:r>
+                <a14:m>
+                  <m:oMath xmlns:m="http://schemas.openxmlformats.org/officeDocument/2006/math">
+                    <m:r>
+                      <a:rPr lang="en-US" altLang="ja-JP" i="1" dirty="0" smtClean="0">
+                        <a:latin typeface="Cambria Math" panose="02040503050406030204" pitchFamily="18" charset="0"/>
+                      </a:rPr>
+                      <m:t>𝛼</m:t>
+                    </m:r>
+                  </m:oMath>
+                </a14:m>
+                <a:r>
+                  <a:rPr lang="en-US" altLang="ja-JP" dirty="0"/>
+                  <a:t> </a:t>
+                </a:r>
+                <a:r>
+                  <a:rPr lang="ja-JP" altLang="en-US" dirty="0"/>
+                  <a:t>を評価・選択 </a:t>
+                </a:r>
+                <a:endParaRPr lang="en-US" altLang="ja-JP" dirty="0"/>
+              </a:p>
+              <a:p>
+                <a:pPr marL="742950" indent="-742950">
+                  <a:buAutoNum type="arabicPeriod"/>
+                </a:pPr>
+                <a:r>
+                  <a:rPr lang="ja-JP" altLang="en-US" dirty="0"/>
+                  <a:t>交叉・突然変異 </a:t>
+                </a:r>
+                <a:endParaRPr lang="en-US" altLang="ja-JP" dirty="0"/>
+              </a:p>
+              <a:p>
+                <a:pPr marL="742950" indent="-742950">
+                  <a:buAutoNum type="arabicPeriod"/>
+                </a:pPr>
+                <a:r>
+                  <a:rPr lang="ja-JP" altLang="en-US" dirty="0"/>
+                  <a:t>収束するまで </a:t>
+                </a:r>
+                <a:r>
+                  <a:rPr lang="en-US" altLang="ja-JP" dirty="0"/>
+                  <a:t>2. </a:t>
+                </a:r>
+                <a:r>
+                  <a:rPr lang="ja-JP" altLang="en-US" dirty="0"/>
+                  <a:t>に戻る </a:t>
+                </a:r>
+                <a:endParaRPr lang="en-US" altLang="ja-JP" dirty="0"/>
+              </a:p>
+              <a:p>
+                <a:r>
+                  <a:rPr lang="en-US" altLang="ja-JP" dirty="0"/>
+                  <a:t>α¯ </a:t>
+                </a:r>
+                <a:r>
+                  <a:rPr lang="ja-JP" altLang="en-US" dirty="0"/>
+                  <a:t>は各個体の平均</a:t>
+                </a:r>
+                <a:r>
+                  <a:rPr lang="en-US" altLang="ja-JP" dirty="0"/>
+                  <a:t>, </a:t>
+                </a:r>
+              </a:p>
+              <a:p>
+                <a:r>
+                  <a:rPr lang="en-US" altLang="ja-JP" dirty="0"/>
+                  <a:t>α </a:t>
+                </a:r>
+                <a:r>
+                  <a:rPr lang="en-US" altLang="ja-JP" dirty="0" err="1"/>
+                  <a:t>smp</a:t>
+                </a:r>
+                <a:r>
+                  <a:rPr lang="en-US" altLang="ja-JP" dirty="0"/>
+                  <a:t> </a:t>
+                </a:r>
+                <a:r>
+                  <a:rPr lang="ja-JP" altLang="en-US" dirty="0"/>
+                  <a:t>は構成手法 </a:t>
+                </a:r>
+                <a:r>
+                  <a:rPr lang="en-US" altLang="ja-JP" dirty="0"/>
+                  <a:t>B </a:t>
+                </a:r>
+                <a:r>
+                  <a:rPr lang="ja-JP" altLang="en-US" dirty="0"/>
+                  <a:t>で隣接行列にサンプリングした </a:t>
+                </a:r>
+                <a:r>
+                  <a:rPr lang="en-US" altLang="ja-JP" dirty="0"/>
+                  <a:t>α</a:t>
+                </a:r>
+                <a:endParaRPr kumimoji="1" lang="ja-JP" altLang="en-US" dirty="0"/>
+              </a:p>
+            </p:txBody>
+          </p:sp>
+        </mc:Choice>
+        <mc:Fallback>
+          <p:sp>
+            <p:nvSpPr>
+              <p:cNvPr id="3" name="コンテンツ プレースホルダー 2">
+                <a:extLst>
+                  <a:ext uri="{FF2B5EF4-FFF2-40B4-BE49-F238E27FC236}">
+                    <a16:creationId xmlns:a16="http://schemas.microsoft.com/office/drawing/2014/main" id="{16CD0B30-B81C-48A7-AD69-55ECEFD9088C}"/>
+                  </a:ext>
+                </a:extLst>
+              </p:cNvPr>
+              <p:cNvSpPr>
+                <a:spLocks noGrp="1" noRot="1" noChangeAspect="1" noMove="1" noResize="1" noEditPoints="1" noAdjustHandles="1" noChangeArrowheads="1" noChangeShapeType="1" noTextEdit="1"/>
+              </p:cNvSpPr>
+              <p:nvPr>
+                <p:ph idx="1"/>
+              </p:nvPr>
+            </p:nvSpPr>
+            <p:spPr>
+              <a:blipFill>
+                <a:blip r:embed="rId3"/>
+                <a:stretch>
+                  <a:fillRect l="-3554" t="-5511" r="-81"/>
+                </a:stretch>
+              </a:blipFill>
+            </p:spPr>
+            <p:txBody>
+              <a:bodyPr/>
+              <a:lstStyle/>
+              <a:p>
+                <a:r>
+                  <a:rPr lang="ja-JP" altLang="en-US">
+                    <a:noFill/>
+                  </a:rPr>
+                  <a:t> </a:t>
+                </a:r>
+              </a:p>
+            </p:txBody>
+          </p:sp>
+        </mc:Fallback>
+      </mc:AlternateContent>
+      <p:sp>
+        <p:nvSpPr>
+          <p:cNvPr id="4" name="スライド番号プレースホルダー 3">
+            <a:extLst>
+              <a:ext uri="{FF2B5EF4-FFF2-40B4-BE49-F238E27FC236}">
+                <a16:creationId xmlns:a16="http://schemas.microsoft.com/office/drawing/2014/main" id="{0B3C2E9D-0858-4A34-8898-41EF151E398D}"/>
+              </a:ext>
+            </a:extLst>
+          </p:cNvPr>
+          <p:cNvSpPr>
+            <a:spLocks noGrp="1"/>
+          </p:cNvSpPr>
+          <p:nvPr>
+            <p:ph type="sldNum" sz="quarter" idx="12"/>
+          </p:nvPr>
+        </p:nvSpPr>
+        <p:spPr/>
+        <p:txBody>
+          <a:bodyPr/>
+          <a:lstStyle/>
+          <a:p>
+            <a:fld id="{304739FC-810C-4CDC-B60F-21F1951FBC64}" type="slidenum">
+              <a:rPr kumimoji="1" lang="ja-JP" altLang="en-US" smtClean="0"/>
+              <a:t>43</a:t>
+            </a:fld>
+            <a:endParaRPr kumimoji="1" lang="ja-JP" altLang="en-US"/>
+          </a:p>
+        </p:txBody>
+      </p:sp>
+    </p:spTree>
+    <p:extLst>
+      <p:ext uri="{BB962C8B-B14F-4D97-AF65-F5344CB8AC3E}">
+        <p14:creationId xmlns:p14="http://schemas.microsoft.com/office/powerpoint/2010/main" val="3809229904"/>
+      </p:ext>
+    </p:extLst>
+  </p:cSld>
+  <p:clrMapOvr>
+    <a:masterClrMapping/>
+  </p:clrMapOvr>
+</p:sld>
+</file>
+
+<file path=ppt/slides/slide44.xml><?xml version="1.0" encoding="utf-8"?>
+<p:sld xmlns:a="http://schemas.openxmlformats.org/drawingml/2006/main" xmlns:r="http://schemas.openxmlformats.org/officeDocument/2006/relationships" xmlns:p="http://schemas.openxmlformats.org/presentationml/2006/main">
+  <p:cSld>
+    <p:spTree>
+      <p:nvGrpSpPr>
+        <p:cNvPr id="1" name=""/>
+        <p:cNvGrpSpPr/>
+        <p:nvPr/>
+      </p:nvGrpSpPr>
+      <p:grpSpPr>
+        <a:xfrm>
+          <a:off x="0" y="0"/>
+          <a:ext cx="0" cy="0"/>
+          <a:chOff x="0" y="0"/>
+          <a:chExt cx="0" cy="0"/>
+        </a:xfrm>
+      </p:grpSpPr>
+      <p:sp>
+        <p:nvSpPr>
+          <p:cNvPr id="2" name="タイトル 1">
+            <a:extLst>
+              <a:ext uri="{FF2B5EF4-FFF2-40B4-BE49-F238E27FC236}">
+                <a16:creationId xmlns:a16="http://schemas.microsoft.com/office/drawing/2014/main" id="{D46ABB39-F0C4-4941-8AC3-45B843579753}"/>
+              </a:ext>
+            </a:extLst>
+          </p:cNvPr>
+          <p:cNvSpPr>
+            <a:spLocks noGrp="1"/>
+          </p:cNvSpPr>
+          <p:nvPr>
+            <p:ph type="title"/>
+          </p:nvPr>
+        </p:nvSpPr>
+        <p:spPr/>
+        <p:txBody>
+          <a:bodyPr/>
+          <a:lstStyle/>
+          <a:p>
+            <a:r>
+              <a:rPr kumimoji="1" lang="ja-JP" altLang="en-US" dirty="0"/>
+              <a:t>実験</a:t>
+            </a:r>
+            <a:r>
+              <a:rPr lang="en-US" altLang="ja-JP" dirty="0"/>
+              <a:t>2</a:t>
+            </a:r>
+            <a:r>
+              <a:rPr kumimoji="1" lang="en-US" altLang="ja-JP" dirty="0"/>
+              <a:t> </a:t>
+            </a:r>
+            <a:r>
+              <a:rPr kumimoji="1" lang="ja-JP" altLang="en-US" dirty="0"/>
+              <a:t>： 設定</a:t>
+            </a:r>
+          </a:p>
+        </p:txBody>
+      </p:sp>
+      <p:sp>
+        <p:nvSpPr>
+          <p:cNvPr id="4" name="スライド番号プレースホルダー 3">
+            <a:extLst>
+              <a:ext uri="{FF2B5EF4-FFF2-40B4-BE49-F238E27FC236}">
+                <a16:creationId xmlns:a16="http://schemas.microsoft.com/office/drawing/2014/main" id="{0B3C2E9D-0858-4A34-8898-41EF151E398D}"/>
+              </a:ext>
+            </a:extLst>
+          </p:cNvPr>
+          <p:cNvSpPr>
+            <a:spLocks noGrp="1"/>
+          </p:cNvSpPr>
+          <p:nvPr>
+            <p:ph type="sldNum" sz="quarter" idx="12"/>
+          </p:nvPr>
+        </p:nvSpPr>
+        <p:spPr/>
+        <p:txBody>
+          <a:bodyPr/>
+          <a:lstStyle/>
+          <a:p>
+            <a:fld id="{304739FC-810C-4CDC-B60F-21F1951FBC64}" type="slidenum">
+              <a:rPr kumimoji="1" lang="ja-JP" altLang="en-US" smtClean="0"/>
+              <a:t>44</a:t>
             </a:fld>
             <a:endParaRPr kumimoji="1" lang="ja-JP" altLang="en-US"/>
           </a:p>
@@ -22827,7 +26096,7 @@
           <p:nvPr>
             <p:extLst>
               <p:ext uri="{D42A27DB-BD31-4B8C-83A1-F6EECF244321}">
-                <p14:modId xmlns:p14="http://schemas.microsoft.com/office/powerpoint/2010/main" val="2818551140"/>
+                <p14:modId xmlns:p14="http://schemas.microsoft.com/office/powerpoint/2010/main" val="701210555"/>
               </p:ext>
             </p:extLst>
           </p:nvPr>
@@ -22857,14 +26126,14 @@
                     </a:ext>
                   </a:extLst>
                 </a:gridCol>
-                <a:gridCol w="1486824">
+                <a:gridCol w="1304925">
                   <a:extLst>
                     <a:ext uri="{9D8B030D-6E8A-4147-A177-3AD203B41FA5}">
                       <a16:colId xmlns:a16="http://schemas.microsoft.com/office/drawing/2014/main" val="507797195"/>
                     </a:ext>
                   </a:extLst>
                 </a:gridCol>
-                <a:gridCol w="2278725">
+                <a:gridCol w="2460624">
                   <a:extLst>
                     <a:ext uri="{9D8B030D-6E8A-4147-A177-3AD203B41FA5}">
                       <a16:colId xmlns:a16="http://schemas.microsoft.com/office/drawing/2014/main" val="3413056231"/>
@@ -23141,685 +26410,6 @@
 </p:sld>
 </file>
 
-<file path=ppt/slides/slide41.xml><?xml version="1.0" encoding="utf-8"?>
-<p:sld xmlns:a="http://schemas.openxmlformats.org/drawingml/2006/main" xmlns:r="http://schemas.openxmlformats.org/officeDocument/2006/relationships" xmlns:p="http://schemas.openxmlformats.org/presentationml/2006/main">
-  <p:cSld>
-    <p:spTree>
-      <p:nvGrpSpPr>
-        <p:cNvPr id="1" name=""/>
-        <p:cNvGrpSpPr/>
-        <p:nvPr/>
-      </p:nvGrpSpPr>
-      <p:grpSpPr>
-        <a:xfrm>
-          <a:off x="0" y="0"/>
-          <a:ext cx="0" cy="0"/>
-          <a:chOff x="0" y="0"/>
-          <a:chExt cx="0" cy="0"/>
-        </a:xfrm>
-      </p:grpSpPr>
-      <p:sp>
-        <p:nvSpPr>
-          <p:cNvPr id="2" name="タイトル 1">
-            <a:extLst>
-              <a:ext uri="{FF2B5EF4-FFF2-40B4-BE49-F238E27FC236}">
-                <a16:creationId xmlns:a16="http://schemas.microsoft.com/office/drawing/2014/main" id="{D46ABB39-F0C4-4941-8AC3-45B843579753}"/>
-              </a:ext>
-            </a:extLst>
-          </p:cNvPr>
-          <p:cNvSpPr>
-            <a:spLocks noGrp="1"/>
-          </p:cNvSpPr>
-          <p:nvPr>
-            <p:ph type="title"/>
-          </p:nvPr>
-        </p:nvSpPr>
-        <p:spPr/>
-        <p:txBody>
-          <a:bodyPr/>
-          <a:lstStyle/>
-          <a:p>
-            <a:r>
-              <a:rPr kumimoji="1" lang="ja-JP" altLang="en-US" dirty="0"/>
-              <a:t>実験</a:t>
-            </a:r>
-            <a:r>
-              <a:rPr lang="en-US" altLang="ja-JP" dirty="0"/>
-              <a:t>2</a:t>
-            </a:r>
-            <a:r>
-              <a:rPr kumimoji="1" lang="en-US" altLang="ja-JP" dirty="0"/>
-              <a:t> </a:t>
-            </a:r>
-            <a:r>
-              <a:rPr kumimoji="1" lang="ja-JP" altLang="en-US" dirty="0"/>
-              <a:t>： 結果</a:t>
-            </a:r>
-          </a:p>
-        </p:txBody>
-      </p:sp>
-      <p:sp>
-        <p:nvSpPr>
-          <p:cNvPr id="3" name="コンテンツ プレースホルダー 2">
-            <a:extLst>
-              <a:ext uri="{FF2B5EF4-FFF2-40B4-BE49-F238E27FC236}">
-                <a16:creationId xmlns:a16="http://schemas.microsoft.com/office/drawing/2014/main" id="{16CD0B30-B81C-48A7-AD69-55ECEFD9088C}"/>
-              </a:ext>
-            </a:extLst>
-          </p:cNvPr>
-          <p:cNvSpPr>
-            <a:spLocks noGrp="1"/>
-          </p:cNvSpPr>
-          <p:nvPr>
-            <p:ph idx="1"/>
-          </p:nvPr>
-        </p:nvSpPr>
-        <p:spPr/>
-        <p:txBody>
-          <a:bodyPr/>
-          <a:lstStyle/>
-          <a:p>
-            <a:endParaRPr kumimoji="1" lang="ja-JP" altLang="en-US" dirty="0"/>
-          </a:p>
-        </p:txBody>
-      </p:sp>
-      <p:sp>
-        <p:nvSpPr>
-          <p:cNvPr id="4" name="スライド番号プレースホルダー 3">
-            <a:extLst>
-              <a:ext uri="{FF2B5EF4-FFF2-40B4-BE49-F238E27FC236}">
-                <a16:creationId xmlns:a16="http://schemas.microsoft.com/office/drawing/2014/main" id="{0B3C2E9D-0858-4A34-8898-41EF151E398D}"/>
-              </a:ext>
-            </a:extLst>
-          </p:cNvPr>
-          <p:cNvSpPr>
-            <a:spLocks noGrp="1"/>
-          </p:cNvSpPr>
-          <p:nvPr>
-            <p:ph type="sldNum" sz="quarter" idx="12"/>
-          </p:nvPr>
-        </p:nvSpPr>
-        <p:spPr/>
-        <p:txBody>
-          <a:bodyPr/>
-          <a:lstStyle/>
-          <a:p>
-            <a:fld id="{304739FC-810C-4CDC-B60F-21F1951FBC64}" type="slidenum">
-              <a:rPr kumimoji="1" lang="ja-JP" altLang="en-US" smtClean="0"/>
-              <a:t>41</a:t>
-            </a:fld>
-            <a:endParaRPr kumimoji="1" lang="ja-JP" altLang="en-US"/>
-          </a:p>
-        </p:txBody>
-      </p:sp>
-    </p:spTree>
-    <p:extLst>
-      <p:ext uri="{BB962C8B-B14F-4D97-AF65-F5344CB8AC3E}">
-        <p14:creationId xmlns:p14="http://schemas.microsoft.com/office/powerpoint/2010/main" val="1491949379"/>
-      </p:ext>
-    </p:extLst>
-  </p:cSld>
-  <p:clrMapOvr>
-    <a:masterClrMapping/>
-  </p:clrMapOvr>
-</p:sld>
-</file>
-
-<file path=ppt/slides/slide42.xml><?xml version="1.0" encoding="utf-8"?>
-<p:sld xmlns:a="http://schemas.openxmlformats.org/drawingml/2006/main" xmlns:r="http://schemas.openxmlformats.org/officeDocument/2006/relationships" xmlns:p="http://schemas.openxmlformats.org/presentationml/2006/main">
-  <p:cSld>
-    <p:spTree>
-      <p:nvGrpSpPr>
-        <p:cNvPr id="1" name=""/>
-        <p:cNvGrpSpPr/>
-        <p:nvPr/>
-      </p:nvGrpSpPr>
-      <p:grpSpPr>
-        <a:xfrm>
-          <a:off x="0" y="0"/>
-          <a:ext cx="0" cy="0"/>
-          <a:chOff x="0" y="0"/>
-          <a:chExt cx="0" cy="0"/>
-        </a:xfrm>
-      </p:grpSpPr>
-      <p:sp>
-        <p:nvSpPr>
-          <p:cNvPr id="2" name="タイトル 1">
-            <a:extLst>
-              <a:ext uri="{FF2B5EF4-FFF2-40B4-BE49-F238E27FC236}">
-                <a16:creationId xmlns:a16="http://schemas.microsoft.com/office/drawing/2014/main" id="{99A71CDC-97C2-465F-8B9B-AE9D55104F50}"/>
-              </a:ext>
-            </a:extLst>
-          </p:cNvPr>
-          <p:cNvSpPr>
-            <a:spLocks noGrp="1"/>
-          </p:cNvSpPr>
-          <p:nvPr>
-            <p:ph type="title"/>
-          </p:nvPr>
-        </p:nvSpPr>
-        <p:spPr/>
-        <p:txBody>
-          <a:bodyPr/>
-          <a:lstStyle/>
-          <a:p>
-            <a:r>
-              <a:rPr kumimoji="1" lang="ja-JP" altLang="en-US" dirty="0"/>
-              <a:t>発表の流れ</a:t>
-            </a:r>
-          </a:p>
-        </p:txBody>
-      </p:sp>
-      <p:sp>
-        <p:nvSpPr>
-          <p:cNvPr id="3" name="コンテンツ プレースホルダー 2">
-            <a:extLst>
-              <a:ext uri="{FF2B5EF4-FFF2-40B4-BE49-F238E27FC236}">
-                <a16:creationId xmlns:a16="http://schemas.microsoft.com/office/drawing/2014/main" id="{EA6F3566-9A84-4DED-A27B-A69CD8CF6C57}"/>
-              </a:ext>
-            </a:extLst>
-          </p:cNvPr>
-          <p:cNvSpPr>
-            <a:spLocks noGrp="1"/>
-          </p:cNvSpPr>
-          <p:nvPr>
-            <p:ph idx="1"/>
-          </p:nvPr>
-        </p:nvSpPr>
-        <p:spPr>
-          <a:xfrm>
-            <a:off x="822959" y="1661049"/>
-            <a:ext cx="7543801" cy="4531925"/>
-          </a:xfrm>
-        </p:spPr>
-        <p:txBody>
-          <a:bodyPr/>
-          <a:lstStyle/>
-          <a:p>
-            <a:pPr marL="742950" indent="-742950">
-              <a:buFont typeface="+mj-lt"/>
-              <a:buAutoNum type="arabicPeriod"/>
-            </a:pPr>
-            <a:r>
-              <a:rPr kumimoji="1" lang="ja-JP" altLang="en-US" dirty="0">
-                <a:solidFill>
-                  <a:schemeClr val="bg1">
-                    <a:lumMod val="75000"/>
-                  </a:schemeClr>
-                </a:solidFill>
-              </a:rPr>
-              <a:t>はじめに</a:t>
-            </a:r>
-            <a:endParaRPr kumimoji="1" lang="en-US" altLang="ja-JP" dirty="0">
-              <a:solidFill>
-                <a:schemeClr val="bg1">
-                  <a:lumMod val="75000"/>
-                </a:schemeClr>
-              </a:solidFill>
-            </a:endParaRPr>
-          </a:p>
-          <a:p>
-            <a:pPr marL="742950" indent="-742950">
-              <a:buFont typeface="+mj-lt"/>
-              <a:buAutoNum type="arabicPeriod"/>
-            </a:pPr>
-            <a:r>
-              <a:rPr lang="ja-JP" altLang="en-US" dirty="0">
-                <a:solidFill>
-                  <a:schemeClr val="bg1">
-                    <a:lumMod val="75000"/>
-                  </a:schemeClr>
-                </a:solidFill>
-              </a:rPr>
-              <a:t>要素技術</a:t>
-            </a:r>
-            <a:endParaRPr lang="en-US" altLang="ja-JP" dirty="0">
-              <a:solidFill>
-                <a:schemeClr val="bg1">
-                  <a:lumMod val="75000"/>
-                </a:schemeClr>
-              </a:solidFill>
-            </a:endParaRPr>
-          </a:p>
-          <a:p>
-            <a:pPr marL="742950" indent="-742950">
-              <a:buFont typeface="+mj-lt"/>
-              <a:buAutoNum type="arabicPeriod"/>
-            </a:pPr>
-            <a:r>
-              <a:rPr lang="ja-JP" altLang="en-US" dirty="0">
-                <a:solidFill>
-                  <a:schemeClr val="bg1">
-                    <a:lumMod val="75000"/>
-                  </a:schemeClr>
-                </a:solidFill>
-              </a:rPr>
-              <a:t>問題</a:t>
-            </a:r>
-            <a:endParaRPr lang="en-US" altLang="ja-JP" dirty="0">
-              <a:solidFill>
-                <a:schemeClr val="bg1">
-                  <a:lumMod val="75000"/>
-                </a:schemeClr>
-              </a:solidFill>
-            </a:endParaRPr>
-          </a:p>
-          <a:p>
-            <a:pPr marL="742950" indent="-742950">
-              <a:buFont typeface="+mj-lt"/>
-              <a:buAutoNum type="arabicPeriod"/>
-            </a:pPr>
-            <a:r>
-              <a:rPr kumimoji="1" lang="ja-JP" altLang="en-US" dirty="0">
-                <a:solidFill>
-                  <a:schemeClr val="bg1">
-                    <a:lumMod val="75000"/>
-                  </a:schemeClr>
-                </a:solidFill>
-              </a:rPr>
-              <a:t>手法１</a:t>
-            </a:r>
-            <a:endParaRPr kumimoji="1" lang="en-US" altLang="ja-JP" dirty="0">
-              <a:solidFill>
-                <a:schemeClr val="bg1">
-                  <a:lumMod val="75000"/>
-                </a:schemeClr>
-              </a:solidFill>
-            </a:endParaRPr>
-          </a:p>
-          <a:p>
-            <a:pPr marL="742950" indent="-742950">
-              <a:buFont typeface="+mj-lt"/>
-              <a:buAutoNum type="arabicPeriod"/>
-            </a:pPr>
-            <a:r>
-              <a:rPr lang="ja-JP" altLang="en-US" dirty="0">
-                <a:solidFill>
-                  <a:schemeClr val="bg1">
-                    <a:lumMod val="75000"/>
-                  </a:schemeClr>
-                </a:solidFill>
-              </a:rPr>
-              <a:t>手法２</a:t>
-            </a:r>
-            <a:r>
-              <a:rPr lang="en-US" altLang="ja-JP" dirty="0">
-                <a:solidFill>
-                  <a:schemeClr val="bg1">
-                    <a:lumMod val="75000"/>
-                  </a:schemeClr>
-                </a:solidFill>
-              </a:rPr>
-              <a:t>(GA)</a:t>
-            </a:r>
-          </a:p>
-          <a:p>
-            <a:pPr marL="742950" indent="-742950">
-              <a:buFont typeface="+mj-lt"/>
-              <a:buAutoNum type="arabicPeriod"/>
-            </a:pPr>
-            <a:r>
-              <a:rPr kumimoji="1" lang="ja-JP" altLang="en-US" dirty="0"/>
-              <a:t>まとめと今後の課題</a:t>
-            </a:r>
-          </a:p>
-        </p:txBody>
-      </p:sp>
-      <p:sp>
-        <p:nvSpPr>
-          <p:cNvPr id="4" name="スライド番号プレースホルダー 3">
-            <a:extLst>
-              <a:ext uri="{FF2B5EF4-FFF2-40B4-BE49-F238E27FC236}">
-                <a16:creationId xmlns:a16="http://schemas.microsoft.com/office/drawing/2014/main" id="{35C788A5-E800-4B67-8212-144F12E0C41A}"/>
-              </a:ext>
-            </a:extLst>
-          </p:cNvPr>
-          <p:cNvSpPr>
-            <a:spLocks noGrp="1"/>
-          </p:cNvSpPr>
-          <p:nvPr>
-            <p:ph type="sldNum" sz="quarter" idx="12"/>
-          </p:nvPr>
-        </p:nvSpPr>
-        <p:spPr/>
-        <p:txBody>
-          <a:bodyPr/>
-          <a:lstStyle/>
-          <a:p>
-            <a:fld id="{304739FC-810C-4CDC-B60F-21F1951FBC64}" type="slidenum">
-              <a:rPr kumimoji="1" lang="ja-JP" altLang="en-US" smtClean="0"/>
-              <a:t>42</a:t>
-            </a:fld>
-            <a:endParaRPr kumimoji="1" lang="ja-JP" altLang="en-US"/>
-          </a:p>
-        </p:txBody>
-      </p:sp>
-    </p:spTree>
-    <p:extLst>
-      <p:ext uri="{BB962C8B-B14F-4D97-AF65-F5344CB8AC3E}">
-        <p14:creationId xmlns:p14="http://schemas.microsoft.com/office/powerpoint/2010/main" val="3968973922"/>
-      </p:ext>
-    </p:extLst>
-  </p:cSld>
-  <p:clrMapOvr>
-    <a:masterClrMapping/>
-  </p:clrMapOvr>
-</p:sld>
-</file>
-
-<file path=ppt/slides/slide43.xml><?xml version="1.0" encoding="utf-8"?>
-<p:sld xmlns:a="http://schemas.openxmlformats.org/drawingml/2006/main" xmlns:r="http://schemas.openxmlformats.org/officeDocument/2006/relationships" xmlns:p="http://schemas.openxmlformats.org/presentationml/2006/main">
-  <p:cSld>
-    <p:spTree>
-      <p:nvGrpSpPr>
-        <p:cNvPr id="1" name=""/>
-        <p:cNvGrpSpPr/>
-        <p:nvPr/>
-      </p:nvGrpSpPr>
-      <p:grpSpPr>
-        <a:xfrm>
-          <a:off x="0" y="0"/>
-          <a:ext cx="0" cy="0"/>
-          <a:chOff x="0" y="0"/>
-          <a:chExt cx="0" cy="0"/>
-        </a:xfrm>
-      </p:grpSpPr>
-      <p:sp>
-        <p:nvSpPr>
-          <p:cNvPr id="2" name="タイトル 1">
-            <a:extLst>
-              <a:ext uri="{FF2B5EF4-FFF2-40B4-BE49-F238E27FC236}">
-                <a16:creationId xmlns:a16="http://schemas.microsoft.com/office/drawing/2014/main" id="{C13883A1-0AA4-4AB6-9869-3F71111C26F1}"/>
-              </a:ext>
-            </a:extLst>
-          </p:cNvPr>
-          <p:cNvSpPr>
-            <a:spLocks noGrp="1"/>
-          </p:cNvSpPr>
-          <p:nvPr>
-            <p:ph type="title"/>
-          </p:nvPr>
-        </p:nvSpPr>
-        <p:spPr/>
-        <p:txBody>
-          <a:bodyPr/>
-          <a:lstStyle/>
-          <a:p>
-            <a:r>
-              <a:rPr kumimoji="1" lang="ja-JP" altLang="en-US" dirty="0"/>
-              <a:t>まとめと</a:t>
-            </a:r>
-            <a:r>
-              <a:rPr lang="ja-JP" altLang="en-US" dirty="0"/>
-              <a:t>今後の課題</a:t>
-            </a:r>
-            <a:endParaRPr kumimoji="1" lang="ja-JP" altLang="en-US" dirty="0"/>
-          </a:p>
-        </p:txBody>
-      </p:sp>
-      <p:sp>
-        <p:nvSpPr>
-          <p:cNvPr id="3" name="コンテンツ プレースホルダー 2">
-            <a:extLst>
-              <a:ext uri="{FF2B5EF4-FFF2-40B4-BE49-F238E27FC236}">
-                <a16:creationId xmlns:a16="http://schemas.microsoft.com/office/drawing/2014/main" id="{606BB0F9-8ECE-42A0-9906-D3BFA124AD33}"/>
-              </a:ext>
-            </a:extLst>
-          </p:cNvPr>
-          <p:cNvSpPr>
-            <a:spLocks noGrp="1"/>
-          </p:cNvSpPr>
-          <p:nvPr>
-            <p:ph idx="1"/>
-          </p:nvPr>
-        </p:nvSpPr>
-        <p:spPr/>
-        <p:txBody>
-          <a:bodyPr>
-            <a:normAutofit/>
-          </a:bodyPr>
-          <a:lstStyle/>
-          <a:p>
-            <a:r>
-              <a:rPr lang="ja-JP" altLang="en-US" dirty="0"/>
-              <a:t>アーキテクチャ構造の制限を</a:t>
-            </a:r>
-            <a:endParaRPr lang="en-US" altLang="ja-JP" dirty="0"/>
-          </a:p>
-          <a:p>
-            <a:r>
-              <a:rPr lang="ja-JP" altLang="en-US" dirty="0"/>
-              <a:t>緩和する探索の実現</a:t>
-            </a:r>
-            <a:endParaRPr lang="en-US" altLang="ja-JP" dirty="0"/>
-          </a:p>
-          <a:p>
-            <a:endParaRPr lang="en-US" altLang="ja-JP" dirty="0"/>
-          </a:p>
-          <a:p>
-            <a:r>
-              <a:rPr lang="ja-JP" altLang="en-US" dirty="0"/>
-              <a:t>課題</a:t>
-            </a:r>
-            <a:endParaRPr lang="en-US" altLang="ja-JP" dirty="0"/>
-          </a:p>
-          <a:p>
-            <a:r>
-              <a:rPr lang="ja-JP" altLang="en-US" dirty="0"/>
-              <a:t>選択しないという候補を導入</a:t>
-            </a:r>
-            <a:endParaRPr lang="en-US" altLang="ja-JP" dirty="0"/>
-          </a:p>
-          <a:p>
-            <a:r>
-              <a:rPr lang="ja-JP" altLang="en-US" dirty="0"/>
-              <a:t>他のショートカットと妥当な比較</a:t>
-            </a:r>
-            <a:endParaRPr kumimoji="1" lang="ja-JP" altLang="en-US" dirty="0"/>
-          </a:p>
-        </p:txBody>
-      </p:sp>
-      <p:sp>
-        <p:nvSpPr>
-          <p:cNvPr id="4" name="スライド番号プレースホルダー 3">
-            <a:extLst>
-              <a:ext uri="{FF2B5EF4-FFF2-40B4-BE49-F238E27FC236}">
-                <a16:creationId xmlns:a16="http://schemas.microsoft.com/office/drawing/2014/main" id="{E51138E7-6D8B-4FBE-A0B6-0658EFDF9F6E}"/>
-              </a:ext>
-            </a:extLst>
-          </p:cNvPr>
-          <p:cNvSpPr>
-            <a:spLocks noGrp="1"/>
-          </p:cNvSpPr>
-          <p:nvPr>
-            <p:ph type="sldNum" sz="quarter" idx="12"/>
-          </p:nvPr>
-        </p:nvSpPr>
-        <p:spPr/>
-        <p:txBody>
-          <a:bodyPr/>
-          <a:lstStyle/>
-          <a:p>
-            <a:fld id="{304739FC-810C-4CDC-B60F-21F1951FBC64}" type="slidenum">
-              <a:rPr kumimoji="1" lang="ja-JP" altLang="en-US" smtClean="0"/>
-              <a:t>43</a:t>
-            </a:fld>
-            <a:endParaRPr kumimoji="1" lang="ja-JP" altLang="en-US"/>
-          </a:p>
-        </p:txBody>
-      </p:sp>
-    </p:spTree>
-    <p:extLst>
-      <p:ext uri="{BB962C8B-B14F-4D97-AF65-F5344CB8AC3E}">
-        <p14:creationId xmlns:p14="http://schemas.microsoft.com/office/powerpoint/2010/main" val="731302677"/>
-      </p:ext>
-    </p:extLst>
-  </p:cSld>
-  <p:clrMapOvr>
-    <a:masterClrMapping/>
-  </p:clrMapOvr>
-</p:sld>
-</file>
-
-<file path=ppt/slides/slide44.xml><?xml version="1.0" encoding="utf-8"?>
-<p:sld xmlns:a="http://schemas.openxmlformats.org/drawingml/2006/main" xmlns:r="http://schemas.openxmlformats.org/officeDocument/2006/relationships" xmlns:p="http://schemas.openxmlformats.org/presentationml/2006/main">
-  <p:cSld>
-    <p:spTree>
-      <p:nvGrpSpPr>
-        <p:cNvPr id="1" name=""/>
-        <p:cNvGrpSpPr/>
-        <p:nvPr/>
-      </p:nvGrpSpPr>
-      <p:grpSpPr>
-        <a:xfrm>
-          <a:off x="0" y="0"/>
-          <a:ext cx="0" cy="0"/>
-          <a:chOff x="0" y="0"/>
-          <a:chExt cx="0" cy="0"/>
-        </a:xfrm>
-      </p:grpSpPr>
-      <p:sp>
-        <p:nvSpPr>
-          <p:cNvPr id="2" name="タイトル 1">
-            <a:extLst>
-              <a:ext uri="{FF2B5EF4-FFF2-40B4-BE49-F238E27FC236}">
-                <a16:creationId xmlns:a16="http://schemas.microsoft.com/office/drawing/2014/main" id="{4716D355-9E1D-4AB6-8913-AD0CC3F84BD9}"/>
-              </a:ext>
-            </a:extLst>
-          </p:cNvPr>
-          <p:cNvSpPr>
-            <a:spLocks noGrp="1"/>
-          </p:cNvSpPr>
-          <p:nvPr>
-            <p:ph type="title"/>
-          </p:nvPr>
-        </p:nvSpPr>
-        <p:spPr/>
-        <p:txBody>
-          <a:bodyPr/>
-          <a:lstStyle/>
-          <a:p>
-            <a:r>
-              <a:rPr lang="ja-JP" altLang="en-US" dirty="0"/>
-              <a:t>まとめと今後の課題</a:t>
-            </a:r>
-            <a:endParaRPr kumimoji="1" lang="ja-JP" altLang="en-US" dirty="0"/>
-          </a:p>
-        </p:txBody>
-      </p:sp>
-      <p:sp>
-        <p:nvSpPr>
-          <p:cNvPr id="3" name="コンテンツ プレースホルダー 2">
-            <a:extLst>
-              <a:ext uri="{FF2B5EF4-FFF2-40B4-BE49-F238E27FC236}">
-                <a16:creationId xmlns:a16="http://schemas.microsoft.com/office/drawing/2014/main" id="{372EB16E-4118-4724-9DD3-4445911976F0}"/>
-              </a:ext>
-            </a:extLst>
-          </p:cNvPr>
-          <p:cNvSpPr>
-            <a:spLocks noGrp="1"/>
-          </p:cNvSpPr>
-          <p:nvPr>
-            <p:ph idx="1"/>
-          </p:nvPr>
-        </p:nvSpPr>
-        <p:spPr>
-          <a:xfrm>
-            <a:off x="822959" y="1661049"/>
-            <a:ext cx="8016241" cy="4531925"/>
-          </a:xfrm>
-        </p:spPr>
-        <p:txBody>
-          <a:bodyPr>
-            <a:normAutofit/>
-          </a:bodyPr>
-          <a:lstStyle/>
-          <a:p>
-            <a:r>
-              <a:rPr lang="en-US" altLang="ja-JP" dirty="0"/>
-              <a:t>GA</a:t>
-            </a:r>
-            <a:r>
-              <a:rPr lang="ja-JP" altLang="en-US" dirty="0"/>
-              <a:t>によるショートカットの本数の分析</a:t>
-            </a:r>
-            <a:endParaRPr lang="en-US" altLang="ja-JP" dirty="0"/>
-          </a:p>
-          <a:p>
-            <a:endParaRPr lang="en-US" altLang="ja-JP" dirty="0"/>
-          </a:p>
-          <a:p>
-            <a:r>
-              <a:rPr lang="ja-JP" altLang="en-US" dirty="0"/>
-              <a:t>課題</a:t>
-            </a:r>
-            <a:endParaRPr lang="en-US" altLang="ja-JP" dirty="0"/>
-          </a:p>
-          <a:p>
-            <a:r>
-              <a:rPr lang="ja-JP" altLang="en-US" dirty="0"/>
-              <a:t>実問題に対して汎用性確認</a:t>
-            </a:r>
-            <a:endParaRPr lang="en-US" altLang="ja-JP" dirty="0"/>
-          </a:p>
-          <a:p>
-            <a:r>
-              <a:rPr lang="ja-JP" altLang="en-US" dirty="0"/>
-              <a:t>パラメータ数が少ないモデルが</a:t>
-            </a:r>
-            <a:endParaRPr lang="en-US" altLang="ja-JP" dirty="0"/>
-          </a:p>
-          <a:p>
-            <a:r>
-              <a:rPr lang="ja-JP" altLang="en-US" dirty="0"/>
-              <a:t>得られるような適応度の設定</a:t>
-            </a:r>
-            <a:endParaRPr kumimoji="1" lang="ja-JP" altLang="en-US" dirty="0"/>
-          </a:p>
-        </p:txBody>
-      </p:sp>
-      <p:sp>
-        <p:nvSpPr>
-          <p:cNvPr id="4" name="スライド番号プレースホルダー 3">
-            <a:extLst>
-              <a:ext uri="{FF2B5EF4-FFF2-40B4-BE49-F238E27FC236}">
-                <a16:creationId xmlns:a16="http://schemas.microsoft.com/office/drawing/2014/main" id="{AA03A4AA-EAD6-4458-A4A6-95E81BCFB8C8}"/>
-              </a:ext>
-            </a:extLst>
-          </p:cNvPr>
-          <p:cNvSpPr>
-            <a:spLocks noGrp="1"/>
-          </p:cNvSpPr>
-          <p:nvPr>
-            <p:ph type="sldNum" sz="quarter" idx="12"/>
-          </p:nvPr>
-        </p:nvSpPr>
-        <p:spPr/>
-        <p:txBody>
-          <a:bodyPr/>
-          <a:lstStyle/>
-          <a:p>
-            <a:fld id="{304739FC-810C-4CDC-B60F-21F1951FBC64}" type="slidenum">
-              <a:rPr kumimoji="1" lang="ja-JP" altLang="en-US" smtClean="0"/>
-              <a:t>44</a:t>
-            </a:fld>
-            <a:endParaRPr kumimoji="1" lang="ja-JP" altLang="en-US"/>
-          </a:p>
-        </p:txBody>
-      </p:sp>
-    </p:spTree>
-    <p:extLst>
-      <p:ext uri="{BB962C8B-B14F-4D97-AF65-F5344CB8AC3E}">
-        <p14:creationId xmlns:p14="http://schemas.microsoft.com/office/powerpoint/2010/main" val="3275768855"/>
-      </p:ext>
-    </p:extLst>
-  </p:cSld>
-  <p:clrMapOvr>
-    <a:masterClrMapping/>
-  </p:clrMapOvr>
-</p:sld>
-</file>
-
 <file path=ppt/slides/slide45.xml><?xml version="1.0" encoding="utf-8"?>
 <p:sld xmlns:a="http://schemas.openxmlformats.org/drawingml/2006/main" xmlns:r="http://schemas.openxmlformats.org/officeDocument/2006/relationships" xmlns:p="http://schemas.openxmlformats.org/presentationml/2006/main">
   <p:cSld>
@@ -23839,10 +26429,10 @@
       </p:grpSpPr>
       <p:sp>
         <p:nvSpPr>
-          <p:cNvPr id="8" name="タイトル 7">
+          <p:cNvPr id="2" name="タイトル 1">
             <a:extLst>
               <a:ext uri="{FF2B5EF4-FFF2-40B4-BE49-F238E27FC236}">
-                <a16:creationId xmlns:a16="http://schemas.microsoft.com/office/drawing/2014/main" id="{5695746B-2D09-43FB-B1D1-BE7F3EB79F5C}"/>
+                <a16:creationId xmlns:a16="http://schemas.microsoft.com/office/drawing/2014/main" id="{D46ABB39-F0C4-4941-8AC3-45B843579753}"/>
               </a:ext>
             </a:extLst>
           </p:cNvPr>
@@ -23855,32 +26445,69 @@
         </p:nvSpPr>
         <p:spPr/>
         <p:txBody>
-          <a:bodyPr>
-            <a:normAutofit/>
-          </a:bodyPr>
+          <a:bodyPr/>
           <a:lstStyle/>
           <a:p>
             <a:r>
-              <a:rPr lang="ja-JP" altLang="en-US" sz="6000" dirty="0"/>
-              <a:t>ご清聴ありがとう</a:t>
-            </a:r>
-            <a:br>
-              <a:rPr lang="en-US" altLang="ja-JP" sz="6000" dirty="0"/>
-            </a:br>
-            <a:r>
-              <a:rPr lang="ja-JP" altLang="en-US" sz="6000" dirty="0"/>
-              <a:t>ございました</a:t>
-            </a:r>
-            <a:endParaRPr kumimoji="1" lang="ja-JP" altLang="en-US" sz="6000" dirty="0"/>
+              <a:rPr kumimoji="1" lang="ja-JP" altLang="en-US" dirty="0"/>
+              <a:t>実験</a:t>
+            </a:r>
+            <a:r>
+              <a:rPr lang="en-US" altLang="ja-JP" dirty="0"/>
+              <a:t>2</a:t>
+            </a:r>
+            <a:r>
+              <a:rPr kumimoji="1" lang="en-US" altLang="ja-JP" dirty="0"/>
+              <a:t> </a:t>
+            </a:r>
+            <a:r>
+              <a:rPr kumimoji="1" lang="ja-JP" altLang="en-US" dirty="0"/>
+              <a:t>： 結果</a:t>
+            </a:r>
           </a:p>
         </p:txBody>
       </p:sp>
+      <p:pic>
+        <p:nvPicPr>
+          <p:cNvPr id="6" name="コンテンツ プレースホルダー 5">
+            <a:extLst>
+              <a:ext uri="{FF2B5EF4-FFF2-40B4-BE49-F238E27FC236}">
+                <a16:creationId xmlns:a16="http://schemas.microsoft.com/office/drawing/2014/main" id="{DF36FC3C-AA97-4D5C-9551-15F9EBA12C90}"/>
+              </a:ext>
+            </a:extLst>
+          </p:cNvPr>
+          <p:cNvPicPr>
+            <a:picLocks noGrp="1" noChangeAspect="1"/>
+          </p:cNvPicPr>
+          <p:nvPr>
+            <p:ph idx="1"/>
+          </p:nvPr>
+        </p:nvPicPr>
+        <p:blipFill>
+          <a:blip r:embed="rId2">
+            <a:extLst>
+              <a:ext uri="{28A0092B-C50C-407E-A947-70E740481C1C}">
+                <a14:useLocalDpi xmlns:a14="http://schemas.microsoft.com/office/drawing/2010/main" val="0"/>
+              </a:ext>
+            </a:extLst>
+          </a:blip>
+          <a:stretch>
+            <a:fillRect/>
+          </a:stretch>
+        </p:blipFill>
+        <p:spPr>
+          <a:xfrm>
+            <a:off x="1977068" y="1879221"/>
+            <a:ext cx="4852506" cy="3328158"/>
+          </a:xfrm>
+        </p:spPr>
+      </p:pic>
       <p:sp>
         <p:nvSpPr>
           <p:cNvPr id="4" name="スライド番号プレースホルダー 3">
             <a:extLst>
               <a:ext uri="{FF2B5EF4-FFF2-40B4-BE49-F238E27FC236}">
-                <a16:creationId xmlns:a16="http://schemas.microsoft.com/office/drawing/2014/main" id="{FD0E98B8-3A05-4CDB-9494-F03EA8DF9B7F}"/>
+                <a16:creationId xmlns:a16="http://schemas.microsoft.com/office/drawing/2014/main" id="{0B3C2E9D-0858-4A34-8898-41EF151E398D}"/>
               </a:ext>
             </a:extLst>
           </p:cNvPr>
@@ -23904,60 +26531,764 @@
           </a:p>
         </p:txBody>
       </p:sp>
-      <p:sp>
-        <p:nvSpPr>
-          <p:cNvPr id="9" name="正方形/長方形 8">
+    </p:spTree>
+    <p:extLst>
+      <p:ext uri="{BB962C8B-B14F-4D97-AF65-F5344CB8AC3E}">
+        <p14:creationId xmlns:p14="http://schemas.microsoft.com/office/powerpoint/2010/main" val="1491949379"/>
+      </p:ext>
+    </p:extLst>
+  </p:cSld>
+  <p:clrMapOvr>
+    <a:masterClrMapping/>
+  </p:clrMapOvr>
+</p:sld>
+</file>
+
+<file path=ppt/slides/slide46.xml><?xml version="1.0" encoding="utf-8"?>
+<p:sld xmlns:a="http://schemas.openxmlformats.org/drawingml/2006/main" xmlns:r="http://schemas.openxmlformats.org/officeDocument/2006/relationships" xmlns:p="http://schemas.openxmlformats.org/presentationml/2006/main">
+  <p:cSld>
+    <p:spTree>
+      <p:nvGrpSpPr>
+        <p:cNvPr id="1" name=""/>
+        <p:cNvGrpSpPr/>
+        <p:nvPr/>
+      </p:nvGrpSpPr>
+      <p:grpSpPr>
+        <a:xfrm>
+          <a:off x="0" y="0"/>
+          <a:ext cx="0" cy="0"/>
+          <a:chOff x="0" y="0"/>
+          <a:chExt cx="0" cy="0"/>
+        </a:xfrm>
+      </p:grpSpPr>
+      <p:sp>
+        <p:nvSpPr>
+          <p:cNvPr id="7" name="コンテンツ プレースホルダー 6">
             <a:extLst>
               <a:ext uri="{FF2B5EF4-FFF2-40B4-BE49-F238E27FC236}">
-                <a16:creationId xmlns:a16="http://schemas.microsoft.com/office/drawing/2014/main" id="{8E53B5A8-45DB-4F3F-9A9D-CEBF5EAD6CFB}"/>
+                <a16:creationId xmlns:a16="http://schemas.microsoft.com/office/drawing/2014/main" id="{0AE5854D-9603-4FE7-BD1C-ABBE6D481666}"/>
               </a:ext>
             </a:extLst>
           </p:cNvPr>
-          <p:cNvSpPr/>
-          <p:nvPr/>
+          <p:cNvSpPr>
+            <a:spLocks noGrp="1"/>
+          </p:cNvSpPr>
+          <p:nvPr>
+            <p:ph idx="1"/>
+          </p:nvPr>
         </p:nvSpPr>
         <p:spPr>
           <a:xfrm>
-            <a:off x="0" y="0"/>
-            <a:ext cx="9144000" cy="365125"/>
+            <a:off x="822959" y="5048250"/>
+            <a:ext cx="7543801" cy="1144724"/>
+          </a:xfrm>
+        </p:spPr>
+        <p:txBody>
+          <a:bodyPr/>
+          <a:lstStyle/>
+          <a:p>
+            <a:endParaRPr lang="ja-JP" altLang="en-US" dirty="0"/>
+          </a:p>
+        </p:txBody>
+      </p:sp>
+      <p:sp>
+        <p:nvSpPr>
+          <p:cNvPr id="2" name="タイトル 1">
+            <a:extLst>
+              <a:ext uri="{FF2B5EF4-FFF2-40B4-BE49-F238E27FC236}">
+                <a16:creationId xmlns:a16="http://schemas.microsoft.com/office/drawing/2014/main" id="{D46ABB39-F0C4-4941-8AC3-45B843579753}"/>
+              </a:ext>
+            </a:extLst>
+          </p:cNvPr>
+          <p:cNvSpPr>
+            <a:spLocks noGrp="1"/>
+          </p:cNvSpPr>
+          <p:nvPr>
+            <p:ph type="title"/>
+          </p:nvPr>
+        </p:nvSpPr>
+        <p:spPr/>
+        <p:txBody>
+          <a:bodyPr/>
+          <a:lstStyle/>
+          <a:p>
+            <a:r>
+              <a:rPr kumimoji="1" lang="ja-JP" altLang="en-US" dirty="0"/>
+              <a:t>実験</a:t>
+            </a:r>
+            <a:r>
+              <a:rPr lang="en-US" altLang="ja-JP" dirty="0"/>
+              <a:t>2</a:t>
+            </a:r>
+            <a:r>
+              <a:rPr kumimoji="1" lang="en-US" altLang="ja-JP" dirty="0"/>
+              <a:t> </a:t>
+            </a:r>
+            <a:r>
+              <a:rPr kumimoji="1" lang="ja-JP" altLang="en-US" dirty="0"/>
+              <a:t>： 結果</a:t>
+            </a:r>
+          </a:p>
+        </p:txBody>
+      </p:sp>
+      <p:sp>
+        <p:nvSpPr>
+          <p:cNvPr id="4" name="スライド番号プレースホルダー 3">
+            <a:extLst>
+              <a:ext uri="{FF2B5EF4-FFF2-40B4-BE49-F238E27FC236}">
+                <a16:creationId xmlns:a16="http://schemas.microsoft.com/office/drawing/2014/main" id="{0B3C2E9D-0858-4A34-8898-41EF151E398D}"/>
+              </a:ext>
+            </a:extLst>
+          </p:cNvPr>
+          <p:cNvSpPr>
+            <a:spLocks noGrp="1"/>
+          </p:cNvSpPr>
+          <p:nvPr>
+            <p:ph type="sldNum" sz="quarter" idx="12"/>
+          </p:nvPr>
+        </p:nvSpPr>
+        <p:spPr/>
+        <p:txBody>
+          <a:bodyPr/>
+          <a:lstStyle/>
+          <a:p>
+            <a:fld id="{304739FC-810C-4CDC-B60F-21F1951FBC64}" type="slidenum">
+              <a:rPr kumimoji="1" lang="ja-JP" altLang="en-US" smtClean="0"/>
+              <a:t>46</a:t>
+            </a:fld>
+            <a:endParaRPr kumimoji="1" lang="ja-JP" altLang="en-US"/>
+          </a:p>
+        </p:txBody>
+      </p:sp>
+      <p:pic>
+        <p:nvPicPr>
+          <p:cNvPr id="5" name="Picture 2">
+            <a:extLst>
+              <a:ext uri="{FF2B5EF4-FFF2-40B4-BE49-F238E27FC236}">
+                <a16:creationId xmlns:a16="http://schemas.microsoft.com/office/drawing/2014/main" id="{12F799A4-5DE7-48D3-991E-20F43563C0F0}"/>
+              </a:ext>
+            </a:extLst>
+          </p:cNvPr>
+          <p:cNvPicPr>
+            <a:picLocks noChangeAspect="1" noChangeArrowheads="1"/>
+          </p:cNvPicPr>
+          <p:nvPr/>
+        </p:nvPicPr>
+        <p:blipFill>
+          <a:blip r:embed="rId2">
+            <a:extLst>
+              <a:ext uri="{28A0092B-C50C-407E-A947-70E740481C1C}">
+                <a14:useLocalDpi xmlns:a14="http://schemas.microsoft.com/office/drawing/2010/main" val="0"/>
+              </a:ext>
+            </a:extLst>
+          </a:blip>
+          <a:srcRect/>
+          <a:stretch>
+            <a:fillRect/>
+          </a:stretch>
+        </p:blipFill>
+        <p:spPr bwMode="auto">
+          <a:xfrm>
+            <a:off x="2005643" y="1548641"/>
+            <a:ext cx="4852506" cy="3328158"/>
           </a:xfrm>
           <a:prstGeom prst="rect">
             <a:avLst/>
           </a:prstGeom>
-          <a:solidFill>
-            <a:schemeClr val="accent2"/>
-          </a:solidFill>
-          <a:ln>
-            <a:noFill/>
-          </a:ln>
+          <a:noFill/>
+          <a:extLst>
+            <a:ext uri="{909E8E84-426E-40DD-AFC4-6F175D3DCCD1}">
+              <a14:hiddenFill xmlns:a14="http://schemas.microsoft.com/office/drawing/2010/main">
+                <a:solidFill>
+                  <a:srgbClr val="FFFFFF"/>
+                </a:solidFill>
+              </a14:hiddenFill>
+            </a:ext>
+          </a:extLst>
         </p:spPr>
-        <p:style>
-          <a:lnRef idx="0">
-            <a:scrgbClr r="0" g="0" b="0"/>
-          </a:lnRef>
-          <a:fillRef idx="0">
-            <a:scrgbClr r="0" g="0" b="0"/>
-          </a:fillRef>
-          <a:effectRef idx="0">
-            <a:scrgbClr r="0" g="0" b="0"/>
-          </a:effectRef>
-          <a:fontRef idx="minor">
-            <a:schemeClr val="lt1"/>
-          </a:fontRef>
-        </p:style>
-        <p:txBody>
-          <a:bodyPr rtlCol="0" anchor="ctr"/>
-          <a:lstStyle/>
-          <a:p>
-            <a:pPr algn="ctr"/>
-            <a:endParaRPr kumimoji="1" lang="ja-JP" altLang="en-US"/>
-          </a:p>
-        </p:txBody>
-      </p:sp>
+      </p:pic>
     </p:spTree>
     <p:extLst>
       <p:ext uri="{BB962C8B-B14F-4D97-AF65-F5344CB8AC3E}">
-        <p14:creationId xmlns:p14="http://schemas.microsoft.com/office/powerpoint/2010/main" val="2913194475"/>
+        <p14:creationId xmlns:p14="http://schemas.microsoft.com/office/powerpoint/2010/main" val="827678398"/>
+      </p:ext>
+    </p:extLst>
+  </p:cSld>
+  <p:clrMapOvr>
+    <a:masterClrMapping/>
+  </p:clrMapOvr>
+</p:sld>
+</file>
+
+<file path=ppt/slides/slide47.xml><?xml version="1.0" encoding="utf-8"?>
+<p:sld xmlns:a="http://schemas.openxmlformats.org/drawingml/2006/main" xmlns:r="http://schemas.openxmlformats.org/officeDocument/2006/relationships" xmlns:p="http://schemas.openxmlformats.org/presentationml/2006/main">
+  <p:cSld>
+    <p:spTree>
+      <p:nvGrpSpPr>
+        <p:cNvPr id="1" name=""/>
+        <p:cNvGrpSpPr/>
+        <p:nvPr/>
+      </p:nvGrpSpPr>
+      <p:grpSpPr>
+        <a:xfrm>
+          <a:off x="0" y="0"/>
+          <a:ext cx="0" cy="0"/>
+          <a:chOff x="0" y="0"/>
+          <a:chExt cx="0" cy="0"/>
+        </a:xfrm>
+      </p:grpSpPr>
+      <p:sp>
+        <p:nvSpPr>
+          <p:cNvPr id="2" name="タイトル 1">
+            <a:extLst>
+              <a:ext uri="{FF2B5EF4-FFF2-40B4-BE49-F238E27FC236}">
+                <a16:creationId xmlns:a16="http://schemas.microsoft.com/office/drawing/2014/main" id="{D46ABB39-F0C4-4941-8AC3-45B843579753}"/>
+              </a:ext>
+            </a:extLst>
+          </p:cNvPr>
+          <p:cNvSpPr>
+            <a:spLocks noGrp="1"/>
+          </p:cNvSpPr>
+          <p:nvPr>
+            <p:ph type="title"/>
+          </p:nvPr>
+        </p:nvSpPr>
+        <p:spPr/>
+        <p:txBody>
+          <a:bodyPr/>
+          <a:lstStyle/>
+          <a:p>
+            <a:r>
+              <a:rPr kumimoji="1" lang="ja-JP" altLang="en-US" dirty="0"/>
+              <a:t>実験</a:t>
+            </a:r>
+            <a:r>
+              <a:rPr lang="en-US" altLang="ja-JP" dirty="0"/>
+              <a:t>2</a:t>
+            </a:r>
+            <a:r>
+              <a:rPr kumimoji="1" lang="en-US" altLang="ja-JP" dirty="0"/>
+              <a:t> </a:t>
+            </a:r>
+            <a:r>
+              <a:rPr kumimoji="1" lang="ja-JP" altLang="en-US" dirty="0"/>
+              <a:t>： 結果</a:t>
+            </a:r>
+          </a:p>
+        </p:txBody>
+      </p:sp>
+      <p:sp>
+        <p:nvSpPr>
+          <p:cNvPr id="4" name="スライド番号プレースホルダー 3">
+            <a:extLst>
+              <a:ext uri="{FF2B5EF4-FFF2-40B4-BE49-F238E27FC236}">
+                <a16:creationId xmlns:a16="http://schemas.microsoft.com/office/drawing/2014/main" id="{0B3C2E9D-0858-4A34-8898-41EF151E398D}"/>
+              </a:ext>
+            </a:extLst>
+          </p:cNvPr>
+          <p:cNvSpPr>
+            <a:spLocks noGrp="1"/>
+          </p:cNvSpPr>
+          <p:nvPr>
+            <p:ph type="sldNum" sz="quarter" idx="12"/>
+          </p:nvPr>
+        </p:nvSpPr>
+        <p:spPr/>
+        <p:txBody>
+          <a:bodyPr/>
+          <a:lstStyle/>
+          <a:p>
+            <a:fld id="{304739FC-810C-4CDC-B60F-21F1951FBC64}" type="slidenum">
+              <a:rPr kumimoji="1" lang="ja-JP" altLang="en-US" smtClean="0"/>
+              <a:t>47</a:t>
+            </a:fld>
+            <a:endParaRPr kumimoji="1" lang="ja-JP" altLang="en-US"/>
+          </a:p>
+        </p:txBody>
+      </p:sp>
+      <p:sp>
+        <p:nvSpPr>
+          <p:cNvPr id="5" name="コンテンツ プレースホルダー 4">
+            <a:extLst>
+              <a:ext uri="{FF2B5EF4-FFF2-40B4-BE49-F238E27FC236}">
+                <a16:creationId xmlns:a16="http://schemas.microsoft.com/office/drawing/2014/main" id="{E828A314-501A-496A-AD7D-F795887AEF7D}"/>
+              </a:ext>
+            </a:extLst>
+          </p:cNvPr>
+          <p:cNvSpPr>
+            <a:spLocks noGrp="1"/>
+          </p:cNvSpPr>
+          <p:nvPr>
+            <p:ph idx="1"/>
+          </p:nvPr>
+        </p:nvSpPr>
+        <p:spPr>
+          <a:xfrm>
+            <a:off x="822959" y="5166740"/>
+            <a:ext cx="7543801" cy="1026234"/>
+          </a:xfrm>
+        </p:spPr>
+        <p:txBody>
+          <a:bodyPr>
+            <a:normAutofit fontScale="85000" lnSpcReduction="20000"/>
+          </a:bodyPr>
+          <a:lstStyle/>
+          <a:p>
+            <a:r>
+              <a:rPr lang="ja-JP" altLang="en-US" dirty="0"/>
+              <a:t>第 </a:t>
+            </a:r>
+            <a:r>
+              <a:rPr lang="en-US" altLang="ja-JP" dirty="0"/>
+              <a:t>15 </a:t>
+            </a:r>
+            <a:r>
+              <a:rPr lang="ja-JP" altLang="en-US" dirty="0"/>
+              <a:t>世代目の最良個体</a:t>
+            </a:r>
+            <a:endParaRPr lang="en-US" altLang="ja-JP" dirty="0"/>
+          </a:p>
+          <a:p>
+            <a:r>
+              <a:rPr lang="ja-JP" altLang="en-US" dirty="0"/>
+              <a:t>精度 </a:t>
+            </a:r>
+            <a:r>
+              <a:rPr lang="en-US" altLang="ja-JP" dirty="0"/>
+              <a:t>93.69% / </a:t>
+            </a:r>
+            <a:r>
+              <a:rPr lang="ja-JP" altLang="en-US" dirty="0"/>
+              <a:t>ショートカット </a:t>
+            </a:r>
+            <a:r>
+              <a:rPr lang="en-US" altLang="ja-JP" dirty="0"/>
+              <a:t>12 </a:t>
+            </a:r>
+            <a:r>
+              <a:rPr lang="ja-JP" altLang="en-US" dirty="0"/>
+              <a:t>本</a:t>
+            </a:r>
+          </a:p>
+        </p:txBody>
+      </p:sp>
+      <p:pic>
+        <p:nvPicPr>
+          <p:cNvPr id="8" name="図 7">
+            <a:extLst>
+              <a:ext uri="{FF2B5EF4-FFF2-40B4-BE49-F238E27FC236}">
+                <a16:creationId xmlns:a16="http://schemas.microsoft.com/office/drawing/2014/main" id="{73F1D132-40DB-4C45-9232-6CCAEFC2F527}"/>
+              </a:ext>
+            </a:extLst>
+          </p:cNvPr>
+          <p:cNvPicPr>
+            <a:picLocks noChangeAspect="1"/>
+          </p:cNvPicPr>
+          <p:nvPr/>
+        </p:nvPicPr>
+        <p:blipFill>
+          <a:blip r:embed="rId2">
+            <a:extLst>
+              <a:ext uri="{28A0092B-C50C-407E-A947-70E740481C1C}">
+                <a14:useLocalDpi xmlns:a14="http://schemas.microsoft.com/office/drawing/2010/main" val="0"/>
+              </a:ext>
+            </a:extLst>
+          </a:blip>
+          <a:stretch>
+            <a:fillRect/>
+          </a:stretch>
+        </p:blipFill>
+        <p:spPr>
+          <a:xfrm>
+            <a:off x="1758383" y="1593800"/>
+            <a:ext cx="4979534" cy="3328158"/>
+          </a:xfrm>
+          <a:prstGeom prst="rect">
+            <a:avLst/>
+          </a:prstGeom>
+        </p:spPr>
+      </p:pic>
+    </p:spTree>
+    <p:extLst>
+      <p:ext uri="{BB962C8B-B14F-4D97-AF65-F5344CB8AC3E}">
+        <p14:creationId xmlns:p14="http://schemas.microsoft.com/office/powerpoint/2010/main" val="427049602"/>
+      </p:ext>
+    </p:extLst>
+  </p:cSld>
+  <p:clrMapOvr>
+    <a:masterClrMapping/>
+  </p:clrMapOvr>
+</p:sld>
+</file>
+
+<file path=ppt/slides/slide48.xml><?xml version="1.0" encoding="utf-8"?>
+<p:sld xmlns:a="http://schemas.openxmlformats.org/drawingml/2006/main" xmlns:r="http://schemas.openxmlformats.org/officeDocument/2006/relationships" xmlns:p="http://schemas.openxmlformats.org/presentationml/2006/main" show="0">
+  <p:cSld>
+    <p:spTree>
+      <p:nvGrpSpPr>
+        <p:cNvPr id="1" name=""/>
+        <p:cNvGrpSpPr/>
+        <p:nvPr/>
+      </p:nvGrpSpPr>
+      <p:grpSpPr>
+        <a:xfrm>
+          <a:off x="0" y="0"/>
+          <a:ext cx="0" cy="0"/>
+          <a:chOff x="0" y="0"/>
+          <a:chExt cx="0" cy="0"/>
+        </a:xfrm>
+      </p:grpSpPr>
+      <p:sp>
+        <p:nvSpPr>
+          <p:cNvPr id="2" name="タイトル 1">
+            <a:extLst>
+              <a:ext uri="{FF2B5EF4-FFF2-40B4-BE49-F238E27FC236}">
+                <a16:creationId xmlns:a16="http://schemas.microsoft.com/office/drawing/2014/main" id="{D46ABB39-F0C4-4941-8AC3-45B843579753}"/>
+              </a:ext>
+            </a:extLst>
+          </p:cNvPr>
+          <p:cNvSpPr>
+            <a:spLocks noGrp="1"/>
+          </p:cNvSpPr>
+          <p:nvPr>
+            <p:ph type="title"/>
+          </p:nvPr>
+        </p:nvSpPr>
+        <p:spPr/>
+        <p:txBody>
+          <a:bodyPr/>
+          <a:lstStyle/>
+          <a:p>
+            <a:r>
+              <a:rPr kumimoji="1" lang="ja-JP" altLang="en-US" dirty="0"/>
+              <a:t>実験</a:t>
+            </a:r>
+            <a:r>
+              <a:rPr lang="en-US" altLang="ja-JP" dirty="0"/>
+              <a:t>2</a:t>
+            </a:r>
+            <a:r>
+              <a:rPr kumimoji="1" lang="en-US" altLang="ja-JP" dirty="0"/>
+              <a:t> </a:t>
+            </a:r>
+            <a:r>
+              <a:rPr kumimoji="1" lang="ja-JP" altLang="en-US" dirty="0"/>
+              <a:t>： 結果</a:t>
+            </a:r>
+          </a:p>
+        </p:txBody>
+      </p:sp>
+      <p:sp>
+        <p:nvSpPr>
+          <p:cNvPr id="4" name="スライド番号プレースホルダー 3">
+            <a:extLst>
+              <a:ext uri="{FF2B5EF4-FFF2-40B4-BE49-F238E27FC236}">
+                <a16:creationId xmlns:a16="http://schemas.microsoft.com/office/drawing/2014/main" id="{0B3C2E9D-0858-4A34-8898-41EF151E398D}"/>
+              </a:ext>
+            </a:extLst>
+          </p:cNvPr>
+          <p:cNvSpPr>
+            <a:spLocks noGrp="1"/>
+          </p:cNvSpPr>
+          <p:nvPr>
+            <p:ph type="sldNum" sz="quarter" idx="12"/>
+          </p:nvPr>
+        </p:nvSpPr>
+        <p:spPr/>
+        <p:txBody>
+          <a:bodyPr/>
+          <a:lstStyle/>
+          <a:p>
+            <a:fld id="{304739FC-810C-4CDC-B60F-21F1951FBC64}" type="slidenum">
+              <a:rPr kumimoji="1" lang="ja-JP" altLang="en-US" smtClean="0"/>
+              <a:t>48</a:t>
+            </a:fld>
+            <a:endParaRPr kumimoji="1" lang="ja-JP" altLang="en-US"/>
+          </a:p>
+        </p:txBody>
+      </p:sp>
+      <p:pic>
+        <p:nvPicPr>
+          <p:cNvPr id="10" name="図 9">
+            <a:extLst>
+              <a:ext uri="{FF2B5EF4-FFF2-40B4-BE49-F238E27FC236}">
+                <a16:creationId xmlns:a16="http://schemas.microsoft.com/office/drawing/2014/main" id="{2E66DD96-62B0-4AC9-B9EF-4C828B523EC1}"/>
+              </a:ext>
+            </a:extLst>
+          </p:cNvPr>
+          <p:cNvPicPr>
+            <a:picLocks noChangeAspect="1"/>
+          </p:cNvPicPr>
+          <p:nvPr/>
+        </p:nvPicPr>
+        <p:blipFill>
+          <a:blip r:embed="rId2">
+            <a:extLst>
+              <a:ext uri="{28A0092B-C50C-407E-A947-70E740481C1C}">
+                <a14:useLocalDpi xmlns:a14="http://schemas.microsoft.com/office/drawing/2010/main" val="0"/>
+              </a:ext>
+            </a:extLst>
+          </a:blip>
+          <a:stretch>
+            <a:fillRect/>
+          </a:stretch>
+        </p:blipFill>
+        <p:spPr>
+          <a:xfrm>
+            <a:off x="1884987" y="2299239"/>
+            <a:ext cx="4903317" cy="3328158"/>
+          </a:xfrm>
+          <a:prstGeom prst="rect">
+            <a:avLst/>
+          </a:prstGeom>
+        </p:spPr>
+      </p:pic>
+    </p:spTree>
+    <p:extLst>
+      <p:ext uri="{BB962C8B-B14F-4D97-AF65-F5344CB8AC3E}">
+        <p14:creationId xmlns:p14="http://schemas.microsoft.com/office/powerpoint/2010/main" val="2811922378"/>
+      </p:ext>
+    </p:extLst>
+  </p:cSld>
+  <p:clrMapOvr>
+    <a:masterClrMapping/>
+  </p:clrMapOvr>
+</p:sld>
+</file>
+
+<file path=ppt/slides/slide49.xml><?xml version="1.0" encoding="utf-8"?>
+<p:sld xmlns:a="http://schemas.openxmlformats.org/drawingml/2006/main" xmlns:r="http://schemas.openxmlformats.org/officeDocument/2006/relationships" xmlns:p="http://schemas.openxmlformats.org/presentationml/2006/main">
+  <p:cSld>
+    <p:spTree>
+      <p:nvGrpSpPr>
+        <p:cNvPr id="1" name=""/>
+        <p:cNvGrpSpPr/>
+        <p:nvPr/>
+      </p:nvGrpSpPr>
+      <p:grpSpPr>
+        <a:xfrm>
+          <a:off x="0" y="0"/>
+          <a:ext cx="0" cy="0"/>
+          <a:chOff x="0" y="0"/>
+          <a:chExt cx="0" cy="0"/>
+        </a:xfrm>
+      </p:grpSpPr>
+      <p:sp>
+        <p:nvSpPr>
+          <p:cNvPr id="2" name="タイトル 1">
+            <a:extLst>
+              <a:ext uri="{FF2B5EF4-FFF2-40B4-BE49-F238E27FC236}">
+                <a16:creationId xmlns:a16="http://schemas.microsoft.com/office/drawing/2014/main" id="{99A71CDC-97C2-465F-8B9B-AE9D55104F50}"/>
+              </a:ext>
+            </a:extLst>
+          </p:cNvPr>
+          <p:cNvSpPr>
+            <a:spLocks noGrp="1"/>
+          </p:cNvSpPr>
+          <p:nvPr>
+            <p:ph type="title"/>
+          </p:nvPr>
+        </p:nvSpPr>
+        <p:spPr/>
+        <p:txBody>
+          <a:bodyPr/>
+          <a:lstStyle/>
+          <a:p>
+            <a:r>
+              <a:rPr kumimoji="1" lang="ja-JP" altLang="en-US" dirty="0"/>
+              <a:t>発表の流れ</a:t>
+            </a:r>
+          </a:p>
+        </p:txBody>
+      </p:sp>
+      <p:sp>
+        <p:nvSpPr>
+          <p:cNvPr id="3" name="コンテンツ プレースホルダー 2">
+            <a:extLst>
+              <a:ext uri="{FF2B5EF4-FFF2-40B4-BE49-F238E27FC236}">
+                <a16:creationId xmlns:a16="http://schemas.microsoft.com/office/drawing/2014/main" id="{EA6F3566-9A84-4DED-A27B-A69CD8CF6C57}"/>
+              </a:ext>
+            </a:extLst>
+          </p:cNvPr>
+          <p:cNvSpPr>
+            <a:spLocks noGrp="1"/>
+          </p:cNvSpPr>
+          <p:nvPr>
+            <p:ph idx="1"/>
+          </p:nvPr>
+        </p:nvSpPr>
+        <p:spPr>
+          <a:xfrm>
+            <a:off x="822959" y="1661049"/>
+            <a:ext cx="7543801" cy="4531925"/>
+          </a:xfrm>
+        </p:spPr>
+        <p:txBody>
+          <a:bodyPr/>
+          <a:lstStyle/>
+          <a:p>
+            <a:pPr marL="742950" indent="-742950">
+              <a:buFont typeface="+mj-lt"/>
+              <a:buAutoNum type="arabicPeriod"/>
+            </a:pPr>
+            <a:r>
+              <a:rPr kumimoji="1" lang="ja-JP" altLang="en-US" dirty="0">
+                <a:solidFill>
+                  <a:schemeClr val="bg1">
+                    <a:lumMod val="75000"/>
+                  </a:schemeClr>
+                </a:solidFill>
+              </a:rPr>
+              <a:t>はじめに</a:t>
+            </a:r>
+            <a:endParaRPr kumimoji="1" lang="en-US" altLang="ja-JP" dirty="0">
+              <a:solidFill>
+                <a:schemeClr val="bg1">
+                  <a:lumMod val="75000"/>
+                </a:schemeClr>
+              </a:solidFill>
+            </a:endParaRPr>
+          </a:p>
+          <a:p>
+            <a:pPr marL="742950" indent="-742950">
+              <a:buFont typeface="+mj-lt"/>
+              <a:buAutoNum type="arabicPeriod"/>
+            </a:pPr>
+            <a:r>
+              <a:rPr lang="ja-JP" altLang="en-US" dirty="0">
+                <a:solidFill>
+                  <a:schemeClr val="bg1">
+                    <a:lumMod val="75000"/>
+                  </a:schemeClr>
+                </a:solidFill>
+              </a:rPr>
+              <a:t>要素技術</a:t>
+            </a:r>
+            <a:endParaRPr lang="en-US" altLang="ja-JP" dirty="0">
+              <a:solidFill>
+                <a:schemeClr val="bg1">
+                  <a:lumMod val="75000"/>
+                </a:schemeClr>
+              </a:solidFill>
+            </a:endParaRPr>
+          </a:p>
+          <a:p>
+            <a:pPr marL="742950" indent="-742950">
+              <a:buFont typeface="+mj-lt"/>
+              <a:buAutoNum type="arabicPeriod"/>
+            </a:pPr>
+            <a:r>
+              <a:rPr lang="ja-JP" altLang="en-US" dirty="0">
+                <a:solidFill>
+                  <a:schemeClr val="bg1">
+                    <a:lumMod val="75000"/>
+                  </a:schemeClr>
+                </a:solidFill>
+              </a:rPr>
+              <a:t>問題</a:t>
+            </a:r>
+            <a:endParaRPr lang="en-US" altLang="ja-JP" dirty="0">
+              <a:solidFill>
+                <a:schemeClr val="bg1">
+                  <a:lumMod val="75000"/>
+                </a:schemeClr>
+              </a:solidFill>
+            </a:endParaRPr>
+          </a:p>
+          <a:p>
+            <a:pPr marL="742950" indent="-742950">
+              <a:buFont typeface="+mj-lt"/>
+              <a:buAutoNum type="arabicPeriod"/>
+            </a:pPr>
+            <a:r>
+              <a:rPr kumimoji="1" lang="ja-JP" altLang="en-US" dirty="0">
+                <a:solidFill>
+                  <a:schemeClr val="bg1">
+                    <a:lumMod val="75000"/>
+                  </a:schemeClr>
+                </a:solidFill>
+              </a:rPr>
+              <a:t>手法１</a:t>
+            </a:r>
+            <a:endParaRPr kumimoji="1" lang="en-US" altLang="ja-JP" dirty="0">
+              <a:solidFill>
+                <a:schemeClr val="bg1">
+                  <a:lumMod val="75000"/>
+                </a:schemeClr>
+              </a:solidFill>
+            </a:endParaRPr>
+          </a:p>
+          <a:p>
+            <a:pPr marL="742950" indent="-742950">
+              <a:buFont typeface="+mj-lt"/>
+              <a:buAutoNum type="arabicPeriod"/>
+            </a:pPr>
+            <a:r>
+              <a:rPr lang="ja-JP" altLang="en-US" dirty="0">
+                <a:solidFill>
+                  <a:schemeClr val="bg1">
+                    <a:lumMod val="75000"/>
+                  </a:schemeClr>
+                </a:solidFill>
+              </a:rPr>
+              <a:t>手法２</a:t>
+            </a:r>
+            <a:r>
+              <a:rPr lang="en-US" altLang="ja-JP" dirty="0">
+                <a:solidFill>
+                  <a:schemeClr val="bg1">
+                    <a:lumMod val="75000"/>
+                  </a:schemeClr>
+                </a:solidFill>
+              </a:rPr>
+              <a:t>(GA)</a:t>
+            </a:r>
+          </a:p>
+          <a:p>
+            <a:pPr marL="742950" indent="-742950">
+              <a:buFont typeface="+mj-lt"/>
+              <a:buAutoNum type="arabicPeriod"/>
+            </a:pPr>
+            <a:r>
+              <a:rPr kumimoji="1" lang="ja-JP" altLang="en-US" dirty="0"/>
+              <a:t>まとめと今後の課題</a:t>
+            </a:r>
+          </a:p>
+        </p:txBody>
+      </p:sp>
+      <p:sp>
+        <p:nvSpPr>
+          <p:cNvPr id="4" name="スライド番号プレースホルダー 3">
+            <a:extLst>
+              <a:ext uri="{FF2B5EF4-FFF2-40B4-BE49-F238E27FC236}">
+                <a16:creationId xmlns:a16="http://schemas.microsoft.com/office/drawing/2014/main" id="{35C788A5-E800-4B67-8212-144F12E0C41A}"/>
+              </a:ext>
+            </a:extLst>
+          </p:cNvPr>
+          <p:cNvSpPr>
+            <a:spLocks noGrp="1"/>
+          </p:cNvSpPr>
+          <p:nvPr>
+            <p:ph type="sldNum" sz="quarter" idx="12"/>
+          </p:nvPr>
+        </p:nvSpPr>
+        <p:spPr/>
+        <p:txBody>
+          <a:bodyPr/>
+          <a:lstStyle/>
+          <a:p>
+            <a:fld id="{304739FC-810C-4CDC-B60F-21F1951FBC64}" type="slidenum">
+              <a:rPr kumimoji="1" lang="ja-JP" altLang="en-US" smtClean="0"/>
+              <a:t>49</a:t>
+            </a:fld>
+            <a:endParaRPr kumimoji="1" lang="ja-JP" altLang="en-US"/>
+          </a:p>
+        </p:txBody>
+      </p:sp>
+    </p:spTree>
+    <p:extLst>
+      <p:ext uri="{BB962C8B-B14F-4D97-AF65-F5344CB8AC3E}">
+        <p14:creationId xmlns:p14="http://schemas.microsoft.com/office/powerpoint/2010/main" val="3968973922"/>
       </p:ext>
     </p:extLst>
   </p:cSld>
@@ -24383,6 +27714,466 @@
     <p:extLst>
       <p:ext uri="{BB962C8B-B14F-4D97-AF65-F5344CB8AC3E}">
         <p14:creationId xmlns:p14="http://schemas.microsoft.com/office/powerpoint/2010/main" val="1229011820"/>
+      </p:ext>
+    </p:extLst>
+  </p:cSld>
+  <p:clrMapOvr>
+    <a:masterClrMapping/>
+  </p:clrMapOvr>
+</p:sld>
+</file>
+
+<file path=ppt/slides/slide50.xml><?xml version="1.0" encoding="utf-8"?>
+<p:sld xmlns:a="http://schemas.openxmlformats.org/drawingml/2006/main" xmlns:r="http://schemas.openxmlformats.org/officeDocument/2006/relationships" xmlns:p="http://schemas.openxmlformats.org/presentationml/2006/main">
+  <p:cSld>
+    <p:spTree>
+      <p:nvGrpSpPr>
+        <p:cNvPr id="1" name=""/>
+        <p:cNvGrpSpPr/>
+        <p:nvPr/>
+      </p:nvGrpSpPr>
+      <p:grpSpPr>
+        <a:xfrm>
+          <a:off x="0" y="0"/>
+          <a:ext cx="0" cy="0"/>
+          <a:chOff x="0" y="0"/>
+          <a:chExt cx="0" cy="0"/>
+        </a:xfrm>
+      </p:grpSpPr>
+      <p:sp>
+        <p:nvSpPr>
+          <p:cNvPr id="2" name="タイトル 1">
+            <a:extLst>
+              <a:ext uri="{FF2B5EF4-FFF2-40B4-BE49-F238E27FC236}">
+                <a16:creationId xmlns:a16="http://schemas.microsoft.com/office/drawing/2014/main" id="{C13883A1-0AA4-4AB6-9869-3F71111C26F1}"/>
+              </a:ext>
+            </a:extLst>
+          </p:cNvPr>
+          <p:cNvSpPr>
+            <a:spLocks noGrp="1"/>
+          </p:cNvSpPr>
+          <p:nvPr>
+            <p:ph type="title"/>
+          </p:nvPr>
+        </p:nvSpPr>
+        <p:spPr/>
+        <p:txBody>
+          <a:bodyPr/>
+          <a:lstStyle/>
+          <a:p>
+            <a:r>
+              <a:rPr kumimoji="1" lang="ja-JP" altLang="en-US" dirty="0"/>
+              <a:t>まとめと</a:t>
+            </a:r>
+            <a:r>
+              <a:rPr lang="ja-JP" altLang="en-US" dirty="0"/>
+              <a:t>今後の課題</a:t>
+            </a:r>
+            <a:endParaRPr kumimoji="1" lang="ja-JP" altLang="en-US" dirty="0"/>
+          </a:p>
+        </p:txBody>
+      </p:sp>
+      <p:sp>
+        <p:nvSpPr>
+          <p:cNvPr id="3" name="コンテンツ プレースホルダー 2">
+            <a:extLst>
+              <a:ext uri="{FF2B5EF4-FFF2-40B4-BE49-F238E27FC236}">
+                <a16:creationId xmlns:a16="http://schemas.microsoft.com/office/drawing/2014/main" id="{606BB0F9-8ECE-42A0-9906-D3BFA124AD33}"/>
+              </a:ext>
+            </a:extLst>
+          </p:cNvPr>
+          <p:cNvSpPr>
+            <a:spLocks noGrp="1"/>
+          </p:cNvSpPr>
+          <p:nvPr>
+            <p:ph idx="1"/>
+          </p:nvPr>
+        </p:nvSpPr>
+        <p:spPr/>
+        <p:txBody>
+          <a:bodyPr>
+            <a:normAutofit/>
+          </a:bodyPr>
+          <a:lstStyle/>
+          <a:p>
+            <a:r>
+              <a:rPr lang="ja-JP" altLang="en-US" dirty="0"/>
+              <a:t>アーキテクチャ構造の制限を</a:t>
+            </a:r>
+            <a:endParaRPr lang="en-US" altLang="ja-JP" dirty="0"/>
+          </a:p>
+          <a:p>
+            <a:r>
+              <a:rPr lang="ja-JP" altLang="en-US" dirty="0"/>
+              <a:t>緩和する探索の実現</a:t>
+            </a:r>
+            <a:endParaRPr lang="en-US" altLang="ja-JP" dirty="0"/>
+          </a:p>
+          <a:p>
+            <a:endParaRPr lang="en-US" altLang="ja-JP" dirty="0"/>
+          </a:p>
+          <a:p>
+            <a:r>
+              <a:rPr lang="ja-JP" altLang="en-US" dirty="0"/>
+              <a:t>課題</a:t>
+            </a:r>
+            <a:endParaRPr lang="en-US" altLang="ja-JP" dirty="0"/>
+          </a:p>
+          <a:p>
+            <a:r>
+              <a:rPr lang="ja-JP" altLang="en-US" dirty="0"/>
+              <a:t>選択しないという候補を導入</a:t>
+            </a:r>
+            <a:endParaRPr lang="en-US" altLang="ja-JP" dirty="0"/>
+          </a:p>
+          <a:p>
+            <a:r>
+              <a:rPr lang="ja-JP" altLang="en-US" dirty="0"/>
+              <a:t>他のショートカットと妥当な比較</a:t>
+            </a:r>
+            <a:endParaRPr kumimoji="1" lang="ja-JP" altLang="en-US" dirty="0"/>
+          </a:p>
+        </p:txBody>
+      </p:sp>
+      <p:sp>
+        <p:nvSpPr>
+          <p:cNvPr id="4" name="スライド番号プレースホルダー 3">
+            <a:extLst>
+              <a:ext uri="{FF2B5EF4-FFF2-40B4-BE49-F238E27FC236}">
+                <a16:creationId xmlns:a16="http://schemas.microsoft.com/office/drawing/2014/main" id="{E51138E7-6D8B-4FBE-A0B6-0658EFDF9F6E}"/>
+              </a:ext>
+            </a:extLst>
+          </p:cNvPr>
+          <p:cNvSpPr>
+            <a:spLocks noGrp="1"/>
+          </p:cNvSpPr>
+          <p:nvPr>
+            <p:ph type="sldNum" sz="quarter" idx="12"/>
+          </p:nvPr>
+        </p:nvSpPr>
+        <p:spPr/>
+        <p:txBody>
+          <a:bodyPr/>
+          <a:lstStyle/>
+          <a:p>
+            <a:fld id="{304739FC-810C-4CDC-B60F-21F1951FBC64}" type="slidenum">
+              <a:rPr kumimoji="1" lang="ja-JP" altLang="en-US" smtClean="0"/>
+              <a:t>50</a:t>
+            </a:fld>
+            <a:endParaRPr kumimoji="1" lang="ja-JP" altLang="en-US"/>
+          </a:p>
+        </p:txBody>
+      </p:sp>
+    </p:spTree>
+    <p:extLst>
+      <p:ext uri="{BB962C8B-B14F-4D97-AF65-F5344CB8AC3E}">
+        <p14:creationId xmlns:p14="http://schemas.microsoft.com/office/powerpoint/2010/main" val="731302677"/>
+      </p:ext>
+    </p:extLst>
+  </p:cSld>
+  <p:clrMapOvr>
+    <a:masterClrMapping/>
+  </p:clrMapOvr>
+</p:sld>
+</file>
+
+<file path=ppt/slides/slide51.xml><?xml version="1.0" encoding="utf-8"?>
+<p:sld xmlns:a="http://schemas.openxmlformats.org/drawingml/2006/main" xmlns:r="http://schemas.openxmlformats.org/officeDocument/2006/relationships" xmlns:p="http://schemas.openxmlformats.org/presentationml/2006/main">
+  <p:cSld>
+    <p:spTree>
+      <p:nvGrpSpPr>
+        <p:cNvPr id="1" name=""/>
+        <p:cNvGrpSpPr/>
+        <p:nvPr/>
+      </p:nvGrpSpPr>
+      <p:grpSpPr>
+        <a:xfrm>
+          <a:off x="0" y="0"/>
+          <a:ext cx="0" cy="0"/>
+          <a:chOff x="0" y="0"/>
+          <a:chExt cx="0" cy="0"/>
+        </a:xfrm>
+      </p:grpSpPr>
+      <p:sp>
+        <p:nvSpPr>
+          <p:cNvPr id="2" name="タイトル 1">
+            <a:extLst>
+              <a:ext uri="{FF2B5EF4-FFF2-40B4-BE49-F238E27FC236}">
+                <a16:creationId xmlns:a16="http://schemas.microsoft.com/office/drawing/2014/main" id="{4716D355-9E1D-4AB6-8913-AD0CC3F84BD9}"/>
+              </a:ext>
+            </a:extLst>
+          </p:cNvPr>
+          <p:cNvSpPr>
+            <a:spLocks noGrp="1"/>
+          </p:cNvSpPr>
+          <p:nvPr>
+            <p:ph type="title"/>
+          </p:nvPr>
+        </p:nvSpPr>
+        <p:spPr/>
+        <p:txBody>
+          <a:bodyPr/>
+          <a:lstStyle/>
+          <a:p>
+            <a:r>
+              <a:rPr lang="ja-JP" altLang="en-US" dirty="0"/>
+              <a:t>まとめと今後の課題</a:t>
+            </a:r>
+            <a:endParaRPr kumimoji="1" lang="ja-JP" altLang="en-US" dirty="0"/>
+          </a:p>
+        </p:txBody>
+      </p:sp>
+      <p:sp>
+        <p:nvSpPr>
+          <p:cNvPr id="3" name="コンテンツ プレースホルダー 2">
+            <a:extLst>
+              <a:ext uri="{FF2B5EF4-FFF2-40B4-BE49-F238E27FC236}">
+                <a16:creationId xmlns:a16="http://schemas.microsoft.com/office/drawing/2014/main" id="{372EB16E-4118-4724-9DD3-4445911976F0}"/>
+              </a:ext>
+            </a:extLst>
+          </p:cNvPr>
+          <p:cNvSpPr>
+            <a:spLocks noGrp="1"/>
+          </p:cNvSpPr>
+          <p:nvPr>
+            <p:ph idx="1"/>
+          </p:nvPr>
+        </p:nvSpPr>
+        <p:spPr>
+          <a:xfrm>
+            <a:off x="822959" y="1661049"/>
+            <a:ext cx="8016241" cy="4531925"/>
+          </a:xfrm>
+        </p:spPr>
+        <p:txBody>
+          <a:bodyPr>
+            <a:normAutofit/>
+          </a:bodyPr>
+          <a:lstStyle/>
+          <a:p>
+            <a:r>
+              <a:rPr lang="en-US" altLang="ja-JP" dirty="0"/>
+              <a:t>GA</a:t>
+            </a:r>
+            <a:r>
+              <a:rPr lang="ja-JP" altLang="en-US" dirty="0"/>
+              <a:t>によるショートカット探索</a:t>
+            </a:r>
+            <a:endParaRPr lang="en-US" altLang="ja-JP" dirty="0"/>
+          </a:p>
+          <a:p>
+            <a:endParaRPr lang="en-US" altLang="ja-JP" dirty="0"/>
+          </a:p>
+          <a:p>
+            <a:r>
+              <a:rPr lang="ja-JP" altLang="en-US" dirty="0"/>
+              <a:t>課題</a:t>
+            </a:r>
+            <a:endParaRPr lang="en-US" altLang="ja-JP" dirty="0"/>
+          </a:p>
+          <a:p>
+            <a:r>
+              <a:rPr lang="ja-JP" altLang="en-US" dirty="0"/>
+              <a:t>実問題に対して汎用性確認</a:t>
+            </a:r>
+            <a:endParaRPr lang="en-US" altLang="ja-JP" dirty="0"/>
+          </a:p>
+          <a:p>
+            <a:r>
+              <a:rPr lang="ja-JP" altLang="en-US" dirty="0"/>
+              <a:t>パラメータ数が少ないモデルが</a:t>
+            </a:r>
+            <a:endParaRPr lang="en-US" altLang="ja-JP" dirty="0"/>
+          </a:p>
+          <a:p>
+            <a:r>
+              <a:rPr lang="ja-JP" altLang="en-US" dirty="0"/>
+              <a:t>得られるような適応度の設定</a:t>
+            </a:r>
+            <a:endParaRPr kumimoji="1" lang="ja-JP" altLang="en-US" dirty="0"/>
+          </a:p>
+        </p:txBody>
+      </p:sp>
+      <p:sp>
+        <p:nvSpPr>
+          <p:cNvPr id="4" name="スライド番号プレースホルダー 3">
+            <a:extLst>
+              <a:ext uri="{FF2B5EF4-FFF2-40B4-BE49-F238E27FC236}">
+                <a16:creationId xmlns:a16="http://schemas.microsoft.com/office/drawing/2014/main" id="{AA03A4AA-EAD6-4458-A4A6-95E81BCFB8C8}"/>
+              </a:ext>
+            </a:extLst>
+          </p:cNvPr>
+          <p:cNvSpPr>
+            <a:spLocks noGrp="1"/>
+          </p:cNvSpPr>
+          <p:nvPr>
+            <p:ph type="sldNum" sz="quarter" idx="12"/>
+          </p:nvPr>
+        </p:nvSpPr>
+        <p:spPr/>
+        <p:txBody>
+          <a:bodyPr/>
+          <a:lstStyle/>
+          <a:p>
+            <a:fld id="{304739FC-810C-4CDC-B60F-21F1951FBC64}" type="slidenum">
+              <a:rPr kumimoji="1" lang="ja-JP" altLang="en-US" smtClean="0"/>
+              <a:t>51</a:t>
+            </a:fld>
+            <a:endParaRPr kumimoji="1" lang="ja-JP" altLang="en-US"/>
+          </a:p>
+        </p:txBody>
+      </p:sp>
+    </p:spTree>
+    <p:extLst>
+      <p:ext uri="{BB962C8B-B14F-4D97-AF65-F5344CB8AC3E}">
+        <p14:creationId xmlns:p14="http://schemas.microsoft.com/office/powerpoint/2010/main" val="3275768855"/>
+      </p:ext>
+    </p:extLst>
+  </p:cSld>
+  <p:clrMapOvr>
+    <a:masterClrMapping/>
+  </p:clrMapOvr>
+</p:sld>
+</file>
+
+<file path=ppt/slides/slide52.xml><?xml version="1.0" encoding="utf-8"?>
+<p:sld xmlns:a="http://schemas.openxmlformats.org/drawingml/2006/main" xmlns:r="http://schemas.openxmlformats.org/officeDocument/2006/relationships" xmlns:p="http://schemas.openxmlformats.org/presentationml/2006/main">
+  <p:cSld>
+    <p:spTree>
+      <p:nvGrpSpPr>
+        <p:cNvPr id="1" name=""/>
+        <p:cNvGrpSpPr/>
+        <p:nvPr/>
+      </p:nvGrpSpPr>
+      <p:grpSpPr>
+        <a:xfrm>
+          <a:off x="0" y="0"/>
+          <a:ext cx="0" cy="0"/>
+          <a:chOff x="0" y="0"/>
+          <a:chExt cx="0" cy="0"/>
+        </a:xfrm>
+      </p:grpSpPr>
+      <p:sp>
+        <p:nvSpPr>
+          <p:cNvPr id="8" name="タイトル 7">
+            <a:extLst>
+              <a:ext uri="{FF2B5EF4-FFF2-40B4-BE49-F238E27FC236}">
+                <a16:creationId xmlns:a16="http://schemas.microsoft.com/office/drawing/2014/main" id="{5695746B-2D09-43FB-B1D1-BE7F3EB79F5C}"/>
+              </a:ext>
+            </a:extLst>
+          </p:cNvPr>
+          <p:cNvSpPr>
+            <a:spLocks noGrp="1"/>
+          </p:cNvSpPr>
+          <p:nvPr>
+            <p:ph type="title"/>
+          </p:nvPr>
+        </p:nvSpPr>
+        <p:spPr/>
+        <p:txBody>
+          <a:bodyPr>
+            <a:normAutofit/>
+          </a:bodyPr>
+          <a:lstStyle/>
+          <a:p>
+            <a:r>
+              <a:rPr lang="ja-JP" altLang="en-US" sz="6000" dirty="0"/>
+              <a:t>ご清聴ありがとう</a:t>
+            </a:r>
+            <a:br>
+              <a:rPr lang="en-US" altLang="ja-JP" sz="6000" dirty="0"/>
+            </a:br>
+            <a:r>
+              <a:rPr lang="ja-JP" altLang="en-US" sz="6000" dirty="0"/>
+              <a:t>ございました</a:t>
+            </a:r>
+            <a:endParaRPr kumimoji="1" lang="ja-JP" altLang="en-US" sz="6000" dirty="0"/>
+          </a:p>
+        </p:txBody>
+      </p:sp>
+      <p:sp>
+        <p:nvSpPr>
+          <p:cNvPr id="4" name="スライド番号プレースホルダー 3">
+            <a:extLst>
+              <a:ext uri="{FF2B5EF4-FFF2-40B4-BE49-F238E27FC236}">
+                <a16:creationId xmlns:a16="http://schemas.microsoft.com/office/drawing/2014/main" id="{FD0E98B8-3A05-4CDB-9494-F03EA8DF9B7F}"/>
+              </a:ext>
+            </a:extLst>
+          </p:cNvPr>
+          <p:cNvSpPr>
+            <a:spLocks noGrp="1"/>
+          </p:cNvSpPr>
+          <p:nvPr>
+            <p:ph type="sldNum" sz="quarter" idx="12"/>
+          </p:nvPr>
+        </p:nvSpPr>
+        <p:spPr/>
+        <p:txBody>
+          <a:bodyPr/>
+          <a:lstStyle/>
+          <a:p>
+            <a:fld id="{304739FC-810C-4CDC-B60F-21F1951FBC64}" type="slidenum">
+              <a:rPr kumimoji="1" lang="ja-JP" altLang="en-US" smtClean="0"/>
+              <a:t>52</a:t>
+            </a:fld>
+            <a:endParaRPr kumimoji="1" lang="ja-JP" altLang="en-US"/>
+          </a:p>
+        </p:txBody>
+      </p:sp>
+      <p:sp>
+        <p:nvSpPr>
+          <p:cNvPr id="9" name="正方形/長方形 8">
+            <a:extLst>
+              <a:ext uri="{FF2B5EF4-FFF2-40B4-BE49-F238E27FC236}">
+                <a16:creationId xmlns:a16="http://schemas.microsoft.com/office/drawing/2014/main" id="{8E53B5A8-45DB-4F3F-9A9D-CEBF5EAD6CFB}"/>
+              </a:ext>
+            </a:extLst>
+          </p:cNvPr>
+          <p:cNvSpPr/>
+          <p:nvPr/>
+        </p:nvSpPr>
+        <p:spPr>
+          <a:xfrm>
+            <a:off x="0" y="0"/>
+            <a:ext cx="9144000" cy="365125"/>
+          </a:xfrm>
+          <a:prstGeom prst="rect">
+            <a:avLst/>
+          </a:prstGeom>
+          <a:solidFill>
+            <a:schemeClr val="accent2"/>
+          </a:solidFill>
+          <a:ln>
+            <a:noFill/>
+          </a:ln>
+        </p:spPr>
+        <p:style>
+          <a:lnRef idx="0">
+            <a:scrgbClr r="0" g="0" b="0"/>
+          </a:lnRef>
+          <a:fillRef idx="0">
+            <a:scrgbClr r="0" g="0" b="0"/>
+          </a:fillRef>
+          <a:effectRef idx="0">
+            <a:scrgbClr r="0" g="0" b="0"/>
+          </a:effectRef>
+          <a:fontRef idx="minor">
+            <a:schemeClr val="lt1"/>
+          </a:fontRef>
+        </p:style>
+        <p:txBody>
+          <a:bodyPr rtlCol="0" anchor="ctr"/>
+          <a:lstStyle/>
+          <a:p>
+            <a:pPr algn="ctr"/>
+            <a:endParaRPr kumimoji="1" lang="ja-JP" altLang="en-US"/>
+          </a:p>
+        </p:txBody>
+      </p:sp>
+    </p:spTree>
+    <p:extLst>
+      <p:ext uri="{BB962C8B-B14F-4D97-AF65-F5344CB8AC3E}">
+        <p14:creationId xmlns:p14="http://schemas.microsoft.com/office/powerpoint/2010/main" val="2913194475"/>
       </p:ext>
     </p:extLst>
   </p:cSld>

--- a/report/2020後期/2020_2nd_sugiyama.pptx
+++ b/report/2020後期/2020_2nd_sugiyama.pptx
@@ -5,7 +5,7 @@
     <p:sldMasterId id="2147483672" r:id="rId1"/>
   </p:sldMasterIdLst>
   <p:notesMasterIdLst>
-    <p:notesMasterId r:id="rId54"/>
+    <p:notesMasterId r:id="rId57"/>
   </p:notesMasterIdLst>
   <p:sldIdLst>
     <p:sldId id="256" r:id="rId2"/>
@@ -47,19 +47,22 @@
     <p:sldId id="315" r:id="rId38"/>
     <p:sldId id="316" r:id="rId39"/>
     <p:sldId id="314" r:id="rId40"/>
-    <p:sldId id="317" r:id="rId41"/>
-    <p:sldId id="277" r:id="rId42"/>
-    <p:sldId id="298" r:id="rId43"/>
-    <p:sldId id="312" r:id="rId44"/>
-    <p:sldId id="299" r:id="rId45"/>
-    <p:sldId id="300" r:id="rId46"/>
-    <p:sldId id="321" r:id="rId47"/>
-    <p:sldId id="320" r:id="rId48"/>
-    <p:sldId id="319" r:id="rId49"/>
-    <p:sldId id="278" r:id="rId50"/>
-    <p:sldId id="293" r:id="rId51"/>
-    <p:sldId id="294" r:id="rId52"/>
-    <p:sldId id="307" r:id="rId53"/>
+    <p:sldId id="322" r:id="rId41"/>
+    <p:sldId id="317" r:id="rId42"/>
+    <p:sldId id="323" r:id="rId43"/>
+    <p:sldId id="324" r:id="rId44"/>
+    <p:sldId id="277" r:id="rId45"/>
+    <p:sldId id="298" r:id="rId46"/>
+    <p:sldId id="312" r:id="rId47"/>
+    <p:sldId id="299" r:id="rId48"/>
+    <p:sldId id="300" r:id="rId49"/>
+    <p:sldId id="321" r:id="rId50"/>
+    <p:sldId id="320" r:id="rId51"/>
+    <p:sldId id="319" r:id="rId52"/>
+    <p:sldId id="278" r:id="rId53"/>
+    <p:sldId id="293" r:id="rId54"/>
+    <p:sldId id="294" r:id="rId55"/>
+    <p:sldId id="307" r:id="rId56"/>
   </p:sldIdLst>
   <p:sldSz cx="9144000" cy="6858000" type="screen4x3"/>
   <p:notesSz cx="6858000" cy="9144000"/>
@@ -218,7 +221,10 @@
             <p14:sldId id="315"/>
             <p14:sldId id="316"/>
             <p14:sldId id="314"/>
+            <p14:sldId id="322"/>
             <p14:sldId id="317"/>
+            <p14:sldId id="323"/>
+            <p14:sldId id="324"/>
           </p14:sldIdLst>
         </p14:section>
         <p14:section name="実験2" id="{C2EA450A-6529-4ED3-82D8-59D81AEA30EC}">
@@ -953,7 +959,7 @@
           <a:p>
             <a:fld id="{570587E7-E4E0-444A-8778-95544D215363}" type="slidenum">
               <a:rPr kumimoji="1" lang="ja-JP" altLang="en-US" smtClean="0"/>
-              <a:t>42</a:t>
+              <a:t>45</a:t>
             </a:fld>
             <a:endParaRPr kumimoji="1" lang="ja-JP" altLang="en-US"/>
           </a:p>
@@ -1047,7 +1053,7 @@
           <a:p>
             <a:fld id="{570587E7-E4E0-444A-8778-95544D215363}" type="slidenum">
               <a:rPr kumimoji="1" lang="ja-JP" altLang="en-US" smtClean="0"/>
-              <a:t>43</a:t>
+              <a:t>46</a:t>
             </a:fld>
             <a:endParaRPr kumimoji="1" lang="ja-JP" altLang="en-US"/>
           </a:p>
@@ -6160,6 +6166,14 @@
   <p:clrMapOvr>
     <a:masterClrMapping/>
   </p:clrMapOvr>
+  <mc:AlternateContent xmlns:mc="http://schemas.openxmlformats.org/markup-compatibility/2006">
+    <mc:Choice xmlns:p14="http://schemas.microsoft.com/office/powerpoint/2010/main" Requires="p14">
+      <p:transition spd="slow" p14:dur="2000" advTm="6613"/>
+    </mc:Choice>
+    <mc:Fallback>
+      <p:transition spd="slow" advTm="6613"/>
+    </mc:Fallback>
+  </mc:AlternateContent>
 </p:sld>
 </file>
 
@@ -6876,6 +6890,14 @@
   <p:clrMapOvr>
     <a:masterClrMapping/>
   </p:clrMapOvr>
+  <mc:AlternateContent xmlns:mc="http://schemas.openxmlformats.org/markup-compatibility/2006">
+    <mc:Choice xmlns:p14="http://schemas.microsoft.com/office/powerpoint/2010/main" Requires="p14">
+      <p:transition spd="slow" p14:dur="2000" advTm="8003"/>
+    </mc:Choice>
+    <mc:Fallback>
+      <p:transition spd="slow" advTm="8003"/>
+    </mc:Fallback>
+  </mc:AlternateContent>
 </p:sld>
 </file>
 
@@ -7140,6 +7162,14 @@
   <p:clrMapOvr>
     <a:masterClrMapping/>
   </p:clrMapOvr>
+  <mc:AlternateContent xmlns:mc="http://schemas.openxmlformats.org/markup-compatibility/2006">
+    <mc:Choice xmlns:p14="http://schemas.microsoft.com/office/powerpoint/2010/main" Requires="p14">
+      <p:transition spd="slow" p14:dur="2000" advTm="8971"/>
+    </mc:Choice>
+    <mc:Fallback>
+      <p:transition spd="slow" advTm="8971"/>
+    </mc:Fallback>
+  </mc:AlternateContent>
 </p:sld>
 </file>
 
@@ -7407,6 +7437,14 @@
   <p:clrMapOvr>
     <a:masterClrMapping/>
   </p:clrMapOvr>
+  <mc:AlternateContent xmlns:mc="http://schemas.openxmlformats.org/markup-compatibility/2006">
+    <mc:Choice xmlns:p14="http://schemas.microsoft.com/office/powerpoint/2010/main" Requires="p14">
+      <p:transition spd="slow" p14:dur="2000" advTm="37080"/>
+    </mc:Choice>
+    <mc:Fallback>
+      <p:transition spd="slow" advTm="37080"/>
+    </mc:Fallback>
+  </mc:AlternateContent>
 </p:sld>
 </file>
 
@@ -7641,6 +7679,14 @@
   <p:clrMapOvr>
     <a:masterClrMapping/>
   </p:clrMapOvr>
+  <mc:AlternateContent xmlns:mc="http://schemas.openxmlformats.org/markup-compatibility/2006">
+    <mc:Choice xmlns:p14="http://schemas.microsoft.com/office/powerpoint/2010/main" Requires="p14">
+      <p:transition spd="slow" p14:dur="2000" advTm="10735"/>
+    </mc:Choice>
+    <mc:Fallback>
+      <p:transition spd="slow" advTm="10735"/>
+    </mc:Fallback>
+  </mc:AlternateContent>
 </p:sld>
 </file>
 
@@ -7921,6 +7967,14 @@
   <p:clrMapOvr>
     <a:masterClrMapping/>
   </p:clrMapOvr>
+  <mc:AlternateContent xmlns:mc="http://schemas.openxmlformats.org/markup-compatibility/2006">
+    <mc:Choice xmlns:p14="http://schemas.microsoft.com/office/powerpoint/2010/main" Requires="p14">
+      <p:transition spd="slow" p14:dur="2000" advTm="23591"/>
+    </mc:Choice>
+    <mc:Fallback>
+      <p:transition spd="slow" advTm="23591"/>
+    </mc:Fallback>
+  </mc:AlternateContent>
 </p:sld>
 </file>
 
@@ -8065,7 +8119,7 @@
           <a:graphicData uri="http://schemas.openxmlformats.org/presentationml/2006/ole">
             <mc:AlternateContent xmlns:mc="http://schemas.openxmlformats.org/markup-compatibility/2006">
               <mc:Choice xmlns:v="urn:schemas-microsoft-com:vml" Requires="v">
-                <p:oleObj spid="_x0000_s14353" name="ビットマップ イメージ" r:id="rId3" imgW="1800360" imgH="1800360" progId="Paint.Picture">
+                <p:oleObj spid="_x0000_s14358" name="ビットマップ イメージ" r:id="rId3" imgW="1800360" imgH="1800360" progId="Paint.Picture">
                   <p:embed/>
                 </p:oleObj>
               </mc:Choice>
@@ -9761,6 +9815,14 @@
   <p:clrMapOvr>
     <a:masterClrMapping/>
   </p:clrMapOvr>
+  <mc:AlternateContent xmlns:mc="http://schemas.openxmlformats.org/markup-compatibility/2006">
+    <mc:Choice xmlns:p14="http://schemas.microsoft.com/office/powerpoint/2010/main" Requires="p14">
+      <p:transition spd="slow" p14:dur="2000" advTm="43456"/>
+    </mc:Choice>
+    <mc:Fallback>
+      <p:transition spd="slow" advTm="43456"/>
+    </mc:Fallback>
+  </mc:AlternateContent>
 </p:sld>
 </file>
 
@@ -10092,6 +10154,14 @@
   <p:clrMapOvr>
     <a:masterClrMapping/>
   </p:clrMapOvr>
+  <mc:AlternateContent xmlns:mc="http://schemas.openxmlformats.org/markup-compatibility/2006">
+    <mc:Choice xmlns:p14="http://schemas.microsoft.com/office/powerpoint/2010/main" Requires="p14">
+      <p:transition spd="slow" p14:dur="2000" advTm="23087"/>
+    </mc:Choice>
+    <mc:Fallback>
+      <p:transition spd="slow" advTm="23087"/>
+    </mc:Fallback>
+  </mc:AlternateContent>
 </p:sld>
 </file>
 
@@ -10382,6 +10452,14 @@
   <p:clrMapOvr>
     <a:masterClrMapping/>
   </p:clrMapOvr>
+  <mc:AlternateContent xmlns:mc="http://schemas.openxmlformats.org/markup-compatibility/2006">
+    <mc:Choice xmlns:p14="http://schemas.microsoft.com/office/powerpoint/2010/main" Requires="p14">
+      <p:transition spd="slow" p14:dur="2000" advTm="39735"/>
+    </mc:Choice>
+    <mc:Fallback>
+      <p:transition spd="slow" advTm="39735"/>
+    </mc:Fallback>
+  </mc:AlternateContent>
 </p:sld>
 </file>
 
@@ -10676,6 +10754,14 @@
   <p:clrMapOvr>
     <a:masterClrMapping/>
   </p:clrMapOvr>
+  <mc:AlternateContent xmlns:mc="http://schemas.openxmlformats.org/markup-compatibility/2006">
+    <mc:Choice xmlns:p14="http://schemas.microsoft.com/office/powerpoint/2010/main" Requires="p14">
+      <p:transition spd="slow" p14:dur="2000" advTm="16423"/>
+    </mc:Choice>
+    <mc:Fallback>
+      <p:transition spd="slow" advTm="16423"/>
+    </mc:Fallback>
+  </mc:AlternateContent>
 </p:sld>
 </file>
 
@@ -12156,6 +12242,14 @@
   <p:clrMapOvr>
     <a:masterClrMapping/>
   </p:clrMapOvr>
+  <mc:AlternateContent xmlns:mc="http://schemas.openxmlformats.org/markup-compatibility/2006">
+    <mc:Choice xmlns:p14="http://schemas.microsoft.com/office/powerpoint/2010/main" Requires="p14">
+      <p:transition spd="slow" p14:dur="2000" advTm="12882"/>
+    </mc:Choice>
+    <mc:Fallback>
+      <p:transition spd="slow" advTm="12882"/>
+    </mc:Fallback>
+  </mc:AlternateContent>
 </p:sld>
 </file>
 
@@ -12338,6 +12432,14 @@
   <p:clrMapOvr>
     <a:masterClrMapping/>
   </p:clrMapOvr>
+  <mc:AlternateContent xmlns:mc="http://schemas.openxmlformats.org/markup-compatibility/2006">
+    <mc:Choice xmlns:p14="http://schemas.microsoft.com/office/powerpoint/2010/main" Requires="p14">
+      <p:transition spd="slow" p14:dur="2000" advTm="2705"/>
+    </mc:Choice>
+    <mc:Fallback>
+      <p:transition spd="slow" advTm="2705"/>
+    </mc:Fallback>
+  </mc:AlternateContent>
 </p:sld>
 </file>
 
@@ -13868,6 +13970,14 @@
   <p:clrMapOvr>
     <a:masterClrMapping/>
   </p:clrMapOvr>
+  <mc:AlternateContent xmlns:mc="http://schemas.openxmlformats.org/markup-compatibility/2006">
+    <mc:Choice xmlns:p14="http://schemas.microsoft.com/office/powerpoint/2010/main" Requires="p14">
+      <p:transition spd="slow" p14:dur="2000" advTm="11212"/>
+    </mc:Choice>
+    <mc:Fallback>
+      <p:transition spd="slow" advTm="11212"/>
+    </mc:Fallback>
+  </mc:AlternateContent>
 </p:sld>
 </file>
 
@@ -15315,6 +15425,14 @@
   <p:clrMapOvr>
     <a:masterClrMapping/>
   </p:clrMapOvr>
+  <mc:AlternateContent xmlns:mc="http://schemas.openxmlformats.org/markup-compatibility/2006">
+    <mc:Choice xmlns:p14="http://schemas.microsoft.com/office/powerpoint/2010/main" Requires="p14">
+      <p:transition spd="slow" p14:dur="2000" advTm="14453"/>
+    </mc:Choice>
+    <mc:Fallback>
+      <p:transition spd="slow" advTm="14453"/>
+    </mc:Fallback>
+  </mc:AlternateContent>
 </p:sld>
 </file>
 
@@ -16805,6 +16923,14 @@
   <p:clrMapOvr>
     <a:masterClrMapping/>
   </p:clrMapOvr>
+  <mc:AlternateContent xmlns:mc="http://schemas.openxmlformats.org/markup-compatibility/2006">
+    <mc:Choice xmlns:p14="http://schemas.microsoft.com/office/powerpoint/2010/main" Requires="p14">
+      <p:transition spd="slow" p14:dur="2000" advTm="22019"/>
+    </mc:Choice>
+    <mc:Fallback>
+      <p:transition spd="slow" advTm="22019"/>
+    </mc:Fallback>
+  </mc:AlternateContent>
 </p:sld>
 </file>
 
@@ -17041,6 +17167,14 @@
   <p:clrMapOvr>
     <a:masterClrMapping/>
   </p:clrMapOvr>
+  <mc:AlternateContent xmlns:mc="http://schemas.openxmlformats.org/markup-compatibility/2006">
+    <mc:Choice xmlns:p14="http://schemas.microsoft.com/office/powerpoint/2010/main" Requires="p14">
+      <p:transition spd="slow" p14:dur="2000" advTm="3311"/>
+    </mc:Choice>
+    <mc:Fallback>
+      <p:transition spd="slow" advTm="3311"/>
+    </mc:Fallback>
+  </mc:AlternateContent>
 </p:sld>
 </file>
 
@@ -17189,6 +17323,14 @@
   <p:clrMapOvr>
     <a:masterClrMapping/>
   </p:clrMapOvr>
+  <mc:AlternateContent xmlns:mc="http://schemas.openxmlformats.org/markup-compatibility/2006">
+    <mc:Choice xmlns:p14="http://schemas.microsoft.com/office/powerpoint/2010/main" Requires="p14">
+      <p:transition spd="slow" p14:dur="2000" advTm="19288"/>
+    </mc:Choice>
+    <mc:Fallback>
+      <p:transition spd="slow" advTm="19288"/>
+    </mc:Fallback>
+  </mc:AlternateContent>
 </p:sld>
 </file>
 
@@ -17828,6 +17970,14 @@
   <p:clrMapOvr>
     <a:masterClrMapping/>
   </p:clrMapOvr>
+  <mc:AlternateContent xmlns:mc="http://schemas.openxmlformats.org/markup-compatibility/2006">
+    <mc:Choice xmlns:p14="http://schemas.microsoft.com/office/powerpoint/2010/main" Requires="p14">
+      <p:transition spd="slow" p14:dur="2000" advTm="37195"/>
+    </mc:Choice>
+    <mc:Fallback>
+      <p:transition spd="slow" advTm="37195"/>
+    </mc:Fallback>
+  </mc:AlternateContent>
 </p:sld>
 </file>
 
@@ -18638,6 +18788,14 @@
   <p:clrMapOvr>
     <a:masterClrMapping/>
   </p:clrMapOvr>
+  <mc:AlternateContent xmlns:mc="http://schemas.openxmlformats.org/markup-compatibility/2006">
+    <mc:Choice xmlns:p14="http://schemas.microsoft.com/office/powerpoint/2010/main" Requires="p14">
+      <p:transition spd="slow" p14:dur="2000" advTm="22216"/>
+    </mc:Choice>
+    <mc:Fallback>
+      <p:transition spd="slow" advTm="22216"/>
+    </mc:Fallback>
+  </mc:AlternateContent>
 </p:sld>
 </file>
 
@@ -18807,6 +18965,14 @@
   <p:clrMapOvr>
     <a:masterClrMapping/>
   </p:clrMapOvr>
+  <mc:AlternateContent xmlns:mc="http://schemas.openxmlformats.org/markup-compatibility/2006">
+    <mc:Choice xmlns:p14="http://schemas.microsoft.com/office/powerpoint/2010/main" Requires="p14">
+      <p:transition spd="slow" p14:dur="2000" advTm="13232"/>
+    </mc:Choice>
+    <mc:Fallback>
+      <p:transition spd="slow" advTm="13232"/>
+    </mc:Fallback>
+  </mc:AlternateContent>
 </p:sld>
 </file>
 
@@ -19089,6 +19255,14 @@
   <p:clrMapOvr>
     <a:masterClrMapping/>
   </p:clrMapOvr>
+  <mc:AlternateContent xmlns:mc="http://schemas.openxmlformats.org/markup-compatibility/2006">
+    <mc:Choice xmlns:p14="http://schemas.microsoft.com/office/powerpoint/2010/main" Requires="p14">
+      <p:transition spd="slow" p14:dur="2000" advTm="58627"/>
+    </mc:Choice>
+    <mc:Fallback>
+      <p:transition spd="slow" advTm="58627"/>
+    </mc:Fallback>
+  </mc:AlternateContent>
 </p:sld>
 </file>
 
@@ -19325,6 +19499,14 @@
   <p:clrMapOvr>
     <a:masterClrMapping/>
   </p:clrMapOvr>
+  <mc:AlternateContent xmlns:mc="http://schemas.openxmlformats.org/markup-compatibility/2006">
+    <mc:Choice xmlns:p14="http://schemas.microsoft.com/office/powerpoint/2010/main" Requires="p14">
+      <p:transition spd="slow" p14:dur="2000" advTm="1650"/>
+    </mc:Choice>
+    <mc:Fallback>
+      <p:transition spd="slow" advTm="1650"/>
+    </mc:Fallback>
+  </mc:AlternateContent>
 </p:sld>
 </file>
 
@@ -19561,6 +19743,14 @@
   <p:clrMapOvr>
     <a:masterClrMapping/>
   </p:clrMapOvr>
+  <mc:AlternateContent xmlns:mc="http://schemas.openxmlformats.org/markup-compatibility/2006">
+    <mc:Choice xmlns:p14="http://schemas.microsoft.com/office/powerpoint/2010/main" Requires="p14">
+      <p:transition spd="slow" p14:dur="2000" advTm="1060"/>
+    </mc:Choice>
+    <mc:Fallback>
+      <p:transition spd="slow" advTm="1060"/>
+    </mc:Fallback>
+  </mc:AlternateContent>
 </p:sld>
 </file>
 
@@ -20285,6 +20475,14 @@
   <p:clrMapOvr>
     <a:masterClrMapping/>
   </p:clrMapOvr>
+  <mc:AlternateContent xmlns:mc="http://schemas.openxmlformats.org/markup-compatibility/2006">
+    <mc:Choice xmlns:p14="http://schemas.microsoft.com/office/powerpoint/2010/main" Requires="p14">
+      <p:transition spd="slow" p14:dur="2000" advTm="45424"/>
+    </mc:Choice>
+    <mc:Fallback>
+      <p:transition spd="slow" advTm="45424"/>
+    </mc:Fallback>
+  </mc:AlternateContent>
 </p:sld>
 </file>
 
@@ -20579,6 +20777,14 @@
   <p:clrMapOvr>
     <a:masterClrMapping/>
   </p:clrMapOvr>
+  <mc:AlternateContent xmlns:mc="http://schemas.openxmlformats.org/markup-compatibility/2006">
+    <mc:Choice xmlns:p14="http://schemas.microsoft.com/office/powerpoint/2010/main" Requires="p14">
+      <p:transition spd="slow" p14:dur="2000" advTm="16118"/>
+    </mc:Choice>
+    <mc:Fallback>
+      <p:transition spd="slow" advTm="16118"/>
+    </mc:Fallback>
+  </mc:AlternateContent>
 </p:sld>
 </file>
 
@@ -20835,6 +21041,14 @@
   <p:clrMapOvr>
     <a:masterClrMapping/>
   </p:clrMapOvr>
+  <mc:AlternateContent xmlns:mc="http://schemas.openxmlformats.org/markup-compatibility/2006">
+    <mc:Choice xmlns:p14="http://schemas.microsoft.com/office/powerpoint/2010/main" Requires="p14">
+      <p:transition spd="slow" p14:dur="2000" advTm="33063"/>
+    </mc:Choice>
+    <mc:Fallback>
+      <p:transition spd="slow" advTm="33063"/>
+    </mc:Fallback>
+  </mc:AlternateContent>
 </p:sld>
 </file>
 
@@ -21256,6 +21470,14 @@
   <p:clrMapOvr>
     <a:masterClrMapping/>
   </p:clrMapOvr>
+  <mc:AlternateContent xmlns:mc="http://schemas.openxmlformats.org/markup-compatibility/2006">
+    <mc:Choice xmlns:p14="http://schemas.microsoft.com/office/powerpoint/2010/main" Requires="p14">
+      <p:transition spd="slow" p14:dur="2000" advTm="50118"/>
+    </mc:Choice>
+    <mc:Fallback>
+      <p:transition spd="slow" advTm="50118"/>
+    </mc:Fallback>
+  </mc:AlternateContent>
 </p:sld>
 </file>
 
@@ -21959,6 +22181,14 @@
   <p:clrMapOvr>
     <a:masterClrMapping/>
   </p:clrMapOvr>
+  <mc:AlternateContent xmlns:mc="http://schemas.openxmlformats.org/markup-compatibility/2006">
+    <mc:Choice xmlns:p14="http://schemas.microsoft.com/office/powerpoint/2010/main" Requires="p14">
+      <p:transition spd="slow" p14:dur="2000" advTm="14810"/>
+    </mc:Choice>
+    <mc:Fallback>
+      <p:transition spd="slow" advTm="14810"/>
+    </mc:Fallback>
+  </mc:AlternateContent>
 </p:sld>
 </file>
 
@@ -22136,6 +22366,14 @@
   <p:clrMapOvr>
     <a:masterClrMapping/>
   </p:clrMapOvr>
+  <mc:AlternateContent xmlns:mc="http://schemas.openxmlformats.org/markup-compatibility/2006">
+    <mc:Choice xmlns:p14="http://schemas.microsoft.com/office/powerpoint/2010/main" Requires="p14">
+      <p:transition spd="slow" p14:dur="2000" advTm="21596"/>
+    </mc:Choice>
+    <mc:Fallback>
+      <p:transition spd="slow" advTm="21596"/>
+    </mc:Fallback>
+  </mc:AlternateContent>
 </p:sld>
 </file>
 
@@ -23499,6 +23737,14 @@
   <p:clrMapOvr>
     <a:masterClrMapping/>
   </p:clrMapOvr>
+  <mc:AlternateContent xmlns:mc="http://schemas.openxmlformats.org/markup-compatibility/2006">
+    <mc:Choice xmlns:p14="http://schemas.microsoft.com/office/powerpoint/2010/main" Requires="p14">
+      <p:transition spd="slow" p14:dur="2000" advTm="63135"/>
+    </mc:Choice>
+    <mc:Fallback>
+      <p:transition spd="slow" advTm="63135"/>
+    </mc:Fallback>
+  </mc:AlternateContent>
 </p:sld>
 </file>
 
@@ -23690,6 +23936,14 @@
   <p:clrMapOvr>
     <a:masterClrMapping/>
   </p:clrMapOvr>
+  <mc:AlternateContent xmlns:mc="http://schemas.openxmlformats.org/markup-compatibility/2006">
+    <mc:Choice xmlns:p14="http://schemas.microsoft.com/office/powerpoint/2010/main" Requires="p14">
+      <p:transition spd="slow" p14:dur="2000" advTm="44312"/>
+    </mc:Choice>
+    <mc:Fallback>
+      <p:transition spd="slow" advTm="44312"/>
+    </mc:Fallback>
+  </mc:AlternateContent>
 </p:sld>
 </file>
 
@@ -23884,6 +24138,14 @@
   <p:clrMapOvr>
     <a:masterClrMapping/>
   </p:clrMapOvr>
+  <mc:AlternateContent xmlns:mc="http://schemas.openxmlformats.org/markup-compatibility/2006">
+    <mc:Choice xmlns:p14="http://schemas.microsoft.com/office/powerpoint/2010/main" Requires="p14">
+      <p:transition spd="slow" p14:dur="2000" advTm="27032"/>
+    </mc:Choice>
+    <mc:Fallback>
+      <p:transition spd="slow" advTm="27032"/>
+    </mc:Fallback>
+  </mc:AlternateContent>
 </p:sld>
 </file>
 
@@ -24309,6 +24571,14 @@
   <p:clrMapOvr>
     <a:masterClrMapping/>
   </p:clrMapOvr>
+  <mc:AlternateContent xmlns:mc="http://schemas.openxmlformats.org/markup-compatibility/2006">
+    <mc:Choice xmlns:p14="http://schemas.microsoft.com/office/powerpoint/2010/main" Requires="p14">
+      <p:transition spd="slow" p14:dur="2000" advTm="24222"/>
+    </mc:Choice>
+    <mc:Fallback>
+      <p:transition spd="slow" advTm="24222"/>
+    </mc:Fallback>
+  </mc:AlternateContent>
 </p:sld>
 </file>
 
@@ -24699,10 +24969,948 @@
   <p:clrMapOvr>
     <a:masterClrMapping/>
   </p:clrMapOvr>
+  <mc:AlternateContent xmlns:mc="http://schemas.openxmlformats.org/markup-compatibility/2006">
+    <mc:Choice xmlns:p14="http://schemas.microsoft.com/office/powerpoint/2010/main" Requires="p14">
+      <p:transition spd="slow" p14:dur="2000" advTm="15881"/>
+    </mc:Choice>
+    <mc:Fallback>
+      <p:transition spd="slow" advTm="15881"/>
+    </mc:Fallback>
+  </mc:AlternateContent>
 </p:sld>
 </file>
 
 <file path=ppt/slides/slide40.xml><?xml version="1.0" encoding="utf-8"?>
+<p:sld xmlns:a="http://schemas.openxmlformats.org/drawingml/2006/main" xmlns:r="http://schemas.openxmlformats.org/officeDocument/2006/relationships" xmlns:p="http://schemas.openxmlformats.org/presentationml/2006/main" show="0">
+  <p:cSld>
+    <p:spTree>
+      <p:nvGrpSpPr>
+        <p:cNvPr id="1" name=""/>
+        <p:cNvGrpSpPr/>
+        <p:nvPr/>
+      </p:nvGrpSpPr>
+      <p:grpSpPr>
+        <a:xfrm>
+          <a:off x="0" y="0"/>
+          <a:ext cx="0" cy="0"/>
+          <a:chOff x="0" y="0"/>
+          <a:chExt cx="0" cy="0"/>
+        </a:xfrm>
+      </p:grpSpPr>
+      <p:sp>
+        <p:nvSpPr>
+          <p:cNvPr id="2" name="タイトル 1">
+            <a:extLst>
+              <a:ext uri="{FF2B5EF4-FFF2-40B4-BE49-F238E27FC236}">
+                <a16:creationId xmlns:a16="http://schemas.microsoft.com/office/drawing/2014/main" id="{D46ABB39-F0C4-4941-8AC3-45B843579753}"/>
+              </a:ext>
+            </a:extLst>
+          </p:cNvPr>
+          <p:cNvSpPr>
+            <a:spLocks noGrp="1"/>
+          </p:cNvSpPr>
+          <p:nvPr>
+            <p:ph type="title"/>
+          </p:nvPr>
+        </p:nvSpPr>
+        <p:spPr/>
+        <p:txBody>
+          <a:bodyPr/>
+          <a:lstStyle/>
+          <a:p>
+            <a:r>
+              <a:rPr kumimoji="1" lang="ja-JP" altLang="en-US" dirty="0"/>
+              <a:t>実験</a:t>
+            </a:r>
+            <a:r>
+              <a:rPr kumimoji="1" lang="en-US" altLang="ja-JP" dirty="0"/>
+              <a:t>1 </a:t>
+            </a:r>
+            <a:r>
+              <a:rPr kumimoji="1" lang="ja-JP" altLang="en-US" dirty="0"/>
+              <a:t>： 結果</a:t>
+            </a:r>
+          </a:p>
+        </p:txBody>
+      </p:sp>
+      <p:sp>
+        <p:nvSpPr>
+          <p:cNvPr id="4" name="スライド番号プレースホルダー 3">
+            <a:extLst>
+              <a:ext uri="{FF2B5EF4-FFF2-40B4-BE49-F238E27FC236}">
+                <a16:creationId xmlns:a16="http://schemas.microsoft.com/office/drawing/2014/main" id="{0B3C2E9D-0858-4A34-8898-41EF151E398D}"/>
+              </a:ext>
+            </a:extLst>
+          </p:cNvPr>
+          <p:cNvSpPr>
+            <a:spLocks noGrp="1"/>
+          </p:cNvSpPr>
+          <p:nvPr>
+            <p:ph type="sldNum" sz="quarter" idx="12"/>
+          </p:nvPr>
+        </p:nvSpPr>
+        <p:spPr/>
+        <p:txBody>
+          <a:bodyPr/>
+          <a:lstStyle/>
+          <a:p>
+            <a:fld id="{304739FC-810C-4CDC-B60F-21F1951FBC64}" type="slidenum">
+              <a:rPr kumimoji="1" lang="ja-JP" altLang="en-US" smtClean="0"/>
+              <a:t>40</a:t>
+            </a:fld>
+            <a:endParaRPr kumimoji="1" lang="ja-JP" altLang="en-US"/>
+          </a:p>
+        </p:txBody>
+      </p:sp>
+      <p:sp>
+        <p:nvSpPr>
+          <p:cNvPr id="9" name="コンテンツ プレースホルダー 9">
+            <a:extLst>
+              <a:ext uri="{FF2B5EF4-FFF2-40B4-BE49-F238E27FC236}">
+                <a16:creationId xmlns:a16="http://schemas.microsoft.com/office/drawing/2014/main" id="{BC2ED203-692B-4A53-8214-3B38AF46941A}"/>
+              </a:ext>
+            </a:extLst>
+          </p:cNvPr>
+          <p:cNvSpPr txBox="1">
+            <a:spLocks/>
+          </p:cNvSpPr>
+          <p:nvPr/>
+        </p:nvSpPr>
+        <p:spPr>
+          <a:xfrm>
+            <a:off x="1238250" y="5276850"/>
+            <a:ext cx="7128509" cy="916124"/>
+          </a:xfrm>
+          <a:prstGeom prst="rect">
+            <a:avLst/>
+          </a:prstGeom>
+        </p:spPr>
+        <p:txBody>
+          <a:bodyPr vert="horz" lIns="0" tIns="45720" rIns="0" bIns="45720" rtlCol="0">
+            <a:normAutofit fontScale="77500" lnSpcReduction="20000"/>
+          </a:bodyPr>
+          <a:lstStyle>
+            <a:lvl1pPr marL="0" indent="0" algn="l" defTabSz="914400" rtl="0" eaLnBrk="1" latinLnBrk="0" hangingPunct="1">
+              <a:lnSpc>
+                <a:spcPct val="90000"/>
+              </a:lnSpc>
+              <a:spcBef>
+                <a:spcPts val="1200"/>
+              </a:spcBef>
+              <a:spcAft>
+                <a:spcPts val="200"/>
+              </a:spcAft>
+              <a:buClr>
+                <a:schemeClr val="accent1"/>
+              </a:buClr>
+              <a:buSzPct val="100000"/>
+              <a:buFontTx/>
+              <a:buNone/>
+              <a:defRPr kumimoji="1" sz="3600" kern="1200">
+                <a:solidFill>
+                  <a:schemeClr val="tx1">
+                    <a:lumMod val="75000"/>
+                    <a:lumOff val="25000"/>
+                  </a:schemeClr>
+                </a:solidFill>
+                <a:latin typeface="+mn-ea"/>
+                <a:ea typeface="+mn-ea"/>
+                <a:cs typeface="+mn-cs"/>
+              </a:defRPr>
+            </a:lvl1pPr>
+            <a:lvl2pPr marL="384048" indent="-182880" algn="l" defTabSz="914400" rtl="0" eaLnBrk="1" latinLnBrk="0" hangingPunct="1">
+              <a:lnSpc>
+                <a:spcPct val="90000"/>
+              </a:lnSpc>
+              <a:spcBef>
+                <a:spcPts val="200"/>
+              </a:spcBef>
+              <a:spcAft>
+                <a:spcPts val="400"/>
+              </a:spcAft>
+              <a:buClr>
+                <a:schemeClr val="accent1"/>
+              </a:buClr>
+              <a:buSzPct val="100000"/>
+              <a:buFont typeface="Wingdings" panose="05000000000000000000" pitchFamily="2" charset="2"/>
+              <a:buChar char="u"/>
+              <a:defRPr kumimoji="1" sz="3200" kern="1200">
+                <a:solidFill>
+                  <a:schemeClr val="tx1">
+                    <a:lumMod val="75000"/>
+                    <a:lumOff val="25000"/>
+                  </a:schemeClr>
+                </a:solidFill>
+                <a:latin typeface="+mn-ea"/>
+                <a:ea typeface="+mn-ea"/>
+                <a:cs typeface="+mn-cs"/>
+              </a:defRPr>
+            </a:lvl2pPr>
+            <a:lvl3pPr marL="566928" indent="-182880" algn="l" defTabSz="914400" rtl="0" eaLnBrk="1" latinLnBrk="0" hangingPunct="1">
+              <a:lnSpc>
+                <a:spcPct val="90000"/>
+              </a:lnSpc>
+              <a:spcBef>
+                <a:spcPts val="200"/>
+              </a:spcBef>
+              <a:spcAft>
+                <a:spcPts val="400"/>
+              </a:spcAft>
+              <a:buClr>
+                <a:schemeClr val="accent1"/>
+              </a:buClr>
+              <a:buSzPct val="100000"/>
+              <a:buFont typeface="Wingdings" panose="05000000000000000000" pitchFamily="2" charset="2"/>
+              <a:buChar char="u"/>
+              <a:defRPr kumimoji="1" sz="2400" kern="1200">
+                <a:solidFill>
+                  <a:schemeClr val="tx1">
+                    <a:lumMod val="75000"/>
+                    <a:lumOff val="25000"/>
+                  </a:schemeClr>
+                </a:solidFill>
+                <a:latin typeface="+mn-ea"/>
+                <a:ea typeface="+mn-ea"/>
+                <a:cs typeface="+mn-cs"/>
+              </a:defRPr>
+            </a:lvl3pPr>
+            <a:lvl4pPr marL="749808" indent="-182880" algn="l" defTabSz="914400" rtl="0" eaLnBrk="1" latinLnBrk="0" hangingPunct="1">
+              <a:lnSpc>
+                <a:spcPct val="90000"/>
+              </a:lnSpc>
+              <a:spcBef>
+                <a:spcPts val="200"/>
+              </a:spcBef>
+              <a:spcAft>
+                <a:spcPts val="400"/>
+              </a:spcAft>
+              <a:buClr>
+                <a:schemeClr val="accent1"/>
+              </a:buClr>
+              <a:buSzPct val="100000"/>
+              <a:buFont typeface="Wingdings" panose="05000000000000000000" pitchFamily="2" charset="2"/>
+              <a:buChar char="u"/>
+              <a:defRPr kumimoji="1" sz="2400" kern="1200">
+                <a:solidFill>
+                  <a:schemeClr val="tx1">
+                    <a:lumMod val="75000"/>
+                    <a:lumOff val="25000"/>
+                  </a:schemeClr>
+                </a:solidFill>
+                <a:latin typeface="+mn-ea"/>
+                <a:ea typeface="+mn-ea"/>
+                <a:cs typeface="+mn-cs"/>
+              </a:defRPr>
+            </a:lvl4pPr>
+            <a:lvl5pPr marL="932688" indent="-182880" algn="l" defTabSz="914400" rtl="0" eaLnBrk="1" latinLnBrk="0" hangingPunct="1">
+              <a:lnSpc>
+                <a:spcPct val="90000"/>
+              </a:lnSpc>
+              <a:spcBef>
+                <a:spcPts val="200"/>
+              </a:spcBef>
+              <a:spcAft>
+                <a:spcPts val="400"/>
+              </a:spcAft>
+              <a:buClr>
+                <a:schemeClr val="accent1"/>
+              </a:buClr>
+              <a:buSzPct val="100000"/>
+              <a:buFont typeface="Wingdings" panose="05000000000000000000" pitchFamily="2" charset="2"/>
+              <a:buChar char="u"/>
+              <a:defRPr kumimoji="1" sz="2400" kern="1200">
+                <a:solidFill>
+                  <a:schemeClr val="tx1">
+                    <a:lumMod val="75000"/>
+                    <a:lumOff val="25000"/>
+                  </a:schemeClr>
+                </a:solidFill>
+                <a:latin typeface="+mn-ea"/>
+                <a:ea typeface="+mn-ea"/>
+                <a:cs typeface="+mn-cs"/>
+              </a:defRPr>
+            </a:lvl5pPr>
+            <a:lvl6pPr marL="1100000" indent="-228600" algn="l" defTabSz="914400" rtl="0" eaLnBrk="1" latinLnBrk="0" hangingPunct="1">
+              <a:lnSpc>
+                <a:spcPct val="90000"/>
+              </a:lnSpc>
+              <a:spcBef>
+                <a:spcPts val="200"/>
+              </a:spcBef>
+              <a:spcAft>
+                <a:spcPts val="400"/>
+              </a:spcAft>
+              <a:buClr>
+                <a:schemeClr val="accent1"/>
+              </a:buClr>
+              <a:buFont typeface="Calibri" pitchFamily="34" charset="0"/>
+              <a:buChar char="◦"/>
+              <a:defRPr kumimoji="1" sz="1400" kern="1200">
+                <a:solidFill>
+                  <a:schemeClr val="tx1">
+                    <a:lumMod val="75000"/>
+                    <a:lumOff val="25000"/>
+                  </a:schemeClr>
+                </a:solidFill>
+                <a:latin typeface="+mn-lt"/>
+                <a:ea typeface="+mn-ea"/>
+                <a:cs typeface="+mn-cs"/>
+              </a:defRPr>
+            </a:lvl6pPr>
+            <a:lvl7pPr marL="1300000" indent="-228600" algn="l" defTabSz="914400" rtl="0" eaLnBrk="1" latinLnBrk="0" hangingPunct="1">
+              <a:lnSpc>
+                <a:spcPct val="90000"/>
+              </a:lnSpc>
+              <a:spcBef>
+                <a:spcPts val="200"/>
+              </a:spcBef>
+              <a:spcAft>
+                <a:spcPts val="400"/>
+              </a:spcAft>
+              <a:buClr>
+                <a:schemeClr val="accent1"/>
+              </a:buClr>
+              <a:buFont typeface="Calibri" pitchFamily="34" charset="0"/>
+              <a:buChar char="◦"/>
+              <a:defRPr kumimoji="1" sz="1400" kern="1200">
+                <a:solidFill>
+                  <a:schemeClr val="tx1">
+                    <a:lumMod val="75000"/>
+                    <a:lumOff val="25000"/>
+                  </a:schemeClr>
+                </a:solidFill>
+                <a:latin typeface="+mn-lt"/>
+                <a:ea typeface="+mn-ea"/>
+                <a:cs typeface="+mn-cs"/>
+              </a:defRPr>
+            </a:lvl7pPr>
+            <a:lvl8pPr marL="1500000" indent="-228600" algn="l" defTabSz="914400" rtl="0" eaLnBrk="1" latinLnBrk="0" hangingPunct="1">
+              <a:lnSpc>
+                <a:spcPct val="90000"/>
+              </a:lnSpc>
+              <a:spcBef>
+                <a:spcPts val="200"/>
+              </a:spcBef>
+              <a:spcAft>
+                <a:spcPts val="400"/>
+              </a:spcAft>
+              <a:buClr>
+                <a:schemeClr val="accent1"/>
+              </a:buClr>
+              <a:buFont typeface="Calibri" pitchFamily="34" charset="0"/>
+              <a:buChar char="◦"/>
+              <a:defRPr kumimoji="1" sz="1400" kern="1200">
+                <a:solidFill>
+                  <a:schemeClr val="tx1">
+                    <a:lumMod val="75000"/>
+                    <a:lumOff val="25000"/>
+                  </a:schemeClr>
+                </a:solidFill>
+                <a:latin typeface="+mn-lt"/>
+                <a:ea typeface="+mn-ea"/>
+                <a:cs typeface="+mn-cs"/>
+              </a:defRPr>
+            </a:lvl8pPr>
+            <a:lvl9pPr marL="1700000" indent="-228600" algn="l" defTabSz="914400" rtl="0" eaLnBrk="1" latinLnBrk="0" hangingPunct="1">
+              <a:lnSpc>
+                <a:spcPct val="90000"/>
+              </a:lnSpc>
+              <a:spcBef>
+                <a:spcPts val="200"/>
+              </a:spcBef>
+              <a:spcAft>
+                <a:spcPts val="400"/>
+              </a:spcAft>
+              <a:buClr>
+                <a:schemeClr val="accent1"/>
+              </a:buClr>
+              <a:buFont typeface="Calibri" pitchFamily="34" charset="0"/>
+              <a:buChar char="◦"/>
+              <a:defRPr kumimoji="1" sz="1400" kern="1200">
+                <a:solidFill>
+                  <a:schemeClr val="tx1">
+                    <a:lumMod val="75000"/>
+                    <a:lumOff val="25000"/>
+                  </a:schemeClr>
+                </a:solidFill>
+                <a:latin typeface="+mn-lt"/>
+                <a:ea typeface="+mn-ea"/>
+                <a:cs typeface="+mn-cs"/>
+              </a:defRPr>
+            </a:lvl9pPr>
+          </a:lstStyle>
+          <a:p>
+            <a:r>
+              <a:rPr lang="ja-JP" altLang="en-US" dirty="0"/>
+              <a:t>探索段階</a:t>
+            </a:r>
+            <a:endParaRPr lang="en-US" altLang="ja-JP" dirty="0"/>
+          </a:p>
+          <a:p>
+            <a:r>
+              <a:rPr lang="en-US" altLang="ja-JP" dirty="0"/>
+              <a:t>50 epoch</a:t>
+            </a:r>
+            <a:endParaRPr lang="ja-JP" altLang="en-US" dirty="0"/>
+          </a:p>
+        </p:txBody>
+      </p:sp>
+      <p:pic>
+        <p:nvPicPr>
+          <p:cNvPr id="5" name="図 4">
+            <a:extLst>
+              <a:ext uri="{FF2B5EF4-FFF2-40B4-BE49-F238E27FC236}">
+                <a16:creationId xmlns:a16="http://schemas.microsoft.com/office/drawing/2014/main" id="{E6A95DCD-4A75-445F-82CC-58AEA8D46A1A}"/>
+              </a:ext>
+            </a:extLst>
+          </p:cNvPr>
+          <p:cNvPicPr>
+            <a:picLocks noChangeAspect="1"/>
+          </p:cNvPicPr>
+          <p:nvPr/>
+        </p:nvPicPr>
+        <p:blipFill>
+          <a:blip r:embed="rId2">
+            <a:extLst>
+              <a:ext uri="{28A0092B-C50C-407E-A947-70E740481C1C}">
+                <a14:useLocalDpi xmlns:a14="http://schemas.microsoft.com/office/drawing/2010/main" val="0"/>
+              </a:ext>
+            </a:extLst>
+          </a:blip>
+          <a:stretch>
+            <a:fillRect/>
+          </a:stretch>
+        </p:blipFill>
+        <p:spPr>
+          <a:xfrm>
+            <a:off x="1851034" y="1538518"/>
+            <a:ext cx="5487650" cy="3658433"/>
+          </a:xfrm>
+          <a:prstGeom prst="rect">
+            <a:avLst/>
+          </a:prstGeom>
+        </p:spPr>
+      </p:pic>
+    </p:spTree>
+    <p:extLst>
+      <p:ext uri="{BB962C8B-B14F-4D97-AF65-F5344CB8AC3E}">
+        <p14:creationId xmlns:p14="http://schemas.microsoft.com/office/powerpoint/2010/main" val="3338330284"/>
+      </p:ext>
+    </p:extLst>
+  </p:cSld>
+  <p:clrMapOvr>
+    <a:masterClrMapping/>
+  </p:clrMapOvr>
+  <mc:AlternateContent xmlns:mc="http://schemas.openxmlformats.org/markup-compatibility/2006">
+    <mc:Choice xmlns:p14="http://schemas.microsoft.com/office/powerpoint/2010/main" Requires="p14">
+      <p:transition spd="slow" p14:dur="2000" advTm="24222"/>
+    </mc:Choice>
+    <mc:Fallback>
+      <p:transition spd="slow" advTm="24222"/>
+    </mc:Fallback>
+  </mc:AlternateContent>
+</p:sld>
+</file>
+
+<file path=ppt/slides/slide41.xml><?xml version="1.0" encoding="utf-8"?>
+<p:sld xmlns:a="http://schemas.openxmlformats.org/drawingml/2006/main" xmlns:r="http://schemas.openxmlformats.org/officeDocument/2006/relationships" xmlns:p="http://schemas.openxmlformats.org/presentationml/2006/main" show="0">
+  <p:cSld>
+    <p:spTree>
+      <p:nvGrpSpPr>
+        <p:cNvPr id="1" name=""/>
+        <p:cNvGrpSpPr/>
+        <p:nvPr/>
+      </p:nvGrpSpPr>
+      <p:grpSpPr>
+        <a:xfrm>
+          <a:off x="0" y="0"/>
+          <a:ext cx="0" cy="0"/>
+          <a:chOff x="0" y="0"/>
+          <a:chExt cx="0" cy="0"/>
+        </a:xfrm>
+      </p:grpSpPr>
+      <p:sp>
+        <p:nvSpPr>
+          <p:cNvPr id="2" name="タイトル 1">
+            <a:extLst>
+              <a:ext uri="{FF2B5EF4-FFF2-40B4-BE49-F238E27FC236}">
+                <a16:creationId xmlns:a16="http://schemas.microsoft.com/office/drawing/2014/main" id="{D46ABB39-F0C4-4941-8AC3-45B843579753}"/>
+              </a:ext>
+            </a:extLst>
+          </p:cNvPr>
+          <p:cNvSpPr>
+            <a:spLocks noGrp="1"/>
+          </p:cNvSpPr>
+          <p:nvPr>
+            <p:ph type="title"/>
+          </p:nvPr>
+        </p:nvSpPr>
+        <p:spPr/>
+        <p:txBody>
+          <a:bodyPr/>
+          <a:lstStyle/>
+          <a:p>
+            <a:r>
+              <a:rPr kumimoji="1" lang="ja-JP" altLang="en-US" dirty="0"/>
+              <a:t>実験</a:t>
+            </a:r>
+            <a:r>
+              <a:rPr kumimoji="1" lang="en-US" altLang="ja-JP" dirty="0"/>
+              <a:t>1 </a:t>
+            </a:r>
+            <a:r>
+              <a:rPr kumimoji="1" lang="ja-JP" altLang="en-US" dirty="0"/>
+              <a:t>： 結果</a:t>
+            </a:r>
+            <a:r>
+              <a:rPr kumimoji="1" lang="en-US" altLang="ja-JP" dirty="0"/>
+              <a:t>(50 epoch)</a:t>
+            </a:r>
+            <a:endParaRPr kumimoji="1" lang="ja-JP" altLang="en-US" dirty="0"/>
+          </a:p>
+        </p:txBody>
+      </p:sp>
+      <p:sp>
+        <p:nvSpPr>
+          <p:cNvPr id="3" name="コンテンツ プレースホルダー 2">
+            <a:extLst>
+              <a:ext uri="{FF2B5EF4-FFF2-40B4-BE49-F238E27FC236}">
+                <a16:creationId xmlns:a16="http://schemas.microsoft.com/office/drawing/2014/main" id="{16CD0B30-B81C-48A7-AD69-55ECEFD9088C}"/>
+              </a:ext>
+            </a:extLst>
+          </p:cNvPr>
+          <p:cNvSpPr>
+            <a:spLocks noGrp="1"/>
+          </p:cNvSpPr>
+          <p:nvPr>
+            <p:ph idx="1"/>
+          </p:nvPr>
+        </p:nvSpPr>
+        <p:spPr>
+          <a:xfrm>
+            <a:off x="777135" y="1524113"/>
+            <a:ext cx="1901191" cy="796401"/>
+          </a:xfrm>
+        </p:spPr>
+        <p:txBody>
+          <a:bodyPr>
+            <a:normAutofit/>
+          </a:bodyPr>
+          <a:lstStyle/>
+          <a:p>
+            <a:r>
+              <a:rPr kumimoji="1" lang="ja-JP" altLang="en-US" dirty="0"/>
+              <a:t>手法</a:t>
+            </a:r>
+            <a:r>
+              <a:rPr kumimoji="1" lang="en-US" altLang="ja-JP" dirty="0"/>
+              <a:t>A</a:t>
+            </a:r>
+            <a:endParaRPr kumimoji="1" lang="ja-JP" altLang="en-US" dirty="0"/>
+          </a:p>
+        </p:txBody>
+      </p:sp>
+      <p:sp>
+        <p:nvSpPr>
+          <p:cNvPr id="4" name="スライド番号プレースホルダー 3">
+            <a:extLst>
+              <a:ext uri="{FF2B5EF4-FFF2-40B4-BE49-F238E27FC236}">
+                <a16:creationId xmlns:a16="http://schemas.microsoft.com/office/drawing/2014/main" id="{0B3C2E9D-0858-4A34-8898-41EF151E398D}"/>
+              </a:ext>
+            </a:extLst>
+          </p:cNvPr>
+          <p:cNvSpPr>
+            <a:spLocks noGrp="1"/>
+          </p:cNvSpPr>
+          <p:nvPr>
+            <p:ph type="sldNum" sz="quarter" idx="12"/>
+          </p:nvPr>
+        </p:nvSpPr>
+        <p:spPr/>
+        <p:txBody>
+          <a:bodyPr/>
+          <a:lstStyle/>
+          <a:p>
+            <a:fld id="{304739FC-810C-4CDC-B60F-21F1951FBC64}" type="slidenum">
+              <a:rPr kumimoji="1" lang="ja-JP" altLang="en-US" smtClean="0"/>
+              <a:t>41</a:t>
+            </a:fld>
+            <a:endParaRPr kumimoji="1" lang="ja-JP" altLang="en-US"/>
+          </a:p>
+        </p:txBody>
+      </p:sp>
+      <p:sp>
+        <p:nvSpPr>
+          <p:cNvPr id="9" name="コンテンツ プレースホルダー 2">
+            <a:extLst>
+              <a:ext uri="{FF2B5EF4-FFF2-40B4-BE49-F238E27FC236}">
+                <a16:creationId xmlns:a16="http://schemas.microsoft.com/office/drawing/2014/main" id="{4538E354-5349-4A06-887C-8C1218D544B0}"/>
+              </a:ext>
+            </a:extLst>
+          </p:cNvPr>
+          <p:cNvSpPr txBox="1">
+            <a:spLocks/>
+          </p:cNvSpPr>
+          <p:nvPr/>
+        </p:nvSpPr>
+        <p:spPr>
+          <a:xfrm>
+            <a:off x="4572000" y="1558657"/>
+            <a:ext cx="1901191" cy="796401"/>
+          </a:xfrm>
+          <a:prstGeom prst="rect">
+            <a:avLst/>
+          </a:prstGeom>
+        </p:spPr>
+        <p:txBody>
+          <a:bodyPr vert="horz" lIns="0" tIns="45720" rIns="0" bIns="45720" rtlCol="0">
+            <a:normAutofit/>
+          </a:bodyPr>
+          <a:lstStyle>
+            <a:lvl1pPr marL="0" indent="0" algn="l" defTabSz="914400" rtl="0" eaLnBrk="1" latinLnBrk="0" hangingPunct="1">
+              <a:lnSpc>
+                <a:spcPct val="90000"/>
+              </a:lnSpc>
+              <a:spcBef>
+                <a:spcPts val="1200"/>
+              </a:spcBef>
+              <a:spcAft>
+                <a:spcPts val="200"/>
+              </a:spcAft>
+              <a:buClr>
+                <a:schemeClr val="accent1"/>
+              </a:buClr>
+              <a:buSzPct val="100000"/>
+              <a:buFontTx/>
+              <a:buNone/>
+              <a:defRPr kumimoji="1" sz="3600" kern="1200">
+                <a:solidFill>
+                  <a:schemeClr val="tx1">
+                    <a:lumMod val="75000"/>
+                    <a:lumOff val="25000"/>
+                  </a:schemeClr>
+                </a:solidFill>
+                <a:latin typeface="+mn-ea"/>
+                <a:ea typeface="+mn-ea"/>
+                <a:cs typeface="+mn-cs"/>
+              </a:defRPr>
+            </a:lvl1pPr>
+            <a:lvl2pPr marL="384048" indent="-182880" algn="l" defTabSz="914400" rtl="0" eaLnBrk="1" latinLnBrk="0" hangingPunct="1">
+              <a:lnSpc>
+                <a:spcPct val="90000"/>
+              </a:lnSpc>
+              <a:spcBef>
+                <a:spcPts val="200"/>
+              </a:spcBef>
+              <a:spcAft>
+                <a:spcPts val="400"/>
+              </a:spcAft>
+              <a:buClr>
+                <a:schemeClr val="accent1"/>
+              </a:buClr>
+              <a:buSzPct val="100000"/>
+              <a:buFont typeface="Wingdings" panose="05000000000000000000" pitchFamily="2" charset="2"/>
+              <a:buChar char="u"/>
+              <a:defRPr kumimoji="1" sz="3200" kern="1200">
+                <a:solidFill>
+                  <a:schemeClr val="tx1">
+                    <a:lumMod val="75000"/>
+                    <a:lumOff val="25000"/>
+                  </a:schemeClr>
+                </a:solidFill>
+                <a:latin typeface="+mn-ea"/>
+                <a:ea typeface="+mn-ea"/>
+                <a:cs typeface="+mn-cs"/>
+              </a:defRPr>
+            </a:lvl2pPr>
+            <a:lvl3pPr marL="566928" indent="-182880" algn="l" defTabSz="914400" rtl="0" eaLnBrk="1" latinLnBrk="0" hangingPunct="1">
+              <a:lnSpc>
+                <a:spcPct val="90000"/>
+              </a:lnSpc>
+              <a:spcBef>
+                <a:spcPts val="200"/>
+              </a:spcBef>
+              <a:spcAft>
+                <a:spcPts val="400"/>
+              </a:spcAft>
+              <a:buClr>
+                <a:schemeClr val="accent1"/>
+              </a:buClr>
+              <a:buSzPct val="100000"/>
+              <a:buFont typeface="Wingdings" panose="05000000000000000000" pitchFamily="2" charset="2"/>
+              <a:buChar char="u"/>
+              <a:defRPr kumimoji="1" sz="2400" kern="1200">
+                <a:solidFill>
+                  <a:schemeClr val="tx1">
+                    <a:lumMod val="75000"/>
+                    <a:lumOff val="25000"/>
+                  </a:schemeClr>
+                </a:solidFill>
+                <a:latin typeface="+mn-ea"/>
+                <a:ea typeface="+mn-ea"/>
+                <a:cs typeface="+mn-cs"/>
+              </a:defRPr>
+            </a:lvl3pPr>
+            <a:lvl4pPr marL="749808" indent="-182880" algn="l" defTabSz="914400" rtl="0" eaLnBrk="1" latinLnBrk="0" hangingPunct="1">
+              <a:lnSpc>
+                <a:spcPct val="90000"/>
+              </a:lnSpc>
+              <a:spcBef>
+                <a:spcPts val="200"/>
+              </a:spcBef>
+              <a:spcAft>
+                <a:spcPts val="400"/>
+              </a:spcAft>
+              <a:buClr>
+                <a:schemeClr val="accent1"/>
+              </a:buClr>
+              <a:buSzPct val="100000"/>
+              <a:buFont typeface="Wingdings" panose="05000000000000000000" pitchFamily="2" charset="2"/>
+              <a:buChar char="u"/>
+              <a:defRPr kumimoji="1" sz="2400" kern="1200">
+                <a:solidFill>
+                  <a:schemeClr val="tx1">
+                    <a:lumMod val="75000"/>
+                    <a:lumOff val="25000"/>
+                  </a:schemeClr>
+                </a:solidFill>
+                <a:latin typeface="+mn-ea"/>
+                <a:ea typeface="+mn-ea"/>
+                <a:cs typeface="+mn-cs"/>
+              </a:defRPr>
+            </a:lvl4pPr>
+            <a:lvl5pPr marL="932688" indent="-182880" algn="l" defTabSz="914400" rtl="0" eaLnBrk="1" latinLnBrk="0" hangingPunct="1">
+              <a:lnSpc>
+                <a:spcPct val="90000"/>
+              </a:lnSpc>
+              <a:spcBef>
+                <a:spcPts val="200"/>
+              </a:spcBef>
+              <a:spcAft>
+                <a:spcPts val="400"/>
+              </a:spcAft>
+              <a:buClr>
+                <a:schemeClr val="accent1"/>
+              </a:buClr>
+              <a:buSzPct val="100000"/>
+              <a:buFont typeface="Wingdings" panose="05000000000000000000" pitchFamily="2" charset="2"/>
+              <a:buChar char="u"/>
+              <a:defRPr kumimoji="1" sz="2400" kern="1200">
+                <a:solidFill>
+                  <a:schemeClr val="tx1">
+                    <a:lumMod val="75000"/>
+                    <a:lumOff val="25000"/>
+                  </a:schemeClr>
+                </a:solidFill>
+                <a:latin typeface="+mn-ea"/>
+                <a:ea typeface="+mn-ea"/>
+                <a:cs typeface="+mn-cs"/>
+              </a:defRPr>
+            </a:lvl5pPr>
+            <a:lvl6pPr marL="1100000" indent="-228600" algn="l" defTabSz="914400" rtl="0" eaLnBrk="1" latinLnBrk="0" hangingPunct="1">
+              <a:lnSpc>
+                <a:spcPct val="90000"/>
+              </a:lnSpc>
+              <a:spcBef>
+                <a:spcPts val="200"/>
+              </a:spcBef>
+              <a:spcAft>
+                <a:spcPts val="400"/>
+              </a:spcAft>
+              <a:buClr>
+                <a:schemeClr val="accent1"/>
+              </a:buClr>
+              <a:buFont typeface="Calibri" pitchFamily="34" charset="0"/>
+              <a:buChar char="◦"/>
+              <a:defRPr kumimoji="1" sz="1400" kern="1200">
+                <a:solidFill>
+                  <a:schemeClr val="tx1">
+                    <a:lumMod val="75000"/>
+                    <a:lumOff val="25000"/>
+                  </a:schemeClr>
+                </a:solidFill>
+                <a:latin typeface="+mn-lt"/>
+                <a:ea typeface="+mn-ea"/>
+                <a:cs typeface="+mn-cs"/>
+              </a:defRPr>
+            </a:lvl6pPr>
+            <a:lvl7pPr marL="1300000" indent="-228600" algn="l" defTabSz="914400" rtl="0" eaLnBrk="1" latinLnBrk="0" hangingPunct="1">
+              <a:lnSpc>
+                <a:spcPct val="90000"/>
+              </a:lnSpc>
+              <a:spcBef>
+                <a:spcPts val="200"/>
+              </a:spcBef>
+              <a:spcAft>
+                <a:spcPts val="400"/>
+              </a:spcAft>
+              <a:buClr>
+                <a:schemeClr val="accent1"/>
+              </a:buClr>
+              <a:buFont typeface="Calibri" pitchFamily="34" charset="0"/>
+              <a:buChar char="◦"/>
+              <a:defRPr kumimoji="1" sz="1400" kern="1200">
+                <a:solidFill>
+                  <a:schemeClr val="tx1">
+                    <a:lumMod val="75000"/>
+                    <a:lumOff val="25000"/>
+                  </a:schemeClr>
+                </a:solidFill>
+                <a:latin typeface="+mn-lt"/>
+                <a:ea typeface="+mn-ea"/>
+                <a:cs typeface="+mn-cs"/>
+              </a:defRPr>
+            </a:lvl7pPr>
+            <a:lvl8pPr marL="1500000" indent="-228600" algn="l" defTabSz="914400" rtl="0" eaLnBrk="1" latinLnBrk="0" hangingPunct="1">
+              <a:lnSpc>
+                <a:spcPct val="90000"/>
+              </a:lnSpc>
+              <a:spcBef>
+                <a:spcPts val="200"/>
+              </a:spcBef>
+              <a:spcAft>
+                <a:spcPts val="400"/>
+              </a:spcAft>
+              <a:buClr>
+                <a:schemeClr val="accent1"/>
+              </a:buClr>
+              <a:buFont typeface="Calibri" pitchFamily="34" charset="0"/>
+              <a:buChar char="◦"/>
+              <a:defRPr kumimoji="1" sz="1400" kern="1200">
+                <a:solidFill>
+                  <a:schemeClr val="tx1">
+                    <a:lumMod val="75000"/>
+                    <a:lumOff val="25000"/>
+                  </a:schemeClr>
+                </a:solidFill>
+                <a:latin typeface="+mn-lt"/>
+                <a:ea typeface="+mn-ea"/>
+                <a:cs typeface="+mn-cs"/>
+              </a:defRPr>
+            </a:lvl8pPr>
+            <a:lvl9pPr marL="1700000" indent="-228600" algn="l" defTabSz="914400" rtl="0" eaLnBrk="1" latinLnBrk="0" hangingPunct="1">
+              <a:lnSpc>
+                <a:spcPct val="90000"/>
+              </a:lnSpc>
+              <a:spcBef>
+                <a:spcPts val="200"/>
+              </a:spcBef>
+              <a:spcAft>
+                <a:spcPts val="400"/>
+              </a:spcAft>
+              <a:buClr>
+                <a:schemeClr val="accent1"/>
+              </a:buClr>
+              <a:buFont typeface="Calibri" pitchFamily="34" charset="0"/>
+              <a:buChar char="◦"/>
+              <a:defRPr kumimoji="1" sz="1400" kern="1200">
+                <a:solidFill>
+                  <a:schemeClr val="tx1">
+                    <a:lumMod val="75000"/>
+                    <a:lumOff val="25000"/>
+                  </a:schemeClr>
+                </a:solidFill>
+                <a:latin typeface="+mn-lt"/>
+                <a:ea typeface="+mn-ea"/>
+                <a:cs typeface="+mn-cs"/>
+              </a:defRPr>
+            </a:lvl9pPr>
+          </a:lstStyle>
+          <a:p>
+            <a:r>
+              <a:rPr lang="ja-JP" altLang="en-US" dirty="0"/>
+              <a:t>手法</a:t>
+            </a:r>
+            <a:r>
+              <a:rPr lang="en-US" altLang="ja-JP" dirty="0"/>
+              <a:t>B</a:t>
+            </a:r>
+            <a:endParaRPr lang="ja-JP" altLang="en-US" dirty="0"/>
+          </a:p>
+        </p:txBody>
+      </p:sp>
+      <p:pic>
+        <p:nvPicPr>
+          <p:cNvPr id="11" name="図 10">
+            <a:extLst>
+              <a:ext uri="{FF2B5EF4-FFF2-40B4-BE49-F238E27FC236}">
+                <a16:creationId xmlns:a16="http://schemas.microsoft.com/office/drawing/2014/main" id="{86F71540-4FFD-484B-A655-12895146C1F9}"/>
+              </a:ext>
+            </a:extLst>
+          </p:cNvPr>
+          <p:cNvPicPr>
+            <a:picLocks noChangeAspect="1"/>
+          </p:cNvPicPr>
+          <p:nvPr/>
+        </p:nvPicPr>
+        <p:blipFill>
+          <a:blip r:embed="rId2"/>
+          <a:stretch>
+            <a:fillRect/>
+          </a:stretch>
+        </p:blipFill>
+        <p:spPr>
+          <a:xfrm>
+            <a:off x="2081515" y="1558657"/>
+            <a:ext cx="1480836" cy="4755709"/>
+          </a:xfrm>
+          <a:prstGeom prst="rect">
+            <a:avLst/>
+          </a:prstGeom>
+        </p:spPr>
+      </p:pic>
+      <p:pic>
+        <p:nvPicPr>
+          <p:cNvPr id="13" name="図 12">
+            <a:extLst>
+              <a:ext uri="{FF2B5EF4-FFF2-40B4-BE49-F238E27FC236}">
+                <a16:creationId xmlns:a16="http://schemas.microsoft.com/office/drawing/2014/main" id="{C2E121AC-5F4D-4443-BBAD-776EAF19BF34}"/>
+              </a:ext>
+            </a:extLst>
+          </p:cNvPr>
+          <p:cNvPicPr>
+            <a:picLocks noChangeAspect="1"/>
+          </p:cNvPicPr>
+          <p:nvPr/>
+        </p:nvPicPr>
+        <p:blipFill>
+          <a:blip r:embed="rId3"/>
+          <a:stretch>
+            <a:fillRect/>
+          </a:stretch>
+        </p:blipFill>
+        <p:spPr>
+          <a:xfrm>
+            <a:off x="6231940" y="1558657"/>
+            <a:ext cx="793992" cy="4755709"/>
+          </a:xfrm>
+          <a:prstGeom prst="rect">
+            <a:avLst/>
+          </a:prstGeom>
+        </p:spPr>
+      </p:pic>
+    </p:spTree>
+    <p:extLst>
+      <p:ext uri="{BB962C8B-B14F-4D97-AF65-F5344CB8AC3E}">
+        <p14:creationId xmlns:p14="http://schemas.microsoft.com/office/powerpoint/2010/main" val="3281284090"/>
+      </p:ext>
+    </p:extLst>
+  </p:cSld>
+  <p:clrMapOvr>
+    <a:masterClrMapping/>
+  </p:clrMapOvr>
+  <mc:AlternateContent xmlns:mc="http://schemas.openxmlformats.org/markup-compatibility/2006">
+    <mc:Choice xmlns:p14="http://schemas.microsoft.com/office/powerpoint/2010/main" Requires="p14">
+      <p:transition spd="slow" p14:dur="2000" advTm="6079"/>
+    </mc:Choice>
+    <mc:Fallback>
+      <p:transition spd="slow" advTm="6079"/>
+    </mc:Fallback>
+  </mc:AlternateContent>
+</p:sld>
+</file>
+
+<file path=ppt/slides/slide42.xml><?xml version="1.0" encoding="utf-8"?>
 <p:sld xmlns:a="http://schemas.openxmlformats.org/drawingml/2006/main" xmlns:r="http://schemas.openxmlformats.org/officeDocument/2006/relationships" xmlns:p="http://schemas.openxmlformats.org/presentationml/2006/main">
   <p:cSld>
     <p:spTree>
@@ -24752,6 +25960,11 @@
               <a:rPr kumimoji="1" lang="ja-JP" altLang="en-US" dirty="0"/>
               <a:t>： 結果</a:t>
             </a:r>
+            <a:r>
+              <a:rPr kumimoji="1" lang="en-US" altLang="ja-JP" dirty="0"/>
+              <a:t>(100 epoch)</a:t>
+            </a:r>
+            <a:endParaRPr kumimoji="1" lang="ja-JP" altLang="en-US" dirty="0"/>
           </a:p>
         </p:txBody>
       </p:sp>
@@ -24771,7 +25984,12 @@
             <p:ph idx="1"/>
           </p:nvPr>
         </p:nvSpPr>
-        <p:spPr/>
+        <p:spPr>
+          <a:xfrm>
+            <a:off x="777135" y="1524113"/>
+            <a:ext cx="1901191" cy="796401"/>
+          </a:xfrm>
+        </p:spPr>
         <p:txBody>
           <a:bodyPr>
             <a:normAutofit/>
@@ -24780,22 +25998,11 @@
           <a:p>
             <a:r>
               <a:rPr kumimoji="1" lang="ja-JP" altLang="en-US" dirty="0"/>
-              <a:t>具体的なアーキテクチャ</a:t>
-            </a:r>
-            <a:endParaRPr kumimoji="1" lang="en-US" altLang="ja-JP" dirty="0"/>
-          </a:p>
-          <a:p>
-            <a:r>
-              <a:rPr lang="en-US" altLang="ja-JP" dirty="0"/>
+              <a:t>手法</a:t>
+            </a:r>
+            <a:r>
+              <a:rPr kumimoji="1" lang="en-US" altLang="ja-JP" dirty="0"/>
               <a:t>A</a:t>
-            </a:r>
-            <a:r>
-              <a:rPr lang="ja-JP" altLang="en-US" dirty="0"/>
-              <a:t>：</a:t>
-            </a:r>
-            <a:r>
-              <a:rPr lang="en-US" altLang="ja-JP" dirty="0"/>
-              <a:t>B</a:t>
             </a:r>
             <a:endParaRPr kumimoji="1" lang="ja-JP" altLang="en-US" dirty="0"/>
           </a:p>
@@ -24824,26 +26031,882 @@
           <a:p>
             <a:fld id="{304739FC-810C-4CDC-B60F-21F1951FBC64}" type="slidenum">
               <a:rPr kumimoji="1" lang="ja-JP" altLang="en-US" smtClean="0"/>
-              <a:t>40</a:t>
+              <a:t>42</a:t>
             </a:fld>
             <a:endParaRPr kumimoji="1" lang="ja-JP" altLang="en-US"/>
+          </a:p>
+        </p:txBody>
+      </p:sp>
+      <p:pic>
+        <p:nvPicPr>
+          <p:cNvPr id="6" name="図 5">
+            <a:extLst>
+              <a:ext uri="{FF2B5EF4-FFF2-40B4-BE49-F238E27FC236}">
+                <a16:creationId xmlns:a16="http://schemas.microsoft.com/office/drawing/2014/main" id="{4F3409B0-B3D6-4CCD-8C05-FCA877FD3E17}"/>
+              </a:ext>
+            </a:extLst>
+          </p:cNvPr>
+          <p:cNvPicPr>
+            <a:picLocks noChangeAspect="1"/>
+          </p:cNvPicPr>
+          <p:nvPr/>
+        </p:nvPicPr>
+        <p:blipFill>
+          <a:blip r:embed="rId2"/>
+          <a:stretch>
+            <a:fillRect/>
+          </a:stretch>
+        </p:blipFill>
+        <p:spPr>
+          <a:xfrm>
+            <a:off x="6141907" y="1524113"/>
+            <a:ext cx="1273108" cy="4759716"/>
+          </a:xfrm>
+          <a:prstGeom prst="rect">
+            <a:avLst/>
+          </a:prstGeom>
+        </p:spPr>
+      </p:pic>
+      <p:pic>
+        <p:nvPicPr>
+          <p:cNvPr id="8" name="図 7">
+            <a:extLst>
+              <a:ext uri="{FF2B5EF4-FFF2-40B4-BE49-F238E27FC236}">
+                <a16:creationId xmlns:a16="http://schemas.microsoft.com/office/drawing/2014/main" id="{9B9B0E1A-1A07-423A-9DB5-DCE7E17AC3A0}"/>
+              </a:ext>
+            </a:extLst>
+          </p:cNvPr>
+          <p:cNvPicPr>
+            <a:picLocks noChangeAspect="1"/>
+          </p:cNvPicPr>
+          <p:nvPr/>
+        </p:nvPicPr>
+        <p:blipFill>
+          <a:blip r:embed="rId3"/>
+          <a:stretch>
+            <a:fillRect/>
+          </a:stretch>
+        </p:blipFill>
+        <p:spPr>
+          <a:xfrm>
+            <a:off x="2289878" y="1558657"/>
+            <a:ext cx="1529647" cy="4736707"/>
+          </a:xfrm>
+          <a:prstGeom prst="rect">
+            <a:avLst/>
+          </a:prstGeom>
+        </p:spPr>
+      </p:pic>
+      <p:sp>
+        <p:nvSpPr>
+          <p:cNvPr id="9" name="コンテンツ プレースホルダー 2">
+            <a:extLst>
+              <a:ext uri="{FF2B5EF4-FFF2-40B4-BE49-F238E27FC236}">
+                <a16:creationId xmlns:a16="http://schemas.microsoft.com/office/drawing/2014/main" id="{4538E354-5349-4A06-887C-8C1218D544B0}"/>
+              </a:ext>
+            </a:extLst>
+          </p:cNvPr>
+          <p:cNvSpPr txBox="1">
+            <a:spLocks/>
+          </p:cNvSpPr>
+          <p:nvPr/>
+        </p:nvSpPr>
+        <p:spPr>
+          <a:xfrm>
+            <a:off x="4572000" y="1558657"/>
+            <a:ext cx="1901191" cy="796401"/>
+          </a:xfrm>
+          <a:prstGeom prst="rect">
+            <a:avLst/>
+          </a:prstGeom>
+        </p:spPr>
+        <p:txBody>
+          <a:bodyPr vert="horz" lIns="0" tIns="45720" rIns="0" bIns="45720" rtlCol="0">
+            <a:normAutofit/>
+          </a:bodyPr>
+          <a:lstStyle>
+            <a:lvl1pPr marL="0" indent="0" algn="l" defTabSz="914400" rtl="0" eaLnBrk="1" latinLnBrk="0" hangingPunct="1">
+              <a:lnSpc>
+                <a:spcPct val="90000"/>
+              </a:lnSpc>
+              <a:spcBef>
+                <a:spcPts val="1200"/>
+              </a:spcBef>
+              <a:spcAft>
+                <a:spcPts val="200"/>
+              </a:spcAft>
+              <a:buClr>
+                <a:schemeClr val="accent1"/>
+              </a:buClr>
+              <a:buSzPct val="100000"/>
+              <a:buFontTx/>
+              <a:buNone/>
+              <a:defRPr kumimoji="1" sz="3600" kern="1200">
+                <a:solidFill>
+                  <a:schemeClr val="tx1">
+                    <a:lumMod val="75000"/>
+                    <a:lumOff val="25000"/>
+                  </a:schemeClr>
+                </a:solidFill>
+                <a:latin typeface="+mn-ea"/>
+                <a:ea typeface="+mn-ea"/>
+                <a:cs typeface="+mn-cs"/>
+              </a:defRPr>
+            </a:lvl1pPr>
+            <a:lvl2pPr marL="384048" indent="-182880" algn="l" defTabSz="914400" rtl="0" eaLnBrk="1" latinLnBrk="0" hangingPunct="1">
+              <a:lnSpc>
+                <a:spcPct val="90000"/>
+              </a:lnSpc>
+              <a:spcBef>
+                <a:spcPts val="200"/>
+              </a:spcBef>
+              <a:spcAft>
+                <a:spcPts val="400"/>
+              </a:spcAft>
+              <a:buClr>
+                <a:schemeClr val="accent1"/>
+              </a:buClr>
+              <a:buSzPct val="100000"/>
+              <a:buFont typeface="Wingdings" panose="05000000000000000000" pitchFamily="2" charset="2"/>
+              <a:buChar char="u"/>
+              <a:defRPr kumimoji="1" sz="3200" kern="1200">
+                <a:solidFill>
+                  <a:schemeClr val="tx1">
+                    <a:lumMod val="75000"/>
+                    <a:lumOff val="25000"/>
+                  </a:schemeClr>
+                </a:solidFill>
+                <a:latin typeface="+mn-ea"/>
+                <a:ea typeface="+mn-ea"/>
+                <a:cs typeface="+mn-cs"/>
+              </a:defRPr>
+            </a:lvl2pPr>
+            <a:lvl3pPr marL="566928" indent="-182880" algn="l" defTabSz="914400" rtl="0" eaLnBrk="1" latinLnBrk="0" hangingPunct="1">
+              <a:lnSpc>
+                <a:spcPct val="90000"/>
+              </a:lnSpc>
+              <a:spcBef>
+                <a:spcPts val="200"/>
+              </a:spcBef>
+              <a:spcAft>
+                <a:spcPts val="400"/>
+              </a:spcAft>
+              <a:buClr>
+                <a:schemeClr val="accent1"/>
+              </a:buClr>
+              <a:buSzPct val="100000"/>
+              <a:buFont typeface="Wingdings" panose="05000000000000000000" pitchFamily="2" charset="2"/>
+              <a:buChar char="u"/>
+              <a:defRPr kumimoji="1" sz="2400" kern="1200">
+                <a:solidFill>
+                  <a:schemeClr val="tx1">
+                    <a:lumMod val="75000"/>
+                    <a:lumOff val="25000"/>
+                  </a:schemeClr>
+                </a:solidFill>
+                <a:latin typeface="+mn-ea"/>
+                <a:ea typeface="+mn-ea"/>
+                <a:cs typeface="+mn-cs"/>
+              </a:defRPr>
+            </a:lvl3pPr>
+            <a:lvl4pPr marL="749808" indent="-182880" algn="l" defTabSz="914400" rtl="0" eaLnBrk="1" latinLnBrk="0" hangingPunct="1">
+              <a:lnSpc>
+                <a:spcPct val="90000"/>
+              </a:lnSpc>
+              <a:spcBef>
+                <a:spcPts val="200"/>
+              </a:spcBef>
+              <a:spcAft>
+                <a:spcPts val="400"/>
+              </a:spcAft>
+              <a:buClr>
+                <a:schemeClr val="accent1"/>
+              </a:buClr>
+              <a:buSzPct val="100000"/>
+              <a:buFont typeface="Wingdings" panose="05000000000000000000" pitchFamily="2" charset="2"/>
+              <a:buChar char="u"/>
+              <a:defRPr kumimoji="1" sz="2400" kern="1200">
+                <a:solidFill>
+                  <a:schemeClr val="tx1">
+                    <a:lumMod val="75000"/>
+                    <a:lumOff val="25000"/>
+                  </a:schemeClr>
+                </a:solidFill>
+                <a:latin typeface="+mn-ea"/>
+                <a:ea typeface="+mn-ea"/>
+                <a:cs typeface="+mn-cs"/>
+              </a:defRPr>
+            </a:lvl4pPr>
+            <a:lvl5pPr marL="932688" indent="-182880" algn="l" defTabSz="914400" rtl="0" eaLnBrk="1" latinLnBrk="0" hangingPunct="1">
+              <a:lnSpc>
+                <a:spcPct val="90000"/>
+              </a:lnSpc>
+              <a:spcBef>
+                <a:spcPts val="200"/>
+              </a:spcBef>
+              <a:spcAft>
+                <a:spcPts val="400"/>
+              </a:spcAft>
+              <a:buClr>
+                <a:schemeClr val="accent1"/>
+              </a:buClr>
+              <a:buSzPct val="100000"/>
+              <a:buFont typeface="Wingdings" panose="05000000000000000000" pitchFamily="2" charset="2"/>
+              <a:buChar char="u"/>
+              <a:defRPr kumimoji="1" sz="2400" kern="1200">
+                <a:solidFill>
+                  <a:schemeClr val="tx1">
+                    <a:lumMod val="75000"/>
+                    <a:lumOff val="25000"/>
+                  </a:schemeClr>
+                </a:solidFill>
+                <a:latin typeface="+mn-ea"/>
+                <a:ea typeface="+mn-ea"/>
+                <a:cs typeface="+mn-cs"/>
+              </a:defRPr>
+            </a:lvl5pPr>
+            <a:lvl6pPr marL="1100000" indent="-228600" algn="l" defTabSz="914400" rtl="0" eaLnBrk="1" latinLnBrk="0" hangingPunct="1">
+              <a:lnSpc>
+                <a:spcPct val="90000"/>
+              </a:lnSpc>
+              <a:spcBef>
+                <a:spcPts val="200"/>
+              </a:spcBef>
+              <a:spcAft>
+                <a:spcPts val="400"/>
+              </a:spcAft>
+              <a:buClr>
+                <a:schemeClr val="accent1"/>
+              </a:buClr>
+              <a:buFont typeface="Calibri" pitchFamily="34" charset="0"/>
+              <a:buChar char="◦"/>
+              <a:defRPr kumimoji="1" sz="1400" kern="1200">
+                <a:solidFill>
+                  <a:schemeClr val="tx1">
+                    <a:lumMod val="75000"/>
+                    <a:lumOff val="25000"/>
+                  </a:schemeClr>
+                </a:solidFill>
+                <a:latin typeface="+mn-lt"/>
+                <a:ea typeface="+mn-ea"/>
+                <a:cs typeface="+mn-cs"/>
+              </a:defRPr>
+            </a:lvl6pPr>
+            <a:lvl7pPr marL="1300000" indent="-228600" algn="l" defTabSz="914400" rtl="0" eaLnBrk="1" latinLnBrk="0" hangingPunct="1">
+              <a:lnSpc>
+                <a:spcPct val="90000"/>
+              </a:lnSpc>
+              <a:spcBef>
+                <a:spcPts val="200"/>
+              </a:spcBef>
+              <a:spcAft>
+                <a:spcPts val="400"/>
+              </a:spcAft>
+              <a:buClr>
+                <a:schemeClr val="accent1"/>
+              </a:buClr>
+              <a:buFont typeface="Calibri" pitchFamily="34" charset="0"/>
+              <a:buChar char="◦"/>
+              <a:defRPr kumimoji="1" sz="1400" kern="1200">
+                <a:solidFill>
+                  <a:schemeClr val="tx1">
+                    <a:lumMod val="75000"/>
+                    <a:lumOff val="25000"/>
+                  </a:schemeClr>
+                </a:solidFill>
+                <a:latin typeface="+mn-lt"/>
+                <a:ea typeface="+mn-ea"/>
+                <a:cs typeface="+mn-cs"/>
+              </a:defRPr>
+            </a:lvl7pPr>
+            <a:lvl8pPr marL="1500000" indent="-228600" algn="l" defTabSz="914400" rtl="0" eaLnBrk="1" latinLnBrk="0" hangingPunct="1">
+              <a:lnSpc>
+                <a:spcPct val="90000"/>
+              </a:lnSpc>
+              <a:spcBef>
+                <a:spcPts val="200"/>
+              </a:spcBef>
+              <a:spcAft>
+                <a:spcPts val="400"/>
+              </a:spcAft>
+              <a:buClr>
+                <a:schemeClr val="accent1"/>
+              </a:buClr>
+              <a:buFont typeface="Calibri" pitchFamily="34" charset="0"/>
+              <a:buChar char="◦"/>
+              <a:defRPr kumimoji="1" sz="1400" kern="1200">
+                <a:solidFill>
+                  <a:schemeClr val="tx1">
+                    <a:lumMod val="75000"/>
+                    <a:lumOff val="25000"/>
+                  </a:schemeClr>
+                </a:solidFill>
+                <a:latin typeface="+mn-lt"/>
+                <a:ea typeface="+mn-ea"/>
+                <a:cs typeface="+mn-cs"/>
+              </a:defRPr>
+            </a:lvl8pPr>
+            <a:lvl9pPr marL="1700000" indent="-228600" algn="l" defTabSz="914400" rtl="0" eaLnBrk="1" latinLnBrk="0" hangingPunct="1">
+              <a:lnSpc>
+                <a:spcPct val="90000"/>
+              </a:lnSpc>
+              <a:spcBef>
+                <a:spcPts val="200"/>
+              </a:spcBef>
+              <a:spcAft>
+                <a:spcPts val="400"/>
+              </a:spcAft>
+              <a:buClr>
+                <a:schemeClr val="accent1"/>
+              </a:buClr>
+              <a:buFont typeface="Calibri" pitchFamily="34" charset="0"/>
+              <a:buChar char="◦"/>
+              <a:defRPr kumimoji="1" sz="1400" kern="1200">
+                <a:solidFill>
+                  <a:schemeClr val="tx1">
+                    <a:lumMod val="75000"/>
+                    <a:lumOff val="25000"/>
+                  </a:schemeClr>
+                </a:solidFill>
+                <a:latin typeface="+mn-lt"/>
+                <a:ea typeface="+mn-ea"/>
+                <a:cs typeface="+mn-cs"/>
+              </a:defRPr>
+            </a:lvl9pPr>
+          </a:lstStyle>
+          <a:p>
+            <a:r>
+              <a:rPr lang="ja-JP" altLang="en-US" dirty="0"/>
+              <a:t>手法</a:t>
+            </a:r>
+            <a:r>
+              <a:rPr lang="en-US" altLang="ja-JP" dirty="0"/>
+              <a:t>B</a:t>
+            </a:r>
+            <a:endParaRPr lang="ja-JP" altLang="en-US" dirty="0"/>
           </a:p>
         </p:txBody>
       </p:sp>
     </p:spTree>
     <p:extLst>
       <p:ext uri="{BB962C8B-B14F-4D97-AF65-F5344CB8AC3E}">
-        <p14:creationId xmlns:p14="http://schemas.microsoft.com/office/powerpoint/2010/main" val="3281284090"/>
+        <p14:creationId xmlns:p14="http://schemas.microsoft.com/office/powerpoint/2010/main" val="1855254718"/>
       </p:ext>
     </p:extLst>
   </p:cSld>
   <p:clrMapOvr>
     <a:masterClrMapping/>
   </p:clrMapOvr>
+  <mc:AlternateContent xmlns:mc="http://schemas.openxmlformats.org/markup-compatibility/2006">
+    <mc:Choice xmlns:p14="http://schemas.microsoft.com/office/powerpoint/2010/main" Requires="p14">
+      <p:transition spd="slow" p14:dur="2000" advTm="6079"/>
+    </mc:Choice>
+    <mc:Fallback>
+      <p:transition spd="slow" advTm="6079"/>
+    </mc:Fallback>
+  </mc:AlternateContent>
 </p:sld>
 </file>
 
-<file path=ppt/slides/slide41.xml><?xml version="1.0" encoding="utf-8"?>
+<file path=ppt/slides/slide43.xml><?xml version="1.0" encoding="utf-8"?>
+<p:sld xmlns:a="http://schemas.openxmlformats.org/drawingml/2006/main" xmlns:r="http://schemas.openxmlformats.org/officeDocument/2006/relationships" xmlns:p="http://schemas.openxmlformats.org/presentationml/2006/main" show="0">
+  <p:cSld>
+    <p:spTree>
+      <p:nvGrpSpPr>
+        <p:cNvPr id="1" name=""/>
+        <p:cNvGrpSpPr/>
+        <p:nvPr/>
+      </p:nvGrpSpPr>
+      <p:grpSpPr>
+        <a:xfrm>
+          <a:off x="0" y="0"/>
+          <a:ext cx="0" cy="0"/>
+          <a:chOff x="0" y="0"/>
+          <a:chExt cx="0" cy="0"/>
+        </a:xfrm>
+      </p:grpSpPr>
+      <p:sp>
+        <p:nvSpPr>
+          <p:cNvPr id="2" name="タイトル 1">
+            <a:extLst>
+              <a:ext uri="{FF2B5EF4-FFF2-40B4-BE49-F238E27FC236}">
+                <a16:creationId xmlns:a16="http://schemas.microsoft.com/office/drawing/2014/main" id="{D46ABB39-F0C4-4941-8AC3-45B843579753}"/>
+              </a:ext>
+            </a:extLst>
+          </p:cNvPr>
+          <p:cNvSpPr>
+            <a:spLocks noGrp="1"/>
+          </p:cNvSpPr>
+          <p:nvPr>
+            <p:ph type="title"/>
+          </p:nvPr>
+        </p:nvSpPr>
+        <p:spPr/>
+        <p:txBody>
+          <a:bodyPr/>
+          <a:lstStyle/>
+          <a:p>
+            <a:r>
+              <a:rPr kumimoji="1" lang="ja-JP" altLang="en-US" dirty="0"/>
+              <a:t>実験</a:t>
+            </a:r>
+            <a:r>
+              <a:rPr kumimoji="1" lang="en-US" altLang="ja-JP" dirty="0"/>
+              <a:t>1 </a:t>
+            </a:r>
+            <a:r>
+              <a:rPr kumimoji="1" lang="ja-JP" altLang="en-US" dirty="0"/>
+              <a:t>： 結果</a:t>
+            </a:r>
+            <a:r>
+              <a:rPr kumimoji="1" lang="en-US" altLang="ja-JP" dirty="0"/>
+              <a:t>(150 epoch)</a:t>
+            </a:r>
+            <a:endParaRPr kumimoji="1" lang="ja-JP" altLang="en-US" dirty="0"/>
+          </a:p>
+        </p:txBody>
+      </p:sp>
+      <p:sp>
+        <p:nvSpPr>
+          <p:cNvPr id="3" name="コンテンツ プレースホルダー 2">
+            <a:extLst>
+              <a:ext uri="{FF2B5EF4-FFF2-40B4-BE49-F238E27FC236}">
+                <a16:creationId xmlns:a16="http://schemas.microsoft.com/office/drawing/2014/main" id="{16CD0B30-B81C-48A7-AD69-55ECEFD9088C}"/>
+              </a:ext>
+            </a:extLst>
+          </p:cNvPr>
+          <p:cNvSpPr>
+            <a:spLocks noGrp="1"/>
+          </p:cNvSpPr>
+          <p:nvPr>
+            <p:ph idx="1"/>
+          </p:nvPr>
+        </p:nvSpPr>
+        <p:spPr>
+          <a:xfrm>
+            <a:off x="777135" y="1524113"/>
+            <a:ext cx="1901191" cy="796401"/>
+          </a:xfrm>
+        </p:spPr>
+        <p:txBody>
+          <a:bodyPr>
+            <a:normAutofit/>
+          </a:bodyPr>
+          <a:lstStyle/>
+          <a:p>
+            <a:r>
+              <a:rPr kumimoji="1" lang="ja-JP" altLang="en-US" dirty="0"/>
+              <a:t>手法</a:t>
+            </a:r>
+            <a:r>
+              <a:rPr kumimoji="1" lang="en-US" altLang="ja-JP" dirty="0"/>
+              <a:t>A</a:t>
+            </a:r>
+            <a:endParaRPr kumimoji="1" lang="ja-JP" altLang="en-US" dirty="0"/>
+          </a:p>
+        </p:txBody>
+      </p:sp>
+      <p:sp>
+        <p:nvSpPr>
+          <p:cNvPr id="4" name="スライド番号プレースホルダー 3">
+            <a:extLst>
+              <a:ext uri="{FF2B5EF4-FFF2-40B4-BE49-F238E27FC236}">
+                <a16:creationId xmlns:a16="http://schemas.microsoft.com/office/drawing/2014/main" id="{0B3C2E9D-0858-4A34-8898-41EF151E398D}"/>
+              </a:ext>
+            </a:extLst>
+          </p:cNvPr>
+          <p:cNvSpPr>
+            <a:spLocks noGrp="1"/>
+          </p:cNvSpPr>
+          <p:nvPr>
+            <p:ph type="sldNum" sz="quarter" idx="12"/>
+          </p:nvPr>
+        </p:nvSpPr>
+        <p:spPr/>
+        <p:txBody>
+          <a:bodyPr/>
+          <a:lstStyle/>
+          <a:p>
+            <a:fld id="{304739FC-810C-4CDC-B60F-21F1951FBC64}" type="slidenum">
+              <a:rPr kumimoji="1" lang="ja-JP" altLang="en-US" smtClean="0"/>
+              <a:t>43</a:t>
+            </a:fld>
+            <a:endParaRPr kumimoji="1" lang="ja-JP" altLang="en-US"/>
+          </a:p>
+        </p:txBody>
+      </p:sp>
+      <p:sp>
+        <p:nvSpPr>
+          <p:cNvPr id="9" name="コンテンツ プレースホルダー 2">
+            <a:extLst>
+              <a:ext uri="{FF2B5EF4-FFF2-40B4-BE49-F238E27FC236}">
+                <a16:creationId xmlns:a16="http://schemas.microsoft.com/office/drawing/2014/main" id="{4538E354-5349-4A06-887C-8C1218D544B0}"/>
+              </a:ext>
+            </a:extLst>
+          </p:cNvPr>
+          <p:cNvSpPr txBox="1">
+            <a:spLocks/>
+          </p:cNvSpPr>
+          <p:nvPr/>
+        </p:nvSpPr>
+        <p:spPr>
+          <a:xfrm>
+            <a:off x="4572000" y="1558657"/>
+            <a:ext cx="1901191" cy="796401"/>
+          </a:xfrm>
+          <a:prstGeom prst="rect">
+            <a:avLst/>
+          </a:prstGeom>
+        </p:spPr>
+        <p:txBody>
+          <a:bodyPr vert="horz" lIns="0" tIns="45720" rIns="0" bIns="45720" rtlCol="0">
+            <a:normAutofit/>
+          </a:bodyPr>
+          <a:lstStyle>
+            <a:lvl1pPr marL="0" indent="0" algn="l" defTabSz="914400" rtl="0" eaLnBrk="1" latinLnBrk="0" hangingPunct="1">
+              <a:lnSpc>
+                <a:spcPct val="90000"/>
+              </a:lnSpc>
+              <a:spcBef>
+                <a:spcPts val="1200"/>
+              </a:spcBef>
+              <a:spcAft>
+                <a:spcPts val="200"/>
+              </a:spcAft>
+              <a:buClr>
+                <a:schemeClr val="accent1"/>
+              </a:buClr>
+              <a:buSzPct val="100000"/>
+              <a:buFontTx/>
+              <a:buNone/>
+              <a:defRPr kumimoji="1" sz="3600" kern="1200">
+                <a:solidFill>
+                  <a:schemeClr val="tx1">
+                    <a:lumMod val="75000"/>
+                    <a:lumOff val="25000"/>
+                  </a:schemeClr>
+                </a:solidFill>
+                <a:latin typeface="+mn-ea"/>
+                <a:ea typeface="+mn-ea"/>
+                <a:cs typeface="+mn-cs"/>
+              </a:defRPr>
+            </a:lvl1pPr>
+            <a:lvl2pPr marL="384048" indent="-182880" algn="l" defTabSz="914400" rtl="0" eaLnBrk="1" latinLnBrk="0" hangingPunct="1">
+              <a:lnSpc>
+                <a:spcPct val="90000"/>
+              </a:lnSpc>
+              <a:spcBef>
+                <a:spcPts val="200"/>
+              </a:spcBef>
+              <a:spcAft>
+                <a:spcPts val="400"/>
+              </a:spcAft>
+              <a:buClr>
+                <a:schemeClr val="accent1"/>
+              </a:buClr>
+              <a:buSzPct val="100000"/>
+              <a:buFont typeface="Wingdings" panose="05000000000000000000" pitchFamily="2" charset="2"/>
+              <a:buChar char="u"/>
+              <a:defRPr kumimoji="1" sz="3200" kern="1200">
+                <a:solidFill>
+                  <a:schemeClr val="tx1">
+                    <a:lumMod val="75000"/>
+                    <a:lumOff val="25000"/>
+                  </a:schemeClr>
+                </a:solidFill>
+                <a:latin typeface="+mn-ea"/>
+                <a:ea typeface="+mn-ea"/>
+                <a:cs typeface="+mn-cs"/>
+              </a:defRPr>
+            </a:lvl2pPr>
+            <a:lvl3pPr marL="566928" indent="-182880" algn="l" defTabSz="914400" rtl="0" eaLnBrk="1" latinLnBrk="0" hangingPunct="1">
+              <a:lnSpc>
+                <a:spcPct val="90000"/>
+              </a:lnSpc>
+              <a:spcBef>
+                <a:spcPts val="200"/>
+              </a:spcBef>
+              <a:spcAft>
+                <a:spcPts val="400"/>
+              </a:spcAft>
+              <a:buClr>
+                <a:schemeClr val="accent1"/>
+              </a:buClr>
+              <a:buSzPct val="100000"/>
+              <a:buFont typeface="Wingdings" panose="05000000000000000000" pitchFamily="2" charset="2"/>
+              <a:buChar char="u"/>
+              <a:defRPr kumimoji="1" sz="2400" kern="1200">
+                <a:solidFill>
+                  <a:schemeClr val="tx1">
+                    <a:lumMod val="75000"/>
+                    <a:lumOff val="25000"/>
+                  </a:schemeClr>
+                </a:solidFill>
+                <a:latin typeface="+mn-ea"/>
+                <a:ea typeface="+mn-ea"/>
+                <a:cs typeface="+mn-cs"/>
+              </a:defRPr>
+            </a:lvl3pPr>
+            <a:lvl4pPr marL="749808" indent="-182880" algn="l" defTabSz="914400" rtl="0" eaLnBrk="1" latinLnBrk="0" hangingPunct="1">
+              <a:lnSpc>
+                <a:spcPct val="90000"/>
+              </a:lnSpc>
+              <a:spcBef>
+                <a:spcPts val="200"/>
+              </a:spcBef>
+              <a:spcAft>
+                <a:spcPts val="400"/>
+              </a:spcAft>
+              <a:buClr>
+                <a:schemeClr val="accent1"/>
+              </a:buClr>
+              <a:buSzPct val="100000"/>
+              <a:buFont typeface="Wingdings" panose="05000000000000000000" pitchFamily="2" charset="2"/>
+              <a:buChar char="u"/>
+              <a:defRPr kumimoji="1" sz="2400" kern="1200">
+                <a:solidFill>
+                  <a:schemeClr val="tx1">
+                    <a:lumMod val="75000"/>
+                    <a:lumOff val="25000"/>
+                  </a:schemeClr>
+                </a:solidFill>
+                <a:latin typeface="+mn-ea"/>
+                <a:ea typeface="+mn-ea"/>
+                <a:cs typeface="+mn-cs"/>
+              </a:defRPr>
+            </a:lvl4pPr>
+            <a:lvl5pPr marL="932688" indent="-182880" algn="l" defTabSz="914400" rtl="0" eaLnBrk="1" latinLnBrk="0" hangingPunct="1">
+              <a:lnSpc>
+                <a:spcPct val="90000"/>
+              </a:lnSpc>
+              <a:spcBef>
+                <a:spcPts val="200"/>
+              </a:spcBef>
+              <a:spcAft>
+                <a:spcPts val="400"/>
+              </a:spcAft>
+              <a:buClr>
+                <a:schemeClr val="accent1"/>
+              </a:buClr>
+              <a:buSzPct val="100000"/>
+              <a:buFont typeface="Wingdings" panose="05000000000000000000" pitchFamily="2" charset="2"/>
+              <a:buChar char="u"/>
+              <a:defRPr kumimoji="1" sz="2400" kern="1200">
+                <a:solidFill>
+                  <a:schemeClr val="tx1">
+                    <a:lumMod val="75000"/>
+                    <a:lumOff val="25000"/>
+                  </a:schemeClr>
+                </a:solidFill>
+                <a:latin typeface="+mn-ea"/>
+                <a:ea typeface="+mn-ea"/>
+                <a:cs typeface="+mn-cs"/>
+              </a:defRPr>
+            </a:lvl5pPr>
+            <a:lvl6pPr marL="1100000" indent="-228600" algn="l" defTabSz="914400" rtl="0" eaLnBrk="1" latinLnBrk="0" hangingPunct="1">
+              <a:lnSpc>
+                <a:spcPct val="90000"/>
+              </a:lnSpc>
+              <a:spcBef>
+                <a:spcPts val="200"/>
+              </a:spcBef>
+              <a:spcAft>
+                <a:spcPts val="400"/>
+              </a:spcAft>
+              <a:buClr>
+                <a:schemeClr val="accent1"/>
+              </a:buClr>
+              <a:buFont typeface="Calibri" pitchFamily="34" charset="0"/>
+              <a:buChar char="◦"/>
+              <a:defRPr kumimoji="1" sz="1400" kern="1200">
+                <a:solidFill>
+                  <a:schemeClr val="tx1">
+                    <a:lumMod val="75000"/>
+                    <a:lumOff val="25000"/>
+                  </a:schemeClr>
+                </a:solidFill>
+                <a:latin typeface="+mn-lt"/>
+                <a:ea typeface="+mn-ea"/>
+                <a:cs typeface="+mn-cs"/>
+              </a:defRPr>
+            </a:lvl6pPr>
+            <a:lvl7pPr marL="1300000" indent="-228600" algn="l" defTabSz="914400" rtl="0" eaLnBrk="1" latinLnBrk="0" hangingPunct="1">
+              <a:lnSpc>
+                <a:spcPct val="90000"/>
+              </a:lnSpc>
+              <a:spcBef>
+                <a:spcPts val="200"/>
+              </a:spcBef>
+              <a:spcAft>
+                <a:spcPts val="400"/>
+              </a:spcAft>
+              <a:buClr>
+                <a:schemeClr val="accent1"/>
+              </a:buClr>
+              <a:buFont typeface="Calibri" pitchFamily="34" charset="0"/>
+              <a:buChar char="◦"/>
+              <a:defRPr kumimoji="1" sz="1400" kern="1200">
+                <a:solidFill>
+                  <a:schemeClr val="tx1">
+                    <a:lumMod val="75000"/>
+                    <a:lumOff val="25000"/>
+                  </a:schemeClr>
+                </a:solidFill>
+                <a:latin typeface="+mn-lt"/>
+                <a:ea typeface="+mn-ea"/>
+                <a:cs typeface="+mn-cs"/>
+              </a:defRPr>
+            </a:lvl7pPr>
+            <a:lvl8pPr marL="1500000" indent="-228600" algn="l" defTabSz="914400" rtl="0" eaLnBrk="1" latinLnBrk="0" hangingPunct="1">
+              <a:lnSpc>
+                <a:spcPct val="90000"/>
+              </a:lnSpc>
+              <a:spcBef>
+                <a:spcPts val="200"/>
+              </a:spcBef>
+              <a:spcAft>
+                <a:spcPts val="400"/>
+              </a:spcAft>
+              <a:buClr>
+                <a:schemeClr val="accent1"/>
+              </a:buClr>
+              <a:buFont typeface="Calibri" pitchFamily="34" charset="0"/>
+              <a:buChar char="◦"/>
+              <a:defRPr kumimoji="1" sz="1400" kern="1200">
+                <a:solidFill>
+                  <a:schemeClr val="tx1">
+                    <a:lumMod val="75000"/>
+                    <a:lumOff val="25000"/>
+                  </a:schemeClr>
+                </a:solidFill>
+                <a:latin typeface="+mn-lt"/>
+                <a:ea typeface="+mn-ea"/>
+                <a:cs typeface="+mn-cs"/>
+              </a:defRPr>
+            </a:lvl8pPr>
+            <a:lvl9pPr marL="1700000" indent="-228600" algn="l" defTabSz="914400" rtl="0" eaLnBrk="1" latinLnBrk="0" hangingPunct="1">
+              <a:lnSpc>
+                <a:spcPct val="90000"/>
+              </a:lnSpc>
+              <a:spcBef>
+                <a:spcPts val="200"/>
+              </a:spcBef>
+              <a:spcAft>
+                <a:spcPts val="400"/>
+              </a:spcAft>
+              <a:buClr>
+                <a:schemeClr val="accent1"/>
+              </a:buClr>
+              <a:buFont typeface="Calibri" pitchFamily="34" charset="0"/>
+              <a:buChar char="◦"/>
+              <a:defRPr kumimoji="1" sz="1400" kern="1200">
+                <a:solidFill>
+                  <a:schemeClr val="tx1">
+                    <a:lumMod val="75000"/>
+                    <a:lumOff val="25000"/>
+                  </a:schemeClr>
+                </a:solidFill>
+                <a:latin typeface="+mn-lt"/>
+                <a:ea typeface="+mn-ea"/>
+                <a:cs typeface="+mn-cs"/>
+              </a:defRPr>
+            </a:lvl9pPr>
+          </a:lstStyle>
+          <a:p>
+            <a:r>
+              <a:rPr lang="ja-JP" altLang="en-US" dirty="0"/>
+              <a:t>手法</a:t>
+            </a:r>
+            <a:r>
+              <a:rPr lang="en-US" altLang="ja-JP" dirty="0"/>
+              <a:t>B</a:t>
+            </a:r>
+            <a:endParaRPr lang="ja-JP" altLang="en-US" dirty="0"/>
+          </a:p>
+        </p:txBody>
+      </p:sp>
+      <p:pic>
+        <p:nvPicPr>
+          <p:cNvPr id="7" name="図 6">
+            <a:extLst>
+              <a:ext uri="{FF2B5EF4-FFF2-40B4-BE49-F238E27FC236}">
+                <a16:creationId xmlns:a16="http://schemas.microsoft.com/office/drawing/2014/main" id="{3DA8608B-457C-48AE-BA22-085E26C77D3D}"/>
+              </a:ext>
+            </a:extLst>
+          </p:cNvPr>
+          <p:cNvPicPr>
+            <a:picLocks noChangeAspect="1"/>
+          </p:cNvPicPr>
+          <p:nvPr/>
+        </p:nvPicPr>
+        <p:blipFill>
+          <a:blip r:embed="rId2"/>
+          <a:stretch>
+            <a:fillRect/>
+          </a:stretch>
+        </p:blipFill>
+        <p:spPr>
+          <a:xfrm>
+            <a:off x="2201542" y="1562213"/>
+            <a:ext cx="1619568" cy="4759716"/>
+          </a:xfrm>
+          <a:prstGeom prst="rect">
+            <a:avLst/>
+          </a:prstGeom>
+        </p:spPr>
+      </p:pic>
+      <p:pic>
+        <p:nvPicPr>
+          <p:cNvPr id="11" name="図 10">
+            <a:extLst>
+              <a:ext uri="{FF2B5EF4-FFF2-40B4-BE49-F238E27FC236}">
+                <a16:creationId xmlns:a16="http://schemas.microsoft.com/office/drawing/2014/main" id="{ACC72C45-046C-4B88-805C-0CC608484D1E}"/>
+              </a:ext>
+            </a:extLst>
+          </p:cNvPr>
+          <p:cNvPicPr>
+            <a:picLocks noChangeAspect="1"/>
+          </p:cNvPicPr>
+          <p:nvPr/>
+        </p:nvPicPr>
+        <p:blipFill>
+          <a:blip r:embed="rId3"/>
+          <a:stretch>
+            <a:fillRect/>
+          </a:stretch>
+        </p:blipFill>
+        <p:spPr>
+          <a:xfrm>
+            <a:off x="6140851" y="1524113"/>
+            <a:ext cx="1273107" cy="4759716"/>
+          </a:xfrm>
+          <a:prstGeom prst="rect">
+            <a:avLst/>
+          </a:prstGeom>
+        </p:spPr>
+      </p:pic>
+    </p:spTree>
+    <p:extLst>
+      <p:ext uri="{BB962C8B-B14F-4D97-AF65-F5344CB8AC3E}">
+        <p14:creationId xmlns:p14="http://schemas.microsoft.com/office/powerpoint/2010/main" val="1574119410"/>
+      </p:ext>
+    </p:extLst>
+  </p:cSld>
+  <p:clrMapOvr>
+    <a:masterClrMapping/>
+  </p:clrMapOvr>
+  <mc:AlternateContent xmlns:mc="http://schemas.openxmlformats.org/markup-compatibility/2006">
+    <mc:Choice xmlns:p14="http://schemas.microsoft.com/office/powerpoint/2010/main" Requires="p14">
+      <p:transition spd="slow" p14:dur="2000" advTm="6079"/>
+    </mc:Choice>
+    <mc:Fallback>
+      <p:transition spd="slow" advTm="6079"/>
+    </mc:Fallback>
+  </mc:AlternateContent>
+</p:sld>
+</file>
+
+<file path=ppt/slides/slide44.xml><?xml version="1.0" encoding="utf-8"?>
 <p:sld xmlns:a="http://schemas.openxmlformats.org/drawingml/2006/main" xmlns:r="http://schemas.openxmlformats.org/officeDocument/2006/relationships" xmlns:p="http://schemas.openxmlformats.org/presentationml/2006/main">
   <p:cSld>
     <p:spTree>
@@ -25060,7 +27123,7 @@
           <a:p>
             <a:fld id="{304739FC-810C-4CDC-B60F-21F1951FBC64}" type="slidenum">
               <a:rPr kumimoji="1" lang="ja-JP" altLang="en-US" smtClean="0"/>
-              <a:t>41</a:t>
+              <a:t>44</a:t>
             </a:fld>
             <a:endParaRPr kumimoji="1" lang="ja-JP" altLang="en-US"/>
           </a:p>
@@ -25076,10 +27139,18 @@
   <p:clrMapOvr>
     <a:masterClrMapping/>
   </p:clrMapOvr>
+  <mc:AlternateContent xmlns:mc="http://schemas.openxmlformats.org/markup-compatibility/2006">
+    <mc:Choice xmlns:p14="http://schemas.microsoft.com/office/powerpoint/2010/main" Requires="p14">
+      <p:transition spd="slow" p14:dur="2000" advTm="2755"/>
+    </mc:Choice>
+    <mc:Fallback>
+      <p:transition spd="slow" advTm="2755"/>
+    </mc:Fallback>
+  </mc:AlternateContent>
 </p:sld>
 </file>
 
-<file path=ppt/slides/slide42.xml><?xml version="1.0" encoding="utf-8"?>
+<file path=ppt/slides/slide45.xml><?xml version="1.0" encoding="utf-8"?>
 <p:sld xmlns:a="http://schemas.openxmlformats.org/drawingml/2006/main" xmlns:r="http://schemas.openxmlformats.org/officeDocument/2006/relationships" xmlns:p="http://schemas.openxmlformats.org/presentationml/2006/main">
   <p:cSld>
     <p:spTree>
@@ -25159,11 +27230,15 @@
               <a:p>
                 <a:r>
                   <a:rPr lang="ja-JP" altLang="en-US" sz="4000" dirty="0"/>
-                  <a:t>遺伝的アルゴリズム</a:t>
+                  <a:t>遺伝的アルゴリズムを導入</a:t>
                 </a:r>
                 <a:endParaRPr lang="en-US" altLang="ja-JP" sz="4000" dirty="0"/>
               </a:p>
               <a:p>
+                <a:pPr marL="571500" indent="-571500">
+                  <a:buFont typeface="Wingdings" panose="05000000000000000000" pitchFamily="2" charset="2"/>
+                  <a:buChar char="n"/>
+                </a:pPr>
                 <a:r>
                   <a:rPr lang="ja-JP" altLang="en-US" dirty="0"/>
                   <a:t>個体表現を</a:t>
@@ -25193,20 +27268,21 @@
                 <a:endParaRPr lang="en-US" altLang="ja-JP" dirty="0"/>
               </a:p>
               <a:p>
+                <a:pPr marL="571500" indent="-571500">
+                  <a:buFont typeface="Wingdings" panose="05000000000000000000" pitchFamily="2" charset="2"/>
+                  <a:buChar char="n"/>
+                </a:pPr>
                 <a:r>
                   <a:rPr lang="ja-JP" altLang="en-US" dirty="0"/>
-                  <a:t>アーキテクチャの多様性を維持</a:t>
+                  <a:t>アーキテクチャの多様性を維持 安定的な学習</a:t>
                 </a:r>
                 <a:endParaRPr lang="en-US" altLang="ja-JP" dirty="0"/>
               </a:p>
               <a:p>
-                <a:r>
-                  <a:rPr lang="ja-JP" altLang="en-US" dirty="0"/>
-                  <a:t>安定的な学習</a:t>
-                </a:r>
-                <a:endParaRPr lang="en-US" altLang="ja-JP" dirty="0"/>
-              </a:p>
-              <a:p>
+                <a:pPr marL="571500" indent="-571500">
+                  <a:buFont typeface="Wingdings" panose="05000000000000000000" pitchFamily="2" charset="2"/>
+                  <a:buChar char="n"/>
+                </a:pPr>
                 <a:r>
                   <a:rPr lang="ja-JP" altLang="en-US" dirty="0"/>
                   <a:t>全体で</a:t>
@@ -25221,7 +27297,7 @@
                 </a:r>
                 <a:r>
                   <a:rPr lang="ja-JP" altLang="en-US" dirty="0"/>
-                  <a:t>モデルを共有することで高速化</a:t>
+                  <a:t>モデルを共有する  ことで高速化</a:t>
                 </a:r>
                 <a:endParaRPr lang="en-US" altLang="ja-JP" dirty="0"/>
               </a:p>
@@ -25291,7 +27367,7 @@
           <a:p>
             <a:fld id="{304739FC-810C-4CDC-B60F-21F1951FBC64}" type="slidenum">
               <a:rPr kumimoji="1" lang="ja-JP" altLang="en-US" smtClean="0"/>
-              <a:t>42</a:t>
+              <a:t>45</a:t>
             </a:fld>
             <a:endParaRPr kumimoji="1" lang="ja-JP" altLang="en-US"/>
           </a:p>
@@ -25307,10 +27383,18 @@
   <p:clrMapOvr>
     <a:masterClrMapping/>
   </p:clrMapOvr>
+  <mc:AlternateContent xmlns:mc="http://schemas.openxmlformats.org/markup-compatibility/2006">
+    <mc:Choice xmlns:p14="http://schemas.microsoft.com/office/powerpoint/2010/main" Requires="p14">
+      <p:transition spd="slow" p14:dur="2000" advTm="18083"/>
+    </mc:Choice>
+    <mc:Fallback>
+      <p:transition spd="slow" advTm="18083"/>
+    </mc:Fallback>
+  </mc:AlternateContent>
 </p:sld>
 </file>
 
-<file path=ppt/slides/slide43.xml><?xml version="1.0" encoding="utf-8"?>
+<file path=ppt/slides/slide46.xml><?xml version="1.0" encoding="utf-8"?>
 <p:sld xmlns:a="http://schemas.openxmlformats.org/drawingml/2006/main" xmlns:r="http://schemas.openxmlformats.org/officeDocument/2006/relationships" xmlns:p="http://schemas.openxmlformats.org/presentationml/2006/main">
   <p:cSld>
     <p:spTree>
@@ -25384,7 +27468,7 @@
             <p:spPr/>
             <p:txBody>
               <a:bodyPr>
-                <a:normAutofit fontScale="77500" lnSpcReduction="20000"/>
+                <a:normAutofit fontScale="92500"/>
               </a:bodyPr>
               <a:lstStyle/>
               <a:p>
@@ -25421,19 +27505,139 @@
                 </a:r>
                 <a:r>
                   <a:rPr lang="ja-JP" altLang="en-US" dirty="0"/>
-                  <a:t>を ∇</a:t>
+                  <a:t>を </a:t>
                 </a:r>
-                <a:r>
-                  <a:rPr lang="en-US" altLang="ja-JP" dirty="0" err="1"/>
-                  <a:t>wLtrain</a:t>
-                </a:r>
-                <a:r>
-                  <a:rPr lang="en-US" altLang="ja-JP" dirty="0"/>
-                  <a:t>(w ∗ , α¯) </a:t>
-                </a:r>
+                <a14:m>
+                  <m:oMath xmlns:m="http://schemas.openxmlformats.org/officeDocument/2006/math">
+                    <m:sSub>
+                      <m:sSubPr>
+                        <m:ctrlPr>
+                          <a:rPr lang="en-US" altLang="ja-JP" b="0" i="1" smtClean="0">
+                            <a:latin typeface="Cambria Math" panose="02040503050406030204" pitchFamily="18" charset="0"/>
+                          </a:rPr>
+                        </m:ctrlPr>
+                      </m:sSubPr>
+                      <m:e>
+                        <m:r>
+                          <m:rPr>
+                            <m:sty m:val="p"/>
+                          </m:rPr>
+                          <a:rPr lang="ja-JP" altLang="en-US" i="1" smtClean="0">
+                            <a:latin typeface="Cambria Math" panose="02040503050406030204" pitchFamily="18" charset="0"/>
+                          </a:rPr>
+                          <m:t>∇</m:t>
+                        </m:r>
+                      </m:e>
+                      <m:sub>
+                        <m:r>
+                          <a:rPr lang="en-US" altLang="ja-JP" b="0" i="1" smtClean="0">
+                            <a:latin typeface="Cambria Math" panose="02040503050406030204" pitchFamily="18" charset="0"/>
+                          </a:rPr>
+                          <m:t>𝑤</m:t>
+                        </m:r>
+                      </m:sub>
+                    </m:sSub>
+                    <m:sSub>
+                      <m:sSubPr>
+                        <m:ctrlPr>
+                          <a:rPr lang="en-US" altLang="ja-JP" b="0" i="1" smtClean="0">
+                            <a:latin typeface="Cambria Math" panose="02040503050406030204" pitchFamily="18" charset="0"/>
+                            <a:ea typeface="Cambria Math" panose="02040503050406030204" pitchFamily="18" charset="0"/>
+                          </a:rPr>
+                        </m:ctrlPr>
+                      </m:sSubPr>
+                      <m:e>
+                        <m:r>
+                          <a:rPr lang="en-US" altLang="ja-JP" b="0" i="1" smtClean="0">
+                            <a:latin typeface="Cambria Math" panose="02040503050406030204" pitchFamily="18" charset="0"/>
+                            <a:ea typeface="Cambria Math" panose="02040503050406030204" pitchFamily="18" charset="0"/>
+                          </a:rPr>
+                          <m:t>ℒ</m:t>
+                        </m:r>
+                      </m:e>
+                      <m:sub>
+                        <m:r>
+                          <a:rPr lang="en-US" altLang="ja-JP" b="0" i="1" smtClean="0">
+                            <a:latin typeface="Cambria Math" panose="02040503050406030204" pitchFamily="18" charset="0"/>
+                            <a:ea typeface="Cambria Math" panose="02040503050406030204" pitchFamily="18" charset="0"/>
+                          </a:rPr>
+                          <m:t>𝑡𝑟𝑎𝑖𝑛</m:t>
+                        </m:r>
+                      </m:sub>
+                    </m:sSub>
+                    <m:r>
+                      <a:rPr lang="en-US" altLang="ja-JP" b="0" i="1" smtClean="0">
+                        <a:latin typeface="Cambria Math" panose="02040503050406030204" pitchFamily="18" charset="0"/>
+                        <a:ea typeface="Cambria Math" panose="02040503050406030204" pitchFamily="18" charset="0"/>
+                      </a:rPr>
+                      <m:t>(</m:t>
+                    </m:r>
+                    <m:sSup>
+                      <m:sSupPr>
+                        <m:ctrlPr>
+                          <a:rPr lang="en-US" altLang="ja-JP" b="0" i="1" smtClean="0">
+                            <a:latin typeface="Cambria Math" panose="02040503050406030204" pitchFamily="18" charset="0"/>
+                            <a:ea typeface="Cambria Math" panose="02040503050406030204" pitchFamily="18" charset="0"/>
+                          </a:rPr>
+                        </m:ctrlPr>
+                      </m:sSupPr>
+                      <m:e>
+                        <m:r>
+                          <a:rPr lang="en-US" altLang="ja-JP" b="0" i="1" smtClean="0">
+                            <a:latin typeface="Cambria Math" panose="02040503050406030204" pitchFamily="18" charset="0"/>
+                            <a:ea typeface="Cambria Math" panose="02040503050406030204" pitchFamily="18" charset="0"/>
+                          </a:rPr>
+                          <m:t>𝑤</m:t>
+                        </m:r>
+                      </m:e>
+                      <m:sup>
+                        <m:r>
+                          <a:rPr lang="en-US" altLang="ja-JP" b="0" i="1" smtClean="0">
+                            <a:latin typeface="Cambria Math" panose="02040503050406030204" pitchFamily="18" charset="0"/>
+                            <a:ea typeface="Cambria Math" panose="02040503050406030204" pitchFamily="18" charset="0"/>
+                          </a:rPr>
+                          <m:t>∗</m:t>
+                        </m:r>
+                      </m:sup>
+                    </m:sSup>
+                    <m:r>
+                      <a:rPr lang="en-US" altLang="ja-JP" b="0" i="1" smtClean="0">
+                        <a:latin typeface="Cambria Math" panose="02040503050406030204" pitchFamily="18" charset="0"/>
+                        <a:ea typeface="Cambria Math" panose="02040503050406030204" pitchFamily="18" charset="0"/>
+                      </a:rPr>
+                      <m:t>, </m:t>
+                    </m:r>
+                    <m:acc>
+                      <m:accPr>
+                        <m:chr m:val="̅"/>
+                        <m:ctrlPr>
+                          <a:rPr lang="en-US" altLang="ja-JP" b="0" i="1" smtClean="0">
+                            <a:latin typeface="Cambria Math" panose="02040503050406030204" pitchFamily="18" charset="0"/>
+                            <a:ea typeface="Cambria Math" panose="02040503050406030204" pitchFamily="18" charset="0"/>
+                          </a:rPr>
+                        </m:ctrlPr>
+                      </m:accPr>
+                      <m:e>
+                        <m:r>
+                          <a:rPr lang="en-US" altLang="ja-JP" b="0" i="1" smtClean="0">
+                            <a:latin typeface="Cambria Math" panose="02040503050406030204" pitchFamily="18" charset="0"/>
+                            <a:ea typeface="Cambria Math" panose="02040503050406030204" pitchFamily="18" charset="0"/>
+                          </a:rPr>
+                          <m:t>𝛼</m:t>
+                        </m:r>
+                      </m:e>
+                    </m:acc>
+                    <m:r>
+                      <a:rPr lang="en-US" altLang="ja-JP" b="0" i="1" smtClean="0">
+                        <a:latin typeface="Cambria Math" panose="02040503050406030204" pitchFamily="18" charset="0"/>
+                      </a:rPr>
+                      <m:t>)</m:t>
+                    </m:r>
+                  </m:oMath>
+                </a14:m>
                 <a:r>
                   <a:rPr lang="ja-JP" altLang="en-US" dirty="0"/>
-                  <a:t>で更新 </a:t>
+                  <a:t> で更新 </a:t>
                 </a:r>
                 <a:endParaRPr lang="en-US" altLang="ja-JP" dirty="0"/>
               </a:p>
@@ -25480,27 +27684,136 @@
                 </a:r>
                 <a:r>
                   <a:rPr lang="ja-JP" altLang="en-US" dirty="0"/>
-                  <a:t>を ∇</a:t>
+                  <a:t>を </a:t>
                 </a:r>
+                <a14:m>
+                  <m:oMath xmlns:m="http://schemas.openxmlformats.org/officeDocument/2006/math">
+                    <m:sSub>
+                      <m:sSubPr>
+                        <m:ctrlPr>
+                          <a:rPr lang="en-US" altLang="ja-JP" b="0" i="1" smtClean="0">
+                            <a:latin typeface="Cambria Math" panose="02040503050406030204" pitchFamily="18" charset="0"/>
+                          </a:rPr>
+                        </m:ctrlPr>
+                      </m:sSubPr>
+                      <m:e>
+                        <m:r>
+                          <m:rPr>
+                            <m:sty m:val="p"/>
+                          </m:rPr>
+                          <a:rPr lang="en-US" altLang="ja-JP" b="0" i="0" smtClean="0">
+                            <a:latin typeface="Cambria Math" panose="02040503050406030204" pitchFamily="18" charset="0"/>
+                          </a:rPr>
+                          <m:t>∇</m:t>
+                        </m:r>
+                      </m:e>
+                      <m:sub>
+                        <m:r>
+                          <a:rPr lang="en-US" altLang="ja-JP" b="0" i="1" smtClean="0">
+                            <a:latin typeface="Cambria Math" panose="02040503050406030204" pitchFamily="18" charset="0"/>
+                          </a:rPr>
+                          <m:t>𝛼</m:t>
+                        </m:r>
+                      </m:sub>
+                    </m:sSub>
+                    <m:sSub>
+                      <m:sSubPr>
+                        <m:ctrlPr>
+                          <a:rPr lang="en-US" altLang="ja-JP" b="0" i="1" smtClean="0">
+                            <a:latin typeface="Cambria Math" panose="02040503050406030204" pitchFamily="18" charset="0"/>
+                          </a:rPr>
+                        </m:ctrlPr>
+                      </m:sSubPr>
+                      <m:e>
+                        <m:r>
+                          <a:rPr lang="en-US" altLang="ja-JP" b="0" i="1" smtClean="0">
+                            <a:latin typeface="Cambria Math" panose="02040503050406030204" pitchFamily="18" charset="0"/>
+                          </a:rPr>
+                          <m:t>ℒ</m:t>
+                        </m:r>
+                      </m:e>
+                      <m:sub>
+                        <m:r>
+                          <a:rPr lang="en-US" altLang="ja-JP" b="0" i="1" smtClean="0">
+                            <a:latin typeface="Cambria Math" panose="02040503050406030204" pitchFamily="18" charset="0"/>
+                          </a:rPr>
+                          <m:t>𝑣𝑎𝑙𝑖𝑑</m:t>
+                        </m:r>
+                      </m:sub>
+                    </m:sSub>
+                    <m:r>
+                      <a:rPr lang="en-US" altLang="ja-JP" b="0" i="1" smtClean="0">
+                        <a:latin typeface="Cambria Math" panose="02040503050406030204" pitchFamily="18" charset="0"/>
+                      </a:rPr>
+                      <m:t>(</m:t>
+                    </m:r>
+                    <m:sSup>
+                      <m:sSupPr>
+                        <m:ctrlPr>
+                          <a:rPr lang="en-US" altLang="ja-JP" b="0" i="1" smtClean="0">
+                            <a:latin typeface="Cambria Math" panose="02040503050406030204" pitchFamily="18" charset="0"/>
+                          </a:rPr>
+                        </m:ctrlPr>
+                      </m:sSupPr>
+                      <m:e>
+                        <m:r>
+                          <a:rPr lang="en-US" altLang="ja-JP" b="0" i="1" smtClean="0">
+                            <a:latin typeface="Cambria Math" panose="02040503050406030204" pitchFamily="18" charset="0"/>
+                          </a:rPr>
+                          <m:t>𝑤</m:t>
+                        </m:r>
+                      </m:e>
+                      <m:sup>
+                        <m:r>
+                          <a:rPr lang="en-US" altLang="ja-JP" b="0" i="1" smtClean="0">
+                            <a:latin typeface="Cambria Math" panose="02040503050406030204" pitchFamily="18" charset="0"/>
+                          </a:rPr>
+                          <m:t>∗</m:t>
+                        </m:r>
+                      </m:sup>
+                    </m:sSup>
+                    <m:r>
+                      <a:rPr lang="en-US" altLang="ja-JP" b="0" i="1" smtClean="0">
+                        <a:latin typeface="Cambria Math" panose="02040503050406030204" pitchFamily="18" charset="0"/>
+                      </a:rPr>
+                      <m:t>, </m:t>
+                    </m:r>
+                    <m:sSub>
+                      <m:sSubPr>
+                        <m:ctrlPr>
+                          <a:rPr lang="en-US" altLang="ja-JP" b="0" i="1" smtClean="0">
+                            <a:latin typeface="Cambria Math" panose="02040503050406030204" pitchFamily="18" charset="0"/>
+                          </a:rPr>
+                        </m:ctrlPr>
+                      </m:sSubPr>
+                      <m:e>
+                        <m:r>
+                          <a:rPr lang="en-US" altLang="ja-JP" b="0" i="1" smtClean="0">
+                            <a:latin typeface="Cambria Math" panose="02040503050406030204" pitchFamily="18" charset="0"/>
+                          </a:rPr>
+                          <m:t>𝛼</m:t>
+                        </m:r>
+                      </m:e>
+                      <m:sub>
+                        <m:r>
+                          <a:rPr lang="en-US" altLang="ja-JP" b="0" i="1" smtClean="0">
+                            <a:latin typeface="Cambria Math" panose="02040503050406030204" pitchFamily="18" charset="0"/>
+                          </a:rPr>
+                          <m:t>𝑖</m:t>
+                        </m:r>
+                      </m:sub>
+                    </m:sSub>
+                    <m:r>
+                      <a:rPr lang="en-US" altLang="ja-JP" b="0" i="1" smtClean="0">
+                        <a:latin typeface="Cambria Math" panose="02040503050406030204" pitchFamily="18" charset="0"/>
+                      </a:rPr>
+                      <m:t>)</m:t>
+                    </m:r>
+                  </m:oMath>
+                </a14:m>
                 <a:r>
                   <a:rPr lang="en-US" altLang="ja-JP" dirty="0"/>
-                  <a:t>α</a:t>
-                </a:r>
-                <a:r>
-                  <a:rPr lang="en-US" altLang="ja-JP" dirty="0" err="1"/>
-                  <a:t>Lvalid</a:t>
-                </a:r>
-                <a:r>
-                  <a:rPr lang="en-US" altLang="ja-JP" dirty="0"/>
-                  <a:t>(w ∗ , α</a:t>
-                </a:r>
-                <a:r>
-                  <a:rPr lang="en-US" altLang="ja-JP" dirty="0" err="1"/>
-                  <a:t>i</a:t>
-                </a:r>
-                <a:r>
-                  <a:rPr lang="en-US" altLang="ja-JP" dirty="0"/>
-                  <a:t>) </a:t>
+                  <a:t> </a:t>
                 </a:r>
                 <a:r>
                   <a:rPr lang="ja-JP" altLang="en-US" dirty="0"/>
@@ -25516,21 +27829,87 @@
                   <a:rPr lang="ja-JP" altLang="en-US" dirty="0"/>
                   <a:t>適応度 </a:t>
                 </a:r>
-                <a:r>
-                  <a:rPr lang="en-US" altLang="ja-JP" dirty="0" err="1"/>
-                  <a:t>Ltest</a:t>
-                </a:r>
+                <a14:m>
+                  <m:oMath xmlns:m="http://schemas.openxmlformats.org/officeDocument/2006/math">
+                    <m:sSub>
+                      <m:sSubPr>
+                        <m:ctrlPr>
+                          <a:rPr lang="en-US" altLang="ja-JP" b="0" i="1" smtClean="0">
+                            <a:latin typeface="Cambria Math" panose="02040503050406030204" pitchFamily="18" charset="0"/>
+                          </a:rPr>
+                        </m:ctrlPr>
+                      </m:sSubPr>
+                      <m:e>
+                        <m:r>
+                          <a:rPr lang="en-US" altLang="ja-JP" b="0" i="1" smtClean="0">
+                            <a:latin typeface="Cambria Math" panose="02040503050406030204" pitchFamily="18" charset="0"/>
+                          </a:rPr>
+                          <m:t>ℒ</m:t>
+                        </m:r>
+                      </m:e>
+                      <m:sub>
+                        <m:r>
+                          <a:rPr lang="en-US" altLang="ja-JP" b="0" i="1" smtClean="0">
+                            <a:latin typeface="Cambria Math" panose="02040503050406030204" pitchFamily="18" charset="0"/>
+                          </a:rPr>
+                          <m:t>𝑡𝑒𝑠𝑡</m:t>
+                        </m:r>
+                      </m:sub>
+                    </m:sSub>
+                    <m:r>
+                      <a:rPr lang="en-US" altLang="ja-JP" b="0" i="1" smtClean="0">
+                        <a:latin typeface="Cambria Math" panose="02040503050406030204" pitchFamily="18" charset="0"/>
+                      </a:rPr>
+                      <m:t>(</m:t>
+                    </m:r>
+                    <m:r>
+                      <a:rPr lang="en-US" altLang="ja-JP" b="0" i="1" smtClean="0">
+                        <a:latin typeface="Cambria Math" panose="02040503050406030204" pitchFamily="18" charset="0"/>
+                      </a:rPr>
+                      <m:t>𝑤</m:t>
+                    </m:r>
+                    <m:r>
+                      <a:rPr lang="en-US" altLang="ja-JP" b="0" i="1" smtClean="0">
+                        <a:latin typeface="Cambria Math" panose="02040503050406030204" pitchFamily="18" charset="0"/>
+                      </a:rPr>
+                      <m:t>, </m:t>
+                    </m:r>
+                    <m:sSub>
+                      <m:sSubPr>
+                        <m:ctrlPr>
+                          <a:rPr lang="en-US" altLang="ja-JP" b="0" i="1" smtClean="0">
+                            <a:latin typeface="Cambria Math" panose="02040503050406030204" pitchFamily="18" charset="0"/>
+                          </a:rPr>
+                        </m:ctrlPr>
+                      </m:sSubPr>
+                      <m:e>
+                        <m:r>
+                          <a:rPr lang="en-US" altLang="ja-JP" b="0" i="1" smtClean="0">
+                            <a:latin typeface="Cambria Math" panose="02040503050406030204" pitchFamily="18" charset="0"/>
+                          </a:rPr>
+                          <m:t>𝛼</m:t>
+                        </m:r>
+                      </m:e>
+                      <m:sub>
+                        <m:r>
+                          <a:rPr lang="en-US" altLang="ja-JP" b="0" i="1" smtClean="0">
+                            <a:latin typeface="Cambria Math" panose="02040503050406030204" pitchFamily="18" charset="0"/>
+                          </a:rPr>
+                          <m:t>𝑠𝑚𝑝</m:t>
+                        </m:r>
+                      </m:sub>
+                    </m:sSub>
+                    <m:r>
+                      <a:rPr lang="en-US" altLang="ja-JP" b="0" i="1" smtClean="0">
+                        <a:latin typeface="Cambria Math" panose="02040503050406030204" pitchFamily="18" charset="0"/>
+                      </a:rPr>
+                      <m:t>)</m:t>
+                    </m:r>
+                  </m:oMath>
+                </a14:m>
                 <a:r>
                   <a:rPr lang="en-US" altLang="ja-JP" dirty="0"/>
-                  <a:t>(w, α</a:t>
-                </a:r>
-                <a:r>
-                  <a:rPr lang="en-US" altLang="ja-JP" dirty="0" err="1"/>
-                  <a:t>smp</a:t>
-                </a:r>
-                <a:r>
-                  <a:rPr lang="en-US" altLang="ja-JP" dirty="0"/>
-                  <a:t>) </a:t>
+                  <a:t> </a:t>
                 </a:r>
                 <a:r>
                   <a:rPr lang="ja-JP" altLang="en-US" dirty="0"/>
@@ -25552,7 +27931,7 @@
                 </a:r>
                 <a:r>
                   <a:rPr lang="ja-JP" altLang="en-US" dirty="0"/>
-                  <a:t>を評価・選択 </a:t>
+                  <a:t>を 評価・選択 </a:t>
                 </a:r>
                 <a:endParaRPr lang="en-US" altLang="ja-JP" dirty="0"/>
               </a:p>
@@ -25584,51 +27963,6 @@
                 </a:r>
                 <a:endParaRPr lang="en-US" altLang="ja-JP" dirty="0"/>
               </a:p>
-              <a:p>
-                <a:r>
-                  <a:rPr lang="en-US" altLang="ja-JP" dirty="0"/>
-                  <a:t>α¯ </a:t>
-                </a:r>
-                <a:r>
-                  <a:rPr lang="ja-JP" altLang="en-US" dirty="0"/>
-                  <a:t>は各個体の平均</a:t>
-                </a:r>
-                <a:r>
-                  <a:rPr lang="en-US" altLang="ja-JP" dirty="0"/>
-                  <a:t>, </a:t>
-                </a:r>
-              </a:p>
-              <a:p>
-                <a:r>
-                  <a:rPr lang="en-US" altLang="ja-JP" dirty="0"/>
-                  <a:t>α </a:t>
-                </a:r>
-                <a:r>
-                  <a:rPr lang="en-US" altLang="ja-JP" dirty="0" err="1"/>
-                  <a:t>smp</a:t>
-                </a:r>
-                <a:r>
-                  <a:rPr lang="en-US" altLang="ja-JP" dirty="0"/>
-                  <a:t> </a:t>
-                </a:r>
-                <a:r>
-                  <a:rPr lang="ja-JP" altLang="en-US" dirty="0"/>
-                  <a:t>は構成手法 </a:t>
-                </a:r>
-                <a:r>
-                  <a:rPr lang="en-US" altLang="ja-JP" dirty="0"/>
-                  <a:t>B </a:t>
-                </a:r>
-                <a:r>
-                  <a:rPr lang="ja-JP" altLang="en-US" dirty="0"/>
-                  <a:t>で隣接行列にサンプリングした </a:t>
-                </a:r>
-                <a:r>
-                  <a:rPr lang="en-US" altLang="ja-JP" dirty="0"/>
-                  <a:t>α</a:t>
-                </a:r>
-                <a:endParaRPr kumimoji="1" lang="ja-JP" altLang="en-US" dirty="0"/>
-              </a:p>
             </p:txBody>
           </p:sp>
         </mc:Choice>
@@ -25653,7 +27987,7 @@
               <a:blipFill>
                 <a:blip r:embed="rId3"/>
                 <a:stretch>
-                  <a:fillRect l="-3554" t="-5511" r="-81"/>
+                  <a:fillRect l="-4200" t="-5242"/>
                 </a:stretch>
               </a:blipFill>
             </p:spPr>
@@ -25695,12 +28029,192 @@
           <a:p>
             <a:fld id="{304739FC-810C-4CDC-B60F-21F1951FBC64}" type="slidenum">
               <a:rPr kumimoji="1" lang="ja-JP" altLang="en-US" smtClean="0"/>
-              <a:t>43</a:t>
+              <a:t>46</a:t>
             </a:fld>
             <a:endParaRPr kumimoji="1" lang="ja-JP" altLang="en-US"/>
           </a:p>
         </p:txBody>
       </p:sp>
+      <mc:AlternateContent xmlns:mc="http://schemas.openxmlformats.org/markup-compatibility/2006">
+        <mc:Choice xmlns:a14="http://schemas.microsoft.com/office/drawing/2010/main" Requires="a14">
+          <p:sp>
+            <p:nvSpPr>
+              <p:cNvPr id="5" name="正方形/長方形 4">
+                <a:extLst>
+                  <a:ext uri="{FF2B5EF4-FFF2-40B4-BE49-F238E27FC236}">
+                    <a16:creationId xmlns:a16="http://schemas.microsoft.com/office/drawing/2014/main" id="{872BEDC1-F2DA-43E1-997B-76C55E4E60D1}"/>
+                  </a:ext>
+                </a:extLst>
+              </p:cNvPr>
+              <p:cNvSpPr/>
+              <p:nvPr/>
+            </p:nvSpPr>
+            <p:spPr>
+              <a:xfrm>
+                <a:off x="822959" y="6294844"/>
+                <a:ext cx="5996941" cy="603755"/>
+              </a:xfrm>
+              <a:prstGeom prst="rect">
+                <a:avLst/>
+              </a:prstGeom>
+            </p:spPr>
+            <p:txBody>
+              <a:bodyPr wrap="square">
+                <a:spAutoFit/>
+              </a:bodyPr>
+              <a:lstStyle/>
+              <a:p>
+                <a14:m>
+                  <m:oMath xmlns:m="http://schemas.openxmlformats.org/officeDocument/2006/math">
+                    <m:acc>
+                      <m:accPr>
+                        <m:chr m:val="̅"/>
+                        <m:ctrlPr>
+                          <a:rPr lang="ja-JP" altLang="en-US" sz="1600" i="1" smtClean="0">
+                            <a:solidFill>
+                              <a:schemeClr val="bg1"/>
+                            </a:solidFill>
+                            <a:latin typeface="Cambria Math" panose="02040503050406030204" pitchFamily="18" charset="0"/>
+                          </a:rPr>
+                        </m:ctrlPr>
+                      </m:accPr>
+                      <m:e>
+                        <m:r>
+                          <a:rPr lang="en-US" altLang="ja-JP" sz="1600" b="0" i="1" smtClean="0">
+                            <a:solidFill>
+                              <a:schemeClr val="bg1"/>
+                            </a:solidFill>
+                            <a:latin typeface="Cambria Math" panose="02040503050406030204" pitchFamily="18" charset="0"/>
+                          </a:rPr>
+                          <m:t>𝛼</m:t>
+                        </m:r>
+                      </m:e>
+                    </m:acc>
+                  </m:oMath>
+                </a14:m>
+                <a:r>
+                  <a:rPr lang="ja-JP" altLang="en-US" sz="1600" dirty="0">
+                    <a:solidFill>
+                      <a:schemeClr val="bg1"/>
+                    </a:solidFill>
+                  </a:rPr>
+                  <a:t> は各個体の平均, </a:t>
+                </a:r>
+              </a:p>
+              <a:p>
+                <a14:m>
+                  <m:oMath xmlns:m="http://schemas.openxmlformats.org/officeDocument/2006/math">
+                    <m:sSub>
+                      <m:sSubPr>
+                        <m:ctrlPr>
+                          <a:rPr lang="en-US" altLang="ja-JP" sz="1600" b="0" i="1" smtClean="0">
+                            <a:solidFill>
+                              <a:schemeClr val="bg1"/>
+                            </a:solidFill>
+                            <a:latin typeface="Cambria Math" panose="02040503050406030204" pitchFamily="18" charset="0"/>
+                          </a:rPr>
+                        </m:ctrlPr>
+                      </m:sSubPr>
+                      <m:e>
+                        <m:r>
+                          <a:rPr lang="en-US" altLang="ja-JP" sz="1600" b="0" i="1" smtClean="0">
+                            <a:solidFill>
+                              <a:schemeClr val="bg1"/>
+                            </a:solidFill>
+                            <a:latin typeface="Cambria Math" panose="02040503050406030204" pitchFamily="18" charset="0"/>
+                          </a:rPr>
+                          <m:t>𝛼</m:t>
+                        </m:r>
+                      </m:e>
+                      <m:sub>
+                        <m:r>
+                          <a:rPr lang="en-US" altLang="ja-JP" sz="1600" b="0" i="1" smtClean="0">
+                            <a:solidFill>
+                              <a:schemeClr val="bg1"/>
+                            </a:solidFill>
+                            <a:latin typeface="Cambria Math" panose="02040503050406030204" pitchFamily="18" charset="0"/>
+                          </a:rPr>
+                          <m:t>𝑠𝑚𝑝</m:t>
+                        </m:r>
+                      </m:sub>
+                    </m:sSub>
+                  </m:oMath>
+                </a14:m>
+                <a:r>
+                  <a:rPr lang="ja-JP" altLang="en-US" sz="1600" dirty="0">
+                    <a:solidFill>
+                      <a:schemeClr val="bg1"/>
+                    </a:solidFill>
+                  </a:rPr>
+                  <a:t> は構成手法 B で隣接行列にサンプリングした </a:t>
+                </a:r>
+                <a14:m>
+                  <m:oMath xmlns:m="http://schemas.openxmlformats.org/officeDocument/2006/math">
+                    <m:r>
+                      <a:rPr lang="ja-JP" altLang="en-US" sz="1600" i="1" dirty="0" smtClean="0">
+                        <a:solidFill>
+                          <a:schemeClr val="bg1"/>
+                        </a:solidFill>
+                        <a:latin typeface="Cambria Math" panose="02040503050406030204" pitchFamily="18" charset="0"/>
+                      </a:rPr>
+                      <m:t>𝛼</m:t>
+                    </m:r>
+                  </m:oMath>
+                </a14:m>
+                <a:endParaRPr lang="ja-JP" altLang="en-US" sz="1600" dirty="0">
+                  <a:solidFill>
+                    <a:schemeClr val="bg1"/>
+                  </a:solidFill>
+                </a:endParaRPr>
+              </a:p>
+            </p:txBody>
+          </p:sp>
+        </mc:Choice>
+        <mc:Fallback>
+          <p:sp>
+            <p:nvSpPr>
+              <p:cNvPr id="5" name="正方形/長方形 4">
+                <a:extLst>
+                  <a:ext uri="{FF2B5EF4-FFF2-40B4-BE49-F238E27FC236}">
+                    <a16:creationId xmlns:a16="http://schemas.microsoft.com/office/drawing/2014/main" id="{872BEDC1-F2DA-43E1-997B-76C55E4E60D1}"/>
+                  </a:ext>
+                </a:extLst>
+              </p:cNvPr>
+              <p:cNvSpPr>
+                <a:spLocks noRot="1" noChangeAspect="1" noMove="1" noResize="1" noEditPoints="1" noAdjustHandles="1" noChangeArrowheads="1" noChangeShapeType="1" noTextEdit="1"/>
+              </p:cNvSpPr>
+              <p:nvPr/>
+            </p:nvSpPr>
+            <p:spPr>
+              <a:xfrm>
+                <a:off x="822959" y="6294844"/>
+                <a:ext cx="5996941" cy="603755"/>
+              </a:xfrm>
+              <a:prstGeom prst="rect">
+                <a:avLst/>
+              </a:prstGeom>
+              <a:blipFill>
+                <a:blip r:embed="rId4"/>
+                <a:stretch>
+                  <a:fillRect t="-7071" b="-13131"/>
+                </a:stretch>
+              </a:blipFill>
+            </p:spPr>
+            <p:txBody>
+              <a:bodyPr/>
+              <a:lstStyle/>
+              <a:p>
+                <a:r>
+                  <a:rPr lang="ja-JP" altLang="en-US">
+                    <a:noFill/>
+                  </a:rPr>
+                  <a:t> </a:t>
+                </a:r>
+              </a:p>
+            </p:txBody>
+          </p:sp>
+        </mc:Fallback>
+      </mc:AlternateContent>
     </p:spTree>
     <p:extLst>
       <p:ext uri="{BB962C8B-B14F-4D97-AF65-F5344CB8AC3E}">
@@ -25711,10 +28225,18 @@
   <p:clrMapOvr>
     <a:masterClrMapping/>
   </p:clrMapOvr>
+  <mc:AlternateContent xmlns:mc="http://schemas.openxmlformats.org/markup-compatibility/2006">
+    <mc:Choice xmlns:p14="http://schemas.microsoft.com/office/powerpoint/2010/main" Requires="p14">
+      <p:transition spd="slow" p14:dur="2000" advTm="7064"/>
+    </mc:Choice>
+    <mc:Fallback>
+      <p:transition spd="slow" advTm="7064"/>
+    </mc:Fallback>
+  </mc:AlternateContent>
 </p:sld>
 </file>
 
-<file path=ppt/slides/slide44.xml><?xml version="1.0" encoding="utf-8"?>
+<file path=ppt/slides/slide47.xml><?xml version="1.0" encoding="utf-8"?>
 <p:sld xmlns:a="http://schemas.openxmlformats.org/drawingml/2006/main" xmlns:r="http://schemas.openxmlformats.org/officeDocument/2006/relationships" xmlns:p="http://schemas.openxmlformats.org/presentationml/2006/main">
   <p:cSld>
     <p:spTree>
@@ -25794,7 +28316,7 @@
           <a:p>
             <a:fld id="{304739FC-810C-4CDC-B60F-21F1951FBC64}" type="slidenum">
               <a:rPr kumimoji="1" lang="ja-JP" altLang="en-US" smtClean="0"/>
-              <a:t>44</a:t>
+              <a:t>47</a:t>
             </a:fld>
             <a:endParaRPr kumimoji="1" lang="ja-JP" altLang="en-US"/>
           </a:p>
@@ -26407,10 +28929,18 @@
   <p:clrMapOvr>
     <a:masterClrMapping/>
   </p:clrMapOvr>
+  <mc:AlternateContent xmlns:mc="http://schemas.openxmlformats.org/markup-compatibility/2006">
+    <mc:Choice xmlns:p14="http://schemas.microsoft.com/office/powerpoint/2010/main" Requires="p14">
+      <p:transition spd="slow" p14:dur="2000" advTm="10831"/>
+    </mc:Choice>
+    <mc:Fallback>
+      <p:transition spd="slow" advTm="10831"/>
+    </mc:Fallback>
+  </mc:AlternateContent>
 </p:sld>
 </file>
 
-<file path=ppt/slides/slide45.xml><?xml version="1.0" encoding="utf-8"?>
+<file path=ppt/slides/slide48.xml><?xml version="1.0" encoding="utf-8"?>
 <p:sld xmlns:a="http://schemas.openxmlformats.org/drawingml/2006/main" xmlns:r="http://schemas.openxmlformats.org/officeDocument/2006/relationships" xmlns:p="http://schemas.openxmlformats.org/presentationml/2006/main">
   <p:cSld>
     <p:spTree>
@@ -26525,9 +29055,294 @@
           <a:p>
             <a:fld id="{304739FC-810C-4CDC-B60F-21F1951FBC64}" type="slidenum">
               <a:rPr kumimoji="1" lang="ja-JP" altLang="en-US" smtClean="0"/>
-              <a:t>45</a:t>
+              <a:t>48</a:t>
             </a:fld>
             <a:endParaRPr kumimoji="1" lang="ja-JP" altLang="en-US"/>
+          </a:p>
+        </p:txBody>
+      </p:sp>
+      <p:sp>
+        <p:nvSpPr>
+          <p:cNvPr id="11" name="コンテンツ プレースホルダー 4">
+            <a:extLst>
+              <a:ext uri="{FF2B5EF4-FFF2-40B4-BE49-F238E27FC236}">
+                <a16:creationId xmlns:a16="http://schemas.microsoft.com/office/drawing/2014/main" id="{55F1D276-C7C2-4DD2-85DC-59251E3C8759}"/>
+              </a:ext>
+            </a:extLst>
+          </p:cNvPr>
+          <p:cNvSpPr txBox="1">
+            <a:spLocks/>
+          </p:cNvSpPr>
+          <p:nvPr/>
+        </p:nvSpPr>
+        <p:spPr>
+          <a:xfrm>
+            <a:off x="822959" y="5438774"/>
+            <a:ext cx="7543801" cy="754199"/>
+          </a:xfrm>
+          <a:prstGeom prst="rect">
+            <a:avLst/>
+          </a:prstGeom>
+        </p:spPr>
+        <p:txBody>
+          <a:bodyPr vert="horz" lIns="0" tIns="45720" rIns="0" bIns="45720" rtlCol="0">
+            <a:normAutofit/>
+          </a:bodyPr>
+          <a:lstStyle>
+            <a:lvl1pPr marL="0" indent="0" algn="l" defTabSz="914400" rtl="0" eaLnBrk="1" latinLnBrk="0" hangingPunct="1">
+              <a:lnSpc>
+                <a:spcPct val="90000"/>
+              </a:lnSpc>
+              <a:spcBef>
+                <a:spcPts val="1200"/>
+              </a:spcBef>
+              <a:spcAft>
+                <a:spcPts val="200"/>
+              </a:spcAft>
+              <a:buClr>
+                <a:schemeClr val="accent1"/>
+              </a:buClr>
+              <a:buSzPct val="100000"/>
+              <a:buFontTx/>
+              <a:buNone/>
+              <a:defRPr kumimoji="1" sz="3600" kern="1200">
+                <a:solidFill>
+                  <a:schemeClr val="tx1">
+                    <a:lumMod val="75000"/>
+                    <a:lumOff val="25000"/>
+                  </a:schemeClr>
+                </a:solidFill>
+                <a:latin typeface="+mn-ea"/>
+                <a:ea typeface="+mn-ea"/>
+                <a:cs typeface="+mn-cs"/>
+              </a:defRPr>
+            </a:lvl1pPr>
+            <a:lvl2pPr marL="384048" indent="-182880" algn="l" defTabSz="914400" rtl="0" eaLnBrk="1" latinLnBrk="0" hangingPunct="1">
+              <a:lnSpc>
+                <a:spcPct val="90000"/>
+              </a:lnSpc>
+              <a:spcBef>
+                <a:spcPts val="200"/>
+              </a:spcBef>
+              <a:spcAft>
+                <a:spcPts val="400"/>
+              </a:spcAft>
+              <a:buClr>
+                <a:schemeClr val="accent1"/>
+              </a:buClr>
+              <a:buSzPct val="100000"/>
+              <a:buFont typeface="Wingdings" panose="05000000000000000000" pitchFamily="2" charset="2"/>
+              <a:buChar char="u"/>
+              <a:defRPr kumimoji="1" sz="3200" kern="1200">
+                <a:solidFill>
+                  <a:schemeClr val="tx1">
+                    <a:lumMod val="75000"/>
+                    <a:lumOff val="25000"/>
+                  </a:schemeClr>
+                </a:solidFill>
+                <a:latin typeface="+mn-ea"/>
+                <a:ea typeface="+mn-ea"/>
+                <a:cs typeface="+mn-cs"/>
+              </a:defRPr>
+            </a:lvl2pPr>
+            <a:lvl3pPr marL="566928" indent="-182880" algn="l" defTabSz="914400" rtl="0" eaLnBrk="1" latinLnBrk="0" hangingPunct="1">
+              <a:lnSpc>
+                <a:spcPct val="90000"/>
+              </a:lnSpc>
+              <a:spcBef>
+                <a:spcPts val="200"/>
+              </a:spcBef>
+              <a:spcAft>
+                <a:spcPts val="400"/>
+              </a:spcAft>
+              <a:buClr>
+                <a:schemeClr val="accent1"/>
+              </a:buClr>
+              <a:buSzPct val="100000"/>
+              <a:buFont typeface="Wingdings" panose="05000000000000000000" pitchFamily="2" charset="2"/>
+              <a:buChar char="u"/>
+              <a:defRPr kumimoji="1" sz="2400" kern="1200">
+                <a:solidFill>
+                  <a:schemeClr val="tx1">
+                    <a:lumMod val="75000"/>
+                    <a:lumOff val="25000"/>
+                  </a:schemeClr>
+                </a:solidFill>
+                <a:latin typeface="+mn-ea"/>
+                <a:ea typeface="+mn-ea"/>
+                <a:cs typeface="+mn-cs"/>
+              </a:defRPr>
+            </a:lvl3pPr>
+            <a:lvl4pPr marL="749808" indent="-182880" algn="l" defTabSz="914400" rtl="0" eaLnBrk="1" latinLnBrk="0" hangingPunct="1">
+              <a:lnSpc>
+                <a:spcPct val="90000"/>
+              </a:lnSpc>
+              <a:spcBef>
+                <a:spcPts val="200"/>
+              </a:spcBef>
+              <a:spcAft>
+                <a:spcPts val="400"/>
+              </a:spcAft>
+              <a:buClr>
+                <a:schemeClr val="accent1"/>
+              </a:buClr>
+              <a:buSzPct val="100000"/>
+              <a:buFont typeface="Wingdings" panose="05000000000000000000" pitchFamily="2" charset="2"/>
+              <a:buChar char="u"/>
+              <a:defRPr kumimoji="1" sz="2400" kern="1200">
+                <a:solidFill>
+                  <a:schemeClr val="tx1">
+                    <a:lumMod val="75000"/>
+                    <a:lumOff val="25000"/>
+                  </a:schemeClr>
+                </a:solidFill>
+                <a:latin typeface="+mn-ea"/>
+                <a:ea typeface="+mn-ea"/>
+                <a:cs typeface="+mn-cs"/>
+              </a:defRPr>
+            </a:lvl4pPr>
+            <a:lvl5pPr marL="932688" indent="-182880" algn="l" defTabSz="914400" rtl="0" eaLnBrk="1" latinLnBrk="0" hangingPunct="1">
+              <a:lnSpc>
+                <a:spcPct val="90000"/>
+              </a:lnSpc>
+              <a:spcBef>
+                <a:spcPts val="200"/>
+              </a:spcBef>
+              <a:spcAft>
+                <a:spcPts val="400"/>
+              </a:spcAft>
+              <a:buClr>
+                <a:schemeClr val="accent1"/>
+              </a:buClr>
+              <a:buSzPct val="100000"/>
+              <a:buFont typeface="Wingdings" panose="05000000000000000000" pitchFamily="2" charset="2"/>
+              <a:buChar char="u"/>
+              <a:defRPr kumimoji="1" sz="2400" kern="1200">
+                <a:solidFill>
+                  <a:schemeClr val="tx1">
+                    <a:lumMod val="75000"/>
+                    <a:lumOff val="25000"/>
+                  </a:schemeClr>
+                </a:solidFill>
+                <a:latin typeface="+mn-ea"/>
+                <a:ea typeface="+mn-ea"/>
+                <a:cs typeface="+mn-cs"/>
+              </a:defRPr>
+            </a:lvl5pPr>
+            <a:lvl6pPr marL="1100000" indent="-228600" algn="l" defTabSz="914400" rtl="0" eaLnBrk="1" latinLnBrk="0" hangingPunct="1">
+              <a:lnSpc>
+                <a:spcPct val="90000"/>
+              </a:lnSpc>
+              <a:spcBef>
+                <a:spcPts val="200"/>
+              </a:spcBef>
+              <a:spcAft>
+                <a:spcPts val="400"/>
+              </a:spcAft>
+              <a:buClr>
+                <a:schemeClr val="accent1"/>
+              </a:buClr>
+              <a:buFont typeface="Calibri" pitchFamily="34" charset="0"/>
+              <a:buChar char="◦"/>
+              <a:defRPr kumimoji="1" sz="1400" kern="1200">
+                <a:solidFill>
+                  <a:schemeClr val="tx1">
+                    <a:lumMod val="75000"/>
+                    <a:lumOff val="25000"/>
+                  </a:schemeClr>
+                </a:solidFill>
+                <a:latin typeface="+mn-lt"/>
+                <a:ea typeface="+mn-ea"/>
+                <a:cs typeface="+mn-cs"/>
+              </a:defRPr>
+            </a:lvl6pPr>
+            <a:lvl7pPr marL="1300000" indent="-228600" algn="l" defTabSz="914400" rtl="0" eaLnBrk="1" latinLnBrk="0" hangingPunct="1">
+              <a:lnSpc>
+                <a:spcPct val="90000"/>
+              </a:lnSpc>
+              <a:spcBef>
+                <a:spcPts val="200"/>
+              </a:spcBef>
+              <a:spcAft>
+                <a:spcPts val="400"/>
+              </a:spcAft>
+              <a:buClr>
+                <a:schemeClr val="accent1"/>
+              </a:buClr>
+              <a:buFont typeface="Calibri" pitchFamily="34" charset="0"/>
+              <a:buChar char="◦"/>
+              <a:defRPr kumimoji="1" sz="1400" kern="1200">
+                <a:solidFill>
+                  <a:schemeClr val="tx1">
+                    <a:lumMod val="75000"/>
+                    <a:lumOff val="25000"/>
+                  </a:schemeClr>
+                </a:solidFill>
+                <a:latin typeface="+mn-lt"/>
+                <a:ea typeface="+mn-ea"/>
+                <a:cs typeface="+mn-cs"/>
+              </a:defRPr>
+            </a:lvl7pPr>
+            <a:lvl8pPr marL="1500000" indent="-228600" algn="l" defTabSz="914400" rtl="0" eaLnBrk="1" latinLnBrk="0" hangingPunct="1">
+              <a:lnSpc>
+                <a:spcPct val="90000"/>
+              </a:lnSpc>
+              <a:spcBef>
+                <a:spcPts val="200"/>
+              </a:spcBef>
+              <a:spcAft>
+                <a:spcPts val="400"/>
+              </a:spcAft>
+              <a:buClr>
+                <a:schemeClr val="accent1"/>
+              </a:buClr>
+              <a:buFont typeface="Calibri" pitchFamily="34" charset="0"/>
+              <a:buChar char="◦"/>
+              <a:defRPr kumimoji="1" sz="1400" kern="1200">
+                <a:solidFill>
+                  <a:schemeClr val="tx1">
+                    <a:lumMod val="75000"/>
+                    <a:lumOff val="25000"/>
+                  </a:schemeClr>
+                </a:solidFill>
+                <a:latin typeface="+mn-lt"/>
+                <a:ea typeface="+mn-ea"/>
+                <a:cs typeface="+mn-cs"/>
+              </a:defRPr>
+            </a:lvl8pPr>
+            <a:lvl9pPr marL="1700000" indent="-228600" algn="l" defTabSz="914400" rtl="0" eaLnBrk="1" latinLnBrk="0" hangingPunct="1">
+              <a:lnSpc>
+                <a:spcPct val="90000"/>
+              </a:lnSpc>
+              <a:spcBef>
+                <a:spcPts val="200"/>
+              </a:spcBef>
+              <a:spcAft>
+                <a:spcPts val="400"/>
+              </a:spcAft>
+              <a:buClr>
+                <a:schemeClr val="accent1"/>
+              </a:buClr>
+              <a:buFont typeface="Calibri" pitchFamily="34" charset="0"/>
+              <a:buChar char="◦"/>
+              <a:defRPr kumimoji="1" sz="1400" kern="1200">
+                <a:solidFill>
+                  <a:schemeClr val="tx1">
+                    <a:lumMod val="75000"/>
+                    <a:lumOff val="25000"/>
+                  </a:schemeClr>
+                </a:solidFill>
+                <a:latin typeface="+mn-lt"/>
+                <a:ea typeface="+mn-ea"/>
+                <a:cs typeface="+mn-cs"/>
+              </a:defRPr>
+            </a:lvl9pPr>
+          </a:lstStyle>
+          <a:p>
+            <a:r>
+              <a:rPr lang="ja-JP" altLang="en-US" dirty="0"/>
+              <a:t>学習段階：世代ごとの精度</a:t>
+            </a:r>
           </a:p>
         </p:txBody>
       </p:sp>
@@ -26541,11 +29356,19 @@
   <p:clrMapOvr>
     <a:masterClrMapping/>
   </p:clrMapOvr>
+  <mc:AlternateContent xmlns:mc="http://schemas.openxmlformats.org/markup-compatibility/2006">
+    <mc:Choice xmlns:p14="http://schemas.microsoft.com/office/powerpoint/2010/main" Requires="p14">
+      <p:transition spd="slow" p14:dur="2000" advTm="20195"/>
+    </mc:Choice>
+    <mc:Fallback>
+      <p:transition spd="slow" advTm="20195"/>
+    </mc:Fallback>
+  </mc:AlternateContent>
 </p:sld>
 </file>
 
-<file path=ppt/slides/slide46.xml><?xml version="1.0" encoding="utf-8"?>
-<p:sld xmlns:a="http://schemas.openxmlformats.org/drawingml/2006/main" xmlns:r="http://schemas.openxmlformats.org/officeDocument/2006/relationships" xmlns:p="http://schemas.openxmlformats.org/presentationml/2006/main">
+<file path=ppt/slides/slide49.xml><?xml version="1.0" encoding="utf-8"?>
+<p:sld xmlns:a="http://schemas.openxmlformats.org/drawingml/2006/main" xmlns:r="http://schemas.openxmlformats.org/officeDocument/2006/relationships" xmlns:p="http://schemas.openxmlformats.org/presentationml/2006/main" show="0">
   <p:cSld>
     <p:spTree>
       <p:nvGrpSpPr>
@@ -26654,7 +29477,7 @@
           <a:p>
             <a:fld id="{304739FC-810C-4CDC-B60F-21F1951FBC64}" type="slidenum">
               <a:rPr kumimoji="1" lang="ja-JP" altLang="en-US" smtClean="0"/>
-              <a:t>46</a:t>
+              <a:t>49</a:t>
             </a:fld>
             <a:endParaRPr kumimoji="1" lang="ja-JP" altLang="en-US"/>
           </a:p>
@@ -26717,10 +29540,18 @@
   <p:clrMapOvr>
     <a:masterClrMapping/>
   </p:clrMapOvr>
+  <mc:AlternateContent xmlns:mc="http://schemas.openxmlformats.org/markup-compatibility/2006">
+    <mc:Choice xmlns:p14="http://schemas.microsoft.com/office/powerpoint/2010/main" Requires="p14">
+      <p:transition spd="slow" p14:dur="2000" advTm="1391"/>
+    </mc:Choice>
+    <mc:Fallback>
+      <p:transition spd="slow" advTm="1391"/>
+    </mc:Fallback>
+  </mc:AlternateContent>
 </p:sld>
 </file>
 
-<file path=ppt/slides/slide47.xml><?xml version="1.0" encoding="utf-8"?>
+<file path=ppt/slides/slide5.xml><?xml version="1.0" encoding="utf-8"?>
 <p:sld xmlns:a="http://schemas.openxmlformats.org/drawingml/2006/main" xmlns:r="http://schemas.openxmlformats.org/officeDocument/2006/relationships" xmlns:p="http://schemas.openxmlformats.org/presentationml/2006/main">
   <p:cSld>
     <p:spTree>
@@ -26742,6 +29573,439 @@
           <p:cNvPr id="2" name="タイトル 1">
             <a:extLst>
               <a:ext uri="{FF2B5EF4-FFF2-40B4-BE49-F238E27FC236}">
+                <a16:creationId xmlns:a16="http://schemas.microsoft.com/office/drawing/2014/main" id="{7DC54766-522D-4A36-9F3D-27B28C68CF96}"/>
+              </a:ext>
+            </a:extLst>
+          </p:cNvPr>
+          <p:cNvSpPr>
+            <a:spLocks noGrp="1"/>
+          </p:cNvSpPr>
+          <p:nvPr>
+            <p:ph type="title"/>
+          </p:nvPr>
+        </p:nvSpPr>
+        <p:spPr/>
+        <p:txBody>
+          <a:bodyPr>
+            <a:normAutofit/>
+          </a:bodyPr>
+          <a:lstStyle/>
+          <a:p>
+            <a:r>
+              <a:rPr kumimoji="1" lang="ja-JP" altLang="en-US" dirty="0"/>
+              <a:t>アーキテクチャ設計の難しさ</a:t>
+            </a:r>
+          </a:p>
+        </p:txBody>
+      </p:sp>
+      <p:sp>
+        <p:nvSpPr>
+          <p:cNvPr id="4" name="スライド番号プレースホルダー 3">
+            <a:extLst>
+              <a:ext uri="{FF2B5EF4-FFF2-40B4-BE49-F238E27FC236}">
+                <a16:creationId xmlns:a16="http://schemas.microsoft.com/office/drawing/2014/main" id="{E584AA1A-0C06-4BBA-B90E-C4C5D7199DB9}"/>
+              </a:ext>
+            </a:extLst>
+          </p:cNvPr>
+          <p:cNvSpPr>
+            <a:spLocks noGrp="1"/>
+          </p:cNvSpPr>
+          <p:nvPr>
+            <p:ph type="sldNum" sz="quarter" idx="12"/>
+          </p:nvPr>
+        </p:nvSpPr>
+        <p:spPr/>
+        <p:txBody>
+          <a:bodyPr/>
+          <a:lstStyle/>
+          <a:p>
+            <a:fld id="{304739FC-810C-4CDC-B60F-21F1951FBC64}" type="slidenum">
+              <a:rPr kumimoji="1" lang="ja-JP" altLang="en-US" smtClean="0"/>
+              <a:t>5</a:t>
+            </a:fld>
+            <a:endParaRPr kumimoji="1" lang="ja-JP" altLang="en-US"/>
+          </a:p>
+        </p:txBody>
+      </p:sp>
+      <p:sp>
+        <p:nvSpPr>
+          <p:cNvPr id="5" name="正方形/長方形 4">
+            <a:extLst>
+              <a:ext uri="{FF2B5EF4-FFF2-40B4-BE49-F238E27FC236}">
+                <a16:creationId xmlns:a16="http://schemas.microsoft.com/office/drawing/2014/main" id="{F9476C83-44DD-4C44-9E36-472E15ABE586}"/>
+              </a:ext>
+            </a:extLst>
+          </p:cNvPr>
+          <p:cNvSpPr/>
+          <p:nvPr/>
+        </p:nvSpPr>
+        <p:spPr>
+          <a:xfrm>
+            <a:off x="941727" y="3724556"/>
+            <a:ext cx="2492990" cy="620767"/>
+          </a:xfrm>
+          <a:prstGeom prst="rect">
+            <a:avLst/>
+          </a:prstGeom>
+          <a:solidFill>
+            <a:schemeClr val="accent1"/>
+          </a:solidFill>
+          <a:ln>
+            <a:noFill/>
+          </a:ln>
+        </p:spPr>
+        <p:style>
+          <a:lnRef idx="0">
+            <a:scrgbClr r="0" g="0" b="0"/>
+          </a:lnRef>
+          <a:fillRef idx="0">
+            <a:scrgbClr r="0" g="0" b="0"/>
+          </a:fillRef>
+          <a:effectRef idx="0">
+            <a:scrgbClr r="0" g="0" b="0"/>
+          </a:effectRef>
+          <a:fontRef idx="minor">
+            <a:schemeClr val="lt1"/>
+          </a:fontRef>
+        </p:style>
+        <p:txBody>
+          <a:bodyPr wrap="none" anchor="b">
+            <a:normAutofit/>
+          </a:bodyPr>
+          <a:lstStyle/>
+          <a:p>
+            <a:pPr algn="ctr"/>
+            <a:r>
+              <a:rPr kumimoji="1" lang="ja-JP" altLang="en-US" sz="2800" dirty="0"/>
+              <a:t>モデルの設計</a:t>
+            </a:r>
+            <a:endParaRPr lang="ja-JP" altLang="en-US" sz="2800" dirty="0"/>
+          </a:p>
+        </p:txBody>
+      </p:sp>
+      <p:pic>
+        <p:nvPicPr>
+          <p:cNvPr id="3074" name="Picture 2" descr="若い大工のイラスト">
+            <a:extLst>
+              <a:ext uri="{FF2B5EF4-FFF2-40B4-BE49-F238E27FC236}">
+                <a16:creationId xmlns:a16="http://schemas.microsoft.com/office/drawing/2014/main" id="{4FE1C6A3-41D5-4033-995E-933D28C73625}"/>
+              </a:ext>
+            </a:extLst>
+          </p:cNvPr>
+          <p:cNvPicPr>
+            <a:picLocks noChangeAspect="1" noChangeArrowheads="1"/>
+          </p:cNvPicPr>
+          <p:nvPr/>
+        </p:nvPicPr>
+        <p:blipFill>
+          <a:blip r:embed="rId3">
+            <a:extLst>
+              <a:ext uri="{28A0092B-C50C-407E-A947-70E740481C1C}">
+                <a14:useLocalDpi xmlns:a14="http://schemas.microsoft.com/office/drawing/2010/main" val="0"/>
+              </a:ext>
+            </a:extLst>
+          </a:blip>
+          <a:srcRect/>
+          <a:stretch>
+            <a:fillRect/>
+          </a:stretch>
+        </p:blipFill>
+        <p:spPr bwMode="auto">
+          <a:xfrm>
+            <a:off x="1651363" y="2168881"/>
+            <a:ext cx="1227606" cy="1391493"/>
+          </a:xfrm>
+          <a:prstGeom prst="rect">
+            <a:avLst/>
+          </a:prstGeom>
+          <a:noFill/>
+          <a:extLst>
+            <a:ext uri="{909E8E84-426E-40DD-AFC4-6F175D3DCCD1}">
+              <a14:hiddenFill xmlns:a14="http://schemas.microsoft.com/office/drawing/2010/main">
+                <a:solidFill>
+                  <a:srgbClr val="FFFFFF"/>
+                </a:solidFill>
+              </a14:hiddenFill>
+            </a:ext>
+          </a:extLst>
+        </p:spPr>
+      </p:pic>
+      <p:pic>
+        <p:nvPicPr>
+          <p:cNvPr id="3076" name="Picture 4" descr="ふき取り検査のイラスト">
+            <a:extLst>
+              <a:ext uri="{FF2B5EF4-FFF2-40B4-BE49-F238E27FC236}">
+                <a16:creationId xmlns:a16="http://schemas.microsoft.com/office/drawing/2014/main" id="{D398D5F1-A0CB-40EE-9AD5-C53D489094DE}"/>
+              </a:ext>
+            </a:extLst>
+          </p:cNvPr>
+          <p:cNvPicPr>
+            <a:picLocks noChangeAspect="1" noChangeArrowheads="1"/>
+          </p:cNvPicPr>
+          <p:nvPr/>
+        </p:nvPicPr>
+        <p:blipFill>
+          <a:blip r:embed="rId4">
+            <a:extLst>
+              <a:ext uri="{28A0092B-C50C-407E-A947-70E740481C1C}">
+                <a14:useLocalDpi xmlns:a14="http://schemas.microsoft.com/office/drawing/2010/main" val="0"/>
+              </a:ext>
+            </a:extLst>
+          </a:blip>
+          <a:srcRect/>
+          <a:stretch>
+            <a:fillRect/>
+          </a:stretch>
+        </p:blipFill>
+        <p:spPr bwMode="auto">
+          <a:xfrm>
+            <a:off x="6084898" y="1917175"/>
+            <a:ext cx="1443249" cy="1654154"/>
+          </a:xfrm>
+          <a:prstGeom prst="rect">
+            <a:avLst/>
+          </a:prstGeom>
+          <a:noFill/>
+          <a:extLst>
+            <a:ext uri="{909E8E84-426E-40DD-AFC4-6F175D3DCCD1}">
+              <a14:hiddenFill xmlns:a14="http://schemas.microsoft.com/office/drawing/2010/main">
+                <a:solidFill>
+                  <a:srgbClr val="FFFFFF"/>
+                </a:solidFill>
+              </a14:hiddenFill>
+            </a:ext>
+          </a:extLst>
+        </p:spPr>
+      </p:pic>
+      <p:sp>
+        <p:nvSpPr>
+          <p:cNvPr id="8" name="正方形/長方形 7">
+            <a:extLst>
+              <a:ext uri="{FF2B5EF4-FFF2-40B4-BE49-F238E27FC236}">
+                <a16:creationId xmlns:a16="http://schemas.microsoft.com/office/drawing/2014/main" id="{B037D337-96C1-4786-9FE5-752F95D2CD04}"/>
+              </a:ext>
+            </a:extLst>
+          </p:cNvPr>
+          <p:cNvSpPr/>
+          <p:nvPr/>
+        </p:nvSpPr>
+        <p:spPr>
+          <a:xfrm>
+            <a:off x="5681981" y="3724556"/>
+            <a:ext cx="2139246" cy="616966"/>
+          </a:xfrm>
+          <a:prstGeom prst="rect">
+            <a:avLst/>
+          </a:prstGeom>
+          <a:noFill/>
+          <a:ln w="9525" cap="flat" cmpd="sng" algn="ctr">
+            <a:solidFill>
+              <a:schemeClr val="accent1"/>
+            </a:solidFill>
+            <a:prstDash val="solid"/>
+            <a:round/>
+            <a:headEnd type="none" w="med" len="med"/>
+            <a:tailEnd type="none" w="med" len="med"/>
+          </a:ln>
+        </p:spPr>
+        <p:style>
+          <a:lnRef idx="0">
+            <a:scrgbClr r="0" g="0" b="0"/>
+          </a:lnRef>
+          <a:fillRef idx="0">
+            <a:scrgbClr r="0" g="0" b="0"/>
+          </a:fillRef>
+          <a:effectRef idx="0">
+            <a:scrgbClr r="0" g="0" b="0"/>
+          </a:effectRef>
+          <a:fontRef idx="minor">
+            <a:schemeClr val="accent1"/>
+          </a:fontRef>
+        </p:style>
+        <p:txBody>
+          <a:bodyPr wrap="none" anchor="b">
+            <a:normAutofit/>
+          </a:bodyPr>
+          <a:lstStyle/>
+          <a:p>
+            <a:pPr algn="ctr"/>
+            <a:r>
+              <a:rPr lang="ja-JP" altLang="en-US" sz="2800" dirty="0"/>
+              <a:t>性能の測定</a:t>
+            </a:r>
+          </a:p>
+        </p:txBody>
+      </p:sp>
+      <p:sp>
+        <p:nvSpPr>
+          <p:cNvPr id="6" name="矢印: ストライプ 5">
+            <a:extLst>
+              <a:ext uri="{FF2B5EF4-FFF2-40B4-BE49-F238E27FC236}">
+                <a16:creationId xmlns:a16="http://schemas.microsoft.com/office/drawing/2014/main" id="{DB0368A3-D52E-4D8B-AE27-417C4094B8EA}"/>
+              </a:ext>
+            </a:extLst>
+          </p:cNvPr>
+          <p:cNvSpPr/>
+          <p:nvPr/>
+        </p:nvSpPr>
+        <p:spPr>
+          <a:xfrm>
+            <a:off x="4062439" y="3249990"/>
+            <a:ext cx="1096211" cy="620767"/>
+          </a:xfrm>
+          <a:prstGeom prst="stripedRightArrow">
+            <a:avLst/>
+          </a:prstGeom>
+          <a:solidFill>
+            <a:schemeClr val="accent1"/>
+          </a:solidFill>
+          <a:ln>
+            <a:noFill/>
+          </a:ln>
+        </p:spPr>
+        <p:style>
+          <a:lnRef idx="0">
+            <a:scrgbClr r="0" g="0" b="0"/>
+          </a:lnRef>
+          <a:fillRef idx="0">
+            <a:scrgbClr r="0" g="0" b="0"/>
+          </a:fillRef>
+          <a:effectRef idx="0">
+            <a:scrgbClr r="0" g="0" b="0"/>
+          </a:effectRef>
+          <a:fontRef idx="minor">
+            <a:schemeClr val="lt1"/>
+          </a:fontRef>
+        </p:style>
+        <p:txBody>
+          <a:bodyPr rtlCol="0" anchor="ctr"/>
+          <a:lstStyle/>
+          <a:p>
+            <a:pPr algn="ctr"/>
+            <a:endParaRPr kumimoji="1" lang="ja-JP" altLang="en-US"/>
+          </a:p>
+        </p:txBody>
+      </p:sp>
+      <p:sp>
+        <p:nvSpPr>
+          <p:cNvPr id="7" name="正方形/長方形 6">
+            <a:extLst>
+              <a:ext uri="{FF2B5EF4-FFF2-40B4-BE49-F238E27FC236}">
+                <a16:creationId xmlns:a16="http://schemas.microsoft.com/office/drawing/2014/main" id="{F1E0657F-7749-43CE-8D80-2FB566B1B4D0}"/>
+              </a:ext>
+            </a:extLst>
+          </p:cNvPr>
+          <p:cNvSpPr/>
+          <p:nvPr/>
+        </p:nvSpPr>
+        <p:spPr>
+          <a:xfrm>
+            <a:off x="3710225" y="2664572"/>
+            <a:ext cx="1723549" cy="400110"/>
+          </a:xfrm>
+          <a:prstGeom prst="rect">
+            <a:avLst/>
+          </a:prstGeom>
+        </p:spPr>
+        <p:txBody>
+          <a:bodyPr wrap="none">
+            <a:spAutoFit/>
+          </a:bodyPr>
+          <a:lstStyle/>
+          <a:p>
+            <a:r>
+              <a:rPr lang="ja-JP" altLang="en-US" sz="2000" dirty="0"/>
+              <a:t>長い学習時間</a:t>
+            </a:r>
+            <a:endParaRPr lang="en-US" altLang="ja-JP" sz="2000" dirty="0"/>
+          </a:p>
+        </p:txBody>
+      </p:sp>
+      <p:sp>
+        <p:nvSpPr>
+          <p:cNvPr id="12" name="コンテンツ プレースホルダー 2">
+            <a:extLst>
+              <a:ext uri="{FF2B5EF4-FFF2-40B4-BE49-F238E27FC236}">
+                <a16:creationId xmlns:a16="http://schemas.microsoft.com/office/drawing/2014/main" id="{06B507E2-203E-43A0-9D6D-F7CE120F01D4}"/>
+              </a:ext>
+            </a:extLst>
+          </p:cNvPr>
+          <p:cNvSpPr>
+            <a:spLocks noGrp="1"/>
+          </p:cNvSpPr>
+          <p:nvPr>
+            <p:ph idx="1"/>
+          </p:nvPr>
+        </p:nvSpPr>
+        <p:spPr>
+          <a:xfrm>
+            <a:off x="822959" y="4891596"/>
+            <a:ext cx="7543801" cy="1301378"/>
+          </a:xfrm>
+        </p:spPr>
+        <p:txBody>
+          <a:bodyPr/>
+          <a:lstStyle/>
+          <a:p>
+            <a:pPr lvl="1"/>
+            <a:r>
+              <a:rPr lang="ja-JP" altLang="en-US" dirty="0"/>
+              <a:t>人による作業</a:t>
+            </a:r>
+          </a:p>
+          <a:p>
+            <a:pPr lvl="1"/>
+            <a:r>
+              <a:rPr lang="ja-JP" altLang="en-US" dirty="0"/>
+              <a:t>学習に時間がかかる</a:t>
+            </a:r>
+            <a:endParaRPr lang="en-US" altLang="ja-JP" dirty="0"/>
+          </a:p>
+        </p:txBody>
+      </p:sp>
+    </p:spTree>
+    <p:extLst>
+      <p:ext uri="{BB962C8B-B14F-4D97-AF65-F5344CB8AC3E}">
+        <p14:creationId xmlns:p14="http://schemas.microsoft.com/office/powerpoint/2010/main" val="1229011820"/>
+      </p:ext>
+    </p:extLst>
+  </p:cSld>
+  <p:clrMapOvr>
+    <a:masterClrMapping/>
+  </p:clrMapOvr>
+  <mc:AlternateContent xmlns:mc="http://schemas.openxmlformats.org/markup-compatibility/2006">
+    <mc:Choice xmlns:p14="http://schemas.microsoft.com/office/powerpoint/2010/main" Requires="p14">
+      <p:transition spd="slow" p14:dur="2000" advTm="9422"/>
+    </mc:Choice>
+    <mc:Fallback>
+      <p:transition spd="slow" advTm="9422"/>
+    </mc:Fallback>
+  </mc:AlternateContent>
+</p:sld>
+</file>
+
+<file path=ppt/slides/slide50.xml><?xml version="1.0" encoding="utf-8"?>
+<p:sld xmlns:a="http://schemas.openxmlformats.org/drawingml/2006/main" xmlns:r="http://schemas.openxmlformats.org/officeDocument/2006/relationships" xmlns:p="http://schemas.openxmlformats.org/presentationml/2006/main">
+  <p:cSld>
+    <p:spTree>
+      <p:nvGrpSpPr>
+        <p:cNvPr id="1" name=""/>
+        <p:cNvGrpSpPr/>
+        <p:nvPr/>
+      </p:nvGrpSpPr>
+      <p:grpSpPr>
+        <a:xfrm>
+          <a:off x="0" y="0"/>
+          <a:ext cx="0" cy="0"/>
+          <a:chOff x="0" y="0"/>
+          <a:chExt cx="0" cy="0"/>
+        </a:xfrm>
+      </p:grpSpPr>
+      <p:sp>
+        <p:nvSpPr>
+          <p:cNvPr id="2" name="タイトル 1">
+            <a:extLst>
+              <a:ext uri="{FF2B5EF4-FFF2-40B4-BE49-F238E27FC236}">
                 <a16:creationId xmlns:a16="http://schemas.microsoft.com/office/drawing/2014/main" id="{D46ABB39-F0C4-4941-8AC3-45B843579753}"/>
               </a:ext>
             </a:extLst>
@@ -26800,7 +30064,7 @@
           <a:p>
             <a:fld id="{304739FC-810C-4CDC-B60F-21F1951FBC64}" type="slidenum">
               <a:rPr kumimoji="1" lang="ja-JP" altLang="en-US" smtClean="0"/>
-              <a:t>47</a:t>
+              <a:t>50</a:t>
             </a:fld>
             <a:endParaRPr kumimoji="1" lang="ja-JP" altLang="en-US"/>
           </a:p>
@@ -26918,10 +30182,18 @@
   <p:clrMapOvr>
     <a:masterClrMapping/>
   </p:clrMapOvr>
+  <mc:AlternateContent xmlns:mc="http://schemas.openxmlformats.org/markup-compatibility/2006">
+    <mc:Choice xmlns:p14="http://schemas.microsoft.com/office/powerpoint/2010/main" Requires="p14">
+      <p:transition spd="slow" p14:dur="2000" advTm="48806"/>
+    </mc:Choice>
+    <mc:Fallback>
+      <p:transition spd="slow" advTm="48806"/>
+    </mc:Fallback>
+  </mc:AlternateContent>
 </p:sld>
 </file>
 
-<file path=ppt/slides/slide48.xml><?xml version="1.0" encoding="utf-8"?>
+<file path=ppt/slides/slide51.xml><?xml version="1.0" encoding="utf-8"?>
 <p:sld xmlns:a="http://schemas.openxmlformats.org/drawingml/2006/main" xmlns:r="http://schemas.openxmlformats.org/officeDocument/2006/relationships" xmlns:p="http://schemas.openxmlformats.org/presentationml/2006/main" show="0">
   <p:cSld>
     <p:spTree>
@@ -27001,7 +30273,7 @@
           <a:p>
             <a:fld id="{304739FC-810C-4CDC-B60F-21F1951FBC64}" type="slidenum">
               <a:rPr kumimoji="1" lang="ja-JP" altLang="en-US" smtClean="0"/>
-              <a:t>48</a:t>
+              <a:t>51</a:t>
             </a:fld>
             <a:endParaRPr kumimoji="1" lang="ja-JP" altLang="en-US"/>
           </a:p>
@@ -27056,7 +30328,7 @@
 </p:sld>
 </file>
 
-<file path=ppt/slides/slide49.xml><?xml version="1.0" encoding="utf-8"?>
+<file path=ppt/slides/slide52.xml><?xml version="1.0" encoding="utf-8"?>
 <p:sld xmlns:a="http://schemas.openxmlformats.org/drawingml/2006/main" xmlns:r="http://schemas.openxmlformats.org/officeDocument/2006/relationships" xmlns:p="http://schemas.openxmlformats.org/presentationml/2006/main">
   <p:cSld>
     <p:spTree>
@@ -27279,7 +30551,7 @@
           <a:p>
             <a:fld id="{304739FC-810C-4CDC-B60F-21F1951FBC64}" type="slidenum">
               <a:rPr kumimoji="1" lang="ja-JP" altLang="en-US" smtClean="0"/>
-              <a:t>49</a:t>
+              <a:t>52</a:t>
             </a:fld>
             <a:endParaRPr kumimoji="1" lang="ja-JP" altLang="en-US"/>
           </a:p>
@@ -27295,10 +30567,18 @@
   <p:clrMapOvr>
     <a:masterClrMapping/>
   </p:clrMapOvr>
+  <mc:AlternateContent xmlns:mc="http://schemas.openxmlformats.org/markup-compatibility/2006">
+    <mc:Choice xmlns:p14="http://schemas.microsoft.com/office/powerpoint/2010/main" Requires="p14">
+      <p:transition spd="slow" p14:dur="2000" advTm="1330"/>
+    </mc:Choice>
+    <mc:Fallback>
+      <p:transition spd="slow" advTm="1330"/>
+    </mc:Fallback>
+  </mc:AlternateContent>
 </p:sld>
 </file>
 
-<file path=ppt/slides/slide5.xml><?xml version="1.0" encoding="utf-8"?>
+<file path=ppt/slides/slide53.xml><?xml version="1.0" encoding="utf-8"?>
 <p:sld xmlns:a="http://schemas.openxmlformats.org/drawingml/2006/main" xmlns:r="http://schemas.openxmlformats.org/officeDocument/2006/relationships" xmlns:p="http://schemas.openxmlformats.org/presentationml/2006/main">
   <p:cSld>
     <p:spTree>
@@ -27320,6 +30600,490 @@
           <p:cNvPr id="2" name="タイトル 1">
             <a:extLst>
               <a:ext uri="{FF2B5EF4-FFF2-40B4-BE49-F238E27FC236}">
+                <a16:creationId xmlns:a16="http://schemas.microsoft.com/office/drawing/2014/main" id="{C13883A1-0AA4-4AB6-9869-3F71111C26F1}"/>
+              </a:ext>
+            </a:extLst>
+          </p:cNvPr>
+          <p:cNvSpPr>
+            <a:spLocks noGrp="1"/>
+          </p:cNvSpPr>
+          <p:nvPr>
+            <p:ph type="title"/>
+          </p:nvPr>
+        </p:nvSpPr>
+        <p:spPr/>
+        <p:txBody>
+          <a:bodyPr/>
+          <a:lstStyle/>
+          <a:p>
+            <a:r>
+              <a:rPr kumimoji="1" lang="ja-JP" altLang="en-US" dirty="0"/>
+              <a:t>まとめと</a:t>
+            </a:r>
+            <a:r>
+              <a:rPr lang="ja-JP" altLang="en-US" dirty="0"/>
+              <a:t>今後の課題</a:t>
+            </a:r>
+            <a:endParaRPr kumimoji="1" lang="ja-JP" altLang="en-US" dirty="0"/>
+          </a:p>
+        </p:txBody>
+      </p:sp>
+      <p:sp>
+        <p:nvSpPr>
+          <p:cNvPr id="3" name="コンテンツ プレースホルダー 2">
+            <a:extLst>
+              <a:ext uri="{FF2B5EF4-FFF2-40B4-BE49-F238E27FC236}">
+                <a16:creationId xmlns:a16="http://schemas.microsoft.com/office/drawing/2014/main" id="{606BB0F9-8ECE-42A0-9906-D3BFA124AD33}"/>
+              </a:ext>
+            </a:extLst>
+          </p:cNvPr>
+          <p:cNvSpPr>
+            <a:spLocks noGrp="1"/>
+          </p:cNvSpPr>
+          <p:nvPr>
+            <p:ph idx="1"/>
+          </p:nvPr>
+        </p:nvSpPr>
+        <p:spPr/>
+        <p:txBody>
+          <a:bodyPr>
+            <a:normAutofit/>
+          </a:bodyPr>
+          <a:lstStyle/>
+          <a:p>
+            <a:r>
+              <a:rPr lang="ja-JP" altLang="en-US" dirty="0"/>
+              <a:t>アーキテクチャ構造の制限を</a:t>
+            </a:r>
+            <a:endParaRPr lang="en-US" altLang="ja-JP" dirty="0"/>
+          </a:p>
+          <a:p>
+            <a:r>
+              <a:rPr lang="ja-JP" altLang="en-US" dirty="0"/>
+              <a:t>緩和する探索の実現</a:t>
+            </a:r>
+            <a:endParaRPr lang="en-US" altLang="ja-JP" dirty="0"/>
+          </a:p>
+          <a:p>
+            <a:endParaRPr lang="en-US" altLang="ja-JP" dirty="0"/>
+          </a:p>
+          <a:p>
+            <a:r>
+              <a:rPr lang="ja-JP" altLang="en-US" dirty="0"/>
+              <a:t>課題</a:t>
+            </a:r>
+            <a:endParaRPr lang="en-US" altLang="ja-JP" dirty="0"/>
+          </a:p>
+          <a:p>
+            <a:r>
+              <a:rPr lang="ja-JP" altLang="en-US" dirty="0"/>
+              <a:t>選択しないという候補を導入</a:t>
+            </a:r>
+            <a:endParaRPr lang="en-US" altLang="ja-JP" dirty="0"/>
+          </a:p>
+          <a:p>
+            <a:r>
+              <a:rPr lang="ja-JP" altLang="en-US" dirty="0"/>
+              <a:t>他のショートカットと妥当な比較</a:t>
+            </a:r>
+            <a:endParaRPr kumimoji="1" lang="ja-JP" altLang="en-US" dirty="0"/>
+          </a:p>
+        </p:txBody>
+      </p:sp>
+      <p:sp>
+        <p:nvSpPr>
+          <p:cNvPr id="4" name="スライド番号プレースホルダー 3">
+            <a:extLst>
+              <a:ext uri="{FF2B5EF4-FFF2-40B4-BE49-F238E27FC236}">
+                <a16:creationId xmlns:a16="http://schemas.microsoft.com/office/drawing/2014/main" id="{E51138E7-6D8B-4FBE-A0B6-0658EFDF9F6E}"/>
+              </a:ext>
+            </a:extLst>
+          </p:cNvPr>
+          <p:cNvSpPr>
+            <a:spLocks noGrp="1"/>
+          </p:cNvSpPr>
+          <p:nvPr>
+            <p:ph type="sldNum" sz="quarter" idx="12"/>
+          </p:nvPr>
+        </p:nvSpPr>
+        <p:spPr/>
+        <p:txBody>
+          <a:bodyPr/>
+          <a:lstStyle/>
+          <a:p>
+            <a:fld id="{304739FC-810C-4CDC-B60F-21F1951FBC64}" type="slidenum">
+              <a:rPr kumimoji="1" lang="ja-JP" altLang="en-US" smtClean="0"/>
+              <a:t>53</a:t>
+            </a:fld>
+            <a:endParaRPr kumimoji="1" lang="ja-JP" altLang="en-US"/>
+          </a:p>
+        </p:txBody>
+      </p:sp>
+    </p:spTree>
+    <p:extLst>
+      <p:ext uri="{BB962C8B-B14F-4D97-AF65-F5344CB8AC3E}">
+        <p14:creationId xmlns:p14="http://schemas.microsoft.com/office/powerpoint/2010/main" val="731302677"/>
+      </p:ext>
+    </p:extLst>
+  </p:cSld>
+  <p:clrMapOvr>
+    <a:masterClrMapping/>
+  </p:clrMapOvr>
+  <mc:AlternateContent xmlns:mc="http://schemas.openxmlformats.org/markup-compatibility/2006">
+    <mc:Choice xmlns:p14="http://schemas.microsoft.com/office/powerpoint/2010/main" Requires="p14">
+      <p:transition spd="slow" p14:dur="2000" advTm="6665"/>
+    </mc:Choice>
+    <mc:Fallback>
+      <p:transition spd="slow" advTm="6665"/>
+    </mc:Fallback>
+  </mc:AlternateContent>
+</p:sld>
+</file>
+
+<file path=ppt/slides/slide54.xml><?xml version="1.0" encoding="utf-8"?>
+<p:sld xmlns:a="http://schemas.openxmlformats.org/drawingml/2006/main" xmlns:r="http://schemas.openxmlformats.org/officeDocument/2006/relationships" xmlns:p="http://schemas.openxmlformats.org/presentationml/2006/main">
+  <p:cSld>
+    <p:spTree>
+      <p:nvGrpSpPr>
+        <p:cNvPr id="1" name=""/>
+        <p:cNvGrpSpPr/>
+        <p:nvPr/>
+      </p:nvGrpSpPr>
+      <p:grpSpPr>
+        <a:xfrm>
+          <a:off x="0" y="0"/>
+          <a:ext cx="0" cy="0"/>
+          <a:chOff x="0" y="0"/>
+          <a:chExt cx="0" cy="0"/>
+        </a:xfrm>
+      </p:grpSpPr>
+      <p:sp>
+        <p:nvSpPr>
+          <p:cNvPr id="2" name="タイトル 1">
+            <a:extLst>
+              <a:ext uri="{FF2B5EF4-FFF2-40B4-BE49-F238E27FC236}">
+                <a16:creationId xmlns:a16="http://schemas.microsoft.com/office/drawing/2014/main" id="{4716D355-9E1D-4AB6-8913-AD0CC3F84BD9}"/>
+              </a:ext>
+            </a:extLst>
+          </p:cNvPr>
+          <p:cNvSpPr>
+            <a:spLocks noGrp="1"/>
+          </p:cNvSpPr>
+          <p:nvPr>
+            <p:ph type="title"/>
+          </p:nvPr>
+        </p:nvSpPr>
+        <p:spPr/>
+        <p:txBody>
+          <a:bodyPr/>
+          <a:lstStyle/>
+          <a:p>
+            <a:r>
+              <a:rPr lang="ja-JP" altLang="en-US" dirty="0"/>
+              <a:t>まとめと今後の課題</a:t>
+            </a:r>
+            <a:endParaRPr kumimoji="1" lang="ja-JP" altLang="en-US" dirty="0"/>
+          </a:p>
+        </p:txBody>
+      </p:sp>
+      <p:sp>
+        <p:nvSpPr>
+          <p:cNvPr id="3" name="コンテンツ プレースホルダー 2">
+            <a:extLst>
+              <a:ext uri="{FF2B5EF4-FFF2-40B4-BE49-F238E27FC236}">
+                <a16:creationId xmlns:a16="http://schemas.microsoft.com/office/drawing/2014/main" id="{372EB16E-4118-4724-9DD3-4445911976F0}"/>
+              </a:ext>
+            </a:extLst>
+          </p:cNvPr>
+          <p:cNvSpPr>
+            <a:spLocks noGrp="1"/>
+          </p:cNvSpPr>
+          <p:nvPr>
+            <p:ph idx="1"/>
+          </p:nvPr>
+        </p:nvSpPr>
+        <p:spPr>
+          <a:xfrm>
+            <a:off x="822959" y="1661049"/>
+            <a:ext cx="8016241" cy="4531925"/>
+          </a:xfrm>
+        </p:spPr>
+        <p:txBody>
+          <a:bodyPr>
+            <a:normAutofit/>
+          </a:bodyPr>
+          <a:lstStyle/>
+          <a:p>
+            <a:r>
+              <a:rPr lang="en-US" altLang="ja-JP" dirty="0"/>
+              <a:t>GA</a:t>
+            </a:r>
+            <a:r>
+              <a:rPr lang="ja-JP" altLang="en-US" dirty="0"/>
+              <a:t>によるショートカット探索</a:t>
+            </a:r>
+            <a:endParaRPr lang="en-US" altLang="ja-JP" dirty="0"/>
+          </a:p>
+          <a:p>
+            <a:endParaRPr lang="en-US" altLang="ja-JP" dirty="0"/>
+          </a:p>
+          <a:p>
+            <a:r>
+              <a:rPr lang="ja-JP" altLang="en-US" dirty="0"/>
+              <a:t>課題</a:t>
+            </a:r>
+            <a:endParaRPr lang="en-US" altLang="ja-JP" dirty="0"/>
+          </a:p>
+          <a:p>
+            <a:r>
+              <a:rPr lang="ja-JP" altLang="en-US" dirty="0"/>
+              <a:t>実問題に対して汎用性確認</a:t>
+            </a:r>
+            <a:endParaRPr lang="en-US" altLang="ja-JP" dirty="0"/>
+          </a:p>
+          <a:p>
+            <a:r>
+              <a:rPr lang="ja-JP" altLang="en-US" dirty="0"/>
+              <a:t>パラメータ数が少ないモデルが</a:t>
+            </a:r>
+            <a:endParaRPr lang="en-US" altLang="ja-JP" dirty="0"/>
+          </a:p>
+          <a:p>
+            <a:r>
+              <a:rPr lang="ja-JP" altLang="en-US" dirty="0"/>
+              <a:t>得られるような適応度の設定</a:t>
+            </a:r>
+            <a:endParaRPr kumimoji="1" lang="ja-JP" altLang="en-US" dirty="0"/>
+          </a:p>
+        </p:txBody>
+      </p:sp>
+      <p:sp>
+        <p:nvSpPr>
+          <p:cNvPr id="4" name="スライド番号プレースホルダー 3">
+            <a:extLst>
+              <a:ext uri="{FF2B5EF4-FFF2-40B4-BE49-F238E27FC236}">
+                <a16:creationId xmlns:a16="http://schemas.microsoft.com/office/drawing/2014/main" id="{AA03A4AA-EAD6-4458-A4A6-95E81BCFB8C8}"/>
+              </a:ext>
+            </a:extLst>
+          </p:cNvPr>
+          <p:cNvSpPr>
+            <a:spLocks noGrp="1"/>
+          </p:cNvSpPr>
+          <p:nvPr>
+            <p:ph type="sldNum" sz="quarter" idx="12"/>
+          </p:nvPr>
+        </p:nvSpPr>
+        <p:spPr/>
+        <p:txBody>
+          <a:bodyPr/>
+          <a:lstStyle/>
+          <a:p>
+            <a:fld id="{304739FC-810C-4CDC-B60F-21F1951FBC64}" type="slidenum">
+              <a:rPr kumimoji="1" lang="ja-JP" altLang="en-US" smtClean="0"/>
+              <a:t>54</a:t>
+            </a:fld>
+            <a:endParaRPr kumimoji="1" lang="ja-JP" altLang="en-US"/>
+          </a:p>
+        </p:txBody>
+      </p:sp>
+    </p:spTree>
+    <p:extLst>
+      <p:ext uri="{BB962C8B-B14F-4D97-AF65-F5344CB8AC3E}">
+        <p14:creationId xmlns:p14="http://schemas.microsoft.com/office/powerpoint/2010/main" val="3275768855"/>
+      </p:ext>
+    </p:extLst>
+  </p:cSld>
+  <p:clrMapOvr>
+    <a:masterClrMapping/>
+  </p:clrMapOvr>
+  <mc:AlternateContent xmlns:mc="http://schemas.openxmlformats.org/markup-compatibility/2006">
+    <mc:Choice xmlns:p14="http://schemas.microsoft.com/office/powerpoint/2010/main" Requires="p14">
+      <p:transition spd="slow" p14:dur="2000" advTm="10575"/>
+    </mc:Choice>
+    <mc:Fallback>
+      <p:transition spd="slow" advTm="10575"/>
+    </mc:Fallback>
+  </mc:AlternateContent>
+</p:sld>
+</file>
+
+<file path=ppt/slides/slide55.xml><?xml version="1.0" encoding="utf-8"?>
+<p:sld xmlns:a="http://schemas.openxmlformats.org/drawingml/2006/main" xmlns:r="http://schemas.openxmlformats.org/officeDocument/2006/relationships" xmlns:p="http://schemas.openxmlformats.org/presentationml/2006/main">
+  <p:cSld>
+    <p:spTree>
+      <p:nvGrpSpPr>
+        <p:cNvPr id="1" name=""/>
+        <p:cNvGrpSpPr/>
+        <p:nvPr/>
+      </p:nvGrpSpPr>
+      <p:grpSpPr>
+        <a:xfrm>
+          <a:off x="0" y="0"/>
+          <a:ext cx="0" cy="0"/>
+          <a:chOff x="0" y="0"/>
+          <a:chExt cx="0" cy="0"/>
+        </a:xfrm>
+      </p:grpSpPr>
+      <p:sp>
+        <p:nvSpPr>
+          <p:cNvPr id="8" name="タイトル 7">
+            <a:extLst>
+              <a:ext uri="{FF2B5EF4-FFF2-40B4-BE49-F238E27FC236}">
+                <a16:creationId xmlns:a16="http://schemas.microsoft.com/office/drawing/2014/main" id="{5695746B-2D09-43FB-B1D1-BE7F3EB79F5C}"/>
+              </a:ext>
+            </a:extLst>
+          </p:cNvPr>
+          <p:cNvSpPr>
+            <a:spLocks noGrp="1"/>
+          </p:cNvSpPr>
+          <p:nvPr>
+            <p:ph type="title"/>
+          </p:nvPr>
+        </p:nvSpPr>
+        <p:spPr/>
+        <p:txBody>
+          <a:bodyPr>
+            <a:normAutofit/>
+          </a:bodyPr>
+          <a:lstStyle/>
+          <a:p>
+            <a:r>
+              <a:rPr lang="ja-JP" altLang="en-US" sz="6000" dirty="0"/>
+              <a:t>ご清聴ありがとう</a:t>
+            </a:r>
+            <a:br>
+              <a:rPr lang="en-US" altLang="ja-JP" sz="6000" dirty="0"/>
+            </a:br>
+            <a:r>
+              <a:rPr lang="ja-JP" altLang="en-US" sz="6000" dirty="0"/>
+              <a:t>ございました</a:t>
+            </a:r>
+            <a:endParaRPr kumimoji="1" lang="ja-JP" altLang="en-US" sz="6000" dirty="0"/>
+          </a:p>
+        </p:txBody>
+      </p:sp>
+      <p:sp>
+        <p:nvSpPr>
+          <p:cNvPr id="4" name="スライド番号プレースホルダー 3">
+            <a:extLst>
+              <a:ext uri="{FF2B5EF4-FFF2-40B4-BE49-F238E27FC236}">
+                <a16:creationId xmlns:a16="http://schemas.microsoft.com/office/drawing/2014/main" id="{FD0E98B8-3A05-4CDB-9494-F03EA8DF9B7F}"/>
+              </a:ext>
+            </a:extLst>
+          </p:cNvPr>
+          <p:cNvSpPr>
+            <a:spLocks noGrp="1"/>
+          </p:cNvSpPr>
+          <p:nvPr>
+            <p:ph type="sldNum" sz="quarter" idx="12"/>
+          </p:nvPr>
+        </p:nvSpPr>
+        <p:spPr/>
+        <p:txBody>
+          <a:bodyPr/>
+          <a:lstStyle/>
+          <a:p>
+            <a:fld id="{304739FC-810C-4CDC-B60F-21F1951FBC64}" type="slidenum">
+              <a:rPr kumimoji="1" lang="ja-JP" altLang="en-US" smtClean="0"/>
+              <a:t>55</a:t>
+            </a:fld>
+            <a:endParaRPr kumimoji="1" lang="ja-JP" altLang="en-US"/>
+          </a:p>
+        </p:txBody>
+      </p:sp>
+      <p:sp>
+        <p:nvSpPr>
+          <p:cNvPr id="9" name="正方形/長方形 8">
+            <a:extLst>
+              <a:ext uri="{FF2B5EF4-FFF2-40B4-BE49-F238E27FC236}">
+                <a16:creationId xmlns:a16="http://schemas.microsoft.com/office/drawing/2014/main" id="{8E53B5A8-45DB-4F3F-9A9D-CEBF5EAD6CFB}"/>
+              </a:ext>
+            </a:extLst>
+          </p:cNvPr>
+          <p:cNvSpPr/>
+          <p:nvPr/>
+        </p:nvSpPr>
+        <p:spPr>
+          <a:xfrm>
+            <a:off x="0" y="0"/>
+            <a:ext cx="9144000" cy="365125"/>
+          </a:xfrm>
+          <a:prstGeom prst="rect">
+            <a:avLst/>
+          </a:prstGeom>
+          <a:solidFill>
+            <a:schemeClr val="accent2"/>
+          </a:solidFill>
+          <a:ln>
+            <a:noFill/>
+          </a:ln>
+        </p:spPr>
+        <p:style>
+          <a:lnRef idx="0">
+            <a:scrgbClr r="0" g="0" b="0"/>
+          </a:lnRef>
+          <a:fillRef idx="0">
+            <a:scrgbClr r="0" g="0" b="0"/>
+          </a:fillRef>
+          <a:effectRef idx="0">
+            <a:scrgbClr r="0" g="0" b="0"/>
+          </a:effectRef>
+          <a:fontRef idx="minor">
+            <a:schemeClr val="lt1"/>
+          </a:fontRef>
+        </p:style>
+        <p:txBody>
+          <a:bodyPr rtlCol="0" anchor="ctr"/>
+          <a:lstStyle/>
+          <a:p>
+            <a:pPr algn="ctr"/>
+            <a:endParaRPr kumimoji="1" lang="ja-JP" altLang="en-US"/>
+          </a:p>
+        </p:txBody>
+      </p:sp>
+    </p:spTree>
+    <p:extLst>
+      <p:ext uri="{BB962C8B-B14F-4D97-AF65-F5344CB8AC3E}">
+        <p14:creationId xmlns:p14="http://schemas.microsoft.com/office/powerpoint/2010/main" val="2913194475"/>
+      </p:ext>
+    </p:extLst>
+  </p:cSld>
+  <p:clrMapOvr>
+    <a:masterClrMapping/>
+  </p:clrMapOvr>
+  <mc:AlternateContent xmlns:mc="http://schemas.openxmlformats.org/markup-compatibility/2006">
+    <mc:Choice xmlns:p14="http://schemas.microsoft.com/office/powerpoint/2010/main" Requires="p14">
+      <p:transition spd="slow" p14:dur="2000" advTm="1079"/>
+    </mc:Choice>
+    <mc:Fallback>
+      <p:transition spd="slow" advTm="1079"/>
+    </mc:Fallback>
+  </mc:AlternateContent>
+</p:sld>
+</file>
+
+<file path=ppt/slides/slide6.xml><?xml version="1.0" encoding="utf-8"?>
+<p:sld xmlns:a="http://schemas.openxmlformats.org/drawingml/2006/main" xmlns:r="http://schemas.openxmlformats.org/officeDocument/2006/relationships" xmlns:p="http://schemas.openxmlformats.org/presentationml/2006/main">
+  <p:cSld>
+    <p:spTree>
+      <p:nvGrpSpPr>
+        <p:cNvPr id="1" name=""/>
+        <p:cNvGrpSpPr/>
+        <p:nvPr/>
+      </p:nvGrpSpPr>
+      <p:grpSpPr>
+        <a:xfrm>
+          <a:off x="0" y="0"/>
+          <a:ext cx="0" cy="0"/>
+          <a:chOff x="0" y="0"/>
+          <a:chExt cx="0" cy="0"/>
+        </a:xfrm>
+      </p:grpSpPr>
+      <p:sp>
+        <p:nvSpPr>
+          <p:cNvPr id="2" name="タイトル 1">
+            <a:extLst>
+              <a:ext uri="{FF2B5EF4-FFF2-40B4-BE49-F238E27FC236}">
                 <a16:creationId xmlns:a16="http://schemas.microsoft.com/office/drawing/2014/main" id="{7DC54766-522D-4A36-9F3D-27B28C68CF96}"/>
               </a:ext>
             </a:extLst>
@@ -27368,7 +31132,7 @@
           <a:p>
             <a:fld id="{304739FC-810C-4CDC-B60F-21F1951FBC64}" type="slidenum">
               <a:rPr kumimoji="1" lang="ja-JP" altLang="en-US" smtClean="0"/>
-              <a:t>5</a:t>
+              <a:t>6</a:t>
             </a:fld>
             <a:endParaRPr kumimoji="1" lang="ja-JP" altLang="en-US"/>
           </a:p>
@@ -27585,891 +31349,6 @@
       </p:sp>
       <p:sp>
         <p:nvSpPr>
-          <p:cNvPr id="6" name="矢印: ストライプ 5">
-            <a:extLst>
-              <a:ext uri="{FF2B5EF4-FFF2-40B4-BE49-F238E27FC236}">
-                <a16:creationId xmlns:a16="http://schemas.microsoft.com/office/drawing/2014/main" id="{DB0368A3-D52E-4D8B-AE27-417C4094B8EA}"/>
-              </a:ext>
-            </a:extLst>
-          </p:cNvPr>
-          <p:cNvSpPr/>
-          <p:nvPr/>
-        </p:nvSpPr>
-        <p:spPr>
-          <a:xfrm>
-            <a:off x="4062439" y="3249990"/>
-            <a:ext cx="1096211" cy="620767"/>
-          </a:xfrm>
-          <a:prstGeom prst="stripedRightArrow">
-            <a:avLst/>
-          </a:prstGeom>
-          <a:solidFill>
-            <a:schemeClr val="accent1"/>
-          </a:solidFill>
-          <a:ln>
-            <a:noFill/>
-          </a:ln>
-        </p:spPr>
-        <p:style>
-          <a:lnRef idx="0">
-            <a:scrgbClr r="0" g="0" b="0"/>
-          </a:lnRef>
-          <a:fillRef idx="0">
-            <a:scrgbClr r="0" g="0" b="0"/>
-          </a:fillRef>
-          <a:effectRef idx="0">
-            <a:scrgbClr r="0" g="0" b="0"/>
-          </a:effectRef>
-          <a:fontRef idx="minor">
-            <a:schemeClr val="lt1"/>
-          </a:fontRef>
-        </p:style>
-        <p:txBody>
-          <a:bodyPr rtlCol="0" anchor="ctr"/>
-          <a:lstStyle/>
-          <a:p>
-            <a:pPr algn="ctr"/>
-            <a:endParaRPr kumimoji="1" lang="ja-JP" altLang="en-US"/>
-          </a:p>
-        </p:txBody>
-      </p:sp>
-      <p:sp>
-        <p:nvSpPr>
-          <p:cNvPr id="7" name="正方形/長方形 6">
-            <a:extLst>
-              <a:ext uri="{FF2B5EF4-FFF2-40B4-BE49-F238E27FC236}">
-                <a16:creationId xmlns:a16="http://schemas.microsoft.com/office/drawing/2014/main" id="{F1E0657F-7749-43CE-8D80-2FB566B1B4D0}"/>
-              </a:ext>
-            </a:extLst>
-          </p:cNvPr>
-          <p:cNvSpPr/>
-          <p:nvPr/>
-        </p:nvSpPr>
-        <p:spPr>
-          <a:xfrm>
-            <a:off x="3710225" y="2664572"/>
-            <a:ext cx="1723549" cy="400110"/>
-          </a:xfrm>
-          <a:prstGeom prst="rect">
-            <a:avLst/>
-          </a:prstGeom>
-        </p:spPr>
-        <p:txBody>
-          <a:bodyPr wrap="none">
-            <a:spAutoFit/>
-          </a:bodyPr>
-          <a:lstStyle/>
-          <a:p>
-            <a:r>
-              <a:rPr lang="ja-JP" altLang="en-US" sz="2000" dirty="0"/>
-              <a:t>長い学習時間</a:t>
-            </a:r>
-            <a:endParaRPr lang="en-US" altLang="ja-JP" sz="2000" dirty="0"/>
-          </a:p>
-        </p:txBody>
-      </p:sp>
-      <p:sp>
-        <p:nvSpPr>
-          <p:cNvPr id="12" name="コンテンツ プレースホルダー 2">
-            <a:extLst>
-              <a:ext uri="{FF2B5EF4-FFF2-40B4-BE49-F238E27FC236}">
-                <a16:creationId xmlns:a16="http://schemas.microsoft.com/office/drawing/2014/main" id="{06B507E2-203E-43A0-9D6D-F7CE120F01D4}"/>
-              </a:ext>
-            </a:extLst>
-          </p:cNvPr>
-          <p:cNvSpPr>
-            <a:spLocks noGrp="1"/>
-          </p:cNvSpPr>
-          <p:nvPr>
-            <p:ph idx="1"/>
-          </p:nvPr>
-        </p:nvSpPr>
-        <p:spPr>
-          <a:xfrm>
-            <a:off x="822959" y="4891596"/>
-            <a:ext cx="7543801" cy="1301378"/>
-          </a:xfrm>
-        </p:spPr>
-        <p:txBody>
-          <a:bodyPr/>
-          <a:lstStyle/>
-          <a:p>
-            <a:pPr lvl="1"/>
-            <a:r>
-              <a:rPr lang="ja-JP" altLang="en-US" dirty="0"/>
-              <a:t>人による作業</a:t>
-            </a:r>
-          </a:p>
-          <a:p>
-            <a:pPr lvl="1"/>
-            <a:r>
-              <a:rPr lang="ja-JP" altLang="en-US" dirty="0"/>
-              <a:t>学習に時間がかかる</a:t>
-            </a:r>
-            <a:endParaRPr lang="en-US" altLang="ja-JP" dirty="0"/>
-          </a:p>
-        </p:txBody>
-      </p:sp>
-    </p:spTree>
-    <p:extLst>
-      <p:ext uri="{BB962C8B-B14F-4D97-AF65-F5344CB8AC3E}">
-        <p14:creationId xmlns:p14="http://schemas.microsoft.com/office/powerpoint/2010/main" val="1229011820"/>
-      </p:ext>
-    </p:extLst>
-  </p:cSld>
-  <p:clrMapOvr>
-    <a:masterClrMapping/>
-  </p:clrMapOvr>
-</p:sld>
-</file>
-
-<file path=ppt/slides/slide50.xml><?xml version="1.0" encoding="utf-8"?>
-<p:sld xmlns:a="http://schemas.openxmlformats.org/drawingml/2006/main" xmlns:r="http://schemas.openxmlformats.org/officeDocument/2006/relationships" xmlns:p="http://schemas.openxmlformats.org/presentationml/2006/main">
-  <p:cSld>
-    <p:spTree>
-      <p:nvGrpSpPr>
-        <p:cNvPr id="1" name=""/>
-        <p:cNvGrpSpPr/>
-        <p:nvPr/>
-      </p:nvGrpSpPr>
-      <p:grpSpPr>
-        <a:xfrm>
-          <a:off x="0" y="0"/>
-          <a:ext cx="0" cy="0"/>
-          <a:chOff x="0" y="0"/>
-          <a:chExt cx="0" cy="0"/>
-        </a:xfrm>
-      </p:grpSpPr>
-      <p:sp>
-        <p:nvSpPr>
-          <p:cNvPr id="2" name="タイトル 1">
-            <a:extLst>
-              <a:ext uri="{FF2B5EF4-FFF2-40B4-BE49-F238E27FC236}">
-                <a16:creationId xmlns:a16="http://schemas.microsoft.com/office/drawing/2014/main" id="{C13883A1-0AA4-4AB6-9869-3F71111C26F1}"/>
-              </a:ext>
-            </a:extLst>
-          </p:cNvPr>
-          <p:cNvSpPr>
-            <a:spLocks noGrp="1"/>
-          </p:cNvSpPr>
-          <p:nvPr>
-            <p:ph type="title"/>
-          </p:nvPr>
-        </p:nvSpPr>
-        <p:spPr/>
-        <p:txBody>
-          <a:bodyPr/>
-          <a:lstStyle/>
-          <a:p>
-            <a:r>
-              <a:rPr kumimoji="1" lang="ja-JP" altLang="en-US" dirty="0"/>
-              <a:t>まとめと</a:t>
-            </a:r>
-            <a:r>
-              <a:rPr lang="ja-JP" altLang="en-US" dirty="0"/>
-              <a:t>今後の課題</a:t>
-            </a:r>
-            <a:endParaRPr kumimoji="1" lang="ja-JP" altLang="en-US" dirty="0"/>
-          </a:p>
-        </p:txBody>
-      </p:sp>
-      <p:sp>
-        <p:nvSpPr>
-          <p:cNvPr id="3" name="コンテンツ プレースホルダー 2">
-            <a:extLst>
-              <a:ext uri="{FF2B5EF4-FFF2-40B4-BE49-F238E27FC236}">
-                <a16:creationId xmlns:a16="http://schemas.microsoft.com/office/drawing/2014/main" id="{606BB0F9-8ECE-42A0-9906-D3BFA124AD33}"/>
-              </a:ext>
-            </a:extLst>
-          </p:cNvPr>
-          <p:cNvSpPr>
-            <a:spLocks noGrp="1"/>
-          </p:cNvSpPr>
-          <p:nvPr>
-            <p:ph idx="1"/>
-          </p:nvPr>
-        </p:nvSpPr>
-        <p:spPr/>
-        <p:txBody>
-          <a:bodyPr>
-            <a:normAutofit/>
-          </a:bodyPr>
-          <a:lstStyle/>
-          <a:p>
-            <a:r>
-              <a:rPr lang="ja-JP" altLang="en-US" dirty="0"/>
-              <a:t>アーキテクチャ構造の制限を</a:t>
-            </a:r>
-            <a:endParaRPr lang="en-US" altLang="ja-JP" dirty="0"/>
-          </a:p>
-          <a:p>
-            <a:r>
-              <a:rPr lang="ja-JP" altLang="en-US" dirty="0"/>
-              <a:t>緩和する探索の実現</a:t>
-            </a:r>
-            <a:endParaRPr lang="en-US" altLang="ja-JP" dirty="0"/>
-          </a:p>
-          <a:p>
-            <a:endParaRPr lang="en-US" altLang="ja-JP" dirty="0"/>
-          </a:p>
-          <a:p>
-            <a:r>
-              <a:rPr lang="ja-JP" altLang="en-US" dirty="0"/>
-              <a:t>課題</a:t>
-            </a:r>
-            <a:endParaRPr lang="en-US" altLang="ja-JP" dirty="0"/>
-          </a:p>
-          <a:p>
-            <a:r>
-              <a:rPr lang="ja-JP" altLang="en-US" dirty="0"/>
-              <a:t>選択しないという候補を導入</a:t>
-            </a:r>
-            <a:endParaRPr lang="en-US" altLang="ja-JP" dirty="0"/>
-          </a:p>
-          <a:p>
-            <a:r>
-              <a:rPr lang="ja-JP" altLang="en-US" dirty="0"/>
-              <a:t>他のショートカットと妥当な比較</a:t>
-            </a:r>
-            <a:endParaRPr kumimoji="1" lang="ja-JP" altLang="en-US" dirty="0"/>
-          </a:p>
-        </p:txBody>
-      </p:sp>
-      <p:sp>
-        <p:nvSpPr>
-          <p:cNvPr id="4" name="スライド番号プレースホルダー 3">
-            <a:extLst>
-              <a:ext uri="{FF2B5EF4-FFF2-40B4-BE49-F238E27FC236}">
-                <a16:creationId xmlns:a16="http://schemas.microsoft.com/office/drawing/2014/main" id="{E51138E7-6D8B-4FBE-A0B6-0658EFDF9F6E}"/>
-              </a:ext>
-            </a:extLst>
-          </p:cNvPr>
-          <p:cNvSpPr>
-            <a:spLocks noGrp="1"/>
-          </p:cNvSpPr>
-          <p:nvPr>
-            <p:ph type="sldNum" sz="quarter" idx="12"/>
-          </p:nvPr>
-        </p:nvSpPr>
-        <p:spPr/>
-        <p:txBody>
-          <a:bodyPr/>
-          <a:lstStyle/>
-          <a:p>
-            <a:fld id="{304739FC-810C-4CDC-B60F-21F1951FBC64}" type="slidenum">
-              <a:rPr kumimoji="1" lang="ja-JP" altLang="en-US" smtClean="0"/>
-              <a:t>50</a:t>
-            </a:fld>
-            <a:endParaRPr kumimoji="1" lang="ja-JP" altLang="en-US"/>
-          </a:p>
-        </p:txBody>
-      </p:sp>
-    </p:spTree>
-    <p:extLst>
-      <p:ext uri="{BB962C8B-B14F-4D97-AF65-F5344CB8AC3E}">
-        <p14:creationId xmlns:p14="http://schemas.microsoft.com/office/powerpoint/2010/main" val="731302677"/>
-      </p:ext>
-    </p:extLst>
-  </p:cSld>
-  <p:clrMapOvr>
-    <a:masterClrMapping/>
-  </p:clrMapOvr>
-</p:sld>
-</file>
-
-<file path=ppt/slides/slide51.xml><?xml version="1.0" encoding="utf-8"?>
-<p:sld xmlns:a="http://schemas.openxmlformats.org/drawingml/2006/main" xmlns:r="http://schemas.openxmlformats.org/officeDocument/2006/relationships" xmlns:p="http://schemas.openxmlformats.org/presentationml/2006/main">
-  <p:cSld>
-    <p:spTree>
-      <p:nvGrpSpPr>
-        <p:cNvPr id="1" name=""/>
-        <p:cNvGrpSpPr/>
-        <p:nvPr/>
-      </p:nvGrpSpPr>
-      <p:grpSpPr>
-        <a:xfrm>
-          <a:off x="0" y="0"/>
-          <a:ext cx="0" cy="0"/>
-          <a:chOff x="0" y="0"/>
-          <a:chExt cx="0" cy="0"/>
-        </a:xfrm>
-      </p:grpSpPr>
-      <p:sp>
-        <p:nvSpPr>
-          <p:cNvPr id="2" name="タイトル 1">
-            <a:extLst>
-              <a:ext uri="{FF2B5EF4-FFF2-40B4-BE49-F238E27FC236}">
-                <a16:creationId xmlns:a16="http://schemas.microsoft.com/office/drawing/2014/main" id="{4716D355-9E1D-4AB6-8913-AD0CC3F84BD9}"/>
-              </a:ext>
-            </a:extLst>
-          </p:cNvPr>
-          <p:cNvSpPr>
-            <a:spLocks noGrp="1"/>
-          </p:cNvSpPr>
-          <p:nvPr>
-            <p:ph type="title"/>
-          </p:nvPr>
-        </p:nvSpPr>
-        <p:spPr/>
-        <p:txBody>
-          <a:bodyPr/>
-          <a:lstStyle/>
-          <a:p>
-            <a:r>
-              <a:rPr lang="ja-JP" altLang="en-US" dirty="0"/>
-              <a:t>まとめと今後の課題</a:t>
-            </a:r>
-            <a:endParaRPr kumimoji="1" lang="ja-JP" altLang="en-US" dirty="0"/>
-          </a:p>
-        </p:txBody>
-      </p:sp>
-      <p:sp>
-        <p:nvSpPr>
-          <p:cNvPr id="3" name="コンテンツ プレースホルダー 2">
-            <a:extLst>
-              <a:ext uri="{FF2B5EF4-FFF2-40B4-BE49-F238E27FC236}">
-                <a16:creationId xmlns:a16="http://schemas.microsoft.com/office/drawing/2014/main" id="{372EB16E-4118-4724-9DD3-4445911976F0}"/>
-              </a:ext>
-            </a:extLst>
-          </p:cNvPr>
-          <p:cNvSpPr>
-            <a:spLocks noGrp="1"/>
-          </p:cNvSpPr>
-          <p:nvPr>
-            <p:ph idx="1"/>
-          </p:nvPr>
-        </p:nvSpPr>
-        <p:spPr>
-          <a:xfrm>
-            <a:off x="822959" y="1661049"/>
-            <a:ext cx="8016241" cy="4531925"/>
-          </a:xfrm>
-        </p:spPr>
-        <p:txBody>
-          <a:bodyPr>
-            <a:normAutofit/>
-          </a:bodyPr>
-          <a:lstStyle/>
-          <a:p>
-            <a:r>
-              <a:rPr lang="en-US" altLang="ja-JP" dirty="0"/>
-              <a:t>GA</a:t>
-            </a:r>
-            <a:r>
-              <a:rPr lang="ja-JP" altLang="en-US" dirty="0"/>
-              <a:t>によるショートカット探索</a:t>
-            </a:r>
-            <a:endParaRPr lang="en-US" altLang="ja-JP" dirty="0"/>
-          </a:p>
-          <a:p>
-            <a:endParaRPr lang="en-US" altLang="ja-JP" dirty="0"/>
-          </a:p>
-          <a:p>
-            <a:r>
-              <a:rPr lang="ja-JP" altLang="en-US" dirty="0"/>
-              <a:t>課題</a:t>
-            </a:r>
-            <a:endParaRPr lang="en-US" altLang="ja-JP" dirty="0"/>
-          </a:p>
-          <a:p>
-            <a:r>
-              <a:rPr lang="ja-JP" altLang="en-US" dirty="0"/>
-              <a:t>実問題に対して汎用性確認</a:t>
-            </a:r>
-            <a:endParaRPr lang="en-US" altLang="ja-JP" dirty="0"/>
-          </a:p>
-          <a:p>
-            <a:r>
-              <a:rPr lang="ja-JP" altLang="en-US" dirty="0"/>
-              <a:t>パラメータ数が少ないモデルが</a:t>
-            </a:r>
-            <a:endParaRPr lang="en-US" altLang="ja-JP" dirty="0"/>
-          </a:p>
-          <a:p>
-            <a:r>
-              <a:rPr lang="ja-JP" altLang="en-US" dirty="0"/>
-              <a:t>得られるような適応度の設定</a:t>
-            </a:r>
-            <a:endParaRPr kumimoji="1" lang="ja-JP" altLang="en-US" dirty="0"/>
-          </a:p>
-        </p:txBody>
-      </p:sp>
-      <p:sp>
-        <p:nvSpPr>
-          <p:cNvPr id="4" name="スライド番号プレースホルダー 3">
-            <a:extLst>
-              <a:ext uri="{FF2B5EF4-FFF2-40B4-BE49-F238E27FC236}">
-                <a16:creationId xmlns:a16="http://schemas.microsoft.com/office/drawing/2014/main" id="{AA03A4AA-EAD6-4458-A4A6-95E81BCFB8C8}"/>
-              </a:ext>
-            </a:extLst>
-          </p:cNvPr>
-          <p:cNvSpPr>
-            <a:spLocks noGrp="1"/>
-          </p:cNvSpPr>
-          <p:nvPr>
-            <p:ph type="sldNum" sz="quarter" idx="12"/>
-          </p:nvPr>
-        </p:nvSpPr>
-        <p:spPr/>
-        <p:txBody>
-          <a:bodyPr/>
-          <a:lstStyle/>
-          <a:p>
-            <a:fld id="{304739FC-810C-4CDC-B60F-21F1951FBC64}" type="slidenum">
-              <a:rPr kumimoji="1" lang="ja-JP" altLang="en-US" smtClean="0"/>
-              <a:t>51</a:t>
-            </a:fld>
-            <a:endParaRPr kumimoji="1" lang="ja-JP" altLang="en-US"/>
-          </a:p>
-        </p:txBody>
-      </p:sp>
-    </p:spTree>
-    <p:extLst>
-      <p:ext uri="{BB962C8B-B14F-4D97-AF65-F5344CB8AC3E}">
-        <p14:creationId xmlns:p14="http://schemas.microsoft.com/office/powerpoint/2010/main" val="3275768855"/>
-      </p:ext>
-    </p:extLst>
-  </p:cSld>
-  <p:clrMapOvr>
-    <a:masterClrMapping/>
-  </p:clrMapOvr>
-</p:sld>
-</file>
-
-<file path=ppt/slides/slide52.xml><?xml version="1.0" encoding="utf-8"?>
-<p:sld xmlns:a="http://schemas.openxmlformats.org/drawingml/2006/main" xmlns:r="http://schemas.openxmlformats.org/officeDocument/2006/relationships" xmlns:p="http://schemas.openxmlformats.org/presentationml/2006/main">
-  <p:cSld>
-    <p:spTree>
-      <p:nvGrpSpPr>
-        <p:cNvPr id="1" name=""/>
-        <p:cNvGrpSpPr/>
-        <p:nvPr/>
-      </p:nvGrpSpPr>
-      <p:grpSpPr>
-        <a:xfrm>
-          <a:off x="0" y="0"/>
-          <a:ext cx="0" cy="0"/>
-          <a:chOff x="0" y="0"/>
-          <a:chExt cx="0" cy="0"/>
-        </a:xfrm>
-      </p:grpSpPr>
-      <p:sp>
-        <p:nvSpPr>
-          <p:cNvPr id="8" name="タイトル 7">
-            <a:extLst>
-              <a:ext uri="{FF2B5EF4-FFF2-40B4-BE49-F238E27FC236}">
-                <a16:creationId xmlns:a16="http://schemas.microsoft.com/office/drawing/2014/main" id="{5695746B-2D09-43FB-B1D1-BE7F3EB79F5C}"/>
-              </a:ext>
-            </a:extLst>
-          </p:cNvPr>
-          <p:cNvSpPr>
-            <a:spLocks noGrp="1"/>
-          </p:cNvSpPr>
-          <p:nvPr>
-            <p:ph type="title"/>
-          </p:nvPr>
-        </p:nvSpPr>
-        <p:spPr/>
-        <p:txBody>
-          <a:bodyPr>
-            <a:normAutofit/>
-          </a:bodyPr>
-          <a:lstStyle/>
-          <a:p>
-            <a:r>
-              <a:rPr lang="ja-JP" altLang="en-US" sz="6000" dirty="0"/>
-              <a:t>ご清聴ありがとう</a:t>
-            </a:r>
-            <a:br>
-              <a:rPr lang="en-US" altLang="ja-JP" sz="6000" dirty="0"/>
-            </a:br>
-            <a:r>
-              <a:rPr lang="ja-JP" altLang="en-US" sz="6000" dirty="0"/>
-              <a:t>ございました</a:t>
-            </a:r>
-            <a:endParaRPr kumimoji="1" lang="ja-JP" altLang="en-US" sz="6000" dirty="0"/>
-          </a:p>
-        </p:txBody>
-      </p:sp>
-      <p:sp>
-        <p:nvSpPr>
-          <p:cNvPr id="4" name="スライド番号プレースホルダー 3">
-            <a:extLst>
-              <a:ext uri="{FF2B5EF4-FFF2-40B4-BE49-F238E27FC236}">
-                <a16:creationId xmlns:a16="http://schemas.microsoft.com/office/drawing/2014/main" id="{FD0E98B8-3A05-4CDB-9494-F03EA8DF9B7F}"/>
-              </a:ext>
-            </a:extLst>
-          </p:cNvPr>
-          <p:cNvSpPr>
-            <a:spLocks noGrp="1"/>
-          </p:cNvSpPr>
-          <p:nvPr>
-            <p:ph type="sldNum" sz="quarter" idx="12"/>
-          </p:nvPr>
-        </p:nvSpPr>
-        <p:spPr/>
-        <p:txBody>
-          <a:bodyPr/>
-          <a:lstStyle/>
-          <a:p>
-            <a:fld id="{304739FC-810C-4CDC-B60F-21F1951FBC64}" type="slidenum">
-              <a:rPr kumimoji="1" lang="ja-JP" altLang="en-US" smtClean="0"/>
-              <a:t>52</a:t>
-            </a:fld>
-            <a:endParaRPr kumimoji="1" lang="ja-JP" altLang="en-US"/>
-          </a:p>
-        </p:txBody>
-      </p:sp>
-      <p:sp>
-        <p:nvSpPr>
-          <p:cNvPr id="9" name="正方形/長方形 8">
-            <a:extLst>
-              <a:ext uri="{FF2B5EF4-FFF2-40B4-BE49-F238E27FC236}">
-                <a16:creationId xmlns:a16="http://schemas.microsoft.com/office/drawing/2014/main" id="{8E53B5A8-45DB-4F3F-9A9D-CEBF5EAD6CFB}"/>
-              </a:ext>
-            </a:extLst>
-          </p:cNvPr>
-          <p:cNvSpPr/>
-          <p:nvPr/>
-        </p:nvSpPr>
-        <p:spPr>
-          <a:xfrm>
-            <a:off x="0" y="0"/>
-            <a:ext cx="9144000" cy="365125"/>
-          </a:xfrm>
-          <a:prstGeom prst="rect">
-            <a:avLst/>
-          </a:prstGeom>
-          <a:solidFill>
-            <a:schemeClr val="accent2"/>
-          </a:solidFill>
-          <a:ln>
-            <a:noFill/>
-          </a:ln>
-        </p:spPr>
-        <p:style>
-          <a:lnRef idx="0">
-            <a:scrgbClr r="0" g="0" b="0"/>
-          </a:lnRef>
-          <a:fillRef idx="0">
-            <a:scrgbClr r="0" g="0" b="0"/>
-          </a:fillRef>
-          <a:effectRef idx="0">
-            <a:scrgbClr r="0" g="0" b="0"/>
-          </a:effectRef>
-          <a:fontRef idx="minor">
-            <a:schemeClr val="lt1"/>
-          </a:fontRef>
-        </p:style>
-        <p:txBody>
-          <a:bodyPr rtlCol="0" anchor="ctr"/>
-          <a:lstStyle/>
-          <a:p>
-            <a:pPr algn="ctr"/>
-            <a:endParaRPr kumimoji="1" lang="ja-JP" altLang="en-US"/>
-          </a:p>
-        </p:txBody>
-      </p:sp>
-    </p:spTree>
-    <p:extLst>
-      <p:ext uri="{BB962C8B-B14F-4D97-AF65-F5344CB8AC3E}">
-        <p14:creationId xmlns:p14="http://schemas.microsoft.com/office/powerpoint/2010/main" val="2913194475"/>
-      </p:ext>
-    </p:extLst>
-  </p:cSld>
-  <p:clrMapOvr>
-    <a:masterClrMapping/>
-  </p:clrMapOvr>
-</p:sld>
-</file>
-
-<file path=ppt/slides/slide6.xml><?xml version="1.0" encoding="utf-8"?>
-<p:sld xmlns:a="http://schemas.openxmlformats.org/drawingml/2006/main" xmlns:r="http://schemas.openxmlformats.org/officeDocument/2006/relationships" xmlns:p="http://schemas.openxmlformats.org/presentationml/2006/main">
-  <p:cSld>
-    <p:spTree>
-      <p:nvGrpSpPr>
-        <p:cNvPr id="1" name=""/>
-        <p:cNvGrpSpPr/>
-        <p:nvPr/>
-      </p:nvGrpSpPr>
-      <p:grpSpPr>
-        <a:xfrm>
-          <a:off x="0" y="0"/>
-          <a:ext cx="0" cy="0"/>
-          <a:chOff x="0" y="0"/>
-          <a:chExt cx="0" cy="0"/>
-        </a:xfrm>
-      </p:grpSpPr>
-      <p:sp>
-        <p:nvSpPr>
-          <p:cNvPr id="2" name="タイトル 1">
-            <a:extLst>
-              <a:ext uri="{FF2B5EF4-FFF2-40B4-BE49-F238E27FC236}">
-                <a16:creationId xmlns:a16="http://schemas.microsoft.com/office/drawing/2014/main" id="{7DC54766-522D-4A36-9F3D-27B28C68CF96}"/>
-              </a:ext>
-            </a:extLst>
-          </p:cNvPr>
-          <p:cNvSpPr>
-            <a:spLocks noGrp="1"/>
-          </p:cNvSpPr>
-          <p:nvPr>
-            <p:ph type="title"/>
-          </p:nvPr>
-        </p:nvSpPr>
-        <p:spPr/>
-        <p:txBody>
-          <a:bodyPr>
-            <a:normAutofit/>
-          </a:bodyPr>
-          <a:lstStyle/>
-          <a:p>
-            <a:r>
-              <a:rPr kumimoji="1" lang="ja-JP" altLang="en-US" dirty="0"/>
-              <a:t>アーキテクチャ設計の難しさ</a:t>
-            </a:r>
-          </a:p>
-        </p:txBody>
-      </p:sp>
-      <p:sp>
-        <p:nvSpPr>
-          <p:cNvPr id="4" name="スライド番号プレースホルダー 3">
-            <a:extLst>
-              <a:ext uri="{FF2B5EF4-FFF2-40B4-BE49-F238E27FC236}">
-                <a16:creationId xmlns:a16="http://schemas.microsoft.com/office/drawing/2014/main" id="{E584AA1A-0C06-4BBA-B90E-C4C5D7199DB9}"/>
-              </a:ext>
-            </a:extLst>
-          </p:cNvPr>
-          <p:cNvSpPr>
-            <a:spLocks noGrp="1"/>
-          </p:cNvSpPr>
-          <p:nvPr>
-            <p:ph type="sldNum" sz="quarter" idx="12"/>
-          </p:nvPr>
-        </p:nvSpPr>
-        <p:spPr/>
-        <p:txBody>
-          <a:bodyPr/>
-          <a:lstStyle/>
-          <a:p>
-            <a:fld id="{304739FC-810C-4CDC-B60F-21F1951FBC64}" type="slidenum">
-              <a:rPr kumimoji="1" lang="ja-JP" altLang="en-US" smtClean="0"/>
-              <a:t>6</a:t>
-            </a:fld>
-            <a:endParaRPr kumimoji="1" lang="ja-JP" altLang="en-US"/>
-          </a:p>
-        </p:txBody>
-      </p:sp>
-      <p:sp>
-        <p:nvSpPr>
-          <p:cNvPr id="5" name="正方形/長方形 4">
-            <a:extLst>
-              <a:ext uri="{FF2B5EF4-FFF2-40B4-BE49-F238E27FC236}">
-                <a16:creationId xmlns:a16="http://schemas.microsoft.com/office/drawing/2014/main" id="{F9476C83-44DD-4C44-9E36-472E15ABE586}"/>
-              </a:ext>
-            </a:extLst>
-          </p:cNvPr>
-          <p:cNvSpPr/>
-          <p:nvPr/>
-        </p:nvSpPr>
-        <p:spPr>
-          <a:xfrm>
-            <a:off x="941727" y="3724556"/>
-            <a:ext cx="2492990" cy="620767"/>
-          </a:xfrm>
-          <a:prstGeom prst="rect">
-            <a:avLst/>
-          </a:prstGeom>
-          <a:solidFill>
-            <a:schemeClr val="accent1"/>
-          </a:solidFill>
-          <a:ln>
-            <a:noFill/>
-          </a:ln>
-        </p:spPr>
-        <p:style>
-          <a:lnRef idx="0">
-            <a:scrgbClr r="0" g="0" b="0"/>
-          </a:lnRef>
-          <a:fillRef idx="0">
-            <a:scrgbClr r="0" g="0" b="0"/>
-          </a:fillRef>
-          <a:effectRef idx="0">
-            <a:scrgbClr r="0" g="0" b="0"/>
-          </a:effectRef>
-          <a:fontRef idx="minor">
-            <a:schemeClr val="lt1"/>
-          </a:fontRef>
-        </p:style>
-        <p:txBody>
-          <a:bodyPr wrap="none" anchor="b">
-            <a:normAutofit/>
-          </a:bodyPr>
-          <a:lstStyle/>
-          <a:p>
-            <a:pPr algn="ctr"/>
-            <a:r>
-              <a:rPr kumimoji="1" lang="ja-JP" altLang="en-US" sz="2800" dirty="0"/>
-              <a:t>モデルの設計</a:t>
-            </a:r>
-            <a:endParaRPr lang="ja-JP" altLang="en-US" sz="2800" dirty="0"/>
-          </a:p>
-        </p:txBody>
-      </p:sp>
-      <p:pic>
-        <p:nvPicPr>
-          <p:cNvPr id="3074" name="Picture 2" descr="若い大工のイラスト">
-            <a:extLst>
-              <a:ext uri="{FF2B5EF4-FFF2-40B4-BE49-F238E27FC236}">
-                <a16:creationId xmlns:a16="http://schemas.microsoft.com/office/drawing/2014/main" id="{4FE1C6A3-41D5-4033-995E-933D28C73625}"/>
-              </a:ext>
-            </a:extLst>
-          </p:cNvPr>
-          <p:cNvPicPr>
-            <a:picLocks noChangeAspect="1" noChangeArrowheads="1"/>
-          </p:cNvPicPr>
-          <p:nvPr/>
-        </p:nvPicPr>
-        <p:blipFill>
-          <a:blip r:embed="rId3">
-            <a:extLst>
-              <a:ext uri="{28A0092B-C50C-407E-A947-70E740481C1C}">
-                <a14:useLocalDpi xmlns:a14="http://schemas.microsoft.com/office/drawing/2010/main" val="0"/>
-              </a:ext>
-            </a:extLst>
-          </a:blip>
-          <a:srcRect/>
-          <a:stretch>
-            <a:fillRect/>
-          </a:stretch>
-        </p:blipFill>
-        <p:spPr bwMode="auto">
-          <a:xfrm>
-            <a:off x="1651363" y="2168881"/>
-            <a:ext cx="1227606" cy="1391493"/>
-          </a:xfrm>
-          <a:prstGeom prst="rect">
-            <a:avLst/>
-          </a:prstGeom>
-          <a:noFill/>
-          <a:extLst>
-            <a:ext uri="{909E8E84-426E-40DD-AFC4-6F175D3DCCD1}">
-              <a14:hiddenFill xmlns:a14="http://schemas.microsoft.com/office/drawing/2010/main">
-                <a:solidFill>
-                  <a:srgbClr val="FFFFFF"/>
-                </a:solidFill>
-              </a14:hiddenFill>
-            </a:ext>
-          </a:extLst>
-        </p:spPr>
-      </p:pic>
-      <p:pic>
-        <p:nvPicPr>
-          <p:cNvPr id="3076" name="Picture 4" descr="ふき取り検査のイラスト">
-            <a:extLst>
-              <a:ext uri="{FF2B5EF4-FFF2-40B4-BE49-F238E27FC236}">
-                <a16:creationId xmlns:a16="http://schemas.microsoft.com/office/drawing/2014/main" id="{D398D5F1-A0CB-40EE-9AD5-C53D489094DE}"/>
-              </a:ext>
-            </a:extLst>
-          </p:cNvPr>
-          <p:cNvPicPr>
-            <a:picLocks noChangeAspect="1" noChangeArrowheads="1"/>
-          </p:cNvPicPr>
-          <p:nvPr/>
-        </p:nvPicPr>
-        <p:blipFill>
-          <a:blip r:embed="rId4">
-            <a:extLst>
-              <a:ext uri="{28A0092B-C50C-407E-A947-70E740481C1C}">
-                <a14:useLocalDpi xmlns:a14="http://schemas.microsoft.com/office/drawing/2010/main" val="0"/>
-              </a:ext>
-            </a:extLst>
-          </a:blip>
-          <a:srcRect/>
-          <a:stretch>
-            <a:fillRect/>
-          </a:stretch>
-        </p:blipFill>
-        <p:spPr bwMode="auto">
-          <a:xfrm>
-            <a:off x="6084898" y="1917175"/>
-            <a:ext cx="1443249" cy="1654154"/>
-          </a:xfrm>
-          <a:prstGeom prst="rect">
-            <a:avLst/>
-          </a:prstGeom>
-          <a:noFill/>
-          <a:extLst>
-            <a:ext uri="{909E8E84-426E-40DD-AFC4-6F175D3DCCD1}">
-              <a14:hiddenFill xmlns:a14="http://schemas.microsoft.com/office/drawing/2010/main">
-                <a:solidFill>
-                  <a:srgbClr val="FFFFFF"/>
-                </a:solidFill>
-              </a14:hiddenFill>
-            </a:ext>
-          </a:extLst>
-        </p:spPr>
-      </p:pic>
-      <p:sp>
-        <p:nvSpPr>
-          <p:cNvPr id="8" name="正方形/長方形 7">
-            <a:extLst>
-              <a:ext uri="{FF2B5EF4-FFF2-40B4-BE49-F238E27FC236}">
-                <a16:creationId xmlns:a16="http://schemas.microsoft.com/office/drawing/2014/main" id="{B037D337-96C1-4786-9FE5-752F95D2CD04}"/>
-              </a:ext>
-            </a:extLst>
-          </p:cNvPr>
-          <p:cNvSpPr/>
-          <p:nvPr/>
-        </p:nvSpPr>
-        <p:spPr>
-          <a:xfrm>
-            <a:off x="5681981" y="3724556"/>
-            <a:ext cx="2139246" cy="616966"/>
-          </a:xfrm>
-          <a:prstGeom prst="rect">
-            <a:avLst/>
-          </a:prstGeom>
-          <a:noFill/>
-          <a:ln w="9525" cap="flat" cmpd="sng" algn="ctr">
-            <a:solidFill>
-              <a:schemeClr val="accent1"/>
-            </a:solidFill>
-            <a:prstDash val="solid"/>
-            <a:round/>
-            <a:headEnd type="none" w="med" len="med"/>
-            <a:tailEnd type="none" w="med" len="med"/>
-          </a:ln>
-        </p:spPr>
-        <p:style>
-          <a:lnRef idx="0">
-            <a:scrgbClr r="0" g="0" b="0"/>
-          </a:lnRef>
-          <a:fillRef idx="0">
-            <a:scrgbClr r="0" g="0" b="0"/>
-          </a:fillRef>
-          <a:effectRef idx="0">
-            <a:scrgbClr r="0" g="0" b="0"/>
-          </a:effectRef>
-          <a:fontRef idx="minor">
-            <a:schemeClr val="accent1"/>
-          </a:fontRef>
-        </p:style>
-        <p:txBody>
-          <a:bodyPr wrap="none" anchor="b">
-            <a:normAutofit/>
-          </a:bodyPr>
-          <a:lstStyle/>
-          <a:p>
-            <a:pPr algn="ctr"/>
-            <a:r>
-              <a:rPr lang="ja-JP" altLang="en-US" sz="2800" dirty="0"/>
-              <a:t>性能の測定</a:t>
-            </a:r>
-          </a:p>
-        </p:txBody>
-      </p:sp>
-      <p:sp>
-        <p:nvSpPr>
           <p:cNvPr id="20" name="正方形/長方形 19">
             <a:extLst>
               <a:ext uri="{FF2B5EF4-FFF2-40B4-BE49-F238E27FC236}">
@@ -28667,6 +31546,14 @@
   <p:clrMapOvr>
     <a:masterClrMapping/>
   </p:clrMapOvr>
+  <mc:AlternateContent xmlns:mc="http://schemas.openxmlformats.org/markup-compatibility/2006">
+    <mc:Choice xmlns:p14="http://schemas.microsoft.com/office/powerpoint/2010/main" Requires="p14">
+      <p:transition spd="slow" p14:dur="2000" advTm="6369"/>
+    </mc:Choice>
+    <mc:Fallback>
+      <p:transition spd="slow" advTm="6369"/>
+    </mc:Fallback>
+  </mc:AlternateContent>
 </p:sld>
 </file>
 
@@ -28819,6 +31706,14 @@
   <p:clrMapOvr>
     <a:masterClrMapping/>
   </p:clrMapOvr>
+  <mc:AlternateContent xmlns:mc="http://schemas.openxmlformats.org/markup-compatibility/2006">
+    <mc:Choice xmlns:p14="http://schemas.microsoft.com/office/powerpoint/2010/main" Requires="p14">
+      <p:transition spd="slow" p14:dur="2000" advTm="16181"/>
+    </mc:Choice>
+    <mc:Fallback>
+      <p:transition spd="slow" advTm="16181"/>
+    </mc:Fallback>
+  </mc:AlternateContent>
 </p:sld>
 </file>
 
@@ -28983,6 +31878,14 @@
   <p:clrMapOvr>
     <a:masterClrMapping/>
   </p:clrMapOvr>
+  <mc:AlternateContent xmlns:mc="http://schemas.openxmlformats.org/markup-compatibility/2006">
+    <mc:Choice xmlns:p14="http://schemas.microsoft.com/office/powerpoint/2010/main" Requires="p14">
+      <p:transition spd="slow" p14:dur="2000" advTm="3887"/>
+    </mc:Choice>
+    <mc:Fallback>
+      <p:transition spd="slow" advTm="3887"/>
+    </mc:Fallback>
+  </mc:AlternateContent>
 </p:sld>
 </file>
 
@@ -29219,6 +32122,14 @@
   <p:clrMapOvr>
     <a:masterClrMapping/>
   </p:clrMapOvr>
+  <mc:AlternateContent xmlns:mc="http://schemas.openxmlformats.org/markup-compatibility/2006">
+    <mc:Choice xmlns:p14="http://schemas.microsoft.com/office/powerpoint/2010/main" Requires="p14">
+      <p:transition spd="slow" p14:dur="2000" advTm="3158"/>
+    </mc:Choice>
+    <mc:Fallback>
+      <p:transition spd="slow" advTm="3158"/>
+    </mc:Fallback>
+  </mc:AlternateContent>
 </p:sld>
 </file>
 

--- a/report/2020後期/2020_2nd_sugiyama.pptx
+++ b/report/2020後期/2020_2nd_sugiyama.pptx
@@ -5,7 +5,7 @@
     <p:sldMasterId id="2147483672" r:id="rId1"/>
   </p:sldMasterIdLst>
   <p:notesMasterIdLst>
-    <p:notesMasterId r:id="rId57"/>
+    <p:notesMasterId r:id="rId59"/>
   </p:notesMasterIdLst>
   <p:sldIdLst>
     <p:sldId id="256" r:id="rId2"/>
@@ -44,25 +44,27 @@
     <p:sldId id="296" r:id="rId35"/>
     <p:sldId id="297" r:id="rId36"/>
     <p:sldId id="310" r:id="rId37"/>
-    <p:sldId id="315" r:id="rId38"/>
-    <p:sldId id="316" r:id="rId39"/>
-    <p:sldId id="314" r:id="rId40"/>
-    <p:sldId id="322" r:id="rId41"/>
-    <p:sldId id="317" r:id="rId42"/>
-    <p:sldId id="323" r:id="rId43"/>
-    <p:sldId id="324" r:id="rId44"/>
-    <p:sldId id="277" r:id="rId45"/>
-    <p:sldId id="298" r:id="rId46"/>
-    <p:sldId id="312" r:id="rId47"/>
-    <p:sldId id="299" r:id="rId48"/>
-    <p:sldId id="300" r:id="rId49"/>
-    <p:sldId id="321" r:id="rId50"/>
-    <p:sldId id="320" r:id="rId51"/>
-    <p:sldId id="319" r:id="rId52"/>
-    <p:sldId id="278" r:id="rId53"/>
-    <p:sldId id="293" r:id="rId54"/>
-    <p:sldId id="294" r:id="rId55"/>
-    <p:sldId id="307" r:id="rId56"/>
+    <p:sldId id="326" r:id="rId38"/>
+    <p:sldId id="315" r:id="rId39"/>
+    <p:sldId id="316" r:id="rId40"/>
+    <p:sldId id="314" r:id="rId41"/>
+    <p:sldId id="322" r:id="rId42"/>
+    <p:sldId id="317" r:id="rId43"/>
+    <p:sldId id="323" r:id="rId44"/>
+    <p:sldId id="324" r:id="rId45"/>
+    <p:sldId id="277" r:id="rId46"/>
+    <p:sldId id="298" r:id="rId47"/>
+    <p:sldId id="312" r:id="rId48"/>
+    <p:sldId id="299" r:id="rId49"/>
+    <p:sldId id="300" r:id="rId50"/>
+    <p:sldId id="321" r:id="rId51"/>
+    <p:sldId id="320" r:id="rId52"/>
+    <p:sldId id="325" r:id="rId53"/>
+    <p:sldId id="319" r:id="rId54"/>
+    <p:sldId id="278" r:id="rId55"/>
+    <p:sldId id="293" r:id="rId56"/>
+    <p:sldId id="294" r:id="rId57"/>
+    <p:sldId id="307" r:id="rId58"/>
   </p:sldIdLst>
   <p:sldSz cx="9144000" cy="6858000" type="screen4x3"/>
   <p:notesSz cx="6858000" cy="9144000"/>
@@ -218,6 +220,7 @@
             <p14:sldId id="296"/>
             <p14:sldId id="297"/>
             <p14:sldId id="310"/>
+            <p14:sldId id="326"/>
             <p14:sldId id="315"/>
             <p14:sldId id="316"/>
             <p14:sldId id="314"/>
@@ -236,6 +239,7 @@
             <p14:sldId id="300"/>
             <p14:sldId id="321"/>
             <p14:sldId id="320"/>
+            <p14:sldId id="325"/>
             <p14:sldId id="319"/>
           </p14:sldIdLst>
         </p14:section>
@@ -959,7 +963,7 @@
           <a:p>
             <a:fld id="{570587E7-E4E0-444A-8778-95544D215363}" type="slidenum">
               <a:rPr kumimoji="1" lang="ja-JP" altLang="en-US" smtClean="0"/>
-              <a:t>45</a:t>
+              <a:t>46</a:t>
             </a:fld>
             <a:endParaRPr kumimoji="1" lang="ja-JP" altLang="en-US"/>
           </a:p>
@@ -1053,7 +1057,7 @@
           <a:p>
             <a:fld id="{570587E7-E4E0-444A-8778-95544D215363}" type="slidenum">
               <a:rPr kumimoji="1" lang="ja-JP" altLang="en-US" smtClean="0"/>
-              <a:t>46</a:t>
+              <a:t>47</a:t>
             </a:fld>
             <a:endParaRPr kumimoji="1" lang="ja-JP" altLang="en-US"/>
           </a:p>
@@ -8119,7 +8123,7 @@
           <a:graphicData uri="http://schemas.openxmlformats.org/presentationml/2006/ole">
             <mc:AlternateContent xmlns:mc="http://schemas.openxmlformats.org/markup-compatibility/2006">
               <mc:Choice xmlns:v="urn:schemas-microsoft-com:vml" Requires="v">
-                <p:oleObj spid="_x0000_s14358" name="ビットマップ イメージ" r:id="rId3" imgW="1800360" imgH="1800360" progId="Paint.Picture">
+                <p:oleObj spid="_x0000_s14362" name="ビットマップ イメージ" r:id="rId3" imgW="1800360" imgH="1800360" progId="Paint.Picture">
                   <p:embed/>
                 </p:oleObj>
               </mc:Choice>
@@ -23765,6 +23769,1481 @@
           <a:chExt cx="0" cy="0"/>
         </a:xfrm>
       </p:grpSpPr>
+      <p:graphicFrame>
+        <p:nvGraphicFramePr>
+          <p:cNvPr id="12" name="コンテンツ プレースホルダー 11">
+            <a:extLst>
+              <a:ext uri="{FF2B5EF4-FFF2-40B4-BE49-F238E27FC236}">
+                <a16:creationId xmlns:a16="http://schemas.microsoft.com/office/drawing/2014/main" id="{7F13E465-1FA5-4DD5-956C-A90B09EF85B7}"/>
+              </a:ext>
+            </a:extLst>
+          </p:cNvPr>
+          <p:cNvGraphicFramePr>
+            <a:graphicFrameLocks noGrp="1"/>
+          </p:cNvGraphicFramePr>
+          <p:nvPr>
+            <p:ph idx="1"/>
+            <p:extLst>
+              <p:ext uri="{D42A27DB-BD31-4B8C-83A1-F6EECF244321}">
+                <p14:modId xmlns:p14="http://schemas.microsoft.com/office/powerpoint/2010/main" val="578324595"/>
+              </p:ext>
+            </p:extLst>
+          </p:nvPr>
+        </p:nvGraphicFramePr>
+        <p:xfrm>
+          <a:off x="762376" y="1545238"/>
+          <a:ext cx="7646987" cy="4302760"/>
+        </p:xfrm>
+        <a:graphic>
+          <a:graphicData uri="http://schemas.openxmlformats.org/drawingml/2006/table">
+            <a:tbl>
+              <a:tblPr firstRow="1" bandRow="1">
+                <a:tableStyleId>{5940675A-B579-460E-94D1-54222C63F5DA}</a:tableStyleId>
+              </a:tblPr>
+              <a:tblGrid>
+                <a:gridCol w="1065212">
+                  <a:extLst>
+                    <a:ext uri="{9D8B030D-6E8A-4147-A177-3AD203B41FA5}">
+                      <a16:colId xmlns:a16="http://schemas.microsoft.com/office/drawing/2014/main" val="3150211771"/>
+                    </a:ext>
+                  </a:extLst>
+                </a:gridCol>
+                <a:gridCol w="800100">
+                  <a:extLst>
+                    <a:ext uri="{9D8B030D-6E8A-4147-A177-3AD203B41FA5}">
+                      <a16:colId xmlns:a16="http://schemas.microsoft.com/office/drawing/2014/main" val="3058837178"/>
+                    </a:ext>
+                  </a:extLst>
+                </a:gridCol>
+                <a:gridCol w="1447800">
+                  <a:extLst>
+                    <a:ext uri="{9D8B030D-6E8A-4147-A177-3AD203B41FA5}">
+                      <a16:colId xmlns:a16="http://schemas.microsoft.com/office/drawing/2014/main" val="3220318084"/>
+                    </a:ext>
+                  </a:extLst>
+                </a:gridCol>
+                <a:gridCol w="1399523">
+                  <a:extLst>
+                    <a:ext uri="{9D8B030D-6E8A-4147-A177-3AD203B41FA5}">
+                      <a16:colId xmlns:a16="http://schemas.microsoft.com/office/drawing/2014/main" val="4192021148"/>
+                    </a:ext>
+                  </a:extLst>
+                </a:gridCol>
+                <a:gridCol w="1257952">
+                  <a:extLst>
+                    <a:ext uri="{9D8B030D-6E8A-4147-A177-3AD203B41FA5}">
+                      <a16:colId xmlns:a16="http://schemas.microsoft.com/office/drawing/2014/main" val="985640917"/>
+                    </a:ext>
+                  </a:extLst>
+                </a:gridCol>
+                <a:gridCol w="1676400">
+                  <a:extLst>
+                    <a:ext uri="{9D8B030D-6E8A-4147-A177-3AD203B41FA5}">
+                      <a16:colId xmlns:a16="http://schemas.microsoft.com/office/drawing/2014/main" val="2320827954"/>
+                    </a:ext>
+                  </a:extLst>
+                </a:gridCol>
+              </a:tblGrid>
+              <a:tr h="370840">
+                <a:tc gridSpan="2">
+                  <a:txBody>
+                    <a:bodyPr/>
+                    <a:lstStyle/>
+                    <a:p>
+                      <a:pPr algn="ctr"/>
+                      <a:r>
+                        <a:rPr kumimoji="1" lang="en-US" altLang="ja-JP" sz="1600" b="1" dirty="0">
+                          <a:latin typeface="Arial" panose="020B0604020202020204" pitchFamily="34" charset="0"/>
+                          <a:cs typeface="Arial" panose="020B0604020202020204" pitchFamily="34" charset="0"/>
+                        </a:rPr>
+                        <a:t>Architecture</a:t>
+                      </a:r>
+                      <a:endParaRPr kumimoji="1" lang="ja-JP" altLang="en-US" sz="1600" b="1" dirty="0">
+                        <a:latin typeface="Arial" panose="020B0604020202020204" pitchFamily="34" charset="0"/>
+                        <a:cs typeface="Arial" panose="020B0604020202020204" pitchFamily="34" charset="0"/>
+                      </a:endParaRPr>
+                    </a:p>
+                  </a:txBody>
+                  <a:tcPr anchor="ctr"/>
+                </a:tc>
+                <a:tc hMerge="1">
+                  <a:txBody>
+                    <a:bodyPr/>
+                    <a:lstStyle/>
+                    <a:p>
+                      <a:endParaRPr kumimoji="1" lang="ja-JP" altLang="en-US" dirty="0"/>
+                    </a:p>
+                  </a:txBody>
+                  <a:tcPr/>
+                </a:tc>
+                <a:tc>
+                  <a:txBody>
+                    <a:bodyPr/>
+                    <a:lstStyle/>
+                    <a:p>
+                      <a:pPr algn="ctr"/>
+                      <a:r>
+                        <a:rPr kumimoji="1" lang="en-US" altLang="ja-JP" sz="1600" b="1" dirty="0">
+                          <a:latin typeface="Arial" panose="020B0604020202020204" pitchFamily="34" charset="0"/>
+                          <a:cs typeface="Arial" panose="020B0604020202020204" pitchFamily="34" charset="0"/>
+                        </a:rPr>
+                        <a:t>Test accuracy</a:t>
+                      </a:r>
+                    </a:p>
+                    <a:p>
+                      <a:pPr algn="ctr"/>
+                      <a:r>
+                        <a:rPr kumimoji="1" lang="en-US" altLang="ja-JP" sz="1600" b="1" dirty="0">
+                          <a:latin typeface="Arial" panose="020B0604020202020204" pitchFamily="34" charset="0"/>
+                          <a:cs typeface="Arial" panose="020B0604020202020204" pitchFamily="34" charset="0"/>
+                        </a:rPr>
+                        <a:t>(%)</a:t>
+                      </a:r>
+                      <a:endParaRPr kumimoji="1" lang="ja-JP" altLang="en-US" sz="1600" b="1" dirty="0">
+                        <a:latin typeface="Arial" panose="020B0604020202020204" pitchFamily="34" charset="0"/>
+                        <a:cs typeface="Arial" panose="020B0604020202020204" pitchFamily="34" charset="0"/>
+                      </a:endParaRPr>
+                    </a:p>
+                  </a:txBody>
+                  <a:tcPr anchor="ctr">
+                    <a:solidFill>
+                      <a:schemeClr val="accent1">
+                        <a:lumMod val="60000"/>
+                        <a:lumOff val="40000"/>
+                      </a:schemeClr>
+                    </a:solidFill>
+                  </a:tcPr>
+                </a:tc>
+                <a:tc>
+                  <a:txBody>
+                    <a:bodyPr/>
+                    <a:lstStyle/>
+                    <a:p>
+                      <a:pPr algn="ctr"/>
+                      <a:r>
+                        <a:rPr kumimoji="1" lang="en-US" altLang="ja-JP" sz="1600" b="1" dirty="0">
+                          <a:latin typeface="Arial" panose="020B0604020202020204" pitchFamily="34" charset="0"/>
+                          <a:cs typeface="Arial" panose="020B0604020202020204" pitchFamily="34" charset="0"/>
+                        </a:rPr>
+                        <a:t>Param</a:t>
+                      </a:r>
+                    </a:p>
+                    <a:p>
+                      <a:pPr algn="ctr"/>
+                      <a:r>
+                        <a:rPr kumimoji="1" lang="en-US" altLang="ja-JP" sz="1600" b="1" dirty="0">
+                          <a:latin typeface="Arial" panose="020B0604020202020204" pitchFamily="34" charset="0"/>
+                          <a:cs typeface="Arial" panose="020B0604020202020204" pitchFamily="34" charset="0"/>
+                        </a:rPr>
+                        <a:t>(M)</a:t>
+                      </a:r>
+                      <a:endParaRPr kumimoji="1" lang="ja-JP" altLang="en-US" sz="1600" b="1" dirty="0">
+                        <a:latin typeface="Arial" panose="020B0604020202020204" pitchFamily="34" charset="0"/>
+                        <a:cs typeface="Arial" panose="020B0604020202020204" pitchFamily="34" charset="0"/>
+                      </a:endParaRPr>
+                    </a:p>
+                  </a:txBody>
+                  <a:tcPr anchor="ctr"/>
+                </a:tc>
+                <a:tc>
+                  <a:txBody>
+                    <a:bodyPr/>
+                    <a:lstStyle/>
+                    <a:p>
+                      <a:pPr algn="ctr"/>
+                      <a:r>
+                        <a:rPr kumimoji="1" lang="en-US" altLang="ja-JP" sz="1600" b="1" dirty="0">
+                          <a:latin typeface="Arial" panose="020B0604020202020204" pitchFamily="34" charset="0"/>
+                          <a:cs typeface="Arial" panose="020B0604020202020204" pitchFamily="34" charset="0"/>
+                        </a:rPr>
+                        <a:t>Number of shortcuts</a:t>
+                      </a:r>
+                      <a:endParaRPr kumimoji="1" lang="ja-JP" altLang="en-US" sz="1600" b="1" dirty="0">
+                        <a:latin typeface="Arial" panose="020B0604020202020204" pitchFamily="34" charset="0"/>
+                        <a:cs typeface="Arial" panose="020B0604020202020204" pitchFamily="34" charset="0"/>
+                      </a:endParaRPr>
+                    </a:p>
+                  </a:txBody>
+                  <a:tcPr anchor="ctr">
+                    <a:lnR w="12700" cap="flat" cmpd="sng" algn="ctr">
+                      <a:solidFill>
+                        <a:schemeClr val="tx1"/>
+                      </a:solidFill>
+                      <a:prstDash val="solid"/>
+                      <a:round/>
+                      <a:headEnd type="none" w="med" len="med"/>
+                      <a:tailEnd type="none" w="med" len="med"/>
+                    </a:lnR>
+                  </a:tcPr>
+                </a:tc>
+                <a:tc>
+                  <a:txBody>
+                    <a:bodyPr/>
+                    <a:lstStyle/>
+                    <a:p>
+                      <a:pPr algn="ctr"/>
+                      <a:r>
+                        <a:rPr kumimoji="1" lang="en-US" altLang="ja-JP" sz="1600" b="1" dirty="0">
+                          <a:latin typeface="Arial" panose="020B0604020202020204" pitchFamily="34" charset="0"/>
+                          <a:cs typeface="Arial" panose="020B0604020202020204" pitchFamily="34" charset="0"/>
+                        </a:rPr>
+                        <a:t>Random architect</a:t>
+                      </a:r>
+                    </a:p>
+                    <a:p>
+                      <a:pPr algn="ctr"/>
+                      <a:r>
+                        <a:rPr kumimoji="1" lang="en-US" altLang="ja-JP" sz="1600" b="1" dirty="0">
+                          <a:latin typeface="Arial" panose="020B0604020202020204" pitchFamily="34" charset="0"/>
+                          <a:cs typeface="Arial" panose="020B0604020202020204" pitchFamily="34" charset="0"/>
+                        </a:rPr>
+                        <a:t>Accuracy (%)</a:t>
+                      </a:r>
+                      <a:endParaRPr kumimoji="1" lang="ja-JP" altLang="en-US" sz="1600" b="1" dirty="0">
+                        <a:latin typeface="Arial" panose="020B0604020202020204" pitchFamily="34" charset="0"/>
+                        <a:cs typeface="Arial" panose="020B0604020202020204" pitchFamily="34" charset="0"/>
+                      </a:endParaRPr>
+                    </a:p>
+                  </a:txBody>
+                  <a:tcPr anchor="ctr">
+                    <a:lnL w="12700" cap="flat" cmpd="sng" algn="ctr">
+                      <a:solidFill>
+                        <a:schemeClr val="tx1"/>
+                      </a:solidFill>
+                      <a:prstDash val="solid"/>
+                      <a:round/>
+                      <a:headEnd type="none" w="med" len="med"/>
+                      <a:tailEnd type="none" w="med" len="med"/>
+                    </a:lnL>
+                    <a:solidFill>
+                      <a:schemeClr val="accent2">
+                        <a:lumMod val="60000"/>
+                        <a:lumOff val="40000"/>
+                      </a:schemeClr>
+                    </a:solidFill>
+                  </a:tcPr>
+                </a:tc>
+                <a:extLst>
+                  <a:ext uri="{0D108BD9-81ED-4DB2-BD59-A6C34878D82A}">
+                    <a16:rowId xmlns:a16="http://schemas.microsoft.com/office/drawing/2014/main" val="3515894297"/>
+                  </a:ext>
+                </a:extLst>
+              </a:tr>
+              <a:tr h="370840">
+                <a:tc rowSpan="3">
+                  <a:txBody>
+                    <a:bodyPr/>
+                    <a:lstStyle/>
+                    <a:p>
+                      <a:pPr algn="ctr"/>
+                      <a:r>
+                        <a:rPr kumimoji="1" lang="en-US" altLang="ja-JP" sz="1600" dirty="0">
+                          <a:latin typeface="Arial" panose="020B0604020202020204" pitchFamily="34" charset="0"/>
+                          <a:cs typeface="Arial" panose="020B0604020202020204" pitchFamily="34" charset="0"/>
+                        </a:rPr>
+                        <a:t>Method A</a:t>
+                      </a:r>
+                      <a:endParaRPr kumimoji="1" lang="ja-JP" altLang="en-US" sz="1600" dirty="0">
+                        <a:latin typeface="Arial" panose="020B0604020202020204" pitchFamily="34" charset="0"/>
+                        <a:cs typeface="Arial" panose="020B0604020202020204" pitchFamily="34" charset="0"/>
+                      </a:endParaRPr>
+                    </a:p>
+                  </a:txBody>
+                  <a:tcPr anchor="ctr"/>
+                </a:tc>
+                <a:tc>
+                  <a:txBody>
+                    <a:bodyPr/>
+                    <a:lstStyle/>
+                    <a:p>
+                      <a:pPr algn="ctr"/>
+                      <a:r>
+                        <a:rPr kumimoji="1" lang="en-US" altLang="ja-JP" sz="1400" dirty="0">
+                          <a:latin typeface="Arial" panose="020B0604020202020204" pitchFamily="34" charset="0"/>
+                          <a:cs typeface="Arial" panose="020B0604020202020204" pitchFamily="34" charset="0"/>
+                        </a:rPr>
+                        <a:t>50 epoch</a:t>
+                      </a:r>
+                      <a:endParaRPr kumimoji="1" lang="ja-JP" altLang="en-US" sz="1400" dirty="0">
+                        <a:latin typeface="Arial" panose="020B0604020202020204" pitchFamily="34" charset="0"/>
+                        <a:cs typeface="Arial" panose="020B0604020202020204" pitchFamily="34" charset="0"/>
+                      </a:endParaRPr>
+                    </a:p>
+                  </a:txBody>
+                  <a:tcPr anchor="ctr"/>
+                </a:tc>
+                <a:tc>
+                  <a:txBody>
+                    <a:bodyPr/>
+                    <a:lstStyle/>
+                    <a:p>
+                      <a:pPr algn="ctr"/>
+                      <a:r>
+                        <a:rPr lang="en-US" altLang="ja-JP" sz="1600" dirty="0">
+                          <a:latin typeface="Arial" panose="020B0604020202020204" pitchFamily="34" charset="0"/>
+                          <a:cs typeface="Arial" panose="020B0604020202020204" pitchFamily="34" charset="0"/>
+                        </a:rPr>
+                        <a:t>93.70 ± 0.22 </a:t>
+                      </a:r>
+                      <a:endParaRPr kumimoji="1" lang="ja-JP" altLang="en-US" sz="1600" dirty="0">
+                        <a:latin typeface="Arial" panose="020B0604020202020204" pitchFamily="34" charset="0"/>
+                        <a:cs typeface="Arial" panose="020B0604020202020204" pitchFamily="34" charset="0"/>
+                      </a:endParaRPr>
+                    </a:p>
+                  </a:txBody>
+                  <a:tcPr anchor="ctr">
+                    <a:solidFill>
+                      <a:schemeClr val="accent1">
+                        <a:lumMod val="60000"/>
+                        <a:lumOff val="40000"/>
+                      </a:schemeClr>
+                    </a:solidFill>
+                  </a:tcPr>
+                </a:tc>
+                <a:tc>
+                  <a:txBody>
+                    <a:bodyPr/>
+                    <a:lstStyle/>
+                    <a:p>
+                      <a:pPr algn="ctr"/>
+                      <a:r>
+                        <a:rPr lang="en-US" altLang="ja-JP" sz="1600" dirty="0">
+                          <a:latin typeface="Arial" panose="020B0604020202020204" pitchFamily="34" charset="0"/>
+                          <a:cs typeface="Arial" panose="020B0604020202020204" pitchFamily="34" charset="0"/>
+                        </a:rPr>
+                        <a:t>21.06 ± 0.07</a:t>
+                      </a:r>
+                      <a:endParaRPr kumimoji="1" lang="ja-JP" altLang="en-US" sz="1600" dirty="0">
+                        <a:latin typeface="Arial" panose="020B0604020202020204" pitchFamily="34" charset="0"/>
+                        <a:cs typeface="Arial" panose="020B0604020202020204" pitchFamily="34" charset="0"/>
+                      </a:endParaRPr>
+                    </a:p>
+                  </a:txBody>
+                  <a:tcPr anchor="ctr"/>
+                </a:tc>
+                <a:tc>
+                  <a:txBody>
+                    <a:bodyPr/>
+                    <a:lstStyle/>
+                    <a:p>
+                      <a:pPr algn="ctr"/>
+                      <a:r>
+                        <a:rPr lang="en-US" altLang="ja-JP" sz="1600" dirty="0">
+                          <a:latin typeface="Arial" panose="020B0604020202020204" pitchFamily="34" charset="0"/>
+                          <a:cs typeface="Arial" panose="020B0604020202020204" pitchFamily="34" charset="0"/>
+                        </a:rPr>
+                        <a:t>12.7 ± 1.4</a:t>
+                      </a:r>
+                      <a:endParaRPr kumimoji="1" lang="ja-JP" altLang="en-US" sz="1600" dirty="0">
+                        <a:latin typeface="Arial" panose="020B0604020202020204" pitchFamily="34" charset="0"/>
+                        <a:cs typeface="Arial" panose="020B0604020202020204" pitchFamily="34" charset="0"/>
+                      </a:endParaRPr>
+                    </a:p>
+                  </a:txBody>
+                  <a:tcPr anchor="ctr">
+                    <a:lnR w="12700" cap="flat" cmpd="sng" algn="ctr">
+                      <a:solidFill>
+                        <a:schemeClr val="tx1"/>
+                      </a:solidFill>
+                      <a:prstDash val="solid"/>
+                      <a:round/>
+                      <a:headEnd type="none" w="med" len="med"/>
+                      <a:tailEnd type="none" w="med" len="med"/>
+                    </a:lnR>
+                  </a:tcPr>
+                </a:tc>
+                <a:tc>
+                  <a:txBody>
+                    <a:bodyPr/>
+                    <a:lstStyle/>
+                    <a:p>
+                      <a:pPr algn="ctr"/>
+                      <a:r>
+                        <a:rPr lang="en-US" altLang="ja-JP" sz="1600" dirty="0">
+                          <a:latin typeface="Arial" panose="020B0604020202020204" pitchFamily="34" charset="0"/>
+                          <a:cs typeface="Arial" panose="020B0604020202020204" pitchFamily="34" charset="0"/>
+                        </a:rPr>
+                        <a:t>93.60 ± 0.15</a:t>
+                      </a:r>
+                      <a:endParaRPr kumimoji="1" lang="ja-JP" altLang="en-US" sz="1600" dirty="0">
+                        <a:latin typeface="Arial" panose="020B0604020202020204" pitchFamily="34" charset="0"/>
+                        <a:cs typeface="Arial" panose="020B0604020202020204" pitchFamily="34" charset="0"/>
+                      </a:endParaRPr>
+                    </a:p>
+                  </a:txBody>
+                  <a:tcPr anchor="ctr">
+                    <a:lnL w="12700" cap="flat" cmpd="sng" algn="ctr">
+                      <a:solidFill>
+                        <a:schemeClr val="tx1"/>
+                      </a:solidFill>
+                      <a:prstDash val="solid"/>
+                      <a:round/>
+                      <a:headEnd type="none" w="med" len="med"/>
+                      <a:tailEnd type="none" w="med" len="med"/>
+                    </a:lnL>
+                    <a:solidFill>
+                      <a:schemeClr val="accent2">
+                        <a:lumMod val="60000"/>
+                        <a:lumOff val="40000"/>
+                      </a:schemeClr>
+                    </a:solidFill>
+                  </a:tcPr>
+                </a:tc>
+                <a:extLst>
+                  <a:ext uri="{0D108BD9-81ED-4DB2-BD59-A6C34878D82A}">
+                    <a16:rowId xmlns:a16="http://schemas.microsoft.com/office/drawing/2014/main" val="2724566515"/>
+                  </a:ext>
+                </a:extLst>
+              </a:tr>
+              <a:tr h="370840">
+                <a:tc vMerge="1">
+                  <a:txBody>
+                    <a:bodyPr/>
+                    <a:lstStyle/>
+                    <a:p>
+                      <a:endParaRPr kumimoji="1" lang="ja-JP" altLang="en-US" dirty="0"/>
+                    </a:p>
+                  </a:txBody>
+                  <a:tcPr anchor="ctr"/>
+                </a:tc>
+                <a:tc>
+                  <a:txBody>
+                    <a:bodyPr/>
+                    <a:lstStyle/>
+                    <a:p>
+                      <a:pPr algn="ctr"/>
+                      <a:r>
+                        <a:rPr kumimoji="1" lang="en-US" altLang="ja-JP" sz="1400" dirty="0">
+                          <a:latin typeface="Arial" panose="020B0604020202020204" pitchFamily="34" charset="0"/>
+                          <a:cs typeface="Arial" panose="020B0604020202020204" pitchFamily="34" charset="0"/>
+                        </a:rPr>
+                        <a:t>100 epoch</a:t>
+                      </a:r>
+                      <a:endParaRPr kumimoji="1" lang="ja-JP" altLang="en-US" sz="1400" dirty="0">
+                        <a:latin typeface="Arial" panose="020B0604020202020204" pitchFamily="34" charset="0"/>
+                        <a:cs typeface="Arial" panose="020B0604020202020204" pitchFamily="34" charset="0"/>
+                      </a:endParaRPr>
+                    </a:p>
+                  </a:txBody>
+                  <a:tcPr anchor="ctr"/>
+                </a:tc>
+                <a:tc>
+                  <a:txBody>
+                    <a:bodyPr/>
+                    <a:lstStyle/>
+                    <a:p>
+                      <a:pPr algn="ctr"/>
+                      <a:r>
+                        <a:rPr lang="en-US" altLang="ja-JP" sz="1600" b="1" dirty="0">
+                          <a:latin typeface="Arial" panose="020B0604020202020204" pitchFamily="34" charset="0"/>
+                          <a:cs typeface="Arial" panose="020B0604020202020204" pitchFamily="34" charset="0"/>
+                        </a:rPr>
+                        <a:t>94.02 ± 0.12 </a:t>
+                      </a:r>
+                      <a:endParaRPr kumimoji="1" lang="ja-JP" altLang="en-US" sz="1600" b="1" dirty="0">
+                        <a:latin typeface="Arial" panose="020B0604020202020204" pitchFamily="34" charset="0"/>
+                        <a:cs typeface="Arial" panose="020B0604020202020204" pitchFamily="34" charset="0"/>
+                      </a:endParaRPr>
+                    </a:p>
+                  </a:txBody>
+                  <a:tcPr anchor="ctr">
+                    <a:solidFill>
+                      <a:schemeClr val="accent1">
+                        <a:lumMod val="60000"/>
+                        <a:lumOff val="40000"/>
+                      </a:schemeClr>
+                    </a:solidFill>
+                  </a:tcPr>
+                </a:tc>
+                <a:tc>
+                  <a:txBody>
+                    <a:bodyPr/>
+                    <a:lstStyle/>
+                    <a:p>
+                      <a:pPr algn="ctr"/>
+                      <a:r>
+                        <a:rPr lang="en-US" altLang="ja-JP" sz="1600" dirty="0">
+                          <a:latin typeface="Arial" panose="020B0604020202020204" pitchFamily="34" charset="0"/>
+                          <a:cs typeface="Arial" panose="020B0604020202020204" pitchFamily="34" charset="0"/>
+                        </a:rPr>
+                        <a:t>21.50 ± 0.11</a:t>
+                      </a:r>
+                      <a:endParaRPr kumimoji="1" lang="ja-JP" altLang="en-US" sz="1600" dirty="0">
+                        <a:latin typeface="Arial" panose="020B0604020202020204" pitchFamily="34" charset="0"/>
+                        <a:cs typeface="Arial" panose="020B0604020202020204" pitchFamily="34" charset="0"/>
+                      </a:endParaRPr>
+                    </a:p>
+                  </a:txBody>
+                  <a:tcPr anchor="ctr"/>
+                </a:tc>
+                <a:tc>
+                  <a:txBody>
+                    <a:bodyPr/>
+                    <a:lstStyle/>
+                    <a:p>
+                      <a:pPr algn="ctr"/>
+                      <a:r>
+                        <a:rPr lang="en-US" altLang="ja-JP" sz="1600" dirty="0">
+                          <a:latin typeface="Arial" panose="020B0604020202020204" pitchFamily="34" charset="0"/>
+                          <a:cs typeface="Arial" panose="020B0604020202020204" pitchFamily="34" charset="0"/>
+                        </a:rPr>
+                        <a:t>18.2 ± 0.9</a:t>
+                      </a:r>
+                      <a:endParaRPr kumimoji="1" lang="ja-JP" altLang="en-US" sz="1600" dirty="0">
+                        <a:latin typeface="Arial" panose="020B0604020202020204" pitchFamily="34" charset="0"/>
+                        <a:cs typeface="Arial" panose="020B0604020202020204" pitchFamily="34" charset="0"/>
+                      </a:endParaRPr>
+                    </a:p>
+                  </a:txBody>
+                  <a:tcPr anchor="ctr">
+                    <a:lnR w="12700" cap="flat" cmpd="sng" algn="ctr">
+                      <a:solidFill>
+                        <a:schemeClr val="tx1"/>
+                      </a:solidFill>
+                      <a:prstDash val="solid"/>
+                      <a:round/>
+                      <a:headEnd type="none" w="med" len="med"/>
+                      <a:tailEnd type="none" w="med" len="med"/>
+                    </a:lnR>
+                  </a:tcPr>
+                </a:tc>
+                <a:tc>
+                  <a:txBody>
+                    <a:bodyPr/>
+                    <a:lstStyle/>
+                    <a:p>
+                      <a:pPr algn="ctr"/>
+                      <a:r>
+                        <a:rPr lang="en-US" altLang="ja-JP" sz="1600" dirty="0">
+                          <a:latin typeface="Arial" panose="020B0604020202020204" pitchFamily="34" charset="0"/>
+                          <a:cs typeface="Arial" panose="020B0604020202020204" pitchFamily="34" charset="0"/>
+                        </a:rPr>
+                        <a:t>93.67 ± 0.14</a:t>
+                      </a:r>
+                      <a:endParaRPr kumimoji="1" lang="ja-JP" altLang="en-US" sz="1600" dirty="0">
+                        <a:latin typeface="Arial" panose="020B0604020202020204" pitchFamily="34" charset="0"/>
+                        <a:cs typeface="Arial" panose="020B0604020202020204" pitchFamily="34" charset="0"/>
+                      </a:endParaRPr>
+                    </a:p>
+                  </a:txBody>
+                  <a:tcPr anchor="ctr">
+                    <a:lnL w="12700" cap="flat" cmpd="sng" algn="ctr">
+                      <a:solidFill>
+                        <a:schemeClr val="tx1"/>
+                      </a:solidFill>
+                      <a:prstDash val="solid"/>
+                      <a:round/>
+                      <a:headEnd type="none" w="med" len="med"/>
+                      <a:tailEnd type="none" w="med" len="med"/>
+                    </a:lnL>
+                    <a:solidFill>
+                      <a:schemeClr val="accent2">
+                        <a:lumMod val="60000"/>
+                        <a:lumOff val="40000"/>
+                      </a:schemeClr>
+                    </a:solidFill>
+                  </a:tcPr>
+                </a:tc>
+                <a:extLst>
+                  <a:ext uri="{0D108BD9-81ED-4DB2-BD59-A6C34878D82A}">
+                    <a16:rowId xmlns:a16="http://schemas.microsoft.com/office/drawing/2014/main" val="90450067"/>
+                  </a:ext>
+                </a:extLst>
+              </a:tr>
+              <a:tr h="370840">
+                <a:tc vMerge="1">
+                  <a:txBody>
+                    <a:bodyPr/>
+                    <a:lstStyle/>
+                    <a:p>
+                      <a:endParaRPr kumimoji="1" lang="ja-JP" altLang="en-US" dirty="0"/>
+                    </a:p>
+                  </a:txBody>
+                  <a:tcPr anchor="ctr"/>
+                </a:tc>
+                <a:tc>
+                  <a:txBody>
+                    <a:bodyPr/>
+                    <a:lstStyle/>
+                    <a:p>
+                      <a:pPr algn="ctr"/>
+                      <a:r>
+                        <a:rPr kumimoji="1" lang="en-US" altLang="ja-JP" sz="1400" dirty="0">
+                          <a:latin typeface="Arial" panose="020B0604020202020204" pitchFamily="34" charset="0"/>
+                          <a:cs typeface="Arial" panose="020B0604020202020204" pitchFamily="34" charset="0"/>
+                        </a:rPr>
+                        <a:t>150 epoch</a:t>
+                      </a:r>
+                      <a:endParaRPr kumimoji="1" lang="ja-JP" altLang="en-US" sz="1400" dirty="0">
+                        <a:latin typeface="Arial" panose="020B0604020202020204" pitchFamily="34" charset="0"/>
+                        <a:cs typeface="Arial" panose="020B0604020202020204" pitchFamily="34" charset="0"/>
+                      </a:endParaRPr>
+                    </a:p>
+                  </a:txBody>
+                  <a:tcPr anchor="ctr"/>
+                </a:tc>
+                <a:tc>
+                  <a:txBody>
+                    <a:bodyPr/>
+                    <a:lstStyle/>
+                    <a:p>
+                      <a:pPr algn="ctr"/>
+                      <a:r>
+                        <a:rPr lang="en-US" altLang="ja-JP" sz="1600" dirty="0">
+                          <a:latin typeface="Arial" panose="020B0604020202020204" pitchFamily="34" charset="0"/>
+                          <a:cs typeface="Arial" panose="020B0604020202020204" pitchFamily="34" charset="0"/>
+                        </a:rPr>
+                        <a:t>93.90 ± 0.17</a:t>
+                      </a:r>
+                      <a:endParaRPr kumimoji="1" lang="ja-JP" altLang="en-US" sz="1600" dirty="0">
+                        <a:latin typeface="Arial" panose="020B0604020202020204" pitchFamily="34" charset="0"/>
+                        <a:cs typeface="Arial" panose="020B0604020202020204" pitchFamily="34" charset="0"/>
+                      </a:endParaRPr>
+                    </a:p>
+                  </a:txBody>
+                  <a:tcPr anchor="ctr">
+                    <a:solidFill>
+                      <a:schemeClr val="accent1">
+                        <a:lumMod val="60000"/>
+                        <a:lumOff val="40000"/>
+                      </a:schemeClr>
+                    </a:solidFill>
+                  </a:tcPr>
+                </a:tc>
+                <a:tc>
+                  <a:txBody>
+                    <a:bodyPr/>
+                    <a:lstStyle/>
+                    <a:p>
+                      <a:pPr algn="ctr"/>
+                      <a:r>
+                        <a:rPr lang="en-US" altLang="ja-JP" sz="1600" dirty="0">
+                          <a:latin typeface="Arial" panose="020B0604020202020204" pitchFamily="34" charset="0"/>
+                          <a:cs typeface="Arial" panose="020B0604020202020204" pitchFamily="34" charset="0"/>
+                        </a:rPr>
+                        <a:t>21.57 ± 0.25</a:t>
+                      </a:r>
+                      <a:endParaRPr kumimoji="1" lang="ja-JP" altLang="en-US" sz="1600" dirty="0">
+                        <a:latin typeface="Arial" panose="020B0604020202020204" pitchFamily="34" charset="0"/>
+                        <a:cs typeface="Arial" panose="020B0604020202020204" pitchFamily="34" charset="0"/>
+                      </a:endParaRPr>
+                    </a:p>
+                  </a:txBody>
+                  <a:tcPr anchor="ctr"/>
+                </a:tc>
+                <a:tc>
+                  <a:txBody>
+                    <a:bodyPr/>
+                    <a:lstStyle/>
+                    <a:p>
+                      <a:pPr algn="ctr"/>
+                      <a:r>
+                        <a:rPr lang="en-US" altLang="ja-JP" sz="1600" dirty="0">
+                          <a:latin typeface="Arial" panose="020B0604020202020204" pitchFamily="34" charset="0"/>
+                          <a:cs typeface="Arial" panose="020B0604020202020204" pitchFamily="34" charset="0"/>
+                        </a:rPr>
+                        <a:t>18.9 ± 0.6</a:t>
+                      </a:r>
+                      <a:endParaRPr kumimoji="1" lang="ja-JP" altLang="en-US" sz="1600" dirty="0">
+                        <a:latin typeface="Arial" panose="020B0604020202020204" pitchFamily="34" charset="0"/>
+                        <a:cs typeface="Arial" panose="020B0604020202020204" pitchFamily="34" charset="0"/>
+                      </a:endParaRPr>
+                    </a:p>
+                  </a:txBody>
+                  <a:tcPr anchor="ctr">
+                    <a:lnR w="12700" cap="flat" cmpd="sng" algn="ctr">
+                      <a:solidFill>
+                        <a:schemeClr val="tx1"/>
+                      </a:solidFill>
+                      <a:prstDash val="solid"/>
+                      <a:round/>
+                      <a:headEnd type="none" w="med" len="med"/>
+                      <a:tailEnd type="none" w="med" len="med"/>
+                    </a:lnR>
+                  </a:tcPr>
+                </a:tc>
+                <a:tc>
+                  <a:txBody>
+                    <a:bodyPr/>
+                    <a:lstStyle/>
+                    <a:p>
+                      <a:pPr algn="ctr"/>
+                      <a:r>
+                        <a:rPr lang="en-US" altLang="ja-JP" sz="1600" dirty="0">
+                          <a:latin typeface="Arial" panose="020B0604020202020204" pitchFamily="34" charset="0"/>
+                          <a:cs typeface="Arial" panose="020B0604020202020204" pitchFamily="34" charset="0"/>
+                        </a:rPr>
+                        <a:t>93.64 ± 0.09</a:t>
+                      </a:r>
+                      <a:endParaRPr kumimoji="1" lang="ja-JP" altLang="en-US" sz="1600" dirty="0">
+                        <a:latin typeface="Arial" panose="020B0604020202020204" pitchFamily="34" charset="0"/>
+                        <a:cs typeface="Arial" panose="020B0604020202020204" pitchFamily="34" charset="0"/>
+                      </a:endParaRPr>
+                    </a:p>
+                  </a:txBody>
+                  <a:tcPr anchor="ctr">
+                    <a:lnL w="12700" cap="flat" cmpd="sng" algn="ctr">
+                      <a:solidFill>
+                        <a:schemeClr val="tx1"/>
+                      </a:solidFill>
+                      <a:prstDash val="solid"/>
+                      <a:round/>
+                      <a:headEnd type="none" w="med" len="med"/>
+                      <a:tailEnd type="none" w="med" len="med"/>
+                    </a:lnL>
+                    <a:solidFill>
+                      <a:schemeClr val="accent2">
+                        <a:lumMod val="60000"/>
+                        <a:lumOff val="40000"/>
+                      </a:schemeClr>
+                    </a:solidFill>
+                  </a:tcPr>
+                </a:tc>
+                <a:extLst>
+                  <a:ext uri="{0D108BD9-81ED-4DB2-BD59-A6C34878D82A}">
+                    <a16:rowId xmlns:a16="http://schemas.microsoft.com/office/drawing/2014/main" val="2878259897"/>
+                  </a:ext>
+                </a:extLst>
+              </a:tr>
+              <a:tr h="370840">
+                <a:tc rowSpan="3">
+                  <a:txBody>
+                    <a:bodyPr/>
+                    <a:lstStyle/>
+                    <a:p>
+                      <a:pPr algn="ctr"/>
+                      <a:r>
+                        <a:rPr kumimoji="1" lang="en-US" altLang="ja-JP" sz="1600" dirty="0">
+                          <a:latin typeface="Arial" panose="020B0604020202020204" pitchFamily="34" charset="0"/>
+                          <a:cs typeface="Arial" panose="020B0604020202020204" pitchFamily="34" charset="0"/>
+                        </a:rPr>
+                        <a:t>Method B</a:t>
+                      </a:r>
+                      <a:endParaRPr kumimoji="1" lang="ja-JP" altLang="en-US" sz="1600" dirty="0">
+                        <a:latin typeface="Arial" panose="020B0604020202020204" pitchFamily="34" charset="0"/>
+                        <a:cs typeface="Arial" panose="020B0604020202020204" pitchFamily="34" charset="0"/>
+                      </a:endParaRPr>
+                    </a:p>
+                  </a:txBody>
+                  <a:tcPr anchor="ctr"/>
+                </a:tc>
+                <a:tc>
+                  <a:txBody>
+                    <a:bodyPr/>
+                    <a:lstStyle/>
+                    <a:p>
+                      <a:pPr algn="ctr"/>
+                      <a:r>
+                        <a:rPr kumimoji="1" lang="en-US" altLang="ja-JP" sz="1400" dirty="0">
+                          <a:latin typeface="Arial" panose="020B0604020202020204" pitchFamily="34" charset="0"/>
+                          <a:cs typeface="Arial" panose="020B0604020202020204" pitchFamily="34" charset="0"/>
+                        </a:rPr>
+                        <a:t>50 epoch</a:t>
+                      </a:r>
+                      <a:endParaRPr kumimoji="1" lang="ja-JP" altLang="en-US" sz="1400" dirty="0">
+                        <a:latin typeface="Arial" panose="020B0604020202020204" pitchFamily="34" charset="0"/>
+                        <a:cs typeface="Arial" panose="020B0604020202020204" pitchFamily="34" charset="0"/>
+                      </a:endParaRPr>
+                    </a:p>
+                  </a:txBody>
+                  <a:tcPr anchor="ctr"/>
+                </a:tc>
+                <a:tc>
+                  <a:txBody>
+                    <a:bodyPr/>
+                    <a:lstStyle/>
+                    <a:p>
+                      <a:pPr algn="ctr"/>
+                      <a:r>
+                        <a:rPr lang="en-US" altLang="ja-JP" sz="1600" dirty="0">
+                          <a:latin typeface="Arial" panose="020B0604020202020204" pitchFamily="34" charset="0"/>
+                          <a:cs typeface="Arial" panose="020B0604020202020204" pitchFamily="34" charset="0"/>
+                        </a:rPr>
+                        <a:t>93.57 ± 0.19</a:t>
+                      </a:r>
+                      <a:endParaRPr kumimoji="1" lang="ja-JP" altLang="en-US" sz="1600" dirty="0">
+                        <a:latin typeface="Arial" panose="020B0604020202020204" pitchFamily="34" charset="0"/>
+                        <a:cs typeface="Arial" panose="020B0604020202020204" pitchFamily="34" charset="0"/>
+                      </a:endParaRPr>
+                    </a:p>
+                  </a:txBody>
+                  <a:tcPr anchor="ctr">
+                    <a:solidFill>
+                      <a:schemeClr val="accent1">
+                        <a:lumMod val="60000"/>
+                        <a:lumOff val="40000"/>
+                      </a:schemeClr>
+                    </a:solidFill>
+                  </a:tcPr>
+                </a:tc>
+                <a:tc>
+                  <a:txBody>
+                    <a:bodyPr/>
+                    <a:lstStyle/>
+                    <a:p>
+                      <a:pPr algn="ctr"/>
+                      <a:r>
+                        <a:rPr lang="en-US" altLang="ja-JP" sz="1600" dirty="0">
+                          <a:latin typeface="Arial" panose="020B0604020202020204" pitchFamily="34" charset="0"/>
+                          <a:cs typeface="Arial" panose="020B0604020202020204" pitchFamily="34" charset="0"/>
+                        </a:rPr>
+                        <a:t>20.45 ± 0.09</a:t>
+                      </a:r>
+                      <a:endParaRPr kumimoji="1" lang="ja-JP" altLang="en-US" sz="1600" dirty="0">
+                        <a:latin typeface="Arial" panose="020B0604020202020204" pitchFamily="34" charset="0"/>
+                        <a:cs typeface="Arial" panose="020B0604020202020204" pitchFamily="34" charset="0"/>
+                      </a:endParaRPr>
+                    </a:p>
+                  </a:txBody>
+                  <a:tcPr anchor="ctr"/>
+                </a:tc>
+                <a:tc>
+                  <a:txBody>
+                    <a:bodyPr/>
+                    <a:lstStyle/>
+                    <a:p>
+                      <a:pPr algn="ctr"/>
+                      <a:r>
+                        <a:rPr lang="en-US" altLang="ja-JP" sz="1600" dirty="0">
+                          <a:latin typeface="Arial" panose="020B0604020202020204" pitchFamily="34" charset="0"/>
+                          <a:cs typeface="Arial" panose="020B0604020202020204" pitchFamily="34" charset="0"/>
+                        </a:rPr>
+                        <a:t>5.8 ± 1.2</a:t>
+                      </a:r>
+                      <a:endParaRPr kumimoji="1" lang="ja-JP" altLang="en-US" sz="1600" dirty="0">
+                        <a:latin typeface="Arial" panose="020B0604020202020204" pitchFamily="34" charset="0"/>
+                        <a:cs typeface="Arial" panose="020B0604020202020204" pitchFamily="34" charset="0"/>
+                      </a:endParaRPr>
+                    </a:p>
+                  </a:txBody>
+                  <a:tcPr anchor="ctr">
+                    <a:lnR w="12700" cap="flat" cmpd="sng" algn="ctr">
+                      <a:solidFill>
+                        <a:schemeClr val="tx1"/>
+                      </a:solidFill>
+                      <a:prstDash val="solid"/>
+                      <a:round/>
+                      <a:headEnd type="none" w="med" len="med"/>
+                      <a:tailEnd type="none" w="med" len="med"/>
+                    </a:lnR>
+                  </a:tcPr>
+                </a:tc>
+                <a:tc>
+                  <a:txBody>
+                    <a:bodyPr/>
+                    <a:lstStyle/>
+                    <a:p>
+                      <a:pPr algn="ctr"/>
+                      <a:r>
+                        <a:rPr lang="en-US" altLang="ja-JP" sz="1600" dirty="0">
+                          <a:latin typeface="Arial" panose="020B0604020202020204" pitchFamily="34" charset="0"/>
+                          <a:cs typeface="Arial" panose="020B0604020202020204" pitchFamily="34" charset="0"/>
+                        </a:rPr>
+                        <a:t>93.36 ± 0.19</a:t>
+                      </a:r>
+                      <a:endParaRPr kumimoji="1" lang="ja-JP" altLang="en-US" sz="1600" dirty="0">
+                        <a:latin typeface="Arial" panose="020B0604020202020204" pitchFamily="34" charset="0"/>
+                        <a:cs typeface="Arial" panose="020B0604020202020204" pitchFamily="34" charset="0"/>
+                      </a:endParaRPr>
+                    </a:p>
+                  </a:txBody>
+                  <a:tcPr anchor="ctr">
+                    <a:lnL w="12700" cap="flat" cmpd="sng" algn="ctr">
+                      <a:solidFill>
+                        <a:schemeClr val="tx1"/>
+                      </a:solidFill>
+                      <a:prstDash val="solid"/>
+                      <a:round/>
+                      <a:headEnd type="none" w="med" len="med"/>
+                      <a:tailEnd type="none" w="med" len="med"/>
+                    </a:lnL>
+                    <a:solidFill>
+                      <a:schemeClr val="accent2">
+                        <a:lumMod val="60000"/>
+                        <a:lumOff val="40000"/>
+                      </a:schemeClr>
+                    </a:solidFill>
+                  </a:tcPr>
+                </a:tc>
+                <a:extLst>
+                  <a:ext uri="{0D108BD9-81ED-4DB2-BD59-A6C34878D82A}">
+                    <a16:rowId xmlns:a16="http://schemas.microsoft.com/office/drawing/2014/main" val="2223102066"/>
+                  </a:ext>
+                </a:extLst>
+              </a:tr>
+              <a:tr h="370840">
+                <a:tc vMerge="1">
+                  <a:txBody>
+                    <a:bodyPr/>
+                    <a:lstStyle/>
+                    <a:p>
+                      <a:endParaRPr kumimoji="1" lang="ja-JP" altLang="en-US" dirty="0"/>
+                    </a:p>
+                  </a:txBody>
+                  <a:tcPr anchor="ctr"/>
+                </a:tc>
+                <a:tc>
+                  <a:txBody>
+                    <a:bodyPr/>
+                    <a:lstStyle/>
+                    <a:p>
+                      <a:pPr algn="ctr"/>
+                      <a:r>
+                        <a:rPr kumimoji="1" lang="en-US" altLang="ja-JP" sz="1400" dirty="0">
+                          <a:latin typeface="Arial" panose="020B0604020202020204" pitchFamily="34" charset="0"/>
+                          <a:cs typeface="Arial" panose="020B0604020202020204" pitchFamily="34" charset="0"/>
+                        </a:rPr>
+                        <a:t>100 epoch</a:t>
+                      </a:r>
+                      <a:endParaRPr kumimoji="1" lang="ja-JP" altLang="en-US" sz="1400" dirty="0">
+                        <a:latin typeface="Arial" panose="020B0604020202020204" pitchFamily="34" charset="0"/>
+                        <a:cs typeface="Arial" panose="020B0604020202020204" pitchFamily="34" charset="0"/>
+                      </a:endParaRPr>
+                    </a:p>
+                  </a:txBody>
+                  <a:tcPr anchor="ctr"/>
+                </a:tc>
+                <a:tc>
+                  <a:txBody>
+                    <a:bodyPr/>
+                    <a:lstStyle/>
+                    <a:p>
+                      <a:pPr algn="ctr"/>
+                      <a:r>
+                        <a:rPr lang="en-US" altLang="ja-JP" sz="1600" b="1" dirty="0">
+                          <a:latin typeface="Arial" panose="020B0604020202020204" pitchFamily="34" charset="0"/>
+                          <a:cs typeface="Arial" panose="020B0604020202020204" pitchFamily="34" charset="0"/>
+                        </a:rPr>
+                        <a:t>93.93 ± 0.08</a:t>
+                      </a:r>
+                      <a:endParaRPr kumimoji="1" lang="ja-JP" altLang="en-US" sz="1600" b="1" dirty="0">
+                        <a:latin typeface="Arial" panose="020B0604020202020204" pitchFamily="34" charset="0"/>
+                        <a:cs typeface="Arial" panose="020B0604020202020204" pitchFamily="34" charset="0"/>
+                      </a:endParaRPr>
+                    </a:p>
+                  </a:txBody>
+                  <a:tcPr anchor="ctr">
+                    <a:solidFill>
+                      <a:schemeClr val="accent1">
+                        <a:lumMod val="60000"/>
+                        <a:lumOff val="40000"/>
+                      </a:schemeClr>
+                    </a:solidFill>
+                  </a:tcPr>
+                </a:tc>
+                <a:tc>
+                  <a:txBody>
+                    <a:bodyPr/>
+                    <a:lstStyle/>
+                    <a:p>
+                      <a:pPr algn="ctr"/>
+                      <a:r>
+                        <a:rPr lang="en-US" altLang="ja-JP" sz="1600" dirty="0">
+                          <a:latin typeface="Arial" panose="020B0604020202020204" pitchFamily="34" charset="0"/>
+                          <a:cs typeface="Arial" panose="020B0604020202020204" pitchFamily="34" charset="0"/>
+                        </a:rPr>
+                        <a:t>20.73 ± 0.10</a:t>
+                      </a:r>
+                      <a:endParaRPr kumimoji="1" lang="ja-JP" altLang="en-US" sz="1600" dirty="0">
+                        <a:latin typeface="Arial" panose="020B0604020202020204" pitchFamily="34" charset="0"/>
+                        <a:cs typeface="Arial" panose="020B0604020202020204" pitchFamily="34" charset="0"/>
+                      </a:endParaRPr>
+                    </a:p>
+                  </a:txBody>
+                  <a:tcPr anchor="ctr"/>
+                </a:tc>
+                <a:tc>
+                  <a:txBody>
+                    <a:bodyPr/>
+                    <a:lstStyle/>
+                    <a:p>
+                      <a:pPr algn="ctr"/>
+                      <a:r>
+                        <a:rPr lang="en-US" altLang="ja-JP" sz="1600" dirty="0">
+                          <a:latin typeface="Arial" panose="020B0604020202020204" pitchFamily="34" charset="0"/>
+                          <a:cs typeface="Arial" panose="020B0604020202020204" pitchFamily="34" charset="0"/>
+                        </a:rPr>
+                        <a:t>9.8 ± 1.0</a:t>
+                      </a:r>
+                      <a:endParaRPr kumimoji="1" lang="ja-JP" altLang="en-US" sz="1600" dirty="0">
+                        <a:latin typeface="Arial" panose="020B0604020202020204" pitchFamily="34" charset="0"/>
+                        <a:cs typeface="Arial" panose="020B0604020202020204" pitchFamily="34" charset="0"/>
+                      </a:endParaRPr>
+                    </a:p>
+                  </a:txBody>
+                  <a:tcPr anchor="ctr">
+                    <a:lnR w="12700" cap="flat" cmpd="sng" algn="ctr">
+                      <a:solidFill>
+                        <a:schemeClr val="tx1"/>
+                      </a:solidFill>
+                      <a:prstDash val="solid"/>
+                      <a:round/>
+                      <a:headEnd type="none" w="med" len="med"/>
+                      <a:tailEnd type="none" w="med" len="med"/>
+                    </a:lnR>
+                  </a:tcPr>
+                </a:tc>
+                <a:tc>
+                  <a:txBody>
+                    <a:bodyPr/>
+                    <a:lstStyle/>
+                    <a:p>
+                      <a:pPr algn="ctr"/>
+                      <a:r>
+                        <a:rPr lang="en-US" altLang="ja-JP" sz="1600" dirty="0">
+                          <a:latin typeface="Arial" panose="020B0604020202020204" pitchFamily="34" charset="0"/>
+                          <a:cs typeface="Arial" panose="020B0604020202020204" pitchFamily="34" charset="0"/>
+                        </a:rPr>
+                        <a:t>93.47 ± 0.17</a:t>
+                      </a:r>
+                      <a:endParaRPr kumimoji="1" lang="ja-JP" altLang="en-US" sz="1600" dirty="0">
+                        <a:latin typeface="Arial" panose="020B0604020202020204" pitchFamily="34" charset="0"/>
+                        <a:cs typeface="Arial" panose="020B0604020202020204" pitchFamily="34" charset="0"/>
+                      </a:endParaRPr>
+                    </a:p>
+                  </a:txBody>
+                  <a:tcPr anchor="ctr">
+                    <a:lnL w="12700" cap="flat" cmpd="sng" algn="ctr">
+                      <a:solidFill>
+                        <a:schemeClr val="tx1"/>
+                      </a:solidFill>
+                      <a:prstDash val="solid"/>
+                      <a:round/>
+                      <a:headEnd type="none" w="med" len="med"/>
+                      <a:tailEnd type="none" w="med" len="med"/>
+                    </a:lnL>
+                    <a:solidFill>
+                      <a:schemeClr val="accent2">
+                        <a:lumMod val="60000"/>
+                        <a:lumOff val="40000"/>
+                      </a:schemeClr>
+                    </a:solidFill>
+                  </a:tcPr>
+                </a:tc>
+                <a:extLst>
+                  <a:ext uri="{0D108BD9-81ED-4DB2-BD59-A6C34878D82A}">
+                    <a16:rowId xmlns:a16="http://schemas.microsoft.com/office/drawing/2014/main" val="1231523089"/>
+                  </a:ext>
+                </a:extLst>
+              </a:tr>
+              <a:tr h="370840">
+                <a:tc vMerge="1">
+                  <a:txBody>
+                    <a:bodyPr/>
+                    <a:lstStyle/>
+                    <a:p>
+                      <a:endParaRPr kumimoji="1" lang="ja-JP" altLang="en-US" dirty="0"/>
+                    </a:p>
+                  </a:txBody>
+                  <a:tcPr anchor="ctr"/>
+                </a:tc>
+                <a:tc>
+                  <a:txBody>
+                    <a:bodyPr/>
+                    <a:lstStyle/>
+                    <a:p>
+                      <a:pPr algn="ctr"/>
+                      <a:r>
+                        <a:rPr kumimoji="1" lang="en-US" altLang="ja-JP" sz="1400" dirty="0">
+                          <a:latin typeface="Arial" panose="020B0604020202020204" pitchFamily="34" charset="0"/>
+                          <a:cs typeface="Arial" panose="020B0604020202020204" pitchFamily="34" charset="0"/>
+                        </a:rPr>
+                        <a:t>150 epoch</a:t>
+                      </a:r>
+                      <a:endParaRPr kumimoji="1" lang="ja-JP" altLang="en-US" sz="1400" dirty="0">
+                        <a:latin typeface="Arial" panose="020B0604020202020204" pitchFamily="34" charset="0"/>
+                        <a:cs typeface="Arial" panose="020B0604020202020204" pitchFamily="34" charset="0"/>
+                      </a:endParaRPr>
+                    </a:p>
+                  </a:txBody>
+                  <a:tcPr anchor="ctr"/>
+                </a:tc>
+                <a:tc>
+                  <a:txBody>
+                    <a:bodyPr/>
+                    <a:lstStyle/>
+                    <a:p>
+                      <a:pPr algn="ctr"/>
+                      <a:r>
+                        <a:rPr lang="en-US" altLang="ja-JP" sz="1600" dirty="0">
+                          <a:latin typeface="Arial" panose="020B0604020202020204" pitchFamily="34" charset="0"/>
+                          <a:cs typeface="Arial" panose="020B0604020202020204" pitchFamily="34" charset="0"/>
+                        </a:rPr>
+                        <a:t>93.92 ± 0.12</a:t>
+                      </a:r>
+                      <a:endParaRPr kumimoji="1" lang="ja-JP" altLang="en-US" sz="1600" dirty="0">
+                        <a:latin typeface="Arial" panose="020B0604020202020204" pitchFamily="34" charset="0"/>
+                        <a:cs typeface="Arial" panose="020B0604020202020204" pitchFamily="34" charset="0"/>
+                      </a:endParaRPr>
+                    </a:p>
+                  </a:txBody>
+                  <a:tcPr anchor="ctr">
+                    <a:solidFill>
+                      <a:schemeClr val="accent1">
+                        <a:lumMod val="60000"/>
+                        <a:lumOff val="40000"/>
+                      </a:schemeClr>
+                    </a:solidFill>
+                  </a:tcPr>
+                </a:tc>
+                <a:tc>
+                  <a:txBody>
+                    <a:bodyPr/>
+                    <a:lstStyle/>
+                    <a:p>
+                      <a:pPr algn="ctr"/>
+                      <a:r>
+                        <a:rPr lang="en-US" altLang="ja-JP" sz="1600" dirty="0">
+                          <a:latin typeface="Arial" panose="020B0604020202020204" pitchFamily="34" charset="0"/>
+                          <a:cs typeface="Arial" panose="020B0604020202020204" pitchFamily="34" charset="0"/>
+                        </a:rPr>
+                        <a:t>20.76 ± 0.15</a:t>
+                      </a:r>
+                      <a:endParaRPr kumimoji="1" lang="ja-JP" altLang="en-US" sz="1600" dirty="0">
+                        <a:latin typeface="Arial" panose="020B0604020202020204" pitchFamily="34" charset="0"/>
+                        <a:cs typeface="Arial" panose="020B0604020202020204" pitchFamily="34" charset="0"/>
+                      </a:endParaRPr>
+                    </a:p>
+                  </a:txBody>
+                  <a:tcPr anchor="ctr"/>
+                </a:tc>
+                <a:tc>
+                  <a:txBody>
+                    <a:bodyPr/>
+                    <a:lstStyle/>
+                    <a:p>
+                      <a:pPr algn="ctr"/>
+                      <a:r>
+                        <a:rPr lang="en-US" altLang="ja-JP" sz="1600" dirty="0">
+                          <a:latin typeface="Arial" panose="020B0604020202020204" pitchFamily="34" charset="0"/>
+                          <a:cs typeface="Arial" panose="020B0604020202020204" pitchFamily="34" charset="0"/>
+                        </a:rPr>
+                        <a:t>10.6 ± 1.0</a:t>
+                      </a:r>
+                      <a:endParaRPr kumimoji="1" lang="ja-JP" altLang="en-US" sz="1600" dirty="0">
+                        <a:latin typeface="Arial" panose="020B0604020202020204" pitchFamily="34" charset="0"/>
+                        <a:cs typeface="Arial" panose="020B0604020202020204" pitchFamily="34" charset="0"/>
+                      </a:endParaRPr>
+                    </a:p>
+                  </a:txBody>
+                  <a:tcPr anchor="ctr">
+                    <a:lnR w="12700" cap="flat" cmpd="sng" algn="ctr">
+                      <a:solidFill>
+                        <a:schemeClr val="tx1"/>
+                      </a:solidFill>
+                      <a:prstDash val="solid"/>
+                      <a:round/>
+                      <a:headEnd type="none" w="med" len="med"/>
+                      <a:tailEnd type="none" w="med" len="med"/>
+                    </a:lnR>
+                  </a:tcPr>
+                </a:tc>
+                <a:tc>
+                  <a:txBody>
+                    <a:bodyPr/>
+                    <a:lstStyle/>
+                    <a:p>
+                      <a:pPr algn="ctr"/>
+                      <a:r>
+                        <a:rPr lang="en-US" altLang="ja-JP" sz="1600" dirty="0">
+                          <a:latin typeface="Arial" panose="020B0604020202020204" pitchFamily="34" charset="0"/>
+                          <a:cs typeface="Arial" panose="020B0604020202020204" pitchFamily="34" charset="0"/>
+                        </a:rPr>
+                        <a:t>93.48 ± 0.15</a:t>
+                      </a:r>
+                      <a:endParaRPr kumimoji="1" lang="ja-JP" altLang="en-US" sz="1600" dirty="0">
+                        <a:latin typeface="Arial" panose="020B0604020202020204" pitchFamily="34" charset="0"/>
+                        <a:cs typeface="Arial" panose="020B0604020202020204" pitchFamily="34" charset="0"/>
+                      </a:endParaRPr>
+                    </a:p>
+                  </a:txBody>
+                  <a:tcPr anchor="ctr">
+                    <a:lnL w="12700" cap="flat" cmpd="sng" algn="ctr">
+                      <a:solidFill>
+                        <a:schemeClr val="tx1"/>
+                      </a:solidFill>
+                      <a:prstDash val="solid"/>
+                      <a:round/>
+                      <a:headEnd type="none" w="med" len="med"/>
+                      <a:tailEnd type="none" w="med" len="med"/>
+                    </a:lnL>
+                    <a:solidFill>
+                      <a:schemeClr val="accent2">
+                        <a:lumMod val="60000"/>
+                        <a:lumOff val="40000"/>
+                      </a:schemeClr>
+                    </a:solidFill>
+                  </a:tcPr>
+                </a:tc>
+                <a:extLst>
+                  <a:ext uri="{0D108BD9-81ED-4DB2-BD59-A6C34878D82A}">
+                    <a16:rowId xmlns:a16="http://schemas.microsoft.com/office/drawing/2014/main" val="1232416869"/>
+                  </a:ext>
+                </a:extLst>
+              </a:tr>
+              <a:tr h="370840">
+                <a:tc gridSpan="2">
+                  <a:txBody>
+                    <a:bodyPr/>
+                    <a:lstStyle/>
+                    <a:p>
+                      <a:pPr algn="ctr"/>
+                      <a:r>
+                        <a:rPr kumimoji="1" lang="en-US" altLang="ja-JP" sz="1600" dirty="0">
+                          <a:latin typeface="Arial" panose="020B0604020202020204" pitchFamily="34" charset="0"/>
+                          <a:cs typeface="Arial" panose="020B0604020202020204" pitchFamily="34" charset="0"/>
+                        </a:rPr>
+                        <a:t>Baseline(BGG19)</a:t>
+                      </a:r>
+                      <a:endParaRPr kumimoji="1" lang="ja-JP" altLang="en-US" sz="1600" dirty="0">
+                        <a:latin typeface="Arial" panose="020B0604020202020204" pitchFamily="34" charset="0"/>
+                        <a:cs typeface="Arial" panose="020B0604020202020204" pitchFamily="34" charset="0"/>
+                      </a:endParaRPr>
+                    </a:p>
+                  </a:txBody>
+                  <a:tcPr anchor="ctr"/>
+                </a:tc>
+                <a:tc hMerge="1">
+                  <a:txBody>
+                    <a:bodyPr/>
+                    <a:lstStyle/>
+                    <a:p>
+                      <a:pPr algn="ctr"/>
+                      <a:endParaRPr kumimoji="1" lang="ja-JP" altLang="en-US" dirty="0"/>
+                    </a:p>
+                  </a:txBody>
+                  <a:tcPr anchor="ctr"/>
+                </a:tc>
+                <a:tc>
+                  <a:txBody>
+                    <a:bodyPr/>
+                    <a:lstStyle/>
+                    <a:p>
+                      <a:pPr algn="ctr"/>
+                      <a:r>
+                        <a:rPr lang="en-US" altLang="ja-JP" sz="1600" dirty="0">
+                          <a:latin typeface="Arial" panose="020B0604020202020204" pitchFamily="34" charset="0"/>
+                          <a:cs typeface="Arial" panose="020B0604020202020204" pitchFamily="34" charset="0"/>
+                        </a:rPr>
+                        <a:t>93.03 ± 0.10</a:t>
+                      </a:r>
+                      <a:endParaRPr kumimoji="1" lang="ja-JP" altLang="en-US" sz="1600" dirty="0">
+                        <a:latin typeface="Arial" panose="020B0604020202020204" pitchFamily="34" charset="0"/>
+                        <a:cs typeface="Arial" panose="020B0604020202020204" pitchFamily="34" charset="0"/>
+                      </a:endParaRPr>
+                    </a:p>
+                  </a:txBody>
+                  <a:tcPr anchor="ctr">
+                    <a:solidFill>
+                      <a:schemeClr val="accent1">
+                        <a:lumMod val="60000"/>
+                        <a:lumOff val="40000"/>
+                      </a:schemeClr>
+                    </a:solidFill>
+                  </a:tcPr>
+                </a:tc>
+                <a:tc>
+                  <a:txBody>
+                    <a:bodyPr/>
+                    <a:lstStyle/>
+                    <a:p>
+                      <a:pPr algn="ctr"/>
+                      <a:r>
+                        <a:rPr lang="en-US" altLang="ja-JP" sz="1600" dirty="0">
+                          <a:latin typeface="Arial" panose="020B0604020202020204" pitchFamily="34" charset="0"/>
+                          <a:cs typeface="Arial" panose="020B0604020202020204" pitchFamily="34" charset="0"/>
+                        </a:rPr>
+                        <a:t>20.04</a:t>
+                      </a:r>
+                      <a:endParaRPr kumimoji="1" lang="ja-JP" altLang="en-US" sz="1600" dirty="0">
+                        <a:latin typeface="Arial" panose="020B0604020202020204" pitchFamily="34" charset="0"/>
+                        <a:cs typeface="Arial" panose="020B0604020202020204" pitchFamily="34" charset="0"/>
+                      </a:endParaRPr>
+                    </a:p>
+                  </a:txBody>
+                  <a:tcPr anchor="ctr"/>
+                </a:tc>
+                <a:tc>
+                  <a:txBody>
+                    <a:bodyPr/>
+                    <a:lstStyle/>
+                    <a:p>
+                      <a:pPr algn="ctr"/>
+                      <a:r>
+                        <a:rPr kumimoji="1" lang="en-US" altLang="ja-JP" sz="1600" dirty="0">
+                          <a:latin typeface="Arial" panose="020B0604020202020204" pitchFamily="34" charset="0"/>
+                          <a:cs typeface="Arial" panose="020B0604020202020204" pitchFamily="34" charset="0"/>
+                        </a:rPr>
+                        <a:t>0</a:t>
+                      </a:r>
+                      <a:endParaRPr kumimoji="1" lang="ja-JP" altLang="en-US" sz="1600" dirty="0">
+                        <a:latin typeface="Arial" panose="020B0604020202020204" pitchFamily="34" charset="0"/>
+                        <a:cs typeface="Arial" panose="020B0604020202020204" pitchFamily="34" charset="0"/>
+                      </a:endParaRPr>
+                    </a:p>
+                  </a:txBody>
+                  <a:tcPr anchor="ctr">
+                    <a:lnR w="12700" cap="flat" cmpd="sng" algn="ctr">
+                      <a:solidFill>
+                        <a:schemeClr val="tx1"/>
+                      </a:solidFill>
+                      <a:prstDash val="solid"/>
+                      <a:round/>
+                      <a:headEnd type="none" w="med" len="med"/>
+                      <a:tailEnd type="none" w="med" len="med"/>
+                    </a:lnR>
+                  </a:tcPr>
+                </a:tc>
+                <a:tc>
+                  <a:txBody>
+                    <a:bodyPr/>
+                    <a:lstStyle/>
+                    <a:p>
+                      <a:pPr algn="ctr"/>
+                      <a:r>
+                        <a:rPr kumimoji="1" lang="en-US" altLang="ja-JP" sz="1600" dirty="0">
+                          <a:latin typeface="Arial" panose="020B0604020202020204" pitchFamily="34" charset="0"/>
+                          <a:cs typeface="Arial" panose="020B0604020202020204" pitchFamily="34" charset="0"/>
+                        </a:rPr>
+                        <a:t>-</a:t>
+                      </a:r>
+                      <a:endParaRPr kumimoji="1" lang="ja-JP" altLang="en-US" sz="1600" dirty="0">
+                        <a:latin typeface="Arial" panose="020B0604020202020204" pitchFamily="34" charset="0"/>
+                        <a:cs typeface="Arial" panose="020B0604020202020204" pitchFamily="34" charset="0"/>
+                      </a:endParaRPr>
+                    </a:p>
+                  </a:txBody>
+                  <a:tcPr anchor="ctr">
+                    <a:lnL w="12700" cap="flat" cmpd="sng" algn="ctr">
+                      <a:solidFill>
+                        <a:schemeClr val="tx1"/>
+                      </a:solidFill>
+                      <a:prstDash val="solid"/>
+                      <a:round/>
+                      <a:headEnd type="none" w="med" len="med"/>
+                      <a:tailEnd type="none" w="med" len="med"/>
+                    </a:lnL>
+                    <a:solidFill>
+                      <a:schemeClr val="accent2">
+                        <a:lumMod val="60000"/>
+                        <a:lumOff val="40000"/>
+                      </a:schemeClr>
+                    </a:solidFill>
+                  </a:tcPr>
+                </a:tc>
+                <a:extLst>
+                  <a:ext uri="{0D108BD9-81ED-4DB2-BD59-A6C34878D82A}">
+                    <a16:rowId xmlns:a16="http://schemas.microsoft.com/office/drawing/2014/main" val="1305728134"/>
+                  </a:ext>
+                </a:extLst>
+              </a:tr>
+            </a:tbl>
+          </a:graphicData>
+        </a:graphic>
+      </p:graphicFrame>
+      <p:sp>
+        <p:nvSpPr>
+          <p:cNvPr id="2" name="タイトル 1">
+            <a:extLst>
+              <a:ext uri="{FF2B5EF4-FFF2-40B4-BE49-F238E27FC236}">
+                <a16:creationId xmlns:a16="http://schemas.microsoft.com/office/drawing/2014/main" id="{D46ABB39-F0C4-4941-8AC3-45B843579753}"/>
+              </a:ext>
+            </a:extLst>
+          </p:cNvPr>
+          <p:cNvSpPr>
+            <a:spLocks noGrp="1"/>
+          </p:cNvSpPr>
+          <p:nvPr>
+            <p:ph type="title"/>
+          </p:nvPr>
+        </p:nvSpPr>
+        <p:spPr/>
+        <p:txBody>
+          <a:bodyPr/>
+          <a:lstStyle/>
+          <a:p>
+            <a:r>
+              <a:rPr kumimoji="1" lang="ja-JP" altLang="en-US" dirty="0"/>
+              <a:t>実験</a:t>
+            </a:r>
+            <a:r>
+              <a:rPr kumimoji="1" lang="en-US" altLang="ja-JP" dirty="0"/>
+              <a:t>1 </a:t>
+            </a:r>
+            <a:r>
+              <a:rPr kumimoji="1" lang="ja-JP" altLang="en-US" dirty="0"/>
+              <a:t>： 結果</a:t>
+            </a:r>
+          </a:p>
+        </p:txBody>
+      </p:sp>
+      <p:sp>
+        <p:nvSpPr>
+          <p:cNvPr id="4" name="スライド番号プレースホルダー 3">
+            <a:extLst>
+              <a:ext uri="{FF2B5EF4-FFF2-40B4-BE49-F238E27FC236}">
+                <a16:creationId xmlns:a16="http://schemas.microsoft.com/office/drawing/2014/main" id="{0B3C2E9D-0858-4A34-8898-41EF151E398D}"/>
+              </a:ext>
+            </a:extLst>
+          </p:cNvPr>
+          <p:cNvSpPr>
+            <a:spLocks noGrp="1"/>
+          </p:cNvSpPr>
+          <p:nvPr>
+            <p:ph type="sldNum" sz="quarter" idx="12"/>
+          </p:nvPr>
+        </p:nvSpPr>
+        <p:spPr/>
+        <p:txBody>
+          <a:bodyPr/>
+          <a:lstStyle/>
+          <a:p>
+            <a:fld id="{304739FC-810C-4CDC-B60F-21F1951FBC64}" type="slidenum">
+              <a:rPr kumimoji="1" lang="ja-JP" altLang="en-US" smtClean="0"/>
+              <a:t>37</a:t>
+            </a:fld>
+            <a:endParaRPr kumimoji="1" lang="ja-JP" altLang="en-US"/>
+          </a:p>
+        </p:txBody>
+      </p:sp>
+    </p:spTree>
+    <p:extLst>
+      <p:ext uri="{BB962C8B-B14F-4D97-AF65-F5344CB8AC3E}">
+        <p14:creationId xmlns:p14="http://schemas.microsoft.com/office/powerpoint/2010/main" val="3128243587"/>
+      </p:ext>
+    </p:extLst>
+  </p:cSld>
+  <p:clrMapOvr>
+    <a:masterClrMapping/>
+  </p:clrMapOvr>
+  <mc:AlternateContent xmlns:mc="http://schemas.openxmlformats.org/markup-compatibility/2006">
+    <mc:Choice xmlns:p14="http://schemas.microsoft.com/office/powerpoint/2010/main" Requires="p14">
+      <p:transition spd="slow" p14:dur="2000" advTm="63135"/>
+    </mc:Choice>
+    <mc:Fallback>
+      <p:transition spd="slow" advTm="63135"/>
+    </mc:Fallback>
+  </mc:AlternateContent>
+</p:sld>
+</file>
+
+<file path=ppt/slides/slide38.xml><?xml version="1.0" encoding="utf-8"?>
+<p:sld xmlns:a="http://schemas.openxmlformats.org/drawingml/2006/main" xmlns:r="http://schemas.openxmlformats.org/officeDocument/2006/relationships" xmlns:p="http://schemas.openxmlformats.org/presentationml/2006/main">
+  <p:cSld>
+    <p:spTree>
+      <p:nvGrpSpPr>
+        <p:cNvPr id="1" name=""/>
+        <p:cNvGrpSpPr/>
+        <p:nvPr/>
+      </p:nvGrpSpPr>
+      <p:grpSpPr>
+        <a:xfrm>
+          <a:off x="0" y="0"/>
+          <a:ext cx="0" cy="0"/>
+          <a:chOff x="0" y="0"/>
+          <a:chExt cx="0" cy="0"/>
+        </a:xfrm>
+      </p:grpSpPr>
       <p:sp>
         <p:nvSpPr>
           <p:cNvPr id="10" name="コンテンツ プレースホルダー 9">
@@ -23884,7 +25363,7 @@
           <a:p>
             <a:fld id="{304739FC-810C-4CDC-B60F-21F1951FBC64}" type="slidenum">
               <a:rPr kumimoji="1" lang="ja-JP" altLang="en-US" smtClean="0"/>
-              <a:t>37</a:t>
+              <a:t>38</a:t>
             </a:fld>
             <a:endParaRPr kumimoji="1" lang="ja-JP" altLang="en-US"/>
           </a:p>
@@ -23947,7 +25426,7 @@
 </p:sld>
 </file>
 
-<file path=ppt/slides/slide38.xml><?xml version="1.0" encoding="utf-8"?>
+<file path=ppt/slides/slide39.xml><?xml version="1.0" encoding="utf-8"?>
 <p:sld xmlns:a="http://schemas.openxmlformats.org/drawingml/2006/main" xmlns:r="http://schemas.openxmlformats.org/officeDocument/2006/relationships" xmlns:p="http://schemas.openxmlformats.org/presentationml/2006/main">
   <p:cSld>
     <p:spTree>
@@ -24086,7 +25565,7 @@
           <a:p>
             <a:fld id="{304739FC-810C-4CDC-B60F-21F1951FBC64}" type="slidenum">
               <a:rPr kumimoji="1" lang="ja-JP" altLang="en-US" smtClean="0"/>
-              <a:t>38</a:t>
+              <a:t>39</a:t>
             </a:fld>
             <a:endParaRPr kumimoji="1" lang="ja-JP" altLang="en-US"/>
           </a:p>
@@ -24149,7 +25628,405 @@
 </p:sld>
 </file>
 
-<file path=ppt/slides/slide39.xml><?xml version="1.0" encoding="utf-8"?>
+<file path=ppt/slides/slide4.xml><?xml version="1.0" encoding="utf-8"?>
+<p:sld xmlns:a="http://schemas.openxmlformats.org/drawingml/2006/main" xmlns:r="http://schemas.openxmlformats.org/officeDocument/2006/relationships" xmlns:p="http://schemas.openxmlformats.org/presentationml/2006/main">
+  <p:cSld>
+    <p:spTree>
+      <p:nvGrpSpPr>
+        <p:cNvPr id="1" name=""/>
+        <p:cNvGrpSpPr/>
+        <p:nvPr/>
+      </p:nvGrpSpPr>
+      <p:grpSpPr>
+        <a:xfrm>
+          <a:off x="0" y="0"/>
+          <a:ext cx="0" cy="0"/>
+          <a:chOff x="0" y="0"/>
+          <a:chExt cx="0" cy="0"/>
+        </a:xfrm>
+      </p:grpSpPr>
+      <p:sp>
+        <p:nvSpPr>
+          <p:cNvPr id="2" name="タイトル 1">
+            <a:extLst>
+              <a:ext uri="{FF2B5EF4-FFF2-40B4-BE49-F238E27FC236}">
+                <a16:creationId xmlns:a16="http://schemas.microsoft.com/office/drawing/2014/main" id="{AC06BA5F-D2B8-4713-8D25-D4396789FFC5}"/>
+              </a:ext>
+            </a:extLst>
+          </p:cNvPr>
+          <p:cNvSpPr>
+            <a:spLocks noGrp="1"/>
+          </p:cNvSpPr>
+          <p:nvPr>
+            <p:ph type="title"/>
+          </p:nvPr>
+        </p:nvSpPr>
+        <p:spPr/>
+        <p:txBody>
+          <a:bodyPr/>
+          <a:lstStyle/>
+          <a:p>
+            <a:r>
+              <a:rPr kumimoji="1" lang="ja-JP" altLang="en-US" dirty="0"/>
+              <a:t>深層学習モデルの発展</a:t>
+            </a:r>
+          </a:p>
+        </p:txBody>
+      </p:sp>
+      <p:sp>
+        <p:nvSpPr>
+          <p:cNvPr id="3" name="コンテンツ プレースホルダー 2">
+            <a:extLst>
+              <a:ext uri="{FF2B5EF4-FFF2-40B4-BE49-F238E27FC236}">
+                <a16:creationId xmlns:a16="http://schemas.microsoft.com/office/drawing/2014/main" id="{A039F885-9DE0-46A8-A4E3-0AD952829E88}"/>
+              </a:ext>
+            </a:extLst>
+          </p:cNvPr>
+          <p:cNvSpPr>
+            <a:spLocks noGrp="1"/>
+          </p:cNvSpPr>
+          <p:nvPr>
+            <p:ph idx="1"/>
+          </p:nvPr>
+        </p:nvSpPr>
+        <p:spPr>
+          <a:xfrm>
+            <a:off x="822959" y="4957894"/>
+            <a:ext cx="7543801" cy="1235080"/>
+          </a:xfrm>
+        </p:spPr>
+        <p:txBody>
+          <a:bodyPr>
+            <a:normAutofit/>
+          </a:bodyPr>
+          <a:lstStyle/>
+          <a:p>
+            <a:pPr lvl="1"/>
+            <a:r>
+              <a:rPr kumimoji="1" lang="ja-JP" altLang="en-US" dirty="0"/>
+              <a:t>モデルの構造で性能が向上</a:t>
+            </a:r>
+            <a:endParaRPr kumimoji="1" lang="en-US" altLang="ja-JP" dirty="0"/>
+          </a:p>
+        </p:txBody>
+      </p:sp>
+      <p:sp>
+        <p:nvSpPr>
+          <p:cNvPr id="4" name="スライド番号プレースホルダー 3">
+            <a:extLst>
+              <a:ext uri="{FF2B5EF4-FFF2-40B4-BE49-F238E27FC236}">
+                <a16:creationId xmlns:a16="http://schemas.microsoft.com/office/drawing/2014/main" id="{3180D2BA-9454-4D57-8FD2-6BF1A7E7CC03}"/>
+              </a:ext>
+            </a:extLst>
+          </p:cNvPr>
+          <p:cNvSpPr>
+            <a:spLocks noGrp="1"/>
+          </p:cNvSpPr>
+          <p:nvPr>
+            <p:ph type="sldNum" sz="quarter" idx="12"/>
+          </p:nvPr>
+        </p:nvSpPr>
+        <p:spPr/>
+        <p:txBody>
+          <a:bodyPr/>
+          <a:lstStyle/>
+          <a:p>
+            <a:fld id="{304739FC-810C-4CDC-B60F-21F1951FBC64}" type="slidenum">
+              <a:rPr kumimoji="1" lang="ja-JP" altLang="en-US" smtClean="0"/>
+              <a:t>4</a:t>
+            </a:fld>
+            <a:endParaRPr kumimoji="1" lang="ja-JP" altLang="en-US"/>
+          </a:p>
+        </p:txBody>
+      </p:sp>
+      <p:pic>
+        <p:nvPicPr>
+          <p:cNvPr id="2050" name="Picture 2" descr="ResNetまわりの論文まとめ | ALIS">
+            <a:extLst>
+              <a:ext uri="{FF2B5EF4-FFF2-40B4-BE49-F238E27FC236}">
+                <a16:creationId xmlns:a16="http://schemas.microsoft.com/office/drawing/2014/main" id="{73144198-578E-46BE-BD5A-CD181435F139}"/>
+              </a:ext>
+            </a:extLst>
+          </p:cNvPr>
+          <p:cNvPicPr>
+            <a:picLocks noChangeAspect="1" noChangeArrowheads="1"/>
+          </p:cNvPicPr>
+          <p:nvPr/>
+        </p:nvPicPr>
+        <p:blipFill>
+          <a:blip r:embed="rId3">
+            <a:extLst>
+              <a:ext uri="{28A0092B-C50C-407E-A947-70E740481C1C}">
+                <a14:useLocalDpi xmlns:a14="http://schemas.microsoft.com/office/drawing/2010/main" val="0"/>
+              </a:ext>
+            </a:extLst>
+          </a:blip>
+          <a:srcRect/>
+          <a:stretch>
+            <a:fillRect/>
+          </a:stretch>
+        </p:blipFill>
+        <p:spPr bwMode="auto">
+          <a:xfrm>
+            <a:off x="5365582" y="1838500"/>
+            <a:ext cx="2905125" cy="1571625"/>
+          </a:xfrm>
+          <a:prstGeom prst="rect">
+            <a:avLst/>
+          </a:prstGeom>
+          <a:noFill/>
+          <a:extLst>
+            <a:ext uri="{909E8E84-426E-40DD-AFC4-6F175D3DCCD1}">
+              <a14:hiddenFill xmlns:a14="http://schemas.microsoft.com/office/drawing/2010/main">
+                <a:solidFill>
+                  <a:srgbClr val="FFFFFF"/>
+                </a:solidFill>
+              </a14:hiddenFill>
+            </a:ext>
+          </a:extLst>
+        </p:spPr>
+      </p:pic>
+      <p:sp>
+        <p:nvSpPr>
+          <p:cNvPr id="5" name="正方形/長方形 4">
+            <a:extLst>
+              <a:ext uri="{FF2B5EF4-FFF2-40B4-BE49-F238E27FC236}">
+                <a16:creationId xmlns:a16="http://schemas.microsoft.com/office/drawing/2014/main" id="{FEC94C0E-A4C1-42DA-9A08-088D9F7F59D6}"/>
+              </a:ext>
+            </a:extLst>
+          </p:cNvPr>
+          <p:cNvSpPr/>
+          <p:nvPr/>
+        </p:nvSpPr>
+        <p:spPr>
+          <a:xfrm>
+            <a:off x="5139087" y="3943953"/>
+            <a:ext cx="3227673" cy="461665"/>
+          </a:xfrm>
+          <a:prstGeom prst="rect">
+            <a:avLst/>
+          </a:prstGeom>
+        </p:spPr>
+        <p:txBody>
+          <a:bodyPr wrap="square">
+            <a:spAutoFit/>
+          </a:bodyPr>
+          <a:lstStyle/>
+          <a:p>
+            <a:r>
+              <a:rPr lang="en-US" altLang="ja-JP" sz="800" dirty="0">
+                <a:solidFill>
+                  <a:schemeClr val="bg1">
+                    <a:lumMod val="75000"/>
+                  </a:schemeClr>
+                </a:solidFill>
+              </a:rPr>
+              <a:t>Kaiming He, Xiangyu Zhang, Shaoqing Ren, and Jian Sun. Deep residual learning for image recognition. CoRR, abs/1512.03385, 2015.</a:t>
+            </a:r>
+            <a:endParaRPr lang="ja-JP" altLang="en-US" sz="800" dirty="0">
+              <a:solidFill>
+                <a:schemeClr val="bg1">
+                  <a:lumMod val="75000"/>
+                </a:schemeClr>
+              </a:solidFill>
+            </a:endParaRPr>
+          </a:p>
+        </p:txBody>
+      </p:sp>
+      <p:sp>
+        <p:nvSpPr>
+          <p:cNvPr id="6" name="正方形/長方形 5">
+            <a:extLst>
+              <a:ext uri="{FF2B5EF4-FFF2-40B4-BE49-F238E27FC236}">
+                <a16:creationId xmlns:a16="http://schemas.microsoft.com/office/drawing/2014/main" id="{0CE6F609-A14D-48B3-B18C-903868D7627B}"/>
+              </a:ext>
+            </a:extLst>
+          </p:cNvPr>
+          <p:cNvSpPr/>
+          <p:nvPr/>
+        </p:nvSpPr>
+        <p:spPr>
+          <a:xfrm>
+            <a:off x="1133515" y="3943954"/>
+            <a:ext cx="2867025" cy="461665"/>
+          </a:xfrm>
+          <a:prstGeom prst="rect">
+            <a:avLst/>
+          </a:prstGeom>
+        </p:spPr>
+        <p:txBody>
+          <a:bodyPr wrap="square">
+            <a:spAutoFit/>
+          </a:bodyPr>
+          <a:lstStyle/>
+          <a:p>
+            <a:r>
+              <a:rPr lang="en-US" altLang="ja-JP" sz="800" dirty="0">
+                <a:solidFill>
+                  <a:schemeClr val="bg1">
+                    <a:lumMod val="75000"/>
+                  </a:schemeClr>
+                </a:solidFill>
+              </a:rPr>
+              <a:t>Karen Simonyan and Andrew Zisserman. Very deep convolutional networks for large-scale image recognition. 2015. </a:t>
+            </a:r>
+            <a:endParaRPr lang="ja-JP" altLang="en-US" sz="800" dirty="0">
+              <a:solidFill>
+                <a:schemeClr val="bg1">
+                  <a:lumMod val="75000"/>
+                </a:schemeClr>
+              </a:solidFill>
+            </a:endParaRPr>
+          </a:p>
+        </p:txBody>
+      </p:sp>
+      <p:pic>
+        <p:nvPicPr>
+          <p:cNvPr id="2052" name="Picture 4" descr="Deep Learning VGG">
+            <a:extLst>
+              <a:ext uri="{FF2B5EF4-FFF2-40B4-BE49-F238E27FC236}">
+                <a16:creationId xmlns:a16="http://schemas.microsoft.com/office/drawing/2014/main" id="{DB8EDFEC-DCC0-4B6A-85CF-57CD6B9199C4}"/>
+              </a:ext>
+            </a:extLst>
+          </p:cNvPr>
+          <p:cNvPicPr>
+            <a:picLocks noChangeAspect="1" noChangeArrowheads="1"/>
+          </p:cNvPicPr>
+          <p:nvPr/>
+        </p:nvPicPr>
+        <p:blipFill>
+          <a:blip r:embed="rId4">
+            <a:extLst>
+              <a:ext uri="{28A0092B-C50C-407E-A947-70E740481C1C}">
+                <a14:useLocalDpi xmlns:a14="http://schemas.microsoft.com/office/drawing/2010/main" val="0"/>
+              </a:ext>
+            </a:extLst>
+          </a:blip>
+          <a:srcRect/>
+          <a:stretch>
+            <a:fillRect/>
+          </a:stretch>
+        </p:blipFill>
+        <p:spPr bwMode="auto">
+          <a:xfrm>
+            <a:off x="1133517" y="1819450"/>
+            <a:ext cx="2867025" cy="1590675"/>
+          </a:xfrm>
+          <a:prstGeom prst="rect">
+            <a:avLst/>
+          </a:prstGeom>
+          <a:noFill/>
+          <a:extLst>
+            <a:ext uri="{909E8E84-426E-40DD-AFC4-6F175D3DCCD1}">
+              <a14:hiddenFill xmlns:a14="http://schemas.microsoft.com/office/drawing/2010/main">
+                <a:solidFill>
+                  <a:srgbClr val="FFFFFF"/>
+                </a:solidFill>
+              </a14:hiddenFill>
+            </a:ext>
+          </a:extLst>
+        </p:spPr>
+      </p:pic>
+      <p:sp>
+        <p:nvSpPr>
+          <p:cNvPr id="7" name="正方形/長方形 6">
+            <a:extLst>
+              <a:ext uri="{FF2B5EF4-FFF2-40B4-BE49-F238E27FC236}">
+                <a16:creationId xmlns:a16="http://schemas.microsoft.com/office/drawing/2014/main" id="{B6A7AF18-93AE-49AD-86DC-85D51A1DD572}"/>
+              </a:ext>
+            </a:extLst>
+          </p:cNvPr>
+          <p:cNvSpPr/>
+          <p:nvPr/>
+        </p:nvSpPr>
+        <p:spPr>
+          <a:xfrm>
+            <a:off x="2037075" y="3470240"/>
+            <a:ext cx="1059906" cy="584775"/>
+          </a:xfrm>
+          <a:prstGeom prst="rect">
+            <a:avLst/>
+          </a:prstGeom>
+        </p:spPr>
+        <p:txBody>
+          <a:bodyPr wrap="none">
+            <a:spAutoFit/>
+          </a:bodyPr>
+          <a:lstStyle/>
+          <a:p>
+            <a:r>
+              <a:rPr kumimoji="1" lang="en-US" altLang="ja-JP" sz="3200" dirty="0">
+                <a:latin typeface="+mn-ea"/>
+              </a:rPr>
+              <a:t>VGG</a:t>
+            </a:r>
+            <a:endParaRPr lang="ja-JP" altLang="en-US" sz="3200" dirty="0">
+              <a:latin typeface="+mn-ea"/>
+            </a:endParaRPr>
+          </a:p>
+        </p:txBody>
+      </p:sp>
+      <p:sp>
+        <p:nvSpPr>
+          <p:cNvPr id="10" name="正方形/長方形 9">
+            <a:extLst>
+              <a:ext uri="{FF2B5EF4-FFF2-40B4-BE49-F238E27FC236}">
+                <a16:creationId xmlns:a16="http://schemas.microsoft.com/office/drawing/2014/main" id="{0009896F-2515-4BFE-889F-8E04C0086272}"/>
+              </a:ext>
+            </a:extLst>
+          </p:cNvPr>
+          <p:cNvSpPr/>
+          <p:nvPr/>
+        </p:nvSpPr>
+        <p:spPr>
+          <a:xfrm>
+            <a:off x="5877140" y="3470239"/>
+            <a:ext cx="1597104" cy="584775"/>
+          </a:xfrm>
+          <a:prstGeom prst="rect">
+            <a:avLst/>
+          </a:prstGeom>
+        </p:spPr>
+        <p:txBody>
+          <a:bodyPr wrap="none">
+            <a:spAutoFit/>
+          </a:bodyPr>
+          <a:lstStyle/>
+          <a:p>
+            <a:r>
+              <a:rPr kumimoji="1" lang="en-US" altLang="ja-JP" sz="3200" dirty="0">
+                <a:latin typeface="+mn-ea"/>
+              </a:rPr>
+              <a:t>ResNet</a:t>
+            </a:r>
+            <a:endParaRPr lang="ja-JP" altLang="en-US" sz="3200" dirty="0">
+              <a:latin typeface="+mn-ea"/>
+            </a:endParaRPr>
+          </a:p>
+        </p:txBody>
+      </p:sp>
+    </p:spTree>
+    <p:extLst>
+      <p:ext uri="{BB962C8B-B14F-4D97-AF65-F5344CB8AC3E}">
+        <p14:creationId xmlns:p14="http://schemas.microsoft.com/office/powerpoint/2010/main" val="627480658"/>
+      </p:ext>
+    </p:extLst>
+  </p:cSld>
+  <p:clrMapOvr>
+    <a:masterClrMapping/>
+  </p:clrMapOvr>
+  <mc:AlternateContent xmlns:mc="http://schemas.openxmlformats.org/markup-compatibility/2006">
+    <mc:Choice xmlns:p14="http://schemas.microsoft.com/office/powerpoint/2010/main" Requires="p14">
+      <p:transition spd="slow" p14:dur="2000" advTm="15881"/>
+    </mc:Choice>
+    <mc:Fallback>
+      <p:transition spd="slow" advTm="15881"/>
+    </mc:Fallback>
+  </mc:AlternateContent>
+</p:sld>
+</file>
+
+<file path=ppt/slides/slide40.xml><?xml version="1.0" encoding="utf-8"?>
 <p:sld xmlns:a="http://schemas.openxmlformats.org/drawingml/2006/main" xmlns:r="http://schemas.openxmlformats.org/officeDocument/2006/relationships" xmlns:p="http://schemas.openxmlformats.org/presentationml/2006/main">
   <p:cSld>
     <p:spTree>
@@ -24260,7 +26137,7 @@
           <a:p>
             <a:fld id="{304739FC-810C-4CDC-B60F-21F1951FBC64}" type="slidenum">
               <a:rPr kumimoji="1" lang="ja-JP" altLang="en-US" smtClean="0"/>
-              <a:t>39</a:t>
+              <a:t>40</a:t>
             </a:fld>
             <a:endParaRPr kumimoji="1" lang="ja-JP" altLang="en-US"/>
           </a:p>
@@ -24582,405 +26459,7 @@
 </p:sld>
 </file>
 
-<file path=ppt/slides/slide4.xml><?xml version="1.0" encoding="utf-8"?>
-<p:sld xmlns:a="http://schemas.openxmlformats.org/drawingml/2006/main" xmlns:r="http://schemas.openxmlformats.org/officeDocument/2006/relationships" xmlns:p="http://schemas.openxmlformats.org/presentationml/2006/main">
-  <p:cSld>
-    <p:spTree>
-      <p:nvGrpSpPr>
-        <p:cNvPr id="1" name=""/>
-        <p:cNvGrpSpPr/>
-        <p:nvPr/>
-      </p:nvGrpSpPr>
-      <p:grpSpPr>
-        <a:xfrm>
-          <a:off x="0" y="0"/>
-          <a:ext cx="0" cy="0"/>
-          <a:chOff x="0" y="0"/>
-          <a:chExt cx="0" cy="0"/>
-        </a:xfrm>
-      </p:grpSpPr>
-      <p:sp>
-        <p:nvSpPr>
-          <p:cNvPr id="2" name="タイトル 1">
-            <a:extLst>
-              <a:ext uri="{FF2B5EF4-FFF2-40B4-BE49-F238E27FC236}">
-                <a16:creationId xmlns:a16="http://schemas.microsoft.com/office/drawing/2014/main" id="{AC06BA5F-D2B8-4713-8D25-D4396789FFC5}"/>
-              </a:ext>
-            </a:extLst>
-          </p:cNvPr>
-          <p:cNvSpPr>
-            <a:spLocks noGrp="1"/>
-          </p:cNvSpPr>
-          <p:nvPr>
-            <p:ph type="title"/>
-          </p:nvPr>
-        </p:nvSpPr>
-        <p:spPr/>
-        <p:txBody>
-          <a:bodyPr/>
-          <a:lstStyle/>
-          <a:p>
-            <a:r>
-              <a:rPr kumimoji="1" lang="ja-JP" altLang="en-US" dirty="0"/>
-              <a:t>深層学習モデルの発展</a:t>
-            </a:r>
-          </a:p>
-        </p:txBody>
-      </p:sp>
-      <p:sp>
-        <p:nvSpPr>
-          <p:cNvPr id="3" name="コンテンツ プレースホルダー 2">
-            <a:extLst>
-              <a:ext uri="{FF2B5EF4-FFF2-40B4-BE49-F238E27FC236}">
-                <a16:creationId xmlns:a16="http://schemas.microsoft.com/office/drawing/2014/main" id="{A039F885-9DE0-46A8-A4E3-0AD952829E88}"/>
-              </a:ext>
-            </a:extLst>
-          </p:cNvPr>
-          <p:cNvSpPr>
-            <a:spLocks noGrp="1"/>
-          </p:cNvSpPr>
-          <p:nvPr>
-            <p:ph idx="1"/>
-          </p:nvPr>
-        </p:nvSpPr>
-        <p:spPr>
-          <a:xfrm>
-            <a:off x="822959" y="4957894"/>
-            <a:ext cx="7543801" cy="1235080"/>
-          </a:xfrm>
-        </p:spPr>
-        <p:txBody>
-          <a:bodyPr>
-            <a:normAutofit/>
-          </a:bodyPr>
-          <a:lstStyle/>
-          <a:p>
-            <a:pPr lvl="1"/>
-            <a:r>
-              <a:rPr kumimoji="1" lang="ja-JP" altLang="en-US" dirty="0"/>
-              <a:t>モデルの構造で性能が向上</a:t>
-            </a:r>
-            <a:endParaRPr kumimoji="1" lang="en-US" altLang="ja-JP" dirty="0"/>
-          </a:p>
-        </p:txBody>
-      </p:sp>
-      <p:sp>
-        <p:nvSpPr>
-          <p:cNvPr id="4" name="スライド番号プレースホルダー 3">
-            <a:extLst>
-              <a:ext uri="{FF2B5EF4-FFF2-40B4-BE49-F238E27FC236}">
-                <a16:creationId xmlns:a16="http://schemas.microsoft.com/office/drawing/2014/main" id="{3180D2BA-9454-4D57-8FD2-6BF1A7E7CC03}"/>
-              </a:ext>
-            </a:extLst>
-          </p:cNvPr>
-          <p:cNvSpPr>
-            <a:spLocks noGrp="1"/>
-          </p:cNvSpPr>
-          <p:nvPr>
-            <p:ph type="sldNum" sz="quarter" idx="12"/>
-          </p:nvPr>
-        </p:nvSpPr>
-        <p:spPr/>
-        <p:txBody>
-          <a:bodyPr/>
-          <a:lstStyle/>
-          <a:p>
-            <a:fld id="{304739FC-810C-4CDC-B60F-21F1951FBC64}" type="slidenum">
-              <a:rPr kumimoji="1" lang="ja-JP" altLang="en-US" smtClean="0"/>
-              <a:t>4</a:t>
-            </a:fld>
-            <a:endParaRPr kumimoji="1" lang="ja-JP" altLang="en-US"/>
-          </a:p>
-        </p:txBody>
-      </p:sp>
-      <p:pic>
-        <p:nvPicPr>
-          <p:cNvPr id="2050" name="Picture 2" descr="ResNetまわりの論文まとめ | ALIS">
-            <a:extLst>
-              <a:ext uri="{FF2B5EF4-FFF2-40B4-BE49-F238E27FC236}">
-                <a16:creationId xmlns:a16="http://schemas.microsoft.com/office/drawing/2014/main" id="{73144198-578E-46BE-BD5A-CD181435F139}"/>
-              </a:ext>
-            </a:extLst>
-          </p:cNvPr>
-          <p:cNvPicPr>
-            <a:picLocks noChangeAspect="1" noChangeArrowheads="1"/>
-          </p:cNvPicPr>
-          <p:nvPr/>
-        </p:nvPicPr>
-        <p:blipFill>
-          <a:blip r:embed="rId3">
-            <a:extLst>
-              <a:ext uri="{28A0092B-C50C-407E-A947-70E740481C1C}">
-                <a14:useLocalDpi xmlns:a14="http://schemas.microsoft.com/office/drawing/2010/main" val="0"/>
-              </a:ext>
-            </a:extLst>
-          </a:blip>
-          <a:srcRect/>
-          <a:stretch>
-            <a:fillRect/>
-          </a:stretch>
-        </p:blipFill>
-        <p:spPr bwMode="auto">
-          <a:xfrm>
-            <a:off x="5365582" y="1838500"/>
-            <a:ext cx="2905125" cy="1571625"/>
-          </a:xfrm>
-          <a:prstGeom prst="rect">
-            <a:avLst/>
-          </a:prstGeom>
-          <a:noFill/>
-          <a:extLst>
-            <a:ext uri="{909E8E84-426E-40DD-AFC4-6F175D3DCCD1}">
-              <a14:hiddenFill xmlns:a14="http://schemas.microsoft.com/office/drawing/2010/main">
-                <a:solidFill>
-                  <a:srgbClr val="FFFFFF"/>
-                </a:solidFill>
-              </a14:hiddenFill>
-            </a:ext>
-          </a:extLst>
-        </p:spPr>
-      </p:pic>
-      <p:sp>
-        <p:nvSpPr>
-          <p:cNvPr id="5" name="正方形/長方形 4">
-            <a:extLst>
-              <a:ext uri="{FF2B5EF4-FFF2-40B4-BE49-F238E27FC236}">
-                <a16:creationId xmlns:a16="http://schemas.microsoft.com/office/drawing/2014/main" id="{FEC94C0E-A4C1-42DA-9A08-088D9F7F59D6}"/>
-              </a:ext>
-            </a:extLst>
-          </p:cNvPr>
-          <p:cNvSpPr/>
-          <p:nvPr/>
-        </p:nvSpPr>
-        <p:spPr>
-          <a:xfrm>
-            <a:off x="5139087" y="3943953"/>
-            <a:ext cx="3227673" cy="461665"/>
-          </a:xfrm>
-          <a:prstGeom prst="rect">
-            <a:avLst/>
-          </a:prstGeom>
-        </p:spPr>
-        <p:txBody>
-          <a:bodyPr wrap="square">
-            <a:spAutoFit/>
-          </a:bodyPr>
-          <a:lstStyle/>
-          <a:p>
-            <a:r>
-              <a:rPr lang="en-US" altLang="ja-JP" sz="800" dirty="0">
-                <a:solidFill>
-                  <a:schemeClr val="bg1">
-                    <a:lumMod val="75000"/>
-                  </a:schemeClr>
-                </a:solidFill>
-              </a:rPr>
-              <a:t>Kaiming He, Xiangyu Zhang, Shaoqing Ren, and Jian Sun. Deep residual learning for image recognition. CoRR, abs/1512.03385, 2015.</a:t>
-            </a:r>
-            <a:endParaRPr lang="ja-JP" altLang="en-US" sz="800" dirty="0">
-              <a:solidFill>
-                <a:schemeClr val="bg1">
-                  <a:lumMod val="75000"/>
-                </a:schemeClr>
-              </a:solidFill>
-            </a:endParaRPr>
-          </a:p>
-        </p:txBody>
-      </p:sp>
-      <p:sp>
-        <p:nvSpPr>
-          <p:cNvPr id="6" name="正方形/長方形 5">
-            <a:extLst>
-              <a:ext uri="{FF2B5EF4-FFF2-40B4-BE49-F238E27FC236}">
-                <a16:creationId xmlns:a16="http://schemas.microsoft.com/office/drawing/2014/main" id="{0CE6F609-A14D-48B3-B18C-903868D7627B}"/>
-              </a:ext>
-            </a:extLst>
-          </p:cNvPr>
-          <p:cNvSpPr/>
-          <p:nvPr/>
-        </p:nvSpPr>
-        <p:spPr>
-          <a:xfrm>
-            <a:off x="1133515" y="3943954"/>
-            <a:ext cx="2867025" cy="461665"/>
-          </a:xfrm>
-          <a:prstGeom prst="rect">
-            <a:avLst/>
-          </a:prstGeom>
-        </p:spPr>
-        <p:txBody>
-          <a:bodyPr wrap="square">
-            <a:spAutoFit/>
-          </a:bodyPr>
-          <a:lstStyle/>
-          <a:p>
-            <a:r>
-              <a:rPr lang="en-US" altLang="ja-JP" sz="800" dirty="0">
-                <a:solidFill>
-                  <a:schemeClr val="bg1">
-                    <a:lumMod val="75000"/>
-                  </a:schemeClr>
-                </a:solidFill>
-              </a:rPr>
-              <a:t>Karen Simonyan and Andrew Zisserman. Very deep convolutional networks for large-scale image recognition. 2015. </a:t>
-            </a:r>
-            <a:endParaRPr lang="ja-JP" altLang="en-US" sz="800" dirty="0">
-              <a:solidFill>
-                <a:schemeClr val="bg1">
-                  <a:lumMod val="75000"/>
-                </a:schemeClr>
-              </a:solidFill>
-            </a:endParaRPr>
-          </a:p>
-        </p:txBody>
-      </p:sp>
-      <p:pic>
-        <p:nvPicPr>
-          <p:cNvPr id="2052" name="Picture 4" descr="Deep Learning VGG">
-            <a:extLst>
-              <a:ext uri="{FF2B5EF4-FFF2-40B4-BE49-F238E27FC236}">
-                <a16:creationId xmlns:a16="http://schemas.microsoft.com/office/drawing/2014/main" id="{DB8EDFEC-DCC0-4B6A-85CF-57CD6B9199C4}"/>
-              </a:ext>
-            </a:extLst>
-          </p:cNvPr>
-          <p:cNvPicPr>
-            <a:picLocks noChangeAspect="1" noChangeArrowheads="1"/>
-          </p:cNvPicPr>
-          <p:nvPr/>
-        </p:nvPicPr>
-        <p:blipFill>
-          <a:blip r:embed="rId4">
-            <a:extLst>
-              <a:ext uri="{28A0092B-C50C-407E-A947-70E740481C1C}">
-                <a14:useLocalDpi xmlns:a14="http://schemas.microsoft.com/office/drawing/2010/main" val="0"/>
-              </a:ext>
-            </a:extLst>
-          </a:blip>
-          <a:srcRect/>
-          <a:stretch>
-            <a:fillRect/>
-          </a:stretch>
-        </p:blipFill>
-        <p:spPr bwMode="auto">
-          <a:xfrm>
-            <a:off x="1133517" y="1819450"/>
-            <a:ext cx="2867025" cy="1590675"/>
-          </a:xfrm>
-          <a:prstGeom prst="rect">
-            <a:avLst/>
-          </a:prstGeom>
-          <a:noFill/>
-          <a:extLst>
-            <a:ext uri="{909E8E84-426E-40DD-AFC4-6F175D3DCCD1}">
-              <a14:hiddenFill xmlns:a14="http://schemas.microsoft.com/office/drawing/2010/main">
-                <a:solidFill>
-                  <a:srgbClr val="FFFFFF"/>
-                </a:solidFill>
-              </a14:hiddenFill>
-            </a:ext>
-          </a:extLst>
-        </p:spPr>
-      </p:pic>
-      <p:sp>
-        <p:nvSpPr>
-          <p:cNvPr id="7" name="正方形/長方形 6">
-            <a:extLst>
-              <a:ext uri="{FF2B5EF4-FFF2-40B4-BE49-F238E27FC236}">
-                <a16:creationId xmlns:a16="http://schemas.microsoft.com/office/drawing/2014/main" id="{B6A7AF18-93AE-49AD-86DC-85D51A1DD572}"/>
-              </a:ext>
-            </a:extLst>
-          </p:cNvPr>
-          <p:cNvSpPr/>
-          <p:nvPr/>
-        </p:nvSpPr>
-        <p:spPr>
-          <a:xfrm>
-            <a:off x="2037075" y="3470240"/>
-            <a:ext cx="1059906" cy="584775"/>
-          </a:xfrm>
-          <a:prstGeom prst="rect">
-            <a:avLst/>
-          </a:prstGeom>
-        </p:spPr>
-        <p:txBody>
-          <a:bodyPr wrap="none">
-            <a:spAutoFit/>
-          </a:bodyPr>
-          <a:lstStyle/>
-          <a:p>
-            <a:r>
-              <a:rPr kumimoji="1" lang="en-US" altLang="ja-JP" sz="3200" dirty="0">
-                <a:latin typeface="+mn-ea"/>
-              </a:rPr>
-              <a:t>VGG</a:t>
-            </a:r>
-            <a:endParaRPr lang="ja-JP" altLang="en-US" sz="3200" dirty="0">
-              <a:latin typeface="+mn-ea"/>
-            </a:endParaRPr>
-          </a:p>
-        </p:txBody>
-      </p:sp>
-      <p:sp>
-        <p:nvSpPr>
-          <p:cNvPr id="10" name="正方形/長方形 9">
-            <a:extLst>
-              <a:ext uri="{FF2B5EF4-FFF2-40B4-BE49-F238E27FC236}">
-                <a16:creationId xmlns:a16="http://schemas.microsoft.com/office/drawing/2014/main" id="{0009896F-2515-4BFE-889F-8E04C0086272}"/>
-              </a:ext>
-            </a:extLst>
-          </p:cNvPr>
-          <p:cNvSpPr/>
-          <p:nvPr/>
-        </p:nvSpPr>
-        <p:spPr>
-          <a:xfrm>
-            <a:off x="5877140" y="3470239"/>
-            <a:ext cx="1597104" cy="584775"/>
-          </a:xfrm>
-          <a:prstGeom prst="rect">
-            <a:avLst/>
-          </a:prstGeom>
-        </p:spPr>
-        <p:txBody>
-          <a:bodyPr wrap="none">
-            <a:spAutoFit/>
-          </a:bodyPr>
-          <a:lstStyle/>
-          <a:p>
-            <a:r>
-              <a:rPr kumimoji="1" lang="en-US" altLang="ja-JP" sz="3200" dirty="0">
-                <a:latin typeface="+mn-ea"/>
-              </a:rPr>
-              <a:t>ResNet</a:t>
-            </a:r>
-            <a:endParaRPr lang="ja-JP" altLang="en-US" sz="3200" dirty="0">
-              <a:latin typeface="+mn-ea"/>
-            </a:endParaRPr>
-          </a:p>
-        </p:txBody>
-      </p:sp>
-    </p:spTree>
-    <p:extLst>
-      <p:ext uri="{BB962C8B-B14F-4D97-AF65-F5344CB8AC3E}">
-        <p14:creationId xmlns:p14="http://schemas.microsoft.com/office/powerpoint/2010/main" val="627480658"/>
-      </p:ext>
-    </p:extLst>
-  </p:cSld>
-  <p:clrMapOvr>
-    <a:masterClrMapping/>
-  </p:clrMapOvr>
-  <mc:AlternateContent xmlns:mc="http://schemas.openxmlformats.org/markup-compatibility/2006">
-    <mc:Choice xmlns:p14="http://schemas.microsoft.com/office/powerpoint/2010/main" Requires="p14">
-      <p:transition spd="slow" p14:dur="2000" advTm="15881"/>
-    </mc:Choice>
-    <mc:Fallback>
-      <p:transition spd="slow" advTm="15881"/>
-    </mc:Fallback>
-  </mc:AlternateContent>
-</p:sld>
-</file>
-
-<file path=ppt/slides/slide40.xml><?xml version="1.0" encoding="utf-8"?>
+<file path=ppt/slides/slide41.xml><?xml version="1.0" encoding="utf-8"?>
 <p:sld xmlns:a="http://schemas.openxmlformats.org/drawingml/2006/main" xmlns:r="http://schemas.openxmlformats.org/officeDocument/2006/relationships" xmlns:p="http://schemas.openxmlformats.org/presentationml/2006/main" show="0">
   <p:cSld>
     <p:spTree>
@@ -25056,7 +26535,7 @@
           <a:p>
             <a:fld id="{304739FC-810C-4CDC-B60F-21F1951FBC64}" type="slidenum">
               <a:rPr kumimoji="1" lang="ja-JP" altLang="en-US" smtClean="0"/>
-              <a:t>40</a:t>
+              <a:t>41</a:t>
             </a:fld>
             <a:endParaRPr kumimoji="1" lang="ja-JP" altLang="en-US"/>
           </a:p>
@@ -25412,7 +26891,7 @@
 </p:sld>
 </file>
 
-<file path=ppt/slides/slide41.xml><?xml version="1.0" encoding="utf-8"?>
+<file path=ppt/slides/slide42.xml><?xml version="1.0" encoding="utf-8"?>
 <p:sld xmlns:a="http://schemas.openxmlformats.org/drawingml/2006/main" xmlns:r="http://schemas.openxmlformats.org/officeDocument/2006/relationships" xmlns:p="http://schemas.openxmlformats.org/presentationml/2006/main" show="0">
   <p:cSld>
     <p:spTree>
@@ -25533,7 +27012,7 @@
           <a:p>
             <a:fld id="{304739FC-810C-4CDC-B60F-21F1951FBC64}" type="slidenum">
               <a:rPr kumimoji="1" lang="ja-JP" altLang="en-US" smtClean="0"/>
-              <a:t>41</a:t>
+              <a:t>42</a:t>
             </a:fld>
             <a:endParaRPr kumimoji="1" lang="ja-JP" altLang="en-US"/>
           </a:p>
@@ -25910,7 +27389,7 @@
 </p:sld>
 </file>
 
-<file path=ppt/slides/slide42.xml><?xml version="1.0" encoding="utf-8"?>
+<file path=ppt/slides/slide43.xml><?xml version="1.0" encoding="utf-8"?>
 <p:sld xmlns:a="http://schemas.openxmlformats.org/drawingml/2006/main" xmlns:r="http://schemas.openxmlformats.org/officeDocument/2006/relationships" xmlns:p="http://schemas.openxmlformats.org/presentationml/2006/main">
   <p:cSld>
     <p:spTree>
@@ -26031,7 +27510,7 @@
           <a:p>
             <a:fld id="{304739FC-810C-4CDC-B60F-21F1951FBC64}" type="slidenum">
               <a:rPr kumimoji="1" lang="ja-JP" altLang="en-US" smtClean="0"/>
-              <a:t>42</a:t>
+              <a:t>43</a:t>
             </a:fld>
             <a:endParaRPr kumimoji="1" lang="ja-JP" altLang="en-US"/>
           </a:p>
@@ -26408,7 +27887,7 @@
 </p:sld>
 </file>
 
-<file path=ppt/slides/slide43.xml><?xml version="1.0" encoding="utf-8"?>
+<file path=ppt/slides/slide44.xml><?xml version="1.0" encoding="utf-8"?>
 <p:sld xmlns:a="http://schemas.openxmlformats.org/drawingml/2006/main" xmlns:r="http://schemas.openxmlformats.org/officeDocument/2006/relationships" xmlns:p="http://schemas.openxmlformats.org/presentationml/2006/main" show="0">
   <p:cSld>
     <p:spTree>
@@ -26529,7 +28008,7 @@
           <a:p>
             <a:fld id="{304739FC-810C-4CDC-B60F-21F1951FBC64}" type="slidenum">
               <a:rPr kumimoji="1" lang="ja-JP" altLang="en-US" smtClean="0"/>
-              <a:t>43</a:t>
+              <a:t>44</a:t>
             </a:fld>
             <a:endParaRPr kumimoji="1" lang="ja-JP" altLang="en-US"/>
           </a:p>
@@ -26906,7 +28385,7 @@
 </p:sld>
 </file>
 
-<file path=ppt/slides/slide44.xml><?xml version="1.0" encoding="utf-8"?>
+<file path=ppt/slides/slide45.xml><?xml version="1.0" encoding="utf-8"?>
 <p:sld xmlns:a="http://schemas.openxmlformats.org/drawingml/2006/main" xmlns:r="http://schemas.openxmlformats.org/officeDocument/2006/relationships" xmlns:p="http://schemas.openxmlformats.org/presentationml/2006/main">
   <p:cSld>
     <p:spTree>
@@ -27123,7 +28602,7 @@
           <a:p>
             <a:fld id="{304739FC-810C-4CDC-B60F-21F1951FBC64}" type="slidenum">
               <a:rPr kumimoji="1" lang="ja-JP" altLang="en-US" smtClean="0"/>
-              <a:t>44</a:t>
+              <a:t>45</a:t>
             </a:fld>
             <a:endParaRPr kumimoji="1" lang="ja-JP" altLang="en-US"/>
           </a:p>
@@ -27150,7 +28629,7 @@
 </p:sld>
 </file>
 
-<file path=ppt/slides/slide45.xml><?xml version="1.0" encoding="utf-8"?>
+<file path=ppt/slides/slide46.xml><?xml version="1.0" encoding="utf-8"?>
 <p:sld xmlns:a="http://schemas.openxmlformats.org/drawingml/2006/main" xmlns:r="http://schemas.openxmlformats.org/officeDocument/2006/relationships" xmlns:p="http://schemas.openxmlformats.org/presentationml/2006/main">
   <p:cSld>
     <p:spTree>
@@ -27367,7 +28846,7 @@
           <a:p>
             <a:fld id="{304739FC-810C-4CDC-B60F-21F1951FBC64}" type="slidenum">
               <a:rPr kumimoji="1" lang="ja-JP" altLang="en-US" smtClean="0"/>
-              <a:t>45</a:t>
+              <a:t>46</a:t>
             </a:fld>
             <a:endParaRPr kumimoji="1" lang="ja-JP" altLang="en-US"/>
           </a:p>
@@ -27394,7 +28873,7 @@
 </p:sld>
 </file>
 
-<file path=ppt/slides/slide46.xml><?xml version="1.0" encoding="utf-8"?>
+<file path=ppt/slides/slide47.xml><?xml version="1.0" encoding="utf-8"?>
 <p:sld xmlns:a="http://schemas.openxmlformats.org/drawingml/2006/main" xmlns:r="http://schemas.openxmlformats.org/officeDocument/2006/relationships" xmlns:p="http://schemas.openxmlformats.org/presentationml/2006/main">
   <p:cSld>
     <p:spTree>
@@ -28029,7 +29508,7 @@
           <a:p>
             <a:fld id="{304739FC-810C-4CDC-B60F-21F1951FBC64}" type="slidenum">
               <a:rPr kumimoji="1" lang="ja-JP" altLang="en-US" smtClean="0"/>
-              <a:t>46</a:t>
+              <a:t>47</a:t>
             </a:fld>
             <a:endParaRPr kumimoji="1" lang="ja-JP" altLang="en-US"/>
           </a:p>
@@ -28236,7 +29715,7 @@
 </p:sld>
 </file>
 
-<file path=ppt/slides/slide47.xml><?xml version="1.0" encoding="utf-8"?>
+<file path=ppt/slides/slide48.xml><?xml version="1.0" encoding="utf-8"?>
 <p:sld xmlns:a="http://schemas.openxmlformats.org/drawingml/2006/main" xmlns:r="http://schemas.openxmlformats.org/officeDocument/2006/relationships" xmlns:p="http://schemas.openxmlformats.org/presentationml/2006/main">
   <p:cSld>
     <p:spTree>
@@ -28316,7 +29795,7 @@
           <a:p>
             <a:fld id="{304739FC-810C-4CDC-B60F-21F1951FBC64}" type="slidenum">
               <a:rPr kumimoji="1" lang="ja-JP" altLang="en-US" smtClean="0"/>
-              <a:t>47</a:t>
+              <a:t>48</a:t>
             </a:fld>
             <a:endParaRPr kumimoji="1" lang="ja-JP" altLang="en-US"/>
           </a:p>
@@ -28940,7 +30419,7 @@
 </p:sld>
 </file>
 
-<file path=ppt/slides/slide48.xml><?xml version="1.0" encoding="utf-8"?>
+<file path=ppt/slides/slide49.xml><?xml version="1.0" encoding="utf-8"?>
 <p:sld xmlns:a="http://schemas.openxmlformats.org/drawingml/2006/main" xmlns:r="http://schemas.openxmlformats.org/officeDocument/2006/relationships" xmlns:p="http://schemas.openxmlformats.org/presentationml/2006/main">
   <p:cSld>
     <p:spTree>
@@ -29055,7 +30534,7 @@
           <a:p>
             <a:fld id="{304739FC-810C-4CDC-B60F-21F1951FBC64}" type="slidenum">
               <a:rPr kumimoji="1" lang="ja-JP" altLang="en-US" smtClean="0"/>
-              <a:t>48</a:t>
+              <a:t>49</a:t>
             </a:fld>
             <a:endParaRPr kumimoji="1" lang="ja-JP" altLang="en-US"/>
           </a:p>
@@ -29362,190 +30841,6 @@
     </mc:Choice>
     <mc:Fallback>
       <p:transition spd="slow" advTm="20195"/>
-    </mc:Fallback>
-  </mc:AlternateContent>
-</p:sld>
-</file>
-
-<file path=ppt/slides/slide49.xml><?xml version="1.0" encoding="utf-8"?>
-<p:sld xmlns:a="http://schemas.openxmlformats.org/drawingml/2006/main" xmlns:r="http://schemas.openxmlformats.org/officeDocument/2006/relationships" xmlns:p="http://schemas.openxmlformats.org/presentationml/2006/main" show="0">
-  <p:cSld>
-    <p:spTree>
-      <p:nvGrpSpPr>
-        <p:cNvPr id="1" name=""/>
-        <p:cNvGrpSpPr/>
-        <p:nvPr/>
-      </p:nvGrpSpPr>
-      <p:grpSpPr>
-        <a:xfrm>
-          <a:off x="0" y="0"/>
-          <a:ext cx="0" cy="0"/>
-          <a:chOff x="0" y="0"/>
-          <a:chExt cx="0" cy="0"/>
-        </a:xfrm>
-      </p:grpSpPr>
-      <p:sp>
-        <p:nvSpPr>
-          <p:cNvPr id="7" name="コンテンツ プレースホルダー 6">
-            <a:extLst>
-              <a:ext uri="{FF2B5EF4-FFF2-40B4-BE49-F238E27FC236}">
-                <a16:creationId xmlns:a16="http://schemas.microsoft.com/office/drawing/2014/main" id="{0AE5854D-9603-4FE7-BD1C-ABBE6D481666}"/>
-              </a:ext>
-            </a:extLst>
-          </p:cNvPr>
-          <p:cNvSpPr>
-            <a:spLocks noGrp="1"/>
-          </p:cNvSpPr>
-          <p:nvPr>
-            <p:ph idx="1"/>
-          </p:nvPr>
-        </p:nvSpPr>
-        <p:spPr>
-          <a:xfrm>
-            <a:off x="822959" y="5048250"/>
-            <a:ext cx="7543801" cy="1144724"/>
-          </a:xfrm>
-        </p:spPr>
-        <p:txBody>
-          <a:bodyPr/>
-          <a:lstStyle/>
-          <a:p>
-            <a:endParaRPr lang="ja-JP" altLang="en-US" dirty="0"/>
-          </a:p>
-        </p:txBody>
-      </p:sp>
-      <p:sp>
-        <p:nvSpPr>
-          <p:cNvPr id="2" name="タイトル 1">
-            <a:extLst>
-              <a:ext uri="{FF2B5EF4-FFF2-40B4-BE49-F238E27FC236}">
-                <a16:creationId xmlns:a16="http://schemas.microsoft.com/office/drawing/2014/main" id="{D46ABB39-F0C4-4941-8AC3-45B843579753}"/>
-              </a:ext>
-            </a:extLst>
-          </p:cNvPr>
-          <p:cNvSpPr>
-            <a:spLocks noGrp="1"/>
-          </p:cNvSpPr>
-          <p:nvPr>
-            <p:ph type="title"/>
-          </p:nvPr>
-        </p:nvSpPr>
-        <p:spPr/>
-        <p:txBody>
-          <a:bodyPr/>
-          <a:lstStyle/>
-          <a:p>
-            <a:r>
-              <a:rPr kumimoji="1" lang="ja-JP" altLang="en-US" dirty="0"/>
-              <a:t>実験</a:t>
-            </a:r>
-            <a:r>
-              <a:rPr lang="en-US" altLang="ja-JP" dirty="0"/>
-              <a:t>2</a:t>
-            </a:r>
-            <a:r>
-              <a:rPr kumimoji="1" lang="en-US" altLang="ja-JP" dirty="0"/>
-              <a:t> </a:t>
-            </a:r>
-            <a:r>
-              <a:rPr kumimoji="1" lang="ja-JP" altLang="en-US" dirty="0"/>
-              <a:t>： 結果</a:t>
-            </a:r>
-          </a:p>
-        </p:txBody>
-      </p:sp>
-      <p:sp>
-        <p:nvSpPr>
-          <p:cNvPr id="4" name="スライド番号プレースホルダー 3">
-            <a:extLst>
-              <a:ext uri="{FF2B5EF4-FFF2-40B4-BE49-F238E27FC236}">
-                <a16:creationId xmlns:a16="http://schemas.microsoft.com/office/drawing/2014/main" id="{0B3C2E9D-0858-4A34-8898-41EF151E398D}"/>
-              </a:ext>
-            </a:extLst>
-          </p:cNvPr>
-          <p:cNvSpPr>
-            <a:spLocks noGrp="1"/>
-          </p:cNvSpPr>
-          <p:nvPr>
-            <p:ph type="sldNum" sz="quarter" idx="12"/>
-          </p:nvPr>
-        </p:nvSpPr>
-        <p:spPr/>
-        <p:txBody>
-          <a:bodyPr/>
-          <a:lstStyle/>
-          <a:p>
-            <a:fld id="{304739FC-810C-4CDC-B60F-21F1951FBC64}" type="slidenum">
-              <a:rPr kumimoji="1" lang="ja-JP" altLang="en-US" smtClean="0"/>
-              <a:t>49</a:t>
-            </a:fld>
-            <a:endParaRPr kumimoji="1" lang="ja-JP" altLang="en-US"/>
-          </a:p>
-        </p:txBody>
-      </p:sp>
-      <p:pic>
-        <p:nvPicPr>
-          <p:cNvPr id="5" name="Picture 2">
-            <a:extLst>
-              <a:ext uri="{FF2B5EF4-FFF2-40B4-BE49-F238E27FC236}">
-                <a16:creationId xmlns:a16="http://schemas.microsoft.com/office/drawing/2014/main" id="{12F799A4-5DE7-48D3-991E-20F43563C0F0}"/>
-              </a:ext>
-            </a:extLst>
-          </p:cNvPr>
-          <p:cNvPicPr>
-            <a:picLocks noChangeAspect="1" noChangeArrowheads="1"/>
-          </p:cNvPicPr>
-          <p:nvPr/>
-        </p:nvPicPr>
-        <p:blipFill>
-          <a:blip r:embed="rId2">
-            <a:extLst>
-              <a:ext uri="{28A0092B-C50C-407E-A947-70E740481C1C}">
-                <a14:useLocalDpi xmlns:a14="http://schemas.microsoft.com/office/drawing/2010/main" val="0"/>
-              </a:ext>
-            </a:extLst>
-          </a:blip>
-          <a:srcRect/>
-          <a:stretch>
-            <a:fillRect/>
-          </a:stretch>
-        </p:blipFill>
-        <p:spPr bwMode="auto">
-          <a:xfrm>
-            <a:off x="2005643" y="1548641"/>
-            <a:ext cx="4852506" cy="3328158"/>
-          </a:xfrm>
-          <a:prstGeom prst="rect">
-            <a:avLst/>
-          </a:prstGeom>
-          <a:noFill/>
-          <a:extLst>
-            <a:ext uri="{909E8E84-426E-40DD-AFC4-6F175D3DCCD1}">
-              <a14:hiddenFill xmlns:a14="http://schemas.microsoft.com/office/drawing/2010/main">
-                <a:solidFill>
-                  <a:srgbClr val="FFFFFF"/>
-                </a:solidFill>
-              </a14:hiddenFill>
-            </a:ext>
-          </a:extLst>
-        </p:spPr>
-      </p:pic>
-    </p:spTree>
-    <p:extLst>
-      <p:ext uri="{BB962C8B-B14F-4D97-AF65-F5344CB8AC3E}">
-        <p14:creationId xmlns:p14="http://schemas.microsoft.com/office/powerpoint/2010/main" val="827678398"/>
-      </p:ext>
-    </p:extLst>
-  </p:cSld>
-  <p:clrMapOvr>
-    <a:masterClrMapping/>
-  </p:clrMapOvr>
-  <mc:AlternateContent xmlns:mc="http://schemas.openxmlformats.org/markup-compatibility/2006">
-    <mc:Choice xmlns:p14="http://schemas.microsoft.com/office/powerpoint/2010/main" Requires="p14">
-      <p:transition spd="slow" p14:dur="2000" advTm="1391"/>
-    </mc:Choice>
-    <mc:Fallback>
-      <p:transition spd="slow" advTm="1391"/>
     </mc:Fallback>
   </mc:AlternateContent>
 </p:sld>
@@ -29985,6 +31280,190 @@
 </file>
 
 <file path=ppt/slides/slide50.xml><?xml version="1.0" encoding="utf-8"?>
+<p:sld xmlns:a="http://schemas.openxmlformats.org/drawingml/2006/main" xmlns:r="http://schemas.openxmlformats.org/officeDocument/2006/relationships" xmlns:p="http://schemas.openxmlformats.org/presentationml/2006/main" show="0">
+  <p:cSld>
+    <p:spTree>
+      <p:nvGrpSpPr>
+        <p:cNvPr id="1" name=""/>
+        <p:cNvGrpSpPr/>
+        <p:nvPr/>
+      </p:nvGrpSpPr>
+      <p:grpSpPr>
+        <a:xfrm>
+          <a:off x="0" y="0"/>
+          <a:ext cx="0" cy="0"/>
+          <a:chOff x="0" y="0"/>
+          <a:chExt cx="0" cy="0"/>
+        </a:xfrm>
+      </p:grpSpPr>
+      <p:sp>
+        <p:nvSpPr>
+          <p:cNvPr id="7" name="コンテンツ プレースホルダー 6">
+            <a:extLst>
+              <a:ext uri="{FF2B5EF4-FFF2-40B4-BE49-F238E27FC236}">
+                <a16:creationId xmlns:a16="http://schemas.microsoft.com/office/drawing/2014/main" id="{0AE5854D-9603-4FE7-BD1C-ABBE6D481666}"/>
+              </a:ext>
+            </a:extLst>
+          </p:cNvPr>
+          <p:cNvSpPr>
+            <a:spLocks noGrp="1"/>
+          </p:cNvSpPr>
+          <p:nvPr>
+            <p:ph idx="1"/>
+          </p:nvPr>
+        </p:nvSpPr>
+        <p:spPr>
+          <a:xfrm>
+            <a:off x="822959" y="5048250"/>
+            <a:ext cx="7543801" cy="1144724"/>
+          </a:xfrm>
+        </p:spPr>
+        <p:txBody>
+          <a:bodyPr/>
+          <a:lstStyle/>
+          <a:p>
+            <a:endParaRPr lang="ja-JP" altLang="en-US" dirty="0"/>
+          </a:p>
+        </p:txBody>
+      </p:sp>
+      <p:sp>
+        <p:nvSpPr>
+          <p:cNvPr id="2" name="タイトル 1">
+            <a:extLst>
+              <a:ext uri="{FF2B5EF4-FFF2-40B4-BE49-F238E27FC236}">
+                <a16:creationId xmlns:a16="http://schemas.microsoft.com/office/drawing/2014/main" id="{D46ABB39-F0C4-4941-8AC3-45B843579753}"/>
+              </a:ext>
+            </a:extLst>
+          </p:cNvPr>
+          <p:cNvSpPr>
+            <a:spLocks noGrp="1"/>
+          </p:cNvSpPr>
+          <p:nvPr>
+            <p:ph type="title"/>
+          </p:nvPr>
+        </p:nvSpPr>
+        <p:spPr/>
+        <p:txBody>
+          <a:bodyPr/>
+          <a:lstStyle/>
+          <a:p>
+            <a:r>
+              <a:rPr kumimoji="1" lang="ja-JP" altLang="en-US" dirty="0"/>
+              <a:t>実験</a:t>
+            </a:r>
+            <a:r>
+              <a:rPr lang="en-US" altLang="ja-JP" dirty="0"/>
+              <a:t>2</a:t>
+            </a:r>
+            <a:r>
+              <a:rPr kumimoji="1" lang="en-US" altLang="ja-JP" dirty="0"/>
+              <a:t> </a:t>
+            </a:r>
+            <a:r>
+              <a:rPr kumimoji="1" lang="ja-JP" altLang="en-US" dirty="0"/>
+              <a:t>： 結果</a:t>
+            </a:r>
+          </a:p>
+        </p:txBody>
+      </p:sp>
+      <p:sp>
+        <p:nvSpPr>
+          <p:cNvPr id="4" name="スライド番号プレースホルダー 3">
+            <a:extLst>
+              <a:ext uri="{FF2B5EF4-FFF2-40B4-BE49-F238E27FC236}">
+                <a16:creationId xmlns:a16="http://schemas.microsoft.com/office/drawing/2014/main" id="{0B3C2E9D-0858-4A34-8898-41EF151E398D}"/>
+              </a:ext>
+            </a:extLst>
+          </p:cNvPr>
+          <p:cNvSpPr>
+            <a:spLocks noGrp="1"/>
+          </p:cNvSpPr>
+          <p:nvPr>
+            <p:ph type="sldNum" sz="quarter" idx="12"/>
+          </p:nvPr>
+        </p:nvSpPr>
+        <p:spPr/>
+        <p:txBody>
+          <a:bodyPr/>
+          <a:lstStyle/>
+          <a:p>
+            <a:fld id="{304739FC-810C-4CDC-B60F-21F1951FBC64}" type="slidenum">
+              <a:rPr kumimoji="1" lang="ja-JP" altLang="en-US" smtClean="0"/>
+              <a:t>50</a:t>
+            </a:fld>
+            <a:endParaRPr kumimoji="1" lang="ja-JP" altLang="en-US"/>
+          </a:p>
+        </p:txBody>
+      </p:sp>
+      <p:pic>
+        <p:nvPicPr>
+          <p:cNvPr id="5" name="Picture 2">
+            <a:extLst>
+              <a:ext uri="{FF2B5EF4-FFF2-40B4-BE49-F238E27FC236}">
+                <a16:creationId xmlns:a16="http://schemas.microsoft.com/office/drawing/2014/main" id="{12F799A4-5DE7-48D3-991E-20F43563C0F0}"/>
+              </a:ext>
+            </a:extLst>
+          </p:cNvPr>
+          <p:cNvPicPr>
+            <a:picLocks noChangeAspect="1" noChangeArrowheads="1"/>
+          </p:cNvPicPr>
+          <p:nvPr/>
+        </p:nvPicPr>
+        <p:blipFill>
+          <a:blip r:embed="rId2">
+            <a:extLst>
+              <a:ext uri="{28A0092B-C50C-407E-A947-70E740481C1C}">
+                <a14:useLocalDpi xmlns:a14="http://schemas.microsoft.com/office/drawing/2010/main" val="0"/>
+              </a:ext>
+            </a:extLst>
+          </a:blip>
+          <a:srcRect/>
+          <a:stretch>
+            <a:fillRect/>
+          </a:stretch>
+        </p:blipFill>
+        <p:spPr bwMode="auto">
+          <a:xfrm>
+            <a:off x="2005643" y="1548641"/>
+            <a:ext cx="4852506" cy="3328158"/>
+          </a:xfrm>
+          <a:prstGeom prst="rect">
+            <a:avLst/>
+          </a:prstGeom>
+          <a:noFill/>
+          <a:extLst>
+            <a:ext uri="{909E8E84-426E-40DD-AFC4-6F175D3DCCD1}">
+              <a14:hiddenFill xmlns:a14="http://schemas.microsoft.com/office/drawing/2010/main">
+                <a:solidFill>
+                  <a:srgbClr val="FFFFFF"/>
+                </a:solidFill>
+              </a14:hiddenFill>
+            </a:ext>
+          </a:extLst>
+        </p:spPr>
+      </p:pic>
+    </p:spTree>
+    <p:extLst>
+      <p:ext uri="{BB962C8B-B14F-4D97-AF65-F5344CB8AC3E}">
+        <p14:creationId xmlns:p14="http://schemas.microsoft.com/office/powerpoint/2010/main" val="827678398"/>
+      </p:ext>
+    </p:extLst>
+  </p:cSld>
+  <p:clrMapOvr>
+    <a:masterClrMapping/>
+  </p:clrMapOvr>
+  <mc:AlternateContent xmlns:mc="http://schemas.openxmlformats.org/markup-compatibility/2006">
+    <mc:Choice xmlns:p14="http://schemas.microsoft.com/office/powerpoint/2010/main" Requires="p14">
+      <p:transition spd="slow" p14:dur="2000" advTm="1391"/>
+    </mc:Choice>
+    <mc:Fallback>
+      <p:transition spd="slow" advTm="1391"/>
+    </mc:Fallback>
+  </mc:AlternateContent>
+</p:sld>
+</file>
+
+<file path=ppt/slides/slide51.xml><?xml version="1.0" encoding="utf-8"?>
 <p:sld xmlns:a="http://schemas.openxmlformats.org/drawingml/2006/main" xmlns:r="http://schemas.openxmlformats.org/officeDocument/2006/relationships" xmlns:p="http://schemas.openxmlformats.org/presentationml/2006/main">
   <p:cSld>
     <p:spTree>
@@ -30064,7 +31543,7 @@
           <a:p>
             <a:fld id="{304739FC-810C-4CDC-B60F-21F1951FBC64}" type="slidenum">
               <a:rPr kumimoji="1" lang="ja-JP" altLang="en-US" smtClean="0"/>
-              <a:t>50</a:t>
+              <a:t>51</a:t>
             </a:fld>
             <a:endParaRPr kumimoji="1" lang="ja-JP" altLang="en-US"/>
           </a:p>
@@ -30193,7 +31672,1737 @@
 </p:sld>
 </file>
 
-<file path=ppt/slides/slide51.xml><?xml version="1.0" encoding="utf-8"?>
+<file path=ppt/slides/slide52.xml><?xml version="1.0" encoding="utf-8"?>
+<p:sld xmlns:a="http://schemas.openxmlformats.org/drawingml/2006/main" xmlns:r="http://schemas.openxmlformats.org/officeDocument/2006/relationships" xmlns:p="http://schemas.openxmlformats.org/presentationml/2006/main" show="0">
+  <p:cSld>
+    <p:spTree>
+      <p:nvGrpSpPr>
+        <p:cNvPr id="1" name=""/>
+        <p:cNvGrpSpPr/>
+        <p:nvPr/>
+      </p:nvGrpSpPr>
+      <p:grpSpPr>
+        <a:xfrm>
+          <a:off x="0" y="0"/>
+          <a:ext cx="0" cy="0"/>
+          <a:chOff x="0" y="0"/>
+          <a:chExt cx="0" cy="0"/>
+        </a:xfrm>
+      </p:grpSpPr>
+      <p:sp>
+        <p:nvSpPr>
+          <p:cNvPr id="2" name="タイトル 1">
+            <a:extLst>
+              <a:ext uri="{FF2B5EF4-FFF2-40B4-BE49-F238E27FC236}">
+                <a16:creationId xmlns:a16="http://schemas.microsoft.com/office/drawing/2014/main" id="{D79D6C55-5DAC-4F59-84F1-3BFE053940E1}"/>
+              </a:ext>
+            </a:extLst>
+          </p:cNvPr>
+          <p:cNvSpPr>
+            <a:spLocks noGrp="1"/>
+          </p:cNvSpPr>
+          <p:nvPr>
+            <p:ph type="title"/>
+          </p:nvPr>
+        </p:nvSpPr>
+        <p:spPr/>
+        <p:txBody>
+          <a:bodyPr/>
+          <a:lstStyle/>
+          <a:p>
+            <a:r>
+              <a:rPr lang="ja-JP" altLang="en-US" dirty="0"/>
+              <a:t>実験</a:t>
+            </a:r>
+            <a:r>
+              <a:rPr lang="en-US" altLang="ja-JP" dirty="0"/>
+              <a:t>2 </a:t>
+            </a:r>
+            <a:r>
+              <a:rPr lang="ja-JP" altLang="en-US" dirty="0"/>
+              <a:t>： 結果</a:t>
+            </a:r>
+            <a:endParaRPr kumimoji="1" lang="ja-JP" altLang="en-US" dirty="0"/>
+          </a:p>
+        </p:txBody>
+      </p:sp>
+      <p:pic>
+        <p:nvPicPr>
+          <p:cNvPr id="6" name="コンテンツ プレースホルダー 5">
+            <a:extLst>
+              <a:ext uri="{FF2B5EF4-FFF2-40B4-BE49-F238E27FC236}">
+                <a16:creationId xmlns:a16="http://schemas.microsoft.com/office/drawing/2014/main" id="{8B684361-9D04-49FE-9354-45BD73B3FEF5}"/>
+              </a:ext>
+            </a:extLst>
+          </p:cNvPr>
+          <p:cNvPicPr>
+            <a:picLocks noGrp="1" noChangeAspect="1"/>
+          </p:cNvPicPr>
+          <p:nvPr>
+            <p:ph idx="1"/>
+          </p:nvPr>
+        </p:nvPicPr>
+        <p:blipFill>
+          <a:blip r:embed="rId2">
+            <a:extLst>
+              <a:ext uri="{28A0092B-C50C-407E-A947-70E740481C1C}">
+                <a14:useLocalDpi xmlns:a14="http://schemas.microsoft.com/office/drawing/2010/main" val="0"/>
+              </a:ext>
+            </a:extLst>
+          </a:blip>
+          <a:stretch>
+            <a:fillRect/>
+          </a:stretch>
+        </p:blipFill>
+        <p:spPr>
+          <a:xfrm>
+            <a:off x="1039957" y="1825812"/>
+            <a:ext cx="885429" cy="4065463"/>
+          </a:xfrm>
+        </p:spPr>
+      </p:pic>
+      <p:sp>
+        <p:nvSpPr>
+          <p:cNvPr id="4" name="スライド番号プレースホルダー 3">
+            <a:extLst>
+              <a:ext uri="{FF2B5EF4-FFF2-40B4-BE49-F238E27FC236}">
+                <a16:creationId xmlns:a16="http://schemas.microsoft.com/office/drawing/2014/main" id="{7F5AFB51-CF33-4CA8-AF76-2FE0EF98A8BF}"/>
+              </a:ext>
+            </a:extLst>
+          </p:cNvPr>
+          <p:cNvSpPr>
+            <a:spLocks noGrp="1"/>
+          </p:cNvSpPr>
+          <p:nvPr>
+            <p:ph type="sldNum" sz="quarter" idx="12"/>
+          </p:nvPr>
+        </p:nvSpPr>
+        <p:spPr/>
+        <p:txBody>
+          <a:bodyPr/>
+          <a:lstStyle/>
+          <a:p>
+            <a:fld id="{304739FC-810C-4CDC-B60F-21F1951FBC64}" type="slidenum">
+              <a:rPr kumimoji="1" lang="ja-JP" altLang="en-US" smtClean="0"/>
+              <a:t>52</a:t>
+            </a:fld>
+            <a:endParaRPr kumimoji="1" lang="ja-JP" altLang="en-US"/>
+          </a:p>
+        </p:txBody>
+      </p:sp>
+      <p:pic>
+        <p:nvPicPr>
+          <p:cNvPr id="8" name="図 7">
+            <a:extLst>
+              <a:ext uri="{FF2B5EF4-FFF2-40B4-BE49-F238E27FC236}">
+                <a16:creationId xmlns:a16="http://schemas.microsoft.com/office/drawing/2014/main" id="{15B3C184-E23A-4EB3-8762-86BF72343F8C}"/>
+              </a:ext>
+            </a:extLst>
+          </p:cNvPr>
+          <p:cNvPicPr>
+            <a:picLocks noChangeAspect="1"/>
+          </p:cNvPicPr>
+          <p:nvPr/>
+        </p:nvPicPr>
+        <p:blipFill>
+          <a:blip r:embed="rId3">
+            <a:extLst>
+              <a:ext uri="{28A0092B-C50C-407E-A947-70E740481C1C}">
+                <a14:useLocalDpi xmlns:a14="http://schemas.microsoft.com/office/drawing/2010/main" val="0"/>
+              </a:ext>
+            </a:extLst>
+          </a:blip>
+          <a:stretch>
+            <a:fillRect/>
+          </a:stretch>
+        </p:blipFill>
+        <p:spPr>
+          <a:xfrm>
+            <a:off x="2464202" y="1825812"/>
+            <a:ext cx="1056879" cy="4065463"/>
+          </a:xfrm>
+          <a:prstGeom prst="rect">
+            <a:avLst/>
+          </a:prstGeom>
+        </p:spPr>
+      </p:pic>
+      <p:pic>
+        <p:nvPicPr>
+          <p:cNvPr id="10" name="図 9">
+            <a:extLst>
+              <a:ext uri="{FF2B5EF4-FFF2-40B4-BE49-F238E27FC236}">
+                <a16:creationId xmlns:a16="http://schemas.microsoft.com/office/drawing/2014/main" id="{6F4BB6CC-F698-402A-88D8-E601F1F5C9BE}"/>
+              </a:ext>
+            </a:extLst>
+          </p:cNvPr>
+          <p:cNvPicPr>
+            <a:picLocks noChangeAspect="1"/>
+          </p:cNvPicPr>
+          <p:nvPr/>
+        </p:nvPicPr>
+        <p:blipFill>
+          <a:blip r:embed="rId4">
+            <a:extLst>
+              <a:ext uri="{28A0092B-C50C-407E-A947-70E740481C1C}">
+                <a14:useLocalDpi xmlns:a14="http://schemas.microsoft.com/office/drawing/2010/main" val="0"/>
+              </a:ext>
+            </a:extLst>
+          </a:blip>
+          <a:stretch>
+            <a:fillRect/>
+          </a:stretch>
+        </p:blipFill>
+        <p:spPr>
+          <a:xfrm>
+            <a:off x="4059898" y="1825812"/>
+            <a:ext cx="857246" cy="4065463"/>
+          </a:xfrm>
+          <a:prstGeom prst="rect">
+            <a:avLst/>
+          </a:prstGeom>
+        </p:spPr>
+      </p:pic>
+      <p:pic>
+        <p:nvPicPr>
+          <p:cNvPr id="12" name="図 11">
+            <a:extLst>
+              <a:ext uri="{FF2B5EF4-FFF2-40B4-BE49-F238E27FC236}">
+                <a16:creationId xmlns:a16="http://schemas.microsoft.com/office/drawing/2014/main" id="{9D9233E6-341F-4F21-BD37-976CF4187FA4}"/>
+              </a:ext>
+            </a:extLst>
+          </p:cNvPr>
+          <p:cNvPicPr>
+            <a:picLocks noChangeAspect="1"/>
+          </p:cNvPicPr>
+          <p:nvPr/>
+        </p:nvPicPr>
+        <p:blipFill>
+          <a:blip r:embed="rId5">
+            <a:extLst>
+              <a:ext uri="{28A0092B-C50C-407E-A947-70E740481C1C}">
+                <a14:useLocalDpi xmlns:a14="http://schemas.microsoft.com/office/drawing/2010/main" val="0"/>
+              </a:ext>
+            </a:extLst>
+          </a:blip>
+          <a:stretch>
+            <a:fillRect/>
+          </a:stretch>
+        </p:blipFill>
+        <p:spPr>
+          <a:xfrm>
+            <a:off x="5455962" y="1825812"/>
+            <a:ext cx="824366" cy="4065463"/>
+          </a:xfrm>
+          <a:prstGeom prst="rect">
+            <a:avLst/>
+          </a:prstGeom>
+        </p:spPr>
+      </p:pic>
+      <p:pic>
+        <p:nvPicPr>
+          <p:cNvPr id="14" name="図 13">
+            <a:extLst>
+              <a:ext uri="{FF2B5EF4-FFF2-40B4-BE49-F238E27FC236}">
+                <a16:creationId xmlns:a16="http://schemas.microsoft.com/office/drawing/2014/main" id="{F9B64059-29D3-4E0B-B31B-DA1293CB2386}"/>
+              </a:ext>
+            </a:extLst>
+          </p:cNvPr>
+          <p:cNvPicPr>
+            <a:picLocks noChangeAspect="1"/>
+          </p:cNvPicPr>
+          <p:nvPr/>
+        </p:nvPicPr>
+        <p:blipFill>
+          <a:blip r:embed="rId6">
+            <a:extLst>
+              <a:ext uri="{28A0092B-C50C-407E-A947-70E740481C1C}">
+                <a14:useLocalDpi xmlns:a14="http://schemas.microsoft.com/office/drawing/2010/main" val="0"/>
+              </a:ext>
+            </a:extLst>
+          </a:blip>
+          <a:stretch>
+            <a:fillRect/>
+          </a:stretch>
+        </p:blipFill>
+        <p:spPr>
+          <a:xfrm>
+            <a:off x="6819147" y="1825812"/>
+            <a:ext cx="861944" cy="4065463"/>
+          </a:xfrm>
+          <a:prstGeom prst="rect">
+            <a:avLst/>
+          </a:prstGeom>
+        </p:spPr>
+      </p:pic>
+      <p:sp>
+        <p:nvSpPr>
+          <p:cNvPr id="15" name="コンテンツ プレースホルダー 4">
+            <a:extLst>
+              <a:ext uri="{FF2B5EF4-FFF2-40B4-BE49-F238E27FC236}">
+                <a16:creationId xmlns:a16="http://schemas.microsoft.com/office/drawing/2014/main" id="{2C8BCD43-181C-4894-8543-96AE50DD7A8B}"/>
+              </a:ext>
+            </a:extLst>
+          </p:cNvPr>
+          <p:cNvSpPr txBox="1">
+            <a:spLocks/>
+          </p:cNvSpPr>
+          <p:nvPr/>
+        </p:nvSpPr>
+        <p:spPr>
+          <a:xfrm>
+            <a:off x="857197" y="1451990"/>
+            <a:ext cx="1250948" cy="440497"/>
+          </a:xfrm>
+          <a:prstGeom prst="rect">
+            <a:avLst/>
+          </a:prstGeom>
+        </p:spPr>
+        <p:txBody>
+          <a:bodyPr vert="horz" lIns="0" tIns="45720" rIns="0" bIns="45720" rtlCol="0" anchor="ctr">
+            <a:normAutofit/>
+          </a:bodyPr>
+          <a:lstStyle>
+            <a:lvl1pPr marL="0" indent="0" algn="l" defTabSz="914400" rtl="0" eaLnBrk="1" latinLnBrk="0" hangingPunct="1">
+              <a:lnSpc>
+                <a:spcPct val="90000"/>
+              </a:lnSpc>
+              <a:spcBef>
+                <a:spcPts val="1200"/>
+              </a:spcBef>
+              <a:spcAft>
+                <a:spcPts val="200"/>
+              </a:spcAft>
+              <a:buClr>
+                <a:schemeClr val="accent1"/>
+              </a:buClr>
+              <a:buSzPct val="100000"/>
+              <a:buFontTx/>
+              <a:buNone/>
+              <a:defRPr kumimoji="1" sz="3600" kern="1200">
+                <a:solidFill>
+                  <a:schemeClr val="tx1">
+                    <a:lumMod val="75000"/>
+                    <a:lumOff val="25000"/>
+                  </a:schemeClr>
+                </a:solidFill>
+                <a:latin typeface="+mn-ea"/>
+                <a:ea typeface="+mn-ea"/>
+                <a:cs typeface="+mn-cs"/>
+              </a:defRPr>
+            </a:lvl1pPr>
+            <a:lvl2pPr marL="384048" indent="-182880" algn="l" defTabSz="914400" rtl="0" eaLnBrk="1" latinLnBrk="0" hangingPunct="1">
+              <a:lnSpc>
+                <a:spcPct val="90000"/>
+              </a:lnSpc>
+              <a:spcBef>
+                <a:spcPts val="200"/>
+              </a:spcBef>
+              <a:spcAft>
+                <a:spcPts val="400"/>
+              </a:spcAft>
+              <a:buClr>
+                <a:schemeClr val="accent1"/>
+              </a:buClr>
+              <a:buSzPct val="100000"/>
+              <a:buFont typeface="Wingdings" panose="05000000000000000000" pitchFamily="2" charset="2"/>
+              <a:buChar char="u"/>
+              <a:defRPr kumimoji="1" sz="3200" kern="1200">
+                <a:solidFill>
+                  <a:schemeClr val="tx1">
+                    <a:lumMod val="75000"/>
+                    <a:lumOff val="25000"/>
+                  </a:schemeClr>
+                </a:solidFill>
+                <a:latin typeface="+mn-ea"/>
+                <a:ea typeface="+mn-ea"/>
+                <a:cs typeface="+mn-cs"/>
+              </a:defRPr>
+            </a:lvl2pPr>
+            <a:lvl3pPr marL="566928" indent="-182880" algn="l" defTabSz="914400" rtl="0" eaLnBrk="1" latinLnBrk="0" hangingPunct="1">
+              <a:lnSpc>
+                <a:spcPct val="90000"/>
+              </a:lnSpc>
+              <a:spcBef>
+                <a:spcPts val="200"/>
+              </a:spcBef>
+              <a:spcAft>
+                <a:spcPts val="400"/>
+              </a:spcAft>
+              <a:buClr>
+                <a:schemeClr val="accent1"/>
+              </a:buClr>
+              <a:buSzPct val="100000"/>
+              <a:buFont typeface="Wingdings" panose="05000000000000000000" pitchFamily="2" charset="2"/>
+              <a:buChar char="u"/>
+              <a:defRPr kumimoji="1" sz="2400" kern="1200">
+                <a:solidFill>
+                  <a:schemeClr val="tx1">
+                    <a:lumMod val="75000"/>
+                    <a:lumOff val="25000"/>
+                  </a:schemeClr>
+                </a:solidFill>
+                <a:latin typeface="+mn-ea"/>
+                <a:ea typeface="+mn-ea"/>
+                <a:cs typeface="+mn-cs"/>
+              </a:defRPr>
+            </a:lvl3pPr>
+            <a:lvl4pPr marL="749808" indent="-182880" algn="l" defTabSz="914400" rtl="0" eaLnBrk="1" latinLnBrk="0" hangingPunct="1">
+              <a:lnSpc>
+                <a:spcPct val="90000"/>
+              </a:lnSpc>
+              <a:spcBef>
+                <a:spcPts val="200"/>
+              </a:spcBef>
+              <a:spcAft>
+                <a:spcPts val="400"/>
+              </a:spcAft>
+              <a:buClr>
+                <a:schemeClr val="accent1"/>
+              </a:buClr>
+              <a:buSzPct val="100000"/>
+              <a:buFont typeface="Wingdings" panose="05000000000000000000" pitchFamily="2" charset="2"/>
+              <a:buChar char="u"/>
+              <a:defRPr kumimoji="1" sz="2400" kern="1200">
+                <a:solidFill>
+                  <a:schemeClr val="tx1">
+                    <a:lumMod val="75000"/>
+                    <a:lumOff val="25000"/>
+                  </a:schemeClr>
+                </a:solidFill>
+                <a:latin typeface="+mn-ea"/>
+                <a:ea typeface="+mn-ea"/>
+                <a:cs typeface="+mn-cs"/>
+              </a:defRPr>
+            </a:lvl4pPr>
+            <a:lvl5pPr marL="932688" indent="-182880" algn="l" defTabSz="914400" rtl="0" eaLnBrk="1" latinLnBrk="0" hangingPunct="1">
+              <a:lnSpc>
+                <a:spcPct val="90000"/>
+              </a:lnSpc>
+              <a:spcBef>
+                <a:spcPts val="200"/>
+              </a:spcBef>
+              <a:spcAft>
+                <a:spcPts val="400"/>
+              </a:spcAft>
+              <a:buClr>
+                <a:schemeClr val="accent1"/>
+              </a:buClr>
+              <a:buSzPct val="100000"/>
+              <a:buFont typeface="Wingdings" panose="05000000000000000000" pitchFamily="2" charset="2"/>
+              <a:buChar char="u"/>
+              <a:defRPr kumimoji="1" sz="2400" kern="1200">
+                <a:solidFill>
+                  <a:schemeClr val="tx1">
+                    <a:lumMod val="75000"/>
+                    <a:lumOff val="25000"/>
+                  </a:schemeClr>
+                </a:solidFill>
+                <a:latin typeface="+mn-ea"/>
+                <a:ea typeface="+mn-ea"/>
+                <a:cs typeface="+mn-cs"/>
+              </a:defRPr>
+            </a:lvl5pPr>
+            <a:lvl6pPr marL="1100000" indent="-228600" algn="l" defTabSz="914400" rtl="0" eaLnBrk="1" latinLnBrk="0" hangingPunct="1">
+              <a:lnSpc>
+                <a:spcPct val="90000"/>
+              </a:lnSpc>
+              <a:spcBef>
+                <a:spcPts val="200"/>
+              </a:spcBef>
+              <a:spcAft>
+                <a:spcPts val="400"/>
+              </a:spcAft>
+              <a:buClr>
+                <a:schemeClr val="accent1"/>
+              </a:buClr>
+              <a:buFont typeface="Calibri" pitchFamily="34" charset="0"/>
+              <a:buChar char="◦"/>
+              <a:defRPr kumimoji="1" sz="1400" kern="1200">
+                <a:solidFill>
+                  <a:schemeClr val="tx1">
+                    <a:lumMod val="75000"/>
+                    <a:lumOff val="25000"/>
+                  </a:schemeClr>
+                </a:solidFill>
+                <a:latin typeface="+mn-lt"/>
+                <a:ea typeface="+mn-ea"/>
+                <a:cs typeface="+mn-cs"/>
+              </a:defRPr>
+            </a:lvl6pPr>
+            <a:lvl7pPr marL="1300000" indent="-228600" algn="l" defTabSz="914400" rtl="0" eaLnBrk="1" latinLnBrk="0" hangingPunct="1">
+              <a:lnSpc>
+                <a:spcPct val="90000"/>
+              </a:lnSpc>
+              <a:spcBef>
+                <a:spcPts val="200"/>
+              </a:spcBef>
+              <a:spcAft>
+                <a:spcPts val="400"/>
+              </a:spcAft>
+              <a:buClr>
+                <a:schemeClr val="accent1"/>
+              </a:buClr>
+              <a:buFont typeface="Calibri" pitchFamily="34" charset="0"/>
+              <a:buChar char="◦"/>
+              <a:defRPr kumimoji="1" sz="1400" kern="1200">
+                <a:solidFill>
+                  <a:schemeClr val="tx1">
+                    <a:lumMod val="75000"/>
+                    <a:lumOff val="25000"/>
+                  </a:schemeClr>
+                </a:solidFill>
+                <a:latin typeface="+mn-lt"/>
+                <a:ea typeface="+mn-ea"/>
+                <a:cs typeface="+mn-cs"/>
+              </a:defRPr>
+            </a:lvl7pPr>
+            <a:lvl8pPr marL="1500000" indent="-228600" algn="l" defTabSz="914400" rtl="0" eaLnBrk="1" latinLnBrk="0" hangingPunct="1">
+              <a:lnSpc>
+                <a:spcPct val="90000"/>
+              </a:lnSpc>
+              <a:spcBef>
+                <a:spcPts val="200"/>
+              </a:spcBef>
+              <a:spcAft>
+                <a:spcPts val="400"/>
+              </a:spcAft>
+              <a:buClr>
+                <a:schemeClr val="accent1"/>
+              </a:buClr>
+              <a:buFont typeface="Calibri" pitchFamily="34" charset="0"/>
+              <a:buChar char="◦"/>
+              <a:defRPr kumimoji="1" sz="1400" kern="1200">
+                <a:solidFill>
+                  <a:schemeClr val="tx1">
+                    <a:lumMod val="75000"/>
+                    <a:lumOff val="25000"/>
+                  </a:schemeClr>
+                </a:solidFill>
+                <a:latin typeface="+mn-lt"/>
+                <a:ea typeface="+mn-ea"/>
+                <a:cs typeface="+mn-cs"/>
+              </a:defRPr>
+            </a:lvl8pPr>
+            <a:lvl9pPr marL="1700000" indent="-228600" algn="l" defTabSz="914400" rtl="0" eaLnBrk="1" latinLnBrk="0" hangingPunct="1">
+              <a:lnSpc>
+                <a:spcPct val="90000"/>
+              </a:lnSpc>
+              <a:spcBef>
+                <a:spcPts val="200"/>
+              </a:spcBef>
+              <a:spcAft>
+                <a:spcPts val="400"/>
+              </a:spcAft>
+              <a:buClr>
+                <a:schemeClr val="accent1"/>
+              </a:buClr>
+              <a:buFont typeface="Calibri" pitchFamily="34" charset="0"/>
+              <a:buChar char="◦"/>
+              <a:defRPr kumimoji="1" sz="1400" kern="1200">
+                <a:solidFill>
+                  <a:schemeClr val="tx1">
+                    <a:lumMod val="75000"/>
+                    <a:lumOff val="25000"/>
+                  </a:schemeClr>
+                </a:solidFill>
+                <a:latin typeface="+mn-lt"/>
+                <a:ea typeface="+mn-ea"/>
+                <a:cs typeface="+mn-cs"/>
+              </a:defRPr>
+            </a:lvl9pPr>
+          </a:lstStyle>
+          <a:p>
+            <a:pPr algn="ctr"/>
+            <a:r>
+              <a:rPr lang="en-US" altLang="ja-JP" sz="2400" dirty="0"/>
+              <a:t>1 </a:t>
+            </a:r>
+            <a:r>
+              <a:rPr lang="ja-JP" altLang="en-US" sz="2400" dirty="0"/>
+              <a:t>世代</a:t>
+            </a:r>
+            <a:endParaRPr lang="en-US" altLang="ja-JP" sz="2400" dirty="0"/>
+          </a:p>
+        </p:txBody>
+      </p:sp>
+      <p:sp>
+        <p:nvSpPr>
+          <p:cNvPr id="16" name="コンテンツ プレースホルダー 4">
+            <a:extLst>
+              <a:ext uri="{FF2B5EF4-FFF2-40B4-BE49-F238E27FC236}">
+                <a16:creationId xmlns:a16="http://schemas.microsoft.com/office/drawing/2014/main" id="{E0AEFB1F-1CE2-446C-8BAD-DD19A90EFB24}"/>
+              </a:ext>
+            </a:extLst>
+          </p:cNvPr>
+          <p:cNvSpPr txBox="1">
+            <a:spLocks/>
+          </p:cNvSpPr>
+          <p:nvPr/>
+        </p:nvSpPr>
+        <p:spPr>
+          <a:xfrm>
+            <a:off x="2257366" y="1451988"/>
+            <a:ext cx="1250948" cy="440497"/>
+          </a:xfrm>
+          <a:prstGeom prst="rect">
+            <a:avLst/>
+          </a:prstGeom>
+        </p:spPr>
+        <p:txBody>
+          <a:bodyPr vert="horz" lIns="0" tIns="45720" rIns="0" bIns="45720" rtlCol="0" anchor="ctr">
+            <a:normAutofit/>
+          </a:bodyPr>
+          <a:lstStyle>
+            <a:lvl1pPr marL="0" indent="0" algn="l" defTabSz="914400" rtl="0" eaLnBrk="1" latinLnBrk="0" hangingPunct="1">
+              <a:lnSpc>
+                <a:spcPct val="90000"/>
+              </a:lnSpc>
+              <a:spcBef>
+                <a:spcPts val="1200"/>
+              </a:spcBef>
+              <a:spcAft>
+                <a:spcPts val="200"/>
+              </a:spcAft>
+              <a:buClr>
+                <a:schemeClr val="accent1"/>
+              </a:buClr>
+              <a:buSzPct val="100000"/>
+              <a:buFontTx/>
+              <a:buNone/>
+              <a:defRPr kumimoji="1" sz="3600" kern="1200">
+                <a:solidFill>
+                  <a:schemeClr val="tx1">
+                    <a:lumMod val="75000"/>
+                    <a:lumOff val="25000"/>
+                  </a:schemeClr>
+                </a:solidFill>
+                <a:latin typeface="+mn-ea"/>
+                <a:ea typeface="+mn-ea"/>
+                <a:cs typeface="+mn-cs"/>
+              </a:defRPr>
+            </a:lvl1pPr>
+            <a:lvl2pPr marL="384048" indent="-182880" algn="l" defTabSz="914400" rtl="0" eaLnBrk="1" latinLnBrk="0" hangingPunct="1">
+              <a:lnSpc>
+                <a:spcPct val="90000"/>
+              </a:lnSpc>
+              <a:spcBef>
+                <a:spcPts val="200"/>
+              </a:spcBef>
+              <a:spcAft>
+                <a:spcPts val="400"/>
+              </a:spcAft>
+              <a:buClr>
+                <a:schemeClr val="accent1"/>
+              </a:buClr>
+              <a:buSzPct val="100000"/>
+              <a:buFont typeface="Wingdings" panose="05000000000000000000" pitchFamily="2" charset="2"/>
+              <a:buChar char="u"/>
+              <a:defRPr kumimoji="1" sz="3200" kern="1200">
+                <a:solidFill>
+                  <a:schemeClr val="tx1">
+                    <a:lumMod val="75000"/>
+                    <a:lumOff val="25000"/>
+                  </a:schemeClr>
+                </a:solidFill>
+                <a:latin typeface="+mn-ea"/>
+                <a:ea typeface="+mn-ea"/>
+                <a:cs typeface="+mn-cs"/>
+              </a:defRPr>
+            </a:lvl2pPr>
+            <a:lvl3pPr marL="566928" indent="-182880" algn="l" defTabSz="914400" rtl="0" eaLnBrk="1" latinLnBrk="0" hangingPunct="1">
+              <a:lnSpc>
+                <a:spcPct val="90000"/>
+              </a:lnSpc>
+              <a:spcBef>
+                <a:spcPts val="200"/>
+              </a:spcBef>
+              <a:spcAft>
+                <a:spcPts val="400"/>
+              </a:spcAft>
+              <a:buClr>
+                <a:schemeClr val="accent1"/>
+              </a:buClr>
+              <a:buSzPct val="100000"/>
+              <a:buFont typeface="Wingdings" panose="05000000000000000000" pitchFamily="2" charset="2"/>
+              <a:buChar char="u"/>
+              <a:defRPr kumimoji="1" sz="2400" kern="1200">
+                <a:solidFill>
+                  <a:schemeClr val="tx1">
+                    <a:lumMod val="75000"/>
+                    <a:lumOff val="25000"/>
+                  </a:schemeClr>
+                </a:solidFill>
+                <a:latin typeface="+mn-ea"/>
+                <a:ea typeface="+mn-ea"/>
+                <a:cs typeface="+mn-cs"/>
+              </a:defRPr>
+            </a:lvl3pPr>
+            <a:lvl4pPr marL="749808" indent="-182880" algn="l" defTabSz="914400" rtl="0" eaLnBrk="1" latinLnBrk="0" hangingPunct="1">
+              <a:lnSpc>
+                <a:spcPct val="90000"/>
+              </a:lnSpc>
+              <a:spcBef>
+                <a:spcPts val="200"/>
+              </a:spcBef>
+              <a:spcAft>
+                <a:spcPts val="400"/>
+              </a:spcAft>
+              <a:buClr>
+                <a:schemeClr val="accent1"/>
+              </a:buClr>
+              <a:buSzPct val="100000"/>
+              <a:buFont typeface="Wingdings" panose="05000000000000000000" pitchFamily="2" charset="2"/>
+              <a:buChar char="u"/>
+              <a:defRPr kumimoji="1" sz="2400" kern="1200">
+                <a:solidFill>
+                  <a:schemeClr val="tx1">
+                    <a:lumMod val="75000"/>
+                    <a:lumOff val="25000"/>
+                  </a:schemeClr>
+                </a:solidFill>
+                <a:latin typeface="+mn-ea"/>
+                <a:ea typeface="+mn-ea"/>
+                <a:cs typeface="+mn-cs"/>
+              </a:defRPr>
+            </a:lvl4pPr>
+            <a:lvl5pPr marL="932688" indent="-182880" algn="l" defTabSz="914400" rtl="0" eaLnBrk="1" latinLnBrk="0" hangingPunct="1">
+              <a:lnSpc>
+                <a:spcPct val="90000"/>
+              </a:lnSpc>
+              <a:spcBef>
+                <a:spcPts val="200"/>
+              </a:spcBef>
+              <a:spcAft>
+                <a:spcPts val="400"/>
+              </a:spcAft>
+              <a:buClr>
+                <a:schemeClr val="accent1"/>
+              </a:buClr>
+              <a:buSzPct val="100000"/>
+              <a:buFont typeface="Wingdings" panose="05000000000000000000" pitchFamily="2" charset="2"/>
+              <a:buChar char="u"/>
+              <a:defRPr kumimoji="1" sz="2400" kern="1200">
+                <a:solidFill>
+                  <a:schemeClr val="tx1">
+                    <a:lumMod val="75000"/>
+                    <a:lumOff val="25000"/>
+                  </a:schemeClr>
+                </a:solidFill>
+                <a:latin typeface="+mn-ea"/>
+                <a:ea typeface="+mn-ea"/>
+                <a:cs typeface="+mn-cs"/>
+              </a:defRPr>
+            </a:lvl5pPr>
+            <a:lvl6pPr marL="1100000" indent="-228600" algn="l" defTabSz="914400" rtl="0" eaLnBrk="1" latinLnBrk="0" hangingPunct="1">
+              <a:lnSpc>
+                <a:spcPct val="90000"/>
+              </a:lnSpc>
+              <a:spcBef>
+                <a:spcPts val="200"/>
+              </a:spcBef>
+              <a:spcAft>
+                <a:spcPts val="400"/>
+              </a:spcAft>
+              <a:buClr>
+                <a:schemeClr val="accent1"/>
+              </a:buClr>
+              <a:buFont typeface="Calibri" pitchFamily="34" charset="0"/>
+              <a:buChar char="◦"/>
+              <a:defRPr kumimoji="1" sz="1400" kern="1200">
+                <a:solidFill>
+                  <a:schemeClr val="tx1">
+                    <a:lumMod val="75000"/>
+                    <a:lumOff val="25000"/>
+                  </a:schemeClr>
+                </a:solidFill>
+                <a:latin typeface="+mn-lt"/>
+                <a:ea typeface="+mn-ea"/>
+                <a:cs typeface="+mn-cs"/>
+              </a:defRPr>
+            </a:lvl6pPr>
+            <a:lvl7pPr marL="1300000" indent="-228600" algn="l" defTabSz="914400" rtl="0" eaLnBrk="1" latinLnBrk="0" hangingPunct="1">
+              <a:lnSpc>
+                <a:spcPct val="90000"/>
+              </a:lnSpc>
+              <a:spcBef>
+                <a:spcPts val="200"/>
+              </a:spcBef>
+              <a:spcAft>
+                <a:spcPts val="400"/>
+              </a:spcAft>
+              <a:buClr>
+                <a:schemeClr val="accent1"/>
+              </a:buClr>
+              <a:buFont typeface="Calibri" pitchFamily="34" charset="0"/>
+              <a:buChar char="◦"/>
+              <a:defRPr kumimoji="1" sz="1400" kern="1200">
+                <a:solidFill>
+                  <a:schemeClr val="tx1">
+                    <a:lumMod val="75000"/>
+                    <a:lumOff val="25000"/>
+                  </a:schemeClr>
+                </a:solidFill>
+                <a:latin typeface="+mn-lt"/>
+                <a:ea typeface="+mn-ea"/>
+                <a:cs typeface="+mn-cs"/>
+              </a:defRPr>
+            </a:lvl7pPr>
+            <a:lvl8pPr marL="1500000" indent="-228600" algn="l" defTabSz="914400" rtl="0" eaLnBrk="1" latinLnBrk="0" hangingPunct="1">
+              <a:lnSpc>
+                <a:spcPct val="90000"/>
+              </a:lnSpc>
+              <a:spcBef>
+                <a:spcPts val="200"/>
+              </a:spcBef>
+              <a:spcAft>
+                <a:spcPts val="400"/>
+              </a:spcAft>
+              <a:buClr>
+                <a:schemeClr val="accent1"/>
+              </a:buClr>
+              <a:buFont typeface="Calibri" pitchFamily="34" charset="0"/>
+              <a:buChar char="◦"/>
+              <a:defRPr kumimoji="1" sz="1400" kern="1200">
+                <a:solidFill>
+                  <a:schemeClr val="tx1">
+                    <a:lumMod val="75000"/>
+                    <a:lumOff val="25000"/>
+                  </a:schemeClr>
+                </a:solidFill>
+                <a:latin typeface="+mn-lt"/>
+                <a:ea typeface="+mn-ea"/>
+                <a:cs typeface="+mn-cs"/>
+              </a:defRPr>
+            </a:lvl8pPr>
+            <a:lvl9pPr marL="1700000" indent="-228600" algn="l" defTabSz="914400" rtl="0" eaLnBrk="1" latinLnBrk="0" hangingPunct="1">
+              <a:lnSpc>
+                <a:spcPct val="90000"/>
+              </a:lnSpc>
+              <a:spcBef>
+                <a:spcPts val="200"/>
+              </a:spcBef>
+              <a:spcAft>
+                <a:spcPts val="400"/>
+              </a:spcAft>
+              <a:buClr>
+                <a:schemeClr val="accent1"/>
+              </a:buClr>
+              <a:buFont typeface="Calibri" pitchFamily="34" charset="0"/>
+              <a:buChar char="◦"/>
+              <a:defRPr kumimoji="1" sz="1400" kern="1200">
+                <a:solidFill>
+                  <a:schemeClr val="tx1">
+                    <a:lumMod val="75000"/>
+                    <a:lumOff val="25000"/>
+                  </a:schemeClr>
+                </a:solidFill>
+                <a:latin typeface="+mn-lt"/>
+                <a:ea typeface="+mn-ea"/>
+                <a:cs typeface="+mn-cs"/>
+              </a:defRPr>
+            </a:lvl9pPr>
+          </a:lstStyle>
+          <a:p>
+            <a:pPr algn="ctr"/>
+            <a:r>
+              <a:rPr lang="en-US" altLang="ja-JP" sz="2400" dirty="0"/>
+              <a:t>5 </a:t>
+            </a:r>
+            <a:r>
+              <a:rPr lang="ja-JP" altLang="en-US" sz="2400" dirty="0"/>
+              <a:t>世代</a:t>
+            </a:r>
+            <a:endParaRPr lang="en-US" altLang="ja-JP" sz="2400" dirty="0"/>
+          </a:p>
+        </p:txBody>
+      </p:sp>
+      <p:sp>
+        <p:nvSpPr>
+          <p:cNvPr id="17" name="コンテンツ プレースホルダー 4">
+            <a:extLst>
+              <a:ext uri="{FF2B5EF4-FFF2-40B4-BE49-F238E27FC236}">
+                <a16:creationId xmlns:a16="http://schemas.microsoft.com/office/drawing/2014/main" id="{36B47FEA-6D23-43C6-A3EC-7AFCC8240D9C}"/>
+              </a:ext>
+            </a:extLst>
+          </p:cNvPr>
+          <p:cNvSpPr txBox="1">
+            <a:spLocks/>
+          </p:cNvSpPr>
+          <p:nvPr/>
+        </p:nvSpPr>
+        <p:spPr>
+          <a:xfrm>
+            <a:off x="3863047" y="1456176"/>
+            <a:ext cx="1250948" cy="440497"/>
+          </a:xfrm>
+          <a:prstGeom prst="rect">
+            <a:avLst/>
+          </a:prstGeom>
+        </p:spPr>
+        <p:txBody>
+          <a:bodyPr vert="horz" lIns="0" tIns="45720" rIns="0" bIns="45720" rtlCol="0" anchor="ctr">
+            <a:normAutofit/>
+          </a:bodyPr>
+          <a:lstStyle>
+            <a:lvl1pPr marL="0" indent="0" algn="l" defTabSz="914400" rtl="0" eaLnBrk="1" latinLnBrk="0" hangingPunct="1">
+              <a:lnSpc>
+                <a:spcPct val="90000"/>
+              </a:lnSpc>
+              <a:spcBef>
+                <a:spcPts val="1200"/>
+              </a:spcBef>
+              <a:spcAft>
+                <a:spcPts val="200"/>
+              </a:spcAft>
+              <a:buClr>
+                <a:schemeClr val="accent1"/>
+              </a:buClr>
+              <a:buSzPct val="100000"/>
+              <a:buFontTx/>
+              <a:buNone/>
+              <a:defRPr kumimoji="1" sz="3600" kern="1200">
+                <a:solidFill>
+                  <a:schemeClr val="tx1">
+                    <a:lumMod val="75000"/>
+                    <a:lumOff val="25000"/>
+                  </a:schemeClr>
+                </a:solidFill>
+                <a:latin typeface="+mn-ea"/>
+                <a:ea typeface="+mn-ea"/>
+                <a:cs typeface="+mn-cs"/>
+              </a:defRPr>
+            </a:lvl1pPr>
+            <a:lvl2pPr marL="384048" indent="-182880" algn="l" defTabSz="914400" rtl="0" eaLnBrk="1" latinLnBrk="0" hangingPunct="1">
+              <a:lnSpc>
+                <a:spcPct val="90000"/>
+              </a:lnSpc>
+              <a:spcBef>
+                <a:spcPts val="200"/>
+              </a:spcBef>
+              <a:spcAft>
+                <a:spcPts val="400"/>
+              </a:spcAft>
+              <a:buClr>
+                <a:schemeClr val="accent1"/>
+              </a:buClr>
+              <a:buSzPct val="100000"/>
+              <a:buFont typeface="Wingdings" panose="05000000000000000000" pitchFamily="2" charset="2"/>
+              <a:buChar char="u"/>
+              <a:defRPr kumimoji="1" sz="3200" kern="1200">
+                <a:solidFill>
+                  <a:schemeClr val="tx1">
+                    <a:lumMod val="75000"/>
+                    <a:lumOff val="25000"/>
+                  </a:schemeClr>
+                </a:solidFill>
+                <a:latin typeface="+mn-ea"/>
+                <a:ea typeface="+mn-ea"/>
+                <a:cs typeface="+mn-cs"/>
+              </a:defRPr>
+            </a:lvl2pPr>
+            <a:lvl3pPr marL="566928" indent="-182880" algn="l" defTabSz="914400" rtl="0" eaLnBrk="1" latinLnBrk="0" hangingPunct="1">
+              <a:lnSpc>
+                <a:spcPct val="90000"/>
+              </a:lnSpc>
+              <a:spcBef>
+                <a:spcPts val="200"/>
+              </a:spcBef>
+              <a:spcAft>
+                <a:spcPts val="400"/>
+              </a:spcAft>
+              <a:buClr>
+                <a:schemeClr val="accent1"/>
+              </a:buClr>
+              <a:buSzPct val="100000"/>
+              <a:buFont typeface="Wingdings" panose="05000000000000000000" pitchFamily="2" charset="2"/>
+              <a:buChar char="u"/>
+              <a:defRPr kumimoji="1" sz="2400" kern="1200">
+                <a:solidFill>
+                  <a:schemeClr val="tx1">
+                    <a:lumMod val="75000"/>
+                    <a:lumOff val="25000"/>
+                  </a:schemeClr>
+                </a:solidFill>
+                <a:latin typeface="+mn-ea"/>
+                <a:ea typeface="+mn-ea"/>
+                <a:cs typeface="+mn-cs"/>
+              </a:defRPr>
+            </a:lvl3pPr>
+            <a:lvl4pPr marL="749808" indent="-182880" algn="l" defTabSz="914400" rtl="0" eaLnBrk="1" latinLnBrk="0" hangingPunct="1">
+              <a:lnSpc>
+                <a:spcPct val="90000"/>
+              </a:lnSpc>
+              <a:spcBef>
+                <a:spcPts val="200"/>
+              </a:spcBef>
+              <a:spcAft>
+                <a:spcPts val="400"/>
+              </a:spcAft>
+              <a:buClr>
+                <a:schemeClr val="accent1"/>
+              </a:buClr>
+              <a:buSzPct val="100000"/>
+              <a:buFont typeface="Wingdings" panose="05000000000000000000" pitchFamily="2" charset="2"/>
+              <a:buChar char="u"/>
+              <a:defRPr kumimoji="1" sz="2400" kern="1200">
+                <a:solidFill>
+                  <a:schemeClr val="tx1">
+                    <a:lumMod val="75000"/>
+                    <a:lumOff val="25000"/>
+                  </a:schemeClr>
+                </a:solidFill>
+                <a:latin typeface="+mn-ea"/>
+                <a:ea typeface="+mn-ea"/>
+                <a:cs typeface="+mn-cs"/>
+              </a:defRPr>
+            </a:lvl4pPr>
+            <a:lvl5pPr marL="932688" indent="-182880" algn="l" defTabSz="914400" rtl="0" eaLnBrk="1" latinLnBrk="0" hangingPunct="1">
+              <a:lnSpc>
+                <a:spcPct val="90000"/>
+              </a:lnSpc>
+              <a:spcBef>
+                <a:spcPts val="200"/>
+              </a:spcBef>
+              <a:spcAft>
+                <a:spcPts val="400"/>
+              </a:spcAft>
+              <a:buClr>
+                <a:schemeClr val="accent1"/>
+              </a:buClr>
+              <a:buSzPct val="100000"/>
+              <a:buFont typeface="Wingdings" panose="05000000000000000000" pitchFamily="2" charset="2"/>
+              <a:buChar char="u"/>
+              <a:defRPr kumimoji="1" sz="2400" kern="1200">
+                <a:solidFill>
+                  <a:schemeClr val="tx1">
+                    <a:lumMod val="75000"/>
+                    <a:lumOff val="25000"/>
+                  </a:schemeClr>
+                </a:solidFill>
+                <a:latin typeface="+mn-ea"/>
+                <a:ea typeface="+mn-ea"/>
+                <a:cs typeface="+mn-cs"/>
+              </a:defRPr>
+            </a:lvl5pPr>
+            <a:lvl6pPr marL="1100000" indent="-228600" algn="l" defTabSz="914400" rtl="0" eaLnBrk="1" latinLnBrk="0" hangingPunct="1">
+              <a:lnSpc>
+                <a:spcPct val="90000"/>
+              </a:lnSpc>
+              <a:spcBef>
+                <a:spcPts val="200"/>
+              </a:spcBef>
+              <a:spcAft>
+                <a:spcPts val="400"/>
+              </a:spcAft>
+              <a:buClr>
+                <a:schemeClr val="accent1"/>
+              </a:buClr>
+              <a:buFont typeface="Calibri" pitchFamily="34" charset="0"/>
+              <a:buChar char="◦"/>
+              <a:defRPr kumimoji="1" sz="1400" kern="1200">
+                <a:solidFill>
+                  <a:schemeClr val="tx1">
+                    <a:lumMod val="75000"/>
+                    <a:lumOff val="25000"/>
+                  </a:schemeClr>
+                </a:solidFill>
+                <a:latin typeface="+mn-lt"/>
+                <a:ea typeface="+mn-ea"/>
+                <a:cs typeface="+mn-cs"/>
+              </a:defRPr>
+            </a:lvl6pPr>
+            <a:lvl7pPr marL="1300000" indent="-228600" algn="l" defTabSz="914400" rtl="0" eaLnBrk="1" latinLnBrk="0" hangingPunct="1">
+              <a:lnSpc>
+                <a:spcPct val="90000"/>
+              </a:lnSpc>
+              <a:spcBef>
+                <a:spcPts val="200"/>
+              </a:spcBef>
+              <a:spcAft>
+                <a:spcPts val="400"/>
+              </a:spcAft>
+              <a:buClr>
+                <a:schemeClr val="accent1"/>
+              </a:buClr>
+              <a:buFont typeface="Calibri" pitchFamily="34" charset="0"/>
+              <a:buChar char="◦"/>
+              <a:defRPr kumimoji="1" sz="1400" kern="1200">
+                <a:solidFill>
+                  <a:schemeClr val="tx1">
+                    <a:lumMod val="75000"/>
+                    <a:lumOff val="25000"/>
+                  </a:schemeClr>
+                </a:solidFill>
+                <a:latin typeface="+mn-lt"/>
+                <a:ea typeface="+mn-ea"/>
+                <a:cs typeface="+mn-cs"/>
+              </a:defRPr>
+            </a:lvl7pPr>
+            <a:lvl8pPr marL="1500000" indent="-228600" algn="l" defTabSz="914400" rtl="0" eaLnBrk="1" latinLnBrk="0" hangingPunct="1">
+              <a:lnSpc>
+                <a:spcPct val="90000"/>
+              </a:lnSpc>
+              <a:spcBef>
+                <a:spcPts val="200"/>
+              </a:spcBef>
+              <a:spcAft>
+                <a:spcPts val="400"/>
+              </a:spcAft>
+              <a:buClr>
+                <a:schemeClr val="accent1"/>
+              </a:buClr>
+              <a:buFont typeface="Calibri" pitchFamily="34" charset="0"/>
+              <a:buChar char="◦"/>
+              <a:defRPr kumimoji="1" sz="1400" kern="1200">
+                <a:solidFill>
+                  <a:schemeClr val="tx1">
+                    <a:lumMod val="75000"/>
+                    <a:lumOff val="25000"/>
+                  </a:schemeClr>
+                </a:solidFill>
+                <a:latin typeface="+mn-lt"/>
+                <a:ea typeface="+mn-ea"/>
+                <a:cs typeface="+mn-cs"/>
+              </a:defRPr>
+            </a:lvl8pPr>
+            <a:lvl9pPr marL="1700000" indent="-228600" algn="l" defTabSz="914400" rtl="0" eaLnBrk="1" latinLnBrk="0" hangingPunct="1">
+              <a:lnSpc>
+                <a:spcPct val="90000"/>
+              </a:lnSpc>
+              <a:spcBef>
+                <a:spcPts val="200"/>
+              </a:spcBef>
+              <a:spcAft>
+                <a:spcPts val="400"/>
+              </a:spcAft>
+              <a:buClr>
+                <a:schemeClr val="accent1"/>
+              </a:buClr>
+              <a:buFont typeface="Calibri" pitchFamily="34" charset="0"/>
+              <a:buChar char="◦"/>
+              <a:defRPr kumimoji="1" sz="1400" kern="1200">
+                <a:solidFill>
+                  <a:schemeClr val="tx1">
+                    <a:lumMod val="75000"/>
+                    <a:lumOff val="25000"/>
+                  </a:schemeClr>
+                </a:solidFill>
+                <a:latin typeface="+mn-lt"/>
+                <a:ea typeface="+mn-ea"/>
+                <a:cs typeface="+mn-cs"/>
+              </a:defRPr>
+            </a:lvl9pPr>
+          </a:lstStyle>
+          <a:p>
+            <a:pPr algn="ctr"/>
+            <a:r>
+              <a:rPr lang="en-US" altLang="ja-JP" sz="2400" dirty="0"/>
+              <a:t>10 </a:t>
+            </a:r>
+            <a:r>
+              <a:rPr lang="ja-JP" altLang="en-US" sz="2400" dirty="0"/>
+              <a:t>世代</a:t>
+            </a:r>
+            <a:endParaRPr lang="en-US" altLang="ja-JP" sz="2400" dirty="0"/>
+          </a:p>
+        </p:txBody>
+      </p:sp>
+      <p:sp>
+        <p:nvSpPr>
+          <p:cNvPr id="18" name="コンテンツ プレースホルダー 4">
+            <a:extLst>
+              <a:ext uri="{FF2B5EF4-FFF2-40B4-BE49-F238E27FC236}">
+                <a16:creationId xmlns:a16="http://schemas.microsoft.com/office/drawing/2014/main" id="{1B919624-90B2-4F05-A421-13836F1AF623}"/>
+              </a:ext>
+            </a:extLst>
+          </p:cNvPr>
+          <p:cNvSpPr txBox="1">
+            <a:spLocks/>
+          </p:cNvSpPr>
+          <p:nvPr/>
+        </p:nvSpPr>
+        <p:spPr>
+          <a:xfrm>
+            <a:off x="5310846" y="1451987"/>
+            <a:ext cx="1250948" cy="440497"/>
+          </a:xfrm>
+          <a:prstGeom prst="rect">
+            <a:avLst/>
+          </a:prstGeom>
+        </p:spPr>
+        <p:txBody>
+          <a:bodyPr vert="horz" lIns="0" tIns="45720" rIns="0" bIns="45720" rtlCol="0" anchor="ctr">
+            <a:normAutofit/>
+          </a:bodyPr>
+          <a:lstStyle>
+            <a:lvl1pPr marL="0" indent="0" algn="l" defTabSz="914400" rtl="0" eaLnBrk="1" latinLnBrk="0" hangingPunct="1">
+              <a:lnSpc>
+                <a:spcPct val="90000"/>
+              </a:lnSpc>
+              <a:spcBef>
+                <a:spcPts val="1200"/>
+              </a:spcBef>
+              <a:spcAft>
+                <a:spcPts val="200"/>
+              </a:spcAft>
+              <a:buClr>
+                <a:schemeClr val="accent1"/>
+              </a:buClr>
+              <a:buSzPct val="100000"/>
+              <a:buFontTx/>
+              <a:buNone/>
+              <a:defRPr kumimoji="1" sz="3600" kern="1200">
+                <a:solidFill>
+                  <a:schemeClr val="tx1">
+                    <a:lumMod val="75000"/>
+                    <a:lumOff val="25000"/>
+                  </a:schemeClr>
+                </a:solidFill>
+                <a:latin typeface="+mn-ea"/>
+                <a:ea typeface="+mn-ea"/>
+                <a:cs typeface="+mn-cs"/>
+              </a:defRPr>
+            </a:lvl1pPr>
+            <a:lvl2pPr marL="384048" indent="-182880" algn="l" defTabSz="914400" rtl="0" eaLnBrk="1" latinLnBrk="0" hangingPunct="1">
+              <a:lnSpc>
+                <a:spcPct val="90000"/>
+              </a:lnSpc>
+              <a:spcBef>
+                <a:spcPts val="200"/>
+              </a:spcBef>
+              <a:spcAft>
+                <a:spcPts val="400"/>
+              </a:spcAft>
+              <a:buClr>
+                <a:schemeClr val="accent1"/>
+              </a:buClr>
+              <a:buSzPct val="100000"/>
+              <a:buFont typeface="Wingdings" panose="05000000000000000000" pitchFamily="2" charset="2"/>
+              <a:buChar char="u"/>
+              <a:defRPr kumimoji="1" sz="3200" kern="1200">
+                <a:solidFill>
+                  <a:schemeClr val="tx1">
+                    <a:lumMod val="75000"/>
+                    <a:lumOff val="25000"/>
+                  </a:schemeClr>
+                </a:solidFill>
+                <a:latin typeface="+mn-ea"/>
+                <a:ea typeface="+mn-ea"/>
+                <a:cs typeface="+mn-cs"/>
+              </a:defRPr>
+            </a:lvl2pPr>
+            <a:lvl3pPr marL="566928" indent="-182880" algn="l" defTabSz="914400" rtl="0" eaLnBrk="1" latinLnBrk="0" hangingPunct="1">
+              <a:lnSpc>
+                <a:spcPct val="90000"/>
+              </a:lnSpc>
+              <a:spcBef>
+                <a:spcPts val="200"/>
+              </a:spcBef>
+              <a:spcAft>
+                <a:spcPts val="400"/>
+              </a:spcAft>
+              <a:buClr>
+                <a:schemeClr val="accent1"/>
+              </a:buClr>
+              <a:buSzPct val="100000"/>
+              <a:buFont typeface="Wingdings" panose="05000000000000000000" pitchFamily="2" charset="2"/>
+              <a:buChar char="u"/>
+              <a:defRPr kumimoji="1" sz="2400" kern="1200">
+                <a:solidFill>
+                  <a:schemeClr val="tx1">
+                    <a:lumMod val="75000"/>
+                    <a:lumOff val="25000"/>
+                  </a:schemeClr>
+                </a:solidFill>
+                <a:latin typeface="+mn-ea"/>
+                <a:ea typeface="+mn-ea"/>
+                <a:cs typeface="+mn-cs"/>
+              </a:defRPr>
+            </a:lvl3pPr>
+            <a:lvl4pPr marL="749808" indent="-182880" algn="l" defTabSz="914400" rtl="0" eaLnBrk="1" latinLnBrk="0" hangingPunct="1">
+              <a:lnSpc>
+                <a:spcPct val="90000"/>
+              </a:lnSpc>
+              <a:spcBef>
+                <a:spcPts val="200"/>
+              </a:spcBef>
+              <a:spcAft>
+                <a:spcPts val="400"/>
+              </a:spcAft>
+              <a:buClr>
+                <a:schemeClr val="accent1"/>
+              </a:buClr>
+              <a:buSzPct val="100000"/>
+              <a:buFont typeface="Wingdings" panose="05000000000000000000" pitchFamily="2" charset="2"/>
+              <a:buChar char="u"/>
+              <a:defRPr kumimoji="1" sz="2400" kern="1200">
+                <a:solidFill>
+                  <a:schemeClr val="tx1">
+                    <a:lumMod val="75000"/>
+                    <a:lumOff val="25000"/>
+                  </a:schemeClr>
+                </a:solidFill>
+                <a:latin typeface="+mn-ea"/>
+                <a:ea typeface="+mn-ea"/>
+                <a:cs typeface="+mn-cs"/>
+              </a:defRPr>
+            </a:lvl4pPr>
+            <a:lvl5pPr marL="932688" indent="-182880" algn="l" defTabSz="914400" rtl="0" eaLnBrk="1" latinLnBrk="0" hangingPunct="1">
+              <a:lnSpc>
+                <a:spcPct val="90000"/>
+              </a:lnSpc>
+              <a:spcBef>
+                <a:spcPts val="200"/>
+              </a:spcBef>
+              <a:spcAft>
+                <a:spcPts val="400"/>
+              </a:spcAft>
+              <a:buClr>
+                <a:schemeClr val="accent1"/>
+              </a:buClr>
+              <a:buSzPct val="100000"/>
+              <a:buFont typeface="Wingdings" panose="05000000000000000000" pitchFamily="2" charset="2"/>
+              <a:buChar char="u"/>
+              <a:defRPr kumimoji="1" sz="2400" kern="1200">
+                <a:solidFill>
+                  <a:schemeClr val="tx1">
+                    <a:lumMod val="75000"/>
+                    <a:lumOff val="25000"/>
+                  </a:schemeClr>
+                </a:solidFill>
+                <a:latin typeface="+mn-ea"/>
+                <a:ea typeface="+mn-ea"/>
+                <a:cs typeface="+mn-cs"/>
+              </a:defRPr>
+            </a:lvl5pPr>
+            <a:lvl6pPr marL="1100000" indent="-228600" algn="l" defTabSz="914400" rtl="0" eaLnBrk="1" latinLnBrk="0" hangingPunct="1">
+              <a:lnSpc>
+                <a:spcPct val="90000"/>
+              </a:lnSpc>
+              <a:spcBef>
+                <a:spcPts val="200"/>
+              </a:spcBef>
+              <a:spcAft>
+                <a:spcPts val="400"/>
+              </a:spcAft>
+              <a:buClr>
+                <a:schemeClr val="accent1"/>
+              </a:buClr>
+              <a:buFont typeface="Calibri" pitchFamily="34" charset="0"/>
+              <a:buChar char="◦"/>
+              <a:defRPr kumimoji="1" sz="1400" kern="1200">
+                <a:solidFill>
+                  <a:schemeClr val="tx1">
+                    <a:lumMod val="75000"/>
+                    <a:lumOff val="25000"/>
+                  </a:schemeClr>
+                </a:solidFill>
+                <a:latin typeface="+mn-lt"/>
+                <a:ea typeface="+mn-ea"/>
+                <a:cs typeface="+mn-cs"/>
+              </a:defRPr>
+            </a:lvl6pPr>
+            <a:lvl7pPr marL="1300000" indent="-228600" algn="l" defTabSz="914400" rtl="0" eaLnBrk="1" latinLnBrk="0" hangingPunct="1">
+              <a:lnSpc>
+                <a:spcPct val="90000"/>
+              </a:lnSpc>
+              <a:spcBef>
+                <a:spcPts val="200"/>
+              </a:spcBef>
+              <a:spcAft>
+                <a:spcPts val="400"/>
+              </a:spcAft>
+              <a:buClr>
+                <a:schemeClr val="accent1"/>
+              </a:buClr>
+              <a:buFont typeface="Calibri" pitchFamily="34" charset="0"/>
+              <a:buChar char="◦"/>
+              <a:defRPr kumimoji="1" sz="1400" kern="1200">
+                <a:solidFill>
+                  <a:schemeClr val="tx1">
+                    <a:lumMod val="75000"/>
+                    <a:lumOff val="25000"/>
+                  </a:schemeClr>
+                </a:solidFill>
+                <a:latin typeface="+mn-lt"/>
+                <a:ea typeface="+mn-ea"/>
+                <a:cs typeface="+mn-cs"/>
+              </a:defRPr>
+            </a:lvl7pPr>
+            <a:lvl8pPr marL="1500000" indent="-228600" algn="l" defTabSz="914400" rtl="0" eaLnBrk="1" latinLnBrk="0" hangingPunct="1">
+              <a:lnSpc>
+                <a:spcPct val="90000"/>
+              </a:lnSpc>
+              <a:spcBef>
+                <a:spcPts val="200"/>
+              </a:spcBef>
+              <a:spcAft>
+                <a:spcPts val="400"/>
+              </a:spcAft>
+              <a:buClr>
+                <a:schemeClr val="accent1"/>
+              </a:buClr>
+              <a:buFont typeface="Calibri" pitchFamily="34" charset="0"/>
+              <a:buChar char="◦"/>
+              <a:defRPr kumimoji="1" sz="1400" kern="1200">
+                <a:solidFill>
+                  <a:schemeClr val="tx1">
+                    <a:lumMod val="75000"/>
+                    <a:lumOff val="25000"/>
+                  </a:schemeClr>
+                </a:solidFill>
+                <a:latin typeface="+mn-lt"/>
+                <a:ea typeface="+mn-ea"/>
+                <a:cs typeface="+mn-cs"/>
+              </a:defRPr>
+            </a:lvl8pPr>
+            <a:lvl9pPr marL="1700000" indent="-228600" algn="l" defTabSz="914400" rtl="0" eaLnBrk="1" latinLnBrk="0" hangingPunct="1">
+              <a:lnSpc>
+                <a:spcPct val="90000"/>
+              </a:lnSpc>
+              <a:spcBef>
+                <a:spcPts val="200"/>
+              </a:spcBef>
+              <a:spcAft>
+                <a:spcPts val="400"/>
+              </a:spcAft>
+              <a:buClr>
+                <a:schemeClr val="accent1"/>
+              </a:buClr>
+              <a:buFont typeface="Calibri" pitchFamily="34" charset="0"/>
+              <a:buChar char="◦"/>
+              <a:defRPr kumimoji="1" sz="1400" kern="1200">
+                <a:solidFill>
+                  <a:schemeClr val="tx1">
+                    <a:lumMod val="75000"/>
+                    <a:lumOff val="25000"/>
+                  </a:schemeClr>
+                </a:solidFill>
+                <a:latin typeface="+mn-lt"/>
+                <a:ea typeface="+mn-ea"/>
+                <a:cs typeface="+mn-cs"/>
+              </a:defRPr>
+            </a:lvl9pPr>
+          </a:lstStyle>
+          <a:p>
+            <a:pPr algn="ctr"/>
+            <a:r>
+              <a:rPr lang="en-US" altLang="ja-JP" sz="2400" dirty="0"/>
+              <a:t>15 </a:t>
+            </a:r>
+            <a:r>
+              <a:rPr lang="ja-JP" altLang="en-US" sz="2400" dirty="0"/>
+              <a:t>世代</a:t>
+            </a:r>
+            <a:endParaRPr lang="en-US" altLang="ja-JP" sz="2400" dirty="0"/>
+          </a:p>
+        </p:txBody>
+      </p:sp>
+      <p:sp>
+        <p:nvSpPr>
+          <p:cNvPr id="19" name="コンテンツ プレースホルダー 4">
+            <a:extLst>
+              <a:ext uri="{FF2B5EF4-FFF2-40B4-BE49-F238E27FC236}">
+                <a16:creationId xmlns:a16="http://schemas.microsoft.com/office/drawing/2014/main" id="{545C5C11-F660-460D-9541-DC893BD061DE}"/>
+              </a:ext>
+            </a:extLst>
+          </p:cNvPr>
+          <p:cNvSpPr txBox="1">
+            <a:spLocks/>
+          </p:cNvSpPr>
+          <p:nvPr/>
+        </p:nvSpPr>
+        <p:spPr>
+          <a:xfrm>
+            <a:off x="6819146" y="1451987"/>
+            <a:ext cx="1250948" cy="440497"/>
+          </a:xfrm>
+          <a:prstGeom prst="rect">
+            <a:avLst/>
+          </a:prstGeom>
+        </p:spPr>
+        <p:txBody>
+          <a:bodyPr vert="horz" lIns="0" tIns="45720" rIns="0" bIns="45720" rtlCol="0" anchor="ctr">
+            <a:normAutofit/>
+          </a:bodyPr>
+          <a:lstStyle>
+            <a:lvl1pPr marL="0" indent="0" algn="l" defTabSz="914400" rtl="0" eaLnBrk="1" latinLnBrk="0" hangingPunct="1">
+              <a:lnSpc>
+                <a:spcPct val="90000"/>
+              </a:lnSpc>
+              <a:spcBef>
+                <a:spcPts val="1200"/>
+              </a:spcBef>
+              <a:spcAft>
+                <a:spcPts val="200"/>
+              </a:spcAft>
+              <a:buClr>
+                <a:schemeClr val="accent1"/>
+              </a:buClr>
+              <a:buSzPct val="100000"/>
+              <a:buFontTx/>
+              <a:buNone/>
+              <a:defRPr kumimoji="1" sz="3600" kern="1200">
+                <a:solidFill>
+                  <a:schemeClr val="tx1">
+                    <a:lumMod val="75000"/>
+                    <a:lumOff val="25000"/>
+                  </a:schemeClr>
+                </a:solidFill>
+                <a:latin typeface="+mn-ea"/>
+                <a:ea typeface="+mn-ea"/>
+                <a:cs typeface="+mn-cs"/>
+              </a:defRPr>
+            </a:lvl1pPr>
+            <a:lvl2pPr marL="384048" indent="-182880" algn="l" defTabSz="914400" rtl="0" eaLnBrk="1" latinLnBrk="0" hangingPunct="1">
+              <a:lnSpc>
+                <a:spcPct val="90000"/>
+              </a:lnSpc>
+              <a:spcBef>
+                <a:spcPts val="200"/>
+              </a:spcBef>
+              <a:spcAft>
+                <a:spcPts val="400"/>
+              </a:spcAft>
+              <a:buClr>
+                <a:schemeClr val="accent1"/>
+              </a:buClr>
+              <a:buSzPct val="100000"/>
+              <a:buFont typeface="Wingdings" panose="05000000000000000000" pitchFamily="2" charset="2"/>
+              <a:buChar char="u"/>
+              <a:defRPr kumimoji="1" sz="3200" kern="1200">
+                <a:solidFill>
+                  <a:schemeClr val="tx1">
+                    <a:lumMod val="75000"/>
+                    <a:lumOff val="25000"/>
+                  </a:schemeClr>
+                </a:solidFill>
+                <a:latin typeface="+mn-ea"/>
+                <a:ea typeface="+mn-ea"/>
+                <a:cs typeface="+mn-cs"/>
+              </a:defRPr>
+            </a:lvl2pPr>
+            <a:lvl3pPr marL="566928" indent="-182880" algn="l" defTabSz="914400" rtl="0" eaLnBrk="1" latinLnBrk="0" hangingPunct="1">
+              <a:lnSpc>
+                <a:spcPct val="90000"/>
+              </a:lnSpc>
+              <a:spcBef>
+                <a:spcPts val="200"/>
+              </a:spcBef>
+              <a:spcAft>
+                <a:spcPts val="400"/>
+              </a:spcAft>
+              <a:buClr>
+                <a:schemeClr val="accent1"/>
+              </a:buClr>
+              <a:buSzPct val="100000"/>
+              <a:buFont typeface="Wingdings" panose="05000000000000000000" pitchFamily="2" charset="2"/>
+              <a:buChar char="u"/>
+              <a:defRPr kumimoji="1" sz="2400" kern="1200">
+                <a:solidFill>
+                  <a:schemeClr val="tx1">
+                    <a:lumMod val="75000"/>
+                    <a:lumOff val="25000"/>
+                  </a:schemeClr>
+                </a:solidFill>
+                <a:latin typeface="+mn-ea"/>
+                <a:ea typeface="+mn-ea"/>
+                <a:cs typeface="+mn-cs"/>
+              </a:defRPr>
+            </a:lvl3pPr>
+            <a:lvl4pPr marL="749808" indent="-182880" algn="l" defTabSz="914400" rtl="0" eaLnBrk="1" latinLnBrk="0" hangingPunct="1">
+              <a:lnSpc>
+                <a:spcPct val="90000"/>
+              </a:lnSpc>
+              <a:spcBef>
+                <a:spcPts val="200"/>
+              </a:spcBef>
+              <a:spcAft>
+                <a:spcPts val="400"/>
+              </a:spcAft>
+              <a:buClr>
+                <a:schemeClr val="accent1"/>
+              </a:buClr>
+              <a:buSzPct val="100000"/>
+              <a:buFont typeface="Wingdings" panose="05000000000000000000" pitchFamily="2" charset="2"/>
+              <a:buChar char="u"/>
+              <a:defRPr kumimoji="1" sz="2400" kern="1200">
+                <a:solidFill>
+                  <a:schemeClr val="tx1">
+                    <a:lumMod val="75000"/>
+                    <a:lumOff val="25000"/>
+                  </a:schemeClr>
+                </a:solidFill>
+                <a:latin typeface="+mn-ea"/>
+                <a:ea typeface="+mn-ea"/>
+                <a:cs typeface="+mn-cs"/>
+              </a:defRPr>
+            </a:lvl4pPr>
+            <a:lvl5pPr marL="932688" indent="-182880" algn="l" defTabSz="914400" rtl="0" eaLnBrk="1" latinLnBrk="0" hangingPunct="1">
+              <a:lnSpc>
+                <a:spcPct val="90000"/>
+              </a:lnSpc>
+              <a:spcBef>
+                <a:spcPts val="200"/>
+              </a:spcBef>
+              <a:spcAft>
+                <a:spcPts val="400"/>
+              </a:spcAft>
+              <a:buClr>
+                <a:schemeClr val="accent1"/>
+              </a:buClr>
+              <a:buSzPct val="100000"/>
+              <a:buFont typeface="Wingdings" panose="05000000000000000000" pitchFamily="2" charset="2"/>
+              <a:buChar char="u"/>
+              <a:defRPr kumimoji="1" sz="2400" kern="1200">
+                <a:solidFill>
+                  <a:schemeClr val="tx1">
+                    <a:lumMod val="75000"/>
+                    <a:lumOff val="25000"/>
+                  </a:schemeClr>
+                </a:solidFill>
+                <a:latin typeface="+mn-ea"/>
+                <a:ea typeface="+mn-ea"/>
+                <a:cs typeface="+mn-cs"/>
+              </a:defRPr>
+            </a:lvl5pPr>
+            <a:lvl6pPr marL="1100000" indent="-228600" algn="l" defTabSz="914400" rtl="0" eaLnBrk="1" latinLnBrk="0" hangingPunct="1">
+              <a:lnSpc>
+                <a:spcPct val="90000"/>
+              </a:lnSpc>
+              <a:spcBef>
+                <a:spcPts val="200"/>
+              </a:spcBef>
+              <a:spcAft>
+                <a:spcPts val="400"/>
+              </a:spcAft>
+              <a:buClr>
+                <a:schemeClr val="accent1"/>
+              </a:buClr>
+              <a:buFont typeface="Calibri" pitchFamily="34" charset="0"/>
+              <a:buChar char="◦"/>
+              <a:defRPr kumimoji="1" sz="1400" kern="1200">
+                <a:solidFill>
+                  <a:schemeClr val="tx1">
+                    <a:lumMod val="75000"/>
+                    <a:lumOff val="25000"/>
+                  </a:schemeClr>
+                </a:solidFill>
+                <a:latin typeface="+mn-lt"/>
+                <a:ea typeface="+mn-ea"/>
+                <a:cs typeface="+mn-cs"/>
+              </a:defRPr>
+            </a:lvl6pPr>
+            <a:lvl7pPr marL="1300000" indent="-228600" algn="l" defTabSz="914400" rtl="0" eaLnBrk="1" latinLnBrk="0" hangingPunct="1">
+              <a:lnSpc>
+                <a:spcPct val="90000"/>
+              </a:lnSpc>
+              <a:spcBef>
+                <a:spcPts val="200"/>
+              </a:spcBef>
+              <a:spcAft>
+                <a:spcPts val="400"/>
+              </a:spcAft>
+              <a:buClr>
+                <a:schemeClr val="accent1"/>
+              </a:buClr>
+              <a:buFont typeface="Calibri" pitchFamily="34" charset="0"/>
+              <a:buChar char="◦"/>
+              <a:defRPr kumimoji="1" sz="1400" kern="1200">
+                <a:solidFill>
+                  <a:schemeClr val="tx1">
+                    <a:lumMod val="75000"/>
+                    <a:lumOff val="25000"/>
+                  </a:schemeClr>
+                </a:solidFill>
+                <a:latin typeface="+mn-lt"/>
+                <a:ea typeface="+mn-ea"/>
+                <a:cs typeface="+mn-cs"/>
+              </a:defRPr>
+            </a:lvl7pPr>
+            <a:lvl8pPr marL="1500000" indent="-228600" algn="l" defTabSz="914400" rtl="0" eaLnBrk="1" latinLnBrk="0" hangingPunct="1">
+              <a:lnSpc>
+                <a:spcPct val="90000"/>
+              </a:lnSpc>
+              <a:spcBef>
+                <a:spcPts val="200"/>
+              </a:spcBef>
+              <a:spcAft>
+                <a:spcPts val="400"/>
+              </a:spcAft>
+              <a:buClr>
+                <a:schemeClr val="accent1"/>
+              </a:buClr>
+              <a:buFont typeface="Calibri" pitchFamily="34" charset="0"/>
+              <a:buChar char="◦"/>
+              <a:defRPr kumimoji="1" sz="1400" kern="1200">
+                <a:solidFill>
+                  <a:schemeClr val="tx1">
+                    <a:lumMod val="75000"/>
+                    <a:lumOff val="25000"/>
+                  </a:schemeClr>
+                </a:solidFill>
+                <a:latin typeface="+mn-lt"/>
+                <a:ea typeface="+mn-ea"/>
+                <a:cs typeface="+mn-cs"/>
+              </a:defRPr>
+            </a:lvl8pPr>
+            <a:lvl9pPr marL="1700000" indent="-228600" algn="l" defTabSz="914400" rtl="0" eaLnBrk="1" latinLnBrk="0" hangingPunct="1">
+              <a:lnSpc>
+                <a:spcPct val="90000"/>
+              </a:lnSpc>
+              <a:spcBef>
+                <a:spcPts val="200"/>
+              </a:spcBef>
+              <a:spcAft>
+                <a:spcPts val="400"/>
+              </a:spcAft>
+              <a:buClr>
+                <a:schemeClr val="accent1"/>
+              </a:buClr>
+              <a:buFont typeface="Calibri" pitchFamily="34" charset="0"/>
+              <a:buChar char="◦"/>
+              <a:defRPr kumimoji="1" sz="1400" kern="1200">
+                <a:solidFill>
+                  <a:schemeClr val="tx1">
+                    <a:lumMod val="75000"/>
+                    <a:lumOff val="25000"/>
+                  </a:schemeClr>
+                </a:solidFill>
+                <a:latin typeface="+mn-lt"/>
+                <a:ea typeface="+mn-ea"/>
+                <a:cs typeface="+mn-cs"/>
+              </a:defRPr>
+            </a:lvl9pPr>
+          </a:lstStyle>
+          <a:p>
+            <a:pPr algn="ctr"/>
+            <a:r>
+              <a:rPr lang="en-US" altLang="ja-JP" sz="2400" dirty="0"/>
+              <a:t>20 </a:t>
+            </a:r>
+            <a:r>
+              <a:rPr lang="ja-JP" altLang="en-US" sz="2400" dirty="0"/>
+              <a:t>世代</a:t>
+            </a:r>
+            <a:endParaRPr lang="en-US" altLang="ja-JP" sz="2400" dirty="0"/>
+          </a:p>
+        </p:txBody>
+      </p:sp>
+    </p:spTree>
+    <p:extLst>
+      <p:ext uri="{BB962C8B-B14F-4D97-AF65-F5344CB8AC3E}">
+        <p14:creationId xmlns:p14="http://schemas.microsoft.com/office/powerpoint/2010/main" val="150166565"/>
+      </p:ext>
+    </p:extLst>
+  </p:cSld>
+  <p:clrMapOvr>
+    <a:masterClrMapping/>
+  </p:clrMapOvr>
+</p:sld>
+</file>
+
+<file path=ppt/slides/slide53.xml><?xml version="1.0" encoding="utf-8"?>
 <p:sld xmlns:a="http://schemas.openxmlformats.org/drawingml/2006/main" xmlns:r="http://schemas.openxmlformats.org/officeDocument/2006/relationships" xmlns:p="http://schemas.openxmlformats.org/presentationml/2006/main" show="0">
   <p:cSld>
     <p:spTree>
@@ -30273,7 +33482,7 @@
           <a:p>
             <a:fld id="{304739FC-810C-4CDC-B60F-21F1951FBC64}" type="slidenum">
               <a:rPr kumimoji="1" lang="ja-JP" altLang="en-US" smtClean="0"/>
-              <a:t>51</a:t>
+              <a:t>53</a:t>
             </a:fld>
             <a:endParaRPr kumimoji="1" lang="ja-JP" altLang="en-US"/>
           </a:p>
@@ -30328,7 +33537,7 @@
 </p:sld>
 </file>
 
-<file path=ppt/slides/slide52.xml><?xml version="1.0" encoding="utf-8"?>
+<file path=ppt/slides/slide54.xml><?xml version="1.0" encoding="utf-8"?>
 <p:sld xmlns:a="http://schemas.openxmlformats.org/drawingml/2006/main" xmlns:r="http://schemas.openxmlformats.org/officeDocument/2006/relationships" xmlns:p="http://schemas.openxmlformats.org/presentationml/2006/main">
   <p:cSld>
     <p:spTree>
@@ -30551,7 +33760,7 @@
           <a:p>
             <a:fld id="{304739FC-810C-4CDC-B60F-21F1951FBC64}" type="slidenum">
               <a:rPr kumimoji="1" lang="ja-JP" altLang="en-US" smtClean="0"/>
-              <a:t>52</a:t>
+              <a:t>54</a:t>
             </a:fld>
             <a:endParaRPr kumimoji="1" lang="ja-JP" altLang="en-US"/>
           </a:p>
@@ -30578,7 +33787,7 @@
 </p:sld>
 </file>
 
-<file path=ppt/slides/slide53.xml><?xml version="1.0" encoding="utf-8"?>
+<file path=ppt/slides/slide55.xml><?xml version="1.0" encoding="utf-8"?>
 <p:sld xmlns:a="http://schemas.openxmlformats.org/drawingml/2006/main" xmlns:r="http://schemas.openxmlformats.org/officeDocument/2006/relationships" xmlns:p="http://schemas.openxmlformats.org/presentationml/2006/main">
   <p:cSld>
     <p:spTree>
@@ -30713,7 +33922,7 @@
           <a:p>
             <a:fld id="{304739FC-810C-4CDC-B60F-21F1951FBC64}" type="slidenum">
               <a:rPr kumimoji="1" lang="ja-JP" altLang="en-US" smtClean="0"/>
-              <a:t>53</a:t>
+              <a:t>55</a:t>
             </a:fld>
             <a:endParaRPr kumimoji="1" lang="ja-JP" altLang="en-US"/>
           </a:p>
@@ -30740,7 +33949,7 @@
 </p:sld>
 </file>
 
-<file path=ppt/slides/slide54.xml><?xml version="1.0" encoding="utf-8"?>
+<file path=ppt/slides/slide56.xml><?xml version="1.0" encoding="utf-8"?>
 <p:sld xmlns:a="http://schemas.openxmlformats.org/drawingml/2006/main" xmlns:r="http://schemas.openxmlformats.org/officeDocument/2006/relationships" xmlns:p="http://schemas.openxmlformats.org/presentationml/2006/main">
   <p:cSld>
     <p:spTree>
@@ -30880,7 +34089,7 @@
           <a:p>
             <a:fld id="{304739FC-810C-4CDC-B60F-21F1951FBC64}" type="slidenum">
               <a:rPr kumimoji="1" lang="ja-JP" altLang="en-US" smtClean="0"/>
-              <a:t>54</a:t>
+              <a:t>56</a:t>
             </a:fld>
             <a:endParaRPr kumimoji="1" lang="ja-JP" altLang="en-US"/>
           </a:p>
@@ -30907,7 +34116,7 @@
 </p:sld>
 </file>
 
-<file path=ppt/slides/slide55.xml><?xml version="1.0" encoding="utf-8"?>
+<file path=ppt/slides/slide57.xml><?xml version="1.0" encoding="utf-8"?>
 <p:sld xmlns:a="http://schemas.openxmlformats.org/drawingml/2006/main" xmlns:r="http://schemas.openxmlformats.org/officeDocument/2006/relationships" xmlns:p="http://schemas.openxmlformats.org/presentationml/2006/main">
   <p:cSld>
     <p:spTree>
@@ -30985,7 +34194,7 @@
           <a:p>
             <a:fld id="{304739FC-810C-4CDC-B60F-21F1951FBC64}" type="slidenum">
               <a:rPr kumimoji="1" lang="ja-JP" altLang="en-US" smtClean="0"/>
-              <a:t>55</a:t>
+              <a:t>57</a:t>
             </a:fld>
             <a:endParaRPr kumimoji="1" lang="ja-JP" altLang="en-US"/>
           </a:p>

--- a/report/2020後期/2020_2nd_sugiyama.pptx
+++ b/report/2020後期/2020_2nd_sugiyama.pptx
@@ -698,7 +698,23 @@
           <a:p>
             <a:r>
               <a:rPr kumimoji="1" lang="ja-JP" altLang="en-US" dirty="0"/>
-              <a:t>機械学習の分野では深層学習モデルの改良によって</a:t>
+              <a:t>機械学習の分野では</a:t>
+            </a:r>
+            <a:r>
+              <a:rPr kumimoji="1" lang="en-US" altLang="ja-JP" dirty="0"/>
+              <a:t>, VGG</a:t>
+            </a:r>
+            <a:r>
+              <a:rPr kumimoji="1" lang="ja-JP" altLang="en-US" dirty="0"/>
+              <a:t>や</a:t>
+            </a:r>
+            <a:r>
+              <a:rPr kumimoji="1" lang="en-US" altLang="ja-JP" dirty="0"/>
+              <a:t>ResNet</a:t>
+            </a:r>
+            <a:r>
+              <a:rPr kumimoji="1" lang="ja-JP" altLang="en-US" dirty="0"/>
+              <a:t>など深層学習モデルの改良によって</a:t>
             </a:r>
             <a:r>
               <a:rPr kumimoji="1" lang="en-US" altLang="ja-JP" dirty="0"/>
@@ -796,12 +812,6 @@
           <a:bodyPr/>
           <a:lstStyle/>
           <a:p>
-            <a:r>
-              <a:rPr kumimoji="1" lang="ja-JP" altLang="en-US" dirty="0"/>
-              <a:t>ショートカットの本数も探索</a:t>
-            </a:r>
-          </a:p>
-          <a:p>
             <a:endParaRPr kumimoji="1" lang="ja-JP" altLang="en-US" dirty="0"/>
           </a:p>
         </p:txBody>
@@ -823,7 +833,7 @@
           <a:p>
             <a:fld id="{570587E7-E4E0-444A-8778-95544D215363}" type="slidenum">
               <a:rPr kumimoji="1" lang="ja-JP" altLang="en-US" smtClean="0"/>
-              <a:t>30</a:t>
+              <a:t>26</a:t>
             </a:fld>
             <a:endParaRPr kumimoji="1" lang="ja-JP" altLang="en-US"/>
           </a:p>
@@ -832,7 +842,7 @@
     </p:spTree>
     <p:extLst>
       <p:ext uri="{BB962C8B-B14F-4D97-AF65-F5344CB8AC3E}">
-        <p14:creationId xmlns:p14="http://schemas.microsoft.com/office/powerpoint/2010/main" val="3509333639"/>
+        <p14:creationId xmlns:p14="http://schemas.microsoft.com/office/powerpoint/2010/main" val="2533316042"/>
       </p:ext>
     </p:extLst>
   </p:cSld>
@@ -888,61 +898,8 @@
           <a:p>
             <a:r>
               <a:rPr kumimoji="1" lang="ja-JP" altLang="en-US" dirty="0"/>
-              <a:t>実験 </a:t>
-            </a:r>
-            <a:r>
-              <a:rPr kumimoji="1" lang="en-US" altLang="ja-JP" dirty="0"/>
-              <a:t>1 </a:t>
-            </a:r>
-            <a:r>
-              <a:rPr kumimoji="1" lang="ja-JP" altLang="en-US" dirty="0"/>
-              <a:t>では </a:t>
-            </a:r>
-            <a:r>
-              <a:rPr kumimoji="1" lang="en-US" altLang="ja-JP" dirty="0"/>
-              <a:t>α </a:t>
-            </a:r>
-            <a:r>
-              <a:rPr kumimoji="1" lang="ja-JP" altLang="en-US" dirty="0"/>
-              <a:t>の学習度によって重み </a:t>
-            </a:r>
-            <a:r>
-              <a:rPr kumimoji="1" lang="en-US" altLang="ja-JP" dirty="0"/>
-              <a:t>w </a:t>
-            </a:r>
-            <a:r>
-              <a:rPr kumimoji="1" lang="ja-JP" altLang="en-US" dirty="0"/>
-              <a:t>の学習しや </a:t>
-            </a:r>
-            <a:r>
-              <a:rPr kumimoji="1" lang="ja-JP" altLang="en-US" dirty="0" err="1"/>
-              <a:t>すさに</a:t>
-            </a:r>
-            <a:r>
-              <a:rPr kumimoji="1" lang="ja-JP" altLang="en-US" dirty="0"/>
-              <a:t>偏りがあったため</a:t>
-            </a:r>
-            <a:r>
-              <a:rPr kumimoji="1" lang="en-US" altLang="ja-JP" dirty="0"/>
-              <a:t>, </a:t>
-            </a:r>
-            <a:r>
-              <a:rPr kumimoji="1" lang="ja-JP" altLang="en-US" dirty="0"/>
-              <a:t>収束するグラフ構造に</a:t>
-            </a:r>
-            <a:r>
-              <a:rPr kumimoji="1" lang="ja-JP" altLang="en-US" dirty="0" err="1"/>
-              <a:t>ばらつ</a:t>
-            </a:r>
-            <a:r>
-              <a:rPr kumimoji="1" lang="ja-JP" altLang="en-US" dirty="0"/>
-              <a:t> きが見られた</a:t>
-            </a:r>
-            <a:r>
-              <a:rPr kumimoji="1" lang="en-US" altLang="ja-JP" dirty="0"/>
-              <a:t>. </a:t>
-            </a:r>
-            <a:endParaRPr kumimoji="1" lang="ja-JP" altLang="en-US" dirty="0"/>
+              <a:t>ショートカットの意味＋多すぎると逆にあれになると予想される</a:t>
+            </a:r>
           </a:p>
         </p:txBody>
       </p:sp>
@@ -963,6 +920,236 @@
           <a:p>
             <a:fld id="{570587E7-E4E0-444A-8778-95544D215363}" type="slidenum">
               <a:rPr kumimoji="1" lang="ja-JP" altLang="en-US" smtClean="0"/>
+              <a:t>27</a:t>
+            </a:fld>
+            <a:endParaRPr kumimoji="1" lang="ja-JP" altLang="en-US"/>
+          </a:p>
+        </p:txBody>
+      </p:sp>
+    </p:spTree>
+    <p:extLst>
+      <p:ext uri="{BB962C8B-B14F-4D97-AF65-F5344CB8AC3E}">
+        <p14:creationId xmlns:p14="http://schemas.microsoft.com/office/powerpoint/2010/main" val="2261881407"/>
+      </p:ext>
+    </p:extLst>
+  </p:cSld>
+  <p:clrMapOvr>
+    <a:masterClrMapping/>
+  </p:clrMapOvr>
+</p:notes>
+</file>
+
+<file path=ppt/notesSlides/notesSlide12.xml><?xml version="1.0" encoding="utf-8"?>
+<p:notes xmlns:a="http://schemas.openxmlformats.org/drawingml/2006/main" xmlns:r="http://schemas.openxmlformats.org/officeDocument/2006/relationships" xmlns:p="http://schemas.openxmlformats.org/presentationml/2006/main">
+  <p:cSld>
+    <p:spTree>
+      <p:nvGrpSpPr>
+        <p:cNvPr id="1" name=""/>
+        <p:cNvGrpSpPr/>
+        <p:nvPr/>
+      </p:nvGrpSpPr>
+      <p:grpSpPr>
+        <a:xfrm>
+          <a:off x="0" y="0"/>
+          <a:ext cx="0" cy="0"/>
+          <a:chOff x="0" y="0"/>
+          <a:chExt cx="0" cy="0"/>
+        </a:xfrm>
+      </p:grpSpPr>
+      <p:sp>
+        <p:nvSpPr>
+          <p:cNvPr id="2" name="スライド イメージ プレースホルダー 1"/>
+          <p:cNvSpPr>
+            <a:spLocks noGrp="1" noRot="1" noChangeAspect="1"/>
+          </p:cNvSpPr>
+          <p:nvPr>
+            <p:ph type="sldImg"/>
+          </p:nvPr>
+        </p:nvSpPr>
+        <p:spPr/>
+      </p:sp>
+      <p:sp>
+        <p:nvSpPr>
+          <p:cNvPr id="3" name="ノート プレースホルダー 2"/>
+          <p:cNvSpPr>
+            <a:spLocks noGrp="1"/>
+          </p:cNvSpPr>
+          <p:nvPr>
+            <p:ph type="body" idx="1"/>
+          </p:nvPr>
+        </p:nvSpPr>
+        <p:spPr/>
+        <p:txBody>
+          <a:bodyPr/>
+          <a:lstStyle/>
+          <a:p>
+            <a:r>
+              <a:rPr kumimoji="1" lang="ja-JP" altLang="en-US" dirty="0"/>
+              <a:t>ショートカットの本数も探索</a:t>
+            </a:r>
+          </a:p>
+          <a:p>
+            <a:endParaRPr kumimoji="1" lang="ja-JP" altLang="en-US" dirty="0"/>
+          </a:p>
+        </p:txBody>
+      </p:sp>
+      <p:sp>
+        <p:nvSpPr>
+          <p:cNvPr id="4" name="スライド番号プレースホルダー 3"/>
+          <p:cNvSpPr>
+            <a:spLocks noGrp="1"/>
+          </p:cNvSpPr>
+          <p:nvPr>
+            <p:ph type="sldNum" sz="quarter" idx="5"/>
+          </p:nvPr>
+        </p:nvSpPr>
+        <p:spPr/>
+        <p:txBody>
+          <a:bodyPr/>
+          <a:lstStyle/>
+          <a:p>
+            <a:fld id="{570587E7-E4E0-444A-8778-95544D215363}" type="slidenum">
+              <a:rPr kumimoji="1" lang="ja-JP" altLang="en-US" smtClean="0"/>
+              <a:t>30</a:t>
+            </a:fld>
+            <a:endParaRPr kumimoji="1" lang="ja-JP" altLang="en-US"/>
+          </a:p>
+        </p:txBody>
+      </p:sp>
+    </p:spTree>
+    <p:extLst>
+      <p:ext uri="{BB962C8B-B14F-4D97-AF65-F5344CB8AC3E}">
+        <p14:creationId xmlns:p14="http://schemas.microsoft.com/office/powerpoint/2010/main" val="3509333639"/>
+      </p:ext>
+    </p:extLst>
+  </p:cSld>
+  <p:clrMapOvr>
+    <a:masterClrMapping/>
+  </p:clrMapOvr>
+</p:notes>
+</file>
+
+<file path=ppt/notesSlides/notesSlide13.xml><?xml version="1.0" encoding="utf-8"?>
+<p:notes xmlns:a="http://schemas.openxmlformats.org/drawingml/2006/main" xmlns:r="http://schemas.openxmlformats.org/officeDocument/2006/relationships" xmlns:p="http://schemas.openxmlformats.org/presentationml/2006/main">
+  <p:cSld>
+    <p:spTree>
+      <p:nvGrpSpPr>
+        <p:cNvPr id="1" name=""/>
+        <p:cNvGrpSpPr/>
+        <p:nvPr/>
+      </p:nvGrpSpPr>
+      <p:grpSpPr>
+        <a:xfrm>
+          <a:off x="0" y="0"/>
+          <a:ext cx="0" cy="0"/>
+          <a:chOff x="0" y="0"/>
+          <a:chExt cx="0" cy="0"/>
+        </a:xfrm>
+      </p:grpSpPr>
+      <p:sp>
+        <p:nvSpPr>
+          <p:cNvPr id="2" name="スライド イメージ プレースホルダー 1"/>
+          <p:cNvSpPr>
+            <a:spLocks noGrp="1" noRot="1" noChangeAspect="1"/>
+          </p:cNvSpPr>
+          <p:nvPr>
+            <p:ph type="sldImg"/>
+          </p:nvPr>
+        </p:nvSpPr>
+        <p:spPr/>
+      </p:sp>
+      <p:sp>
+        <p:nvSpPr>
+          <p:cNvPr id="3" name="ノート プレースホルダー 2"/>
+          <p:cNvSpPr>
+            <a:spLocks noGrp="1"/>
+          </p:cNvSpPr>
+          <p:nvPr>
+            <p:ph type="body" idx="1"/>
+          </p:nvPr>
+        </p:nvSpPr>
+        <p:spPr/>
+        <p:txBody>
+          <a:bodyPr/>
+          <a:lstStyle/>
+          <a:p>
+            <a:r>
+              <a:rPr kumimoji="1" lang="ja-JP" altLang="en-US" dirty="0"/>
+              <a:t>実験 </a:t>
+            </a:r>
+            <a:r>
+              <a:rPr kumimoji="1" lang="en-US" altLang="ja-JP" dirty="0"/>
+              <a:t>1 </a:t>
+            </a:r>
+            <a:r>
+              <a:rPr kumimoji="1" lang="ja-JP" altLang="en-US" dirty="0"/>
+              <a:t>では </a:t>
+            </a:r>
+            <a:r>
+              <a:rPr kumimoji="1" lang="en-US" altLang="ja-JP" dirty="0"/>
+              <a:t>α </a:t>
+            </a:r>
+            <a:r>
+              <a:rPr kumimoji="1" lang="ja-JP" altLang="en-US" dirty="0"/>
+              <a:t>の学習度によって重み </a:t>
+            </a:r>
+            <a:r>
+              <a:rPr kumimoji="1" lang="en-US" altLang="ja-JP" dirty="0"/>
+              <a:t>w </a:t>
+            </a:r>
+            <a:r>
+              <a:rPr kumimoji="1" lang="ja-JP" altLang="en-US" dirty="0"/>
+              <a:t>の学習しや </a:t>
+            </a:r>
+            <a:r>
+              <a:rPr kumimoji="1" lang="ja-JP" altLang="en-US" dirty="0" err="1"/>
+              <a:t>すさに</a:t>
+            </a:r>
+            <a:r>
+              <a:rPr kumimoji="1" lang="ja-JP" altLang="en-US" dirty="0"/>
+              <a:t>偏りがあったため</a:t>
+            </a:r>
+            <a:r>
+              <a:rPr kumimoji="1" lang="en-US" altLang="ja-JP" dirty="0"/>
+              <a:t>, </a:t>
+            </a:r>
+            <a:r>
+              <a:rPr kumimoji="1" lang="ja-JP" altLang="en-US" dirty="0"/>
+              <a:t>収束するグラフ構造に</a:t>
+            </a:r>
+            <a:r>
+              <a:rPr kumimoji="1" lang="ja-JP" altLang="en-US" dirty="0" err="1"/>
+              <a:t>ばらつ</a:t>
+            </a:r>
+            <a:r>
+              <a:rPr kumimoji="1" lang="ja-JP" altLang="en-US" dirty="0"/>
+              <a:t> きが見られた</a:t>
+            </a:r>
+            <a:r>
+              <a:rPr kumimoji="1" lang="en-US" altLang="ja-JP" dirty="0"/>
+              <a:t>. </a:t>
+            </a:r>
+            <a:endParaRPr kumimoji="1" lang="ja-JP" altLang="en-US" dirty="0"/>
+          </a:p>
+        </p:txBody>
+      </p:sp>
+      <p:sp>
+        <p:nvSpPr>
+          <p:cNvPr id="4" name="スライド番号プレースホルダー 3"/>
+          <p:cNvSpPr>
+            <a:spLocks noGrp="1"/>
+          </p:cNvSpPr>
+          <p:nvPr>
+            <p:ph type="sldNum" sz="quarter" idx="5"/>
+          </p:nvPr>
+        </p:nvSpPr>
+        <p:spPr/>
+        <p:txBody>
+          <a:bodyPr/>
+          <a:lstStyle/>
+          <a:p>
+            <a:fld id="{570587E7-E4E0-444A-8778-95544D215363}" type="slidenum">
+              <a:rPr kumimoji="1" lang="ja-JP" altLang="en-US" smtClean="0"/>
               <a:t>46</a:t>
             </a:fld>
             <a:endParaRPr kumimoji="1" lang="ja-JP" altLang="en-US"/>
@@ -982,7 +1169,7 @@
 </p:notes>
 </file>
 
-<file path=ppt/notesSlides/notesSlide12.xml><?xml version="1.0" encoding="utf-8"?>
+<file path=ppt/notesSlides/notesSlide14.xml><?xml version="1.0" encoding="utf-8"?>
 <p:notes xmlns:a="http://schemas.openxmlformats.org/drawingml/2006/main" xmlns:r="http://schemas.openxmlformats.org/officeDocument/2006/relationships" xmlns:p="http://schemas.openxmlformats.org/presentationml/2006/main">
   <p:cSld>
     <p:spTree>
@@ -1221,15 +1408,7 @@
           <a:p>
             <a:r>
               <a:rPr kumimoji="1" lang="ja-JP" altLang="en-US" dirty="0"/>
-              <a:t>設計に明確な指標がなく</a:t>
-            </a:r>
-            <a:r>
-              <a:rPr kumimoji="1" lang="en-US" altLang="ja-JP" dirty="0"/>
-              <a:t>, </a:t>
-            </a:r>
-            <a:r>
-              <a:rPr kumimoji="1" lang="ja-JP" altLang="en-US" dirty="0"/>
-              <a:t>性能との関係がブラックボックスであるため困難です</a:t>
+              <a:t>加えて設計と性能の関係が不明であるため，アーキテクチャの設計は困難なタスクです</a:t>
             </a:r>
             <a:r>
               <a:rPr kumimoji="1" lang="en-US" altLang="ja-JP" dirty="0"/>
@@ -1934,10 +2113,42 @@
           <a:bodyPr/>
           <a:lstStyle/>
           <a:p>
+            <a:pPr marL="0" marR="0" lvl="0" indent="0" algn="l" defTabSz="914400" rtl="0" eaLnBrk="1" fontAlgn="auto" latinLnBrk="0" hangingPunct="1">
+              <a:lnSpc>
+                <a:spcPct val="100000"/>
+              </a:lnSpc>
+              <a:spcBef>
+                <a:spcPts val="0"/>
+              </a:spcBef>
+              <a:spcAft>
+                <a:spcPts val="0"/>
+              </a:spcAft>
+              <a:buClrTx/>
+              <a:buSzTx/>
+              <a:buFontTx/>
+              <a:buNone/>
+              <a:tabLst/>
+              <a:defRPr/>
+            </a:pPr>
             <a:r>
               <a:rPr kumimoji="1" lang="ja-JP" altLang="en-US" dirty="0"/>
-              <a:t>ショートカットの意味＋多すぎると逆にあれになると予想される</a:t>
-            </a:r>
+              <a:t>そこで考えるタスクとして</a:t>
+            </a:r>
+            <a:r>
+              <a:rPr lang="en-US" altLang="ja-JP" dirty="0"/>
+              <a:t>VGG19</a:t>
+            </a:r>
+            <a:r>
+              <a:rPr lang="ja-JP" altLang="en-US" dirty="0"/>
+              <a:t>のショートカット接続を探索を定めました</a:t>
+            </a:r>
+            <a:r>
+              <a:rPr lang="en-US" altLang="ja-JP" dirty="0"/>
+              <a:t>.</a:t>
+            </a:r>
+          </a:p>
+          <a:p>
+            <a:endParaRPr kumimoji="1" lang="ja-JP" altLang="en-US" dirty="0"/>
           </a:p>
         </p:txBody>
       </p:sp>
@@ -1958,7 +2169,7 @@
           <a:p>
             <a:fld id="{570587E7-E4E0-444A-8778-95544D215363}" type="slidenum">
               <a:rPr kumimoji="1" lang="ja-JP" altLang="en-US" smtClean="0"/>
-              <a:t>27</a:t>
+              <a:t>25</a:t>
             </a:fld>
             <a:endParaRPr kumimoji="1" lang="ja-JP" altLang="en-US"/>
           </a:p>
@@ -1967,7 +2178,7 @@
     </p:spTree>
     <p:extLst>
       <p:ext uri="{BB962C8B-B14F-4D97-AF65-F5344CB8AC3E}">
-        <p14:creationId xmlns:p14="http://schemas.microsoft.com/office/powerpoint/2010/main" val="2261881407"/>
+        <p14:creationId xmlns:p14="http://schemas.microsoft.com/office/powerpoint/2010/main" val="3702937222"/>
       </p:ext>
     </p:extLst>
   </p:cSld>
@@ -8123,7 +8334,7 @@
           <a:graphicData uri="http://schemas.openxmlformats.org/presentationml/2006/ole">
             <mc:AlternateContent xmlns:mc="http://schemas.openxmlformats.org/markup-compatibility/2006">
               <mc:Choice xmlns:v="urn:schemas-microsoft-com:vml" Requires="v">
-                <p:oleObj spid="_x0000_s14362" name="ビットマップ イメージ" r:id="rId3" imgW="1800360" imgH="1800360" progId="Paint.Picture">
+                <p:oleObj spid="_x0000_s14364" name="ビットマップ イメージ" r:id="rId3" imgW="1800360" imgH="1800360" progId="Paint.Picture">
                   <p:embed/>
                 </p:oleObj>
               </mc:Choice>
@@ -17274,15 +17485,15 @@
           </a:p>
           <a:p>
             <a:r>
-              <a:rPr lang="en-US" altLang="ja-JP" dirty="0"/>
+              <a:rPr lang="en-US" altLang="ja-JP" sz="3200" dirty="0"/>
               <a:t>(</a:t>
             </a:r>
             <a:r>
-              <a:rPr lang="ja-JP" altLang="en-US" dirty="0"/>
+              <a:rPr lang="ja-JP" altLang="en-US" sz="3200" dirty="0"/>
               <a:t>演算子は固定</a:t>
             </a:r>
             <a:r>
-              <a:rPr lang="en-US" altLang="ja-JP" dirty="0"/>
+              <a:rPr lang="en-US" altLang="ja-JP" sz="3200" dirty="0"/>
               <a:t>)</a:t>
             </a:r>
           </a:p>
@@ -25704,7 +25915,7 @@
             <a:pPr lvl="1"/>
             <a:r>
               <a:rPr kumimoji="1" lang="ja-JP" altLang="en-US" dirty="0"/>
-              <a:t>モデルの構造で性能が向上</a:t>
+              <a:t>モデル構造の改良で性能が向上</a:t>
             </a:r>
             <a:endParaRPr kumimoji="1" lang="en-US" altLang="ja-JP" dirty="0"/>
           </a:p>

--- a/report/2020後期/2020_2nd_sugiyama.pptx
+++ b/report/2020後期/2020_2nd_sugiyama.pptx
@@ -5,7 +5,7 @@
     <p:sldMasterId id="2147483672" r:id="rId1"/>
   </p:sldMasterIdLst>
   <p:notesMasterIdLst>
-    <p:notesMasterId r:id="rId59"/>
+    <p:notesMasterId r:id="rId60"/>
   </p:notesMasterIdLst>
   <p:sldIdLst>
     <p:sldId id="256" r:id="rId2"/>
@@ -34,37 +34,38 @@
     <p:sldId id="266" r:id="rId25"/>
     <p:sldId id="301" r:id="rId26"/>
     <p:sldId id="302" r:id="rId27"/>
-    <p:sldId id="268" r:id="rId28"/>
-    <p:sldId id="295" r:id="rId29"/>
-    <p:sldId id="276" r:id="rId30"/>
-    <p:sldId id="318" r:id="rId31"/>
-    <p:sldId id="313" r:id="rId32"/>
-    <p:sldId id="309" r:id="rId33"/>
-    <p:sldId id="308" r:id="rId34"/>
-    <p:sldId id="296" r:id="rId35"/>
-    <p:sldId id="297" r:id="rId36"/>
-    <p:sldId id="310" r:id="rId37"/>
-    <p:sldId id="326" r:id="rId38"/>
-    <p:sldId id="315" r:id="rId39"/>
-    <p:sldId id="316" r:id="rId40"/>
-    <p:sldId id="314" r:id="rId41"/>
-    <p:sldId id="322" r:id="rId42"/>
-    <p:sldId id="317" r:id="rId43"/>
-    <p:sldId id="323" r:id="rId44"/>
-    <p:sldId id="324" r:id="rId45"/>
-    <p:sldId id="277" r:id="rId46"/>
-    <p:sldId id="298" r:id="rId47"/>
-    <p:sldId id="312" r:id="rId48"/>
-    <p:sldId id="299" r:id="rId49"/>
-    <p:sldId id="300" r:id="rId50"/>
-    <p:sldId id="321" r:id="rId51"/>
-    <p:sldId id="320" r:id="rId52"/>
-    <p:sldId id="325" r:id="rId53"/>
-    <p:sldId id="319" r:id="rId54"/>
-    <p:sldId id="278" r:id="rId55"/>
-    <p:sldId id="293" r:id="rId56"/>
-    <p:sldId id="294" r:id="rId57"/>
-    <p:sldId id="307" r:id="rId58"/>
+    <p:sldId id="327" r:id="rId28"/>
+    <p:sldId id="268" r:id="rId29"/>
+    <p:sldId id="295" r:id="rId30"/>
+    <p:sldId id="276" r:id="rId31"/>
+    <p:sldId id="318" r:id="rId32"/>
+    <p:sldId id="313" r:id="rId33"/>
+    <p:sldId id="309" r:id="rId34"/>
+    <p:sldId id="308" r:id="rId35"/>
+    <p:sldId id="296" r:id="rId36"/>
+    <p:sldId id="297" r:id="rId37"/>
+    <p:sldId id="310" r:id="rId38"/>
+    <p:sldId id="326" r:id="rId39"/>
+    <p:sldId id="315" r:id="rId40"/>
+    <p:sldId id="316" r:id="rId41"/>
+    <p:sldId id="314" r:id="rId42"/>
+    <p:sldId id="322" r:id="rId43"/>
+    <p:sldId id="317" r:id="rId44"/>
+    <p:sldId id="323" r:id="rId45"/>
+    <p:sldId id="324" r:id="rId46"/>
+    <p:sldId id="277" r:id="rId47"/>
+    <p:sldId id="298" r:id="rId48"/>
+    <p:sldId id="312" r:id="rId49"/>
+    <p:sldId id="299" r:id="rId50"/>
+    <p:sldId id="300" r:id="rId51"/>
+    <p:sldId id="321" r:id="rId52"/>
+    <p:sldId id="320" r:id="rId53"/>
+    <p:sldId id="325" r:id="rId54"/>
+    <p:sldId id="319" r:id="rId55"/>
+    <p:sldId id="278" r:id="rId56"/>
+    <p:sldId id="293" r:id="rId57"/>
+    <p:sldId id="294" r:id="rId58"/>
+    <p:sldId id="307" r:id="rId59"/>
   </p:sldIdLst>
   <p:sldSz cx="9144000" cy="6858000" type="screen4x3"/>
   <p:notesSz cx="6858000" cy="9144000"/>
@@ -206,6 +207,7 @@
             <p14:sldId id="266"/>
             <p14:sldId id="301"/>
             <p14:sldId id="302"/>
+            <p14:sldId id="327"/>
             <p14:sldId id="268"/>
             <p14:sldId id="295"/>
           </p14:sldIdLst>
@@ -896,10 +898,7 @@
           <a:bodyPr/>
           <a:lstStyle/>
           <a:p>
-            <a:r>
-              <a:rPr kumimoji="1" lang="ja-JP" altLang="en-US" dirty="0"/>
-              <a:t>ショートカットの意味＋多すぎると逆にあれになると予想される</a:t>
-            </a:r>
+            <a:endParaRPr kumimoji="1" lang="ja-JP" altLang="en-US" dirty="0"/>
           </a:p>
         </p:txBody>
       </p:sp>
@@ -929,7 +928,7 @@
     </p:spTree>
     <p:extLst>
       <p:ext uri="{BB962C8B-B14F-4D97-AF65-F5344CB8AC3E}">
-        <p14:creationId xmlns:p14="http://schemas.microsoft.com/office/powerpoint/2010/main" val="2261881407"/>
+        <p14:creationId xmlns:p14="http://schemas.microsoft.com/office/powerpoint/2010/main" val="2629915690"/>
       </p:ext>
     </p:extLst>
   </p:cSld>
@@ -985,11 +984,8 @@
           <a:p>
             <a:r>
               <a:rPr kumimoji="1" lang="ja-JP" altLang="en-US" dirty="0"/>
-              <a:t>ショートカットの本数も探索</a:t>
-            </a:r>
-          </a:p>
-          <a:p>
-            <a:endParaRPr kumimoji="1" lang="ja-JP" altLang="en-US" dirty="0"/>
+              <a:t>ショートカットの意味＋多すぎると逆にあれになると予想される</a:t>
+            </a:r>
           </a:p>
         </p:txBody>
       </p:sp>
@@ -1010,7 +1006,7 @@
           <a:p>
             <a:fld id="{570587E7-E4E0-444A-8778-95544D215363}" type="slidenum">
               <a:rPr kumimoji="1" lang="ja-JP" altLang="en-US" smtClean="0"/>
-              <a:t>30</a:t>
+              <a:t>28</a:t>
             </a:fld>
             <a:endParaRPr kumimoji="1" lang="ja-JP" altLang="en-US"/>
           </a:p>
@@ -1019,7 +1015,7 @@
     </p:spTree>
     <p:extLst>
       <p:ext uri="{BB962C8B-B14F-4D97-AF65-F5344CB8AC3E}">
-        <p14:creationId xmlns:p14="http://schemas.microsoft.com/office/powerpoint/2010/main" val="3509333639"/>
+        <p14:creationId xmlns:p14="http://schemas.microsoft.com/office/powerpoint/2010/main" val="2261881407"/>
       </p:ext>
     </p:extLst>
   </p:cSld>
@@ -1075,60 +1071,10 @@
           <a:p>
             <a:r>
               <a:rPr kumimoji="1" lang="ja-JP" altLang="en-US" dirty="0"/>
-              <a:t>実験 </a:t>
-            </a:r>
-            <a:r>
-              <a:rPr kumimoji="1" lang="en-US" altLang="ja-JP" dirty="0"/>
-              <a:t>1 </a:t>
-            </a:r>
-            <a:r>
-              <a:rPr kumimoji="1" lang="ja-JP" altLang="en-US" dirty="0"/>
-              <a:t>では </a:t>
-            </a:r>
-            <a:r>
-              <a:rPr kumimoji="1" lang="en-US" altLang="ja-JP" dirty="0"/>
-              <a:t>α </a:t>
-            </a:r>
-            <a:r>
-              <a:rPr kumimoji="1" lang="ja-JP" altLang="en-US" dirty="0"/>
-              <a:t>の学習度によって重み </a:t>
-            </a:r>
-            <a:r>
-              <a:rPr kumimoji="1" lang="en-US" altLang="ja-JP" dirty="0"/>
-              <a:t>w </a:t>
-            </a:r>
-            <a:r>
-              <a:rPr kumimoji="1" lang="ja-JP" altLang="en-US" dirty="0"/>
-              <a:t>の学習しや </a:t>
-            </a:r>
-            <a:r>
-              <a:rPr kumimoji="1" lang="ja-JP" altLang="en-US" dirty="0" err="1"/>
-              <a:t>すさに</a:t>
-            </a:r>
-            <a:r>
-              <a:rPr kumimoji="1" lang="ja-JP" altLang="en-US" dirty="0"/>
-              <a:t>偏りがあったため</a:t>
-            </a:r>
-            <a:r>
-              <a:rPr kumimoji="1" lang="en-US" altLang="ja-JP" dirty="0"/>
-              <a:t>, </a:t>
-            </a:r>
-            <a:r>
-              <a:rPr kumimoji="1" lang="ja-JP" altLang="en-US" dirty="0"/>
-              <a:t>収束するグラフ構造に</a:t>
-            </a:r>
-            <a:r>
-              <a:rPr kumimoji="1" lang="ja-JP" altLang="en-US" dirty="0" err="1"/>
-              <a:t>ばらつ</a:t>
-            </a:r>
-            <a:r>
-              <a:rPr kumimoji="1" lang="ja-JP" altLang="en-US" dirty="0"/>
-              <a:t> きが見られた</a:t>
-            </a:r>
-            <a:r>
-              <a:rPr kumimoji="1" lang="en-US" altLang="ja-JP" dirty="0"/>
-              <a:t>. </a:t>
-            </a:r>
+              <a:t>ショートカットの本数も探索</a:t>
+            </a:r>
+          </a:p>
+          <a:p>
             <a:endParaRPr kumimoji="1" lang="ja-JP" altLang="en-US" dirty="0"/>
           </a:p>
         </p:txBody>
@@ -1150,7 +1096,7 @@
           <a:p>
             <a:fld id="{570587E7-E4E0-444A-8778-95544D215363}" type="slidenum">
               <a:rPr kumimoji="1" lang="ja-JP" altLang="en-US" smtClean="0"/>
-              <a:t>46</a:t>
+              <a:t>31</a:t>
             </a:fld>
             <a:endParaRPr kumimoji="1" lang="ja-JP" altLang="en-US"/>
           </a:p>
@@ -1159,7 +1105,7 @@
     </p:spTree>
     <p:extLst>
       <p:ext uri="{BB962C8B-B14F-4D97-AF65-F5344CB8AC3E}">
-        <p14:creationId xmlns:p14="http://schemas.microsoft.com/office/powerpoint/2010/main" val="4044522607"/>
+        <p14:creationId xmlns:p14="http://schemas.microsoft.com/office/powerpoint/2010/main" val="3509333639"/>
       </p:ext>
     </p:extLst>
   </p:cSld>
@@ -1215,14 +1161,60 @@
           <a:p>
             <a:r>
               <a:rPr kumimoji="1" lang="ja-JP" altLang="en-US" dirty="0"/>
-              <a:t>各パラメータ集合の学習ステップを分離し個体間で 不平等がないように設計した</a:t>
+              <a:t>実験 </a:t>
             </a:r>
             <a:r>
               <a:rPr kumimoji="1" lang="en-US" altLang="ja-JP" dirty="0"/>
-              <a:t>.</a:t>
-            </a:r>
-          </a:p>
-          <a:p>
+              <a:t>1 </a:t>
+            </a:r>
+            <a:r>
+              <a:rPr kumimoji="1" lang="ja-JP" altLang="en-US" dirty="0"/>
+              <a:t>では </a:t>
+            </a:r>
+            <a:r>
+              <a:rPr kumimoji="1" lang="en-US" altLang="ja-JP" dirty="0"/>
+              <a:t>α </a:t>
+            </a:r>
+            <a:r>
+              <a:rPr kumimoji="1" lang="ja-JP" altLang="en-US" dirty="0"/>
+              <a:t>の学習度によって重み </a:t>
+            </a:r>
+            <a:r>
+              <a:rPr kumimoji="1" lang="en-US" altLang="ja-JP" dirty="0"/>
+              <a:t>w </a:t>
+            </a:r>
+            <a:r>
+              <a:rPr kumimoji="1" lang="ja-JP" altLang="en-US" dirty="0"/>
+              <a:t>の学習しや </a:t>
+            </a:r>
+            <a:r>
+              <a:rPr kumimoji="1" lang="ja-JP" altLang="en-US" dirty="0" err="1"/>
+              <a:t>すさに</a:t>
+            </a:r>
+            <a:r>
+              <a:rPr kumimoji="1" lang="ja-JP" altLang="en-US" dirty="0"/>
+              <a:t>偏りがあったため</a:t>
+            </a:r>
+            <a:r>
+              <a:rPr kumimoji="1" lang="en-US" altLang="ja-JP" dirty="0"/>
+              <a:t>, </a:t>
+            </a:r>
+            <a:r>
+              <a:rPr kumimoji="1" lang="ja-JP" altLang="en-US" dirty="0"/>
+              <a:t>収束するグラフ構造に</a:t>
+            </a:r>
+            <a:r>
+              <a:rPr kumimoji="1" lang="ja-JP" altLang="en-US" dirty="0" err="1"/>
+              <a:t>ばらつ</a:t>
+            </a:r>
+            <a:r>
+              <a:rPr kumimoji="1" lang="ja-JP" altLang="en-US" dirty="0"/>
+              <a:t> きが見られた</a:t>
+            </a:r>
+            <a:r>
+              <a:rPr kumimoji="1" lang="en-US" altLang="ja-JP" dirty="0"/>
+              <a:t>. </a:t>
+            </a:r>
             <a:endParaRPr kumimoji="1" lang="ja-JP" altLang="en-US" dirty="0"/>
           </a:p>
         </p:txBody>
@@ -1245,6 +1237,100 @@
             <a:fld id="{570587E7-E4E0-444A-8778-95544D215363}" type="slidenum">
               <a:rPr kumimoji="1" lang="ja-JP" altLang="en-US" smtClean="0"/>
               <a:t>47</a:t>
+            </a:fld>
+            <a:endParaRPr kumimoji="1" lang="ja-JP" altLang="en-US"/>
+          </a:p>
+        </p:txBody>
+      </p:sp>
+    </p:spTree>
+    <p:extLst>
+      <p:ext uri="{BB962C8B-B14F-4D97-AF65-F5344CB8AC3E}">
+        <p14:creationId xmlns:p14="http://schemas.microsoft.com/office/powerpoint/2010/main" val="4044522607"/>
+      </p:ext>
+    </p:extLst>
+  </p:cSld>
+  <p:clrMapOvr>
+    <a:masterClrMapping/>
+  </p:clrMapOvr>
+</p:notes>
+</file>
+
+<file path=ppt/notesSlides/notesSlide15.xml><?xml version="1.0" encoding="utf-8"?>
+<p:notes xmlns:a="http://schemas.openxmlformats.org/drawingml/2006/main" xmlns:r="http://schemas.openxmlformats.org/officeDocument/2006/relationships" xmlns:p="http://schemas.openxmlformats.org/presentationml/2006/main">
+  <p:cSld>
+    <p:spTree>
+      <p:nvGrpSpPr>
+        <p:cNvPr id="1" name=""/>
+        <p:cNvGrpSpPr/>
+        <p:nvPr/>
+      </p:nvGrpSpPr>
+      <p:grpSpPr>
+        <a:xfrm>
+          <a:off x="0" y="0"/>
+          <a:ext cx="0" cy="0"/>
+          <a:chOff x="0" y="0"/>
+          <a:chExt cx="0" cy="0"/>
+        </a:xfrm>
+      </p:grpSpPr>
+      <p:sp>
+        <p:nvSpPr>
+          <p:cNvPr id="2" name="スライド イメージ プレースホルダー 1"/>
+          <p:cNvSpPr>
+            <a:spLocks noGrp="1" noRot="1" noChangeAspect="1"/>
+          </p:cNvSpPr>
+          <p:nvPr>
+            <p:ph type="sldImg"/>
+          </p:nvPr>
+        </p:nvSpPr>
+        <p:spPr/>
+      </p:sp>
+      <p:sp>
+        <p:nvSpPr>
+          <p:cNvPr id="3" name="ノート プレースホルダー 2"/>
+          <p:cNvSpPr>
+            <a:spLocks noGrp="1"/>
+          </p:cNvSpPr>
+          <p:nvPr>
+            <p:ph type="body" idx="1"/>
+          </p:nvPr>
+        </p:nvSpPr>
+        <p:spPr/>
+        <p:txBody>
+          <a:bodyPr/>
+          <a:lstStyle/>
+          <a:p>
+            <a:r>
+              <a:rPr kumimoji="1" lang="ja-JP" altLang="en-US" dirty="0"/>
+              <a:t>各パラメータ集合の学習ステップを分離し個体間で 不平等がないように設計した</a:t>
+            </a:r>
+            <a:r>
+              <a:rPr kumimoji="1" lang="en-US" altLang="ja-JP" dirty="0"/>
+              <a:t>.</a:t>
+            </a:r>
+          </a:p>
+          <a:p>
+            <a:endParaRPr kumimoji="1" lang="ja-JP" altLang="en-US" dirty="0"/>
+          </a:p>
+        </p:txBody>
+      </p:sp>
+      <p:sp>
+        <p:nvSpPr>
+          <p:cNvPr id="4" name="スライド番号プレースホルダー 3"/>
+          <p:cNvSpPr>
+            <a:spLocks noGrp="1"/>
+          </p:cNvSpPr>
+          <p:nvPr>
+            <p:ph type="sldNum" sz="quarter" idx="5"/>
+          </p:nvPr>
+        </p:nvSpPr>
+        <p:spPr/>
+        <p:txBody>
+          <a:bodyPr/>
+          <a:lstStyle/>
+          <a:p>
+            <a:fld id="{570587E7-E4E0-444A-8778-95544D215363}" type="slidenum">
+              <a:rPr kumimoji="1" lang="ja-JP" altLang="en-US" smtClean="0"/>
+              <a:t>48</a:t>
             </a:fld>
             <a:endParaRPr kumimoji="1" lang="ja-JP" altLang="en-US"/>
           </a:p>
@@ -1408,7 +1494,15 @@
           <a:p>
             <a:r>
               <a:rPr kumimoji="1" lang="ja-JP" altLang="en-US" dirty="0"/>
-              <a:t>加えて設計と性能の関係が不明であるため，アーキテクチャの設計は困難なタスクです</a:t>
+              <a:t>設計と性能の関係は直感的には分からず</a:t>
+            </a:r>
+            <a:r>
+              <a:rPr kumimoji="1" lang="en-US" altLang="ja-JP" dirty="0"/>
+              <a:t>, </a:t>
+            </a:r>
+            <a:r>
+              <a:rPr kumimoji="1" lang="ja-JP" altLang="en-US" dirty="0"/>
+              <a:t>正確に知るには時間がかかるため，アーキテクチャの設計は困難なタスクです</a:t>
             </a:r>
             <a:r>
               <a:rPr kumimoji="1" lang="en-US" altLang="ja-JP" dirty="0"/>
@@ -6238,7 +6332,12 @@
             <p:ph type="ctrTitle"/>
           </p:nvPr>
         </p:nvSpPr>
-        <p:spPr/>
+        <p:spPr>
+          <a:xfrm>
+            <a:off x="822959" y="758952"/>
+            <a:ext cx="7816215" cy="3566160"/>
+          </a:xfrm>
+        </p:spPr>
         <p:txBody>
           <a:bodyPr>
             <a:noAutofit/>
@@ -6251,7 +6350,7 @@
                   <a:schemeClr val="accent1"/>
                 </a:solidFill>
               </a:rPr>
-              <a:t>DARTS</a:t>
+              <a:t>DARTS </a:t>
             </a:r>
             <a:r>
               <a:rPr lang="ja-JP" altLang="en-US" sz="4800" dirty="0"/>
@@ -6259,11 +6358,11 @@
             </a:r>
             <a:r>
               <a:rPr lang="ja-JP" altLang="en-US" sz="5400" dirty="0"/>
-              <a:t>用いた</a:t>
+              <a:t>用いた </a:t>
             </a:r>
             <a:r>
               <a:rPr lang="en-US" altLang="ja-JP" sz="5400" dirty="0"/>
-              <a:t>VGG</a:t>
+              <a:t>VGG </a:t>
             </a:r>
             <a:r>
               <a:rPr lang="ja-JP" altLang="en-US" sz="4800" dirty="0"/>
@@ -6285,7 +6384,7 @@
             </a:br>
             <a:r>
               <a:rPr lang="en-US" altLang="ja-JP" sz="5400" dirty="0"/>
-              <a:t>GA</a:t>
+              <a:t>GA </a:t>
             </a:r>
             <a:r>
               <a:rPr lang="ja-JP" altLang="en-US" sz="4800" dirty="0"/>
@@ -6319,13 +6418,6 @@
         <p:txBody>
           <a:bodyPr/>
           <a:lstStyle/>
-          <a:p>
-            <a:r>
-              <a:rPr lang="ja-JP" altLang="en-US" dirty="0"/>
-              <a:t>ソフトウェアシステム研究グループ</a:t>
-            </a:r>
-            <a:endParaRPr lang="en-US" altLang="ja-JP" dirty="0"/>
-          </a:p>
           <a:p>
             <a:r>
               <a:rPr kumimoji="1" lang="en-US" altLang="ja-JP" dirty="0"/>
@@ -7624,8 +7716,8 @@
         </p:blipFill>
         <p:spPr bwMode="auto">
           <a:xfrm>
-            <a:off x="1938945" y="3509805"/>
-            <a:ext cx="5266109" cy="2504613"/>
+            <a:off x="1007574" y="2903173"/>
+            <a:ext cx="6909779" cy="3286359"/>
           </a:xfrm>
           <a:prstGeom prst="rect">
             <a:avLst/>
@@ -8334,7 +8426,7 @@
           <a:graphicData uri="http://schemas.openxmlformats.org/presentationml/2006/ole">
             <mc:AlternateContent xmlns:mc="http://schemas.openxmlformats.org/markup-compatibility/2006">
               <mc:Choice xmlns:v="urn:schemas-microsoft-com:vml" Requires="v">
-                <p:oleObj spid="_x0000_s14364" name="ビットマップ イメージ" r:id="rId3" imgW="1800360" imgH="1800360" progId="Paint.Picture">
+                <p:oleObj spid="_x0000_s14368" name="ビットマップ イメージ" r:id="rId3" imgW="1800360" imgH="1800360" progId="Paint.Picture">
                   <p:embed/>
                 </p:oleObj>
               </mc:Choice>
@@ -12567,7 +12659,7 @@
             </a:pPr>
             <a:r>
               <a:rPr lang="ja-JP" altLang="en-US" dirty="0"/>
-              <a:t>問題</a:t>
+              <a:t>問題設定</a:t>
             </a:r>
             <a:endParaRPr lang="en-US" altLang="ja-JP" dirty="0"/>
           </a:p>
@@ -17272,7 +17364,7 @@
             </a:pPr>
             <a:r>
               <a:rPr lang="ja-JP" altLang="en-US" dirty="0"/>
-              <a:t>問題</a:t>
+              <a:t>問題設定</a:t>
             </a:r>
             <a:endParaRPr lang="en-US" altLang="ja-JP" dirty="0"/>
           </a:p>
@@ -17550,7 +17642,7 @@
 </file>
 
 <file path=ppt/slides/slide25.xml><?xml version="1.0" encoding="utf-8"?>
-<p:sld xmlns:a="http://schemas.openxmlformats.org/drawingml/2006/main" xmlns:r="http://schemas.openxmlformats.org/officeDocument/2006/relationships" xmlns:p="http://schemas.openxmlformats.org/presentationml/2006/main">
+<p:sld xmlns:a="http://schemas.openxmlformats.org/drawingml/2006/main" xmlns:r="http://schemas.openxmlformats.org/officeDocument/2006/relationships" xmlns:p="http://schemas.openxmlformats.org/presentationml/2006/main" show="0">
   <p:cSld>
     <p:spTree>
       <p:nvGrpSpPr>
@@ -18175,6 +18267,54 @@
           </a:p>
         </p:txBody>
       </p:sp>
+      <p:sp>
+        <p:nvSpPr>
+          <p:cNvPr id="44" name="正方形/長方形 43">
+            <a:extLst>
+              <a:ext uri="{FF2B5EF4-FFF2-40B4-BE49-F238E27FC236}">
+                <a16:creationId xmlns:a16="http://schemas.microsoft.com/office/drawing/2014/main" id="{971F525C-94F6-47A3-90A1-CB7214507D9A}"/>
+              </a:ext>
+            </a:extLst>
+          </p:cNvPr>
+          <p:cNvSpPr/>
+          <p:nvPr/>
+        </p:nvSpPr>
+        <p:spPr>
+          <a:xfrm>
+            <a:off x="8069753" y="4269712"/>
+            <a:ext cx="1076325" cy="723900"/>
+          </a:xfrm>
+          <a:prstGeom prst="rect">
+            <a:avLst/>
+          </a:prstGeom>
+        </p:spPr>
+        <p:style>
+          <a:lnRef idx="2">
+            <a:schemeClr val="accent1"/>
+          </a:lnRef>
+          <a:fillRef idx="1">
+            <a:schemeClr val="lt1"/>
+          </a:fillRef>
+          <a:effectRef idx="0">
+            <a:schemeClr val="accent1"/>
+          </a:effectRef>
+          <a:fontRef idx="minor">
+            <a:schemeClr val="dk1"/>
+          </a:fontRef>
+        </p:style>
+        <p:txBody>
+          <a:bodyPr rtlCol="0" anchor="ctr"/>
+          <a:lstStyle/>
+          <a:p>
+            <a:pPr algn="ctr"/>
+            <a:r>
+              <a:rPr kumimoji="1" lang="en-US" altLang="ja-JP" dirty="0"/>
+              <a:t>Linear</a:t>
+            </a:r>
+            <a:endParaRPr kumimoji="1" lang="ja-JP" altLang="en-US" dirty="0"/>
+          </a:p>
+        </p:txBody>
+      </p:sp>
     </p:spTree>
     <p:extLst>
       <p:ext uri="{BB962C8B-B14F-4D97-AF65-F5344CB8AC3E}">
@@ -18349,7 +18489,7 @@
         </p:nvSpPr>
         <p:spPr>
           <a:xfrm>
-            <a:off x="1343025" y="4269712"/>
+            <a:off x="809625" y="4269712"/>
             <a:ext cx="1076325" cy="723900"/>
           </a:xfrm>
           <a:prstGeom prst="rect">
@@ -18398,7 +18538,7 @@
         </p:nvSpPr>
         <p:spPr>
           <a:xfrm>
-            <a:off x="3114675" y="4269712"/>
+            <a:off x="2581275" y="4269712"/>
             <a:ext cx="1076325" cy="723900"/>
           </a:xfrm>
           <a:prstGeom prst="rect">
@@ -18444,7 +18584,7 @@
         </p:nvSpPr>
         <p:spPr>
           <a:xfrm>
-            <a:off x="6657975" y="4269712"/>
+            <a:off x="6124575" y="4269712"/>
             <a:ext cx="1076325" cy="723900"/>
           </a:xfrm>
           <a:prstGeom prst="rect">
@@ -18493,7 +18633,7 @@
         </p:nvCxnSpPr>
         <p:spPr>
           <a:xfrm>
-            <a:off x="2419350" y="4631662"/>
+            <a:off x="1885950" y="4631662"/>
             <a:ext cx="695325" cy="0"/>
           </a:xfrm>
           <a:prstGeom prst="straightConnector1">
@@ -18535,7 +18675,7 @@
         </p:nvCxnSpPr>
         <p:spPr>
           <a:xfrm>
-            <a:off x="4191000" y="4631662"/>
+            <a:off x="3657600" y="4631662"/>
             <a:ext cx="695325" cy="0"/>
           </a:xfrm>
           <a:prstGeom prst="straightConnector1">
@@ -18577,7 +18717,1002 @@
         </p:nvCxnSpPr>
         <p:spPr>
           <a:xfrm>
-            <a:off x="5962650" y="4631662"/>
+            <a:off x="5429250" y="4631662"/>
+            <a:ext cx="695325" cy="0"/>
+          </a:xfrm>
+          <a:prstGeom prst="straightConnector1">
+            <a:avLst/>
+          </a:prstGeom>
+          <a:ln w="38100">
+            <a:tailEnd type="triangle"/>
+          </a:ln>
+        </p:spPr>
+        <p:style>
+          <a:lnRef idx="2">
+            <a:schemeClr val="accent1"/>
+          </a:lnRef>
+          <a:fillRef idx="0">
+            <a:schemeClr val="accent1"/>
+          </a:fillRef>
+          <a:effectRef idx="1">
+            <a:schemeClr val="accent1"/>
+          </a:effectRef>
+          <a:fontRef idx="minor">
+            <a:schemeClr val="tx1"/>
+          </a:fontRef>
+        </p:style>
+      </p:cxnSp>
+      <p:sp>
+        <p:nvSpPr>
+          <p:cNvPr id="35" name="正方形/長方形 34">
+            <a:extLst>
+              <a:ext uri="{FF2B5EF4-FFF2-40B4-BE49-F238E27FC236}">
+                <a16:creationId xmlns:a16="http://schemas.microsoft.com/office/drawing/2014/main" id="{A942BE07-115E-492B-8632-0609ECEFA082}"/>
+              </a:ext>
+            </a:extLst>
+          </p:cNvPr>
+          <p:cNvSpPr/>
+          <p:nvPr/>
+        </p:nvSpPr>
+        <p:spPr>
+          <a:xfrm>
+            <a:off x="822959" y="5884251"/>
+            <a:ext cx="419100" cy="281873"/>
+          </a:xfrm>
+          <a:prstGeom prst="rect">
+            <a:avLst/>
+          </a:prstGeom>
+        </p:spPr>
+        <p:style>
+          <a:lnRef idx="2">
+            <a:schemeClr val="accent1">
+              <a:shade val="50000"/>
+            </a:schemeClr>
+          </a:lnRef>
+          <a:fillRef idx="1">
+            <a:schemeClr val="accent1"/>
+          </a:fillRef>
+          <a:effectRef idx="0">
+            <a:schemeClr val="accent1"/>
+          </a:effectRef>
+          <a:fontRef idx="minor">
+            <a:schemeClr val="lt1"/>
+          </a:fontRef>
+        </p:style>
+        <p:txBody>
+          <a:bodyPr rtlCol="0" anchor="ctr"/>
+          <a:lstStyle/>
+          <a:p>
+            <a:pPr algn="ctr"/>
+            <a:endParaRPr kumimoji="1" lang="ja-JP" altLang="en-US"/>
+          </a:p>
+        </p:txBody>
+      </p:sp>
+      <p:cxnSp>
+        <p:nvCxnSpPr>
+          <p:cNvPr id="36" name="直線矢印コネクタ 35">
+            <a:extLst>
+              <a:ext uri="{FF2B5EF4-FFF2-40B4-BE49-F238E27FC236}">
+                <a16:creationId xmlns:a16="http://schemas.microsoft.com/office/drawing/2014/main" id="{BC6D3616-CF9C-412E-9750-6988BF2F2F21}"/>
+              </a:ext>
+            </a:extLst>
+          </p:cNvPr>
+          <p:cNvCxnSpPr/>
+          <p:nvPr/>
+        </p:nvCxnSpPr>
+        <p:spPr>
+          <a:xfrm>
+            <a:off x="2723196" y="6025187"/>
+            <a:ext cx="695325" cy="0"/>
+          </a:xfrm>
+          <a:prstGeom prst="straightConnector1">
+            <a:avLst/>
+          </a:prstGeom>
+          <a:ln w="38100">
+            <a:tailEnd type="triangle"/>
+          </a:ln>
+        </p:spPr>
+        <p:style>
+          <a:lnRef idx="2">
+            <a:schemeClr val="accent1"/>
+          </a:lnRef>
+          <a:fillRef idx="0">
+            <a:schemeClr val="accent1"/>
+          </a:fillRef>
+          <a:effectRef idx="1">
+            <a:schemeClr val="accent1"/>
+          </a:effectRef>
+          <a:fontRef idx="minor">
+            <a:schemeClr val="tx1"/>
+          </a:fontRef>
+        </p:style>
+      </p:cxnSp>
+      <p:sp>
+        <p:nvSpPr>
+          <p:cNvPr id="41" name="正方形/長方形 40">
+            <a:extLst>
+              <a:ext uri="{FF2B5EF4-FFF2-40B4-BE49-F238E27FC236}">
+                <a16:creationId xmlns:a16="http://schemas.microsoft.com/office/drawing/2014/main" id="{13EF1F4F-E9CA-4E8D-8324-C707C596B238}"/>
+              </a:ext>
+            </a:extLst>
+          </p:cNvPr>
+          <p:cNvSpPr/>
+          <p:nvPr/>
+        </p:nvSpPr>
+        <p:spPr>
+          <a:xfrm>
+            <a:off x="1389577" y="5832748"/>
+            <a:ext cx="800219" cy="461665"/>
+          </a:xfrm>
+          <a:prstGeom prst="rect">
+            <a:avLst/>
+          </a:prstGeom>
+        </p:spPr>
+        <p:txBody>
+          <a:bodyPr wrap="none">
+            <a:spAutoFit/>
+          </a:bodyPr>
+          <a:lstStyle/>
+          <a:p>
+            <a:r>
+              <a:rPr kumimoji="1" lang="ja-JP" altLang="en-US" sz="2400" dirty="0">
+                <a:solidFill>
+                  <a:srgbClr val="000000">
+                    <a:lumMod val="75000"/>
+                    <a:lumOff val="25000"/>
+                  </a:srgbClr>
+                </a:solidFill>
+                <a:latin typeface="メイリオ" panose="020B0604030504040204" pitchFamily="50" charset="-128"/>
+              </a:rPr>
+              <a:t>特徴</a:t>
+            </a:r>
+            <a:endParaRPr lang="ja-JP" altLang="en-US" sz="1200" dirty="0"/>
+          </a:p>
+        </p:txBody>
+      </p:sp>
+      <p:sp>
+        <p:nvSpPr>
+          <p:cNvPr id="42" name="正方形/長方形 41">
+            <a:extLst>
+              <a:ext uri="{FF2B5EF4-FFF2-40B4-BE49-F238E27FC236}">
+                <a16:creationId xmlns:a16="http://schemas.microsoft.com/office/drawing/2014/main" id="{8BB3056F-3CD7-48AB-9872-818A237FBBFC}"/>
+              </a:ext>
+            </a:extLst>
+          </p:cNvPr>
+          <p:cNvSpPr/>
+          <p:nvPr/>
+        </p:nvSpPr>
+        <p:spPr>
+          <a:xfrm>
+            <a:off x="3504484" y="5832748"/>
+            <a:ext cx="1723549" cy="461665"/>
+          </a:xfrm>
+          <a:prstGeom prst="rect">
+            <a:avLst/>
+          </a:prstGeom>
+        </p:spPr>
+        <p:txBody>
+          <a:bodyPr wrap="none">
+            <a:spAutoFit/>
+          </a:bodyPr>
+          <a:lstStyle/>
+          <a:p>
+            <a:r>
+              <a:rPr kumimoji="1" lang="ja-JP" altLang="en-US" sz="2400" dirty="0">
+                <a:solidFill>
+                  <a:srgbClr val="000000">
+                    <a:lumMod val="75000"/>
+                    <a:lumOff val="25000"/>
+                  </a:srgbClr>
+                </a:solidFill>
+                <a:latin typeface="メイリオ" panose="020B0604030504040204" pitchFamily="50" charset="-128"/>
+              </a:rPr>
+              <a:t>畳み込み層</a:t>
+            </a:r>
+            <a:endParaRPr lang="ja-JP" altLang="en-US" sz="1200" dirty="0"/>
+          </a:p>
+        </p:txBody>
+      </p:sp>
+      <p:sp>
+        <p:nvSpPr>
+          <p:cNvPr id="21" name="正方形/長方形 20">
+            <a:extLst>
+              <a:ext uri="{FF2B5EF4-FFF2-40B4-BE49-F238E27FC236}">
+                <a16:creationId xmlns:a16="http://schemas.microsoft.com/office/drawing/2014/main" id="{634D1563-E905-4EFC-B149-66B7F5504290}"/>
+              </a:ext>
+            </a:extLst>
+          </p:cNvPr>
+          <p:cNvSpPr/>
+          <p:nvPr/>
+        </p:nvSpPr>
+        <p:spPr>
+          <a:xfrm>
+            <a:off x="4352925" y="4269712"/>
+            <a:ext cx="1076325" cy="723900"/>
+          </a:xfrm>
+          <a:prstGeom prst="rect">
+            <a:avLst/>
+          </a:prstGeom>
+          <a:ln/>
+        </p:spPr>
+        <p:style>
+          <a:lnRef idx="2">
+            <a:schemeClr val="accent1">
+              <a:shade val="50000"/>
+            </a:schemeClr>
+          </a:lnRef>
+          <a:fillRef idx="1">
+            <a:schemeClr val="accent1"/>
+          </a:fillRef>
+          <a:effectRef idx="0">
+            <a:schemeClr val="accent1"/>
+          </a:effectRef>
+          <a:fontRef idx="minor">
+            <a:schemeClr val="lt1"/>
+          </a:fontRef>
+        </p:style>
+        <p:txBody>
+          <a:bodyPr rtlCol="0" anchor="ctr"/>
+          <a:lstStyle/>
+          <a:p>
+            <a:pPr algn="ctr"/>
+            <a:endParaRPr kumimoji="1" lang="ja-JP" altLang="en-US" dirty="0"/>
+          </a:p>
+        </p:txBody>
+      </p:sp>
+      <p:sp>
+        <p:nvSpPr>
+          <p:cNvPr id="22" name="正方形/長方形 21">
+            <a:extLst>
+              <a:ext uri="{FF2B5EF4-FFF2-40B4-BE49-F238E27FC236}">
+                <a16:creationId xmlns:a16="http://schemas.microsoft.com/office/drawing/2014/main" id="{5ACFE3A7-5E73-456A-B265-0B9A3B7FDFA2}"/>
+              </a:ext>
+            </a:extLst>
+          </p:cNvPr>
+          <p:cNvSpPr/>
+          <p:nvPr/>
+        </p:nvSpPr>
+        <p:spPr>
+          <a:xfrm>
+            <a:off x="7726853" y="4269712"/>
+            <a:ext cx="1076325" cy="723900"/>
+          </a:xfrm>
+          <a:prstGeom prst="rect">
+            <a:avLst/>
+          </a:prstGeom>
+        </p:spPr>
+        <p:style>
+          <a:lnRef idx="2">
+            <a:schemeClr val="accent1"/>
+          </a:lnRef>
+          <a:fillRef idx="1">
+            <a:schemeClr val="lt1"/>
+          </a:fillRef>
+          <a:effectRef idx="0">
+            <a:schemeClr val="accent1"/>
+          </a:effectRef>
+          <a:fontRef idx="minor">
+            <a:schemeClr val="dk1"/>
+          </a:fontRef>
+        </p:style>
+        <p:txBody>
+          <a:bodyPr rtlCol="0" anchor="ctr"/>
+          <a:lstStyle/>
+          <a:p>
+            <a:pPr algn="ctr"/>
+            <a:r>
+              <a:rPr kumimoji="1" lang="en-US" altLang="ja-JP" dirty="0">
+                <a:solidFill>
+                  <a:schemeClr val="accent1"/>
+                </a:solidFill>
+              </a:rPr>
+              <a:t>Linear</a:t>
+            </a:r>
+            <a:endParaRPr kumimoji="1" lang="ja-JP" altLang="en-US" dirty="0">
+              <a:solidFill>
+                <a:schemeClr val="accent1"/>
+              </a:solidFill>
+            </a:endParaRPr>
+          </a:p>
+        </p:txBody>
+      </p:sp>
+      <p:cxnSp>
+        <p:nvCxnSpPr>
+          <p:cNvPr id="11" name="直線矢印コネクタ 10">
+            <a:extLst>
+              <a:ext uri="{FF2B5EF4-FFF2-40B4-BE49-F238E27FC236}">
+                <a16:creationId xmlns:a16="http://schemas.microsoft.com/office/drawing/2014/main" id="{A0332C1C-8C18-4260-AF01-81DC48D8552C}"/>
+              </a:ext>
+            </a:extLst>
+          </p:cNvPr>
+          <p:cNvCxnSpPr>
+            <a:cxnSpLocks/>
+            <a:stCxn id="8" idx="3"/>
+            <a:endCxn id="22" idx="1"/>
+          </p:cNvCxnSpPr>
+          <p:nvPr/>
+        </p:nvCxnSpPr>
+        <p:spPr>
+          <a:xfrm>
+            <a:off x="7200900" y="4631662"/>
+            <a:ext cx="525953" cy="0"/>
+          </a:xfrm>
+          <a:prstGeom prst="straightConnector1">
+            <a:avLst/>
+          </a:prstGeom>
+          <a:ln w="9525" cap="flat" cmpd="sng" algn="ctr">
+            <a:solidFill>
+              <a:schemeClr val="accent1"/>
+            </a:solidFill>
+            <a:prstDash val="dash"/>
+            <a:round/>
+            <a:headEnd type="none" w="med" len="med"/>
+            <a:tailEnd type="none" w="med" len="med"/>
+          </a:ln>
+        </p:spPr>
+        <p:style>
+          <a:lnRef idx="0">
+            <a:scrgbClr r="0" g="0" b="0"/>
+          </a:lnRef>
+          <a:fillRef idx="0">
+            <a:scrgbClr r="0" g="0" b="0"/>
+          </a:fillRef>
+          <a:effectRef idx="0">
+            <a:scrgbClr r="0" g="0" b="0"/>
+          </a:effectRef>
+          <a:fontRef idx="minor">
+            <a:schemeClr val="tx1"/>
+          </a:fontRef>
+        </p:style>
+      </p:cxnSp>
+      <p:sp>
+        <p:nvSpPr>
+          <p:cNvPr id="13" name="左大かっこ 12">
+            <a:extLst>
+              <a:ext uri="{FF2B5EF4-FFF2-40B4-BE49-F238E27FC236}">
+                <a16:creationId xmlns:a16="http://schemas.microsoft.com/office/drawing/2014/main" id="{65DE33ED-4AF8-4E1E-9DC6-97FE1048E803}"/>
+              </a:ext>
+            </a:extLst>
+          </p:cNvPr>
+          <p:cNvSpPr/>
+          <p:nvPr/>
+        </p:nvSpPr>
+        <p:spPr>
+          <a:xfrm rot="5400000">
+            <a:off x="3922711" y="788512"/>
+            <a:ext cx="165102" cy="6391275"/>
+          </a:xfrm>
+          <a:prstGeom prst="leftBracket">
+            <a:avLst>
+              <a:gd name="adj" fmla="val 2884"/>
+            </a:avLst>
+          </a:prstGeom>
+        </p:spPr>
+        <p:style>
+          <a:lnRef idx="1">
+            <a:schemeClr val="accent1"/>
+          </a:lnRef>
+          <a:fillRef idx="0">
+            <a:schemeClr val="accent1"/>
+          </a:fillRef>
+          <a:effectRef idx="0">
+            <a:schemeClr val="accent1"/>
+          </a:effectRef>
+          <a:fontRef idx="minor">
+            <a:schemeClr val="tx1"/>
+          </a:fontRef>
+        </p:style>
+        <p:txBody>
+          <a:bodyPr rtlCol="0" anchor="ctr"/>
+          <a:lstStyle/>
+          <a:p>
+            <a:pPr algn="ctr"/>
+            <a:endParaRPr kumimoji="1" lang="ja-JP" altLang="en-US"/>
+          </a:p>
+        </p:txBody>
+      </p:sp>
+      <p:sp>
+        <p:nvSpPr>
+          <p:cNvPr id="26" name="左大かっこ 25">
+            <a:extLst>
+              <a:ext uri="{FF2B5EF4-FFF2-40B4-BE49-F238E27FC236}">
+                <a16:creationId xmlns:a16="http://schemas.microsoft.com/office/drawing/2014/main" id="{60BDB998-25E6-4D1B-88E5-92957170C38F}"/>
+              </a:ext>
+            </a:extLst>
+          </p:cNvPr>
+          <p:cNvSpPr/>
+          <p:nvPr/>
+        </p:nvSpPr>
+        <p:spPr>
+          <a:xfrm rot="5400000">
+            <a:off x="8182464" y="3440004"/>
+            <a:ext cx="165102" cy="1076325"/>
+          </a:xfrm>
+          <a:prstGeom prst="leftBracket">
+            <a:avLst>
+              <a:gd name="adj" fmla="val 2884"/>
+            </a:avLst>
+          </a:prstGeom>
+        </p:spPr>
+        <p:style>
+          <a:lnRef idx="1">
+            <a:schemeClr val="accent1"/>
+          </a:lnRef>
+          <a:fillRef idx="0">
+            <a:schemeClr val="accent1"/>
+          </a:fillRef>
+          <a:effectRef idx="0">
+            <a:schemeClr val="accent1"/>
+          </a:effectRef>
+          <a:fontRef idx="minor">
+            <a:schemeClr val="tx1"/>
+          </a:fontRef>
+        </p:style>
+        <p:txBody>
+          <a:bodyPr rtlCol="0" anchor="ctr"/>
+          <a:lstStyle/>
+          <a:p>
+            <a:pPr algn="ctr"/>
+            <a:endParaRPr kumimoji="1" lang="ja-JP" altLang="en-US"/>
+          </a:p>
+        </p:txBody>
+      </p:sp>
+      <p:cxnSp>
+        <p:nvCxnSpPr>
+          <p:cNvPr id="16" name="直線コネクタ 15">
+            <a:extLst>
+              <a:ext uri="{FF2B5EF4-FFF2-40B4-BE49-F238E27FC236}">
+                <a16:creationId xmlns:a16="http://schemas.microsoft.com/office/drawing/2014/main" id="{427DD3E0-847B-42D2-AD46-A83135BDEF8D}"/>
+              </a:ext>
+            </a:extLst>
+          </p:cNvPr>
+          <p:cNvCxnSpPr>
+            <a:cxnSpLocks/>
+          </p:cNvCxnSpPr>
+          <p:nvPr/>
+        </p:nvCxnSpPr>
+        <p:spPr>
+          <a:xfrm flipV="1">
+            <a:off x="2343706" y="2827896"/>
+            <a:ext cx="0" cy="1063419"/>
+          </a:xfrm>
+          <a:prstGeom prst="line">
+            <a:avLst/>
+          </a:prstGeom>
+        </p:spPr>
+        <p:style>
+          <a:lnRef idx="1">
+            <a:schemeClr val="accent1"/>
+          </a:lnRef>
+          <a:fillRef idx="0">
+            <a:schemeClr val="accent1"/>
+          </a:fillRef>
+          <a:effectRef idx="0">
+            <a:schemeClr val="accent1"/>
+          </a:effectRef>
+          <a:fontRef idx="minor">
+            <a:schemeClr val="tx1"/>
+          </a:fontRef>
+        </p:style>
+      </p:cxnSp>
+      <p:cxnSp>
+        <p:nvCxnSpPr>
+          <p:cNvPr id="49" name="直線コネクタ 48">
+            <a:extLst>
+              <a:ext uri="{FF2B5EF4-FFF2-40B4-BE49-F238E27FC236}">
+                <a16:creationId xmlns:a16="http://schemas.microsoft.com/office/drawing/2014/main" id="{C2A20327-1BE7-474C-9EAA-9CE8A50A6F3C}"/>
+              </a:ext>
+            </a:extLst>
+          </p:cNvPr>
+          <p:cNvCxnSpPr>
+            <a:cxnSpLocks/>
+            <a:stCxn id="26" idx="1"/>
+          </p:cNvCxnSpPr>
+          <p:nvPr/>
+        </p:nvCxnSpPr>
+        <p:spPr>
+          <a:xfrm flipV="1">
+            <a:off x="8265015" y="3344003"/>
+            <a:ext cx="0" cy="551613"/>
+          </a:xfrm>
+          <a:prstGeom prst="line">
+            <a:avLst/>
+          </a:prstGeom>
+        </p:spPr>
+        <p:style>
+          <a:lnRef idx="1">
+            <a:schemeClr val="accent1"/>
+          </a:lnRef>
+          <a:fillRef idx="0">
+            <a:schemeClr val="accent1"/>
+          </a:fillRef>
+          <a:effectRef idx="0">
+            <a:schemeClr val="accent1"/>
+          </a:effectRef>
+          <a:fontRef idx="minor">
+            <a:schemeClr val="tx1"/>
+          </a:fontRef>
+        </p:style>
+      </p:cxnSp>
+      <p:cxnSp>
+        <p:nvCxnSpPr>
+          <p:cNvPr id="51" name="直線コネクタ 50">
+            <a:extLst>
+              <a:ext uri="{FF2B5EF4-FFF2-40B4-BE49-F238E27FC236}">
+                <a16:creationId xmlns:a16="http://schemas.microsoft.com/office/drawing/2014/main" id="{DADDE99C-4455-4582-B18A-673EF4429711}"/>
+              </a:ext>
+            </a:extLst>
+          </p:cNvPr>
+          <p:cNvCxnSpPr>
+            <a:cxnSpLocks/>
+          </p:cNvCxnSpPr>
+          <p:nvPr/>
+        </p:nvCxnSpPr>
+        <p:spPr>
+          <a:xfrm flipH="1">
+            <a:off x="5605463" y="3344003"/>
+            <a:ext cx="2659552" cy="0"/>
+          </a:xfrm>
+          <a:prstGeom prst="line">
+            <a:avLst/>
+          </a:prstGeom>
+        </p:spPr>
+        <p:style>
+          <a:lnRef idx="1">
+            <a:schemeClr val="accent1"/>
+          </a:lnRef>
+          <a:fillRef idx="0">
+            <a:schemeClr val="accent1"/>
+          </a:fillRef>
+          <a:effectRef idx="0">
+            <a:schemeClr val="accent1"/>
+          </a:effectRef>
+          <a:fontRef idx="minor">
+            <a:schemeClr val="tx1"/>
+          </a:fontRef>
+        </p:style>
+      </p:cxnSp>
+      <p:cxnSp>
+        <p:nvCxnSpPr>
+          <p:cNvPr id="55" name="直線コネクタ 54">
+            <a:extLst>
+              <a:ext uri="{FF2B5EF4-FFF2-40B4-BE49-F238E27FC236}">
+                <a16:creationId xmlns:a16="http://schemas.microsoft.com/office/drawing/2014/main" id="{7279E557-3FFF-4002-839F-B270672FEAE0}"/>
+              </a:ext>
+            </a:extLst>
+          </p:cNvPr>
+          <p:cNvCxnSpPr>
+            <a:cxnSpLocks/>
+          </p:cNvCxnSpPr>
+          <p:nvPr/>
+        </p:nvCxnSpPr>
+        <p:spPr>
+          <a:xfrm flipV="1">
+            <a:off x="5605463" y="2827897"/>
+            <a:ext cx="0" cy="516106"/>
+          </a:xfrm>
+          <a:prstGeom prst="line">
+            <a:avLst/>
+          </a:prstGeom>
+        </p:spPr>
+        <p:style>
+          <a:lnRef idx="1">
+            <a:schemeClr val="accent1"/>
+          </a:lnRef>
+          <a:fillRef idx="0">
+            <a:schemeClr val="accent1"/>
+          </a:fillRef>
+          <a:effectRef idx="0">
+            <a:schemeClr val="accent1"/>
+          </a:effectRef>
+          <a:fontRef idx="minor">
+            <a:schemeClr val="tx1"/>
+          </a:fontRef>
+        </p:style>
+      </p:cxnSp>
+    </p:spTree>
+    <p:extLst>
+      <p:ext uri="{BB962C8B-B14F-4D97-AF65-F5344CB8AC3E}">
+        <p14:creationId xmlns:p14="http://schemas.microsoft.com/office/powerpoint/2010/main" val="3149099114"/>
+      </p:ext>
+    </p:extLst>
+  </p:cSld>
+  <p:clrMapOvr>
+    <a:masterClrMapping/>
+  </p:clrMapOvr>
+  <mc:AlternateContent xmlns:mc="http://schemas.openxmlformats.org/markup-compatibility/2006">
+    <mc:Choice xmlns:p14="http://schemas.microsoft.com/office/powerpoint/2010/main" Requires="p14">
+      <p:transition spd="slow" p14:dur="2000" advTm="22216"/>
+    </mc:Choice>
+    <mc:Fallback>
+      <p:transition spd="slow" advTm="22216"/>
+    </mc:Fallback>
+  </mc:AlternateContent>
+</p:sld>
+</file>
+
+<file path=ppt/slides/slide27.xml><?xml version="1.0" encoding="utf-8"?>
+<p:sld xmlns:a="http://schemas.openxmlformats.org/drawingml/2006/main" xmlns:r="http://schemas.openxmlformats.org/officeDocument/2006/relationships" xmlns:p="http://schemas.openxmlformats.org/presentationml/2006/main">
+  <p:cSld>
+    <p:spTree>
+      <p:nvGrpSpPr>
+        <p:cNvPr id="1" name=""/>
+        <p:cNvGrpSpPr/>
+        <p:nvPr/>
+      </p:nvGrpSpPr>
+      <p:grpSpPr>
+        <a:xfrm>
+          <a:off x="0" y="0"/>
+          <a:ext cx="0" cy="0"/>
+          <a:chOff x="0" y="0"/>
+          <a:chExt cx="0" cy="0"/>
+        </a:xfrm>
+      </p:grpSpPr>
+      <p:sp>
+        <p:nvSpPr>
+          <p:cNvPr id="2" name="タイトル 1">
+            <a:extLst>
+              <a:ext uri="{FF2B5EF4-FFF2-40B4-BE49-F238E27FC236}">
+                <a16:creationId xmlns:a16="http://schemas.microsoft.com/office/drawing/2014/main" id="{F540F520-70E3-45C3-AEF7-51C96928D589}"/>
+              </a:ext>
+            </a:extLst>
+          </p:cNvPr>
+          <p:cNvSpPr>
+            <a:spLocks noGrp="1"/>
+          </p:cNvSpPr>
+          <p:nvPr>
+            <p:ph type="title"/>
+          </p:nvPr>
+        </p:nvSpPr>
+        <p:spPr/>
+        <p:txBody>
+          <a:bodyPr>
+            <a:normAutofit/>
+          </a:bodyPr>
+          <a:lstStyle/>
+          <a:p>
+            <a:r>
+              <a:rPr kumimoji="1" lang="ja-JP" altLang="en-US" dirty="0"/>
+              <a:t>ネットワーク構造の探索</a:t>
+            </a:r>
+          </a:p>
+        </p:txBody>
+      </p:sp>
+      <p:sp>
+        <p:nvSpPr>
+          <p:cNvPr id="3" name="コンテンツ プレースホルダー 2">
+            <a:extLst>
+              <a:ext uri="{FF2B5EF4-FFF2-40B4-BE49-F238E27FC236}">
+                <a16:creationId xmlns:a16="http://schemas.microsoft.com/office/drawing/2014/main" id="{9F743CD2-83BF-462B-A204-B2B7181D77BA}"/>
+              </a:ext>
+            </a:extLst>
+          </p:cNvPr>
+          <p:cNvSpPr>
+            <a:spLocks noGrp="1"/>
+          </p:cNvSpPr>
+          <p:nvPr>
+            <p:ph idx="1"/>
+          </p:nvPr>
+        </p:nvSpPr>
+        <p:spPr>
+          <a:xfrm>
+            <a:off x="822959" y="1661050"/>
+            <a:ext cx="7543801" cy="1305636"/>
+          </a:xfrm>
+        </p:spPr>
+        <p:txBody>
+          <a:bodyPr>
+            <a:normAutofit/>
+          </a:bodyPr>
+          <a:lstStyle/>
+          <a:p>
+            <a:r>
+              <a:rPr lang="en-US" altLang="ja-JP" dirty="0"/>
+              <a:t>VGG19</a:t>
+            </a:r>
+            <a:r>
+              <a:rPr lang="ja-JP" altLang="en-US" dirty="0"/>
+              <a:t>のショートカット接続を探索</a:t>
+            </a:r>
+            <a:endParaRPr lang="en-US" altLang="ja-JP" dirty="0"/>
+          </a:p>
+          <a:p>
+            <a:r>
+              <a:rPr lang="en-US" altLang="ja-JP" dirty="0"/>
+              <a:t> </a:t>
+            </a:r>
+            <a:r>
+              <a:rPr lang="en-US" altLang="ja-JP" sz="2800" dirty="0"/>
+              <a:t>16</a:t>
+            </a:r>
+            <a:r>
+              <a:rPr lang="ja-JP" altLang="en-US" sz="2800" dirty="0"/>
+              <a:t>層の畳み込み層</a:t>
+            </a:r>
+            <a:r>
+              <a:rPr lang="en-US" altLang="ja-JP" sz="2800" dirty="0"/>
+              <a:t>, 3</a:t>
+            </a:r>
+            <a:r>
+              <a:rPr lang="ja-JP" altLang="en-US" sz="2800" dirty="0"/>
+              <a:t>層の線形結合層</a:t>
+            </a:r>
+            <a:endParaRPr lang="en-US" altLang="ja-JP" dirty="0"/>
+          </a:p>
+        </p:txBody>
+      </p:sp>
+      <p:sp>
+        <p:nvSpPr>
+          <p:cNvPr id="4" name="スライド番号プレースホルダー 3">
+            <a:extLst>
+              <a:ext uri="{FF2B5EF4-FFF2-40B4-BE49-F238E27FC236}">
+                <a16:creationId xmlns:a16="http://schemas.microsoft.com/office/drawing/2014/main" id="{18BCFDDE-C34B-4CA8-835B-13BB1BEBDA51}"/>
+              </a:ext>
+            </a:extLst>
+          </p:cNvPr>
+          <p:cNvSpPr>
+            <a:spLocks noGrp="1"/>
+          </p:cNvSpPr>
+          <p:nvPr>
+            <p:ph type="sldNum" sz="quarter" idx="12"/>
+          </p:nvPr>
+        </p:nvSpPr>
+        <p:spPr/>
+        <p:txBody>
+          <a:bodyPr/>
+          <a:lstStyle/>
+          <a:p>
+            <a:fld id="{304739FC-810C-4CDC-B60F-21F1951FBC64}" type="slidenum">
+              <a:rPr kumimoji="1" lang="ja-JP" altLang="en-US" smtClean="0"/>
+              <a:t>27</a:t>
+            </a:fld>
+            <a:endParaRPr kumimoji="1" lang="ja-JP" altLang="en-US"/>
+          </a:p>
+        </p:txBody>
+      </p:sp>
+      <p:sp>
+        <p:nvSpPr>
+          <p:cNvPr id="5" name="正方形/長方形 4">
+            <a:extLst>
+              <a:ext uri="{FF2B5EF4-FFF2-40B4-BE49-F238E27FC236}">
+                <a16:creationId xmlns:a16="http://schemas.microsoft.com/office/drawing/2014/main" id="{A706FFED-44B2-43E7-941C-E324D0D076A0}"/>
+              </a:ext>
+            </a:extLst>
+          </p:cNvPr>
+          <p:cNvSpPr/>
+          <p:nvPr/>
+        </p:nvSpPr>
+        <p:spPr>
+          <a:xfrm>
+            <a:off x="809625" y="4269712"/>
+            <a:ext cx="1076325" cy="723900"/>
+          </a:xfrm>
+          <a:prstGeom prst="rect">
+            <a:avLst/>
+          </a:prstGeom>
+        </p:spPr>
+        <p:style>
+          <a:lnRef idx="2">
+            <a:schemeClr val="accent1">
+              <a:shade val="50000"/>
+            </a:schemeClr>
+          </a:lnRef>
+          <a:fillRef idx="1">
+            <a:schemeClr val="accent1"/>
+          </a:fillRef>
+          <a:effectRef idx="0">
+            <a:schemeClr val="accent1"/>
+          </a:effectRef>
+          <a:fontRef idx="minor">
+            <a:schemeClr val="lt1"/>
+          </a:fontRef>
+        </p:style>
+        <p:txBody>
+          <a:bodyPr rtlCol="0" anchor="ctr"/>
+          <a:lstStyle/>
+          <a:p>
+            <a:pPr algn="ctr"/>
+            <a:r>
+              <a:rPr kumimoji="1" lang="ja-JP" altLang="en-US" dirty="0"/>
+              <a:t>画像</a:t>
+            </a:r>
+          </a:p>
+        </p:txBody>
+      </p:sp>
+      <p:sp>
+        <p:nvSpPr>
+          <p:cNvPr id="6" name="正方形/長方形 5">
+            <a:extLst>
+              <a:ext uri="{FF2B5EF4-FFF2-40B4-BE49-F238E27FC236}">
+                <a16:creationId xmlns:a16="http://schemas.microsoft.com/office/drawing/2014/main" id="{60A7B7A8-78E2-487A-9EC9-F08BC2E5235A}"/>
+              </a:ext>
+            </a:extLst>
+          </p:cNvPr>
+          <p:cNvSpPr/>
+          <p:nvPr/>
+        </p:nvSpPr>
+        <p:spPr>
+          <a:xfrm>
+            <a:off x="2581275" y="4269712"/>
+            <a:ext cx="1076325" cy="723900"/>
+          </a:xfrm>
+          <a:prstGeom prst="rect">
+            <a:avLst/>
+          </a:prstGeom>
+        </p:spPr>
+        <p:style>
+          <a:lnRef idx="2">
+            <a:schemeClr val="accent1">
+              <a:shade val="50000"/>
+            </a:schemeClr>
+          </a:lnRef>
+          <a:fillRef idx="1">
+            <a:schemeClr val="accent1"/>
+          </a:fillRef>
+          <a:effectRef idx="0">
+            <a:schemeClr val="accent1"/>
+          </a:effectRef>
+          <a:fontRef idx="minor">
+            <a:schemeClr val="lt1"/>
+          </a:fontRef>
+        </p:style>
+        <p:txBody>
+          <a:bodyPr rtlCol="0" anchor="ctr"/>
+          <a:lstStyle/>
+          <a:p>
+            <a:pPr algn="ctr"/>
+            <a:endParaRPr kumimoji="1" lang="ja-JP" altLang="en-US"/>
+          </a:p>
+        </p:txBody>
+      </p:sp>
+      <p:sp>
+        <p:nvSpPr>
+          <p:cNvPr id="8" name="正方形/長方形 7">
+            <a:extLst>
+              <a:ext uri="{FF2B5EF4-FFF2-40B4-BE49-F238E27FC236}">
+                <a16:creationId xmlns:a16="http://schemas.microsoft.com/office/drawing/2014/main" id="{ABA0E277-5883-4F1A-9F07-D24B45230A6D}"/>
+              </a:ext>
+            </a:extLst>
+          </p:cNvPr>
+          <p:cNvSpPr/>
+          <p:nvPr/>
+        </p:nvSpPr>
+        <p:spPr>
+          <a:xfrm>
+            <a:off x="6124575" y="4269712"/>
+            <a:ext cx="1076325" cy="723900"/>
+          </a:xfrm>
+          <a:prstGeom prst="rect">
+            <a:avLst/>
+          </a:prstGeom>
+        </p:spPr>
+        <p:style>
+          <a:lnRef idx="2">
+            <a:schemeClr val="accent1">
+              <a:shade val="50000"/>
+            </a:schemeClr>
+          </a:lnRef>
+          <a:fillRef idx="1">
+            <a:schemeClr val="accent1"/>
+          </a:fillRef>
+          <a:effectRef idx="0">
+            <a:schemeClr val="accent1"/>
+          </a:effectRef>
+          <a:fontRef idx="minor">
+            <a:schemeClr val="lt1"/>
+          </a:fontRef>
+        </p:style>
+        <p:txBody>
+          <a:bodyPr rtlCol="0" anchor="ctr"/>
+          <a:lstStyle/>
+          <a:p>
+            <a:pPr algn="ctr"/>
+            <a:endParaRPr kumimoji="1" lang="ja-JP" altLang="en-US" dirty="0"/>
+          </a:p>
+        </p:txBody>
+      </p:sp>
+      <p:cxnSp>
+        <p:nvCxnSpPr>
+          <p:cNvPr id="10" name="直線矢印コネクタ 9">
+            <a:extLst>
+              <a:ext uri="{FF2B5EF4-FFF2-40B4-BE49-F238E27FC236}">
+                <a16:creationId xmlns:a16="http://schemas.microsoft.com/office/drawing/2014/main" id="{6C7176E0-3C13-4236-B469-974DDDAD9E1F}"/>
+              </a:ext>
+            </a:extLst>
+          </p:cNvPr>
+          <p:cNvCxnSpPr>
+            <a:stCxn id="5" idx="3"/>
+            <a:endCxn id="6" idx="1"/>
+          </p:cNvCxnSpPr>
+          <p:nvPr/>
+        </p:nvCxnSpPr>
+        <p:spPr>
+          <a:xfrm>
+            <a:off x="1885950" y="4631662"/>
+            <a:ext cx="695325" cy="0"/>
+          </a:xfrm>
+          <a:prstGeom prst="straightConnector1">
+            <a:avLst/>
+          </a:prstGeom>
+          <a:ln w="38100">
+            <a:tailEnd type="triangle"/>
+          </a:ln>
+        </p:spPr>
+        <p:style>
+          <a:lnRef idx="2">
+            <a:schemeClr val="accent1"/>
+          </a:lnRef>
+          <a:fillRef idx="0">
+            <a:schemeClr val="accent1"/>
+          </a:fillRef>
+          <a:effectRef idx="1">
+            <a:schemeClr val="accent1"/>
+          </a:effectRef>
+          <a:fontRef idx="minor">
+            <a:schemeClr val="tx1"/>
+          </a:fontRef>
+        </p:style>
+      </p:cxnSp>
+      <p:cxnSp>
+        <p:nvCxnSpPr>
+          <p:cNvPr id="12" name="直線矢印コネクタ 11">
+            <a:extLst>
+              <a:ext uri="{FF2B5EF4-FFF2-40B4-BE49-F238E27FC236}">
+                <a16:creationId xmlns:a16="http://schemas.microsoft.com/office/drawing/2014/main" id="{4A0EC95A-C813-429D-8A4E-3C5888519A02}"/>
+              </a:ext>
+            </a:extLst>
+          </p:cNvPr>
+          <p:cNvCxnSpPr>
+            <a:cxnSpLocks/>
+            <a:stCxn id="6" idx="3"/>
+          </p:cNvCxnSpPr>
+          <p:nvPr/>
+        </p:nvCxnSpPr>
+        <p:spPr>
+          <a:xfrm>
+            <a:off x="3657600" y="4631662"/>
+            <a:ext cx="695325" cy="0"/>
+          </a:xfrm>
+          <a:prstGeom prst="straightConnector1">
+            <a:avLst/>
+          </a:prstGeom>
+          <a:ln w="38100">
+            <a:tailEnd type="triangle"/>
+          </a:ln>
+        </p:spPr>
+        <p:style>
+          <a:lnRef idx="2">
+            <a:schemeClr val="accent1"/>
+          </a:lnRef>
+          <a:fillRef idx="0">
+            <a:schemeClr val="accent1"/>
+          </a:fillRef>
+          <a:effectRef idx="1">
+            <a:schemeClr val="accent1"/>
+          </a:effectRef>
+          <a:fontRef idx="minor">
+            <a:schemeClr val="tx1"/>
+          </a:fontRef>
+        </p:style>
+      </p:cxnSp>
+      <p:cxnSp>
+        <p:nvCxnSpPr>
+          <p:cNvPr id="14" name="直線矢印コネクタ 13">
+            <a:extLst>
+              <a:ext uri="{FF2B5EF4-FFF2-40B4-BE49-F238E27FC236}">
+                <a16:creationId xmlns:a16="http://schemas.microsoft.com/office/drawing/2014/main" id="{F33F8787-044A-4B77-9930-4E34AF8FA3DB}"/>
+              </a:ext>
+            </a:extLst>
+          </p:cNvPr>
+          <p:cNvCxnSpPr>
+            <a:cxnSpLocks/>
+            <a:endCxn id="8" idx="1"/>
+          </p:cNvCxnSpPr>
+          <p:nvPr/>
+        </p:nvCxnSpPr>
+        <p:spPr>
+          <a:xfrm>
+            <a:off x="5429250" y="4631662"/>
             <a:ext cx="695325" cy="0"/>
           </a:xfrm>
           <a:prstGeom prst="straightConnector1">
@@ -18619,7 +19754,7 @@
         </p:nvCxnSpPr>
         <p:spPr>
           <a:xfrm rot="5400000" flipH="1" flipV="1">
-            <a:off x="3652838" y="2498062"/>
+            <a:off x="3119438" y="2498062"/>
             <a:ext cx="12700" cy="3543300"/>
           </a:xfrm>
           <a:prstGeom prst="bentConnector3">
@@ -18664,7 +19799,7 @@
         </p:nvCxnSpPr>
         <p:spPr>
           <a:xfrm rot="5400000" flipH="1" flipV="1">
-            <a:off x="4538663" y="1612237"/>
+            <a:off x="4005263" y="1612237"/>
             <a:ext cx="12700" cy="5314950"/>
           </a:xfrm>
           <a:prstGeom prst="bentConnector3">
@@ -18960,7 +20095,7 @@
         </p:nvSpPr>
         <p:spPr>
           <a:xfrm>
-            <a:off x="4886325" y="4269712"/>
+            <a:off x="4352925" y="4269712"/>
             <a:ext cx="1076325" cy="723900"/>
           </a:xfrm>
           <a:prstGeom prst="rect">
@@ -18993,10 +20128,114 @@
           </a:p>
         </p:txBody>
       </p:sp>
+      <p:sp>
+        <p:nvSpPr>
+          <p:cNvPr id="22" name="正方形/長方形 21">
+            <a:extLst>
+              <a:ext uri="{FF2B5EF4-FFF2-40B4-BE49-F238E27FC236}">
+                <a16:creationId xmlns:a16="http://schemas.microsoft.com/office/drawing/2014/main" id="{5ACFE3A7-5E73-456A-B265-0B9A3B7FDFA2}"/>
+              </a:ext>
+            </a:extLst>
+          </p:cNvPr>
+          <p:cNvSpPr/>
+          <p:nvPr/>
+        </p:nvSpPr>
+        <p:spPr>
+          <a:xfrm>
+            <a:off x="7726853" y="4269712"/>
+            <a:ext cx="1076325" cy="723900"/>
+          </a:xfrm>
+          <a:prstGeom prst="rect">
+            <a:avLst/>
+          </a:prstGeom>
+        </p:spPr>
+        <p:style>
+          <a:lnRef idx="2">
+            <a:schemeClr val="accent1"/>
+          </a:lnRef>
+          <a:fillRef idx="1">
+            <a:schemeClr val="lt1"/>
+          </a:fillRef>
+          <a:effectRef idx="0">
+            <a:schemeClr val="accent1"/>
+          </a:effectRef>
+          <a:fontRef idx="minor">
+            <a:schemeClr val="dk1"/>
+          </a:fontRef>
+        </p:style>
+        <p:txBody>
+          <a:bodyPr rtlCol="0" anchor="ctr"/>
+          <a:lstStyle/>
+          <a:p>
+            <a:pPr algn="ctr"/>
+            <a:r>
+              <a:rPr kumimoji="1" lang="en-US" altLang="ja-JP" dirty="0">
+                <a:solidFill>
+                  <a:schemeClr val="accent1"/>
+                </a:solidFill>
+              </a:rPr>
+              <a:t>Linear</a:t>
+            </a:r>
+            <a:endParaRPr kumimoji="1" lang="ja-JP" altLang="en-US" dirty="0">
+              <a:solidFill>
+                <a:schemeClr val="accent1"/>
+              </a:solidFill>
+            </a:endParaRPr>
+          </a:p>
+        </p:txBody>
+      </p:sp>
+      <p:cxnSp>
+        <p:nvCxnSpPr>
+          <p:cNvPr id="11" name="直線矢印コネクタ 10">
+            <a:extLst>
+              <a:ext uri="{FF2B5EF4-FFF2-40B4-BE49-F238E27FC236}">
+                <a16:creationId xmlns:a16="http://schemas.microsoft.com/office/drawing/2014/main" id="{A0332C1C-8C18-4260-AF01-81DC48D8552C}"/>
+              </a:ext>
+            </a:extLst>
+          </p:cNvPr>
+          <p:cNvCxnSpPr>
+            <a:stCxn id="8" idx="3"/>
+            <a:endCxn id="22" idx="1"/>
+          </p:cNvCxnSpPr>
+          <p:nvPr/>
+        </p:nvCxnSpPr>
+        <p:spPr>
+          <a:xfrm>
+            <a:off x="7200900" y="4631662"/>
+            <a:ext cx="525953" cy="0"/>
+          </a:xfrm>
+          <a:prstGeom prst="straightConnector1">
+            <a:avLst/>
+          </a:prstGeom>
+          <a:ln w="9525" cap="flat" cmpd="sng" algn="ctr">
+            <a:solidFill>
+              <a:schemeClr val="accent1"/>
+            </a:solidFill>
+            <a:prstDash val="dash"/>
+            <a:round/>
+            <a:headEnd type="none" w="med" len="med"/>
+            <a:tailEnd type="none" w="med" len="med"/>
+          </a:ln>
+        </p:spPr>
+        <p:style>
+          <a:lnRef idx="0">
+            <a:scrgbClr r="0" g="0" b="0"/>
+          </a:lnRef>
+          <a:fillRef idx="0">
+            <a:scrgbClr r="0" g="0" b="0"/>
+          </a:fillRef>
+          <a:effectRef idx="0">
+            <a:scrgbClr r="0" g="0" b="0"/>
+          </a:effectRef>
+          <a:fontRef idx="minor">
+            <a:schemeClr val="tx1"/>
+          </a:fontRef>
+        </p:style>
+      </p:cxnSp>
     </p:spTree>
     <p:extLst>
       <p:ext uri="{BB962C8B-B14F-4D97-AF65-F5344CB8AC3E}">
-        <p14:creationId xmlns:p14="http://schemas.microsoft.com/office/powerpoint/2010/main" val="3149099114"/>
+        <p14:creationId xmlns:p14="http://schemas.microsoft.com/office/powerpoint/2010/main" val="2155932926"/>
       </p:ext>
     </p:extLst>
   </p:cSld>
@@ -19014,7 +20253,7 @@
 </p:sld>
 </file>
 
-<file path=ppt/slides/slide27.xml><?xml version="1.0" encoding="utf-8"?>
+<file path=ppt/slides/slide28.xml><?xml version="1.0" encoding="utf-8"?>
 <p:sld xmlns:a="http://schemas.openxmlformats.org/drawingml/2006/main" xmlns:r="http://schemas.openxmlformats.org/officeDocument/2006/relationships" xmlns:p="http://schemas.openxmlformats.org/presentationml/2006/main">
   <p:cSld>
     <p:spTree>
@@ -19164,7 +20403,7 @@
           <a:p>
             <a:fld id="{304739FC-810C-4CDC-B60F-21F1951FBC64}" type="slidenum">
               <a:rPr kumimoji="1" lang="ja-JP" altLang="en-US" smtClean="0"/>
-              <a:t>27</a:t>
+              <a:t>28</a:t>
             </a:fld>
             <a:endParaRPr kumimoji="1" lang="ja-JP" altLang="en-US"/>
           </a:p>
@@ -19191,7 +20430,7 @@
 </p:sld>
 </file>
 
-<file path=ppt/slides/slide28.xml><?xml version="1.0" encoding="utf-8"?>
+<file path=ppt/slides/slide29.xml><?xml version="1.0" encoding="utf-8"?>
 <p:sld xmlns:a="http://schemas.openxmlformats.org/drawingml/2006/main" xmlns:r="http://schemas.openxmlformats.org/officeDocument/2006/relationships" xmlns:p="http://schemas.openxmlformats.org/presentationml/2006/main">
   <p:cSld>
     <p:spTree>
@@ -19454,7 +20693,7 @@
           <a:p>
             <a:fld id="{304739FC-810C-4CDC-B60F-21F1951FBC64}" type="slidenum">
               <a:rPr kumimoji="1" lang="ja-JP" altLang="en-US" smtClean="0"/>
-              <a:t>28</a:t>
+              <a:t>29</a:t>
             </a:fld>
             <a:endParaRPr kumimoji="1" lang="ja-JP" altLang="en-US"/>
           </a:p>
@@ -19476,250 +20715,6 @@
     </mc:Choice>
     <mc:Fallback>
       <p:transition spd="slow" advTm="58627"/>
-    </mc:Fallback>
-  </mc:AlternateContent>
-</p:sld>
-</file>
-
-<file path=ppt/slides/slide29.xml><?xml version="1.0" encoding="utf-8"?>
-<p:sld xmlns:a="http://schemas.openxmlformats.org/drawingml/2006/main" xmlns:r="http://schemas.openxmlformats.org/officeDocument/2006/relationships" xmlns:p="http://schemas.openxmlformats.org/presentationml/2006/main">
-  <p:cSld>
-    <p:spTree>
-      <p:nvGrpSpPr>
-        <p:cNvPr id="1" name=""/>
-        <p:cNvGrpSpPr/>
-        <p:nvPr/>
-      </p:nvGrpSpPr>
-      <p:grpSpPr>
-        <a:xfrm>
-          <a:off x="0" y="0"/>
-          <a:ext cx="0" cy="0"/>
-          <a:chOff x="0" y="0"/>
-          <a:chExt cx="0" cy="0"/>
-        </a:xfrm>
-      </p:grpSpPr>
-      <p:sp>
-        <p:nvSpPr>
-          <p:cNvPr id="2" name="タイトル 1">
-            <a:extLst>
-              <a:ext uri="{FF2B5EF4-FFF2-40B4-BE49-F238E27FC236}">
-                <a16:creationId xmlns:a16="http://schemas.microsoft.com/office/drawing/2014/main" id="{99A71CDC-97C2-465F-8B9B-AE9D55104F50}"/>
-              </a:ext>
-            </a:extLst>
-          </p:cNvPr>
-          <p:cNvSpPr>
-            <a:spLocks noGrp="1"/>
-          </p:cNvSpPr>
-          <p:nvPr>
-            <p:ph type="title"/>
-          </p:nvPr>
-        </p:nvSpPr>
-        <p:spPr/>
-        <p:txBody>
-          <a:bodyPr/>
-          <a:lstStyle/>
-          <a:p>
-            <a:r>
-              <a:rPr kumimoji="1" lang="ja-JP" altLang="en-US" dirty="0"/>
-              <a:t>発表の流れ</a:t>
-            </a:r>
-          </a:p>
-        </p:txBody>
-      </p:sp>
-      <p:sp>
-        <p:nvSpPr>
-          <p:cNvPr id="3" name="コンテンツ プレースホルダー 2">
-            <a:extLst>
-              <a:ext uri="{FF2B5EF4-FFF2-40B4-BE49-F238E27FC236}">
-                <a16:creationId xmlns:a16="http://schemas.microsoft.com/office/drawing/2014/main" id="{EA6F3566-9A84-4DED-A27B-A69CD8CF6C57}"/>
-              </a:ext>
-            </a:extLst>
-          </p:cNvPr>
-          <p:cNvSpPr>
-            <a:spLocks noGrp="1"/>
-          </p:cNvSpPr>
-          <p:nvPr>
-            <p:ph idx="1"/>
-          </p:nvPr>
-        </p:nvSpPr>
-        <p:spPr>
-          <a:xfrm>
-            <a:off x="822959" y="1661049"/>
-            <a:ext cx="7543801" cy="4531925"/>
-          </a:xfrm>
-        </p:spPr>
-        <p:txBody>
-          <a:bodyPr/>
-          <a:lstStyle/>
-          <a:p>
-            <a:pPr marL="742950" indent="-742950">
-              <a:buFont typeface="+mj-lt"/>
-              <a:buAutoNum type="arabicPeriod"/>
-            </a:pPr>
-            <a:r>
-              <a:rPr kumimoji="1" lang="ja-JP" altLang="en-US" dirty="0">
-                <a:solidFill>
-                  <a:schemeClr val="bg1">
-                    <a:lumMod val="75000"/>
-                  </a:schemeClr>
-                </a:solidFill>
-              </a:rPr>
-              <a:t>はじめに</a:t>
-            </a:r>
-            <a:endParaRPr kumimoji="1" lang="en-US" altLang="ja-JP" dirty="0">
-              <a:solidFill>
-                <a:schemeClr val="bg1">
-                  <a:lumMod val="75000"/>
-                </a:schemeClr>
-              </a:solidFill>
-            </a:endParaRPr>
-          </a:p>
-          <a:p>
-            <a:pPr marL="742950" indent="-742950">
-              <a:buFont typeface="+mj-lt"/>
-              <a:buAutoNum type="arabicPeriod"/>
-            </a:pPr>
-            <a:r>
-              <a:rPr lang="ja-JP" altLang="en-US" dirty="0">
-                <a:solidFill>
-                  <a:schemeClr val="bg1">
-                    <a:lumMod val="75000"/>
-                  </a:schemeClr>
-                </a:solidFill>
-              </a:rPr>
-              <a:t>要素技術</a:t>
-            </a:r>
-            <a:endParaRPr lang="en-US" altLang="ja-JP" dirty="0">
-              <a:solidFill>
-                <a:schemeClr val="bg1">
-                  <a:lumMod val="75000"/>
-                </a:schemeClr>
-              </a:solidFill>
-            </a:endParaRPr>
-          </a:p>
-          <a:p>
-            <a:pPr marL="742950" indent="-742950">
-              <a:buFont typeface="+mj-lt"/>
-              <a:buAutoNum type="arabicPeriod"/>
-            </a:pPr>
-            <a:r>
-              <a:rPr lang="ja-JP" altLang="en-US" dirty="0">
-                <a:solidFill>
-                  <a:schemeClr val="bg1">
-                    <a:lumMod val="75000"/>
-                  </a:schemeClr>
-                </a:solidFill>
-              </a:rPr>
-              <a:t>問題</a:t>
-            </a:r>
-            <a:endParaRPr lang="en-US" altLang="ja-JP" dirty="0">
-              <a:solidFill>
-                <a:schemeClr val="bg1">
-                  <a:lumMod val="75000"/>
-                </a:schemeClr>
-              </a:solidFill>
-            </a:endParaRPr>
-          </a:p>
-          <a:p>
-            <a:pPr marL="742950" indent="-742950">
-              <a:buFont typeface="+mj-lt"/>
-              <a:buAutoNum type="arabicPeriod"/>
-            </a:pPr>
-            <a:r>
-              <a:rPr kumimoji="1" lang="ja-JP" altLang="en-US" dirty="0"/>
-              <a:t>手法１</a:t>
-            </a:r>
-            <a:endParaRPr kumimoji="1" lang="en-US" altLang="ja-JP" dirty="0"/>
-          </a:p>
-          <a:p>
-            <a:pPr marL="742950" indent="-742950">
-              <a:buFont typeface="+mj-lt"/>
-              <a:buAutoNum type="arabicPeriod"/>
-            </a:pPr>
-            <a:r>
-              <a:rPr lang="ja-JP" altLang="en-US" dirty="0">
-                <a:solidFill>
-                  <a:schemeClr val="bg1">
-                    <a:lumMod val="75000"/>
-                  </a:schemeClr>
-                </a:solidFill>
-              </a:rPr>
-              <a:t>手法２</a:t>
-            </a:r>
-            <a:r>
-              <a:rPr lang="en-US" altLang="ja-JP" dirty="0">
-                <a:solidFill>
-                  <a:schemeClr val="bg1">
-                    <a:lumMod val="75000"/>
-                  </a:schemeClr>
-                </a:solidFill>
-              </a:rPr>
-              <a:t>(GA)</a:t>
-            </a:r>
-          </a:p>
-          <a:p>
-            <a:pPr marL="742950" indent="-742950">
-              <a:buFont typeface="+mj-lt"/>
-              <a:buAutoNum type="arabicPeriod"/>
-            </a:pPr>
-            <a:r>
-              <a:rPr kumimoji="1" lang="ja-JP" altLang="en-US" dirty="0">
-                <a:solidFill>
-                  <a:schemeClr val="bg1">
-                    <a:lumMod val="75000"/>
-                  </a:schemeClr>
-                </a:solidFill>
-              </a:rPr>
-              <a:t>まとめと今後の課題</a:t>
-            </a:r>
-          </a:p>
-        </p:txBody>
-      </p:sp>
-      <p:sp>
-        <p:nvSpPr>
-          <p:cNvPr id="4" name="スライド番号プレースホルダー 3">
-            <a:extLst>
-              <a:ext uri="{FF2B5EF4-FFF2-40B4-BE49-F238E27FC236}">
-                <a16:creationId xmlns:a16="http://schemas.microsoft.com/office/drawing/2014/main" id="{35C788A5-E800-4B67-8212-144F12E0C41A}"/>
-              </a:ext>
-            </a:extLst>
-          </p:cNvPr>
-          <p:cNvSpPr>
-            <a:spLocks noGrp="1"/>
-          </p:cNvSpPr>
-          <p:nvPr>
-            <p:ph type="sldNum" sz="quarter" idx="12"/>
-          </p:nvPr>
-        </p:nvSpPr>
-        <p:spPr/>
-        <p:txBody>
-          <a:bodyPr/>
-          <a:lstStyle/>
-          <a:p>
-            <a:fld id="{304739FC-810C-4CDC-B60F-21F1951FBC64}" type="slidenum">
-              <a:rPr kumimoji="1" lang="ja-JP" altLang="en-US" smtClean="0"/>
-              <a:t>29</a:t>
-            </a:fld>
-            <a:endParaRPr kumimoji="1" lang="ja-JP" altLang="en-US"/>
-          </a:p>
-        </p:txBody>
-      </p:sp>
-    </p:spTree>
-    <p:extLst>
-      <p:ext uri="{BB962C8B-B14F-4D97-AF65-F5344CB8AC3E}">
-        <p14:creationId xmlns:p14="http://schemas.microsoft.com/office/powerpoint/2010/main" val="1067326843"/>
-      </p:ext>
-    </p:extLst>
-  </p:cSld>
-  <p:clrMapOvr>
-    <a:masterClrMapping/>
-  </p:clrMapOvr>
-  <mc:AlternateContent xmlns:mc="http://schemas.openxmlformats.org/markup-compatibility/2006">
-    <mc:Choice xmlns:p14="http://schemas.microsoft.com/office/powerpoint/2010/main" Requires="p14">
-      <p:transition spd="slow" p14:dur="2000" advTm="1650"/>
-    </mc:Choice>
-    <mc:Fallback>
-      <p:transition spd="slow" advTm="1650"/>
     </mc:Fallback>
   </mc:AlternateContent>
 </p:sld>
@@ -19793,7 +20788,9 @@
           </a:xfrm>
         </p:spPr>
         <p:txBody>
-          <a:bodyPr/>
+          <a:bodyPr>
+            <a:normAutofit/>
+          </a:bodyPr>
           <a:lstStyle/>
           <a:p>
             <a:pPr marL="742950" indent="-742950">
@@ -19842,7 +20839,7 @@
                   </a:schemeClr>
                 </a:solidFill>
               </a:rPr>
-              <a:t>問題</a:t>
+              <a:t>問題設定</a:t>
             </a:r>
             <a:endParaRPr lang="en-US" altLang="ja-JP" dirty="0">
               <a:solidFill>
@@ -19970,6 +20967,250 @@
 </file>
 
 <file path=ppt/slides/slide30.xml><?xml version="1.0" encoding="utf-8"?>
+<p:sld xmlns:a="http://schemas.openxmlformats.org/drawingml/2006/main" xmlns:r="http://schemas.openxmlformats.org/officeDocument/2006/relationships" xmlns:p="http://schemas.openxmlformats.org/presentationml/2006/main">
+  <p:cSld>
+    <p:spTree>
+      <p:nvGrpSpPr>
+        <p:cNvPr id="1" name=""/>
+        <p:cNvGrpSpPr/>
+        <p:nvPr/>
+      </p:nvGrpSpPr>
+      <p:grpSpPr>
+        <a:xfrm>
+          <a:off x="0" y="0"/>
+          <a:ext cx="0" cy="0"/>
+          <a:chOff x="0" y="0"/>
+          <a:chExt cx="0" cy="0"/>
+        </a:xfrm>
+      </p:grpSpPr>
+      <p:sp>
+        <p:nvSpPr>
+          <p:cNvPr id="2" name="タイトル 1">
+            <a:extLst>
+              <a:ext uri="{FF2B5EF4-FFF2-40B4-BE49-F238E27FC236}">
+                <a16:creationId xmlns:a16="http://schemas.microsoft.com/office/drawing/2014/main" id="{99A71CDC-97C2-465F-8B9B-AE9D55104F50}"/>
+              </a:ext>
+            </a:extLst>
+          </p:cNvPr>
+          <p:cNvSpPr>
+            <a:spLocks noGrp="1"/>
+          </p:cNvSpPr>
+          <p:nvPr>
+            <p:ph type="title"/>
+          </p:nvPr>
+        </p:nvSpPr>
+        <p:spPr/>
+        <p:txBody>
+          <a:bodyPr/>
+          <a:lstStyle/>
+          <a:p>
+            <a:r>
+              <a:rPr kumimoji="1" lang="ja-JP" altLang="en-US" dirty="0"/>
+              <a:t>発表の流れ</a:t>
+            </a:r>
+          </a:p>
+        </p:txBody>
+      </p:sp>
+      <p:sp>
+        <p:nvSpPr>
+          <p:cNvPr id="3" name="コンテンツ プレースホルダー 2">
+            <a:extLst>
+              <a:ext uri="{FF2B5EF4-FFF2-40B4-BE49-F238E27FC236}">
+                <a16:creationId xmlns:a16="http://schemas.microsoft.com/office/drawing/2014/main" id="{EA6F3566-9A84-4DED-A27B-A69CD8CF6C57}"/>
+              </a:ext>
+            </a:extLst>
+          </p:cNvPr>
+          <p:cNvSpPr>
+            <a:spLocks noGrp="1"/>
+          </p:cNvSpPr>
+          <p:nvPr>
+            <p:ph idx="1"/>
+          </p:nvPr>
+        </p:nvSpPr>
+        <p:spPr>
+          <a:xfrm>
+            <a:off x="822959" y="1661049"/>
+            <a:ext cx="7543801" cy="4531925"/>
+          </a:xfrm>
+        </p:spPr>
+        <p:txBody>
+          <a:bodyPr/>
+          <a:lstStyle/>
+          <a:p>
+            <a:pPr marL="742950" indent="-742950">
+              <a:buFont typeface="+mj-lt"/>
+              <a:buAutoNum type="arabicPeriod"/>
+            </a:pPr>
+            <a:r>
+              <a:rPr kumimoji="1" lang="ja-JP" altLang="en-US" dirty="0">
+                <a:solidFill>
+                  <a:schemeClr val="bg1">
+                    <a:lumMod val="75000"/>
+                  </a:schemeClr>
+                </a:solidFill>
+              </a:rPr>
+              <a:t>はじめに</a:t>
+            </a:r>
+            <a:endParaRPr kumimoji="1" lang="en-US" altLang="ja-JP" dirty="0">
+              <a:solidFill>
+                <a:schemeClr val="bg1">
+                  <a:lumMod val="75000"/>
+                </a:schemeClr>
+              </a:solidFill>
+            </a:endParaRPr>
+          </a:p>
+          <a:p>
+            <a:pPr marL="742950" indent="-742950">
+              <a:buFont typeface="+mj-lt"/>
+              <a:buAutoNum type="arabicPeriod"/>
+            </a:pPr>
+            <a:r>
+              <a:rPr lang="ja-JP" altLang="en-US" dirty="0">
+                <a:solidFill>
+                  <a:schemeClr val="bg1">
+                    <a:lumMod val="75000"/>
+                  </a:schemeClr>
+                </a:solidFill>
+              </a:rPr>
+              <a:t>要素技術</a:t>
+            </a:r>
+            <a:endParaRPr lang="en-US" altLang="ja-JP" dirty="0">
+              <a:solidFill>
+                <a:schemeClr val="bg1">
+                  <a:lumMod val="75000"/>
+                </a:schemeClr>
+              </a:solidFill>
+            </a:endParaRPr>
+          </a:p>
+          <a:p>
+            <a:pPr marL="742950" indent="-742950">
+              <a:buFont typeface="+mj-lt"/>
+              <a:buAutoNum type="arabicPeriod"/>
+            </a:pPr>
+            <a:r>
+              <a:rPr lang="ja-JP" altLang="en-US" dirty="0">
+                <a:solidFill>
+                  <a:schemeClr val="bg1">
+                    <a:lumMod val="75000"/>
+                  </a:schemeClr>
+                </a:solidFill>
+              </a:rPr>
+              <a:t>問題設定</a:t>
+            </a:r>
+            <a:endParaRPr lang="en-US" altLang="ja-JP" dirty="0">
+              <a:solidFill>
+                <a:schemeClr val="bg1">
+                  <a:lumMod val="75000"/>
+                </a:schemeClr>
+              </a:solidFill>
+            </a:endParaRPr>
+          </a:p>
+          <a:p>
+            <a:pPr marL="742950" indent="-742950">
+              <a:buFont typeface="+mj-lt"/>
+              <a:buAutoNum type="arabicPeriod"/>
+            </a:pPr>
+            <a:r>
+              <a:rPr kumimoji="1" lang="ja-JP" altLang="en-US" dirty="0"/>
+              <a:t>手法１</a:t>
+            </a:r>
+            <a:endParaRPr kumimoji="1" lang="en-US" altLang="ja-JP" dirty="0"/>
+          </a:p>
+          <a:p>
+            <a:pPr marL="742950" indent="-742950">
+              <a:buFont typeface="+mj-lt"/>
+              <a:buAutoNum type="arabicPeriod"/>
+            </a:pPr>
+            <a:r>
+              <a:rPr lang="ja-JP" altLang="en-US" dirty="0">
+                <a:solidFill>
+                  <a:schemeClr val="bg1">
+                    <a:lumMod val="75000"/>
+                  </a:schemeClr>
+                </a:solidFill>
+              </a:rPr>
+              <a:t>手法２</a:t>
+            </a:r>
+            <a:r>
+              <a:rPr lang="en-US" altLang="ja-JP" dirty="0">
+                <a:solidFill>
+                  <a:schemeClr val="bg1">
+                    <a:lumMod val="75000"/>
+                  </a:schemeClr>
+                </a:solidFill>
+              </a:rPr>
+              <a:t>(GA)</a:t>
+            </a:r>
+          </a:p>
+          <a:p>
+            <a:pPr marL="742950" indent="-742950">
+              <a:buFont typeface="+mj-lt"/>
+              <a:buAutoNum type="arabicPeriod"/>
+            </a:pPr>
+            <a:r>
+              <a:rPr kumimoji="1" lang="ja-JP" altLang="en-US" dirty="0">
+                <a:solidFill>
+                  <a:schemeClr val="bg1">
+                    <a:lumMod val="75000"/>
+                  </a:schemeClr>
+                </a:solidFill>
+              </a:rPr>
+              <a:t>まとめと今後の課題</a:t>
+            </a:r>
+          </a:p>
+        </p:txBody>
+      </p:sp>
+      <p:sp>
+        <p:nvSpPr>
+          <p:cNvPr id="4" name="スライド番号プレースホルダー 3">
+            <a:extLst>
+              <a:ext uri="{FF2B5EF4-FFF2-40B4-BE49-F238E27FC236}">
+                <a16:creationId xmlns:a16="http://schemas.microsoft.com/office/drawing/2014/main" id="{35C788A5-E800-4B67-8212-144F12E0C41A}"/>
+              </a:ext>
+            </a:extLst>
+          </p:cNvPr>
+          <p:cNvSpPr>
+            <a:spLocks noGrp="1"/>
+          </p:cNvSpPr>
+          <p:nvPr>
+            <p:ph type="sldNum" sz="quarter" idx="12"/>
+          </p:nvPr>
+        </p:nvSpPr>
+        <p:spPr/>
+        <p:txBody>
+          <a:bodyPr/>
+          <a:lstStyle/>
+          <a:p>
+            <a:fld id="{304739FC-810C-4CDC-B60F-21F1951FBC64}" type="slidenum">
+              <a:rPr kumimoji="1" lang="ja-JP" altLang="en-US" smtClean="0"/>
+              <a:t>30</a:t>
+            </a:fld>
+            <a:endParaRPr kumimoji="1" lang="ja-JP" altLang="en-US"/>
+          </a:p>
+        </p:txBody>
+      </p:sp>
+    </p:spTree>
+    <p:extLst>
+      <p:ext uri="{BB962C8B-B14F-4D97-AF65-F5344CB8AC3E}">
+        <p14:creationId xmlns:p14="http://schemas.microsoft.com/office/powerpoint/2010/main" val="1067326843"/>
+      </p:ext>
+    </p:extLst>
+  </p:cSld>
+  <p:clrMapOvr>
+    <a:masterClrMapping/>
+  </p:clrMapOvr>
+  <mc:AlternateContent xmlns:mc="http://schemas.openxmlformats.org/markup-compatibility/2006">
+    <mc:Choice xmlns:p14="http://schemas.microsoft.com/office/powerpoint/2010/main" Requires="p14">
+      <p:transition spd="slow" p14:dur="2000" advTm="1650"/>
+    </mc:Choice>
+    <mc:Fallback>
+      <p:transition spd="slow" advTm="1650"/>
+    </mc:Fallback>
+  </mc:AlternateContent>
+</p:sld>
+</file>
+
+<file path=ppt/slides/slide31.xml><?xml version="1.0" encoding="utf-8"?>
 <p:sld xmlns:a="http://schemas.openxmlformats.org/drawingml/2006/main" xmlns:r="http://schemas.openxmlformats.org/officeDocument/2006/relationships" xmlns:p="http://schemas.openxmlformats.org/presentationml/2006/main">
   <p:cSld>
     <p:spTree>
@@ -20155,7 +21396,7 @@
           <a:p>
             <a:fld id="{304739FC-810C-4CDC-B60F-21F1951FBC64}" type="slidenum">
               <a:rPr kumimoji="1" lang="ja-JP" altLang="en-US" smtClean="0"/>
-              <a:t>30</a:t>
+              <a:t>31</a:t>
             </a:fld>
             <a:endParaRPr kumimoji="1" lang="ja-JP" altLang="en-US"/>
           </a:p>
@@ -20701,7 +21942,7 @@
 </p:sld>
 </file>
 
-<file path=ppt/slides/slide31.xml><?xml version="1.0" encoding="utf-8"?>
+<file path=ppt/slides/slide32.xml><?xml version="1.0" encoding="utf-8"?>
 <p:sld xmlns:a="http://schemas.openxmlformats.org/drawingml/2006/main" xmlns:r="http://schemas.openxmlformats.org/officeDocument/2006/relationships" xmlns:p="http://schemas.openxmlformats.org/presentationml/2006/main">
   <p:cSld>
     <p:spTree>
@@ -20929,7 +22170,7 @@
           <a:p>
             <a:fld id="{304739FC-810C-4CDC-B60F-21F1951FBC64}" type="slidenum">
               <a:rPr kumimoji="1" lang="ja-JP" altLang="en-US" smtClean="0"/>
-              <a:t>31</a:t>
+              <a:t>32</a:t>
             </a:fld>
             <a:endParaRPr kumimoji="1" lang="ja-JP" altLang="en-US"/>
           </a:p>
@@ -21003,7 +22244,7 @@
 </p:sld>
 </file>
 
-<file path=ppt/slides/slide32.xml><?xml version="1.0" encoding="utf-8"?>
+<file path=ppt/slides/slide33.xml><?xml version="1.0" encoding="utf-8"?>
 <p:sld xmlns:a="http://schemas.openxmlformats.org/drawingml/2006/main" xmlns:r="http://schemas.openxmlformats.org/officeDocument/2006/relationships" xmlns:p="http://schemas.openxmlformats.org/presentationml/2006/main">
   <p:cSld>
     <p:spTree>
@@ -21240,7 +22481,7 @@
           <a:p>
             <a:fld id="{304739FC-810C-4CDC-B60F-21F1951FBC64}" type="slidenum">
               <a:rPr kumimoji="1" lang="ja-JP" altLang="en-US" smtClean="0"/>
-              <a:t>32</a:t>
+              <a:t>33</a:t>
             </a:fld>
             <a:endParaRPr kumimoji="1" lang="ja-JP" altLang="en-US"/>
           </a:p>
@@ -21267,7 +22508,7 @@
 </p:sld>
 </file>
 
-<file path=ppt/slides/slide33.xml><?xml version="1.0" encoding="utf-8"?>
+<file path=ppt/slides/slide34.xml><?xml version="1.0" encoding="utf-8"?>
 <p:sld xmlns:a="http://schemas.openxmlformats.org/drawingml/2006/main" xmlns:r="http://schemas.openxmlformats.org/officeDocument/2006/relationships" xmlns:p="http://schemas.openxmlformats.org/presentationml/2006/main">
   <p:cSld>
     <p:spTree>
@@ -21669,7 +22910,7 @@
           <a:p>
             <a:fld id="{304739FC-810C-4CDC-B60F-21F1951FBC64}" type="slidenum">
               <a:rPr kumimoji="1" lang="ja-JP" altLang="en-US" smtClean="0"/>
-              <a:t>33</a:t>
+              <a:t>34</a:t>
             </a:fld>
             <a:endParaRPr kumimoji="1" lang="ja-JP" altLang="en-US"/>
           </a:p>
@@ -21696,7 +22937,7 @@
 </p:sld>
 </file>
 
-<file path=ppt/slides/slide34.xml><?xml version="1.0" encoding="utf-8"?>
+<file path=ppt/slides/slide35.xml><?xml version="1.0" encoding="utf-8"?>
 <p:sld xmlns:a="http://schemas.openxmlformats.org/drawingml/2006/main" xmlns:r="http://schemas.openxmlformats.org/officeDocument/2006/relationships" xmlns:p="http://schemas.openxmlformats.org/presentationml/2006/main">
   <p:cSld>
     <p:spTree>
@@ -21893,7 +23134,7 @@
           <a:p>
             <a:fld id="{304739FC-810C-4CDC-B60F-21F1951FBC64}" type="slidenum">
               <a:rPr kumimoji="1" lang="ja-JP" altLang="en-US" smtClean="0"/>
-              <a:t>34</a:t>
+              <a:t>35</a:t>
             </a:fld>
             <a:endParaRPr kumimoji="1" lang="ja-JP" altLang="en-US"/>
           </a:p>
@@ -22407,7 +23648,7 @@
 </p:sld>
 </file>
 
-<file path=ppt/slides/slide35.xml><?xml version="1.0" encoding="utf-8"?>
+<file path=ppt/slides/slide36.xml><?xml version="1.0" encoding="utf-8"?>
 <p:sld xmlns:a="http://schemas.openxmlformats.org/drawingml/2006/main" xmlns:r="http://schemas.openxmlformats.org/officeDocument/2006/relationships" xmlns:p="http://schemas.openxmlformats.org/presentationml/2006/main">
   <p:cSld>
     <p:spTree>
@@ -22565,9 +23806,52 @@
           <a:p>
             <a:fld id="{304739FC-810C-4CDC-B60F-21F1951FBC64}" type="slidenum">
               <a:rPr kumimoji="1" lang="ja-JP" altLang="en-US" smtClean="0"/>
-              <a:t>35</a:t>
+              <a:t>36</a:t>
             </a:fld>
             <a:endParaRPr kumimoji="1" lang="ja-JP" altLang="en-US"/>
+          </a:p>
+        </p:txBody>
+      </p:sp>
+      <p:sp>
+        <p:nvSpPr>
+          <p:cNvPr id="5" name="正方形/長方形 4">
+            <a:extLst>
+              <a:ext uri="{FF2B5EF4-FFF2-40B4-BE49-F238E27FC236}">
+                <a16:creationId xmlns:a16="http://schemas.microsoft.com/office/drawing/2014/main" id="{96460FE5-2DF8-42B4-AC0C-2B3A0C48EB66}"/>
+              </a:ext>
+            </a:extLst>
+          </p:cNvPr>
+          <p:cNvSpPr/>
+          <p:nvPr/>
+        </p:nvSpPr>
+        <p:spPr>
+          <a:xfrm>
+            <a:off x="813434" y="6396100"/>
+            <a:ext cx="4572000" cy="461665"/>
+          </a:xfrm>
+          <a:prstGeom prst="rect">
+            <a:avLst/>
+          </a:prstGeom>
+        </p:spPr>
+        <p:txBody>
+          <a:bodyPr>
+            <a:spAutoFit/>
+          </a:bodyPr>
+          <a:lstStyle/>
+          <a:p>
+            <a:r>
+              <a:rPr lang="en" altLang="ja-JP" sz="1200" dirty="0">
+                <a:solidFill>
+                  <a:schemeClr val="bg1"/>
+                </a:solidFill>
+              </a:rPr>
+              <a:t>CIFAR-10: A. Krizhevsky. Learning multiple layers of features from tiny images. Master’s thesis, University of Tront, 2009. </a:t>
+            </a:r>
+            <a:endParaRPr lang="en" altLang="ja-JP" sz="1100" dirty="0">
+              <a:solidFill>
+                <a:schemeClr val="bg1"/>
+              </a:solidFill>
+            </a:endParaRPr>
           </a:p>
         </p:txBody>
       </p:sp>
@@ -22592,7 +23876,7 @@
 </p:sld>
 </file>
 
-<file path=ppt/slides/slide36.xml><?xml version="1.0" encoding="utf-8"?>
+<file path=ppt/slides/slide37.xml><?xml version="1.0" encoding="utf-8"?>
 <p:sld xmlns:a="http://schemas.openxmlformats.org/drawingml/2006/main" xmlns:r="http://schemas.openxmlformats.org/officeDocument/2006/relationships" xmlns:p="http://schemas.openxmlformats.org/presentationml/2006/main">
   <p:cSld>
     <p:spTree>
@@ -22625,7 +23909,7 @@
             <p:ph idx="1"/>
             <p:extLst>
               <p:ext uri="{D42A27DB-BD31-4B8C-83A1-F6EECF244321}">
-                <p14:modId xmlns:p14="http://schemas.microsoft.com/office/powerpoint/2010/main" val="3377687585"/>
+                <p14:modId xmlns:p14="http://schemas.microsoft.com/office/powerpoint/2010/main" val="2812338983"/>
               </p:ext>
             </p:extLst>
           </p:nvPr>
@@ -23742,7 +25026,7 @@
                           <a:latin typeface="Arial" panose="020B0604020202020204" pitchFamily="34" charset="0"/>
                           <a:cs typeface="Arial" panose="020B0604020202020204" pitchFamily="34" charset="0"/>
                         </a:rPr>
-                        <a:t>Baseline(BGG19)</a:t>
+                        <a:t>Baseline(VGG19)</a:t>
                       </a:r>
                       <a:endParaRPr kumimoji="1" lang="ja-JP" altLang="en-US" sz="1600" dirty="0">
                         <a:latin typeface="Arial" panose="020B0604020202020204" pitchFamily="34" charset="0"/>
@@ -23936,7 +25220,7 @@
           <a:p>
             <a:fld id="{304739FC-810C-4CDC-B60F-21F1951FBC64}" type="slidenum">
               <a:rPr kumimoji="1" lang="ja-JP" altLang="en-US" smtClean="0"/>
-              <a:t>36</a:t>
+              <a:t>37</a:t>
             </a:fld>
             <a:endParaRPr kumimoji="1" lang="ja-JP" altLang="en-US"/>
           </a:p>
@@ -23963,7 +25247,7 @@
 </p:sld>
 </file>
 
-<file path=ppt/slides/slide37.xml><?xml version="1.0" encoding="utf-8"?>
+<file path=ppt/slides/slide38.xml><?xml version="1.0" encoding="utf-8"?>
 <p:sld xmlns:a="http://schemas.openxmlformats.org/drawingml/2006/main" xmlns:r="http://schemas.openxmlformats.org/officeDocument/2006/relationships" xmlns:p="http://schemas.openxmlformats.org/presentationml/2006/main">
   <p:cSld>
     <p:spTree>
@@ -23996,7 +25280,7 @@
             <p:ph idx="1"/>
             <p:extLst>
               <p:ext uri="{D42A27DB-BD31-4B8C-83A1-F6EECF244321}">
-                <p14:modId xmlns:p14="http://schemas.microsoft.com/office/powerpoint/2010/main" val="578324595"/>
+                <p14:modId xmlns:p14="http://schemas.microsoft.com/office/powerpoint/2010/main" val="1116662930"/>
               </p:ext>
             </p:extLst>
           </p:nvPr>
@@ -25204,7 +26488,7 @@
                           <a:latin typeface="Arial" panose="020B0604020202020204" pitchFamily="34" charset="0"/>
                           <a:cs typeface="Arial" panose="020B0604020202020204" pitchFamily="34" charset="0"/>
                         </a:rPr>
-                        <a:t>Baseline(BGG19)</a:t>
+                        <a:t>Baseline(VGG19)</a:t>
                       </a:r>
                       <a:endParaRPr kumimoji="1" lang="ja-JP" altLang="en-US" sz="1600" dirty="0">
                         <a:latin typeface="Arial" panose="020B0604020202020204" pitchFamily="34" charset="0"/>
@@ -25411,7 +26695,7 @@
           <a:p>
             <a:fld id="{304739FC-810C-4CDC-B60F-21F1951FBC64}" type="slidenum">
               <a:rPr kumimoji="1" lang="ja-JP" altLang="en-US" smtClean="0"/>
-              <a:t>37</a:t>
+              <a:t>38</a:t>
             </a:fld>
             <a:endParaRPr kumimoji="1" lang="ja-JP" altLang="en-US"/>
           </a:p>
@@ -25438,7 +26722,7 @@
 </p:sld>
 </file>
 
-<file path=ppt/slides/slide38.xml><?xml version="1.0" encoding="utf-8"?>
+<file path=ppt/slides/slide39.xml><?xml version="1.0" encoding="utf-8"?>
 <p:sld xmlns:a="http://schemas.openxmlformats.org/drawingml/2006/main" xmlns:r="http://schemas.openxmlformats.org/officeDocument/2006/relationships" xmlns:p="http://schemas.openxmlformats.org/presentationml/2006/main">
   <p:cSld>
     <p:spTree>
@@ -25574,7 +26858,7 @@
           <a:p>
             <a:fld id="{304739FC-810C-4CDC-B60F-21F1951FBC64}" type="slidenum">
               <a:rPr kumimoji="1" lang="ja-JP" altLang="en-US" smtClean="0"/>
-              <a:t>38</a:t>
+              <a:t>39</a:t>
             </a:fld>
             <a:endParaRPr kumimoji="1" lang="ja-JP" altLang="en-US"/>
           </a:p>
@@ -25637,7 +26921,397 @@
 </p:sld>
 </file>
 
-<file path=ppt/slides/slide39.xml><?xml version="1.0" encoding="utf-8"?>
+<file path=ppt/slides/slide4.xml><?xml version="1.0" encoding="utf-8"?>
+<p:sld xmlns:a="http://schemas.openxmlformats.org/drawingml/2006/main" xmlns:r="http://schemas.openxmlformats.org/officeDocument/2006/relationships" xmlns:p="http://schemas.openxmlformats.org/presentationml/2006/main">
+  <p:cSld>
+    <p:spTree>
+      <p:nvGrpSpPr>
+        <p:cNvPr id="1" name=""/>
+        <p:cNvGrpSpPr/>
+        <p:nvPr/>
+      </p:nvGrpSpPr>
+      <p:grpSpPr>
+        <a:xfrm>
+          <a:off x="0" y="0"/>
+          <a:ext cx="0" cy="0"/>
+          <a:chOff x="0" y="0"/>
+          <a:chExt cx="0" cy="0"/>
+        </a:xfrm>
+      </p:grpSpPr>
+      <p:sp>
+        <p:nvSpPr>
+          <p:cNvPr id="2" name="タイトル 1">
+            <a:extLst>
+              <a:ext uri="{FF2B5EF4-FFF2-40B4-BE49-F238E27FC236}">
+                <a16:creationId xmlns:a16="http://schemas.microsoft.com/office/drawing/2014/main" id="{AC06BA5F-D2B8-4713-8D25-D4396789FFC5}"/>
+              </a:ext>
+            </a:extLst>
+          </p:cNvPr>
+          <p:cNvSpPr>
+            <a:spLocks noGrp="1"/>
+          </p:cNvSpPr>
+          <p:nvPr>
+            <p:ph type="title"/>
+          </p:nvPr>
+        </p:nvSpPr>
+        <p:spPr/>
+        <p:txBody>
+          <a:bodyPr/>
+          <a:lstStyle/>
+          <a:p>
+            <a:r>
+              <a:rPr kumimoji="1" lang="ja-JP" altLang="en-US" dirty="0"/>
+              <a:t>深層学習モデルの発展</a:t>
+            </a:r>
+          </a:p>
+        </p:txBody>
+      </p:sp>
+      <p:sp>
+        <p:nvSpPr>
+          <p:cNvPr id="3" name="コンテンツ プレースホルダー 2">
+            <a:extLst>
+              <a:ext uri="{FF2B5EF4-FFF2-40B4-BE49-F238E27FC236}">
+                <a16:creationId xmlns:a16="http://schemas.microsoft.com/office/drawing/2014/main" id="{A039F885-9DE0-46A8-A4E3-0AD952829E88}"/>
+              </a:ext>
+            </a:extLst>
+          </p:cNvPr>
+          <p:cNvSpPr>
+            <a:spLocks noGrp="1"/>
+          </p:cNvSpPr>
+          <p:nvPr>
+            <p:ph idx="1"/>
+          </p:nvPr>
+        </p:nvSpPr>
+        <p:spPr>
+          <a:xfrm>
+            <a:off x="822959" y="4957894"/>
+            <a:ext cx="7543801" cy="1235080"/>
+          </a:xfrm>
+        </p:spPr>
+        <p:txBody>
+          <a:bodyPr>
+            <a:normAutofit/>
+          </a:bodyPr>
+          <a:lstStyle/>
+          <a:p>
+            <a:pPr lvl="1"/>
+            <a:r>
+              <a:rPr kumimoji="1" lang="ja-JP" altLang="en-US" dirty="0"/>
+              <a:t>モデル構造の改良で性能が向上</a:t>
+            </a:r>
+            <a:endParaRPr kumimoji="1" lang="en-US" altLang="ja-JP" dirty="0"/>
+          </a:p>
+        </p:txBody>
+      </p:sp>
+      <p:sp>
+        <p:nvSpPr>
+          <p:cNvPr id="4" name="スライド番号プレースホルダー 3">
+            <a:extLst>
+              <a:ext uri="{FF2B5EF4-FFF2-40B4-BE49-F238E27FC236}">
+                <a16:creationId xmlns:a16="http://schemas.microsoft.com/office/drawing/2014/main" id="{3180D2BA-9454-4D57-8FD2-6BF1A7E7CC03}"/>
+              </a:ext>
+            </a:extLst>
+          </p:cNvPr>
+          <p:cNvSpPr>
+            <a:spLocks noGrp="1"/>
+          </p:cNvSpPr>
+          <p:nvPr>
+            <p:ph type="sldNum" sz="quarter" idx="12"/>
+          </p:nvPr>
+        </p:nvSpPr>
+        <p:spPr/>
+        <p:txBody>
+          <a:bodyPr/>
+          <a:lstStyle/>
+          <a:p>
+            <a:fld id="{304739FC-810C-4CDC-B60F-21F1951FBC64}" type="slidenum">
+              <a:rPr kumimoji="1" lang="ja-JP" altLang="en-US" smtClean="0"/>
+              <a:t>4</a:t>
+            </a:fld>
+            <a:endParaRPr kumimoji="1" lang="ja-JP" altLang="en-US"/>
+          </a:p>
+        </p:txBody>
+      </p:sp>
+      <p:pic>
+        <p:nvPicPr>
+          <p:cNvPr id="2050" name="Picture 2" descr="ResNetまわりの論文まとめ | ALIS">
+            <a:extLst>
+              <a:ext uri="{FF2B5EF4-FFF2-40B4-BE49-F238E27FC236}">
+                <a16:creationId xmlns:a16="http://schemas.microsoft.com/office/drawing/2014/main" id="{73144198-578E-46BE-BD5A-CD181435F139}"/>
+              </a:ext>
+            </a:extLst>
+          </p:cNvPr>
+          <p:cNvPicPr>
+            <a:picLocks noChangeAspect="1" noChangeArrowheads="1"/>
+          </p:cNvPicPr>
+          <p:nvPr/>
+        </p:nvPicPr>
+        <p:blipFill>
+          <a:blip r:embed="rId3">
+            <a:extLst>
+              <a:ext uri="{28A0092B-C50C-407E-A947-70E740481C1C}">
+                <a14:useLocalDpi xmlns:a14="http://schemas.microsoft.com/office/drawing/2010/main" val="0"/>
+              </a:ext>
+            </a:extLst>
+          </a:blip>
+          <a:srcRect/>
+          <a:stretch>
+            <a:fillRect/>
+          </a:stretch>
+        </p:blipFill>
+        <p:spPr bwMode="auto">
+          <a:xfrm>
+            <a:off x="5365582" y="1838500"/>
+            <a:ext cx="2905125" cy="1571625"/>
+          </a:xfrm>
+          <a:prstGeom prst="rect">
+            <a:avLst/>
+          </a:prstGeom>
+          <a:noFill/>
+          <a:extLst>
+            <a:ext uri="{909E8E84-426E-40DD-AFC4-6F175D3DCCD1}">
+              <a14:hiddenFill xmlns:a14="http://schemas.microsoft.com/office/drawing/2010/main">
+                <a:solidFill>
+                  <a:srgbClr val="FFFFFF"/>
+                </a:solidFill>
+              </a14:hiddenFill>
+            </a:ext>
+          </a:extLst>
+        </p:spPr>
+      </p:pic>
+      <p:sp>
+        <p:nvSpPr>
+          <p:cNvPr id="5" name="正方形/長方形 4">
+            <a:extLst>
+              <a:ext uri="{FF2B5EF4-FFF2-40B4-BE49-F238E27FC236}">
+                <a16:creationId xmlns:a16="http://schemas.microsoft.com/office/drawing/2014/main" id="{FEC94C0E-A4C1-42DA-9A08-088D9F7F59D6}"/>
+              </a:ext>
+            </a:extLst>
+          </p:cNvPr>
+          <p:cNvSpPr/>
+          <p:nvPr/>
+        </p:nvSpPr>
+        <p:spPr>
+          <a:xfrm>
+            <a:off x="4699205" y="6365685"/>
+            <a:ext cx="3227673" cy="507831"/>
+          </a:xfrm>
+          <a:prstGeom prst="rect">
+            <a:avLst/>
+          </a:prstGeom>
+        </p:spPr>
+        <p:txBody>
+          <a:bodyPr wrap="square">
+            <a:spAutoFit/>
+          </a:bodyPr>
+          <a:lstStyle/>
+          <a:p>
+            <a:r>
+              <a:rPr lang="en-US" altLang="ja-JP" sz="900" dirty="0">
+                <a:solidFill>
+                  <a:schemeClr val="bg1"/>
+                </a:solidFill>
+              </a:rPr>
+              <a:t>ResNet : Kaiming He, Xiangyu Zhang, Shaoqing Ren, and Jian Sun. Deep residual learning for image recognition. CoRR, abs/1512.03385, 2015.</a:t>
+            </a:r>
+            <a:endParaRPr lang="ja-JP" altLang="en-US" sz="900" dirty="0">
+              <a:solidFill>
+                <a:schemeClr val="bg1"/>
+              </a:solidFill>
+            </a:endParaRPr>
+          </a:p>
+        </p:txBody>
+      </p:sp>
+      <p:sp>
+        <p:nvSpPr>
+          <p:cNvPr id="6" name="正方形/長方形 5">
+            <a:extLst>
+              <a:ext uri="{FF2B5EF4-FFF2-40B4-BE49-F238E27FC236}">
+                <a16:creationId xmlns:a16="http://schemas.microsoft.com/office/drawing/2014/main" id="{0CE6F609-A14D-48B3-B18C-903868D7627B}"/>
+              </a:ext>
+            </a:extLst>
+          </p:cNvPr>
+          <p:cNvSpPr/>
+          <p:nvPr/>
+        </p:nvSpPr>
+        <p:spPr>
+          <a:xfrm>
+            <a:off x="822959" y="6373374"/>
+            <a:ext cx="2867025" cy="507831"/>
+          </a:xfrm>
+          <a:prstGeom prst="rect">
+            <a:avLst/>
+          </a:prstGeom>
+        </p:spPr>
+        <p:txBody>
+          <a:bodyPr wrap="square">
+            <a:spAutoFit/>
+          </a:bodyPr>
+          <a:lstStyle/>
+          <a:p>
+            <a:r>
+              <a:rPr lang="en-US" altLang="ja-JP" sz="900" dirty="0">
+                <a:solidFill>
+                  <a:schemeClr val="bg1"/>
+                </a:solidFill>
+              </a:rPr>
+              <a:t>VGG : Karen Simonyan and Andrew Zisserman. Very deep convolutional networks for large-scale image recognition. 2015. </a:t>
+            </a:r>
+            <a:endParaRPr lang="ja-JP" altLang="en-US" sz="900" dirty="0">
+              <a:solidFill>
+                <a:schemeClr val="bg1"/>
+              </a:solidFill>
+            </a:endParaRPr>
+          </a:p>
+        </p:txBody>
+      </p:sp>
+      <p:pic>
+        <p:nvPicPr>
+          <p:cNvPr id="2052" name="Picture 4" descr="Deep Learning VGG">
+            <a:extLst>
+              <a:ext uri="{FF2B5EF4-FFF2-40B4-BE49-F238E27FC236}">
+                <a16:creationId xmlns:a16="http://schemas.microsoft.com/office/drawing/2014/main" id="{DB8EDFEC-DCC0-4B6A-85CF-57CD6B9199C4}"/>
+              </a:ext>
+            </a:extLst>
+          </p:cNvPr>
+          <p:cNvPicPr>
+            <a:picLocks noChangeAspect="1" noChangeArrowheads="1"/>
+          </p:cNvPicPr>
+          <p:nvPr/>
+        </p:nvPicPr>
+        <p:blipFill>
+          <a:blip r:embed="rId4">
+            <a:extLst>
+              <a:ext uri="{28A0092B-C50C-407E-A947-70E740481C1C}">
+                <a14:useLocalDpi xmlns:a14="http://schemas.microsoft.com/office/drawing/2010/main" val="0"/>
+              </a:ext>
+            </a:extLst>
+          </a:blip>
+          <a:srcRect/>
+          <a:stretch>
+            <a:fillRect/>
+          </a:stretch>
+        </p:blipFill>
+        <p:spPr bwMode="auto">
+          <a:xfrm>
+            <a:off x="1133517" y="1819450"/>
+            <a:ext cx="2867025" cy="1590675"/>
+          </a:xfrm>
+          <a:prstGeom prst="rect">
+            <a:avLst/>
+          </a:prstGeom>
+          <a:noFill/>
+          <a:extLst>
+            <a:ext uri="{909E8E84-426E-40DD-AFC4-6F175D3DCCD1}">
+              <a14:hiddenFill xmlns:a14="http://schemas.microsoft.com/office/drawing/2010/main">
+                <a:solidFill>
+                  <a:srgbClr val="FFFFFF"/>
+                </a:solidFill>
+              </a14:hiddenFill>
+            </a:ext>
+          </a:extLst>
+        </p:spPr>
+      </p:pic>
+      <p:sp>
+        <p:nvSpPr>
+          <p:cNvPr id="7" name="正方形/長方形 6">
+            <a:extLst>
+              <a:ext uri="{FF2B5EF4-FFF2-40B4-BE49-F238E27FC236}">
+                <a16:creationId xmlns:a16="http://schemas.microsoft.com/office/drawing/2014/main" id="{B6A7AF18-93AE-49AD-86DC-85D51A1DD572}"/>
+              </a:ext>
+            </a:extLst>
+          </p:cNvPr>
+          <p:cNvSpPr/>
+          <p:nvPr/>
+        </p:nvSpPr>
+        <p:spPr>
+          <a:xfrm>
+            <a:off x="2037075" y="3470240"/>
+            <a:ext cx="1059906" cy="584775"/>
+          </a:xfrm>
+          <a:prstGeom prst="rect">
+            <a:avLst/>
+          </a:prstGeom>
+        </p:spPr>
+        <p:txBody>
+          <a:bodyPr wrap="none">
+            <a:spAutoFit/>
+          </a:bodyPr>
+          <a:lstStyle/>
+          <a:p>
+            <a:r>
+              <a:rPr kumimoji="1" lang="en-US" altLang="ja-JP" sz="3200" dirty="0">
+                <a:latin typeface="+mn-ea"/>
+              </a:rPr>
+              <a:t>VGG</a:t>
+            </a:r>
+            <a:endParaRPr lang="ja-JP" altLang="en-US" sz="3200" dirty="0">
+              <a:latin typeface="+mn-ea"/>
+            </a:endParaRPr>
+          </a:p>
+        </p:txBody>
+      </p:sp>
+      <p:sp>
+        <p:nvSpPr>
+          <p:cNvPr id="10" name="正方形/長方形 9">
+            <a:extLst>
+              <a:ext uri="{FF2B5EF4-FFF2-40B4-BE49-F238E27FC236}">
+                <a16:creationId xmlns:a16="http://schemas.microsoft.com/office/drawing/2014/main" id="{0009896F-2515-4BFE-889F-8E04C0086272}"/>
+              </a:ext>
+            </a:extLst>
+          </p:cNvPr>
+          <p:cNvSpPr/>
+          <p:nvPr/>
+        </p:nvSpPr>
+        <p:spPr>
+          <a:xfrm>
+            <a:off x="5877140" y="3470239"/>
+            <a:ext cx="1597104" cy="584775"/>
+          </a:xfrm>
+          <a:prstGeom prst="rect">
+            <a:avLst/>
+          </a:prstGeom>
+        </p:spPr>
+        <p:txBody>
+          <a:bodyPr wrap="none">
+            <a:spAutoFit/>
+          </a:bodyPr>
+          <a:lstStyle/>
+          <a:p>
+            <a:r>
+              <a:rPr kumimoji="1" lang="en-US" altLang="ja-JP" sz="3200" dirty="0">
+                <a:latin typeface="+mn-ea"/>
+              </a:rPr>
+              <a:t>ResNet</a:t>
+            </a:r>
+            <a:endParaRPr lang="ja-JP" altLang="en-US" sz="3200" dirty="0">
+              <a:latin typeface="+mn-ea"/>
+            </a:endParaRPr>
+          </a:p>
+        </p:txBody>
+      </p:sp>
+    </p:spTree>
+    <p:extLst>
+      <p:ext uri="{BB962C8B-B14F-4D97-AF65-F5344CB8AC3E}">
+        <p14:creationId xmlns:p14="http://schemas.microsoft.com/office/powerpoint/2010/main" val="627480658"/>
+      </p:ext>
+    </p:extLst>
+  </p:cSld>
+  <p:clrMapOvr>
+    <a:masterClrMapping/>
+  </p:clrMapOvr>
+  <mc:AlternateContent xmlns:mc="http://schemas.openxmlformats.org/markup-compatibility/2006">
+    <mc:Choice xmlns:p14="http://schemas.microsoft.com/office/powerpoint/2010/main" Requires="p14">
+      <p:transition spd="slow" p14:dur="2000" advTm="15881"/>
+    </mc:Choice>
+    <mc:Fallback>
+      <p:transition spd="slow" advTm="15881"/>
+    </mc:Fallback>
+  </mc:AlternateContent>
+</p:sld>
+</file>
+
+<file path=ppt/slides/slide40.xml><?xml version="1.0" encoding="utf-8"?>
 <p:sld xmlns:a="http://schemas.openxmlformats.org/drawingml/2006/main" xmlns:r="http://schemas.openxmlformats.org/officeDocument/2006/relationships" xmlns:p="http://schemas.openxmlformats.org/presentationml/2006/main">
   <p:cSld>
     <p:spTree>
@@ -25776,7 +27450,7 @@
           <a:p>
             <a:fld id="{304739FC-810C-4CDC-B60F-21F1951FBC64}" type="slidenum">
               <a:rPr kumimoji="1" lang="ja-JP" altLang="en-US" smtClean="0"/>
-              <a:t>39</a:t>
+              <a:t>40</a:t>
             </a:fld>
             <a:endParaRPr kumimoji="1" lang="ja-JP" altLang="en-US"/>
           </a:p>
@@ -25839,405 +27513,7 @@
 </p:sld>
 </file>
 
-<file path=ppt/slides/slide4.xml><?xml version="1.0" encoding="utf-8"?>
-<p:sld xmlns:a="http://schemas.openxmlformats.org/drawingml/2006/main" xmlns:r="http://schemas.openxmlformats.org/officeDocument/2006/relationships" xmlns:p="http://schemas.openxmlformats.org/presentationml/2006/main">
-  <p:cSld>
-    <p:spTree>
-      <p:nvGrpSpPr>
-        <p:cNvPr id="1" name=""/>
-        <p:cNvGrpSpPr/>
-        <p:nvPr/>
-      </p:nvGrpSpPr>
-      <p:grpSpPr>
-        <a:xfrm>
-          <a:off x="0" y="0"/>
-          <a:ext cx="0" cy="0"/>
-          <a:chOff x="0" y="0"/>
-          <a:chExt cx="0" cy="0"/>
-        </a:xfrm>
-      </p:grpSpPr>
-      <p:sp>
-        <p:nvSpPr>
-          <p:cNvPr id="2" name="タイトル 1">
-            <a:extLst>
-              <a:ext uri="{FF2B5EF4-FFF2-40B4-BE49-F238E27FC236}">
-                <a16:creationId xmlns:a16="http://schemas.microsoft.com/office/drawing/2014/main" id="{AC06BA5F-D2B8-4713-8D25-D4396789FFC5}"/>
-              </a:ext>
-            </a:extLst>
-          </p:cNvPr>
-          <p:cNvSpPr>
-            <a:spLocks noGrp="1"/>
-          </p:cNvSpPr>
-          <p:nvPr>
-            <p:ph type="title"/>
-          </p:nvPr>
-        </p:nvSpPr>
-        <p:spPr/>
-        <p:txBody>
-          <a:bodyPr/>
-          <a:lstStyle/>
-          <a:p>
-            <a:r>
-              <a:rPr kumimoji="1" lang="ja-JP" altLang="en-US" dirty="0"/>
-              <a:t>深層学習モデルの発展</a:t>
-            </a:r>
-          </a:p>
-        </p:txBody>
-      </p:sp>
-      <p:sp>
-        <p:nvSpPr>
-          <p:cNvPr id="3" name="コンテンツ プレースホルダー 2">
-            <a:extLst>
-              <a:ext uri="{FF2B5EF4-FFF2-40B4-BE49-F238E27FC236}">
-                <a16:creationId xmlns:a16="http://schemas.microsoft.com/office/drawing/2014/main" id="{A039F885-9DE0-46A8-A4E3-0AD952829E88}"/>
-              </a:ext>
-            </a:extLst>
-          </p:cNvPr>
-          <p:cNvSpPr>
-            <a:spLocks noGrp="1"/>
-          </p:cNvSpPr>
-          <p:nvPr>
-            <p:ph idx="1"/>
-          </p:nvPr>
-        </p:nvSpPr>
-        <p:spPr>
-          <a:xfrm>
-            <a:off x="822959" y="4957894"/>
-            <a:ext cx="7543801" cy="1235080"/>
-          </a:xfrm>
-        </p:spPr>
-        <p:txBody>
-          <a:bodyPr>
-            <a:normAutofit/>
-          </a:bodyPr>
-          <a:lstStyle/>
-          <a:p>
-            <a:pPr lvl="1"/>
-            <a:r>
-              <a:rPr kumimoji="1" lang="ja-JP" altLang="en-US" dirty="0"/>
-              <a:t>モデル構造の改良で性能が向上</a:t>
-            </a:r>
-            <a:endParaRPr kumimoji="1" lang="en-US" altLang="ja-JP" dirty="0"/>
-          </a:p>
-        </p:txBody>
-      </p:sp>
-      <p:sp>
-        <p:nvSpPr>
-          <p:cNvPr id="4" name="スライド番号プレースホルダー 3">
-            <a:extLst>
-              <a:ext uri="{FF2B5EF4-FFF2-40B4-BE49-F238E27FC236}">
-                <a16:creationId xmlns:a16="http://schemas.microsoft.com/office/drawing/2014/main" id="{3180D2BA-9454-4D57-8FD2-6BF1A7E7CC03}"/>
-              </a:ext>
-            </a:extLst>
-          </p:cNvPr>
-          <p:cNvSpPr>
-            <a:spLocks noGrp="1"/>
-          </p:cNvSpPr>
-          <p:nvPr>
-            <p:ph type="sldNum" sz="quarter" idx="12"/>
-          </p:nvPr>
-        </p:nvSpPr>
-        <p:spPr/>
-        <p:txBody>
-          <a:bodyPr/>
-          <a:lstStyle/>
-          <a:p>
-            <a:fld id="{304739FC-810C-4CDC-B60F-21F1951FBC64}" type="slidenum">
-              <a:rPr kumimoji="1" lang="ja-JP" altLang="en-US" smtClean="0"/>
-              <a:t>4</a:t>
-            </a:fld>
-            <a:endParaRPr kumimoji="1" lang="ja-JP" altLang="en-US"/>
-          </a:p>
-        </p:txBody>
-      </p:sp>
-      <p:pic>
-        <p:nvPicPr>
-          <p:cNvPr id="2050" name="Picture 2" descr="ResNetまわりの論文まとめ | ALIS">
-            <a:extLst>
-              <a:ext uri="{FF2B5EF4-FFF2-40B4-BE49-F238E27FC236}">
-                <a16:creationId xmlns:a16="http://schemas.microsoft.com/office/drawing/2014/main" id="{73144198-578E-46BE-BD5A-CD181435F139}"/>
-              </a:ext>
-            </a:extLst>
-          </p:cNvPr>
-          <p:cNvPicPr>
-            <a:picLocks noChangeAspect="1" noChangeArrowheads="1"/>
-          </p:cNvPicPr>
-          <p:nvPr/>
-        </p:nvPicPr>
-        <p:blipFill>
-          <a:blip r:embed="rId3">
-            <a:extLst>
-              <a:ext uri="{28A0092B-C50C-407E-A947-70E740481C1C}">
-                <a14:useLocalDpi xmlns:a14="http://schemas.microsoft.com/office/drawing/2010/main" val="0"/>
-              </a:ext>
-            </a:extLst>
-          </a:blip>
-          <a:srcRect/>
-          <a:stretch>
-            <a:fillRect/>
-          </a:stretch>
-        </p:blipFill>
-        <p:spPr bwMode="auto">
-          <a:xfrm>
-            <a:off x="5365582" y="1838500"/>
-            <a:ext cx="2905125" cy="1571625"/>
-          </a:xfrm>
-          <a:prstGeom prst="rect">
-            <a:avLst/>
-          </a:prstGeom>
-          <a:noFill/>
-          <a:extLst>
-            <a:ext uri="{909E8E84-426E-40DD-AFC4-6F175D3DCCD1}">
-              <a14:hiddenFill xmlns:a14="http://schemas.microsoft.com/office/drawing/2010/main">
-                <a:solidFill>
-                  <a:srgbClr val="FFFFFF"/>
-                </a:solidFill>
-              </a14:hiddenFill>
-            </a:ext>
-          </a:extLst>
-        </p:spPr>
-      </p:pic>
-      <p:sp>
-        <p:nvSpPr>
-          <p:cNvPr id="5" name="正方形/長方形 4">
-            <a:extLst>
-              <a:ext uri="{FF2B5EF4-FFF2-40B4-BE49-F238E27FC236}">
-                <a16:creationId xmlns:a16="http://schemas.microsoft.com/office/drawing/2014/main" id="{FEC94C0E-A4C1-42DA-9A08-088D9F7F59D6}"/>
-              </a:ext>
-            </a:extLst>
-          </p:cNvPr>
-          <p:cNvSpPr/>
-          <p:nvPr/>
-        </p:nvSpPr>
-        <p:spPr>
-          <a:xfrm>
-            <a:off x="5139087" y="3943953"/>
-            <a:ext cx="3227673" cy="461665"/>
-          </a:xfrm>
-          <a:prstGeom prst="rect">
-            <a:avLst/>
-          </a:prstGeom>
-        </p:spPr>
-        <p:txBody>
-          <a:bodyPr wrap="square">
-            <a:spAutoFit/>
-          </a:bodyPr>
-          <a:lstStyle/>
-          <a:p>
-            <a:r>
-              <a:rPr lang="en-US" altLang="ja-JP" sz="800" dirty="0">
-                <a:solidFill>
-                  <a:schemeClr val="bg1">
-                    <a:lumMod val="75000"/>
-                  </a:schemeClr>
-                </a:solidFill>
-              </a:rPr>
-              <a:t>Kaiming He, Xiangyu Zhang, Shaoqing Ren, and Jian Sun. Deep residual learning for image recognition. CoRR, abs/1512.03385, 2015.</a:t>
-            </a:r>
-            <a:endParaRPr lang="ja-JP" altLang="en-US" sz="800" dirty="0">
-              <a:solidFill>
-                <a:schemeClr val="bg1">
-                  <a:lumMod val="75000"/>
-                </a:schemeClr>
-              </a:solidFill>
-            </a:endParaRPr>
-          </a:p>
-        </p:txBody>
-      </p:sp>
-      <p:sp>
-        <p:nvSpPr>
-          <p:cNvPr id="6" name="正方形/長方形 5">
-            <a:extLst>
-              <a:ext uri="{FF2B5EF4-FFF2-40B4-BE49-F238E27FC236}">
-                <a16:creationId xmlns:a16="http://schemas.microsoft.com/office/drawing/2014/main" id="{0CE6F609-A14D-48B3-B18C-903868D7627B}"/>
-              </a:ext>
-            </a:extLst>
-          </p:cNvPr>
-          <p:cNvSpPr/>
-          <p:nvPr/>
-        </p:nvSpPr>
-        <p:spPr>
-          <a:xfrm>
-            <a:off x="1133515" y="3943954"/>
-            <a:ext cx="2867025" cy="461665"/>
-          </a:xfrm>
-          <a:prstGeom prst="rect">
-            <a:avLst/>
-          </a:prstGeom>
-        </p:spPr>
-        <p:txBody>
-          <a:bodyPr wrap="square">
-            <a:spAutoFit/>
-          </a:bodyPr>
-          <a:lstStyle/>
-          <a:p>
-            <a:r>
-              <a:rPr lang="en-US" altLang="ja-JP" sz="800" dirty="0">
-                <a:solidFill>
-                  <a:schemeClr val="bg1">
-                    <a:lumMod val="75000"/>
-                  </a:schemeClr>
-                </a:solidFill>
-              </a:rPr>
-              <a:t>Karen Simonyan and Andrew Zisserman. Very deep convolutional networks for large-scale image recognition. 2015. </a:t>
-            </a:r>
-            <a:endParaRPr lang="ja-JP" altLang="en-US" sz="800" dirty="0">
-              <a:solidFill>
-                <a:schemeClr val="bg1">
-                  <a:lumMod val="75000"/>
-                </a:schemeClr>
-              </a:solidFill>
-            </a:endParaRPr>
-          </a:p>
-        </p:txBody>
-      </p:sp>
-      <p:pic>
-        <p:nvPicPr>
-          <p:cNvPr id="2052" name="Picture 4" descr="Deep Learning VGG">
-            <a:extLst>
-              <a:ext uri="{FF2B5EF4-FFF2-40B4-BE49-F238E27FC236}">
-                <a16:creationId xmlns:a16="http://schemas.microsoft.com/office/drawing/2014/main" id="{DB8EDFEC-DCC0-4B6A-85CF-57CD6B9199C4}"/>
-              </a:ext>
-            </a:extLst>
-          </p:cNvPr>
-          <p:cNvPicPr>
-            <a:picLocks noChangeAspect="1" noChangeArrowheads="1"/>
-          </p:cNvPicPr>
-          <p:nvPr/>
-        </p:nvPicPr>
-        <p:blipFill>
-          <a:blip r:embed="rId4">
-            <a:extLst>
-              <a:ext uri="{28A0092B-C50C-407E-A947-70E740481C1C}">
-                <a14:useLocalDpi xmlns:a14="http://schemas.microsoft.com/office/drawing/2010/main" val="0"/>
-              </a:ext>
-            </a:extLst>
-          </a:blip>
-          <a:srcRect/>
-          <a:stretch>
-            <a:fillRect/>
-          </a:stretch>
-        </p:blipFill>
-        <p:spPr bwMode="auto">
-          <a:xfrm>
-            <a:off x="1133517" y="1819450"/>
-            <a:ext cx="2867025" cy="1590675"/>
-          </a:xfrm>
-          <a:prstGeom prst="rect">
-            <a:avLst/>
-          </a:prstGeom>
-          <a:noFill/>
-          <a:extLst>
-            <a:ext uri="{909E8E84-426E-40DD-AFC4-6F175D3DCCD1}">
-              <a14:hiddenFill xmlns:a14="http://schemas.microsoft.com/office/drawing/2010/main">
-                <a:solidFill>
-                  <a:srgbClr val="FFFFFF"/>
-                </a:solidFill>
-              </a14:hiddenFill>
-            </a:ext>
-          </a:extLst>
-        </p:spPr>
-      </p:pic>
-      <p:sp>
-        <p:nvSpPr>
-          <p:cNvPr id="7" name="正方形/長方形 6">
-            <a:extLst>
-              <a:ext uri="{FF2B5EF4-FFF2-40B4-BE49-F238E27FC236}">
-                <a16:creationId xmlns:a16="http://schemas.microsoft.com/office/drawing/2014/main" id="{B6A7AF18-93AE-49AD-86DC-85D51A1DD572}"/>
-              </a:ext>
-            </a:extLst>
-          </p:cNvPr>
-          <p:cNvSpPr/>
-          <p:nvPr/>
-        </p:nvSpPr>
-        <p:spPr>
-          <a:xfrm>
-            <a:off x="2037075" y="3470240"/>
-            <a:ext cx="1059906" cy="584775"/>
-          </a:xfrm>
-          <a:prstGeom prst="rect">
-            <a:avLst/>
-          </a:prstGeom>
-        </p:spPr>
-        <p:txBody>
-          <a:bodyPr wrap="none">
-            <a:spAutoFit/>
-          </a:bodyPr>
-          <a:lstStyle/>
-          <a:p>
-            <a:r>
-              <a:rPr kumimoji="1" lang="en-US" altLang="ja-JP" sz="3200" dirty="0">
-                <a:latin typeface="+mn-ea"/>
-              </a:rPr>
-              <a:t>VGG</a:t>
-            </a:r>
-            <a:endParaRPr lang="ja-JP" altLang="en-US" sz="3200" dirty="0">
-              <a:latin typeface="+mn-ea"/>
-            </a:endParaRPr>
-          </a:p>
-        </p:txBody>
-      </p:sp>
-      <p:sp>
-        <p:nvSpPr>
-          <p:cNvPr id="10" name="正方形/長方形 9">
-            <a:extLst>
-              <a:ext uri="{FF2B5EF4-FFF2-40B4-BE49-F238E27FC236}">
-                <a16:creationId xmlns:a16="http://schemas.microsoft.com/office/drawing/2014/main" id="{0009896F-2515-4BFE-889F-8E04C0086272}"/>
-              </a:ext>
-            </a:extLst>
-          </p:cNvPr>
-          <p:cNvSpPr/>
-          <p:nvPr/>
-        </p:nvSpPr>
-        <p:spPr>
-          <a:xfrm>
-            <a:off x="5877140" y="3470239"/>
-            <a:ext cx="1597104" cy="584775"/>
-          </a:xfrm>
-          <a:prstGeom prst="rect">
-            <a:avLst/>
-          </a:prstGeom>
-        </p:spPr>
-        <p:txBody>
-          <a:bodyPr wrap="none">
-            <a:spAutoFit/>
-          </a:bodyPr>
-          <a:lstStyle/>
-          <a:p>
-            <a:r>
-              <a:rPr kumimoji="1" lang="en-US" altLang="ja-JP" sz="3200" dirty="0">
-                <a:latin typeface="+mn-ea"/>
-              </a:rPr>
-              <a:t>ResNet</a:t>
-            </a:r>
-            <a:endParaRPr lang="ja-JP" altLang="en-US" sz="3200" dirty="0">
-              <a:latin typeface="+mn-ea"/>
-            </a:endParaRPr>
-          </a:p>
-        </p:txBody>
-      </p:sp>
-    </p:spTree>
-    <p:extLst>
-      <p:ext uri="{BB962C8B-B14F-4D97-AF65-F5344CB8AC3E}">
-        <p14:creationId xmlns:p14="http://schemas.microsoft.com/office/powerpoint/2010/main" val="627480658"/>
-      </p:ext>
-    </p:extLst>
-  </p:cSld>
-  <p:clrMapOvr>
-    <a:masterClrMapping/>
-  </p:clrMapOvr>
-  <mc:AlternateContent xmlns:mc="http://schemas.openxmlformats.org/markup-compatibility/2006">
-    <mc:Choice xmlns:p14="http://schemas.microsoft.com/office/powerpoint/2010/main" Requires="p14">
-      <p:transition spd="slow" p14:dur="2000" advTm="15881"/>
-    </mc:Choice>
-    <mc:Fallback>
-      <p:transition spd="slow" advTm="15881"/>
-    </mc:Fallback>
-  </mc:AlternateContent>
-</p:sld>
-</file>
-
-<file path=ppt/slides/slide40.xml><?xml version="1.0" encoding="utf-8"?>
+<file path=ppt/slides/slide41.xml><?xml version="1.0" encoding="utf-8"?>
 <p:sld xmlns:a="http://schemas.openxmlformats.org/drawingml/2006/main" xmlns:r="http://schemas.openxmlformats.org/officeDocument/2006/relationships" xmlns:p="http://schemas.openxmlformats.org/presentationml/2006/main">
   <p:cSld>
     <p:spTree>
@@ -26348,7 +27624,7 @@
           <a:p>
             <a:fld id="{304739FC-810C-4CDC-B60F-21F1951FBC64}" type="slidenum">
               <a:rPr kumimoji="1" lang="ja-JP" altLang="en-US" smtClean="0"/>
-              <a:t>40</a:t>
+              <a:t>41</a:t>
             </a:fld>
             <a:endParaRPr kumimoji="1" lang="ja-JP" altLang="en-US"/>
           </a:p>
@@ -26670,7 +27946,7 @@
 </p:sld>
 </file>
 
-<file path=ppt/slides/slide41.xml><?xml version="1.0" encoding="utf-8"?>
+<file path=ppt/slides/slide42.xml><?xml version="1.0" encoding="utf-8"?>
 <p:sld xmlns:a="http://schemas.openxmlformats.org/drawingml/2006/main" xmlns:r="http://schemas.openxmlformats.org/officeDocument/2006/relationships" xmlns:p="http://schemas.openxmlformats.org/presentationml/2006/main" show="0">
   <p:cSld>
     <p:spTree>
@@ -26746,7 +28022,7 @@
           <a:p>
             <a:fld id="{304739FC-810C-4CDC-B60F-21F1951FBC64}" type="slidenum">
               <a:rPr kumimoji="1" lang="ja-JP" altLang="en-US" smtClean="0"/>
-              <a:t>41</a:t>
+              <a:t>42</a:t>
             </a:fld>
             <a:endParaRPr kumimoji="1" lang="ja-JP" altLang="en-US"/>
           </a:p>
@@ -27102,7 +28378,7 @@
 </p:sld>
 </file>
 
-<file path=ppt/slides/slide42.xml><?xml version="1.0" encoding="utf-8"?>
+<file path=ppt/slides/slide43.xml><?xml version="1.0" encoding="utf-8"?>
 <p:sld xmlns:a="http://schemas.openxmlformats.org/drawingml/2006/main" xmlns:r="http://schemas.openxmlformats.org/officeDocument/2006/relationships" xmlns:p="http://schemas.openxmlformats.org/presentationml/2006/main" show="0">
   <p:cSld>
     <p:spTree>
@@ -27223,7 +28499,7 @@
           <a:p>
             <a:fld id="{304739FC-810C-4CDC-B60F-21F1951FBC64}" type="slidenum">
               <a:rPr kumimoji="1" lang="ja-JP" altLang="en-US" smtClean="0"/>
-              <a:t>42</a:t>
+              <a:t>43</a:t>
             </a:fld>
             <a:endParaRPr kumimoji="1" lang="ja-JP" altLang="en-US"/>
           </a:p>
@@ -27600,7 +28876,7 @@
 </p:sld>
 </file>
 
-<file path=ppt/slides/slide43.xml><?xml version="1.0" encoding="utf-8"?>
+<file path=ppt/slides/slide44.xml><?xml version="1.0" encoding="utf-8"?>
 <p:sld xmlns:a="http://schemas.openxmlformats.org/drawingml/2006/main" xmlns:r="http://schemas.openxmlformats.org/officeDocument/2006/relationships" xmlns:p="http://schemas.openxmlformats.org/presentationml/2006/main">
   <p:cSld>
     <p:spTree>
@@ -27721,7 +28997,7 @@
           <a:p>
             <a:fld id="{304739FC-810C-4CDC-B60F-21F1951FBC64}" type="slidenum">
               <a:rPr kumimoji="1" lang="ja-JP" altLang="en-US" smtClean="0"/>
-              <a:t>43</a:t>
+              <a:t>44</a:t>
             </a:fld>
             <a:endParaRPr kumimoji="1" lang="ja-JP" altLang="en-US"/>
           </a:p>
@@ -28098,7 +29374,7 @@
 </p:sld>
 </file>
 
-<file path=ppt/slides/slide44.xml><?xml version="1.0" encoding="utf-8"?>
+<file path=ppt/slides/slide45.xml><?xml version="1.0" encoding="utf-8"?>
 <p:sld xmlns:a="http://schemas.openxmlformats.org/drawingml/2006/main" xmlns:r="http://schemas.openxmlformats.org/officeDocument/2006/relationships" xmlns:p="http://schemas.openxmlformats.org/presentationml/2006/main" show="0">
   <p:cSld>
     <p:spTree>
@@ -28219,7 +29495,7 @@
           <a:p>
             <a:fld id="{304739FC-810C-4CDC-B60F-21F1951FBC64}" type="slidenum">
               <a:rPr kumimoji="1" lang="ja-JP" altLang="en-US" smtClean="0"/>
-              <a:t>44</a:t>
+              <a:t>45</a:t>
             </a:fld>
             <a:endParaRPr kumimoji="1" lang="ja-JP" altLang="en-US"/>
           </a:p>
@@ -28596,7 +29872,7 @@
 </p:sld>
 </file>
 
-<file path=ppt/slides/slide45.xml><?xml version="1.0" encoding="utf-8"?>
+<file path=ppt/slides/slide46.xml><?xml version="1.0" encoding="utf-8"?>
 <p:sld xmlns:a="http://schemas.openxmlformats.org/drawingml/2006/main" xmlns:r="http://schemas.openxmlformats.org/officeDocument/2006/relationships" xmlns:p="http://schemas.openxmlformats.org/presentationml/2006/main">
   <p:cSld>
     <p:spTree>
@@ -28725,7 +30001,7 @@
                   </a:schemeClr>
                 </a:solidFill>
               </a:rPr>
-              <a:t>問題</a:t>
+              <a:t>問題設定</a:t>
             </a:r>
             <a:endParaRPr lang="en-US" altLang="ja-JP" dirty="0">
               <a:solidFill>
@@ -28813,7 +30089,7 @@
           <a:p>
             <a:fld id="{304739FC-810C-4CDC-B60F-21F1951FBC64}" type="slidenum">
               <a:rPr kumimoji="1" lang="ja-JP" altLang="en-US" smtClean="0"/>
-              <a:t>45</a:t>
+              <a:t>46</a:t>
             </a:fld>
             <a:endParaRPr kumimoji="1" lang="ja-JP" altLang="en-US"/>
           </a:p>
@@ -28840,7 +30116,7 @@
 </p:sld>
 </file>
 
-<file path=ppt/slides/slide46.xml><?xml version="1.0" encoding="utf-8"?>
+<file path=ppt/slides/slide47.xml><?xml version="1.0" encoding="utf-8"?>
 <p:sld xmlns:a="http://schemas.openxmlformats.org/drawingml/2006/main" xmlns:r="http://schemas.openxmlformats.org/officeDocument/2006/relationships" xmlns:p="http://schemas.openxmlformats.org/presentationml/2006/main">
   <p:cSld>
     <p:spTree>
@@ -29057,7 +30333,7 @@
           <a:p>
             <a:fld id="{304739FC-810C-4CDC-B60F-21F1951FBC64}" type="slidenum">
               <a:rPr kumimoji="1" lang="ja-JP" altLang="en-US" smtClean="0"/>
-              <a:t>46</a:t>
+              <a:t>47</a:t>
             </a:fld>
             <a:endParaRPr kumimoji="1" lang="ja-JP" altLang="en-US"/>
           </a:p>
@@ -29084,7 +30360,7 @@
 </p:sld>
 </file>
 
-<file path=ppt/slides/slide47.xml><?xml version="1.0" encoding="utf-8"?>
+<file path=ppt/slides/slide48.xml><?xml version="1.0" encoding="utf-8"?>
 <p:sld xmlns:a="http://schemas.openxmlformats.org/drawingml/2006/main" xmlns:r="http://schemas.openxmlformats.org/officeDocument/2006/relationships" xmlns:p="http://schemas.openxmlformats.org/presentationml/2006/main">
   <p:cSld>
     <p:spTree>
@@ -29719,7 +30995,7 @@
           <a:p>
             <a:fld id="{304739FC-810C-4CDC-B60F-21F1951FBC64}" type="slidenum">
               <a:rPr kumimoji="1" lang="ja-JP" altLang="en-US" smtClean="0"/>
-              <a:t>47</a:t>
+              <a:t>48</a:t>
             </a:fld>
             <a:endParaRPr kumimoji="1" lang="ja-JP" altLang="en-US"/>
           </a:p>
@@ -29926,7 +31202,7 @@
 </p:sld>
 </file>
 
-<file path=ppt/slides/slide48.xml><?xml version="1.0" encoding="utf-8"?>
+<file path=ppt/slides/slide49.xml><?xml version="1.0" encoding="utf-8"?>
 <p:sld xmlns:a="http://schemas.openxmlformats.org/drawingml/2006/main" xmlns:r="http://schemas.openxmlformats.org/officeDocument/2006/relationships" xmlns:p="http://schemas.openxmlformats.org/presentationml/2006/main">
   <p:cSld>
     <p:spTree>
@@ -30006,7 +31282,7 @@
           <a:p>
             <a:fld id="{304739FC-810C-4CDC-B60F-21F1951FBC64}" type="slidenum">
               <a:rPr kumimoji="1" lang="ja-JP" altLang="en-US" smtClean="0"/>
-              <a:t>48</a:t>
+              <a:t>49</a:t>
             </a:fld>
             <a:endParaRPr kumimoji="1" lang="ja-JP" altLang="en-US"/>
           </a:p>
@@ -30630,7 +31906,440 @@
 </p:sld>
 </file>
 
-<file path=ppt/slides/slide49.xml><?xml version="1.0" encoding="utf-8"?>
+<file path=ppt/slides/slide5.xml><?xml version="1.0" encoding="utf-8"?>
+<p:sld xmlns:a="http://schemas.openxmlformats.org/drawingml/2006/main" xmlns:r="http://schemas.openxmlformats.org/officeDocument/2006/relationships" xmlns:p="http://schemas.openxmlformats.org/presentationml/2006/main">
+  <p:cSld>
+    <p:spTree>
+      <p:nvGrpSpPr>
+        <p:cNvPr id="1" name=""/>
+        <p:cNvGrpSpPr/>
+        <p:nvPr/>
+      </p:nvGrpSpPr>
+      <p:grpSpPr>
+        <a:xfrm>
+          <a:off x="0" y="0"/>
+          <a:ext cx="0" cy="0"/>
+          <a:chOff x="0" y="0"/>
+          <a:chExt cx="0" cy="0"/>
+        </a:xfrm>
+      </p:grpSpPr>
+      <p:sp>
+        <p:nvSpPr>
+          <p:cNvPr id="2" name="タイトル 1">
+            <a:extLst>
+              <a:ext uri="{FF2B5EF4-FFF2-40B4-BE49-F238E27FC236}">
+                <a16:creationId xmlns:a16="http://schemas.microsoft.com/office/drawing/2014/main" id="{7DC54766-522D-4A36-9F3D-27B28C68CF96}"/>
+              </a:ext>
+            </a:extLst>
+          </p:cNvPr>
+          <p:cNvSpPr>
+            <a:spLocks noGrp="1"/>
+          </p:cNvSpPr>
+          <p:nvPr>
+            <p:ph type="title"/>
+          </p:nvPr>
+        </p:nvSpPr>
+        <p:spPr/>
+        <p:txBody>
+          <a:bodyPr>
+            <a:normAutofit/>
+          </a:bodyPr>
+          <a:lstStyle/>
+          <a:p>
+            <a:r>
+              <a:rPr kumimoji="1" lang="ja-JP" altLang="en-US" dirty="0"/>
+              <a:t>アーキテクチャ設計の難しさ</a:t>
+            </a:r>
+          </a:p>
+        </p:txBody>
+      </p:sp>
+      <p:sp>
+        <p:nvSpPr>
+          <p:cNvPr id="4" name="スライド番号プレースホルダー 3">
+            <a:extLst>
+              <a:ext uri="{FF2B5EF4-FFF2-40B4-BE49-F238E27FC236}">
+                <a16:creationId xmlns:a16="http://schemas.microsoft.com/office/drawing/2014/main" id="{E584AA1A-0C06-4BBA-B90E-C4C5D7199DB9}"/>
+              </a:ext>
+            </a:extLst>
+          </p:cNvPr>
+          <p:cNvSpPr>
+            <a:spLocks noGrp="1"/>
+          </p:cNvSpPr>
+          <p:nvPr>
+            <p:ph type="sldNum" sz="quarter" idx="12"/>
+          </p:nvPr>
+        </p:nvSpPr>
+        <p:spPr/>
+        <p:txBody>
+          <a:bodyPr/>
+          <a:lstStyle/>
+          <a:p>
+            <a:fld id="{304739FC-810C-4CDC-B60F-21F1951FBC64}" type="slidenum">
+              <a:rPr kumimoji="1" lang="ja-JP" altLang="en-US" smtClean="0"/>
+              <a:t>5</a:t>
+            </a:fld>
+            <a:endParaRPr kumimoji="1" lang="ja-JP" altLang="en-US"/>
+          </a:p>
+        </p:txBody>
+      </p:sp>
+      <p:sp>
+        <p:nvSpPr>
+          <p:cNvPr id="5" name="正方形/長方形 4">
+            <a:extLst>
+              <a:ext uri="{FF2B5EF4-FFF2-40B4-BE49-F238E27FC236}">
+                <a16:creationId xmlns:a16="http://schemas.microsoft.com/office/drawing/2014/main" id="{F9476C83-44DD-4C44-9E36-472E15ABE586}"/>
+              </a:ext>
+            </a:extLst>
+          </p:cNvPr>
+          <p:cNvSpPr/>
+          <p:nvPr/>
+        </p:nvSpPr>
+        <p:spPr>
+          <a:xfrm>
+            <a:off x="941727" y="3724556"/>
+            <a:ext cx="2492990" cy="620767"/>
+          </a:xfrm>
+          <a:prstGeom prst="rect">
+            <a:avLst/>
+          </a:prstGeom>
+          <a:solidFill>
+            <a:schemeClr val="accent1"/>
+          </a:solidFill>
+          <a:ln>
+            <a:noFill/>
+          </a:ln>
+        </p:spPr>
+        <p:style>
+          <a:lnRef idx="0">
+            <a:scrgbClr r="0" g="0" b="0"/>
+          </a:lnRef>
+          <a:fillRef idx="0">
+            <a:scrgbClr r="0" g="0" b="0"/>
+          </a:fillRef>
+          <a:effectRef idx="0">
+            <a:scrgbClr r="0" g="0" b="0"/>
+          </a:effectRef>
+          <a:fontRef idx="minor">
+            <a:schemeClr val="lt1"/>
+          </a:fontRef>
+        </p:style>
+        <p:txBody>
+          <a:bodyPr wrap="none" anchor="b">
+            <a:normAutofit/>
+          </a:bodyPr>
+          <a:lstStyle/>
+          <a:p>
+            <a:pPr algn="ctr"/>
+            <a:r>
+              <a:rPr kumimoji="1" lang="ja-JP" altLang="en-US" sz="2800" dirty="0"/>
+              <a:t>モデルの設計</a:t>
+            </a:r>
+            <a:endParaRPr lang="ja-JP" altLang="en-US" sz="2800" dirty="0"/>
+          </a:p>
+        </p:txBody>
+      </p:sp>
+      <p:pic>
+        <p:nvPicPr>
+          <p:cNvPr id="3074" name="Picture 2" descr="若い大工のイラスト">
+            <a:extLst>
+              <a:ext uri="{FF2B5EF4-FFF2-40B4-BE49-F238E27FC236}">
+                <a16:creationId xmlns:a16="http://schemas.microsoft.com/office/drawing/2014/main" id="{4FE1C6A3-41D5-4033-995E-933D28C73625}"/>
+              </a:ext>
+            </a:extLst>
+          </p:cNvPr>
+          <p:cNvPicPr>
+            <a:picLocks noChangeAspect="1" noChangeArrowheads="1"/>
+          </p:cNvPicPr>
+          <p:nvPr/>
+        </p:nvPicPr>
+        <p:blipFill>
+          <a:blip r:embed="rId3">
+            <a:extLst>
+              <a:ext uri="{28A0092B-C50C-407E-A947-70E740481C1C}">
+                <a14:useLocalDpi xmlns:a14="http://schemas.microsoft.com/office/drawing/2010/main" val="0"/>
+              </a:ext>
+            </a:extLst>
+          </a:blip>
+          <a:srcRect/>
+          <a:stretch>
+            <a:fillRect/>
+          </a:stretch>
+        </p:blipFill>
+        <p:spPr bwMode="auto">
+          <a:xfrm>
+            <a:off x="1651363" y="2168881"/>
+            <a:ext cx="1227606" cy="1391493"/>
+          </a:xfrm>
+          <a:prstGeom prst="rect">
+            <a:avLst/>
+          </a:prstGeom>
+          <a:noFill/>
+          <a:extLst>
+            <a:ext uri="{909E8E84-426E-40DD-AFC4-6F175D3DCCD1}">
+              <a14:hiddenFill xmlns:a14="http://schemas.microsoft.com/office/drawing/2010/main">
+                <a:solidFill>
+                  <a:srgbClr val="FFFFFF"/>
+                </a:solidFill>
+              </a14:hiddenFill>
+            </a:ext>
+          </a:extLst>
+        </p:spPr>
+      </p:pic>
+      <p:pic>
+        <p:nvPicPr>
+          <p:cNvPr id="3076" name="Picture 4" descr="ふき取り検査のイラスト">
+            <a:extLst>
+              <a:ext uri="{FF2B5EF4-FFF2-40B4-BE49-F238E27FC236}">
+                <a16:creationId xmlns:a16="http://schemas.microsoft.com/office/drawing/2014/main" id="{D398D5F1-A0CB-40EE-9AD5-C53D489094DE}"/>
+              </a:ext>
+            </a:extLst>
+          </p:cNvPr>
+          <p:cNvPicPr>
+            <a:picLocks noChangeAspect="1" noChangeArrowheads="1"/>
+          </p:cNvPicPr>
+          <p:nvPr/>
+        </p:nvPicPr>
+        <p:blipFill>
+          <a:blip r:embed="rId4">
+            <a:extLst>
+              <a:ext uri="{28A0092B-C50C-407E-A947-70E740481C1C}">
+                <a14:useLocalDpi xmlns:a14="http://schemas.microsoft.com/office/drawing/2010/main" val="0"/>
+              </a:ext>
+            </a:extLst>
+          </a:blip>
+          <a:srcRect/>
+          <a:stretch>
+            <a:fillRect/>
+          </a:stretch>
+        </p:blipFill>
+        <p:spPr bwMode="auto">
+          <a:xfrm>
+            <a:off x="6084898" y="1917175"/>
+            <a:ext cx="1443249" cy="1654154"/>
+          </a:xfrm>
+          <a:prstGeom prst="rect">
+            <a:avLst/>
+          </a:prstGeom>
+          <a:noFill/>
+          <a:extLst>
+            <a:ext uri="{909E8E84-426E-40DD-AFC4-6F175D3DCCD1}">
+              <a14:hiddenFill xmlns:a14="http://schemas.microsoft.com/office/drawing/2010/main">
+                <a:solidFill>
+                  <a:srgbClr val="FFFFFF"/>
+                </a:solidFill>
+              </a14:hiddenFill>
+            </a:ext>
+          </a:extLst>
+        </p:spPr>
+      </p:pic>
+      <p:sp>
+        <p:nvSpPr>
+          <p:cNvPr id="8" name="正方形/長方形 7">
+            <a:extLst>
+              <a:ext uri="{FF2B5EF4-FFF2-40B4-BE49-F238E27FC236}">
+                <a16:creationId xmlns:a16="http://schemas.microsoft.com/office/drawing/2014/main" id="{B037D337-96C1-4786-9FE5-752F95D2CD04}"/>
+              </a:ext>
+            </a:extLst>
+          </p:cNvPr>
+          <p:cNvSpPr/>
+          <p:nvPr/>
+        </p:nvSpPr>
+        <p:spPr>
+          <a:xfrm>
+            <a:off x="5681981" y="3724556"/>
+            <a:ext cx="2139246" cy="616966"/>
+          </a:xfrm>
+          <a:prstGeom prst="rect">
+            <a:avLst/>
+          </a:prstGeom>
+          <a:noFill/>
+          <a:ln w="9525" cap="flat" cmpd="sng" algn="ctr">
+            <a:solidFill>
+              <a:schemeClr val="accent1"/>
+            </a:solidFill>
+            <a:prstDash val="solid"/>
+            <a:round/>
+            <a:headEnd type="none" w="med" len="med"/>
+            <a:tailEnd type="none" w="med" len="med"/>
+          </a:ln>
+        </p:spPr>
+        <p:style>
+          <a:lnRef idx="0">
+            <a:scrgbClr r="0" g="0" b="0"/>
+          </a:lnRef>
+          <a:fillRef idx="0">
+            <a:scrgbClr r="0" g="0" b="0"/>
+          </a:fillRef>
+          <a:effectRef idx="0">
+            <a:scrgbClr r="0" g="0" b="0"/>
+          </a:effectRef>
+          <a:fontRef idx="minor">
+            <a:schemeClr val="accent1"/>
+          </a:fontRef>
+        </p:style>
+        <p:txBody>
+          <a:bodyPr wrap="none" anchor="b">
+            <a:normAutofit/>
+          </a:bodyPr>
+          <a:lstStyle/>
+          <a:p>
+            <a:pPr algn="ctr"/>
+            <a:r>
+              <a:rPr lang="ja-JP" altLang="en-US" sz="2800" dirty="0"/>
+              <a:t>性能の測定</a:t>
+            </a:r>
+          </a:p>
+        </p:txBody>
+      </p:sp>
+      <p:sp>
+        <p:nvSpPr>
+          <p:cNvPr id="6" name="矢印: ストライプ 5">
+            <a:extLst>
+              <a:ext uri="{FF2B5EF4-FFF2-40B4-BE49-F238E27FC236}">
+                <a16:creationId xmlns:a16="http://schemas.microsoft.com/office/drawing/2014/main" id="{DB0368A3-D52E-4D8B-AE27-417C4094B8EA}"/>
+              </a:ext>
+            </a:extLst>
+          </p:cNvPr>
+          <p:cNvSpPr/>
+          <p:nvPr/>
+        </p:nvSpPr>
+        <p:spPr>
+          <a:xfrm>
+            <a:off x="4062439" y="3249990"/>
+            <a:ext cx="1096211" cy="620767"/>
+          </a:xfrm>
+          <a:prstGeom prst="stripedRightArrow">
+            <a:avLst/>
+          </a:prstGeom>
+          <a:solidFill>
+            <a:schemeClr val="accent1"/>
+          </a:solidFill>
+          <a:ln>
+            <a:noFill/>
+          </a:ln>
+        </p:spPr>
+        <p:style>
+          <a:lnRef idx="0">
+            <a:scrgbClr r="0" g="0" b="0"/>
+          </a:lnRef>
+          <a:fillRef idx="0">
+            <a:scrgbClr r="0" g="0" b="0"/>
+          </a:fillRef>
+          <a:effectRef idx="0">
+            <a:scrgbClr r="0" g="0" b="0"/>
+          </a:effectRef>
+          <a:fontRef idx="minor">
+            <a:schemeClr val="lt1"/>
+          </a:fontRef>
+        </p:style>
+        <p:txBody>
+          <a:bodyPr rtlCol="0" anchor="ctr"/>
+          <a:lstStyle/>
+          <a:p>
+            <a:pPr algn="ctr"/>
+            <a:endParaRPr kumimoji="1" lang="ja-JP" altLang="en-US"/>
+          </a:p>
+        </p:txBody>
+      </p:sp>
+      <p:sp>
+        <p:nvSpPr>
+          <p:cNvPr id="7" name="正方形/長方形 6">
+            <a:extLst>
+              <a:ext uri="{FF2B5EF4-FFF2-40B4-BE49-F238E27FC236}">
+                <a16:creationId xmlns:a16="http://schemas.microsoft.com/office/drawing/2014/main" id="{F1E0657F-7749-43CE-8D80-2FB566B1B4D0}"/>
+              </a:ext>
+            </a:extLst>
+          </p:cNvPr>
+          <p:cNvSpPr/>
+          <p:nvPr/>
+        </p:nvSpPr>
+        <p:spPr>
+          <a:xfrm>
+            <a:off x="3710225" y="2664572"/>
+            <a:ext cx="1723549" cy="400110"/>
+          </a:xfrm>
+          <a:prstGeom prst="rect">
+            <a:avLst/>
+          </a:prstGeom>
+        </p:spPr>
+        <p:txBody>
+          <a:bodyPr wrap="none">
+            <a:spAutoFit/>
+          </a:bodyPr>
+          <a:lstStyle/>
+          <a:p>
+            <a:r>
+              <a:rPr lang="ja-JP" altLang="en-US" sz="2000" dirty="0"/>
+              <a:t>長い学習時間</a:t>
+            </a:r>
+            <a:endParaRPr lang="en-US" altLang="ja-JP" sz="2000" dirty="0"/>
+          </a:p>
+        </p:txBody>
+      </p:sp>
+      <p:sp>
+        <p:nvSpPr>
+          <p:cNvPr id="12" name="コンテンツ プレースホルダー 2">
+            <a:extLst>
+              <a:ext uri="{FF2B5EF4-FFF2-40B4-BE49-F238E27FC236}">
+                <a16:creationId xmlns:a16="http://schemas.microsoft.com/office/drawing/2014/main" id="{06B507E2-203E-43A0-9D6D-F7CE120F01D4}"/>
+              </a:ext>
+            </a:extLst>
+          </p:cNvPr>
+          <p:cNvSpPr>
+            <a:spLocks noGrp="1"/>
+          </p:cNvSpPr>
+          <p:nvPr>
+            <p:ph idx="1"/>
+          </p:nvPr>
+        </p:nvSpPr>
+        <p:spPr>
+          <a:xfrm>
+            <a:off x="822959" y="4891596"/>
+            <a:ext cx="7543801" cy="1301378"/>
+          </a:xfrm>
+        </p:spPr>
+        <p:txBody>
+          <a:bodyPr/>
+          <a:lstStyle/>
+          <a:p>
+            <a:pPr lvl="1"/>
+            <a:r>
+              <a:rPr lang="ja-JP" altLang="en-US" dirty="0"/>
+              <a:t>人による作業</a:t>
+            </a:r>
+          </a:p>
+          <a:p>
+            <a:pPr lvl="1"/>
+            <a:r>
+              <a:rPr lang="ja-JP" altLang="en-US" dirty="0"/>
+              <a:t>学習に時間がかかる</a:t>
+            </a:r>
+            <a:endParaRPr lang="en-US" altLang="ja-JP" dirty="0"/>
+          </a:p>
+        </p:txBody>
+      </p:sp>
+    </p:spTree>
+    <p:extLst>
+      <p:ext uri="{BB962C8B-B14F-4D97-AF65-F5344CB8AC3E}">
+        <p14:creationId xmlns:p14="http://schemas.microsoft.com/office/powerpoint/2010/main" val="1229011820"/>
+      </p:ext>
+    </p:extLst>
+  </p:cSld>
+  <p:clrMapOvr>
+    <a:masterClrMapping/>
+  </p:clrMapOvr>
+  <mc:AlternateContent xmlns:mc="http://schemas.openxmlformats.org/markup-compatibility/2006">
+    <mc:Choice xmlns:p14="http://schemas.microsoft.com/office/powerpoint/2010/main" Requires="p14">
+      <p:transition spd="slow" p14:dur="2000" advTm="9422"/>
+    </mc:Choice>
+    <mc:Fallback>
+      <p:transition spd="slow" advTm="9422"/>
+    </mc:Fallback>
+  </mc:AlternateContent>
+</p:sld>
+</file>
+
+<file path=ppt/slides/slide50.xml><?xml version="1.0" encoding="utf-8"?>
 <p:sld xmlns:a="http://schemas.openxmlformats.org/drawingml/2006/main" xmlns:r="http://schemas.openxmlformats.org/officeDocument/2006/relationships" xmlns:p="http://schemas.openxmlformats.org/presentationml/2006/main">
   <p:cSld>
     <p:spTree>
@@ -30745,7 +32454,7 @@
           <a:p>
             <a:fld id="{304739FC-810C-4CDC-B60F-21F1951FBC64}" type="slidenum">
               <a:rPr kumimoji="1" lang="ja-JP" altLang="en-US" smtClean="0"/>
-              <a:t>49</a:t>
+              <a:t>50</a:t>
             </a:fld>
             <a:endParaRPr kumimoji="1" lang="ja-JP" altLang="en-US"/>
           </a:p>
@@ -31057,440 +32766,7 @@
 </p:sld>
 </file>
 
-<file path=ppt/slides/slide5.xml><?xml version="1.0" encoding="utf-8"?>
-<p:sld xmlns:a="http://schemas.openxmlformats.org/drawingml/2006/main" xmlns:r="http://schemas.openxmlformats.org/officeDocument/2006/relationships" xmlns:p="http://schemas.openxmlformats.org/presentationml/2006/main">
-  <p:cSld>
-    <p:spTree>
-      <p:nvGrpSpPr>
-        <p:cNvPr id="1" name=""/>
-        <p:cNvGrpSpPr/>
-        <p:nvPr/>
-      </p:nvGrpSpPr>
-      <p:grpSpPr>
-        <a:xfrm>
-          <a:off x="0" y="0"/>
-          <a:ext cx="0" cy="0"/>
-          <a:chOff x="0" y="0"/>
-          <a:chExt cx="0" cy="0"/>
-        </a:xfrm>
-      </p:grpSpPr>
-      <p:sp>
-        <p:nvSpPr>
-          <p:cNvPr id="2" name="タイトル 1">
-            <a:extLst>
-              <a:ext uri="{FF2B5EF4-FFF2-40B4-BE49-F238E27FC236}">
-                <a16:creationId xmlns:a16="http://schemas.microsoft.com/office/drawing/2014/main" id="{7DC54766-522D-4A36-9F3D-27B28C68CF96}"/>
-              </a:ext>
-            </a:extLst>
-          </p:cNvPr>
-          <p:cNvSpPr>
-            <a:spLocks noGrp="1"/>
-          </p:cNvSpPr>
-          <p:nvPr>
-            <p:ph type="title"/>
-          </p:nvPr>
-        </p:nvSpPr>
-        <p:spPr/>
-        <p:txBody>
-          <a:bodyPr>
-            <a:normAutofit/>
-          </a:bodyPr>
-          <a:lstStyle/>
-          <a:p>
-            <a:r>
-              <a:rPr kumimoji="1" lang="ja-JP" altLang="en-US" dirty="0"/>
-              <a:t>アーキテクチャ設計の難しさ</a:t>
-            </a:r>
-          </a:p>
-        </p:txBody>
-      </p:sp>
-      <p:sp>
-        <p:nvSpPr>
-          <p:cNvPr id="4" name="スライド番号プレースホルダー 3">
-            <a:extLst>
-              <a:ext uri="{FF2B5EF4-FFF2-40B4-BE49-F238E27FC236}">
-                <a16:creationId xmlns:a16="http://schemas.microsoft.com/office/drawing/2014/main" id="{E584AA1A-0C06-4BBA-B90E-C4C5D7199DB9}"/>
-              </a:ext>
-            </a:extLst>
-          </p:cNvPr>
-          <p:cNvSpPr>
-            <a:spLocks noGrp="1"/>
-          </p:cNvSpPr>
-          <p:nvPr>
-            <p:ph type="sldNum" sz="quarter" idx="12"/>
-          </p:nvPr>
-        </p:nvSpPr>
-        <p:spPr/>
-        <p:txBody>
-          <a:bodyPr/>
-          <a:lstStyle/>
-          <a:p>
-            <a:fld id="{304739FC-810C-4CDC-B60F-21F1951FBC64}" type="slidenum">
-              <a:rPr kumimoji="1" lang="ja-JP" altLang="en-US" smtClean="0"/>
-              <a:t>5</a:t>
-            </a:fld>
-            <a:endParaRPr kumimoji="1" lang="ja-JP" altLang="en-US"/>
-          </a:p>
-        </p:txBody>
-      </p:sp>
-      <p:sp>
-        <p:nvSpPr>
-          <p:cNvPr id="5" name="正方形/長方形 4">
-            <a:extLst>
-              <a:ext uri="{FF2B5EF4-FFF2-40B4-BE49-F238E27FC236}">
-                <a16:creationId xmlns:a16="http://schemas.microsoft.com/office/drawing/2014/main" id="{F9476C83-44DD-4C44-9E36-472E15ABE586}"/>
-              </a:ext>
-            </a:extLst>
-          </p:cNvPr>
-          <p:cNvSpPr/>
-          <p:nvPr/>
-        </p:nvSpPr>
-        <p:spPr>
-          <a:xfrm>
-            <a:off x="941727" y="3724556"/>
-            <a:ext cx="2492990" cy="620767"/>
-          </a:xfrm>
-          <a:prstGeom prst="rect">
-            <a:avLst/>
-          </a:prstGeom>
-          <a:solidFill>
-            <a:schemeClr val="accent1"/>
-          </a:solidFill>
-          <a:ln>
-            <a:noFill/>
-          </a:ln>
-        </p:spPr>
-        <p:style>
-          <a:lnRef idx="0">
-            <a:scrgbClr r="0" g="0" b="0"/>
-          </a:lnRef>
-          <a:fillRef idx="0">
-            <a:scrgbClr r="0" g="0" b="0"/>
-          </a:fillRef>
-          <a:effectRef idx="0">
-            <a:scrgbClr r="0" g="0" b="0"/>
-          </a:effectRef>
-          <a:fontRef idx="minor">
-            <a:schemeClr val="lt1"/>
-          </a:fontRef>
-        </p:style>
-        <p:txBody>
-          <a:bodyPr wrap="none" anchor="b">
-            <a:normAutofit/>
-          </a:bodyPr>
-          <a:lstStyle/>
-          <a:p>
-            <a:pPr algn="ctr"/>
-            <a:r>
-              <a:rPr kumimoji="1" lang="ja-JP" altLang="en-US" sz="2800" dirty="0"/>
-              <a:t>モデルの設計</a:t>
-            </a:r>
-            <a:endParaRPr lang="ja-JP" altLang="en-US" sz="2800" dirty="0"/>
-          </a:p>
-        </p:txBody>
-      </p:sp>
-      <p:pic>
-        <p:nvPicPr>
-          <p:cNvPr id="3074" name="Picture 2" descr="若い大工のイラスト">
-            <a:extLst>
-              <a:ext uri="{FF2B5EF4-FFF2-40B4-BE49-F238E27FC236}">
-                <a16:creationId xmlns:a16="http://schemas.microsoft.com/office/drawing/2014/main" id="{4FE1C6A3-41D5-4033-995E-933D28C73625}"/>
-              </a:ext>
-            </a:extLst>
-          </p:cNvPr>
-          <p:cNvPicPr>
-            <a:picLocks noChangeAspect="1" noChangeArrowheads="1"/>
-          </p:cNvPicPr>
-          <p:nvPr/>
-        </p:nvPicPr>
-        <p:blipFill>
-          <a:blip r:embed="rId3">
-            <a:extLst>
-              <a:ext uri="{28A0092B-C50C-407E-A947-70E740481C1C}">
-                <a14:useLocalDpi xmlns:a14="http://schemas.microsoft.com/office/drawing/2010/main" val="0"/>
-              </a:ext>
-            </a:extLst>
-          </a:blip>
-          <a:srcRect/>
-          <a:stretch>
-            <a:fillRect/>
-          </a:stretch>
-        </p:blipFill>
-        <p:spPr bwMode="auto">
-          <a:xfrm>
-            <a:off x="1651363" y="2168881"/>
-            <a:ext cx="1227606" cy="1391493"/>
-          </a:xfrm>
-          <a:prstGeom prst="rect">
-            <a:avLst/>
-          </a:prstGeom>
-          <a:noFill/>
-          <a:extLst>
-            <a:ext uri="{909E8E84-426E-40DD-AFC4-6F175D3DCCD1}">
-              <a14:hiddenFill xmlns:a14="http://schemas.microsoft.com/office/drawing/2010/main">
-                <a:solidFill>
-                  <a:srgbClr val="FFFFFF"/>
-                </a:solidFill>
-              </a14:hiddenFill>
-            </a:ext>
-          </a:extLst>
-        </p:spPr>
-      </p:pic>
-      <p:pic>
-        <p:nvPicPr>
-          <p:cNvPr id="3076" name="Picture 4" descr="ふき取り検査のイラスト">
-            <a:extLst>
-              <a:ext uri="{FF2B5EF4-FFF2-40B4-BE49-F238E27FC236}">
-                <a16:creationId xmlns:a16="http://schemas.microsoft.com/office/drawing/2014/main" id="{D398D5F1-A0CB-40EE-9AD5-C53D489094DE}"/>
-              </a:ext>
-            </a:extLst>
-          </p:cNvPr>
-          <p:cNvPicPr>
-            <a:picLocks noChangeAspect="1" noChangeArrowheads="1"/>
-          </p:cNvPicPr>
-          <p:nvPr/>
-        </p:nvPicPr>
-        <p:blipFill>
-          <a:blip r:embed="rId4">
-            <a:extLst>
-              <a:ext uri="{28A0092B-C50C-407E-A947-70E740481C1C}">
-                <a14:useLocalDpi xmlns:a14="http://schemas.microsoft.com/office/drawing/2010/main" val="0"/>
-              </a:ext>
-            </a:extLst>
-          </a:blip>
-          <a:srcRect/>
-          <a:stretch>
-            <a:fillRect/>
-          </a:stretch>
-        </p:blipFill>
-        <p:spPr bwMode="auto">
-          <a:xfrm>
-            <a:off x="6084898" y="1917175"/>
-            <a:ext cx="1443249" cy="1654154"/>
-          </a:xfrm>
-          <a:prstGeom prst="rect">
-            <a:avLst/>
-          </a:prstGeom>
-          <a:noFill/>
-          <a:extLst>
-            <a:ext uri="{909E8E84-426E-40DD-AFC4-6F175D3DCCD1}">
-              <a14:hiddenFill xmlns:a14="http://schemas.microsoft.com/office/drawing/2010/main">
-                <a:solidFill>
-                  <a:srgbClr val="FFFFFF"/>
-                </a:solidFill>
-              </a14:hiddenFill>
-            </a:ext>
-          </a:extLst>
-        </p:spPr>
-      </p:pic>
-      <p:sp>
-        <p:nvSpPr>
-          <p:cNvPr id="8" name="正方形/長方形 7">
-            <a:extLst>
-              <a:ext uri="{FF2B5EF4-FFF2-40B4-BE49-F238E27FC236}">
-                <a16:creationId xmlns:a16="http://schemas.microsoft.com/office/drawing/2014/main" id="{B037D337-96C1-4786-9FE5-752F95D2CD04}"/>
-              </a:ext>
-            </a:extLst>
-          </p:cNvPr>
-          <p:cNvSpPr/>
-          <p:nvPr/>
-        </p:nvSpPr>
-        <p:spPr>
-          <a:xfrm>
-            <a:off x="5681981" y="3724556"/>
-            <a:ext cx="2139246" cy="616966"/>
-          </a:xfrm>
-          <a:prstGeom prst="rect">
-            <a:avLst/>
-          </a:prstGeom>
-          <a:noFill/>
-          <a:ln w="9525" cap="flat" cmpd="sng" algn="ctr">
-            <a:solidFill>
-              <a:schemeClr val="accent1"/>
-            </a:solidFill>
-            <a:prstDash val="solid"/>
-            <a:round/>
-            <a:headEnd type="none" w="med" len="med"/>
-            <a:tailEnd type="none" w="med" len="med"/>
-          </a:ln>
-        </p:spPr>
-        <p:style>
-          <a:lnRef idx="0">
-            <a:scrgbClr r="0" g="0" b="0"/>
-          </a:lnRef>
-          <a:fillRef idx="0">
-            <a:scrgbClr r="0" g="0" b="0"/>
-          </a:fillRef>
-          <a:effectRef idx="0">
-            <a:scrgbClr r="0" g="0" b="0"/>
-          </a:effectRef>
-          <a:fontRef idx="minor">
-            <a:schemeClr val="accent1"/>
-          </a:fontRef>
-        </p:style>
-        <p:txBody>
-          <a:bodyPr wrap="none" anchor="b">
-            <a:normAutofit/>
-          </a:bodyPr>
-          <a:lstStyle/>
-          <a:p>
-            <a:pPr algn="ctr"/>
-            <a:r>
-              <a:rPr lang="ja-JP" altLang="en-US" sz="2800" dirty="0"/>
-              <a:t>性能の測定</a:t>
-            </a:r>
-          </a:p>
-        </p:txBody>
-      </p:sp>
-      <p:sp>
-        <p:nvSpPr>
-          <p:cNvPr id="6" name="矢印: ストライプ 5">
-            <a:extLst>
-              <a:ext uri="{FF2B5EF4-FFF2-40B4-BE49-F238E27FC236}">
-                <a16:creationId xmlns:a16="http://schemas.microsoft.com/office/drawing/2014/main" id="{DB0368A3-D52E-4D8B-AE27-417C4094B8EA}"/>
-              </a:ext>
-            </a:extLst>
-          </p:cNvPr>
-          <p:cNvSpPr/>
-          <p:nvPr/>
-        </p:nvSpPr>
-        <p:spPr>
-          <a:xfrm>
-            <a:off x="4062439" y="3249990"/>
-            <a:ext cx="1096211" cy="620767"/>
-          </a:xfrm>
-          <a:prstGeom prst="stripedRightArrow">
-            <a:avLst/>
-          </a:prstGeom>
-          <a:solidFill>
-            <a:schemeClr val="accent1"/>
-          </a:solidFill>
-          <a:ln>
-            <a:noFill/>
-          </a:ln>
-        </p:spPr>
-        <p:style>
-          <a:lnRef idx="0">
-            <a:scrgbClr r="0" g="0" b="0"/>
-          </a:lnRef>
-          <a:fillRef idx="0">
-            <a:scrgbClr r="0" g="0" b="0"/>
-          </a:fillRef>
-          <a:effectRef idx="0">
-            <a:scrgbClr r="0" g="0" b="0"/>
-          </a:effectRef>
-          <a:fontRef idx="minor">
-            <a:schemeClr val="lt1"/>
-          </a:fontRef>
-        </p:style>
-        <p:txBody>
-          <a:bodyPr rtlCol="0" anchor="ctr"/>
-          <a:lstStyle/>
-          <a:p>
-            <a:pPr algn="ctr"/>
-            <a:endParaRPr kumimoji="1" lang="ja-JP" altLang="en-US"/>
-          </a:p>
-        </p:txBody>
-      </p:sp>
-      <p:sp>
-        <p:nvSpPr>
-          <p:cNvPr id="7" name="正方形/長方形 6">
-            <a:extLst>
-              <a:ext uri="{FF2B5EF4-FFF2-40B4-BE49-F238E27FC236}">
-                <a16:creationId xmlns:a16="http://schemas.microsoft.com/office/drawing/2014/main" id="{F1E0657F-7749-43CE-8D80-2FB566B1B4D0}"/>
-              </a:ext>
-            </a:extLst>
-          </p:cNvPr>
-          <p:cNvSpPr/>
-          <p:nvPr/>
-        </p:nvSpPr>
-        <p:spPr>
-          <a:xfrm>
-            <a:off x="3710225" y="2664572"/>
-            <a:ext cx="1723549" cy="400110"/>
-          </a:xfrm>
-          <a:prstGeom prst="rect">
-            <a:avLst/>
-          </a:prstGeom>
-        </p:spPr>
-        <p:txBody>
-          <a:bodyPr wrap="none">
-            <a:spAutoFit/>
-          </a:bodyPr>
-          <a:lstStyle/>
-          <a:p>
-            <a:r>
-              <a:rPr lang="ja-JP" altLang="en-US" sz="2000" dirty="0"/>
-              <a:t>長い学習時間</a:t>
-            </a:r>
-            <a:endParaRPr lang="en-US" altLang="ja-JP" sz="2000" dirty="0"/>
-          </a:p>
-        </p:txBody>
-      </p:sp>
-      <p:sp>
-        <p:nvSpPr>
-          <p:cNvPr id="12" name="コンテンツ プレースホルダー 2">
-            <a:extLst>
-              <a:ext uri="{FF2B5EF4-FFF2-40B4-BE49-F238E27FC236}">
-                <a16:creationId xmlns:a16="http://schemas.microsoft.com/office/drawing/2014/main" id="{06B507E2-203E-43A0-9D6D-F7CE120F01D4}"/>
-              </a:ext>
-            </a:extLst>
-          </p:cNvPr>
-          <p:cNvSpPr>
-            <a:spLocks noGrp="1"/>
-          </p:cNvSpPr>
-          <p:nvPr>
-            <p:ph idx="1"/>
-          </p:nvPr>
-        </p:nvSpPr>
-        <p:spPr>
-          <a:xfrm>
-            <a:off x="822959" y="4891596"/>
-            <a:ext cx="7543801" cy="1301378"/>
-          </a:xfrm>
-        </p:spPr>
-        <p:txBody>
-          <a:bodyPr/>
-          <a:lstStyle/>
-          <a:p>
-            <a:pPr lvl="1"/>
-            <a:r>
-              <a:rPr lang="ja-JP" altLang="en-US" dirty="0"/>
-              <a:t>人による作業</a:t>
-            </a:r>
-          </a:p>
-          <a:p>
-            <a:pPr lvl="1"/>
-            <a:r>
-              <a:rPr lang="ja-JP" altLang="en-US" dirty="0"/>
-              <a:t>学習に時間がかかる</a:t>
-            </a:r>
-            <a:endParaRPr lang="en-US" altLang="ja-JP" dirty="0"/>
-          </a:p>
-        </p:txBody>
-      </p:sp>
-    </p:spTree>
-    <p:extLst>
-      <p:ext uri="{BB962C8B-B14F-4D97-AF65-F5344CB8AC3E}">
-        <p14:creationId xmlns:p14="http://schemas.microsoft.com/office/powerpoint/2010/main" val="1229011820"/>
-      </p:ext>
-    </p:extLst>
-  </p:cSld>
-  <p:clrMapOvr>
-    <a:masterClrMapping/>
-  </p:clrMapOvr>
-  <mc:AlternateContent xmlns:mc="http://schemas.openxmlformats.org/markup-compatibility/2006">
-    <mc:Choice xmlns:p14="http://schemas.microsoft.com/office/powerpoint/2010/main" Requires="p14">
-      <p:transition spd="slow" p14:dur="2000" advTm="9422"/>
-    </mc:Choice>
-    <mc:Fallback>
-      <p:transition spd="slow" advTm="9422"/>
-    </mc:Fallback>
-  </mc:AlternateContent>
-</p:sld>
-</file>
-
-<file path=ppt/slides/slide50.xml><?xml version="1.0" encoding="utf-8"?>
+<file path=ppt/slides/slide51.xml><?xml version="1.0" encoding="utf-8"?>
 <p:sld xmlns:a="http://schemas.openxmlformats.org/drawingml/2006/main" xmlns:r="http://schemas.openxmlformats.org/officeDocument/2006/relationships" xmlns:p="http://schemas.openxmlformats.org/presentationml/2006/main" show="0">
   <p:cSld>
     <p:spTree>
@@ -31600,7 +32876,7 @@
           <a:p>
             <a:fld id="{304739FC-810C-4CDC-B60F-21F1951FBC64}" type="slidenum">
               <a:rPr kumimoji="1" lang="ja-JP" altLang="en-US" smtClean="0"/>
-              <a:t>50</a:t>
+              <a:t>51</a:t>
             </a:fld>
             <a:endParaRPr kumimoji="1" lang="ja-JP" altLang="en-US"/>
           </a:p>
@@ -31674,7 +32950,7 @@
 </p:sld>
 </file>
 
-<file path=ppt/slides/slide51.xml><?xml version="1.0" encoding="utf-8"?>
+<file path=ppt/slides/slide52.xml><?xml version="1.0" encoding="utf-8"?>
 <p:sld xmlns:a="http://schemas.openxmlformats.org/drawingml/2006/main" xmlns:r="http://schemas.openxmlformats.org/officeDocument/2006/relationships" xmlns:p="http://schemas.openxmlformats.org/presentationml/2006/main">
   <p:cSld>
     <p:spTree>
@@ -31754,7 +33030,7 @@
           <a:p>
             <a:fld id="{304739FC-810C-4CDC-B60F-21F1951FBC64}" type="slidenum">
               <a:rPr kumimoji="1" lang="ja-JP" altLang="en-US" smtClean="0"/>
-              <a:t>51</a:t>
+              <a:t>52</a:t>
             </a:fld>
             <a:endParaRPr kumimoji="1" lang="ja-JP" altLang="en-US"/>
           </a:p>
@@ -31883,7 +33159,7 @@
 </p:sld>
 </file>
 
-<file path=ppt/slides/slide52.xml><?xml version="1.0" encoding="utf-8"?>
+<file path=ppt/slides/slide53.xml><?xml version="1.0" encoding="utf-8"?>
 <p:sld xmlns:a="http://schemas.openxmlformats.org/drawingml/2006/main" xmlns:r="http://schemas.openxmlformats.org/officeDocument/2006/relationships" xmlns:p="http://schemas.openxmlformats.org/presentationml/2006/main" show="0">
   <p:cSld>
     <p:spTree>
@@ -31995,7 +33271,7 @@
           <a:p>
             <a:fld id="{304739FC-810C-4CDC-B60F-21F1951FBC64}" type="slidenum">
               <a:rPr kumimoji="1" lang="ja-JP" altLang="en-US" smtClean="0"/>
-              <a:t>52</a:t>
+              <a:t>53</a:t>
             </a:fld>
             <a:endParaRPr kumimoji="1" lang="ja-JP" altLang="en-US"/>
           </a:p>
@@ -33613,7 +34889,7 @@
 </p:sld>
 </file>
 
-<file path=ppt/slides/slide53.xml><?xml version="1.0" encoding="utf-8"?>
+<file path=ppt/slides/slide54.xml><?xml version="1.0" encoding="utf-8"?>
 <p:sld xmlns:a="http://schemas.openxmlformats.org/drawingml/2006/main" xmlns:r="http://schemas.openxmlformats.org/officeDocument/2006/relationships" xmlns:p="http://schemas.openxmlformats.org/presentationml/2006/main" show="0">
   <p:cSld>
     <p:spTree>
@@ -33693,7 +34969,7 @@
           <a:p>
             <a:fld id="{304739FC-810C-4CDC-B60F-21F1951FBC64}" type="slidenum">
               <a:rPr kumimoji="1" lang="ja-JP" altLang="en-US" smtClean="0"/>
-              <a:t>53</a:t>
+              <a:t>54</a:t>
             </a:fld>
             <a:endParaRPr kumimoji="1" lang="ja-JP" altLang="en-US"/>
           </a:p>
@@ -33748,7 +35024,7 @@
 </p:sld>
 </file>
 
-<file path=ppt/slides/slide54.xml><?xml version="1.0" encoding="utf-8"?>
+<file path=ppt/slides/slide55.xml><?xml version="1.0" encoding="utf-8"?>
 <p:sld xmlns:a="http://schemas.openxmlformats.org/drawingml/2006/main" xmlns:r="http://schemas.openxmlformats.org/officeDocument/2006/relationships" xmlns:p="http://schemas.openxmlformats.org/presentationml/2006/main">
   <p:cSld>
     <p:spTree>
@@ -33877,7 +35153,7 @@
                   </a:schemeClr>
                 </a:solidFill>
               </a:rPr>
-              <a:t>問題</a:t>
+              <a:t>問題設定</a:t>
             </a:r>
             <a:endParaRPr lang="en-US" altLang="ja-JP" dirty="0">
               <a:solidFill>
@@ -33971,7 +35247,7 @@
           <a:p>
             <a:fld id="{304739FC-810C-4CDC-B60F-21F1951FBC64}" type="slidenum">
               <a:rPr kumimoji="1" lang="ja-JP" altLang="en-US" smtClean="0"/>
-              <a:t>54</a:t>
+              <a:t>55</a:t>
             </a:fld>
             <a:endParaRPr kumimoji="1" lang="ja-JP" altLang="en-US"/>
           </a:p>
@@ -33998,7 +35274,7 @@
 </p:sld>
 </file>
 
-<file path=ppt/slides/slide55.xml><?xml version="1.0" encoding="utf-8"?>
+<file path=ppt/slides/slide56.xml><?xml version="1.0" encoding="utf-8"?>
 <p:sld xmlns:a="http://schemas.openxmlformats.org/drawingml/2006/main" xmlns:r="http://schemas.openxmlformats.org/officeDocument/2006/relationships" xmlns:p="http://schemas.openxmlformats.org/presentationml/2006/main">
   <p:cSld>
     <p:spTree>
@@ -34133,7 +35409,7 @@
           <a:p>
             <a:fld id="{304739FC-810C-4CDC-B60F-21F1951FBC64}" type="slidenum">
               <a:rPr kumimoji="1" lang="ja-JP" altLang="en-US" smtClean="0"/>
-              <a:t>55</a:t>
+              <a:t>56</a:t>
             </a:fld>
             <a:endParaRPr kumimoji="1" lang="ja-JP" altLang="en-US"/>
           </a:p>
@@ -34160,7 +35436,7 @@
 </p:sld>
 </file>
 
-<file path=ppt/slides/slide56.xml><?xml version="1.0" encoding="utf-8"?>
+<file path=ppt/slides/slide57.xml><?xml version="1.0" encoding="utf-8"?>
 <p:sld xmlns:a="http://schemas.openxmlformats.org/drawingml/2006/main" xmlns:r="http://schemas.openxmlformats.org/officeDocument/2006/relationships" xmlns:p="http://schemas.openxmlformats.org/presentationml/2006/main">
   <p:cSld>
     <p:spTree>
@@ -34300,7 +35576,7 @@
           <a:p>
             <a:fld id="{304739FC-810C-4CDC-B60F-21F1951FBC64}" type="slidenum">
               <a:rPr kumimoji="1" lang="ja-JP" altLang="en-US" smtClean="0"/>
-              <a:t>56</a:t>
+              <a:t>57</a:t>
             </a:fld>
             <a:endParaRPr kumimoji="1" lang="ja-JP" altLang="en-US"/>
           </a:p>
@@ -34327,7 +35603,7 @@
 </p:sld>
 </file>
 
-<file path=ppt/slides/slide57.xml><?xml version="1.0" encoding="utf-8"?>
+<file path=ppt/slides/slide58.xml><?xml version="1.0" encoding="utf-8"?>
 <p:sld xmlns:a="http://schemas.openxmlformats.org/drawingml/2006/main" xmlns:r="http://schemas.openxmlformats.org/officeDocument/2006/relationships" xmlns:p="http://schemas.openxmlformats.org/presentationml/2006/main">
   <p:cSld>
     <p:spTree>
@@ -34405,7 +35681,7 @@
           <a:p>
             <a:fld id="{304739FC-810C-4CDC-B60F-21F1951FBC64}" type="slidenum">
               <a:rPr kumimoji="1" lang="ja-JP" altLang="en-US" smtClean="0"/>
-              <a:t>57</a:t>
+              <a:t>58</a:t>
             </a:fld>
             <a:endParaRPr kumimoji="1" lang="ja-JP" altLang="en-US"/>
           </a:p>
@@ -34461,6 +35737,53 @@
           </a:p>
         </p:txBody>
       </p:sp>
+      <p:pic>
+        <p:nvPicPr>
+          <p:cNvPr id="25602" name="Picture 2" descr="神頼み">
+            <a:extLst>
+              <a:ext uri="{FF2B5EF4-FFF2-40B4-BE49-F238E27FC236}">
+                <a16:creationId xmlns:a16="http://schemas.microsoft.com/office/drawing/2014/main" id="{810E9118-4D65-4255-B57D-A3E08A78B70C}"/>
+              </a:ext>
+            </a:extLst>
+          </p:cNvPr>
+          <p:cNvPicPr>
+            <a:picLocks noChangeAspect="1" noChangeArrowheads="1"/>
+          </p:cNvPicPr>
+          <p:nvPr/>
+        </p:nvPicPr>
+        <p:blipFill>
+          <a:blip r:embed="rId2">
+            <a:extLst>
+              <a:ext uri="{28A0092B-C50C-407E-A947-70E740481C1C}">
+                <a14:useLocalDpi xmlns:a14="http://schemas.microsoft.com/office/drawing/2010/main" val="0"/>
+              </a:ext>
+            </a:extLst>
+          </a:blip>
+          <a:srcRect/>
+          <a:stretch>
+            <a:fillRect/>
+          </a:stretch>
+        </p:blipFill>
+        <p:spPr bwMode="auto">
+          <a:xfrm>
+            <a:off x="6488603" y="2420112"/>
+            <a:ext cx="2857500" cy="1905000"/>
+          </a:xfrm>
+          <a:prstGeom prst="rect">
+            <a:avLst/>
+          </a:prstGeom>
+          <a:noFill/>
+          <a:extLst>
+            <a:ext uri="{909E8E84-426E-40DD-AFC4-6F175D3DCCD1}">
+              <a14:hiddenFill xmlns:a14="http://schemas.microsoft.com/office/drawing/2010/main">
+                <a:solidFill>
+                  <a:srgbClr val="FFFFFF"/>
+                </a:solidFill>
+              </a14:hiddenFill>
+            </a:ext>
+          </a:extLst>
+        </p:spPr>
+      </p:pic>
     </p:spTree>
     <p:extLst>
       <p:ext uri="{BB962C8B-B14F-4D97-AF65-F5344CB8AC3E}">
@@ -34951,7 +36274,7 @@
             <a:pPr lvl="1"/>
             <a:r>
               <a:rPr kumimoji="1" lang="ja-JP" altLang="en-US" dirty="0"/>
-              <a:t>設計と性能の関係が不明</a:t>
+              <a:t>設計と性能の関係が不明瞭</a:t>
             </a:r>
           </a:p>
         </p:txBody>
@@ -35426,7 +36749,7 @@
                   </a:schemeClr>
                 </a:solidFill>
               </a:rPr>
-              <a:t>問題</a:t>
+              <a:t>問題設定</a:t>
             </a:r>
             <a:endParaRPr lang="en-US" altLang="ja-JP" dirty="0">
               <a:solidFill>

--- a/report/2020後期/2020_2nd_sugiyama.pptx
+++ b/report/2020後期/2020_2nd_sugiyama.pptx
@@ -4739,7 +4739,27 @@
             </a:r>
             <a:r>
               <a:rPr kumimoji="1" lang="ja-JP" altLang="en-US" dirty="0"/>
-              <a:t>の結果と比較すると</a:t>
+              <a:t>の結果と手法</a:t>
+            </a:r>
+            <a:r>
+              <a:rPr kumimoji="1" lang="en-US" altLang="ja-JP" dirty="0"/>
+              <a:t>A, </a:t>
+            </a:r>
+            <a:r>
+              <a:rPr kumimoji="1" lang="ja-JP" altLang="en-US" dirty="0"/>
+              <a:t>ランダム化</a:t>
+            </a:r>
+            <a:r>
+              <a:rPr kumimoji="1" lang="en-US" altLang="ja-JP" dirty="0"/>
+              <a:t>, VGG19</a:t>
+            </a:r>
+            <a:r>
+              <a:rPr kumimoji="1" lang="ja-JP" altLang="en-US"/>
+              <a:t>と比較</a:t>
+            </a:r>
+            <a:r>
+              <a:rPr kumimoji="1" lang="ja-JP" altLang="en-US" dirty="0"/>
+              <a:t>すると</a:t>
             </a:r>
             <a:r>
               <a:rPr kumimoji="1" lang="en-US" altLang="ja-JP" dirty="0"/>
@@ -11707,7 +11727,7 @@
           <a:graphicData uri="http://schemas.openxmlformats.org/presentationml/2006/ole">
             <mc:AlternateContent xmlns:mc="http://schemas.openxmlformats.org/markup-compatibility/2006">
               <mc:Choice xmlns:v="urn:schemas-microsoft-com:vml" Requires="v">
-                <p:oleObj spid="_x0000_s14387" name="ビットマップ イメージ" r:id="rId4" imgW="1800360" imgH="1800360" progId="Paint.Picture">
+                <p:oleObj spid="_x0000_s14388" name="ビットマップ イメージ" r:id="rId4" imgW="1800360" imgH="1800360" progId="Paint.Picture">
                   <p:embed/>
                 </p:oleObj>
               </mc:Choice>
